--- a/scripts/CAP512.pptx
+++ b/scripts/CAP512.pptx
@@ -5,19 +5,21 @@
     <p:sldMasterId id="2147483672" r:id="rId1"/>
   </p:sldMasterIdLst>
   <p:notesMasterIdLst>
-    <p:notesMasterId r:id="rId9"/>
+    <p:notesMasterId r:id="rId11"/>
   </p:notesMasterIdLst>
   <p:handoutMasterIdLst>
-    <p:handoutMasterId r:id="rId10"/>
+    <p:handoutMasterId r:id="rId12"/>
   </p:handoutMasterIdLst>
   <p:sldIdLst>
     <p:sldId id="256" r:id="rId2"/>
     <p:sldId id="262" r:id="rId3"/>
-    <p:sldId id="263" r:id="rId4"/>
-    <p:sldId id="261" r:id="rId5"/>
-    <p:sldId id="258" r:id="rId6"/>
-    <p:sldId id="259" r:id="rId7"/>
-    <p:sldId id="260" r:id="rId8"/>
+    <p:sldId id="264" r:id="rId4"/>
+    <p:sldId id="265" r:id="rId5"/>
+    <p:sldId id="266" r:id="rId6"/>
+    <p:sldId id="261" r:id="rId7"/>
+    <p:sldId id="258" r:id="rId8"/>
+    <p:sldId id="259" r:id="rId9"/>
+    <p:sldId id="260" r:id="rId10"/>
   </p:sldIdLst>
   <p:sldSz cx="12192000" cy="6858000"/>
   <p:notesSz cx="6858000" cy="9144000"/>
@@ -6802,7 +6804,7 @@
           <a:p>
             <a:fld id="{C732326A-4C88-4AFB-AA5B-5919D81DFF5B}" type="datetimeFigureOut">
               <a:rPr lang="en-US" smtClean="0"/>
-              <a:t>6/6/2023</a:t>
+              <a:t>6/7/2023</a:t>
             </a:fld>
             <a:endParaRPr lang="en-US" dirty="0"/>
           </a:p>
@@ -7218,7 +7220,7 @@
           <a:p>
             <a:fld id="{C6B3AB32-59DF-41F1-9618-EDFBF5049629}" type="slidenum">
               <a:rPr lang="en-US" smtClean="0"/>
-              <a:t>4</a:t>
+              <a:t>6</a:t>
             </a:fld>
             <a:endParaRPr lang="en-US" dirty="0"/>
           </a:p>
@@ -7302,7 +7304,7 @@
           <a:p>
             <a:fld id="{C6B3AB32-59DF-41F1-9618-EDFBF5049629}" type="slidenum">
               <a:rPr lang="en-US" smtClean="0"/>
-              <a:t>6</a:t>
+              <a:t>8</a:t>
             </a:fld>
             <a:endParaRPr lang="en-US" dirty="0"/>
           </a:p>
@@ -7386,7 +7388,7 @@
           <a:p>
             <a:fld id="{C6B3AB32-59DF-41F1-9618-EDFBF5049629}" type="slidenum">
               <a:rPr lang="en-US" smtClean="0"/>
-              <a:t>7</a:t>
+              <a:t>9</a:t>
             </a:fld>
             <a:endParaRPr lang="en-US" dirty="0"/>
           </a:p>
@@ -7651,7 +7653,7 @@
             <a:fld id="{B61BEF0D-F0BB-DE4B-95CE-6DB70DBA9567}" type="datetimeFigureOut">
               <a:rPr lang="en-US" smtClean="0"/>
               <a:pPr/>
-              <a:t>6/6/2023</a:t>
+              <a:t>6/7/2023</a:t>
             </a:fld>
             <a:endParaRPr lang="en-US" dirty="0"/>
           </a:p>
@@ -7915,7 +7917,7 @@
             <a:fld id="{B61BEF0D-F0BB-DE4B-95CE-6DB70DBA9567}" type="datetimeFigureOut">
               <a:rPr lang="en-US" smtClean="0"/>
               <a:pPr/>
-              <a:t>6/6/2023</a:t>
+              <a:t>6/7/2023</a:t>
             </a:fld>
             <a:endParaRPr lang="en-US" dirty="0"/>
           </a:p>
@@ -8152,7 +8154,7 @@
             <a:fld id="{B61BEF0D-F0BB-DE4B-95CE-6DB70DBA9567}" type="datetimeFigureOut">
               <a:rPr lang="en-US" smtClean="0"/>
               <a:pPr/>
-              <a:t>6/6/2023</a:t>
+              <a:t>6/7/2023</a:t>
             </a:fld>
             <a:endParaRPr lang="en-US" dirty="0"/>
           </a:p>
@@ -8394,7 +8396,7 @@
             <a:fld id="{B61BEF0D-F0BB-DE4B-95CE-6DB70DBA9567}" type="datetimeFigureOut">
               <a:rPr lang="en-US" smtClean="0"/>
               <a:pPr/>
-              <a:t>6/6/2023</a:t>
+              <a:t>6/7/2023</a:t>
             </a:fld>
             <a:endParaRPr lang="en-US" dirty="0"/>
           </a:p>
@@ -8703,7 +8705,7 @@
             <a:fld id="{B61BEF0D-F0BB-DE4B-95CE-6DB70DBA9567}" type="datetimeFigureOut">
               <a:rPr lang="en-US" smtClean="0"/>
               <a:pPr/>
-              <a:t>6/6/2023</a:t>
+              <a:t>6/7/2023</a:t>
             </a:fld>
             <a:endParaRPr lang="en-US" dirty="0"/>
           </a:p>
@@ -9007,7 +9009,7 @@
             <a:fld id="{B61BEF0D-F0BB-DE4B-95CE-6DB70DBA9567}" type="datetimeFigureOut">
               <a:rPr lang="en-US" smtClean="0"/>
               <a:pPr/>
-              <a:t>6/6/2023</a:t>
+              <a:t>6/7/2023</a:t>
             </a:fld>
             <a:endParaRPr lang="en-US" dirty="0"/>
           </a:p>
@@ -9431,7 +9433,7 @@
             <a:fld id="{B61BEF0D-F0BB-DE4B-95CE-6DB70DBA9567}" type="datetimeFigureOut">
               <a:rPr lang="en-US" smtClean="0"/>
               <a:pPr/>
-              <a:t>6/6/2023</a:t>
+              <a:t>6/7/2023</a:t>
             </a:fld>
             <a:endParaRPr lang="en-US" dirty="0"/>
           </a:p>
@@ -9528,7 +9530,7 @@
             <a:fld id="{B61BEF0D-F0BB-DE4B-95CE-6DB70DBA9567}" type="datetimeFigureOut">
               <a:rPr lang="en-US" smtClean="0"/>
               <a:pPr/>
-              <a:t>6/6/2023</a:t>
+              <a:t>6/7/2023</a:t>
             </a:fld>
             <a:endParaRPr lang="en-US" dirty="0"/>
           </a:p>
@@ -9692,7 +9694,7 @@
             <a:fld id="{B61BEF0D-F0BB-DE4B-95CE-6DB70DBA9567}" type="datetimeFigureOut">
               <a:rPr lang="en-US" smtClean="0"/>
               <a:pPr/>
-              <a:t>6/6/2023</a:t>
+              <a:t>6/7/2023</a:t>
             </a:fld>
             <a:endParaRPr lang="en-US" dirty="0"/>
           </a:p>
@@ -10072,7 +10074,7 @@
             <a:fld id="{B61BEF0D-F0BB-DE4B-95CE-6DB70DBA9567}" type="datetimeFigureOut">
               <a:rPr lang="en-US" smtClean="0"/>
               <a:pPr/>
-              <a:t>6/6/2023</a:t>
+              <a:t>6/7/2023</a:t>
             </a:fld>
             <a:endParaRPr lang="en-US" dirty="0"/>
           </a:p>
@@ -10363,7 +10365,7 @@
             <a:fld id="{B61BEF0D-F0BB-DE4B-95CE-6DB70DBA9567}" type="datetimeFigureOut">
               <a:rPr lang="en-US" smtClean="0"/>
               <a:pPr/>
-              <a:t>6/6/2023</a:t>
+              <a:t>6/7/2023</a:t>
             </a:fld>
             <a:endParaRPr lang="en-US" dirty="0"/>
           </a:p>
@@ -10576,7 +10578,7 @@
             <a:fld id="{B61BEF0D-F0BB-DE4B-95CE-6DB70DBA9567}" type="datetimeFigureOut">
               <a:rPr lang="en-US" smtClean="0"/>
               <a:pPr/>
-              <a:t>6/6/2023</a:t>
+              <a:t>6/7/2023</a:t>
             </a:fld>
             <a:endParaRPr lang="en-US" dirty="0"/>
           </a:p>
@@ -11683,7 +11685,42 @@
           <a:bodyPr/>
           <a:lstStyle/>
           <a:p>
-            <a:endParaRPr lang="en-GB"/>
+            <a:r>
+              <a:rPr lang="en-US" dirty="0"/>
+              <a:t>Investigate if there is a positive correlation between student attendance to live lectures and their grade.</a:t>
+            </a:r>
+          </a:p>
+          <a:p>
+            <a:pPr lvl="1"/>
+            <a:r>
+              <a:rPr lang="en-US" dirty="0"/>
+              <a:t>This study is based on the basis that recorded versions of the lectures are available for students to view.</a:t>
+            </a:r>
+          </a:p>
+          <a:p>
+            <a:pPr lvl="1"/>
+            <a:r>
+              <a:rPr lang="en-US" dirty="0"/>
+              <a:t>Students can view the same material if they cannot or decide not to attend a lecture session.</a:t>
+            </a:r>
+          </a:p>
+          <a:p>
+            <a:pPr lvl="1"/>
+            <a:endParaRPr lang="en-US" dirty="0"/>
+          </a:p>
+          <a:p>
+            <a:r>
+              <a:rPr lang="en-US" dirty="0"/>
+              <a:t>Additional aim of the investigation is to determine if providing pre-recorded lectures is a suitable substitute to live lectures.</a:t>
+            </a:r>
+          </a:p>
+          <a:p>
+            <a:pPr lvl="1"/>
+            <a:r>
+              <a:rPr lang="en-US" dirty="0"/>
+              <a:t>This could mean teaching staff can focus on preparing the material ahead of term, freeing up their in-term teaching to respond to student queries, host more practical sessions, or live workshops for students.</a:t>
+            </a:r>
+            <a:endParaRPr lang="en-GB" dirty="0"/>
           </a:p>
         </p:txBody>
       </p:sp>
@@ -11722,6 +11759,113 @@
           <p:cNvPr id="2" name="Title 1">
             <a:extLst>
               <a:ext uri="{FF2B5EF4-FFF2-40B4-BE49-F238E27FC236}">
+                <a16:creationId xmlns:a16="http://schemas.microsoft.com/office/drawing/2014/main" id="{C7E0A70A-A506-742E-79FF-CCC404CE65C7}"/>
+              </a:ext>
+            </a:extLst>
+          </p:cNvPr>
+          <p:cNvSpPr>
+            <a:spLocks noGrp="1"/>
+          </p:cNvSpPr>
+          <p:nvPr>
+            <p:ph type="title"/>
+          </p:nvPr>
+        </p:nvSpPr>
+        <p:spPr/>
+        <p:txBody>
+          <a:bodyPr/>
+          <a:lstStyle/>
+          <a:p>
+            <a:r>
+              <a:rPr lang="en-US" dirty="0"/>
+              <a:t>External Research</a:t>
+            </a:r>
+            <a:endParaRPr lang="en-GB" dirty="0"/>
+          </a:p>
+        </p:txBody>
+      </p:sp>
+      <p:sp>
+        <p:nvSpPr>
+          <p:cNvPr id="3" name="Content Placeholder 2">
+            <a:extLst>
+              <a:ext uri="{FF2B5EF4-FFF2-40B4-BE49-F238E27FC236}">
+                <a16:creationId xmlns:a16="http://schemas.microsoft.com/office/drawing/2014/main" id="{DAE9E2D5-3E7C-12B5-F2B4-4D153305E279}"/>
+              </a:ext>
+            </a:extLst>
+          </p:cNvPr>
+          <p:cNvSpPr>
+            <a:spLocks noGrp="1"/>
+          </p:cNvSpPr>
+          <p:nvPr>
+            <p:ph idx="1"/>
+          </p:nvPr>
+        </p:nvSpPr>
+        <p:spPr/>
+        <p:txBody>
+          <a:bodyPr/>
+          <a:lstStyle/>
+          <a:p>
+            <a:r>
+              <a:rPr lang="en-US" dirty="0"/>
+              <a:t>Attendance vs Grades</a:t>
+            </a:r>
+          </a:p>
+          <a:p>
+            <a:r>
+              <a:rPr lang="en-US" dirty="0"/>
+              <a:t>Pedagogic positives of recording </a:t>
+            </a:r>
+            <a:r>
+              <a:rPr lang="en-US" dirty="0" err="1"/>
+              <a:t>matierall</a:t>
+            </a:r>
+            <a:endParaRPr lang="en-US" dirty="0"/>
+          </a:p>
+          <a:p>
+            <a:r>
+              <a:rPr lang="en-US" dirty="0"/>
+              <a:t>Multiple approaches available</a:t>
+            </a:r>
+          </a:p>
+          <a:p>
+            <a:endParaRPr lang="en-GB" dirty="0"/>
+          </a:p>
+        </p:txBody>
+      </p:sp>
+    </p:spTree>
+    <p:extLst>
+      <p:ext uri="{BB962C8B-B14F-4D97-AF65-F5344CB8AC3E}">
+        <p14:creationId xmlns:p14="http://schemas.microsoft.com/office/powerpoint/2010/main" val="215993404"/>
+      </p:ext>
+    </p:extLst>
+  </p:cSld>
+  <p:clrMapOvr>
+    <a:masterClrMapping/>
+  </p:clrMapOvr>
+</p:sld>
+</file>
+
+<file path=ppt/slides/slide4.xml><?xml version="1.0" encoding="utf-8"?>
+<p:sld xmlns:a="http://schemas.openxmlformats.org/drawingml/2006/main" xmlns:r="http://schemas.openxmlformats.org/officeDocument/2006/relationships" xmlns:p="http://schemas.openxmlformats.org/presentationml/2006/main">
+  <p:cSld>
+    <p:spTree>
+      <p:nvGrpSpPr>
+        <p:cNvPr id="1" name=""/>
+        <p:cNvGrpSpPr/>
+        <p:nvPr/>
+      </p:nvGrpSpPr>
+      <p:grpSpPr>
+        <a:xfrm>
+          <a:off x="0" y="0"/>
+          <a:ext cx="0" cy="0"/>
+          <a:chOff x="0" y="0"/>
+          <a:chExt cx="0" cy="0"/>
+        </a:xfrm>
+      </p:grpSpPr>
+      <p:sp>
+        <p:nvSpPr>
+          <p:cNvPr id="2" name="Title 1">
+            <a:extLst>
+              <a:ext uri="{FF2B5EF4-FFF2-40B4-BE49-F238E27FC236}">
                 <a16:creationId xmlns:a16="http://schemas.microsoft.com/office/drawing/2014/main" id="{BD4CA9CC-5ADC-001A-4D31-8EC14B8E37D4}"/>
               </a:ext>
             </a:extLst>
@@ -11740,7 +11884,7 @@
           <a:p>
             <a:r>
               <a:rPr lang="en-US" dirty="0"/>
-              <a:t>NOTES</a:t>
+              <a:t>Data Gathering methods</a:t>
             </a:r>
             <a:endParaRPr lang="en-GB" dirty="0"/>
           </a:p>
@@ -11764,53 +11908,91 @@
         </p:nvSpPr>
         <p:spPr/>
         <p:txBody>
-          <a:bodyPr/>
+          <a:bodyPr>
+            <a:normAutofit fontScale="85000" lnSpcReduction="10000"/>
+          </a:bodyPr>
           <a:lstStyle/>
           <a:p>
             <a:r>
               <a:rPr lang="en-US" dirty="0"/>
-              <a:t>Attendance is gathered for all students for all classes</a:t>
+              <a:t>The following data was gathered as stating in the Research Proposal:</a:t>
             </a:r>
           </a:p>
           <a:p>
+            <a:pPr marL="666900" lvl="1" indent="-342900">
+              <a:buFont typeface="+mj-lt"/>
+              <a:buAutoNum type="arabicPeriod"/>
+            </a:pPr>
             <a:r>
               <a:rPr lang="en-US" dirty="0"/>
-              <a:t>Students split into single lecture for all, then either group A or group B for practical</a:t>
+              <a:t>Attendance of each class Recorded on Attendance Software (JISC)</a:t>
             </a:r>
           </a:p>
           <a:p>
+            <a:pPr marL="666900" lvl="1" indent="-342900">
+              <a:buFont typeface="+mj-lt"/>
+              <a:buAutoNum type="arabicPeriod"/>
+            </a:pPr>
             <a:r>
               <a:rPr lang="en-US" dirty="0"/>
-              <a:t>Students assigned to class based on Timetable, not class list available through attendance system and MyLearningSpace</a:t>
+              <a:t>Usage of class work and Assignments on MyLearningSpace (VLE)</a:t>
             </a:r>
           </a:p>
           <a:p>
+            <a:pPr marL="666900" lvl="1" indent="-342900">
+              <a:buFont typeface="+mj-lt"/>
+              <a:buAutoNum type="arabicPeriod"/>
+            </a:pPr>
             <a:r>
               <a:rPr lang="en-US" dirty="0"/>
-              <a:t>Not Attended, Notified Absence and Not Required all count as not attended</a:t>
+              <a:t>Grades of Students for Marked Assignment</a:t>
             </a:r>
           </a:p>
           <a:p>
+            <a:pPr marL="666900" lvl="1" indent="-342900">
+              <a:buFont typeface="+mj-lt"/>
+              <a:buAutoNum type="arabicPeriod"/>
+            </a:pPr>
             <a:r>
               <a:rPr lang="en-US" dirty="0"/>
-              <a:t>Anonymity of students username by using SHA256 hashing algorithm on their username</a:t>
+              <a:t>Views of Recorded Material</a:t>
             </a:r>
+          </a:p>
+          <a:p>
+            <a:pPr marL="342900" indent="-342900">
+              <a:buFont typeface="+mj-lt"/>
+              <a:buAutoNum type="arabicPeriod"/>
+            </a:pPr>
+            <a:endParaRPr lang="en-US" dirty="0"/>
           </a:p>
           <a:p>
             <a:r>
               <a:rPr lang="en-US" dirty="0"/>
-              <a:t>Cannot be reversed </a:t>
+              <a:t>Data was gathered for sessions 2020-2021, 2021-2022, and 2022-2023.</a:t>
             </a:r>
           </a:p>
           <a:p>
-            <a:endParaRPr lang="en-GB" dirty="0"/>
+            <a:endParaRPr lang="en-US" dirty="0"/>
+          </a:p>
+          <a:p>
+            <a:r>
+              <a:rPr lang="en-US" dirty="0"/>
+              <a:t>Ethics approval for this project was given based on the anonymizing of student identifications. To do this, the raw data gathered was collated into a single Spreadsheet for each year, and Student ID’s were hashed during a SHA256 Hashing algorithm &lt;REF&gt;.</a:t>
+            </a:r>
+          </a:p>
+          <a:p>
+            <a:pPr lvl="1"/>
+            <a:r>
+              <a:rPr lang="en-US" dirty="0"/>
+              <a:t>Converts student number into a 256-bit hexadecimal value. Hashing processes was chosen due to the high security of the process (cannot convert Hash back into original value) and very low chance of collisions &lt;REF&gt;.</a:t>
+            </a:r>
           </a:p>
         </p:txBody>
       </p:sp>
     </p:spTree>
     <p:extLst>
       <p:ext uri="{BB962C8B-B14F-4D97-AF65-F5344CB8AC3E}">
-        <p14:creationId xmlns:p14="http://schemas.microsoft.com/office/powerpoint/2010/main" val="346147833"/>
+        <p14:creationId xmlns:p14="http://schemas.microsoft.com/office/powerpoint/2010/main" val="1837165283"/>
       </p:ext>
     </p:extLst>
   </p:cSld>
@@ -11820,7 +12002,167 @@
 </p:sld>
 </file>
 
-<file path=ppt/slides/slide4.xml><?xml version="1.0" encoding="utf-8"?>
+<file path=ppt/slides/slide5.xml><?xml version="1.0" encoding="utf-8"?>
+<p:sld xmlns:a="http://schemas.openxmlformats.org/drawingml/2006/main" xmlns:r="http://schemas.openxmlformats.org/officeDocument/2006/relationships" xmlns:p="http://schemas.openxmlformats.org/presentationml/2006/main">
+  <p:cSld>
+    <p:spTree>
+      <p:nvGrpSpPr>
+        <p:cNvPr id="1" name=""/>
+        <p:cNvGrpSpPr/>
+        <p:nvPr/>
+      </p:nvGrpSpPr>
+      <p:grpSpPr>
+        <a:xfrm>
+          <a:off x="0" y="0"/>
+          <a:ext cx="0" cy="0"/>
+          <a:chOff x="0" y="0"/>
+          <a:chExt cx="0" cy="0"/>
+        </a:xfrm>
+      </p:grpSpPr>
+      <p:sp>
+        <p:nvSpPr>
+          <p:cNvPr id="2" name="Title 1">
+            <a:extLst>
+              <a:ext uri="{FF2B5EF4-FFF2-40B4-BE49-F238E27FC236}">
+                <a16:creationId xmlns:a16="http://schemas.microsoft.com/office/drawing/2014/main" id="{BD4CA9CC-5ADC-001A-4D31-8EC14B8E37D4}"/>
+              </a:ext>
+            </a:extLst>
+          </p:cNvPr>
+          <p:cNvSpPr>
+            <a:spLocks noGrp="1"/>
+          </p:cNvSpPr>
+          <p:nvPr>
+            <p:ph type="title"/>
+          </p:nvPr>
+        </p:nvSpPr>
+        <p:spPr/>
+        <p:txBody>
+          <a:bodyPr/>
+          <a:lstStyle/>
+          <a:p>
+            <a:r>
+              <a:rPr lang="en-US" dirty="0"/>
+              <a:t>Data Gathering methods</a:t>
+            </a:r>
+            <a:endParaRPr lang="en-GB" dirty="0"/>
+          </a:p>
+        </p:txBody>
+      </p:sp>
+      <p:sp>
+        <p:nvSpPr>
+          <p:cNvPr id="3" name="Content Placeholder 2">
+            <a:extLst>
+              <a:ext uri="{FF2B5EF4-FFF2-40B4-BE49-F238E27FC236}">
+                <a16:creationId xmlns:a16="http://schemas.microsoft.com/office/drawing/2014/main" id="{121196E6-3603-F66B-72E8-8E7E5F53AC6C}"/>
+              </a:ext>
+            </a:extLst>
+          </p:cNvPr>
+          <p:cNvSpPr>
+            <a:spLocks noGrp="1"/>
+          </p:cNvSpPr>
+          <p:nvPr>
+            <p:ph idx="1"/>
+          </p:nvPr>
+        </p:nvSpPr>
+        <p:spPr/>
+        <p:txBody>
+          <a:bodyPr>
+            <a:normAutofit fontScale="85000" lnSpcReduction="20000"/>
+          </a:bodyPr>
+          <a:lstStyle/>
+          <a:p>
+            <a:r>
+              <a:rPr lang="en-US" dirty="0"/>
+              <a:t>Attendance is gathered for all students for all classes</a:t>
+            </a:r>
+          </a:p>
+          <a:p>
+            <a:r>
+              <a:rPr lang="en-US" dirty="0"/>
+              <a:t>Students split into single lecture for all, then either group A or group B for practical</a:t>
+            </a:r>
+          </a:p>
+          <a:p>
+            <a:r>
+              <a:rPr lang="en-US" dirty="0"/>
+              <a:t>Students assigned to class based on Timetable, not class list available through attendance system and MyLearningSpace</a:t>
+            </a:r>
+          </a:p>
+          <a:p>
+            <a:pPr marL="342900" indent="-342900">
+              <a:buFont typeface="+mj-lt"/>
+              <a:buAutoNum type="arabicPeriod"/>
+            </a:pPr>
+            <a:endParaRPr lang="en-US" dirty="0"/>
+          </a:p>
+          <a:p>
+            <a:r>
+              <a:rPr lang="en-US" dirty="0"/>
+              <a:t>For the purposes of this study, only students who were noted as having attended were counted as attending. </a:t>
+            </a:r>
+          </a:p>
+          <a:p>
+            <a:pPr lvl="1"/>
+            <a:r>
+              <a:rPr lang="en-US" dirty="0"/>
+              <a:t>There is a possibility that some students would have attended class and not registered using the MyAbertay app, as well as students who had notified reasoning for not attending. There is also a possibility that students who had a notified reason for not attending still managed to attend. To prevent speculation, only students who are recorded as attending will be used in this study.</a:t>
+            </a:r>
+          </a:p>
+          <a:p>
+            <a:endParaRPr lang="en-US" dirty="0"/>
+          </a:p>
+          <a:p>
+            <a:r>
+              <a:rPr lang="en-US" dirty="0"/>
+              <a:t>Attendance data in the following format was considered as not attending a class:</a:t>
+            </a:r>
+          </a:p>
+          <a:p>
+            <a:pPr marL="666900" lvl="1" indent="-342900">
+              <a:buFont typeface="+mj-lt"/>
+              <a:buAutoNum type="arabicPeriod"/>
+            </a:pPr>
+            <a:r>
+              <a:rPr lang="en-US" dirty="0"/>
+              <a:t>Not Attended</a:t>
+            </a:r>
+          </a:p>
+          <a:p>
+            <a:pPr marL="666900" lvl="1" indent="-342900">
+              <a:buFont typeface="+mj-lt"/>
+              <a:buAutoNum type="arabicPeriod"/>
+            </a:pPr>
+            <a:r>
+              <a:rPr lang="en-US" dirty="0"/>
+              <a:t>Notified Absence</a:t>
+            </a:r>
+          </a:p>
+          <a:p>
+            <a:pPr marL="666900" lvl="1" indent="-342900">
+              <a:buFont typeface="+mj-lt"/>
+              <a:buAutoNum type="arabicPeriod"/>
+            </a:pPr>
+            <a:r>
+              <a:rPr lang="en-US" dirty="0"/>
+              <a:t>Not Required</a:t>
+            </a:r>
+          </a:p>
+        </p:txBody>
+      </p:sp>
+    </p:spTree>
+    <p:extLst>
+      <p:ext uri="{BB962C8B-B14F-4D97-AF65-F5344CB8AC3E}">
+        <p14:creationId xmlns:p14="http://schemas.microsoft.com/office/powerpoint/2010/main" val="757512740"/>
+      </p:ext>
+    </p:extLst>
+  </p:cSld>
+  <p:clrMapOvr>
+    <a:masterClrMapping/>
+  </p:clrMapOvr>
+</p:sld>
+</file>
+
+<file path=ppt/slides/slide6.xml><?xml version="1.0" encoding="utf-8"?>
 <p:sld xmlns:a="http://schemas.openxmlformats.org/drawingml/2006/main" xmlns:r="http://schemas.openxmlformats.org/officeDocument/2006/relationships" xmlns:p="http://schemas.openxmlformats.org/presentationml/2006/main">
   <p:cSld>
     <p:bg>
@@ -12042,7 +12384,7 @@
 </p:sld>
 </file>
 
-<file path=ppt/slides/slide5.xml><?xml version="1.0" encoding="utf-8"?>
+<file path=ppt/slides/slide7.xml><?xml version="1.0" encoding="utf-8"?>
 <p:sld xmlns:a="http://schemas.openxmlformats.org/drawingml/2006/main" xmlns:r="http://schemas.openxmlformats.org/officeDocument/2006/relationships" xmlns:p="http://schemas.openxmlformats.org/presentationml/2006/main">
   <p:cSld>
     <p:spTree>
@@ -12165,7 +12507,7 @@
 </p:sld>
 </file>
 
-<file path=ppt/slides/slide6.xml><?xml version="1.0" encoding="utf-8"?>
+<file path=ppt/slides/slide8.xml><?xml version="1.0" encoding="utf-8"?>
 <p:sld xmlns:a="http://schemas.openxmlformats.org/drawingml/2006/main" xmlns:r="http://schemas.openxmlformats.org/officeDocument/2006/relationships" xmlns:p="http://schemas.openxmlformats.org/presentationml/2006/main">
   <p:cSld>
     <p:bg>
@@ -12555,7 +12897,7 @@
 </p:sld>
 </file>
 
-<file path=ppt/slides/slide7.xml><?xml version="1.0" encoding="utf-8"?>
+<file path=ppt/slides/slide9.xml><?xml version="1.0" encoding="utf-8"?>
 <p:sld xmlns:a="http://schemas.openxmlformats.org/drawingml/2006/main" xmlns:r="http://schemas.openxmlformats.org/officeDocument/2006/relationships" xmlns:p="http://schemas.openxmlformats.org/presentationml/2006/main">
   <p:cSld>
     <p:bg>
@@ -12955,7 +13297,30 @@
                   <a:schemeClr val="bg2"/>
                 </a:solidFill>
               </a:rPr>
-              <a:t>someone@example.com</a:t>
+              <a:t>Christopher </a:t>
+            </a:r>
+            <a:r>
+              <a:rPr lang="en-US" dirty="0" err="1">
+                <a:solidFill>
+                  <a:schemeClr val="bg2"/>
+                </a:solidFill>
+              </a:rPr>
+              <a:t>acornley</a:t>
+            </a:r>
+            <a:endParaRPr lang="en-US" dirty="0">
+              <a:solidFill>
+                <a:schemeClr val="bg2"/>
+              </a:solidFill>
+            </a:endParaRPr>
+          </a:p>
+          <a:p>
+            <a:r>
+              <a:rPr lang="en-US" dirty="0">
+                <a:solidFill>
+                  <a:schemeClr val="bg2"/>
+                </a:solidFill>
+              </a:rPr>
+              <a:t>pe02ca@uhi.ac.uk</a:t>
             </a:r>
           </a:p>
           <a:p>

--- a/scripts/CAP512.pptx
+++ b/scripts/CAP512.pptx
@@ -127,6 +127,65 @@
     </p:ext>
   </p:extLst>
 </p:presentation>
+</file>
+
+<file path=ppt/changesInfos/changesInfo1.xml><?xml version="1.0" encoding="utf-8"?>
+<pc:chgInfo xmlns:a="http://schemas.openxmlformats.org/drawingml/2006/main" xmlns:r="http://schemas.openxmlformats.org/officeDocument/2006/relationships" xmlns:ac="http://schemas.microsoft.com/office/drawing/2013/main/command" xmlns:pc="http://schemas.microsoft.com/office/powerpoint/2013/main/command">
+  <pc:docChgLst>
+    <pc:chgData name="Christopher Acornley" userId="bbc264c4-ceb7-4165-9c6e-ab9636a383ef" providerId="ADAL" clId="{8E6D76F1-D7AE-4917-A651-8C73AC01DF94}"/>
+    <pc:docChg chg="custSel modSld">
+      <pc:chgData name="Christopher Acornley" userId="bbc264c4-ceb7-4165-9c6e-ab9636a383ef" providerId="ADAL" clId="{8E6D76F1-D7AE-4917-A651-8C73AC01DF94}" dt="2023-06-08T09:02:22.989" v="69"/>
+      <pc:docMkLst>
+        <pc:docMk/>
+      </pc:docMkLst>
+      <pc:sldChg chg="modSp mod">
+        <pc:chgData name="Christopher Acornley" userId="bbc264c4-ceb7-4165-9c6e-ab9636a383ef" providerId="ADAL" clId="{8E6D76F1-D7AE-4917-A651-8C73AC01DF94}" dt="2023-06-08T08:57:33.991" v="11" actId="20577"/>
+        <pc:sldMkLst>
+          <pc:docMk/>
+          <pc:sldMk cId="1487700712" sldId="256"/>
+        </pc:sldMkLst>
+        <pc:spChg chg="mod">
+          <ac:chgData name="Christopher Acornley" userId="bbc264c4-ceb7-4165-9c6e-ab9636a383ef" providerId="ADAL" clId="{8E6D76F1-D7AE-4917-A651-8C73AC01DF94}" dt="2023-06-08T08:57:33.991" v="11" actId="20577"/>
+          <ac:spMkLst>
+            <pc:docMk/>
+            <pc:sldMk cId="1487700712" sldId="256"/>
+            <ac:spMk id="2" creationId="{C02C5318-1A1E-49D0-B2E2-A4B0FA9E8A40}"/>
+          </ac:spMkLst>
+        </pc:spChg>
+      </pc:sldChg>
+      <pc:sldChg chg="modSp mod">
+        <pc:chgData name="Christopher Acornley" userId="bbc264c4-ceb7-4165-9c6e-ab9636a383ef" providerId="ADAL" clId="{8E6D76F1-D7AE-4917-A651-8C73AC01DF94}" dt="2023-06-08T08:57:43.398" v="36" actId="20577"/>
+        <pc:sldMkLst>
+          <pc:docMk/>
+          <pc:sldMk cId="3260005894" sldId="262"/>
+        </pc:sldMkLst>
+        <pc:spChg chg="mod">
+          <ac:chgData name="Christopher Acornley" userId="bbc264c4-ceb7-4165-9c6e-ab9636a383ef" providerId="ADAL" clId="{8E6D76F1-D7AE-4917-A651-8C73AC01DF94}" dt="2023-06-08T08:57:43.398" v="36" actId="20577"/>
+          <ac:spMkLst>
+            <pc:docMk/>
+            <pc:sldMk cId="3260005894" sldId="262"/>
+            <ac:spMk id="3" creationId="{DAE9E2D5-3E7C-12B5-F2B4-4D153305E279}"/>
+          </ac:spMkLst>
+        </pc:spChg>
+      </pc:sldChg>
+      <pc:sldChg chg="modSp mod">
+        <pc:chgData name="Christopher Acornley" userId="bbc264c4-ceb7-4165-9c6e-ab9636a383ef" providerId="ADAL" clId="{8E6D76F1-D7AE-4917-A651-8C73AC01DF94}" dt="2023-06-08T09:02:22.989" v="69"/>
+        <pc:sldMkLst>
+          <pc:docMk/>
+          <pc:sldMk cId="215993404" sldId="264"/>
+        </pc:sldMkLst>
+        <pc:spChg chg="mod">
+          <ac:chgData name="Christopher Acornley" userId="bbc264c4-ceb7-4165-9c6e-ab9636a383ef" providerId="ADAL" clId="{8E6D76F1-D7AE-4917-A651-8C73AC01DF94}" dt="2023-06-08T09:02:22.989" v="69"/>
+          <ac:spMkLst>
+            <pc:docMk/>
+            <pc:sldMk cId="215993404" sldId="264"/>
+            <ac:spMk id="3" creationId="{DAE9E2D5-3E7C-12B5-F2B4-4D153305E279}"/>
+          </ac:spMkLst>
+        </pc:spChg>
+      </pc:sldChg>
+    </pc:docChg>
+  </pc:docChgLst>
+</pc:chgInfo>
 </file>
 
 <file path=ppt/diagrams/colors1.xml><?xml version="1.0" encoding="utf-8"?>
@@ -6627,7 +6686,7 @@
           <a:p>
             <a:fld id="{AF869721-F543-4A6C-BF9D-65D7CC540427}" type="datetimeFigureOut">
               <a:rPr lang="en-US" smtClean="0"/>
-              <a:t>6/7/2023</a:t>
+              <a:t>6/8/2023</a:t>
             </a:fld>
             <a:endParaRPr lang="en-US" dirty="0"/>
           </a:p>
@@ -6804,7 +6863,7 @@
           <a:p>
             <a:fld id="{C732326A-4C88-4AFB-AA5B-5919D81DFF5B}" type="datetimeFigureOut">
               <a:rPr lang="en-US" smtClean="0"/>
-              <a:t>6/7/2023</a:t>
+              <a:t>6/8/2023</a:t>
             </a:fld>
             <a:endParaRPr lang="en-US" dirty="0"/>
           </a:p>
@@ -7653,7 +7712,7 @@
             <a:fld id="{B61BEF0D-F0BB-DE4B-95CE-6DB70DBA9567}" type="datetimeFigureOut">
               <a:rPr lang="en-US" smtClean="0"/>
               <a:pPr/>
-              <a:t>6/7/2023</a:t>
+              <a:t>6/8/2023</a:t>
             </a:fld>
             <a:endParaRPr lang="en-US" dirty="0"/>
           </a:p>
@@ -7917,7 +7976,7 @@
             <a:fld id="{B61BEF0D-F0BB-DE4B-95CE-6DB70DBA9567}" type="datetimeFigureOut">
               <a:rPr lang="en-US" smtClean="0"/>
               <a:pPr/>
-              <a:t>6/7/2023</a:t>
+              <a:t>6/8/2023</a:t>
             </a:fld>
             <a:endParaRPr lang="en-US" dirty="0"/>
           </a:p>
@@ -8154,7 +8213,7 @@
             <a:fld id="{B61BEF0D-F0BB-DE4B-95CE-6DB70DBA9567}" type="datetimeFigureOut">
               <a:rPr lang="en-US" smtClean="0"/>
               <a:pPr/>
-              <a:t>6/7/2023</a:t>
+              <a:t>6/8/2023</a:t>
             </a:fld>
             <a:endParaRPr lang="en-US" dirty="0"/>
           </a:p>
@@ -8396,7 +8455,7 @@
             <a:fld id="{B61BEF0D-F0BB-DE4B-95CE-6DB70DBA9567}" type="datetimeFigureOut">
               <a:rPr lang="en-US" smtClean="0"/>
               <a:pPr/>
-              <a:t>6/7/2023</a:t>
+              <a:t>6/8/2023</a:t>
             </a:fld>
             <a:endParaRPr lang="en-US" dirty="0"/>
           </a:p>
@@ -8705,7 +8764,7 @@
             <a:fld id="{B61BEF0D-F0BB-DE4B-95CE-6DB70DBA9567}" type="datetimeFigureOut">
               <a:rPr lang="en-US" smtClean="0"/>
               <a:pPr/>
-              <a:t>6/7/2023</a:t>
+              <a:t>6/8/2023</a:t>
             </a:fld>
             <a:endParaRPr lang="en-US" dirty="0"/>
           </a:p>
@@ -9009,7 +9068,7 @@
             <a:fld id="{B61BEF0D-F0BB-DE4B-95CE-6DB70DBA9567}" type="datetimeFigureOut">
               <a:rPr lang="en-US" smtClean="0"/>
               <a:pPr/>
-              <a:t>6/7/2023</a:t>
+              <a:t>6/8/2023</a:t>
             </a:fld>
             <a:endParaRPr lang="en-US" dirty="0"/>
           </a:p>
@@ -9433,7 +9492,7 @@
             <a:fld id="{B61BEF0D-F0BB-DE4B-95CE-6DB70DBA9567}" type="datetimeFigureOut">
               <a:rPr lang="en-US" smtClean="0"/>
               <a:pPr/>
-              <a:t>6/7/2023</a:t>
+              <a:t>6/8/2023</a:t>
             </a:fld>
             <a:endParaRPr lang="en-US" dirty="0"/>
           </a:p>
@@ -9530,7 +9589,7 @@
             <a:fld id="{B61BEF0D-F0BB-DE4B-95CE-6DB70DBA9567}" type="datetimeFigureOut">
               <a:rPr lang="en-US" smtClean="0"/>
               <a:pPr/>
-              <a:t>6/7/2023</a:t>
+              <a:t>6/8/2023</a:t>
             </a:fld>
             <a:endParaRPr lang="en-US" dirty="0"/>
           </a:p>
@@ -9694,7 +9753,7 @@
             <a:fld id="{B61BEF0D-F0BB-DE4B-95CE-6DB70DBA9567}" type="datetimeFigureOut">
               <a:rPr lang="en-US" smtClean="0"/>
               <a:pPr/>
-              <a:t>6/7/2023</a:t>
+              <a:t>6/8/2023</a:t>
             </a:fld>
             <a:endParaRPr lang="en-US" dirty="0"/>
           </a:p>
@@ -10074,7 +10133,7 @@
             <a:fld id="{B61BEF0D-F0BB-DE4B-95CE-6DB70DBA9567}" type="datetimeFigureOut">
               <a:rPr lang="en-US" smtClean="0"/>
               <a:pPr/>
-              <a:t>6/7/2023</a:t>
+              <a:t>6/8/2023</a:t>
             </a:fld>
             <a:endParaRPr lang="en-US" dirty="0"/>
           </a:p>
@@ -10365,7 +10424,7 @@
             <a:fld id="{B61BEF0D-F0BB-DE4B-95CE-6DB70DBA9567}" type="datetimeFigureOut">
               <a:rPr lang="en-US" smtClean="0"/>
               <a:pPr/>
-              <a:t>6/7/2023</a:t>
+              <a:t>6/8/2023</a:t>
             </a:fld>
             <a:endParaRPr lang="en-US" dirty="0"/>
           </a:p>
@@ -10578,7 +10637,7 @@
             <a:fld id="{B61BEF0D-F0BB-DE4B-95CE-6DB70DBA9567}" type="datetimeFigureOut">
               <a:rPr lang="en-US" smtClean="0"/>
               <a:pPr/>
-              <a:t>6/7/2023</a:t>
+              <a:t>6/8/2023</a:t>
             </a:fld>
             <a:endParaRPr lang="en-US" dirty="0"/>
           </a:p>
@@ -11561,7 +11620,7 @@
                   <a:schemeClr val="bg1"/>
                 </a:solidFill>
               </a:rPr>
-              <a:t>Student Attendance and performance correlation study</a:t>
+              <a:t>Student Attendance and performance RELATIONSHIP study</a:t>
             </a:r>
           </a:p>
         </p:txBody>
@@ -11687,7 +11746,7 @@
           <a:p>
             <a:r>
               <a:rPr lang="en-US" dirty="0"/>
-              <a:t>Investigate if there is a positive correlation between student attendance to live lectures and their grade.</a:t>
+              <a:t>Investigate if there is a relationship between student attendance to live lectures and their grade.</a:t>
             </a:r>
           </a:p>
           <a:p>
@@ -11801,13 +11860,332 @@
         </p:nvSpPr>
         <p:spPr/>
         <p:txBody>
-          <a:bodyPr/>
+          <a:bodyPr>
+            <a:normAutofit fontScale="62500" lnSpcReduction="20000"/>
+          </a:bodyPr>
           <a:lstStyle/>
           <a:p>
             <a:r>
               <a:rPr lang="en-US" dirty="0"/>
               <a:t>Attendance vs Grades</a:t>
             </a:r>
+          </a:p>
+          <a:p>
+            <a:pPr marL="0" indent="0">
+              <a:buNone/>
+            </a:pPr>
+            <a:endParaRPr lang="en-US" dirty="0"/>
+          </a:p>
+          <a:p>
+            <a:pPr marL="0" indent="0">
+              <a:buNone/>
+            </a:pPr>
+            <a:r>
+              <a:rPr lang="en-GB" dirty="0">
+                <a:hlinkClick r:id="rId2"/>
+              </a:rPr>
+              <a:t>Class Attendance in College (sagepub.com)</a:t>
+            </a:r>
+            <a:r>
+              <a:rPr lang="en-GB" dirty="0"/>
+              <a:t> </a:t>
+            </a:r>
+          </a:p>
+          <a:p>
+            <a:pPr marL="0" indent="0">
+              <a:buNone/>
+            </a:pPr>
+            <a:r>
+              <a:rPr lang="en-GB" b="0" i="0" dirty="0" err="1">
+                <a:solidFill>
+                  <a:srgbClr val="222222"/>
+                </a:solidFill>
+                <a:effectLst/>
+                <a:latin typeface="Arial" panose="020B0604020202020204" pitchFamily="34" charset="0"/>
+              </a:rPr>
+              <a:t>Credé</a:t>
+            </a:r>
+            <a:r>
+              <a:rPr lang="en-GB" b="0" i="0" dirty="0">
+                <a:solidFill>
+                  <a:srgbClr val="222222"/>
+                </a:solidFill>
+                <a:effectLst/>
+                <a:latin typeface="Arial" panose="020B0604020202020204" pitchFamily="34" charset="0"/>
+              </a:rPr>
+              <a:t>, M., </a:t>
+            </a:r>
+            <a:r>
+              <a:rPr lang="en-GB" b="0" i="0" dirty="0" err="1">
+                <a:solidFill>
+                  <a:srgbClr val="222222"/>
+                </a:solidFill>
+                <a:effectLst/>
+                <a:latin typeface="Arial" panose="020B0604020202020204" pitchFamily="34" charset="0"/>
+              </a:rPr>
+              <a:t>Roch</a:t>
+            </a:r>
+            <a:r>
+              <a:rPr lang="en-GB" b="0" i="0" dirty="0">
+                <a:solidFill>
+                  <a:srgbClr val="222222"/>
+                </a:solidFill>
+                <a:effectLst/>
+                <a:latin typeface="Arial" panose="020B0604020202020204" pitchFamily="34" charset="0"/>
+              </a:rPr>
+              <a:t>, S.G. and </a:t>
+            </a:r>
+            <a:r>
+              <a:rPr lang="en-GB" b="0" i="0" dirty="0" err="1">
+                <a:solidFill>
+                  <a:srgbClr val="222222"/>
+                </a:solidFill>
+                <a:effectLst/>
+                <a:latin typeface="Arial" panose="020B0604020202020204" pitchFamily="34" charset="0"/>
+              </a:rPr>
+              <a:t>Kieszczynka</a:t>
+            </a:r>
+            <a:r>
+              <a:rPr lang="en-GB" b="0" i="0" dirty="0">
+                <a:solidFill>
+                  <a:srgbClr val="222222"/>
+                </a:solidFill>
+                <a:effectLst/>
+                <a:latin typeface="Arial" panose="020B0604020202020204" pitchFamily="34" charset="0"/>
+              </a:rPr>
+              <a:t>, U.M., 2010. Class attendance in college: A meta-analytic review of the relationship of class attendance with grades and student characteristics. </a:t>
+            </a:r>
+            <a:r>
+              <a:rPr lang="en-GB" b="0" i="1" dirty="0">
+                <a:solidFill>
+                  <a:srgbClr val="222222"/>
+                </a:solidFill>
+                <a:effectLst/>
+                <a:latin typeface="Arial" panose="020B0604020202020204" pitchFamily="34" charset="0"/>
+              </a:rPr>
+              <a:t>Review of Educational Research</a:t>
+            </a:r>
+            <a:r>
+              <a:rPr lang="en-GB" b="0" i="0" dirty="0">
+                <a:solidFill>
+                  <a:srgbClr val="222222"/>
+                </a:solidFill>
+                <a:effectLst/>
+                <a:latin typeface="Arial" panose="020B0604020202020204" pitchFamily="34" charset="0"/>
+              </a:rPr>
+              <a:t>, </a:t>
+            </a:r>
+            <a:r>
+              <a:rPr lang="en-GB" b="0" i="1" dirty="0">
+                <a:solidFill>
+                  <a:srgbClr val="222222"/>
+                </a:solidFill>
+                <a:effectLst/>
+                <a:latin typeface="Arial" panose="020B0604020202020204" pitchFamily="34" charset="0"/>
+              </a:rPr>
+              <a:t>80</a:t>
+            </a:r>
+            <a:r>
+              <a:rPr lang="en-GB" b="0" i="0" dirty="0">
+                <a:solidFill>
+                  <a:srgbClr val="222222"/>
+                </a:solidFill>
+                <a:effectLst/>
+                <a:latin typeface="Arial" panose="020B0604020202020204" pitchFamily="34" charset="0"/>
+              </a:rPr>
+              <a:t>(2), pp.272-295.</a:t>
+            </a:r>
+          </a:p>
+          <a:p>
+            <a:pPr marL="0" indent="0">
+              <a:buNone/>
+            </a:pPr>
+            <a:endParaRPr lang="en-US" dirty="0"/>
+          </a:p>
+          <a:p>
+            <a:pPr marL="0" indent="0">
+              <a:buNone/>
+            </a:pPr>
+            <a:r>
+              <a:rPr lang="en-GB" dirty="0">
+                <a:hlinkClick r:id="rId3"/>
+              </a:rPr>
+              <a:t>A correlation between attendance and grades in a first-year psychology class. (apa.org)</a:t>
+            </a:r>
+            <a:endParaRPr lang="en-US" dirty="0"/>
+          </a:p>
+          <a:p>
+            <a:pPr marL="0" indent="0">
+              <a:buNone/>
+            </a:pPr>
+            <a:r>
+              <a:rPr lang="en-GB" b="0" i="0" dirty="0">
+                <a:solidFill>
+                  <a:srgbClr val="333333"/>
+                </a:solidFill>
+                <a:effectLst/>
+                <a:latin typeface="Arial" panose="020B0604020202020204" pitchFamily="34" charset="0"/>
+              </a:rPr>
+              <a:t>Gunn, K. P. (1993). A correlation between attendance and grades in a first-year psychology class. </a:t>
+            </a:r>
+            <a:r>
+              <a:rPr lang="en-GB" b="0" i="1" dirty="0">
+                <a:solidFill>
+                  <a:srgbClr val="333333"/>
+                </a:solidFill>
+                <a:effectLst/>
+                <a:latin typeface="Arial" panose="020B0604020202020204" pitchFamily="34" charset="0"/>
+              </a:rPr>
+              <a:t>Canadian Psychology / </a:t>
+            </a:r>
+            <a:r>
+              <a:rPr lang="en-GB" b="0" i="1" dirty="0" err="1">
+                <a:solidFill>
+                  <a:srgbClr val="333333"/>
+                </a:solidFill>
+                <a:effectLst/>
+                <a:latin typeface="Arial" panose="020B0604020202020204" pitchFamily="34" charset="0"/>
+              </a:rPr>
+              <a:t>Psychologie</a:t>
+            </a:r>
+            <a:r>
+              <a:rPr lang="en-GB" b="0" i="1" dirty="0">
+                <a:solidFill>
+                  <a:srgbClr val="333333"/>
+                </a:solidFill>
+                <a:effectLst/>
+                <a:latin typeface="Arial" panose="020B0604020202020204" pitchFamily="34" charset="0"/>
+              </a:rPr>
+              <a:t> </a:t>
+            </a:r>
+            <a:r>
+              <a:rPr lang="en-GB" b="0" i="1" dirty="0" err="1">
+                <a:solidFill>
+                  <a:srgbClr val="333333"/>
+                </a:solidFill>
+                <a:effectLst/>
+                <a:latin typeface="Arial" panose="020B0604020202020204" pitchFamily="34" charset="0"/>
+              </a:rPr>
+              <a:t>canadienne</a:t>
+            </a:r>
+            <a:r>
+              <a:rPr lang="en-GB" b="0" i="1" dirty="0">
+                <a:solidFill>
+                  <a:srgbClr val="333333"/>
+                </a:solidFill>
+                <a:effectLst/>
+                <a:latin typeface="Arial" panose="020B0604020202020204" pitchFamily="34" charset="0"/>
+              </a:rPr>
+              <a:t>, 34</a:t>
+            </a:r>
+            <a:r>
+              <a:rPr lang="en-GB" b="0" i="0" dirty="0">
+                <a:solidFill>
+                  <a:srgbClr val="333333"/>
+                </a:solidFill>
+                <a:effectLst/>
+                <a:latin typeface="Arial" panose="020B0604020202020204" pitchFamily="34" charset="0"/>
+              </a:rPr>
+              <a:t>(2), 201–202. </a:t>
+            </a:r>
+            <a:r>
+              <a:rPr lang="en-GB" b="0" i="0" u="none" strike="noStrike" dirty="0">
+                <a:solidFill>
+                  <a:srgbClr val="2C72B7"/>
+                </a:solidFill>
+                <a:effectLst/>
+                <a:latin typeface="Arial" panose="020B0604020202020204" pitchFamily="34" charset="0"/>
+                <a:hlinkClick r:id="rId4"/>
+              </a:rPr>
+              <a:t>https://doi.org/10.1037/h0078770</a:t>
+            </a:r>
+            <a:endParaRPr lang="en-GB" b="0" i="0" u="none" strike="noStrike" dirty="0">
+              <a:solidFill>
+                <a:srgbClr val="2C72B7"/>
+              </a:solidFill>
+              <a:effectLst/>
+              <a:latin typeface="Arial" panose="020B0604020202020204" pitchFamily="34" charset="0"/>
+            </a:endParaRPr>
+          </a:p>
+          <a:p>
+            <a:pPr marL="0" indent="0">
+              <a:buNone/>
+            </a:pPr>
+            <a:endParaRPr lang="en-US" dirty="0"/>
+          </a:p>
+          <a:p>
+            <a:pPr marL="0" indent="0">
+              <a:buNone/>
+            </a:pPr>
+            <a:r>
+              <a:rPr lang="en-GB" dirty="0">
+                <a:hlinkClick r:id="rId5"/>
+              </a:rPr>
+              <a:t>Attendance and performance – ProQuest</a:t>
+            </a:r>
+            <a:endParaRPr lang="en-GB" dirty="0"/>
+          </a:p>
+          <a:p>
+            <a:pPr marL="0" indent="0">
+              <a:buNone/>
+            </a:pPr>
+            <a:r>
+              <a:rPr lang="en-GB" b="0" i="0" dirty="0">
+                <a:solidFill>
+                  <a:srgbClr val="555555"/>
+                </a:solidFill>
+                <a:effectLst/>
+                <a:latin typeface="verdana" panose="020B0604030504040204" pitchFamily="34" charset="0"/>
+              </a:rPr>
+              <a:t>MOORE, R., 2003. Attendance and performance. </a:t>
+            </a:r>
+            <a:r>
+              <a:rPr lang="en-GB" b="0" i="1" dirty="0">
+                <a:solidFill>
+                  <a:srgbClr val="555555"/>
+                </a:solidFill>
+                <a:effectLst/>
+                <a:latin typeface="verdana" panose="020B0604030504040204" pitchFamily="34" charset="0"/>
+              </a:rPr>
+              <a:t>Journal of College Science Teaching, </a:t>
+            </a:r>
+            <a:r>
+              <a:rPr lang="en-GB" b="1" i="0" dirty="0">
+                <a:solidFill>
+                  <a:srgbClr val="555555"/>
+                </a:solidFill>
+                <a:effectLst/>
+                <a:latin typeface="verdana" panose="020B0604030504040204" pitchFamily="34" charset="0"/>
+              </a:rPr>
+              <a:t>32</a:t>
+            </a:r>
+            <a:r>
+              <a:rPr lang="en-GB" b="0" i="0" dirty="0">
+                <a:solidFill>
+                  <a:srgbClr val="555555"/>
+                </a:solidFill>
+                <a:effectLst/>
+                <a:latin typeface="verdana" panose="020B0604030504040204" pitchFamily="34" charset="0"/>
+              </a:rPr>
+              <a:t>(6), pp. </a:t>
+            </a:r>
+            <a:r>
+              <a:rPr lang="en-GB" b="0" i="0">
+                <a:solidFill>
+                  <a:srgbClr val="555555"/>
+                </a:solidFill>
+                <a:effectLst/>
+                <a:latin typeface="verdana" panose="020B0604030504040204" pitchFamily="34" charset="0"/>
+              </a:rPr>
+              <a:t>367-371.</a:t>
+            </a:r>
+            <a:endParaRPr lang="en-US" dirty="0"/>
+          </a:p>
+          <a:p>
+            <a:pPr marL="0" indent="0">
+              <a:buNone/>
+            </a:pPr>
+            <a:endParaRPr lang="en-US" dirty="0"/>
           </a:p>
           <a:p>
             <a:r>

--- a/scripts/CAP512.pptx
+++ b/scripts/CAP512.pptx
@@ -5,21 +5,23 @@
     <p:sldMasterId id="2147483672" r:id="rId1"/>
   </p:sldMasterIdLst>
   <p:notesMasterIdLst>
-    <p:notesMasterId r:id="rId11"/>
+    <p:notesMasterId r:id="rId13"/>
   </p:notesMasterIdLst>
   <p:handoutMasterIdLst>
-    <p:handoutMasterId r:id="rId12"/>
+    <p:handoutMasterId r:id="rId14"/>
   </p:handoutMasterIdLst>
   <p:sldIdLst>
     <p:sldId id="256" r:id="rId2"/>
     <p:sldId id="262" r:id="rId3"/>
     <p:sldId id="264" r:id="rId4"/>
-    <p:sldId id="265" r:id="rId5"/>
-    <p:sldId id="266" r:id="rId6"/>
-    <p:sldId id="261" r:id="rId7"/>
-    <p:sldId id="258" r:id="rId8"/>
-    <p:sldId id="259" r:id="rId9"/>
-    <p:sldId id="260" r:id="rId10"/>
+    <p:sldId id="268" r:id="rId5"/>
+    <p:sldId id="267" r:id="rId6"/>
+    <p:sldId id="265" r:id="rId7"/>
+    <p:sldId id="266" r:id="rId8"/>
+    <p:sldId id="261" r:id="rId9"/>
+    <p:sldId id="258" r:id="rId10"/>
+    <p:sldId id="259" r:id="rId11"/>
+    <p:sldId id="260" r:id="rId12"/>
   </p:sldIdLst>
   <p:sldSz cx="12192000" cy="6858000"/>
   <p:notesSz cx="6858000" cy="9144000"/>
@@ -133,8 +135,8 @@
 <pc:chgInfo xmlns:a="http://schemas.openxmlformats.org/drawingml/2006/main" xmlns:r="http://schemas.openxmlformats.org/officeDocument/2006/relationships" xmlns:ac="http://schemas.microsoft.com/office/drawing/2013/main/command" xmlns:pc="http://schemas.microsoft.com/office/powerpoint/2013/main/command">
   <pc:docChgLst>
     <pc:chgData name="Christopher Acornley" userId="bbc264c4-ceb7-4165-9c6e-ab9636a383ef" providerId="ADAL" clId="{8E6D76F1-D7AE-4917-A651-8C73AC01DF94}"/>
-    <pc:docChg chg="custSel modSld">
-      <pc:chgData name="Christopher Acornley" userId="bbc264c4-ceb7-4165-9c6e-ab9636a383ef" providerId="ADAL" clId="{8E6D76F1-D7AE-4917-A651-8C73AC01DF94}" dt="2023-06-08T09:02:22.989" v="69"/>
+    <pc:docChg chg="undo custSel addSld modSld sldOrd">
+      <pc:chgData name="Christopher Acornley" userId="bbc264c4-ceb7-4165-9c6e-ab9636a383ef" providerId="ADAL" clId="{8E6D76F1-D7AE-4917-A651-8C73AC01DF94}" dt="2023-06-08T11:44:43.064" v="3030" actId="27636"/>
       <pc:docMkLst>
         <pc:docMk/>
       </pc:docMkLst>
@@ -179,6 +181,67 @@
           <ac:spMkLst>
             <pc:docMk/>
             <pc:sldMk cId="215993404" sldId="264"/>
+            <ac:spMk id="3" creationId="{DAE9E2D5-3E7C-12B5-F2B4-4D153305E279}"/>
+          </ac:spMkLst>
+        </pc:spChg>
+      </pc:sldChg>
+      <pc:sldChg chg="modSp mod">
+        <pc:chgData name="Christopher Acornley" userId="bbc264c4-ceb7-4165-9c6e-ab9636a383ef" providerId="ADAL" clId="{8E6D76F1-D7AE-4917-A651-8C73AC01DF94}" dt="2023-06-08T11:44:43.064" v="3030" actId="27636"/>
+        <pc:sldMkLst>
+          <pc:docMk/>
+          <pc:sldMk cId="1837165283" sldId="265"/>
+        </pc:sldMkLst>
+        <pc:spChg chg="mod">
+          <ac:chgData name="Christopher Acornley" userId="bbc264c4-ceb7-4165-9c6e-ab9636a383ef" providerId="ADAL" clId="{8E6D76F1-D7AE-4917-A651-8C73AC01DF94}" dt="2023-06-08T11:44:43.064" v="3030" actId="27636"/>
+          <ac:spMkLst>
+            <pc:docMk/>
+            <pc:sldMk cId="1837165283" sldId="265"/>
+            <ac:spMk id="3" creationId="{121196E6-3603-F66B-72E8-8E7E5F53AC6C}"/>
+          </ac:spMkLst>
+        </pc:spChg>
+      </pc:sldChg>
+      <pc:sldChg chg="modSp add mod ord">
+        <pc:chgData name="Christopher Acornley" userId="bbc264c4-ceb7-4165-9c6e-ab9636a383ef" providerId="ADAL" clId="{8E6D76F1-D7AE-4917-A651-8C73AC01DF94}" dt="2023-06-08T11:43:25.844" v="2873" actId="403"/>
+        <pc:sldMkLst>
+          <pc:docMk/>
+          <pc:sldMk cId="3279179153" sldId="267"/>
+        </pc:sldMkLst>
+        <pc:spChg chg="mod">
+          <ac:chgData name="Christopher Acornley" userId="bbc264c4-ceb7-4165-9c6e-ab9636a383ef" providerId="ADAL" clId="{8E6D76F1-D7AE-4917-A651-8C73AC01DF94}" dt="2023-06-08T10:59:28.049" v="1281" actId="20577"/>
+          <ac:spMkLst>
+            <pc:docMk/>
+            <pc:sldMk cId="3279179153" sldId="267"/>
+            <ac:spMk id="2" creationId="{C7E0A70A-A506-742E-79FF-CCC404CE65C7}"/>
+          </ac:spMkLst>
+        </pc:spChg>
+        <pc:spChg chg="mod">
+          <ac:chgData name="Christopher Acornley" userId="bbc264c4-ceb7-4165-9c6e-ab9636a383ef" providerId="ADAL" clId="{8E6D76F1-D7AE-4917-A651-8C73AC01DF94}" dt="2023-06-08T11:43:25.844" v="2873" actId="403"/>
+          <ac:spMkLst>
+            <pc:docMk/>
+            <pc:sldMk cId="3279179153" sldId="267"/>
+            <ac:spMk id="3" creationId="{DAE9E2D5-3E7C-12B5-F2B4-4D153305E279}"/>
+          </ac:spMkLst>
+        </pc:spChg>
+      </pc:sldChg>
+      <pc:sldChg chg="modSp add mod ord">
+        <pc:chgData name="Christopher Acornley" userId="bbc264c4-ceb7-4165-9c6e-ab9636a383ef" providerId="ADAL" clId="{8E6D76F1-D7AE-4917-A651-8C73AC01DF94}" dt="2023-06-08T10:59:23.553" v="1270"/>
+        <pc:sldMkLst>
+          <pc:docMk/>
+          <pc:sldMk cId="3815519111" sldId="268"/>
+        </pc:sldMkLst>
+        <pc:spChg chg="mod">
+          <ac:chgData name="Christopher Acornley" userId="bbc264c4-ceb7-4165-9c6e-ab9636a383ef" providerId="ADAL" clId="{8E6D76F1-D7AE-4917-A651-8C73AC01DF94}" dt="2023-06-08T10:59:23.553" v="1270"/>
+          <ac:spMkLst>
+            <pc:docMk/>
+            <pc:sldMk cId="3815519111" sldId="268"/>
+            <ac:spMk id="2" creationId="{C7E0A70A-A506-742E-79FF-CCC404CE65C7}"/>
+          </ac:spMkLst>
+        </pc:spChg>
+        <pc:spChg chg="mod">
+          <ac:chgData name="Christopher Acornley" userId="bbc264c4-ceb7-4165-9c6e-ab9636a383ef" providerId="ADAL" clId="{8E6D76F1-D7AE-4917-A651-8C73AC01DF94}" dt="2023-06-08T10:59:10.036" v="1266" actId="122"/>
+          <ac:spMkLst>
+            <pc:docMk/>
+            <pc:sldMk cId="3815519111" sldId="268"/>
             <ac:spMk id="3" creationId="{DAE9E2D5-3E7C-12B5-F2B4-4D153305E279}"/>
           </ac:spMkLst>
         </pc:spChg>
@@ -7279,7 +7342,7 @@
           <a:p>
             <a:fld id="{C6B3AB32-59DF-41F1-9618-EDFBF5049629}" type="slidenum">
               <a:rPr lang="en-US" smtClean="0"/>
-              <a:t>6</a:t>
+              <a:t>8</a:t>
             </a:fld>
             <a:endParaRPr lang="en-US" dirty="0"/>
           </a:p>
@@ -7363,7 +7426,7 @@
           <a:p>
             <a:fld id="{C6B3AB32-59DF-41F1-9618-EDFBF5049629}" type="slidenum">
               <a:rPr lang="en-US" smtClean="0"/>
-              <a:t>8</a:t>
+              <a:t>10</a:t>
             </a:fld>
             <a:endParaRPr lang="en-US" dirty="0"/>
           </a:p>
@@ -7447,7 +7510,7 @@
           <a:p>
             <a:fld id="{C6B3AB32-59DF-41F1-9618-EDFBF5049629}" type="slidenum">
               <a:rPr lang="en-US" smtClean="0"/>
-              <a:t>9</a:t>
+              <a:t>11</a:t>
             </a:fld>
             <a:endParaRPr lang="en-US" dirty="0"/>
           </a:p>
@@ -11677,1215 +11740,7 @@
 </p:sld>
 </file>
 
-<file path=ppt/slides/slide2.xml><?xml version="1.0" encoding="utf-8"?>
-<p:sld xmlns:a="http://schemas.openxmlformats.org/drawingml/2006/main" xmlns:r="http://schemas.openxmlformats.org/officeDocument/2006/relationships" xmlns:p="http://schemas.openxmlformats.org/presentationml/2006/main">
-  <p:cSld>
-    <p:spTree>
-      <p:nvGrpSpPr>
-        <p:cNvPr id="1" name=""/>
-        <p:cNvGrpSpPr/>
-        <p:nvPr/>
-      </p:nvGrpSpPr>
-      <p:grpSpPr>
-        <a:xfrm>
-          <a:off x="0" y="0"/>
-          <a:ext cx="0" cy="0"/>
-          <a:chOff x="0" y="0"/>
-          <a:chExt cx="0" cy="0"/>
-        </a:xfrm>
-      </p:grpSpPr>
-      <p:sp>
-        <p:nvSpPr>
-          <p:cNvPr id="2" name="Title 1">
-            <a:extLst>
-              <a:ext uri="{FF2B5EF4-FFF2-40B4-BE49-F238E27FC236}">
-                <a16:creationId xmlns:a16="http://schemas.microsoft.com/office/drawing/2014/main" id="{C7E0A70A-A506-742E-79FF-CCC404CE65C7}"/>
-              </a:ext>
-            </a:extLst>
-          </p:cNvPr>
-          <p:cNvSpPr>
-            <a:spLocks noGrp="1"/>
-          </p:cNvSpPr>
-          <p:nvPr>
-            <p:ph type="title"/>
-          </p:nvPr>
-        </p:nvSpPr>
-        <p:spPr/>
-        <p:txBody>
-          <a:bodyPr/>
-          <a:lstStyle/>
-          <a:p>
-            <a:r>
-              <a:rPr lang="en-US" dirty="0"/>
-              <a:t>STUDY AIM</a:t>
-            </a:r>
-            <a:endParaRPr lang="en-GB" dirty="0"/>
-          </a:p>
-        </p:txBody>
-      </p:sp>
-      <p:sp>
-        <p:nvSpPr>
-          <p:cNvPr id="3" name="Content Placeholder 2">
-            <a:extLst>
-              <a:ext uri="{FF2B5EF4-FFF2-40B4-BE49-F238E27FC236}">
-                <a16:creationId xmlns:a16="http://schemas.microsoft.com/office/drawing/2014/main" id="{DAE9E2D5-3E7C-12B5-F2B4-4D153305E279}"/>
-              </a:ext>
-            </a:extLst>
-          </p:cNvPr>
-          <p:cNvSpPr>
-            <a:spLocks noGrp="1"/>
-          </p:cNvSpPr>
-          <p:nvPr>
-            <p:ph idx="1"/>
-          </p:nvPr>
-        </p:nvSpPr>
-        <p:spPr/>
-        <p:txBody>
-          <a:bodyPr/>
-          <a:lstStyle/>
-          <a:p>
-            <a:r>
-              <a:rPr lang="en-US" dirty="0"/>
-              <a:t>Investigate if there is a relationship between student attendance to live lectures and their grade.</a:t>
-            </a:r>
-          </a:p>
-          <a:p>
-            <a:pPr lvl="1"/>
-            <a:r>
-              <a:rPr lang="en-US" dirty="0"/>
-              <a:t>This study is based on the basis that recorded versions of the lectures are available for students to view.</a:t>
-            </a:r>
-          </a:p>
-          <a:p>
-            <a:pPr lvl="1"/>
-            <a:r>
-              <a:rPr lang="en-US" dirty="0"/>
-              <a:t>Students can view the same material if they cannot or decide not to attend a lecture session.</a:t>
-            </a:r>
-          </a:p>
-          <a:p>
-            <a:pPr lvl="1"/>
-            <a:endParaRPr lang="en-US" dirty="0"/>
-          </a:p>
-          <a:p>
-            <a:r>
-              <a:rPr lang="en-US" dirty="0"/>
-              <a:t>Additional aim of the investigation is to determine if providing pre-recorded lectures is a suitable substitute to live lectures.</a:t>
-            </a:r>
-          </a:p>
-          <a:p>
-            <a:pPr lvl="1"/>
-            <a:r>
-              <a:rPr lang="en-US" dirty="0"/>
-              <a:t>This could mean teaching staff can focus on preparing the material ahead of term, freeing up their in-term teaching to respond to student queries, host more practical sessions, or live workshops for students.</a:t>
-            </a:r>
-            <a:endParaRPr lang="en-GB" dirty="0"/>
-          </a:p>
-        </p:txBody>
-      </p:sp>
-    </p:spTree>
-    <p:extLst>
-      <p:ext uri="{BB962C8B-B14F-4D97-AF65-F5344CB8AC3E}">
-        <p14:creationId xmlns:p14="http://schemas.microsoft.com/office/powerpoint/2010/main" val="3260005894"/>
-      </p:ext>
-    </p:extLst>
-  </p:cSld>
-  <p:clrMapOvr>
-    <a:masterClrMapping/>
-  </p:clrMapOvr>
-</p:sld>
-</file>
-
-<file path=ppt/slides/slide3.xml><?xml version="1.0" encoding="utf-8"?>
-<p:sld xmlns:a="http://schemas.openxmlformats.org/drawingml/2006/main" xmlns:r="http://schemas.openxmlformats.org/officeDocument/2006/relationships" xmlns:p="http://schemas.openxmlformats.org/presentationml/2006/main">
-  <p:cSld>
-    <p:spTree>
-      <p:nvGrpSpPr>
-        <p:cNvPr id="1" name=""/>
-        <p:cNvGrpSpPr/>
-        <p:nvPr/>
-      </p:nvGrpSpPr>
-      <p:grpSpPr>
-        <a:xfrm>
-          <a:off x="0" y="0"/>
-          <a:ext cx="0" cy="0"/>
-          <a:chOff x="0" y="0"/>
-          <a:chExt cx="0" cy="0"/>
-        </a:xfrm>
-      </p:grpSpPr>
-      <p:sp>
-        <p:nvSpPr>
-          <p:cNvPr id="2" name="Title 1">
-            <a:extLst>
-              <a:ext uri="{FF2B5EF4-FFF2-40B4-BE49-F238E27FC236}">
-                <a16:creationId xmlns:a16="http://schemas.microsoft.com/office/drawing/2014/main" id="{C7E0A70A-A506-742E-79FF-CCC404CE65C7}"/>
-              </a:ext>
-            </a:extLst>
-          </p:cNvPr>
-          <p:cNvSpPr>
-            <a:spLocks noGrp="1"/>
-          </p:cNvSpPr>
-          <p:nvPr>
-            <p:ph type="title"/>
-          </p:nvPr>
-        </p:nvSpPr>
-        <p:spPr/>
-        <p:txBody>
-          <a:bodyPr/>
-          <a:lstStyle/>
-          <a:p>
-            <a:r>
-              <a:rPr lang="en-US" dirty="0"/>
-              <a:t>External Research</a:t>
-            </a:r>
-            <a:endParaRPr lang="en-GB" dirty="0"/>
-          </a:p>
-        </p:txBody>
-      </p:sp>
-      <p:sp>
-        <p:nvSpPr>
-          <p:cNvPr id="3" name="Content Placeholder 2">
-            <a:extLst>
-              <a:ext uri="{FF2B5EF4-FFF2-40B4-BE49-F238E27FC236}">
-                <a16:creationId xmlns:a16="http://schemas.microsoft.com/office/drawing/2014/main" id="{DAE9E2D5-3E7C-12B5-F2B4-4D153305E279}"/>
-              </a:ext>
-            </a:extLst>
-          </p:cNvPr>
-          <p:cNvSpPr>
-            <a:spLocks noGrp="1"/>
-          </p:cNvSpPr>
-          <p:nvPr>
-            <p:ph idx="1"/>
-          </p:nvPr>
-        </p:nvSpPr>
-        <p:spPr/>
-        <p:txBody>
-          <a:bodyPr>
-            <a:normAutofit fontScale="62500" lnSpcReduction="20000"/>
-          </a:bodyPr>
-          <a:lstStyle/>
-          <a:p>
-            <a:r>
-              <a:rPr lang="en-US" dirty="0"/>
-              <a:t>Attendance vs Grades</a:t>
-            </a:r>
-          </a:p>
-          <a:p>
-            <a:pPr marL="0" indent="0">
-              <a:buNone/>
-            </a:pPr>
-            <a:endParaRPr lang="en-US" dirty="0"/>
-          </a:p>
-          <a:p>
-            <a:pPr marL="0" indent="0">
-              <a:buNone/>
-            </a:pPr>
-            <a:r>
-              <a:rPr lang="en-GB" dirty="0">
-                <a:hlinkClick r:id="rId2"/>
-              </a:rPr>
-              <a:t>Class Attendance in College (sagepub.com)</a:t>
-            </a:r>
-            <a:r>
-              <a:rPr lang="en-GB" dirty="0"/>
-              <a:t> </a:t>
-            </a:r>
-          </a:p>
-          <a:p>
-            <a:pPr marL="0" indent="0">
-              <a:buNone/>
-            </a:pPr>
-            <a:r>
-              <a:rPr lang="en-GB" b="0" i="0" dirty="0" err="1">
-                <a:solidFill>
-                  <a:srgbClr val="222222"/>
-                </a:solidFill>
-                <a:effectLst/>
-                <a:latin typeface="Arial" panose="020B0604020202020204" pitchFamily="34" charset="0"/>
-              </a:rPr>
-              <a:t>Credé</a:t>
-            </a:r>
-            <a:r>
-              <a:rPr lang="en-GB" b="0" i="0" dirty="0">
-                <a:solidFill>
-                  <a:srgbClr val="222222"/>
-                </a:solidFill>
-                <a:effectLst/>
-                <a:latin typeface="Arial" panose="020B0604020202020204" pitchFamily="34" charset="0"/>
-              </a:rPr>
-              <a:t>, M., </a:t>
-            </a:r>
-            <a:r>
-              <a:rPr lang="en-GB" b="0" i="0" dirty="0" err="1">
-                <a:solidFill>
-                  <a:srgbClr val="222222"/>
-                </a:solidFill>
-                <a:effectLst/>
-                <a:latin typeface="Arial" panose="020B0604020202020204" pitchFamily="34" charset="0"/>
-              </a:rPr>
-              <a:t>Roch</a:t>
-            </a:r>
-            <a:r>
-              <a:rPr lang="en-GB" b="0" i="0" dirty="0">
-                <a:solidFill>
-                  <a:srgbClr val="222222"/>
-                </a:solidFill>
-                <a:effectLst/>
-                <a:latin typeface="Arial" panose="020B0604020202020204" pitchFamily="34" charset="0"/>
-              </a:rPr>
-              <a:t>, S.G. and </a:t>
-            </a:r>
-            <a:r>
-              <a:rPr lang="en-GB" b="0" i="0" dirty="0" err="1">
-                <a:solidFill>
-                  <a:srgbClr val="222222"/>
-                </a:solidFill>
-                <a:effectLst/>
-                <a:latin typeface="Arial" panose="020B0604020202020204" pitchFamily="34" charset="0"/>
-              </a:rPr>
-              <a:t>Kieszczynka</a:t>
-            </a:r>
-            <a:r>
-              <a:rPr lang="en-GB" b="0" i="0" dirty="0">
-                <a:solidFill>
-                  <a:srgbClr val="222222"/>
-                </a:solidFill>
-                <a:effectLst/>
-                <a:latin typeface="Arial" panose="020B0604020202020204" pitchFamily="34" charset="0"/>
-              </a:rPr>
-              <a:t>, U.M., 2010. Class attendance in college: A meta-analytic review of the relationship of class attendance with grades and student characteristics. </a:t>
-            </a:r>
-            <a:r>
-              <a:rPr lang="en-GB" b="0" i="1" dirty="0">
-                <a:solidFill>
-                  <a:srgbClr val="222222"/>
-                </a:solidFill>
-                <a:effectLst/>
-                <a:latin typeface="Arial" panose="020B0604020202020204" pitchFamily="34" charset="0"/>
-              </a:rPr>
-              <a:t>Review of Educational Research</a:t>
-            </a:r>
-            <a:r>
-              <a:rPr lang="en-GB" b="0" i="0" dirty="0">
-                <a:solidFill>
-                  <a:srgbClr val="222222"/>
-                </a:solidFill>
-                <a:effectLst/>
-                <a:latin typeface="Arial" panose="020B0604020202020204" pitchFamily="34" charset="0"/>
-              </a:rPr>
-              <a:t>, </a:t>
-            </a:r>
-            <a:r>
-              <a:rPr lang="en-GB" b="0" i="1" dirty="0">
-                <a:solidFill>
-                  <a:srgbClr val="222222"/>
-                </a:solidFill>
-                <a:effectLst/>
-                <a:latin typeface="Arial" panose="020B0604020202020204" pitchFamily="34" charset="0"/>
-              </a:rPr>
-              <a:t>80</a:t>
-            </a:r>
-            <a:r>
-              <a:rPr lang="en-GB" b="0" i="0" dirty="0">
-                <a:solidFill>
-                  <a:srgbClr val="222222"/>
-                </a:solidFill>
-                <a:effectLst/>
-                <a:latin typeface="Arial" panose="020B0604020202020204" pitchFamily="34" charset="0"/>
-              </a:rPr>
-              <a:t>(2), pp.272-295.</a:t>
-            </a:r>
-          </a:p>
-          <a:p>
-            <a:pPr marL="0" indent="0">
-              <a:buNone/>
-            </a:pPr>
-            <a:endParaRPr lang="en-US" dirty="0"/>
-          </a:p>
-          <a:p>
-            <a:pPr marL="0" indent="0">
-              <a:buNone/>
-            </a:pPr>
-            <a:r>
-              <a:rPr lang="en-GB" dirty="0">
-                <a:hlinkClick r:id="rId3"/>
-              </a:rPr>
-              <a:t>A correlation between attendance and grades in a first-year psychology class. (apa.org)</a:t>
-            </a:r>
-            <a:endParaRPr lang="en-US" dirty="0"/>
-          </a:p>
-          <a:p>
-            <a:pPr marL="0" indent="0">
-              <a:buNone/>
-            </a:pPr>
-            <a:r>
-              <a:rPr lang="en-GB" b="0" i="0" dirty="0">
-                <a:solidFill>
-                  <a:srgbClr val="333333"/>
-                </a:solidFill>
-                <a:effectLst/>
-                <a:latin typeface="Arial" panose="020B0604020202020204" pitchFamily="34" charset="0"/>
-              </a:rPr>
-              <a:t>Gunn, K. P. (1993). A correlation between attendance and grades in a first-year psychology class. </a:t>
-            </a:r>
-            <a:r>
-              <a:rPr lang="en-GB" b="0" i="1" dirty="0">
-                <a:solidFill>
-                  <a:srgbClr val="333333"/>
-                </a:solidFill>
-                <a:effectLst/>
-                <a:latin typeface="Arial" panose="020B0604020202020204" pitchFamily="34" charset="0"/>
-              </a:rPr>
-              <a:t>Canadian Psychology / </a:t>
-            </a:r>
-            <a:r>
-              <a:rPr lang="en-GB" b="0" i="1" dirty="0" err="1">
-                <a:solidFill>
-                  <a:srgbClr val="333333"/>
-                </a:solidFill>
-                <a:effectLst/>
-                <a:latin typeface="Arial" panose="020B0604020202020204" pitchFamily="34" charset="0"/>
-              </a:rPr>
-              <a:t>Psychologie</a:t>
-            </a:r>
-            <a:r>
-              <a:rPr lang="en-GB" b="0" i="1" dirty="0">
-                <a:solidFill>
-                  <a:srgbClr val="333333"/>
-                </a:solidFill>
-                <a:effectLst/>
-                <a:latin typeface="Arial" panose="020B0604020202020204" pitchFamily="34" charset="0"/>
-              </a:rPr>
-              <a:t> </a:t>
-            </a:r>
-            <a:r>
-              <a:rPr lang="en-GB" b="0" i="1" dirty="0" err="1">
-                <a:solidFill>
-                  <a:srgbClr val="333333"/>
-                </a:solidFill>
-                <a:effectLst/>
-                <a:latin typeface="Arial" panose="020B0604020202020204" pitchFamily="34" charset="0"/>
-              </a:rPr>
-              <a:t>canadienne</a:t>
-            </a:r>
-            <a:r>
-              <a:rPr lang="en-GB" b="0" i="1" dirty="0">
-                <a:solidFill>
-                  <a:srgbClr val="333333"/>
-                </a:solidFill>
-                <a:effectLst/>
-                <a:latin typeface="Arial" panose="020B0604020202020204" pitchFamily="34" charset="0"/>
-              </a:rPr>
-              <a:t>, 34</a:t>
-            </a:r>
-            <a:r>
-              <a:rPr lang="en-GB" b="0" i="0" dirty="0">
-                <a:solidFill>
-                  <a:srgbClr val="333333"/>
-                </a:solidFill>
-                <a:effectLst/>
-                <a:latin typeface="Arial" panose="020B0604020202020204" pitchFamily="34" charset="0"/>
-              </a:rPr>
-              <a:t>(2), 201–202. </a:t>
-            </a:r>
-            <a:r>
-              <a:rPr lang="en-GB" b="0" i="0" u="none" strike="noStrike" dirty="0">
-                <a:solidFill>
-                  <a:srgbClr val="2C72B7"/>
-                </a:solidFill>
-                <a:effectLst/>
-                <a:latin typeface="Arial" panose="020B0604020202020204" pitchFamily="34" charset="0"/>
-                <a:hlinkClick r:id="rId4"/>
-              </a:rPr>
-              <a:t>https://doi.org/10.1037/h0078770</a:t>
-            </a:r>
-            <a:endParaRPr lang="en-GB" b="0" i="0" u="none" strike="noStrike" dirty="0">
-              <a:solidFill>
-                <a:srgbClr val="2C72B7"/>
-              </a:solidFill>
-              <a:effectLst/>
-              <a:latin typeface="Arial" panose="020B0604020202020204" pitchFamily="34" charset="0"/>
-            </a:endParaRPr>
-          </a:p>
-          <a:p>
-            <a:pPr marL="0" indent="0">
-              <a:buNone/>
-            </a:pPr>
-            <a:endParaRPr lang="en-US" dirty="0"/>
-          </a:p>
-          <a:p>
-            <a:pPr marL="0" indent="0">
-              <a:buNone/>
-            </a:pPr>
-            <a:r>
-              <a:rPr lang="en-GB" dirty="0">
-                <a:hlinkClick r:id="rId5"/>
-              </a:rPr>
-              <a:t>Attendance and performance – ProQuest</a:t>
-            </a:r>
-            <a:endParaRPr lang="en-GB" dirty="0"/>
-          </a:p>
-          <a:p>
-            <a:pPr marL="0" indent="0">
-              <a:buNone/>
-            </a:pPr>
-            <a:r>
-              <a:rPr lang="en-GB" b="0" i="0" dirty="0">
-                <a:solidFill>
-                  <a:srgbClr val="555555"/>
-                </a:solidFill>
-                <a:effectLst/>
-                <a:latin typeface="verdana" panose="020B0604030504040204" pitchFamily="34" charset="0"/>
-              </a:rPr>
-              <a:t>MOORE, R., 2003. Attendance and performance. </a:t>
-            </a:r>
-            <a:r>
-              <a:rPr lang="en-GB" b="0" i="1" dirty="0">
-                <a:solidFill>
-                  <a:srgbClr val="555555"/>
-                </a:solidFill>
-                <a:effectLst/>
-                <a:latin typeface="verdana" panose="020B0604030504040204" pitchFamily="34" charset="0"/>
-              </a:rPr>
-              <a:t>Journal of College Science Teaching, </a:t>
-            </a:r>
-            <a:r>
-              <a:rPr lang="en-GB" b="1" i="0" dirty="0">
-                <a:solidFill>
-                  <a:srgbClr val="555555"/>
-                </a:solidFill>
-                <a:effectLst/>
-                <a:latin typeface="verdana" panose="020B0604030504040204" pitchFamily="34" charset="0"/>
-              </a:rPr>
-              <a:t>32</a:t>
-            </a:r>
-            <a:r>
-              <a:rPr lang="en-GB" b="0" i="0" dirty="0">
-                <a:solidFill>
-                  <a:srgbClr val="555555"/>
-                </a:solidFill>
-                <a:effectLst/>
-                <a:latin typeface="verdana" panose="020B0604030504040204" pitchFamily="34" charset="0"/>
-              </a:rPr>
-              <a:t>(6), pp. </a:t>
-            </a:r>
-            <a:r>
-              <a:rPr lang="en-GB" b="0" i="0">
-                <a:solidFill>
-                  <a:srgbClr val="555555"/>
-                </a:solidFill>
-                <a:effectLst/>
-                <a:latin typeface="verdana" panose="020B0604030504040204" pitchFamily="34" charset="0"/>
-              </a:rPr>
-              <a:t>367-371.</a:t>
-            </a:r>
-            <a:endParaRPr lang="en-US" dirty="0"/>
-          </a:p>
-          <a:p>
-            <a:pPr marL="0" indent="0">
-              <a:buNone/>
-            </a:pPr>
-            <a:endParaRPr lang="en-US" dirty="0"/>
-          </a:p>
-          <a:p>
-            <a:r>
-              <a:rPr lang="en-US" dirty="0"/>
-              <a:t>Pedagogic positives of recording </a:t>
-            </a:r>
-            <a:r>
-              <a:rPr lang="en-US" dirty="0" err="1"/>
-              <a:t>matierall</a:t>
-            </a:r>
-            <a:endParaRPr lang="en-US" dirty="0"/>
-          </a:p>
-          <a:p>
-            <a:r>
-              <a:rPr lang="en-US" dirty="0"/>
-              <a:t>Multiple approaches available</a:t>
-            </a:r>
-          </a:p>
-          <a:p>
-            <a:endParaRPr lang="en-GB" dirty="0"/>
-          </a:p>
-        </p:txBody>
-      </p:sp>
-    </p:spTree>
-    <p:extLst>
-      <p:ext uri="{BB962C8B-B14F-4D97-AF65-F5344CB8AC3E}">
-        <p14:creationId xmlns:p14="http://schemas.microsoft.com/office/powerpoint/2010/main" val="215993404"/>
-      </p:ext>
-    </p:extLst>
-  </p:cSld>
-  <p:clrMapOvr>
-    <a:masterClrMapping/>
-  </p:clrMapOvr>
-</p:sld>
-</file>
-
-<file path=ppt/slides/slide4.xml><?xml version="1.0" encoding="utf-8"?>
-<p:sld xmlns:a="http://schemas.openxmlformats.org/drawingml/2006/main" xmlns:r="http://schemas.openxmlformats.org/officeDocument/2006/relationships" xmlns:p="http://schemas.openxmlformats.org/presentationml/2006/main">
-  <p:cSld>
-    <p:spTree>
-      <p:nvGrpSpPr>
-        <p:cNvPr id="1" name=""/>
-        <p:cNvGrpSpPr/>
-        <p:nvPr/>
-      </p:nvGrpSpPr>
-      <p:grpSpPr>
-        <a:xfrm>
-          <a:off x="0" y="0"/>
-          <a:ext cx="0" cy="0"/>
-          <a:chOff x="0" y="0"/>
-          <a:chExt cx="0" cy="0"/>
-        </a:xfrm>
-      </p:grpSpPr>
-      <p:sp>
-        <p:nvSpPr>
-          <p:cNvPr id="2" name="Title 1">
-            <a:extLst>
-              <a:ext uri="{FF2B5EF4-FFF2-40B4-BE49-F238E27FC236}">
-                <a16:creationId xmlns:a16="http://schemas.microsoft.com/office/drawing/2014/main" id="{BD4CA9CC-5ADC-001A-4D31-8EC14B8E37D4}"/>
-              </a:ext>
-            </a:extLst>
-          </p:cNvPr>
-          <p:cNvSpPr>
-            <a:spLocks noGrp="1"/>
-          </p:cNvSpPr>
-          <p:nvPr>
-            <p:ph type="title"/>
-          </p:nvPr>
-        </p:nvSpPr>
-        <p:spPr/>
-        <p:txBody>
-          <a:bodyPr/>
-          <a:lstStyle/>
-          <a:p>
-            <a:r>
-              <a:rPr lang="en-US" dirty="0"/>
-              <a:t>Data Gathering methods</a:t>
-            </a:r>
-            <a:endParaRPr lang="en-GB" dirty="0"/>
-          </a:p>
-        </p:txBody>
-      </p:sp>
-      <p:sp>
-        <p:nvSpPr>
-          <p:cNvPr id="3" name="Content Placeholder 2">
-            <a:extLst>
-              <a:ext uri="{FF2B5EF4-FFF2-40B4-BE49-F238E27FC236}">
-                <a16:creationId xmlns:a16="http://schemas.microsoft.com/office/drawing/2014/main" id="{121196E6-3603-F66B-72E8-8E7E5F53AC6C}"/>
-              </a:ext>
-            </a:extLst>
-          </p:cNvPr>
-          <p:cNvSpPr>
-            <a:spLocks noGrp="1"/>
-          </p:cNvSpPr>
-          <p:nvPr>
-            <p:ph idx="1"/>
-          </p:nvPr>
-        </p:nvSpPr>
-        <p:spPr/>
-        <p:txBody>
-          <a:bodyPr>
-            <a:normAutofit fontScale="85000" lnSpcReduction="10000"/>
-          </a:bodyPr>
-          <a:lstStyle/>
-          <a:p>
-            <a:r>
-              <a:rPr lang="en-US" dirty="0"/>
-              <a:t>The following data was gathered as stating in the Research Proposal:</a:t>
-            </a:r>
-          </a:p>
-          <a:p>
-            <a:pPr marL="666900" lvl="1" indent="-342900">
-              <a:buFont typeface="+mj-lt"/>
-              <a:buAutoNum type="arabicPeriod"/>
-            </a:pPr>
-            <a:r>
-              <a:rPr lang="en-US" dirty="0"/>
-              <a:t>Attendance of each class Recorded on Attendance Software (JISC)</a:t>
-            </a:r>
-          </a:p>
-          <a:p>
-            <a:pPr marL="666900" lvl="1" indent="-342900">
-              <a:buFont typeface="+mj-lt"/>
-              <a:buAutoNum type="arabicPeriod"/>
-            </a:pPr>
-            <a:r>
-              <a:rPr lang="en-US" dirty="0"/>
-              <a:t>Usage of class work and Assignments on MyLearningSpace (VLE)</a:t>
-            </a:r>
-          </a:p>
-          <a:p>
-            <a:pPr marL="666900" lvl="1" indent="-342900">
-              <a:buFont typeface="+mj-lt"/>
-              <a:buAutoNum type="arabicPeriod"/>
-            </a:pPr>
-            <a:r>
-              <a:rPr lang="en-US" dirty="0"/>
-              <a:t>Grades of Students for Marked Assignment</a:t>
-            </a:r>
-          </a:p>
-          <a:p>
-            <a:pPr marL="666900" lvl="1" indent="-342900">
-              <a:buFont typeface="+mj-lt"/>
-              <a:buAutoNum type="arabicPeriod"/>
-            </a:pPr>
-            <a:r>
-              <a:rPr lang="en-US" dirty="0"/>
-              <a:t>Views of Recorded Material</a:t>
-            </a:r>
-          </a:p>
-          <a:p>
-            <a:pPr marL="342900" indent="-342900">
-              <a:buFont typeface="+mj-lt"/>
-              <a:buAutoNum type="arabicPeriod"/>
-            </a:pPr>
-            <a:endParaRPr lang="en-US" dirty="0"/>
-          </a:p>
-          <a:p>
-            <a:r>
-              <a:rPr lang="en-US" dirty="0"/>
-              <a:t>Data was gathered for sessions 2020-2021, 2021-2022, and 2022-2023.</a:t>
-            </a:r>
-          </a:p>
-          <a:p>
-            <a:endParaRPr lang="en-US" dirty="0"/>
-          </a:p>
-          <a:p>
-            <a:r>
-              <a:rPr lang="en-US" dirty="0"/>
-              <a:t>Ethics approval for this project was given based on the anonymizing of student identifications. To do this, the raw data gathered was collated into a single Spreadsheet for each year, and Student ID’s were hashed during a SHA256 Hashing algorithm &lt;REF&gt;.</a:t>
-            </a:r>
-          </a:p>
-          <a:p>
-            <a:pPr lvl="1"/>
-            <a:r>
-              <a:rPr lang="en-US" dirty="0"/>
-              <a:t>Converts student number into a 256-bit hexadecimal value. Hashing processes was chosen due to the high security of the process (cannot convert Hash back into original value) and very low chance of collisions &lt;REF&gt;.</a:t>
-            </a:r>
-          </a:p>
-        </p:txBody>
-      </p:sp>
-    </p:spTree>
-    <p:extLst>
-      <p:ext uri="{BB962C8B-B14F-4D97-AF65-F5344CB8AC3E}">
-        <p14:creationId xmlns:p14="http://schemas.microsoft.com/office/powerpoint/2010/main" val="1837165283"/>
-      </p:ext>
-    </p:extLst>
-  </p:cSld>
-  <p:clrMapOvr>
-    <a:masterClrMapping/>
-  </p:clrMapOvr>
-</p:sld>
-</file>
-
-<file path=ppt/slides/slide5.xml><?xml version="1.0" encoding="utf-8"?>
-<p:sld xmlns:a="http://schemas.openxmlformats.org/drawingml/2006/main" xmlns:r="http://schemas.openxmlformats.org/officeDocument/2006/relationships" xmlns:p="http://schemas.openxmlformats.org/presentationml/2006/main">
-  <p:cSld>
-    <p:spTree>
-      <p:nvGrpSpPr>
-        <p:cNvPr id="1" name=""/>
-        <p:cNvGrpSpPr/>
-        <p:nvPr/>
-      </p:nvGrpSpPr>
-      <p:grpSpPr>
-        <a:xfrm>
-          <a:off x="0" y="0"/>
-          <a:ext cx="0" cy="0"/>
-          <a:chOff x="0" y="0"/>
-          <a:chExt cx="0" cy="0"/>
-        </a:xfrm>
-      </p:grpSpPr>
-      <p:sp>
-        <p:nvSpPr>
-          <p:cNvPr id="2" name="Title 1">
-            <a:extLst>
-              <a:ext uri="{FF2B5EF4-FFF2-40B4-BE49-F238E27FC236}">
-                <a16:creationId xmlns:a16="http://schemas.microsoft.com/office/drawing/2014/main" id="{BD4CA9CC-5ADC-001A-4D31-8EC14B8E37D4}"/>
-              </a:ext>
-            </a:extLst>
-          </p:cNvPr>
-          <p:cNvSpPr>
-            <a:spLocks noGrp="1"/>
-          </p:cNvSpPr>
-          <p:nvPr>
-            <p:ph type="title"/>
-          </p:nvPr>
-        </p:nvSpPr>
-        <p:spPr/>
-        <p:txBody>
-          <a:bodyPr/>
-          <a:lstStyle/>
-          <a:p>
-            <a:r>
-              <a:rPr lang="en-US" dirty="0"/>
-              <a:t>Data Gathering methods</a:t>
-            </a:r>
-            <a:endParaRPr lang="en-GB" dirty="0"/>
-          </a:p>
-        </p:txBody>
-      </p:sp>
-      <p:sp>
-        <p:nvSpPr>
-          <p:cNvPr id="3" name="Content Placeholder 2">
-            <a:extLst>
-              <a:ext uri="{FF2B5EF4-FFF2-40B4-BE49-F238E27FC236}">
-                <a16:creationId xmlns:a16="http://schemas.microsoft.com/office/drawing/2014/main" id="{121196E6-3603-F66B-72E8-8E7E5F53AC6C}"/>
-              </a:ext>
-            </a:extLst>
-          </p:cNvPr>
-          <p:cNvSpPr>
-            <a:spLocks noGrp="1"/>
-          </p:cNvSpPr>
-          <p:nvPr>
-            <p:ph idx="1"/>
-          </p:nvPr>
-        </p:nvSpPr>
-        <p:spPr/>
-        <p:txBody>
-          <a:bodyPr>
-            <a:normAutofit fontScale="85000" lnSpcReduction="20000"/>
-          </a:bodyPr>
-          <a:lstStyle/>
-          <a:p>
-            <a:r>
-              <a:rPr lang="en-US" dirty="0"/>
-              <a:t>Attendance is gathered for all students for all classes</a:t>
-            </a:r>
-          </a:p>
-          <a:p>
-            <a:r>
-              <a:rPr lang="en-US" dirty="0"/>
-              <a:t>Students split into single lecture for all, then either group A or group B for practical</a:t>
-            </a:r>
-          </a:p>
-          <a:p>
-            <a:r>
-              <a:rPr lang="en-US" dirty="0"/>
-              <a:t>Students assigned to class based on Timetable, not class list available through attendance system and MyLearningSpace</a:t>
-            </a:r>
-          </a:p>
-          <a:p>
-            <a:pPr marL="342900" indent="-342900">
-              <a:buFont typeface="+mj-lt"/>
-              <a:buAutoNum type="arabicPeriod"/>
-            </a:pPr>
-            <a:endParaRPr lang="en-US" dirty="0"/>
-          </a:p>
-          <a:p>
-            <a:r>
-              <a:rPr lang="en-US" dirty="0"/>
-              <a:t>For the purposes of this study, only students who were noted as having attended were counted as attending. </a:t>
-            </a:r>
-          </a:p>
-          <a:p>
-            <a:pPr lvl="1"/>
-            <a:r>
-              <a:rPr lang="en-US" dirty="0"/>
-              <a:t>There is a possibility that some students would have attended class and not registered using the MyAbertay app, as well as students who had notified reasoning for not attending. There is also a possibility that students who had a notified reason for not attending still managed to attend. To prevent speculation, only students who are recorded as attending will be used in this study.</a:t>
-            </a:r>
-          </a:p>
-          <a:p>
-            <a:endParaRPr lang="en-US" dirty="0"/>
-          </a:p>
-          <a:p>
-            <a:r>
-              <a:rPr lang="en-US" dirty="0"/>
-              <a:t>Attendance data in the following format was considered as not attending a class:</a:t>
-            </a:r>
-          </a:p>
-          <a:p>
-            <a:pPr marL="666900" lvl="1" indent="-342900">
-              <a:buFont typeface="+mj-lt"/>
-              <a:buAutoNum type="arabicPeriod"/>
-            </a:pPr>
-            <a:r>
-              <a:rPr lang="en-US" dirty="0"/>
-              <a:t>Not Attended</a:t>
-            </a:r>
-          </a:p>
-          <a:p>
-            <a:pPr marL="666900" lvl="1" indent="-342900">
-              <a:buFont typeface="+mj-lt"/>
-              <a:buAutoNum type="arabicPeriod"/>
-            </a:pPr>
-            <a:r>
-              <a:rPr lang="en-US" dirty="0"/>
-              <a:t>Notified Absence</a:t>
-            </a:r>
-          </a:p>
-          <a:p>
-            <a:pPr marL="666900" lvl="1" indent="-342900">
-              <a:buFont typeface="+mj-lt"/>
-              <a:buAutoNum type="arabicPeriod"/>
-            </a:pPr>
-            <a:r>
-              <a:rPr lang="en-US" dirty="0"/>
-              <a:t>Not Required</a:t>
-            </a:r>
-          </a:p>
-        </p:txBody>
-      </p:sp>
-    </p:spTree>
-    <p:extLst>
-      <p:ext uri="{BB962C8B-B14F-4D97-AF65-F5344CB8AC3E}">
-        <p14:creationId xmlns:p14="http://schemas.microsoft.com/office/powerpoint/2010/main" val="757512740"/>
-      </p:ext>
-    </p:extLst>
-  </p:cSld>
-  <p:clrMapOvr>
-    <a:masterClrMapping/>
-  </p:clrMapOvr>
-</p:sld>
-</file>
-
-<file path=ppt/slides/slide6.xml><?xml version="1.0" encoding="utf-8"?>
-<p:sld xmlns:a="http://schemas.openxmlformats.org/drawingml/2006/main" xmlns:r="http://schemas.openxmlformats.org/officeDocument/2006/relationships" xmlns:p="http://schemas.openxmlformats.org/presentationml/2006/main">
-  <p:cSld>
-    <p:bg>
-      <p:bgPr>
-        <a:solidFill>
-          <a:schemeClr val="bg1"/>
-        </a:solidFill>
-        <a:effectLst/>
-      </p:bgPr>
-    </p:bg>
-    <p:spTree>
-      <p:nvGrpSpPr>
-        <p:cNvPr id="1" name=""/>
-        <p:cNvGrpSpPr/>
-        <p:nvPr/>
-      </p:nvGrpSpPr>
-      <p:grpSpPr>
-        <a:xfrm>
-          <a:off x="0" y="0"/>
-          <a:ext cx="0" cy="0"/>
-          <a:chOff x="0" y="0"/>
-          <a:chExt cx="0" cy="0"/>
-        </a:xfrm>
-      </p:grpSpPr>
-      <p:sp useBgFill="1">
-        <p:nvSpPr>
-          <p:cNvPr id="29" name="Rectangle 28">
-            <a:extLst>
-              <a:ext uri="{FF2B5EF4-FFF2-40B4-BE49-F238E27FC236}">
-                <a16:creationId xmlns:a16="http://schemas.microsoft.com/office/drawing/2014/main" id="{BFDA9692-ECDC-4B59-86B2-8C90FDE1A055}"/>
-              </a:ext>
-              <a:ext uri="{C183D7F6-B498-43B3-948B-1728B52AA6E4}">
-                <adec:decorative xmlns:adec="http://schemas.microsoft.com/office/drawing/2017/decorative" val="1"/>
-              </a:ext>
-            </a:extLst>
-          </p:cNvPr>
-          <p:cNvSpPr>
-            <a:spLocks noGrp="1" noRot="1" noChangeAspect="1" noMove="1" noResize="1" noEditPoints="1" noAdjustHandles="1" noChangeArrowheads="1" noChangeShapeType="1" noTextEdit="1"/>
-          </p:cNvSpPr>
-          <p:nvPr>
-            <p:extLst>
-              <p:ext uri="{386F3935-93C4-4BCD-93E2-E3B085C9AB24}">
-                <p16:designElem xmlns:p16="http://schemas.microsoft.com/office/powerpoint/2015/main" val="1"/>
-              </p:ext>
-            </p:extLst>
-          </p:nvPr>
-        </p:nvSpPr>
-        <p:spPr>
-          <a:xfrm>
-            <a:off x="0" y="536712"/>
-            <a:ext cx="12192000" cy="6321287"/>
-          </a:xfrm>
-          <a:prstGeom prst="rect">
-            <a:avLst/>
-          </a:prstGeom>
-          <a:ln>
-            <a:noFill/>
-          </a:ln>
-        </p:spPr>
-        <p:style>
-          <a:lnRef idx="2">
-            <a:schemeClr val="accent1">
-              <a:shade val="50000"/>
-            </a:schemeClr>
-          </a:lnRef>
-          <a:fillRef idx="1">
-            <a:schemeClr val="accent1"/>
-          </a:fillRef>
-          <a:effectRef idx="0">
-            <a:schemeClr val="accent1"/>
-          </a:effectRef>
-          <a:fontRef idx="minor">
-            <a:schemeClr val="lt1"/>
-          </a:fontRef>
-        </p:style>
-        <p:txBody>
-          <a:bodyPr rtlCol="0" anchor="ctr"/>
-          <a:lstStyle/>
-          <a:p>
-            <a:pPr algn="ctr"/>
-            <a:endParaRPr lang="en-US" dirty="0"/>
-          </a:p>
-        </p:txBody>
-      </p:sp>
-      <p:sp>
-        <p:nvSpPr>
-          <p:cNvPr id="31" name="Rectangle 30">
-            <a:extLst>
-              <a:ext uri="{FF2B5EF4-FFF2-40B4-BE49-F238E27FC236}">
-                <a16:creationId xmlns:a16="http://schemas.microsoft.com/office/drawing/2014/main" id="{12C05506-42A1-49C0-9D87-081CCD9023D6}"/>
-              </a:ext>
-              <a:ext uri="{C183D7F6-B498-43B3-948B-1728B52AA6E4}">
-                <adec:decorative xmlns:adec="http://schemas.microsoft.com/office/drawing/2017/decorative" val="1"/>
-              </a:ext>
-            </a:extLst>
-          </p:cNvPr>
-          <p:cNvSpPr>
-            <a:spLocks noGrp="1" noRot="1" noChangeAspect="1" noMove="1" noResize="1" noEditPoints="1" noAdjustHandles="1" noChangeArrowheads="1" noChangeShapeType="1" noTextEdit="1"/>
-          </p:cNvSpPr>
-          <p:nvPr>
-            <p:extLst>
-              <p:ext uri="{386F3935-93C4-4BCD-93E2-E3B085C9AB24}">
-                <p16:designElem xmlns:p16="http://schemas.microsoft.com/office/powerpoint/2015/main" val="1"/>
-              </p:ext>
-            </p:extLst>
-          </p:nvPr>
-        </p:nvSpPr>
-        <p:spPr>
-          <a:xfrm>
-            <a:off x="447817" y="5141974"/>
-            <a:ext cx="11290860" cy="1258827"/>
-          </a:xfrm>
-          <a:prstGeom prst="rect">
-            <a:avLst/>
-          </a:prstGeom>
-          <a:solidFill>
-            <a:schemeClr val="accent1"/>
-          </a:solidFill>
-          <a:ln>
-            <a:noFill/>
-          </a:ln>
-          <a:effectLst/>
-        </p:spPr>
-        <p:style>
-          <a:lnRef idx="1">
-            <a:schemeClr val="accent1"/>
-          </a:lnRef>
-          <a:fillRef idx="3">
-            <a:schemeClr val="accent1"/>
-          </a:fillRef>
-          <a:effectRef idx="2">
-            <a:schemeClr val="accent1"/>
-          </a:effectRef>
-          <a:fontRef idx="minor">
-            <a:schemeClr val="lt1"/>
-          </a:fontRef>
-        </p:style>
-      </p:sp>
-      <p:sp>
-        <p:nvSpPr>
-          <p:cNvPr id="2" name="Title 1">
-            <a:extLst>
-              <a:ext uri="{FF2B5EF4-FFF2-40B4-BE49-F238E27FC236}">
-                <a16:creationId xmlns:a16="http://schemas.microsoft.com/office/drawing/2014/main" id="{5B040558-A365-4CCE-92FA-5A48CD98F9C9}"/>
-              </a:ext>
-            </a:extLst>
-          </p:cNvPr>
-          <p:cNvSpPr>
-            <a:spLocks noGrp="1"/>
-          </p:cNvSpPr>
-          <p:nvPr>
-            <p:ph type="title"/>
-          </p:nvPr>
-        </p:nvSpPr>
-        <p:spPr>
-          <a:xfrm>
-            <a:off x="581192" y="5264487"/>
-            <a:ext cx="11029616" cy="718870"/>
-          </a:xfrm>
-        </p:spPr>
-        <p:txBody>
-          <a:bodyPr>
-            <a:normAutofit/>
-          </a:bodyPr>
-          <a:lstStyle/>
-          <a:p>
-            <a:r>
-              <a:rPr lang="en-US" dirty="0">
-                <a:solidFill>
-                  <a:srgbClr val="FFFEFF"/>
-                </a:solidFill>
-              </a:rPr>
-              <a:t>Tech Requirements</a:t>
-            </a:r>
-          </a:p>
-        </p:txBody>
-      </p:sp>
-      <p:graphicFrame>
-        <p:nvGraphicFramePr>
-          <p:cNvPr id="4" name="Content Placeholder 3" descr="icon SmartArt graphic">
-            <a:extLst>
-              <a:ext uri="{FF2B5EF4-FFF2-40B4-BE49-F238E27FC236}">
-                <a16:creationId xmlns:a16="http://schemas.microsoft.com/office/drawing/2014/main" id="{81E592E1-99DF-4294-A2E9-EF46299BD3F4}"/>
-              </a:ext>
-            </a:extLst>
-          </p:cNvPr>
-          <p:cNvGraphicFramePr>
-            <a:graphicFrameLocks noGrp="1"/>
-          </p:cNvGraphicFramePr>
-          <p:nvPr>
-            <p:ph idx="1"/>
-            <p:extLst>
-              <p:ext uri="{D42A27DB-BD31-4B8C-83A1-F6EECF244321}">
-                <p14:modId xmlns:p14="http://schemas.microsoft.com/office/powerpoint/2010/main" val="1541187836"/>
-              </p:ext>
-            </p:extLst>
-          </p:nvPr>
-        </p:nvGraphicFramePr>
-        <p:xfrm>
-          <a:off x="642938" y="858445"/>
-          <a:ext cx="10906125" cy="3961205"/>
-        </p:xfrm>
-        <a:graphic>
-          <a:graphicData uri="http://schemas.openxmlformats.org/drawingml/2006/diagram">
-            <dgm:relIds xmlns:dgm="http://schemas.openxmlformats.org/drawingml/2006/diagram" xmlns:r="http://schemas.openxmlformats.org/officeDocument/2006/relationships" r:dm="rId3" r:lo="rId4" r:qs="rId5" r:cs="rId6"/>
-          </a:graphicData>
-        </a:graphic>
-      </p:graphicFrame>
-    </p:spTree>
-    <p:extLst>
-      <p:ext uri="{BB962C8B-B14F-4D97-AF65-F5344CB8AC3E}">
-        <p14:creationId xmlns:p14="http://schemas.microsoft.com/office/powerpoint/2010/main" val="1703342593"/>
-      </p:ext>
-    </p:extLst>
-  </p:cSld>
-  <p:clrMapOvr>
-    <a:masterClrMapping/>
-  </p:clrMapOvr>
-</p:sld>
-</file>
-
-<file path=ppt/slides/slide7.xml><?xml version="1.0" encoding="utf-8"?>
-<p:sld xmlns:a="http://schemas.openxmlformats.org/drawingml/2006/main" xmlns:r="http://schemas.openxmlformats.org/officeDocument/2006/relationships" xmlns:p="http://schemas.openxmlformats.org/presentationml/2006/main">
-  <p:cSld>
-    <p:spTree>
-      <p:nvGrpSpPr>
-        <p:cNvPr id="1" name=""/>
-        <p:cNvGrpSpPr/>
-        <p:nvPr/>
-      </p:nvGrpSpPr>
-      <p:grpSpPr>
-        <a:xfrm>
-          <a:off x="0" y="0"/>
-          <a:ext cx="0" cy="0"/>
-          <a:chOff x="0" y="0"/>
-          <a:chExt cx="0" cy="0"/>
-        </a:xfrm>
-      </p:grpSpPr>
-      <p:sp>
-        <p:nvSpPr>
-          <p:cNvPr id="2" name="Title 1">
-            <a:extLst>
-              <a:ext uri="{FF2B5EF4-FFF2-40B4-BE49-F238E27FC236}">
-                <a16:creationId xmlns:a16="http://schemas.microsoft.com/office/drawing/2014/main" id="{921633EB-7DCB-4DDC-80AF-C885A3EE1245}"/>
-              </a:ext>
-            </a:extLst>
-          </p:cNvPr>
-          <p:cNvSpPr>
-            <a:spLocks noGrp="1"/>
-          </p:cNvSpPr>
-          <p:nvPr>
-            <p:ph type="title"/>
-          </p:nvPr>
-        </p:nvSpPr>
-        <p:spPr/>
-        <p:txBody>
-          <a:bodyPr/>
-          <a:lstStyle/>
-          <a:p>
-            <a:r>
-              <a:rPr lang="en-US" dirty="0"/>
-              <a:t>Competitive Landscape</a:t>
-            </a:r>
-          </a:p>
-        </p:txBody>
-      </p:sp>
-      <p:pic>
-        <p:nvPicPr>
-          <p:cNvPr id="11" name="Content Placeholder 4" descr="Charts">
-            <a:extLst>
-              <a:ext uri="{FF2B5EF4-FFF2-40B4-BE49-F238E27FC236}">
-                <a16:creationId xmlns:a16="http://schemas.microsoft.com/office/drawing/2014/main" id="{47D9BE16-119C-43B2-9AE6-18C4A150C0EF}"/>
-              </a:ext>
-            </a:extLst>
-          </p:cNvPr>
-          <p:cNvPicPr>
-            <a:picLocks noGrp="1" noChangeAspect="1"/>
-          </p:cNvPicPr>
-          <p:nvPr>
-            <p:ph sz="half" idx="1"/>
-          </p:nvPr>
-        </p:nvPicPr>
-        <p:blipFill rotWithShape="1">
-          <a:blip r:embed="rId2" cstate="screen">
-            <a:extLst>
-              <a:ext uri="{28A0092B-C50C-407E-A947-70E740481C1C}">
-                <a14:useLocalDpi xmlns:a14="http://schemas.microsoft.com/office/drawing/2010/main"/>
-              </a:ext>
-            </a:extLst>
-          </a:blip>
-          <a:stretch/>
-        </p:blipFill>
-        <p:spPr>
-          <a:xfrm>
-            <a:off x="581025" y="2231480"/>
-            <a:ext cx="5422900" cy="3625353"/>
-          </a:xfrm>
-        </p:spPr>
-      </p:pic>
-      <p:pic>
-        <p:nvPicPr>
-          <p:cNvPr id="18" name="Content Placeholder 17" descr="Chart placeholder">
-            <a:extLst>
-              <a:ext uri="{FF2B5EF4-FFF2-40B4-BE49-F238E27FC236}">
-                <a16:creationId xmlns:a16="http://schemas.microsoft.com/office/drawing/2014/main" id="{BFEA8EC1-23A4-4843-A9C3-AE771D73392A}"/>
-              </a:ext>
-            </a:extLst>
-          </p:cNvPr>
-          <p:cNvPicPr>
-            <a:picLocks noGrp="1" noChangeAspect="1"/>
-          </p:cNvPicPr>
-          <p:nvPr>
-            <p:ph sz="half" idx="2"/>
-          </p:nvPr>
-        </p:nvPicPr>
-        <p:blipFill>
-          <a:blip r:embed="rId3"/>
-          <a:stretch>
-            <a:fillRect/>
-          </a:stretch>
-        </p:blipFill>
-        <p:spPr>
-          <a:xfrm>
-            <a:off x="6201811" y="2571845"/>
-            <a:ext cx="5395428" cy="2944623"/>
-          </a:xfrm>
-          <a:prstGeom prst="rect">
-            <a:avLst/>
-          </a:prstGeom>
-        </p:spPr>
-      </p:pic>
-    </p:spTree>
-    <p:extLst>
-      <p:ext uri="{BB962C8B-B14F-4D97-AF65-F5344CB8AC3E}">
-        <p14:creationId xmlns:p14="http://schemas.microsoft.com/office/powerpoint/2010/main" val="497607547"/>
-      </p:ext>
-    </p:extLst>
-  </p:cSld>
-  <p:clrMapOvr>
-    <a:masterClrMapping/>
-  </p:clrMapOvr>
-</p:sld>
-</file>
-
-<file path=ppt/slides/slide8.xml><?xml version="1.0" encoding="utf-8"?>
+<file path=ppt/slides/slide10.xml><?xml version="1.0" encoding="utf-8"?>
 <p:sld xmlns:a="http://schemas.openxmlformats.org/drawingml/2006/main" xmlns:r="http://schemas.openxmlformats.org/officeDocument/2006/relationships" xmlns:p="http://schemas.openxmlformats.org/presentationml/2006/main">
   <p:cSld>
     <p:bg>
@@ -13275,7 +12130,7 @@
 </p:sld>
 </file>
 
-<file path=ppt/slides/slide9.xml><?xml version="1.0" encoding="utf-8"?>
+<file path=ppt/slides/slide11.xml><?xml version="1.0" encoding="utf-8"?>
 <p:sld xmlns:a="http://schemas.openxmlformats.org/drawingml/2006/main" xmlns:r="http://schemas.openxmlformats.org/officeDocument/2006/relationships" xmlns:p="http://schemas.openxmlformats.org/presentationml/2006/main">
   <p:cSld>
     <p:bg>
@@ -13756,6 +12611,1465 @@
     <p:extLst>
       <p:ext uri="{BB962C8B-B14F-4D97-AF65-F5344CB8AC3E}">
         <p14:creationId xmlns:p14="http://schemas.microsoft.com/office/powerpoint/2010/main" val="3501347425"/>
+      </p:ext>
+    </p:extLst>
+  </p:cSld>
+  <p:clrMapOvr>
+    <a:masterClrMapping/>
+  </p:clrMapOvr>
+</p:sld>
+</file>
+
+<file path=ppt/slides/slide2.xml><?xml version="1.0" encoding="utf-8"?>
+<p:sld xmlns:a="http://schemas.openxmlformats.org/drawingml/2006/main" xmlns:r="http://schemas.openxmlformats.org/officeDocument/2006/relationships" xmlns:p="http://schemas.openxmlformats.org/presentationml/2006/main">
+  <p:cSld>
+    <p:spTree>
+      <p:nvGrpSpPr>
+        <p:cNvPr id="1" name=""/>
+        <p:cNvGrpSpPr/>
+        <p:nvPr/>
+      </p:nvGrpSpPr>
+      <p:grpSpPr>
+        <a:xfrm>
+          <a:off x="0" y="0"/>
+          <a:ext cx="0" cy="0"/>
+          <a:chOff x="0" y="0"/>
+          <a:chExt cx="0" cy="0"/>
+        </a:xfrm>
+      </p:grpSpPr>
+      <p:sp>
+        <p:nvSpPr>
+          <p:cNvPr id="2" name="Title 1">
+            <a:extLst>
+              <a:ext uri="{FF2B5EF4-FFF2-40B4-BE49-F238E27FC236}">
+                <a16:creationId xmlns:a16="http://schemas.microsoft.com/office/drawing/2014/main" id="{C7E0A70A-A506-742E-79FF-CCC404CE65C7}"/>
+              </a:ext>
+            </a:extLst>
+          </p:cNvPr>
+          <p:cNvSpPr>
+            <a:spLocks noGrp="1"/>
+          </p:cNvSpPr>
+          <p:nvPr>
+            <p:ph type="title"/>
+          </p:nvPr>
+        </p:nvSpPr>
+        <p:spPr/>
+        <p:txBody>
+          <a:bodyPr/>
+          <a:lstStyle/>
+          <a:p>
+            <a:r>
+              <a:rPr lang="en-US" dirty="0"/>
+              <a:t>STUDY AIM</a:t>
+            </a:r>
+            <a:endParaRPr lang="en-GB" dirty="0"/>
+          </a:p>
+        </p:txBody>
+      </p:sp>
+      <p:sp>
+        <p:nvSpPr>
+          <p:cNvPr id="3" name="Content Placeholder 2">
+            <a:extLst>
+              <a:ext uri="{FF2B5EF4-FFF2-40B4-BE49-F238E27FC236}">
+                <a16:creationId xmlns:a16="http://schemas.microsoft.com/office/drawing/2014/main" id="{DAE9E2D5-3E7C-12B5-F2B4-4D153305E279}"/>
+              </a:ext>
+            </a:extLst>
+          </p:cNvPr>
+          <p:cNvSpPr>
+            <a:spLocks noGrp="1"/>
+          </p:cNvSpPr>
+          <p:nvPr>
+            <p:ph idx="1"/>
+          </p:nvPr>
+        </p:nvSpPr>
+        <p:spPr/>
+        <p:txBody>
+          <a:bodyPr/>
+          <a:lstStyle/>
+          <a:p>
+            <a:r>
+              <a:rPr lang="en-US" dirty="0"/>
+              <a:t>Investigate if there is a relationship between student attendance to live lectures and their grade.</a:t>
+            </a:r>
+          </a:p>
+          <a:p>
+            <a:pPr lvl="1"/>
+            <a:r>
+              <a:rPr lang="en-US" dirty="0"/>
+              <a:t>This study is based on the basis that recorded versions of the lectures are available for students to view.</a:t>
+            </a:r>
+          </a:p>
+          <a:p>
+            <a:pPr lvl="1"/>
+            <a:r>
+              <a:rPr lang="en-US" dirty="0"/>
+              <a:t>Students can view the same material if they cannot or decide not to attend a lecture session.</a:t>
+            </a:r>
+          </a:p>
+          <a:p>
+            <a:pPr lvl="1"/>
+            <a:endParaRPr lang="en-US" dirty="0"/>
+          </a:p>
+          <a:p>
+            <a:r>
+              <a:rPr lang="en-US" dirty="0"/>
+              <a:t>Additional aim of the investigation is to determine if providing pre-recorded lectures is a suitable substitute to live lectures.</a:t>
+            </a:r>
+          </a:p>
+          <a:p>
+            <a:pPr lvl="1"/>
+            <a:r>
+              <a:rPr lang="en-US" dirty="0"/>
+              <a:t>This could mean teaching staff can focus on preparing the material ahead of term, freeing up their in-term teaching to respond to student queries, host more practical sessions, or live workshops for students.</a:t>
+            </a:r>
+            <a:endParaRPr lang="en-GB" dirty="0"/>
+          </a:p>
+        </p:txBody>
+      </p:sp>
+    </p:spTree>
+    <p:extLst>
+      <p:ext uri="{BB962C8B-B14F-4D97-AF65-F5344CB8AC3E}">
+        <p14:creationId xmlns:p14="http://schemas.microsoft.com/office/powerpoint/2010/main" val="3260005894"/>
+      </p:ext>
+    </p:extLst>
+  </p:cSld>
+  <p:clrMapOvr>
+    <a:masterClrMapping/>
+  </p:clrMapOvr>
+</p:sld>
+</file>
+
+<file path=ppt/slides/slide3.xml><?xml version="1.0" encoding="utf-8"?>
+<p:sld xmlns:a="http://schemas.openxmlformats.org/drawingml/2006/main" xmlns:r="http://schemas.openxmlformats.org/officeDocument/2006/relationships" xmlns:p="http://schemas.openxmlformats.org/presentationml/2006/main">
+  <p:cSld>
+    <p:spTree>
+      <p:nvGrpSpPr>
+        <p:cNvPr id="1" name=""/>
+        <p:cNvGrpSpPr/>
+        <p:nvPr/>
+      </p:nvGrpSpPr>
+      <p:grpSpPr>
+        <a:xfrm>
+          <a:off x="0" y="0"/>
+          <a:ext cx="0" cy="0"/>
+          <a:chOff x="0" y="0"/>
+          <a:chExt cx="0" cy="0"/>
+        </a:xfrm>
+      </p:grpSpPr>
+      <p:sp>
+        <p:nvSpPr>
+          <p:cNvPr id="2" name="Title 1">
+            <a:extLst>
+              <a:ext uri="{FF2B5EF4-FFF2-40B4-BE49-F238E27FC236}">
+                <a16:creationId xmlns:a16="http://schemas.microsoft.com/office/drawing/2014/main" id="{C7E0A70A-A506-742E-79FF-CCC404CE65C7}"/>
+              </a:ext>
+            </a:extLst>
+          </p:cNvPr>
+          <p:cNvSpPr>
+            <a:spLocks noGrp="1"/>
+          </p:cNvSpPr>
+          <p:nvPr>
+            <p:ph type="title"/>
+          </p:nvPr>
+        </p:nvSpPr>
+        <p:spPr/>
+        <p:txBody>
+          <a:bodyPr/>
+          <a:lstStyle/>
+          <a:p>
+            <a:r>
+              <a:rPr lang="en-US" dirty="0"/>
+              <a:t>External Research</a:t>
+            </a:r>
+            <a:endParaRPr lang="en-GB" dirty="0"/>
+          </a:p>
+        </p:txBody>
+      </p:sp>
+      <p:sp>
+        <p:nvSpPr>
+          <p:cNvPr id="3" name="Content Placeholder 2">
+            <a:extLst>
+              <a:ext uri="{FF2B5EF4-FFF2-40B4-BE49-F238E27FC236}">
+                <a16:creationId xmlns:a16="http://schemas.microsoft.com/office/drawing/2014/main" id="{DAE9E2D5-3E7C-12B5-F2B4-4D153305E279}"/>
+              </a:ext>
+            </a:extLst>
+          </p:cNvPr>
+          <p:cNvSpPr>
+            <a:spLocks noGrp="1"/>
+          </p:cNvSpPr>
+          <p:nvPr>
+            <p:ph idx="1"/>
+          </p:nvPr>
+        </p:nvSpPr>
+        <p:spPr/>
+        <p:txBody>
+          <a:bodyPr>
+            <a:normAutofit fontScale="62500" lnSpcReduction="20000"/>
+          </a:bodyPr>
+          <a:lstStyle/>
+          <a:p>
+            <a:r>
+              <a:rPr lang="en-US" dirty="0"/>
+              <a:t>Attendance vs Grades</a:t>
+            </a:r>
+          </a:p>
+          <a:p>
+            <a:pPr marL="0" indent="0">
+              <a:buNone/>
+            </a:pPr>
+            <a:endParaRPr lang="en-US" dirty="0"/>
+          </a:p>
+          <a:p>
+            <a:pPr marL="0" indent="0">
+              <a:buNone/>
+            </a:pPr>
+            <a:r>
+              <a:rPr lang="en-GB" dirty="0">
+                <a:hlinkClick r:id="rId2"/>
+              </a:rPr>
+              <a:t>Class Attendance in College (sagepub.com)</a:t>
+            </a:r>
+            <a:r>
+              <a:rPr lang="en-GB" dirty="0"/>
+              <a:t> </a:t>
+            </a:r>
+          </a:p>
+          <a:p>
+            <a:pPr marL="0" indent="0">
+              <a:buNone/>
+            </a:pPr>
+            <a:r>
+              <a:rPr lang="en-GB" b="0" i="0" dirty="0" err="1">
+                <a:solidFill>
+                  <a:srgbClr val="222222"/>
+                </a:solidFill>
+                <a:effectLst/>
+                <a:latin typeface="Arial" panose="020B0604020202020204" pitchFamily="34" charset="0"/>
+              </a:rPr>
+              <a:t>Credé</a:t>
+            </a:r>
+            <a:r>
+              <a:rPr lang="en-GB" b="0" i="0" dirty="0">
+                <a:solidFill>
+                  <a:srgbClr val="222222"/>
+                </a:solidFill>
+                <a:effectLst/>
+                <a:latin typeface="Arial" panose="020B0604020202020204" pitchFamily="34" charset="0"/>
+              </a:rPr>
+              <a:t>, M., </a:t>
+            </a:r>
+            <a:r>
+              <a:rPr lang="en-GB" b="0" i="0" dirty="0" err="1">
+                <a:solidFill>
+                  <a:srgbClr val="222222"/>
+                </a:solidFill>
+                <a:effectLst/>
+                <a:latin typeface="Arial" panose="020B0604020202020204" pitchFamily="34" charset="0"/>
+              </a:rPr>
+              <a:t>Roch</a:t>
+            </a:r>
+            <a:r>
+              <a:rPr lang="en-GB" b="0" i="0" dirty="0">
+                <a:solidFill>
+                  <a:srgbClr val="222222"/>
+                </a:solidFill>
+                <a:effectLst/>
+                <a:latin typeface="Arial" panose="020B0604020202020204" pitchFamily="34" charset="0"/>
+              </a:rPr>
+              <a:t>, S.G. and </a:t>
+            </a:r>
+            <a:r>
+              <a:rPr lang="en-GB" b="0" i="0" dirty="0" err="1">
+                <a:solidFill>
+                  <a:srgbClr val="222222"/>
+                </a:solidFill>
+                <a:effectLst/>
+                <a:latin typeface="Arial" panose="020B0604020202020204" pitchFamily="34" charset="0"/>
+              </a:rPr>
+              <a:t>Kieszczynka</a:t>
+            </a:r>
+            <a:r>
+              <a:rPr lang="en-GB" b="0" i="0" dirty="0">
+                <a:solidFill>
+                  <a:srgbClr val="222222"/>
+                </a:solidFill>
+                <a:effectLst/>
+                <a:latin typeface="Arial" panose="020B0604020202020204" pitchFamily="34" charset="0"/>
+              </a:rPr>
+              <a:t>, U.M., 2010. Class attendance in college: A meta-analytic review of the relationship of class attendance with grades and student characteristics. </a:t>
+            </a:r>
+            <a:r>
+              <a:rPr lang="en-GB" b="0" i="1" dirty="0">
+                <a:solidFill>
+                  <a:srgbClr val="222222"/>
+                </a:solidFill>
+                <a:effectLst/>
+                <a:latin typeface="Arial" panose="020B0604020202020204" pitchFamily="34" charset="0"/>
+              </a:rPr>
+              <a:t>Review of Educational Research</a:t>
+            </a:r>
+            <a:r>
+              <a:rPr lang="en-GB" b="0" i="0" dirty="0">
+                <a:solidFill>
+                  <a:srgbClr val="222222"/>
+                </a:solidFill>
+                <a:effectLst/>
+                <a:latin typeface="Arial" panose="020B0604020202020204" pitchFamily="34" charset="0"/>
+              </a:rPr>
+              <a:t>, </a:t>
+            </a:r>
+            <a:r>
+              <a:rPr lang="en-GB" b="0" i="1" dirty="0">
+                <a:solidFill>
+                  <a:srgbClr val="222222"/>
+                </a:solidFill>
+                <a:effectLst/>
+                <a:latin typeface="Arial" panose="020B0604020202020204" pitchFamily="34" charset="0"/>
+              </a:rPr>
+              <a:t>80</a:t>
+            </a:r>
+            <a:r>
+              <a:rPr lang="en-GB" b="0" i="0" dirty="0">
+                <a:solidFill>
+                  <a:srgbClr val="222222"/>
+                </a:solidFill>
+                <a:effectLst/>
+                <a:latin typeface="Arial" panose="020B0604020202020204" pitchFamily="34" charset="0"/>
+              </a:rPr>
+              <a:t>(2), pp.272-295.</a:t>
+            </a:r>
+          </a:p>
+          <a:p>
+            <a:pPr marL="0" indent="0">
+              <a:buNone/>
+            </a:pPr>
+            <a:endParaRPr lang="en-US" dirty="0"/>
+          </a:p>
+          <a:p>
+            <a:pPr marL="0" indent="0">
+              <a:buNone/>
+            </a:pPr>
+            <a:r>
+              <a:rPr lang="en-GB" dirty="0">
+                <a:hlinkClick r:id="rId3"/>
+              </a:rPr>
+              <a:t>A correlation between attendance and grades in a first-year psychology class. (apa.org)</a:t>
+            </a:r>
+            <a:endParaRPr lang="en-US" dirty="0"/>
+          </a:p>
+          <a:p>
+            <a:pPr marL="0" indent="0">
+              <a:buNone/>
+            </a:pPr>
+            <a:r>
+              <a:rPr lang="en-GB" b="0" i="0" dirty="0">
+                <a:solidFill>
+                  <a:srgbClr val="333333"/>
+                </a:solidFill>
+                <a:effectLst/>
+                <a:latin typeface="Arial" panose="020B0604020202020204" pitchFamily="34" charset="0"/>
+              </a:rPr>
+              <a:t>Gunn, K. P. (1993). A correlation between attendance and grades in a first-year psychology class. </a:t>
+            </a:r>
+            <a:r>
+              <a:rPr lang="en-GB" b="0" i="1" dirty="0">
+                <a:solidFill>
+                  <a:srgbClr val="333333"/>
+                </a:solidFill>
+                <a:effectLst/>
+                <a:latin typeface="Arial" panose="020B0604020202020204" pitchFamily="34" charset="0"/>
+              </a:rPr>
+              <a:t>Canadian Psychology / </a:t>
+            </a:r>
+            <a:r>
+              <a:rPr lang="en-GB" b="0" i="1" dirty="0" err="1">
+                <a:solidFill>
+                  <a:srgbClr val="333333"/>
+                </a:solidFill>
+                <a:effectLst/>
+                <a:latin typeface="Arial" panose="020B0604020202020204" pitchFamily="34" charset="0"/>
+              </a:rPr>
+              <a:t>Psychologie</a:t>
+            </a:r>
+            <a:r>
+              <a:rPr lang="en-GB" b="0" i="1" dirty="0">
+                <a:solidFill>
+                  <a:srgbClr val="333333"/>
+                </a:solidFill>
+                <a:effectLst/>
+                <a:latin typeface="Arial" panose="020B0604020202020204" pitchFamily="34" charset="0"/>
+              </a:rPr>
+              <a:t> </a:t>
+            </a:r>
+            <a:r>
+              <a:rPr lang="en-GB" b="0" i="1" dirty="0" err="1">
+                <a:solidFill>
+                  <a:srgbClr val="333333"/>
+                </a:solidFill>
+                <a:effectLst/>
+                <a:latin typeface="Arial" panose="020B0604020202020204" pitchFamily="34" charset="0"/>
+              </a:rPr>
+              <a:t>canadienne</a:t>
+            </a:r>
+            <a:r>
+              <a:rPr lang="en-GB" b="0" i="1" dirty="0">
+                <a:solidFill>
+                  <a:srgbClr val="333333"/>
+                </a:solidFill>
+                <a:effectLst/>
+                <a:latin typeface="Arial" panose="020B0604020202020204" pitchFamily="34" charset="0"/>
+              </a:rPr>
+              <a:t>, 34</a:t>
+            </a:r>
+            <a:r>
+              <a:rPr lang="en-GB" b="0" i="0" dirty="0">
+                <a:solidFill>
+                  <a:srgbClr val="333333"/>
+                </a:solidFill>
+                <a:effectLst/>
+                <a:latin typeface="Arial" panose="020B0604020202020204" pitchFamily="34" charset="0"/>
+              </a:rPr>
+              <a:t>(2), 201–202. </a:t>
+            </a:r>
+            <a:r>
+              <a:rPr lang="en-GB" b="0" i="0" u="none" strike="noStrike" dirty="0">
+                <a:solidFill>
+                  <a:srgbClr val="2C72B7"/>
+                </a:solidFill>
+                <a:effectLst/>
+                <a:latin typeface="Arial" panose="020B0604020202020204" pitchFamily="34" charset="0"/>
+                <a:hlinkClick r:id="rId4"/>
+              </a:rPr>
+              <a:t>https://doi.org/10.1037/h0078770</a:t>
+            </a:r>
+            <a:endParaRPr lang="en-GB" b="0" i="0" u="none" strike="noStrike" dirty="0">
+              <a:solidFill>
+                <a:srgbClr val="2C72B7"/>
+              </a:solidFill>
+              <a:effectLst/>
+              <a:latin typeface="Arial" panose="020B0604020202020204" pitchFamily="34" charset="0"/>
+            </a:endParaRPr>
+          </a:p>
+          <a:p>
+            <a:pPr marL="0" indent="0">
+              <a:buNone/>
+            </a:pPr>
+            <a:endParaRPr lang="en-US" dirty="0"/>
+          </a:p>
+          <a:p>
+            <a:pPr marL="0" indent="0">
+              <a:buNone/>
+            </a:pPr>
+            <a:r>
+              <a:rPr lang="en-GB" dirty="0">
+                <a:hlinkClick r:id="rId5"/>
+              </a:rPr>
+              <a:t>Attendance and performance – ProQuest</a:t>
+            </a:r>
+            <a:endParaRPr lang="en-GB" dirty="0"/>
+          </a:p>
+          <a:p>
+            <a:pPr marL="0" indent="0">
+              <a:buNone/>
+            </a:pPr>
+            <a:r>
+              <a:rPr lang="en-GB" b="0" i="0" dirty="0">
+                <a:solidFill>
+                  <a:srgbClr val="555555"/>
+                </a:solidFill>
+                <a:effectLst/>
+                <a:latin typeface="verdana" panose="020B0604030504040204" pitchFamily="34" charset="0"/>
+              </a:rPr>
+              <a:t>MOORE, R., 2003. Attendance and performance. </a:t>
+            </a:r>
+            <a:r>
+              <a:rPr lang="en-GB" b="0" i="1" dirty="0">
+                <a:solidFill>
+                  <a:srgbClr val="555555"/>
+                </a:solidFill>
+                <a:effectLst/>
+                <a:latin typeface="verdana" panose="020B0604030504040204" pitchFamily="34" charset="0"/>
+              </a:rPr>
+              <a:t>Journal of College Science Teaching, </a:t>
+            </a:r>
+            <a:r>
+              <a:rPr lang="en-GB" b="1" i="0" dirty="0">
+                <a:solidFill>
+                  <a:srgbClr val="555555"/>
+                </a:solidFill>
+                <a:effectLst/>
+                <a:latin typeface="verdana" panose="020B0604030504040204" pitchFamily="34" charset="0"/>
+              </a:rPr>
+              <a:t>32</a:t>
+            </a:r>
+            <a:r>
+              <a:rPr lang="en-GB" b="0" i="0" dirty="0">
+                <a:solidFill>
+                  <a:srgbClr val="555555"/>
+                </a:solidFill>
+                <a:effectLst/>
+                <a:latin typeface="verdana" panose="020B0604030504040204" pitchFamily="34" charset="0"/>
+              </a:rPr>
+              <a:t>(6), pp. </a:t>
+            </a:r>
+            <a:r>
+              <a:rPr lang="en-GB" b="0" i="0">
+                <a:solidFill>
+                  <a:srgbClr val="555555"/>
+                </a:solidFill>
+                <a:effectLst/>
+                <a:latin typeface="verdana" panose="020B0604030504040204" pitchFamily="34" charset="0"/>
+              </a:rPr>
+              <a:t>367-371.</a:t>
+            </a:r>
+            <a:endParaRPr lang="en-US" dirty="0"/>
+          </a:p>
+          <a:p>
+            <a:pPr marL="0" indent="0">
+              <a:buNone/>
+            </a:pPr>
+            <a:endParaRPr lang="en-US" dirty="0"/>
+          </a:p>
+          <a:p>
+            <a:r>
+              <a:rPr lang="en-US" dirty="0"/>
+              <a:t>Pedagogic positives of recording </a:t>
+            </a:r>
+            <a:r>
+              <a:rPr lang="en-US" dirty="0" err="1"/>
+              <a:t>matierall</a:t>
+            </a:r>
+            <a:endParaRPr lang="en-US" dirty="0"/>
+          </a:p>
+          <a:p>
+            <a:r>
+              <a:rPr lang="en-US" dirty="0"/>
+              <a:t>Multiple approaches available</a:t>
+            </a:r>
+          </a:p>
+          <a:p>
+            <a:endParaRPr lang="en-GB" dirty="0"/>
+          </a:p>
+        </p:txBody>
+      </p:sp>
+    </p:spTree>
+    <p:extLst>
+      <p:ext uri="{BB962C8B-B14F-4D97-AF65-F5344CB8AC3E}">
+        <p14:creationId xmlns:p14="http://schemas.microsoft.com/office/powerpoint/2010/main" val="215993404"/>
+      </p:ext>
+    </p:extLst>
+  </p:cSld>
+  <p:clrMapOvr>
+    <a:masterClrMapping/>
+  </p:clrMapOvr>
+</p:sld>
+</file>
+
+<file path=ppt/slides/slide4.xml><?xml version="1.0" encoding="utf-8"?>
+<p:sld xmlns:a="http://schemas.openxmlformats.org/drawingml/2006/main" xmlns:r="http://schemas.openxmlformats.org/officeDocument/2006/relationships" xmlns:p="http://schemas.openxmlformats.org/presentationml/2006/main">
+  <p:cSld>
+    <p:spTree>
+      <p:nvGrpSpPr>
+        <p:cNvPr id="1" name=""/>
+        <p:cNvGrpSpPr/>
+        <p:nvPr/>
+      </p:nvGrpSpPr>
+      <p:grpSpPr>
+        <a:xfrm>
+          <a:off x="0" y="0"/>
+          <a:ext cx="0" cy="0"/>
+          <a:chOff x="0" y="0"/>
+          <a:chExt cx="0" cy="0"/>
+        </a:xfrm>
+      </p:grpSpPr>
+      <p:sp>
+        <p:nvSpPr>
+          <p:cNvPr id="2" name="Title 1">
+            <a:extLst>
+              <a:ext uri="{FF2B5EF4-FFF2-40B4-BE49-F238E27FC236}">
+                <a16:creationId xmlns:a16="http://schemas.microsoft.com/office/drawing/2014/main" id="{C7E0A70A-A506-742E-79FF-CCC404CE65C7}"/>
+              </a:ext>
+            </a:extLst>
+          </p:cNvPr>
+          <p:cNvSpPr>
+            <a:spLocks noGrp="1"/>
+          </p:cNvSpPr>
+          <p:nvPr>
+            <p:ph type="title"/>
+          </p:nvPr>
+        </p:nvSpPr>
+        <p:spPr/>
+        <p:txBody>
+          <a:bodyPr/>
+          <a:lstStyle/>
+          <a:p>
+            <a:r>
+              <a:rPr lang="en-US" dirty="0"/>
+              <a:t>Hypothesis</a:t>
+            </a:r>
+            <a:endParaRPr lang="en-GB" dirty="0"/>
+          </a:p>
+        </p:txBody>
+      </p:sp>
+      <p:sp>
+        <p:nvSpPr>
+          <p:cNvPr id="3" name="Content Placeholder 2">
+            <a:extLst>
+              <a:ext uri="{FF2B5EF4-FFF2-40B4-BE49-F238E27FC236}">
+                <a16:creationId xmlns:a16="http://schemas.microsoft.com/office/drawing/2014/main" id="{DAE9E2D5-3E7C-12B5-F2B4-4D153305E279}"/>
+              </a:ext>
+            </a:extLst>
+          </p:cNvPr>
+          <p:cNvSpPr>
+            <a:spLocks noGrp="1"/>
+          </p:cNvSpPr>
+          <p:nvPr>
+            <p:ph idx="1"/>
+          </p:nvPr>
+        </p:nvSpPr>
+        <p:spPr>
+          <a:xfrm>
+            <a:off x="581192" y="2180496"/>
+            <a:ext cx="11029615" cy="4366078"/>
+          </a:xfrm>
+        </p:spPr>
+        <p:txBody>
+          <a:bodyPr/>
+          <a:lstStyle/>
+          <a:p>
+            <a:r>
+              <a:rPr lang="en-US" dirty="0"/>
+              <a:t>Based on the existing research, it is expected there will be a close relationship between a student's attendance to class and their corresponding grade.</a:t>
+            </a:r>
+          </a:p>
+          <a:p>
+            <a:endParaRPr lang="en-US" dirty="0"/>
+          </a:p>
+          <a:p>
+            <a:r>
+              <a:rPr lang="en-US" dirty="0"/>
+              <a:t>Due to the adoption of Blended learning approaches and the necessity of Remote teaching during lockdown, it is expected that students who chose to use the recorded materials will perform the same as the students who attended live lectures.</a:t>
+            </a:r>
+          </a:p>
+          <a:p>
+            <a:endParaRPr lang="en-US" dirty="0"/>
+          </a:p>
+          <a:p>
+            <a:pPr marL="0" indent="0" algn="ctr">
+              <a:buNone/>
+            </a:pPr>
+            <a:r>
+              <a:rPr lang="en-US" i="1" dirty="0"/>
+              <a:t>“Recorded Lectures provide a suitable alternative for learning should live lectures be unavailable.” </a:t>
+            </a:r>
+          </a:p>
+        </p:txBody>
+      </p:sp>
+    </p:spTree>
+    <p:extLst>
+      <p:ext uri="{BB962C8B-B14F-4D97-AF65-F5344CB8AC3E}">
+        <p14:creationId xmlns:p14="http://schemas.microsoft.com/office/powerpoint/2010/main" val="3815519111"/>
+      </p:ext>
+    </p:extLst>
+  </p:cSld>
+  <p:clrMapOvr>
+    <a:masterClrMapping/>
+  </p:clrMapOvr>
+</p:sld>
+</file>
+
+<file path=ppt/slides/slide5.xml><?xml version="1.0" encoding="utf-8"?>
+<p:sld xmlns:a="http://schemas.openxmlformats.org/drawingml/2006/main" xmlns:r="http://schemas.openxmlformats.org/officeDocument/2006/relationships" xmlns:p="http://schemas.openxmlformats.org/presentationml/2006/main">
+  <p:cSld>
+    <p:spTree>
+      <p:nvGrpSpPr>
+        <p:cNvPr id="1" name=""/>
+        <p:cNvGrpSpPr/>
+        <p:nvPr/>
+      </p:nvGrpSpPr>
+      <p:grpSpPr>
+        <a:xfrm>
+          <a:off x="0" y="0"/>
+          <a:ext cx="0" cy="0"/>
+          <a:chOff x="0" y="0"/>
+          <a:chExt cx="0" cy="0"/>
+        </a:xfrm>
+      </p:grpSpPr>
+      <p:sp>
+        <p:nvSpPr>
+          <p:cNvPr id="2" name="Title 1">
+            <a:extLst>
+              <a:ext uri="{FF2B5EF4-FFF2-40B4-BE49-F238E27FC236}">
+                <a16:creationId xmlns:a16="http://schemas.microsoft.com/office/drawing/2014/main" id="{C7E0A70A-A506-742E-79FF-CCC404CE65C7}"/>
+              </a:ext>
+            </a:extLst>
+          </p:cNvPr>
+          <p:cNvSpPr>
+            <a:spLocks noGrp="1"/>
+          </p:cNvSpPr>
+          <p:nvPr>
+            <p:ph type="title"/>
+          </p:nvPr>
+        </p:nvSpPr>
+        <p:spPr/>
+        <p:txBody>
+          <a:bodyPr/>
+          <a:lstStyle/>
+          <a:p>
+            <a:r>
+              <a:rPr lang="en-GB" dirty="0"/>
+              <a:t>Limitations</a:t>
+            </a:r>
+          </a:p>
+        </p:txBody>
+      </p:sp>
+      <p:sp>
+        <p:nvSpPr>
+          <p:cNvPr id="3" name="Content Placeholder 2">
+            <a:extLst>
+              <a:ext uri="{FF2B5EF4-FFF2-40B4-BE49-F238E27FC236}">
+                <a16:creationId xmlns:a16="http://schemas.microsoft.com/office/drawing/2014/main" id="{DAE9E2D5-3E7C-12B5-F2B4-4D153305E279}"/>
+              </a:ext>
+            </a:extLst>
+          </p:cNvPr>
+          <p:cNvSpPr>
+            <a:spLocks noGrp="1"/>
+          </p:cNvSpPr>
+          <p:nvPr>
+            <p:ph idx="1"/>
+          </p:nvPr>
+        </p:nvSpPr>
+        <p:spPr>
+          <a:xfrm>
+            <a:off x="581192" y="2180497"/>
+            <a:ext cx="11029615" cy="3975348"/>
+          </a:xfrm>
+        </p:spPr>
+        <p:txBody>
+          <a:bodyPr>
+            <a:normAutofit/>
+          </a:bodyPr>
+          <a:lstStyle/>
+          <a:p>
+            <a:r>
+              <a:rPr lang="en-US" dirty="0"/>
+              <a:t>The study is only focusses on attendance and achievement of a single Module at Abertay University in Scotland. Methods of content delivery may not be suitable for other institutions due to technology differences, delivery method and class structure.</a:t>
+            </a:r>
+          </a:p>
+          <a:p>
+            <a:pPr lvl="1"/>
+            <a:r>
+              <a:rPr lang="en-US" dirty="0"/>
+              <a:t>Module was delivered with in three classes each week. An online one-hour live lecture, then a two-hour on-campus practical session (two practical sessions were run to accommodate cohort size). </a:t>
+            </a:r>
+          </a:p>
+          <a:p>
+            <a:endParaRPr lang="en-US" dirty="0"/>
+          </a:p>
+          <a:p>
+            <a:r>
+              <a:rPr lang="en-US" dirty="0"/>
+              <a:t>Module is focused on material that is entirely done on a computer. As such, remote teaching is potentially easier than other subjects which could limit the impact of the results.</a:t>
+            </a:r>
+          </a:p>
+          <a:p>
+            <a:endParaRPr lang="en-US" dirty="0"/>
+          </a:p>
+          <a:p>
+            <a:r>
+              <a:rPr lang="en-US" dirty="0"/>
+              <a:t> Study is limited to single year of attendance data.</a:t>
+            </a:r>
+          </a:p>
+        </p:txBody>
+      </p:sp>
+    </p:spTree>
+    <p:extLst>
+      <p:ext uri="{BB962C8B-B14F-4D97-AF65-F5344CB8AC3E}">
+        <p14:creationId xmlns:p14="http://schemas.microsoft.com/office/powerpoint/2010/main" val="3279179153"/>
+      </p:ext>
+    </p:extLst>
+  </p:cSld>
+  <p:clrMapOvr>
+    <a:masterClrMapping/>
+  </p:clrMapOvr>
+</p:sld>
+</file>
+
+<file path=ppt/slides/slide6.xml><?xml version="1.0" encoding="utf-8"?>
+<p:sld xmlns:a="http://schemas.openxmlformats.org/drawingml/2006/main" xmlns:r="http://schemas.openxmlformats.org/officeDocument/2006/relationships" xmlns:p="http://schemas.openxmlformats.org/presentationml/2006/main">
+  <p:cSld>
+    <p:spTree>
+      <p:nvGrpSpPr>
+        <p:cNvPr id="1" name=""/>
+        <p:cNvGrpSpPr/>
+        <p:nvPr/>
+      </p:nvGrpSpPr>
+      <p:grpSpPr>
+        <a:xfrm>
+          <a:off x="0" y="0"/>
+          <a:ext cx="0" cy="0"/>
+          <a:chOff x="0" y="0"/>
+          <a:chExt cx="0" cy="0"/>
+        </a:xfrm>
+      </p:grpSpPr>
+      <p:sp>
+        <p:nvSpPr>
+          <p:cNvPr id="2" name="Title 1">
+            <a:extLst>
+              <a:ext uri="{FF2B5EF4-FFF2-40B4-BE49-F238E27FC236}">
+                <a16:creationId xmlns:a16="http://schemas.microsoft.com/office/drawing/2014/main" id="{BD4CA9CC-5ADC-001A-4D31-8EC14B8E37D4}"/>
+              </a:ext>
+            </a:extLst>
+          </p:cNvPr>
+          <p:cNvSpPr>
+            <a:spLocks noGrp="1"/>
+          </p:cNvSpPr>
+          <p:nvPr>
+            <p:ph type="title"/>
+          </p:nvPr>
+        </p:nvSpPr>
+        <p:spPr/>
+        <p:txBody>
+          <a:bodyPr/>
+          <a:lstStyle/>
+          <a:p>
+            <a:r>
+              <a:rPr lang="en-US" dirty="0"/>
+              <a:t>Data Gathering methods</a:t>
+            </a:r>
+            <a:endParaRPr lang="en-GB" dirty="0"/>
+          </a:p>
+        </p:txBody>
+      </p:sp>
+      <p:sp>
+        <p:nvSpPr>
+          <p:cNvPr id="3" name="Content Placeholder 2">
+            <a:extLst>
+              <a:ext uri="{FF2B5EF4-FFF2-40B4-BE49-F238E27FC236}">
+                <a16:creationId xmlns:a16="http://schemas.microsoft.com/office/drawing/2014/main" id="{121196E6-3603-F66B-72E8-8E7E5F53AC6C}"/>
+              </a:ext>
+            </a:extLst>
+          </p:cNvPr>
+          <p:cNvSpPr>
+            <a:spLocks noGrp="1"/>
+          </p:cNvSpPr>
+          <p:nvPr>
+            <p:ph idx="1"/>
+          </p:nvPr>
+        </p:nvSpPr>
+        <p:spPr>
+          <a:xfrm>
+            <a:off x="581192" y="2180496"/>
+            <a:ext cx="11029615" cy="4114287"/>
+          </a:xfrm>
+        </p:spPr>
+        <p:txBody>
+          <a:bodyPr>
+            <a:normAutofit fontScale="85000" lnSpcReduction="20000"/>
+          </a:bodyPr>
+          <a:lstStyle/>
+          <a:p>
+            <a:r>
+              <a:rPr lang="en-US" dirty="0"/>
+              <a:t>The following data was gathered as stating in the Research Proposal:</a:t>
+            </a:r>
+          </a:p>
+          <a:p>
+            <a:pPr marL="666900" lvl="1" indent="-342900">
+              <a:buFont typeface="+mj-lt"/>
+              <a:buAutoNum type="arabicPeriod"/>
+            </a:pPr>
+            <a:r>
+              <a:rPr lang="en-US" dirty="0"/>
+              <a:t>Attendance of each class Recorded on Attendance Software (JISC)</a:t>
+            </a:r>
+          </a:p>
+          <a:p>
+            <a:pPr marL="666900" lvl="1" indent="-342900">
+              <a:buFont typeface="+mj-lt"/>
+              <a:buAutoNum type="arabicPeriod"/>
+            </a:pPr>
+            <a:r>
+              <a:rPr lang="en-US" dirty="0"/>
+              <a:t>Usage of class work and Assignments on MyLearningSpace (VLE)</a:t>
+            </a:r>
+          </a:p>
+          <a:p>
+            <a:pPr marL="666900" lvl="1" indent="-342900">
+              <a:buFont typeface="+mj-lt"/>
+              <a:buAutoNum type="arabicPeriod"/>
+            </a:pPr>
+            <a:r>
+              <a:rPr lang="en-US" dirty="0"/>
+              <a:t>Grades of Students for Marked Assignment</a:t>
+            </a:r>
+          </a:p>
+          <a:p>
+            <a:pPr marL="666900" lvl="1" indent="-342900">
+              <a:buFont typeface="+mj-lt"/>
+              <a:buAutoNum type="arabicPeriod"/>
+            </a:pPr>
+            <a:r>
+              <a:rPr lang="en-US" dirty="0"/>
+              <a:t>Views of Recorded Material</a:t>
+            </a:r>
+          </a:p>
+          <a:p>
+            <a:pPr marL="342900" indent="-342900">
+              <a:buFont typeface="+mj-lt"/>
+              <a:buAutoNum type="arabicPeriod"/>
+            </a:pPr>
+            <a:endParaRPr lang="en-US" dirty="0"/>
+          </a:p>
+          <a:p>
+            <a:r>
+              <a:rPr lang="en-US" dirty="0"/>
+              <a:t>Data was gathered for sessions 2020-2021, 2021-2022, and 2022-2023.</a:t>
+            </a:r>
+          </a:p>
+          <a:p>
+            <a:pPr lvl="1"/>
+            <a:r>
+              <a:rPr lang="en-US" dirty="0"/>
+              <a:t>Data for 2020-2021 only contained five registers, including one for September 2021 (next academic year). As such this data was ignored.</a:t>
+            </a:r>
+          </a:p>
+          <a:p>
+            <a:pPr lvl="1"/>
+            <a:r>
+              <a:rPr lang="en-US" dirty="0"/>
+              <a:t>Data for 2021-2022 ran with lectures being recorded and sessions were discussions rather than delivery of content. </a:t>
+            </a:r>
+          </a:p>
+          <a:p>
+            <a:pPr lvl="1"/>
+            <a:endParaRPr lang="en-US" dirty="0"/>
+          </a:p>
+          <a:p>
+            <a:r>
+              <a:rPr lang="en-US" dirty="0"/>
+              <a:t>Ethics approval for this project was given based on the anonymizing of student identifications. To do this, the raw data gathered was collated into a single Spreadsheet for each year, and Student ID’s were hashed during a SHA256 Hashing algorithm &lt;REF&gt;.</a:t>
+            </a:r>
+          </a:p>
+          <a:p>
+            <a:pPr lvl="1"/>
+            <a:r>
+              <a:rPr lang="en-US" dirty="0"/>
+              <a:t>Converts student number into a 256-bit hexadecimal value. Hashing processes was chosen due to the high security of the process (cannot convert Hash back into original value) and very low chance of collisions &lt;REF&gt;.</a:t>
+            </a:r>
+          </a:p>
+        </p:txBody>
+      </p:sp>
+    </p:spTree>
+    <p:extLst>
+      <p:ext uri="{BB962C8B-B14F-4D97-AF65-F5344CB8AC3E}">
+        <p14:creationId xmlns:p14="http://schemas.microsoft.com/office/powerpoint/2010/main" val="1837165283"/>
+      </p:ext>
+    </p:extLst>
+  </p:cSld>
+  <p:clrMapOvr>
+    <a:masterClrMapping/>
+  </p:clrMapOvr>
+</p:sld>
+</file>
+
+<file path=ppt/slides/slide7.xml><?xml version="1.0" encoding="utf-8"?>
+<p:sld xmlns:a="http://schemas.openxmlformats.org/drawingml/2006/main" xmlns:r="http://schemas.openxmlformats.org/officeDocument/2006/relationships" xmlns:p="http://schemas.openxmlformats.org/presentationml/2006/main">
+  <p:cSld>
+    <p:spTree>
+      <p:nvGrpSpPr>
+        <p:cNvPr id="1" name=""/>
+        <p:cNvGrpSpPr/>
+        <p:nvPr/>
+      </p:nvGrpSpPr>
+      <p:grpSpPr>
+        <a:xfrm>
+          <a:off x="0" y="0"/>
+          <a:ext cx="0" cy="0"/>
+          <a:chOff x="0" y="0"/>
+          <a:chExt cx="0" cy="0"/>
+        </a:xfrm>
+      </p:grpSpPr>
+      <p:sp>
+        <p:nvSpPr>
+          <p:cNvPr id="2" name="Title 1">
+            <a:extLst>
+              <a:ext uri="{FF2B5EF4-FFF2-40B4-BE49-F238E27FC236}">
+                <a16:creationId xmlns:a16="http://schemas.microsoft.com/office/drawing/2014/main" id="{BD4CA9CC-5ADC-001A-4D31-8EC14B8E37D4}"/>
+              </a:ext>
+            </a:extLst>
+          </p:cNvPr>
+          <p:cNvSpPr>
+            <a:spLocks noGrp="1"/>
+          </p:cNvSpPr>
+          <p:nvPr>
+            <p:ph type="title"/>
+          </p:nvPr>
+        </p:nvSpPr>
+        <p:spPr/>
+        <p:txBody>
+          <a:bodyPr/>
+          <a:lstStyle/>
+          <a:p>
+            <a:r>
+              <a:rPr lang="en-US" dirty="0"/>
+              <a:t>Data Gathering methods</a:t>
+            </a:r>
+            <a:endParaRPr lang="en-GB" dirty="0"/>
+          </a:p>
+        </p:txBody>
+      </p:sp>
+      <p:sp>
+        <p:nvSpPr>
+          <p:cNvPr id="3" name="Content Placeholder 2">
+            <a:extLst>
+              <a:ext uri="{FF2B5EF4-FFF2-40B4-BE49-F238E27FC236}">
+                <a16:creationId xmlns:a16="http://schemas.microsoft.com/office/drawing/2014/main" id="{121196E6-3603-F66B-72E8-8E7E5F53AC6C}"/>
+              </a:ext>
+            </a:extLst>
+          </p:cNvPr>
+          <p:cNvSpPr>
+            <a:spLocks noGrp="1"/>
+          </p:cNvSpPr>
+          <p:nvPr>
+            <p:ph idx="1"/>
+          </p:nvPr>
+        </p:nvSpPr>
+        <p:spPr/>
+        <p:txBody>
+          <a:bodyPr>
+            <a:normAutofit fontScale="85000" lnSpcReduction="20000"/>
+          </a:bodyPr>
+          <a:lstStyle/>
+          <a:p>
+            <a:r>
+              <a:rPr lang="en-US" dirty="0"/>
+              <a:t>Attendance is gathered for all students for all classes</a:t>
+            </a:r>
+          </a:p>
+          <a:p>
+            <a:r>
+              <a:rPr lang="en-US" dirty="0"/>
+              <a:t>Students split into single lecture for all, then either group A or group B for practical</a:t>
+            </a:r>
+          </a:p>
+          <a:p>
+            <a:r>
+              <a:rPr lang="en-US" dirty="0"/>
+              <a:t>Students assigned to class based on Timetable, not class list available through attendance system and MyLearningSpace</a:t>
+            </a:r>
+          </a:p>
+          <a:p>
+            <a:pPr marL="342900" indent="-342900">
+              <a:buFont typeface="+mj-lt"/>
+              <a:buAutoNum type="arabicPeriod"/>
+            </a:pPr>
+            <a:endParaRPr lang="en-US" dirty="0"/>
+          </a:p>
+          <a:p>
+            <a:r>
+              <a:rPr lang="en-US" dirty="0"/>
+              <a:t>For the purposes of this study, only students who were noted as having attended were counted as attending. </a:t>
+            </a:r>
+          </a:p>
+          <a:p>
+            <a:pPr lvl="1"/>
+            <a:r>
+              <a:rPr lang="en-US" dirty="0"/>
+              <a:t>There is a possibility that some students would have attended class and not registered using the MyAbertay app, as well as students who had notified reasoning for not attending. There is also a possibility that students who had a notified reason for not attending still managed to attend. To prevent speculation, only students who are recorded as attending will be used in this study.</a:t>
+            </a:r>
+          </a:p>
+          <a:p>
+            <a:endParaRPr lang="en-US" dirty="0"/>
+          </a:p>
+          <a:p>
+            <a:r>
+              <a:rPr lang="en-US" dirty="0"/>
+              <a:t>Attendance data in the following format was considered as not attending a class:</a:t>
+            </a:r>
+          </a:p>
+          <a:p>
+            <a:pPr marL="666900" lvl="1" indent="-342900">
+              <a:buFont typeface="+mj-lt"/>
+              <a:buAutoNum type="arabicPeriod"/>
+            </a:pPr>
+            <a:r>
+              <a:rPr lang="en-US" dirty="0"/>
+              <a:t>Not Attended</a:t>
+            </a:r>
+          </a:p>
+          <a:p>
+            <a:pPr marL="666900" lvl="1" indent="-342900">
+              <a:buFont typeface="+mj-lt"/>
+              <a:buAutoNum type="arabicPeriod"/>
+            </a:pPr>
+            <a:r>
+              <a:rPr lang="en-US" dirty="0"/>
+              <a:t>Notified Absence</a:t>
+            </a:r>
+          </a:p>
+          <a:p>
+            <a:pPr marL="666900" lvl="1" indent="-342900">
+              <a:buFont typeface="+mj-lt"/>
+              <a:buAutoNum type="arabicPeriod"/>
+            </a:pPr>
+            <a:r>
+              <a:rPr lang="en-US" dirty="0"/>
+              <a:t>Not Required</a:t>
+            </a:r>
+          </a:p>
+        </p:txBody>
+      </p:sp>
+    </p:spTree>
+    <p:extLst>
+      <p:ext uri="{BB962C8B-B14F-4D97-AF65-F5344CB8AC3E}">
+        <p14:creationId xmlns:p14="http://schemas.microsoft.com/office/powerpoint/2010/main" val="757512740"/>
+      </p:ext>
+    </p:extLst>
+  </p:cSld>
+  <p:clrMapOvr>
+    <a:masterClrMapping/>
+  </p:clrMapOvr>
+</p:sld>
+</file>
+
+<file path=ppt/slides/slide8.xml><?xml version="1.0" encoding="utf-8"?>
+<p:sld xmlns:a="http://schemas.openxmlformats.org/drawingml/2006/main" xmlns:r="http://schemas.openxmlformats.org/officeDocument/2006/relationships" xmlns:p="http://schemas.openxmlformats.org/presentationml/2006/main">
+  <p:cSld>
+    <p:bg>
+      <p:bgPr>
+        <a:solidFill>
+          <a:schemeClr val="bg1"/>
+        </a:solidFill>
+        <a:effectLst/>
+      </p:bgPr>
+    </p:bg>
+    <p:spTree>
+      <p:nvGrpSpPr>
+        <p:cNvPr id="1" name=""/>
+        <p:cNvGrpSpPr/>
+        <p:nvPr/>
+      </p:nvGrpSpPr>
+      <p:grpSpPr>
+        <a:xfrm>
+          <a:off x="0" y="0"/>
+          <a:ext cx="0" cy="0"/>
+          <a:chOff x="0" y="0"/>
+          <a:chExt cx="0" cy="0"/>
+        </a:xfrm>
+      </p:grpSpPr>
+      <p:sp useBgFill="1">
+        <p:nvSpPr>
+          <p:cNvPr id="29" name="Rectangle 28">
+            <a:extLst>
+              <a:ext uri="{FF2B5EF4-FFF2-40B4-BE49-F238E27FC236}">
+                <a16:creationId xmlns:a16="http://schemas.microsoft.com/office/drawing/2014/main" id="{BFDA9692-ECDC-4B59-86B2-8C90FDE1A055}"/>
+              </a:ext>
+              <a:ext uri="{C183D7F6-B498-43B3-948B-1728B52AA6E4}">
+                <adec:decorative xmlns:adec="http://schemas.microsoft.com/office/drawing/2017/decorative" val="1"/>
+              </a:ext>
+            </a:extLst>
+          </p:cNvPr>
+          <p:cNvSpPr>
+            <a:spLocks noGrp="1" noRot="1" noChangeAspect="1" noMove="1" noResize="1" noEditPoints="1" noAdjustHandles="1" noChangeArrowheads="1" noChangeShapeType="1" noTextEdit="1"/>
+          </p:cNvSpPr>
+          <p:nvPr>
+            <p:extLst>
+              <p:ext uri="{386F3935-93C4-4BCD-93E2-E3B085C9AB24}">
+                <p16:designElem xmlns:p16="http://schemas.microsoft.com/office/powerpoint/2015/main" val="1"/>
+              </p:ext>
+            </p:extLst>
+          </p:nvPr>
+        </p:nvSpPr>
+        <p:spPr>
+          <a:xfrm>
+            <a:off x="0" y="536712"/>
+            <a:ext cx="12192000" cy="6321287"/>
+          </a:xfrm>
+          <a:prstGeom prst="rect">
+            <a:avLst/>
+          </a:prstGeom>
+          <a:ln>
+            <a:noFill/>
+          </a:ln>
+        </p:spPr>
+        <p:style>
+          <a:lnRef idx="2">
+            <a:schemeClr val="accent1">
+              <a:shade val="50000"/>
+            </a:schemeClr>
+          </a:lnRef>
+          <a:fillRef idx="1">
+            <a:schemeClr val="accent1"/>
+          </a:fillRef>
+          <a:effectRef idx="0">
+            <a:schemeClr val="accent1"/>
+          </a:effectRef>
+          <a:fontRef idx="minor">
+            <a:schemeClr val="lt1"/>
+          </a:fontRef>
+        </p:style>
+        <p:txBody>
+          <a:bodyPr rtlCol="0" anchor="ctr"/>
+          <a:lstStyle/>
+          <a:p>
+            <a:pPr algn="ctr"/>
+            <a:endParaRPr lang="en-US" dirty="0"/>
+          </a:p>
+        </p:txBody>
+      </p:sp>
+      <p:sp>
+        <p:nvSpPr>
+          <p:cNvPr id="31" name="Rectangle 30">
+            <a:extLst>
+              <a:ext uri="{FF2B5EF4-FFF2-40B4-BE49-F238E27FC236}">
+                <a16:creationId xmlns:a16="http://schemas.microsoft.com/office/drawing/2014/main" id="{12C05506-42A1-49C0-9D87-081CCD9023D6}"/>
+              </a:ext>
+              <a:ext uri="{C183D7F6-B498-43B3-948B-1728B52AA6E4}">
+                <adec:decorative xmlns:adec="http://schemas.microsoft.com/office/drawing/2017/decorative" val="1"/>
+              </a:ext>
+            </a:extLst>
+          </p:cNvPr>
+          <p:cNvSpPr>
+            <a:spLocks noGrp="1" noRot="1" noChangeAspect="1" noMove="1" noResize="1" noEditPoints="1" noAdjustHandles="1" noChangeArrowheads="1" noChangeShapeType="1" noTextEdit="1"/>
+          </p:cNvSpPr>
+          <p:nvPr>
+            <p:extLst>
+              <p:ext uri="{386F3935-93C4-4BCD-93E2-E3B085C9AB24}">
+                <p16:designElem xmlns:p16="http://schemas.microsoft.com/office/powerpoint/2015/main" val="1"/>
+              </p:ext>
+            </p:extLst>
+          </p:nvPr>
+        </p:nvSpPr>
+        <p:spPr>
+          <a:xfrm>
+            <a:off x="447817" y="5141974"/>
+            <a:ext cx="11290860" cy="1258827"/>
+          </a:xfrm>
+          <a:prstGeom prst="rect">
+            <a:avLst/>
+          </a:prstGeom>
+          <a:solidFill>
+            <a:schemeClr val="accent1"/>
+          </a:solidFill>
+          <a:ln>
+            <a:noFill/>
+          </a:ln>
+          <a:effectLst/>
+        </p:spPr>
+        <p:style>
+          <a:lnRef idx="1">
+            <a:schemeClr val="accent1"/>
+          </a:lnRef>
+          <a:fillRef idx="3">
+            <a:schemeClr val="accent1"/>
+          </a:fillRef>
+          <a:effectRef idx="2">
+            <a:schemeClr val="accent1"/>
+          </a:effectRef>
+          <a:fontRef idx="minor">
+            <a:schemeClr val="lt1"/>
+          </a:fontRef>
+        </p:style>
+      </p:sp>
+      <p:sp>
+        <p:nvSpPr>
+          <p:cNvPr id="2" name="Title 1">
+            <a:extLst>
+              <a:ext uri="{FF2B5EF4-FFF2-40B4-BE49-F238E27FC236}">
+                <a16:creationId xmlns:a16="http://schemas.microsoft.com/office/drawing/2014/main" id="{5B040558-A365-4CCE-92FA-5A48CD98F9C9}"/>
+              </a:ext>
+            </a:extLst>
+          </p:cNvPr>
+          <p:cNvSpPr>
+            <a:spLocks noGrp="1"/>
+          </p:cNvSpPr>
+          <p:nvPr>
+            <p:ph type="title"/>
+          </p:nvPr>
+        </p:nvSpPr>
+        <p:spPr>
+          <a:xfrm>
+            <a:off x="581192" y="5264487"/>
+            <a:ext cx="11029616" cy="718870"/>
+          </a:xfrm>
+        </p:spPr>
+        <p:txBody>
+          <a:bodyPr>
+            <a:normAutofit/>
+          </a:bodyPr>
+          <a:lstStyle/>
+          <a:p>
+            <a:r>
+              <a:rPr lang="en-US" dirty="0">
+                <a:solidFill>
+                  <a:srgbClr val="FFFEFF"/>
+                </a:solidFill>
+              </a:rPr>
+              <a:t>Tech Requirements</a:t>
+            </a:r>
+          </a:p>
+        </p:txBody>
+      </p:sp>
+      <p:graphicFrame>
+        <p:nvGraphicFramePr>
+          <p:cNvPr id="4" name="Content Placeholder 3" descr="icon SmartArt graphic">
+            <a:extLst>
+              <a:ext uri="{FF2B5EF4-FFF2-40B4-BE49-F238E27FC236}">
+                <a16:creationId xmlns:a16="http://schemas.microsoft.com/office/drawing/2014/main" id="{81E592E1-99DF-4294-A2E9-EF46299BD3F4}"/>
+              </a:ext>
+            </a:extLst>
+          </p:cNvPr>
+          <p:cNvGraphicFramePr>
+            <a:graphicFrameLocks noGrp="1"/>
+          </p:cNvGraphicFramePr>
+          <p:nvPr>
+            <p:ph idx="1"/>
+            <p:extLst>
+              <p:ext uri="{D42A27DB-BD31-4B8C-83A1-F6EECF244321}">
+                <p14:modId xmlns:p14="http://schemas.microsoft.com/office/powerpoint/2010/main" val="1541187836"/>
+              </p:ext>
+            </p:extLst>
+          </p:nvPr>
+        </p:nvGraphicFramePr>
+        <p:xfrm>
+          <a:off x="642938" y="858445"/>
+          <a:ext cx="10906125" cy="3961205"/>
+        </p:xfrm>
+        <a:graphic>
+          <a:graphicData uri="http://schemas.openxmlformats.org/drawingml/2006/diagram">
+            <dgm:relIds xmlns:dgm="http://schemas.openxmlformats.org/drawingml/2006/diagram" xmlns:r="http://schemas.openxmlformats.org/officeDocument/2006/relationships" r:dm="rId3" r:lo="rId4" r:qs="rId5" r:cs="rId6"/>
+          </a:graphicData>
+        </a:graphic>
+      </p:graphicFrame>
+    </p:spTree>
+    <p:extLst>
+      <p:ext uri="{BB962C8B-B14F-4D97-AF65-F5344CB8AC3E}">
+        <p14:creationId xmlns:p14="http://schemas.microsoft.com/office/powerpoint/2010/main" val="1703342593"/>
+      </p:ext>
+    </p:extLst>
+  </p:cSld>
+  <p:clrMapOvr>
+    <a:masterClrMapping/>
+  </p:clrMapOvr>
+</p:sld>
+</file>
+
+<file path=ppt/slides/slide9.xml><?xml version="1.0" encoding="utf-8"?>
+<p:sld xmlns:a="http://schemas.openxmlformats.org/drawingml/2006/main" xmlns:r="http://schemas.openxmlformats.org/officeDocument/2006/relationships" xmlns:p="http://schemas.openxmlformats.org/presentationml/2006/main">
+  <p:cSld>
+    <p:spTree>
+      <p:nvGrpSpPr>
+        <p:cNvPr id="1" name=""/>
+        <p:cNvGrpSpPr/>
+        <p:nvPr/>
+      </p:nvGrpSpPr>
+      <p:grpSpPr>
+        <a:xfrm>
+          <a:off x="0" y="0"/>
+          <a:ext cx="0" cy="0"/>
+          <a:chOff x="0" y="0"/>
+          <a:chExt cx="0" cy="0"/>
+        </a:xfrm>
+      </p:grpSpPr>
+      <p:sp>
+        <p:nvSpPr>
+          <p:cNvPr id="2" name="Title 1">
+            <a:extLst>
+              <a:ext uri="{FF2B5EF4-FFF2-40B4-BE49-F238E27FC236}">
+                <a16:creationId xmlns:a16="http://schemas.microsoft.com/office/drawing/2014/main" id="{921633EB-7DCB-4DDC-80AF-C885A3EE1245}"/>
+              </a:ext>
+            </a:extLst>
+          </p:cNvPr>
+          <p:cNvSpPr>
+            <a:spLocks noGrp="1"/>
+          </p:cNvSpPr>
+          <p:nvPr>
+            <p:ph type="title"/>
+          </p:nvPr>
+        </p:nvSpPr>
+        <p:spPr/>
+        <p:txBody>
+          <a:bodyPr/>
+          <a:lstStyle/>
+          <a:p>
+            <a:r>
+              <a:rPr lang="en-US" dirty="0"/>
+              <a:t>Competitive Landscape</a:t>
+            </a:r>
+          </a:p>
+        </p:txBody>
+      </p:sp>
+      <p:pic>
+        <p:nvPicPr>
+          <p:cNvPr id="11" name="Content Placeholder 4" descr="Charts">
+            <a:extLst>
+              <a:ext uri="{FF2B5EF4-FFF2-40B4-BE49-F238E27FC236}">
+                <a16:creationId xmlns:a16="http://schemas.microsoft.com/office/drawing/2014/main" id="{47D9BE16-119C-43B2-9AE6-18C4A150C0EF}"/>
+              </a:ext>
+            </a:extLst>
+          </p:cNvPr>
+          <p:cNvPicPr>
+            <a:picLocks noGrp="1" noChangeAspect="1"/>
+          </p:cNvPicPr>
+          <p:nvPr>
+            <p:ph sz="half" idx="1"/>
+          </p:nvPr>
+        </p:nvPicPr>
+        <p:blipFill rotWithShape="1">
+          <a:blip r:embed="rId2" cstate="screen">
+            <a:extLst>
+              <a:ext uri="{28A0092B-C50C-407E-A947-70E740481C1C}">
+                <a14:useLocalDpi xmlns:a14="http://schemas.microsoft.com/office/drawing/2010/main"/>
+              </a:ext>
+            </a:extLst>
+          </a:blip>
+          <a:stretch/>
+        </p:blipFill>
+        <p:spPr>
+          <a:xfrm>
+            <a:off x="581025" y="2231480"/>
+            <a:ext cx="5422900" cy="3625353"/>
+          </a:xfrm>
+        </p:spPr>
+      </p:pic>
+      <p:pic>
+        <p:nvPicPr>
+          <p:cNvPr id="18" name="Content Placeholder 17" descr="Chart placeholder">
+            <a:extLst>
+              <a:ext uri="{FF2B5EF4-FFF2-40B4-BE49-F238E27FC236}">
+                <a16:creationId xmlns:a16="http://schemas.microsoft.com/office/drawing/2014/main" id="{BFEA8EC1-23A4-4843-A9C3-AE771D73392A}"/>
+              </a:ext>
+            </a:extLst>
+          </p:cNvPr>
+          <p:cNvPicPr>
+            <a:picLocks noGrp="1" noChangeAspect="1"/>
+          </p:cNvPicPr>
+          <p:nvPr>
+            <p:ph sz="half" idx="2"/>
+          </p:nvPr>
+        </p:nvPicPr>
+        <p:blipFill>
+          <a:blip r:embed="rId3"/>
+          <a:stretch>
+            <a:fillRect/>
+          </a:stretch>
+        </p:blipFill>
+        <p:spPr>
+          <a:xfrm>
+            <a:off x="6201811" y="2571845"/>
+            <a:ext cx="5395428" cy="2944623"/>
+          </a:xfrm>
+          <a:prstGeom prst="rect">
+            <a:avLst/>
+          </a:prstGeom>
+        </p:spPr>
+      </p:pic>
+    </p:spTree>
+    <p:extLst>
+      <p:ext uri="{BB962C8B-B14F-4D97-AF65-F5344CB8AC3E}">
+        <p14:creationId xmlns:p14="http://schemas.microsoft.com/office/powerpoint/2010/main" val="497607547"/>
       </p:ext>
     </p:extLst>
   </p:cSld>

--- a/scripts/CAP512.pptx
+++ b/scripts/CAP512.pptx
@@ -5,10 +5,10 @@
     <p:sldMasterId id="2147483672" r:id="rId1"/>
   </p:sldMasterIdLst>
   <p:notesMasterIdLst>
-    <p:notesMasterId r:id="rId13"/>
+    <p:notesMasterId r:id="rId22"/>
   </p:notesMasterIdLst>
   <p:handoutMasterIdLst>
-    <p:handoutMasterId r:id="rId14"/>
+    <p:handoutMasterId r:id="rId23"/>
   </p:handoutMasterIdLst>
   <p:sldIdLst>
     <p:sldId id="256" r:id="rId2"/>
@@ -19,9 +19,18 @@
     <p:sldId id="265" r:id="rId7"/>
     <p:sldId id="266" r:id="rId8"/>
     <p:sldId id="261" r:id="rId9"/>
-    <p:sldId id="258" r:id="rId10"/>
-    <p:sldId id="259" r:id="rId11"/>
-    <p:sldId id="260" r:id="rId12"/>
+    <p:sldId id="269" r:id="rId10"/>
+    <p:sldId id="258" r:id="rId11"/>
+    <p:sldId id="271" r:id="rId12"/>
+    <p:sldId id="272" r:id="rId13"/>
+    <p:sldId id="273" r:id="rId14"/>
+    <p:sldId id="275" r:id="rId15"/>
+    <p:sldId id="276" r:id="rId16"/>
+    <p:sldId id="277" r:id="rId17"/>
+    <p:sldId id="278" r:id="rId18"/>
+    <p:sldId id="259" r:id="rId19"/>
+    <p:sldId id="270" r:id="rId20"/>
+    <p:sldId id="260" r:id="rId21"/>
   </p:sldIdLst>
   <p:sldSz cx="12192000" cy="6858000"/>
   <p:notesSz cx="6858000" cy="9144000"/>
@@ -1761,9 +1770,14 @@
         <a:bodyPr/>
         <a:lstStyle/>
         <a:p>
+          <a:pPr>
+            <a:lnSpc>
+              <a:spcPct val="100000"/>
+            </a:lnSpc>
+          </a:pPr>
           <a:r>
             <a:rPr lang="en-ZA" dirty="0"/>
-            <a:t>Network</a:t>
+            <a:t>Correlation</a:t>
           </a:r>
           <a:endParaRPr lang="en-US" dirty="0"/>
         </a:p>
@@ -1798,9 +1812,14 @@
         <a:bodyPr/>
         <a:lstStyle/>
         <a:p>
+          <a:pPr>
+            <a:lnSpc>
+              <a:spcPct val="100000"/>
+            </a:lnSpc>
+          </a:pPr>
           <a:r>
             <a:rPr lang="en-US" dirty="0"/>
-            <a:t>Satellite</a:t>
+            <a:t>Covariance</a:t>
           </a:r>
         </a:p>
       </dgm:t>
@@ -1834,9 +1853,14 @@
         <a:bodyPr/>
         <a:lstStyle/>
         <a:p>
+          <a:pPr>
+            <a:lnSpc>
+              <a:spcPct val="100000"/>
+            </a:lnSpc>
+          </a:pPr>
           <a:r>
             <a:rPr lang="en-US" dirty="0"/>
-            <a:t>Link</a:t>
+            <a:t>Linear Regression</a:t>
           </a:r>
         </a:p>
       </dgm:t>
@@ -1892,9 +1916,6 @@
             <a:fillRect/>
           </a:stretch>
         </a:blipFill>
-        <a:ln>
-          <a:noFill/>
-        </a:ln>
       </dgm:spPr>
       <dgm:extLst>
         <a:ext uri="{E40237B7-FDA0-4F09-8148-C483321AD2D9}">
@@ -1941,9 +1962,6 @@
             <a:fillRect/>
           </a:stretch>
         </a:blipFill>
-        <a:ln>
-          <a:noFill/>
-        </a:ln>
       </dgm:spPr>
       <dgm:extLst>
         <a:ext uri="{E40237B7-FDA0-4F09-8148-C483321AD2D9}">
@@ -1978,9 +1996,6 @@
         <a:blipFill>
           <a:blip xmlns:r="http://schemas.openxmlformats.org/officeDocument/2006/relationships" r:embed="rId5">
             <a:extLst>
-              <a:ext uri="{28A0092B-C50C-407E-A947-70E740481C1C}">
-                <a14:useLocalDpi xmlns:a14="http://schemas.microsoft.com/office/drawing/2010/main" val="0"/>
-              </a:ext>
               <a:ext uri="{96DAC541-7B7A-43D3-8B79-37D633B846F1}">
                 <asvg:svgBlip xmlns:asvg="http://schemas.microsoft.com/office/drawing/2016/SVG/main" r:embed="rId6"/>
               </a:ext>
@@ -1991,13 +2006,10 @@
             <a:fillRect/>
           </a:stretch>
         </a:blipFill>
-        <a:ln>
-          <a:noFill/>
-        </a:ln>
       </dgm:spPr>
       <dgm:extLst>
         <a:ext uri="{E40237B7-FDA0-4F09-8148-C483321AD2D9}">
-          <dgm14:cNvPr xmlns:dgm14="http://schemas.microsoft.com/office/drawing/2010/diagram" id="0" name="" descr="Link"/>
+          <dgm14:cNvPr xmlns:dgm14="http://schemas.microsoft.com/office/drawing/2010/diagram" id="0" name="" descr="Upward trend with solid fill"/>
         </a:ext>
       </dgm:extLst>
     </dgm:pt>
@@ -2188,7 +2200,7 @@
         </a:p>
       </dgm:t>
     </dgm:pt>
-    <dgm:pt modelId="{57806726-6E60-4ACC-9C1C-7DF9CC365A10}" type="pres">
+    <dgm:pt modelId="{D1AD7F36-BF92-483F-A496-EC6417DE0EE1}" type="pres">
       <dgm:prSet presAssocID="{7E5AA53B-3EEE-4DE4-BB81-9044890C2946}" presName="Name0" presStyleCnt="0">
         <dgm:presLayoutVars>
           <dgm:chMax val="7"/>
@@ -2198,31 +2210,31 @@
       </dgm:prSet>
       <dgm:spPr/>
     </dgm:pt>
-    <dgm:pt modelId="{90561C55-3C6E-4D53-85E1-2C50BCDDA392}" type="pres">
+    <dgm:pt modelId="{D6F06811-6D69-4FB4-A00C-6FE236C5C33A}" type="pres">
       <dgm:prSet presAssocID="{7E5AA53B-3EEE-4DE4-BB81-9044890C2946}" presName="Name1" presStyleCnt="0"/>
       <dgm:spPr/>
     </dgm:pt>
-    <dgm:pt modelId="{B6CD42EC-5AD4-4004-AE5B-47EDA668DAA8}" type="pres">
+    <dgm:pt modelId="{FEEC7568-C8EA-4BF6-9C7E-E8C3A723DCE9}" type="pres">
       <dgm:prSet presAssocID="{7E5AA53B-3EEE-4DE4-BB81-9044890C2946}" presName="cycle" presStyleCnt="0"/>
       <dgm:spPr/>
     </dgm:pt>
-    <dgm:pt modelId="{963B8EE3-40CC-4A0A-B420-D0BF920973CE}" type="pres">
+    <dgm:pt modelId="{217D7E9F-A4FE-4817-A03E-70DACA9A4C36}" type="pres">
       <dgm:prSet presAssocID="{7E5AA53B-3EEE-4DE4-BB81-9044890C2946}" presName="srcNode" presStyleLbl="node1" presStyleIdx="0" presStyleCnt="3"/>
       <dgm:spPr/>
     </dgm:pt>
-    <dgm:pt modelId="{D79B43FC-100B-4A0D-A4D5-0D2D04B99064}" type="pres">
+    <dgm:pt modelId="{A83BA02F-1538-4C3C-8F19-2C9D546A9200}" type="pres">
       <dgm:prSet presAssocID="{7E5AA53B-3EEE-4DE4-BB81-9044890C2946}" presName="conn" presStyleLbl="parChTrans1D2" presStyleIdx="0" presStyleCnt="1"/>
       <dgm:spPr/>
     </dgm:pt>
-    <dgm:pt modelId="{3CAD8DA1-8D53-445C-ACE8-D8449E4F0F55}" type="pres">
+    <dgm:pt modelId="{278549DD-3F00-4605-B672-4C6AFAE043C3}" type="pres">
       <dgm:prSet presAssocID="{7E5AA53B-3EEE-4DE4-BB81-9044890C2946}" presName="extraNode" presStyleLbl="node1" presStyleIdx="0" presStyleCnt="3"/>
       <dgm:spPr/>
     </dgm:pt>
-    <dgm:pt modelId="{429CABD1-4116-474B-81BF-735E2CA9DD00}" type="pres">
+    <dgm:pt modelId="{EB43B4D6-73D0-4822-98A3-4BACF9621E62}" type="pres">
       <dgm:prSet presAssocID="{7E5AA53B-3EEE-4DE4-BB81-9044890C2946}" presName="dstNode" presStyleLbl="node1" presStyleIdx="0" presStyleCnt="3"/>
       <dgm:spPr/>
     </dgm:pt>
-    <dgm:pt modelId="{58319267-C71E-43C9-94E1-827D0616C7A7}" type="pres">
+    <dgm:pt modelId="{E1CFC215-5C5E-4272-B166-EA39CD1EB0D4}" type="pres">
       <dgm:prSet presAssocID="{6750AC01-D39D-4F3A-9DC8-2A211EE986A2}" presName="text_1" presStyleLbl="node1" presStyleIdx="0" presStyleCnt="3">
         <dgm:presLayoutVars>
           <dgm:bulletEnabled val="1"/>
@@ -2230,15 +2242,15 @@
       </dgm:prSet>
       <dgm:spPr/>
     </dgm:pt>
-    <dgm:pt modelId="{79F9B8A9-2412-4B74-84A9-69422DB81CDC}" type="pres">
+    <dgm:pt modelId="{DDC7EC21-0662-4FBF-AF76-E43978C665C9}" type="pres">
       <dgm:prSet presAssocID="{6750AC01-D39D-4F3A-9DC8-2A211EE986A2}" presName="accent_1" presStyleCnt="0"/>
       <dgm:spPr/>
     </dgm:pt>
-    <dgm:pt modelId="{07CB3071-D555-47DA-A36A-69EB91531FD8}" type="pres">
+    <dgm:pt modelId="{DE9DC315-C057-4AB3-9A7B-80E27896B872}" type="pres">
       <dgm:prSet presAssocID="{6750AC01-D39D-4F3A-9DC8-2A211EE986A2}" presName="accentRepeatNode" presStyleLbl="solidFgAcc1" presStyleIdx="0" presStyleCnt="3"/>
       <dgm:spPr/>
     </dgm:pt>
-    <dgm:pt modelId="{95DE6538-27BD-44AF-A1A8-CA8F6B10FDD2}" type="pres">
+    <dgm:pt modelId="{3F75CE54-F8AB-4041-87EA-79CD69DEAB56}" type="pres">
       <dgm:prSet presAssocID="{0BEF68B8-1228-47BB-83B5-7B9CD1E3F84E}" presName="text_2" presStyleLbl="node1" presStyleIdx="1" presStyleCnt="3">
         <dgm:presLayoutVars>
           <dgm:bulletEnabled val="1"/>
@@ -2246,15 +2258,15 @@
       </dgm:prSet>
       <dgm:spPr/>
     </dgm:pt>
-    <dgm:pt modelId="{312BDEE8-85BD-4F02-B35B-2CC8E701C98B}" type="pres">
+    <dgm:pt modelId="{01EE0206-62FD-4CCF-BD2A-3B59B04F47B0}" type="pres">
       <dgm:prSet presAssocID="{0BEF68B8-1228-47BB-83B5-7B9CD1E3F84E}" presName="accent_2" presStyleCnt="0"/>
       <dgm:spPr/>
     </dgm:pt>
-    <dgm:pt modelId="{3F8116AC-FAC3-4E95-9865-93CCFEB191B9}" type="pres">
+    <dgm:pt modelId="{35645705-094C-43B7-AC54-8AC826CD4EB0}" type="pres">
       <dgm:prSet presAssocID="{0BEF68B8-1228-47BB-83B5-7B9CD1E3F84E}" presName="accentRepeatNode" presStyleLbl="solidFgAcc1" presStyleIdx="1" presStyleCnt="3"/>
       <dgm:spPr/>
     </dgm:pt>
-    <dgm:pt modelId="{E131CE4A-9776-44F4-BC03-867682E21374}" type="pres">
+    <dgm:pt modelId="{E974F307-44AE-4E42-B7B4-B0D2483C372E}" type="pres">
       <dgm:prSet presAssocID="{5605D28D-2CE6-4513-8566-952984E21E14}" presName="text_3" presStyleLbl="node1" presStyleIdx="2" presStyleCnt="3">
         <dgm:presLayoutVars>
           <dgm:bulletEnabled val="1"/>
@@ -2262,39 +2274,39 @@
       </dgm:prSet>
       <dgm:spPr/>
     </dgm:pt>
-    <dgm:pt modelId="{AC9A216A-8375-48F9-A4E6-8E0B64C0209B}" type="pres">
+    <dgm:pt modelId="{BD9F826B-6BBA-4D16-87DC-18687C634AE3}" type="pres">
       <dgm:prSet presAssocID="{5605D28D-2CE6-4513-8566-952984E21E14}" presName="accent_3" presStyleCnt="0"/>
       <dgm:spPr/>
     </dgm:pt>
-    <dgm:pt modelId="{A965097E-32F1-4AB8-8C4E-2814A7596B2F}" type="pres">
+    <dgm:pt modelId="{1A8BB76A-363A-4BED-8365-017F35B5C49B}" type="pres">
       <dgm:prSet presAssocID="{5605D28D-2CE6-4513-8566-952984E21E14}" presName="accentRepeatNode" presStyleLbl="solidFgAcc1" presStyleIdx="2" presStyleCnt="3"/>
       <dgm:spPr/>
     </dgm:pt>
   </dgm:ptLst>
   <dgm:cxnLst>
-    <dgm:cxn modelId="{A11E3B12-1828-45A7-86C3-BB85832DF84D}" type="presOf" srcId="{CA077D98-8478-47EA-B6A9-99ACE60C64D4}" destId="{D79B43FC-100B-4A0D-A4D5-0D2D04B99064}" srcOrd="0" destOrd="0" presId="urn:microsoft.com/office/officeart/2008/layout/VerticalCurvedList"/>
+    <dgm:cxn modelId="{C6308A28-3B0F-47A1-8E0C-1DF08DB7CA46}" type="presOf" srcId="{0BEF68B8-1228-47BB-83B5-7B9CD1E3F84E}" destId="{3F75CE54-F8AB-4041-87EA-79CD69DEAB56}" srcOrd="0" destOrd="0" presId="urn:microsoft.com/office/officeart/2008/layout/VerticalCurvedList"/>
     <dgm:cxn modelId="{0B5DAE5F-BCDC-4BF7-A6E7-CF856886A64D}" srcId="{7E5AA53B-3EEE-4DE4-BB81-9044890C2946}" destId="{6750AC01-D39D-4F3A-9DC8-2A211EE986A2}" srcOrd="0" destOrd="0" parTransId="{720680DC-AAA4-4434-A582-60EBCC5BA355}" sibTransId="{CA077D98-8478-47EA-B6A9-99ACE60C64D4}"/>
-    <dgm:cxn modelId="{29DA474E-5DFA-4C66-882F-319C49ABBB19}" type="presOf" srcId="{6750AC01-D39D-4F3A-9DC8-2A211EE986A2}" destId="{58319267-C71E-43C9-94E1-827D0616C7A7}" srcOrd="0" destOrd="0" presId="urn:microsoft.com/office/officeart/2008/layout/VerticalCurvedList"/>
-    <dgm:cxn modelId="{7084AA77-BACB-46CB-AE4A-77B62D3ED1AF}" type="presOf" srcId="{5605D28D-2CE6-4513-8566-952984E21E14}" destId="{E131CE4A-9776-44F4-BC03-867682E21374}" srcOrd="0" destOrd="0" presId="urn:microsoft.com/office/officeart/2008/layout/VerticalCurvedList"/>
+    <dgm:cxn modelId="{5DB3906E-8214-42D3-A43C-D30BC5A2D23D}" type="presOf" srcId="{7E5AA53B-3EEE-4DE4-BB81-9044890C2946}" destId="{D1AD7F36-BF92-483F-A496-EC6417DE0EE1}" srcOrd="0" destOrd="0" presId="urn:microsoft.com/office/officeart/2008/layout/VerticalCurvedList"/>
     <dgm:cxn modelId="{EDEF4F82-1237-4639-A0F7-385C1897CE66}" srcId="{7E5AA53B-3EEE-4DE4-BB81-9044890C2946}" destId="{0BEF68B8-1228-47BB-83B5-7B9CD1E3F84E}" srcOrd="1" destOrd="0" parTransId="{ED3A4BC2-B75A-4952-A38B-A42B5995DF05}" sibTransId="{FD949706-EDCC-4ADC-8EDF-8EDA49C92325}"/>
     <dgm:cxn modelId="{FAF3F884-F0CF-440F-8CB1-B7648AB1B138}" srcId="{7E5AA53B-3EEE-4DE4-BB81-9044890C2946}" destId="{5605D28D-2CE6-4513-8566-952984E21E14}" srcOrd="2" destOrd="0" parTransId="{EB15AB98-362B-4E70-A3DA-995FC3E8BA79}" sibTransId="{823D1971-2C4D-4EC5-A874-2F463DE37109}"/>
-    <dgm:cxn modelId="{4F65CC8F-B5A8-40BE-A32B-05862B543D6A}" type="presOf" srcId="{7E5AA53B-3EEE-4DE4-BB81-9044890C2946}" destId="{57806726-6E60-4ACC-9C1C-7DF9CC365A10}" srcOrd="0" destOrd="0" presId="urn:microsoft.com/office/officeart/2008/layout/VerticalCurvedList"/>
-    <dgm:cxn modelId="{4A378892-5CCC-4F0D-8A38-4BEAECF30F24}" type="presOf" srcId="{0BEF68B8-1228-47BB-83B5-7B9CD1E3F84E}" destId="{95DE6538-27BD-44AF-A1A8-CA8F6B10FDD2}" srcOrd="0" destOrd="0" presId="urn:microsoft.com/office/officeart/2008/layout/VerticalCurvedList"/>
-    <dgm:cxn modelId="{4E25B52E-70EF-4A0F-B410-0B49263AF380}" type="presParOf" srcId="{57806726-6E60-4ACC-9C1C-7DF9CC365A10}" destId="{90561C55-3C6E-4D53-85E1-2C50BCDDA392}" srcOrd="0" destOrd="0" presId="urn:microsoft.com/office/officeart/2008/layout/VerticalCurvedList"/>
-    <dgm:cxn modelId="{2B3DD9E4-EC9C-4B92-B380-F89BF82E7CF3}" type="presParOf" srcId="{90561C55-3C6E-4D53-85E1-2C50BCDDA392}" destId="{B6CD42EC-5AD4-4004-AE5B-47EDA668DAA8}" srcOrd="0" destOrd="0" presId="urn:microsoft.com/office/officeart/2008/layout/VerticalCurvedList"/>
-    <dgm:cxn modelId="{EA357085-80A4-4D1D-9BD2-56B1E9A721FB}" type="presParOf" srcId="{B6CD42EC-5AD4-4004-AE5B-47EDA668DAA8}" destId="{963B8EE3-40CC-4A0A-B420-D0BF920973CE}" srcOrd="0" destOrd="0" presId="urn:microsoft.com/office/officeart/2008/layout/VerticalCurvedList"/>
-    <dgm:cxn modelId="{F175C6D0-411C-40FD-A19B-860D49F42061}" type="presParOf" srcId="{B6CD42EC-5AD4-4004-AE5B-47EDA668DAA8}" destId="{D79B43FC-100B-4A0D-A4D5-0D2D04B99064}" srcOrd="1" destOrd="0" presId="urn:microsoft.com/office/officeart/2008/layout/VerticalCurvedList"/>
-    <dgm:cxn modelId="{794BB944-68C0-47A5-9792-652802EB36AC}" type="presParOf" srcId="{B6CD42EC-5AD4-4004-AE5B-47EDA668DAA8}" destId="{3CAD8DA1-8D53-445C-ACE8-D8449E4F0F55}" srcOrd="2" destOrd="0" presId="urn:microsoft.com/office/officeart/2008/layout/VerticalCurvedList"/>
-    <dgm:cxn modelId="{B8CC75C4-3D1A-49E7-80D2-915668C1368C}" type="presParOf" srcId="{B6CD42EC-5AD4-4004-AE5B-47EDA668DAA8}" destId="{429CABD1-4116-474B-81BF-735E2CA9DD00}" srcOrd="3" destOrd="0" presId="urn:microsoft.com/office/officeart/2008/layout/VerticalCurvedList"/>
-    <dgm:cxn modelId="{28110BB8-F33F-498C-9A75-98364B05EFA5}" type="presParOf" srcId="{90561C55-3C6E-4D53-85E1-2C50BCDDA392}" destId="{58319267-C71E-43C9-94E1-827D0616C7A7}" srcOrd="1" destOrd="0" presId="urn:microsoft.com/office/officeart/2008/layout/VerticalCurvedList"/>
-    <dgm:cxn modelId="{3866F6C9-5521-48F2-B6C3-40C9896E1605}" type="presParOf" srcId="{90561C55-3C6E-4D53-85E1-2C50BCDDA392}" destId="{79F9B8A9-2412-4B74-84A9-69422DB81CDC}" srcOrd="2" destOrd="0" presId="urn:microsoft.com/office/officeart/2008/layout/VerticalCurvedList"/>
-    <dgm:cxn modelId="{D2205A4F-BB7A-4399-BC2F-78E18EC6EAFE}" type="presParOf" srcId="{79F9B8A9-2412-4B74-84A9-69422DB81CDC}" destId="{07CB3071-D555-47DA-A36A-69EB91531FD8}" srcOrd="0" destOrd="0" presId="urn:microsoft.com/office/officeart/2008/layout/VerticalCurvedList"/>
-    <dgm:cxn modelId="{602753E6-8A03-492B-861A-6B9532B5AA28}" type="presParOf" srcId="{90561C55-3C6E-4D53-85E1-2C50BCDDA392}" destId="{95DE6538-27BD-44AF-A1A8-CA8F6B10FDD2}" srcOrd="3" destOrd="0" presId="urn:microsoft.com/office/officeart/2008/layout/VerticalCurvedList"/>
-    <dgm:cxn modelId="{AEC540A3-E86A-4075-8BE4-263F4AFF4EA1}" type="presParOf" srcId="{90561C55-3C6E-4D53-85E1-2C50BCDDA392}" destId="{312BDEE8-85BD-4F02-B35B-2CC8E701C98B}" srcOrd="4" destOrd="0" presId="urn:microsoft.com/office/officeart/2008/layout/VerticalCurvedList"/>
-    <dgm:cxn modelId="{CD5D1014-B7CB-4B47-9A02-5FBF90928A73}" type="presParOf" srcId="{312BDEE8-85BD-4F02-B35B-2CC8E701C98B}" destId="{3F8116AC-FAC3-4E95-9865-93CCFEB191B9}" srcOrd="0" destOrd="0" presId="urn:microsoft.com/office/officeart/2008/layout/VerticalCurvedList"/>
-    <dgm:cxn modelId="{987EB7C0-CA3E-4874-85E0-01E9060A2D35}" type="presParOf" srcId="{90561C55-3C6E-4D53-85E1-2C50BCDDA392}" destId="{E131CE4A-9776-44F4-BC03-867682E21374}" srcOrd="5" destOrd="0" presId="urn:microsoft.com/office/officeart/2008/layout/VerticalCurvedList"/>
-    <dgm:cxn modelId="{91E55363-8DCA-455E-A203-06A9410994CB}" type="presParOf" srcId="{90561C55-3C6E-4D53-85E1-2C50BCDDA392}" destId="{AC9A216A-8375-48F9-A4E6-8E0B64C0209B}" srcOrd="6" destOrd="0" presId="urn:microsoft.com/office/officeart/2008/layout/VerticalCurvedList"/>
-    <dgm:cxn modelId="{D866D586-1293-4049-B6E3-B467C1D5ED64}" type="presParOf" srcId="{AC9A216A-8375-48F9-A4E6-8E0B64C0209B}" destId="{A965097E-32F1-4AB8-8C4E-2814A7596B2F}" srcOrd="0" destOrd="0" presId="urn:microsoft.com/office/officeart/2008/layout/VerticalCurvedList"/>
+    <dgm:cxn modelId="{DE6BDD99-1229-4A5B-9CC3-5300E52ACE06}" type="presOf" srcId="{CA077D98-8478-47EA-B6A9-99ACE60C64D4}" destId="{A83BA02F-1538-4C3C-8F19-2C9D546A9200}" srcOrd="0" destOrd="0" presId="urn:microsoft.com/office/officeart/2008/layout/VerticalCurvedList"/>
+    <dgm:cxn modelId="{DFAE04B6-C719-428B-B0B8-2D41ABBB881E}" type="presOf" srcId="{6750AC01-D39D-4F3A-9DC8-2A211EE986A2}" destId="{E1CFC215-5C5E-4272-B166-EA39CD1EB0D4}" srcOrd="0" destOrd="0" presId="urn:microsoft.com/office/officeart/2008/layout/VerticalCurvedList"/>
+    <dgm:cxn modelId="{5824CFED-9FE6-4DCC-9411-A7D9F8A00B57}" type="presOf" srcId="{5605D28D-2CE6-4513-8566-952984E21E14}" destId="{E974F307-44AE-4E42-B7B4-B0D2483C372E}" srcOrd="0" destOrd="0" presId="urn:microsoft.com/office/officeart/2008/layout/VerticalCurvedList"/>
+    <dgm:cxn modelId="{1ABFD6DD-05C3-4A91-953B-8535DCB0E877}" type="presParOf" srcId="{D1AD7F36-BF92-483F-A496-EC6417DE0EE1}" destId="{D6F06811-6D69-4FB4-A00C-6FE236C5C33A}" srcOrd="0" destOrd="0" presId="urn:microsoft.com/office/officeart/2008/layout/VerticalCurvedList"/>
+    <dgm:cxn modelId="{3FF811C0-A082-466F-B408-DD7D8D2FFFDB}" type="presParOf" srcId="{D6F06811-6D69-4FB4-A00C-6FE236C5C33A}" destId="{FEEC7568-C8EA-4BF6-9C7E-E8C3A723DCE9}" srcOrd="0" destOrd="0" presId="urn:microsoft.com/office/officeart/2008/layout/VerticalCurvedList"/>
+    <dgm:cxn modelId="{D8CE4306-8252-4C5C-9E62-C80D5E4C12C1}" type="presParOf" srcId="{FEEC7568-C8EA-4BF6-9C7E-E8C3A723DCE9}" destId="{217D7E9F-A4FE-4817-A03E-70DACA9A4C36}" srcOrd="0" destOrd="0" presId="urn:microsoft.com/office/officeart/2008/layout/VerticalCurvedList"/>
+    <dgm:cxn modelId="{AFE3FFE6-51FA-4C25-A617-BA7D0461C041}" type="presParOf" srcId="{FEEC7568-C8EA-4BF6-9C7E-E8C3A723DCE9}" destId="{A83BA02F-1538-4C3C-8F19-2C9D546A9200}" srcOrd="1" destOrd="0" presId="urn:microsoft.com/office/officeart/2008/layout/VerticalCurvedList"/>
+    <dgm:cxn modelId="{24DC5AF0-2A78-40B4-884D-47CAA541B019}" type="presParOf" srcId="{FEEC7568-C8EA-4BF6-9C7E-E8C3A723DCE9}" destId="{278549DD-3F00-4605-B672-4C6AFAE043C3}" srcOrd="2" destOrd="0" presId="urn:microsoft.com/office/officeart/2008/layout/VerticalCurvedList"/>
+    <dgm:cxn modelId="{21CDE903-75AA-4D1D-87D7-C9738546D1E9}" type="presParOf" srcId="{FEEC7568-C8EA-4BF6-9C7E-E8C3A723DCE9}" destId="{EB43B4D6-73D0-4822-98A3-4BACF9621E62}" srcOrd="3" destOrd="0" presId="urn:microsoft.com/office/officeart/2008/layout/VerticalCurvedList"/>
+    <dgm:cxn modelId="{501FF2AD-036A-44FB-9506-183AD96FC953}" type="presParOf" srcId="{D6F06811-6D69-4FB4-A00C-6FE236C5C33A}" destId="{E1CFC215-5C5E-4272-B166-EA39CD1EB0D4}" srcOrd="1" destOrd="0" presId="urn:microsoft.com/office/officeart/2008/layout/VerticalCurvedList"/>
+    <dgm:cxn modelId="{27FE2569-CE5B-4EBE-917D-7899DC8AFC3F}" type="presParOf" srcId="{D6F06811-6D69-4FB4-A00C-6FE236C5C33A}" destId="{DDC7EC21-0662-4FBF-AF76-E43978C665C9}" srcOrd="2" destOrd="0" presId="urn:microsoft.com/office/officeart/2008/layout/VerticalCurvedList"/>
+    <dgm:cxn modelId="{0D41F83D-7697-4DA0-A6F7-72D9C8378EAD}" type="presParOf" srcId="{DDC7EC21-0662-4FBF-AF76-E43978C665C9}" destId="{DE9DC315-C057-4AB3-9A7B-80E27896B872}" srcOrd="0" destOrd="0" presId="urn:microsoft.com/office/officeart/2008/layout/VerticalCurvedList"/>
+    <dgm:cxn modelId="{EA851C05-9AA5-480E-ADF6-48EBCE3D1910}" type="presParOf" srcId="{D6F06811-6D69-4FB4-A00C-6FE236C5C33A}" destId="{3F75CE54-F8AB-4041-87EA-79CD69DEAB56}" srcOrd="3" destOrd="0" presId="urn:microsoft.com/office/officeart/2008/layout/VerticalCurvedList"/>
+    <dgm:cxn modelId="{EEF46549-357D-4AEE-9878-7992E577C690}" type="presParOf" srcId="{D6F06811-6D69-4FB4-A00C-6FE236C5C33A}" destId="{01EE0206-62FD-4CCF-BD2A-3B59B04F47B0}" srcOrd="4" destOrd="0" presId="urn:microsoft.com/office/officeart/2008/layout/VerticalCurvedList"/>
+    <dgm:cxn modelId="{E1B4D889-704B-4085-B0F6-80F3D07DF126}" type="presParOf" srcId="{01EE0206-62FD-4CCF-BD2A-3B59B04F47B0}" destId="{35645705-094C-43B7-AC54-8AC826CD4EB0}" srcOrd="0" destOrd="0" presId="urn:microsoft.com/office/officeart/2008/layout/VerticalCurvedList"/>
+    <dgm:cxn modelId="{F0753CAA-C4F1-4B08-A712-A826153A9A53}" type="presParOf" srcId="{D6F06811-6D69-4FB4-A00C-6FE236C5C33A}" destId="{E974F307-44AE-4E42-B7B4-B0D2483C372E}" srcOrd="5" destOrd="0" presId="urn:microsoft.com/office/officeart/2008/layout/VerticalCurvedList"/>
+    <dgm:cxn modelId="{477F5E05-C225-4A66-8FD7-78F4F29AC1ED}" type="presParOf" srcId="{D6F06811-6D69-4FB4-A00C-6FE236C5C33A}" destId="{BD9F826B-6BBA-4D16-87DC-18687C634AE3}" srcOrd="6" destOrd="0" presId="urn:microsoft.com/office/officeart/2008/layout/VerticalCurvedList"/>
+    <dgm:cxn modelId="{62782ECC-DE07-4F08-8195-350BBAECF5F4}" type="presParOf" srcId="{BD9F826B-6BBA-4D16-87DC-18687C634AE3}" destId="{1A8BB76A-363A-4BED-8365-017F35B5C49B}" srcOrd="0" destOrd="0" presId="urn:microsoft.com/office/officeart/2008/layout/VerticalCurvedList"/>
   </dgm:cxnLst>
   <dgm:bg/>
   <dgm:whole/>
@@ -2341,7 +2353,15 @@
           </a:stretch>
         </a:blipFill>
         <a:ln w="22225" cap="rnd" cmpd="sng" algn="ctr">
-          <a:noFill/>
+          <a:solidFill>
+            <a:schemeClr val="lt1">
+              <a:alpha val="0"/>
+              <a:hueOff val="0"/>
+              <a:satOff val="0"/>
+              <a:lumOff val="0"/>
+              <a:alphaOff val="0"/>
+            </a:schemeClr>
+          </a:solidFill>
           <a:prstDash val="solid"/>
         </a:ln>
         <a:effectLst/>
@@ -2398,9 +2418,9 @@
         </a:bodyPr>
         <a:lstStyle/>
         <a:p>
-          <a:pPr marL="0" lvl="0" indent="0" algn="ctr" defTabSz="1600200">
+          <a:pPr marL="0" lvl="0" indent="0" algn="ctr" defTabSz="1555750">
             <a:lnSpc>
-              <a:spcPct val="90000"/>
+              <a:spcPct val="100000"/>
             </a:lnSpc>
             <a:spcBef>
               <a:spcPct val="0"/>
@@ -2411,10 +2431,10 @@
             <a:buNone/>
           </a:pPr>
           <a:r>
-            <a:rPr lang="en-ZA" sz="3600" kern="1200" dirty="0"/>
-            <a:t>Network</a:t>
+            <a:rPr lang="en-ZA" sz="3500" kern="1200" dirty="0"/>
+            <a:t>Correlation</a:t>
           </a:r>
-          <a:endParaRPr lang="en-US" sz="3600" kern="1200" dirty="0"/>
+          <a:endParaRPr lang="en-US" sz="3500" kern="1200" dirty="0"/>
         </a:p>
       </dsp:txBody>
       <dsp:txXfrm>
@@ -2451,7 +2471,15 @@
           </a:stretch>
         </a:blipFill>
         <a:ln w="22225" cap="rnd" cmpd="sng" algn="ctr">
-          <a:noFill/>
+          <a:solidFill>
+            <a:schemeClr val="lt1">
+              <a:alpha val="0"/>
+              <a:hueOff val="0"/>
+              <a:satOff val="0"/>
+              <a:lumOff val="0"/>
+              <a:alphaOff val="0"/>
+            </a:schemeClr>
+          </a:solidFill>
           <a:prstDash val="solid"/>
         </a:ln>
         <a:effectLst/>
@@ -2508,9 +2536,9 @@
         </a:bodyPr>
         <a:lstStyle/>
         <a:p>
-          <a:pPr marL="0" lvl="0" indent="0" algn="ctr" defTabSz="1600200">
+          <a:pPr marL="0" lvl="0" indent="0" algn="ctr" defTabSz="1555750">
             <a:lnSpc>
-              <a:spcPct val="90000"/>
+              <a:spcPct val="100000"/>
             </a:lnSpc>
             <a:spcBef>
               <a:spcPct val="0"/>
@@ -2521,8 +2549,8 @@
             <a:buNone/>
           </a:pPr>
           <a:r>
-            <a:rPr lang="en-US" sz="3600" kern="1200" dirty="0"/>
-            <a:t>Satellite</a:t>
+            <a:rPr lang="en-US" sz="3500" kern="1200" dirty="0"/>
+            <a:t>Covariance</a:t>
           </a:r>
         </a:p>
       </dsp:txBody>
@@ -2547,9 +2575,6 @@
         <a:blipFill>
           <a:blip xmlns:r="http://schemas.openxmlformats.org/officeDocument/2006/relationships" r:embed="rId5">
             <a:extLst>
-              <a:ext uri="{28A0092B-C50C-407E-A947-70E740481C1C}">
-                <a14:useLocalDpi xmlns:a14="http://schemas.microsoft.com/office/drawing/2010/main" val="0"/>
-              </a:ext>
               <a:ext uri="{96DAC541-7B7A-43D3-8B79-37D633B846F1}">
                 <asvg:svgBlip xmlns:asvg="http://schemas.microsoft.com/office/drawing/2016/SVG/main" r:embed="rId6"/>
               </a:ext>
@@ -2561,7 +2586,15 @@
           </a:stretch>
         </a:blipFill>
         <a:ln w="22225" cap="rnd" cmpd="sng" algn="ctr">
-          <a:noFill/>
+          <a:solidFill>
+            <a:schemeClr val="lt1">
+              <a:alpha val="0"/>
+              <a:hueOff val="0"/>
+              <a:satOff val="0"/>
+              <a:lumOff val="0"/>
+              <a:alphaOff val="0"/>
+            </a:schemeClr>
+          </a:solidFill>
           <a:prstDash val="solid"/>
         </a:ln>
         <a:effectLst/>
@@ -2618,9 +2651,9 @@
         </a:bodyPr>
         <a:lstStyle/>
         <a:p>
-          <a:pPr marL="0" lvl="0" indent="0" algn="ctr" defTabSz="1600200">
+          <a:pPr marL="0" lvl="0" indent="0" algn="ctr" defTabSz="1555750">
             <a:lnSpc>
-              <a:spcPct val="90000"/>
+              <a:spcPct val="100000"/>
             </a:lnSpc>
             <a:spcBef>
               <a:spcPct val="0"/>
@@ -2631,8 +2664,8 @@
             <a:buNone/>
           </a:pPr>
           <a:r>
-            <a:rPr lang="en-US" sz="3600" kern="1200" dirty="0"/>
-            <a:t>Link</a:t>
+            <a:rPr lang="en-US" sz="3500" kern="1200" dirty="0"/>
+            <a:t>Linear Regression</a:t>
           </a:r>
         </a:p>
       </dsp:txBody>
@@ -2653,7 +2686,7 @@
       <dsp:cNvGrpSpPr/>
     </dsp:nvGrpSpPr>
     <dsp:grpSpPr/>
-    <dsp:sp modelId="{D79B43FC-100B-4A0D-A4D5-0D2D04B99064}">
+    <dsp:sp modelId="{A83BA02F-1538-4C3C-8F19-2C9D546A9200}">
       <dsp:nvSpPr>
         <dsp:cNvPr id="0" name=""/>
         <dsp:cNvSpPr/>
@@ -2698,7 +2731,7 @@
         <a:fontRef idx="minor"/>
       </dsp:style>
     </dsp:sp>
-    <dsp:sp modelId="{58319267-C71E-43C9-94E1-827D0616C7A7}">
+    <dsp:sp modelId="{E1CFC215-5C5E-4272-B166-EA39CD1EB0D4}">
       <dsp:nvSpPr>
         <dsp:cNvPr id="0" name=""/>
         <dsp:cNvSpPr/>
@@ -2790,7 +2823,7 @@
         <a:ext cx="6310391" cy="712787"/>
       </dsp:txXfrm>
     </dsp:sp>
-    <dsp:sp modelId="{07CB3071-D555-47DA-A36A-69EB91531FD8}">
+    <dsp:sp modelId="{DE9DC315-C057-4AB3-9A7B-80E27896B872}">
       <dsp:nvSpPr>
         <dsp:cNvPr id="0" name=""/>
         <dsp:cNvSpPr/>
@@ -2837,7 +2870,7 @@
         <a:fontRef idx="minor"/>
       </dsp:style>
     </dsp:sp>
-    <dsp:sp modelId="{95DE6538-27BD-44AF-A1A8-CA8F6B10FDD2}">
+    <dsp:sp modelId="{3F75CE54-F8AB-4041-87EA-79CD69DEAB56}">
       <dsp:nvSpPr>
         <dsp:cNvPr id="0" name=""/>
         <dsp:cNvSpPr/>
@@ -2929,7 +2962,7 @@
         <a:ext cx="6051292" cy="712787"/>
       </dsp:txXfrm>
     </dsp:sp>
-    <dsp:sp modelId="{3F8116AC-FAC3-4E95-9865-93CCFEB191B9}">
+    <dsp:sp modelId="{35645705-094C-43B7-AC54-8AC826CD4EB0}">
       <dsp:nvSpPr>
         <dsp:cNvPr id="0" name=""/>
         <dsp:cNvSpPr/>
@@ -2976,7 +3009,7 @@
         <a:fontRef idx="minor"/>
       </dsp:style>
     </dsp:sp>
-    <dsp:sp modelId="{E131CE4A-9776-44F4-BC03-867682E21374}">
+    <dsp:sp modelId="{E974F307-44AE-4E42-B7B4-B0D2483C372E}">
       <dsp:nvSpPr>
         <dsp:cNvPr id="0" name=""/>
         <dsp:cNvSpPr/>
@@ -3068,7 +3101,7 @@
         <a:ext cx="6310391" cy="712787"/>
       </dsp:txXfrm>
     </dsp:sp>
-    <dsp:sp modelId="{A965097E-32F1-4AB8-8C4E-2814A7596B2F}">
+    <dsp:sp modelId="{1A8BB76A-363A-4BED-8365-017F35B5C49B}">
       <dsp:nvSpPr>
         <dsp:cNvPr id="0" name=""/>
         <dsp:cNvSpPr/>
@@ -6749,7 +6782,7 @@
           <a:p>
             <a:fld id="{AF869721-F543-4A6C-BF9D-65D7CC540427}" type="datetimeFigureOut">
               <a:rPr lang="en-US" smtClean="0"/>
-              <a:t>6/8/2023</a:t>
+              <a:t>6/9/2023</a:t>
             </a:fld>
             <a:endParaRPr lang="en-US" dirty="0"/>
           </a:p>
@@ -6926,7 +6959,7 @@
           <a:p>
             <a:fld id="{C732326A-4C88-4AFB-AA5B-5919D81DFF5B}" type="datetimeFigureOut">
               <a:rPr lang="en-US" smtClean="0"/>
-              <a:t>6/8/2023</a:t>
+              <a:t>6/9/2023</a:t>
             </a:fld>
             <a:endParaRPr lang="en-US" dirty="0"/>
           </a:p>
@@ -7426,7 +7459,7 @@
           <a:p>
             <a:fld id="{C6B3AB32-59DF-41F1-9618-EDFBF5049629}" type="slidenum">
               <a:rPr lang="en-US" smtClean="0"/>
-              <a:t>10</a:t>
+              <a:t>18</a:t>
             </a:fld>
             <a:endParaRPr lang="en-US" dirty="0"/>
           </a:p>
@@ -7510,7 +7543,7 @@
           <a:p>
             <a:fld id="{C6B3AB32-59DF-41F1-9618-EDFBF5049629}" type="slidenum">
               <a:rPr lang="en-US" smtClean="0"/>
-              <a:t>11</a:t>
+              <a:t>20</a:t>
             </a:fld>
             <a:endParaRPr lang="en-US" dirty="0"/>
           </a:p>
@@ -7775,7 +7808,7 @@
             <a:fld id="{B61BEF0D-F0BB-DE4B-95CE-6DB70DBA9567}" type="datetimeFigureOut">
               <a:rPr lang="en-US" smtClean="0"/>
               <a:pPr/>
-              <a:t>6/8/2023</a:t>
+              <a:t>6/9/2023</a:t>
             </a:fld>
             <a:endParaRPr lang="en-US" dirty="0"/>
           </a:p>
@@ -8039,7 +8072,7 @@
             <a:fld id="{B61BEF0D-F0BB-DE4B-95CE-6DB70DBA9567}" type="datetimeFigureOut">
               <a:rPr lang="en-US" smtClean="0"/>
               <a:pPr/>
-              <a:t>6/8/2023</a:t>
+              <a:t>6/9/2023</a:t>
             </a:fld>
             <a:endParaRPr lang="en-US" dirty="0"/>
           </a:p>
@@ -8276,7 +8309,7 @@
             <a:fld id="{B61BEF0D-F0BB-DE4B-95CE-6DB70DBA9567}" type="datetimeFigureOut">
               <a:rPr lang="en-US" smtClean="0"/>
               <a:pPr/>
-              <a:t>6/8/2023</a:t>
+              <a:t>6/9/2023</a:t>
             </a:fld>
             <a:endParaRPr lang="en-US" dirty="0"/>
           </a:p>
@@ -8518,7 +8551,7 @@
             <a:fld id="{B61BEF0D-F0BB-DE4B-95CE-6DB70DBA9567}" type="datetimeFigureOut">
               <a:rPr lang="en-US" smtClean="0"/>
               <a:pPr/>
-              <a:t>6/8/2023</a:t>
+              <a:t>6/9/2023</a:t>
             </a:fld>
             <a:endParaRPr lang="en-US" dirty="0"/>
           </a:p>
@@ -8827,7 +8860,7 @@
             <a:fld id="{B61BEF0D-F0BB-DE4B-95CE-6DB70DBA9567}" type="datetimeFigureOut">
               <a:rPr lang="en-US" smtClean="0"/>
               <a:pPr/>
-              <a:t>6/8/2023</a:t>
+              <a:t>6/9/2023</a:t>
             </a:fld>
             <a:endParaRPr lang="en-US" dirty="0"/>
           </a:p>
@@ -9131,7 +9164,7 @@
             <a:fld id="{B61BEF0D-F0BB-DE4B-95CE-6DB70DBA9567}" type="datetimeFigureOut">
               <a:rPr lang="en-US" smtClean="0"/>
               <a:pPr/>
-              <a:t>6/8/2023</a:t>
+              <a:t>6/9/2023</a:t>
             </a:fld>
             <a:endParaRPr lang="en-US" dirty="0"/>
           </a:p>
@@ -9555,7 +9588,7 @@
             <a:fld id="{B61BEF0D-F0BB-DE4B-95CE-6DB70DBA9567}" type="datetimeFigureOut">
               <a:rPr lang="en-US" smtClean="0"/>
               <a:pPr/>
-              <a:t>6/8/2023</a:t>
+              <a:t>6/9/2023</a:t>
             </a:fld>
             <a:endParaRPr lang="en-US" dirty="0"/>
           </a:p>
@@ -9652,7 +9685,7 @@
             <a:fld id="{B61BEF0D-F0BB-DE4B-95CE-6DB70DBA9567}" type="datetimeFigureOut">
               <a:rPr lang="en-US" smtClean="0"/>
               <a:pPr/>
-              <a:t>6/8/2023</a:t>
+              <a:t>6/9/2023</a:t>
             </a:fld>
             <a:endParaRPr lang="en-US" dirty="0"/>
           </a:p>
@@ -9816,7 +9849,7 @@
             <a:fld id="{B61BEF0D-F0BB-DE4B-95CE-6DB70DBA9567}" type="datetimeFigureOut">
               <a:rPr lang="en-US" smtClean="0"/>
               <a:pPr/>
-              <a:t>6/8/2023</a:t>
+              <a:t>6/9/2023</a:t>
             </a:fld>
             <a:endParaRPr lang="en-US" dirty="0"/>
           </a:p>
@@ -10196,7 +10229,7 @@
             <a:fld id="{B61BEF0D-F0BB-DE4B-95CE-6DB70DBA9567}" type="datetimeFigureOut">
               <a:rPr lang="en-US" smtClean="0"/>
               <a:pPr/>
-              <a:t>6/8/2023</a:t>
+              <a:t>6/9/2023</a:t>
             </a:fld>
             <a:endParaRPr lang="en-US" dirty="0"/>
           </a:p>
@@ -10487,7 +10520,7 @@
             <a:fld id="{B61BEF0D-F0BB-DE4B-95CE-6DB70DBA9567}" type="datetimeFigureOut">
               <a:rPr lang="en-US" smtClean="0"/>
               <a:pPr/>
-              <a:t>6/8/2023</a:t>
+              <a:t>6/9/2023</a:t>
             </a:fld>
             <a:endParaRPr lang="en-US" dirty="0"/>
           </a:p>
@@ -10700,7 +10733,7 @@
             <a:fld id="{B61BEF0D-F0BB-DE4B-95CE-6DB70DBA9567}" type="datetimeFigureOut">
               <a:rPr lang="en-US" smtClean="0"/>
               <a:pPr/>
-              <a:t>6/8/2023</a:t>
+              <a:t>6/9/2023</a:t>
             </a:fld>
             <a:endParaRPr lang="en-US" dirty="0"/>
           </a:p>
@@ -11743,6 +11776,1937 @@
 <file path=ppt/slides/slide10.xml><?xml version="1.0" encoding="utf-8"?>
 <p:sld xmlns:a="http://schemas.openxmlformats.org/drawingml/2006/main" xmlns:r="http://schemas.openxmlformats.org/officeDocument/2006/relationships" xmlns:p="http://schemas.openxmlformats.org/presentationml/2006/main">
   <p:cSld>
+    <p:spTree>
+      <p:nvGrpSpPr>
+        <p:cNvPr id="1" name=""/>
+        <p:cNvGrpSpPr/>
+        <p:nvPr/>
+      </p:nvGrpSpPr>
+      <p:grpSpPr>
+        <a:xfrm>
+          <a:off x="0" y="0"/>
+          <a:ext cx="0" cy="0"/>
+          <a:chOff x="0" y="0"/>
+          <a:chExt cx="0" cy="0"/>
+        </a:xfrm>
+      </p:grpSpPr>
+      <p:sp>
+        <p:nvSpPr>
+          <p:cNvPr id="2" name="Title 1">
+            <a:extLst>
+              <a:ext uri="{FF2B5EF4-FFF2-40B4-BE49-F238E27FC236}">
+                <a16:creationId xmlns:a16="http://schemas.microsoft.com/office/drawing/2014/main" id="{921633EB-7DCB-4DDC-80AF-C885A3EE1245}"/>
+              </a:ext>
+            </a:extLst>
+          </p:cNvPr>
+          <p:cNvSpPr>
+            <a:spLocks noGrp="1"/>
+          </p:cNvSpPr>
+          <p:nvPr>
+            <p:ph type="title"/>
+          </p:nvPr>
+        </p:nvSpPr>
+        <p:spPr/>
+        <p:txBody>
+          <a:bodyPr/>
+          <a:lstStyle/>
+          <a:p>
+            <a:r>
+              <a:rPr lang="en-US" dirty="0"/>
+              <a:t>Grade Data</a:t>
+            </a:r>
+          </a:p>
+        </p:txBody>
+      </p:sp>
+      <p:sp>
+        <p:nvSpPr>
+          <p:cNvPr id="4" name="Content Placeholder 3">
+            <a:extLst>
+              <a:ext uri="{FF2B5EF4-FFF2-40B4-BE49-F238E27FC236}">
+                <a16:creationId xmlns:a16="http://schemas.microsoft.com/office/drawing/2014/main" id="{42D5E002-1C68-0A1B-39F4-AD4EA6416E54}"/>
+              </a:ext>
+            </a:extLst>
+          </p:cNvPr>
+          <p:cNvSpPr>
+            <a:spLocks noGrp="1"/>
+          </p:cNvSpPr>
+          <p:nvPr>
+            <p:ph sz="half" idx="1"/>
+          </p:nvPr>
+        </p:nvSpPr>
+        <p:spPr/>
+        <p:txBody>
+          <a:bodyPr/>
+          <a:lstStyle/>
+          <a:p>
+            <a:r>
+              <a:rPr lang="en-US" dirty="0"/>
+              <a:t>Grade Distribution over the three years.</a:t>
+            </a:r>
+          </a:p>
+          <a:p>
+            <a:r>
+              <a:rPr lang="en-GB" dirty="0"/>
+              <a:t>Observations:</a:t>
+            </a:r>
+          </a:p>
+          <a:p>
+            <a:pPr lvl="1"/>
+            <a:r>
+              <a:rPr lang="en-GB" dirty="0"/>
+              <a:t>2021-2022 year, no students recorded as MF or F, only a relatively small number of NS grades</a:t>
+            </a:r>
+          </a:p>
+          <a:p>
+            <a:pPr lvl="1"/>
+            <a:r>
+              <a:rPr lang="en-GB" dirty="0"/>
+              <a:t>Median for 2020-2021 and 2022-2023 are the same, however general performance appears to have dropped.</a:t>
+            </a:r>
+            <a:endParaRPr lang="en-US" dirty="0"/>
+          </a:p>
+        </p:txBody>
+      </p:sp>
+      <p:pic>
+        <p:nvPicPr>
+          <p:cNvPr id="8" name="Content Placeholder 7" descr="A picture containing text, diagram, screenshot, rectangle&#10;&#10;Description automatically generated">
+            <a:extLst>
+              <a:ext uri="{FF2B5EF4-FFF2-40B4-BE49-F238E27FC236}">
+                <a16:creationId xmlns:a16="http://schemas.microsoft.com/office/drawing/2014/main" id="{42651790-8BAE-6A96-CED7-AB08B5AEAF8A}"/>
+              </a:ext>
+            </a:extLst>
+          </p:cNvPr>
+          <p:cNvPicPr>
+            <a:picLocks noGrp="1" noChangeAspect="1"/>
+          </p:cNvPicPr>
+          <p:nvPr>
+            <p:ph sz="half" idx="2"/>
+          </p:nvPr>
+        </p:nvPicPr>
+        <p:blipFill>
+          <a:blip r:embed="rId2"/>
+          <a:stretch>
+            <a:fillRect/>
+          </a:stretch>
+        </p:blipFill>
+        <p:spPr>
+          <a:xfrm>
+            <a:off x="6188419" y="2017635"/>
+            <a:ext cx="4840365" cy="4840365"/>
+          </a:xfrm>
+        </p:spPr>
+      </p:pic>
+    </p:spTree>
+    <p:extLst>
+      <p:ext uri="{BB962C8B-B14F-4D97-AF65-F5344CB8AC3E}">
+        <p14:creationId xmlns:p14="http://schemas.microsoft.com/office/powerpoint/2010/main" val="497607547"/>
+      </p:ext>
+    </p:extLst>
+  </p:cSld>
+  <p:clrMapOvr>
+    <a:masterClrMapping/>
+  </p:clrMapOvr>
+</p:sld>
+</file>
+
+<file path=ppt/slides/slide11.xml><?xml version="1.0" encoding="utf-8"?>
+<p:sld xmlns:a="http://schemas.openxmlformats.org/drawingml/2006/main" xmlns:r="http://schemas.openxmlformats.org/officeDocument/2006/relationships" xmlns:p="http://schemas.openxmlformats.org/presentationml/2006/main">
+  <p:cSld>
+    <p:spTree>
+      <p:nvGrpSpPr>
+        <p:cNvPr id="1" name=""/>
+        <p:cNvGrpSpPr/>
+        <p:nvPr/>
+      </p:nvGrpSpPr>
+      <p:grpSpPr>
+        <a:xfrm>
+          <a:off x="0" y="0"/>
+          <a:ext cx="0" cy="0"/>
+          <a:chOff x="0" y="0"/>
+          <a:chExt cx="0" cy="0"/>
+        </a:xfrm>
+      </p:grpSpPr>
+      <p:sp>
+        <p:nvSpPr>
+          <p:cNvPr id="2" name="Title 1">
+            <a:extLst>
+              <a:ext uri="{FF2B5EF4-FFF2-40B4-BE49-F238E27FC236}">
+                <a16:creationId xmlns:a16="http://schemas.microsoft.com/office/drawing/2014/main" id="{921633EB-7DCB-4DDC-80AF-C885A3EE1245}"/>
+              </a:ext>
+            </a:extLst>
+          </p:cNvPr>
+          <p:cNvSpPr>
+            <a:spLocks noGrp="1"/>
+          </p:cNvSpPr>
+          <p:nvPr>
+            <p:ph type="title"/>
+          </p:nvPr>
+        </p:nvSpPr>
+        <p:spPr/>
+        <p:txBody>
+          <a:bodyPr/>
+          <a:lstStyle/>
+          <a:p>
+            <a:r>
+              <a:rPr lang="en-US" dirty="0"/>
+              <a:t>Grade Data</a:t>
+            </a:r>
+          </a:p>
+        </p:txBody>
+      </p:sp>
+      <p:pic>
+        <p:nvPicPr>
+          <p:cNvPr id="20" name="Content Placeholder 19" descr="A picture containing text, diagram, screenshot, line&#10;&#10;Description automatically generated">
+            <a:extLst>
+              <a:ext uri="{FF2B5EF4-FFF2-40B4-BE49-F238E27FC236}">
+                <a16:creationId xmlns:a16="http://schemas.microsoft.com/office/drawing/2014/main" id="{996B68EB-BA2A-A868-4AE5-26A32E6156DF}"/>
+              </a:ext>
+            </a:extLst>
+          </p:cNvPr>
+          <p:cNvPicPr>
+            <a:picLocks noGrp="1" noChangeAspect="1"/>
+          </p:cNvPicPr>
+          <p:nvPr>
+            <p:ph sz="half" idx="2"/>
+          </p:nvPr>
+        </p:nvPicPr>
+        <p:blipFill>
+          <a:blip r:embed="rId2"/>
+          <a:stretch>
+            <a:fillRect/>
+          </a:stretch>
+        </p:blipFill>
+        <p:spPr>
+          <a:xfrm>
+            <a:off x="4279106" y="2227262"/>
+            <a:ext cx="3633787" cy="3633787"/>
+          </a:xfrm>
+        </p:spPr>
+      </p:pic>
+      <p:pic>
+        <p:nvPicPr>
+          <p:cNvPr id="18" name="Content Placeholder 17" descr="A picture containing text, diagram, font, design&#10;&#10;Description automatically generated">
+            <a:extLst>
+              <a:ext uri="{FF2B5EF4-FFF2-40B4-BE49-F238E27FC236}">
+                <a16:creationId xmlns:a16="http://schemas.microsoft.com/office/drawing/2014/main" id="{4839D6D5-2B41-944C-1C99-69736E0DFBD4}"/>
+              </a:ext>
+            </a:extLst>
+          </p:cNvPr>
+          <p:cNvPicPr>
+            <a:picLocks noGrp="1" noChangeAspect="1"/>
+          </p:cNvPicPr>
+          <p:nvPr>
+            <p:ph sz="half" idx="1"/>
+          </p:nvPr>
+        </p:nvPicPr>
+        <p:blipFill>
+          <a:blip r:embed="rId3"/>
+          <a:stretch>
+            <a:fillRect/>
+          </a:stretch>
+        </p:blipFill>
+        <p:spPr>
+          <a:xfrm>
+            <a:off x="581193" y="2227262"/>
+            <a:ext cx="3633787" cy="3633787"/>
+          </a:xfrm>
+        </p:spPr>
+      </p:pic>
+      <p:pic>
+        <p:nvPicPr>
+          <p:cNvPr id="22" name="Picture 21" descr="A picture containing text, diagram, screenshot, font&#10;&#10;Description automatically generated">
+            <a:extLst>
+              <a:ext uri="{FF2B5EF4-FFF2-40B4-BE49-F238E27FC236}">
+                <a16:creationId xmlns:a16="http://schemas.microsoft.com/office/drawing/2014/main" id="{A2645ED6-F5DD-B44C-6AF8-A1ECB0E6B71D}"/>
+              </a:ext>
+            </a:extLst>
+          </p:cNvPr>
+          <p:cNvPicPr>
+            <a:picLocks noChangeAspect="1"/>
+          </p:cNvPicPr>
+          <p:nvPr/>
+        </p:nvPicPr>
+        <p:blipFill>
+          <a:blip r:embed="rId4"/>
+          <a:stretch>
+            <a:fillRect/>
+          </a:stretch>
+        </p:blipFill>
+        <p:spPr>
+          <a:xfrm>
+            <a:off x="7977020" y="2227261"/>
+            <a:ext cx="3633787" cy="3633787"/>
+          </a:xfrm>
+          <a:prstGeom prst="rect">
+            <a:avLst/>
+          </a:prstGeom>
+        </p:spPr>
+      </p:pic>
+    </p:spTree>
+    <p:extLst>
+      <p:ext uri="{BB962C8B-B14F-4D97-AF65-F5344CB8AC3E}">
+        <p14:creationId xmlns:p14="http://schemas.microsoft.com/office/powerpoint/2010/main" val="3003786350"/>
+      </p:ext>
+    </p:extLst>
+  </p:cSld>
+  <p:clrMapOvr>
+    <a:masterClrMapping/>
+  </p:clrMapOvr>
+</p:sld>
+</file>
+
+<file path=ppt/slides/slide12.xml><?xml version="1.0" encoding="utf-8"?>
+<p:sld xmlns:a="http://schemas.openxmlformats.org/drawingml/2006/main" xmlns:r="http://schemas.openxmlformats.org/officeDocument/2006/relationships" xmlns:p="http://schemas.openxmlformats.org/presentationml/2006/main">
+  <p:cSld>
+    <p:spTree>
+      <p:nvGrpSpPr>
+        <p:cNvPr id="1" name=""/>
+        <p:cNvGrpSpPr/>
+        <p:nvPr/>
+      </p:nvGrpSpPr>
+      <p:grpSpPr>
+        <a:xfrm>
+          <a:off x="0" y="0"/>
+          <a:ext cx="0" cy="0"/>
+          <a:chOff x="0" y="0"/>
+          <a:chExt cx="0" cy="0"/>
+        </a:xfrm>
+      </p:grpSpPr>
+      <p:sp>
+        <p:nvSpPr>
+          <p:cNvPr id="2" name="Title 1">
+            <a:extLst>
+              <a:ext uri="{FF2B5EF4-FFF2-40B4-BE49-F238E27FC236}">
+                <a16:creationId xmlns:a16="http://schemas.microsoft.com/office/drawing/2014/main" id="{921633EB-7DCB-4DDC-80AF-C885A3EE1245}"/>
+              </a:ext>
+            </a:extLst>
+          </p:cNvPr>
+          <p:cNvSpPr>
+            <a:spLocks noGrp="1"/>
+          </p:cNvSpPr>
+          <p:nvPr>
+            <p:ph type="title"/>
+          </p:nvPr>
+        </p:nvSpPr>
+        <p:spPr/>
+        <p:txBody>
+          <a:bodyPr/>
+          <a:lstStyle/>
+          <a:p>
+            <a:r>
+              <a:rPr lang="en-US" dirty="0"/>
+              <a:t>Grade Data</a:t>
+            </a:r>
+          </a:p>
+        </p:txBody>
+      </p:sp>
+      <p:sp>
+        <p:nvSpPr>
+          <p:cNvPr id="4" name="Content Placeholder 3">
+            <a:extLst>
+              <a:ext uri="{FF2B5EF4-FFF2-40B4-BE49-F238E27FC236}">
+                <a16:creationId xmlns:a16="http://schemas.microsoft.com/office/drawing/2014/main" id="{15465504-73D4-37DA-85FF-7C8DD5BC71AF}"/>
+              </a:ext>
+            </a:extLst>
+          </p:cNvPr>
+          <p:cNvSpPr>
+            <a:spLocks noGrp="1"/>
+          </p:cNvSpPr>
+          <p:nvPr>
+            <p:ph sz="half" idx="1"/>
+          </p:nvPr>
+        </p:nvSpPr>
+        <p:spPr/>
+        <p:txBody>
+          <a:bodyPr/>
+          <a:lstStyle/>
+          <a:p>
+            <a:r>
+              <a:rPr lang="en-US" dirty="0"/>
+              <a:t>Heavy focus on upper grades. </a:t>
+            </a:r>
+          </a:p>
+          <a:p>
+            <a:r>
+              <a:rPr lang="en-US" dirty="0"/>
+              <a:t>No Marginal Fail or Fail grades, only 4 NS submissions.</a:t>
+            </a:r>
+          </a:p>
+          <a:p>
+            <a:r>
+              <a:rPr lang="en-US" dirty="0"/>
+              <a:t>Total students: 70</a:t>
+            </a:r>
+          </a:p>
+        </p:txBody>
+      </p:sp>
+      <p:pic>
+        <p:nvPicPr>
+          <p:cNvPr id="12" name="Content Placeholder 11" descr="A picture containing text, diagram, screenshot, line&#10;&#10;Description automatically generated">
+            <a:extLst>
+              <a:ext uri="{FF2B5EF4-FFF2-40B4-BE49-F238E27FC236}">
+                <a16:creationId xmlns:a16="http://schemas.microsoft.com/office/drawing/2014/main" id="{3E395732-DD74-A97D-BC22-2AF6224408DF}"/>
+              </a:ext>
+            </a:extLst>
+          </p:cNvPr>
+          <p:cNvPicPr>
+            <a:picLocks noGrp="1" noChangeAspect="1"/>
+          </p:cNvPicPr>
+          <p:nvPr>
+            <p:ph sz="half" idx="2"/>
+          </p:nvPr>
+        </p:nvPicPr>
+        <p:blipFill>
+          <a:blip r:embed="rId2"/>
+          <a:stretch>
+            <a:fillRect/>
+          </a:stretch>
+        </p:blipFill>
+        <p:spPr>
+          <a:xfrm>
+            <a:off x="7082631" y="2945722"/>
+            <a:ext cx="3633787" cy="3633787"/>
+          </a:xfrm>
+        </p:spPr>
+      </p:pic>
+      <p:graphicFrame>
+        <p:nvGraphicFramePr>
+          <p:cNvPr id="13" name="Table 13">
+            <a:extLst>
+              <a:ext uri="{FF2B5EF4-FFF2-40B4-BE49-F238E27FC236}">
+                <a16:creationId xmlns:a16="http://schemas.microsoft.com/office/drawing/2014/main" id="{ADB90C79-1E2A-934C-4812-5B4609E89014}"/>
+              </a:ext>
+            </a:extLst>
+          </p:cNvPr>
+          <p:cNvGraphicFramePr>
+            <a:graphicFrameLocks noGrp="1"/>
+          </p:cNvGraphicFramePr>
+          <p:nvPr>
+            <p:extLst>
+              <p:ext uri="{D42A27DB-BD31-4B8C-83A1-F6EECF244321}">
+                <p14:modId xmlns:p14="http://schemas.microsoft.com/office/powerpoint/2010/main" val="3401523753"/>
+              </p:ext>
+            </p:extLst>
+          </p:nvPr>
+        </p:nvGraphicFramePr>
+        <p:xfrm>
+          <a:off x="6775934" y="2390845"/>
+          <a:ext cx="4247177" cy="387554"/>
+        </p:xfrm>
+        <a:graphic>
+          <a:graphicData uri="http://schemas.openxmlformats.org/drawingml/2006/table">
+            <a:tbl>
+              <a:tblPr firstRow="1" bandRow="1">
+                <a:tableStyleId>{5C22544A-7EE6-4342-B048-85BDC9FD1C3A}</a:tableStyleId>
+              </a:tblPr>
+              <a:tblGrid>
+                <a:gridCol w="386107">
+                  <a:extLst>
+                    <a:ext uri="{9D8B030D-6E8A-4147-A177-3AD203B41FA5}">
+                      <a16:colId xmlns:a16="http://schemas.microsoft.com/office/drawing/2014/main" val="2045186618"/>
+                    </a:ext>
+                  </a:extLst>
+                </a:gridCol>
+                <a:gridCol w="386107">
+                  <a:extLst>
+                    <a:ext uri="{9D8B030D-6E8A-4147-A177-3AD203B41FA5}">
+                      <a16:colId xmlns:a16="http://schemas.microsoft.com/office/drawing/2014/main" val="3608372454"/>
+                    </a:ext>
+                  </a:extLst>
+                </a:gridCol>
+                <a:gridCol w="386107">
+                  <a:extLst>
+                    <a:ext uri="{9D8B030D-6E8A-4147-A177-3AD203B41FA5}">
+                      <a16:colId xmlns:a16="http://schemas.microsoft.com/office/drawing/2014/main" val="363617069"/>
+                    </a:ext>
+                  </a:extLst>
+                </a:gridCol>
+                <a:gridCol w="386107">
+                  <a:extLst>
+                    <a:ext uri="{9D8B030D-6E8A-4147-A177-3AD203B41FA5}">
+                      <a16:colId xmlns:a16="http://schemas.microsoft.com/office/drawing/2014/main" val="4017101806"/>
+                    </a:ext>
+                  </a:extLst>
+                </a:gridCol>
+                <a:gridCol w="386107">
+                  <a:extLst>
+                    <a:ext uri="{9D8B030D-6E8A-4147-A177-3AD203B41FA5}">
+                      <a16:colId xmlns:a16="http://schemas.microsoft.com/office/drawing/2014/main" val="3206237433"/>
+                    </a:ext>
+                  </a:extLst>
+                </a:gridCol>
+                <a:gridCol w="386107">
+                  <a:extLst>
+                    <a:ext uri="{9D8B030D-6E8A-4147-A177-3AD203B41FA5}">
+                      <a16:colId xmlns:a16="http://schemas.microsoft.com/office/drawing/2014/main" val="2249127231"/>
+                    </a:ext>
+                  </a:extLst>
+                </a:gridCol>
+                <a:gridCol w="386107">
+                  <a:extLst>
+                    <a:ext uri="{9D8B030D-6E8A-4147-A177-3AD203B41FA5}">
+                      <a16:colId xmlns:a16="http://schemas.microsoft.com/office/drawing/2014/main" val="1705875377"/>
+                    </a:ext>
+                  </a:extLst>
+                </a:gridCol>
+                <a:gridCol w="386107">
+                  <a:extLst>
+                    <a:ext uri="{9D8B030D-6E8A-4147-A177-3AD203B41FA5}">
+                      <a16:colId xmlns:a16="http://schemas.microsoft.com/office/drawing/2014/main" val="2640942700"/>
+                    </a:ext>
+                  </a:extLst>
+                </a:gridCol>
+                <a:gridCol w="386107">
+                  <a:extLst>
+                    <a:ext uri="{9D8B030D-6E8A-4147-A177-3AD203B41FA5}">
+                      <a16:colId xmlns:a16="http://schemas.microsoft.com/office/drawing/2014/main" val="3178846657"/>
+                    </a:ext>
+                  </a:extLst>
+                </a:gridCol>
+                <a:gridCol w="386107">
+                  <a:extLst>
+                    <a:ext uri="{9D8B030D-6E8A-4147-A177-3AD203B41FA5}">
+                      <a16:colId xmlns:a16="http://schemas.microsoft.com/office/drawing/2014/main" val="1685616324"/>
+                    </a:ext>
+                  </a:extLst>
+                </a:gridCol>
+                <a:gridCol w="386107">
+                  <a:extLst>
+                    <a:ext uri="{9D8B030D-6E8A-4147-A177-3AD203B41FA5}">
+                      <a16:colId xmlns:a16="http://schemas.microsoft.com/office/drawing/2014/main" val="4264547713"/>
+                    </a:ext>
+                  </a:extLst>
+                </a:gridCol>
+              </a:tblGrid>
+              <a:tr h="193777">
+                <a:tc>
+                  <a:txBody>
+                    <a:bodyPr/>
+                    <a:lstStyle/>
+                    <a:p>
+                      <a:pPr algn="ctr"/>
+                      <a:r>
+                        <a:rPr lang="en-US" sz="900" dirty="0"/>
+                        <a:t>A+</a:t>
+                      </a:r>
+                      <a:endParaRPr lang="en-GB" sz="900" dirty="0"/>
+                    </a:p>
+                  </a:txBody>
+                  <a:tcPr marL="47781" marR="47781" marT="23890" marB="23890"/>
+                </a:tc>
+                <a:tc>
+                  <a:txBody>
+                    <a:bodyPr/>
+                    <a:lstStyle/>
+                    <a:p>
+                      <a:pPr algn="ctr"/>
+                      <a:r>
+                        <a:rPr lang="en-US" sz="900" dirty="0"/>
+                        <a:t>A</a:t>
+                      </a:r>
+                      <a:endParaRPr lang="en-GB" sz="900" dirty="0"/>
+                    </a:p>
+                  </a:txBody>
+                  <a:tcPr marL="47781" marR="47781" marT="23890" marB="23890"/>
+                </a:tc>
+                <a:tc>
+                  <a:txBody>
+                    <a:bodyPr/>
+                    <a:lstStyle/>
+                    <a:p>
+                      <a:pPr algn="ctr"/>
+                      <a:r>
+                        <a:rPr lang="en-US" sz="900" dirty="0"/>
+                        <a:t>B+ </a:t>
+                      </a:r>
+                      <a:endParaRPr lang="en-GB" sz="900" dirty="0"/>
+                    </a:p>
+                  </a:txBody>
+                  <a:tcPr marL="47781" marR="47781" marT="23890" marB="23890"/>
+                </a:tc>
+                <a:tc>
+                  <a:txBody>
+                    <a:bodyPr/>
+                    <a:lstStyle/>
+                    <a:p>
+                      <a:pPr algn="ctr"/>
+                      <a:r>
+                        <a:rPr lang="en-US" sz="900" dirty="0"/>
+                        <a:t>B</a:t>
+                      </a:r>
+                      <a:endParaRPr lang="en-GB" sz="900" dirty="0"/>
+                    </a:p>
+                  </a:txBody>
+                  <a:tcPr marL="47781" marR="47781" marT="23890" marB="23890"/>
+                </a:tc>
+                <a:tc>
+                  <a:txBody>
+                    <a:bodyPr/>
+                    <a:lstStyle/>
+                    <a:p>
+                      <a:pPr algn="ctr"/>
+                      <a:r>
+                        <a:rPr lang="en-US" sz="900" dirty="0"/>
+                        <a:t>C+</a:t>
+                      </a:r>
+                      <a:endParaRPr lang="en-GB" sz="900" dirty="0"/>
+                    </a:p>
+                  </a:txBody>
+                  <a:tcPr marL="47781" marR="47781" marT="23890" marB="23890"/>
+                </a:tc>
+                <a:tc>
+                  <a:txBody>
+                    <a:bodyPr/>
+                    <a:lstStyle/>
+                    <a:p>
+                      <a:pPr algn="ctr"/>
+                      <a:r>
+                        <a:rPr lang="en-US" sz="900" dirty="0"/>
+                        <a:t>C</a:t>
+                      </a:r>
+                      <a:endParaRPr lang="en-GB" sz="900" dirty="0"/>
+                    </a:p>
+                  </a:txBody>
+                  <a:tcPr marL="47781" marR="47781" marT="23890" marB="23890"/>
+                </a:tc>
+                <a:tc>
+                  <a:txBody>
+                    <a:bodyPr/>
+                    <a:lstStyle/>
+                    <a:p>
+                      <a:pPr algn="ctr"/>
+                      <a:r>
+                        <a:rPr lang="en-US" sz="900" dirty="0"/>
+                        <a:t>D+</a:t>
+                      </a:r>
+                      <a:endParaRPr lang="en-GB" sz="900" dirty="0"/>
+                    </a:p>
+                  </a:txBody>
+                  <a:tcPr marL="47781" marR="47781" marT="23890" marB="23890"/>
+                </a:tc>
+                <a:tc>
+                  <a:txBody>
+                    <a:bodyPr/>
+                    <a:lstStyle/>
+                    <a:p>
+                      <a:pPr algn="ctr"/>
+                      <a:r>
+                        <a:rPr lang="en-US" sz="900" dirty="0"/>
+                        <a:t>D</a:t>
+                      </a:r>
+                      <a:endParaRPr lang="en-GB" sz="900" dirty="0"/>
+                    </a:p>
+                  </a:txBody>
+                  <a:tcPr marL="47781" marR="47781" marT="23890" marB="23890"/>
+                </a:tc>
+                <a:tc>
+                  <a:txBody>
+                    <a:bodyPr/>
+                    <a:lstStyle/>
+                    <a:p>
+                      <a:pPr algn="ctr"/>
+                      <a:r>
+                        <a:rPr lang="en-US" sz="900" dirty="0"/>
+                        <a:t>MF</a:t>
+                      </a:r>
+                      <a:endParaRPr lang="en-GB" sz="900" dirty="0"/>
+                    </a:p>
+                  </a:txBody>
+                  <a:tcPr marL="47781" marR="47781" marT="23890" marB="23890"/>
+                </a:tc>
+                <a:tc>
+                  <a:txBody>
+                    <a:bodyPr/>
+                    <a:lstStyle/>
+                    <a:p>
+                      <a:pPr algn="ctr"/>
+                      <a:r>
+                        <a:rPr lang="en-US" sz="900" dirty="0"/>
+                        <a:t>F</a:t>
+                      </a:r>
+                      <a:endParaRPr lang="en-GB" sz="900" dirty="0"/>
+                    </a:p>
+                  </a:txBody>
+                  <a:tcPr marL="47781" marR="47781" marT="23890" marB="23890"/>
+                </a:tc>
+                <a:tc>
+                  <a:txBody>
+                    <a:bodyPr/>
+                    <a:lstStyle/>
+                    <a:p>
+                      <a:pPr algn="ctr"/>
+                      <a:r>
+                        <a:rPr lang="en-US" sz="900" dirty="0"/>
+                        <a:t>NS</a:t>
+                      </a:r>
+                      <a:endParaRPr lang="en-GB" sz="900" dirty="0"/>
+                    </a:p>
+                  </a:txBody>
+                  <a:tcPr marL="47781" marR="47781" marT="23890" marB="23890"/>
+                </a:tc>
+                <a:extLst>
+                  <a:ext uri="{0D108BD9-81ED-4DB2-BD59-A6C34878D82A}">
+                    <a16:rowId xmlns:a16="http://schemas.microsoft.com/office/drawing/2014/main" val="2082677582"/>
+                  </a:ext>
+                </a:extLst>
+              </a:tr>
+              <a:tr h="193777">
+                <a:tc>
+                  <a:txBody>
+                    <a:bodyPr/>
+                    <a:lstStyle/>
+                    <a:p>
+                      <a:pPr algn="ctr"/>
+                      <a:r>
+                        <a:rPr lang="en-US" sz="900" dirty="0"/>
+                        <a:t>8</a:t>
+                      </a:r>
+                      <a:endParaRPr lang="en-GB" sz="900" dirty="0"/>
+                    </a:p>
+                  </a:txBody>
+                  <a:tcPr marL="47781" marR="47781" marT="23890" marB="23890"/>
+                </a:tc>
+                <a:tc>
+                  <a:txBody>
+                    <a:bodyPr/>
+                    <a:lstStyle/>
+                    <a:p>
+                      <a:pPr algn="ctr"/>
+                      <a:r>
+                        <a:rPr lang="en-US" sz="900" dirty="0"/>
+                        <a:t>15</a:t>
+                      </a:r>
+                      <a:endParaRPr lang="en-GB" sz="900" dirty="0"/>
+                    </a:p>
+                  </a:txBody>
+                  <a:tcPr marL="47781" marR="47781" marT="23890" marB="23890"/>
+                </a:tc>
+                <a:tc>
+                  <a:txBody>
+                    <a:bodyPr/>
+                    <a:lstStyle/>
+                    <a:p>
+                      <a:pPr algn="ctr"/>
+                      <a:r>
+                        <a:rPr lang="en-US" sz="900" dirty="0"/>
+                        <a:t>14</a:t>
+                      </a:r>
+                      <a:endParaRPr lang="en-GB" sz="900" dirty="0"/>
+                    </a:p>
+                  </a:txBody>
+                  <a:tcPr marL="47781" marR="47781" marT="23890" marB="23890"/>
+                </a:tc>
+                <a:tc>
+                  <a:txBody>
+                    <a:bodyPr/>
+                    <a:lstStyle/>
+                    <a:p>
+                      <a:pPr algn="ctr"/>
+                      <a:r>
+                        <a:rPr lang="en-US" sz="900" dirty="0"/>
+                        <a:t>14</a:t>
+                      </a:r>
+                      <a:endParaRPr lang="en-GB" sz="900" dirty="0"/>
+                    </a:p>
+                  </a:txBody>
+                  <a:tcPr marL="47781" marR="47781" marT="23890" marB="23890"/>
+                </a:tc>
+                <a:tc>
+                  <a:txBody>
+                    <a:bodyPr/>
+                    <a:lstStyle/>
+                    <a:p>
+                      <a:pPr algn="ctr"/>
+                      <a:r>
+                        <a:rPr lang="en-US" sz="900" dirty="0"/>
+                        <a:t>7</a:t>
+                      </a:r>
+                      <a:endParaRPr lang="en-GB" sz="900" dirty="0"/>
+                    </a:p>
+                  </a:txBody>
+                  <a:tcPr marL="47781" marR="47781" marT="23890" marB="23890"/>
+                </a:tc>
+                <a:tc>
+                  <a:txBody>
+                    <a:bodyPr/>
+                    <a:lstStyle/>
+                    <a:p>
+                      <a:pPr algn="ctr"/>
+                      <a:r>
+                        <a:rPr lang="en-US" sz="900" dirty="0"/>
+                        <a:t>6</a:t>
+                      </a:r>
+                      <a:endParaRPr lang="en-GB" sz="900" dirty="0"/>
+                    </a:p>
+                  </a:txBody>
+                  <a:tcPr marL="47781" marR="47781" marT="23890" marB="23890"/>
+                </a:tc>
+                <a:tc>
+                  <a:txBody>
+                    <a:bodyPr/>
+                    <a:lstStyle/>
+                    <a:p>
+                      <a:pPr algn="ctr"/>
+                      <a:r>
+                        <a:rPr lang="en-US" sz="900" dirty="0"/>
+                        <a:t>1</a:t>
+                      </a:r>
+                      <a:endParaRPr lang="en-GB" sz="900" dirty="0"/>
+                    </a:p>
+                  </a:txBody>
+                  <a:tcPr marL="47781" marR="47781" marT="23890" marB="23890"/>
+                </a:tc>
+                <a:tc>
+                  <a:txBody>
+                    <a:bodyPr/>
+                    <a:lstStyle/>
+                    <a:p>
+                      <a:pPr algn="ctr"/>
+                      <a:r>
+                        <a:rPr lang="en-US" sz="900" dirty="0"/>
+                        <a:t>1</a:t>
+                      </a:r>
+                      <a:endParaRPr lang="en-GB" sz="900" dirty="0"/>
+                    </a:p>
+                  </a:txBody>
+                  <a:tcPr marL="47781" marR="47781" marT="23890" marB="23890"/>
+                </a:tc>
+                <a:tc>
+                  <a:txBody>
+                    <a:bodyPr/>
+                    <a:lstStyle/>
+                    <a:p>
+                      <a:pPr algn="ctr"/>
+                      <a:r>
+                        <a:rPr lang="en-US" sz="900" dirty="0"/>
+                        <a:t>0</a:t>
+                      </a:r>
+                      <a:endParaRPr lang="en-GB" sz="900" dirty="0"/>
+                    </a:p>
+                  </a:txBody>
+                  <a:tcPr marL="47781" marR="47781" marT="23890" marB="23890"/>
+                </a:tc>
+                <a:tc>
+                  <a:txBody>
+                    <a:bodyPr/>
+                    <a:lstStyle/>
+                    <a:p>
+                      <a:pPr algn="ctr"/>
+                      <a:r>
+                        <a:rPr lang="en-US" sz="900" dirty="0"/>
+                        <a:t>0</a:t>
+                      </a:r>
+                      <a:endParaRPr lang="en-GB" sz="900" dirty="0"/>
+                    </a:p>
+                  </a:txBody>
+                  <a:tcPr marL="47781" marR="47781" marT="23890" marB="23890"/>
+                </a:tc>
+                <a:tc>
+                  <a:txBody>
+                    <a:bodyPr/>
+                    <a:lstStyle/>
+                    <a:p>
+                      <a:pPr algn="ctr"/>
+                      <a:r>
+                        <a:rPr lang="en-US" sz="900" dirty="0"/>
+                        <a:t>4</a:t>
+                      </a:r>
+                      <a:endParaRPr lang="en-GB" sz="900" dirty="0"/>
+                    </a:p>
+                  </a:txBody>
+                  <a:tcPr marL="47781" marR="47781" marT="23890" marB="23890"/>
+                </a:tc>
+                <a:extLst>
+                  <a:ext uri="{0D108BD9-81ED-4DB2-BD59-A6C34878D82A}">
+                    <a16:rowId xmlns:a16="http://schemas.microsoft.com/office/drawing/2014/main" val="2152054619"/>
+                  </a:ext>
+                </a:extLst>
+              </a:tr>
+            </a:tbl>
+          </a:graphicData>
+        </a:graphic>
+      </p:graphicFrame>
+    </p:spTree>
+    <p:extLst>
+      <p:ext uri="{BB962C8B-B14F-4D97-AF65-F5344CB8AC3E}">
+        <p14:creationId xmlns:p14="http://schemas.microsoft.com/office/powerpoint/2010/main" val="773567961"/>
+      </p:ext>
+    </p:extLst>
+  </p:cSld>
+  <p:clrMapOvr>
+    <a:masterClrMapping/>
+  </p:clrMapOvr>
+</p:sld>
+</file>
+
+<file path=ppt/slides/slide13.xml><?xml version="1.0" encoding="utf-8"?>
+<p:sld xmlns:a="http://schemas.openxmlformats.org/drawingml/2006/main" xmlns:r="http://schemas.openxmlformats.org/officeDocument/2006/relationships" xmlns:p="http://schemas.openxmlformats.org/presentationml/2006/main">
+  <p:cSld>
+    <p:spTree>
+      <p:nvGrpSpPr>
+        <p:cNvPr id="1" name=""/>
+        <p:cNvGrpSpPr/>
+        <p:nvPr/>
+      </p:nvGrpSpPr>
+      <p:grpSpPr>
+        <a:xfrm>
+          <a:off x="0" y="0"/>
+          <a:ext cx="0" cy="0"/>
+          <a:chOff x="0" y="0"/>
+          <a:chExt cx="0" cy="0"/>
+        </a:xfrm>
+      </p:grpSpPr>
+      <p:sp>
+        <p:nvSpPr>
+          <p:cNvPr id="2" name="Title 1">
+            <a:extLst>
+              <a:ext uri="{FF2B5EF4-FFF2-40B4-BE49-F238E27FC236}">
+                <a16:creationId xmlns:a16="http://schemas.microsoft.com/office/drawing/2014/main" id="{921633EB-7DCB-4DDC-80AF-C885A3EE1245}"/>
+              </a:ext>
+            </a:extLst>
+          </p:cNvPr>
+          <p:cNvSpPr>
+            <a:spLocks noGrp="1"/>
+          </p:cNvSpPr>
+          <p:nvPr>
+            <p:ph type="title"/>
+          </p:nvPr>
+        </p:nvSpPr>
+        <p:spPr/>
+        <p:txBody>
+          <a:bodyPr/>
+          <a:lstStyle/>
+          <a:p>
+            <a:r>
+              <a:rPr lang="en-US" dirty="0"/>
+              <a:t>Grade Data</a:t>
+            </a:r>
+          </a:p>
+        </p:txBody>
+      </p:sp>
+      <p:sp>
+        <p:nvSpPr>
+          <p:cNvPr id="4" name="Content Placeholder 3">
+            <a:extLst>
+              <a:ext uri="{FF2B5EF4-FFF2-40B4-BE49-F238E27FC236}">
+                <a16:creationId xmlns:a16="http://schemas.microsoft.com/office/drawing/2014/main" id="{15465504-73D4-37DA-85FF-7C8DD5BC71AF}"/>
+              </a:ext>
+            </a:extLst>
+          </p:cNvPr>
+          <p:cNvSpPr>
+            <a:spLocks noGrp="1"/>
+          </p:cNvSpPr>
+          <p:nvPr>
+            <p:ph sz="half" idx="1"/>
+          </p:nvPr>
+        </p:nvSpPr>
+        <p:spPr/>
+        <p:txBody>
+          <a:bodyPr/>
+          <a:lstStyle/>
+          <a:p>
+            <a:r>
+              <a:rPr lang="en-US" dirty="0"/>
+              <a:t>Larger number of students did not submit (both count and percentage of cohort size).</a:t>
+            </a:r>
+          </a:p>
+          <a:p>
+            <a:pPr lvl="1"/>
+            <a:r>
+              <a:rPr lang="en-US" dirty="0"/>
+              <a:t>Assignment and grading criteria are the same.</a:t>
+            </a:r>
+          </a:p>
+          <a:p>
+            <a:r>
+              <a:rPr lang="en-US" dirty="0"/>
+              <a:t>Total students: 63</a:t>
+            </a:r>
+          </a:p>
+        </p:txBody>
+      </p:sp>
+      <p:graphicFrame>
+        <p:nvGraphicFramePr>
+          <p:cNvPr id="13" name="Table 13">
+            <a:extLst>
+              <a:ext uri="{FF2B5EF4-FFF2-40B4-BE49-F238E27FC236}">
+                <a16:creationId xmlns:a16="http://schemas.microsoft.com/office/drawing/2014/main" id="{ADB90C79-1E2A-934C-4812-5B4609E89014}"/>
+              </a:ext>
+            </a:extLst>
+          </p:cNvPr>
+          <p:cNvGraphicFramePr>
+            <a:graphicFrameLocks noGrp="1"/>
+          </p:cNvGraphicFramePr>
+          <p:nvPr>
+            <p:extLst>
+              <p:ext uri="{D42A27DB-BD31-4B8C-83A1-F6EECF244321}">
+                <p14:modId xmlns:p14="http://schemas.microsoft.com/office/powerpoint/2010/main" val="1800925282"/>
+              </p:ext>
+            </p:extLst>
+          </p:nvPr>
+        </p:nvGraphicFramePr>
+        <p:xfrm>
+          <a:off x="6775934" y="2390845"/>
+          <a:ext cx="4247177" cy="387554"/>
+        </p:xfrm>
+        <a:graphic>
+          <a:graphicData uri="http://schemas.openxmlformats.org/drawingml/2006/table">
+            <a:tbl>
+              <a:tblPr firstRow="1" bandRow="1">
+                <a:tableStyleId>{5C22544A-7EE6-4342-B048-85BDC9FD1C3A}</a:tableStyleId>
+              </a:tblPr>
+              <a:tblGrid>
+                <a:gridCol w="386107">
+                  <a:extLst>
+                    <a:ext uri="{9D8B030D-6E8A-4147-A177-3AD203B41FA5}">
+                      <a16:colId xmlns:a16="http://schemas.microsoft.com/office/drawing/2014/main" val="2045186618"/>
+                    </a:ext>
+                  </a:extLst>
+                </a:gridCol>
+                <a:gridCol w="386107">
+                  <a:extLst>
+                    <a:ext uri="{9D8B030D-6E8A-4147-A177-3AD203B41FA5}">
+                      <a16:colId xmlns:a16="http://schemas.microsoft.com/office/drawing/2014/main" val="3608372454"/>
+                    </a:ext>
+                  </a:extLst>
+                </a:gridCol>
+                <a:gridCol w="386107">
+                  <a:extLst>
+                    <a:ext uri="{9D8B030D-6E8A-4147-A177-3AD203B41FA5}">
+                      <a16:colId xmlns:a16="http://schemas.microsoft.com/office/drawing/2014/main" val="363617069"/>
+                    </a:ext>
+                  </a:extLst>
+                </a:gridCol>
+                <a:gridCol w="386107">
+                  <a:extLst>
+                    <a:ext uri="{9D8B030D-6E8A-4147-A177-3AD203B41FA5}">
+                      <a16:colId xmlns:a16="http://schemas.microsoft.com/office/drawing/2014/main" val="4017101806"/>
+                    </a:ext>
+                  </a:extLst>
+                </a:gridCol>
+                <a:gridCol w="386107">
+                  <a:extLst>
+                    <a:ext uri="{9D8B030D-6E8A-4147-A177-3AD203B41FA5}">
+                      <a16:colId xmlns:a16="http://schemas.microsoft.com/office/drawing/2014/main" val="3206237433"/>
+                    </a:ext>
+                  </a:extLst>
+                </a:gridCol>
+                <a:gridCol w="386107">
+                  <a:extLst>
+                    <a:ext uri="{9D8B030D-6E8A-4147-A177-3AD203B41FA5}">
+                      <a16:colId xmlns:a16="http://schemas.microsoft.com/office/drawing/2014/main" val="2249127231"/>
+                    </a:ext>
+                  </a:extLst>
+                </a:gridCol>
+                <a:gridCol w="386107">
+                  <a:extLst>
+                    <a:ext uri="{9D8B030D-6E8A-4147-A177-3AD203B41FA5}">
+                      <a16:colId xmlns:a16="http://schemas.microsoft.com/office/drawing/2014/main" val="1705875377"/>
+                    </a:ext>
+                  </a:extLst>
+                </a:gridCol>
+                <a:gridCol w="386107">
+                  <a:extLst>
+                    <a:ext uri="{9D8B030D-6E8A-4147-A177-3AD203B41FA5}">
+                      <a16:colId xmlns:a16="http://schemas.microsoft.com/office/drawing/2014/main" val="2640942700"/>
+                    </a:ext>
+                  </a:extLst>
+                </a:gridCol>
+                <a:gridCol w="386107">
+                  <a:extLst>
+                    <a:ext uri="{9D8B030D-6E8A-4147-A177-3AD203B41FA5}">
+                      <a16:colId xmlns:a16="http://schemas.microsoft.com/office/drawing/2014/main" val="3178846657"/>
+                    </a:ext>
+                  </a:extLst>
+                </a:gridCol>
+                <a:gridCol w="386107">
+                  <a:extLst>
+                    <a:ext uri="{9D8B030D-6E8A-4147-A177-3AD203B41FA5}">
+                      <a16:colId xmlns:a16="http://schemas.microsoft.com/office/drawing/2014/main" val="1685616324"/>
+                    </a:ext>
+                  </a:extLst>
+                </a:gridCol>
+                <a:gridCol w="386107">
+                  <a:extLst>
+                    <a:ext uri="{9D8B030D-6E8A-4147-A177-3AD203B41FA5}">
+                      <a16:colId xmlns:a16="http://schemas.microsoft.com/office/drawing/2014/main" val="4264547713"/>
+                    </a:ext>
+                  </a:extLst>
+                </a:gridCol>
+              </a:tblGrid>
+              <a:tr h="193777">
+                <a:tc>
+                  <a:txBody>
+                    <a:bodyPr/>
+                    <a:lstStyle/>
+                    <a:p>
+                      <a:pPr algn="ctr"/>
+                      <a:r>
+                        <a:rPr lang="en-US" sz="900" dirty="0"/>
+                        <a:t>A+</a:t>
+                      </a:r>
+                      <a:endParaRPr lang="en-GB" sz="900" dirty="0"/>
+                    </a:p>
+                  </a:txBody>
+                  <a:tcPr marL="47781" marR="47781" marT="23890" marB="23890"/>
+                </a:tc>
+                <a:tc>
+                  <a:txBody>
+                    <a:bodyPr/>
+                    <a:lstStyle/>
+                    <a:p>
+                      <a:pPr algn="ctr"/>
+                      <a:r>
+                        <a:rPr lang="en-US" sz="900" dirty="0"/>
+                        <a:t>A</a:t>
+                      </a:r>
+                      <a:endParaRPr lang="en-GB" sz="900" dirty="0"/>
+                    </a:p>
+                  </a:txBody>
+                  <a:tcPr marL="47781" marR="47781" marT="23890" marB="23890"/>
+                </a:tc>
+                <a:tc>
+                  <a:txBody>
+                    <a:bodyPr/>
+                    <a:lstStyle/>
+                    <a:p>
+                      <a:pPr algn="ctr"/>
+                      <a:r>
+                        <a:rPr lang="en-US" sz="900" dirty="0"/>
+                        <a:t>B+ </a:t>
+                      </a:r>
+                      <a:endParaRPr lang="en-GB" sz="900" dirty="0"/>
+                    </a:p>
+                  </a:txBody>
+                  <a:tcPr marL="47781" marR="47781" marT="23890" marB="23890"/>
+                </a:tc>
+                <a:tc>
+                  <a:txBody>
+                    <a:bodyPr/>
+                    <a:lstStyle/>
+                    <a:p>
+                      <a:pPr algn="ctr"/>
+                      <a:r>
+                        <a:rPr lang="en-US" sz="900" dirty="0"/>
+                        <a:t>B</a:t>
+                      </a:r>
+                      <a:endParaRPr lang="en-GB" sz="900" dirty="0"/>
+                    </a:p>
+                  </a:txBody>
+                  <a:tcPr marL="47781" marR="47781" marT="23890" marB="23890"/>
+                </a:tc>
+                <a:tc>
+                  <a:txBody>
+                    <a:bodyPr/>
+                    <a:lstStyle/>
+                    <a:p>
+                      <a:pPr algn="ctr"/>
+                      <a:r>
+                        <a:rPr lang="en-US" sz="900" dirty="0"/>
+                        <a:t>C+</a:t>
+                      </a:r>
+                      <a:endParaRPr lang="en-GB" sz="900" dirty="0"/>
+                    </a:p>
+                  </a:txBody>
+                  <a:tcPr marL="47781" marR="47781" marT="23890" marB="23890"/>
+                </a:tc>
+                <a:tc>
+                  <a:txBody>
+                    <a:bodyPr/>
+                    <a:lstStyle/>
+                    <a:p>
+                      <a:pPr algn="ctr"/>
+                      <a:r>
+                        <a:rPr lang="en-US" sz="900" dirty="0"/>
+                        <a:t>C</a:t>
+                      </a:r>
+                      <a:endParaRPr lang="en-GB" sz="900" dirty="0"/>
+                    </a:p>
+                  </a:txBody>
+                  <a:tcPr marL="47781" marR="47781" marT="23890" marB="23890"/>
+                </a:tc>
+                <a:tc>
+                  <a:txBody>
+                    <a:bodyPr/>
+                    <a:lstStyle/>
+                    <a:p>
+                      <a:pPr algn="ctr"/>
+                      <a:r>
+                        <a:rPr lang="en-US" sz="900" dirty="0"/>
+                        <a:t>D+</a:t>
+                      </a:r>
+                      <a:endParaRPr lang="en-GB" sz="900" dirty="0"/>
+                    </a:p>
+                  </a:txBody>
+                  <a:tcPr marL="47781" marR="47781" marT="23890" marB="23890"/>
+                </a:tc>
+                <a:tc>
+                  <a:txBody>
+                    <a:bodyPr/>
+                    <a:lstStyle/>
+                    <a:p>
+                      <a:pPr algn="ctr"/>
+                      <a:r>
+                        <a:rPr lang="en-US" sz="900" dirty="0"/>
+                        <a:t>D</a:t>
+                      </a:r>
+                      <a:endParaRPr lang="en-GB" sz="900" dirty="0"/>
+                    </a:p>
+                  </a:txBody>
+                  <a:tcPr marL="47781" marR="47781" marT="23890" marB="23890"/>
+                </a:tc>
+                <a:tc>
+                  <a:txBody>
+                    <a:bodyPr/>
+                    <a:lstStyle/>
+                    <a:p>
+                      <a:pPr algn="ctr"/>
+                      <a:r>
+                        <a:rPr lang="en-US" sz="900" dirty="0"/>
+                        <a:t>MF</a:t>
+                      </a:r>
+                      <a:endParaRPr lang="en-GB" sz="900" dirty="0"/>
+                    </a:p>
+                  </a:txBody>
+                  <a:tcPr marL="47781" marR="47781" marT="23890" marB="23890"/>
+                </a:tc>
+                <a:tc>
+                  <a:txBody>
+                    <a:bodyPr/>
+                    <a:lstStyle/>
+                    <a:p>
+                      <a:pPr algn="ctr"/>
+                      <a:r>
+                        <a:rPr lang="en-US" sz="900" dirty="0"/>
+                        <a:t>F</a:t>
+                      </a:r>
+                      <a:endParaRPr lang="en-GB" sz="900" dirty="0"/>
+                    </a:p>
+                  </a:txBody>
+                  <a:tcPr marL="47781" marR="47781" marT="23890" marB="23890"/>
+                </a:tc>
+                <a:tc>
+                  <a:txBody>
+                    <a:bodyPr/>
+                    <a:lstStyle/>
+                    <a:p>
+                      <a:pPr algn="ctr"/>
+                      <a:r>
+                        <a:rPr lang="en-US" sz="900" dirty="0"/>
+                        <a:t>NS</a:t>
+                      </a:r>
+                      <a:endParaRPr lang="en-GB" sz="900" dirty="0"/>
+                    </a:p>
+                  </a:txBody>
+                  <a:tcPr marL="47781" marR="47781" marT="23890" marB="23890"/>
+                </a:tc>
+                <a:extLst>
+                  <a:ext uri="{0D108BD9-81ED-4DB2-BD59-A6C34878D82A}">
+                    <a16:rowId xmlns:a16="http://schemas.microsoft.com/office/drawing/2014/main" val="2082677582"/>
+                  </a:ext>
+                </a:extLst>
+              </a:tr>
+              <a:tr h="193777">
+                <a:tc>
+                  <a:txBody>
+                    <a:bodyPr/>
+                    <a:lstStyle/>
+                    <a:p>
+                      <a:pPr algn="ctr"/>
+                      <a:r>
+                        <a:rPr lang="en-US" sz="900" dirty="0"/>
+                        <a:t>3</a:t>
+                      </a:r>
+                      <a:endParaRPr lang="en-GB" sz="900" dirty="0"/>
+                    </a:p>
+                  </a:txBody>
+                  <a:tcPr marL="47781" marR="47781" marT="23890" marB="23890"/>
+                </a:tc>
+                <a:tc>
+                  <a:txBody>
+                    <a:bodyPr/>
+                    <a:lstStyle/>
+                    <a:p>
+                      <a:pPr algn="ctr"/>
+                      <a:r>
+                        <a:rPr lang="en-US" sz="900" dirty="0"/>
+                        <a:t>5</a:t>
+                      </a:r>
+                      <a:endParaRPr lang="en-GB" sz="900" dirty="0"/>
+                    </a:p>
+                  </a:txBody>
+                  <a:tcPr marL="47781" marR="47781" marT="23890" marB="23890"/>
+                </a:tc>
+                <a:tc>
+                  <a:txBody>
+                    <a:bodyPr/>
+                    <a:lstStyle/>
+                    <a:p>
+                      <a:pPr algn="ctr"/>
+                      <a:r>
+                        <a:rPr lang="en-US" sz="900" dirty="0"/>
+                        <a:t>5</a:t>
+                      </a:r>
+                      <a:endParaRPr lang="en-GB" sz="900" dirty="0"/>
+                    </a:p>
+                  </a:txBody>
+                  <a:tcPr marL="47781" marR="47781" marT="23890" marB="23890"/>
+                </a:tc>
+                <a:tc>
+                  <a:txBody>
+                    <a:bodyPr/>
+                    <a:lstStyle/>
+                    <a:p>
+                      <a:pPr algn="ctr"/>
+                      <a:r>
+                        <a:rPr lang="en-US" sz="900" dirty="0"/>
+                        <a:t>12</a:t>
+                      </a:r>
+                      <a:endParaRPr lang="en-GB" sz="900" dirty="0"/>
+                    </a:p>
+                  </a:txBody>
+                  <a:tcPr marL="47781" marR="47781" marT="23890" marB="23890"/>
+                </a:tc>
+                <a:tc>
+                  <a:txBody>
+                    <a:bodyPr/>
+                    <a:lstStyle/>
+                    <a:p>
+                      <a:pPr algn="ctr"/>
+                      <a:r>
+                        <a:rPr lang="en-US" sz="900" dirty="0"/>
+                        <a:t>7</a:t>
+                      </a:r>
+                      <a:endParaRPr lang="en-GB" sz="900" dirty="0"/>
+                    </a:p>
+                  </a:txBody>
+                  <a:tcPr marL="47781" marR="47781" marT="23890" marB="23890"/>
+                </a:tc>
+                <a:tc>
+                  <a:txBody>
+                    <a:bodyPr/>
+                    <a:lstStyle/>
+                    <a:p>
+                      <a:pPr algn="ctr"/>
+                      <a:r>
+                        <a:rPr lang="en-US" sz="900" dirty="0"/>
+                        <a:t>9</a:t>
+                      </a:r>
+                      <a:endParaRPr lang="en-GB" sz="900" dirty="0"/>
+                    </a:p>
+                  </a:txBody>
+                  <a:tcPr marL="47781" marR="47781" marT="23890" marB="23890"/>
+                </a:tc>
+                <a:tc>
+                  <a:txBody>
+                    <a:bodyPr/>
+                    <a:lstStyle/>
+                    <a:p>
+                      <a:pPr algn="ctr"/>
+                      <a:r>
+                        <a:rPr lang="en-US" sz="900" dirty="0"/>
+                        <a:t>2</a:t>
+                      </a:r>
+                      <a:endParaRPr lang="en-GB" sz="900" dirty="0"/>
+                    </a:p>
+                  </a:txBody>
+                  <a:tcPr marL="47781" marR="47781" marT="23890" marB="23890"/>
+                </a:tc>
+                <a:tc>
+                  <a:txBody>
+                    <a:bodyPr/>
+                    <a:lstStyle/>
+                    <a:p>
+                      <a:pPr algn="ctr"/>
+                      <a:r>
+                        <a:rPr lang="en-US" sz="900" dirty="0"/>
+                        <a:t>0</a:t>
+                      </a:r>
+                      <a:endParaRPr lang="en-GB" sz="900" dirty="0"/>
+                    </a:p>
+                  </a:txBody>
+                  <a:tcPr marL="47781" marR="47781" marT="23890" marB="23890"/>
+                </a:tc>
+                <a:tc>
+                  <a:txBody>
+                    <a:bodyPr/>
+                    <a:lstStyle/>
+                    <a:p>
+                      <a:pPr algn="ctr"/>
+                      <a:r>
+                        <a:rPr lang="en-US" sz="900" dirty="0"/>
+                        <a:t>8</a:t>
+                      </a:r>
+                      <a:endParaRPr lang="en-GB" sz="900" dirty="0"/>
+                    </a:p>
+                  </a:txBody>
+                  <a:tcPr marL="47781" marR="47781" marT="23890" marB="23890"/>
+                </a:tc>
+                <a:tc>
+                  <a:txBody>
+                    <a:bodyPr/>
+                    <a:lstStyle/>
+                    <a:p>
+                      <a:pPr algn="ctr"/>
+                      <a:r>
+                        <a:rPr lang="en-US" sz="900" dirty="0"/>
+                        <a:t>1</a:t>
+                      </a:r>
+                      <a:endParaRPr lang="en-GB" sz="900" dirty="0"/>
+                    </a:p>
+                  </a:txBody>
+                  <a:tcPr marL="47781" marR="47781" marT="23890" marB="23890"/>
+                </a:tc>
+                <a:tc>
+                  <a:txBody>
+                    <a:bodyPr/>
+                    <a:lstStyle/>
+                    <a:p>
+                      <a:pPr algn="ctr"/>
+                      <a:r>
+                        <a:rPr lang="en-US" sz="900" dirty="0"/>
+                        <a:t>11</a:t>
+                      </a:r>
+                      <a:endParaRPr lang="en-GB" sz="900" dirty="0"/>
+                    </a:p>
+                  </a:txBody>
+                  <a:tcPr marL="47781" marR="47781" marT="23890" marB="23890"/>
+                </a:tc>
+                <a:extLst>
+                  <a:ext uri="{0D108BD9-81ED-4DB2-BD59-A6C34878D82A}">
+                    <a16:rowId xmlns:a16="http://schemas.microsoft.com/office/drawing/2014/main" val="2152054619"/>
+                  </a:ext>
+                </a:extLst>
+              </a:tr>
+            </a:tbl>
+          </a:graphicData>
+        </a:graphic>
+      </p:graphicFrame>
+      <p:pic>
+        <p:nvPicPr>
+          <p:cNvPr id="7" name="Content Placeholder 6" descr="A picture containing text, diagram, screenshot, font&#10;&#10;Description automatically generated">
+            <a:extLst>
+              <a:ext uri="{FF2B5EF4-FFF2-40B4-BE49-F238E27FC236}">
+                <a16:creationId xmlns:a16="http://schemas.microsoft.com/office/drawing/2014/main" id="{8CB82672-6C0C-2DD9-0134-D81AB5BC54B2}"/>
+              </a:ext>
+            </a:extLst>
+          </p:cNvPr>
+          <p:cNvPicPr>
+            <a:picLocks noGrp="1" noChangeAspect="1"/>
+          </p:cNvPicPr>
+          <p:nvPr>
+            <p:ph sz="half" idx="2"/>
+          </p:nvPr>
+        </p:nvPicPr>
+        <p:blipFill>
+          <a:blip r:embed="rId2"/>
+          <a:stretch>
+            <a:fillRect/>
+          </a:stretch>
+        </p:blipFill>
+        <p:spPr>
+          <a:xfrm>
+            <a:off x="7082631" y="2940328"/>
+            <a:ext cx="3633787" cy="3633787"/>
+          </a:xfrm>
+        </p:spPr>
+      </p:pic>
+    </p:spTree>
+    <p:extLst>
+      <p:ext uri="{BB962C8B-B14F-4D97-AF65-F5344CB8AC3E}">
+        <p14:creationId xmlns:p14="http://schemas.microsoft.com/office/powerpoint/2010/main" val="1582912122"/>
+      </p:ext>
+    </p:extLst>
+  </p:cSld>
+  <p:clrMapOvr>
+    <a:masterClrMapping/>
+  </p:clrMapOvr>
+</p:sld>
+</file>
+
+<file path=ppt/slides/slide14.xml><?xml version="1.0" encoding="utf-8"?>
+<p:sld xmlns:a="http://schemas.openxmlformats.org/drawingml/2006/main" xmlns:r="http://schemas.openxmlformats.org/officeDocument/2006/relationships" xmlns:p="http://schemas.openxmlformats.org/presentationml/2006/main">
+  <p:cSld>
+    <p:spTree>
+      <p:nvGrpSpPr>
+        <p:cNvPr id="1" name=""/>
+        <p:cNvGrpSpPr/>
+        <p:nvPr/>
+      </p:nvGrpSpPr>
+      <p:grpSpPr>
+        <a:xfrm>
+          <a:off x="0" y="0"/>
+          <a:ext cx="0" cy="0"/>
+          <a:chOff x="0" y="0"/>
+          <a:chExt cx="0" cy="0"/>
+        </a:xfrm>
+      </p:grpSpPr>
+      <p:sp>
+        <p:nvSpPr>
+          <p:cNvPr id="2" name="Title 1">
+            <a:extLst>
+              <a:ext uri="{FF2B5EF4-FFF2-40B4-BE49-F238E27FC236}">
+                <a16:creationId xmlns:a16="http://schemas.microsoft.com/office/drawing/2014/main" id="{921633EB-7DCB-4DDC-80AF-C885A3EE1245}"/>
+              </a:ext>
+            </a:extLst>
+          </p:cNvPr>
+          <p:cNvSpPr>
+            <a:spLocks noGrp="1"/>
+          </p:cNvSpPr>
+          <p:nvPr>
+            <p:ph type="title"/>
+          </p:nvPr>
+        </p:nvSpPr>
+        <p:spPr/>
+        <p:txBody>
+          <a:bodyPr/>
+          <a:lstStyle/>
+          <a:p>
+            <a:r>
+              <a:rPr lang="en-US" dirty="0"/>
+              <a:t>Attendance Data</a:t>
+            </a:r>
+          </a:p>
+        </p:txBody>
+      </p:sp>
+      <p:sp>
+        <p:nvSpPr>
+          <p:cNvPr id="4" name="Content Placeholder 3">
+            <a:extLst>
+              <a:ext uri="{FF2B5EF4-FFF2-40B4-BE49-F238E27FC236}">
+                <a16:creationId xmlns:a16="http://schemas.microsoft.com/office/drawing/2014/main" id="{42D5E002-1C68-0A1B-39F4-AD4EA6416E54}"/>
+              </a:ext>
+            </a:extLst>
+          </p:cNvPr>
+          <p:cNvSpPr>
+            <a:spLocks noGrp="1"/>
+          </p:cNvSpPr>
+          <p:nvPr>
+            <p:ph sz="half" idx="1"/>
+          </p:nvPr>
+        </p:nvSpPr>
+        <p:spPr/>
+        <p:txBody>
+          <a:bodyPr/>
+          <a:lstStyle/>
+          <a:p>
+            <a:r>
+              <a:rPr lang="en-US" dirty="0"/>
+              <a:t>Attendance Percentage for last two years.</a:t>
+            </a:r>
+          </a:p>
+          <a:p>
+            <a:r>
+              <a:rPr lang="en-US" dirty="0"/>
+              <a:t>General attendance to practical's and lectures has increased.</a:t>
+            </a:r>
+          </a:p>
+        </p:txBody>
+      </p:sp>
+      <p:pic>
+        <p:nvPicPr>
+          <p:cNvPr id="8" name="Content Placeholder 7">
+            <a:extLst>
+              <a:ext uri="{FF2B5EF4-FFF2-40B4-BE49-F238E27FC236}">
+                <a16:creationId xmlns:a16="http://schemas.microsoft.com/office/drawing/2014/main" id="{42651790-8BAE-6A96-CED7-AB08B5AEAF8A}"/>
+              </a:ext>
+            </a:extLst>
+          </p:cNvPr>
+          <p:cNvPicPr>
+            <a:picLocks noGrp="1" noChangeAspect="1"/>
+          </p:cNvPicPr>
+          <p:nvPr>
+            <p:ph sz="half" idx="2"/>
+          </p:nvPr>
+        </p:nvPicPr>
+        <p:blipFill>
+          <a:blip r:embed="rId2"/>
+          <a:srcRect/>
+          <a:stretch/>
+        </p:blipFill>
+        <p:spPr>
+          <a:xfrm>
+            <a:off x="6188419" y="2017635"/>
+            <a:ext cx="4840365" cy="4840365"/>
+          </a:xfrm>
+        </p:spPr>
+      </p:pic>
+    </p:spTree>
+    <p:extLst>
+      <p:ext uri="{BB962C8B-B14F-4D97-AF65-F5344CB8AC3E}">
+        <p14:creationId xmlns:p14="http://schemas.microsoft.com/office/powerpoint/2010/main" val="1494101873"/>
+      </p:ext>
+    </p:extLst>
+  </p:cSld>
+  <p:clrMapOvr>
+    <a:masterClrMapping/>
+  </p:clrMapOvr>
+</p:sld>
+</file>
+
+<file path=ppt/slides/slide15.xml><?xml version="1.0" encoding="utf-8"?>
+<p:sld xmlns:a="http://schemas.openxmlformats.org/drawingml/2006/main" xmlns:r="http://schemas.openxmlformats.org/officeDocument/2006/relationships" xmlns:p="http://schemas.openxmlformats.org/presentationml/2006/main">
+  <p:cSld>
+    <p:spTree>
+      <p:nvGrpSpPr>
+        <p:cNvPr id="1" name=""/>
+        <p:cNvGrpSpPr/>
+        <p:nvPr/>
+      </p:nvGrpSpPr>
+      <p:grpSpPr>
+        <a:xfrm>
+          <a:off x="0" y="0"/>
+          <a:ext cx="0" cy="0"/>
+          <a:chOff x="0" y="0"/>
+          <a:chExt cx="0" cy="0"/>
+        </a:xfrm>
+      </p:grpSpPr>
+      <p:sp>
+        <p:nvSpPr>
+          <p:cNvPr id="2" name="Title 1">
+            <a:extLst>
+              <a:ext uri="{FF2B5EF4-FFF2-40B4-BE49-F238E27FC236}">
+                <a16:creationId xmlns:a16="http://schemas.microsoft.com/office/drawing/2014/main" id="{921633EB-7DCB-4DDC-80AF-C885A3EE1245}"/>
+              </a:ext>
+            </a:extLst>
+          </p:cNvPr>
+          <p:cNvSpPr>
+            <a:spLocks noGrp="1"/>
+          </p:cNvSpPr>
+          <p:nvPr>
+            <p:ph type="title"/>
+          </p:nvPr>
+        </p:nvSpPr>
+        <p:spPr/>
+        <p:txBody>
+          <a:bodyPr/>
+          <a:lstStyle/>
+          <a:p>
+            <a:r>
+              <a:rPr lang="en-US" dirty="0"/>
+              <a:t>Attendance Data</a:t>
+            </a:r>
+          </a:p>
+        </p:txBody>
+      </p:sp>
+      <p:sp>
+        <p:nvSpPr>
+          <p:cNvPr id="4" name="Content Placeholder 3">
+            <a:extLst>
+              <a:ext uri="{FF2B5EF4-FFF2-40B4-BE49-F238E27FC236}">
+                <a16:creationId xmlns:a16="http://schemas.microsoft.com/office/drawing/2014/main" id="{42D5E002-1C68-0A1B-39F4-AD4EA6416E54}"/>
+              </a:ext>
+            </a:extLst>
+          </p:cNvPr>
+          <p:cNvSpPr>
+            <a:spLocks noGrp="1"/>
+          </p:cNvSpPr>
+          <p:nvPr>
+            <p:ph sz="half" idx="1"/>
+          </p:nvPr>
+        </p:nvSpPr>
+        <p:spPr/>
+        <p:txBody>
+          <a:bodyPr/>
+          <a:lstStyle/>
+          <a:p>
+            <a:r>
+              <a:rPr lang="en-US" dirty="0"/>
+              <a:t>Low attendance has decreased, higher rates of attendance have increased.</a:t>
+            </a:r>
+          </a:p>
+          <a:p>
+            <a:r>
+              <a:rPr lang="en-US" dirty="0"/>
+              <a:t>Comparing with grades, appears to be a decrease in grade score despite the increase in attendance in comparison to the last year.</a:t>
+            </a:r>
+          </a:p>
+        </p:txBody>
+      </p:sp>
+      <p:pic>
+        <p:nvPicPr>
+          <p:cNvPr id="8" name="Content Placeholder 7">
+            <a:extLst>
+              <a:ext uri="{FF2B5EF4-FFF2-40B4-BE49-F238E27FC236}">
+                <a16:creationId xmlns:a16="http://schemas.microsoft.com/office/drawing/2014/main" id="{42651790-8BAE-6A96-CED7-AB08B5AEAF8A}"/>
+              </a:ext>
+            </a:extLst>
+          </p:cNvPr>
+          <p:cNvPicPr>
+            <a:picLocks noGrp="1" noChangeAspect="1"/>
+          </p:cNvPicPr>
+          <p:nvPr>
+            <p:ph sz="half" idx="2"/>
+          </p:nvPr>
+        </p:nvPicPr>
+        <p:blipFill>
+          <a:blip r:embed="rId2"/>
+          <a:srcRect/>
+          <a:stretch/>
+        </p:blipFill>
+        <p:spPr>
+          <a:xfrm>
+            <a:off x="6188419" y="2017635"/>
+            <a:ext cx="4840365" cy="4840365"/>
+          </a:xfrm>
+        </p:spPr>
+      </p:pic>
+    </p:spTree>
+    <p:extLst>
+      <p:ext uri="{BB962C8B-B14F-4D97-AF65-F5344CB8AC3E}">
+        <p14:creationId xmlns:p14="http://schemas.microsoft.com/office/powerpoint/2010/main" val="2290029014"/>
+      </p:ext>
+    </p:extLst>
+  </p:cSld>
+  <p:clrMapOvr>
+    <a:masterClrMapping/>
+  </p:clrMapOvr>
+</p:sld>
+</file>
+
+<file path=ppt/slides/slide16.xml><?xml version="1.0" encoding="utf-8"?>
+<p:sld xmlns:a="http://schemas.openxmlformats.org/drawingml/2006/main" xmlns:r="http://schemas.openxmlformats.org/officeDocument/2006/relationships" xmlns:p="http://schemas.openxmlformats.org/presentationml/2006/main">
+  <p:cSld>
+    <p:spTree>
+      <p:nvGrpSpPr>
+        <p:cNvPr id="1" name=""/>
+        <p:cNvGrpSpPr/>
+        <p:nvPr/>
+      </p:nvGrpSpPr>
+      <p:grpSpPr>
+        <a:xfrm>
+          <a:off x="0" y="0"/>
+          <a:ext cx="0" cy="0"/>
+          <a:chOff x="0" y="0"/>
+          <a:chExt cx="0" cy="0"/>
+        </a:xfrm>
+      </p:grpSpPr>
+      <p:sp>
+        <p:nvSpPr>
+          <p:cNvPr id="2" name="Title 1">
+            <a:extLst>
+              <a:ext uri="{FF2B5EF4-FFF2-40B4-BE49-F238E27FC236}">
+                <a16:creationId xmlns:a16="http://schemas.microsoft.com/office/drawing/2014/main" id="{921633EB-7DCB-4DDC-80AF-C885A3EE1245}"/>
+              </a:ext>
+            </a:extLst>
+          </p:cNvPr>
+          <p:cNvSpPr>
+            <a:spLocks noGrp="1"/>
+          </p:cNvSpPr>
+          <p:nvPr>
+            <p:ph type="title"/>
+          </p:nvPr>
+        </p:nvSpPr>
+        <p:spPr/>
+        <p:txBody>
+          <a:bodyPr/>
+          <a:lstStyle/>
+          <a:p>
+            <a:r>
+              <a:rPr lang="en-US" dirty="0"/>
+              <a:t>Attendance Data - Lectures</a:t>
+            </a:r>
+          </a:p>
+        </p:txBody>
+      </p:sp>
+      <p:sp>
+        <p:nvSpPr>
+          <p:cNvPr id="4" name="Content Placeholder 3">
+            <a:extLst>
+              <a:ext uri="{FF2B5EF4-FFF2-40B4-BE49-F238E27FC236}">
+                <a16:creationId xmlns:a16="http://schemas.microsoft.com/office/drawing/2014/main" id="{42D5E002-1C68-0A1B-39F4-AD4EA6416E54}"/>
+              </a:ext>
+            </a:extLst>
+          </p:cNvPr>
+          <p:cNvSpPr>
+            <a:spLocks noGrp="1"/>
+          </p:cNvSpPr>
+          <p:nvPr>
+            <p:ph sz="half" idx="1"/>
+          </p:nvPr>
+        </p:nvSpPr>
+        <p:spPr/>
+        <p:txBody>
+          <a:bodyPr/>
+          <a:lstStyle/>
+          <a:p>
+            <a:r>
+              <a:rPr lang="en-US" dirty="0"/>
+              <a:t>Low attendance has decreased, higher rates of attendance have increased.</a:t>
+            </a:r>
+          </a:p>
+          <a:p>
+            <a:r>
+              <a:rPr lang="en-US" dirty="0"/>
+              <a:t>Comparing with grades, appears to be a decrease in grade score despite the increase in attendance in comparison to the last year.</a:t>
+            </a:r>
+          </a:p>
+        </p:txBody>
+      </p:sp>
+      <p:pic>
+        <p:nvPicPr>
+          <p:cNvPr id="8" name="Content Placeholder 7">
+            <a:extLst>
+              <a:ext uri="{FF2B5EF4-FFF2-40B4-BE49-F238E27FC236}">
+                <a16:creationId xmlns:a16="http://schemas.microsoft.com/office/drawing/2014/main" id="{42651790-8BAE-6A96-CED7-AB08B5AEAF8A}"/>
+              </a:ext>
+            </a:extLst>
+          </p:cNvPr>
+          <p:cNvPicPr>
+            <a:picLocks noGrp="1" noChangeAspect="1"/>
+          </p:cNvPicPr>
+          <p:nvPr>
+            <p:ph sz="half" idx="2"/>
+          </p:nvPr>
+        </p:nvPicPr>
+        <p:blipFill>
+          <a:blip r:embed="rId2"/>
+          <a:srcRect/>
+          <a:stretch/>
+        </p:blipFill>
+        <p:spPr>
+          <a:xfrm>
+            <a:off x="6188419" y="2017635"/>
+            <a:ext cx="4840365" cy="4840365"/>
+          </a:xfrm>
+        </p:spPr>
+      </p:pic>
+    </p:spTree>
+    <p:extLst>
+      <p:ext uri="{BB962C8B-B14F-4D97-AF65-F5344CB8AC3E}">
+        <p14:creationId xmlns:p14="http://schemas.microsoft.com/office/powerpoint/2010/main" val="581795780"/>
+      </p:ext>
+    </p:extLst>
+  </p:cSld>
+  <p:clrMapOvr>
+    <a:masterClrMapping/>
+  </p:clrMapOvr>
+</p:sld>
+</file>
+
+<file path=ppt/slides/slide17.xml><?xml version="1.0" encoding="utf-8"?>
+<p:sld xmlns:a="http://schemas.openxmlformats.org/drawingml/2006/main" xmlns:r="http://schemas.openxmlformats.org/officeDocument/2006/relationships" xmlns:p="http://schemas.openxmlformats.org/presentationml/2006/main">
+  <p:cSld>
+    <p:spTree>
+      <p:nvGrpSpPr>
+        <p:cNvPr id="1" name=""/>
+        <p:cNvGrpSpPr/>
+        <p:nvPr/>
+      </p:nvGrpSpPr>
+      <p:grpSpPr>
+        <a:xfrm>
+          <a:off x="0" y="0"/>
+          <a:ext cx="0" cy="0"/>
+          <a:chOff x="0" y="0"/>
+          <a:chExt cx="0" cy="0"/>
+        </a:xfrm>
+      </p:grpSpPr>
+      <p:sp>
+        <p:nvSpPr>
+          <p:cNvPr id="2" name="Title 1">
+            <a:extLst>
+              <a:ext uri="{FF2B5EF4-FFF2-40B4-BE49-F238E27FC236}">
+                <a16:creationId xmlns:a16="http://schemas.microsoft.com/office/drawing/2014/main" id="{921633EB-7DCB-4DDC-80AF-C885A3EE1245}"/>
+              </a:ext>
+            </a:extLst>
+          </p:cNvPr>
+          <p:cNvSpPr>
+            <a:spLocks noGrp="1"/>
+          </p:cNvSpPr>
+          <p:nvPr>
+            <p:ph type="title"/>
+          </p:nvPr>
+        </p:nvSpPr>
+        <p:spPr/>
+        <p:txBody>
+          <a:bodyPr/>
+          <a:lstStyle/>
+          <a:p>
+            <a:r>
+              <a:rPr lang="en-US" dirty="0"/>
+              <a:t>Attendance Data - Practical's</a:t>
+            </a:r>
+          </a:p>
+        </p:txBody>
+      </p:sp>
+      <p:sp>
+        <p:nvSpPr>
+          <p:cNvPr id="4" name="Content Placeholder 3">
+            <a:extLst>
+              <a:ext uri="{FF2B5EF4-FFF2-40B4-BE49-F238E27FC236}">
+                <a16:creationId xmlns:a16="http://schemas.microsoft.com/office/drawing/2014/main" id="{42D5E002-1C68-0A1B-39F4-AD4EA6416E54}"/>
+              </a:ext>
+            </a:extLst>
+          </p:cNvPr>
+          <p:cNvSpPr>
+            <a:spLocks noGrp="1"/>
+          </p:cNvSpPr>
+          <p:nvPr>
+            <p:ph sz="half" idx="1"/>
+          </p:nvPr>
+        </p:nvSpPr>
+        <p:spPr/>
+        <p:txBody>
+          <a:bodyPr/>
+          <a:lstStyle/>
+          <a:p>
+            <a:r>
+              <a:rPr lang="en-US" dirty="0"/>
+              <a:t>Low attendance has decreased, higher rates of attendance have increased.</a:t>
+            </a:r>
+          </a:p>
+          <a:p>
+            <a:r>
+              <a:rPr lang="en-US" dirty="0"/>
+              <a:t>Comparing with grades, appears to be a decrease in grade score despite the increase in attendance in comparison to the last year.</a:t>
+            </a:r>
+          </a:p>
+        </p:txBody>
+      </p:sp>
+      <p:pic>
+        <p:nvPicPr>
+          <p:cNvPr id="8" name="Content Placeholder 7">
+            <a:extLst>
+              <a:ext uri="{FF2B5EF4-FFF2-40B4-BE49-F238E27FC236}">
+                <a16:creationId xmlns:a16="http://schemas.microsoft.com/office/drawing/2014/main" id="{42651790-8BAE-6A96-CED7-AB08B5AEAF8A}"/>
+              </a:ext>
+            </a:extLst>
+          </p:cNvPr>
+          <p:cNvPicPr>
+            <a:picLocks noGrp="1" noChangeAspect="1"/>
+          </p:cNvPicPr>
+          <p:nvPr>
+            <p:ph sz="half" idx="2"/>
+          </p:nvPr>
+        </p:nvPicPr>
+        <p:blipFill>
+          <a:blip r:embed="rId2"/>
+          <a:srcRect/>
+          <a:stretch/>
+        </p:blipFill>
+        <p:spPr>
+          <a:xfrm>
+            <a:off x="6188419" y="2017635"/>
+            <a:ext cx="4840365" cy="4840365"/>
+          </a:xfrm>
+        </p:spPr>
+      </p:pic>
+    </p:spTree>
+    <p:extLst>
+      <p:ext uri="{BB962C8B-B14F-4D97-AF65-F5344CB8AC3E}">
+        <p14:creationId xmlns:p14="http://schemas.microsoft.com/office/powerpoint/2010/main" val="687847675"/>
+      </p:ext>
+    </p:extLst>
+  </p:cSld>
+  <p:clrMapOvr>
+    <a:masterClrMapping/>
+  </p:clrMapOvr>
+</p:sld>
+</file>
+
+<file path=ppt/slides/slide18.xml><?xml version="1.0" encoding="utf-8"?>
+<p:sld xmlns:a="http://schemas.openxmlformats.org/drawingml/2006/main" xmlns:r="http://schemas.openxmlformats.org/officeDocument/2006/relationships" xmlns:p="http://schemas.openxmlformats.org/presentationml/2006/main">
+  <p:cSld>
     <p:bg>
       <p:bgPr>
         <a:solidFill>
@@ -12081,7 +14045,7 @@
             <a:pPr algn="ctr"/>
             <a:r>
               <a:rPr lang="en-US" dirty="0"/>
-              <a:t>Digital Communications</a:t>
+              <a:t>Further Development</a:t>
             </a:r>
           </a:p>
         </p:txBody>
@@ -12102,7 +14066,7 @@
             <p:ph idx="1"/>
             <p:extLst>
               <p:ext uri="{D42A27DB-BD31-4B8C-83A1-F6EECF244321}">
-                <p14:modId xmlns:p14="http://schemas.microsoft.com/office/powerpoint/2010/main" val="3961337641"/>
+                <p14:modId xmlns:p14="http://schemas.microsoft.com/office/powerpoint/2010/main" val="3931224430"/>
               </p:ext>
             </p:extLst>
           </p:nvPr>
@@ -12130,7 +14094,307 @@
 </p:sld>
 </file>
 
-<file path=ppt/slides/slide11.xml><?xml version="1.0" encoding="utf-8"?>
+<file path=ppt/slides/slide19.xml><?xml version="1.0" encoding="utf-8"?>
+<p:sld xmlns:a="http://schemas.openxmlformats.org/drawingml/2006/main" xmlns:r="http://schemas.openxmlformats.org/officeDocument/2006/relationships" xmlns:p="http://schemas.openxmlformats.org/presentationml/2006/main">
+  <p:cSld>
+    <p:spTree>
+      <p:nvGrpSpPr>
+        <p:cNvPr id="1" name=""/>
+        <p:cNvGrpSpPr/>
+        <p:nvPr/>
+      </p:nvGrpSpPr>
+      <p:grpSpPr>
+        <a:xfrm>
+          <a:off x="0" y="0"/>
+          <a:ext cx="0" cy="0"/>
+          <a:chOff x="0" y="0"/>
+          <a:chExt cx="0" cy="0"/>
+        </a:xfrm>
+      </p:grpSpPr>
+      <p:sp>
+        <p:nvSpPr>
+          <p:cNvPr id="2" name="Title 1">
+            <a:extLst>
+              <a:ext uri="{FF2B5EF4-FFF2-40B4-BE49-F238E27FC236}">
+                <a16:creationId xmlns:a16="http://schemas.microsoft.com/office/drawing/2014/main" id="{893057A3-A04F-232F-0FAC-02C377A544EC}"/>
+              </a:ext>
+            </a:extLst>
+          </p:cNvPr>
+          <p:cNvSpPr>
+            <a:spLocks noGrp="1"/>
+          </p:cNvSpPr>
+          <p:nvPr>
+            <p:ph type="title"/>
+          </p:nvPr>
+        </p:nvSpPr>
+        <p:spPr/>
+        <p:txBody>
+          <a:bodyPr/>
+          <a:lstStyle/>
+          <a:p>
+            <a:r>
+              <a:rPr lang="en-US" dirty="0"/>
+              <a:t>References</a:t>
+            </a:r>
+            <a:endParaRPr lang="en-GB" dirty="0"/>
+          </a:p>
+        </p:txBody>
+      </p:sp>
+      <p:sp>
+        <p:nvSpPr>
+          <p:cNvPr id="3" name="Content Placeholder 2">
+            <a:extLst>
+              <a:ext uri="{FF2B5EF4-FFF2-40B4-BE49-F238E27FC236}">
+                <a16:creationId xmlns:a16="http://schemas.microsoft.com/office/drawing/2014/main" id="{A9C16DC8-2E95-9526-1657-6E95C5B8A701}"/>
+              </a:ext>
+            </a:extLst>
+          </p:cNvPr>
+          <p:cNvSpPr>
+            <a:spLocks noGrp="1"/>
+          </p:cNvSpPr>
+          <p:nvPr>
+            <p:ph idx="1"/>
+          </p:nvPr>
+        </p:nvSpPr>
+        <p:spPr/>
+        <p:txBody>
+          <a:bodyPr/>
+          <a:lstStyle/>
+          <a:p>
+            <a:pPr marL="0" indent="0">
+              <a:buNone/>
+            </a:pPr>
+            <a:r>
+              <a:rPr lang="en-GB" b="0" i="0" dirty="0" err="1">
+                <a:solidFill>
+                  <a:schemeClr val="tx1"/>
+                </a:solidFill>
+                <a:effectLst/>
+                <a:latin typeface="Circular"/>
+              </a:rPr>
+              <a:t>Handschuh</a:t>
+            </a:r>
+            <a:r>
+              <a:rPr lang="en-GB" b="0" i="0" dirty="0">
+                <a:solidFill>
+                  <a:schemeClr val="tx1"/>
+                </a:solidFill>
+                <a:effectLst/>
+                <a:latin typeface="Circular"/>
+              </a:rPr>
+              <a:t>, H. (2005) ‘SHA Family (Secure Hash Algorithm)’, in van </a:t>
+            </a:r>
+            <a:r>
+              <a:rPr lang="en-GB" b="0" i="0" dirty="0" err="1">
+                <a:solidFill>
+                  <a:schemeClr val="tx1"/>
+                </a:solidFill>
+                <a:effectLst/>
+                <a:latin typeface="Circular"/>
+              </a:rPr>
+              <a:t>Tilborg</a:t>
+            </a:r>
+            <a:r>
+              <a:rPr lang="en-GB" b="0" i="0" dirty="0">
+                <a:solidFill>
+                  <a:schemeClr val="tx1"/>
+                </a:solidFill>
+                <a:effectLst/>
+                <a:latin typeface="Circular"/>
+              </a:rPr>
+              <a:t>, H. C. A. (ed.) </a:t>
+            </a:r>
+            <a:r>
+              <a:rPr lang="en-GB" b="0" i="1" dirty="0" err="1">
+                <a:solidFill>
+                  <a:schemeClr val="tx1"/>
+                </a:solidFill>
+                <a:effectLst/>
+                <a:latin typeface="Circular"/>
+              </a:rPr>
+              <a:t>Encyclopedia</a:t>
+            </a:r>
+            <a:r>
+              <a:rPr lang="en-GB" b="0" i="1" dirty="0">
+                <a:solidFill>
+                  <a:schemeClr val="tx1"/>
+                </a:solidFill>
+                <a:effectLst/>
+                <a:latin typeface="Circular"/>
+              </a:rPr>
+              <a:t> of Cryptography and Security</a:t>
+            </a:r>
+            <a:r>
+              <a:rPr lang="en-GB" b="0" i="0" dirty="0">
+                <a:solidFill>
+                  <a:schemeClr val="tx1"/>
+                </a:solidFill>
+                <a:effectLst/>
+                <a:latin typeface="Circular"/>
+              </a:rPr>
+              <a:t>. Boston, MA: Springer US, pp. 565–567. </a:t>
+            </a:r>
+            <a:r>
+              <a:rPr lang="en-GB" b="0" i="0" dirty="0" err="1">
+                <a:solidFill>
+                  <a:schemeClr val="tx1"/>
+                </a:solidFill>
+                <a:effectLst/>
+                <a:latin typeface="Circular"/>
+              </a:rPr>
+              <a:t>doi</a:t>
+            </a:r>
+            <a:r>
+              <a:rPr lang="en-GB" b="0" i="0" dirty="0">
+                <a:solidFill>
+                  <a:schemeClr val="tx1"/>
+                </a:solidFill>
+                <a:effectLst/>
+                <a:latin typeface="Circular"/>
+              </a:rPr>
+              <a:t>: 10.1007/0-387-23483-7_388.</a:t>
+            </a:r>
+            <a:endParaRPr lang="en-GB" dirty="0">
+              <a:solidFill>
+                <a:schemeClr val="tx1"/>
+              </a:solidFill>
+            </a:endParaRPr>
+          </a:p>
+        </p:txBody>
+      </p:sp>
+    </p:spTree>
+    <p:extLst>
+      <p:ext uri="{BB962C8B-B14F-4D97-AF65-F5344CB8AC3E}">
+        <p14:creationId xmlns:p14="http://schemas.microsoft.com/office/powerpoint/2010/main" val="3695867236"/>
+      </p:ext>
+    </p:extLst>
+  </p:cSld>
+  <p:clrMapOvr>
+    <a:masterClrMapping/>
+  </p:clrMapOvr>
+</p:sld>
+</file>
+
+<file path=ppt/slides/slide2.xml><?xml version="1.0" encoding="utf-8"?>
+<p:sld xmlns:a="http://schemas.openxmlformats.org/drawingml/2006/main" xmlns:r="http://schemas.openxmlformats.org/officeDocument/2006/relationships" xmlns:p="http://schemas.openxmlformats.org/presentationml/2006/main">
+  <p:cSld>
+    <p:spTree>
+      <p:nvGrpSpPr>
+        <p:cNvPr id="1" name=""/>
+        <p:cNvGrpSpPr/>
+        <p:nvPr/>
+      </p:nvGrpSpPr>
+      <p:grpSpPr>
+        <a:xfrm>
+          <a:off x="0" y="0"/>
+          <a:ext cx="0" cy="0"/>
+          <a:chOff x="0" y="0"/>
+          <a:chExt cx="0" cy="0"/>
+        </a:xfrm>
+      </p:grpSpPr>
+      <p:sp>
+        <p:nvSpPr>
+          <p:cNvPr id="2" name="Title 1">
+            <a:extLst>
+              <a:ext uri="{FF2B5EF4-FFF2-40B4-BE49-F238E27FC236}">
+                <a16:creationId xmlns:a16="http://schemas.microsoft.com/office/drawing/2014/main" id="{C7E0A70A-A506-742E-79FF-CCC404CE65C7}"/>
+              </a:ext>
+            </a:extLst>
+          </p:cNvPr>
+          <p:cNvSpPr>
+            <a:spLocks noGrp="1"/>
+          </p:cNvSpPr>
+          <p:nvPr>
+            <p:ph type="title"/>
+          </p:nvPr>
+        </p:nvSpPr>
+        <p:spPr/>
+        <p:txBody>
+          <a:bodyPr/>
+          <a:lstStyle/>
+          <a:p>
+            <a:r>
+              <a:rPr lang="en-US" dirty="0"/>
+              <a:t>STUDY AIM</a:t>
+            </a:r>
+            <a:endParaRPr lang="en-GB" dirty="0"/>
+          </a:p>
+        </p:txBody>
+      </p:sp>
+      <p:sp>
+        <p:nvSpPr>
+          <p:cNvPr id="3" name="Content Placeholder 2">
+            <a:extLst>
+              <a:ext uri="{FF2B5EF4-FFF2-40B4-BE49-F238E27FC236}">
+                <a16:creationId xmlns:a16="http://schemas.microsoft.com/office/drawing/2014/main" id="{DAE9E2D5-3E7C-12B5-F2B4-4D153305E279}"/>
+              </a:ext>
+            </a:extLst>
+          </p:cNvPr>
+          <p:cNvSpPr>
+            <a:spLocks noGrp="1"/>
+          </p:cNvSpPr>
+          <p:nvPr>
+            <p:ph idx="1"/>
+          </p:nvPr>
+        </p:nvSpPr>
+        <p:spPr/>
+        <p:txBody>
+          <a:bodyPr/>
+          <a:lstStyle/>
+          <a:p>
+            <a:r>
+              <a:rPr lang="en-US" dirty="0"/>
+              <a:t>Investigate if there is a relationship between student attendance to live lectures and their grade.</a:t>
+            </a:r>
+          </a:p>
+          <a:p>
+            <a:pPr lvl="1"/>
+            <a:r>
+              <a:rPr lang="en-US" dirty="0"/>
+              <a:t>This study is based on the basis that recorded versions of the lectures are available for students to view.</a:t>
+            </a:r>
+          </a:p>
+          <a:p>
+            <a:pPr lvl="1"/>
+            <a:r>
+              <a:rPr lang="en-US" dirty="0"/>
+              <a:t>Students can view the same material if they cannot or decide not to attend a lecture session.</a:t>
+            </a:r>
+          </a:p>
+          <a:p>
+            <a:pPr lvl="1"/>
+            <a:endParaRPr lang="en-US" dirty="0"/>
+          </a:p>
+          <a:p>
+            <a:r>
+              <a:rPr lang="en-US" dirty="0"/>
+              <a:t>Additional aim of the investigation is to determine if providing pre-recorded lectures is a suitable substitute to live lectures.</a:t>
+            </a:r>
+          </a:p>
+          <a:p>
+            <a:pPr lvl="1"/>
+            <a:r>
+              <a:rPr lang="en-US" dirty="0"/>
+              <a:t>This could mean teaching staff can focus on preparing the material ahead of term, freeing up their in-term teaching to respond to student queries, host more practical sessions, or live workshops for students.</a:t>
+            </a:r>
+            <a:endParaRPr lang="en-GB" dirty="0"/>
+          </a:p>
+        </p:txBody>
+      </p:sp>
+    </p:spTree>
+    <p:extLst>
+      <p:ext uri="{BB962C8B-B14F-4D97-AF65-F5344CB8AC3E}">
+        <p14:creationId xmlns:p14="http://schemas.microsoft.com/office/powerpoint/2010/main" val="3260005894"/>
+      </p:ext>
+    </p:extLst>
+  </p:cSld>
+  <p:clrMapOvr>
+    <a:masterClrMapping/>
+  </p:clrMapOvr>
+</p:sld>
+</file>
+
+<file path=ppt/slides/slide20.xml><?xml version="1.0" encoding="utf-8"?>
 <p:sld xmlns:a="http://schemas.openxmlformats.org/drawingml/2006/main" xmlns:r="http://schemas.openxmlformats.org/officeDocument/2006/relationships" xmlns:p="http://schemas.openxmlformats.org/presentationml/2006/main">
   <p:cSld>
     <p:bg>
@@ -12620,125 +14884,6 @@
 </p:sld>
 </file>
 
-<file path=ppt/slides/slide2.xml><?xml version="1.0" encoding="utf-8"?>
-<p:sld xmlns:a="http://schemas.openxmlformats.org/drawingml/2006/main" xmlns:r="http://schemas.openxmlformats.org/officeDocument/2006/relationships" xmlns:p="http://schemas.openxmlformats.org/presentationml/2006/main">
-  <p:cSld>
-    <p:spTree>
-      <p:nvGrpSpPr>
-        <p:cNvPr id="1" name=""/>
-        <p:cNvGrpSpPr/>
-        <p:nvPr/>
-      </p:nvGrpSpPr>
-      <p:grpSpPr>
-        <a:xfrm>
-          <a:off x="0" y="0"/>
-          <a:ext cx="0" cy="0"/>
-          <a:chOff x="0" y="0"/>
-          <a:chExt cx="0" cy="0"/>
-        </a:xfrm>
-      </p:grpSpPr>
-      <p:sp>
-        <p:nvSpPr>
-          <p:cNvPr id="2" name="Title 1">
-            <a:extLst>
-              <a:ext uri="{FF2B5EF4-FFF2-40B4-BE49-F238E27FC236}">
-                <a16:creationId xmlns:a16="http://schemas.microsoft.com/office/drawing/2014/main" id="{C7E0A70A-A506-742E-79FF-CCC404CE65C7}"/>
-              </a:ext>
-            </a:extLst>
-          </p:cNvPr>
-          <p:cNvSpPr>
-            <a:spLocks noGrp="1"/>
-          </p:cNvSpPr>
-          <p:nvPr>
-            <p:ph type="title"/>
-          </p:nvPr>
-        </p:nvSpPr>
-        <p:spPr/>
-        <p:txBody>
-          <a:bodyPr/>
-          <a:lstStyle/>
-          <a:p>
-            <a:r>
-              <a:rPr lang="en-US" dirty="0"/>
-              <a:t>STUDY AIM</a:t>
-            </a:r>
-            <a:endParaRPr lang="en-GB" dirty="0"/>
-          </a:p>
-        </p:txBody>
-      </p:sp>
-      <p:sp>
-        <p:nvSpPr>
-          <p:cNvPr id="3" name="Content Placeholder 2">
-            <a:extLst>
-              <a:ext uri="{FF2B5EF4-FFF2-40B4-BE49-F238E27FC236}">
-                <a16:creationId xmlns:a16="http://schemas.microsoft.com/office/drawing/2014/main" id="{DAE9E2D5-3E7C-12B5-F2B4-4D153305E279}"/>
-              </a:ext>
-            </a:extLst>
-          </p:cNvPr>
-          <p:cNvSpPr>
-            <a:spLocks noGrp="1"/>
-          </p:cNvSpPr>
-          <p:nvPr>
-            <p:ph idx="1"/>
-          </p:nvPr>
-        </p:nvSpPr>
-        <p:spPr/>
-        <p:txBody>
-          <a:bodyPr/>
-          <a:lstStyle/>
-          <a:p>
-            <a:r>
-              <a:rPr lang="en-US" dirty="0"/>
-              <a:t>Investigate if there is a relationship between student attendance to live lectures and their grade.</a:t>
-            </a:r>
-          </a:p>
-          <a:p>
-            <a:pPr lvl="1"/>
-            <a:r>
-              <a:rPr lang="en-US" dirty="0"/>
-              <a:t>This study is based on the basis that recorded versions of the lectures are available for students to view.</a:t>
-            </a:r>
-          </a:p>
-          <a:p>
-            <a:pPr lvl="1"/>
-            <a:r>
-              <a:rPr lang="en-US" dirty="0"/>
-              <a:t>Students can view the same material if they cannot or decide not to attend a lecture session.</a:t>
-            </a:r>
-          </a:p>
-          <a:p>
-            <a:pPr lvl="1"/>
-            <a:endParaRPr lang="en-US" dirty="0"/>
-          </a:p>
-          <a:p>
-            <a:r>
-              <a:rPr lang="en-US" dirty="0"/>
-              <a:t>Additional aim of the investigation is to determine if providing pre-recorded lectures is a suitable substitute to live lectures.</a:t>
-            </a:r>
-          </a:p>
-          <a:p>
-            <a:pPr lvl="1"/>
-            <a:r>
-              <a:rPr lang="en-US" dirty="0"/>
-              <a:t>This could mean teaching staff can focus on preparing the material ahead of term, freeing up their in-term teaching to respond to student queries, host more practical sessions, or live workshops for students.</a:t>
-            </a:r>
-            <a:endParaRPr lang="en-GB" dirty="0"/>
-          </a:p>
-        </p:txBody>
-      </p:sp>
-    </p:spTree>
-    <p:extLst>
-      <p:ext uri="{BB962C8B-B14F-4D97-AF65-F5344CB8AC3E}">
-        <p14:creationId xmlns:p14="http://schemas.microsoft.com/office/powerpoint/2010/main" val="3260005894"/>
-      </p:ext>
-    </p:extLst>
-  </p:cSld>
-  <p:clrMapOvr>
-    <a:masterClrMapping/>
-  </p:clrMapOvr>
-</p:sld>
-</file>
-
 <file path=ppt/slides/slide3.xml><?xml version="1.0" encoding="utf-8"?>
 <p:sld xmlns:a="http://schemas.openxmlformats.org/drawingml/2006/main" xmlns:r="http://schemas.openxmlformats.org/officeDocument/2006/relationships" xmlns:p="http://schemas.openxmlformats.org/presentationml/2006/main">
   <p:cSld>
@@ -13436,7 +15581,7 @@
           <a:p>
             <a:r>
               <a:rPr lang="en-US" dirty="0"/>
-              <a:t>Data Gathering methods</a:t>
+              <a:t>Data Gathering methodology</a:t>
             </a:r>
             <a:endParaRPr lang="en-GB" dirty="0"/>
           </a:p>
@@ -13549,14 +15694,35 @@
           <a:p>
             <a:r>
               <a:rPr lang="en-US" dirty="0"/>
-              <a:t>Ethics approval for this project was given based on the anonymizing of student identifications. To do this, the raw data gathered was collated into a single Spreadsheet for each year, and Student ID’s were hashed during a SHA256 Hashing algorithm &lt;REF&gt;.</a:t>
-            </a:r>
+              <a:t>Ethics approval for this project was given based on the anonymizing of student identifications. To do this, the raw data gathered was collated into a single Spreadsheet for each year, and Student ID’s were hashed during a SHA256 Hashing algorithm (</a:t>
+            </a:r>
+            <a:r>
+              <a:rPr lang="en-GB" b="0" i="0" dirty="0" err="1">
+                <a:solidFill>
+                  <a:schemeClr val="tx1"/>
+                </a:solidFill>
+                <a:effectLst/>
+                <a:latin typeface="Circular"/>
+              </a:rPr>
+              <a:t>Handschuh</a:t>
+            </a:r>
+            <a:r>
+              <a:rPr lang="en-GB" b="0" i="0" dirty="0">
+                <a:solidFill>
+                  <a:schemeClr val="tx1"/>
+                </a:solidFill>
+                <a:effectLst/>
+                <a:latin typeface="Circular"/>
+              </a:rPr>
+              <a:t>, 2005)</a:t>
+            </a:r>
+            <a:endParaRPr lang="en-US" dirty="0"/>
           </a:p>
           <a:p>
             <a:pPr lvl="1"/>
             <a:r>
               <a:rPr lang="en-US" dirty="0"/>
-              <a:t>Converts student number into a 256-bit hexadecimal value. Hashing processes was chosen due to the high security of the process (cannot convert Hash back into original value) and very low chance of collisions &lt;REF&gt;.</a:t>
+              <a:t>Converts student number into a 256-bit hexadecimal value. Hashing processes was chosen due to the high security of the process (cannot convert Hash back into original value) and very low chance of collisions.</a:t>
             </a:r>
           </a:p>
         </p:txBody>
@@ -13614,7 +15780,7 @@
           <a:p>
             <a:r>
               <a:rPr lang="en-US" dirty="0"/>
-              <a:t>Data Gathering methods</a:t>
+              <a:t>Data Gathering methodology</a:t>
             </a:r>
             <a:endParaRPr lang="en-GB" dirty="0"/>
           </a:p>
@@ -13907,7 +16073,7 @@
                   <a:srgbClr val="FFFEFF"/>
                 </a:solidFill>
               </a:rPr>
-              <a:t>Tech Requirements</a:t>
+              <a:t>Analysis Methodology</a:t>
             </a:r>
           </a:p>
         </p:txBody>
@@ -13928,7 +16094,7 @@
             <p:ph idx="1"/>
             <p:extLst>
               <p:ext uri="{D42A27DB-BD31-4B8C-83A1-F6EECF244321}">
-                <p14:modId xmlns:p14="http://schemas.microsoft.com/office/powerpoint/2010/main" val="1541187836"/>
+                <p14:modId xmlns:p14="http://schemas.microsoft.com/office/powerpoint/2010/main" val="2626715032"/>
               </p:ext>
             </p:extLst>
           </p:nvPr>
@@ -13978,7 +16144,7 @@
           <p:cNvPr id="2" name="Title 1">
             <a:extLst>
               <a:ext uri="{FF2B5EF4-FFF2-40B4-BE49-F238E27FC236}">
-                <a16:creationId xmlns:a16="http://schemas.microsoft.com/office/drawing/2014/main" id="{921633EB-7DCB-4DDC-80AF-C885A3EE1245}"/>
+                <a16:creationId xmlns:a16="http://schemas.microsoft.com/office/drawing/2014/main" id="{BD4CA9CC-5ADC-001A-4D31-8EC14B8E37D4}"/>
               </a:ext>
             </a:extLst>
           </p:cNvPr>
@@ -13996,80 +16162,88 @@
           <a:p>
             <a:r>
               <a:rPr lang="en-US" dirty="0"/>
-              <a:t>Competitive Landscape</a:t>
-            </a:r>
+              <a:t>Analysis methodology</a:t>
+            </a:r>
+            <a:endParaRPr lang="en-GB" dirty="0"/>
           </a:p>
         </p:txBody>
       </p:sp>
-      <p:pic>
-        <p:nvPicPr>
-          <p:cNvPr id="11" name="Content Placeholder 4" descr="Charts">
+      <p:sp>
+        <p:nvSpPr>
+          <p:cNvPr id="3" name="Content Placeholder 2">
             <a:extLst>
               <a:ext uri="{FF2B5EF4-FFF2-40B4-BE49-F238E27FC236}">
-                <a16:creationId xmlns:a16="http://schemas.microsoft.com/office/drawing/2014/main" id="{47D9BE16-119C-43B2-9AE6-18C4A150C0EF}"/>
+                <a16:creationId xmlns:a16="http://schemas.microsoft.com/office/drawing/2014/main" id="{121196E6-3603-F66B-72E8-8E7E5F53AC6C}"/>
               </a:ext>
             </a:extLst>
           </p:cNvPr>
-          <p:cNvPicPr>
-            <a:picLocks noGrp="1" noChangeAspect="1"/>
-          </p:cNvPicPr>
+          <p:cNvSpPr>
+            <a:spLocks noGrp="1"/>
+          </p:cNvSpPr>
           <p:nvPr>
-            <p:ph sz="half" idx="1"/>
+            <p:ph idx="1"/>
           </p:nvPr>
-        </p:nvPicPr>
-        <p:blipFill rotWithShape="1">
-          <a:blip r:embed="rId2" cstate="screen">
-            <a:extLst>
-              <a:ext uri="{28A0092B-C50C-407E-A947-70E740481C1C}">
-                <a14:useLocalDpi xmlns:a14="http://schemas.microsoft.com/office/drawing/2010/main"/>
-              </a:ext>
-            </a:extLst>
-          </a:blip>
-          <a:stretch/>
-        </p:blipFill>
-        <p:spPr>
-          <a:xfrm>
-            <a:off x="581025" y="2231480"/>
-            <a:ext cx="5422900" cy="3625353"/>
-          </a:xfrm>
-        </p:spPr>
-      </p:pic>
-      <p:pic>
-        <p:nvPicPr>
-          <p:cNvPr id="18" name="Content Placeholder 17" descr="Chart placeholder">
-            <a:extLst>
-              <a:ext uri="{FF2B5EF4-FFF2-40B4-BE49-F238E27FC236}">
-                <a16:creationId xmlns:a16="http://schemas.microsoft.com/office/drawing/2014/main" id="{BFEA8EC1-23A4-4843-A9C3-AE771D73392A}"/>
-              </a:ext>
-            </a:extLst>
-          </p:cNvPr>
-          <p:cNvPicPr>
-            <a:picLocks noGrp="1" noChangeAspect="1"/>
-          </p:cNvPicPr>
-          <p:nvPr>
-            <p:ph sz="half" idx="2"/>
-          </p:nvPr>
-        </p:nvPicPr>
-        <p:blipFill>
-          <a:blip r:embed="rId3"/>
-          <a:stretch>
-            <a:fillRect/>
-          </a:stretch>
-        </p:blipFill>
-        <p:spPr>
-          <a:xfrm>
-            <a:off x="6201811" y="2571845"/>
-            <a:ext cx="5395428" cy="2944623"/>
-          </a:xfrm>
-          <a:prstGeom prst="rect">
-            <a:avLst/>
-          </a:prstGeom>
-        </p:spPr>
-      </p:pic>
+        </p:nvSpPr>
+        <p:spPr/>
+        <p:txBody>
+          <a:bodyPr>
+            <a:normAutofit/>
+          </a:bodyPr>
+          <a:lstStyle/>
+          <a:p>
+            <a:r>
+              <a:rPr lang="en-US" dirty="0"/>
+              <a:t>Overview</a:t>
+            </a:r>
+          </a:p>
+          <a:p>
+            <a:endParaRPr lang="en-US" dirty="0"/>
+          </a:p>
+          <a:p>
+            <a:r>
+              <a:rPr lang="en-US" dirty="0"/>
+              <a:t>Correlation (Pearson, Kendall &amp; Spearman)</a:t>
+            </a:r>
+          </a:p>
+          <a:p>
+            <a:pPr lvl="1"/>
+            <a:r>
+              <a:rPr lang="en-US" dirty="0"/>
+              <a:t>Grade vs Overall Attendance (%)</a:t>
+            </a:r>
+          </a:p>
+          <a:p>
+            <a:pPr lvl="1"/>
+            <a:r>
+              <a:rPr lang="en-US" dirty="0"/>
+              <a:t>Grade vs Lecture Attendance (%)</a:t>
+            </a:r>
+          </a:p>
+          <a:p>
+            <a:pPr marL="0" indent="0">
+              <a:buNone/>
+            </a:pPr>
+            <a:endParaRPr lang="en-US" dirty="0"/>
+          </a:p>
+          <a:p>
+            <a:r>
+              <a:rPr lang="en-US" dirty="0"/>
+              <a:t>Linear Regression</a:t>
+            </a:r>
+          </a:p>
+          <a:p>
+            <a:pPr lvl="1"/>
+            <a:r>
+              <a:rPr lang="en-US" dirty="0"/>
+              <a:t>Grade vs Attendance</a:t>
+            </a:r>
+          </a:p>
+        </p:txBody>
+      </p:sp>
     </p:spTree>
     <p:extLst>
       <p:ext uri="{BB962C8B-B14F-4D97-AF65-F5344CB8AC3E}">
-        <p14:creationId xmlns:p14="http://schemas.microsoft.com/office/powerpoint/2010/main" val="497607547"/>
+        <p14:creationId xmlns:p14="http://schemas.microsoft.com/office/powerpoint/2010/main" val="255211022"/>
       </p:ext>
     </p:extLst>
   </p:cSld>

--- a/scripts/CAP512.pptx
+++ b/scripts/CAP512.pptx
@@ -5,10 +5,10 @@
     <p:sldMasterId id="2147483672" r:id="rId1"/>
   </p:sldMasterIdLst>
   <p:notesMasterIdLst>
-    <p:notesMasterId r:id="rId22"/>
+    <p:notesMasterId r:id="rId24"/>
   </p:notesMasterIdLst>
   <p:handoutMasterIdLst>
-    <p:handoutMasterId r:id="rId23"/>
+    <p:handoutMasterId r:id="rId25"/>
   </p:handoutMasterIdLst>
   <p:sldIdLst>
     <p:sldId id="256" r:id="rId2"/>
@@ -18,19 +18,21 @@
     <p:sldId id="267" r:id="rId6"/>
     <p:sldId id="265" r:id="rId7"/>
     <p:sldId id="266" r:id="rId8"/>
-    <p:sldId id="261" r:id="rId9"/>
-    <p:sldId id="269" r:id="rId10"/>
+    <p:sldId id="292" r:id="rId9"/>
+    <p:sldId id="287" r:id="rId10"/>
     <p:sldId id="258" r:id="rId11"/>
     <p:sldId id="271" r:id="rId12"/>
-    <p:sldId id="272" r:id="rId13"/>
-    <p:sldId id="273" r:id="rId14"/>
-    <p:sldId id="275" r:id="rId15"/>
-    <p:sldId id="276" r:id="rId16"/>
-    <p:sldId id="277" r:id="rId17"/>
-    <p:sldId id="278" r:id="rId18"/>
-    <p:sldId id="259" r:id="rId19"/>
-    <p:sldId id="270" r:id="rId20"/>
-    <p:sldId id="260" r:id="rId21"/>
+    <p:sldId id="289" r:id="rId13"/>
+    <p:sldId id="272" r:id="rId14"/>
+    <p:sldId id="273" r:id="rId15"/>
+    <p:sldId id="285" r:id="rId16"/>
+    <p:sldId id="281" r:id="rId17"/>
+    <p:sldId id="286" r:id="rId18"/>
+    <p:sldId id="282" r:id="rId19"/>
+    <p:sldId id="283" r:id="rId20"/>
+    <p:sldId id="291" r:id="rId21"/>
+    <p:sldId id="270" r:id="rId22"/>
+    <p:sldId id="260" r:id="rId23"/>
   </p:sldIdLst>
   <p:sldSz cx="12192000" cy="6858000"/>
   <p:notesSz cx="6858000" cy="9144000"/>
@@ -261,755 +263,6 @@
 </file>
 
 <file path=ppt/diagrams/colors1.xml><?xml version="1.0" encoding="utf-8"?>
-<dgm:colorsDef xmlns:dgm="http://schemas.openxmlformats.org/drawingml/2006/diagram" xmlns:a="http://schemas.openxmlformats.org/drawingml/2006/main" uniqueId="urn:microsoft.com/office/officeart/2018/5/colors/Iconchunking_neutralbg_accent2_2">
-  <dgm:title val=""/>
-  <dgm:desc val=""/>
-  <dgm:catLst>
-    <dgm:cat type="accent2" pri="11200"/>
-  </dgm:catLst>
-  <dgm:styleLbl name="node0">
-    <dgm:fillClrLst meth="repeat">
-      <a:schemeClr val="accent2"/>
-    </dgm:fillClrLst>
-    <dgm:linClrLst meth="repeat">
-      <a:schemeClr val="lt1"/>
-    </dgm:linClrLst>
-    <dgm:effectClrLst/>
-    <dgm:txLinClrLst/>
-    <dgm:txFillClrLst/>
-    <dgm:txEffectClrLst/>
-  </dgm:styleLbl>
-  <dgm:styleLbl name="node1">
-    <dgm:fillClrLst meth="repeat">
-      <a:schemeClr val="accent2"/>
-    </dgm:fillClrLst>
-    <dgm:linClrLst meth="repeat">
-      <a:schemeClr val="lt1">
-        <a:alpha val="0"/>
-      </a:schemeClr>
-    </dgm:linClrLst>
-    <dgm:effectClrLst/>
-    <dgm:txLinClrLst/>
-    <dgm:txFillClrLst/>
-    <dgm:txEffectClrLst/>
-  </dgm:styleLbl>
-  <dgm:styleLbl name="alignNode1">
-    <dgm:fillClrLst meth="repeat">
-      <a:schemeClr val="accent2"/>
-    </dgm:fillClrLst>
-    <dgm:linClrLst meth="repeat">
-      <a:schemeClr val="accent2"/>
-    </dgm:linClrLst>
-    <dgm:effectClrLst/>
-    <dgm:txLinClrLst/>
-    <dgm:txFillClrLst/>
-    <dgm:txEffectClrLst/>
-  </dgm:styleLbl>
-  <dgm:styleLbl name="lnNode1">
-    <dgm:fillClrLst meth="repeat">
-      <a:schemeClr val="accent2"/>
-    </dgm:fillClrLst>
-    <dgm:linClrLst meth="repeat">
-      <a:schemeClr val="lt1"/>
-    </dgm:linClrLst>
-    <dgm:effectClrLst/>
-    <dgm:txLinClrLst/>
-    <dgm:txFillClrLst/>
-    <dgm:txEffectClrLst/>
-  </dgm:styleLbl>
-  <dgm:styleLbl name="vennNode1">
-    <dgm:fillClrLst meth="repeat">
-      <a:schemeClr val="accent2">
-        <a:alpha val="50000"/>
-      </a:schemeClr>
-    </dgm:fillClrLst>
-    <dgm:linClrLst meth="repeat">
-      <a:schemeClr val="lt1"/>
-    </dgm:linClrLst>
-    <dgm:effectClrLst/>
-    <dgm:txLinClrLst/>
-    <dgm:txFillClrLst/>
-    <dgm:txEffectClrLst/>
-  </dgm:styleLbl>
-  <dgm:styleLbl name="node2">
-    <dgm:fillClrLst meth="repeat">
-      <a:schemeClr val="accent2"/>
-    </dgm:fillClrLst>
-    <dgm:linClrLst meth="repeat">
-      <a:schemeClr val="lt1"/>
-    </dgm:linClrLst>
-    <dgm:effectClrLst/>
-    <dgm:txLinClrLst/>
-    <dgm:txFillClrLst/>
-    <dgm:txEffectClrLst/>
-  </dgm:styleLbl>
-  <dgm:styleLbl name="node3">
-    <dgm:fillClrLst meth="repeat">
-      <a:schemeClr val="accent2"/>
-    </dgm:fillClrLst>
-    <dgm:linClrLst meth="repeat">
-      <a:schemeClr val="lt1"/>
-    </dgm:linClrLst>
-    <dgm:effectClrLst/>
-    <dgm:txLinClrLst/>
-    <dgm:txFillClrLst/>
-    <dgm:txEffectClrLst/>
-  </dgm:styleLbl>
-  <dgm:styleLbl name="node4">
-    <dgm:fillClrLst meth="repeat">
-      <a:schemeClr val="accent2"/>
-    </dgm:fillClrLst>
-    <dgm:linClrLst meth="repeat">
-      <a:schemeClr val="lt1"/>
-    </dgm:linClrLst>
-    <dgm:effectClrLst/>
-    <dgm:txLinClrLst/>
-    <dgm:txFillClrLst/>
-    <dgm:txEffectClrLst/>
-  </dgm:styleLbl>
-  <dgm:styleLbl name="fgImgPlace1">
-    <dgm:fillClrLst meth="repeat">
-      <a:schemeClr val="accent2">
-        <a:tint val="50000"/>
-      </a:schemeClr>
-    </dgm:fillClrLst>
-    <dgm:linClrLst meth="repeat">
-      <a:schemeClr val="lt1"/>
-    </dgm:linClrLst>
-    <dgm:effectClrLst/>
-    <dgm:txLinClrLst/>
-    <dgm:txFillClrLst meth="repeat">
-      <a:schemeClr val="lt1"/>
-    </dgm:txFillClrLst>
-    <dgm:txEffectClrLst/>
-  </dgm:styleLbl>
-  <dgm:styleLbl name="alignImgPlace1">
-    <dgm:fillClrLst meth="repeat">
-      <a:schemeClr val="accent2">
-        <a:tint val="50000"/>
-      </a:schemeClr>
-    </dgm:fillClrLst>
-    <dgm:linClrLst meth="repeat">
-      <a:schemeClr val="lt1"/>
-    </dgm:linClrLst>
-    <dgm:effectClrLst/>
-    <dgm:txLinClrLst/>
-    <dgm:txFillClrLst meth="repeat">
-      <a:schemeClr val="lt1"/>
-    </dgm:txFillClrLst>
-    <dgm:txEffectClrLst/>
-  </dgm:styleLbl>
-  <dgm:styleLbl name="bgImgPlace1">
-    <dgm:fillClrLst meth="repeat">
-      <a:schemeClr val="accent2">
-        <a:tint val="50000"/>
-      </a:schemeClr>
-    </dgm:fillClrLst>
-    <dgm:linClrLst meth="repeat">
-      <a:schemeClr val="lt1"/>
-    </dgm:linClrLst>
-    <dgm:effectClrLst/>
-    <dgm:txLinClrLst/>
-    <dgm:txFillClrLst meth="repeat">
-      <a:schemeClr val="lt1"/>
-    </dgm:txFillClrLst>
-    <dgm:txEffectClrLst/>
-  </dgm:styleLbl>
-  <dgm:styleLbl name="sibTrans2D1">
-    <dgm:fillClrLst meth="repeat">
-      <a:schemeClr val="accent2">
-        <a:tint val="60000"/>
-      </a:schemeClr>
-    </dgm:fillClrLst>
-    <dgm:linClrLst meth="repeat">
-      <a:schemeClr val="accent2">
-        <a:tint val="60000"/>
-      </a:schemeClr>
-    </dgm:linClrLst>
-    <dgm:effectClrLst/>
-    <dgm:txLinClrLst/>
-    <dgm:txFillClrLst/>
-    <dgm:txEffectClrLst/>
-  </dgm:styleLbl>
-  <dgm:styleLbl name="fgSibTrans2D1">
-    <dgm:fillClrLst meth="repeat">
-      <a:schemeClr val="accent2">
-        <a:tint val="60000"/>
-      </a:schemeClr>
-    </dgm:fillClrLst>
-    <dgm:linClrLst meth="repeat">
-      <a:schemeClr val="accent2">
-        <a:tint val="60000"/>
-      </a:schemeClr>
-    </dgm:linClrLst>
-    <dgm:effectClrLst/>
-    <dgm:txLinClrLst/>
-    <dgm:txFillClrLst/>
-    <dgm:txEffectClrLst/>
-  </dgm:styleLbl>
-  <dgm:styleLbl name="bgSibTrans2D1">
-    <dgm:fillClrLst meth="repeat">
-      <a:schemeClr val="accent2">
-        <a:tint val="60000"/>
-      </a:schemeClr>
-    </dgm:fillClrLst>
-    <dgm:linClrLst meth="repeat">
-      <a:schemeClr val="accent2">
-        <a:tint val="60000"/>
-      </a:schemeClr>
-    </dgm:linClrLst>
-    <dgm:effectClrLst/>
-    <dgm:txLinClrLst/>
-    <dgm:txFillClrLst/>
-    <dgm:txEffectClrLst/>
-  </dgm:styleLbl>
-  <dgm:styleLbl name="sibTrans1D1">
-    <dgm:fillClrLst meth="repeat">
-      <a:schemeClr val="accent2"/>
-    </dgm:fillClrLst>
-    <dgm:linClrLst meth="repeat">
-      <a:schemeClr val="accent2"/>
-    </dgm:linClrLst>
-    <dgm:effectClrLst/>
-    <dgm:txLinClrLst/>
-    <dgm:txFillClrLst meth="repeat">
-      <a:schemeClr val="tx1"/>
-    </dgm:txFillClrLst>
-    <dgm:txEffectClrLst/>
-  </dgm:styleLbl>
-  <dgm:styleLbl name="callout">
-    <dgm:fillClrLst meth="repeat">
-      <a:schemeClr val="accent2"/>
-    </dgm:fillClrLst>
-    <dgm:linClrLst meth="repeat">
-      <a:schemeClr val="accent2">
-        <a:tint val="50000"/>
-      </a:schemeClr>
-    </dgm:linClrLst>
-    <dgm:effectClrLst/>
-    <dgm:txLinClrLst/>
-    <dgm:txFillClrLst meth="repeat">
-      <a:schemeClr val="tx1"/>
-    </dgm:txFillClrLst>
-    <dgm:txEffectClrLst/>
-  </dgm:styleLbl>
-  <dgm:styleLbl name="asst0">
-    <dgm:fillClrLst meth="repeat">
-      <a:schemeClr val="accent2"/>
-    </dgm:fillClrLst>
-    <dgm:linClrLst meth="repeat">
-      <a:schemeClr val="lt1"/>
-    </dgm:linClrLst>
-    <dgm:effectClrLst/>
-    <dgm:txLinClrLst/>
-    <dgm:txFillClrLst/>
-    <dgm:txEffectClrLst/>
-  </dgm:styleLbl>
-  <dgm:styleLbl name="asst1">
-    <dgm:fillClrLst meth="repeat">
-      <a:schemeClr val="accent2"/>
-    </dgm:fillClrLst>
-    <dgm:linClrLst meth="repeat">
-      <a:schemeClr val="lt1"/>
-    </dgm:linClrLst>
-    <dgm:effectClrLst/>
-    <dgm:txLinClrLst/>
-    <dgm:txFillClrLst/>
-    <dgm:txEffectClrLst/>
-  </dgm:styleLbl>
-  <dgm:styleLbl name="asst2">
-    <dgm:fillClrLst meth="repeat">
-      <a:schemeClr val="accent2"/>
-    </dgm:fillClrLst>
-    <dgm:linClrLst meth="repeat">
-      <a:schemeClr val="lt1"/>
-    </dgm:linClrLst>
-    <dgm:effectClrLst/>
-    <dgm:txLinClrLst/>
-    <dgm:txFillClrLst/>
-    <dgm:txEffectClrLst/>
-  </dgm:styleLbl>
-  <dgm:styleLbl name="asst3">
-    <dgm:fillClrLst meth="repeat">
-      <a:schemeClr val="accent2"/>
-    </dgm:fillClrLst>
-    <dgm:linClrLst meth="repeat">
-      <a:schemeClr val="lt1"/>
-    </dgm:linClrLst>
-    <dgm:effectClrLst/>
-    <dgm:txLinClrLst/>
-    <dgm:txFillClrLst/>
-    <dgm:txEffectClrLst/>
-  </dgm:styleLbl>
-  <dgm:styleLbl name="asst4">
-    <dgm:fillClrLst meth="repeat">
-      <a:schemeClr val="accent2"/>
-    </dgm:fillClrLst>
-    <dgm:linClrLst meth="repeat">
-      <a:schemeClr val="lt1"/>
-    </dgm:linClrLst>
-    <dgm:effectClrLst/>
-    <dgm:txLinClrLst/>
-    <dgm:txFillClrLst/>
-    <dgm:txEffectClrLst/>
-  </dgm:styleLbl>
-  <dgm:styleLbl name="parChTrans2D1">
-    <dgm:fillClrLst meth="repeat">
-      <a:schemeClr val="accent2">
-        <a:tint val="60000"/>
-      </a:schemeClr>
-    </dgm:fillClrLst>
-    <dgm:linClrLst meth="repeat">
-      <a:schemeClr val="accent2">
-        <a:tint val="60000"/>
-      </a:schemeClr>
-    </dgm:linClrLst>
-    <dgm:effectClrLst/>
-    <dgm:txLinClrLst/>
-    <dgm:txFillClrLst meth="repeat">
-      <a:schemeClr val="lt1"/>
-    </dgm:txFillClrLst>
-    <dgm:txEffectClrLst/>
-  </dgm:styleLbl>
-  <dgm:styleLbl name="parChTrans2D2">
-    <dgm:fillClrLst meth="repeat">
-      <a:schemeClr val="accent2"/>
-    </dgm:fillClrLst>
-    <dgm:linClrLst meth="repeat">
-      <a:schemeClr val="accent2"/>
-    </dgm:linClrLst>
-    <dgm:effectClrLst/>
-    <dgm:txLinClrLst/>
-    <dgm:txFillClrLst meth="repeat">
-      <a:schemeClr val="lt1"/>
-    </dgm:txFillClrLst>
-    <dgm:txEffectClrLst/>
-  </dgm:styleLbl>
-  <dgm:styleLbl name="parChTrans2D3">
-    <dgm:fillClrLst meth="repeat">
-      <a:schemeClr val="accent2"/>
-    </dgm:fillClrLst>
-    <dgm:linClrLst meth="repeat">
-      <a:schemeClr val="accent2"/>
-    </dgm:linClrLst>
-    <dgm:effectClrLst/>
-    <dgm:txLinClrLst/>
-    <dgm:txFillClrLst meth="repeat">
-      <a:schemeClr val="lt1"/>
-    </dgm:txFillClrLst>
-    <dgm:txEffectClrLst/>
-  </dgm:styleLbl>
-  <dgm:styleLbl name="parChTrans2D4">
-    <dgm:fillClrLst meth="repeat">
-      <a:schemeClr val="accent2"/>
-    </dgm:fillClrLst>
-    <dgm:linClrLst meth="repeat">
-      <a:schemeClr val="accent2"/>
-    </dgm:linClrLst>
-    <dgm:effectClrLst/>
-    <dgm:txLinClrLst/>
-    <dgm:txFillClrLst meth="repeat">
-      <a:schemeClr val="lt1"/>
-    </dgm:txFillClrLst>
-    <dgm:txEffectClrLst/>
-  </dgm:styleLbl>
-  <dgm:styleLbl name="parChTrans1D1">
-    <dgm:fillClrLst meth="repeat">
-      <a:schemeClr val="accent2"/>
-    </dgm:fillClrLst>
-    <dgm:linClrLst meth="repeat">
-      <a:schemeClr val="accent2">
-        <a:shade val="60000"/>
-      </a:schemeClr>
-    </dgm:linClrLst>
-    <dgm:effectClrLst/>
-    <dgm:txLinClrLst/>
-    <dgm:txFillClrLst meth="repeat">
-      <a:schemeClr val="tx1"/>
-    </dgm:txFillClrLst>
-    <dgm:txEffectClrLst/>
-  </dgm:styleLbl>
-  <dgm:styleLbl name="parChTrans1D2">
-    <dgm:fillClrLst meth="repeat">
-      <a:schemeClr val="accent2"/>
-    </dgm:fillClrLst>
-    <dgm:linClrLst meth="repeat">
-      <a:schemeClr val="accent2">
-        <a:shade val="60000"/>
-      </a:schemeClr>
-    </dgm:linClrLst>
-    <dgm:effectClrLst/>
-    <dgm:txLinClrLst/>
-    <dgm:txFillClrLst meth="repeat">
-      <a:schemeClr val="tx1"/>
-    </dgm:txFillClrLst>
-    <dgm:txEffectClrLst/>
-  </dgm:styleLbl>
-  <dgm:styleLbl name="parChTrans1D3">
-    <dgm:fillClrLst meth="repeat">
-      <a:schemeClr val="accent2"/>
-    </dgm:fillClrLst>
-    <dgm:linClrLst meth="repeat">
-      <a:schemeClr val="accent2">
-        <a:shade val="80000"/>
-      </a:schemeClr>
-    </dgm:linClrLst>
-    <dgm:effectClrLst/>
-    <dgm:txLinClrLst/>
-    <dgm:txFillClrLst meth="repeat">
-      <a:schemeClr val="tx1"/>
-    </dgm:txFillClrLst>
-    <dgm:txEffectClrLst/>
-  </dgm:styleLbl>
-  <dgm:styleLbl name="parChTrans1D4">
-    <dgm:fillClrLst meth="repeat">
-      <a:schemeClr val="accent2"/>
-    </dgm:fillClrLst>
-    <dgm:linClrLst meth="repeat">
-      <a:schemeClr val="accent2">
-        <a:shade val="80000"/>
-      </a:schemeClr>
-    </dgm:linClrLst>
-    <dgm:effectClrLst/>
-    <dgm:txLinClrLst/>
-    <dgm:txFillClrLst meth="repeat">
-      <a:schemeClr val="tx1"/>
-    </dgm:txFillClrLst>
-    <dgm:txEffectClrLst/>
-  </dgm:styleLbl>
-  <dgm:styleLbl name="fgAcc1">
-    <dgm:fillClrLst meth="repeat">
-      <a:schemeClr val="lt1">
-        <a:alpha val="90000"/>
-      </a:schemeClr>
-    </dgm:fillClrLst>
-    <dgm:linClrLst meth="repeat">
-      <a:schemeClr val="accent2"/>
-    </dgm:linClrLst>
-    <dgm:effectClrLst/>
-    <dgm:txLinClrLst/>
-    <dgm:txFillClrLst meth="repeat">
-      <a:schemeClr val="dk1"/>
-    </dgm:txFillClrLst>
-    <dgm:txEffectClrLst/>
-  </dgm:styleLbl>
-  <dgm:styleLbl name="conFgAcc1">
-    <dgm:fillClrLst meth="repeat">
-      <a:schemeClr val="lt1">
-        <a:alpha val="90000"/>
-      </a:schemeClr>
-    </dgm:fillClrLst>
-    <dgm:linClrLst meth="repeat">
-      <a:schemeClr val="accent2"/>
-    </dgm:linClrLst>
-    <dgm:effectClrLst/>
-    <dgm:txLinClrLst/>
-    <dgm:txFillClrLst meth="repeat">
-      <a:schemeClr val="dk1"/>
-    </dgm:txFillClrLst>
-    <dgm:txEffectClrLst/>
-  </dgm:styleLbl>
-  <dgm:styleLbl name="alignAcc1">
-    <dgm:fillClrLst meth="repeat">
-      <a:schemeClr val="lt1">
-        <a:alpha val="90000"/>
-      </a:schemeClr>
-    </dgm:fillClrLst>
-    <dgm:linClrLst meth="repeat">
-      <a:schemeClr val="accent2"/>
-    </dgm:linClrLst>
-    <dgm:effectClrLst/>
-    <dgm:txLinClrLst/>
-    <dgm:txFillClrLst meth="repeat">
-      <a:schemeClr val="dk1"/>
-    </dgm:txFillClrLst>
-    <dgm:txEffectClrLst/>
-  </dgm:styleLbl>
-  <dgm:styleLbl name="trAlignAcc1">
-    <dgm:fillClrLst meth="repeat">
-      <a:schemeClr val="lt1">
-        <a:alpha val="40000"/>
-      </a:schemeClr>
-    </dgm:fillClrLst>
-    <dgm:linClrLst meth="repeat">
-      <a:schemeClr val="accent2"/>
-    </dgm:linClrLst>
-    <dgm:effectClrLst/>
-    <dgm:txLinClrLst/>
-    <dgm:txFillClrLst meth="repeat">
-      <a:schemeClr val="dk1"/>
-    </dgm:txFillClrLst>
-    <dgm:txEffectClrLst/>
-  </dgm:styleLbl>
-  <dgm:styleLbl name="bgAcc1">
-    <dgm:fillClrLst meth="repeat">
-      <a:schemeClr val="lt1">
-        <a:alpha val="90000"/>
-      </a:schemeClr>
-    </dgm:fillClrLst>
-    <dgm:linClrLst meth="repeat">
-      <a:schemeClr val="accent2"/>
-    </dgm:linClrLst>
-    <dgm:effectClrLst/>
-    <dgm:txLinClrLst/>
-    <dgm:txFillClrLst meth="repeat">
-      <a:schemeClr val="dk1"/>
-    </dgm:txFillClrLst>
-    <dgm:txEffectClrLst/>
-  </dgm:styleLbl>
-  <dgm:styleLbl name="solidFgAcc1">
-    <dgm:fillClrLst meth="repeat">
-      <a:schemeClr val="lt1"/>
-    </dgm:fillClrLst>
-    <dgm:linClrLst meth="repeat">
-      <a:schemeClr val="accent2"/>
-    </dgm:linClrLst>
-    <dgm:effectClrLst/>
-    <dgm:txLinClrLst/>
-    <dgm:txFillClrLst meth="repeat">
-      <a:schemeClr val="dk1"/>
-    </dgm:txFillClrLst>
-    <dgm:txEffectClrLst/>
-  </dgm:styleLbl>
-  <dgm:styleLbl name="solidAlignAcc1">
-    <dgm:fillClrLst meth="repeat">
-      <a:schemeClr val="lt1"/>
-    </dgm:fillClrLst>
-    <dgm:linClrLst meth="repeat">
-      <a:schemeClr val="accent2"/>
-    </dgm:linClrLst>
-    <dgm:effectClrLst/>
-    <dgm:txLinClrLst/>
-    <dgm:txFillClrLst meth="repeat">
-      <a:schemeClr val="dk1"/>
-    </dgm:txFillClrLst>
-    <dgm:txEffectClrLst/>
-  </dgm:styleLbl>
-  <dgm:styleLbl name="solidBgAcc1">
-    <dgm:fillClrLst meth="repeat">
-      <a:schemeClr val="lt1"/>
-    </dgm:fillClrLst>
-    <dgm:linClrLst meth="repeat">
-      <a:schemeClr val="accent2"/>
-    </dgm:linClrLst>
-    <dgm:effectClrLst/>
-    <dgm:txLinClrLst/>
-    <dgm:txFillClrLst meth="repeat">
-      <a:schemeClr val="dk1"/>
-    </dgm:txFillClrLst>
-    <dgm:txEffectClrLst/>
-  </dgm:styleLbl>
-  <dgm:styleLbl name="fgAccFollowNode1">
-    <dgm:fillClrLst meth="repeat">
-      <a:schemeClr val="accent2">
-        <a:alpha val="90000"/>
-        <a:tint val="40000"/>
-      </a:schemeClr>
-    </dgm:fillClrLst>
-    <dgm:linClrLst meth="repeat">
-      <a:schemeClr val="accent2">
-        <a:alpha val="90000"/>
-        <a:tint val="40000"/>
-      </a:schemeClr>
-    </dgm:linClrLst>
-    <dgm:effectClrLst/>
-    <dgm:txLinClrLst/>
-    <dgm:txFillClrLst meth="repeat">
-      <a:schemeClr val="dk1"/>
-    </dgm:txFillClrLst>
-    <dgm:txEffectClrLst/>
-  </dgm:styleLbl>
-  <dgm:styleLbl name="alignAccFollowNode1">
-    <dgm:fillClrLst meth="repeat">
-      <a:schemeClr val="accent2">
-        <a:alpha val="90000"/>
-        <a:tint val="40000"/>
-      </a:schemeClr>
-    </dgm:fillClrLst>
-    <dgm:linClrLst meth="repeat">
-      <a:schemeClr val="accent2">
-        <a:alpha val="90000"/>
-        <a:tint val="40000"/>
-      </a:schemeClr>
-    </dgm:linClrLst>
-    <dgm:effectClrLst/>
-    <dgm:txLinClrLst/>
-    <dgm:txFillClrLst meth="repeat">
-      <a:schemeClr val="dk1"/>
-    </dgm:txFillClrLst>
-    <dgm:txEffectClrLst/>
-  </dgm:styleLbl>
-  <dgm:styleLbl name="bgAccFollowNode1">
-    <dgm:fillClrLst meth="repeat">
-      <a:schemeClr val="accent2">
-        <a:alpha val="90000"/>
-        <a:tint val="40000"/>
-      </a:schemeClr>
-    </dgm:fillClrLst>
-    <dgm:linClrLst meth="repeat">
-      <a:schemeClr val="accent2">
-        <a:alpha val="90000"/>
-        <a:tint val="40000"/>
-      </a:schemeClr>
-    </dgm:linClrLst>
-    <dgm:effectClrLst/>
-    <dgm:txLinClrLst/>
-    <dgm:txFillClrLst meth="repeat">
-      <a:schemeClr val="dk1"/>
-    </dgm:txFillClrLst>
-    <dgm:txEffectClrLst/>
-  </dgm:styleLbl>
-  <dgm:styleLbl name="fgAcc0">
-    <dgm:fillClrLst meth="repeat">
-      <a:schemeClr val="lt1">
-        <a:alpha val="90000"/>
-      </a:schemeClr>
-    </dgm:fillClrLst>
-    <dgm:linClrLst meth="repeat">
-      <a:schemeClr val="accent2"/>
-    </dgm:linClrLst>
-    <dgm:effectClrLst/>
-    <dgm:txLinClrLst/>
-    <dgm:txFillClrLst meth="repeat">
-      <a:schemeClr val="dk1"/>
-    </dgm:txFillClrLst>
-    <dgm:txEffectClrLst/>
-  </dgm:styleLbl>
-  <dgm:styleLbl name="fgAcc2">
-    <dgm:fillClrLst meth="repeat">
-      <a:schemeClr val="lt1">
-        <a:alpha val="90000"/>
-      </a:schemeClr>
-    </dgm:fillClrLst>
-    <dgm:linClrLst meth="repeat">
-      <a:schemeClr val="accent2"/>
-    </dgm:linClrLst>
-    <dgm:effectClrLst/>
-    <dgm:txLinClrLst/>
-    <dgm:txFillClrLst meth="repeat">
-      <a:schemeClr val="dk1"/>
-    </dgm:txFillClrLst>
-    <dgm:txEffectClrLst/>
-  </dgm:styleLbl>
-  <dgm:styleLbl name="fgAcc3">
-    <dgm:fillClrLst meth="repeat">
-      <a:schemeClr val="lt1">
-        <a:alpha val="90000"/>
-      </a:schemeClr>
-    </dgm:fillClrLst>
-    <dgm:linClrLst meth="repeat">
-      <a:schemeClr val="accent2"/>
-    </dgm:linClrLst>
-    <dgm:effectClrLst/>
-    <dgm:txLinClrLst/>
-    <dgm:txFillClrLst meth="repeat">
-      <a:schemeClr val="dk1"/>
-    </dgm:txFillClrLst>
-    <dgm:txEffectClrLst/>
-  </dgm:styleLbl>
-  <dgm:styleLbl name="fgAcc4">
-    <dgm:fillClrLst meth="repeat">
-      <a:schemeClr val="lt1">
-        <a:alpha val="90000"/>
-      </a:schemeClr>
-    </dgm:fillClrLst>
-    <dgm:linClrLst meth="repeat">
-      <a:schemeClr val="accent2"/>
-    </dgm:linClrLst>
-    <dgm:effectClrLst/>
-    <dgm:txLinClrLst/>
-    <dgm:txFillClrLst meth="repeat">
-      <a:schemeClr val="dk1"/>
-    </dgm:txFillClrLst>
-    <dgm:txEffectClrLst/>
-  </dgm:styleLbl>
-  <dgm:styleLbl name="bgShp">
-    <dgm:fillClrLst meth="repeat">
-      <a:schemeClr val="bg1">
-        <a:lumMod val="95000"/>
-      </a:schemeClr>
-    </dgm:fillClrLst>
-    <dgm:linClrLst meth="repeat">
-      <a:schemeClr val="accent2"/>
-    </dgm:linClrLst>
-    <dgm:effectClrLst/>
-    <dgm:txLinClrLst/>
-    <dgm:txFillClrLst meth="repeat">
-      <a:schemeClr val="dk1"/>
-    </dgm:txFillClrLst>
-    <dgm:txEffectClrLst/>
-  </dgm:styleLbl>
-  <dgm:styleLbl name="dkBgShp">
-    <dgm:fillClrLst meth="repeat">
-      <a:schemeClr val="accent2">
-        <a:shade val="80000"/>
-      </a:schemeClr>
-    </dgm:fillClrLst>
-    <dgm:linClrLst meth="repeat">
-      <a:schemeClr val="accent2"/>
-    </dgm:linClrLst>
-    <dgm:effectClrLst/>
-    <dgm:txLinClrLst/>
-    <dgm:txFillClrLst meth="repeat">
-      <a:schemeClr val="lt1"/>
-    </dgm:txFillClrLst>
-    <dgm:txEffectClrLst/>
-  </dgm:styleLbl>
-  <dgm:styleLbl name="trBgShp">
-    <dgm:fillClrLst meth="repeat">
-      <a:schemeClr val="accent2">
-        <a:tint val="50000"/>
-        <a:alpha val="40000"/>
-      </a:schemeClr>
-    </dgm:fillClrLst>
-    <dgm:linClrLst meth="repeat">
-      <a:schemeClr val="accent2"/>
-    </dgm:linClrLst>
-    <dgm:effectClrLst/>
-    <dgm:txLinClrLst/>
-    <dgm:txFillClrLst meth="repeat">
-      <a:schemeClr val="lt1"/>
-    </dgm:txFillClrLst>
-    <dgm:txEffectClrLst/>
-  </dgm:styleLbl>
-  <dgm:styleLbl name="fgShp">
-    <dgm:fillClrLst meth="repeat">
-      <a:schemeClr val="accent2">
-        <a:tint val="60000"/>
-      </a:schemeClr>
-    </dgm:fillClrLst>
-    <dgm:linClrLst meth="repeat">
-      <a:schemeClr val="lt1"/>
-    </dgm:linClrLst>
-    <dgm:effectClrLst/>
-    <dgm:txLinClrLst/>
-    <dgm:txFillClrLst meth="repeat">
-      <a:schemeClr val="dk1"/>
-    </dgm:txFillClrLst>
-    <dgm:txEffectClrLst/>
-  </dgm:styleLbl>
-  <dgm:styleLbl name="revTx">
-    <dgm:fillClrLst meth="repeat">
-      <a:schemeClr val="lt1">
-        <a:alpha val="0"/>
-      </a:schemeClr>
-    </dgm:fillClrLst>
-    <dgm:linClrLst meth="repeat">
-      <a:schemeClr val="dk1">
-        <a:alpha val="0"/>
-      </a:schemeClr>
-    </dgm:linClrLst>
-    <dgm:effectClrLst/>
-    <dgm:txLinClrLst/>
-    <dgm:txFillClrLst meth="repeat">
-      <a:schemeClr val="tx1"/>
-    </dgm:txFillClrLst>
-    <dgm:txEffectClrLst/>
-  </dgm:styleLbl>
-</dgm:colorsDef>
-</file>
-
-<file path=ppt/diagrams/colors2.xml><?xml version="1.0" encoding="utf-8"?>
 <dgm:colorsDef xmlns:dgm="http://schemas.openxmlformats.org/drawingml/2006/diagram" xmlns:a="http://schemas.openxmlformats.org/drawingml/2006/main" uniqueId="urn:microsoft.com/office/officeart/2005/8/colors/accent2_2">
   <dgm:title val=""/>
   <dgm:desc val=""/>
@@ -1759,313 +1012,6 @@
 <file path=ppt/diagrams/data1.xml><?xml version="1.0" encoding="utf-8"?>
 <dgm:dataModel xmlns:dgm="http://schemas.openxmlformats.org/drawingml/2006/diagram" xmlns:a="http://schemas.openxmlformats.org/drawingml/2006/main">
   <dgm:ptLst>
-    <dgm:pt modelId="{7D9C16A6-8C48-4165-8DAF-8C957C12A8FA}" type="doc">
-      <dgm:prSet loTypeId="urn:microsoft.com/office/officeart/2018/2/layout/IconLabelList" loCatId="icon" qsTypeId="urn:microsoft.com/office/officeart/2005/8/quickstyle/simple1" qsCatId="simple" csTypeId="urn:microsoft.com/office/officeart/2018/5/colors/Iconchunking_neutralbg_accent2_2" csCatId="accent2" phldr="1"/>
-      <dgm:spPr/>
-    </dgm:pt>
-    <dgm:pt modelId="{701D68F5-42F8-47BC-8FED-84C50F595DF0}">
-      <dgm:prSet phldrT="[Text]"/>
-      <dgm:spPr/>
-      <dgm:t>
-        <a:bodyPr/>
-        <a:lstStyle/>
-        <a:p>
-          <a:pPr>
-            <a:lnSpc>
-              <a:spcPct val="100000"/>
-            </a:lnSpc>
-          </a:pPr>
-          <a:r>
-            <a:rPr lang="en-ZA" dirty="0"/>
-            <a:t>Correlation</a:t>
-          </a:r>
-          <a:endParaRPr lang="en-US" dirty="0"/>
-        </a:p>
-      </dgm:t>
-    </dgm:pt>
-    <dgm:pt modelId="{9617668C-C38C-4017-8DDF-37855B15D110}" type="parTrans" cxnId="{C4BA385D-31ED-40EF-A5D6-98DFBA64E71A}">
-      <dgm:prSet/>
-      <dgm:spPr/>
-      <dgm:t>
-        <a:bodyPr/>
-        <a:lstStyle/>
-        <a:p>
-          <a:endParaRPr lang="en-US"/>
-        </a:p>
-      </dgm:t>
-    </dgm:pt>
-    <dgm:pt modelId="{0C95B389-AC0C-4055-9AA3-38815EFC8B0A}" type="sibTrans" cxnId="{C4BA385D-31ED-40EF-A5D6-98DFBA64E71A}">
-      <dgm:prSet/>
-      <dgm:spPr/>
-      <dgm:t>
-        <a:bodyPr/>
-        <a:lstStyle/>
-        <a:p>
-          <a:endParaRPr lang="en-US"/>
-        </a:p>
-      </dgm:t>
-    </dgm:pt>
-    <dgm:pt modelId="{91A66877-AC1C-46D9-BF2C-6024B638DEA9}">
-      <dgm:prSet phldrT="[Text]"/>
-      <dgm:spPr/>
-      <dgm:t>
-        <a:bodyPr/>
-        <a:lstStyle/>
-        <a:p>
-          <a:pPr>
-            <a:lnSpc>
-              <a:spcPct val="100000"/>
-            </a:lnSpc>
-          </a:pPr>
-          <a:r>
-            <a:rPr lang="en-US" dirty="0"/>
-            <a:t>Covariance</a:t>
-          </a:r>
-        </a:p>
-      </dgm:t>
-    </dgm:pt>
-    <dgm:pt modelId="{913FED05-DF41-48A7-B1F8-81937A468EF9}" type="parTrans" cxnId="{7F0DAB6F-9257-4F2D-B31A-3418F73F6952}">
-      <dgm:prSet/>
-      <dgm:spPr/>
-      <dgm:t>
-        <a:bodyPr/>
-        <a:lstStyle/>
-        <a:p>
-          <a:endParaRPr lang="en-US"/>
-        </a:p>
-      </dgm:t>
-    </dgm:pt>
-    <dgm:pt modelId="{BFCE4A28-C381-46FF-935A-B11534EF7D87}" type="sibTrans" cxnId="{7F0DAB6F-9257-4F2D-B31A-3418F73F6952}">
-      <dgm:prSet/>
-      <dgm:spPr/>
-      <dgm:t>
-        <a:bodyPr/>
-        <a:lstStyle/>
-        <a:p>
-          <a:endParaRPr lang="en-US"/>
-        </a:p>
-      </dgm:t>
-    </dgm:pt>
-    <dgm:pt modelId="{76CC3289-2662-43F0-A3C6-BA04A135F08C}">
-      <dgm:prSet phldrT="[Text]"/>
-      <dgm:spPr/>
-      <dgm:t>
-        <a:bodyPr/>
-        <a:lstStyle/>
-        <a:p>
-          <a:pPr>
-            <a:lnSpc>
-              <a:spcPct val="100000"/>
-            </a:lnSpc>
-          </a:pPr>
-          <a:r>
-            <a:rPr lang="en-US" dirty="0"/>
-            <a:t>Linear Regression</a:t>
-          </a:r>
-        </a:p>
-      </dgm:t>
-    </dgm:pt>
-    <dgm:pt modelId="{D46DB4DA-1442-4ECE-89FE-BBB1E3489E3D}" type="parTrans" cxnId="{0400886E-8A1A-44C2-95A7-DB0EF4911494}">
-      <dgm:prSet/>
-      <dgm:spPr/>
-      <dgm:t>
-        <a:bodyPr/>
-        <a:lstStyle/>
-        <a:p>
-          <a:endParaRPr lang="en-US"/>
-        </a:p>
-      </dgm:t>
-    </dgm:pt>
-    <dgm:pt modelId="{FA28C9D6-476E-43CD-BA23-D6D990FD78D0}" type="sibTrans" cxnId="{0400886E-8A1A-44C2-95A7-DB0EF4911494}">
-      <dgm:prSet/>
-      <dgm:spPr/>
-      <dgm:t>
-        <a:bodyPr/>
-        <a:lstStyle/>
-        <a:p>
-          <a:endParaRPr lang="en-US"/>
-        </a:p>
-      </dgm:t>
-    </dgm:pt>
-    <dgm:pt modelId="{8994D886-A75F-411A-A9D7-D31991FF12BD}" type="pres">
-      <dgm:prSet presAssocID="{7D9C16A6-8C48-4165-8DAF-8C957C12A8FA}" presName="root" presStyleCnt="0">
-        <dgm:presLayoutVars>
-          <dgm:dir/>
-          <dgm:resizeHandles val="exact"/>
-        </dgm:presLayoutVars>
-      </dgm:prSet>
-      <dgm:spPr/>
-    </dgm:pt>
-    <dgm:pt modelId="{E1DBA6D5-BD14-4CD2-A0CC-80F867FEFA81}" type="pres">
-      <dgm:prSet presAssocID="{701D68F5-42F8-47BC-8FED-84C50F595DF0}" presName="compNode" presStyleCnt="0"/>
-      <dgm:spPr/>
-    </dgm:pt>
-    <dgm:pt modelId="{19A8DC21-3E65-409D-AD53-DA51BB9198A0}" type="pres">
-      <dgm:prSet presAssocID="{701D68F5-42F8-47BC-8FED-84C50F595DF0}" presName="iconRect" presStyleLbl="node1" presStyleIdx="0" presStyleCnt="3" custScaleX="157625" custScaleY="157625"/>
-      <dgm:spPr>
-        <a:blipFill>
-          <a:blip xmlns:r="http://schemas.openxmlformats.org/officeDocument/2006/relationships" r:embed="rId1">
-            <a:extLst>
-              <a:ext uri="{96DAC541-7B7A-43D3-8B79-37D633B846F1}">
-                <asvg:svgBlip xmlns:asvg="http://schemas.microsoft.com/office/drawing/2016/SVG/main" r:embed="rId2"/>
-              </a:ext>
-            </a:extLst>
-          </a:blip>
-          <a:srcRect/>
-          <a:stretch>
-            <a:fillRect/>
-          </a:stretch>
-        </a:blipFill>
-      </dgm:spPr>
-      <dgm:extLst>
-        <a:ext uri="{E40237B7-FDA0-4F09-8148-C483321AD2D9}">
-          <dgm14:cNvPr xmlns:dgm14="http://schemas.microsoft.com/office/drawing/2010/diagram" id="0" name="" descr="Network"/>
-        </a:ext>
-      </dgm:extLst>
-    </dgm:pt>
-    <dgm:pt modelId="{B9F90A48-FF94-4C94-A587-0190406F6FD3}" type="pres">
-      <dgm:prSet presAssocID="{701D68F5-42F8-47BC-8FED-84C50F595DF0}" presName="spaceRect" presStyleCnt="0"/>
-      <dgm:spPr/>
-    </dgm:pt>
-    <dgm:pt modelId="{A99B5DD6-89E9-4537-B415-4205CEB9323A}" type="pres">
-      <dgm:prSet presAssocID="{701D68F5-42F8-47BC-8FED-84C50F595DF0}" presName="textRect" presStyleLbl="revTx" presStyleIdx="0" presStyleCnt="3">
-        <dgm:presLayoutVars>
-          <dgm:chMax val="1"/>
-          <dgm:chPref val="1"/>
-        </dgm:presLayoutVars>
-      </dgm:prSet>
-      <dgm:spPr/>
-    </dgm:pt>
-    <dgm:pt modelId="{8B391436-B9B0-45BD-A57F-792D6376D868}" type="pres">
-      <dgm:prSet presAssocID="{0C95B389-AC0C-4055-9AA3-38815EFC8B0A}" presName="sibTrans" presStyleCnt="0"/>
-      <dgm:spPr/>
-    </dgm:pt>
-    <dgm:pt modelId="{95872155-C45D-46D3-874C-D838089A06F8}" type="pres">
-      <dgm:prSet presAssocID="{91A66877-AC1C-46D9-BF2C-6024B638DEA9}" presName="compNode" presStyleCnt="0"/>
-      <dgm:spPr/>
-    </dgm:pt>
-    <dgm:pt modelId="{CE9DF0E8-B0DE-4E1E-9FF4-6006AD8428DB}" type="pres">
-      <dgm:prSet presAssocID="{91A66877-AC1C-46D9-BF2C-6024B638DEA9}" presName="iconRect" presStyleLbl="node1" presStyleIdx="1" presStyleCnt="3" custScaleX="157625" custScaleY="157625"/>
-      <dgm:spPr>
-        <a:blipFill>
-          <a:blip xmlns:r="http://schemas.openxmlformats.org/officeDocument/2006/relationships" r:embed="rId3">
-            <a:extLst>
-              <a:ext uri="{28A0092B-C50C-407E-A947-70E740481C1C}">
-                <a14:useLocalDpi xmlns:a14="http://schemas.microsoft.com/office/drawing/2010/main" val="0"/>
-              </a:ext>
-              <a:ext uri="{96DAC541-7B7A-43D3-8B79-37D633B846F1}">
-                <asvg:svgBlip xmlns:asvg="http://schemas.microsoft.com/office/drawing/2016/SVG/main" r:embed="rId4"/>
-              </a:ext>
-            </a:extLst>
-          </a:blip>
-          <a:stretch>
-            <a:fillRect/>
-          </a:stretch>
-        </a:blipFill>
-      </dgm:spPr>
-      <dgm:extLst>
-        <a:ext uri="{E40237B7-FDA0-4F09-8148-C483321AD2D9}">
-          <dgm14:cNvPr xmlns:dgm14="http://schemas.microsoft.com/office/drawing/2010/diagram" id="0" name="" descr="Satellite"/>
-        </a:ext>
-      </dgm:extLst>
-    </dgm:pt>
-    <dgm:pt modelId="{AA0423A1-55B2-45E9-BFE7-3FBE5BDA65ED}" type="pres">
-      <dgm:prSet presAssocID="{91A66877-AC1C-46D9-BF2C-6024B638DEA9}" presName="spaceRect" presStyleCnt="0"/>
-      <dgm:spPr/>
-    </dgm:pt>
-    <dgm:pt modelId="{55120873-6F5C-4053-8EAD-6287A7F1097E}" type="pres">
-      <dgm:prSet presAssocID="{91A66877-AC1C-46D9-BF2C-6024B638DEA9}" presName="textRect" presStyleLbl="revTx" presStyleIdx="1" presStyleCnt="3">
-        <dgm:presLayoutVars>
-          <dgm:chMax val="1"/>
-          <dgm:chPref val="1"/>
-        </dgm:presLayoutVars>
-      </dgm:prSet>
-      <dgm:spPr/>
-    </dgm:pt>
-    <dgm:pt modelId="{F679C986-30E4-4F0A-A3A6-CAE528BFED76}" type="pres">
-      <dgm:prSet presAssocID="{BFCE4A28-C381-46FF-935A-B11534EF7D87}" presName="sibTrans" presStyleCnt="0"/>
-      <dgm:spPr/>
-    </dgm:pt>
-    <dgm:pt modelId="{2EC2FDE3-8908-45C7-A3FD-EB370213FE69}" type="pres">
-      <dgm:prSet presAssocID="{76CC3289-2662-43F0-A3C6-BA04A135F08C}" presName="compNode" presStyleCnt="0"/>
-      <dgm:spPr/>
-    </dgm:pt>
-    <dgm:pt modelId="{6DB1FE51-13D0-4A38-AD6E-48D4371A1AF3}" type="pres">
-      <dgm:prSet presAssocID="{76CC3289-2662-43F0-A3C6-BA04A135F08C}" presName="iconRect" presStyleLbl="node1" presStyleIdx="2" presStyleCnt="3" custScaleX="157625" custScaleY="157625"/>
-      <dgm:spPr>
-        <a:blipFill>
-          <a:blip xmlns:r="http://schemas.openxmlformats.org/officeDocument/2006/relationships" r:embed="rId5">
-            <a:extLst>
-              <a:ext uri="{96DAC541-7B7A-43D3-8B79-37D633B846F1}">
-                <asvg:svgBlip xmlns:asvg="http://schemas.microsoft.com/office/drawing/2016/SVG/main" r:embed="rId6"/>
-              </a:ext>
-            </a:extLst>
-          </a:blip>
-          <a:srcRect/>
-          <a:stretch>
-            <a:fillRect/>
-          </a:stretch>
-        </a:blipFill>
-      </dgm:spPr>
-      <dgm:extLst>
-        <a:ext uri="{E40237B7-FDA0-4F09-8148-C483321AD2D9}">
-          <dgm14:cNvPr xmlns:dgm14="http://schemas.microsoft.com/office/drawing/2010/diagram" id="0" name="" descr="Upward trend with solid fill"/>
-        </a:ext>
-      </dgm:extLst>
-    </dgm:pt>
-    <dgm:pt modelId="{0928538A-05CC-4A79-BD5D-92F985D1EEE5}" type="pres">
-      <dgm:prSet presAssocID="{76CC3289-2662-43F0-A3C6-BA04A135F08C}" presName="spaceRect" presStyleCnt="0"/>
-      <dgm:spPr/>
-    </dgm:pt>
-    <dgm:pt modelId="{133097FC-B1F8-4953-B0AB-E8E73D968D1C}" type="pres">
-      <dgm:prSet presAssocID="{76CC3289-2662-43F0-A3C6-BA04A135F08C}" presName="textRect" presStyleLbl="revTx" presStyleIdx="2" presStyleCnt="3">
-        <dgm:presLayoutVars>
-          <dgm:chMax val="1"/>
-          <dgm:chPref val="1"/>
-        </dgm:presLayoutVars>
-      </dgm:prSet>
-      <dgm:spPr/>
-    </dgm:pt>
-  </dgm:ptLst>
-  <dgm:cxnLst>
-    <dgm:cxn modelId="{1B8CB22C-9648-419B-97E9-4AA6C3555723}" type="presOf" srcId="{701D68F5-42F8-47BC-8FED-84C50F595DF0}" destId="{A99B5DD6-89E9-4537-B415-4205CEB9323A}" srcOrd="0" destOrd="0" presId="urn:microsoft.com/office/officeart/2018/2/layout/IconLabelList"/>
-    <dgm:cxn modelId="{C4BA385D-31ED-40EF-A5D6-98DFBA64E71A}" srcId="{7D9C16A6-8C48-4165-8DAF-8C957C12A8FA}" destId="{701D68F5-42F8-47BC-8FED-84C50F595DF0}" srcOrd="0" destOrd="0" parTransId="{9617668C-C38C-4017-8DDF-37855B15D110}" sibTransId="{0C95B389-AC0C-4055-9AA3-38815EFC8B0A}"/>
-    <dgm:cxn modelId="{5574CC64-4BF2-43BE-BABC-6DF1E58A4C74}" type="presOf" srcId="{7D9C16A6-8C48-4165-8DAF-8C957C12A8FA}" destId="{8994D886-A75F-411A-A9D7-D31991FF12BD}" srcOrd="0" destOrd="0" presId="urn:microsoft.com/office/officeart/2018/2/layout/IconLabelList"/>
-    <dgm:cxn modelId="{0400886E-8A1A-44C2-95A7-DB0EF4911494}" srcId="{7D9C16A6-8C48-4165-8DAF-8C957C12A8FA}" destId="{76CC3289-2662-43F0-A3C6-BA04A135F08C}" srcOrd="2" destOrd="0" parTransId="{D46DB4DA-1442-4ECE-89FE-BBB1E3489E3D}" sibTransId="{FA28C9D6-476E-43CD-BA23-D6D990FD78D0}"/>
-    <dgm:cxn modelId="{7F0DAB6F-9257-4F2D-B31A-3418F73F6952}" srcId="{7D9C16A6-8C48-4165-8DAF-8C957C12A8FA}" destId="{91A66877-AC1C-46D9-BF2C-6024B638DEA9}" srcOrd="1" destOrd="0" parTransId="{913FED05-DF41-48A7-B1F8-81937A468EF9}" sibTransId="{BFCE4A28-C381-46FF-935A-B11534EF7D87}"/>
-    <dgm:cxn modelId="{EC5C6E85-C523-4B60-976B-342F12E3A6CB}" type="presOf" srcId="{91A66877-AC1C-46D9-BF2C-6024B638DEA9}" destId="{55120873-6F5C-4053-8EAD-6287A7F1097E}" srcOrd="0" destOrd="0" presId="urn:microsoft.com/office/officeart/2018/2/layout/IconLabelList"/>
-    <dgm:cxn modelId="{6E31C6AB-C9E6-448F-A8CC-566A63619D4D}" type="presOf" srcId="{76CC3289-2662-43F0-A3C6-BA04A135F08C}" destId="{133097FC-B1F8-4953-B0AB-E8E73D968D1C}" srcOrd="0" destOrd="0" presId="urn:microsoft.com/office/officeart/2018/2/layout/IconLabelList"/>
-    <dgm:cxn modelId="{2AD6E781-3ED2-484E-B438-73386D2C583D}" type="presParOf" srcId="{8994D886-A75F-411A-A9D7-D31991FF12BD}" destId="{E1DBA6D5-BD14-4CD2-A0CC-80F867FEFA81}" srcOrd="0" destOrd="0" presId="urn:microsoft.com/office/officeart/2018/2/layout/IconLabelList"/>
-    <dgm:cxn modelId="{10B2B212-528C-471D-ABD0-D66ED992B833}" type="presParOf" srcId="{E1DBA6D5-BD14-4CD2-A0CC-80F867FEFA81}" destId="{19A8DC21-3E65-409D-AD53-DA51BB9198A0}" srcOrd="0" destOrd="0" presId="urn:microsoft.com/office/officeart/2018/2/layout/IconLabelList"/>
-    <dgm:cxn modelId="{2A8FB3D0-F98B-4F5A-BACA-4315E38776FB}" type="presParOf" srcId="{E1DBA6D5-BD14-4CD2-A0CC-80F867FEFA81}" destId="{B9F90A48-FF94-4C94-A587-0190406F6FD3}" srcOrd="1" destOrd="0" presId="urn:microsoft.com/office/officeart/2018/2/layout/IconLabelList"/>
-    <dgm:cxn modelId="{95FEF629-9884-451C-89B4-41B897ABE3D6}" type="presParOf" srcId="{E1DBA6D5-BD14-4CD2-A0CC-80F867FEFA81}" destId="{A99B5DD6-89E9-4537-B415-4205CEB9323A}" srcOrd="2" destOrd="0" presId="urn:microsoft.com/office/officeart/2018/2/layout/IconLabelList"/>
-    <dgm:cxn modelId="{0FE6827F-DE80-4F8A-8E9D-7F88C0F7EF29}" type="presParOf" srcId="{8994D886-A75F-411A-A9D7-D31991FF12BD}" destId="{8B391436-B9B0-45BD-A57F-792D6376D868}" srcOrd="1" destOrd="0" presId="urn:microsoft.com/office/officeart/2018/2/layout/IconLabelList"/>
-    <dgm:cxn modelId="{4857BE3A-D518-473D-AC79-7B9BF18B9824}" type="presParOf" srcId="{8994D886-A75F-411A-A9D7-D31991FF12BD}" destId="{95872155-C45D-46D3-874C-D838089A06F8}" srcOrd="2" destOrd="0" presId="urn:microsoft.com/office/officeart/2018/2/layout/IconLabelList"/>
-    <dgm:cxn modelId="{B4B325C4-81F2-4B3E-8CBF-4532B0BFA343}" type="presParOf" srcId="{95872155-C45D-46D3-874C-D838089A06F8}" destId="{CE9DF0E8-B0DE-4E1E-9FF4-6006AD8428DB}" srcOrd="0" destOrd="0" presId="urn:microsoft.com/office/officeart/2018/2/layout/IconLabelList"/>
-    <dgm:cxn modelId="{0AE6D335-6E55-47E1-BAD8-0368620AB8F6}" type="presParOf" srcId="{95872155-C45D-46D3-874C-D838089A06F8}" destId="{AA0423A1-55B2-45E9-BFE7-3FBE5BDA65ED}" srcOrd="1" destOrd="0" presId="urn:microsoft.com/office/officeart/2018/2/layout/IconLabelList"/>
-    <dgm:cxn modelId="{AFEE8CCD-97FE-4EFA-A584-DF6AFDAD2B20}" type="presParOf" srcId="{95872155-C45D-46D3-874C-D838089A06F8}" destId="{55120873-6F5C-4053-8EAD-6287A7F1097E}" srcOrd="2" destOrd="0" presId="urn:microsoft.com/office/officeart/2018/2/layout/IconLabelList"/>
-    <dgm:cxn modelId="{26649F18-C204-4047-8300-905486AB3755}" type="presParOf" srcId="{8994D886-A75F-411A-A9D7-D31991FF12BD}" destId="{F679C986-30E4-4F0A-A3A6-CAE528BFED76}" srcOrd="3" destOrd="0" presId="urn:microsoft.com/office/officeart/2018/2/layout/IconLabelList"/>
-    <dgm:cxn modelId="{898D629F-DA37-435F-A0B2-0617605D711A}" type="presParOf" srcId="{8994D886-A75F-411A-A9D7-D31991FF12BD}" destId="{2EC2FDE3-8908-45C7-A3FD-EB370213FE69}" srcOrd="4" destOrd="0" presId="urn:microsoft.com/office/officeart/2018/2/layout/IconLabelList"/>
-    <dgm:cxn modelId="{2BDADB1C-15B1-4763-9B35-3792147F8F87}" type="presParOf" srcId="{2EC2FDE3-8908-45C7-A3FD-EB370213FE69}" destId="{6DB1FE51-13D0-4A38-AD6E-48D4371A1AF3}" srcOrd="0" destOrd="0" presId="urn:microsoft.com/office/officeart/2018/2/layout/IconLabelList"/>
-    <dgm:cxn modelId="{F692F1E6-C6EC-4391-8432-EB6C34194240}" type="presParOf" srcId="{2EC2FDE3-8908-45C7-A3FD-EB370213FE69}" destId="{0928538A-05CC-4A79-BD5D-92F985D1EEE5}" srcOrd="1" destOrd="0" presId="urn:microsoft.com/office/officeart/2018/2/layout/IconLabelList"/>
-    <dgm:cxn modelId="{0E6AF6C4-A4E5-4234-9E16-F9F2334264CD}" type="presParOf" srcId="{2EC2FDE3-8908-45C7-A3FD-EB370213FE69}" destId="{133097FC-B1F8-4953-B0AB-E8E73D968D1C}" srcOrd="2" destOrd="0" presId="urn:microsoft.com/office/officeart/2018/2/layout/IconLabelList"/>
-  </dgm:cxnLst>
-  <dgm:bg/>
-  <dgm:whole/>
-  <dgm:extLst>
-    <a:ext uri="http://schemas.microsoft.com/office/drawing/2008/diagram">
-      <dsp:dataModelExt xmlns:dsp="http://schemas.microsoft.com/office/drawing/2008/diagram" relId="rId7" minVer="http://schemas.openxmlformats.org/drawingml/2006/diagram"/>
-    </a:ext>
-    <a:ext uri="{C62137D5-CB1D-491B-B009-E17868A290BF}">
-      <dgm14:recolorImg xmlns:dgm14="http://schemas.microsoft.com/office/drawing/2010/diagram" val="1"/>
-    </a:ext>
-  </dgm:extLst>
-</dgm:dataModel>
-</file>
-
-<file path=ppt/diagrams/data2.xml><?xml version="1.0" encoding="utf-8"?>
-<dgm:dataModel xmlns:dgm="http://schemas.openxmlformats.org/drawingml/2006/diagram" xmlns:a="http://schemas.openxmlformats.org/drawingml/2006/main">
-  <dgm:ptLst>
     <dgm:pt modelId="{7E5AA53B-3EEE-4DE4-BB81-9044890C2946}" type="doc">
       <dgm:prSet loTypeId="urn:microsoft.com/office/officeart/2008/layout/VerticalCurvedList" loCatId="list" qsTypeId="urn:microsoft.com/office/officeart/2005/8/quickstyle/simple4" qsCatId="simple" csTypeId="urn:microsoft.com/office/officeart/2005/8/colors/accent2_2" csCatId="accent2" phldr="1"/>
       <dgm:spPr/>
@@ -2091,7 +1037,7 @@
           </a:pPr>
           <a:r>
             <a:rPr lang="en-US" dirty="0"/>
-            <a:t>Cloud	</a:t>
+            <a:t>Comparison	</a:t>
           </a:r>
         </a:p>
       </dgm:t>
@@ -2132,7 +1078,7 @@
           </a:pPr>
           <a:r>
             <a:rPr lang="en-US" dirty="0"/>
-            <a:t>Local</a:t>
+            <a:t>Correlation</a:t>
           </a:r>
         </a:p>
       </dgm:t>
@@ -2173,7 +1119,7 @@
           </a:pPr>
           <a:r>
             <a:rPr lang="en-US" dirty="0"/>
-            <a:t>Hybrid</a:t>
+            <a:t>Linear Regression</a:t>
           </a:r>
         </a:p>
       </dgm:t>
@@ -2326,366 +1272,6 @@
       <dsp:cNvGrpSpPr/>
     </dsp:nvGrpSpPr>
     <dsp:grpSpPr/>
-    <dsp:sp modelId="{19A8DC21-3E65-409D-AD53-DA51BB9198A0}">
-      <dsp:nvSpPr>
-        <dsp:cNvPr id="0" name=""/>
-        <dsp:cNvSpPr/>
-      </dsp:nvSpPr>
-      <dsp:spPr>
-        <a:xfrm>
-          <a:off x="523237" y="494935"/>
-          <a:ext cx="2285995" cy="2285995"/>
-        </a:xfrm>
-        <a:prstGeom prst="rect">
-          <a:avLst/>
-        </a:prstGeom>
-        <a:blipFill>
-          <a:blip xmlns:r="http://schemas.openxmlformats.org/officeDocument/2006/relationships" r:embed="rId1">
-            <a:extLst>
-              <a:ext uri="{96DAC541-7B7A-43D3-8B79-37D633B846F1}">
-                <asvg:svgBlip xmlns:asvg="http://schemas.microsoft.com/office/drawing/2016/SVG/main" r:embed="rId2"/>
-              </a:ext>
-            </a:extLst>
-          </a:blip>
-          <a:srcRect/>
-          <a:stretch>
-            <a:fillRect/>
-          </a:stretch>
-        </a:blipFill>
-        <a:ln w="22225" cap="rnd" cmpd="sng" algn="ctr">
-          <a:solidFill>
-            <a:schemeClr val="lt1">
-              <a:alpha val="0"/>
-              <a:hueOff val="0"/>
-              <a:satOff val="0"/>
-              <a:lumOff val="0"/>
-              <a:alphaOff val="0"/>
-            </a:schemeClr>
-          </a:solidFill>
-          <a:prstDash val="solid"/>
-        </a:ln>
-        <a:effectLst/>
-      </dsp:spPr>
-      <dsp:style>
-        <a:lnRef idx="2">
-          <a:scrgbClr r="0" g="0" b="0"/>
-        </a:lnRef>
-        <a:fillRef idx="1">
-          <a:scrgbClr r="0" g="0" b="0"/>
-        </a:fillRef>
-        <a:effectRef idx="0">
-          <a:scrgbClr r="0" g="0" b="0"/>
-        </a:effectRef>
-        <a:fontRef idx="minor">
-          <a:schemeClr val="lt1"/>
-        </a:fontRef>
-      </dsp:style>
-    </dsp:sp>
-    <dsp:sp modelId="{A99B5DD6-89E9-4537-B415-4205CEB9323A}">
-      <dsp:nvSpPr>
-        <dsp:cNvPr id="0" name=""/>
-        <dsp:cNvSpPr/>
-      </dsp:nvSpPr>
-      <dsp:spPr>
-        <a:xfrm>
-          <a:off x="54818" y="2746269"/>
-          <a:ext cx="3222832" cy="720000"/>
-        </a:xfrm>
-        <a:prstGeom prst="rect">
-          <a:avLst/>
-        </a:prstGeom>
-        <a:noFill/>
-        <a:ln>
-          <a:noFill/>
-        </a:ln>
-        <a:effectLst/>
-      </dsp:spPr>
-      <dsp:style>
-        <a:lnRef idx="0">
-          <a:scrgbClr r="0" g="0" b="0"/>
-        </a:lnRef>
-        <a:fillRef idx="0">
-          <a:scrgbClr r="0" g="0" b="0"/>
-        </a:fillRef>
-        <a:effectRef idx="0">
-          <a:scrgbClr r="0" g="0" b="0"/>
-        </a:effectRef>
-        <a:fontRef idx="minor"/>
-      </dsp:style>
-      <dsp:txBody>
-        <a:bodyPr spcFirstLastPara="0" vert="horz" wrap="square" lIns="0" tIns="0" rIns="0" bIns="0" numCol="1" spcCol="1270" anchor="t" anchorCtr="0">
-          <a:noAutofit/>
-        </a:bodyPr>
-        <a:lstStyle/>
-        <a:p>
-          <a:pPr marL="0" lvl="0" indent="0" algn="ctr" defTabSz="1555750">
-            <a:lnSpc>
-              <a:spcPct val="100000"/>
-            </a:lnSpc>
-            <a:spcBef>
-              <a:spcPct val="0"/>
-            </a:spcBef>
-            <a:spcAft>
-              <a:spcPct val="35000"/>
-            </a:spcAft>
-            <a:buNone/>
-          </a:pPr>
-          <a:r>
-            <a:rPr lang="en-ZA" sz="3500" kern="1200" dirty="0"/>
-            <a:t>Correlation</a:t>
-          </a:r>
-          <a:endParaRPr lang="en-US" sz="3500" kern="1200" dirty="0"/>
-        </a:p>
-      </dsp:txBody>
-      <dsp:txXfrm>
-        <a:off x="54818" y="2746269"/>
-        <a:ext cx="3222832" cy="720000"/>
-      </dsp:txXfrm>
-    </dsp:sp>
-    <dsp:sp modelId="{CE9DF0E8-B0DE-4E1E-9FF4-6006AD8428DB}">
-      <dsp:nvSpPr>
-        <dsp:cNvPr id="0" name=""/>
-        <dsp:cNvSpPr/>
-      </dsp:nvSpPr>
-      <dsp:spPr>
-        <a:xfrm>
-          <a:off x="4310064" y="494935"/>
-          <a:ext cx="2285995" cy="2285995"/>
-        </a:xfrm>
-        <a:prstGeom prst="rect">
-          <a:avLst/>
-        </a:prstGeom>
-        <a:blipFill>
-          <a:blip xmlns:r="http://schemas.openxmlformats.org/officeDocument/2006/relationships" r:embed="rId3">
-            <a:extLst>
-              <a:ext uri="{28A0092B-C50C-407E-A947-70E740481C1C}">
-                <a14:useLocalDpi xmlns:a14="http://schemas.microsoft.com/office/drawing/2010/main" val="0"/>
-              </a:ext>
-              <a:ext uri="{96DAC541-7B7A-43D3-8B79-37D633B846F1}">
-                <asvg:svgBlip xmlns:asvg="http://schemas.microsoft.com/office/drawing/2016/SVG/main" r:embed="rId4"/>
-              </a:ext>
-            </a:extLst>
-          </a:blip>
-          <a:stretch>
-            <a:fillRect/>
-          </a:stretch>
-        </a:blipFill>
-        <a:ln w="22225" cap="rnd" cmpd="sng" algn="ctr">
-          <a:solidFill>
-            <a:schemeClr val="lt1">
-              <a:alpha val="0"/>
-              <a:hueOff val="0"/>
-              <a:satOff val="0"/>
-              <a:lumOff val="0"/>
-              <a:alphaOff val="0"/>
-            </a:schemeClr>
-          </a:solidFill>
-          <a:prstDash val="solid"/>
-        </a:ln>
-        <a:effectLst/>
-      </dsp:spPr>
-      <dsp:style>
-        <a:lnRef idx="2">
-          <a:scrgbClr r="0" g="0" b="0"/>
-        </a:lnRef>
-        <a:fillRef idx="1">
-          <a:scrgbClr r="0" g="0" b="0"/>
-        </a:fillRef>
-        <a:effectRef idx="0">
-          <a:scrgbClr r="0" g="0" b="0"/>
-        </a:effectRef>
-        <a:fontRef idx="minor">
-          <a:schemeClr val="lt1"/>
-        </a:fontRef>
-      </dsp:style>
-    </dsp:sp>
-    <dsp:sp modelId="{55120873-6F5C-4053-8EAD-6287A7F1097E}">
-      <dsp:nvSpPr>
-        <dsp:cNvPr id="0" name=""/>
-        <dsp:cNvSpPr/>
-      </dsp:nvSpPr>
-      <dsp:spPr>
-        <a:xfrm>
-          <a:off x="3841646" y="2746269"/>
-          <a:ext cx="3222832" cy="720000"/>
-        </a:xfrm>
-        <a:prstGeom prst="rect">
-          <a:avLst/>
-        </a:prstGeom>
-        <a:noFill/>
-        <a:ln>
-          <a:noFill/>
-        </a:ln>
-        <a:effectLst/>
-      </dsp:spPr>
-      <dsp:style>
-        <a:lnRef idx="0">
-          <a:scrgbClr r="0" g="0" b="0"/>
-        </a:lnRef>
-        <a:fillRef idx="0">
-          <a:scrgbClr r="0" g="0" b="0"/>
-        </a:fillRef>
-        <a:effectRef idx="0">
-          <a:scrgbClr r="0" g="0" b="0"/>
-        </a:effectRef>
-        <a:fontRef idx="minor"/>
-      </dsp:style>
-      <dsp:txBody>
-        <a:bodyPr spcFirstLastPara="0" vert="horz" wrap="square" lIns="0" tIns="0" rIns="0" bIns="0" numCol="1" spcCol="1270" anchor="t" anchorCtr="0">
-          <a:noAutofit/>
-        </a:bodyPr>
-        <a:lstStyle/>
-        <a:p>
-          <a:pPr marL="0" lvl="0" indent="0" algn="ctr" defTabSz="1555750">
-            <a:lnSpc>
-              <a:spcPct val="100000"/>
-            </a:lnSpc>
-            <a:spcBef>
-              <a:spcPct val="0"/>
-            </a:spcBef>
-            <a:spcAft>
-              <a:spcPct val="35000"/>
-            </a:spcAft>
-            <a:buNone/>
-          </a:pPr>
-          <a:r>
-            <a:rPr lang="en-US" sz="3500" kern="1200" dirty="0"/>
-            <a:t>Covariance</a:t>
-          </a:r>
-        </a:p>
-      </dsp:txBody>
-      <dsp:txXfrm>
-        <a:off x="3841646" y="2746269"/>
-        <a:ext cx="3222832" cy="720000"/>
-      </dsp:txXfrm>
-    </dsp:sp>
-    <dsp:sp modelId="{6DB1FE51-13D0-4A38-AD6E-48D4371A1AF3}">
-      <dsp:nvSpPr>
-        <dsp:cNvPr id="0" name=""/>
-        <dsp:cNvSpPr/>
-      </dsp:nvSpPr>
-      <dsp:spPr>
-        <a:xfrm>
-          <a:off x="8096892" y="494935"/>
-          <a:ext cx="2285995" cy="2285995"/>
-        </a:xfrm>
-        <a:prstGeom prst="rect">
-          <a:avLst/>
-        </a:prstGeom>
-        <a:blipFill>
-          <a:blip xmlns:r="http://schemas.openxmlformats.org/officeDocument/2006/relationships" r:embed="rId5">
-            <a:extLst>
-              <a:ext uri="{96DAC541-7B7A-43D3-8B79-37D633B846F1}">
-                <asvg:svgBlip xmlns:asvg="http://schemas.microsoft.com/office/drawing/2016/SVG/main" r:embed="rId6"/>
-              </a:ext>
-            </a:extLst>
-          </a:blip>
-          <a:srcRect/>
-          <a:stretch>
-            <a:fillRect/>
-          </a:stretch>
-        </a:blipFill>
-        <a:ln w="22225" cap="rnd" cmpd="sng" algn="ctr">
-          <a:solidFill>
-            <a:schemeClr val="lt1">
-              <a:alpha val="0"/>
-              <a:hueOff val="0"/>
-              <a:satOff val="0"/>
-              <a:lumOff val="0"/>
-              <a:alphaOff val="0"/>
-            </a:schemeClr>
-          </a:solidFill>
-          <a:prstDash val="solid"/>
-        </a:ln>
-        <a:effectLst/>
-      </dsp:spPr>
-      <dsp:style>
-        <a:lnRef idx="2">
-          <a:scrgbClr r="0" g="0" b="0"/>
-        </a:lnRef>
-        <a:fillRef idx="1">
-          <a:scrgbClr r="0" g="0" b="0"/>
-        </a:fillRef>
-        <a:effectRef idx="0">
-          <a:scrgbClr r="0" g="0" b="0"/>
-        </a:effectRef>
-        <a:fontRef idx="minor">
-          <a:schemeClr val="lt1"/>
-        </a:fontRef>
-      </dsp:style>
-    </dsp:sp>
-    <dsp:sp modelId="{133097FC-B1F8-4953-B0AB-E8E73D968D1C}">
-      <dsp:nvSpPr>
-        <dsp:cNvPr id="0" name=""/>
-        <dsp:cNvSpPr/>
-      </dsp:nvSpPr>
-      <dsp:spPr>
-        <a:xfrm>
-          <a:off x="7628474" y="2746269"/>
-          <a:ext cx="3222832" cy="720000"/>
-        </a:xfrm>
-        <a:prstGeom prst="rect">
-          <a:avLst/>
-        </a:prstGeom>
-        <a:noFill/>
-        <a:ln>
-          <a:noFill/>
-        </a:ln>
-        <a:effectLst/>
-      </dsp:spPr>
-      <dsp:style>
-        <a:lnRef idx="0">
-          <a:scrgbClr r="0" g="0" b="0"/>
-        </a:lnRef>
-        <a:fillRef idx="0">
-          <a:scrgbClr r="0" g="0" b="0"/>
-        </a:fillRef>
-        <a:effectRef idx="0">
-          <a:scrgbClr r="0" g="0" b="0"/>
-        </a:effectRef>
-        <a:fontRef idx="minor"/>
-      </dsp:style>
-      <dsp:txBody>
-        <a:bodyPr spcFirstLastPara="0" vert="horz" wrap="square" lIns="0" tIns="0" rIns="0" bIns="0" numCol="1" spcCol="1270" anchor="t" anchorCtr="0">
-          <a:noAutofit/>
-        </a:bodyPr>
-        <a:lstStyle/>
-        <a:p>
-          <a:pPr marL="0" lvl="0" indent="0" algn="ctr" defTabSz="1555750">
-            <a:lnSpc>
-              <a:spcPct val="100000"/>
-            </a:lnSpc>
-            <a:spcBef>
-              <a:spcPct val="0"/>
-            </a:spcBef>
-            <a:spcAft>
-              <a:spcPct val="35000"/>
-            </a:spcAft>
-            <a:buNone/>
-          </a:pPr>
-          <a:r>
-            <a:rPr lang="en-US" sz="3500" kern="1200" dirty="0"/>
-            <a:t>Linear Regression</a:t>
-          </a:r>
-        </a:p>
-      </dsp:txBody>
-      <dsp:txXfrm>
-        <a:off x="7628474" y="2746269"/>
-        <a:ext cx="3222832" cy="720000"/>
-      </dsp:txXfrm>
-    </dsp:sp>
-  </dsp:spTree>
-</dsp:drawing>
-</file>
-
-<file path=ppt/diagrams/drawing2.xml><?xml version="1.0" encoding="utf-8"?>
-<dsp:drawing xmlns:dgm="http://schemas.openxmlformats.org/drawingml/2006/diagram" xmlns:dsp="http://schemas.microsoft.com/office/drawing/2008/diagram" xmlns:a="http://schemas.openxmlformats.org/drawingml/2006/main">
-  <dsp:spTree>
-    <dsp:nvGrpSpPr>
-      <dsp:cNvPr id="0" name=""/>
-      <dsp:cNvGrpSpPr/>
-    </dsp:nvGrpSpPr>
-    <dsp:grpSpPr/>
     <dsp:sp modelId="{A83BA02F-1538-4C3C-8F19-2C9D546A9200}">
       <dsp:nvSpPr>
         <dsp:cNvPr id="0" name=""/>
@@ -2814,7 +1400,7 @@
           </a:pPr>
           <a:r>
             <a:rPr lang="en-US" sz="3500" kern="1200" dirty="0"/>
-            <a:t>Cloud	</a:t>
+            <a:t>Comparison	</a:t>
           </a:r>
         </a:p>
       </dsp:txBody>
@@ -2953,7 +1539,7 @@
           </a:pPr>
           <a:r>
             <a:rPr lang="en-US" sz="3500" kern="1200" dirty="0"/>
-            <a:t>Local</a:t>
+            <a:t>Correlation</a:t>
           </a:r>
         </a:p>
       </dsp:txBody>
@@ -3092,7 +1678,7 @@
           </a:pPr>
           <a:r>
             <a:rPr lang="en-US" sz="3500" kern="1200" dirty="0"/>
-            <a:t>Hybrid</a:t>
+            <a:t>Linear Regression</a:t>
           </a:r>
         </a:p>
       </dsp:txBody>
@@ -3153,196 +1739,6 @@
 </file>
 
 <file path=ppt/diagrams/layout1.xml><?xml version="1.0" encoding="utf-8"?>
-<dgm:layoutDef xmlns:dgm="http://schemas.openxmlformats.org/drawingml/2006/diagram" xmlns:a="http://schemas.openxmlformats.org/drawingml/2006/main" uniqueId="urn:microsoft.com/office/officeart/2018/2/layout/IconLabelList">
-  <dgm:title val="Icon Label List"/>
-  <dgm:desc val="Use to show non-sequential or grouped chunks of information accompanied by a related visuals. Works best with icons or small pictures with short text captions."/>
-  <dgm:catLst>
-    <dgm:cat type="icon" pri="500"/>
-  </dgm:catLst>
-  <dgm:sampData useDef="1">
-    <dgm:dataModel>
-      <dgm:ptLst/>
-      <dgm:bg/>
-      <dgm:whole/>
-    </dgm:dataModel>
-  </dgm:sampData>
-  <dgm:styleData useDef="1">
-    <dgm:dataModel>
-      <dgm:ptLst/>
-      <dgm:bg/>
-      <dgm:whole/>
-    </dgm:dataModel>
-  </dgm:styleData>
-  <dgm:clrData useDef="1">
-    <dgm:dataModel>
-      <dgm:ptLst/>
-      <dgm:bg/>
-      <dgm:whole/>
-    </dgm:dataModel>
-  </dgm:clrData>
-  <dgm:layoutNode name="root">
-    <dgm:varLst>
-      <dgm:dir/>
-      <dgm:resizeHandles val="exact"/>
-    </dgm:varLst>
-    <dgm:choose name="Name0">
-      <dgm:if name="Name1" axis="self" func="var" arg="dir" op="equ" val="norm">
-        <dgm:alg type="snake">
-          <dgm:param type="grDir" val="tL"/>
-          <dgm:param type="flowDir" val="row"/>
-          <dgm:param type="contDir" val="sameDir"/>
-          <dgm:param type="off" val="ctr"/>
-          <dgm:param type="vertAlign" val="mid"/>
-          <dgm:param type="horzAlign" val="ctr"/>
-        </dgm:alg>
-      </dgm:if>
-      <dgm:else name="Name2">
-        <dgm:alg type="snake">
-          <dgm:param type="grDir" val="tR"/>
-          <dgm:param type="flowDir" val="row"/>
-          <dgm:param type="contDir" val="sameDir"/>
-          <dgm:param type="off" val="ctr"/>
-          <dgm:param type="vertAlign" val="mid"/>
-          <dgm:param type="horzAlign" val="ctr"/>
-        </dgm:alg>
-      </dgm:else>
-    </dgm:choose>
-    <dgm:shape xmlns:r="http://schemas.openxmlformats.org/officeDocument/2006/relationships" r:blip="">
-      <dgm:adjLst/>
-    </dgm:shape>
-    <dgm:presOf/>
-    <dgm:choose name="Name3">
-      <dgm:if name="Name4" axis="ch" ptType="node" func="cnt" op="lte" val="2">
-        <dgm:constrLst>
-          <dgm:constr type="h" for="ch" forName="compNode" refType="h" fact="0.4"/>
-          <dgm:constr type="w" for="ch" forName="compNode" val="120"/>
-          <dgm:constr type="w" for="ch" forName="sibTrans" refType="w" refFor="ch" refForName="compNode" fact="0.175"/>
-          <dgm:constr type="sp" refType="w" refFor="ch" refForName="compNode" op="equ" fact="0.25"/>
-          <dgm:constr type="primFontSz" for="des" ptType="node" op="equ" val="50"/>
-          <dgm:constr type="h" for="des" forName="compNode" op="equ"/>
-          <dgm:constr type="h" for="des" forName="textRect" op="equ"/>
-        </dgm:constrLst>
-      </dgm:if>
-      <dgm:if name="Name5" axis="ch" ptType="node" func="cnt" op="lte" val="4">
-        <dgm:constrLst>
-          <dgm:constr type="h" for="ch" forName="compNode" refType="h" fact="0.4"/>
-          <dgm:constr type="w" for="ch" forName="compNode" refType="w"/>
-          <dgm:constr type="w" for="ch" forName="sibTrans" refType="w" refFor="ch" refForName="compNode" fact="0.175"/>
-          <dgm:constr type="sp" refType="w" refFor="ch" refForName="compNode" op="equ" fact="0.25"/>
-          <dgm:constr type="primFontSz" for="des" ptType="node" op="equ" val="36"/>
-          <dgm:constr type="h" for="des" forName="compNode" op="equ"/>
-          <dgm:constr type="h" for="des" forName="textRect" op="equ"/>
-        </dgm:constrLst>
-      </dgm:if>
-      <dgm:else name="Name6">
-        <dgm:constrLst>
-          <dgm:constr type="h" for="ch" forName="compNode" refType="h" fact="0.4"/>
-          <dgm:constr type="w" for="ch" forName="compNode" refType="w"/>
-          <dgm:constr type="w" for="ch" forName="sibTrans" refType="w" refFor="ch" refForName="compNode" fact="0.175"/>
-          <dgm:constr type="sp" refType="w" refFor="ch" refForName="compNode" op="equ" fact="0.25"/>
-          <dgm:constr type="primFontSz" for="des" ptType="node" op="equ" val="24"/>
-          <dgm:constr type="h" for="des" forName="compNode" op="equ"/>
-          <dgm:constr type="h" for="des" forName="textRect" op="equ"/>
-        </dgm:constrLst>
-      </dgm:else>
-    </dgm:choose>
-    <dgm:ruleLst>
-      <dgm:rule type="w" for="ch" forName="compNode" val="50" fact="NaN" max="NaN"/>
-    </dgm:ruleLst>
-    <dgm:forEach name="Name7" axis="ch" ptType="node">
-      <dgm:layoutNode name="compNode">
-        <dgm:alg type="composite"/>
-        <dgm:shape xmlns:r="http://schemas.openxmlformats.org/officeDocument/2006/relationships" r:blip="">
-          <dgm:adjLst/>
-        </dgm:shape>
-        <dgm:presOf axis="self"/>
-        <dgm:constrLst>
-          <dgm:constr type="w" for="ch" forName="iconRect" refType="w" fact="0.45"/>
-          <dgm:constr type="h" for="ch" forName="iconRect" refType="w" refFor="ch" refForName="iconRect"/>
-          <dgm:constr type="ctrX" for="ch" forName="iconRect" refType="w" fact="0.5"/>
-          <dgm:constr type="t" for="ch" forName="iconRect"/>
-          <dgm:constr type="h" for="ch" forName="spaceRect" refType="h" fact="0.15"/>
-          <dgm:constr type="w" for="ch" forName="spaceRect" refType="w"/>
-          <dgm:constr type="l" for="ch" forName="spaceRect"/>
-          <dgm:constr type="t" for="ch" forName="spaceRect" refType="b" refFor="ch" refForName="iconRect"/>
-          <dgm:constr type="h" for="ch" forName="textRect" val="20"/>
-          <dgm:constr type="w" for="ch" forName="textRect" refType="w"/>
-          <dgm:constr type="l" for="ch" forName="textRect"/>
-          <dgm:constr type="t" for="ch" forName="textRect" refType="b" refFor="ch" refForName="spaceRect"/>
-        </dgm:constrLst>
-        <dgm:ruleLst>
-          <dgm:rule type="h" val="INF" fact="NaN" max="NaN"/>
-        </dgm:ruleLst>
-        <dgm:layoutNode name="iconRect" styleLbl="node1">
-          <dgm:alg type="sp"/>
-          <dgm:shape xmlns:r="http://schemas.openxmlformats.org/officeDocument/2006/relationships" type="rect" r:blip="" blipPhldr="1">
-            <dgm:adjLst/>
-          </dgm:shape>
-          <dgm:presOf/>
-          <dgm:constrLst/>
-          <dgm:ruleLst/>
-        </dgm:layoutNode>
-        <dgm:layoutNode name="spaceRect">
-          <dgm:alg type="sp"/>
-          <dgm:shape xmlns:r="http://schemas.openxmlformats.org/officeDocument/2006/relationships" r:blip="">
-            <dgm:adjLst/>
-          </dgm:shape>
-          <dgm:presOf/>
-          <dgm:constrLst/>
-          <dgm:ruleLst/>
-        </dgm:layoutNode>
-        <dgm:layoutNode name="textRect" styleLbl="revTx">
-          <dgm:varLst>
-            <dgm:chMax val="1"/>
-            <dgm:chPref val="1"/>
-          </dgm:varLst>
-          <dgm:alg type="tx">
-            <dgm:param type="txAnchorVert" val="t"/>
-          </dgm:alg>
-          <dgm:shape xmlns:r="http://schemas.openxmlformats.org/officeDocument/2006/relationships" type="rect" r:blip="">
-            <dgm:adjLst/>
-          </dgm:shape>
-          <dgm:presOf axis="self" ptType="node"/>
-          <dgm:constrLst>
-            <dgm:constr type="lMarg"/>
-            <dgm:constr type="rMarg"/>
-            <dgm:constr type="tMarg"/>
-            <dgm:constr type="bMarg"/>
-          </dgm:constrLst>
-          <dgm:ruleLst>
-            <dgm:rule type="primFontSz" val="11" fact="NaN" max="NaN"/>
-            <dgm:rule type="h" val="INF" fact="NaN" max="NaN"/>
-          </dgm:ruleLst>
-        </dgm:layoutNode>
-      </dgm:layoutNode>
-      <dgm:forEach name="Name8" axis="followSib" ptType="sibTrans" cnt="1">
-        <dgm:layoutNode name="sibTrans">
-          <dgm:alg type="sp"/>
-          <dgm:shape xmlns:r="http://schemas.openxmlformats.org/officeDocument/2006/relationships" r:blip="">
-            <dgm:adjLst/>
-          </dgm:shape>
-          <dgm:presOf axis="self"/>
-          <dgm:constrLst/>
-          <dgm:ruleLst/>
-        </dgm:layoutNode>
-      </dgm:forEach>
-    </dgm:forEach>
-  </dgm:layoutNode>
-  <dgm:extLst>
-    <a:ext uri="{68A01E43-0DF5-4B5B-8FA6-DAF915123BFB}">
-      <dgm1612:lstStyle xmlns:dgm1612="http://schemas.microsoft.com/office/drawing/2016/12/diagram">
-        <a:lvl1pPr>
-          <a:lnSpc>
-            <a:spcPct val="100000"/>
-          </a:lnSpc>
-        </a:lvl1pPr>
-      </dgm1612:lstStyle>
-    </a:ext>
-  </dgm:extLst>
-</dgm:layoutDef>
-</file>
-
-<file path=ppt/diagrams/layout2.xml><?xml version="1.0" encoding="utf-8"?>
 <dgm:layoutDef xmlns:dgm="http://schemas.openxmlformats.org/drawingml/2006/diagram" xmlns:a="http://schemas.openxmlformats.org/drawingml/2006/main" uniqueId="urn:microsoft.com/office/officeart/2008/layout/VerticalCurvedList">
   <dgm:title val=""/>
   <dgm:desc val=""/>
@@ -4621,1040 +3017,6 @@
 </file>
 
 <file path=ppt/diagrams/quickStyle1.xml><?xml version="1.0" encoding="utf-8"?>
-<dgm:styleDef xmlns:dgm="http://schemas.openxmlformats.org/drawingml/2006/diagram" xmlns:a="http://schemas.openxmlformats.org/drawingml/2006/main" uniqueId="urn:microsoft.com/office/officeart/2005/8/quickstyle/simple1">
-  <dgm:title val=""/>
-  <dgm:desc val=""/>
-  <dgm:catLst>
-    <dgm:cat type="simple" pri="10100"/>
-  </dgm:catLst>
-  <dgm:scene3d>
-    <a:camera prst="orthographicFront"/>
-    <a:lightRig rig="threePt" dir="t"/>
-  </dgm:scene3d>
-  <dgm:styleLbl name="node0">
-    <dgm:scene3d>
-      <a:camera prst="orthographicFront"/>
-      <a:lightRig rig="threePt" dir="t"/>
-    </dgm:scene3d>
-    <dgm:sp3d/>
-    <dgm:txPr/>
-    <dgm:style>
-      <a:lnRef idx="2">
-        <a:scrgbClr r="0" g="0" b="0"/>
-      </a:lnRef>
-      <a:fillRef idx="1">
-        <a:scrgbClr r="0" g="0" b="0"/>
-      </a:fillRef>
-      <a:effectRef idx="0">
-        <a:scrgbClr r="0" g="0" b="0"/>
-      </a:effectRef>
-      <a:fontRef idx="minor">
-        <a:schemeClr val="lt1"/>
-      </a:fontRef>
-    </dgm:style>
-  </dgm:styleLbl>
-  <dgm:styleLbl name="lnNode1">
-    <dgm:scene3d>
-      <a:camera prst="orthographicFront"/>
-      <a:lightRig rig="threePt" dir="t"/>
-    </dgm:scene3d>
-    <dgm:sp3d/>
-    <dgm:txPr/>
-    <dgm:style>
-      <a:lnRef idx="2">
-        <a:scrgbClr r="0" g="0" b="0"/>
-      </a:lnRef>
-      <a:fillRef idx="1">
-        <a:scrgbClr r="0" g="0" b="0"/>
-      </a:fillRef>
-      <a:effectRef idx="0">
-        <a:scrgbClr r="0" g="0" b="0"/>
-      </a:effectRef>
-      <a:fontRef idx="minor">
-        <a:schemeClr val="lt1"/>
-      </a:fontRef>
-    </dgm:style>
-  </dgm:styleLbl>
-  <dgm:styleLbl name="vennNode1">
-    <dgm:scene3d>
-      <a:camera prst="orthographicFront"/>
-      <a:lightRig rig="threePt" dir="t"/>
-    </dgm:scene3d>
-    <dgm:sp3d/>
-    <dgm:txPr/>
-    <dgm:style>
-      <a:lnRef idx="2">
-        <a:scrgbClr r="0" g="0" b="0"/>
-      </a:lnRef>
-      <a:fillRef idx="1">
-        <a:scrgbClr r="0" g="0" b="0"/>
-      </a:fillRef>
-      <a:effectRef idx="0">
-        <a:scrgbClr r="0" g="0" b="0"/>
-      </a:effectRef>
-      <a:fontRef idx="minor">
-        <a:schemeClr val="tx1"/>
-      </a:fontRef>
-    </dgm:style>
-  </dgm:styleLbl>
-  <dgm:styleLbl name="alignNode1">
-    <dgm:scene3d>
-      <a:camera prst="orthographicFront"/>
-      <a:lightRig rig="threePt" dir="t"/>
-    </dgm:scene3d>
-    <dgm:sp3d/>
-    <dgm:txPr/>
-    <dgm:style>
-      <a:lnRef idx="2">
-        <a:scrgbClr r="0" g="0" b="0"/>
-      </a:lnRef>
-      <a:fillRef idx="1">
-        <a:scrgbClr r="0" g="0" b="0"/>
-      </a:fillRef>
-      <a:effectRef idx="0">
-        <a:scrgbClr r="0" g="0" b="0"/>
-      </a:effectRef>
-      <a:fontRef idx="minor">
-        <a:schemeClr val="lt1"/>
-      </a:fontRef>
-    </dgm:style>
-  </dgm:styleLbl>
-  <dgm:styleLbl name="node1">
-    <dgm:scene3d>
-      <a:camera prst="orthographicFront"/>
-      <a:lightRig rig="threePt" dir="t"/>
-    </dgm:scene3d>
-    <dgm:sp3d/>
-    <dgm:txPr/>
-    <dgm:style>
-      <a:lnRef idx="2">
-        <a:scrgbClr r="0" g="0" b="0"/>
-      </a:lnRef>
-      <a:fillRef idx="1">
-        <a:scrgbClr r="0" g="0" b="0"/>
-      </a:fillRef>
-      <a:effectRef idx="0">
-        <a:scrgbClr r="0" g="0" b="0"/>
-      </a:effectRef>
-      <a:fontRef idx="minor">
-        <a:schemeClr val="lt1"/>
-      </a:fontRef>
-    </dgm:style>
-  </dgm:styleLbl>
-  <dgm:styleLbl name="node2">
-    <dgm:scene3d>
-      <a:camera prst="orthographicFront"/>
-      <a:lightRig rig="threePt" dir="t"/>
-    </dgm:scene3d>
-    <dgm:sp3d/>
-    <dgm:txPr/>
-    <dgm:style>
-      <a:lnRef idx="2">
-        <a:scrgbClr r="0" g="0" b="0"/>
-      </a:lnRef>
-      <a:fillRef idx="1">
-        <a:scrgbClr r="0" g="0" b="0"/>
-      </a:fillRef>
-      <a:effectRef idx="0">
-        <a:scrgbClr r="0" g="0" b="0"/>
-      </a:effectRef>
-      <a:fontRef idx="minor">
-        <a:schemeClr val="lt1"/>
-      </a:fontRef>
-    </dgm:style>
-  </dgm:styleLbl>
-  <dgm:styleLbl name="node3">
-    <dgm:scene3d>
-      <a:camera prst="orthographicFront"/>
-      <a:lightRig rig="threePt" dir="t"/>
-    </dgm:scene3d>
-    <dgm:sp3d/>
-    <dgm:txPr/>
-    <dgm:style>
-      <a:lnRef idx="2">
-        <a:scrgbClr r="0" g="0" b="0"/>
-      </a:lnRef>
-      <a:fillRef idx="1">
-        <a:scrgbClr r="0" g="0" b="0"/>
-      </a:fillRef>
-      <a:effectRef idx="0">
-        <a:scrgbClr r="0" g="0" b="0"/>
-      </a:effectRef>
-      <a:fontRef idx="minor">
-        <a:schemeClr val="lt1"/>
-      </a:fontRef>
-    </dgm:style>
-  </dgm:styleLbl>
-  <dgm:styleLbl name="node4">
-    <dgm:scene3d>
-      <a:camera prst="orthographicFront"/>
-      <a:lightRig rig="threePt" dir="t"/>
-    </dgm:scene3d>
-    <dgm:sp3d/>
-    <dgm:txPr/>
-    <dgm:style>
-      <a:lnRef idx="2">
-        <a:scrgbClr r="0" g="0" b="0"/>
-      </a:lnRef>
-      <a:fillRef idx="1">
-        <a:scrgbClr r="0" g="0" b="0"/>
-      </a:fillRef>
-      <a:effectRef idx="0">
-        <a:scrgbClr r="0" g="0" b="0"/>
-      </a:effectRef>
-      <a:fontRef idx="minor">
-        <a:schemeClr val="lt1"/>
-      </a:fontRef>
-    </dgm:style>
-  </dgm:styleLbl>
-  <dgm:styleLbl name="fgImgPlace1">
-    <dgm:scene3d>
-      <a:camera prst="orthographicFront"/>
-      <a:lightRig rig="threePt" dir="t"/>
-    </dgm:scene3d>
-    <dgm:sp3d/>
-    <dgm:txPr/>
-    <dgm:style>
-      <a:lnRef idx="2">
-        <a:scrgbClr r="0" g="0" b="0"/>
-      </a:lnRef>
-      <a:fillRef idx="1">
-        <a:scrgbClr r="0" g="0" b="0"/>
-      </a:fillRef>
-      <a:effectRef idx="0">
-        <a:scrgbClr r="0" g="0" b="0"/>
-      </a:effectRef>
-      <a:fontRef idx="minor"/>
-    </dgm:style>
-  </dgm:styleLbl>
-  <dgm:styleLbl name="alignImgPlace1">
-    <dgm:scene3d>
-      <a:camera prst="orthographicFront"/>
-      <a:lightRig rig="threePt" dir="t"/>
-    </dgm:scene3d>
-    <dgm:sp3d/>
-    <dgm:txPr/>
-    <dgm:style>
-      <a:lnRef idx="2">
-        <a:scrgbClr r="0" g="0" b="0"/>
-      </a:lnRef>
-      <a:fillRef idx="1">
-        <a:scrgbClr r="0" g="0" b="0"/>
-      </a:fillRef>
-      <a:effectRef idx="0">
-        <a:scrgbClr r="0" g="0" b="0"/>
-      </a:effectRef>
-      <a:fontRef idx="minor"/>
-    </dgm:style>
-  </dgm:styleLbl>
-  <dgm:styleLbl name="bgImgPlace1">
-    <dgm:scene3d>
-      <a:camera prst="orthographicFront"/>
-      <a:lightRig rig="threePt" dir="t"/>
-    </dgm:scene3d>
-    <dgm:sp3d/>
-    <dgm:txPr/>
-    <dgm:style>
-      <a:lnRef idx="2">
-        <a:scrgbClr r="0" g="0" b="0"/>
-      </a:lnRef>
-      <a:fillRef idx="1">
-        <a:scrgbClr r="0" g="0" b="0"/>
-      </a:fillRef>
-      <a:effectRef idx="0">
-        <a:scrgbClr r="0" g="0" b="0"/>
-      </a:effectRef>
-      <a:fontRef idx="minor"/>
-    </dgm:style>
-  </dgm:styleLbl>
-  <dgm:styleLbl name="sibTrans2D1">
-    <dgm:scene3d>
-      <a:camera prst="orthographicFront"/>
-      <a:lightRig rig="threePt" dir="t"/>
-    </dgm:scene3d>
-    <dgm:sp3d/>
-    <dgm:txPr/>
-    <dgm:style>
-      <a:lnRef idx="0">
-        <a:scrgbClr r="0" g="0" b="0"/>
-      </a:lnRef>
-      <a:fillRef idx="1">
-        <a:scrgbClr r="0" g="0" b="0"/>
-      </a:fillRef>
-      <a:effectRef idx="0">
-        <a:scrgbClr r="0" g="0" b="0"/>
-      </a:effectRef>
-      <a:fontRef idx="minor">
-        <a:schemeClr val="lt1"/>
-      </a:fontRef>
-    </dgm:style>
-  </dgm:styleLbl>
-  <dgm:styleLbl name="fgSibTrans2D1">
-    <dgm:scene3d>
-      <a:camera prst="orthographicFront"/>
-      <a:lightRig rig="threePt" dir="t"/>
-    </dgm:scene3d>
-    <dgm:sp3d/>
-    <dgm:txPr/>
-    <dgm:style>
-      <a:lnRef idx="0">
-        <a:scrgbClr r="0" g="0" b="0"/>
-      </a:lnRef>
-      <a:fillRef idx="1">
-        <a:scrgbClr r="0" g="0" b="0"/>
-      </a:fillRef>
-      <a:effectRef idx="0">
-        <a:scrgbClr r="0" g="0" b="0"/>
-      </a:effectRef>
-      <a:fontRef idx="minor">
-        <a:schemeClr val="lt1"/>
-      </a:fontRef>
-    </dgm:style>
-  </dgm:styleLbl>
-  <dgm:styleLbl name="bgSibTrans2D1">
-    <dgm:scene3d>
-      <a:camera prst="orthographicFront"/>
-      <a:lightRig rig="threePt" dir="t"/>
-    </dgm:scene3d>
-    <dgm:sp3d/>
-    <dgm:txPr/>
-    <dgm:style>
-      <a:lnRef idx="0">
-        <a:scrgbClr r="0" g="0" b="0"/>
-      </a:lnRef>
-      <a:fillRef idx="1">
-        <a:scrgbClr r="0" g="0" b="0"/>
-      </a:fillRef>
-      <a:effectRef idx="0">
-        <a:scrgbClr r="0" g="0" b="0"/>
-      </a:effectRef>
-      <a:fontRef idx="minor">
-        <a:schemeClr val="lt1"/>
-      </a:fontRef>
-    </dgm:style>
-  </dgm:styleLbl>
-  <dgm:styleLbl name="sibTrans1D1">
-    <dgm:scene3d>
-      <a:camera prst="orthographicFront"/>
-      <a:lightRig rig="threePt" dir="t"/>
-    </dgm:scene3d>
-    <dgm:sp3d/>
-    <dgm:txPr/>
-    <dgm:style>
-      <a:lnRef idx="1">
-        <a:scrgbClr r="0" g="0" b="0"/>
-      </a:lnRef>
-      <a:fillRef idx="0">
-        <a:scrgbClr r="0" g="0" b="0"/>
-      </a:fillRef>
-      <a:effectRef idx="0">
-        <a:scrgbClr r="0" g="0" b="0"/>
-      </a:effectRef>
-      <a:fontRef idx="minor"/>
-    </dgm:style>
-  </dgm:styleLbl>
-  <dgm:styleLbl name="callout">
-    <dgm:scene3d>
-      <a:camera prst="orthographicFront"/>
-      <a:lightRig rig="threePt" dir="t"/>
-    </dgm:scene3d>
-    <dgm:sp3d/>
-    <dgm:txPr/>
-    <dgm:style>
-      <a:lnRef idx="2">
-        <a:scrgbClr r="0" g="0" b="0"/>
-      </a:lnRef>
-      <a:fillRef idx="1">
-        <a:scrgbClr r="0" g="0" b="0"/>
-      </a:fillRef>
-      <a:effectRef idx="0">
-        <a:scrgbClr r="0" g="0" b="0"/>
-      </a:effectRef>
-      <a:fontRef idx="minor"/>
-    </dgm:style>
-  </dgm:styleLbl>
-  <dgm:styleLbl name="asst0">
-    <dgm:scene3d>
-      <a:camera prst="orthographicFront"/>
-      <a:lightRig rig="threePt" dir="t"/>
-    </dgm:scene3d>
-    <dgm:sp3d/>
-    <dgm:txPr/>
-    <dgm:style>
-      <a:lnRef idx="2">
-        <a:scrgbClr r="0" g="0" b="0"/>
-      </a:lnRef>
-      <a:fillRef idx="1">
-        <a:scrgbClr r="0" g="0" b="0"/>
-      </a:fillRef>
-      <a:effectRef idx="0">
-        <a:scrgbClr r="0" g="0" b="0"/>
-      </a:effectRef>
-      <a:fontRef idx="minor">
-        <a:schemeClr val="lt1"/>
-      </a:fontRef>
-    </dgm:style>
-  </dgm:styleLbl>
-  <dgm:styleLbl name="asst1">
-    <dgm:scene3d>
-      <a:camera prst="orthographicFront"/>
-      <a:lightRig rig="threePt" dir="t"/>
-    </dgm:scene3d>
-    <dgm:sp3d/>
-    <dgm:txPr/>
-    <dgm:style>
-      <a:lnRef idx="2">
-        <a:scrgbClr r="0" g="0" b="0"/>
-      </a:lnRef>
-      <a:fillRef idx="1">
-        <a:scrgbClr r="0" g="0" b="0"/>
-      </a:fillRef>
-      <a:effectRef idx="0">
-        <a:scrgbClr r="0" g="0" b="0"/>
-      </a:effectRef>
-      <a:fontRef idx="minor">
-        <a:schemeClr val="lt1"/>
-      </a:fontRef>
-    </dgm:style>
-  </dgm:styleLbl>
-  <dgm:styleLbl name="asst2">
-    <dgm:scene3d>
-      <a:camera prst="orthographicFront"/>
-      <a:lightRig rig="threePt" dir="t"/>
-    </dgm:scene3d>
-    <dgm:sp3d/>
-    <dgm:txPr/>
-    <dgm:style>
-      <a:lnRef idx="2">
-        <a:scrgbClr r="0" g="0" b="0"/>
-      </a:lnRef>
-      <a:fillRef idx="1">
-        <a:scrgbClr r="0" g="0" b="0"/>
-      </a:fillRef>
-      <a:effectRef idx="0">
-        <a:scrgbClr r="0" g="0" b="0"/>
-      </a:effectRef>
-      <a:fontRef idx="minor">
-        <a:schemeClr val="lt1"/>
-      </a:fontRef>
-    </dgm:style>
-  </dgm:styleLbl>
-  <dgm:styleLbl name="asst3">
-    <dgm:scene3d>
-      <a:camera prst="orthographicFront"/>
-      <a:lightRig rig="threePt" dir="t"/>
-    </dgm:scene3d>
-    <dgm:sp3d/>
-    <dgm:txPr/>
-    <dgm:style>
-      <a:lnRef idx="2">
-        <a:scrgbClr r="0" g="0" b="0"/>
-      </a:lnRef>
-      <a:fillRef idx="1">
-        <a:scrgbClr r="0" g="0" b="0"/>
-      </a:fillRef>
-      <a:effectRef idx="0">
-        <a:scrgbClr r="0" g="0" b="0"/>
-      </a:effectRef>
-      <a:fontRef idx="minor">
-        <a:schemeClr val="lt1"/>
-      </a:fontRef>
-    </dgm:style>
-  </dgm:styleLbl>
-  <dgm:styleLbl name="asst4">
-    <dgm:scene3d>
-      <a:camera prst="orthographicFront"/>
-      <a:lightRig rig="threePt" dir="t"/>
-    </dgm:scene3d>
-    <dgm:sp3d/>
-    <dgm:txPr/>
-    <dgm:style>
-      <a:lnRef idx="2">
-        <a:scrgbClr r="0" g="0" b="0"/>
-      </a:lnRef>
-      <a:fillRef idx="1">
-        <a:scrgbClr r="0" g="0" b="0"/>
-      </a:fillRef>
-      <a:effectRef idx="0">
-        <a:scrgbClr r="0" g="0" b="0"/>
-      </a:effectRef>
-      <a:fontRef idx="minor">
-        <a:schemeClr val="lt1"/>
-      </a:fontRef>
-    </dgm:style>
-  </dgm:styleLbl>
-  <dgm:styleLbl name="parChTrans2D1">
-    <dgm:scene3d>
-      <a:camera prst="orthographicFront"/>
-      <a:lightRig rig="threePt" dir="t"/>
-    </dgm:scene3d>
-    <dgm:sp3d/>
-    <dgm:txPr/>
-    <dgm:style>
-      <a:lnRef idx="2">
-        <a:scrgbClr r="0" g="0" b="0"/>
-      </a:lnRef>
-      <a:fillRef idx="1">
-        <a:scrgbClr r="0" g="0" b="0"/>
-      </a:fillRef>
-      <a:effectRef idx="0">
-        <a:scrgbClr r="0" g="0" b="0"/>
-      </a:effectRef>
-      <a:fontRef idx="minor">
-        <a:schemeClr val="lt1"/>
-      </a:fontRef>
-    </dgm:style>
-  </dgm:styleLbl>
-  <dgm:styleLbl name="parChTrans2D2">
-    <dgm:scene3d>
-      <a:camera prst="orthographicFront"/>
-      <a:lightRig rig="threePt" dir="t"/>
-    </dgm:scene3d>
-    <dgm:sp3d/>
-    <dgm:txPr/>
-    <dgm:style>
-      <a:lnRef idx="2">
-        <a:scrgbClr r="0" g="0" b="0"/>
-      </a:lnRef>
-      <a:fillRef idx="1">
-        <a:scrgbClr r="0" g="0" b="0"/>
-      </a:fillRef>
-      <a:effectRef idx="0">
-        <a:scrgbClr r="0" g="0" b="0"/>
-      </a:effectRef>
-      <a:fontRef idx="minor">
-        <a:schemeClr val="lt1"/>
-      </a:fontRef>
-    </dgm:style>
-  </dgm:styleLbl>
-  <dgm:styleLbl name="parChTrans2D3">
-    <dgm:scene3d>
-      <a:camera prst="orthographicFront"/>
-      <a:lightRig rig="threePt" dir="t"/>
-    </dgm:scene3d>
-    <dgm:sp3d/>
-    <dgm:txPr/>
-    <dgm:style>
-      <a:lnRef idx="2">
-        <a:scrgbClr r="0" g="0" b="0"/>
-      </a:lnRef>
-      <a:fillRef idx="1">
-        <a:scrgbClr r="0" g="0" b="0"/>
-      </a:fillRef>
-      <a:effectRef idx="0">
-        <a:scrgbClr r="0" g="0" b="0"/>
-      </a:effectRef>
-      <a:fontRef idx="minor">
-        <a:schemeClr val="lt1"/>
-      </a:fontRef>
-    </dgm:style>
-  </dgm:styleLbl>
-  <dgm:styleLbl name="parChTrans2D4">
-    <dgm:scene3d>
-      <a:camera prst="orthographicFront"/>
-      <a:lightRig rig="threePt" dir="t"/>
-    </dgm:scene3d>
-    <dgm:sp3d/>
-    <dgm:txPr/>
-    <dgm:style>
-      <a:lnRef idx="2">
-        <a:scrgbClr r="0" g="0" b="0"/>
-      </a:lnRef>
-      <a:fillRef idx="1">
-        <a:scrgbClr r="0" g="0" b="0"/>
-      </a:fillRef>
-      <a:effectRef idx="0">
-        <a:scrgbClr r="0" g="0" b="0"/>
-      </a:effectRef>
-      <a:fontRef idx="minor">
-        <a:schemeClr val="lt1"/>
-      </a:fontRef>
-    </dgm:style>
-  </dgm:styleLbl>
-  <dgm:styleLbl name="parChTrans1D1">
-    <dgm:scene3d>
-      <a:camera prst="orthographicFront"/>
-      <a:lightRig rig="threePt" dir="t"/>
-    </dgm:scene3d>
-    <dgm:sp3d/>
-    <dgm:txPr/>
-    <dgm:style>
-      <a:lnRef idx="2">
-        <a:scrgbClr r="0" g="0" b="0"/>
-      </a:lnRef>
-      <a:fillRef idx="0">
-        <a:scrgbClr r="0" g="0" b="0"/>
-      </a:fillRef>
-      <a:effectRef idx="0">
-        <a:scrgbClr r="0" g="0" b="0"/>
-      </a:effectRef>
-      <a:fontRef idx="minor"/>
-    </dgm:style>
-  </dgm:styleLbl>
-  <dgm:styleLbl name="parChTrans1D2">
-    <dgm:scene3d>
-      <a:camera prst="orthographicFront"/>
-      <a:lightRig rig="threePt" dir="t"/>
-    </dgm:scene3d>
-    <dgm:sp3d/>
-    <dgm:txPr/>
-    <dgm:style>
-      <a:lnRef idx="2">
-        <a:scrgbClr r="0" g="0" b="0"/>
-      </a:lnRef>
-      <a:fillRef idx="0">
-        <a:scrgbClr r="0" g="0" b="0"/>
-      </a:fillRef>
-      <a:effectRef idx="0">
-        <a:scrgbClr r="0" g="0" b="0"/>
-      </a:effectRef>
-      <a:fontRef idx="minor"/>
-    </dgm:style>
-  </dgm:styleLbl>
-  <dgm:styleLbl name="parChTrans1D3">
-    <dgm:scene3d>
-      <a:camera prst="orthographicFront"/>
-      <a:lightRig rig="threePt" dir="t"/>
-    </dgm:scene3d>
-    <dgm:sp3d/>
-    <dgm:txPr/>
-    <dgm:style>
-      <a:lnRef idx="2">
-        <a:scrgbClr r="0" g="0" b="0"/>
-      </a:lnRef>
-      <a:fillRef idx="0">
-        <a:scrgbClr r="0" g="0" b="0"/>
-      </a:fillRef>
-      <a:effectRef idx="0">
-        <a:scrgbClr r="0" g="0" b="0"/>
-      </a:effectRef>
-      <a:fontRef idx="minor"/>
-    </dgm:style>
-  </dgm:styleLbl>
-  <dgm:styleLbl name="parChTrans1D4">
-    <dgm:scene3d>
-      <a:camera prst="orthographicFront"/>
-      <a:lightRig rig="threePt" dir="t"/>
-    </dgm:scene3d>
-    <dgm:sp3d/>
-    <dgm:txPr/>
-    <dgm:style>
-      <a:lnRef idx="2">
-        <a:scrgbClr r="0" g="0" b="0"/>
-      </a:lnRef>
-      <a:fillRef idx="0">
-        <a:scrgbClr r="0" g="0" b="0"/>
-      </a:fillRef>
-      <a:effectRef idx="0">
-        <a:scrgbClr r="0" g="0" b="0"/>
-      </a:effectRef>
-      <a:fontRef idx="minor"/>
-    </dgm:style>
-  </dgm:styleLbl>
-  <dgm:styleLbl name="fgAcc1">
-    <dgm:scene3d>
-      <a:camera prst="orthographicFront"/>
-      <a:lightRig rig="threePt" dir="t"/>
-    </dgm:scene3d>
-    <dgm:sp3d/>
-    <dgm:txPr/>
-    <dgm:style>
-      <a:lnRef idx="2">
-        <a:scrgbClr r="0" g="0" b="0"/>
-      </a:lnRef>
-      <a:fillRef idx="1">
-        <a:scrgbClr r="0" g="0" b="0"/>
-      </a:fillRef>
-      <a:effectRef idx="0">
-        <a:scrgbClr r="0" g="0" b="0"/>
-      </a:effectRef>
-      <a:fontRef idx="minor"/>
-    </dgm:style>
-  </dgm:styleLbl>
-  <dgm:styleLbl name="conFgAcc1">
-    <dgm:scene3d>
-      <a:camera prst="orthographicFront"/>
-      <a:lightRig rig="threePt" dir="t"/>
-    </dgm:scene3d>
-    <dgm:sp3d/>
-    <dgm:txPr/>
-    <dgm:style>
-      <a:lnRef idx="2">
-        <a:scrgbClr r="0" g="0" b="0"/>
-      </a:lnRef>
-      <a:fillRef idx="1">
-        <a:scrgbClr r="0" g="0" b="0"/>
-      </a:fillRef>
-      <a:effectRef idx="0">
-        <a:scrgbClr r="0" g="0" b="0"/>
-      </a:effectRef>
-      <a:fontRef idx="minor"/>
-    </dgm:style>
-  </dgm:styleLbl>
-  <dgm:styleLbl name="alignAcc1">
-    <dgm:scene3d>
-      <a:camera prst="orthographicFront"/>
-      <a:lightRig rig="threePt" dir="t"/>
-    </dgm:scene3d>
-    <dgm:sp3d/>
-    <dgm:txPr/>
-    <dgm:style>
-      <a:lnRef idx="2">
-        <a:scrgbClr r="0" g="0" b="0"/>
-      </a:lnRef>
-      <a:fillRef idx="1">
-        <a:scrgbClr r="0" g="0" b="0"/>
-      </a:fillRef>
-      <a:effectRef idx="0">
-        <a:scrgbClr r="0" g="0" b="0"/>
-      </a:effectRef>
-      <a:fontRef idx="minor"/>
-    </dgm:style>
-  </dgm:styleLbl>
-  <dgm:styleLbl name="trAlignAcc1">
-    <dgm:scene3d>
-      <a:camera prst="orthographicFront"/>
-      <a:lightRig rig="threePt" dir="t"/>
-    </dgm:scene3d>
-    <dgm:sp3d/>
-    <dgm:txPr/>
-    <dgm:style>
-      <a:lnRef idx="1">
-        <a:scrgbClr r="0" g="0" b="0"/>
-      </a:lnRef>
-      <a:fillRef idx="1">
-        <a:scrgbClr r="0" g="0" b="0"/>
-      </a:fillRef>
-      <a:effectRef idx="0">
-        <a:scrgbClr r="0" g="0" b="0"/>
-      </a:effectRef>
-      <a:fontRef idx="minor"/>
-    </dgm:style>
-  </dgm:styleLbl>
-  <dgm:styleLbl name="bgAcc1">
-    <dgm:scene3d>
-      <a:camera prst="orthographicFront"/>
-      <a:lightRig rig="threePt" dir="t"/>
-    </dgm:scene3d>
-    <dgm:sp3d/>
-    <dgm:txPr/>
-    <dgm:style>
-      <a:lnRef idx="2">
-        <a:scrgbClr r="0" g="0" b="0"/>
-      </a:lnRef>
-      <a:fillRef idx="1">
-        <a:scrgbClr r="0" g="0" b="0"/>
-      </a:fillRef>
-      <a:effectRef idx="0">
-        <a:scrgbClr r="0" g="0" b="0"/>
-      </a:effectRef>
-      <a:fontRef idx="minor"/>
-    </dgm:style>
-  </dgm:styleLbl>
-  <dgm:styleLbl name="solidFgAcc1">
-    <dgm:scene3d>
-      <a:camera prst="orthographicFront"/>
-      <a:lightRig rig="threePt" dir="t"/>
-    </dgm:scene3d>
-    <dgm:sp3d/>
-    <dgm:txPr/>
-    <dgm:style>
-      <a:lnRef idx="2">
-        <a:scrgbClr r="0" g="0" b="0"/>
-      </a:lnRef>
-      <a:fillRef idx="1">
-        <a:scrgbClr r="0" g="0" b="0"/>
-      </a:fillRef>
-      <a:effectRef idx="0">
-        <a:scrgbClr r="0" g="0" b="0"/>
-      </a:effectRef>
-      <a:fontRef idx="minor"/>
-    </dgm:style>
-  </dgm:styleLbl>
-  <dgm:styleLbl name="solidAlignAcc1">
-    <dgm:scene3d>
-      <a:camera prst="orthographicFront"/>
-      <a:lightRig rig="threePt" dir="t"/>
-    </dgm:scene3d>
-    <dgm:sp3d/>
-    <dgm:txPr/>
-    <dgm:style>
-      <a:lnRef idx="2">
-        <a:scrgbClr r="0" g="0" b="0"/>
-      </a:lnRef>
-      <a:fillRef idx="1">
-        <a:scrgbClr r="0" g="0" b="0"/>
-      </a:fillRef>
-      <a:effectRef idx="0">
-        <a:scrgbClr r="0" g="0" b="0"/>
-      </a:effectRef>
-      <a:fontRef idx="minor"/>
-    </dgm:style>
-  </dgm:styleLbl>
-  <dgm:styleLbl name="solidBgAcc1">
-    <dgm:scene3d>
-      <a:camera prst="orthographicFront"/>
-      <a:lightRig rig="threePt" dir="t"/>
-    </dgm:scene3d>
-    <dgm:sp3d/>
-    <dgm:txPr/>
-    <dgm:style>
-      <a:lnRef idx="2">
-        <a:scrgbClr r="0" g="0" b="0"/>
-      </a:lnRef>
-      <a:fillRef idx="1">
-        <a:scrgbClr r="0" g="0" b="0"/>
-      </a:fillRef>
-      <a:effectRef idx="0">
-        <a:scrgbClr r="0" g="0" b="0"/>
-      </a:effectRef>
-      <a:fontRef idx="minor"/>
-    </dgm:style>
-  </dgm:styleLbl>
-  <dgm:styleLbl name="fgAccFollowNode1">
-    <dgm:scene3d>
-      <a:camera prst="orthographicFront"/>
-      <a:lightRig rig="threePt" dir="t"/>
-    </dgm:scene3d>
-    <dgm:sp3d/>
-    <dgm:txPr/>
-    <dgm:style>
-      <a:lnRef idx="2">
-        <a:scrgbClr r="0" g="0" b="0"/>
-      </a:lnRef>
-      <a:fillRef idx="1">
-        <a:scrgbClr r="0" g="0" b="0"/>
-      </a:fillRef>
-      <a:effectRef idx="0">
-        <a:scrgbClr r="0" g="0" b="0"/>
-      </a:effectRef>
-      <a:fontRef idx="minor"/>
-    </dgm:style>
-  </dgm:styleLbl>
-  <dgm:styleLbl name="alignAccFollowNode1">
-    <dgm:scene3d>
-      <a:camera prst="orthographicFront"/>
-      <a:lightRig rig="threePt" dir="t"/>
-    </dgm:scene3d>
-    <dgm:sp3d/>
-    <dgm:txPr/>
-    <dgm:style>
-      <a:lnRef idx="2">
-        <a:scrgbClr r="0" g="0" b="0"/>
-      </a:lnRef>
-      <a:fillRef idx="1">
-        <a:scrgbClr r="0" g="0" b="0"/>
-      </a:fillRef>
-      <a:effectRef idx="0">
-        <a:scrgbClr r="0" g="0" b="0"/>
-      </a:effectRef>
-      <a:fontRef idx="minor"/>
-    </dgm:style>
-  </dgm:styleLbl>
-  <dgm:styleLbl name="bgAccFollowNode1">
-    <dgm:scene3d>
-      <a:camera prst="orthographicFront"/>
-      <a:lightRig rig="threePt" dir="t"/>
-    </dgm:scene3d>
-    <dgm:sp3d/>
-    <dgm:txPr/>
-    <dgm:style>
-      <a:lnRef idx="2">
-        <a:scrgbClr r="0" g="0" b="0"/>
-      </a:lnRef>
-      <a:fillRef idx="1">
-        <a:scrgbClr r="0" g="0" b="0"/>
-      </a:fillRef>
-      <a:effectRef idx="0">
-        <a:scrgbClr r="0" g="0" b="0"/>
-      </a:effectRef>
-      <a:fontRef idx="minor"/>
-    </dgm:style>
-  </dgm:styleLbl>
-  <dgm:styleLbl name="fgAcc0">
-    <dgm:scene3d>
-      <a:camera prst="orthographicFront"/>
-      <a:lightRig rig="threePt" dir="t"/>
-    </dgm:scene3d>
-    <dgm:sp3d/>
-    <dgm:txPr/>
-    <dgm:style>
-      <a:lnRef idx="2">
-        <a:scrgbClr r="0" g="0" b="0"/>
-      </a:lnRef>
-      <a:fillRef idx="1">
-        <a:scrgbClr r="0" g="0" b="0"/>
-      </a:fillRef>
-      <a:effectRef idx="0">
-        <a:scrgbClr r="0" g="0" b="0"/>
-      </a:effectRef>
-      <a:fontRef idx="minor"/>
-    </dgm:style>
-  </dgm:styleLbl>
-  <dgm:styleLbl name="fgAcc2">
-    <dgm:scene3d>
-      <a:camera prst="orthographicFront"/>
-      <a:lightRig rig="threePt" dir="t"/>
-    </dgm:scene3d>
-    <dgm:sp3d/>
-    <dgm:txPr/>
-    <dgm:style>
-      <a:lnRef idx="2">
-        <a:scrgbClr r="0" g="0" b="0"/>
-      </a:lnRef>
-      <a:fillRef idx="1">
-        <a:scrgbClr r="0" g="0" b="0"/>
-      </a:fillRef>
-      <a:effectRef idx="0">
-        <a:scrgbClr r="0" g="0" b="0"/>
-      </a:effectRef>
-      <a:fontRef idx="minor"/>
-    </dgm:style>
-  </dgm:styleLbl>
-  <dgm:styleLbl name="fgAcc3">
-    <dgm:scene3d>
-      <a:camera prst="orthographicFront"/>
-      <a:lightRig rig="threePt" dir="t"/>
-    </dgm:scene3d>
-    <dgm:sp3d/>
-    <dgm:txPr/>
-    <dgm:style>
-      <a:lnRef idx="2">
-        <a:scrgbClr r="0" g="0" b="0"/>
-      </a:lnRef>
-      <a:fillRef idx="1">
-        <a:scrgbClr r="0" g="0" b="0"/>
-      </a:fillRef>
-      <a:effectRef idx="0">
-        <a:scrgbClr r="0" g="0" b="0"/>
-      </a:effectRef>
-      <a:fontRef idx="minor"/>
-    </dgm:style>
-  </dgm:styleLbl>
-  <dgm:styleLbl name="fgAcc4">
-    <dgm:scene3d>
-      <a:camera prst="orthographicFront"/>
-      <a:lightRig rig="threePt" dir="t"/>
-    </dgm:scene3d>
-    <dgm:sp3d/>
-    <dgm:txPr/>
-    <dgm:style>
-      <a:lnRef idx="2">
-        <a:scrgbClr r="0" g="0" b="0"/>
-      </a:lnRef>
-      <a:fillRef idx="1">
-        <a:scrgbClr r="0" g="0" b="0"/>
-      </a:fillRef>
-      <a:effectRef idx="0">
-        <a:scrgbClr r="0" g="0" b="0"/>
-      </a:effectRef>
-      <a:fontRef idx="minor"/>
-    </dgm:style>
-  </dgm:styleLbl>
-  <dgm:styleLbl name="bgShp">
-    <dgm:scene3d>
-      <a:camera prst="orthographicFront"/>
-      <a:lightRig rig="threePt" dir="t"/>
-    </dgm:scene3d>
-    <dgm:sp3d/>
-    <dgm:txPr/>
-    <dgm:style>
-      <a:lnRef idx="0">
-        <a:scrgbClr r="0" g="0" b="0"/>
-      </a:lnRef>
-      <a:fillRef idx="1">
-        <a:scrgbClr r="0" g="0" b="0"/>
-      </a:fillRef>
-      <a:effectRef idx="0">
-        <a:scrgbClr r="0" g="0" b="0"/>
-      </a:effectRef>
-      <a:fontRef idx="minor"/>
-    </dgm:style>
-  </dgm:styleLbl>
-  <dgm:styleLbl name="dkBgShp">
-    <dgm:scene3d>
-      <a:camera prst="orthographicFront"/>
-      <a:lightRig rig="threePt" dir="t"/>
-    </dgm:scene3d>
-    <dgm:sp3d/>
-    <dgm:txPr/>
-    <dgm:style>
-      <a:lnRef idx="0">
-        <a:scrgbClr r="0" g="0" b="0"/>
-      </a:lnRef>
-      <a:fillRef idx="1">
-        <a:scrgbClr r="0" g="0" b="0"/>
-      </a:fillRef>
-      <a:effectRef idx="0">
-        <a:scrgbClr r="0" g="0" b="0"/>
-      </a:effectRef>
-      <a:fontRef idx="minor"/>
-    </dgm:style>
-  </dgm:styleLbl>
-  <dgm:styleLbl name="trBgShp">
-    <dgm:scene3d>
-      <a:camera prst="orthographicFront"/>
-      <a:lightRig rig="threePt" dir="t"/>
-    </dgm:scene3d>
-    <dgm:sp3d/>
-    <dgm:txPr/>
-    <dgm:style>
-      <a:lnRef idx="0">
-        <a:scrgbClr r="0" g="0" b="0"/>
-      </a:lnRef>
-      <a:fillRef idx="1">
-        <a:scrgbClr r="0" g="0" b="0"/>
-      </a:fillRef>
-      <a:effectRef idx="0">
-        <a:scrgbClr r="0" g="0" b="0"/>
-      </a:effectRef>
-      <a:fontRef idx="minor"/>
-    </dgm:style>
-  </dgm:styleLbl>
-  <dgm:styleLbl name="fgShp">
-    <dgm:scene3d>
-      <a:camera prst="orthographicFront"/>
-      <a:lightRig rig="threePt" dir="t"/>
-    </dgm:scene3d>
-    <dgm:sp3d/>
-    <dgm:txPr/>
-    <dgm:style>
-      <a:lnRef idx="2">
-        <a:scrgbClr r="0" g="0" b="0"/>
-      </a:lnRef>
-      <a:fillRef idx="1">
-        <a:scrgbClr r="0" g="0" b="0"/>
-      </a:fillRef>
-      <a:effectRef idx="0">
-        <a:scrgbClr r="0" g="0" b="0"/>
-      </a:effectRef>
-      <a:fontRef idx="minor"/>
-    </dgm:style>
-  </dgm:styleLbl>
-  <dgm:styleLbl name="revTx">
-    <dgm:scene3d>
-      <a:camera prst="orthographicFront"/>
-      <a:lightRig rig="threePt" dir="t"/>
-    </dgm:scene3d>
-    <dgm:sp3d/>
-    <dgm:txPr/>
-    <dgm:style>
-      <a:lnRef idx="0">
-        <a:scrgbClr r="0" g="0" b="0"/>
-      </a:lnRef>
-      <a:fillRef idx="0">
-        <a:scrgbClr r="0" g="0" b="0"/>
-      </a:fillRef>
-      <a:effectRef idx="0">
-        <a:scrgbClr r="0" g="0" b="0"/>
-      </a:effectRef>
-      <a:fontRef idx="minor"/>
-    </dgm:style>
-  </dgm:styleLbl>
-</dgm:styleDef>
-</file>
-
-<file path=ppt/diagrams/quickStyle2.xml><?xml version="1.0" encoding="utf-8"?>
 <dgm:styleDef xmlns:dgm="http://schemas.openxmlformats.org/drawingml/2006/diagram" xmlns:a="http://schemas.openxmlformats.org/drawingml/2006/main" uniqueId="urn:microsoft.com/office/officeart/2005/8/quickstyle/simple4">
   <dgm:title val=""/>
   <dgm:desc val=""/>
@@ -7384,7 +4746,7 @@
     </p:spTree>
     <p:extLst>
       <p:ext uri="{BB962C8B-B14F-4D97-AF65-F5344CB8AC3E}">
-        <p14:creationId xmlns:p14="http://schemas.microsoft.com/office/powerpoint/2010/main" val="431927585"/>
+        <p14:creationId xmlns:p14="http://schemas.microsoft.com/office/powerpoint/2010/main" val="2868566710"/>
       </p:ext>
     </p:extLst>
   </p:cSld>
@@ -7459,91 +4821,7 @@
           <a:p>
             <a:fld id="{C6B3AB32-59DF-41F1-9618-EDFBF5049629}" type="slidenum">
               <a:rPr lang="en-US" smtClean="0"/>
-              <a:t>18</a:t>
-            </a:fld>
-            <a:endParaRPr lang="en-US" dirty="0"/>
-          </a:p>
-        </p:txBody>
-      </p:sp>
-    </p:spTree>
-    <p:extLst>
-      <p:ext uri="{BB962C8B-B14F-4D97-AF65-F5344CB8AC3E}">
-        <p14:creationId xmlns:p14="http://schemas.microsoft.com/office/powerpoint/2010/main" val="3505115597"/>
-      </p:ext>
-    </p:extLst>
-  </p:cSld>
-  <p:clrMapOvr>
-    <a:masterClrMapping/>
-  </p:clrMapOvr>
-</p:notes>
-</file>
-
-<file path=ppt/notesSlides/notesSlide4.xml><?xml version="1.0" encoding="utf-8"?>
-<p:notes xmlns:a="http://schemas.openxmlformats.org/drawingml/2006/main" xmlns:r="http://schemas.openxmlformats.org/officeDocument/2006/relationships" xmlns:p="http://schemas.openxmlformats.org/presentationml/2006/main">
-  <p:cSld>
-    <p:spTree>
-      <p:nvGrpSpPr>
-        <p:cNvPr id="1" name=""/>
-        <p:cNvGrpSpPr/>
-        <p:nvPr/>
-      </p:nvGrpSpPr>
-      <p:grpSpPr>
-        <a:xfrm>
-          <a:off x="0" y="0"/>
-          <a:ext cx="0" cy="0"/>
-          <a:chOff x="0" y="0"/>
-          <a:chExt cx="0" cy="0"/>
-        </a:xfrm>
-      </p:grpSpPr>
-      <p:sp>
-        <p:nvSpPr>
-          <p:cNvPr id="2" name="Slide Image Placeholder 1"/>
-          <p:cNvSpPr>
-            <a:spLocks noGrp="1" noRot="1" noChangeAspect="1"/>
-          </p:cNvSpPr>
-          <p:nvPr>
-            <p:ph type="sldImg"/>
-          </p:nvPr>
-        </p:nvSpPr>
-        <p:spPr/>
-      </p:sp>
-      <p:sp>
-        <p:nvSpPr>
-          <p:cNvPr id="3" name="Notes Placeholder 2"/>
-          <p:cNvSpPr>
-            <a:spLocks noGrp="1"/>
-          </p:cNvSpPr>
-          <p:nvPr>
-            <p:ph type="body" idx="1"/>
-          </p:nvPr>
-        </p:nvSpPr>
-        <p:spPr/>
-        <p:txBody>
-          <a:bodyPr/>
-          <a:lstStyle/>
-          <a:p>
-            <a:endParaRPr lang="en-US" dirty="0"/>
-          </a:p>
-        </p:txBody>
-      </p:sp>
-      <p:sp>
-        <p:nvSpPr>
-          <p:cNvPr id="4" name="Slide Number Placeholder 3"/>
-          <p:cNvSpPr>
-            <a:spLocks noGrp="1"/>
-          </p:cNvSpPr>
-          <p:nvPr>
-            <p:ph type="sldNum" sz="quarter" idx="5"/>
-          </p:nvPr>
-        </p:nvSpPr>
-        <p:spPr/>
-        <p:txBody>
-          <a:bodyPr/>
-          <a:lstStyle/>
-          <a:p>
-            <a:fld id="{C6B3AB32-59DF-41F1-9618-EDFBF5049629}" type="slidenum">
-              <a:rPr lang="en-US" smtClean="0"/>
-              <a:t>20</a:t>
+              <a:t>22</a:t>
             </a:fld>
             <a:endParaRPr lang="en-US" dirty="0"/>
           </a:p>
@@ -12123,6 +9401,595 @@
           <a:p>
             <a:r>
               <a:rPr lang="en-US" dirty="0"/>
+              <a:t>Relatively even distribution of grades when compared with the other years.</a:t>
+            </a:r>
+          </a:p>
+          <a:p>
+            <a:r>
+              <a:rPr lang="en-US" dirty="0"/>
+              <a:t>Mean: 		2.458</a:t>
+            </a:r>
+          </a:p>
+          <a:p>
+            <a:r>
+              <a:rPr lang="en-US" dirty="0"/>
+              <a:t>Median: 	2.5</a:t>
+            </a:r>
+          </a:p>
+          <a:p>
+            <a:r>
+              <a:rPr lang="en-US" dirty="0"/>
+              <a:t>Total students: 60</a:t>
+            </a:r>
+          </a:p>
+        </p:txBody>
+      </p:sp>
+      <p:pic>
+        <p:nvPicPr>
+          <p:cNvPr id="12" name="Content Placeholder 11">
+            <a:extLst>
+              <a:ext uri="{FF2B5EF4-FFF2-40B4-BE49-F238E27FC236}">
+                <a16:creationId xmlns:a16="http://schemas.microsoft.com/office/drawing/2014/main" id="{3E395732-DD74-A97D-BC22-2AF6224408DF}"/>
+              </a:ext>
+            </a:extLst>
+          </p:cNvPr>
+          <p:cNvPicPr>
+            <a:picLocks noGrp="1" noChangeAspect="1"/>
+          </p:cNvPicPr>
+          <p:nvPr>
+            <p:ph sz="half" idx="2"/>
+          </p:nvPr>
+        </p:nvPicPr>
+        <p:blipFill>
+          <a:blip r:embed="rId2"/>
+          <a:srcRect/>
+          <a:stretch/>
+        </p:blipFill>
+        <p:spPr>
+          <a:xfrm>
+            <a:off x="7082631" y="2945722"/>
+            <a:ext cx="3633787" cy="3633787"/>
+          </a:xfrm>
+        </p:spPr>
+      </p:pic>
+      <p:graphicFrame>
+        <p:nvGraphicFramePr>
+          <p:cNvPr id="13" name="Table 13">
+            <a:extLst>
+              <a:ext uri="{FF2B5EF4-FFF2-40B4-BE49-F238E27FC236}">
+                <a16:creationId xmlns:a16="http://schemas.microsoft.com/office/drawing/2014/main" id="{ADB90C79-1E2A-934C-4812-5B4609E89014}"/>
+              </a:ext>
+            </a:extLst>
+          </p:cNvPr>
+          <p:cNvGraphicFramePr>
+            <a:graphicFrameLocks noGrp="1"/>
+          </p:cNvGraphicFramePr>
+          <p:nvPr>
+            <p:extLst>
+              <p:ext uri="{D42A27DB-BD31-4B8C-83A1-F6EECF244321}">
+                <p14:modId xmlns:p14="http://schemas.microsoft.com/office/powerpoint/2010/main" val="1379543246"/>
+              </p:ext>
+            </p:extLst>
+          </p:nvPr>
+        </p:nvGraphicFramePr>
+        <p:xfrm>
+          <a:off x="6775934" y="2390845"/>
+          <a:ext cx="4247177" cy="387554"/>
+        </p:xfrm>
+        <a:graphic>
+          <a:graphicData uri="http://schemas.openxmlformats.org/drawingml/2006/table">
+            <a:tbl>
+              <a:tblPr firstRow="1" bandRow="1">
+                <a:tableStyleId>{5C22544A-7EE6-4342-B048-85BDC9FD1C3A}</a:tableStyleId>
+              </a:tblPr>
+              <a:tblGrid>
+                <a:gridCol w="386107">
+                  <a:extLst>
+                    <a:ext uri="{9D8B030D-6E8A-4147-A177-3AD203B41FA5}">
+                      <a16:colId xmlns:a16="http://schemas.microsoft.com/office/drawing/2014/main" val="2045186618"/>
+                    </a:ext>
+                  </a:extLst>
+                </a:gridCol>
+                <a:gridCol w="386107">
+                  <a:extLst>
+                    <a:ext uri="{9D8B030D-6E8A-4147-A177-3AD203B41FA5}">
+                      <a16:colId xmlns:a16="http://schemas.microsoft.com/office/drawing/2014/main" val="3608372454"/>
+                    </a:ext>
+                  </a:extLst>
+                </a:gridCol>
+                <a:gridCol w="386107">
+                  <a:extLst>
+                    <a:ext uri="{9D8B030D-6E8A-4147-A177-3AD203B41FA5}">
+                      <a16:colId xmlns:a16="http://schemas.microsoft.com/office/drawing/2014/main" val="363617069"/>
+                    </a:ext>
+                  </a:extLst>
+                </a:gridCol>
+                <a:gridCol w="386107">
+                  <a:extLst>
+                    <a:ext uri="{9D8B030D-6E8A-4147-A177-3AD203B41FA5}">
+                      <a16:colId xmlns:a16="http://schemas.microsoft.com/office/drawing/2014/main" val="4017101806"/>
+                    </a:ext>
+                  </a:extLst>
+                </a:gridCol>
+                <a:gridCol w="386107">
+                  <a:extLst>
+                    <a:ext uri="{9D8B030D-6E8A-4147-A177-3AD203B41FA5}">
+                      <a16:colId xmlns:a16="http://schemas.microsoft.com/office/drawing/2014/main" val="3206237433"/>
+                    </a:ext>
+                  </a:extLst>
+                </a:gridCol>
+                <a:gridCol w="386107">
+                  <a:extLst>
+                    <a:ext uri="{9D8B030D-6E8A-4147-A177-3AD203B41FA5}">
+                      <a16:colId xmlns:a16="http://schemas.microsoft.com/office/drawing/2014/main" val="2249127231"/>
+                    </a:ext>
+                  </a:extLst>
+                </a:gridCol>
+                <a:gridCol w="386107">
+                  <a:extLst>
+                    <a:ext uri="{9D8B030D-6E8A-4147-A177-3AD203B41FA5}">
+                      <a16:colId xmlns:a16="http://schemas.microsoft.com/office/drawing/2014/main" val="1705875377"/>
+                    </a:ext>
+                  </a:extLst>
+                </a:gridCol>
+                <a:gridCol w="386107">
+                  <a:extLst>
+                    <a:ext uri="{9D8B030D-6E8A-4147-A177-3AD203B41FA5}">
+                      <a16:colId xmlns:a16="http://schemas.microsoft.com/office/drawing/2014/main" val="2640942700"/>
+                    </a:ext>
+                  </a:extLst>
+                </a:gridCol>
+                <a:gridCol w="386107">
+                  <a:extLst>
+                    <a:ext uri="{9D8B030D-6E8A-4147-A177-3AD203B41FA5}">
+                      <a16:colId xmlns:a16="http://schemas.microsoft.com/office/drawing/2014/main" val="3178846657"/>
+                    </a:ext>
+                  </a:extLst>
+                </a:gridCol>
+                <a:gridCol w="386107">
+                  <a:extLst>
+                    <a:ext uri="{9D8B030D-6E8A-4147-A177-3AD203B41FA5}">
+                      <a16:colId xmlns:a16="http://schemas.microsoft.com/office/drawing/2014/main" val="1685616324"/>
+                    </a:ext>
+                  </a:extLst>
+                </a:gridCol>
+                <a:gridCol w="386107">
+                  <a:extLst>
+                    <a:ext uri="{9D8B030D-6E8A-4147-A177-3AD203B41FA5}">
+                      <a16:colId xmlns:a16="http://schemas.microsoft.com/office/drawing/2014/main" val="4264547713"/>
+                    </a:ext>
+                  </a:extLst>
+                </a:gridCol>
+              </a:tblGrid>
+              <a:tr h="193777">
+                <a:tc>
+                  <a:txBody>
+                    <a:bodyPr/>
+                    <a:lstStyle/>
+                    <a:p>
+                      <a:pPr algn="ctr"/>
+                      <a:r>
+                        <a:rPr lang="en-US" sz="900" dirty="0"/>
+                        <a:t>A+</a:t>
+                      </a:r>
+                      <a:endParaRPr lang="en-GB" sz="900" dirty="0"/>
+                    </a:p>
+                  </a:txBody>
+                  <a:tcPr marL="47781" marR="47781" marT="23890" marB="23890"/>
+                </a:tc>
+                <a:tc>
+                  <a:txBody>
+                    <a:bodyPr/>
+                    <a:lstStyle/>
+                    <a:p>
+                      <a:pPr algn="ctr"/>
+                      <a:r>
+                        <a:rPr lang="en-US" sz="900" dirty="0"/>
+                        <a:t>A</a:t>
+                      </a:r>
+                      <a:endParaRPr lang="en-GB" sz="900" dirty="0"/>
+                    </a:p>
+                  </a:txBody>
+                  <a:tcPr marL="47781" marR="47781" marT="23890" marB="23890"/>
+                </a:tc>
+                <a:tc>
+                  <a:txBody>
+                    <a:bodyPr/>
+                    <a:lstStyle/>
+                    <a:p>
+                      <a:pPr algn="ctr"/>
+                      <a:r>
+                        <a:rPr lang="en-US" sz="900" dirty="0"/>
+                        <a:t>B+ </a:t>
+                      </a:r>
+                      <a:endParaRPr lang="en-GB" sz="900" dirty="0"/>
+                    </a:p>
+                  </a:txBody>
+                  <a:tcPr marL="47781" marR="47781" marT="23890" marB="23890"/>
+                </a:tc>
+                <a:tc>
+                  <a:txBody>
+                    <a:bodyPr/>
+                    <a:lstStyle/>
+                    <a:p>
+                      <a:pPr algn="ctr"/>
+                      <a:r>
+                        <a:rPr lang="en-US" sz="900" dirty="0"/>
+                        <a:t>B</a:t>
+                      </a:r>
+                      <a:endParaRPr lang="en-GB" sz="900" dirty="0"/>
+                    </a:p>
+                  </a:txBody>
+                  <a:tcPr marL="47781" marR="47781" marT="23890" marB="23890"/>
+                </a:tc>
+                <a:tc>
+                  <a:txBody>
+                    <a:bodyPr/>
+                    <a:lstStyle/>
+                    <a:p>
+                      <a:pPr algn="ctr"/>
+                      <a:r>
+                        <a:rPr lang="en-US" sz="900" dirty="0"/>
+                        <a:t>C+</a:t>
+                      </a:r>
+                      <a:endParaRPr lang="en-GB" sz="900" dirty="0"/>
+                    </a:p>
+                  </a:txBody>
+                  <a:tcPr marL="47781" marR="47781" marT="23890" marB="23890"/>
+                </a:tc>
+                <a:tc>
+                  <a:txBody>
+                    <a:bodyPr/>
+                    <a:lstStyle/>
+                    <a:p>
+                      <a:pPr algn="ctr"/>
+                      <a:r>
+                        <a:rPr lang="en-US" sz="900" dirty="0"/>
+                        <a:t>C</a:t>
+                      </a:r>
+                      <a:endParaRPr lang="en-GB" sz="900" dirty="0"/>
+                    </a:p>
+                  </a:txBody>
+                  <a:tcPr marL="47781" marR="47781" marT="23890" marB="23890"/>
+                </a:tc>
+                <a:tc>
+                  <a:txBody>
+                    <a:bodyPr/>
+                    <a:lstStyle/>
+                    <a:p>
+                      <a:pPr algn="ctr"/>
+                      <a:r>
+                        <a:rPr lang="en-US" sz="900" dirty="0"/>
+                        <a:t>D+</a:t>
+                      </a:r>
+                      <a:endParaRPr lang="en-GB" sz="900" dirty="0"/>
+                    </a:p>
+                  </a:txBody>
+                  <a:tcPr marL="47781" marR="47781" marT="23890" marB="23890"/>
+                </a:tc>
+                <a:tc>
+                  <a:txBody>
+                    <a:bodyPr/>
+                    <a:lstStyle/>
+                    <a:p>
+                      <a:pPr algn="ctr"/>
+                      <a:r>
+                        <a:rPr lang="en-US" sz="900" dirty="0"/>
+                        <a:t>D</a:t>
+                      </a:r>
+                      <a:endParaRPr lang="en-GB" sz="900" dirty="0"/>
+                    </a:p>
+                  </a:txBody>
+                  <a:tcPr marL="47781" marR="47781" marT="23890" marB="23890"/>
+                </a:tc>
+                <a:tc>
+                  <a:txBody>
+                    <a:bodyPr/>
+                    <a:lstStyle/>
+                    <a:p>
+                      <a:pPr algn="ctr"/>
+                      <a:r>
+                        <a:rPr lang="en-US" sz="900" dirty="0"/>
+                        <a:t>MF</a:t>
+                      </a:r>
+                      <a:endParaRPr lang="en-GB" sz="900" dirty="0"/>
+                    </a:p>
+                  </a:txBody>
+                  <a:tcPr marL="47781" marR="47781" marT="23890" marB="23890"/>
+                </a:tc>
+                <a:tc>
+                  <a:txBody>
+                    <a:bodyPr/>
+                    <a:lstStyle/>
+                    <a:p>
+                      <a:pPr algn="ctr"/>
+                      <a:r>
+                        <a:rPr lang="en-US" sz="900" dirty="0"/>
+                        <a:t>F</a:t>
+                      </a:r>
+                      <a:endParaRPr lang="en-GB" sz="900" dirty="0"/>
+                    </a:p>
+                  </a:txBody>
+                  <a:tcPr marL="47781" marR="47781" marT="23890" marB="23890"/>
+                </a:tc>
+                <a:tc>
+                  <a:txBody>
+                    <a:bodyPr/>
+                    <a:lstStyle/>
+                    <a:p>
+                      <a:pPr algn="ctr"/>
+                      <a:r>
+                        <a:rPr lang="en-US" sz="900" dirty="0"/>
+                        <a:t>NS</a:t>
+                      </a:r>
+                      <a:endParaRPr lang="en-GB" sz="900" dirty="0"/>
+                    </a:p>
+                  </a:txBody>
+                  <a:tcPr marL="47781" marR="47781" marT="23890" marB="23890"/>
+                </a:tc>
+                <a:extLst>
+                  <a:ext uri="{0D108BD9-81ED-4DB2-BD59-A6C34878D82A}">
+                    <a16:rowId xmlns:a16="http://schemas.microsoft.com/office/drawing/2014/main" val="2082677582"/>
+                  </a:ext>
+                </a:extLst>
+              </a:tr>
+              <a:tr h="193777">
+                <a:tc>
+                  <a:txBody>
+                    <a:bodyPr/>
+                    <a:lstStyle/>
+                    <a:p>
+                      <a:pPr algn="ctr"/>
+                      <a:r>
+                        <a:rPr lang="en-US" sz="900" dirty="0"/>
+                        <a:t>4</a:t>
+                      </a:r>
+                      <a:endParaRPr lang="en-GB" sz="900" dirty="0"/>
+                    </a:p>
+                  </a:txBody>
+                  <a:tcPr marL="47781" marR="47781" marT="23890" marB="23890"/>
+                </a:tc>
+                <a:tc>
+                  <a:txBody>
+                    <a:bodyPr/>
+                    <a:lstStyle/>
+                    <a:p>
+                      <a:pPr algn="ctr"/>
+                      <a:r>
+                        <a:rPr lang="en-US" sz="900" dirty="0"/>
+                        <a:t>7</a:t>
+                      </a:r>
+                      <a:endParaRPr lang="en-GB" sz="900" dirty="0"/>
+                    </a:p>
+                  </a:txBody>
+                  <a:tcPr marL="47781" marR="47781" marT="23890" marB="23890"/>
+                </a:tc>
+                <a:tc>
+                  <a:txBody>
+                    <a:bodyPr/>
+                    <a:lstStyle/>
+                    <a:p>
+                      <a:pPr algn="ctr"/>
+                      <a:r>
+                        <a:rPr lang="en-US" sz="900" dirty="0"/>
+                        <a:t>7</a:t>
+                      </a:r>
+                      <a:endParaRPr lang="en-GB" sz="900" dirty="0"/>
+                    </a:p>
+                  </a:txBody>
+                  <a:tcPr marL="47781" marR="47781" marT="23890" marB="23890"/>
+                </a:tc>
+                <a:tc>
+                  <a:txBody>
+                    <a:bodyPr/>
+                    <a:lstStyle/>
+                    <a:p>
+                      <a:pPr algn="ctr"/>
+                      <a:r>
+                        <a:rPr lang="en-US" sz="900" dirty="0"/>
+                        <a:t>7</a:t>
+                      </a:r>
+                      <a:endParaRPr lang="en-GB" sz="900" dirty="0"/>
+                    </a:p>
+                  </a:txBody>
+                  <a:tcPr marL="47781" marR="47781" marT="23890" marB="23890"/>
+                </a:tc>
+                <a:tc>
+                  <a:txBody>
+                    <a:bodyPr/>
+                    <a:lstStyle/>
+                    <a:p>
+                      <a:pPr algn="ctr"/>
+                      <a:r>
+                        <a:rPr lang="en-US" sz="900" dirty="0"/>
+                        <a:t>9</a:t>
+                      </a:r>
+                      <a:endParaRPr lang="en-GB" sz="900" dirty="0"/>
+                    </a:p>
+                  </a:txBody>
+                  <a:tcPr marL="47781" marR="47781" marT="23890" marB="23890"/>
+                </a:tc>
+                <a:tc>
+                  <a:txBody>
+                    <a:bodyPr/>
+                    <a:lstStyle/>
+                    <a:p>
+                      <a:pPr algn="ctr"/>
+                      <a:r>
+                        <a:rPr lang="en-US" sz="900" dirty="0"/>
+                        <a:t>10</a:t>
+                      </a:r>
+                      <a:endParaRPr lang="en-GB" sz="900" dirty="0"/>
+                    </a:p>
+                  </a:txBody>
+                  <a:tcPr marL="47781" marR="47781" marT="23890" marB="23890"/>
+                </a:tc>
+                <a:tc>
+                  <a:txBody>
+                    <a:bodyPr/>
+                    <a:lstStyle/>
+                    <a:p>
+                      <a:pPr algn="ctr"/>
+                      <a:r>
+                        <a:rPr lang="en-US" sz="900" dirty="0"/>
+                        <a:t>6</a:t>
+                      </a:r>
+                      <a:endParaRPr lang="en-GB" sz="900" dirty="0"/>
+                    </a:p>
+                  </a:txBody>
+                  <a:tcPr marL="47781" marR="47781" marT="23890" marB="23890"/>
+                </a:tc>
+                <a:tc>
+                  <a:txBody>
+                    <a:bodyPr/>
+                    <a:lstStyle/>
+                    <a:p>
+                      <a:pPr algn="ctr"/>
+                      <a:r>
+                        <a:rPr lang="en-US" sz="900" dirty="0"/>
+                        <a:t>4</a:t>
+                      </a:r>
+                      <a:endParaRPr lang="en-GB" sz="900" dirty="0"/>
+                    </a:p>
+                  </a:txBody>
+                  <a:tcPr marL="47781" marR="47781" marT="23890" marB="23890"/>
+                </a:tc>
+                <a:tc>
+                  <a:txBody>
+                    <a:bodyPr/>
+                    <a:lstStyle/>
+                    <a:p>
+                      <a:pPr algn="ctr"/>
+                      <a:r>
+                        <a:rPr lang="en-US" sz="900" dirty="0"/>
+                        <a:t>1</a:t>
+                      </a:r>
+                      <a:endParaRPr lang="en-GB" sz="900" dirty="0"/>
+                    </a:p>
+                  </a:txBody>
+                  <a:tcPr marL="47781" marR="47781" marT="23890" marB="23890"/>
+                </a:tc>
+                <a:tc>
+                  <a:txBody>
+                    <a:bodyPr/>
+                    <a:lstStyle/>
+                    <a:p>
+                      <a:pPr algn="ctr"/>
+                      <a:r>
+                        <a:rPr lang="en-US" sz="900" dirty="0"/>
+                        <a:t>1</a:t>
+                      </a:r>
+                      <a:endParaRPr lang="en-GB" sz="900" dirty="0"/>
+                    </a:p>
+                  </a:txBody>
+                  <a:tcPr marL="47781" marR="47781" marT="23890" marB="23890"/>
+                </a:tc>
+                <a:tc>
+                  <a:txBody>
+                    <a:bodyPr/>
+                    <a:lstStyle/>
+                    <a:p>
+                      <a:pPr algn="ctr"/>
+                      <a:r>
+                        <a:rPr lang="en-US" sz="900" dirty="0"/>
+                        <a:t>4</a:t>
+                      </a:r>
+                      <a:endParaRPr lang="en-GB" sz="900" dirty="0"/>
+                    </a:p>
+                  </a:txBody>
+                  <a:tcPr marL="47781" marR="47781" marT="23890" marB="23890"/>
+                </a:tc>
+                <a:extLst>
+                  <a:ext uri="{0D108BD9-81ED-4DB2-BD59-A6C34878D82A}">
+                    <a16:rowId xmlns:a16="http://schemas.microsoft.com/office/drawing/2014/main" val="2152054619"/>
+                  </a:ext>
+                </a:extLst>
+              </a:tr>
+            </a:tbl>
+          </a:graphicData>
+        </a:graphic>
+      </p:graphicFrame>
+    </p:spTree>
+    <p:extLst>
+      <p:ext uri="{BB962C8B-B14F-4D97-AF65-F5344CB8AC3E}">
+        <p14:creationId xmlns:p14="http://schemas.microsoft.com/office/powerpoint/2010/main" val="790170279"/>
+      </p:ext>
+    </p:extLst>
+  </p:cSld>
+  <p:clrMapOvr>
+    <a:masterClrMapping/>
+  </p:clrMapOvr>
+</p:sld>
+</file>
+
+<file path=ppt/slides/slide13.xml><?xml version="1.0" encoding="utf-8"?>
+<p:sld xmlns:a="http://schemas.openxmlformats.org/drawingml/2006/main" xmlns:r="http://schemas.openxmlformats.org/officeDocument/2006/relationships" xmlns:p="http://schemas.openxmlformats.org/presentationml/2006/main">
+  <p:cSld>
+    <p:spTree>
+      <p:nvGrpSpPr>
+        <p:cNvPr id="1" name=""/>
+        <p:cNvGrpSpPr/>
+        <p:nvPr/>
+      </p:nvGrpSpPr>
+      <p:grpSpPr>
+        <a:xfrm>
+          <a:off x="0" y="0"/>
+          <a:ext cx="0" cy="0"/>
+          <a:chOff x="0" y="0"/>
+          <a:chExt cx="0" cy="0"/>
+        </a:xfrm>
+      </p:grpSpPr>
+      <p:sp>
+        <p:nvSpPr>
+          <p:cNvPr id="2" name="Title 1">
+            <a:extLst>
+              <a:ext uri="{FF2B5EF4-FFF2-40B4-BE49-F238E27FC236}">
+                <a16:creationId xmlns:a16="http://schemas.microsoft.com/office/drawing/2014/main" id="{921633EB-7DCB-4DDC-80AF-C885A3EE1245}"/>
+              </a:ext>
+            </a:extLst>
+          </p:cNvPr>
+          <p:cNvSpPr>
+            <a:spLocks noGrp="1"/>
+          </p:cNvSpPr>
+          <p:nvPr>
+            <p:ph type="title"/>
+          </p:nvPr>
+        </p:nvSpPr>
+        <p:spPr/>
+        <p:txBody>
+          <a:bodyPr/>
+          <a:lstStyle/>
+          <a:p>
+            <a:r>
+              <a:rPr lang="en-US" dirty="0"/>
+              <a:t>Grade Data</a:t>
+            </a:r>
+          </a:p>
+        </p:txBody>
+      </p:sp>
+      <p:sp>
+        <p:nvSpPr>
+          <p:cNvPr id="4" name="Content Placeholder 3">
+            <a:extLst>
+              <a:ext uri="{FF2B5EF4-FFF2-40B4-BE49-F238E27FC236}">
+                <a16:creationId xmlns:a16="http://schemas.microsoft.com/office/drawing/2014/main" id="{15465504-73D4-37DA-85FF-7C8DD5BC71AF}"/>
+              </a:ext>
+            </a:extLst>
+          </p:cNvPr>
+          <p:cNvSpPr>
+            <a:spLocks noGrp="1"/>
+          </p:cNvSpPr>
+          <p:nvPr>
+            <p:ph sz="half" idx="1"/>
+          </p:nvPr>
+        </p:nvSpPr>
+        <p:spPr/>
+        <p:txBody>
+          <a:bodyPr/>
+          <a:lstStyle/>
+          <a:p>
+            <a:r>
+              <a:rPr lang="en-US" dirty="0"/>
               <a:t>Heavy focus on upper grades. </a:t>
             </a:r>
           </a:p>
@@ -12130,6 +9997,18 @@
             <a:r>
               <a:rPr lang="en-US" dirty="0"/>
               <a:t>No Marginal Fail or Fail grades, only 4 NS submissions.</a:t>
+            </a:r>
+          </a:p>
+          <a:p>
+            <a:r>
+              <a:rPr lang="en-US" dirty="0"/>
+              <a:t>Mean:		3.129</a:t>
+            </a:r>
+          </a:p>
+          <a:p>
+            <a:r>
+              <a:rPr lang="en-US" dirty="0"/>
+              <a:t>Median: 	3.5</a:t>
             </a:r>
           </a:p>
           <a:p>
@@ -12639,7 +10518,7 @@
 </p:sld>
 </file>
 
-<file path=ppt/slides/slide13.xml><?xml version="1.0" encoding="utf-8"?>
+<file path=ppt/slides/slide14.xml><?xml version="1.0" encoding="utf-8"?>
 <p:sld xmlns:a="http://schemas.openxmlformats.org/drawingml/2006/main" xmlns:r="http://schemas.openxmlformats.org/officeDocument/2006/relationships" xmlns:p="http://schemas.openxmlformats.org/presentationml/2006/main">
   <p:cSld>
     <p:spTree>
@@ -12715,6 +10594,25 @@
             <a:r>
               <a:rPr lang="en-US" dirty="0"/>
               <a:t>Assignment and grading criteria are the same.</a:t>
+            </a:r>
+          </a:p>
+          <a:p>
+            <a:pPr lvl="1"/>
+            <a:r>
+              <a:rPr lang="en-US" dirty="0"/>
+              <a:t>Marking Team different. </a:t>
+            </a:r>
+          </a:p>
+          <a:p>
+            <a:r>
+              <a:rPr lang="en-US" dirty="0"/>
+              <a:t>Mean: 		2.056</a:t>
+            </a:r>
+          </a:p>
+          <a:p>
+            <a:r>
+              <a:rPr lang="en-US" dirty="0"/>
+              <a:t>Median:	2.5</a:t>
             </a:r>
           </a:p>
           <a:p>
@@ -13224,126 +11122,6 @@
 </p:sld>
 </file>
 
-<file path=ppt/slides/slide14.xml><?xml version="1.0" encoding="utf-8"?>
-<p:sld xmlns:a="http://schemas.openxmlformats.org/drawingml/2006/main" xmlns:r="http://schemas.openxmlformats.org/officeDocument/2006/relationships" xmlns:p="http://schemas.openxmlformats.org/presentationml/2006/main">
-  <p:cSld>
-    <p:spTree>
-      <p:nvGrpSpPr>
-        <p:cNvPr id="1" name=""/>
-        <p:cNvGrpSpPr/>
-        <p:nvPr/>
-      </p:nvGrpSpPr>
-      <p:grpSpPr>
-        <a:xfrm>
-          <a:off x="0" y="0"/>
-          <a:ext cx="0" cy="0"/>
-          <a:chOff x="0" y="0"/>
-          <a:chExt cx="0" cy="0"/>
-        </a:xfrm>
-      </p:grpSpPr>
-      <p:sp>
-        <p:nvSpPr>
-          <p:cNvPr id="2" name="Title 1">
-            <a:extLst>
-              <a:ext uri="{FF2B5EF4-FFF2-40B4-BE49-F238E27FC236}">
-                <a16:creationId xmlns:a16="http://schemas.microsoft.com/office/drawing/2014/main" id="{921633EB-7DCB-4DDC-80AF-C885A3EE1245}"/>
-              </a:ext>
-            </a:extLst>
-          </p:cNvPr>
-          <p:cNvSpPr>
-            <a:spLocks noGrp="1"/>
-          </p:cNvSpPr>
-          <p:nvPr>
-            <p:ph type="title"/>
-          </p:nvPr>
-        </p:nvSpPr>
-        <p:spPr/>
-        <p:txBody>
-          <a:bodyPr/>
-          <a:lstStyle/>
-          <a:p>
-            <a:r>
-              <a:rPr lang="en-US" dirty="0"/>
-              <a:t>Attendance Data</a:t>
-            </a:r>
-          </a:p>
-        </p:txBody>
-      </p:sp>
-      <p:sp>
-        <p:nvSpPr>
-          <p:cNvPr id="4" name="Content Placeholder 3">
-            <a:extLst>
-              <a:ext uri="{FF2B5EF4-FFF2-40B4-BE49-F238E27FC236}">
-                <a16:creationId xmlns:a16="http://schemas.microsoft.com/office/drawing/2014/main" id="{42D5E002-1C68-0A1B-39F4-AD4EA6416E54}"/>
-              </a:ext>
-            </a:extLst>
-          </p:cNvPr>
-          <p:cNvSpPr>
-            <a:spLocks noGrp="1"/>
-          </p:cNvSpPr>
-          <p:nvPr>
-            <p:ph sz="half" idx="1"/>
-          </p:nvPr>
-        </p:nvSpPr>
-        <p:spPr/>
-        <p:txBody>
-          <a:bodyPr/>
-          <a:lstStyle/>
-          <a:p>
-            <a:r>
-              <a:rPr lang="en-US" dirty="0"/>
-              <a:t>Attendance Percentage for last two years.</a:t>
-            </a:r>
-          </a:p>
-          <a:p>
-            <a:r>
-              <a:rPr lang="en-US" dirty="0"/>
-              <a:t>General attendance to practical's and lectures has increased.</a:t>
-            </a:r>
-          </a:p>
-        </p:txBody>
-      </p:sp>
-      <p:pic>
-        <p:nvPicPr>
-          <p:cNvPr id="8" name="Content Placeholder 7">
-            <a:extLst>
-              <a:ext uri="{FF2B5EF4-FFF2-40B4-BE49-F238E27FC236}">
-                <a16:creationId xmlns:a16="http://schemas.microsoft.com/office/drawing/2014/main" id="{42651790-8BAE-6A96-CED7-AB08B5AEAF8A}"/>
-              </a:ext>
-            </a:extLst>
-          </p:cNvPr>
-          <p:cNvPicPr>
-            <a:picLocks noGrp="1" noChangeAspect="1"/>
-          </p:cNvPicPr>
-          <p:nvPr>
-            <p:ph sz="half" idx="2"/>
-          </p:nvPr>
-        </p:nvPicPr>
-        <p:blipFill>
-          <a:blip r:embed="rId2"/>
-          <a:srcRect/>
-          <a:stretch/>
-        </p:blipFill>
-        <p:spPr>
-          <a:xfrm>
-            <a:off x="6188419" y="2017635"/>
-            <a:ext cx="4840365" cy="4840365"/>
-          </a:xfrm>
-        </p:spPr>
-      </p:pic>
-    </p:spTree>
-    <p:extLst>
-      <p:ext uri="{BB962C8B-B14F-4D97-AF65-F5344CB8AC3E}">
-        <p14:creationId xmlns:p14="http://schemas.microsoft.com/office/powerpoint/2010/main" val="1494101873"/>
-      </p:ext>
-    </p:extLst>
-  </p:cSld>
-  <p:clrMapOvr>
-    <a:masterClrMapping/>
-  </p:clrMapOvr>
-</p:sld>
-</file>
-
 <file path=ppt/slides/slide15.xml><?xml version="1.0" encoding="utf-8"?>
 <p:sld xmlns:a="http://schemas.openxmlformats.org/drawingml/2006/main" xmlns:r="http://schemas.openxmlformats.org/officeDocument/2006/relationships" xmlns:p="http://schemas.openxmlformats.org/presentationml/2006/main">
   <p:cSld>
@@ -13366,7 +11144,7 @@
           <p:cNvPr id="2" name="Title 1">
             <a:extLst>
               <a:ext uri="{FF2B5EF4-FFF2-40B4-BE49-F238E27FC236}">
-                <a16:creationId xmlns:a16="http://schemas.microsoft.com/office/drawing/2014/main" id="{921633EB-7DCB-4DDC-80AF-C885A3EE1245}"/>
+                <a16:creationId xmlns:a16="http://schemas.microsoft.com/office/drawing/2014/main" id="{BD4CA9CC-5ADC-001A-4D31-8EC14B8E37D4}"/>
               </a:ext>
             </a:extLst>
           </p:cNvPr>
@@ -13384,77 +11162,433 @@
           <a:p>
             <a:r>
               <a:rPr lang="en-US" dirty="0"/>
-              <a:t>Attendance Data</a:t>
-            </a:r>
+              <a:t>ATTENDANCE DATA</a:t>
+            </a:r>
+            <a:endParaRPr lang="en-GB" dirty="0"/>
           </a:p>
         </p:txBody>
       </p:sp>
-      <p:sp>
-        <p:nvSpPr>
-          <p:cNvPr id="4" name="Content Placeholder 3">
-            <a:extLst>
-              <a:ext uri="{FF2B5EF4-FFF2-40B4-BE49-F238E27FC236}">
-                <a16:creationId xmlns:a16="http://schemas.microsoft.com/office/drawing/2014/main" id="{42D5E002-1C68-0A1B-39F4-AD4EA6416E54}"/>
-              </a:ext>
-            </a:extLst>
-          </p:cNvPr>
-          <p:cNvSpPr>
-            <a:spLocks noGrp="1"/>
-          </p:cNvSpPr>
-          <p:nvPr>
-            <p:ph sz="half" idx="1"/>
-          </p:nvPr>
-        </p:nvSpPr>
-        <p:spPr/>
-        <p:txBody>
-          <a:bodyPr/>
-          <a:lstStyle/>
-          <a:p>
-            <a:r>
-              <a:rPr lang="en-US" dirty="0"/>
-              <a:t>Low attendance has decreased, higher rates of attendance have increased.</a:t>
-            </a:r>
-          </a:p>
-          <a:p>
-            <a:r>
-              <a:rPr lang="en-US" dirty="0"/>
-              <a:t>Comparing with grades, appears to be a decrease in grade score despite the increase in attendance in comparison to the last year.</a:t>
-            </a:r>
-          </a:p>
-        </p:txBody>
-      </p:sp>
-      <p:pic>
-        <p:nvPicPr>
-          <p:cNvPr id="8" name="Content Placeholder 7">
-            <a:extLst>
-              <a:ext uri="{FF2B5EF4-FFF2-40B4-BE49-F238E27FC236}">
-                <a16:creationId xmlns:a16="http://schemas.microsoft.com/office/drawing/2014/main" id="{42651790-8BAE-6A96-CED7-AB08B5AEAF8A}"/>
-              </a:ext>
-            </a:extLst>
-          </p:cNvPr>
-          <p:cNvPicPr>
-            <a:picLocks noGrp="1" noChangeAspect="1"/>
-          </p:cNvPicPr>
-          <p:nvPr>
-            <p:ph sz="half" idx="2"/>
-          </p:nvPr>
-        </p:nvPicPr>
-        <p:blipFill>
-          <a:blip r:embed="rId2"/>
-          <a:srcRect/>
-          <a:stretch/>
-        </p:blipFill>
-        <p:spPr>
-          <a:xfrm>
-            <a:off x="6188419" y="2017635"/>
-            <a:ext cx="4840365" cy="4840365"/>
-          </a:xfrm>
-        </p:spPr>
-      </p:pic>
+      <mc:AlternateContent xmlns:mc="http://schemas.openxmlformats.org/markup-compatibility/2006">
+        <mc:Choice xmlns:a14="http://schemas.microsoft.com/office/drawing/2010/main" Requires="a14">
+          <p:sp>
+            <p:nvSpPr>
+              <p:cNvPr id="3" name="Content Placeholder 2">
+                <a:extLst>
+                  <a:ext uri="{FF2B5EF4-FFF2-40B4-BE49-F238E27FC236}">
+                    <a16:creationId xmlns:a16="http://schemas.microsoft.com/office/drawing/2014/main" id="{121196E6-3603-F66B-72E8-8E7E5F53AC6C}"/>
+                  </a:ext>
+                </a:extLst>
+              </p:cNvPr>
+              <p:cNvSpPr>
+                <a:spLocks noGrp="1"/>
+              </p:cNvSpPr>
+              <p:nvPr>
+                <p:ph idx="1"/>
+              </p:nvPr>
+            </p:nvSpPr>
+            <p:spPr>
+              <a:xfrm>
+                <a:off x="581192" y="2180496"/>
+                <a:ext cx="11029615" cy="4455196"/>
+              </a:xfrm>
+            </p:spPr>
+            <p:txBody>
+              <a:bodyPr>
+                <a:normAutofit fontScale="92500" lnSpcReduction="10000"/>
+              </a:bodyPr>
+              <a:lstStyle/>
+              <a:p>
+                <a:r>
+                  <a:rPr lang="en-US" dirty="0"/>
+                  <a:t>Attendance data is split into three categories:</a:t>
+                </a:r>
+              </a:p>
+              <a:p>
+                <a:pPr marL="666900" lvl="1" indent="-342900">
+                  <a:buFont typeface="+mj-lt"/>
+                  <a:buAutoNum type="arabicPeriod"/>
+                </a:pPr>
+                <a:r>
+                  <a:rPr lang="en-US" dirty="0"/>
+                  <a:t>Attendance Overall</a:t>
+                </a:r>
+              </a:p>
+              <a:p>
+                <a:pPr marL="666900" lvl="1" indent="-342900">
+                  <a:buFont typeface="+mj-lt"/>
+                  <a:buAutoNum type="arabicPeriod"/>
+                </a:pPr>
+                <a:r>
+                  <a:rPr lang="en-US" dirty="0"/>
+                  <a:t>Attendance Per Practical</a:t>
+                </a:r>
+              </a:p>
+              <a:p>
+                <a:pPr marL="666900" lvl="1" indent="-342900">
+                  <a:buFont typeface="+mj-lt"/>
+                  <a:buAutoNum type="arabicPeriod"/>
+                </a:pPr>
+                <a:r>
+                  <a:rPr lang="en-US" dirty="0"/>
+                  <a:t>Attendance Per Lecture</a:t>
+                </a:r>
+              </a:p>
+              <a:p>
+                <a:pPr marL="342900" indent="-342900">
+                  <a:buFont typeface="+mj-lt"/>
+                  <a:buAutoNum type="arabicPeriod"/>
+                </a:pPr>
+                <a:endParaRPr lang="en-US" dirty="0"/>
+              </a:p>
+              <a:p>
+                <a:r>
+                  <a:rPr lang="en-US" dirty="0"/>
+                  <a:t>Due to there being two practical sessions each year, students may attend both, especially if they are on the same day or after one another. </a:t>
+                </a:r>
+              </a:p>
+              <a:p>
+                <a:pPr marL="0" indent="0">
+                  <a:buNone/>
+                </a:pPr>
+                <a:r>
+                  <a:rPr lang="en-US" dirty="0"/>
+                  <a:t>Attendance Count:</a:t>
+                </a:r>
+              </a:p>
+              <a:p>
+                <a:pPr marL="0" indent="0">
+                  <a:buNone/>
+                </a:pPr>
+                <a:r>
+                  <a:rPr lang="en-US" b="0" dirty="0"/>
+                  <a:t>	</a:t>
+                </a:r>
+                <a14:m>
+                  <m:oMath xmlns:m="http://schemas.openxmlformats.org/officeDocument/2006/math">
+                    <m:r>
+                      <a:rPr lang="en-US" b="0" i="1" smtClean="0">
+                        <a:latin typeface="Cambria Math" panose="02040503050406030204" pitchFamily="18" charset="0"/>
+                      </a:rPr>
+                      <m:t>𝐶</m:t>
+                    </m:r>
+                    <m:r>
+                      <a:rPr lang="en-US" b="0" i="1" smtClean="0">
+                        <a:latin typeface="Cambria Math" panose="02040503050406030204" pitchFamily="18" charset="0"/>
+                      </a:rPr>
+                      <m:t>=</m:t>
+                    </m:r>
+                    <m:f>
+                      <m:fPr>
+                        <m:ctrlPr>
+                          <a:rPr lang="en-US" b="0" i="1" smtClean="0">
+                            <a:latin typeface="Cambria Math" panose="02040503050406030204" pitchFamily="18" charset="0"/>
+                          </a:rPr>
+                        </m:ctrlPr>
+                      </m:fPr>
+                      <m:num>
+                        <m:r>
+                          <a:rPr lang="en-US" b="0" i="1" smtClean="0">
+                            <a:latin typeface="Cambria Math" panose="02040503050406030204" pitchFamily="18" charset="0"/>
+                          </a:rPr>
+                          <m:t>𝑆𝑡𝑢𝑑𝑒𝑛𝑡</m:t>
+                        </m:r>
+                        <m:r>
+                          <a:rPr lang="en-US" i="1">
+                            <a:latin typeface="Cambria Math" panose="02040503050406030204" pitchFamily="18" charset="0"/>
+                          </a:rPr>
+                          <m:t> </m:t>
+                        </m:r>
+                        <m:r>
+                          <a:rPr lang="en-US" i="1">
+                            <a:latin typeface="Cambria Math" panose="02040503050406030204" pitchFamily="18" charset="0"/>
+                          </a:rPr>
+                          <m:t>𝐶𝑜𝑢𝑛𝑡</m:t>
+                        </m:r>
+                      </m:num>
+                      <m:den>
+                        <m:r>
+                          <a:rPr lang="en-US" i="1">
+                            <a:latin typeface="Cambria Math" panose="02040503050406030204" pitchFamily="18" charset="0"/>
+                          </a:rPr>
+                          <m:t>𝑁𝑜</m:t>
+                        </m:r>
+                        <m:r>
+                          <a:rPr lang="en-US" i="1">
+                            <a:latin typeface="Cambria Math" panose="02040503050406030204" pitchFamily="18" charset="0"/>
+                          </a:rPr>
+                          <m:t>. </m:t>
+                        </m:r>
+                        <m:r>
+                          <a:rPr lang="en-US" i="1">
+                            <a:latin typeface="Cambria Math" panose="02040503050406030204" pitchFamily="18" charset="0"/>
+                          </a:rPr>
+                          <m:t>𝑃𝑟𝑎𝑐𝑡𝑖𝑐𝑎𝑙𝑠</m:t>
+                        </m:r>
+                        <m:r>
+                          <a:rPr lang="en-US" i="1">
+                            <a:latin typeface="Cambria Math" panose="02040503050406030204" pitchFamily="18" charset="0"/>
+                          </a:rPr>
+                          <m:t>.</m:t>
+                        </m:r>
+                        <m:r>
+                          <a:rPr lang="en-US" i="1">
+                            <a:latin typeface="Cambria Math" panose="02040503050406030204" pitchFamily="18" charset="0"/>
+                          </a:rPr>
+                          <m:t>𝐴</m:t>
+                        </m:r>
+                        <m:r>
+                          <a:rPr lang="en-US" i="1">
+                            <a:latin typeface="Cambria Math" panose="02040503050406030204" pitchFamily="18" charset="0"/>
+                          </a:rPr>
+                          <m:t>+</m:t>
+                        </m:r>
+                        <m:r>
+                          <a:rPr lang="en-US" b="0" i="1" smtClean="0">
+                            <a:latin typeface="Cambria Math" panose="02040503050406030204" pitchFamily="18" charset="0"/>
+                          </a:rPr>
+                          <m:t>𝑁𝑜</m:t>
+                        </m:r>
+                        <m:r>
+                          <a:rPr lang="en-US" b="0" i="1" smtClean="0">
+                            <a:latin typeface="Cambria Math" panose="02040503050406030204" pitchFamily="18" charset="0"/>
+                          </a:rPr>
+                          <m:t>.</m:t>
+                        </m:r>
+                        <m:r>
+                          <a:rPr lang="en-US" b="0" i="1" smtClean="0">
+                            <a:latin typeface="Cambria Math" panose="02040503050406030204" pitchFamily="18" charset="0"/>
+                          </a:rPr>
+                          <m:t>𝑃𝑟𝑎𝑐𝑡𝑖𝑐𝑎𝑙𝑠</m:t>
+                        </m:r>
+                        <m:r>
+                          <a:rPr lang="en-US" b="0" i="1" smtClean="0">
+                            <a:latin typeface="Cambria Math" panose="02040503050406030204" pitchFamily="18" charset="0"/>
+                          </a:rPr>
+                          <m:t>.</m:t>
+                        </m:r>
+                        <m:r>
+                          <a:rPr lang="en-US" b="0" i="1" smtClean="0">
+                            <a:latin typeface="Cambria Math" panose="02040503050406030204" pitchFamily="18" charset="0"/>
+                          </a:rPr>
+                          <m:t>𝐵</m:t>
+                        </m:r>
+                        <m:r>
+                          <a:rPr lang="en-US" b="0" i="1" smtClean="0">
+                            <a:latin typeface="Cambria Math" panose="02040503050406030204" pitchFamily="18" charset="0"/>
+                          </a:rPr>
+                          <m:t>+</m:t>
+                        </m:r>
+                        <m:r>
+                          <a:rPr lang="en-US" i="1">
+                            <a:latin typeface="Cambria Math" panose="02040503050406030204" pitchFamily="18" charset="0"/>
+                          </a:rPr>
+                          <m:t>𝑁𝑜</m:t>
+                        </m:r>
+                        <m:r>
+                          <a:rPr lang="en-US" i="1">
+                            <a:latin typeface="Cambria Math" panose="02040503050406030204" pitchFamily="18" charset="0"/>
+                          </a:rPr>
+                          <m:t>. </m:t>
+                        </m:r>
+                        <m:r>
+                          <a:rPr lang="en-US" i="1">
+                            <a:latin typeface="Cambria Math" panose="02040503050406030204" pitchFamily="18" charset="0"/>
+                          </a:rPr>
+                          <m:t>𝐿𝑒𝑐𝑡𝑢𝑟𝑒𝑠</m:t>
+                        </m:r>
+                      </m:den>
+                    </m:f>
+                    <m:r>
+                      <a:rPr lang="en-US" b="0" i="1" smtClean="0">
+                        <a:latin typeface="Cambria Math" panose="02040503050406030204" pitchFamily="18" charset="0"/>
+                      </a:rPr>
+                      <m:t> ∗100</m:t>
+                    </m:r>
+                  </m:oMath>
+                </a14:m>
+                <a:r>
+                  <a:rPr lang="en-US" dirty="0"/>
+                  <a:t>			</a:t>
+                </a:r>
+                <a14:m>
+                  <m:oMath xmlns:m="http://schemas.openxmlformats.org/officeDocument/2006/math">
+                    <m:r>
+                      <a:rPr lang="en-US" b="0" i="1" smtClean="0">
+                        <a:latin typeface="Cambria Math" panose="02040503050406030204" pitchFamily="18" charset="0"/>
+                      </a:rPr>
+                      <m:t>𝐶</m:t>
+                    </m:r>
+                    <m:r>
+                      <a:rPr lang="en-US" b="0" i="1" smtClean="0">
+                        <a:latin typeface="Cambria Math" panose="02040503050406030204" pitchFamily="18" charset="0"/>
+                      </a:rPr>
+                      <m:t>=</m:t>
+                    </m:r>
+                    <m:f>
+                      <m:fPr>
+                        <m:ctrlPr>
+                          <a:rPr lang="en-US" b="0" i="1" smtClean="0">
+                            <a:latin typeface="Cambria Math" panose="02040503050406030204" pitchFamily="18" charset="0"/>
+                          </a:rPr>
+                        </m:ctrlPr>
+                      </m:fPr>
+                      <m:num>
+                        <m:r>
+                          <a:rPr lang="en-US" i="1">
+                            <a:latin typeface="Cambria Math" panose="02040503050406030204" pitchFamily="18" charset="0"/>
+                          </a:rPr>
+                          <m:t>𝑆𝑡𝑢𝑑𝑒𝑛𝑡</m:t>
+                        </m:r>
+                        <m:r>
+                          <a:rPr lang="en-US" b="0" i="1" smtClean="0">
+                            <a:latin typeface="Cambria Math" panose="02040503050406030204" pitchFamily="18" charset="0"/>
+                          </a:rPr>
+                          <m:t> </m:t>
+                        </m:r>
+                        <m:r>
+                          <a:rPr lang="en-US" b="0" i="1" smtClean="0">
+                            <a:latin typeface="Cambria Math" panose="02040503050406030204" pitchFamily="18" charset="0"/>
+                          </a:rPr>
+                          <m:t>𝐶𝑜𝑢𝑛𝑡</m:t>
+                        </m:r>
+                      </m:num>
+                      <m:den>
+                        <m:r>
+                          <a:rPr lang="en-US" b="0" i="1" smtClean="0">
+                            <a:latin typeface="Cambria Math" panose="02040503050406030204" pitchFamily="18" charset="0"/>
+                          </a:rPr>
+                          <m:t>𝑁𝑜</m:t>
+                        </m:r>
+                        <m:r>
+                          <a:rPr lang="en-US" b="0" i="1" smtClean="0">
+                            <a:latin typeface="Cambria Math" panose="02040503050406030204" pitchFamily="18" charset="0"/>
+                          </a:rPr>
+                          <m:t>. </m:t>
+                        </m:r>
+                        <m:r>
+                          <a:rPr lang="en-US" b="0" i="1" smtClean="0">
+                            <a:latin typeface="Cambria Math" panose="02040503050406030204" pitchFamily="18" charset="0"/>
+                          </a:rPr>
+                          <m:t>𝑃𝑟𝑎𝑐𝑡𝑖𝑐𝑎𝑙𝑠</m:t>
+                        </m:r>
+                        <m:r>
+                          <a:rPr lang="en-US" b="0" i="1" smtClean="0">
+                            <a:latin typeface="Cambria Math" panose="02040503050406030204" pitchFamily="18" charset="0"/>
+                          </a:rPr>
+                          <m:t>.</m:t>
+                        </m:r>
+                        <m:r>
+                          <a:rPr lang="en-US" b="0" i="1" smtClean="0">
+                            <a:latin typeface="Cambria Math" panose="02040503050406030204" pitchFamily="18" charset="0"/>
+                          </a:rPr>
+                          <m:t>𝐴</m:t>
+                        </m:r>
+                        <m:r>
+                          <a:rPr lang="en-US" b="0" i="1" smtClean="0">
+                            <a:latin typeface="Cambria Math" panose="02040503050406030204" pitchFamily="18" charset="0"/>
+                          </a:rPr>
+                          <m:t>+</m:t>
+                        </m:r>
+                        <m:r>
+                          <a:rPr lang="en-US" b="0" i="1" smtClean="0">
+                            <a:latin typeface="Cambria Math" panose="02040503050406030204" pitchFamily="18" charset="0"/>
+                          </a:rPr>
+                          <m:t>𝑁𝑜</m:t>
+                        </m:r>
+                        <m:r>
+                          <a:rPr lang="en-US" b="0" i="1" smtClean="0">
+                            <a:latin typeface="Cambria Math" panose="02040503050406030204" pitchFamily="18" charset="0"/>
+                          </a:rPr>
+                          <m:t>. </m:t>
+                        </m:r>
+                        <m:r>
+                          <a:rPr lang="en-US" b="0" i="1" smtClean="0">
+                            <a:latin typeface="Cambria Math" panose="02040503050406030204" pitchFamily="18" charset="0"/>
+                          </a:rPr>
+                          <m:t>𝐿𝑒𝑐𝑡𝑢𝑟𝑒𝑠</m:t>
+                        </m:r>
+                      </m:den>
+                    </m:f>
+                    <m:r>
+                      <a:rPr lang="en-US" b="0" i="1" smtClean="0">
+                        <a:latin typeface="Cambria Math" panose="02040503050406030204" pitchFamily="18" charset="0"/>
+                      </a:rPr>
+                      <m:t> ∗100</m:t>
+                    </m:r>
+                  </m:oMath>
+                </a14:m>
+                <a:endParaRPr lang="en-US" dirty="0"/>
+              </a:p>
+              <a:p>
+                <a:pPr marL="0" indent="0">
+                  <a:buNone/>
+                </a:pPr>
+                <a:endParaRPr lang="en-US" dirty="0"/>
+              </a:p>
+              <a:p>
+                <a:r>
+                  <a:rPr lang="en-US" dirty="0"/>
+                  <a:t>Outliers:</a:t>
+                </a:r>
+              </a:p>
+              <a:p>
+                <a:pPr lvl="1"/>
+                <a:r>
+                  <a:rPr lang="en-US" dirty="0"/>
+                  <a:t>One student has a practical attendance percentage of 108%, as they attended one more lecture than required. (2021-2022)</a:t>
+                </a:r>
+              </a:p>
+            </p:txBody>
+          </p:sp>
+        </mc:Choice>
+        <mc:Fallback>
+          <p:sp>
+            <p:nvSpPr>
+              <p:cNvPr id="3" name="Content Placeholder 2">
+                <a:extLst>
+                  <a:ext uri="{FF2B5EF4-FFF2-40B4-BE49-F238E27FC236}">
+                    <a16:creationId xmlns:a16="http://schemas.microsoft.com/office/drawing/2014/main" id="{121196E6-3603-F66B-72E8-8E7E5F53AC6C}"/>
+                  </a:ext>
+                </a:extLst>
+              </p:cNvPr>
+              <p:cNvSpPr>
+                <a:spLocks noGrp="1" noRot="1" noChangeAspect="1" noMove="1" noResize="1" noEditPoints="1" noAdjustHandles="1" noChangeArrowheads="1" noChangeShapeType="1" noTextEdit="1"/>
+              </p:cNvSpPr>
+              <p:nvPr>
+                <p:ph idx="1"/>
+              </p:nvPr>
+            </p:nvSpPr>
+            <p:spPr>
+              <a:xfrm>
+                <a:off x="581192" y="2180496"/>
+                <a:ext cx="11029615" cy="4455196"/>
+              </a:xfrm>
+              <a:blipFill>
+                <a:blip r:embed="rId2"/>
+                <a:stretch>
+                  <a:fillRect l="-331"/>
+                </a:stretch>
+              </a:blipFill>
+            </p:spPr>
+            <p:txBody>
+              <a:bodyPr/>
+              <a:lstStyle/>
+              <a:p>
+                <a:r>
+                  <a:rPr lang="en-GB">
+                    <a:noFill/>
+                  </a:rPr>
+                  <a:t> </a:t>
+                </a:r>
+              </a:p>
+            </p:txBody>
+          </p:sp>
+        </mc:Fallback>
+      </mc:AlternateContent>
     </p:spTree>
     <p:extLst>
       <p:ext uri="{BB962C8B-B14F-4D97-AF65-F5344CB8AC3E}">
-        <p14:creationId xmlns:p14="http://schemas.microsoft.com/office/powerpoint/2010/main" val="2290029014"/>
+        <p14:creationId xmlns:p14="http://schemas.microsoft.com/office/powerpoint/2010/main" val="4076067002"/>
       </p:ext>
     </p:extLst>
   </p:cSld>
@@ -13504,51 +11638,17 @@
           <a:p>
             <a:r>
               <a:rPr lang="en-US" dirty="0"/>
-              <a:t>Attendance Data - Lectures</a:t>
-            </a:r>
-          </a:p>
-        </p:txBody>
-      </p:sp>
-      <p:sp>
-        <p:nvSpPr>
-          <p:cNvPr id="4" name="Content Placeholder 3">
-            <a:extLst>
-              <a:ext uri="{FF2B5EF4-FFF2-40B4-BE49-F238E27FC236}">
-                <a16:creationId xmlns:a16="http://schemas.microsoft.com/office/drawing/2014/main" id="{42D5E002-1C68-0A1B-39F4-AD4EA6416E54}"/>
-              </a:ext>
-            </a:extLst>
-          </p:cNvPr>
-          <p:cNvSpPr>
-            <a:spLocks noGrp="1"/>
-          </p:cNvSpPr>
-          <p:nvPr>
-            <p:ph sz="half" idx="1"/>
-          </p:nvPr>
-        </p:nvSpPr>
-        <p:spPr/>
-        <p:txBody>
-          <a:bodyPr/>
-          <a:lstStyle/>
-          <a:p>
-            <a:r>
-              <a:rPr lang="en-US" dirty="0"/>
-              <a:t>Low attendance has decreased, higher rates of attendance have increased.</a:t>
-            </a:r>
-          </a:p>
-          <a:p>
-            <a:r>
-              <a:rPr lang="en-US" dirty="0"/>
-              <a:t>Comparing with grades, appears to be a decrease in grade score despite the increase in attendance in comparison to the last year.</a:t>
+              <a:t>Attendance Data</a:t>
             </a:r>
           </a:p>
         </p:txBody>
       </p:sp>
       <p:pic>
         <p:nvPicPr>
-          <p:cNvPr id="8" name="Content Placeholder 7">
+          <p:cNvPr id="20" name="Content Placeholder 19">
             <a:extLst>
               <a:ext uri="{FF2B5EF4-FFF2-40B4-BE49-F238E27FC236}">
-                <a16:creationId xmlns:a16="http://schemas.microsoft.com/office/drawing/2014/main" id="{42651790-8BAE-6A96-CED7-AB08B5AEAF8A}"/>
+                <a16:creationId xmlns:a16="http://schemas.microsoft.com/office/drawing/2014/main" id="{996B68EB-BA2A-A868-4AE5-26A32E6156DF}"/>
               </a:ext>
             </a:extLst>
           </p:cNvPr>
@@ -13566,15 +11666,91 @@
         </p:blipFill>
         <p:spPr>
           <a:xfrm>
-            <a:off x="6188419" y="2017635"/>
-            <a:ext cx="4840365" cy="4840365"/>
+            <a:off x="4279106" y="2227262"/>
+            <a:ext cx="3633787" cy="3633787"/>
           </a:xfrm>
         </p:spPr>
       </p:pic>
+      <p:pic>
+        <p:nvPicPr>
+          <p:cNvPr id="22" name="Picture 21">
+            <a:extLst>
+              <a:ext uri="{FF2B5EF4-FFF2-40B4-BE49-F238E27FC236}">
+                <a16:creationId xmlns:a16="http://schemas.microsoft.com/office/drawing/2014/main" id="{A2645ED6-F5DD-B44C-6AF8-A1ECB0E6B71D}"/>
+              </a:ext>
+            </a:extLst>
+          </p:cNvPr>
+          <p:cNvPicPr>
+            <a:picLocks noChangeAspect="1"/>
+          </p:cNvPicPr>
+          <p:nvPr/>
+        </p:nvPicPr>
+        <p:blipFill>
+          <a:blip r:embed="rId3"/>
+          <a:srcRect/>
+          <a:stretch/>
+        </p:blipFill>
+        <p:spPr>
+          <a:xfrm>
+            <a:off x="7977020" y="2227261"/>
+            <a:ext cx="3633787" cy="3633787"/>
+          </a:xfrm>
+          <a:prstGeom prst="rect">
+            <a:avLst/>
+          </a:prstGeom>
+        </p:spPr>
+      </p:pic>
+      <p:sp>
+        <p:nvSpPr>
+          <p:cNvPr id="4" name="Content Placeholder 3">
+            <a:extLst>
+              <a:ext uri="{FF2B5EF4-FFF2-40B4-BE49-F238E27FC236}">
+                <a16:creationId xmlns:a16="http://schemas.microsoft.com/office/drawing/2014/main" id="{89066F11-6868-47D7-FDD2-F251B0B320C8}"/>
+              </a:ext>
+            </a:extLst>
+          </p:cNvPr>
+          <p:cNvSpPr>
+            <a:spLocks noGrp="1"/>
+          </p:cNvSpPr>
+          <p:nvPr>
+            <p:ph sz="half" idx="1"/>
+          </p:nvPr>
+        </p:nvSpPr>
+        <p:spPr>
+          <a:xfrm>
+            <a:off x="581193" y="2228003"/>
+            <a:ext cx="3633787" cy="3633047"/>
+          </a:xfrm>
+        </p:spPr>
+        <p:txBody>
+          <a:bodyPr>
+            <a:normAutofit/>
+          </a:bodyPr>
+          <a:lstStyle/>
+          <a:p>
+            <a:r>
+              <a:rPr lang="en-US" dirty="0"/>
+              <a:t>Attendance Percentage for last two years.</a:t>
+            </a:r>
+          </a:p>
+          <a:p>
+            <a:r>
+              <a:rPr lang="en-US" dirty="0"/>
+              <a:t>General attendance is similar, slightly lowered</a:t>
+            </a:r>
+          </a:p>
+          <a:p>
+            <a:r>
+              <a:rPr lang="en-US" dirty="0"/>
+              <a:t>Decrease in size of interquartile range, lower median.</a:t>
+            </a:r>
+          </a:p>
+        </p:txBody>
+      </p:sp>
     </p:spTree>
     <p:extLst>
       <p:ext uri="{BB962C8B-B14F-4D97-AF65-F5344CB8AC3E}">
-        <p14:creationId xmlns:p14="http://schemas.microsoft.com/office/powerpoint/2010/main" val="581795780"/>
+        <p14:creationId xmlns:p14="http://schemas.microsoft.com/office/powerpoint/2010/main" val="2372593533"/>
       </p:ext>
     </p:extLst>
   </p:cSld>
@@ -13624,51 +11800,17 @@
           <a:p>
             <a:r>
               <a:rPr lang="en-US" dirty="0"/>
-              <a:t>Attendance Data - Practical's</a:t>
-            </a:r>
-          </a:p>
-        </p:txBody>
-      </p:sp>
-      <p:sp>
-        <p:nvSpPr>
-          <p:cNvPr id="4" name="Content Placeholder 3">
-            <a:extLst>
-              <a:ext uri="{FF2B5EF4-FFF2-40B4-BE49-F238E27FC236}">
-                <a16:creationId xmlns:a16="http://schemas.microsoft.com/office/drawing/2014/main" id="{42D5E002-1C68-0A1B-39F4-AD4EA6416E54}"/>
-              </a:ext>
-            </a:extLst>
-          </p:cNvPr>
-          <p:cNvSpPr>
-            <a:spLocks noGrp="1"/>
-          </p:cNvSpPr>
-          <p:nvPr>
-            <p:ph sz="half" idx="1"/>
-          </p:nvPr>
-        </p:nvSpPr>
-        <p:spPr/>
-        <p:txBody>
-          <a:bodyPr/>
-          <a:lstStyle/>
-          <a:p>
-            <a:r>
-              <a:rPr lang="en-US" dirty="0"/>
-              <a:t>Low attendance has decreased, higher rates of attendance have increased.</a:t>
-            </a:r>
-          </a:p>
-          <a:p>
-            <a:r>
-              <a:rPr lang="en-US" dirty="0"/>
-              <a:t>Comparing with grades, appears to be a decrease in grade score despite the increase in attendance in comparison to the last year.</a:t>
+              <a:t>Expected Attendance Data</a:t>
             </a:r>
           </a:p>
         </p:txBody>
       </p:sp>
       <p:pic>
         <p:nvPicPr>
-          <p:cNvPr id="8" name="Content Placeholder 7">
+          <p:cNvPr id="20" name="Content Placeholder 19">
             <a:extLst>
               <a:ext uri="{FF2B5EF4-FFF2-40B4-BE49-F238E27FC236}">
-                <a16:creationId xmlns:a16="http://schemas.microsoft.com/office/drawing/2014/main" id="{42651790-8BAE-6A96-CED7-AB08B5AEAF8A}"/>
+                <a16:creationId xmlns:a16="http://schemas.microsoft.com/office/drawing/2014/main" id="{996B68EB-BA2A-A868-4AE5-26A32E6156DF}"/>
               </a:ext>
             </a:extLst>
           </p:cNvPr>
@@ -13686,15 +11828,91 @@
         </p:blipFill>
         <p:spPr>
           <a:xfrm>
-            <a:off x="6188419" y="2017635"/>
-            <a:ext cx="4840365" cy="4840365"/>
+            <a:off x="4279106" y="2227262"/>
+            <a:ext cx="3633787" cy="3633787"/>
           </a:xfrm>
         </p:spPr>
       </p:pic>
+      <p:pic>
+        <p:nvPicPr>
+          <p:cNvPr id="22" name="Picture 21">
+            <a:extLst>
+              <a:ext uri="{FF2B5EF4-FFF2-40B4-BE49-F238E27FC236}">
+                <a16:creationId xmlns:a16="http://schemas.microsoft.com/office/drawing/2014/main" id="{A2645ED6-F5DD-B44C-6AF8-A1ECB0E6B71D}"/>
+              </a:ext>
+            </a:extLst>
+          </p:cNvPr>
+          <p:cNvPicPr>
+            <a:picLocks noChangeAspect="1"/>
+          </p:cNvPicPr>
+          <p:nvPr/>
+        </p:nvPicPr>
+        <p:blipFill>
+          <a:blip r:embed="rId3"/>
+          <a:srcRect/>
+          <a:stretch/>
+        </p:blipFill>
+        <p:spPr>
+          <a:xfrm>
+            <a:off x="7977020" y="2227261"/>
+            <a:ext cx="3633787" cy="3633787"/>
+          </a:xfrm>
+          <a:prstGeom prst="rect">
+            <a:avLst/>
+          </a:prstGeom>
+        </p:spPr>
+      </p:pic>
+      <p:sp>
+        <p:nvSpPr>
+          <p:cNvPr id="4" name="Content Placeholder 3">
+            <a:extLst>
+              <a:ext uri="{FF2B5EF4-FFF2-40B4-BE49-F238E27FC236}">
+                <a16:creationId xmlns:a16="http://schemas.microsoft.com/office/drawing/2014/main" id="{89066F11-6868-47D7-FDD2-F251B0B320C8}"/>
+              </a:ext>
+            </a:extLst>
+          </p:cNvPr>
+          <p:cNvSpPr>
+            <a:spLocks noGrp="1"/>
+          </p:cNvSpPr>
+          <p:nvPr>
+            <p:ph sz="half" idx="1"/>
+          </p:nvPr>
+        </p:nvSpPr>
+        <p:spPr>
+          <a:xfrm>
+            <a:off x="581193" y="2228003"/>
+            <a:ext cx="3633787" cy="3633047"/>
+          </a:xfrm>
+        </p:spPr>
+        <p:txBody>
+          <a:bodyPr>
+            <a:normAutofit/>
+          </a:bodyPr>
+          <a:lstStyle/>
+          <a:p>
+            <a:r>
+              <a:rPr lang="en-US" dirty="0"/>
+              <a:t>No student in 2022-2023 cohort managed to reach 100% attendance.</a:t>
+            </a:r>
+          </a:p>
+          <a:p>
+            <a:r>
+              <a:rPr lang="en-US" dirty="0"/>
+              <a:t>Multiple instances in 2021-2022.</a:t>
+            </a:r>
+          </a:p>
+          <a:p>
+            <a:r>
+              <a:rPr lang="en-US" dirty="0"/>
+              <a:t>Similar pattern to previous slide.</a:t>
+            </a:r>
+          </a:p>
+        </p:txBody>
+      </p:sp>
     </p:spTree>
     <p:extLst>
       <p:ext uri="{BB962C8B-B14F-4D97-AF65-F5344CB8AC3E}">
-        <p14:creationId xmlns:p14="http://schemas.microsoft.com/office/powerpoint/2010/main" val="687847675"/>
+        <p14:creationId xmlns:p14="http://schemas.microsoft.com/office/powerpoint/2010/main" val="3417055911"/>
       </p:ext>
     </p:extLst>
   </p:cSld>
@@ -13707,14 +11925,6 @@
 <file path=ppt/slides/slide18.xml><?xml version="1.0" encoding="utf-8"?>
 <p:sld xmlns:a="http://schemas.openxmlformats.org/drawingml/2006/main" xmlns:r="http://schemas.openxmlformats.org/officeDocument/2006/relationships" xmlns:p="http://schemas.openxmlformats.org/presentationml/2006/main">
   <p:cSld>
-    <p:bg>
-      <p:bgPr>
-        <a:solidFill>
-          <a:schemeClr val="bg1"/>
-        </a:solidFill>
-        <a:effectLst/>
-      </p:bgPr>
-    </p:bg>
     <p:spTree>
       <p:nvGrpSpPr>
         <p:cNvPr id="1" name=""/>
@@ -13729,297 +11939,12 @@
           <a:chExt cx="0" cy="0"/>
         </a:xfrm>
       </p:grpSpPr>
-      <p:sp useBgFill="1">
-        <p:nvSpPr>
-          <p:cNvPr id="13" name="Rectangle 12">
-            <a:extLst>
-              <a:ext uri="{FF2B5EF4-FFF2-40B4-BE49-F238E27FC236}">
-                <a16:creationId xmlns:a16="http://schemas.microsoft.com/office/drawing/2014/main" id="{4AE9D071-98CF-435C-BD2B-976514544DC5}"/>
-              </a:ext>
-              <a:ext uri="{C183D7F6-B498-43B3-948B-1728B52AA6E4}">
-                <adec:decorative xmlns:adec="http://schemas.microsoft.com/office/drawing/2017/decorative" val="1"/>
-              </a:ext>
-            </a:extLst>
-          </p:cNvPr>
-          <p:cNvSpPr>
-            <a:spLocks noGrp="1" noRot="1" noChangeAspect="1" noMove="1" noResize="1" noEditPoints="1" noAdjustHandles="1" noChangeArrowheads="1" noChangeShapeType="1" noTextEdit="1"/>
-          </p:cNvSpPr>
-          <p:nvPr>
-            <p:extLst>
-              <p:ext uri="{386F3935-93C4-4BCD-93E2-E3B085C9AB24}">
-                <p16:designElem xmlns:p16="http://schemas.microsoft.com/office/powerpoint/2015/main" val="1"/>
-              </p:ext>
-            </p:extLst>
-          </p:nvPr>
-        </p:nvSpPr>
-        <p:spPr>
-          <a:xfrm>
-            <a:off x="0" y="0"/>
-            <a:ext cx="12192000" cy="6858000"/>
-          </a:xfrm>
-          <a:prstGeom prst="rect">
-            <a:avLst/>
-          </a:prstGeom>
-          <a:ln>
-            <a:noFill/>
-          </a:ln>
-        </p:spPr>
-        <p:style>
-          <a:lnRef idx="2">
-            <a:schemeClr val="accent1">
-              <a:shade val="50000"/>
-            </a:schemeClr>
-          </a:lnRef>
-          <a:fillRef idx="1">
-            <a:schemeClr val="accent1"/>
-          </a:fillRef>
-          <a:effectRef idx="0">
-            <a:schemeClr val="accent1"/>
-          </a:effectRef>
-          <a:fontRef idx="minor">
-            <a:schemeClr val="lt1"/>
-          </a:fontRef>
-        </p:style>
-        <p:txBody>
-          <a:bodyPr rtlCol="0" anchor="ctr"/>
-          <a:lstStyle/>
-          <a:p>
-            <a:pPr algn="ctr"/>
-            <a:endParaRPr lang="en-US" dirty="0"/>
-          </a:p>
-        </p:txBody>
-      </p:sp>
-      <p:pic>
-        <p:nvPicPr>
-          <p:cNvPr id="8" name="Content Placeholder 4" descr="Digital Numbers">
-            <a:extLst>
-              <a:ext uri="{FF2B5EF4-FFF2-40B4-BE49-F238E27FC236}">
-                <a16:creationId xmlns:a16="http://schemas.microsoft.com/office/drawing/2014/main" id="{EA70616B-E344-4856-8DF9-707C26236613}"/>
-              </a:ext>
-            </a:extLst>
-          </p:cNvPr>
-          <p:cNvPicPr>
-            <a:picLocks noChangeAspect="1"/>
-          </p:cNvPicPr>
-          <p:nvPr/>
-        </p:nvPicPr>
-        <p:blipFill rotWithShape="1">
-          <a:blip r:embed="rId3" cstate="screen">
-            <a:extLst>
-              <a:ext uri="{28A0092B-C50C-407E-A947-70E740481C1C}">
-                <a14:useLocalDpi xmlns:a14="http://schemas.microsoft.com/office/drawing/2010/main"/>
-              </a:ext>
-            </a:extLst>
-          </a:blip>
-          <a:srcRect t="10681" r="9091" b="12711"/>
-          <a:stretch/>
-        </p:blipFill>
-        <p:spPr>
-          <a:xfrm>
-            <a:off x="20" y="10"/>
-            <a:ext cx="12191980" cy="6857990"/>
-          </a:xfrm>
-          <a:prstGeom prst="rect">
-            <a:avLst/>
-          </a:prstGeom>
-        </p:spPr>
-      </p:pic>
-      <p:grpSp>
-        <p:nvGrpSpPr>
-          <p:cNvPr id="15" name="Group 14">
-            <a:extLst>
-              <a:ext uri="{FF2B5EF4-FFF2-40B4-BE49-F238E27FC236}">
-                <a16:creationId xmlns:a16="http://schemas.microsoft.com/office/drawing/2014/main" id="{D619FC33-16ED-4246-9596-BEFEB55E4CF6}"/>
-              </a:ext>
-              <a:ext uri="{C183D7F6-B498-43B3-948B-1728B52AA6E4}">
-                <adec:decorative xmlns:adec="http://schemas.microsoft.com/office/drawing/2017/decorative" val="1"/>
-              </a:ext>
-            </a:extLst>
-          </p:cNvPr>
-          <p:cNvGrpSpPr>
-            <a:grpSpLocks noGrp="1" noUngrp="1" noRot="1" noChangeAspect="1" noMove="1" noResize="1"/>
-          </p:cNvGrpSpPr>
-          <p:nvPr>
-            <p:extLst>
-              <p:ext uri="{386F3935-93C4-4BCD-93E2-E3B085C9AB24}">
-                <p16:designElem xmlns:p16="http://schemas.microsoft.com/office/powerpoint/2015/main" val="1"/>
-              </p:ext>
-            </p:extLst>
-          </p:nvPr>
-        </p:nvGrpSpPr>
-        <p:grpSpPr>
-          <a:xfrm>
-            <a:off x="438067" y="457200"/>
-            <a:ext cx="7507083" cy="5935132"/>
-            <a:chOff x="438067" y="457200"/>
-            <a:chExt cx="7507083" cy="5935132"/>
-          </a:xfrm>
-        </p:grpSpPr>
-        <p:sp>
-          <p:nvSpPr>
-            <p:cNvPr id="16" name="Rectangle 15">
-              <a:extLst>
-                <a:ext uri="{FF2B5EF4-FFF2-40B4-BE49-F238E27FC236}">
-                  <a16:creationId xmlns:a16="http://schemas.microsoft.com/office/drawing/2014/main" id="{2EEA80E1-F99F-4009-837F-2F72F8A5D580}"/>
-                </a:ext>
-                <a:ext uri="{C183D7F6-B498-43B3-948B-1728B52AA6E4}">
-                  <adec:decorative xmlns:adec="http://schemas.microsoft.com/office/drawing/2017/decorative" val="1"/>
-                </a:ext>
-              </a:extLst>
-            </p:cNvPr>
-            <p:cNvSpPr/>
-            <p:nvPr>
-              <p:extLst>
-                <p:ext uri="{386F3935-93C4-4BCD-93E2-E3B085C9AB24}">
-                  <p16:designElem xmlns:p16="http://schemas.microsoft.com/office/powerpoint/2015/main" val="1"/>
-                </p:ext>
-              </p:extLst>
-            </p:nvPr>
-          </p:nvSpPr>
-          <p:spPr>
-            <a:xfrm>
-              <a:off x="438067" y="618067"/>
-              <a:ext cx="7503665" cy="5774265"/>
-            </a:xfrm>
-            <a:prstGeom prst="rect">
-              <a:avLst/>
-            </a:prstGeom>
-            <a:solidFill>
-              <a:schemeClr val="accent1">
-                <a:alpha val="97000"/>
-              </a:schemeClr>
-            </a:solidFill>
-            <a:ln w="6350" cmpd="sng">
-              <a:noFill/>
-            </a:ln>
-            <a:effectLst/>
-          </p:spPr>
-          <p:style>
-            <a:lnRef idx="1">
-              <a:schemeClr val="accent1"/>
-            </a:lnRef>
-            <a:fillRef idx="3">
-              <a:schemeClr val="accent1"/>
-            </a:fillRef>
-            <a:effectRef idx="2">
-              <a:schemeClr val="accent1"/>
-            </a:effectRef>
-            <a:fontRef idx="minor">
-              <a:schemeClr val="lt1"/>
-            </a:fontRef>
-          </p:style>
-        </p:sp>
-        <p:sp>
-          <p:nvSpPr>
-            <p:cNvPr id="17" name="Rectangle 16">
-              <a:extLst>
-                <a:ext uri="{FF2B5EF4-FFF2-40B4-BE49-F238E27FC236}">
-                  <a16:creationId xmlns:a16="http://schemas.microsoft.com/office/drawing/2014/main" id="{0230AF9A-4641-4BD8-9F95-9607CD304039}"/>
-                </a:ext>
-                <a:ext uri="{C183D7F6-B498-43B3-948B-1728B52AA6E4}">
-                  <adec:decorative xmlns:adec="http://schemas.microsoft.com/office/drawing/2017/decorative" val="1"/>
-                </a:ext>
-              </a:extLst>
-            </p:cNvPr>
-            <p:cNvSpPr/>
-            <p:nvPr>
-              <p:extLst>
-                <p:ext uri="{386F3935-93C4-4BCD-93E2-E3B085C9AB24}">
-                  <p16:designElem xmlns:p16="http://schemas.microsoft.com/office/powerpoint/2015/main" val="1"/>
-                </p:ext>
-              </p:extLst>
-            </p:nvPr>
-          </p:nvSpPr>
-          <p:spPr>
-            <a:xfrm>
-              <a:off x="438068" y="457200"/>
-              <a:ext cx="3703320" cy="94997"/>
-            </a:xfrm>
-            <a:prstGeom prst="rect">
-              <a:avLst/>
-            </a:prstGeom>
-            <a:solidFill>
-              <a:schemeClr val="accent1"/>
-            </a:solidFill>
-            <a:ln>
-              <a:noFill/>
-            </a:ln>
-            <a:effectLst/>
-          </p:spPr>
-          <p:style>
-            <a:lnRef idx="1">
-              <a:schemeClr val="accent1"/>
-            </a:lnRef>
-            <a:fillRef idx="3">
-              <a:schemeClr val="accent1"/>
-            </a:fillRef>
-            <a:effectRef idx="2">
-              <a:schemeClr val="accent1"/>
-            </a:effectRef>
-            <a:fontRef idx="minor">
-              <a:schemeClr val="lt1"/>
-            </a:fontRef>
-          </p:style>
-        </p:sp>
-        <p:sp>
-          <p:nvSpPr>
-            <p:cNvPr id="18" name="Rectangle 17">
-              <a:extLst>
-                <a:ext uri="{FF2B5EF4-FFF2-40B4-BE49-F238E27FC236}">
-                  <a16:creationId xmlns:a16="http://schemas.microsoft.com/office/drawing/2014/main" id="{8703D4EC-9389-41B6-B88B-B6FDC8CD3330}"/>
-                </a:ext>
-                <a:ext uri="{C183D7F6-B498-43B3-948B-1728B52AA6E4}">
-                  <adec:decorative xmlns:adec="http://schemas.microsoft.com/office/drawing/2017/decorative" val="1"/>
-                </a:ext>
-              </a:extLst>
-            </p:cNvPr>
-            <p:cNvSpPr/>
-            <p:nvPr>
-              <p:extLst>
-                <p:ext uri="{386F3935-93C4-4BCD-93E2-E3B085C9AB24}">
-                  <p16:designElem xmlns:p16="http://schemas.microsoft.com/office/powerpoint/2015/main" val="1"/>
-                </p:ext>
-              </p:extLst>
-            </p:nvPr>
-          </p:nvSpPr>
-          <p:spPr>
-            <a:xfrm>
-              <a:off x="4241830" y="457200"/>
-              <a:ext cx="3703320" cy="91440"/>
-            </a:xfrm>
-            <a:prstGeom prst="rect">
-              <a:avLst/>
-            </a:prstGeom>
-            <a:solidFill>
-              <a:schemeClr val="accent2"/>
-            </a:solidFill>
-            <a:ln>
-              <a:noFill/>
-            </a:ln>
-            <a:effectLst/>
-          </p:spPr>
-          <p:style>
-            <a:lnRef idx="1">
-              <a:schemeClr val="accent1"/>
-            </a:lnRef>
-            <a:fillRef idx="3">
-              <a:schemeClr val="accent1"/>
-            </a:fillRef>
-            <a:effectRef idx="2">
-              <a:schemeClr val="accent1"/>
-            </a:effectRef>
-            <a:fontRef idx="minor">
-              <a:schemeClr val="lt1"/>
-            </a:fontRef>
-          </p:style>
-        </p:sp>
-      </p:grpSp>
       <p:sp>
         <p:nvSpPr>
           <p:cNvPr id="2" name="Title 1">
             <a:extLst>
               <a:ext uri="{FF2B5EF4-FFF2-40B4-BE49-F238E27FC236}">
-                <a16:creationId xmlns:a16="http://schemas.microsoft.com/office/drawing/2014/main" id="{7F2616EE-270D-4F4C-BA1F-2708D387B800}"/>
+                <a16:creationId xmlns:a16="http://schemas.microsoft.com/office/drawing/2014/main" id="{921633EB-7DCB-4DDC-80AF-C885A3EE1245}"/>
               </a:ext>
             </a:extLst>
           </p:cNvPr>
@@ -14030,61 +11955,120 @@
             <p:ph type="title"/>
           </p:nvPr>
         </p:nvSpPr>
+        <p:spPr/>
+        <p:txBody>
+          <a:bodyPr/>
+          <a:lstStyle/>
+          <a:p>
+            <a:r>
+              <a:rPr lang="en-US" dirty="0"/>
+              <a:t>Attendance Lecture Data</a:t>
+            </a:r>
+          </a:p>
+        </p:txBody>
+      </p:sp>
+      <p:pic>
+        <p:nvPicPr>
+          <p:cNvPr id="20" name="Content Placeholder 19">
+            <a:extLst>
+              <a:ext uri="{FF2B5EF4-FFF2-40B4-BE49-F238E27FC236}">
+                <a16:creationId xmlns:a16="http://schemas.microsoft.com/office/drawing/2014/main" id="{996B68EB-BA2A-A868-4AE5-26A32E6156DF}"/>
+              </a:ext>
+            </a:extLst>
+          </p:cNvPr>
+          <p:cNvPicPr>
+            <a:picLocks noGrp="1" noChangeAspect="1"/>
+          </p:cNvPicPr>
+          <p:nvPr>
+            <p:ph sz="half" idx="2"/>
+          </p:nvPr>
+        </p:nvPicPr>
+        <p:blipFill>
+          <a:blip r:embed="rId2"/>
+          <a:srcRect/>
+          <a:stretch/>
+        </p:blipFill>
         <p:spPr>
           <a:xfrm>
-            <a:off x="584200" y="1006956"/>
-            <a:ext cx="7213600" cy="1121871"/>
+            <a:off x="4279106" y="2227262"/>
+            <a:ext cx="3633787" cy="3633787"/>
+          </a:xfrm>
+        </p:spPr>
+      </p:pic>
+      <p:pic>
+        <p:nvPicPr>
+          <p:cNvPr id="22" name="Picture 21">
+            <a:extLst>
+              <a:ext uri="{FF2B5EF4-FFF2-40B4-BE49-F238E27FC236}">
+                <a16:creationId xmlns:a16="http://schemas.microsoft.com/office/drawing/2014/main" id="{A2645ED6-F5DD-B44C-6AF8-A1ECB0E6B71D}"/>
+              </a:ext>
+            </a:extLst>
+          </p:cNvPr>
+          <p:cNvPicPr>
+            <a:picLocks noChangeAspect="1"/>
+          </p:cNvPicPr>
+          <p:nvPr/>
+        </p:nvPicPr>
+        <p:blipFill>
+          <a:blip r:embed="rId3"/>
+          <a:srcRect/>
+          <a:stretch/>
+        </p:blipFill>
+        <p:spPr>
+          <a:xfrm>
+            <a:off x="7977020" y="2227261"/>
+            <a:ext cx="3633787" cy="3633787"/>
+          </a:xfrm>
+          <a:prstGeom prst="rect">
+            <a:avLst/>
+          </a:prstGeom>
+        </p:spPr>
+      </p:pic>
+      <p:sp>
+        <p:nvSpPr>
+          <p:cNvPr id="4" name="Content Placeholder 3">
+            <a:extLst>
+              <a:ext uri="{FF2B5EF4-FFF2-40B4-BE49-F238E27FC236}">
+                <a16:creationId xmlns:a16="http://schemas.microsoft.com/office/drawing/2014/main" id="{89066F11-6868-47D7-FDD2-F251B0B320C8}"/>
+              </a:ext>
+            </a:extLst>
+          </p:cNvPr>
+          <p:cNvSpPr>
+            <a:spLocks noGrp="1"/>
+          </p:cNvSpPr>
+          <p:nvPr>
+            <p:ph sz="half" idx="1"/>
+          </p:nvPr>
+        </p:nvSpPr>
+        <p:spPr>
+          <a:xfrm>
+            <a:off x="581193" y="2228003"/>
+            <a:ext cx="3633787" cy="3633047"/>
           </a:xfrm>
         </p:spPr>
         <p:txBody>
-          <a:bodyPr anchor="ctr">
+          <a:bodyPr>
             <a:normAutofit/>
           </a:bodyPr>
           <a:lstStyle/>
           <a:p>
-            <a:pPr algn="ctr"/>
             <a:r>
               <a:rPr lang="en-US" dirty="0"/>
-              <a:t>Further Development</a:t>
+              <a:t>Lecture attendance has similar median, interquartile range reduced more significantly.</a:t>
+            </a:r>
+          </a:p>
+          <a:p>
+            <a:r>
+              <a:rPr lang="en-US" dirty="0"/>
+              <a:t>Less students attending lectures than previous year</a:t>
             </a:r>
           </a:p>
         </p:txBody>
       </p:sp>
-      <p:graphicFrame>
-        <p:nvGraphicFramePr>
-          <p:cNvPr id="6" name="Content Placeholder 5" descr="SmartArt">
-            <a:extLst>
-              <a:ext uri="{FF2B5EF4-FFF2-40B4-BE49-F238E27FC236}">
-                <a16:creationId xmlns:a16="http://schemas.microsoft.com/office/drawing/2014/main" id="{BF629521-FFD2-45DA-9D1D-A5F09BD5A2D9}"/>
-              </a:ext>
-            </a:extLst>
-          </p:cNvPr>
-          <p:cNvGraphicFramePr>
-            <a:graphicFrameLocks noGrp="1"/>
-          </p:cNvGraphicFramePr>
-          <p:nvPr>
-            <p:ph idx="1"/>
-            <p:extLst>
-              <p:ext uri="{D42A27DB-BD31-4B8C-83A1-F6EECF244321}">
-                <p14:modId xmlns:p14="http://schemas.microsoft.com/office/powerpoint/2010/main" val="3931224430"/>
-              </p:ext>
-            </p:extLst>
-          </p:nvPr>
-        </p:nvGraphicFramePr>
-        <p:xfrm>
-          <a:off x="719571" y="2198254"/>
-          <a:ext cx="6854248" cy="3563938"/>
-        </p:xfrm>
-        <a:graphic>
-          <a:graphicData uri="http://schemas.openxmlformats.org/drawingml/2006/diagram">
-            <dgm:relIds xmlns:dgm="http://schemas.openxmlformats.org/drawingml/2006/diagram" xmlns:r="http://schemas.openxmlformats.org/officeDocument/2006/relationships" r:dm="rId4" r:lo="rId5" r:qs="rId6" r:cs="rId7"/>
-          </a:graphicData>
-        </a:graphic>
-      </p:graphicFrame>
     </p:spTree>
     <p:extLst>
       <p:ext uri="{BB962C8B-B14F-4D97-AF65-F5344CB8AC3E}">
-        <p14:creationId xmlns:p14="http://schemas.microsoft.com/office/powerpoint/2010/main" val="4209322005"/>
+        <p14:creationId xmlns:p14="http://schemas.microsoft.com/office/powerpoint/2010/main" val="374130214"/>
       </p:ext>
     </p:extLst>
   </p:cSld>
@@ -14116,7 +12100,7 @@
           <p:cNvPr id="2" name="Title 1">
             <a:extLst>
               <a:ext uri="{FF2B5EF4-FFF2-40B4-BE49-F238E27FC236}">
-                <a16:creationId xmlns:a16="http://schemas.microsoft.com/office/drawing/2014/main" id="{893057A3-A04F-232F-0FAC-02C377A544EC}"/>
+                <a16:creationId xmlns:a16="http://schemas.microsoft.com/office/drawing/2014/main" id="{921633EB-7DCB-4DDC-80AF-C885A3EE1245}"/>
               </a:ext>
             </a:extLst>
           </p:cNvPr>
@@ -14134,18 +12118,74 @@
           <a:p>
             <a:r>
               <a:rPr lang="en-US" dirty="0"/>
-              <a:t>References</a:t>
-            </a:r>
-            <a:endParaRPr lang="en-GB" dirty="0"/>
+              <a:t>Attendance Practical Data</a:t>
+            </a:r>
           </a:p>
         </p:txBody>
       </p:sp>
+      <p:pic>
+        <p:nvPicPr>
+          <p:cNvPr id="20" name="Content Placeholder 19">
+            <a:extLst>
+              <a:ext uri="{FF2B5EF4-FFF2-40B4-BE49-F238E27FC236}">
+                <a16:creationId xmlns:a16="http://schemas.microsoft.com/office/drawing/2014/main" id="{996B68EB-BA2A-A868-4AE5-26A32E6156DF}"/>
+              </a:ext>
+            </a:extLst>
+          </p:cNvPr>
+          <p:cNvPicPr>
+            <a:picLocks noGrp="1" noChangeAspect="1"/>
+          </p:cNvPicPr>
+          <p:nvPr>
+            <p:ph sz="half" idx="2"/>
+          </p:nvPr>
+        </p:nvPicPr>
+        <p:blipFill>
+          <a:blip r:embed="rId2"/>
+          <a:srcRect/>
+          <a:stretch/>
+        </p:blipFill>
+        <p:spPr>
+          <a:xfrm>
+            <a:off x="4279106" y="2227262"/>
+            <a:ext cx="3633787" cy="3633787"/>
+          </a:xfrm>
+        </p:spPr>
+      </p:pic>
+      <p:pic>
+        <p:nvPicPr>
+          <p:cNvPr id="22" name="Picture 21">
+            <a:extLst>
+              <a:ext uri="{FF2B5EF4-FFF2-40B4-BE49-F238E27FC236}">
+                <a16:creationId xmlns:a16="http://schemas.microsoft.com/office/drawing/2014/main" id="{A2645ED6-F5DD-B44C-6AF8-A1ECB0E6B71D}"/>
+              </a:ext>
+            </a:extLst>
+          </p:cNvPr>
+          <p:cNvPicPr>
+            <a:picLocks noChangeAspect="1"/>
+          </p:cNvPicPr>
+          <p:nvPr/>
+        </p:nvPicPr>
+        <p:blipFill>
+          <a:blip r:embed="rId3"/>
+          <a:srcRect/>
+          <a:stretch/>
+        </p:blipFill>
+        <p:spPr>
+          <a:xfrm>
+            <a:off x="7977020" y="2227261"/>
+            <a:ext cx="3633787" cy="3633787"/>
+          </a:xfrm>
+          <a:prstGeom prst="rect">
+            <a:avLst/>
+          </a:prstGeom>
+        </p:spPr>
+      </p:pic>
       <p:sp>
         <p:nvSpPr>
-          <p:cNvPr id="3" name="Content Placeholder 2">
+          <p:cNvPr id="4" name="Content Placeholder 3">
             <a:extLst>
               <a:ext uri="{FF2B5EF4-FFF2-40B4-BE49-F238E27FC236}">
-                <a16:creationId xmlns:a16="http://schemas.microsoft.com/office/drawing/2014/main" id="{A9C16DC8-2E95-9526-1657-6E95C5B8A701}"/>
+                <a16:creationId xmlns:a16="http://schemas.microsoft.com/office/drawing/2014/main" id="{89066F11-6868-47D7-FDD2-F251B0B320C8}"/>
               </a:ext>
             </a:extLst>
           </p:cNvPr>
@@ -14153,119 +12193,44 @@
             <a:spLocks noGrp="1"/>
           </p:cNvSpPr>
           <p:nvPr>
-            <p:ph idx="1"/>
+            <p:ph sz="half" idx="1"/>
           </p:nvPr>
         </p:nvSpPr>
-        <p:spPr/>
+        <p:spPr>
+          <a:xfrm>
+            <a:off x="581193" y="2228003"/>
+            <a:ext cx="3633787" cy="3633047"/>
+          </a:xfrm>
+        </p:spPr>
         <p:txBody>
-          <a:bodyPr/>
+          <a:bodyPr>
+            <a:normAutofit/>
+          </a:bodyPr>
           <a:lstStyle/>
           <a:p>
-            <a:pPr marL="0" indent="0">
-              <a:buNone/>
-            </a:pPr>
-            <a:r>
-              <a:rPr lang="en-GB" b="0" i="0" dirty="0" err="1">
-                <a:solidFill>
-                  <a:schemeClr val="tx1"/>
-                </a:solidFill>
-                <a:effectLst/>
-                <a:latin typeface="Circular"/>
-              </a:rPr>
-              <a:t>Handschuh</a:t>
-            </a:r>
-            <a:r>
-              <a:rPr lang="en-GB" b="0" i="0" dirty="0">
-                <a:solidFill>
-                  <a:schemeClr val="tx1"/>
-                </a:solidFill>
-                <a:effectLst/>
-                <a:latin typeface="Circular"/>
-              </a:rPr>
-              <a:t>, H. (2005) ‘SHA Family (Secure Hash Algorithm)’, in van </a:t>
-            </a:r>
-            <a:r>
-              <a:rPr lang="en-GB" b="0" i="0" dirty="0" err="1">
-                <a:solidFill>
-                  <a:schemeClr val="tx1"/>
-                </a:solidFill>
-                <a:effectLst/>
-                <a:latin typeface="Circular"/>
-              </a:rPr>
-              <a:t>Tilborg</a:t>
-            </a:r>
-            <a:r>
-              <a:rPr lang="en-GB" b="0" i="0" dirty="0">
-                <a:solidFill>
-                  <a:schemeClr val="tx1"/>
-                </a:solidFill>
-                <a:effectLst/>
-                <a:latin typeface="Circular"/>
-              </a:rPr>
-              <a:t>, H. C. A. (ed.) </a:t>
-            </a:r>
-            <a:r>
-              <a:rPr lang="en-GB" b="0" i="1" dirty="0" err="1">
-                <a:solidFill>
-                  <a:schemeClr val="tx1"/>
-                </a:solidFill>
-                <a:effectLst/>
-                <a:latin typeface="Circular"/>
-              </a:rPr>
-              <a:t>Encyclopedia</a:t>
-            </a:r>
-            <a:r>
-              <a:rPr lang="en-GB" b="0" i="1" dirty="0">
-                <a:solidFill>
-                  <a:schemeClr val="tx1"/>
-                </a:solidFill>
-                <a:effectLst/>
-                <a:latin typeface="Circular"/>
-              </a:rPr>
-              <a:t> of Cryptography and Security</a:t>
-            </a:r>
-            <a:r>
-              <a:rPr lang="en-GB" b="0" i="0" dirty="0">
-                <a:solidFill>
-                  <a:schemeClr val="tx1"/>
-                </a:solidFill>
-                <a:effectLst/>
-                <a:latin typeface="Circular"/>
-              </a:rPr>
-              <a:t>. Boston, MA: Springer US, pp. 565–567. </a:t>
-            </a:r>
-            <a:r>
-              <a:rPr lang="en-GB" b="0" i="0" dirty="0" err="1">
-                <a:solidFill>
-                  <a:schemeClr val="tx1"/>
-                </a:solidFill>
-                <a:effectLst/>
-                <a:latin typeface="Circular"/>
-              </a:rPr>
-              <a:t>doi</a:t>
-            </a:r>
-            <a:r>
-              <a:rPr lang="en-GB" b="0" i="0" dirty="0">
-                <a:solidFill>
-                  <a:schemeClr val="tx1"/>
-                </a:solidFill>
-                <a:effectLst/>
-                <a:latin typeface="Circular"/>
-              </a:rPr>
-              <a:t>: 10.1007/0-387-23483-7_388.</a:t>
-            </a:r>
-            <a:endParaRPr lang="en-GB" dirty="0">
-              <a:solidFill>
-                <a:schemeClr val="tx1"/>
-              </a:solidFill>
-            </a:endParaRPr>
+            <a:r>
+              <a:rPr lang="en-US" dirty="0"/>
+              <a:t>Clear reduction in attendance to practical sessions.</a:t>
+            </a:r>
+          </a:p>
+          <a:p>
+            <a:r>
+              <a:rPr lang="en-US" dirty="0"/>
+              <a:t>Median reduced, range reduced.</a:t>
+            </a:r>
+          </a:p>
+          <a:p>
+            <a:r>
+              <a:rPr lang="en-US" dirty="0"/>
+              <a:t>Skewed result as some students would have attended more practical session than required (one student with 108% attendance)</a:t>
+            </a:r>
           </a:p>
         </p:txBody>
       </p:sp>
     </p:spTree>
     <p:extLst>
       <p:ext uri="{BB962C8B-B14F-4D97-AF65-F5344CB8AC3E}">
-        <p14:creationId xmlns:p14="http://schemas.microsoft.com/office/powerpoint/2010/main" val="3695867236"/>
+        <p14:creationId xmlns:p14="http://schemas.microsoft.com/office/powerpoint/2010/main" val="1695476852"/>
       </p:ext>
     </p:extLst>
   </p:cSld>
@@ -14395,6 +12360,1230 @@
 </file>
 
 <file path=ppt/slides/slide20.xml><?xml version="1.0" encoding="utf-8"?>
+<p:sld xmlns:a="http://schemas.openxmlformats.org/drawingml/2006/main" xmlns:r="http://schemas.openxmlformats.org/officeDocument/2006/relationships" xmlns:p="http://schemas.openxmlformats.org/presentationml/2006/main">
+  <p:cSld>
+    <p:spTree>
+      <p:nvGrpSpPr>
+        <p:cNvPr id="1" name=""/>
+        <p:cNvGrpSpPr/>
+        <p:nvPr/>
+      </p:nvGrpSpPr>
+      <p:grpSpPr>
+        <a:xfrm>
+          <a:off x="0" y="0"/>
+          <a:ext cx="0" cy="0"/>
+          <a:chOff x="0" y="0"/>
+          <a:chExt cx="0" cy="0"/>
+        </a:xfrm>
+      </p:grpSpPr>
+      <p:sp>
+        <p:nvSpPr>
+          <p:cNvPr id="2" name="Title 1">
+            <a:extLst>
+              <a:ext uri="{FF2B5EF4-FFF2-40B4-BE49-F238E27FC236}">
+                <a16:creationId xmlns:a16="http://schemas.microsoft.com/office/drawing/2014/main" id="{921633EB-7DCB-4DDC-80AF-C885A3EE1245}"/>
+              </a:ext>
+            </a:extLst>
+          </p:cNvPr>
+          <p:cNvSpPr>
+            <a:spLocks noGrp="1"/>
+          </p:cNvSpPr>
+          <p:nvPr>
+            <p:ph type="title"/>
+          </p:nvPr>
+        </p:nvSpPr>
+        <p:spPr/>
+        <p:txBody>
+          <a:bodyPr/>
+          <a:lstStyle/>
+          <a:p>
+            <a:r>
+              <a:rPr lang="en-US" dirty="0"/>
+              <a:t>Summary</a:t>
+            </a:r>
+          </a:p>
+        </p:txBody>
+      </p:sp>
+      <p:sp>
+        <p:nvSpPr>
+          <p:cNvPr id="4" name="Content Placeholder 3">
+            <a:extLst>
+              <a:ext uri="{FF2B5EF4-FFF2-40B4-BE49-F238E27FC236}">
+                <a16:creationId xmlns:a16="http://schemas.microsoft.com/office/drawing/2014/main" id="{15465504-73D4-37DA-85FF-7C8DD5BC71AF}"/>
+              </a:ext>
+            </a:extLst>
+          </p:cNvPr>
+          <p:cNvSpPr>
+            <a:spLocks noGrp="1"/>
+          </p:cNvSpPr>
+          <p:nvPr>
+            <p:ph sz="half" idx="1"/>
+          </p:nvPr>
+        </p:nvSpPr>
+        <p:spPr>
+          <a:xfrm>
+            <a:off x="581193" y="2228003"/>
+            <a:ext cx="5089765" cy="3633047"/>
+          </a:xfrm>
+        </p:spPr>
+        <p:txBody>
+          <a:bodyPr/>
+          <a:lstStyle/>
+          <a:p>
+            <a:r>
+              <a:rPr lang="en-US" dirty="0"/>
+              <a:t>Grade average has reduced since last session.</a:t>
+            </a:r>
+          </a:p>
+          <a:p>
+            <a:r>
+              <a:rPr lang="en-US" dirty="0"/>
+              <a:t>Compared to last year, attendance has also fallen. Average and median in all categories has gone down.</a:t>
+            </a:r>
+          </a:p>
+          <a:p>
+            <a:r>
+              <a:rPr lang="en-US" dirty="0"/>
+              <a:t>Some relationship between the reduced attendance and the lowering of grade.</a:t>
+            </a:r>
+          </a:p>
+        </p:txBody>
+      </p:sp>
+      <p:graphicFrame>
+        <p:nvGraphicFramePr>
+          <p:cNvPr id="6" name="Table 6">
+            <a:extLst>
+              <a:ext uri="{FF2B5EF4-FFF2-40B4-BE49-F238E27FC236}">
+                <a16:creationId xmlns:a16="http://schemas.microsoft.com/office/drawing/2014/main" id="{B8453F27-AEE6-A89E-BF2C-3CD4ADD328F2}"/>
+              </a:ext>
+            </a:extLst>
+          </p:cNvPr>
+          <p:cNvGraphicFramePr>
+            <a:graphicFrameLocks noGrp="1"/>
+          </p:cNvGraphicFramePr>
+          <p:nvPr>
+            <p:ph sz="half" idx="2"/>
+            <p:extLst>
+              <p:ext uri="{D42A27DB-BD31-4B8C-83A1-F6EECF244321}">
+                <p14:modId xmlns:p14="http://schemas.microsoft.com/office/powerpoint/2010/main" val="638242072"/>
+              </p:ext>
+            </p:extLst>
+          </p:nvPr>
+        </p:nvGraphicFramePr>
+        <p:xfrm>
+          <a:off x="5771627" y="2432807"/>
+          <a:ext cx="5839691" cy="3428244"/>
+        </p:xfrm>
+        <a:graphic>
+          <a:graphicData uri="http://schemas.openxmlformats.org/drawingml/2006/table">
+            <a:tbl>
+              <a:tblPr firstRow="1" bandRow="1">
+                <a:tableStyleId>{5C22544A-7EE6-4342-B048-85BDC9FD1C3A}</a:tableStyleId>
+              </a:tblPr>
+              <a:tblGrid>
+                <a:gridCol w="530881">
+                  <a:extLst>
+                    <a:ext uri="{9D8B030D-6E8A-4147-A177-3AD203B41FA5}">
+                      <a16:colId xmlns:a16="http://schemas.microsoft.com/office/drawing/2014/main" val="3175777426"/>
+                    </a:ext>
+                  </a:extLst>
+                </a:gridCol>
+                <a:gridCol w="530881">
+                  <a:extLst>
+                    <a:ext uri="{9D8B030D-6E8A-4147-A177-3AD203B41FA5}">
+                      <a16:colId xmlns:a16="http://schemas.microsoft.com/office/drawing/2014/main" val="3063281743"/>
+                    </a:ext>
+                  </a:extLst>
+                </a:gridCol>
+                <a:gridCol w="530881">
+                  <a:extLst>
+                    <a:ext uri="{9D8B030D-6E8A-4147-A177-3AD203B41FA5}">
+                      <a16:colId xmlns:a16="http://schemas.microsoft.com/office/drawing/2014/main" val="1912613166"/>
+                    </a:ext>
+                  </a:extLst>
+                </a:gridCol>
+                <a:gridCol w="530881">
+                  <a:extLst>
+                    <a:ext uri="{9D8B030D-6E8A-4147-A177-3AD203B41FA5}">
+                      <a16:colId xmlns:a16="http://schemas.microsoft.com/office/drawing/2014/main" val="627985694"/>
+                    </a:ext>
+                  </a:extLst>
+                </a:gridCol>
+                <a:gridCol w="530881">
+                  <a:extLst>
+                    <a:ext uri="{9D8B030D-6E8A-4147-A177-3AD203B41FA5}">
+                      <a16:colId xmlns:a16="http://schemas.microsoft.com/office/drawing/2014/main" val="2633129296"/>
+                    </a:ext>
+                  </a:extLst>
+                </a:gridCol>
+                <a:gridCol w="530881">
+                  <a:extLst>
+                    <a:ext uri="{9D8B030D-6E8A-4147-A177-3AD203B41FA5}">
+                      <a16:colId xmlns:a16="http://schemas.microsoft.com/office/drawing/2014/main" val="3459378517"/>
+                    </a:ext>
+                  </a:extLst>
+                </a:gridCol>
+                <a:gridCol w="530881">
+                  <a:extLst>
+                    <a:ext uri="{9D8B030D-6E8A-4147-A177-3AD203B41FA5}">
+                      <a16:colId xmlns:a16="http://schemas.microsoft.com/office/drawing/2014/main" val="4245219144"/>
+                    </a:ext>
+                  </a:extLst>
+                </a:gridCol>
+                <a:gridCol w="530881">
+                  <a:extLst>
+                    <a:ext uri="{9D8B030D-6E8A-4147-A177-3AD203B41FA5}">
+                      <a16:colId xmlns:a16="http://schemas.microsoft.com/office/drawing/2014/main" val="1553150276"/>
+                    </a:ext>
+                  </a:extLst>
+                </a:gridCol>
+                <a:gridCol w="530881">
+                  <a:extLst>
+                    <a:ext uri="{9D8B030D-6E8A-4147-A177-3AD203B41FA5}">
+                      <a16:colId xmlns:a16="http://schemas.microsoft.com/office/drawing/2014/main" val="3076180246"/>
+                    </a:ext>
+                  </a:extLst>
+                </a:gridCol>
+                <a:gridCol w="530881">
+                  <a:extLst>
+                    <a:ext uri="{9D8B030D-6E8A-4147-A177-3AD203B41FA5}">
+                      <a16:colId xmlns:a16="http://schemas.microsoft.com/office/drawing/2014/main" val="1812741376"/>
+                    </a:ext>
+                  </a:extLst>
+                </a:gridCol>
+                <a:gridCol w="530881">
+                  <a:extLst>
+                    <a:ext uri="{9D8B030D-6E8A-4147-A177-3AD203B41FA5}">
+                      <a16:colId xmlns:a16="http://schemas.microsoft.com/office/drawing/2014/main" val="1526394259"/>
+                    </a:ext>
+                  </a:extLst>
+                </a:gridCol>
+              </a:tblGrid>
+              <a:tr h="857061">
+                <a:tc>
+                  <a:txBody>
+                    <a:bodyPr/>
+                    <a:lstStyle/>
+                    <a:p>
+                      <a:r>
+                        <a:rPr lang="en-US" sz="900" b="0" dirty="0"/>
+                        <a:t>Year</a:t>
+                      </a:r>
+                      <a:endParaRPr lang="en-GB" sz="900" b="0" dirty="0"/>
+                    </a:p>
+                  </a:txBody>
+                  <a:tcPr/>
+                </a:tc>
+                <a:tc>
+                  <a:txBody>
+                    <a:bodyPr/>
+                    <a:lstStyle/>
+                    <a:p>
+                      <a:r>
+                        <a:rPr lang="en-US" sz="900" b="0" dirty="0"/>
+                        <a:t>Grade(M)</a:t>
+                      </a:r>
+                      <a:endParaRPr lang="en-GB" sz="900" b="0" dirty="0"/>
+                    </a:p>
+                  </a:txBody>
+                  <a:tcPr vert="vert"/>
+                </a:tc>
+                <a:tc>
+                  <a:txBody>
+                    <a:bodyPr/>
+                    <a:lstStyle/>
+                    <a:p>
+                      <a:r>
+                        <a:rPr lang="en-US" sz="900" b="0" dirty="0"/>
+                        <a:t>Grade (</a:t>
+                      </a:r>
+                      <a:r>
+                        <a:rPr lang="en-US" sz="900" b="0" dirty="0" err="1"/>
+                        <a:t>Mdn</a:t>
+                      </a:r>
+                      <a:r>
+                        <a:rPr lang="en-US" sz="900" b="0" dirty="0"/>
+                        <a:t>)</a:t>
+                      </a:r>
+                      <a:endParaRPr lang="en-GB" sz="900" b="0" dirty="0"/>
+                    </a:p>
+                  </a:txBody>
+                  <a:tcPr vert="vert"/>
+                </a:tc>
+                <a:tc>
+                  <a:txBody>
+                    <a:bodyPr/>
+                    <a:lstStyle/>
+                    <a:p>
+                      <a:r>
+                        <a:rPr lang="en-US" sz="900" b="0" dirty="0"/>
+                        <a:t>Attendance (M)</a:t>
+                      </a:r>
+                      <a:endParaRPr lang="en-GB" sz="900" b="0" dirty="0"/>
+                    </a:p>
+                  </a:txBody>
+                  <a:tcPr vert="vert"/>
+                </a:tc>
+                <a:tc>
+                  <a:txBody>
+                    <a:bodyPr/>
+                    <a:lstStyle/>
+                    <a:p>
+                      <a:r>
+                        <a:rPr lang="en-US" sz="900" b="0" dirty="0"/>
+                        <a:t>Attendance (</a:t>
+                      </a:r>
+                      <a:r>
+                        <a:rPr lang="en-US" sz="900" b="0" dirty="0" err="1"/>
+                        <a:t>Mdn</a:t>
+                      </a:r>
+                      <a:r>
+                        <a:rPr lang="en-US" sz="900" b="0" dirty="0"/>
+                        <a:t>)</a:t>
+                      </a:r>
+                      <a:endParaRPr lang="en-GB" sz="900" b="0" dirty="0"/>
+                    </a:p>
+                  </a:txBody>
+                  <a:tcPr vert="vert"/>
+                </a:tc>
+                <a:tc>
+                  <a:txBody>
+                    <a:bodyPr/>
+                    <a:lstStyle/>
+                    <a:p>
+                      <a:r>
+                        <a:rPr lang="en-US" sz="900" b="0" dirty="0"/>
+                        <a:t>Attendance Expected (M)</a:t>
+                      </a:r>
+                      <a:endParaRPr lang="en-GB" sz="900" b="0" dirty="0"/>
+                    </a:p>
+                  </a:txBody>
+                  <a:tcPr vert="vert"/>
+                </a:tc>
+                <a:tc>
+                  <a:txBody>
+                    <a:bodyPr/>
+                    <a:lstStyle/>
+                    <a:p>
+                      <a:pPr marL="0" marR="0" lvl="0" indent="0" algn="l" defTabSz="457200" rtl="0" eaLnBrk="1" fontAlgn="auto" latinLnBrk="0" hangingPunct="1">
+                        <a:lnSpc>
+                          <a:spcPct val="100000"/>
+                        </a:lnSpc>
+                        <a:spcBef>
+                          <a:spcPts val="0"/>
+                        </a:spcBef>
+                        <a:spcAft>
+                          <a:spcPts val="0"/>
+                        </a:spcAft>
+                        <a:buClrTx/>
+                        <a:buSzTx/>
+                        <a:buFontTx/>
+                        <a:buNone/>
+                        <a:tabLst/>
+                        <a:defRPr/>
+                      </a:pPr>
+                      <a:r>
+                        <a:rPr lang="en-US" sz="1000" b="0" dirty="0"/>
+                        <a:t>Attendance Expected (</a:t>
+                      </a:r>
+                      <a:r>
+                        <a:rPr lang="en-US" sz="1000" b="0" dirty="0" err="1"/>
+                        <a:t>Mdn</a:t>
+                      </a:r>
+                      <a:r>
+                        <a:rPr lang="en-US" sz="1000" b="0" dirty="0"/>
+                        <a:t>)</a:t>
+                      </a:r>
+                      <a:endParaRPr lang="en-GB" sz="1000" b="0" dirty="0"/>
+                    </a:p>
+                    <a:p>
+                      <a:endParaRPr lang="en-GB" sz="1000" b="0" dirty="0"/>
+                    </a:p>
+                  </a:txBody>
+                  <a:tcPr vert="vert"/>
+                </a:tc>
+                <a:tc>
+                  <a:txBody>
+                    <a:bodyPr/>
+                    <a:lstStyle/>
+                    <a:p>
+                      <a:pPr marL="0" marR="0" lvl="0" indent="0" algn="l" defTabSz="457200" rtl="0" eaLnBrk="1" fontAlgn="auto" latinLnBrk="0" hangingPunct="1">
+                        <a:lnSpc>
+                          <a:spcPct val="100000"/>
+                        </a:lnSpc>
+                        <a:spcBef>
+                          <a:spcPts val="0"/>
+                        </a:spcBef>
+                        <a:spcAft>
+                          <a:spcPts val="0"/>
+                        </a:spcAft>
+                        <a:buClrTx/>
+                        <a:buSzTx/>
+                        <a:buFontTx/>
+                        <a:buNone/>
+                        <a:tabLst/>
+                        <a:defRPr/>
+                      </a:pPr>
+                      <a:r>
+                        <a:rPr lang="en-US" sz="1000" b="0" dirty="0"/>
+                        <a:t>Attendance Lecture (M)</a:t>
+                      </a:r>
+                      <a:endParaRPr lang="en-GB" sz="1000" b="0" dirty="0"/>
+                    </a:p>
+                    <a:p>
+                      <a:endParaRPr lang="en-GB" sz="1000" b="0" dirty="0"/>
+                    </a:p>
+                  </a:txBody>
+                  <a:tcPr vert="vert"/>
+                </a:tc>
+                <a:tc>
+                  <a:txBody>
+                    <a:bodyPr/>
+                    <a:lstStyle/>
+                    <a:p>
+                      <a:pPr marL="0" marR="0" lvl="0" indent="0" algn="l" defTabSz="457200" rtl="0" eaLnBrk="1" fontAlgn="auto" latinLnBrk="0" hangingPunct="1">
+                        <a:lnSpc>
+                          <a:spcPct val="100000"/>
+                        </a:lnSpc>
+                        <a:spcBef>
+                          <a:spcPts val="0"/>
+                        </a:spcBef>
+                        <a:spcAft>
+                          <a:spcPts val="0"/>
+                        </a:spcAft>
+                        <a:buClrTx/>
+                        <a:buSzTx/>
+                        <a:buFontTx/>
+                        <a:buNone/>
+                        <a:tabLst/>
+                        <a:defRPr/>
+                      </a:pPr>
+                      <a:r>
+                        <a:rPr lang="en-US" sz="1000" b="0" dirty="0"/>
+                        <a:t>Attendance Lecture (</a:t>
+                      </a:r>
+                      <a:r>
+                        <a:rPr lang="en-US" sz="1000" b="0" dirty="0" err="1"/>
+                        <a:t>Mdn</a:t>
+                      </a:r>
+                      <a:r>
+                        <a:rPr lang="en-US" sz="1000" b="0" dirty="0"/>
+                        <a:t>)</a:t>
+                      </a:r>
+                      <a:endParaRPr lang="en-GB" sz="1000" b="0" dirty="0"/>
+                    </a:p>
+                    <a:p>
+                      <a:endParaRPr lang="en-GB" sz="1000" b="0" dirty="0"/>
+                    </a:p>
+                    <a:p>
+                      <a:endParaRPr lang="en-GB" sz="1000" b="0" dirty="0"/>
+                    </a:p>
+                  </a:txBody>
+                  <a:tcPr vert="vert"/>
+                </a:tc>
+                <a:tc>
+                  <a:txBody>
+                    <a:bodyPr/>
+                    <a:lstStyle/>
+                    <a:p>
+                      <a:pPr marL="0" marR="0" lvl="0" indent="0" algn="l" defTabSz="457200" rtl="0" eaLnBrk="1" fontAlgn="auto" latinLnBrk="0" hangingPunct="1">
+                        <a:lnSpc>
+                          <a:spcPct val="100000"/>
+                        </a:lnSpc>
+                        <a:spcBef>
+                          <a:spcPts val="0"/>
+                        </a:spcBef>
+                        <a:spcAft>
+                          <a:spcPts val="0"/>
+                        </a:spcAft>
+                        <a:buClrTx/>
+                        <a:buSzTx/>
+                        <a:buFontTx/>
+                        <a:buNone/>
+                        <a:tabLst/>
+                        <a:defRPr/>
+                      </a:pPr>
+                      <a:r>
+                        <a:rPr lang="en-US" sz="1000" b="0" dirty="0"/>
+                        <a:t>Attendance Practical (M)</a:t>
+                      </a:r>
+                      <a:endParaRPr lang="en-GB" sz="1000" b="0" dirty="0"/>
+                    </a:p>
+                    <a:p>
+                      <a:endParaRPr lang="en-GB" sz="1000" b="0" dirty="0"/>
+                    </a:p>
+                    <a:p>
+                      <a:endParaRPr lang="en-GB" sz="1000" b="0" dirty="0"/>
+                    </a:p>
+                  </a:txBody>
+                  <a:tcPr vert="vert"/>
+                </a:tc>
+                <a:tc>
+                  <a:txBody>
+                    <a:bodyPr/>
+                    <a:lstStyle/>
+                    <a:p>
+                      <a:pPr marL="0" marR="0" lvl="0" indent="0" algn="l" defTabSz="457200" rtl="0" eaLnBrk="1" fontAlgn="auto" latinLnBrk="0" hangingPunct="1">
+                        <a:lnSpc>
+                          <a:spcPct val="100000"/>
+                        </a:lnSpc>
+                        <a:spcBef>
+                          <a:spcPts val="0"/>
+                        </a:spcBef>
+                        <a:spcAft>
+                          <a:spcPts val="0"/>
+                        </a:spcAft>
+                        <a:buClrTx/>
+                        <a:buSzTx/>
+                        <a:buFontTx/>
+                        <a:buNone/>
+                        <a:tabLst/>
+                        <a:defRPr/>
+                      </a:pPr>
+                      <a:r>
+                        <a:rPr lang="en-US" sz="1000" b="0" dirty="0"/>
+                        <a:t>Attendance Practical (</a:t>
+                      </a:r>
+                      <a:r>
+                        <a:rPr lang="en-US" sz="1000" b="0" dirty="0" err="1"/>
+                        <a:t>Mdn</a:t>
+                      </a:r>
+                      <a:r>
+                        <a:rPr lang="en-US" sz="1000" b="0" dirty="0"/>
+                        <a:t>)</a:t>
+                      </a:r>
+                      <a:endParaRPr lang="en-GB" sz="1000" b="0" dirty="0"/>
+                    </a:p>
+                    <a:p>
+                      <a:endParaRPr lang="en-GB" sz="1000" b="0" dirty="0"/>
+                    </a:p>
+                    <a:p>
+                      <a:endParaRPr lang="en-GB" sz="1000" b="0" dirty="0"/>
+                    </a:p>
+                  </a:txBody>
+                  <a:tcPr vert="vert"/>
+                </a:tc>
+                <a:extLst>
+                  <a:ext uri="{0D108BD9-81ED-4DB2-BD59-A6C34878D82A}">
+                    <a16:rowId xmlns:a16="http://schemas.microsoft.com/office/drawing/2014/main" val="1487557583"/>
+                  </a:ext>
+                </a:extLst>
+              </a:tr>
+              <a:tr h="857061">
+                <a:tc>
+                  <a:txBody>
+                    <a:bodyPr/>
+                    <a:lstStyle/>
+                    <a:p>
+                      <a:pPr algn="ctr"/>
+                      <a:r>
+                        <a:rPr lang="en-US" sz="1000" b="0" dirty="0"/>
+                        <a:t>2020-2021</a:t>
+                      </a:r>
+                      <a:endParaRPr lang="en-GB" sz="1000" b="0" dirty="0"/>
+                    </a:p>
+                  </a:txBody>
+                  <a:tcPr/>
+                </a:tc>
+                <a:tc>
+                  <a:txBody>
+                    <a:bodyPr/>
+                    <a:lstStyle/>
+                    <a:p>
+                      <a:pPr algn="ctr"/>
+                      <a:r>
+                        <a:rPr lang="en-US" sz="1000" b="0" dirty="0"/>
+                        <a:t>2.458</a:t>
+                      </a:r>
+                      <a:endParaRPr lang="en-GB" sz="1000" b="0" dirty="0"/>
+                    </a:p>
+                  </a:txBody>
+                  <a:tcPr/>
+                </a:tc>
+                <a:tc>
+                  <a:txBody>
+                    <a:bodyPr/>
+                    <a:lstStyle/>
+                    <a:p>
+                      <a:pPr algn="ctr"/>
+                      <a:r>
+                        <a:rPr lang="en-US" sz="1000" b="0" dirty="0"/>
+                        <a:t>2.5</a:t>
+                      </a:r>
+                      <a:endParaRPr lang="en-GB" sz="1000" b="0" dirty="0"/>
+                    </a:p>
+                  </a:txBody>
+                  <a:tcPr/>
+                </a:tc>
+                <a:tc>
+                  <a:txBody>
+                    <a:bodyPr/>
+                    <a:lstStyle/>
+                    <a:p>
+                      <a:pPr algn="ctr"/>
+                      <a:r>
+                        <a:rPr lang="en-US" sz="1000" b="0" dirty="0"/>
+                        <a:t>N/A</a:t>
+                      </a:r>
+                      <a:endParaRPr lang="en-GB" sz="1000" b="0" dirty="0"/>
+                    </a:p>
+                  </a:txBody>
+                  <a:tcPr/>
+                </a:tc>
+                <a:tc>
+                  <a:txBody>
+                    <a:bodyPr/>
+                    <a:lstStyle/>
+                    <a:p>
+                      <a:pPr algn="ctr"/>
+                      <a:r>
+                        <a:rPr lang="en-US" sz="1000" b="0" dirty="0"/>
+                        <a:t>N/A</a:t>
+                      </a:r>
+                      <a:endParaRPr lang="en-GB" sz="1000" b="0" dirty="0"/>
+                    </a:p>
+                  </a:txBody>
+                  <a:tcPr/>
+                </a:tc>
+                <a:tc>
+                  <a:txBody>
+                    <a:bodyPr/>
+                    <a:lstStyle/>
+                    <a:p>
+                      <a:pPr algn="ctr"/>
+                      <a:r>
+                        <a:rPr lang="en-US" sz="1000" b="0" dirty="0"/>
+                        <a:t>N/A</a:t>
+                      </a:r>
+                      <a:endParaRPr lang="en-GB" sz="1000" b="0" dirty="0"/>
+                    </a:p>
+                  </a:txBody>
+                  <a:tcPr/>
+                </a:tc>
+                <a:tc>
+                  <a:txBody>
+                    <a:bodyPr/>
+                    <a:lstStyle/>
+                    <a:p>
+                      <a:pPr algn="ctr"/>
+                      <a:r>
+                        <a:rPr lang="en-US" sz="1000" b="0" dirty="0"/>
+                        <a:t>N/A</a:t>
+                      </a:r>
+                      <a:endParaRPr lang="en-GB" sz="1000" b="0" dirty="0"/>
+                    </a:p>
+                  </a:txBody>
+                  <a:tcPr/>
+                </a:tc>
+                <a:tc>
+                  <a:txBody>
+                    <a:bodyPr/>
+                    <a:lstStyle/>
+                    <a:p>
+                      <a:pPr algn="ctr"/>
+                      <a:r>
+                        <a:rPr lang="en-US" sz="1000" b="0" dirty="0"/>
+                        <a:t>N/A</a:t>
+                      </a:r>
+                      <a:endParaRPr lang="en-GB" sz="1000" b="0" dirty="0"/>
+                    </a:p>
+                  </a:txBody>
+                  <a:tcPr/>
+                </a:tc>
+                <a:tc>
+                  <a:txBody>
+                    <a:bodyPr/>
+                    <a:lstStyle/>
+                    <a:p>
+                      <a:pPr algn="ctr"/>
+                      <a:r>
+                        <a:rPr lang="en-US" sz="1000" b="0" dirty="0"/>
+                        <a:t>N/A</a:t>
+                      </a:r>
+                      <a:endParaRPr lang="en-GB" sz="1000" b="0" dirty="0"/>
+                    </a:p>
+                  </a:txBody>
+                  <a:tcPr/>
+                </a:tc>
+                <a:tc>
+                  <a:txBody>
+                    <a:bodyPr/>
+                    <a:lstStyle/>
+                    <a:p>
+                      <a:pPr algn="ctr"/>
+                      <a:r>
+                        <a:rPr lang="en-US" sz="1000" b="0" dirty="0"/>
+                        <a:t>N/A</a:t>
+                      </a:r>
+                      <a:endParaRPr lang="en-GB" sz="1000" b="0" dirty="0"/>
+                    </a:p>
+                  </a:txBody>
+                  <a:tcPr/>
+                </a:tc>
+                <a:tc>
+                  <a:txBody>
+                    <a:bodyPr/>
+                    <a:lstStyle/>
+                    <a:p>
+                      <a:pPr algn="ctr"/>
+                      <a:r>
+                        <a:rPr lang="en-US" sz="1000" b="0" dirty="0"/>
+                        <a:t>N/A</a:t>
+                      </a:r>
+                      <a:endParaRPr lang="en-GB" sz="1000" b="0" dirty="0"/>
+                    </a:p>
+                  </a:txBody>
+                  <a:tcPr/>
+                </a:tc>
+                <a:extLst>
+                  <a:ext uri="{0D108BD9-81ED-4DB2-BD59-A6C34878D82A}">
+                    <a16:rowId xmlns:a16="http://schemas.microsoft.com/office/drawing/2014/main" val="1418388030"/>
+                  </a:ext>
+                </a:extLst>
+              </a:tr>
+              <a:tr h="857061">
+                <a:tc>
+                  <a:txBody>
+                    <a:bodyPr/>
+                    <a:lstStyle/>
+                    <a:p>
+                      <a:pPr algn="ctr"/>
+                      <a:r>
+                        <a:rPr lang="en-US" sz="1000" b="0" dirty="0"/>
+                        <a:t>2021-2022</a:t>
+                      </a:r>
+                      <a:endParaRPr lang="en-GB" sz="1000" b="0" dirty="0"/>
+                    </a:p>
+                  </a:txBody>
+                  <a:tcPr/>
+                </a:tc>
+                <a:tc>
+                  <a:txBody>
+                    <a:bodyPr/>
+                    <a:lstStyle/>
+                    <a:p>
+                      <a:pPr algn="ctr"/>
+                      <a:r>
+                        <a:rPr lang="en-US" sz="1000" b="0" dirty="0"/>
+                        <a:t>3.129</a:t>
+                      </a:r>
+                      <a:endParaRPr lang="en-GB" sz="1000" b="0" dirty="0"/>
+                    </a:p>
+                  </a:txBody>
+                  <a:tcPr/>
+                </a:tc>
+                <a:tc>
+                  <a:txBody>
+                    <a:bodyPr/>
+                    <a:lstStyle/>
+                    <a:p>
+                      <a:pPr algn="ctr"/>
+                      <a:r>
+                        <a:rPr lang="en-US" sz="1000" b="0" dirty="0"/>
+                        <a:t>3.5</a:t>
+                      </a:r>
+                      <a:endParaRPr lang="en-GB" sz="1000" b="0" dirty="0"/>
+                    </a:p>
+                  </a:txBody>
+                  <a:tcPr/>
+                </a:tc>
+                <a:tc>
+                  <a:txBody>
+                    <a:bodyPr/>
+                    <a:lstStyle/>
+                    <a:p>
+                      <a:pPr algn="ctr"/>
+                      <a:r>
+                        <a:rPr lang="en-US" sz="1000" b="0" dirty="0"/>
+                        <a:t>29.69</a:t>
+                      </a:r>
+                      <a:endParaRPr lang="en-GB" sz="1000" b="0" dirty="0"/>
+                    </a:p>
+                  </a:txBody>
+                  <a:tcPr/>
+                </a:tc>
+                <a:tc>
+                  <a:txBody>
+                    <a:bodyPr/>
+                    <a:lstStyle/>
+                    <a:p>
+                      <a:pPr algn="ctr"/>
+                      <a:r>
+                        <a:rPr lang="en-US" sz="1000" b="0" dirty="0"/>
+                        <a:t>30</a:t>
+                      </a:r>
+                      <a:endParaRPr lang="en-GB" sz="1000" b="0" dirty="0"/>
+                    </a:p>
+                  </a:txBody>
+                  <a:tcPr/>
+                </a:tc>
+                <a:tc>
+                  <a:txBody>
+                    <a:bodyPr/>
+                    <a:lstStyle/>
+                    <a:p>
+                      <a:pPr algn="ctr"/>
+                      <a:r>
+                        <a:rPr lang="en-US" sz="1000" b="0" dirty="0"/>
+                        <a:t>46.84</a:t>
+                      </a:r>
+                      <a:endParaRPr lang="en-GB" sz="1000" b="0" dirty="0"/>
+                    </a:p>
+                  </a:txBody>
+                  <a:tcPr/>
+                </a:tc>
+                <a:tc>
+                  <a:txBody>
+                    <a:bodyPr/>
+                    <a:lstStyle/>
+                    <a:p>
+                      <a:pPr algn="ctr"/>
+                      <a:r>
+                        <a:rPr lang="en-US" sz="1000" b="0" dirty="0"/>
+                        <a:t>48</a:t>
+                      </a:r>
+                      <a:endParaRPr lang="en-GB" sz="1000" b="0" dirty="0"/>
+                    </a:p>
+                  </a:txBody>
+                  <a:tcPr/>
+                </a:tc>
+                <a:tc>
+                  <a:txBody>
+                    <a:bodyPr/>
+                    <a:lstStyle/>
+                    <a:p>
+                      <a:pPr algn="ctr"/>
+                      <a:r>
+                        <a:rPr lang="en-US" sz="1000" b="0" dirty="0"/>
+                        <a:t>46.5</a:t>
+                      </a:r>
+                      <a:endParaRPr lang="en-GB" sz="1000" b="0" dirty="0"/>
+                    </a:p>
+                  </a:txBody>
+                  <a:tcPr/>
+                </a:tc>
+                <a:tc>
+                  <a:txBody>
+                    <a:bodyPr/>
+                    <a:lstStyle/>
+                    <a:p>
+                      <a:pPr algn="ctr"/>
+                      <a:r>
+                        <a:rPr lang="en-US" sz="1000" b="0" dirty="0"/>
+                        <a:t>44</a:t>
+                      </a:r>
+                      <a:endParaRPr lang="en-GB" sz="1000" b="0" dirty="0"/>
+                    </a:p>
+                  </a:txBody>
+                  <a:tcPr/>
+                </a:tc>
+                <a:tc>
+                  <a:txBody>
+                    <a:bodyPr/>
+                    <a:lstStyle/>
+                    <a:p>
+                      <a:pPr algn="ctr"/>
+                      <a:r>
+                        <a:rPr lang="en-US" sz="1000" b="0" dirty="0"/>
+                        <a:t>47.03</a:t>
+                      </a:r>
+                      <a:endParaRPr lang="en-GB" sz="1000" b="0" dirty="0"/>
+                    </a:p>
+                  </a:txBody>
+                  <a:tcPr/>
+                </a:tc>
+                <a:tc>
+                  <a:txBody>
+                    <a:bodyPr/>
+                    <a:lstStyle/>
+                    <a:p>
+                      <a:pPr algn="ctr"/>
+                      <a:r>
+                        <a:rPr lang="en-US" sz="1000" b="0" dirty="0"/>
+                        <a:t>42</a:t>
+                      </a:r>
+                      <a:endParaRPr lang="en-GB" sz="1000" b="0" dirty="0"/>
+                    </a:p>
+                  </a:txBody>
+                  <a:tcPr/>
+                </a:tc>
+                <a:extLst>
+                  <a:ext uri="{0D108BD9-81ED-4DB2-BD59-A6C34878D82A}">
+                    <a16:rowId xmlns:a16="http://schemas.microsoft.com/office/drawing/2014/main" val="3228881547"/>
+                  </a:ext>
+                </a:extLst>
+              </a:tr>
+              <a:tr h="857061">
+                <a:tc>
+                  <a:txBody>
+                    <a:bodyPr/>
+                    <a:lstStyle/>
+                    <a:p>
+                      <a:pPr algn="ctr"/>
+                      <a:r>
+                        <a:rPr lang="en-US" sz="1000" b="0" dirty="0"/>
+                        <a:t>2022-2023</a:t>
+                      </a:r>
+                      <a:endParaRPr lang="en-GB" sz="1000" b="0" dirty="0"/>
+                    </a:p>
+                  </a:txBody>
+                  <a:tcPr/>
+                </a:tc>
+                <a:tc>
+                  <a:txBody>
+                    <a:bodyPr/>
+                    <a:lstStyle/>
+                    <a:p>
+                      <a:pPr algn="ctr"/>
+                      <a:r>
+                        <a:rPr lang="en-US" sz="1000" b="0" dirty="0"/>
+                        <a:t>2.056</a:t>
+                      </a:r>
+                      <a:endParaRPr lang="en-GB" sz="1000" b="0" dirty="0"/>
+                    </a:p>
+                  </a:txBody>
+                  <a:tcPr/>
+                </a:tc>
+                <a:tc>
+                  <a:txBody>
+                    <a:bodyPr/>
+                    <a:lstStyle/>
+                    <a:p>
+                      <a:pPr algn="ctr"/>
+                      <a:r>
+                        <a:rPr lang="en-US" sz="1000" b="0" dirty="0"/>
+                        <a:t>2.5</a:t>
+                      </a:r>
+                      <a:endParaRPr lang="en-GB" sz="1000" b="0" dirty="0"/>
+                    </a:p>
+                  </a:txBody>
+                  <a:tcPr/>
+                </a:tc>
+                <a:tc>
+                  <a:txBody>
+                    <a:bodyPr/>
+                    <a:lstStyle/>
+                    <a:p>
+                      <a:pPr algn="ctr"/>
+                      <a:r>
+                        <a:rPr lang="en-US" sz="1000" b="0" dirty="0"/>
+                        <a:t>26.7</a:t>
+                      </a:r>
+                      <a:endParaRPr lang="en-GB" sz="1000" b="0" dirty="0"/>
+                    </a:p>
+                  </a:txBody>
+                  <a:tcPr/>
+                </a:tc>
+                <a:tc>
+                  <a:txBody>
+                    <a:bodyPr/>
+                    <a:lstStyle/>
+                    <a:p>
+                      <a:pPr algn="ctr"/>
+                      <a:r>
+                        <a:rPr lang="en-US" sz="1000" b="0" dirty="0"/>
+                        <a:t>25</a:t>
+                      </a:r>
+                      <a:endParaRPr lang="en-GB" sz="1000" b="0" dirty="0"/>
+                    </a:p>
+                  </a:txBody>
+                  <a:tcPr/>
+                </a:tc>
+                <a:tc>
+                  <a:txBody>
+                    <a:bodyPr/>
+                    <a:lstStyle/>
+                    <a:p>
+                      <a:pPr algn="ctr"/>
+                      <a:r>
+                        <a:rPr lang="en-US" sz="1000" b="0" dirty="0"/>
+                        <a:t>40.63</a:t>
+                      </a:r>
+                      <a:endParaRPr lang="en-GB" sz="1000" b="0" dirty="0"/>
+                    </a:p>
+                  </a:txBody>
+                  <a:tcPr/>
+                </a:tc>
+                <a:tc>
+                  <a:txBody>
+                    <a:bodyPr/>
+                    <a:lstStyle/>
+                    <a:p>
+                      <a:pPr algn="ctr"/>
+                      <a:r>
+                        <a:rPr lang="en-US" sz="1000" b="0" dirty="0"/>
+                        <a:t>38</a:t>
+                      </a:r>
+                      <a:endParaRPr lang="en-GB" sz="1000" b="0" dirty="0"/>
+                    </a:p>
+                  </a:txBody>
+                  <a:tcPr/>
+                </a:tc>
+                <a:tc>
+                  <a:txBody>
+                    <a:bodyPr/>
+                    <a:lstStyle/>
+                    <a:p>
+                      <a:pPr algn="ctr"/>
+                      <a:r>
+                        <a:rPr lang="en-US" sz="1000" b="0" dirty="0"/>
+                        <a:t>44.92</a:t>
+                      </a:r>
+                      <a:endParaRPr lang="en-GB" sz="1000" b="0" dirty="0"/>
+                    </a:p>
+                  </a:txBody>
+                  <a:tcPr/>
+                </a:tc>
+                <a:tc>
+                  <a:txBody>
+                    <a:bodyPr/>
+                    <a:lstStyle/>
+                    <a:p>
+                      <a:pPr algn="ctr"/>
+                      <a:r>
+                        <a:rPr lang="en-US" sz="1000" b="0" dirty="0"/>
+                        <a:t>40</a:t>
+                      </a:r>
+                      <a:endParaRPr lang="en-GB" sz="1000" b="0" dirty="0"/>
+                    </a:p>
+                  </a:txBody>
+                  <a:tcPr/>
+                </a:tc>
+                <a:tc>
+                  <a:txBody>
+                    <a:bodyPr/>
+                    <a:lstStyle/>
+                    <a:p>
+                      <a:pPr algn="ctr"/>
+                      <a:r>
+                        <a:rPr lang="en-US" sz="1000" b="0" dirty="0"/>
+                        <a:t>36.6</a:t>
+                      </a:r>
+                      <a:endParaRPr lang="en-GB" sz="1000" b="0" dirty="0"/>
+                    </a:p>
+                  </a:txBody>
+                  <a:tcPr/>
+                </a:tc>
+                <a:tc>
+                  <a:txBody>
+                    <a:bodyPr/>
+                    <a:lstStyle/>
+                    <a:p>
+                      <a:pPr algn="ctr"/>
+                      <a:r>
+                        <a:rPr lang="en-US" sz="1000" b="0" dirty="0"/>
+                        <a:t>27</a:t>
+                      </a:r>
+                      <a:endParaRPr lang="en-GB" sz="1000" b="0" dirty="0"/>
+                    </a:p>
+                  </a:txBody>
+                  <a:tcPr/>
+                </a:tc>
+                <a:extLst>
+                  <a:ext uri="{0D108BD9-81ED-4DB2-BD59-A6C34878D82A}">
+                    <a16:rowId xmlns:a16="http://schemas.microsoft.com/office/drawing/2014/main" val="859004804"/>
+                  </a:ext>
+                </a:extLst>
+              </a:tr>
+            </a:tbl>
+          </a:graphicData>
+        </a:graphic>
+      </p:graphicFrame>
+    </p:spTree>
+    <p:extLst>
+      <p:ext uri="{BB962C8B-B14F-4D97-AF65-F5344CB8AC3E}">
+        <p14:creationId xmlns:p14="http://schemas.microsoft.com/office/powerpoint/2010/main" val="596621177"/>
+      </p:ext>
+    </p:extLst>
+  </p:cSld>
+  <p:clrMapOvr>
+    <a:masterClrMapping/>
+  </p:clrMapOvr>
+</p:sld>
+</file>
+
+<file path=ppt/slides/slide21.xml><?xml version="1.0" encoding="utf-8"?>
+<p:sld xmlns:a="http://schemas.openxmlformats.org/drawingml/2006/main" xmlns:r="http://schemas.openxmlformats.org/officeDocument/2006/relationships" xmlns:p="http://schemas.openxmlformats.org/presentationml/2006/main">
+  <p:cSld>
+    <p:spTree>
+      <p:nvGrpSpPr>
+        <p:cNvPr id="1" name=""/>
+        <p:cNvGrpSpPr/>
+        <p:nvPr/>
+      </p:nvGrpSpPr>
+      <p:grpSpPr>
+        <a:xfrm>
+          <a:off x="0" y="0"/>
+          <a:ext cx="0" cy="0"/>
+          <a:chOff x="0" y="0"/>
+          <a:chExt cx="0" cy="0"/>
+        </a:xfrm>
+      </p:grpSpPr>
+      <p:sp>
+        <p:nvSpPr>
+          <p:cNvPr id="2" name="Title 1">
+            <a:extLst>
+              <a:ext uri="{FF2B5EF4-FFF2-40B4-BE49-F238E27FC236}">
+                <a16:creationId xmlns:a16="http://schemas.microsoft.com/office/drawing/2014/main" id="{893057A3-A04F-232F-0FAC-02C377A544EC}"/>
+              </a:ext>
+            </a:extLst>
+          </p:cNvPr>
+          <p:cNvSpPr>
+            <a:spLocks noGrp="1"/>
+          </p:cNvSpPr>
+          <p:nvPr>
+            <p:ph type="title"/>
+          </p:nvPr>
+        </p:nvSpPr>
+        <p:spPr/>
+        <p:txBody>
+          <a:bodyPr/>
+          <a:lstStyle/>
+          <a:p>
+            <a:r>
+              <a:rPr lang="en-US" dirty="0"/>
+              <a:t>References</a:t>
+            </a:r>
+            <a:endParaRPr lang="en-GB" dirty="0"/>
+          </a:p>
+        </p:txBody>
+      </p:sp>
+      <p:sp>
+        <p:nvSpPr>
+          <p:cNvPr id="3" name="Content Placeholder 2">
+            <a:extLst>
+              <a:ext uri="{FF2B5EF4-FFF2-40B4-BE49-F238E27FC236}">
+                <a16:creationId xmlns:a16="http://schemas.microsoft.com/office/drawing/2014/main" id="{A9C16DC8-2E95-9526-1657-6E95C5B8A701}"/>
+              </a:ext>
+            </a:extLst>
+          </p:cNvPr>
+          <p:cNvSpPr>
+            <a:spLocks noGrp="1"/>
+          </p:cNvSpPr>
+          <p:nvPr>
+            <p:ph idx="1"/>
+          </p:nvPr>
+        </p:nvSpPr>
+        <p:spPr/>
+        <p:txBody>
+          <a:bodyPr/>
+          <a:lstStyle/>
+          <a:p>
+            <a:pPr marL="0" indent="0">
+              <a:buNone/>
+            </a:pPr>
+            <a:r>
+              <a:rPr lang="en-GB" b="0" i="0" dirty="0" err="1">
+                <a:solidFill>
+                  <a:schemeClr val="tx1"/>
+                </a:solidFill>
+                <a:effectLst/>
+                <a:latin typeface="Circular"/>
+              </a:rPr>
+              <a:t>Handschuh</a:t>
+            </a:r>
+            <a:r>
+              <a:rPr lang="en-GB" b="0" i="0" dirty="0">
+                <a:solidFill>
+                  <a:schemeClr val="tx1"/>
+                </a:solidFill>
+                <a:effectLst/>
+                <a:latin typeface="Circular"/>
+              </a:rPr>
+              <a:t>, H. (2005) ‘SHA Family (Secure Hash Algorithm)’, in van </a:t>
+            </a:r>
+            <a:r>
+              <a:rPr lang="en-GB" b="0" i="0" dirty="0" err="1">
+                <a:solidFill>
+                  <a:schemeClr val="tx1"/>
+                </a:solidFill>
+                <a:effectLst/>
+                <a:latin typeface="Circular"/>
+              </a:rPr>
+              <a:t>Tilborg</a:t>
+            </a:r>
+            <a:r>
+              <a:rPr lang="en-GB" b="0" i="0" dirty="0">
+                <a:solidFill>
+                  <a:schemeClr val="tx1"/>
+                </a:solidFill>
+                <a:effectLst/>
+                <a:latin typeface="Circular"/>
+              </a:rPr>
+              <a:t>, H. C. A. (ed.) </a:t>
+            </a:r>
+            <a:r>
+              <a:rPr lang="en-GB" b="0" i="1" dirty="0" err="1">
+                <a:solidFill>
+                  <a:schemeClr val="tx1"/>
+                </a:solidFill>
+                <a:effectLst/>
+                <a:latin typeface="Circular"/>
+              </a:rPr>
+              <a:t>Encyclopedia</a:t>
+            </a:r>
+            <a:r>
+              <a:rPr lang="en-GB" b="0" i="1" dirty="0">
+                <a:solidFill>
+                  <a:schemeClr val="tx1"/>
+                </a:solidFill>
+                <a:effectLst/>
+                <a:latin typeface="Circular"/>
+              </a:rPr>
+              <a:t> of Cryptography and Security</a:t>
+            </a:r>
+            <a:r>
+              <a:rPr lang="en-GB" b="0" i="0" dirty="0">
+                <a:solidFill>
+                  <a:schemeClr val="tx1"/>
+                </a:solidFill>
+                <a:effectLst/>
+                <a:latin typeface="Circular"/>
+              </a:rPr>
+              <a:t>. Boston, MA: Springer US, pp. 565–567. </a:t>
+            </a:r>
+            <a:r>
+              <a:rPr lang="en-GB" b="0" i="0" dirty="0" err="1">
+                <a:solidFill>
+                  <a:schemeClr val="tx1"/>
+                </a:solidFill>
+                <a:effectLst/>
+                <a:latin typeface="Circular"/>
+              </a:rPr>
+              <a:t>doi</a:t>
+            </a:r>
+            <a:r>
+              <a:rPr lang="en-GB" b="0" i="0" dirty="0">
+                <a:solidFill>
+                  <a:schemeClr val="tx1"/>
+                </a:solidFill>
+                <a:effectLst/>
+                <a:latin typeface="Circular"/>
+              </a:rPr>
+              <a:t>: 10.1007/0-387-23483-7_388.</a:t>
+            </a:r>
+            <a:endParaRPr lang="en-GB" dirty="0">
+              <a:solidFill>
+                <a:schemeClr val="tx1"/>
+              </a:solidFill>
+            </a:endParaRPr>
+          </a:p>
+        </p:txBody>
+      </p:sp>
+    </p:spTree>
+    <p:extLst>
+      <p:ext uri="{BB962C8B-B14F-4D97-AF65-F5344CB8AC3E}">
+        <p14:creationId xmlns:p14="http://schemas.microsoft.com/office/powerpoint/2010/main" val="3695867236"/>
+      </p:ext>
+    </p:extLst>
+  </p:cSld>
+  <p:clrMapOvr>
+    <a:masterClrMapping/>
+  </p:clrMapOvr>
+</p:sld>
+</file>
+
+<file path=ppt/slides/slide22.xml><?xml version="1.0" encoding="utf-8"?>
 <p:sld xmlns:a="http://schemas.openxmlformats.org/drawingml/2006/main" xmlns:r="http://schemas.openxmlformats.org/officeDocument/2006/relationships" xmlns:p="http://schemas.openxmlformats.org/presentationml/2006/main">
   <p:cSld>
     <p:bg>
@@ -14817,7 +14006,7 @@
                   <a:schemeClr val="bg2"/>
                 </a:solidFill>
               </a:rPr>
-              <a:t>pe02ca@uhi.ac.uk</a:t>
+              <a:t>1000697@UAD.ac.uk</a:t>
             </a:r>
           </a:p>
           <a:p>
@@ -15903,14 +15092,6 @@
 <file path=ppt/slides/slide8.xml><?xml version="1.0" encoding="utf-8"?>
 <p:sld xmlns:a="http://schemas.openxmlformats.org/drawingml/2006/main" xmlns:r="http://schemas.openxmlformats.org/officeDocument/2006/relationships" xmlns:p="http://schemas.openxmlformats.org/presentationml/2006/main">
   <p:cSld>
-    <p:bg>
-      <p:bgPr>
-        <a:solidFill>
-          <a:schemeClr val="bg1"/>
-        </a:solidFill>
-        <a:effectLst/>
-      </p:bgPr>
-    </p:bg>
     <p:spTree>
       <p:nvGrpSpPr>
         <p:cNvPr id="1" name=""/>
@@ -15925,126 +15106,47 @@
           <a:chExt cx="0" cy="0"/>
         </a:xfrm>
       </p:grpSpPr>
-      <p:sp useBgFill="1">
-        <p:nvSpPr>
-          <p:cNvPr id="29" name="Rectangle 28">
+      <p:pic>
+        <p:nvPicPr>
+          <p:cNvPr id="8" name="Content Placeholder 4" descr="Digital Numbers">
             <a:extLst>
               <a:ext uri="{FF2B5EF4-FFF2-40B4-BE49-F238E27FC236}">
-                <a16:creationId xmlns:a16="http://schemas.microsoft.com/office/drawing/2014/main" id="{BFDA9692-ECDC-4B59-86B2-8C90FDE1A055}"/>
-              </a:ext>
-              <a:ext uri="{C183D7F6-B498-43B3-948B-1728B52AA6E4}">
-                <adec:decorative xmlns:adec="http://schemas.microsoft.com/office/drawing/2017/decorative" val="1"/>
+                <a16:creationId xmlns:a16="http://schemas.microsoft.com/office/drawing/2014/main" id="{EA70616B-E344-4856-8DF9-707C26236613}"/>
               </a:ext>
             </a:extLst>
           </p:cNvPr>
-          <p:cNvSpPr>
-            <a:spLocks noGrp="1" noRot="1" noChangeAspect="1" noMove="1" noResize="1" noEditPoints="1" noAdjustHandles="1" noChangeArrowheads="1" noChangeShapeType="1" noTextEdit="1"/>
-          </p:cNvSpPr>
-          <p:nvPr>
-            <p:extLst>
-              <p:ext uri="{386F3935-93C4-4BCD-93E2-E3B085C9AB24}">
-                <p16:designElem xmlns:p16="http://schemas.microsoft.com/office/powerpoint/2015/main" val="1"/>
-              </p:ext>
-            </p:extLst>
-          </p:nvPr>
-        </p:nvSpPr>
+          <p:cNvPicPr>
+            <a:picLocks noChangeAspect="1"/>
+          </p:cNvPicPr>
+          <p:nvPr/>
+        </p:nvPicPr>
+        <p:blipFill rotWithShape="1">
+          <a:blip r:embed="rId3" cstate="screen">
+            <a:extLst>
+              <a:ext uri="{28A0092B-C50C-407E-A947-70E740481C1C}">
+                <a14:useLocalDpi xmlns:a14="http://schemas.microsoft.com/office/drawing/2010/main"/>
+              </a:ext>
+            </a:extLst>
+          </a:blip>
+          <a:srcRect t="10681" r="9091" b="12711"/>
+          <a:stretch/>
+        </p:blipFill>
         <p:spPr>
           <a:xfrm>
-            <a:off x="0" y="536712"/>
-            <a:ext cx="12192000" cy="6321287"/>
+            <a:off x="20" y="10"/>
+            <a:ext cx="12191980" cy="6857990"/>
           </a:xfrm>
           <a:prstGeom prst="rect">
             <a:avLst/>
           </a:prstGeom>
-          <a:ln>
-            <a:noFill/>
-          </a:ln>
         </p:spPr>
-        <p:style>
-          <a:lnRef idx="2">
-            <a:schemeClr val="accent1">
-              <a:shade val="50000"/>
-            </a:schemeClr>
-          </a:lnRef>
-          <a:fillRef idx="1">
-            <a:schemeClr val="accent1"/>
-          </a:fillRef>
-          <a:effectRef idx="0">
-            <a:schemeClr val="accent1"/>
-          </a:effectRef>
-          <a:fontRef idx="minor">
-            <a:schemeClr val="lt1"/>
-          </a:fontRef>
-        </p:style>
-        <p:txBody>
-          <a:bodyPr rtlCol="0" anchor="ctr"/>
-          <a:lstStyle/>
-          <a:p>
-            <a:pPr algn="ctr"/>
-            <a:endParaRPr lang="en-US" dirty="0"/>
-          </a:p>
-        </p:txBody>
-      </p:sp>
-      <p:sp>
-        <p:nvSpPr>
-          <p:cNvPr id="31" name="Rectangle 30">
-            <a:extLst>
-              <a:ext uri="{FF2B5EF4-FFF2-40B4-BE49-F238E27FC236}">
-                <a16:creationId xmlns:a16="http://schemas.microsoft.com/office/drawing/2014/main" id="{12C05506-42A1-49C0-9D87-081CCD9023D6}"/>
-              </a:ext>
-              <a:ext uri="{C183D7F6-B498-43B3-948B-1728B52AA6E4}">
-                <adec:decorative xmlns:adec="http://schemas.microsoft.com/office/drawing/2017/decorative" val="1"/>
-              </a:ext>
-            </a:extLst>
-          </p:cNvPr>
-          <p:cNvSpPr>
-            <a:spLocks noGrp="1" noRot="1" noChangeAspect="1" noMove="1" noResize="1" noEditPoints="1" noAdjustHandles="1" noChangeArrowheads="1" noChangeShapeType="1" noTextEdit="1"/>
-          </p:cNvSpPr>
-          <p:nvPr>
-            <p:extLst>
-              <p:ext uri="{386F3935-93C4-4BCD-93E2-E3B085C9AB24}">
-                <p16:designElem xmlns:p16="http://schemas.microsoft.com/office/powerpoint/2015/main" val="1"/>
-              </p:ext>
-            </p:extLst>
-          </p:nvPr>
-        </p:nvSpPr>
-        <p:spPr>
-          <a:xfrm>
-            <a:off x="447817" y="5141974"/>
-            <a:ext cx="11290860" cy="1258827"/>
-          </a:xfrm>
-          <a:prstGeom prst="rect">
-            <a:avLst/>
-          </a:prstGeom>
-          <a:solidFill>
-            <a:schemeClr val="accent1"/>
-          </a:solidFill>
-          <a:ln>
-            <a:noFill/>
-          </a:ln>
-          <a:effectLst/>
-        </p:spPr>
-        <p:style>
-          <a:lnRef idx="1">
-            <a:schemeClr val="accent1"/>
-          </a:lnRef>
-          <a:fillRef idx="3">
-            <a:schemeClr val="accent1"/>
-          </a:fillRef>
-          <a:effectRef idx="2">
-            <a:schemeClr val="accent1"/>
-          </a:effectRef>
-          <a:fontRef idx="minor">
-            <a:schemeClr val="lt1"/>
-          </a:fontRef>
-        </p:style>
-      </p:sp>
+      </p:pic>
       <p:sp>
         <p:nvSpPr>
           <p:cNvPr id="2" name="Title 1">
             <a:extLst>
               <a:ext uri="{FF2B5EF4-FFF2-40B4-BE49-F238E27FC236}">
-                <a16:creationId xmlns:a16="http://schemas.microsoft.com/office/drawing/2014/main" id="{5B040558-A365-4CCE-92FA-5A48CD98F9C9}"/>
+                <a16:creationId xmlns:a16="http://schemas.microsoft.com/office/drawing/2014/main" id="{7F2616EE-270D-4F4C-BA1F-2708D387B800}"/>
               </a:ext>
             </a:extLst>
           </p:cNvPr>
@@ -16057,22 +15159,19 @@
         </p:nvSpPr>
         <p:spPr>
           <a:xfrm>
-            <a:off x="581192" y="5264487"/>
-            <a:ext cx="11029616" cy="718870"/>
+            <a:off x="584200" y="1006956"/>
+            <a:ext cx="7213600" cy="1121871"/>
           </a:xfrm>
         </p:spPr>
         <p:txBody>
-          <a:bodyPr>
+          <a:bodyPr anchor="ctr">
             <a:normAutofit/>
           </a:bodyPr>
           <a:lstStyle/>
           <a:p>
-            <a:r>
-              <a:rPr lang="en-US" dirty="0">
-                <a:solidFill>
-                  <a:srgbClr val="FFFEFF"/>
-                </a:solidFill>
-              </a:rPr>
+            <a:pPr algn="ctr"/>
+            <a:r>
+              <a:rPr lang="en-US" dirty="0"/>
               <a:t>Analysis Methodology</a:t>
             </a:r>
           </a:p>
@@ -16080,10 +15179,10 @@
       </p:sp>
       <p:graphicFrame>
         <p:nvGraphicFramePr>
-          <p:cNvPr id="4" name="Content Placeholder 3" descr="icon SmartArt graphic">
+          <p:cNvPr id="6" name="Content Placeholder 5" descr="SmartArt">
             <a:extLst>
               <a:ext uri="{FF2B5EF4-FFF2-40B4-BE49-F238E27FC236}">
-                <a16:creationId xmlns:a16="http://schemas.microsoft.com/office/drawing/2014/main" id="{81E592E1-99DF-4294-A2E9-EF46299BD3F4}"/>
+                <a16:creationId xmlns:a16="http://schemas.microsoft.com/office/drawing/2014/main" id="{BF629521-FFD2-45DA-9D1D-A5F09BD5A2D9}"/>
               </a:ext>
             </a:extLst>
           </p:cNvPr>
@@ -16092,27 +15191,22 @@
           </p:cNvGraphicFramePr>
           <p:nvPr>
             <p:ph idx="1"/>
-            <p:extLst>
-              <p:ext uri="{D42A27DB-BD31-4B8C-83A1-F6EECF244321}">
-                <p14:modId xmlns:p14="http://schemas.microsoft.com/office/powerpoint/2010/main" val="2626715032"/>
-              </p:ext>
-            </p:extLst>
           </p:nvPr>
         </p:nvGraphicFramePr>
         <p:xfrm>
-          <a:off x="642938" y="858445"/>
-          <a:ext cx="10906125" cy="3961205"/>
+          <a:off x="719571" y="2198254"/>
+          <a:ext cx="6854248" cy="3563938"/>
         </p:xfrm>
         <a:graphic>
           <a:graphicData uri="http://schemas.openxmlformats.org/drawingml/2006/diagram">
-            <dgm:relIds xmlns:dgm="http://schemas.openxmlformats.org/drawingml/2006/diagram" xmlns:r="http://schemas.openxmlformats.org/officeDocument/2006/relationships" r:dm="rId3" r:lo="rId4" r:qs="rId5" r:cs="rId6"/>
+            <dgm:relIds xmlns:dgm="http://schemas.openxmlformats.org/drawingml/2006/diagram" xmlns:r="http://schemas.openxmlformats.org/officeDocument/2006/relationships" r:dm="rId4" r:lo="rId5" r:qs="rId6" r:cs="rId7"/>
           </a:graphicData>
         </a:graphic>
       </p:graphicFrame>
     </p:spTree>
     <p:extLst>
       <p:ext uri="{BB962C8B-B14F-4D97-AF65-F5344CB8AC3E}">
-        <p14:creationId xmlns:p14="http://schemas.microsoft.com/office/powerpoint/2010/main" val="1703342593"/>
+        <p14:creationId xmlns:p14="http://schemas.microsoft.com/office/powerpoint/2010/main" val="1516953791"/>
       </p:ext>
     </p:extLst>
   </p:cSld>
@@ -16144,7 +15238,7 @@
           <p:cNvPr id="2" name="Title 1">
             <a:extLst>
               <a:ext uri="{FF2B5EF4-FFF2-40B4-BE49-F238E27FC236}">
-                <a16:creationId xmlns:a16="http://schemas.microsoft.com/office/drawing/2014/main" id="{BD4CA9CC-5ADC-001A-4D31-8EC14B8E37D4}"/>
+                <a16:creationId xmlns:a16="http://schemas.microsoft.com/office/drawing/2014/main" id="{C7B88BF5-C73D-C2F9-DD20-DE6522FEBB0C}"/>
               </a:ext>
             </a:extLst>
           </p:cNvPr>
@@ -16152,7 +15246,7 @@
             <a:spLocks noGrp="1"/>
           </p:cNvSpPr>
           <p:nvPr>
-            <p:ph type="title"/>
+            <p:ph type="ctrTitle"/>
           </p:nvPr>
         </p:nvSpPr>
         <p:spPr/>
@@ -16162,7 +15256,7 @@
           <a:p>
             <a:r>
               <a:rPr lang="en-US" dirty="0"/>
-              <a:t>Analysis methodology</a:t>
+              <a:t>Comparison</a:t>
             </a:r>
             <a:endParaRPr lang="en-GB" dirty="0"/>
           </a:p>
@@ -16170,10 +15264,10 @@
       </p:sp>
       <p:sp>
         <p:nvSpPr>
-          <p:cNvPr id="3" name="Content Placeholder 2">
+          <p:cNvPr id="3" name="Subtitle 2">
             <a:extLst>
               <a:ext uri="{FF2B5EF4-FFF2-40B4-BE49-F238E27FC236}">
-                <a16:creationId xmlns:a16="http://schemas.microsoft.com/office/drawing/2014/main" id="{121196E6-3603-F66B-72E8-8E7E5F53AC6C}"/>
+                <a16:creationId xmlns:a16="http://schemas.microsoft.com/office/drawing/2014/main" id="{7DC5E721-C1B6-45C1-7ACB-BA368382A9E9}"/>
               </a:ext>
             </a:extLst>
           </p:cNvPr>
@@ -16181,10 +15275,15 @@
             <a:spLocks noGrp="1"/>
           </p:cNvSpPr>
           <p:nvPr>
-            <p:ph idx="1"/>
+            <p:ph type="subTitle" idx="1"/>
           </p:nvPr>
         </p:nvSpPr>
-        <p:spPr/>
+        <p:spPr>
+          <a:xfrm>
+            <a:off x="581191" y="3275621"/>
+            <a:ext cx="10993546" cy="2873509"/>
+          </a:xfrm>
+        </p:spPr>
         <p:txBody>
           <a:bodyPr>
             <a:normAutofit/>
@@ -16192,58 +15291,98 @@
           <a:lstStyle/>
           <a:p>
             <a:r>
-              <a:rPr lang="en-US" dirty="0"/>
-              <a:t>Overview</a:t>
-            </a:r>
-          </a:p>
-          <a:p>
-            <a:endParaRPr lang="en-US" dirty="0"/>
-          </a:p>
-          <a:p>
-            <a:r>
-              <a:rPr lang="en-US" dirty="0"/>
-              <a:t>Correlation (Pearson, Kendall &amp; Spearman)</a:t>
-            </a:r>
-          </a:p>
-          <a:p>
-            <a:pPr lvl="1"/>
-            <a:r>
-              <a:rPr lang="en-US" dirty="0"/>
-              <a:t>Grade vs Overall Attendance (%)</a:t>
-            </a:r>
-          </a:p>
-          <a:p>
-            <a:pPr lvl="1"/>
-            <a:r>
-              <a:rPr lang="en-US" dirty="0"/>
-              <a:t>Grade vs Lecture Attendance (%)</a:t>
-            </a:r>
-          </a:p>
-          <a:p>
-            <a:pPr marL="0" indent="0">
-              <a:buNone/>
+              <a:rPr lang="en-US" dirty="0">
+                <a:solidFill>
+                  <a:schemeClr val="bg1"/>
+                </a:solidFill>
+              </a:rPr>
+              <a:t>Grade Changes</a:t>
+            </a:r>
+          </a:p>
+          <a:p>
+            <a:endParaRPr lang="en-US" dirty="0">
+              <a:solidFill>
+                <a:schemeClr val="bg1"/>
+              </a:solidFill>
+            </a:endParaRPr>
+          </a:p>
+          <a:p>
+            <a:r>
+              <a:rPr lang="en-US" dirty="0">
+                <a:solidFill>
+                  <a:schemeClr val="bg1"/>
+                </a:solidFill>
+              </a:rPr>
+              <a:t>Attendance</a:t>
+            </a:r>
+          </a:p>
+          <a:p>
+            <a:pPr marL="285750" indent="-285750">
+              <a:buFont typeface="Wingdings" panose="05000000000000000000" pitchFamily="2" charset="2"/>
+              <a:buChar char="§"/>
             </a:pPr>
-            <a:endParaRPr lang="en-US" dirty="0"/>
-          </a:p>
-          <a:p>
-            <a:r>
-              <a:rPr lang="en-US" dirty="0"/>
-              <a:t>Linear Regression</a:t>
-            </a:r>
-          </a:p>
-          <a:p>
-            <a:pPr lvl="1"/>
-            <a:r>
-              <a:rPr lang="en-US" dirty="0"/>
-              <a:t>Grade vs Attendance</a:t>
-            </a:r>
+            <a:r>
+              <a:rPr lang="en-US" dirty="0">
+                <a:solidFill>
+                  <a:schemeClr val="bg1"/>
+                </a:solidFill>
+              </a:rPr>
+              <a:t>Overall</a:t>
+            </a:r>
+          </a:p>
+          <a:p>
+            <a:pPr marL="285750" indent="-285750">
+              <a:buFont typeface="Wingdings" panose="05000000000000000000" pitchFamily="2" charset="2"/>
+              <a:buChar char="§"/>
+            </a:pPr>
+            <a:r>
+              <a:rPr lang="en-US" dirty="0">
+                <a:solidFill>
+                  <a:schemeClr val="bg1"/>
+                </a:solidFill>
+              </a:rPr>
+              <a:t>Expected</a:t>
+            </a:r>
+          </a:p>
+          <a:p>
+            <a:pPr marL="285750" indent="-285750">
+              <a:buFont typeface="Wingdings" panose="05000000000000000000" pitchFamily="2" charset="2"/>
+              <a:buChar char="§"/>
+            </a:pPr>
+            <a:r>
+              <a:rPr lang="en-US" dirty="0">
+                <a:solidFill>
+                  <a:schemeClr val="bg1"/>
+                </a:solidFill>
+              </a:rPr>
+              <a:t>Lecture</a:t>
+            </a:r>
+          </a:p>
+          <a:p>
+            <a:pPr marL="285750" indent="-285750">
+              <a:buFont typeface="Wingdings" panose="05000000000000000000" pitchFamily="2" charset="2"/>
+              <a:buChar char="§"/>
+            </a:pPr>
+            <a:r>
+              <a:rPr lang="en-US" dirty="0">
+                <a:solidFill>
+                  <a:schemeClr val="bg1"/>
+                </a:solidFill>
+              </a:rPr>
+              <a:t>practical	</a:t>
+            </a:r>
+            <a:endParaRPr lang="en-GB" dirty="0">
+              <a:solidFill>
+                <a:schemeClr val="bg1"/>
+              </a:solidFill>
+            </a:endParaRPr>
           </a:p>
         </p:txBody>
       </p:sp>
     </p:spTree>
     <p:extLst>
       <p:ext uri="{BB962C8B-B14F-4D97-AF65-F5344CB8AC3E}">
-        <p14:creationId xmlns:p14="http://schemas.microsoft.com/office/powerpoint/2010/main" val="255211022"/>
+        <p14:creationId xmlns:p14="http://schemas.microsoft.com/office/powerpoint/2010/main" val="3788761878"/>
       </p:ext>
     </p:extLst>
   </p:cSld>

--- a/scripts/CAP512.pptx
+++ b/scripts/CAP512.pptx
@@ -5,10 +5,10 @@
     <p:sldMasterId id="2147483672" r:id="rId1"/>
   </p:sldMasterIdLst>
   <p:notesMasterIdLst>
-    <p:notesMasterId r:id="rId24"/>
+    <p:notesMasterId r:id="rId33"/>
   </p:notesMasterIdLst>
   <p:handoutMasterIdLst>
-    <p:handoutMasterId r:id="rId25"/>
+    <p:handoutMasterId r:id="rId34"/>
   </p:handoutMasterIdLst>
   <p:sldIdLst>
     <p:sldId id="256" r:id="rId2"/>
@@ -31,8 +31,17 @@
     <p:sldId id="282" r:id="rId19"/>
     <p:sldId id="283" r:id="rId20"/>
     <p:sldId id="291" r:id="rId21"/>
-    <p:sldId id="270" r:id="rId22"/>
-    <p:sldId id="260" r:id="rId23"/>
+    <p:sldId id="293" r:id="rId22"/>
+    <p:sldId id="294" r:id="rId23"/>
+    <p:sldId id="295" r:id="rId24"/>
+    <p:sldId id="297" r:id="rId25"/>
+    <p:sldId id="298" r:id="rId26"/>
+    <p:sldId id="299" r:id="rId27"/>
+    <p:sldId id="300" r:id="rId28"/>
+    <p:sldId id="301" r:id="rId29"/>
+    <p:sldId id="302" r:id="rId30"/>
+    <p:sldId id="270" r:id="rId31"/>
+    <p:sldId id="260" r:id="rId32"/>
   </p:sldIdLst>
   <p:sldSz cx="12192000" cy="6858000"/>
   <p:notesSz cx="6858000" cy="9144000"/>
@@ -1078,7 +1087,7 @@
           </a:pPr>
           <a:r>
             <a:rPr lang="en-US" dirty="0"/>
-            <a:t>Correlation</a:t>
+            <a:t>Correlation &amp; Covariance</a:t>
           </a:r>
         </a:p>
       </dgm:t>
@@ -1119,7 +1128,7 @@
           </a:pPr>
           <a:r>
             <a:rPr lang="en-US" dirty="0"/>
-            <a:t>Linear Regression</a:t>
+            <a:t>Network Predictions</a:t>
           </a:r>
         </a:p>
       </dgm:t>
@@ -1539,7 +1548,7 @@
           </a:pPr>
           <a:r>
             <a:rPr lang="en-US" sz="3500" kern="1200" dirty="0"/>
-            <a:t>Correlation</a:t>
+            <a:t>Correlation &amp; Covariance</a:t>
           </a:r>
         </a:p>
       </dsp:txBody>
@@ -1678,7 +1687,7 @@
           </a:pPr>
           <a:r>
             <a:rPr lang="en-US" sz="3500" kern="1200" dirty="0"/>
-            <a:t>Linear Regression</a:t>
+            <a:t>Network Predictions</a:t>
           </a:r>
         </a:p>
       </dsp:txBody>
@@ -4821,7 +4830,7 @@
           <a:p>
             <a:fld id="{C6B3AB32-59DF-41F1-9618-EDFBF5049629}" type="slidenum">
               <a:rPr lang="en-US" smtClean="0"/>
-              <a:t>22</a:t>
+              <a:t>31</a:t>
             </a:fld>
             <a:endParaRPr lang="en-US" dirty="0"/>
           </a:p>
@@ -12465,7 +12474,7 @@
             <p:ph sz="half" idx="2"/>
             <p:extLst>
               <p:ext uri="{D42A27DB-BD31-4B8C-83A1-F6EECF244321}">
-                <p14:modId xmlns:p14="http://schemas.microsoft.com/office/powerpoint/2010/main" val="638242072"/>
+                <p14:modId xmlns:p14="http://schemas.microsoft.com/office/powerpoint/2010/main" val="798515959"/>
               </p:ext>
             </p:extLst>
           </p:nvPr>
@@ -12877,10 +12886,10 @@
                     <a:p>
                       <a:pPr algn="ctr"/>
                       <a:r>
-                        <a:rPr lang="en-US" sz="1000" b="0" dirty="0"/>
+                        <a:rPr lang="en-US" sz="1100" b="0" dirty="0"/>
                         <a:t>2020-2021</a:t>
                       </a:r>
-                      <a:endParaRPr lang="en-GB" sz="1000" b="0" dirty="0"/>
+                      <a:endParaRPr lang="en-GB" sz="1100" b="0" dirty="0"/>
                     </a:p>
                   </a:txBody>
                   <a:tcPr/>
@@ -12892,10 +12901,10 @@
                     <a:p>
                       <a:pPr algn="ctr"/>
                       <a:r>
-                        <a:rPr lang="en-US" sz="1000" b="0" dirty="0"/>
+                        <a:rPr lang="en-US" sz="1100" b="0" dirty="0"/>
                         <a:t>2.458</a:t>
                       </a:r>
-                      <a:endParaRPr lang="en-GB" sz="1000" b="0" dirty="0"/>
+                      <a:endParaRPr lang="en-GB" sz="1100" b="0" dirty="0"/>
                     </a:p>
                   </a:txBody>
                   <a:tcPr/>
@@ -12907,10 +12916,10 @@
                     <a:p>
                       <a:pPr algn="ctr"/>
                       <a:r>
-                        <a:rPr lang="en-US" sz="1000" b="0" dirty="0"/>
+                        <a:rPr lang="en-US" sz="1100" b="0" dirty="0"/>
                         <a:t>2.5</a:t>
                       </a:r>
-                      <a:endParaRPr lang="en-GB" sz="1000" b="0" dirty="0"/>
+                      <a:endParaRPr lang="en-GB" sz="1100" b="0" dirty="0"/>
                     </a:p>
                   </a:txBody>
                   <a:tcPr/>
@@ -12922,10 +12931,10 @@
                     <a:p>
                       <a:pPr algn="ctr"/>
                       <a:r>
-                        <a:rPr lang="en-US" sz="1000" b="0" dirty="0"/>
+                        <a:rPr lang="en-US" sz="1100" b="0" dirty="0"/>
                         <a:t>N/A</a:t>
                       </a:r>
-                      <a:endParaRPr lang="en-GB" sz="1000" b="0" dirty="0"/>
+                      <a:endParaRPr lang="en-GB" sz="1100" b="0" dirty="0"/>
                     </a:p>
                   </a:txBody>
                   <a:tcPr/>
@@ -12937,10 +12946,10 @@
                     <a:p>
                       <a:pPr algn="ctr"/>
                       <a:r>
-                        <a:rPr lang="en-US" sz="1000" b="0" dirty="0"/>
+                        <a:rPr lang="en-US" sz="1100" b="0" dirty="0"/>
                         <a:t>N/A</a:t>
                       </a:r>
-                      <a:endParaRPr lang="en-GB" sz="1000" b="0" dirty="0"/>
+                      <a:endParaRPr lang="en-GB" sz="1100" b="0" dirty="0"/>
                     </a:p>
                   </a:txBody>
                   <a:tcPr/>
@@ -12952,10 +12961,10 @@
                     <a:p>
                       <a:pPr algn="ctr"/>
                       <a:r>
-                        <a:rPr lang="en-US" sz="1000" b="0" dirty="0"/>
+                        <a:rPr lang="en-US" sz="1100" b="0" dirty="0"/>
                         <a:t>N/A</a:t>
                       </a:r>
-                      <a:endParaRPr lang="en-GB" sz="1000" b="0" dirty="0"/>
+                      <a:endParaRPr lang="en-GB" sz="1100" b="0" dirty="0"/>
                     </a:p>
                   </a:txBody>
                   <a:tcPr/>
@@ -12967,10 +12976,10 @@
                     <a:p>
                       <a:pPr algn="ctr"/>
                       <a:r>
-                        <a:rPr lang="en-US" sz="1000" b="0" dirty="0"/>
+                        <a:rPr lang="en-US" sz="1100" b="0" dirty="0"/>
                         <a:t>N/A</a:t>
                       </a:r>
-                      <a:endParaRPr lang="en-GB" sz="1000" b="0" dirty="0"/>
+                      <a:endParaRPr lang="en-GB" sz="1100" b="0" dirty="0"/>
                     </a:p>
                   </a:txBody>
                   <a:tcPr/>
@@ -12982,10 +12991,10 @@
                     <a:p>
                       <a:pPr algn="ctr"/>
                       <a:r>
-                        <a:rPr lang="en-US" sz="1000" b="0" dirty="0"/>
+                        <a:rPr lang="en-US" sz="1100" b="0" dirty="0"/>
                         <a:t>N/A</a:t>
                       </a:r>
-                      <a:endParaRPr lang="en-GB" sz="1000" b="0" dirty="0"/>
+                      <a:endParaRPr lang="en-GB" sz="1100" b="0" dirty="0"/>
                     </a:p>
                   </a:txBody>
                   <a:tcPr/>
@@ -12997,10 +13006,10 @@
                     <a:p>
                       <a:pPr algn="ctr"/>
                       <a:r>
-                        <a:rPr lang="en-US" sz="1000" b="0" dirty="0"/>
+                        <a:rPr lang="en-US" sz="1100" b="0" dirty="0"/>
                         <a:t>N/A</a:t>
                       </a:r>
-                      <a:endParaRPr lang="en-GB" sz="1000" b="0" dirty="0"/>
+                      <a:endParaRPr lang="en-GB" sz="1100" b="0" dirty="0"/>
                     </a:p>
                   </a:txBody>
                   <a:tcPr/>
@@ -13012,10 +13021,10 @@
                     <a:p>
                       <a:pPr algn="ctr"/>
                       <a:r>
-                        <a:rPr lang="en-US" sz="1000" b="0" dirty="0"/>
+                        <a:rPr lang="en-US" sz="1100" b="0" dirty="0"/>
                         <a:t>N/A</a:t>
                       </a:r>
-                      <a:endParaRPr lang="en-GB" sz="1000" b="0" dirty="0"/>
+                      <a:endParaRPr lang="en-GB" sz="1100" b="0" dirty="0"/>
                     </a:p>
                   </a:txBody>
                   <a:tcPr/>
@@ -13027,10 +13036,10 @@
                     <a:p>
                       <a:pPr algn="ctr"/>
                       <a:r>
-                        <a:rPr lang="en-US" sz="1000" b="0" dirty="0"/>
+                        <a:rPr lang="en-US" sz="1100" b="0" dirty="0"/>
                         <a:t>N/A</a:t>
                       </a:r>
-                      <a:endParaRPr lang="en-GB" sz="1000" b="0" dirty="0"/>
+                      <a:endParaRPr lang="en-GB" sz="1100" b="0" dirty="0"/>
                     </a:p>
                   </a:txBody>
                   <a:tcPr/>
@@ -13049,10 +13058,10 @@
                     <a:p>
                       <a:pPr algn="ctr"/>
                       <a:r>
-                        <a:rPr lang="en-US" sz="1000" b="0" dirty="0"/>
+                        <a:rPr lang="en-US" sz="1100" b="0" dirty="0"/>
                         <a:t>2021-2022</a:t>
                       </a:r>
-                      <a:endParaRPr lang="en-GB" sz="1000" b="0" dirty="0"/>
+                      <a:endParaRPr lang="en-GB" sz="1100" b="0" dirty="0"/>
                     </a:p>
                   </a:txBody>
                   <a:tcPr/>
@@ -13064,10 +13073,10 @@
                     <a:p>
                       <a:pPr algn="ctr"/>
                       <a:r>
-                        <a:rPr lang="en-US" sz="1000" b="0" dirty="0"/>
+                        <a:rPr lang="en-US" sz="1100" b="0" dirty="0"/>
                         <a:t>3.129</a:t>
                       </a:r>
-                      <a:endParaRPr lang="en-GB" sz="1000" b="0" dirty="0"/>
+                      <a:endParaRPr lang="en-GB" sz="1100" b="0" dirty="0"/>
                     </a:p>
                   </a:txBody>
                   <a:tcPr/>
@@ -13079,10 +13088,10 @@
                     <a:p>
                       <a:pPr algn="ctr"/>
                       <a:r>
-                        <a:rPr lang="en-US" sz="1000" b="0" dirty="0"/>
+                        <a:rPr lang="en-US" sz="1100" b="0" dirty="0"/>
                         <a:t>3.5</a:t>
                       </a:r>
-                      <a:endParaRPr lang="en-GB" sz="1000" b="0" dirty="0"/>
+                      <a:endParaRPr lang="en-GB" sz="1100" b="0" dirty="0"/>
                     </a:p>
                   </a:txBody>
                   <a:tcPr/>
@@ -13094,10 +13103,10 @@
                     <a:p>
                       <a:pPr algn="ctr"/>
                       <a:r>
-                        <a:rPr lang="en-US" sz="1000" b="0" dirty="0"/>
+                        <a:rPr lang="en-US" sz="1100" b="0" dirty="0"/>
                         <a:t>29.69</a:t>
                       </a:r>
-                      <a:endParaRPr lang="en-GB" sz="1000" b="0" dirty="0"/>
+                      <a:endParaRPr lang="en-GB" sz="1100" b="0" dirty="0"/>
                     </a:p>
                   </a:txBody>
                   <a:tcPr/>
@@ -13109,10 +13118,10 @@
                     <a:p>
                       <a:pPr algn="ctr"/>
                       <a:r>
-                        <a:rPr lang="en-US" sz="1000" b="0" dirty="0"/>
+                        <a:rPr lang="en-US" sz="1100" b="0" dirty="0"/>
                         <a:t>30</a:t>
                       </a:r>
-                      <a:endParaRPr lang="en-GB" sz="1000" b="0" dirty="0"/>
+                      <a:endParaRPr lang="en-GB" sz="1100" b="0" dirty="0"/>
                     </a:p>
                   </a:txBody>
                   <a:tcPr/>
@@ -13124,10 +13133,10 @@
                     <a:p>
                       <a:pPr algn="ctr"/>
                       <a:r>
-                        <a:rPr lang="en-US" sz="1000" b="0" dirty="0"/>
+                        <a:rPr lang="en-US" sz="1100" b="0" dirty="0"/>
                         <a:t>46.84</a:t>
                       </a:r>
-                      <a:endParaRPr lang="en-GB" sz="1000" b="0" dirty="0"/>
+                      <a:endParaRPr lang="en-GB" sz="1100" b="0" dirty="0"/>
                     </a:p>
                   </a:txBody>
                   <a:tcPr/>
@@ -13139,10 +13148,10 @@
                     <a:p>
                       <a:pPr algn="ctr"/>
                       <a:r>
-                        <a:rPr lang="en-US" sz="1000" b="0" dirty="0"/>
+                        <a:rPr lang="en-US" sz="1100" b="0" dirty="0"/>
                         <a:t>48</a:t>
                       </a:r>
-                      <a:endParaRPr lang="en-GB" sz="1000" b="0" dirty="0"/>
+                      <a:endParaRPr lang="en-GB" sz="1100" b="0" dirty="0"/>
                     </a:p>
                   </a:txBody>
                   <a:tcPr/>
@@ -13154,10 +13163,10 @@
                     <a:p>
                       <a:pPr algn="ctr"/>
                       <a:r>
-                        <a:rPr lang="en-US" sz="1000" b="0" dirty="0"/>
+                        <a:rPr lang="en-US" sz="1100" b="0" dirty="0"/>
                         <a:t>46.5</a:t>
                       </a:r>
-                      <a:endParaRPr lang="en-GB" sz="1000" b="0" dirty="0"/>
+                      <a:endParaRPr lang="en-GB" sz="1100" b="0" dirty="0"/>
                     </a:p>
                   </a:txBody>
                   <a:tcPr/>
@@ -13169,10 +13178,10 @@
                     <a:p>
                       <a:pPr algn="ctr"/>
                       <a:r>
-                        <a:rPr lang="en-US" sz="1000" b="0" dirty="0"/>
+                        <a:rPr lang="en-US" sz="1100" b="0" dirty="0"/>
                         <a:t>44</a:t>
                       </a:r>
-                      <a:endParaRPr lang="en-GB" sz="1000" b="0" dirty="0"/>
+                      <a:endParaRPr lang="en-GB" sz="1100" b="0" dirty="0"/>
                     </a:p>
                   </a:txBody>
                   <a:tcPr/>
@@ -13184,10 +13193,10 @@
                     <a:p>
                       <a:pPr algn="ctr"/>
                       <a:r>
-                        <a:rPr lang="en-US" sz="1000" b="0" dirty="0"/>
+                        <a:rPr lang="en-US" sz="1100" b="0" dirty="0"/>
                         <a:t>47.03</a:t>
                       </a:r>
-                      <a:endParaRPr lang="en-GB" sz="1000" b="0" dirty="0"/>
+                      <a:endParaRPr lang="en-GB" sz="1100" b="0" dirty="0"/>
                     </a:p>
                   </a:txBody>
                   <a:tcPr/>
@@ -13199,10 +13208,10 @@
                     <a:p>
                       <a:pPr algn="ctr"/>
                       <a:r>
-                        <a:rPr lang="en-US" sz="1000" b="0" dirty="0"/>
+                        <a:rPr lang="en-US" sz="1100" b="0" dirty="0"/>
                         <a:t>42</a:t>
                       </a:r>
-                      <a:endParaRPr lang="en-GB" sz="1000" b="0" dirty="0"/>
+                      <a:endParaRPr lang="en-GB" sz="1100" b="0" dirty="0"/>
                     </a:p>
                   </a:txBody>
                   <a:tcPr/>
@@ -13221,10 +13230,10 @@
                     <a:p>
                       <a:pPr algn="ctr"/>
                       <a:r>
-                        <a:rPr lang="en-US" sz="1000" b="0" dirty="0"/>
+                        <a:rPr lang="en-US" sz="1100" b="0" dirty="0"/>
                         <a:t>2022-2023</a:t>
                       </a:r>
-                      <a:endParaRPr lang="en-GB" sz="1000" b="0" dirty="0"/>
+                      <a:endParaRPr lang="en-GB" sz="1100" b="0" dirty="0"/>
                     </a:p>
                   </a:txBody>
                   <a:tcPr/>
@@ -13236,10 +13245,10 @@
                     <a:p>
                       <a:pPr algn="ctr"/>
                       <a:r>
-                        <a:rPr lang="en-US" sz="1000" b="0" dirty="0"/>
+                        <a:rPr lang="en-US" sz="1100" b="0" dirty="0"/>
                         <a:t>2.056</a:t>
                       </a:r>
-                      <a:endParaRPr lang="en-GB" sz="1000" b="0" dirty="0"/>
+                      <a:endParaRPr lang="en-GB" sz="1100" b="0" dirty="0"/>
                     </a:p>
                   </a:txBody>
                   <a:tcPr/>
@@ -13251,10 +13260,10 @@
                     <a:p>
                       <a:pPr algn="ctr"/>
                       <a:r>
-                        <a:rPr lang="en-US" sz="1000" b="0" dirty="0"/>
+                        <a:rPr lang="en-US" sz="1100" b="0" dirty="0"/>
                         <a:t>2.5</a:t>
                       </a:r>
-                      <a:endParaRPr lang="en-GB" sz="1000" b="0" dirty="0"/>
+                      <a:endParaRPr lang="en-GB" sz="1100" b="0" dirty="0"/>
                     </a:p>
                   </a:txBody>
                   <a:tcPr/>
@@ -13266,10 +13275,10 @@
                     <a:p>
                       <a:pPr algn="ctr"/>
                       <a:r>
-                        <a:rPr lang="en-US" sz="1000" b="0" dirty="0"/>
+                        <a:rPr lang="en-US" sz="1100" b="0" dirty="0"/>
                         <a:t>26.7</a:t>
                       </a:r>
-                      <a:endParaRPr lang="en-GB" sz="1000" b="0" dirty="0"/>
+                      <a:endParaRPr lang="en-GB" sz="1100" b="0" dirty="0"/>
                     </a:p>
                   </a:txBody>
                   <a:tcPr/>
@@ -13281,10 +13290,10 @@
                     <a:p>
                       <a:pPr algn="ctr"/>
                       <a:r>
-                        <a:rPr lang="en-US" sz="1000" b="0" dirty="0"/>
+                        <a:rPr lang="en-US" sz="1100" b="0" dirty="0"/>
                         <a:t>25</a:t>
                       </a:r>
-                      <a:endParaRPr lang="en-GB" sz="1000" b="0" dirty="0"/>
+                      <a:endParaRPr lang="en-GB" sz="1100" b="0" dirty="0"/>
                     </a:p>
                   </a:txBody>
                   <a:tcPr/>
@@ -13296,10 +13305,10 @@
                     <a:p>
                       <a:pPr algn="ctr"/>
                       <a:r>
-                        <a:rPr lang="en-US" sz="1000" b="0" dirty="0"/>
+                        <a:rPr lang="en-US" sz="1100" b="0" dirty="0"/>
                         <a:t>40.63</a:t>
                       </a:r>
-                      <a:endParaRPr lang="en-GB" sz="1000" b="0" dirty="0"/>
+                      <a:endParaRPr lang="en-GB" sz="1100" b="0" dirty="0"/>
                     </a:p>
                   </a:txBody>
                   <a:tcPr/>
@@ -13311,10 +13320,10 @@
                     <a:p>
                       <a:pPr algn="ctr"/>
                       <a:r>
-                        <a:rPr lang="en-US" sz="1000" b="0" dirty="0"/>
+                        <a:rPr lang="en-US" sz="1100" b="0" dirty="0"/>
                         <a:t>38</a:t>
                       </a:r>
-                      <a:endParaRPr lang="en-GB" sz="1000" b="0" dirty="0"/>
+                      <a:endParaRPr lang="en-GB" sz="1100" b="0" dirty="0"/>
                     </a:p>
                   </a:txBody>
                   <a:tcPr/>
@@ -13326,10 +13335,10 @@
                     <a:p>
                       <a:pPr algn="ctr"/>
                       <a:r>
-                        <a:rPr lang="en-US" sz="1000" b="0" dirty="0"/>
+                        <a:rPr lang="en-US" sz="1100" b="0" dirty="0"/>
                         <a:t>44.92</a:t>
                       </a:r>
-                      <a:endParaRPr lang="en-GB" sz="1000" b="0" dirty="0"/>
+                      <a:endParaRPr lang="en-GB" sz="1100" b="0" dirty="0"/>
                     </a:p>
                   </a:txBody>
                   <a:tcPr/>
@@ -13341,10 +13350,10 @@
                     <a:p>
                       <a:pPr algn="ctr"/>
                       <a:r>
-                        <a:rPr lang="en-US" sz="1000" b="0" dirty="0"/>
+                        <a:rPr lang="en-US" sz="1100" b="0" dirty="0"/>
                         <a:t>40</a:t>
                       </a:r>
-                      <a:endParaRPr lang="en-GB" sz="1000" b="0" dirty="0"/>
+                      <a:endParaRPr lang="en-GB" sz="1100" b="0" dirty="0"/>
                     </a:p>
                   </a:txBody>
                   <a:tcPr/>
@@ -13356,10 +13365,10 @@
                     <a:p>
                       <a:pPr algn="ctr"/>
                       <a:r>
-                        <a:rPr lang="en-US" sz="1000" b="0" dirty="0"/>
+                        <a:rPr lang="en-US" sz="1100" b="0" dirty="0"/>
                         <a:t>36.6</a:t>
                       </a:r>
-                      <a:endParaRPr lang="en-GB" sz="1000" b="0" dirty="0"/>
+                      <a:endParaRPr lang="en-GB" sz="1100" b="0" dirty="0"/>
                     </a:p>
                   </a:txBody>
                   <a:tcPr/>
@@ -13371,10 +13380,10 @@
                     <a:p>
                       <a:pPr algn="ctr"/>
                       <a:r>
-                        <a:rPr lang="en-US" sz="1000" b="0" dirty="0"/>
+                        <a:rPr lang="en-US" sz="1100" b="0" dirty="0"/>
                         <a:t>27</a:t>
                       </a:r>
-                      <a:endParaRPr lang="en-GB" sz="1000" b="0" dirty="0"/>
+                      <a:endParaRPr lang="en-GB" sz="1100" b="0" dirty="0"/>
                     </a:p>
                   </a:txBody>
                   <a:tcPr/>
@@ -13424,6 +13433,3185 @@
           <p:cNvPr id="2" name="Title 1">
             <a:extLst>
               <a:ext uri="{FF2B5EF4-FFF2-40B4-BE49-F238E27FC236}">
+                <a16:creationId xmlns:a16="http://schemas.microsoft.com/office/drawing/2014/main" id="{C7B88BF5-C73D-C2F9-DD20-DE6522FEBB0C}"/>
+              </a:ext>
+            </a:extLst>
+          </p:cNvPr>
+          <p:cNvSpPr>
+            <a:spLocks noGrp="1"/>
+          </p:cNvSpPr>
+          <p:nvPr>
+            <p:ph type="ctrTitle"/>
+          </p:nvPr>
+        </p:nvSpPr>
+        <p:spPr/>
+        <p:txBody>
+          <a:bodyPr/>
+          <a:lstStyle/>
+          <a:p>
+            <a:r>
+              <a:rPr lang="en-US" dirty="0"/>
+              <a:t>Correlation &amp; Covariance</a:t>
+            </a:r>
+            <a:endParaRPr lang="en-GB" dirty="0"/>
+          </a:p>
+        </p:txBody>
+      </p:sp>
+      <p:sp>
+        <p:nvSpPr>
+          <p:cNvPr id="3" name="Subtitle 2">
+            <a:extLst>
+              <a:ext uri="{FF2B5EF4-FFF2-40B4-BE49-F238E27FC236}">
+                <a16:creationId xmlns:a16="http://schemas.microsoft.com/office/drawing/2014/main" id="{7DC5E721-C1B6-45C1-7ACB-BA368382A9E9}"/>
+              </a:ext>
+            </a:extLst>
+          </p:cNvPr>
+          <p:cNvSpPr>
+            <a:spLocks noGrp="1"/>
+          </p:cNvSpPr>
+          <p:nvPr>
+            <p:ph type="subTitle" idx="1"/>
+          </p:nvPr>
+        </p:nvSpPr>
+        <p:spPr>
+          <a:xfrm>
+            <a:off x="581191" y="3275621"/>
+            <a:ext cx="10993546" cy="2873509"/>
+          </a:xfrm>
+        </p:spPr>
+        <p:txBody>
+          <a:bodyPr>
+            <a:normAutofit/>
+          </a:bodyPr>
+          <a:lstStyle/>
+          <a:p>
+            <a:r>
+              <a:rPr lang="en-US" dirty="0">
+                <a:solidFill>
+                  <a:schemeClr val="bg1"/>
+                </a:solidFill>
+              </a:rPr>
+              <a:t>Grade ~ Attendance</a:t>
+            </a:r>
+          </a:p>
+          <a:p>
+            <a:endParaRPr lang="en-US" dirty="0">
+              <a:solidFill>
+                <a:schemeClr val="bg1"/>
+              </a:solidFill>
+            </a:endParaRPr>
+          </a:p>
+          <a:p>
+            <a:r>
+              <a:rPr lang="en-US" dirty="0">
+                <a:solidFill>
+                  <a:schemeClr val="bg1"/>
+                </a:solidFill>
+              </a:rPr>
+              <a:t>Grade ~ Expected Attendance</a:t>
+            </a:r>
+          </a:p>
+          <a:p>
+            <a:endParaRPr lang="en-US" dirty="0">
+              <a:solidFill>
+                <a:schemeClr val="bg1"/>
+              </a:solidFill>
+            </a:endParaRPr>
+          </a:p>
+          <a:p>
+            <a:r>
+              <a:rPr lang="en-US" dirty="0">
+                <a:solidFill>
+                  <a:schemeClr val="bg1"/>
+                </a:solidFill>
+              </a:rPr>
+              <a:t>Grade ~ Practical Attendance</a:t>
+            </a:r>
+          </a:p>
+          <a:p>
+            <a:endParaRPr lang="en-US" dirty="0">
+              <a:solidFill>
+                <a:schemeClr val="bg1"/>
+              </a:solidFill>
+            </a:endParaRPr>
+          </a:p>
+          <a:p>
+            <a:r>
+              <a:rPr lang="en-US" dirty="0">
+                <a:solidFill>
+                  <a:schemeClr val="bg1"/>
+                </a:solidFill>
+              </a:rPr>
+              <a:t>Grade ~ Lecture Attendance</a:t>
+            </a:r>
+          </a:p>
+        </p:txBody>
+      </p:sp>
+    </p:spTree>
+    <p:extLst>
+      <p:ext uri="{BB962C8B-B14F-4D97-AF65-F5344CB8AC3E}">
+        <p14:creationId xmlns:p14="http://schemas.microsoft.com/office/powerpoint/2010/main" val="301691330"/>
+      </p:ext>
+    </p:extLst>
+  </p:cSld>
+  <p:clrMapOvr>
+    <a:masterClrMapping/>
+  </p:clrMapOvr>
+</p:sld>
+</file>
+
+<file path=ppt/slides/slide22.xml><?xml version="1.0" encoding="utf-8"?>
+<p:sld xmlns:a="http://schemas.openxmlformats.org/drawingml/2006/main" xmlns:r="http://schemas.openxmlformats.org/officeDocument/2006/relationships" xmlns:p="http://schemas.openxmlformats.org/presentationml/2006/main">
+  <p:cSld>
+    <p:spTree>
+      <p:nvGrpSpPr>
+        <p:cNvPr id="1" name=""/>
+        <p:cNvGrpSpPr/>
+        <p:nvPr/>
+      </p:nvGrpSpPr>
+      <p:grpSpPr>
+        <a:xfrm>
+          <a:off x="0" y="0"/>
+          <a:ext cx="0" cy="0"/>
+          <a:chOff x="0" y="0"/>
+          <a:chExt cx="0" cy="0"/>
+        </a:xfrm>
+      </p:grpSpPr>
+      <p:sp>
+        <p:nvSpPr>
+          <p:cNvPr id="2" name="Title 1">
+            <a:extLst>
+              <a:ext uri="{FF2B5EF4-FFF2-40B4-BE49-F238E27FC236}">
+                <a16:creationId xmlns:a16="http://schemas.microsoft.com/office/drawing/2014/main" id="{921633EB-7DCB-4DDC-80AF-C885A3EE1245}"/>
+              </a:ext>
+            </a:extLst>
+          </p:cNvPr>
+          <p:cNvSpPr>
+            <a:spLocks noGrp="1"/>
+          </p:cNvSpPr>
+          <p:nvPr>
+            <p:ph type="title"/>
+          </p:nvPr>
+        </p:nvSpPr>
+        <p:spPr/>
+        <p:txBody>
+          <a:bodyPr/>
+          <a:lstStyle/>
+          <a:p>
+            <a:r>
+              <a:rPr lang="en-US" dirty="0"/>
+              <a:t>Correlation &amp; Covariance TABLE</a:t>
+            </a:r>
+          </a:p>
+        </p:txBody>
+      </p:sp>
+      <p:sp>
+        <p:nvSpPr>
+          <p:cNvPr id="4" name="Content Placeholder 3">
+            <a:extLst>
+              <a:ext uri="{FF2B5EF4-FFF2-40B4-BE49-F238E27FC236}">
+                <a16:creationId xmlns:a16="http://schemas.microsoft.com/office/drawing/2014/main" id="{15465504-73D4-37DA-85FF-7C8DD5BC71AF}"/>
+              </a:ext>
+            </a:extLst>
+          </p:cNvPr>
+          <p:cNvSpPr>
+            <a:spLocks noGrp="1"/>
+          </p:cNvSpPr>
+          <p:nvPr>
+            <p:ph sz="half" idx="1"/>
+          </p:nvPr>
+        </p:nvSpPr>
+        <p:spPr>
+          <a:xfrm>
+            <a:off x="581193" y="2228003"/>
+            <a:ext cx="5089765" cy="3633047"/>
+          </a:xfrm>
+        </p:spPr>
+        <p:txBody>
+          <a:bodyPr/>
+          <a:lstStyle/>
+          <a:p>
+            <a:r>
+              <a:rPr lang="en-US" dirty="0"/>
+              <a:t>Use of Pearson’s correlation calculation</a:t>
+            </a:r>
+          </a:p>
+          <a:p>
+            <a:pPr lvl="1"/>
+            <a:r>
+              <a:rPr lang="en-US" dirty="0"/>
+              <a:t>Expected linear relationship</a:t>
+            </a:r>
+          </a:p>
+          <a:p>
+            <a:r>
+              <a:rPr lang="en-US" dirty="0"/>
+              <a:t>2021-2022 shows a very low correlation between attendance and grade. </a:t>
+            </a:r>
+          </a:p>
+          <a:p>
+            <a:pPr lvl="1"/>
+            <a:r>
+              <a:rPr lang="en-US" dirty="0"/>
+              <a:t>Negative relationship is suggested</a:t>
+            </a:r>
+          </a:p>
+          <a:p>
+            <a:r>
+              <a:rPr lang="en-US" dirty="0"/>
+              <a:t>2022-2023 shows a stronger positive relationship</a:t>
+            </a:r>
+          </a:p>
+          <a:p>
+            <a:r>
+              <a:rPr lang="en-US" dirty="0"/>
+              <a:t>Stronger relationship between lecture attendance and grades than others.</a:t>
+            </a:r>
+          </a:p>
+          <a:p>
+            <a:endParaRPr lang="en-US" dirty="0"/>
+          </a:p>
+        </p:txBody>
+      </p:sp>
+      <p:graphicFrame>
+        <p:nvGraphicFramePr>
+          <p:cNvPr id="6" name="Table 6">
+            <a:extLst>
+              <a:ext uri="{FF2B5EF4-FFF2-40B4-BE49-F238E27FC236}">
+                <a16:creationId xmlns:a16="http://schemas.microsoft.com/office/drawing/2014/main" id="{B8453F27-AEE6-A89E-BF2C-3CD4ADD328F2}"/>
+              </a:ext>
+            </a:extLst>
+          </p:cNvPr>
+          <p:cNvGraphicFramePr>
+            <a:graphicFrameLocks noGrp="1"/>
+          </p:cNvGraphicFramePr>
+          <p:nvPr>
+            <p:ph sz="half" idx="2"/>
+            <p:extLst>
+              <p:ext uri="{D42A27DB-BD31-4B8C-83A1-F6EECF244321}">
+                <p14:modId xmlns:p14="http://schemas.microsoft.com/office/powerpoint/2010/main" val="788959195"/>
+              </p:ext>
+            </p:extLst>
+          </p:nvPr>
+        </p:nvGraphicFramePr>
+        <p:xfrm>
+          <a:off x="5771627" y="2432806"/>
+          <a:ext cx="5839182" cy="2592200"/>
+        </p:xfrm>
+        <a:graphic>
+          <a:graphicData uri="http://schemas.openxmlformats.org/drawingml/2006/table">
+            <a:tbl>
+              <a:tblPr firstRow="1" bandRow="1">
+                <a:tableStyleId>{5C22544A-7EE6-4342-B048-85BDC9FD1C3A}</a:tableStyleId>
+              </a:tblPr>
+              <a:tblGrid>
+                <a:gridCol w="648798">
+                  <a:extLst>
+                    <a:ext uri="{9D8B030D-6E8A-4147-A177-3AD203B41FA5}">
+                      <a16:colId xmlns:a16="http://schemas.microsoft.com/office/drawing/2014/main" val="3175777426"/>
+                    </a:ext>
+                  </a:extLst>
+                </a:gridCol>
+                <a:gridCol w="648798">
+                  <a:extLst>
+                    <a:ext uri="{9D8B030D-6E8A-4147-A177-3AD203B41FA5}">
+                      <a16:colId xmlns:a16="http://schemas.microsoft.com/office/drawing/2014/main" val="3063281743"/>
+                    </a:ext>
+                  </a:extLst>
+                </a:gridCol>
+                <a:gridCol w="648798">
+                  <a:extLst>
+                    <a:ext uri="{9D8B030D-6E8A-4147-A177-3AD203B41FA5}">
+                      <a16:colId xmlns:a16="http://schemas.microsoft.com/office/drawing/2014/main" val="1912613166"/>
+                    </a:ext>
+                  </a:extLst>
+                </a:gridCol>
+                <a:gridCol w="648798">
+                  <a:extLst>
+                    <a:ext uri="{9D8B030D-6E8A-4147-A177-3AD203B41FA5}">
+                      <a16:colId xmlns:a16="http://schemas.microsoft.com/office/drawing/2014/main" val="627985694"/>
+                    </a:ext>
+                  </a:extLst>
+                </a:gridCol>
+                <a:gridCol w="648798">
+                  <a:extLst>
+                    <a:ext uri="{9D8B030D-6E8A-4147-A177-3AD203B41FA5}">
+                      <a16:colId xmlns:a16="http://schemas.microsoft.com/office/drawing/2014/main" val="2633129296"/>
+                    </a:ext>
+                  </a:extLst>
+                </a:gridCol>
+                <a:gridCol w="648798">
+                  <a:extLst>
+                    <a:ext uri="{9D8B030D-6E8A-4147-A177-3AD203B41FA5}">
+                      <a16:colId xmlns:a16="http://schemas.microsoft.com/office/drawing/2014/main" val="3459378517"/>
+                    </a:ext>
+                  </a:extLst>
+                </a:gridCol>
+                <a:gridCol w="648798">
+                  <a:extLst>
+                    <a:ext uri="{9D8B030D-6E8A-4147-A177-3AD203B41FA5}">
+                      <a16:colId xmlns:a16="http://schemas.microsoft.com/office/drawing/2014/main" val="4245219144"/>
+                    </a:ext>
+                  </a:extLst>
+                </a:gridCol>
+                <a:gridCol w="648798">
+                  <a:extLst>
+                    <a:ext uri="{9D8B030D-6E8A-4147-A177-3AD203B41FA5}">
+                      <a16:colId xmlns:a16="http://schemas.microsoft.com/office/drawing/2014/main" val="1553150276"/>
+                    </a:ext>
+                  </a:extLst>
+                </a:gridCol>
+                <a:gridCol w="648798">
+                  <a:extLst>
+                    <a:ext uri="{9D8B030D-6E8A-4147-A177-3AD203B41FA5}">
+                      <a16:colId xmlns:a16="http://schemas.microsoft.com/office/drawing/2014/main" val="3076180246"/>
+                    </a:ext>
+                  </a:extLst>
+                </a:gridCol>
+              </a:tblGrid>
+              <a:tr h="1411450">
+                <a:tc>
+                  <a:txBody>
+                    <a:bodyPr/>
+                    <a:lstStyle/>
+                    <a:p>
+                      <a:r>
+                        <a:rPr lang="en-US" sz="900" b="0" dirty="0"/>
+                        <a:t>Year</a:t>
+                      </a:r>
+                      <a:endParaRPr lang="en-GB" sz="900" b="0" dirty="0"/>
+                    </a:p>
+                  </a:txBody>
+                  <a:tcPr/>
+                </a:tc>
+                <a:tc>
+                  <a:txBody>
+                    <a:bodyPr/>
+                    <a:lstStyle/>
+                    <a:p>
+                      <a:r>
+                        <a:rPr lang="en-US" sz="900" b="0" dirty="0"/>
+                        <a:t>Grade ~ Attendance</a:t>
+                      </a:r>
+                    </a:p>
+                    <a:p>
+                      <a:r>
+                        <a:rPr lang="en-US" sz="900" b="0" dirty="0"/>
+                        <a:t>Correlation</a:t>
+                      </a:r>
+                      <a:endParaRPr lang="en-GB" sz="900" b="0" dirty="0"/>
+                    </a:p>
+                  </a:txBody>
+                  <a:tcPr vert="vert"/>
+                </a:tc>
+                <a:tc>
+                  <a:txBody>
+                    <a:bodyPr/>
+                    <a:lstStyle/>
+                    <a:p>
+                      <a:r>
+                        <a:rPr lang="en-US" sz="900" b="0" dirty="0"/>
+                        <a:t>Grade ~ Attendance Covariance</a:t>
+                      </a:r>
+                      <a:endParaRPr lang="en-GB" sz="900" b="0" dirty="0"/>
+                    </a:p>
+                  </a:txBody>
+                  <a:tcPr vert="vert"/>
+                </a:tc>
+                <a:tc>
+                  <a:txBody>
+                    <a:bodyPr/>
+                    <a:lstStyle/>
+                    <a:p>
+                      <a:pPr marL="0" marR="0" lvl="0" indent="0" algn="l" defTabSz="457200" rtl="0" eaLnBrk="1" fontAlgn="auto" latinLnBrk="0" hangingPunct="1">
+                        <a:lnSpc>
+                          <a:spcPct val="100000"/>
+                        </a:lnSpc>
+                        <a:spcBef>
+                          <a:spcPts val="0"/>
+                        </a:spcBef>
+                        <a:spcAft>
+                          <a:spcPts val="0"/>
+                        </a:spcAft>
+                        <a:buClrTx/>
+                        <a:buSzTx/>
+                        <a:buFontTx/>
+                        <a:buNone/>
+                        <a:tabLst/>
+                        <a:defRPr/>
+                      </a:pPr>
+                      <a:r>
+                        <a:rPr lang="en-US" sz="900" b="0" dirty="0"/>
+                        <a:t>Grade ~ E. Attendance Correlation</a:t>
+                      </a:r>
+                      <a:endParaRPr lang="en-GB" sz="900" b="0" dirty="0"/>
+                    </a:p>
+                    <a:p>
+                      <a:endParaRPr lang="en-GB" sz="900" b="0" dirty="0"/>
+                    </a:p>
+                  </a:txBody>
+                  <a:tcPr vert="vert"/>
+                </a:tc>
+                <a:tc>
+                  <a:txBody>
+                    <a:bodyPr/>
+                    <a:lstStyle/>
+                    <a:p>
+                      <a:r>
+                        <a:rPr lang="en-US" sz="900" b="0" dirty="0"/>
+                        <a:t>Grade ~ E. Attendance Covariance</a:t>
+                      </a:r>
+                      <a:endParaRPr lang="en-GB" sz="900" b="0" dirty="0"/>
+                    </a:p>
+                  </a:txBody>
+                  <a:tcPr vert="vert"/>
+                </a:tc>
+                <a:tc>
+                  <a:txBody>
+                    <a:bodyPr/>
+                    <a:lstStyle/>
+                    <a:p>
+                      <a:pPr marL="0" marR="0" lvl="0" indent="0" algn="l" defTabSz="457200" rtl="0" eaLnBrk="1" fontAlgn="auto" latinLnBrk="0" hangingPunct="1">
+                        <a:lnSpc>
+                          <a:spcPct val="100000"/>
+                        </a:lnSpc>
+                        <a:spcBef>
+                          <a:spcPts val="0"/>
+                        </a:spcBef>
+                        <a:spcAft>
+                          <a:spcPts val="0"/>
+                        </a:spcAft>
+                        <a:buClrTx/>
+                        <a:buSzTx/>
+                        <a:buFontTx/>
+                        <a:buNone/>
+                        <a:tabLst/>
+                        <a:defRPr/>
+                      </a:pPr>
+                      <a:r>
+                        <a:rPr lang="en-US" sz="900" b="0" dirty="0"/>
+                        <a:t>Grade ~ Lecture Attendance Correlation</a:t>
+                      </a:r>
+                      <a:endParaRPr lang="en-GB" sz="900" b="0" dirty="0"/>
+                    </a:p>
+                  </a:txBody>
+                  <a:tcPr vert="vert"/>
+                </a:tc>
+                <a:tc>
+                  <a:txBody>
+                    <a:bodyPr/>
+                    <a:lstStyle/>
+                    <a:p>
+                      <a:r>
+                        <a:rPr lang="en-US" sz="1000" b="0" dirty="0"/>
+                        <a:t>Grade ~ Lecture Attendance Covariance</a:t>
+                      </a:r>
+                      <a:endParaRPr lang="en-GB" sz="1000" b="0" dirty="0"/>
+                    </a:p>
+                    <a:p>
+                      <a:endParaRPr lang="en-GB" sz="1000" b="0" dirty="0"/>
+                    </a:p>
+                  </a:txBody>
+                  <a:tcPr vert="vert"/>
+                </a:tc>
+                <a:tc>
+                  <a:txBody>
+                    <a:bodyPr/>
+                    <a:lstStyle/>
+                    <a:p>
+                      <a:pPr marL="0" marR="0" lvl="0" indent="0" algn="l" defTabSz="457200" rtl="0" eaLnBrk="1" fontAlgn="auto" latinLnBrk="0" hangingPunct="1">
+                        <a:lnSpc>
+                          <a:spcPct val="100000"/>
+                        </a:lnSpc>
+                        <a:spcBef>
+                          <a:spcPts val="0"/>
+                        </a:spcBef>
+                        <a:spcAft>
+                          <a:spcPts val="0"/>
+                        </a:spcAft>
+                        <a:buClrTx/>
+                        <a:buSzTx/>
+                        <a:buFontTx/>
+                        <a:buNone/>
+                        <a:tabLst/>
+                        <a:defRPr/>
+                      </a:pPr>
+                      <a:r>
+                        <a:rPr lang="en-US" sz="1000" b="0" dirty="0"/>
+                        <a:t>Grade ~ Practical Attendance Correlation</a:t>
+                      </a:r>
+                      <a:endParaRPr lang="en-GB" sz="1000" b="0" dirty="0"/>
+                    </a:p>
+                    <a:p>
+                      <a:endParaRPr lang="en-GB" sz="1000" b="0" dirty="0"/>
+                    </a:p>
+                  </a:txBody>
+                  <a:tcPr vert="vert"/>
+                </a:tc>
+                <a:tc>
+                  <a:txBody>
+                    <a:bodyPr/>
+                    <a:lstStyle/>
+                    <a:p>
+                      <a:r>
+                        <a:rPr lang="en-US" sz="1000" b="0" dirty="0"/>
+                        <a:t>Grade ~ Practical Attendance Covariance</a:t>
+                      </a:r>
+                      <a:endParaRPr lang="en-GB" sz="1000" b="0" dirty="0"/>
+                    </a:p>
+                    <a:p>
+                      <a:endParaRPr lang="en-GB" sz="1000" b="0" dirty="0"/>
+                    </a:p>
+                    <a:p>
+                      <a:endParaRPr lang="en-GB" sz="1000" b="0" dirty="0"/>
+                    </a:p>
+                  </a:txBody>
+                  <a:tcPr vert="vert"/>
+                </a:tc>
+                <a:extLst>
+                  <a:ext uri="{0D108BD9-81ED-4DB2-BD59-A6C34878D82A}">
+                    <a16:rowId xmlns:a16="http://schemas.microsoft.com/office/drawing/2014/main" val="1487557583"/>
+                  </a:ext>
+                </a:extLst>
+              </a:tr>
+              <a:tr h="635465">
+                <a:tc>
+                  <a:txBody>
+                    <a:bodyPr/>
+                    <a:lstStyle/>
+                    <a:p>
+                      <a:pPr algn="ctr"/>
+                      <a:r>
+                        <a:rPr lang="en-US" sz="1200" b="0" dirty="0"/>
+                        <a:t>2021-2022</a:t>
+                      </a:r>
+                      <a:endParaRPr lang="en-GB" sz="1200" b="0" dirty="0"/>
+                    </a:p>
+                  </a:txBody>
+                  <a:tcPr/>
+                </a:tc>
+                <a:tc>
+                  <a:txBody>
+                    <a:bodyPr/>
+                    <a:lstStyle/>
+                    <a:p>
+                      <a:pPr algn="ctr"/>
+                      <a:r>
+                        <a:rPr lang="en-GB" sz="1200" b="0" i="0" kern="1200" dirty="0">
+                          <a:solidFill>
+                            <a:schemeClr val="dk1"/>
+                          </a:solidFill>
+                          <a:effectLst/>
+                          <a:latin typeface="+mn-lt"/>
+                          <a:ea typeface="+mn-ea"/>
+                          <a:cs typeface="+mn-cs"/>
+                        </a:rPr>
+                        <a:t>-0.0412</a:t>
+                      </a:r>
+                      <a:endParaRPr lang="en-GB" sz="700" b="0" dirty="0"/>
+                    </a:p>
+                  </a:txBody>
+                  <a:tcPr/>
+                </a:tc>
+                <a:tc>
+                  <a:txBody>
+                    <a:bodyPr/>
+                    <a:lstStyle/>
+                    <a:p>
+                      <a:pPr algn="ctr"/>
+                      <a:r>
+                        <a:rPr lang="en-GB" sz="1200" b="0" i="0" kern="1200" dirty="0">
+                          <a:solidFill>
+                            <a:schemeClr val="dk1"/>
+                          </a:solidFill>
+                          <a:effectLst/>
+                          <a:latin typeface="+mn-lt"/>
+                          <a:ea typeface="+mn-ea"/>
+                          <a:cs typeface="+mn-cs"/>
+                        </a:rPr>
+                        <a:t>-0.9010</a:t>
+                      </a:r>
+                      <a:endParaRPr lang="en-GB" sz="700" b="0" dirty="0"/>
+                    </a:p>
+                  </a:txBody>
+                  <a:tcPr/>
+                </a:tc>
+                <a:tc>
+                  <a:txBody>
+                    <a:bodyPr/>
+                    <a:lstStyle/>
+                    <a:p>
+                      <a:pPr algn="ctr"/>
+                      <a:r>
+                        <a:rPr lang="en-GB" sz="1200" b="0" i="0" kern="1200" dirty="0">
+                          <a:solidFill>
+                            <a:schemeClr val="dk1"/>
+                          </a:solidFill>
+                          <a:effectLst/>
+                          <a:latin typeface="+mn-lt"/>
+                          <a:ea typeface="+mn-ea"/>
+                          <a:cs typeface="+mn-cs"/>
+                        </a:rPr>
+                        <a:t>-0.038</a:t>
+                      </a:r>
+                      <a:endParaRPr lang="en-GB" sz="900" b="0" dirty="0"/>
+                    </a:p>
+                  </a:txBody>
+                  <a:tcPr/>
+                </a:tc>
+                <a:tc>
+                  <a:txBody>
+                    <a:bodyPr/>
+                    <a:lstStyle/>
+                    <a:p>
+                      <a:pPr algn="ctr"/>
+                      <a:r>
+                        <a:rPr lang="en-GB" sz="1200" b="0" i="0" kern="1200" dirty="0">
+                          <a:solidFill>
+                            <a:schemeClr val="dk1"/>
+                          </a:solidFill>
+                          <a:effectLst/>
+                          <a:latin typeface="+mn-lt"/>
+                          <a:ea typeface="+mn-ea"/>
+                          <a:cs typeface="+mn-cs"/>
+                        </a:rPr>
+                        <a:t>-1.2983</a:t>
+                      </a:r>
+                      <a:endParaRPr lang="en-GB" sz="900" b="0" dirty="0"/>
+                    </a:p>
+                  </a:txBody>
+                  <a:tcPr/>
+                </a:tc>
+                <a:tc>
+                  <a:txBody>
+                    <a:bodyPr/>
+                    <a:lstStyle/>
+                    <a:p>
+                      <a:pPr algn="ctr"/>
+                      <a:r>
+                        <a:rPr lang="en-GB" sz="1200" b="0" i="0" kern="1200" dirty="0">
+                          <a:solidFill>
+                            <a:schemeClr val="dk1"/>
+                          </a:solidFill>
+                          <a:effectLst/>
+                          <a:latin typeface="+mn-lt"/>
+                          <a:ea typeface="+mn-ea"/>
+                          <a:cs typeface="+mn-cs"/>
+                        </a:rPr>
+                        <a:t>0.0818</a:t>
+                      </a:r>
+                      <a:endParaRPr lang="en-GB" sz="900" b="0" dirty="0"/>
+                    </a:p>
+                  </a:txBody>
+                  <a:tcPr/>
+                </a:tc>
+                <a:tc>
+                  <a:txBody>
+                    <a:bodyPr/>
+                    <a:lstStyle/>
+                    <a:p>
+                      <a:pPr algn="ctr"/>
+                      <a:r>
+                        <a:rPr lang="en-GB" sz="1200" b="0" i="0" kern="1200" dirty="0">
+                          <a:solidFill>
+                            <a:schemeClr val="dk1"/>
+                          </a:solidFill>
+                          <a:effectLst/>
+                          <a:latin typeface="+mn-lt"/>
+                          <a:ea typeface="+mn-ea"/>
+                          <a:cs typeface="+mn-cs"/>
+                        </a:rPr>
+                        <a:t>3.4275</a:t>
+                      </a:r>
+                      <a:endParaRPr lang="en-GB" sz="900" b="0" dirty="0"/>
+                    </a:p>
+                  </a:txBody>
+                  <a:tcPr/>
+                </a:tc>
+                <a:tc>
+                  <a:txBody>
+                    <a:bodyPr/>
+                    <a:lstStyle/>
+                    <a:p>
+                      <a:pPr algn="ctr"/>
+                      <a:r>
+                        <a:rPr lang="en-GB" sz="1200" b="0" i="0" kern="1200" dirty="0">
+                          <a:solidFill>
+                            <a:schemeClr val="dk1"/>
+                          </a:solidFill>
+                          <a:effectLst/>
+                          <a:latin typeface="+mn-lt"/>
+                          <a:ea typeface="+mn-ea"/>
+                          <a:cs typeface="+mn-cs"/>
+                        </a:rPr>
+                        <a:t>-0.1318</a:t>
+                      </a:r>
+                      <a:endParaRPr lang="en-GB" sz="900" b="0" dirty="0"/>
+                    </a:p>
+                  </a:txBody>
+                  <a:tcPr/>
+                </a:tc>
+                <a:tc>
+                  <a:txBody>
+                    <a:bodyPr/>
+                    <a:lstStyle/>
+                    <a:p>
+                      <a:pPr algn="ctr"/>
+                      <a:r>
+                        <a:rPr lang="en-GB" sz="1200" b="0" i="0" kern="1200" dirty="0">
+                          <a:solidFill>
+                            <a:schemeClr val="dk1"/>
+                          </a:solidFill>
+                          <a:effectLst/>
+                          <a:latin typeface="+mn-lt"/>
+                          <a:ea typeface="+mn-ea"/>
+                          <a:cs typeface="+mn-cs"/>
+                        </a:rPr>
+                        <a:t>-4.8588</a:t>
+                      </a:r>
+                      <a:endParaRPr lang="en-GB" sz="900" b="0" dirty="0"/>
+                    </a:p>
+                  </a:txBody>
+                  <a:tcPr/>
+                </a:tc>
+                <a:extLst>
+                  <a:ext uri="{0D108BD9-81ED-4DB2-BD59-A6C34878D82A}">
+                    <a16:rowId xmlns:a16="http://schemas.microsoft.com/office/drawing/2014/main" val="3228881547"/>
+                  </a:ext>
+                </a:extLst>
+              </a:tr>
+              <a:tr h="545285">
+                <a:tc>
+                  <a:txBody>
+                    <a:bodyPr/>
+                    <a:lstStyle/>
+                    <a:p>
+                      <a:pPr algn="ctr"/>
+                      <a:r>
+                        <a:rPr lang="en-US" sz="1200" b="0" dirty="0"/>
+                        <a:t>2022-2023</a:t>
+                      </a:r>
+                      <a:endParaRPr lang="en-GB" sz="1200" b="0" dirty="0"/>
+                    </a:p>
+                  </a:txBody>
+                  <a:tcPr/>
+                </a:tc>
+                <a:tc>
+                  <a:txBody>
+                    <a:bodyPr/>
+                    <a:lstStyle/>
+                    <a:p>
+                      <a:pPr algn="ctr"/>
+                      <a:r>
+                        <a:rPr lang="en-GB" sz="1200" b="0" i="0" kern="1200" dirty="0">
+                          <a:solidFill>
+                            <a:schemeClr val="dk1"/>
+                          </a:solidFill>
+                          <a:effectLst/>
+                          <a:latin typeface="+mn-lt"/>
+                          <a:ea typeface="+mn-ea"/>
+                          <a:cs typeface="+mn-cs"/>
+                        </a:rPr>
+                        <a:t>0.5349</a:t>
+                      </a:r>
+                      <a:endParaRPr lang="en-GB" sz="700" b="0" dirty="0"/>
+                    </a:p>
+                  </a:txBody>
+                  <a:tcPr/>
+                </a:tc>
+                <a:tc>
+                  <a:txBody>
+                    <a:bodyPr/>
+                    <a:lstStyle/>
+                    <a:p>
+                      <a:pPr algn="ctr"/>
+                      <a:r>
+                        <a:rPr lang="en-GB" sz="1200" b="0" i="0" kern="1200" dirty="0">
+                          <a:solidFill>
+                            <a:schemeClr val="dk1"/>
+                          </a:solidFill>
+                          <a:effectLst/>
+                          <a:latin typeface="+mn-lt"/>
+                          <a:ea typeface="+mn-ea"/>
+                          <a:cs typeface="+mn-cs"/>
+                        </a:rPr>
+                        <a:t>12.703</a:t>
+                      </a:r>
+                      <a:endParaRPr lang="en-GB" sz="700" b="0" dirty="0"/>
+                    </a:p>
+                  </a:txBody>
+                  <a:tcPr/>
+                </a:tc>
+                <a:tc>
+                  <a:txBody>
+                    <a:bodyPr/>
+                    <a:lstStyle/>
+                    <a:p>
+                      <a:pPr algn="ctr"/>
+                      <a:r>
+                        <a:rPr lang="en-GB" sz="1200" b="0" i="0" kern="1200" dirty="0">
+                          <a:solidFill>
+                            <a:schemeClr val="dk1"/>
+                          </a:solidFill>
+                          <a:effectLst/>
+                          <a:latin typeface="+mn-lt"/>
+                          <a:ea typeface="+mn-ea"/>
+                          <a:cs typeface="+mn-cs"/>
+                        </a:rPr>
+                        <a:t>0.5356</a:t>
+                      </a:r>
+                      <a:endParaRPr lang="en-GB" sz="900" b="0" dirty="0"/>
+                    </a:p>
+                  </a:txBody>
+                  <a:tcPr/>
+                </a:tc>
+                <a:tc>
+                  <a:txBody>
+                    <a:bodyPr/>
+                    <a:lstStyle/>
+                    <a:p>
+                      <a:pPr algn="ctr"/>
+                      <a:r>
+                        <a:rPr lang="en-GB" sz="1200" b="0" i="0" kern="1200" dirty="0">
+                          <a:solidFill>
+                            <a:schemeClr val="dk1"/>
+                          </a:solidFill>
+                          <a:effectLst/>
+                          <a:latin typeface="+mn-lt"/>
+                          <a:ea typeface="+mn-ea"/>
+                          <a:cs typeface="+mn-cs"/>
+                        </a:rPr>
+                        <a:t>19.367</a:t>
+                      </a:r>
+                      <a:endParaRPr lang="en-GB" sz="900" b="0" dirty="0"/>
+                    </a:p>
+                  </a:txBody>
+                  <a:tcPr/>
+                </a:tc>
+                <a:tc>
+                  <a:txBody>
+                    <a:bodyPr/>
+                    <a:lstStyle/>
+                    <a:p>
+                      <a:pPr algn="ctr"/>
+                      <a:r>
+                        <a:rPr lang="en-GB" sz="1200" b="0" i="0" kern="1200" dirty="0">
+                          <a:solidFill>
+                            <a:schemeClr val="dk1"/>
+                          </a:solidFill>
+                          <a:effectLst/>
+                          <a:latin typeface="+mn-lt"/>
+                          <a:ea typeface="+mn-ea"/>
+                          <a:cs typeface="+mn-cs"/>
+                        </a:rPr>
+                        <a:t>0.5054</a:t>
+                      </a:r>
+                      <a:endParaRPr lang="en-GB" sz="900" b="0" dirty="0"/>
+                    </a:p>
+                  </a:txBody>
+                  <a:tcPr/>
+                </a:tc>
+                <a:tc>
+                  <a:txBody>
+                    <a:bodyPr/>
+                    <a:lstStyle/>
+                    <a:p>
+                      <a:pPr algn="ctr"/>
+                      <a:r>
+                        <a:rPr lang="en-GB" sz="1200" b="0" i="0" kern="1200" dirty="0">
+                          <a:solidFill>
+                            <a:schemeClr val="dk1"/>
+                          </a:solidFill>
+                          <a:effectLst/>
+                          <a:latin typeface="+mn-lt"/>
+                          <a:ea typeface="+mn-ea"/>
+                          <a:cs typeface="+mn-cs"/>
+                        </a:rPr>
+                        <a:t>22.384</a:t>
+                      </a:r>
+                      <a:endParaRPr lang="en-GB" sz="900" b="0" dirty="0"/>
+                    </a:p>
+                  </a:txBody>
+                  <a:tcPr/>
+                </a:tc>
+                <a:tc>
+                  <a:txBody>
+                    <a:bodyPr/>
+                    <a:lstStyle/>
+                    <a:p>
+                      <a:pPr algn="ctr"/>
+                      <a:r>
+                        <a:rPr lang="en-GB" sz="1200" b="0" i="0" kern="1200" dirty="0">
+                          <a:solidFill>
+                            <a:schemeClr val="dk1"/>
+                          </a:solidFill>
+                          <a:effectLst/>
+                          <a:latin typeface="+mn-lt"/>
+                          <a:ea typeface="+mn-ea"/>
+                          <a:cs typeface="+mn-cs"/>
+                        </a:rPr>
+                        <a:t>0.4052</a:t>
+                      </a:r>
+                      <a:endParaRPr lang="en-GB" sz="900" b="0" dirty="0"/>
+                    </a:p>
+                  </a:txBody>
+                  <a:tcPr/>
+                </a:tc>
+                <a:tc>
+                  <a:txBody>
+                    <a:bodyPr/>
+                    <a:lstStyle/>
+                    <a:p>
+                      <a:pPr algn="ctr"/>
+                      <a:r>
+                        <a:rPr lang="en-GB" sz="1200" b="0" i="0" kern="1200" dirty="0">
+                          <a:solidFill>
+                            <a:schemeClr val="dk1"/>
+                          </a:solidFill>
+                          <a:effectLst/>
+                          <a:latin typeface="+mn-lt"/>
+                          <a:ea typeface="+mn-ea"/>
+                          <a:cs typeface="+mn-cs"/>
+                        </a:rPr>
+                        <a:t>16.692</a:t>
+                      </a:r>
+                      <a:endParaRPr lang="en-GB" sz="900" b="0" dirty="0"/>
+                    </a:p>
+                  </a:txBody>
+                  <a:tcPr/>
+                </a:tc>
+                <a:extLst>
+                  <a:ext uri="{0D108BD9-81ED-4DB2-BD59-A6C34878D82A}">
+                    <a16:rowId xmlns:a16="http://schemas.microsoft.com/office/drawing/2014/main" val="859004804"/>
+                  </a:ext>
+                </a:extLst>
+              </a:tr>
+            </a:tbl>
+          </a:graphicData>
+        </a:graphic>
+      </p:graphicFrame>
+    </p:spTree>
+    <p:extLst>
+      <p:ext uri="{BB962C8B-B14F-4D97-AF65-F5344CB8AC3E}">
+        <p14:creationId xmlns:p14="http://schemas.microsoft.com/office/powerpoint/2010/main" val="4022326446"/>
+      </p:ext>
+    </p:extLst>
+  </p:cSld>
+  <p:clrMapOvr>
+    <a:masterClrMapping/>
+  </p:clrMapOvr>
+</p:sld>
+</file>
+
+<file path=ppt/slides/slide23.xml><?xml version="1.0" encoding="utf-8"?>
+<p:sld xmlns:a="http://schemas.openxmlformats.org/drawingml/2006/main" xmlns:r="http://schemas.openxmlformats.org/officeDocument/2006/relationships" xmlns:p="http://schemas.openxmlformats.org/presentationml/2006/main">
+  <p:cSld>
+    <p:spTree>
+      <p:nvGrpSpPr>
+        <p:cNvPr id="1" name=""/>
+        <p:cNvGrpSpPr/>
+        <p:nvPr/>
+      </p:nvGrpSpPr>
+      <p:grpSpPr>
+        <a:xfrm>
+          <a:off x="0" y="0"/>
+          <a:ext cx="0" cy="0"/>
+          <a:chOff x="0" y="0"/>
+          <a:chExt cx="0" cy="0"/>
+        </a:xfrm>
+      </p:grpSpPr>
+      <p:sp>
+        <p:nvSpPr>
+          <p:cNvPr id="2" name="Title 1">
+            <a:extLst>
+              <a:ext uri="{FF2B5EF4-FFF2-40B4-BE49-F238E27FC236}">
+                <a16:creationId xmlns:a16="http://schemas.microsoft.com/office/drawing/2014/main" id="{921633EB-7DCB-4DDC-80AF-C885A3EE1245}"/>
+              </a:ext>
+            </a:extLst>
+          </p:cNvPr>
+          <p:cNvSpPr>
+            <a:spLocks noGrp="1"/>
+          </p:cNvSpPr>
+          <p:nvPr>
+            <p:ph type="title"/>
+          </p:nvPr>
+        </p:nvSpPr>
+        <p:spPr/>
+        <p:txBody>
+          <a:bodyPr/>
+          <a:lstStyle/>
+          <a:p>
+            <a:r>
+              <a:rPr lang="en-US" dirty="0"/>
+              <a:t>Correlation &amp; Covariance TABLE</a:t>
+            </a:r>
+          </a:p>
+        </p:txBody>
+      </p:sp>
+      <p:sp>
+        <p:nvSpPr>
+          <p:cNvPr id="4" name="Content Placeholder 3">
+            <a:extLst>
+              <a:ext uri="{FF2B5EF4-FFF2-40B4-BE49-F238E27FC236}">
+                <a16:creationId xmlns:a16="http://schemas.microsoft.com/office/drawing/2014/main" id="{15465504-73D4-37DA-85FF-7C8DD5BC71AF}"/>
+              </a:ext>
+            </a:extLst>
+          </p:cNvPr>
+          <p:cNvSpPr>
+            <a:spLocks noGrp="1"/>
+          </p:cNvSpPr>
+          <p:nvPr>
+            <p:ph sz="half" idx="1"/>
+          </p:nvPr>
+        </p:nvSpPr>
+        <p:spPr>
+          <a:xfrm>
+            <a:off x="581193" y="2228003"/>
+            <a:ext cx="5089765" cy="4164408"/>
+          </a:xfrm>
+        </p:spPr>
+        <p:txBody>
+          <a:bodyPr>
+            <a:normAutofit/>
+          </a:bodyPr>
+          <a:lstStyle/>
+          <a:p>
+            <a:r>
+              <a:rPr lang="en-US" dirty="0"/>
+              <a:t>Use of Spearman’s Correlation</a:t>
+            </a:r>
+          </a:p>
+          <a:p>
+            <a:pPr lvl="1"/>
+            <a:r>
+              <a:rPr lang="en-US" dirty="0"/>
+              <a:t>Better for monotonic relationship identification</a:t>
+            </a:r>
+          </a:p>
+          <a:p>
+            <a:r>
+              <a:rPr lang="en-US" dirty="0"/>
+              <a:t>Higher correlation value suggests relationship is more linear than monotonic (2022-2023), though difference is very small, especially for lecture attendance.</a:t>
+            </a:r>
+          </a:p>
+          <a:p>
+            <a:r>
+              <a:rPr lang="en-US" dirty="0"/>
+              <a:t>2021-2022 data suggests otherwise, but difference is still very slight and correlation value is very close to zero in all four cases baring Practical attendance.</a:t>
+            </a:r>
+          </a:p>
+          <a:p>
+            <a:endParaRPr lang="en-US" dirty="0"/>
+          </a:p>
+        </p:txBody>
+      </p:sp>
+      <p:graphicFrame>
+        <p:nvGraphicFramePr>
+          <p:cNvPr id="6" name="Table 6">
+            <a:extLst>
+              <a:ext uri="{FF2B5EF4-FFF2-40B4-BE49-F238E27FC236}">
+                <a16:creationId xmlns:a16="http://schemas.microsoft.com/office/drawing/2014/main" id="{B8453F27-AEE6-A89E-BF2C-3CD4ADD328F2}"/>
+              </a:ext>
+            </a:extLst>
+          </p:cNvPr>
+          <p:cNvGraphicFramePr>
+            <a:graphicFrameLocks noGrp="1"/>
+          </p:cNvGraphicFramePr>
+          <p:nvPr>
+            <p:ph sz="half" idx="2"/>
+            <p:extLst>
+              <p:ext uri="{D42A27DB-BD31-4B8C-83A1-F6EECF244321}">
+                <p14:modId xmlns:p14="http://schemas.microsoft.com/office/powerpoint/2010/main" val="803107712"/>
+              </p:ext>
+            </p:extLst>
+          </p:nvPr>
+        </p:nvGraphicFramePr>
+        <p:xfrm>
+          <a:off x="5771627" y="2432806"/>
+          <a:ext cx="5839182" cy="2592200"/>
+        </p:xfrm>
+        <a:graphic>
+          <a:graphicData uri="http://schemas.openxmlformats.org/drawingml/2006/table">
+            <a:tbl>
+              <a:tblPr firstRow="1" bandRow="1">
+                <a:tableStyleId>{5C22544A-7EE6-4342-B048-85BDC9FD1C3A}</a:tableStyleId>
+              </a:tblPr>
+              <a:tblGrid>
+                <a:gridCol w="648798">
+                  <a:extLst>
+                    <a:ext uri="{9D8B030D-6E8A-4147-A177-3AD203B41FA5}">
+                      <a16:colId xmlns:a16="http://schemas.microsoft.com/office/drawing/2014/main" val="3175777426"/>
+                    </a:ext>
+                  </a:extLst>
+                </a:gridCol>
+                <a:gridCol w="648798">
+                  <a:extLst>
+                    <a:ext uri="{9D8B030D-6E8A-4147-A177-3AD203B41FA5}">
+                      <a16:colId xmlns:a16="http://schemas.microsoft.com/office/drawing/2014/main" val="3063281743"/>
+                    </a:ext>
+                  </a:extLst>
+                </a:gridCol>
+                <a:gridCol w="648798">
+                  <a:extLst>
+                    <a:ext uri="{9D8B030D-6E8A-4147-A177-3AD203B41FA5}">
+                      <a16:colId xmlns:a16="http://schemas.microsoft.com/office/drawing/2014/main" val="1912613166"/>
+                    </a:ext>
+                  </a:extLst>
+                </a:gridCol>
+                <a:gridCol w="648798">
+                  <a:extLst>
+                    <a:ext uri="{9D8B030D-6E8A-4147-A177-3AD203B41FA5}">
+                      <a16:colId xmlns:a16="http://schemas.microsoft.com/office/drawing/2014/main" val="627985694"/>
+                    </a:ext>
+                  </a:extLst>
+                </a:gridCol>
+                <a:gridCol w="648798">
+                  <a:extLst>
+                    <a:ext uri="{9D8B030D-6E8A-4147-A177-3AD203B41FA5}">
+                      <a16:colId xmlns:a16="http://schemas.microsoft.com/office/drawing/2014/main" val="2633129296"/>
+                    </a:ext>
+                  </a:extLst>
+                </a:gridCol>
+                <a:gridCol w="648798">
+                  <a:extLst>
+                    <a:ext uri="{9D8B030D-6E8A-4147-A177-3AD203B41FA5}">
+                      <a16:colId xmlns:a16="http://schemas.microsoft.com/office/drawing/2014/main" val="3459378517"/>
+                    </a:ext>
+                  </a:extLst>
+                </a:gridCol>
+                <a:gridCol w="648798">
+                  <a:extLst>
+                    <a:ext uri="{9D8B030D-6E8A-4147-A177-3AD203B41FA5}">
+                      <a16:colId xmlns:a16="http://schemas.microsoft.com/office/drawing/2014/main" val="4245219144"/>
+                    </a:ext>
+                  </a:extLst>
+                </a:gridCol>
+                <a:gridCol w="648798">
+                  <a:extLst>
+                    <a:ext uri="{9D8B030D-6E8A-4147-A177-3AD203B41FA5}">
+                      <a16:colId xmlns:a16="http://schemas.microsoft.com/office/drawing/2014/main" val="1553150276"/>
+                    </a:ext>
+                  </a:extLst>
+                </a:gridCol>
+                <a:gridCol w="648798">
+                  <a:extLst>
+                    <a:ext uri="{9D8B030D-6E8A-4147-A177-3AD203B41FA5}">
+                      <a16:colId xmlns:a16="http://schemas.microsoft.com/office/drawing/2014/main" val="3076180246"/>
+                    </a:ext>
+                  </a:extLst>
+                </a:gridCol>
+              </a:tblGrid>
+              <a:tr h="1411450">
+                <a:tc>
+                  <a:txBody>
+                    <a:bodyPr/>
+                    <a:lstStyle/>
+                    <a:p>
+                      <a:r>
+                        <a:rPr lang="en-US" sz="900" b="0" dirty="0"/>
+                        <a:t>Year</a:t>
+                      </a:r>
+                      <a:endParaRPr lang="en-GB" sz="900" b="0" dirty="0"/>
+                    </a:p>
+                  </a:txBody>
+                  <a:tcPr/>
+                </a:tc>
+                <a:tc>
+                  <a:txBody>
+                    <a:bodyPr/>
+                    <a:lstStyle/>
+                    <a:p>
+                      <a:r>
+                        <a:rPr lang="en-US" sz="900" b="0" dirty="0"/>
+                        <a:t>Grade ~ Attendance</a:t>
+                      </a:r>
+                    </a:p>
+                    <a:p>
+                      <a:r>
+                        <a:rPr lang="en-US" sz="900" b="0" dirty="0"/>
+                        <a:t>Correlation</a:t>
+                      </a:r>
+                      <a:endParaRPr lang="en-GB" sz="900" b="0" dirty="0"/>
+                    </a:p>
+                  </a:txBody>
+                  <a:tcPr vert="vert"/>
+                </a:tc>
+                <a:tc>
+                  <a:txBody>
+                    <a:bodyPr/>
+                    <a:lstStyle/>
+                    <a:p>
+                      <a:r>
+                        <a:rPr lang="en-US" sz="900" b="0" dirty="0"/>
+                        <a:t>Grade ~ Attendance Covariance</a:t>
+                      </a:r>
+                      <a:endParaRPr lang="en-GB" sz="900" b="0" dirty="0"/>
+                    </a:p>
+                  </a:txBody>
+                  <a:tcPr vert="vert"/>
+                </a:tc>
+                <a:tc>
+                  <a:txBody>
+                    <a:bodyPr/>
+                    <a:lstStyle/>
+                    <a:p>
+                      <a:pPr marL="0" marR="0" lvl="0" indent="0" algn="l" defTabSz="457200" rtl="0" eaLnBrk="1" fontAlgn="auto" latinLnBrk="0" hangingPunct="1">
+                        <a:lnSpc>
+                          <a:spcPct val="100000"/>
+                        </a:lnSpc>
+                        <a:spcBef>
+                          <a:spcPts val="0"/>
+                        </a:spcBef>
+                        <a:spcAft>
+                          <a:spcPts val="0"/>
+                        </a:spcAft>
+                        <a:buClrTx/>
+                        <a:buSzTx/>
+                        <a:buFontTx/>
+                        <a:buNone/>
+                        <a:tabLst/>
+                        <a:defRPr/>
+                      </a:pPr>
+                      <a:r>
+                        <a:rPr lang="en-US" sz="900" b="0" dirty="0"/>
+                        <a:t>Grade ~ E. Attendance Correlation</a:t>
+                      </a:r>
+                      <a:endParaRPr lang="en-GB" sz="900" b="0" dirty="0"/>
+                    </a:p>
+                    <a:p>
+                      <a:endParaRPr lang="en-GB" sz="900" b="0" dirty="0"/>
+                    </a:p>
+                  </a:txBody>
+                  <a:tcPr vert="vert"/>
+                </a:tc>
+                <a:tc>
+                  <a:txBody>
+                    <a:bodyPr/>
+                    <a:lstStyle/>
+                    <a:p>
+                      <a:r>
+                        <a:rPr lang="en-US" sz="900" b="0" dirty="0"/>
+                        <a:t>Grade ~ E. Attendance Covariance</a:t>
+                      </a:r>
+                      <a:endParaRPr lang="en-GB" sz="900" b="0" dirty="0"/>
+                    </a:p>
+                  </a:txBody>
+                  <a:tcPr vert="vert"/>
+                </a:tc>
+                <a:tc>
+                  <a:txBody>
+                    <a:bodyPr/>
+                    <a:lstStyle/>
+                    <a:p>
+                      <a:pPr marL="0" marR="0" lvl="0" indent="0" algn="l" defTabSz="457200" rtl="0" eaLnBrk="1" fontAlgn="auto" latinLnBrk="0" hangingPunct="1">
+                        <a:lnSpc>
+                          <a:spcPct val="100000"/>
+                        </a:lnSpc>
+                        <a:spcBef>
+                          <a:spcPts val="0"/>
+                        </a:spcBef>
+                        <a:spcAft>
+                          <a:spcPts val="0"/>
+                        </a:spcAft>
+                        <a:buClrTx/>
+                        <a:buSzTx/>
+                        <a:buFontTx/>
+                        <a:buNone/>
+                        <a:tabLst/>
+                        <a:defRPr/>
+                      </a:pPr>
+                      <a:r>
+                        <a:rPr lang="en-US" sz="900" b="0" dirty="0"/>
+                        <a:t>Grade ~ Lecture Attendance Correlation</a:t>
+                      </a:r>
+                      <a:endParaRPr lang="en-GB" sz="900" b="0" dirty="0"/>
+                    </a:p>
+                  </a:txBody>
+                  <a:tcPr vert="vert"/>
+                </a:tc>
+                <a:tc>
+                  <a:txBody>
+                    <a:bodyPr/>
+                    <a:lstStyle/>
+                    <a:p>
+                      <a:r>
+                        <a:rPr lang="en-US" sz="1000" b="0" dirty="0"/>
+                        <a:t>Grade ~ Lecture Attendance Covariance</a:t>
+                      </a:r>
+                      <a:endParaRPr lang="en-GB" sz="1000" b="0" dirty="0"/>
+                    </a:p>
+                    <a:p>
+                      <a:endParaRPr lang="en-GB" sz="1000" b="0" dirty="0"/>
+                    </a:p>
+                  </a:txBody>
+                  <a:tcPr vert="vert"/>
+                </a:tc>
+                <a:tc>
+                  <a:txBody>
+                    <a:bodyPr/>
+                    <a:lstStyle/>
+                    <a:p>
+                      <a:pPr marL="0" marR="0" lvl="0" indent="0" algn="l" defTabSz="457200" rtl="0" eaLnBrk="1" fontAlgn="auto" latinLnBrk="0" hangingPunct="1">
+                        <a:lnSpc>
+                          <a:spcPct val="100000"/>
+                        </a:lnSpc>
+                        <a:spcBef>
+                          <a:spcPts val="0"/>
+                        </a:spcBef>
+                        <a:spcAft>
+                          <a:spcPts val="0"/>
+                        </a:spcAft>
+                        <a:buClrTx/>
+                        <a:buSzTx/>
+                        <a:buFontTx/>
+                        <a:buNone/>
+                        <a:tabLst/>
+                        <a:defRPr/>
+                      </a:pPr>
+                      <a:r>
+                        <a:rPr lang="en-US" sz="1000" b="0" dirty="0"/>
+                        <a:t>Grade ~ Practical Attendance Correlation</a:t>
+                      </a:r>
+                      <a:endParaRPr lang="en-GB" sz="1000" b="0" dirty="0"/>
+                    </a:p>
+                    <a:p>
+                      <a:endParaRPr lang="en-GB" sz="1000" b="0" dirty="0"/>
+                    </a:p>
+                  </a:txBody>
+                  <a:tcPr vert="vert"/>
+                </a:tc>
+                <a:tc>
+                  <a:txBody>
+                    <a:bodyPr/>
+                    <a:lstStyle/>
+                    <a:p>
+                      <a:r>
+                        <a:rPr lang="en-US" sz="1000" b="0" dirty="0"/>
+                        <a:t>Grade ~ Practical Attendance Covariance</a:t>
+                      </a:r>
+                      <a:endParaRPr lang="en-GB" sz="1000" b="0" dirty="0"/>
+                    </a:p>
+                    <a:p>
+                      <a:endParaRPr lang="en-GB" sz="1000" b="0" dirty="0"/>
+                    </a:p>
+                    <a:p>
+                      <a:endParaRPr lang="en-GB" sz="1000" b="0" dirty="0"/>
+                    </a:p>
+                  </a:txBody>
+                  <a:tcPr vert="vert"/>
+                </a:tc>
+                <a:extLst>
+                  <a:ext uri="{0D108BD9-81ED-4DB2-BD59-A6C34878D82A}">
+                    <a16:rowId xmlns:a16="http://schemas.microsoft.com/office/drawing/2014/main" val="1487557583"/>
+                  </a:ext>
+                </a:extLst>
+              </a:tr>
+              <a:tr h="635465">
+                <a:tc>
+                  <a:txBody>
+                    <a:bodyPr/>
+                    <a:lstStyle/>
+                    <a:p>
+                      <a:pPr algn="ctr"/>
+                      <a:r>
+                        <a:rPr lang="en-US" sz="1200" b="0" dirty="0"/>
+                        <a:t>2021-2022</a:t>
+                      </a:r>
+                      <a:endParaRPr lang="en-GB" sz="1200" b="0" dirty="0"/>
+                    </a:p>
+                  </a:txBody>
+                  <a:tcPr/>
+                </a:tc>
+                <a:tc>
+                  <a:txBody>
+                    <a:bodyPr/>
+                    <a:lstStyle/>
+                    <a:p>
+                      <a:pPr algn="ctr"/>
+                      <a:r>
+                        <a:rPr lang="en-GB" sz="1200" b="0" i="0" kern="1200" dirty="0">
+                          <a:solidFill>
+                            <a:schemeClr val="dk1"/>
+                          </a:solidFill>
+                          <a:effectLst/>
+                          <a:latin typeface="+mn-lt"/>
+                          <a:ea typeface="+mn-ea"/>
+                          <a:cs typeface="+mn-cs"/>
+                        </a:rPr>
+                        <a:t>-0.057</a:t>
+                      </a:r>
+                      <a:endParaRPr lang="en-GB" sz="1200" b="0" dirty="0"/>
+                    </a:p>
+                  </a:txBody>
+                  <a:tcPr/>
+                </a:tc>
+                <a:tc>
+                  <a:txBody>
+                    <a:bodyPr/>
+                    <a:lstStyle/>
+                    <a:p>
+                      <a:pPr algn="ctr"/>
+                      <a:r>
+                        <a:rPr lang="en-GB" sz="1200" b="0" i="0" kern="1200" dirty="0">
+                          <a:solidFill>
+                            <a:schemeClr val="dk1"/>
+                          </a:solidFill>
+                          <a:effectLst/>
+                          <a:latin typeface="+mn-lt"/>
+                          <a:ea typeface="+mn-ea"/>
+                          <a:cs typeface="+mn-cs"/>
+                        </a:rPr>
+                        <a:t>-23.225</a:t>
+                      </a:r>
+                      <a:endParaRPr lang="en-GB" sz="1200" b="0" dirty="0"/>
+                    </a:p>
+                  </a:txBody>
+                  <a:tcPr/>
+                </a:tc>
+                <a:tc>
+                  <a:txBody>
+                    <a:bodyPr/>
+                    <a:lstStyle/>
+                    <a:p>
+                      <a:pPr algn="ctr"/>
+                      <a:r>
+                        <a:rPr lang="en-GB" sz="1200" b="0" i="0" kern="1200" dirty="0">
+                          <a:solidFill>
+                            <a:schemeClr val="dk1"/>
+                          </a:solidFill>
+                          <a:effectLst/>
+                          <a:latin typeface="+mn-lt"/>
+                          <a:ea typeface="+mn-ea"/>
+                          <a:cs typeface="+mn-cs"/>
+                        </a:rPr>
+                        <a:t>-0.057</a:t>
+                      </a:r>
+                      <a:endParaRPr lang="en-GB" sz="1200" b="0" dirty="0"/>
+                    </a:p>
+                  </a:txBody>
+                  <a:tcPr/>
+                </a:tc>
+                <a:tc>
+                  <a:txBody>
+                    <a:bodyPr/>
+                    <a:lstStyle/>
+                    <a:p>
+                      <a:pPr algn="ctr"/>
+                      <a:r>
+                        <a:rPr lang="en-GB" sz="1200" b="0" i="0" kern="1200" dirty="0">
+                          <a:solidFill>
+                            <a:schemeClr val="dk1"/>
+                          </a:solidFill>
+                          <a:effectLst/>
+                          <a:latin typeface="+mn-lt"/>
+                          <a:ea typeface="+mn-ea"/>
+                          <a:cs typeface="+mn-cs"/>
+                        </a:rPr>
+                        <a:t>-23.225</a:t>
+                      </a:r>
+                      <a:endParaRPr lang="en-GB" sz="1200" b="0" dirty="0"/>
+                    </a:p>
+                  </a:txBody>
+                  <a:tcPr/>
+                </a:tc>
+                <a:tc>
+                  <a:txBody>
+                    <a:bodyPr/>
+                    <a:lstStyle/>
+                    <a:p>
+                      <a:pPr algn="ctr"/>
+                      <a:r>
+                        <a:rPr lang="en-GB" sz="1200" b="0" i="0" kern="1200" dirty="0">
+                          <a:solidFill>
+                            <a:schemeClr val="dk1"/>
+                          </a:solidFill>
+                          <a:effectLst/>
+                          <a:latin typeface="+mn-lt"/>
+                          <a:ea typeface="+mn-ea"/>
+                          <a:cs typeface="+mn-cs"/>
+                        </a:rPr>
+                        <a:t>0.0844</a:t>
+                      </a:r>
+                      <a:endParaRPr lang="en-GB" sz="1200" b="0" dirty="0"/>
+                    </a:p>
+                  </a:txBody>
+                  <a:tcPr/>
+                </a:tc>
+                <a:tc>
+                  <a:txBody>
+                    <a:bodyPr/>
+                    <a:lstStyle/>
+                    <a:p>
+                      <a:pPr algn="ctr"/>
+                      <a:r>
+                        <a:rPr lang="en-GB" sz="1200" b="0" i="0" kern="1200" dirty="0">
+                          <a:solidFill>
+                            <a:schemeClr val="dk1"/>
+                          </a:solidFill>
+                          <a:effectLst/>
+                          <a:latin typeface="+mn-lt"/>
+                          <a:ea typeface="+mn-ea"/>
+                          <a:cs typeface="+mn-cs"/>
+                        </a:rPr>
+                        <a:t>34.047</a:t>
+                      </a:r>
+                      <a:endParaRPr lang="en-GB" sz="1200" b="0" dirty="0"/>
+                    </a:p>
+                  </a:txBody>
+                  <a:tcPr/>
+                </a:tc>
+                <a:tc>
+                  <a:txBody>
+                    <a:bodyPr/>
+                    <a:lstStyle/>
+                    <a:p>
+                      <a:pPr algn="ctr"/>
+                      <a:r>
+                        <a:rPr lang="en-GB" sz="1200" b="0" i="0" kern="1200" dirty="0">
+                          <a:solidFill>
+                            <a:schemeClr val="dk1"/>
+                          </a:solidFill>
+                          <a:effectLst/>
+                          <a:latin typeface="+mn-lt"/>
+                          <a:ea typeface="+mn-ea"/>
+                          <a:cs typeface="+mn-cs"/>
+                        </a:rPr>
+                        <a:t>-0.1798</a:t>
+                      </a:r>
+                      <a:endParaRPr lang="en-GB" sz="1200" b="0" dirty="0"/>
+                    </a:p>
+                  </a:txBody>
+                  <a:tcPr/>
+                </a:tc>
+                <a:tc>
+                  <a:txBody>
+                    <a:bodyPr/>
+                    <a:lstStyle/>
+                    <a:p>
+                      <a:pPr algn="ctr"/>
+                      <a:r>
+                        <a:rPr lang="en-GB" sz="1200" b="0" i="0" kern="1200" dirty="0">
+                          <a:solidFill>
+                            <a:schemeClr val="dk1"/>
+                          </a:solidFill>
+                          <a:effectLst/>
+                          <a:latin typeface="+mn-lt"/>
+                          <a:ea typeface="+mn-ea"/>
+                          <a:cs typeface="+mn-cs"/>
+                        </a:rPr>
+                        <a:t>-73.04</a:t>
+                      </a:r>
+                      <a:endParaRPr lang="en-GB" sz="1200" b="0" dirty="0"/>
+                    </a:p>
+                  </a:txBody>
+                  <a:tcPr/>
+                </a:tc>
+                <a:extLst>
+                  <a:ext uri="{0D108BD9-81ED-4DB2-BD59-A6C34878D82A}">
+                    <a16:rowId xmlns:a16="http://schemas.microsoft.com/office/drawing/2014/main" val="3228881547"/>
+                  </a:ext>
+                </a:extLst>
+              </a:tr>
+              <a:tr h="545285">
+                <a:tc>
+                  <a:txBody>
+                    <a:bodyPr/>
+                    <a:lstStyle/>
+                    <a:p>
+                      <a:pPr algn="ctr"/>
+                      <a:r>
+                        <a:rPr lang="en-US" sz="1200" b="0" dirty="0"/>
+                        <a:t>2022-2023</a:t>
+                      </a:r>
+                      <a:endParaRPr lang="en-GB" sz="1200" b="0" dirty="0"/>
+                    </a:p>
+                  </a:txBody>
+                  <a:tcPr/>
+                </a:tc>
+                <a:tc>
+                  <a:txBody>
+                    <a:bodyPr/>
+                    <a:lstStyle/>
+                    <a:p>
+                      <a:pPr algn="ctr"/>
+                      <a:r>
+                        <a:rPr lang="en-GB" sz="1200" b="0" i="0" kern="1200" dirty="0">
+                          <a:solidFill>
+                            <a:schemeClr val="dk1"/>
+                          </a:solidFill>
+                          <a:effectLst/>
+                          <a:latin typeface="+mn-lt"/>
+                          <a:ea typeface="+mn-ea"/>
+                          <a:cs typeface="+mn-cs"/>
+                        </a:rPr>
+                        <a:t>0.5108</a:t>
+                      </a:r>
+                      <a:endParaRPr lang="en-GB" sz="1200" b="0" dirty="0"/>
+                    </a:p>
+                  </a:txBody>
+                  <a:tcPr/>
+                </a:tc>
+                <a:tc>
+                  <a:txBody>
+                    <a:bodyPr/>
+                    <a:lstStyle/>
+                    <a:p>
+                      <a:pPr algn="ctr"/>
+                      <a:r>
+                        <a:rPr lang="en-GB" sz="1200" b="0" i="0" kern="1200" dirty="0">
+                          <a:solidFill>
+                            <a:schemeClr val="dk1"/>
+                          </a:solidFill>
+                          <a:effectLst/>
+                          <a:latin typeface="+mn-lt"/>
+                          <a:ea typeface="+mn-ea"/>
+                          <a:cs typeface="+mn-cs"/>
+                        </a:rPr>
+                        <a:t>169.5</a:t>
+                      </a:r>
+                      <a:endParaRPr lang="en-GB" sz="1200" b="0" dirty="0"/>
+                    </a:p>
+                  </a:txBody>
+                  <a:tcPr/>
+                </a:tc>
+                <a:tc>
+                  <a:txBody>
+                    <a:bodyPr/>
+                    <a:lstStyle/>
+                    <a:p>
+                      <a:pPr algn="ctr"/>
+                      <a:r>
+                        <a:rPr lang="en-GB" sz="1200" b="0" i="0" kern="1200" dirty="0">
+                          <a:solidFill>
+                            <a:schemeClr val="dk1"/>
+                          </a:solidFill>
+                          <a:effectLst/>
+                          <a:latin typeface="+mn-lt"/>
+                          <a:ea typeface="+mn-ea"/>
+                          <a:cs typeface="+mn-cs"/>
+                        </a:rPr>
+                        <a:t>0.5108</a:t>
+                      </a:r>
+                      <a:endParaRPr lang="en-GB" sz="1200" b="0" dirty="0"/>
+                    </a:p>
+                  </a:txBody>
+                  <a:tcPr/>
+                </a:tc>
+                <a:tc>
+                  <a:txBody>
+                    <a:bodyPr/>
+                    <a:lstStyle/>
+                    <a:p>
+                      <a:pPr algn="ctr"/>
+                      <a:r>
+                        <a:rPr lang="en-GB" sz="1200" b="0" i="0" kern="1200" dirty="0">
+                          <a:solidFill>
+                            <a:schemeClr val="dk1"/>
+                          </a:solidFill>
+                          <a:effectLst/>
+                          <a:latin typeface="+mn-lt"/>
+                          <a:ea typeface="+mn-ea"/>
+                          <a:cs typeface="+mn-cs"/>
+                        </a:rPr>
+                        <a:t>169.5</a:t>
+                      </a:r>
+                      <a:endParaRPr lang="en-GB" sz="1200" b="0" dirty="0"/>
+                    </a:p>
+                  </a:txBody>
+                  <a:tcPr/>
+                </a:tc>
+                <a:tc>
+                  <a:txBody>
+                    <a:bodyPr/>
+                    <a:lstStyle/>
+                    <a:p>
+                      <a:pPr algn="ctr"/>
+                      <a:r>
+                        <a:rPr lang="en-GB" sz="1200" b="0" i="0" kern="1200" dirty="0">
+                          <a:solidFill>
+                            <a:schemeClr val="dk1"/>
+                          </a:solidFill>
+                          <a:effectLst/>
+                          <a:latin typeface="+mn-lt"/>
+                          <a:ea typeface="+mn-ea"/>
+                          <a:cs typeface="+mn-cs"/>
+                        </a:rPr>
+                        <a:t>0.5021</a:t>
+                      </a:r>
+                      <a:endParaRPr lang="en-GB" sz="1200" b="0" dirty="0"/>
+                    </a:p>
+                  </a:txBody>
+                  <a:tcPr/>
+                </a:tc>
+                <a:tc>
+                  <a:txBody>
+                    <a:bodyPr/>
+                    <a:lstStyle/>
+                    <a:p>
+                      <a:pPr algn="ctr"/>
+                      <a:r>
+                        <a:rPr lang="en-GB" sz="1200" b="0" i="0" kern="1200" dirty="0">
+                          <a:solidFill>
+                            <a:schemeClr val="dk1"/>
+                          </a:solidFill>
+                          <a:effectLst/>
+                          <a:latin typeface="+mn-lt"/>
+                          <a:ea typeface="+mn-ea"/>
+                          <a:cs typeface="+mn-cs"/>
+                        </a:rPr>
+                        <a:t>166.06</a:t>
+                      </a:r>
+                      <a:endParaRPr lang="en-GB" sz="1200" b="0" dirty="0"/>
+                    </a:p>
+                  </a:txBody>
+                  <a:tcPr/>
+                </a:tc>
+                <a:tc>
+                  <a:txBody>
+                    <a:bodyPr/>
+                    <a:lstStyle/>
+                    <a:p>
+                      <a:pPr algn="ctr"/>
+                      <a:r>
+                        <a:rPr lang="en-GB" sz="1200" b="0" i="0" kern="1200" dirty="0">
+                          <a:solidFill>
+                            <a:schemeClr val="dk1"/>
+                          </a:solidFill>
+                          <a:effectLst/>
+                          <a:latin typeface="+mn-lt"/>
+                          <a:ea typeface="+mn-ea"/>
+                          <a:cs typeface="+mn-cs"/>
+                        </a:rPr>
+                        <a:t>0.3713</a:t>
+                      </a:r>
+                      <a:endParaRPr lang="en-GB" sz="1200" b="0" dirty="0"/>
+                    </a:p>
+                  </a:txBody>
+                  <a:tcPr/>
+                </a:tc>
+                <a:tc>
+                  <a:txBody>
+                    <a:bodyPr/>
+                    <a:lstStyle/>
+                    <a:p>
+                      <a:pPr algn="ctr"/>
+                      <a:r>
+                        <a:rPr lang="en-GB" sz="1200" b="0" i="0" kern="1200" dirty="0">
+                          <a:solidFill>
+                            <a:schemeClr val="dk1"/>
+                          </a:solidFill>
+                          <a:effectLst/>
+                          <a:latin typeface="+mn-lt"/>
+                          <a:ea typeface="+mn-ea"/>
+                          <a:cs typeface="+mn-cs"/>
+                        </a:rPr>
+                        <a:t>122.7</a:t>
+                      </a:r>
+                      <a:endParaRPr lang="en-GB" sz="1200" b="0" dirty="0"/>
+                    </a:p>
+                  </a:txBody>
+                  <a:tcPr/>
+                </a:tc>
+                <a:extLst>
+                  <a:ext uri="{0D108BD9-81ED-4DB2-BD59-A6C34878D82A}">
+                    <a16:rowId xmlns:a16="http://schemas.microsoft.com/office/drawing/2014/main" val="859004804"/>
+                  </a:ext>
+                </a:extLst>
+              </a:tr>
+            </a:tbl>
+          </a:graphicData>
+        </a:graphic>
+      </p:graphicFrame>
+    </p:spTree>
+    <p:extLst>
+      <p:ext uri="{BB962C8B-B14F-4D97-AF65-F5344CB8AC3E}">
+        <p14:creationId xmlns:p14="http://schemas.microsoft.com/office/powerpoint/2010/main" val="1130694288"/>
+      </p:ext>
+    </p:extLst>
+  </p:cSld>
+  <p:clrMapOvr>
+    <a:masterClrMapping/>
+  </p:clrMapOvr>
+</p:sld>
+</file>
+
+<file path=ppt/slides/slide24.xml><?xml version="1.0" encoding="utf-8"?>
+<p:sld xmlns:a="http://schemas.openxmlformats.org/drawingml/2006/main" xmlns:r="http://schemas.openxmlformats.org/officeDocument/2006/relationships" xmlns:p="http://schemas.openxmlformats.org/presentationml/2006/main">
+  <p:cSld>
+    <p:spTree>
+      <p:nvGrpSpPr>
+        <p:cNvPr id="1" name=""/>
+        <p:cNvGrpSpPr/>
+        <p:nvPr/>
+      </p:nvGrpSpPr>
+      <p:grpSpPr>
+        <a:xfrm>
+          <a:off x="0" y="0"/>
+          <a:ext cx="0" cy="0"/>
+          <a:chOff x="0" y="0"/>
+          <a:chExt cx="0" cy="0"/>
+        </a:xfrm>
+      </p:grpSpPr>
+      <p:sp>
+        <p:nvSpPr>
+          <p:cNvPr id="2" name="Title 1">
+            <a:extLst>
+              <a:ext uri="{FF2B5EF4-FFF2-40B4-BE49-F238E27FC236}">
+                <a16:creationId xmlns:a16="http://schemas.microsoft.com/office/drawing/2014/main" id="{921633EB-7DCB-4DDC-80AF-C885A3EE1245}"/>
+              </a:ext>
+            </a:extLst>
+          </p:cNvPr>
+          <p:cNvSpPr>
+            <a:spLocks noGrp="1"/>
+          </p:cNvSpPr>
+          <p:nvPr>
+            <p:ph type="title"/>
+          </p:nvPr>
+        </p:nvSpPr>
+        <p:spPr/>
+        <p:txBody>
+          <a:bodyPr/>
+          <a:lstStyle/>
+          <a:p>
+            <a:r>
+              <a:rPr lang="en-US" dirty="0"/>
+              <a:t>LINEAR REGRESSION MODEL - ATTENDANCE</a:t>
+            </a:r>
+          </a:p>
+        </p:txBody>
+      </p:sp>
+      <p:pic>
+        <p:nvPicPr>
+          <p:cNvPr id="20" name="Content Placeholder 19">
+            <a:extLst>
+              <a:ext uri="{FF2B5EF4-FFF2-40B4-BE49-F238E27FC236}">
+                <a16:creationId xmlns:a16="http://schemas.microsoft.com/office/drawing/2014/main" id="{996B68EB-BA2A-A868-4AE5-26A32E6156DF}"/>
+              </a:ext>
+            </a:extLst>
+          </p:cNvPr>
+          <p:cNvPicPr>
+            <a:picLocks noGrp="1" noChangeAspect="1"/>
+          </p:cNvPicPr>
+          <p:nvPr>
+            <p:ph sz="half" idx="2"/>
+          </p:nvPr>
+        </p:nvPicPr>
+        <p:blipFill>
+          <a:blip r:embed="rId2"/>
+          <a:srcRect/>
+          <a:stretch/>
+        </p:blipFill>
+        <p:spPr>
+          <a:xfrm>
+            <a:off x="4279106" y="2227262"/>
+            <a:ext cx="3633787" cy="3633787"/>
+          </a:xfrm>
+        </p:spPr>
+      </p:pic>
+      <p:pic>
+        <p:nvPicPr>
+          <p:cNvPr id="22" name="Picture 21">
+            <a:extLst>
+              <a:ext uri="{FF2B5EF4-FFF2-40B4-BE49-F238E27FC236}">
+                <a16:creationId xmlns:a16="http://schemas.microsoft.com/office/drawing/2014/main" id="{A2645ED6-F5DD-B44C-6AF8-A1ECB0E6B71D}"/>
+              </a:ext>
+            </a:extLst>
+          </p:cNvPr>
+          <p:cNvPicPr>
+            <a:picLocks noChangeAspect="1"/>
+          </p:cNvPicPr>
+          <p:nvPr/>
+        </p:nvPicPr>
+        <p:blipFill>
+          <a:blip r:embed="rId3"/>
+          <a:srcRect/>
+          <a:stretch/>
+        </p:blipFill>
+        <p:spPr>
+          <a:xfrm>
+            <a:off x="7977020" y="2227261"/>
+            <a:ext cx="3633787" cy="3633787"/>
+          </a:xfrm>
+          <a:prstGeom prst="rect">
+            <a:avLst/>
+          </a:prstGeom>
+        </p:spPr>
+      </p:pic>
+      <p:sp>
+        <p:nvSpPr>
+          <p:cNvPr id="4" name="Content Placeholder 3">
+            <a:extLst>
+              <a:ext uri="{FF2B5EF4-FFF2-40B4-BE49-F238E27FC236}">
+                <a16:creationId xmlns:a16="http://schemas.microsoft.com/office/drawing/2014/main" id="{89066F11-6868-47D7-FDD2-F251B0B320C8}"/>
+              </a:ext>
+            </a:extLst>
+          </p:cNvPr>
+          <p:cNvSpPr>
+            <a:spLocks noGrp="1"/>
+          </p:cNvSpPr>
+          <p:nvPr>
+            <p:ph sz="half" idx="1"/>
+          </p:nvPr>
+        </p:nvSpPr>
+        <p:spPr>
+          <a:xfrm>
+            <a:off x="581193" y="2228003"/>
+            <a:ext cx="3633787" cy="3633047"/>
+          </a:xfrm>
+        </p:spPr>
+        <p:txBody>
+          <a:bodyPr>
+            <a:normAutofit/>
+          </a:bodyPr>
+          <a:lstStyle/>
+          <a:p>
+            <a:r>
+              <a:rPr lang="en-US" dirty="0"/>
+              <a:t>Attendance Percentage for last two years.</a:t>
+            </a:r>
+          </a:p>
+          <a:p>
+            <a:r>
+              <a:rPr lang="en-US" dirty="0"/>
+              <a:t>General attendance is similar, slightly lowered</a:t>
+            </a:r>
+          </a:p>
+          <a:p>
+            <a:r>
+              <a:rPr lang="en-US" dirty="0"/>
+              <a:t>Decrease in size of interquartile range, lower median.</a:t>
+            </a:r>
+          </a:p>
+        </p:txBody>
+      </p:sp>
+    </p:spTree>
+    <p:extLst>
+      <p:ext uri="{BB962C8B-B14F-4D97-AF65-F5344CB8AC3E}">
+        <p14:creationId xmlns:p14="http://schemas.microsoft.com/office/powerpoint/2010/main" val="838385386"/>
+      </p:ext>
+    </p:extLst>
+  </p:cSld>
+  <p:clrMapOvr>
+    <a:masterClrMapping/>
+  </p:clrMapOvr>
+</p:sld>
+</file>
+
+<file path=ppt/slides/slide25.xml><?xml version="1.0" encoding="utf-8"?>
+<p:sld xmlns:a="http://schemas.openxmlformats.org/drawingml/2006/main" xmlns:r="http://schemas.openxmlformats.org/officeDocument/2006/relationships" xmlns:p="http://schemas.openxmlformats.org/presentationml/2006/main">
+  <p:cSld>
+    <p:spTree>
+      <p:nvGrpSpPr>
+        <p:cNvPr id="1" name=""/>
+        <p:cNvGrpSpPr/>
+        <p:nvPr/>
+      </p:nvGrpSpPr>
+      <p:grpSpPr>
+        <a:xfrm>
+          <a:off x="0" y="0"/>
+          <a:ext cx="0" cy="0"/>
+          <a:chOff x="0" y="0"/>
+          <a:chExt cx="0" cy="0"/>
+        </a:xfrm>
+      </p:grpSpPr>
+      <p:sp>
+        <p:nvSpPr>
+          <p:cNvPr id="2" name="Title 1">
+            <a:extLst>
+              <a:ext uri="{FF2B5EF4-FFF2-40B4-BE49-F238E27FC236}">
+                <a16:creationId xmlns:a16="http://schemas.microsoft.com/office/drawing/2014/main" id="{921633EB-7DCB-4DDC-80AF-C885A3EE1245}"/>
+              </a:ext>
+            </a:extLst>
+          </p:cNvPr>
+          <p:cNvSpPr>
+            <a:spLocks noGrp="1"/>
+          </p:cNvSpPr>
+          <p:nvPr>
+            <p:ph type="title"/>
+          </p:nvPr>
+        </p:nvSpPr>
+        <p:spPr/>
+        <p:txBody>
+          <a:bodyPr/>
+          <a:lstStyle/>
+          <a:p>
+            <a:r>
+              <a:rPr lang="en-US" dirty="0"/>
+              <a:t>LINEAR REGRESSION MODEL – Expected ATTENDANCE</a:t>
+            </a:r>
+          </a:p>
+        </p:txBody>
+      </p:sp>
+      <p:pic>
+        <p:nvPicPr>
+          <p:cNvPr id="20" name="Content Placeholder 19">
+            <a:extLst>
+              <a:ext uri="{FF2B5EF4-FFF2-40B4-BE49-F238E27FC236}">
+                <a16:creationId xmlns:a16="http://schemas.microsoft.com/office/drawing/2014/main" id="{996B68EB-BA2A-A868-4AE5-26A32E6156DF}"/>
+              </a:ext>
+            </a:extLst>
+          </p:cNvPr>
+          <p:cNvPicPr>
+            <a:picLocks noGrp="1" noChangeAspect="1"/>
+          </p:cNvPicPr>
+          <p:nvPr>
+            <p:ph sz="half" idx="2"/>
+          </p:nvPr>
+        </p:nvPicPr>
+        <p:blipFill>
+          <a:blip r:embed="rId2"/>
+          <a:srcRect/>
+          <a:stretch/>
+        </p:blipFill>
+        <p:spPr>
+          <a:xfrm>
+            <a:off x="4279106" y="2227262"/>
+            <a:ext cx="3633787" cy="3633787"/>
+          </a:xfrm>
+        </p:spPr>
+      </p:pic>
+      <p:pic>
+        <p:nvPicPr>
+          <p:cNvPr id="22" name="Picture 21">
+            <a:extLst>
+              <a:ext uri="{FF2B5EF4-FFF2-40B4-BE49-F238E27FC236}">
+                <a16:creationId xmlns:a16="http://schemas.microsoft.com/office/drawing/2014/main" id="{A2645ED6-F5DD-B44C-6AF8-A1ECB0E6B71D}"/>
+              </a:ext>
+            </a:extLst>
+          </p:cNvPr>
+          <p:cNvPicPr>
+            <a:picLocks noChangeAspect="1"/>
+          </p:cNvPicPr>
+          <p:nvPr/>
+        </p:nvPicPr>
+        <p:blipFill>
+          <a:blip r:embed="rId3"/>
+          <a:srcRect/>
+          <a:stretch/>
+        </p:blipFill>
+        <p:spPr>
+          <a:xfrm>
+            <a:off x="7977020" y="2227261"/>
+            <a:ext cx="3633787" cy="3633787"/>
+          </a:xfrm>
+          <a:prstGeom prst="rect">
+            <a:avLst/>
+          </a:prstGeom>
+        </p:spPr>
+      </p:pic>
+      <p:sp>
+        <p:nvSpPr>
+          <p:cNvPr id="4" name="Content Placeholder 3">
+            <a:extLst>
+              <a:ext uri="{FF2B5EF4-FFF2-40B4-BE49-F238E27FC236}">
+                <a16:creationId xmlns:a16="http://schemas.microsoft.com/office/drawing/2014/main" id="{89066F11-6868-47D7-FDD2-F251B0B320C8}"/>
+              </a:ext>
+            </a:extLst>
+          </p:cNvPr>
+          <p:cNvSpPr>
+            <a:spLocks noGrp="1"/>
+          </p:cNvSpPr>
+          <p:nvPr>
+            <p:ph sz="half" idx="1"/>
+          </p:nvPr>
+        </p:nvSpPr>
+        <p:spPr>
+          <a:xfrm>
+            <a:off x="581193" y="2228003"/>
+            <a:ext cx="3633787" cy="3633047"/>
+          </a:xfrm>
+        </p:spPr>
+        <p:txBody>
+          <a:bodyPr>
+            <a:normAutofit/>
+          </a:bodyPr>
+          <a:lstStyle/>
+          <a:p>
+            <a:r>
+              <a:rPr lang="en-US" dirty="0"/>
+              <a:t>Attendance Percentage for last two years.</a:t>
+            </a:r>
+          </a:p>
+          <a:p>
+            <a:r>
+              <a:rPr lang="en-US" dirty="0"/>
+              <a:t>General attendance is similar, slightly lowered</a:t>
+            </a:r>
+          </a:p>
+          <a:p>
+            <a:r>
+              <a:rPr lang="en-US" dirty="0"/>
+              <a:t>Decrease in size of interquartile range, lower median.</a:t>
+            </a:r>
+          </a:p>
+        </p:txBody>
+      </p:sp>
+    </p:spTree>
+    <p:extLst>
+      <p:ext uri="{BB962C8B-B14F-4D97-AF65-F5344CB8AC3E}">
+        <p14:creationId xmlns:p14="http://schemas.microsoft.com/office/powerpoint/2010/main" val="1951675439"/>
+      </p:ext>
+    </p:extLst>
+  </p:cSld>
+  <p:clrMapOvr>
+    <a:masterClrMapping/>
+  </p:clrMapOvr>
+</p:sld>
+</file>
+
+<file path=ppt/slides/slide26.xml><?xml version="1.0" encoding="utf-8"?>
+<p:sld xmlns:a="http://schemas.openxmlformats.org/drawingml/2006/main" xmlns:r="http://schemas.openxmlformats.org/officeDocument/2006/relationships" xmlns:p="http://schemas.openxmlformats.org/presentationml/2006/main">
+  <p:cSld>
+    <p:spTree>
+      <p:nvGrpSpPr>
+        <p:cNvPr id="1" name=""/>
+        <p:cNvGrpSpPr/>
+        <p:nvPr/>
+      </p:nvGrpSpPr>
+      <p:grpSpPr>
+        <a:xfrm>
+          <a:off x="0" y="0"/>
+          <a:ext cx="0" cy="0"/>
+          <a:chOff x="0" y="0"/>
+          <a:chExt cx="0" cy="0"/>
+        </a:xfrm>
+      </p:grpSpPr>
+      <p:sp>
+        <p:nvSpPr>
+          <p:cNvPr id="2" name="Title 1">
+            <a:extLst>
+              <a:ext uri="{FF2B5EF4-FFF2-40B4-BE49-F238E27FC236}">
+                <a16:creationId xmlns:a16="http://schemas.microsoft.com/office/drawing/2014/main" id="{921633EB-7DCB-4DDC-80AF-C885A3EE1245}"/>
+              </a:ext>
+            </a:extLst>
+          </p:cNvPr>
+          <p:cNvSpPr>
+            <a:spLocks noGrp="1"/>
+          </p:cNvSpPr>
+          <p:nvPr>
+            <p:ph type="title"/>
+          </p:nvPr>
+        </p:nvSpPr>
+        <p:spPr/>
+        <p:txBody>
+          <a:bodyPr/>
+          <a:lstStyle/>
+          <a:p>
+            <a:r>
+              <a:rPr lang="en-US" dirty="0"/>
+              <a:t>LINEAR REGRESSION MODEL – LECTURE ATTENDANCE</a:t>
+            </a:r>
+          </a:p>
+        </p:txBody>
+      </p:sp>
+      <p:pic>
+        <p:nvPicPr>
+          <p:cNvPr id="20" name="Content Placeholder 19">
+            <a:extLst>
+              <a:ext uri="{FF2B5EF4-FFF2-40B4-BE49-F238E27FC236}">
+                <a16:creationId xmlns:a16="http://schemas.microsoft.com/office/drawing/2014/main" id="{996B68EB-BA2A-A868-4AE5-26A32E6156DF}"/>
+              </a:ext>
+            </a:extLst>
+          </p:cNvPr>
+          <p:cNvPicPr>
+            <a:picLocks noGrp="1" noChangeAspect="1"/>
+          </p:cNvPicPr>
+          <p:nvPr>
+            <p:ph sz="half" idx="2"/>
+          </p:nvPr>
+        </p:nvPicPr>
+        <p:blipFill>
+          <a:blip r:embed="rId2"/>
+          <a:srcRect/>
+          <a:stretch/>
+        </p:blipFill>
+        <p:spPr>
+          <a:xfrm>
+            <a:off x="4279106" y="2227262"/>
+            <a:ext cx="3633787" cy="3633787"/>
+          </a:xfrm>
+        </p:spPr>
+      </p:pic>
+      <p:pic>
+        <p:nvPicPr>
+          <p:cNvPr id="22" name="Picture 21">
+            <a:extLst>
+              <a:ext uri="{FF2B5EF4-FFF2-40B4-BE49-F238E27FC236}">
+                <a16:creationId xmlns:a16="http://schemas.microsoft.com/office/drawing/2014/main" id="{A2645ED6-F5DD-B44C-6AF8-A1ECB0E6B71D}"/>
+              </a:ext>
+            </a:extLst>
+          </p:cNvPr>
+          <p:cNvPicPr>
+            <a:picLocks noChangeAspect="1"/>
+          </p:cNvPicPr>
+          <p:nvPr/>
+        </p:nvPicPr>
+        <p:blipFill>
+          <a:blip r:embed="rId3"/>
+          <a:srcRect/>
+          <a:stretch/>
+        </p:blipFill>
+        <p:spPr>
+          <a:xfrm>
+            <a:off x="7977020" y="2227261"/>
+            <a:ext cx="3633787" cy="3633787"/>
+          </a:xfrm>
+          <a:prstGeom prst="rect">
+            <a:avLst/>
+          </a:prstGeom>
+        </p:spPr>
+      </p:pic>
+      <p:sp>
+        <p:nvSpPr>
+          <p:cNvPr id="4" name="Content Placeholder 3">
+            <a:extLst>
+              <a:ext uri="{FF2B5EF4-FFF2-40B4-BE49-F238E27FC236}">
+                <a16:creationId xmlns:a16="http://schemas.microsoft.com/office/drawing/2014/main" id="{89066F11-6868-47D7-FDD2-F251B0B320C8}"/>
+              </a:ext>
+            </a:extLst>
+          </p:cNvPr>
+          <p:cNvSpPr>
+            <a:spLocks noGrp="1"/>
+          </p:cNvSpPr>
+          <p:nvPr>
+            <p:ph sz="half" idx="1"/>
+          </p:nvPr>
+        </p:nvSpPr>
+        <p:spPr>
+          <a:xfrm>
+            <a:off x="581193" y="2228003"/>
+            <a:ext cx="3633787" cy="3633047"/>
+          </a:xfrm>
+        </p:spPr>
+        <p:txBody>
+          <a:bodyPr>
+            <a:normAutofit/>
+          </a:bodyPr>
+          <a:lstStyle/>
+          <a:p>
+            <a:r>
+              <a:rPr lang="en-US" dirty="0"/>
+              <a:t>Attendance Percentage for last two years.</a:t>
+            </a:r>
+          </a:p>
+          <a:p>
+            <a:r>
+              <a:rPr lang="en-US" dirty="0"/>
+              <a:t>General attendance is similar, slightly lowered</a:t>
+            </a:r>
+          </a:p>
+          <a:p>
+            <a:r>
+              <a:rPr lang="en-US" dirty="0"/>
+              <a:t>Decrease in size of interquartile range, lower median.</a:t>
+            </a:r>
+          </a:p>
+        </p:txBody>
+      </p:sp>
+    </p:spTree>
+    <p:extLst>
+      <p:ext uri="{BB962C8B-B14F-4D97-AF65-F5344CB8AC3E}">
+        <p14:creationId xmlns:p14="http://schemas.microsoft.com/office/powerpoint/2010/main" val="2121259094"/>
+      </p:ext>
+    </p:extLst>
+  </p:cSld>
+  <p:clrMapOvr>
+    <a:masterClrMapping/>
+  </p:clrMapOvr>
+</p:sld>
+</file>
+
+<file path=ppt/slides/slide27.xml><?xml version="1.0" encoding="utf-8"?>
+<p:sld xmlns:a="http://schemas.openxmlformats.org/drawingml/2006/main" xmlns:r="http://schemas.openxmlformats.org/officeDocument/2006/relationships" xmlns:p="http://schemas.openxmlformats.org/presentationml/2006/main">
+  <p:cSld>
+    <p:spTree>
+      <p:nvGrpSpPr>
+        <p:cNvPr id="1" name=""/>
+        <p:cNvGrpSpPr/>
+        <p:nvPr/>
+      </p:nvGrpSpPr>
+      <p:grpSpPr>
+        <a:xfrm>
+          <a:off x="0" y="0"/>
+          <a:ext cx="0" cy="0"/>
+          <a:chOff x="0" y="0"/>
+          <a:chExt cx="0" cy="0"/>
+        </a:xfrm>
+      </p:grpSpPr>
+      <p:sp>
+        <p:nvSpPr>
+          <p:cNvPr id="2" name="Title 1">
+            <a:extLst>
+              <a:ext uri="{FF2B5EF4-FFF2-40B4-BE49-F238E27FC236}">
+                <a16:creationId xmlns:a16="http://schemas.microsoft.com/office/drawing/2014/main" id="{921633EB-7DCB-4DDC-80AF-C885A3EE1245}"/>
+              </a:ext>
+            </a:extLst>
+          </p:cNvPr>
+          <p:cNvSpPr>
+            <a:spLocks noGrp="1"/>
+          </p:cNvSpPr>
+          <p:nvPr>
+            <p:ph type="title"/>
+          </p:nvPr>
+        </p:nvSpPr>
+        <p:spPr/>
+        <p:txBody>
+          <a:bodyPr/>
+          <a:lstStyle/>
+          <a:p>
+            <a:r>
+              <a:rPr lang="en-US" dirty="0"/>
+              <a:t>LINEAR REGRESSION MODEL – PRACTICAL ATTENDANCE</a:t>
+            </a:r>
+          </a:p>
+        </p:txBody>
+      </p:sp>
+      <p:pic>
+        <p:nvPicPr>
+          <p:cNvPr id="20" name="Content Placeholder 19">
+            <a:extLst>
+              <a:ext uri="{FF2B5EF4-FFF2-40B4-BE49-F238E27FC236}">
+                <a16:creationId xmlns:a16="http://schemas.microsoft.com/office/drawing/2014/main" id="{996B68EB-BA2A-A868-4AE5-26A32E6156DF}"/>
+              </a:ext>
+            </a:extLst>
+          </p:cNvPr>
+          <p:cNvPicPr>
+            <a:picLocks noGrp="1" noChangeAspect="1"/>
+          </p:cNvPicPr>
+          <p:nvPr>
+            <p:ph sz="half" idx="2"/>
+          </p:nvPr>
+        </p:nvPicPr>
+        <p:blipFill>
+          <a:blip r:embed="rId2"/>
+          <a:srcRect/>
+          <a:stretch/>
+        </p:blipFill>
+        <p:spPr>
+          <a:xfrm>
+            <a:off x="4279106" y="2227262"/>
+            <a:ext cx="3633787" cy="3633787"/>
+          </a:xfrm>
+        </p:spPr>
+      </p:pic>
+      <p:pic>
+        <p:nvPicPr>
+          <p:cNvPr id="22" name="Picture 21">
+            <a:extLst>
+              <a:ext uri="{FF2B5EF4-FFF2-40B4-BE49-F238E27FC236}">
+                <a16:creationId xmlns:a16="http://schemas.microsoft.com/office/drawing/2014/main" id="{A2645ED6-F5DD-B44C-6AF8-A1ECB0E6B71D}"/>
+              </a:ext>
+            </a:extLst>
+          </p:cNvPr>
+          <p:cNvPicPr>
+            <a:picLocks noChangeAspect="1"/>
+          </p:cNvPicPr>
+          <p:nvPr/>
+        </p:nvPicPr>
+        <p:blipFill>
+          <a:blip r:embed="rId3"/>
+          <a:srcRect/>
+          <a:stretch/>
+        </p:blipFill>
+        <p:spPr>
+          <a:xfrm>
+            <a:off x="7977020" y="2227261"/>
+            <a:ext cx="3633787" cy="3633787"/>
+          </a:xfrm>
+          <a:prstGeom prst="rect">
+            <a:avLst/>
+          </a:prstGeom>
+        </p:spPr>
+      </p:pic>
+      <p:sp>
+        <p:nvSpPr>
+          <p:cNvPr id="4" name="Content Placeholder 3">
+            <a:extLst>
+              <a:ext uri="{FF2B5EF4-FFF2-40B4-BE49-F238E27FC236}">
+                <a16:creationId xmlns:a16="http://schemas.microsoft.com/office/drawing/2014/main" id="{89066F11-6868-47D7-FDD2-F251B0B320C8}"/>
+              </a:ext>
+            </a:extLst>
+          </p:cNvPr>
+          <p:cNvSpPr>
+            <a:spLocks noGrp="1"/>
+          </p:cNvSpPr>
+          <p:nvPr>
+            <p:ph sz="half" idx="1"/>
+          </p:nvPr>
+        </p:nvSpPr>
+        <p:spPr>
+          <a:xfrm>
+            <a:off x="581193" y="2228003"/>
+            <a:ext cx="3633787" cy="3633047"/>
+          </a:xfrm>
+        </p:spPr>
+        <p:txBody>
+          <a:bodyPr>
+            <a:normAutofit/>
+          </a:bodyPr>
+          <a:lstStyle/>
+          <a:p>
+            <a:r>
+              <a:rPr lang="en-US" dirty="0"/>
+              <a:t>Attendance Percentage for last two years.</a:t>
+            </a:r>
+          </a:p>
+          <a:p>
+            <a:r>
+              <a:rPr lang="en-US" dirty="0"/>
+              <a:t>General attendance is similar, slightly lowered</a:t>
+            </a:r>
+          </a:p>
+          <a:p>
+            <a:r>
+              <a:rPr lang="en-US" dirty="0"/>
+              <a:t>Decrease in size of interquartile range, lower median.</a:t>
+            </a:r>
+          </a:p>
+        </p:txBody>
+      </p:sp>
+    </p:spTree>
+    <p:extLst>
+      <p:ext uri="{BB962C8B-B14F-4D97-AF65-F5344CB8AC3E}">
+        <p14:creationId xmlns:p14="http://schemas.microsoft.com/office/powerpoint/2010/main" val="2913232876"/>
+      </p:ext>
+    </p:extLst>
+  </p:cSld>
+  <p:clrMapOvr>
+    <a:masterClrMapping/>
+  </p:clrMapOvr>
+</p:sld>
+</file>
+
+<file path=ppt/slides/slide28.xml><?xml version="1.0" encoding="utf-8"?>
+<p:sld xmlns:a="http://schemas.openxmlformats.org/drawingml/2006/main" xmlns:r="http://schemas.openxmlformats.org/officeDocument/2006/relationships" xmlns:p="http://schemas.openxmlformats.org/presentationml/2006/main">
+  <p:cSld>
+    <p:spTree>
+      <p:nvGrpSpPr>
+        <p:cNvPr id="1" name=""/>
+        <p:cNvGrpSpPr/>
+        <p:nvPr/>
+      </p:nvGrpSpPr>
+      <p:grpSpPr>
+        <a:xfrm>
+          <a:off x="0" y="0"/>
+          <a:ext cx="0" cy="0"/>
+          <a:chOff x="0" y="0"/>
+          <a:chExt cx="0" cy="0"/>
+        </a:xfrm>
+      </p:grpSpPr>
+      <p:sp>
+        <p:nvSpPr>
+          <p:cNvPr id="2" name="Title 1">
+            <a:extLst>
+              <a:ext uri="{FF2B5EF4-FFF2-40B4-BE49-F238E27FC236}">
+                <a16:creationId xmlns:a16="http://schemas.microsoft.com/office/drawing/2014/main" id="{C7B88BF5-C73D-C2F9-DD20-DE6522FEBB0C}"/>
+              </a:ext>
+            </a:extLst>
+          </p:cNvPr>
+          <p:cNvSpPr>
+            <a:spLocks noGrp="1"/>
+          </p:cNvSpPr>
+          <p:nvPr>
+            <p:ph type="ctrTitle"/>
+          </p:nvPr>
+        </p:nvSpPr>
+        <p:spPr/>
+        <p:txBody>
+          <a:bodyPr/>
+          <a:lstStyle/>
+          <a:p>
+            <a:r>
+              <a:rPr lang="en-US" dirty="0"/>
+              <a:t>PREDICTIONS</a:t>
+            </a:r>
+            <a:endParaRPr lang="en-GB" dirty="0"/>
+          </a:p>
+        </p:txBody>
+      </p:sp>
+      <p:sp>
+        <p:nvSpPr>
+          <p:cNvPr id="3" name="Subtitle 2">
+            <a:extLst>
+              <a:ext uri="{FF2B5EF4-FFF2-40B4-BE49-F238E27FC236}">
+                <a16:creationId xmlns:a16="http://schemas.microsoft.com/office/drawing/2014/main" id="{7DC5E721-C1B6-45C1-7ACB-BA368382A9E9}"/>
+              </a:ext>
+            </a:extLst>
+          </p:cNvPr>
+          <p:cNvSpPr>
+            <a:spLocks noGrp="1"/>
+          </p:cNvSpPr>
+          <p:nvPr>
+            <p:ph type="subTitle" idx="1"/>
+          </p:nvPr>
+        </p:nvSpPr>
+        <p:spPr>
+          <a:xfrm>
+            <a:off x="581191" y="3275621"/>
+            <a:ext cx="10993546" cy="2873509"/>
+          </a:xfrm>
+        </p:spPr>
+        <p:txBody>
+          <a:bodyPr>
+            <a:normAutofit/>
+          </a:bodyPr>
+          <a:lstStyle/>
+          <a:p>
+            <a:r>
+              <a:rPr lang="en-US" dirty="0">
+                <a:solidFill>
+                  <a:schemeClr val="bg1"/>
+                </a:solidFill>
+              </a:rPr>
+              <a:t>Grade ~ Attendance</a:t>
+            </a:r>
+          </a:p>
+          <a:p>
+            <a:endParaRPr lang="en-US" dirty="0">
+              <a:solidFill>
+                <a:schemeClr val="bg1"/>
+              </a:solidFill>
+            </a:endParaRPr>
+          </a:p>
+          <a:p>
+            <a:r>
+              <a:rPr lang="en-US" dirty="0">
+                <a:solidFill>
+                  <a:schemeClr val="bg1"/>
+                </a:solidFill>
+              </a:rPr>
+              <a:t>Grade ~ Expected Attendance</a:t>
+            </a:r>
+          </a:p>
+          <a:p>
+            <a:endParaRPr lang="en-US" dirty="0">
+              <a:solidFill>
+                <a:schemeClr val="bg1"/>
+              </a:solidFill>
+            </a:endParaRPr>
+          </a:p>
+          <a:p>
+            <a:r>
+              <a:rPr lang="en-US" dirty="0">
+                <a:solidFill>
+                  <a:schemeClr val="bg1"/>
+                </a:solidFill>
+              </a:rPr>
+              <a:t>Grade ~ Practical Attendance</a:t>
+            </a:r>
+          </a:p>
+          <a:p>
+            <a:endParaRPr lang="en-US" dirty="0">
+              <a:solidFill>
+                <a:schemeClr val="bg1"/>
+              </a:solidFill>
+            </a:endParaRPr>
+          </a:p>
+          <a:p>
+            <a:r>
+              <a:rPr lang="en-US" dirty="0">
+                <a:solidFill>
+                  <a:schemeClr val="bg1"/>
+                </a:solidFill>
+              </a:rPr>
+              <a:t>Grade ~ Lecture Attendance</a:t>
+            </a:r>
+          </a:p>
+        </p:txBody>
+      </p:sp>
+    </p:spTree>
+    <p:extLst>
+      <p:ext uri="{BB962C8B-B14F-4D97-AF65-F5344CB8AC3E}">
+        <p14:creationId xmlns:p14="http://schemas.microsoft.com/office/powerpoint/2010/main" val="1683191166"/>
+      </p:ext>
+    </p:extLst>
+  </p:cSld>
+  <p:clrMapOvr>
+    <a:masterClrMapping/>
+  </p:clrMapOvr>
+</p:sld>
+</file>
+
+<file path=ppt/slides/slide29.xml><?xml version="1.0" encoding="utf-8"?>
+<p:sld xmlns:a="http://schemas.openxmlformats.org/drawingml/2006/main" xmlns:r="http://schemas.openxmlformats.org/officeDocument/2006/relationships" xmlns:p="http://schemas.openxmlformats.org/presentationml/2006/main">
+  <p:cSld>
+    <p:spTree>
+      <p:nvGrpSpPr>
+        <p:cNvPr id="1" name=""/>
+        <p:cNvGrpSpPr/>
+        <p:nvPr/>
+      </p:nvGrpSpPr>
+      <p:grpSpPr>
+        <a:xfrm>
+          <a:off x="0" y="0"/>
+          <a:ext cx="0" cy="0"/>
+          <a:chOff x="0" y="0"/>
+          <a:chExt cx="0" cy="0"/>
+        </a:xfrm>
+      </p:grpSpPr>
+      <p:sp>
+        <p:nvSpPr>
+          <p:cNvPr id="2" name="Title 1">
+            <a:extLst>
+              <a:ext uri="{FF2B5EF4-FFF2-40B4-BE49-F238E27FC236}">
+                <a16:creationId xmlns:a16="http://schemas.microsoft.com/office/drawing/2014/main" id="{C7B88BF5-C73D-C2F9-DD20-DE6522FEBB0C}"/>
+              </a:ext>
+            </a:extLst>
+          </p:cNvPr>
+          <p:cNvSpPr>
+            <a:spLocks noGrp="1"/>
+          </p:cNvSpPr>
+          <p:nvPr>
+            <p:ph type="ctrTitle"/>
+          </p:nvPr>
+        </p:nvSpPr>
+        <p:spPr/>
+        <p:txBody>
+          <a:bodyPr/>
+          <a:lstStyle/>
+          <a:p>
+            <a:r>
+              <a:rPr lang="en-US" dirty="0"/>
+              <a:t>CONCLUSION</a:t>
+            </a:r>
+            <a:endParaRPr lang="en-GB" dirty="0"/>
+          </a:p>
+        </p:txBody>
+      </p:sp>
+      <p:sp>
+        <p:nvSpPr>
+          <p:cNvPr id="3" name="Subtitle 2">
+            <a:extLst>
+              <a:ext uri="{FF2B5EF4-FFF2-40B4-BE49-F238E27FC236}">
+                <a16:creationId xmlns:a16="http://schemas.microsoft.com/office/drawing/2014/main" id="{7DC5E721-C1B6-45C1-7ACB-BA368382A9E9}"/>
+              </a:ext>
+            </a:extLst>
+          </p:cNvPr>
+          <p:cNvSpPr>
+            <a:spLocks noGrp="1"/>
+          </p:cNvSpPr>
+          <p:nvPr>
+            <p:ph type="subTitle" idx="1"/>
+          </p:nvPr>
+        </p:nvSpPr>
+        <p:spPr>
+          <a:xfrm>
+            <a:off x="581191" y="3275621"/>
+            <a:ext cx="10993546" cy="2873509"/>
+          </a:xfrm>
+        </p:spPr>
+        <p:txBody>
+          <a:bodyPr>
+            <a:normAutofit/>
+          </a:bodyPr>
+          <a:lstStyle/>
+          <a:p>
+            <a:r>
+              <a:rPr lang="en-US" dirty="0">
+                <a:solidFill>
+                  <a:schemeClr val="bg1"/>
+                </a:solidFill>
+              </a:rPr>
+              <a:t>SUMMARY</a:t>
+            </a:r>
+          </a:p>
+          <a:p>
+            <a:endParaRPr lang="en-US" dirty="0">
+              <a:solidFill>
+                <a:schemeClr val="bg1"/>
+              </a:solidFill>
+            </a:endParaRPr>
+          </a:p>
+          <a:p>
+            <a:r>
+              <a:rPr lang="en-US" dirty="0">
+                <a:solidFill>
+                  <a:schemeClr val="bg1"/>
+                </a:solidFill>
+              </a:rPr>
+              <a:t>HYPOTHESIS ANSWER</a:t>
+            </a:r>
+          </a:p>
+          <a:p>
+            <a:endParaRPr lang="en-US" dirty="0">
+              <a:solidFill>
+                <a:schemeClr val="bg1"/>
+              </a:solidFill>
+            </a:endParaRPr>
+          </a:p>
+          <a:p>
+            <a:r>
+              <a:rPr lang="en-US" dirty="0">
+                <a:solidFill>
+                  <a:schemeClr val="bg1"/>
+                </a:solidFill>
+              </a:rPr>
+              <a:t>FURTHER DEVELOPMENT</a:t>
+            </a:r>
+          </a:p>
+        </p:txBody>
+      </p:sp>
+    </p:spTree>
+    <p:extLst>
+      <p:ext uri="{BB962C8B-B14F-4D97-AF65-F5344CB8AC3E}">
+        <p14:creationId xmlns:p14="http://schemas.microsoft.com/office/powerpoint/2010/main" val="1590490258"/>
+      </p:ext>
+    </p:extLst>
+  </p:cSld>
+  <p:clrMapOvr>
+    <a:masterClrMapping/>
+  </p:clrMapOvr>
+</p:sld>
+</file>
+
+<file path=ppt/slides/slide3.xml><?xml version="1.0" encoding="utf-8"?>
+<p:sld xmlns:a="http://schemas.openxmlformats.org/drawingml/2006/main" xmlns:r="http://schemas.openxmlformats.org/officeDocument/2006/relationships" xmlns:p="http://schemas.openxmlformats.org/presentationml/2006/main">
+  <p:cSld>
+    <p:spTree>
+      <p:nvGrpSpPr>
+        <p:cNvPr id="1" name=""/>
+        <p:cNvGrpSpPr/>
+        <p:nvPr/>
+      </p:nvGrpSpPr>
+      <p:grpSpPr>
+        <a:xfrm>
+          <a:off x="0" y="0"/>
+          <a:ext cx="0" cy="0"/>
+          <a:chOff x="0" y="0"/>
+          <a:chExt cx="0" cy="0"/>
+        </a:xfrm>
+      </p:grpSpPr>
+      <p:sp>
+        <p:nvSpPr>
+          <p:cNvPr id="2" name="Title 1">
+            <a:extLst>
+              <a:ext uri="{FF2B5EF4-FFF2-40B4-BE49-F238E27FC236}">
+                <a16:creationId xmlns:a16="http://schemas.microsoft.com/office/drawing/2014/main" id="{C7E0A70A-A506-742E-79FF-CCC404CE65C7}"/>
+              </a:ext>
+            </a:extLst>
+          </p:cNvPr>
+          <p:cNvSpPr>
+            <a:spLocks noGrp="1"/>
+          </p:cNvSpPr>
+          <p:nvPr>
+            <p:ph type="title"/>
+          </p:nvPr>
+        </p:nvSpPr>
+        <p:spPr/>
+        <p:txBody>
+          <a:bodyPr/>
+          <a:lstStyle/>
+          <a:p>
+            <a:r>
+              <a:rPr lang="en-US" dirty="0"/>
+              <a:t>External Research</a:t>
+            </a:r>
+            <a:endParaRPr lang="en-GB" dirty="0"/>
+          </a:p>
+        </p:txBody>
+      </p:sp>
+      <p:sp>
+        <p:nvSpPr>
+          <p:cNvPr id="3" name="Content Placeholder 2">
+            <a:extLst>
+              <a:ext uri="{FF2B5EF4-FFF2-40B4-BE49-F238E27FC236}">
+                <a16:creationId xmlns:a16="http://schemas.microsoft.com/office/drawing/2014/main" id="{DAE9E2D5-3E7C-12B5-F2B4-4D153305E279}"/>
+              </a:ext>
+            </a:extLst>
+          </p:cNvPr>
+          <p:cNvSpPr>
+            <a:spLocks noGrp="1"/>
+          </p:cNvSpPr>
+          <p:nvPr>
+            <p:ph idx="1"/>
+          </p:nvPr>
+        </p:nvSpPr>
+        <p:spPr/>
+        <p:txBody>
+          <a:bodyPr>
+            <a:normAutofit fontScale="62500" lnSpcReduction="20000"/>
+          </a:bodyPr>
+          <a:lstStyle/>
+          <a:p>
+            <a:r>
+              <a:rPr lang="en-US" dirty="0"/>
+              <a:t>Attendance vs Grades</a:t>
+            </a:r>
+          </a:p>
+          <a:p>
+            <a:pPr marL="0" indent="0">
+              <a:buNone/>
+            </a:pPr>
+            <a:endParaRPr lang="en-US" dirty="0"/>
+          </a:p>
+          <a:p>
+            <a:pPr marL="0" indent="0">
+              <a:buNone/>
+            </a:pPr>
+            <a:r>
+              <a:rPr lang="en-GB" dirty="0">
+                <a:hlinkClick r:id="rId2"/>
+              </a:rPr>
+              <a:t>Class Attendance in College (sagepub.com)</a:t>
+            </a:r>
+            <a:r>
+              <a:rPr lang="en-GB" dirty="0"/>
+              <a:t> </a:t>
+            </a:r>
+          </a:p>
+          <a:p>
+            <a:pPr marL="0" indent="0">
+              <a:buNone/>
+            </a:pPr>
+            <a:r>
+              <a:rPr lang="en-GB" b="0" i="0" dirty="0" err="1">
+                <a:solidFill>
+                  <a:srgbClr val="222222"/>
+                </a:solidFill>
+                <a:effectLst/>
+                <a:latin typeface="Arial" panose="020B0604020202020204" pitchFamily="34" charset="0"/>
+              </a:rPr>
+              <a:t>Credé</a:t>
+            </a:r>
+            <a:r>
+              <a:rPr lang="en-GB" b="0" i="0" dirty="0">
+                <a:solidFill>
+                  <a:srgbClr val="222222"/>
+                </a:solidFill>
+                <a:effectLst/>
+                <a:latin typeface="Arial" panose="020B0604020202020204" pitchFamily="34" charset="0"/>
+              </a:rPr>
+              <a:t>, M., </a:t>
+            </a:r>
+            <a:r>
+              <a:rPr lang="en-GB" b="0" i="0" dirty="0" err="1">
+                <a:solidFill>
+                  <a:srgbClr val="222222"/>
+                </a:solidFill>
+                <a:effectLst/>
+                <a:latin typeface="Arial" panose="020B0604020202020204" pitchFamily="34" charset="0"/>
+              </a:rPr>
+              <a:t>Roch</a:t>
+            </a:r>
+            <a:r>
+              <a:rPr lang="en-GB" b="0" i="0" dirty="0">
+                <a:solidFill>
+                  <a:srgbClr val="222222"/>
+                </a:solidFill>
+                <a:effectLst/>
+                <a:latin typeface="Arial" panose="020B0604020202020204" pitchFamily="34" charset="0"/>
+              </a:rPr>
+              <a:t>, S.G. and </a:t>
+            </a:r>
+            <a:r>
+              <a:rPr lang="en-GB" b="0" i="0" dirty="0" err="1">
+                <a:solidFill>
+                  <a:srgbClr val="222222"/>
+                </a:solidFill>
+                <a:effectLst/>
+                <a:latin typeface="Arial" panose="020B0604020202020204" pitchFamily="34" charset="0"/>
+              </a:rPr>
+              <a:t>Kieszczynka</a:t>
+            </a:r>
+            <a:r>
+              <a:rPr lang="en-GB" b="0" i="0" dirty="0">
+                <a:solidFill>
+                  <a:srgbClr val="222222"/>
+                </a:solidFill>
+                <a:effectLst/>
+                <a:latin typeface="Arial" panose="020B0604020202020204" pitchFamily="34" charset="0"/>
+              </a:rPr>
+              <a:t>, U.M., 2010. Class attendance in college: A meta-analytic review of the relationship of class attendance with grades and student characteristics. </a:t>
+            </a:r>
+            <a:r>
+              <a:rPr lang="en-GB" b="0" i="1" dirty="0">
+                <a:solidFill>
+                  <a:srgbClr val="222222"/>
+                </a:solidFill>
+                <a:effectLst/>
+                <a:latin typeface="Arial" panose="020B0604020202020204" pitchFamily="34" charset="0"/>
+              </a:rPr>
+              <a:t>Review of Educational Research</a:t>
+            </a:r>
+            <a:r>
+              <a:rPr lang="en-GB" b="0" i="0" dirty="0">
+                <a:solidFill>
+                  <a:srgbClr val="222222"/>
+                </a:solidFill>
+                <a:effectLst/>
+                <a:latin typeface="Arial" panose="020B0604020202020204" pitchFamily="34" charset="0"/>
+              </a:rPr>
+              <a:t>, </a:t>
+            </a:r>
+            <a:r>
+              <a:rPr lang="en-GB" b="0" i="1" dirty="0">
+                <a:solidFill>
+                  <a:srgbClr val="222222"/>
+                </a:solidFill>
+                <a:effectLst/>
+                <a:latin typeface="Arial" panose="020B0604020202020204" pitchFamily="34" charset="0"/>
+              </a:rPr>
+              <a:t>80</a:t>
+            </a:r>
+            <a:r>
+              <a:rPr lang="en-GB" b="0" i="0" dirty="0">
+                <a:solidFill>
+                  <a:srgbClr val="222222"/>
+                </a:solidFill>
+                <a:effectLst/>
+                <a:latin typeface="Arial" panose="020B0604020202020204" pitchFamily="34" charset="0"/>
+              </a:rPr>
+              <a:t>(2), pp.272-295.</a:t>
+            </a:r>
+          </a:p>
+          <a:p>
+            <a:pPr marL="0" indent="0">
+              <a:buNone/>
+            </a:pPr>
+            <a:endParaRPr lang="en-US" dirty="0"/>
+          </a:p>
+          <a:p>
+            <a:pPr marL="0" indent="0">
+              <a:buNone/>
+            </a:pPr>
+            <a:r>
+              <a:rPr lang="en-GB" dirty="0">
+                <a:hlinkClick r:id="rId3"/>
+              </a:rPr>
+              <a:t>A correlation between attendance and grades in a first-year psychology class. (apa.org)</a:t>
+            </a:r>
+            <a:endParaRPr lang="en-US" dirty="0"/>
+          </a:p>
+          <a:p>
+            <a:pPr marL="0" indent="0">
+              <a:buNone/>
+            </a:pPr>
+            <a:r>
+              <a:rPr lang="en-GB" b="0" i="0" dirty="0">
+                <a:solidFill>
+                  <a:srgbClr val="333333"/>
+                </a:solidFill>
+                <a:effectLst/>
+                <a:latin typeface="Arial" panose="020B0604020202020204" pitchFamily="34" charset="0"/>
+              </a:rPr>
+              <a:t>Gunn, K. P. (1993). A correlation between attendance and grades in a first-year psychology class. </a:t>
+            </a:r>
+            <a:r>
+              <a:rPr lang="en-GB" b="0" i="1" dirty="0">
+                <a:solidFill>
+                  <a:srgbClr val="333333"/>
+                </a:solidFill>
+                <a:effectLst/>
+                <a:latin typeface="Arial" panose="020B0604020202020204" pitchFamily="34" charset="0"/>
+              </a:rPr>
+              <a:t>Canadian Psychology / </a:t>
+            </a:r>
+            <a:r>
+              <a:rPr lang="en-GB" b="0" i="1" dirty="0" err="1">
+                <a:solidFill>
+                  <a:srgbClr val="333333"/>
+                </a:solidFill>
+                <a:effectLst/>
+                <a:latin typeface="Arial" panose="020B0604020202020204" pitchFamily="34" charset="0"/>
+              </a:rPr>
+              <a:t>Psychologie</a:t>
+            </a:r>
+            <a:r>
+              <a:rPr lang="en-GB" b="0" i="1" dirty="0">
+                <a:solidFill>
+                  <a:srgbClr val="333333"/>
+                </a:solidFill>
+                <a:effectLst/>
+                <a:latin typeface="Arial" panose="020B0604020202020204" pitchFamily="34" charset="0"/>
+              </a:rPr>
+              <a:t> </a:t>
+            </a:r>
+            <a:r>
+              <a:rPr lang="en-GB" b="0" i="1" dirty="0" err="1">
+                <a:solidFill>
+                  <a:srgbClr val="333333"/>
+                </a:solidFill>
+                <a:effectLst/>
+                <a:latin typeface="Arial" panose="020B0604020202020204" pitchFamily="34" charset="0"/>
+              </a:rPr>
+              <a:t>canadienne</a:t>
+            </a:r>
+            <a:r>
+              <a:rPr lang="en-GB" b="0" i="1" dirty="0">
+                <a:solidFill>
+                  <a:srgbClr val="333333"/>
+                </a:solidFill>
+                <a:effectLst/>
+                <a:latin typeface="Arial" panose="020B0604020202020204" pitchFamily="34" charset="0"/>
+              </a:rPr>
+              <a:t>, 34</a:t>
+            </a:r>
+            <a:r>
+              <a:rPr lang="en-GB" b="0" i="0" dirty="0">
+                <a:solidFill>
+                  <a:srgbClr val="333333"/>
+                </a:solidFill>
+                <a:effectLst/>
+                <a:latin typeface="Arial" panose="020B0604020202020204" pitchFamily="34" charset="0"/>
+              </a:rPr>
+              <a:t>(2), 201–202. </a:t>
+            </a:r>
+            <a:r>
+              <a:rPr lang="en-GB" b="0" i="0" u="none" strike="noStrike" dirty="0">
+                <a:solidFill>
+                  <a:srgbClr val="2C72B7"/>
+                </a:solidFill>
+                <a:effectLst/>
+                <a:latin typeface="Arial" panose="020B0604020202020204" pitchFamily="34" charset="0"/>
+                <a:hlinkClick r:id="rId4"/>
+              </a:rPr>
+              <a:t>https://doi.org/10.1037/h0078770</a:t>
+            </a:r>
+            <a:endParaRPr lang="en-GB" b="0" i="0" u="none" strike="noStrike" dirty="0">
+              <a:solidFill>
+                <a:srgbClr val="2C72B7"/>
+              </a:solidFill>
+              <a:effectLst/>
+              <a:latin typeface="Arial" panose="020B0604020202020204" pitchFamily="34" charset="0"/>
+            </a:endParaRPr>
+          </a:p>
+          <a:p>
+            <a:pPr marL="0" indent="0">
+              <a:buNone/>
+            </a:pPr>
+            <a:endParaRPr lang="en-US" dirty="0"/>
+          </a:p>
+          <a:p>
+            <a:pPr marL="0" indent="0">
+              <a:buNone/>
+            </a:pPr>
+            <a:r>
+              <a:rPr lang="en-GB" dirty="0">
+                <a:hlinkClick r:id="rId5"/>
+              </a:rPr>
+              <a:t>Attendance and performance – ProQuest</a:t>
+            </a:r>
+            <a:endParaRPr lang="en-GB" dirty="0"/>
+          </a:p>
+          <a:p>
+            <a:pPr marL="0" indent="0">
+              <a:buNone/>
+            </a:pPr>
+            <a:r>
+              <a:rPr lang="en-GB" b="0" i="0" dirty="0">
+                <a:solidFill>
+                  <a:srgbClr val="555555"/>
+                </a:solidFill>
+                <a:effectLst/>
+                <a:latin typeface="verdana" panose="020B0604030504040204" pitchFamily="34" charset="0"/>
+              </a:rPr>
+              <a:t>MOORE, R., 2003. Attendance and performance. </a:t>
+            </a:r>
+            <a:r>
+              <a:rPr lang="en-GB" b="0" i="1" dirty="0">
+                <a:solidFill>
+                  <a:srgbClr val="555555"/>
+                </a:solidFill>
+                <a:effectLst/>
+                <a:latin typeface="verdana" panose="020B0604030504040204" pitchFamily="34" charset="0"/>
+              </a:rPr>
+              <a:t>Journal of College Science Teaching, </a:t>
+            </a:r>
+            <a:r>
+              <a:rPr lang="en-GB" b="1" i="0" dirty="0">
+                <a:solidFill>
+                  <a:srgbClr val="555555"/>
+                </a:solidFill>
+                <a:effectLst/>
+                <a:latin typeface="verdana" panose="020B0604030504040204" pitchFamily="34" charset="0"/>
+              </a:rPr>
+              <a:t>32</a:t>
+            </a:r>
+            <a:r>
+              <a:rPr lang="en-GB" b="0" i="0" dirty="0">
+                <a:solidFill>
+                  <a:srgbClr val="555555"/>
+                </a:solidFill>
+                <a:effectLst/>
+                <a:latin typeface="verdana" panose="020B0604030504040204" pitchFamily="34" charset="0"/>
+              </a:rPr>
+              <a:t>(6), pp. </a:t>
+            </a:r>
+            <a:r>
+              <a:rPr lang="en-GB" b="0" i="0">
+                <a:solidFill>
+                  <a:srgbClr val="555555"/>
+                </a:solidFill>
+                <a:effectLst/>
+                <a:latin typeface="verdana" panose="020B0604030504040204" pitchFamily="34" charset="0"/>
+              </a:rPr>
+              <a:t>367-371.</a:t>
+            </a:r>
+            <a:endParaRPr lang="en-US" dirty="0"/>
+          </a:p>
+          <a:p>
+            <a:pPr marL="0" indent="0">
+              <a:buNone/>
+            </a:pPr>
+            <a:endParaRPr lang="en-US" dirty="0"/>
+          </a:p>
+          <a:p>
+            <a:r>
+              <a:rPr lang="en-US" dirty="0"/>
+              <a:t>Pedagogic positives of recording </a:t>
+            </a:r>
+            <a:r>
+              <a:rPr lang="en-US" dirty="0" err="1"/>
+              <a:t>matierall</a:t>
+            </a:r>
+            <a:endParaRPr lang="en-US" dirty="0"/>
+          </a:p>
+          <a:p>
+            <a:r>
+              <a:rPr lang="en-US" dirty="0"/>
+              <a:t>Multiple approaches available</a:t>
+            </a:r>
+          </a:p>
+          <a:p>
+            <a:endParaRPr lang="en-GB" dirty="0"/>
+          </a:p>
+        </p:txBody>
+      </p:sp>
+    </p:spTree>
+    <p:extLst>
+      <p:ext uri="{BB962C8B-B14F-4D97-AF65-F5344CB8AC3E}">
+        <p14:creationId xmlns:p14="http://schemas.microsoft.com/office/powerpoint/2010/main" val="215993404"/>
+      </p:ext>
+    </p:extLst>
+  </p:cSld>
+  <p:clrMapOvr>
+    <a:masterClrMapping/>
+  </p:clrMapOvr>
+</p:sld>
+</file>
+
+<file path=ppt/slides/slide30.xml><?xml version="1.0" encoding="utf-8"?>
+<p:sld xmlns:a="http://schemas.openxmlformats.org/drawingml/2006/main" xmlns:r="http://schemas.openxmlformats.org/officeDocument/2006/relationships" xmlns:p="http://schemas.openxmlformats.org/presentationml/2006/main">
+  <p:cSld>
+    <p:spTree>
+      <p:nvGrpSpPr>
+        <p:cNvPr id="1" name=""/>
+        <p:cNvGrpSpPr/>
+        <p:nvPr/>
+      </p:nvGrpSpPr>
+      <p:grpSpPr>
+        <a:xfrm>
+          <a:off x="0" y="0"/>
+          <a:ext cx="0" cy="0"/>
+          <a:chOff x="0" y="0"/>
+          <a:chExt cx="0" cy="0"/>
+        </a:xfrm>
+      </p:grpSpPr>
+      <p:sp>
+        <p:nvSpPr>
+          <p:cNvPr id="2" name="Title 1">
+            <a:extLst>
+              <a:ext uri="{FF2B5EF4-FFF2-40B4-BE49-F238E27FC236}">
                 <a16:creationId xmlns:a16="http://schemas.microsoft.com/office/drawing/2014/main" id="{893057A3-A04F-232F-0FAC-02C377A544EC}"/>
               </a:ext>
             </a:extLst>
@@ -13583,7 +16771,7 @@
 </p:sld>
 </file>
 
-<file path=ppt/slides/slide22.xml><?xml version="1.0" encoding="utf-8"?>
+<file path=ppt/slides/slide31.xml><?xml version="1.0" encoding="utf-8"?>
 <p:sld xmlns:a="http://schemas.openxmlformats.org/drawingml/2006/main" xmlns:r="http://schemas.openxmlformats.org/officeDocument/2006/relationships" xmlns:p="http://schemas.openxmlformats.org/presentationml/2006/main">
   <p:cSld>
     <p:bg>
@@ -14073,432 +17261,6 @@
 </p:sld>
 </file>
 
-<file path=ppt/slides/slide3.xml><?xml version="1.0" encoding="utf-8"?>
-<p:sld xmlns:a="http://schemas.openxmlformats.org/drawingml/2006/main" xmlns:r="http://schemas.openxmlformats.org/officeDocument/2006/relationships" xmlns:p="http://schemas.openxmlformats.org/presentationml/2006/main">
-  <p:cSld>
-    <p:spTree>
-      <p:nvGrpSpPr>
-        <p:cNvPr id="1" name=""/>
-        <p:cNvGrpSpPr/>
-        <p:nvPr/>
-      </p:nvGrpSpPr>
-      <p:grpSpPr>
-        <a:xfrm>
-          <a:off x="0" y="0"/>
-          <a:ext cx="0" cy="0"/>
-          <a:chOff x="0" y="0"/>
-          <a:chExt cx="0" cy="0"/>
-        </a:xfrm>
-      </p:grpSpPr>
-      <p:sp>
-        <p:nvSpPr>
-          <p:cNvPr id="2" name="Title 1">
-            <a:extLst>
-              <a:ext uri="{FF2B5EF4-FFF2-40B4-BE49-F238E27FC236}">
-                <a16:creationId xmlns:a16="http://schemas.microsoft.com/office/drawing/2014/main" id="{C7E0A70A-A506-742E-79FF-CCC404CE65C7}"/>
-              </a:ext>
-            </a:extLst>
-          </p:cNvPr>
-          <p:cNvSpPr>
-            <a:spLocks noGrp="1"/>
-          </p:cNvSpPr>
-          <p:nvPr>
-            <p:ph type="title"/>
-          </p:nvPr>
-        </p:nvSpPr>
-        <p:spPr/>
-        <p:txBody>
-          <a:bodyPr/>
-          <a:lstStyle/>
-          <a:p>
-            <a:r>
-              <a:rPr lang="en-US" dirty="0"/>
-              <a:t>External Research</a:t>
-            </a:r>
-            <a:endParaRPr lang="en-GB" dirty="0"/>
-          </a:p>
-        </p:txBody>
-      </p:sp>
-      <p:sp>
-        <p:nvSpPr>
-          <p:cNvPr id="3" name="Content Placeholder 2">
-            <a:extLst>
-              <a:ext uri="{FF2B5EF4-FFF2-40B4-BE49-F238E27FC236}">
-                <a16:creationId xmlns:a16="http://schemas.microsoft.com/office/drawing/2014/main" id="{DAE9E2D5-3E7C-12B5-F2B4-4D153305E279}"/>
-              </a:ext>
-            </a:extLst>
-          </p:cNvPr>
-          <p:cNvSpPr>
-            <a:spLocks noGrp="1"/>
-          </p:cNvSpPr>
-          <p:nvPr>
-            <p:ph idx="1"/>
-          </p:nvPr>
-        </p:nvSpPr>
-        <p:spPr/>
-        <p:txBody>
-          <a:bodyPr>
-            <a:normAutofit fontScale="62500" lnSpcReduction="20000"/>
-          </a:bodyPr>
-          <a:lstStyle/>
-          <a:p>
-            <a:r>
-              <a:rPr lang="en-US" dirty="0"/>
-              <a:t>Attendance vs Grades</a:t>
-            </a:r>
-          </a:p>
-          <a:p>
-            <a:pPr marL="0" indent="0">
-              <a:buNone/>
-            </a:pPr>
-            <a:endParaRPr lang="en-US" dirty="0"/>
-          </a:p>
-          <a:p>
-            <a:pPr marL="0" indent="0">
-              <a:buNone/>
-            </a:pPr>
-            <a:r>
-              <a:rPr lang="en-GB" dirty="0">
-                <a:hlinkClick r:id="rId2"/>
-              </a:rPr>
-              <a:t>Class Attendance in College (sagepub.com)</a:t>
-            </a:r>
-            <a:r>
-              <a:rPr lang="en-GB" dirty="0"/>
-              <a:t> </a:t>
-            </a:r>
-          </a:p>
-          <a:p>
-            <a:pPr marL="0" indent="0">
-              <a:buNone/>
-            </a:pPr>
-            <a:r>
-              <a:rPr lang="en-GB" b="0" i="0" dirty="0" err="1">
-                <a:solidFill>
-                  <a:srgbClr val="222222"/>
-                </a:solidFill>
-                <a:effectLst/>
-                <a:latin typeface="Arial" panose="020B0604020202020204" pitchFamily="34" charset="0"/>
-              </a:rPr>
-              <a:t>Credé</a:t>
-            </a:r>
-            <a:r>
-              <a:rPr lang="en-GB" b="0" i="0" dirty="0">
-                <a:solidFill>
-                  <a:srgbClr val="222222"/>
-                </a:solidFill>
-                <a:effectLst/>
-                <a:latin typeface="Arial" panose="020B0604020202020204" pitchFamily="34" charset="0"/>
-              </a:rPr>
-              <a:t>, M., </a:t>
-            </a:r>
-            <a:r>
-              <a:rPr lang="en-GB" b="0" i="0" dirty="0" err="1">
-                <a:solidFill>
-                  <a:srgbClr val="222222"/>
-                </a:solidFill>
-                <a:effectLst/>
-                <a:latin typeface="Arial" panose="020B0604020202020204" pitchFamily="34" charset="0"/>
-              </a:rPr>
-              <a:t>Roch</a:t>
-            </a:r>
-            <a:r>
-              <a:rPr lang="en-GB" b="0" i="0" dirty="0">
-                <a:solidFill>
-                  <a:srgbClr val="222222"/>
-                </a:solidFill>
-                <a:effectLst/>
-                <a:latin typeface="Arial" panose="020B0604020202020204" pitchFamily="34" charset="0"/>
-              </a:rPr>
-              <a:t>, S.G. and </a:t>
-            </a:r>
-            <a:r>
-              <a:rPr lang="en-GB" b="0" i="0" dirty="0" err="1">
-                <a:solidFill>
-                  <a:srgbClr val="222222"/>
-                </a:solidFill>
-                <a:effectLst/>
-                <a:latin typeface="Arial" panose="020B0604020202020204" pitchFamily="34" charset="0"/>
-              </a:rPr>
-              <a:t>Kieszczynka</a:t>
-            </a:r>
-            <a:r>
-              <a:rPr lang="en-GB" b="0" i="0" dirty="0">
-                <a:solidFill>
-                  <a:srgbClr val="222222"/>
-                </a:solidFill>
-                <a:effectLst/>
-                <a:latin typeface="Arial" panose="020B0604020202020204" pitchFamily="34" charset="0"/>
-              </a:rPr>
-              <a:t>, U.M., 2010. Class attendance in college: A meta-analytic review of the relationship of class attendance with grades and student characteristics. </a:t>
-            </a:r>
-            <a:r>
-              <a:rPr lang="en-GB" b="0" i="1" dirty="0">
-                <a:solidFill>
-                  <a:srgbClr val="222222"/>
-                </a:solidFill>
-                <a:effectLst/>
-                <a:latin typeface="Arial" panose="020B0604020202020204" pitchFamily="34" charset="0"/>
-              </a:rPr>
-              <a:t>Review of Educational Research</a:t>
-            </a:r>
-            <a:r>
-              <a:rPr lang="en-GB" b="0" i="0" dirty="0">
-                <a:solidFill>
-                  <a:srgbClr val="222222"/>
-                </a:solidFill>
-                <a:effectLst/>
-                <a:latin typeface="Arial" panose="020B0604020202020204" pitchFamily="34" charset="0"/>
-              </a:rPr>
-              <a:t>, </a:t>
-            </a:r>
-            <a:r>
-              <a:rPr lang="en-GB" b="0" i="1" dirty="0">
-                <a:solidFill>
-                  <a:srgbClr val="222222"/>
-                </a:solidFill>
-                <a:effectLst/>
-                <a:latin typeface="Arial" panose="020B0604020202020204" pitchFamily="34" charset="0"/>
-              </a:rPr>
-              <a:t>80</a:t>
-            </a:r>
-            <a:r>
-              <a:rPr lang="en-GB" b="0" i="0" dirty="0">
-                <a:solidFill>
-                  <a:srgbClr val="222222"/>
-                </a:solidFill>
-                <a:effectLst/>
-                <a:latin typeface="Arial" panose="020B0604020202020204" pitchFamily="34" charset="0"/>
-              </a:rPr>
-              <a:t>(2), pp.272-295.</a:t>
-            </a:r>
-          </a:p>
-          <a:p>
-            <a:pPr marL="0" indent="0">
-              <a:buNone/>
-            </a:pPr>
-            <a:endParaRPr lang="en-US" dirty="0"/>
-          </a:p>
-          <a:p>
-            <a:pPr marL="0" indent="0">
-              <a:buNone/>
-            </a:pPr>
-            <a:r>
-              <a:rPr lang="en-GB" dirty="0">
-                <a:hlinkClick r:id="rId3"/>
-              </a:rPr>
-              <a:t>A correlation between attendance and grades in a first-year psychology class. (apa.org)</a:t>
-            </a:r>
-            <a:endParaRPr lang="en-US" dirty="0"/>
-          </a:p>
-          <a:p>
-            <a:pPr marL="0" indent="0">
-              <a:buNone/>
-            </a:pPr>
-            <a:r>
-              <a:rPr lang="en-GB" b="0" i="0" dirty="0">
-                <a:solidFill>
-                  <a:srgbClr val="333333"/>
-                </a:solidFill>
-                <a:effectLst/>
-                <a:latin typeface="Arial" panose="020B0604020202020204" pitchFamily="34" charset="0"/>
-              </a:rPr>
-              <a:t>Gunn, K. P. (1993). A correlation between attendance and grades in a first-year psychology class. </a:t>
-            </a:r>
-            <a:r>
-              <a:rPr lang="en-GB" b="0" i="1" dirty="0">
-                <a:solidFill>
-                  <a:srgbClr val="333333"/>
-                </a:solidFill>
-                <a:effectLst/>
-                <a:latin typeface="Arial" panose="020B0604020202020204" pitchFamily="34" charset="0"/>
-              </a:rPr>
-              <a:t>Canadian Psychology / </a:t>
-            </a:r>
-            <a:r>
-              <a:rPr lang="en-GB" b="0" i="1" dirty="0" err="1">
-                <a:solidFill>
-                  <a:srgbClr val="333333"/>
-                </a:solidFill>
-                <a:effectLst/>
-                <a:latin typeface="Arial" panose="020B0604020202020204" pitchFamily="34" charset="0"/>
-              </a:rPr>
-              <a:t>Psychologie</a:t>
-            </a:r>
-            <a:r>
-              <a:rPr lang="en-GB" b="0" i="1" dirty="0">
-                <a:solidFill>
-                  <a:srgbClr val="333333"/>
-                </a:solidFill>
-                <a:effectLst/>
-                <a:latin typeface="Arial" panose="020B0604020202020204" pitchFamily="34" charset="0"/>
-              </a:rPr>
-              <a:t> </a:t>
-            </a:r>
-            <a:r>
-              <a:rPr lang="en-GB" b="0" i="1" dirty="0" err="1">
-                <a:solidFill>
-                  <a:srgbClr val="333333"/>
-                </a:solidFill>
-                <a:effectLst/>
-                <a:latin typeface="Arial" panose="020B0604020202020204" pitchFamily="34" charset="0"/>
-              </a:rPr>
-              <a:t>canadienne</a:t>
-            </a:r>
-            <a:r>
-              <a:rPr lang="en-GB" b="0" i="1" dirty="0">
-                <a:solidFill>
-                  <a:srgbClr val="333333"/>
-                </a:solidFill>
-                <a:effectLst/>
-                <a:latin typeface="Arial" panose="020B0604020202020204" pitchFamily="34" charset="0"/>
-              </a:rPr>
-              <a:t>, 34</a:t>
-            </a:r>
-            <a:r>
-              <a:rPr lang="en-GB" b="0" i="0" dirty="0">
-                <a:solidFill>
-                  <a:srgbClr val="333333"/>
-                </a:solidFill>
-                <a:effectLst/>
-                <a:latin typeface="Arial" panose="020B0604020202020204" pitchFamily="34" charset="0"/>
-              </a:rPr>
-              <a:t>(2), 201–202. </a:t>
-            </a:r>
-            <a:r>
-              <a:rPr lang="en-GB" b="0" i="0" u="none" strike="noStrike" dirty="0">
-                <a:solidFill>
-                  <a:srgbClr val="2C72B7"/>
-                </a:solidFill>
-                <a:effectLst/>
-                <a:latin typeface="Arial" panose="020B0604020202020204" pitchFamily="34" charset="0"/>
-                <a:hlinkClick r:id="rId4"/>
-              </a:rPr>
-              <a:t>https://doi.org/10.1037/h0078770</a:t>
-            </a:r>
-            <a:endParaRPr lang="en-GB" b="0" i="0" u="none" strike="noStrike" dirty="0">
-              <a:solidFill>
-                <a:srgbClr val="2C72B7"/>
-              </a:solidFill>
-              <a:effectLst/>
-              <a:latin typeface="Arial" panose="020B0604020202020204" pitchFamily="34" charset="0"/>
-            </a:endParaRPr>
-          </a:p>
-          <a:p>
-            <a:pPr marL="0" indent="0">
-              <a:buNone/>
-            </a:pPr>
-            <a:endParaRPr lang="en-US" dirty="0"/>
-          </a:p>
-          <a:p>
-            <a:pPr marL="0" indent="0">
-              <a:buNone/>
-            </a:pPr>
-            <a:r>
-              <a:rPr lang="en-GB" dirty="0">
-                <a:hlinkClick r:id="rId5"/>
-              </a:rPr>
-              <a:t>Attendance and performance – ProQuest</a:t>
-            </a:r>
-            <a:endParaRPr lang="en-GB" dirty="0"/>
-          </a:p>
-          <a:p>
-            <a:pPr marL="0" indent="0">
-              <a:buNone/>
-            </a:pPr>
-            <a:r>
-              <a:rPr lang="en-GB" b="0" i="0" dirty="0">
-                <a:solidFill>
-                  <a:srgbClr val="555555"/>
-                </a:solidFill>
-                <a:effectLst/>
-                <a:latin typeface="verdana" panose="020B0604030504040204" pitchFamily="34" charset="0"/>
-              </a:rPr>
-              <a:t>MOORE, R., 2003. Attendance and performance. </a:t>
-            </a:r>
-            <a:r>
-              <a:rPr lang="en-GB" b="0" i="1" dirty="0">
-                <a:solidFill>
-                  <a:srgbClr val="555555"/>
-                </a:solidFill>
-                <a:effectLst/>
-                <a:latin typeface="verdana" panose="020B0604030504040204" pitchFamily="34" charset="0"/>
-              </a:rPr>
-              <a:t>Journal of College Science Teaching, </a:t>
-            </a:r>
-            <a:r>
-              <a:rPr lang="en-GB" b="1" i="0" dirty="0">
-                <a:solidFill>
-                  <a:srgbClr val="555555"/>
-                </a:solidFill>
-                <a:effectLst/>
-                <a:latin typeface="verdana" panose="020B0604030504040204" pitchFamily="34" charset="0"/>
-              </a:rPr>
-              <a:t>32</a:t>
-            </a:r>
-            <a:r>
-              <a:rPr lang="en-GB" b="0" i="0" dirty="0">
-                <a:solidFill>
-                  <a:srgbClr val="555555"/>
-                </a:solidFill>
-                <a:effectLst/>
-                <a:latin typeface="verdana" panose="020B0604030504040204" pitchFamily="34" charset="0"/>
-              </a:rPr>
-              <a:t>(6), pp. </a:t>
-            </a:r>
-            <a:r>
-              <a:rPr lang="en-GB" b="0" i="0">
-                <a:solidFill>
-                  <a:srgbClr val="555555"/>
-                </a:solidFill>
-                <a:effectLst/>
-                <a:latin typeface="verdana" panose="020B0604030504040204" pitchFamily="34" charset="0"/>
-              </a:rPr>
-              <a:t>367-371.</a:t>
-            </a:r>
-            <a:endParaRPr lang="en-US" dirty="0"/>
-          </a:p>
-          <a:p>
-            <a:pPr marL="0" indent="0">
-              <a:buNone/>
-            </a:pPr>
-            <a:endParaRPr lang="en-US" dirty="0"/>
-          </a:p>
-          <a:p>
-            <a:r>
-              <a:rPr lang="en-US" dirty="0"/>
-              <a:t>Pedagogic positives of recording </a:t>
-            </a:r>
-            <a:r>
-              <a:rPr lang="en-US" dirty="0" err="1"/>
-              <a:t>matierall</a:t>
-            </a:r>
-            <a:endParaRPr lang="en-US" dirty="0"/>
-          </a:p>
-          <a:p>
-            <a:r>
-              <a:rPr lang="en-US" dirty="0"/>
-              <a:t>Multiple approaches available</a:t>
-            </a:r>
-          </a:p>
-          <a:p>
-            <a:endParaRPr lang="en-GB" dirty="0"/>
-          </a:p>
-        </p:txBody>
-      </p:sp>
-    </p:spTree>
-    <p:extLst>
-      <p:ext uri="{BB962C8B-B14F-4D97-AF65-F5344CB8AC3E}">
-        <p14:creationId xmlns:p14="http://schemas.microsoft.com/office/powerpoint/2010/main" val="215993404"/>
-      </p:ext>
-    </p:extLst>
-  </p:cSld>
-  <p:clrMapOvr>
-    <a:masterClrMapping/>
-  </p:clrMapOvr>
-</p:sld>
-</file>
-
 <file path=ppt/slides/slide4.xml><?xml version="1.0" encoding="utf-8"?>
 <p:sld xmlns:a="http://schemas.openxmlformats.org/drawingml/2006/main" xmlns:r="http://schemas.openxmlformats.org/officeDocument/2006/relationships" xmlns:p="http://schemas.openxmlformats.org/presentationml/2006/main">
   <p:cSld>
@@ -15191,6 +17953,11 @@
           </p:cNvGraphicFramePr>
           <p:nvPr>
             <p:ph idx="1"/>
+            <p:extLst>
+              <p:ext uri="{D42A27DB-BD31-4B8C-83A1-F6EECF244321}">
+                <p14:modId xmlns:p14="http://schemas.microsoft.com/office/powerpoint/2010/main" val="3045117078"/>
+              </p:ext>
+            </p:extLst>
           </p:nvPr>
         </p:nvGraphicFramePr>
         <p:xfrm>

--- a/scripts/CAP512.pptx
+++ b/scripts/CAP512.pptx
@@ -5,43 +5,46 @@
     <p:sldMasterId id="2147483672" r:id="rId1"/>
   </p:sldMasterIdLst>
   <p:notesMasterIdLst>
-    <p:notesMasterId r:id="rId33"/>
+    <p:notesMasterId r:id="rId36"/>
   </p:notesMasterIdLst>
   <p:handoutMasterIdLst>
-    <p:handoutMasterId r:id="rId34"/>
+    <p:handoutMasterId r:id="rId37"/>
   </p:handoutMasterIdLst>
   <p:sldIdLst>
     <p:sldId id="256" r:id="rId2"/>
     <p:sldId id="262" r:id="rId3"/>
-    <p:sldId id="264" r:id="rId4"/>
-    <p:sldId id="268" r:id="rId5"/>
-    <p:sldId id="267" r:id="rId6"/>
-    <p:sldId id="265" r:id="rId7"/>
-    <p:sldId id="266" r:id="rId8"/>
-    <p:sldId id="292" r:id="rId9"/>
-    <p:sldId id="287" r:id="rId10"/>
-    <p:sldId id="258" r:id="rId11"/>
-    <p:sldId id="271" r:id="rId12"/>
-    <p:sldId id="289" r:id="rId13"/>
-    <p:sldId id="272" r:id="rId14"/>
-    <p:sldId id="273" r:id="rId15"/>
-    <p:sldId id="285" r:id="rId16"/>
-    <p:sldId id="281" r:id="rId17"/>
-    <p:sldId id="286" r:id="rId18"/>
-    <p:sldId id="282" r:id="rId19"/>
-    <p:sldId id="283" r:id="rId20"/>
-    <p:sldId id="291" r:id="rId21"/>
-    <p:sldId id="293" r:id="rId22"/>
-    <p:sldId id="294" r:id="rId23"/>
-    <p:sldId id="295" r:id="rId24"/>
-    <p:sldId id="297" r:id="rId25"/>
-    <p:sldId id="298" r:id="rId26"/>
-    <p:sldId id="299" r:id="rId27"/>
-    <p:sldId id="300" r:id="rId28"/>
-    <p:sldId id="301" r:id="rId29"/>
-    <p:sldId id="302" r:id="rId30"/>
-    <p:sldId id="270" r:id="rId31"/>
-    <p:sldId id="260" r:id="rId32"/>
+    <p:sldId id="303" r:id="rId4"/>
+    <p:sldId id="304" r:id="rId5"/>
+    <p:sldId id="268" r:id="rId6"/>
+    <p:sldId id="267" r:id="rId7"/>
+    <p:sldId id="265" r:id="rId8"/>
+    <p:sldId id="266" r:id="rId9"/>
+    <p:sldId id="292" r:id="rId10"/>
+    <p:sldId id="287" r:id="rId11"/>
+    <p:sldId id="258" r:id="rId12"/>
+    <p:sldId id="271" r:id="rId13"/>
+    <p:sldId id="289" r:id="rId14"/>
+    <p:sldId id="272" r:id="rId15"/>
+    <p:sldId id="273" r:id="rId16"/>
+    <p:sldId id="285" r:id="rId17"/>
+    <p:sldId id="281" r:id="rId18"/>
+    <p:sldId id="286" r:id="rId19"/>
+    <p:sldId id="282" r:id="rId20"/>
+    <p:sldId id="283" r:id="rId21"/>
+    <p:sldId id="291" r:id="rId22"/>
+    <p:sldId id="293" r:id="rId23"/>
+    <p:sldId id="294" r:id="rId24"/>
+    <p:sldId id="295" r:id="rId25"/>
+    <p:sldId id="306" r:id="rId26"/>
+    <p:sldId id="297" r:id="rId27"/>
+    <p:sldId id="298" r:id="rId28"/>
+    <p:sldId id="299" r:id="rId29"/>
+    <p:sldId id="300" r:id="rId30"/>
+    <p:sldId id="301" r:id="rId31"/>
+    <p:sldId id="302" r:id="rId32"/>
+    <p:sldId id="260" r:id="rId33"/>
+    <p:sldId id="270" r:id="rId34"/>
+    <p:sldId id="305" r:id="rId35"/>
   </p:sldIdLst>
   <p:sldSz cx="12192000" cy="6858000"/>
   <p:notesSz cx="6858000" cy="9144000"/>
@@ -151,12 +154,20 @@
 </p:presentation>
 </file>
 
+<file path=ppt/revisionInfo.xml><?xml version="1.0" encoding="utf-8"?>
+<p1510:revInfo xmlns:a="http://schemas.openxmlformats.org/drawingml/2006/main" xmlns:r="http://schemas.openxmlformats.org/officeDocument/2006/relationships" xmlns:p1510="http://schemas.microsoft.com/office/powerpoint/2015/10/main">
+  <p1510:revLst>
+    <p1510:client id="{8E6D76F1-D7AE-4917-A651-8C73AC01DF94}" v="2" dt="2023-06-14T13:42:54.485"/>
+  </p1510:revLst>
+</p1510:revInfo>
+</file>
+
 <file path=ppt/changesInfos/changesInfo1.xml><?xml version="1.0" encoding="utf-8"?>
 <pc:chgInfo xmlns:a="http://schemas.openxmlformats.org/drawingml/2006/main" xmlns:r="http://schemas.openxmlformats.org/officeDocument/2006/relationships" xmlns:ac="http://schemas.microsoft.com/office/drawing/2013/main/command" xmlns:pc="http://schemas.microsoft.com/office/powerpoint/2013/main/command">
   <pc:docChgLst>
     <pc:chgData name="Christopher Acornley" userId="bbc264c4-ceb7-4165-9c6e-ab9636a383ef" providerId="ADAL" clId="{8E6D76F1-D7AE-4917-A651-8C73AC01DF94}"/>
-    <pc:docChg chg="undo custSel addSld modSld sldOrd">
-      <pc:chgData name="Christopher Acornley" userId="bbc264c4-ceb7-4165-9c6e-ab9636a383ef" providerId="ADAL" clId="{8E6D76F1-D7AE-4917-A651-8C73AC01DF94}" dt="2023-06-08T11:44:43.064" v="3030" actId="27636"/>
+    <pc:docChg chg="undo custSel addSld delSld modSld sldOrd">
+      <pc:chgData name="Christopher Acornley" userId="bbc264c4-ceb7-4165-9c6e-ab9636a383ef" providerId="ADAL" clId="{8E6D76F1-D7AE-4917-A651-8C73AC01DF94}" dt="2023-06-14T13:44:58.519" v="6967" actId="403"/>
       <pc:docMkLst>
         <pc:docMk/>
       </pc:docMkLst>
@@ -176,13 +187,28 @@
         </pc:spChg>
       </pc:sldChg>
       <pc:sldChg chg="modSp mod">
-        <pc:chgData name="Christopher Acornley" userId="bbc264c4-ceb7-4165-9c6e-ab9636a383ef" providerId="ADAL" clId="{8E6D76F1-D7AE-4917-A651-8C73AC01DF94}" dt="2023-06-08T08:57:43.398" v="36" actId="20577"/>
+        <pc:chgData name="Christopher Acornley" userId="bbc264c4-ceb7-4165-9c6e-ab9636a383ef" providerId="ADAL" clId="{8E6D76F1-D7AE-4917-A651-8C73AC01DF94}" dt="2023-06-14T11:52:52.355" v="5718" actId="207"/>
+        <pc:sldMkLst>
+          <pc:docMk/>
+          <pc:sldMk cId="497607547" sldId="258"/>
+        </pc:sldMkLst>
+        <pc:spChg chg="mod">
+          <ac:chgData name="Christopher Acornley" userId="bbc264c4-ceb7-4165-9c6e-ab9636a383ef" providerId="ADAL" clId="{8E6D76F1-D7AE-4917-A651-8C73AC01DF94}" dt="2023-06-14T11:52:52.355" v="5718" actId="207"/>
+          <ac:spMkLst>
+            <pc:docMk/>
+            <pc:sldMk cId="497607547" sldId="258"/>
+            <ac:spMk id="4" creationId="{42D5E002-1C68-0A1B-39F4-AD4EA6416E54}"/>
+          </ac:spMkLst>
+        </pc:spChg>
+      </pc:sldChg>
+      <pc:sldChg chg="modSp mod">
+        <pc:chgData name="Christopher Acornley" userId="bbc264c4-ceb7-4165-9c6e-ab9636a383ef" providerId="ADAL" clId="{8E6D76F1-D7AE-4917-A651-8C73AC01DF94}" dt="2023-06-14T11:52:35.478" v="5713" actId="207"/>
         <pc:sldMkLst>
           <pc:docMk/>
           <pc:sldMk cId="3260005894" sldId="262"/>
         </pc:sldMkLst>
         <pc:spChg chg="mod">
-          <ac:chgData name="Christopher Acornley" userId="bbc264c4-ceb7-4165-9c6e-ab9636a383ef" providerId="ADAL" clId="{8E6D76F1-D7AE-4917-A651-8C73AC01DF94}" dt="2023-06-08T08:57:43.398" v="36" actId="20577"/>
+          <ac:chgData name="Christopher Acornley" userId="bbc264c4-ceb7-4165-9c6e-ab9636a383ef" providerId="ADAL" clId="{8E6D76F1-D7AE-4917-A651-8C73AC01DF94}" dt="2023-06-14T11:52:35.478" v="5713" actId="207"/>
           <ac:spMkLst>
             <pc:docMk/>
             <pc:sldMk cId="3260005894" sldId="262"/>
@@ -190,14 +216,14 @@
           </ac:spMkLst>
         </pc:spChg>
       </pc:sldChg>
-      <pc:sldChg chg="modSp mod">
-        <pc:chgData name="Christopher Acornley" userId="bbc264c4-ceb7-4165-9c6e-ab9636a383ef" providerId="ADAL" clId="{8E6D76F1-D7AE-4917-A651-8C73AC01DF94}" dt="2023-06-08T09:02:22.989" v="69"/>
+      <pc:sldChg chg="modSp del mod">
+        <pc:chgData name="Christopher Acornley" userId="bbc264c4-ceb7-4165-9c6e-ab9636a383ef" providerId="ADAL" clId="{8E6D76F1-D7AE-4917-A651-8C73AC01DF94}" dt="2023-06-14T11:45:11.024" v="5616" actId="47"/>
         <pc:sldMkLst>
           <pc:docMk/>
           <pc:sldMk cId="215993404" sldId="264"/>
         </pc:sldMkLst>
         <pc:spChg chg="mod">
-          <ac:chgData name="Christopher Acornley" userId="bbc264c4-ceb7-4165-9c6e-ab9636a383ef" providerId="ADAL" clId="{8E6D76F1-D7AE-4917-A651-8C73AC01DF94}" dt="2023-06-08T09:02:22.989" v="69"/>
+          <ac:chgData name="Christopher Acornley" userId="bbc264c4-ceb7-4165-9c6e-ab9636a383ef" providerId="ADAL" clId="{8E6D76F1-D7AE-4917-A651-8C73AC01DF94}" dt="2023-06-14T10:34:22.139" v="3181" actId="20577"/>
           <ac:spMkLst>
             <pc:docMk/>
             <pc:sldMk cId="215993404" sldId="264"/>
@@ -206,13 +232,13 @@
         </pc:spChg>
       </pc:sldChg>
       <pc:sldChg chg="modSp mod">
-        <pc:chgData name="Christopher Acornley" userId="bbc264c4-ceb7-4165-9c6e-ab9636a383ef" providerId="ADAL" clId="{8E6D76F1-D7AE-4917-A651-8C73AC01DF94}" dt="2023-06-08T11:44:43.064" v="3030" actId="27636"/>
+        <pc:chgData name="Christopher Acornley" userId="bbc264c4-ceb7-4165-9c6e-ab9636a383ef" providerId="ADAL" clId="{8E6D76F1-D7AE-4917-A651-8C73AC01DF94}" dt="2023-06-14T11:52:44.360" v="5716" actId="207"/>
         <pc:sldMkLst>
           <pc:docMk/>
           <pc:sldMk cId="1837165283" sldId="265"/>
         </pc:sldMkLst>
         <pc:spChg chg="mod">
-          <ac:chgData name="Christopher Acornley" userId="bbc264c4-ceb7-4165-9c6e-ab9636a383ef" providerId="ADAL" clId="{8E6D76F1-D7AE-4917-A651-8C73AC01DF94}" dt="2023-06-08T11:44:43.064" v="3030" actId="27636"/>
+          <ac:chgData name="Christopher Acornley" userId="bbc264c4-ceb7-4165-9c6e-ab9636a383ef" providerId="ADAL" clId="{8E6D76F1-D7AE-4917-A651-8C73AC01DF94}" dt="2023-06-14T11:52:44.360" v="5716" actId="207"/>
           <ac:spMkLst>
             <pc:docMk/>
             <pc:sldMk cId="1837165283" sldId="265"/>
@@ -220,8 +246,23 @@
           </ac:spMkLst>
         </pc:spChg>
       </pc:sldChg>
+      <pc:sldChg chg="modSp mod">
+        <pc:chgData name="Christopher Acornley" userId="bbc264c4-ceb7-4165-9c6e-ab9636a383ef" providerId="ADAL" clId="{8E6D76F1-D7AE-4917-A651-8C73AC01DF94}" dt="2023-06-14T11:52:47.902" v="5717" actId="207"/>
+        <pc:sldMkLst>
+          <pc:docMk/>
+          <pc:sldMk cId="757512740" sldId="266"/>
+        </pc:sldMkLst>
+        <pc:spChg chg="mod">
+          <ac:chgData name="Christopher Acornley" userId="bbc264c4-ceb7-4165-9c6e-ab9636a383ef" providerId="ADAL" clId="{8E6D76F1-D7AE-4917-A651-8C73AC01DF94}" dt="2023-06-14T11:52:47.902" v="5717" actId="207"/>
+          <ac:spMkLst>
+            <pc:docMk/>
+            <pc:sldMk cId="757512740" sldId="266"/>
+            <ac:spMk id="3" creationId="{121196E6-3603-F66B-72E8-8E7E5F53AC6C}"/>
+          </ac:spMkLst>
+        </pc:spChg>
+      </pc:sldChg>
       <pc:sldChg chg="modSp add mod ord">
-        <pc:chgData name="Christopher Acornley" userId="bbc264c4-ceb7-4165-9c6e-ab9636a383ef" providerId="ADAL" clId="{8E6D76F1-D7AE-4917-A651-8C73AC01DF94}" dt="2023-06-08T11:43:25.844" v="2873" actId="403"/>
+        <pc:chgData name="Christopher Acornley" userId="bbc264c4-ceb7-4165-9c6e-ab9636a383ef" providerId="ADAL" clId="{8E6D76F1-D7AE-4917-A651-8C73AC01DF94}" dt="2023-06-14T11:52:41.878" v="5715" actId="207"/>
         <pc:sldMkLst>
           <pc:docMk/>
           <pc:sldMk cId="3279179153" sldId="267"/>
@@ -235,7 +276,7 @@
           </ac:spMkLst>
         </pc:spChg>
         <pc:spChg chg="mod">
-          <ac:chgData name="Christopher Acornley" userId="bbc264c4-ceb7-4165-9c6e-ab9636a383ef" providerId="ADAL" clId="{8E6D76F1-D7AE-4917-A651-8C73AC01DF94}" dt="2023-06-08T11:43:25.844" v="2873" actId="403"/>
+          <ac:chgData name="Christopher Acornley" userId="bbc264c4-ceb7-4165-9c6e-ab9636a383ef" providerId="ADAL" clId="{8E6D76F1-D7AE-4917-A651-8C73AC01DF94}" dt="2023-06-14T11:52:41.878" v="5715" actId="207"/>
           <ac:spMkLst>
             <pc:docMk/>
             <pc:sldMk cId="3279179153" sldId="267"/>
@@ -244,7 +285,7 @@
         </pc:spChg>
       </pc:sldChg>
       <pc:sldChg chg="modSp add mod ord">
-        <pc:chgData name="Christopher Acornley" userId="bbc264c4-ceb7-4165-9c6e-ab9636a383ef" providerId="ADAL" clId="{8E6D76F1-D7AE-4917-A651-8C73AC01DF94}" dt="2023-06-08T10:59:23.553" v="1270"/>
+        <pc:chgData name="Christopher Acornley" userId="bbc264c4-ceb7-4165-9c6e-ab9636a383ef" providerId="ADAL" clId="{8E6D76F1-D7AE-4917-A651-8C73AC01DF94}" dt="2023-06-14T11:52:38.688" v="5714" actId="207"/>
         <pc:sldMkLst>
           <pc:docMk/>
           <pc:sldMk cId="3815519111" sldId="268"/>
@@ -258,11 +299,327 @@
           </ac:spMkLst>
         </pc:spChg>
         <pc:spChg chg="mod">
-          <ac:chgData name="Christopher Acornley" userId="bbc264c4-ceb7-4165-9c6e-ab9636a383ef" providerId="ADAL" clId="{8E6D76F1-D7AE-4917-A651-8C73AC01DF94}" dt="2023-06-08T10:59:10.036" v="1266" actId="122"/>
+          <ac:chgData name="Christopher Acornley" userId="bbc264c4-ceb7-4165-9c6e-ab9636a383ef" providerId="ADAL" clId="{8E6D76F1-D7AE-4917-A651-8C73AC01DF94}" dt="2023-06-14T11:52:38.688" v="5714" actId="207"/>
           <ac:spMkLst>
             <pc:docMk/>
             <pc:sldMk cId="3815519111" sldId="268"/>
             <ac:spMk id="3" creationId="{DAE9E2D5-3E7C-12B5-F2B4-4D153305E279}"/>
+          </ac:spMkLst>
+        </pc:spChg>
+      </pc:sldChg>
+      <pc:sldChg chg="modSp mod ord">
+        <pc:chgData name="Christopher Acornley" userId="bbc264c4-ceb7-4165-9c6e-ab9636a383ef" providerId="ADAL" clId="{8E6D76F1-D7AE-4917-A651-8C73AC01DF94}" dt="2023-06-14T11:44:37.144" v="5611" actId="27636"/>
+        <pc:sldMkLst>
+          <pc:docMk/>
+          <pc:sldMk cId="3695867236" sldId="270"/>
+        </pc:sldMkLst>
+        <pc:spChg chg="mod">
+          <ac:chgData name="Christopher Acornley" userId="bbc264c4-ceb7-4165-9c6e-ab9636a383ef" providerId="ADAL" clId="{8E6D76F1-D7AE-4917-A651-8C73AC01DF94}" dt="2023-06-14T11:44:37.144" v="5611" actId="27636"/>
+          <ac:spMkLst>
+            <pc:docMk/>
+            <pc:sldMk cId="3695867236" sldId="270"/>
+            <ac:spMk id="3" creationId="{A9C16DC8-2E95-9526-1657-6E95C5B8A701}"/>
+          </ac:spMkLst>
+        </pc:spChg>
+      </pc:sldChg>
+      <pc:sldChg chg="modSp mod">
+        <pc:chgData name="Christopher Acornley" userId="bbc264c4-ceb7-4165-9c6e-ab9636a383ef" providerId="ADAL" clId="{8E6D76F1-D7AE-4917-A651-8C73AC01DF94}" dt="2023-06-14T11:52:58.898" v="5720" actId="207"/>
+        <pc:sldMkLst>
+          <pc:docMk/>
+          <pc:sldMk cId="773567961" sldId="272"/>
+        </pc:sldMkLst>
+        <pc:spChg chg="mod">
+          <ac:chgData name="Christopher Acornley" userId="bbc264c4-ceb7-4165-9c6e-ab9636a383ef" providerId="ADAL" clId="{8E6D76F1-D7AE-4917-A651-8C73AC01DF94}" dt="2023-06-14T11:52:58.898" v="5720" actId="207"/>
+          <ac:spMkLst>
+            <pc:docMk/>
+            <pc:sldMk cId="773567961" sldId="272"/>
+            <ac:spMk id="4" creationId="{15465504-73D4-37DA-85FF-7C8DD5BC71AF}"/>
+          </ac:spMkLst>
+        </pc:spChg>
+      </pc:sldChg>
+      <pc:sldChg chg="modSp mod">
+        <pc:chgData name="Christopher Acornley" userId="bbc264c4-ceb7-4165-9c6e-ab9636a383ef" providerId="ADAL" clId="{8E6D76F1-D7AE-4917-A651-8C73AC01DF94}" dt="2023-06-14T11:53:01.973" v="5721" actId="207"/>
+        <pc:sldMkLst>
+          <pc:docMk/>
+          <pc:sldMk cId="1582912122" sldId="273"/>
+        </pc:sldMkLst>
+        <pc:spChg chg="mod">
+          <ac:chgData name="Christopher Acornley" userId="bbc264c4-ceb7-4165-9c6e-ab9636a383ef" providerId="ADAL" clId="{8E6D76F1-D7AE-4917-A651-8C73AC01DF94}" dt="2023-06-14T11:53:01.973" v="5721" actId="207"/>
+          <ac:spMkLst>
+            <pc:docMk/>
+            <pc:sldMk cId="1582912122" sldId="273"/>
+            <ac:spMk id="4" creationId="{15465504-73D4-37DA-85FF-7C8DD5BC71AF}"/>
+          </ac:spMkLst>
+        </pc:spChg>
+      </pc:sldChg>
+      <pc:sldChg chg="modSp mod">
+        <pc:chgData name="Christopher Acornley" userId="bbc264c4-ceb7-4165-9c6e-ab9636a383ef" providerId="ADAL" clId="{8E6D76F1-D7AE-4917-A651-8C73AC01DF94}" dt="2023-06-14T11:53:08.727" v="5723" actId="207"/>
+        <pc:sldMkLst>
+          <pc:docMk/>
+          <pc:sldMk cId="2372593533" sldId="281"/>
+        </pc:sldMkLst>
+        <pc:spChg chg="mod">
+          <ac:chgData name="Christopher Acornley" userId="bbc264c4-ceb7-4165-9c6e-ab9636a383ef" providerId="ADAL" clId="{8E6D76F1-D7AE-4917-A651-8C73AC01DF94}" dt="2023-06-14T11:53:08.727" v="5723" actId="207"/>
+          <ac:spMkLst>
+            <pc:docMk/>
+            <pc:sldMk cId="2372593533" sldId="281"/>
+            <ac:spMk id="4" creationId="{89066F11-6868-47D7-FDD2-F251B0B320C8}"/>
+          </ac:spMkLst>
+        </pc:spChg>
+      </pc:sldChg>
+      <pc:sldChg chg="modSp mod">
+        <pc:chgData name="Christopher Acornley" userId="bbc264c4-ceb7-4165-9c6e-ab9636a383ef" providerId="ADAL" clId="{8E6D76F1-D7AE-4917-A651-8C73AC01DF94}" dt="2023-06-14T11:53:14.126" v="5725" actId="207"/>
+        <pc:sldMkLst>
+          <pc:docMk/>
+          <pc:sldMk cId="374130214" sldId="282"/>
+        </pc:sldMkLst>
+        <pc:spChg chg="mod">
+          <ac:chgData name="Christopher Acornley" userId="bbc264c4-ceb7-4165-9c6e-ab9636a383ef" providerId="ADAL" clId="{8E6D76F1-D7AE-4917-A651-8C73AC01DF94}" dt="2023-06-14T11:53:14.126" v="5725" actId="207"/>
+          <ac:spMkLst>
+            <pc:docMk/>
+            <pc:sldMk cId="374130214" sldId="282"/>
+            <ac:spMk id="4" creationId="{89066F11-6868-47D7-FDD2-F251B0B320C8}"/>
+          </ac:spMkLst>
+        </pc:spChg>
+      </pc:sldChg>
+      <pc:sldChg chg="modSp mod">
+        <pc:chgData name="Christopher Acornley" userId="bbc264c4-ceb7-4165-9c6e-ab9636a383ef" providerId="ADAL" clId="{8E6D76F1-D7AE-4917-A651-8C73AC01DF94}" dt="2023-06-14T11:53:19.016" v="5726" actId="207"/>
+        <pc:sldMkLst>
+          <pc:docMk/>
+          <pc:sldMk cId="1695476852" sldId="283"/>
+        </pc:sldMkLst>
+        <pc:spChg chg="mod">
+          <ac:chgData name="Christopher Acornley" userId="bbc264c4-ceb7-4165-9c6e-ab9636a383ef" providerId="ADAL" clId="{8E6D76F1-D7AE-4917-A651-8C73AC01DF94}" dt="2023-06-14T11:53:19.016" v="5726" actId="207"/>
+          <ac:spMkLst>
+            <pc:docMk/>
+            <pc:sldMk cId="1695476852" sldId="283"/>
+            <ac:spMk id="4" creationId="{89066F11-6868-47D7-FDD2-F251B0B320C8}"/>
+          </ac:spMkLst>
+        </pc:spChg>
+      </pc:sldChg>
+      <pc:sldChg chg="modSp mod">
+        <pc:chgData name="Christopher Acornley" userId="bbc264c4-ceb7-4165-9c6e-ab9636a383ef" providerId="ADAL" clId="{8E6D76F1-D7AE-4917-A651-8C73AC01DF94}" dt="2023-06-14T11:53:05.431" v="5722" actId="207"/>
+        <pc:sldMkLst>
+          <pc:docMk/>
+          <pc:sldMk cId="4076067002" sldId="285"/>
+        </pc:sldMkLst>
+        <pc:spChg chg="mod">
+          <ac:chgData name="Christopher Acornley" userId="bbc264c4-ceb7-4165-9c6e-ab9636a383ef" providerId="ADAL" clId="{8E6D76F1-D7AE-4917-A651-8C73AC01DF94}" dt="2023-06-14T11:53:05.431" v="5722" actId="207"/>
+          <ac:spMkLst>
+            <pc:docMk/>
+            <pc:sldMk cId="4076067002" sldId="285"/>
+            <ac:spMk id="3" creationId="{121196E6-3603-F66B-72E8-8E7E5F53AC6C}"/>
+          </ac:spMkLst>
+        </pc:spChg>
+      </pc:sldChg>
+      <pc:sldChg chg="modSp mod">
+        <pc:chgData name="Christopher Acornley" userId="bbc264c4-ceb7-4165-9c6e-ab9636a383ef" providerId="ADAL" clId="{8E6D76F1-D7AE-4917-A651-8C73AC01DF94}" dt="2023-06-14T11:53:11.456" v="5724" actId="207"/>
+        <pc:sldMkLst>
+          <pc:docMk/>
+          <pc:sldMk cId="3417055911" sldId="286"/>
+        </pc:sldMkLst>
+        <pc:spChg chg="mod">
+          <ac:chgData name="Christopher Acornley" userId="bbc264c4-ceb7-4165-9c6e-ab9636a383ef" providerId="ADAL" clId="{8E6D76F1-D7AE-4917-A651-8C73AC01DF94}" dt="2023-06-14T11:53:11.456" v="5724" actId="207"/>
+          <ac:spMkLst>
+            <pc:docMk/>
+            <pc:sldMk cId="3417055911" sldId="286"/>
+            <ac:spMk id="4" creationId="{89066F11-6868-47D7-FDD2-F251B0B320C8}"/>
+          </ac:spMkLst>
+        </pc:spChg>
+      </pc:sldChg>
+      <pc:sldChg chg="modSp mod">
+        <pc:chgData name="Christopher Acornley" userId="bbc264c4-ceb7-4165-9c6e-ab9636a383ef" providerId="ADAL" clId="{8E6D76F1-D7AE-4917-A651-8C73AC01DF94}" dt="2023-06-14T11:52:55.770" v="5719" actId="207"/>
+        <pc:sldMkLst>
+          <pc:docMk/>
+          <pc:sldMk cId="790170279" sldId="289"/>
+        </pc:sldMkLst>
+        <pc:spChg chg="mod">
+          <ac:chgData name="Christopher Acornley" userId="bbc264c4-ceb7-4165-9c6e-ab9636a383ef" providerId="ADAL" clId="{8E6D76F1-D7AE-4917-A651-8C73AC01DF94}" dt="2023-06-14T11:52:55.770" v="5719" actId="207"/>
+          <ac:spMkLst>
+            <pc:docMk/>
+            <pc:sldMk cId="790170279" sldId="289"/>
+            <ac:spMk id="4" creationId="{15465504-73D4-37DA-85FF-7C8DD5BC71AF}"/>
+          </ac:spMkLst>
+        </pc:spChg>
+      </pc:sldChg>
+      <pc:sldChg chg="modSp mod">
+        <pc:chgData name="Christopher Acornley" userId="bbc264c4-ceb7-4165-9c6e-ab9636a383ef" providerId="ADAL" clId="{8E6D76F1-D7AE-4917-A651-8C73AC01DF94}" dt="2023-06-14T11:53:21.152" v="5727" actId="207"/>
+        <pc:sldMkLst>
+          <pc:docMk/>
+          <pc:sldMk cId="596621177" sldId="291"/>
+        </pc:sldMkLst>
+        <pc:spChg chg="mod">
+          <ac:chgData name="Christopher Acornley" userId="bbc264c4-ceb7-4165-9c6e-ab9636a383ef" providerId="ADAL" clId="{8E6D76F1-D7AE-4917-A651-8C73AC01DF94}" dt="2023-06-14T11:53:21.152" v="5727" actId="207"/>
+          <ac:spMkLst>
+            <pc:docMk/>
+            <pc:sldMk cId="596621177" sldId="291"/>
+            <ac:spMk id="4" creationId="{15465504-73D4-37DA-85FF-7C8DD5BC71AF}"/>
+          </ac:spMkLst>
+        </pc:spChg>
+        <pc:graphicFrameChg chg="modGraphic">
+          <ac:chgData name="Christopher Acornley" userId="bbc264c4-ceb7-4165-9c6e-ab9636a383ef" providerId="ADAL" clId="{8E6D76F1-D7AE-4917-A651-8C73AC01DF94}" dt="2023-06-14T10:56:18.970" v="4191" actId="404"/>
+          <ac:graphicFrameMkLst>
+            <pc:docMk/>
+            <pc:sldMk cId="596621177" sldId="291"/>
+            <ac:graphicFrameMk id="6" creationId="{B8453F27-AEE6-A89E-BF2C-3CD4ADD328F2}"/>
+          </ac:graphicFrameMkLst>
+        </pc:graphicFrameChg>
+      </pc:sldChg>
+      <pc:sldChg chg="modSp mod">
+        <pc:chgData name="Christopher Acornley" userId="bbc264c4-ceb7-4165-9c6e-ab9636a383ef" providerId="ADAL" clId="{8E6D76F1-D7AE-4917-A651-8C73AC01DF94}" dt="2023-06-14T11:53:23.629" v="5728" actId="207"/>
+        <pc:sldMkLst>
+          <pc:docMk/>
+          <pc:sldMk cId="4022326446" sldId="294"/>
+        </pc:sldMkLst>
+        <pc:spChg chg="mod">
+          <ac:chgData name="Christopher Acornley" userId="bbc264c4-ceb7-4165-9c6e-ab9636a383ef" providerId="ADAL" clId="{8E6D76F1-D7AE-4917-A651-8C73AC01DF94}" dt="2023-06-14T11:53:23.629" v="5728" actId="207"/>
+          <ac:spMkLst>
+            <pc:docMk/>
+            <pc:sldMk cId="4022326446" sldId="294"/>
+            <ac:spMk id="4" creationId="{15465504-73D4-37DA-85FF-7C8DD5BC71AF}"/>
+          </ac:spMkLst>
+        </pc:spChg>
+      </pc:sldChg>
+      <pc:sldChg chg="modSp mod">
+        <pc:chgData name="Christopher Acornley" userId="bbc264c4-ceb7-4165-9c6e-ab9636a383ef" providerId="ADAL" clId="{8E6D76F1-D7AE-4917-A651-8C73AC01DF94}" dt="2023-06-14T11:55:43.761" v="5766" actId="20577"/>
+        <pc:sldMkLst>
+          <pc:docMk/>
+          <pc:sldMk cId="1130694288" sldId="295"/>
+        </pc:sldMkLst>
+        <pc:spChg chg="mod">
+          <ac:chgData name="Christopher Acornley" userId="bbc264c4-ceb7-4165-9c6e-ab9636a383ef" providerId="ADAL" clId="{8E6D76F1-D7AE-4917-A651-8C73AC01DF94}" dt="2023-06-14T11:55:43.761" v="5766" actId="20577"/>
+          <ac:spMkLst>
+            <pc:docMk/>
+            <pc:sldMk cId="1130694288" sldId="295"/>
+            <ac:spMk id="4" creationId="{15465504-73D4-37DA-85FF-7C8DD5BC71AF}"/>
+          </ac:spMkLst>
+        </pc:spChg>
+      </pc:sldChg>
+      <pc:sldChg chg="modSp mod">
+        <pc:chgData name="Christopher Acornley" userId="bbc264c4-ceb7-4165-9c6e-ab9636a383ef" providerId="ADAL" clId="{8E6D76F1-D7AE-4917-A651-8C73AC01DF94}" dt="2023-06-14T12:00:47.356" v="6158" actId="20577"/>
+        <pc:sldMkLst>
+          <pc:docMk/>
+          <pc:sldMk cId="838385386" sldId="297"/>
+        </pc:sldMkLst>
+        <pc:spChg chg="mod">
+          <ac:chgData name="Christopher Acornley" userId="bbc264c4-ceb7-4165-9c6e-ab9636a383ef" providerId="ADAL" clId="{8E6D76F1-D7AE-4917-A651-8C73AC01DF94}" dt="2023-06-14T12:00:47.356" v="6158" actId="20577"/>
+          <ac:spMkLst>
+            <pc:docMk/>
+            <pc:sldMk cId="838385386" sldId="297"/>
+            <ac:spMk id="4" creationId="{89066F11-6868-47D7-FDD2-F251B0B320C8}"/>
+          </ac:spMkLst>
+        </pc:spChg>
+      </pc:sldChg>
+      <pc:sldChg chg="modSp mod">
+        <pc:chgData name="Christopher Acornley" userId="bbc264c4-ceb7-4165-9c6e-ab9636a383ef" providerId="ADAL" clId="{8E6D76F1-D7AE-4917-A651-8C73AC01DF94}" dt="2023-06-14T12:01:28.492" v="6247" actId="20577"/>
+        <pc:sldMkLst>
+          <pc:docMk/>
+          <pc:sldMk cId="1951675439" sldId="298"/>
+        </pc:sldMkLst>
+        <pc:spChg chg="mod">
+          <ac:chgData name="Christopher Acornley" userId="bbc264c4-ceb7-4165-9c6e-ab9636a383ef" providerId="ADAL" clId="{8E6D76F1-D7AE-4917-A651-8C73AC01DF94}" dt="2023-06-14T12:01:28.492" v="6247" actId="20577"/>
+          <ac:spMkLst>
+            <pc:docMk/>
+            <pc:sldMk cId="1951675439" sldId="298"/>
+            <ac:spMk id="4" creationId="{89066F11-6868-47D7-FDD2-F251B0B320C8}"/>
+          </ac:spMkLst>
+        </pc:spChg>
+      </pc:sldChg>
+      <pc:sldChg chg="modSp mod">
+        <pc:chgData name="Christopher Acornley" userId="bbc264c4-ceb7-4165-9c6e-ab9636a383ef" providerId="ADAL" clId="{8E6D76F1-D7AE-4917-A651-8C73AC01DF94}" dt="2023-06-14T12:02:52.742" v="6513" actId="20577"/>
+        <pc:sldMkLst>
+          <pc:docMk/>
+          <pc:sldMk cId="2121259094" sldId="299"/>
+        </pc:sldMkLst>
+        <pc:spChg chg="mod">
+          <ac:chgData name="Christopher Acornley" userId="bbc264c4-ceb7-4165-9c6e-ab9636a383ef" providerId="ADAL" clId="{8E6D76F1-D7AE-4917-A651-8C73AC01DF94}" dt="2023-06-14T12:02:52.742" v="6513" actId="20577"/>
+          <ac:spMkLst>
+            <pc:docMk/>
+            <pc:sldMk cId="2121259094" sldId="299"/>
+            <ac:spMk id="4" creationId="{89066F11-6868-47D7-FDD2-F251B0B320C8}"/>
+          </ac:spMkLst>
+        </pc:spChg>
+      </pc:sldChg>
+      <pc:sldChg chg="modSp mod">
+        <pc:chgData name="Christopher Acornley" userId="bbc264c4-ceb7-4165-9c6e-ab9636a383ef" providerId="ADAL" clId="{8E6D76F1-D7AE-4917-A651-8C73AC01DF94}" dt="2023-06-14T12:04:19.133" v="6664" actId="20577"/>
+        <pc:sldMkLst>
+          <pc:docMk/>
+          <pc:sldMk cId="2913232876" sldId="300"/>
+        </pc:sldMkLst>
+        <pc:spChg chg="mod">
+          <ac:chgData name="Christopher Acornley" userId="bbc264c4-ceb7-4165-9c6e-ab9636a383ef" providerId="ADAL" clId="{8E6D76F1-D7AE-4917-A651-8C73AC01DF94}" dt="2023-06-14T12:04:19.133" v="6664" actId="20577"/>
+          <ac:spMkLst>
+            <pc:docMk/>
+            <pc:sldMk cId="2913232876" sldId="300"/>
+            <ac:spMk id="4" creationId="{89066F11-6868-47D7-FDD2-F251B0B320C8}"/>
+          </ac:spMkLst>
+        </pc:spChg>
+      </pc:sldChg>
+      <pc:sldChg chg="modSp add mod">
+        <pc:chgData name="Christopher Acornley" userId="bbc264c4-ceb7-4165-9c6e-ab9636a383ef" providerId="ADAL" clId="{8E6D76F1-D7AE-4917-A651-8C73AC01DF94}" dt="2023-06-14T11:18:24.811" v="4867" actId="207"/>
+        <pc:sldMkLst>
+          <pc:docMk/>
+          <pc:sldMk cId="4061980238" sldId="303"/>
+        </pc:sldMkLst>
+        <pc:spChg chg="mod">
+          <ac:chgData name="Christopher Acornley" userId="bbc264c4-ceb7-4165-9c6e-ab9636a383ef" providerId="ADAL" clId="{8E6D76F1-D7AE-4917-A651-8C73AC01DF94}" dt="2023-06-14T11:18:24.811" v="4867" actId="207"/>
+          <ac:spMkLst>
+            <pc:docMk/>
+            <pc:sldMk cId="4061980238" sldId="303"/>
+            <ac:spMk id="3" creationId="{DAE9E2D5-3E7C-12B5-F2B4-4D153305E279}"/>
+          </ac:spMkLst>
+        </pc:spChg>
+      </pc:sldChg>
+      <pc:sldChg chg="modSp add mod">
+        <pc:chgData name="Christopher Acornley" userId="bbc264c4-ceb7-4165-9c6e-ab9636a383ef" providerId="ADAL" clId="{8E6D76F1-D7AE-4917-A651-8C73AC01DF94}" dt="2023-06-14T11:52:17.782" v="5712" actId="20577"/>
+        <pc:sldMkLst>
+          <pc:docMk/>
+          <pc:sldMk cId="3734950572" sldId="304"/>
+        </pc:sldMkLst>
+        <pc:spChg chg="mod">
+          <ac:chgData name="Christopher Acornley" userId="bbc264c4-ceb7-4165-9c6e-ab9636a383ef" providerId="ADAL" clId="{8E6D76F1-D7AE-4917-A651-8C73AC01DF94}" dt="2023-06-14T11:52:17.782" v="5712" actId="20577"/>
+          <ac:spMkLst>
+            <pc:docMk/>
+            <pc:sldMk cId="3734950572" sldId="304"/>
+            <ac:spMk id="3" creationId="{DAE9E2D5-3E7C-12B5-F2B4-4D153305E279}"/>
+          </ac:spMkLst>
+        </pc:spChg>
+      </pc:sldChg>
+      <pc:sldChg chg="modSp add mod ord">
+        <pc:chgData name="Christopher Acornley" userId="bbc264c4-ceb7-4165-9c6e-ab9636a383ef" providerId="ADAL" clId="{8E6D76F1-D7AE-4917-A651-8C73AC01DF94}" dt="2023-06-14T11:44:46.583" v="5615" actId="20577"/>
+        <pc:sldMkLst>
+          <pc:docMk/>
+          <pc:sldMk cId="112615147" sldId="305"/>
+        </pc:sldMkLst>
+        <pc:spChg chg="mod">
+          <ac:chgData name="Christopher Acornley" userId="bbc264c4-ceb7-4165-9c6e-ab9636a383ef" providerId="ADAL" clId="{8E6D76F1-D7AE-4917-A651-8C73AC01DF94}" dt="2023-06-14T11:44:46.583" v="5615" actId="20577"/>
+          <ac:spMkLst>
+            <pc:docMk/>
+            <pc:sldMk cId="112615147" sldId="305"/>
+            <ac:spMk id="3" creationId="{A9C16DC8-2E95-9526-1657-6E95C5B8A701}"/>
+          </ac:spMkLst>
+        </pc:spChg>
+      </pc:sldChg>
+      <pc:sldChg chg="modSp add mod">
+        <pc:chgData name="Christopher Acornley" userId="bbc264c4-ceb7-4165-9c6e-ab9636a383ef" providerId="ADAL" clId="{8E6D76F1-D7AE-4917-A651-8C73AC01DF94}" dt="2023-06-14T13:44:58.519" v="6967" actId="403"/>
+        <pc:sldMkLst>
+          <pc:docMk/>
+          <pc:sldMk cId="1444172677" sldId="306"/>
+        </pc:sldMkLst>
+        <pc:spChg chg="mod">
+          <ac:chgData name="Christopher Acornley" userId="bbc264c4-ceb7-4165-9c6e-ab9636a383ef" providerId="ADAL" clId="{8E6D76F1-D7AE-4917-A651-8C73AC01DF94}" dt="2023-06-14T13:43:35.877" v="6798" actId="20577"/>
+          <ac:spMkLst>
+            <pc:docMk/>
+            <pc:sldMk cId="1444172677" sldId="306"/>
+            <ac:spMk id="2" creationId="{BD4CA9CC-5ADC-001A-4D31-8EC14B8E37D4}"/>
+          </ac:spMkLst>
+        </pc:spChg>
+        <pc:spChg chg="mod">
+          <ac:chgData name="Christopher Acornley" userId="bbc264c4-ceb7-4165-9c6e-ab9636a383ef" providerId="ADAL" clId="{8E6D76F1-D7AE-4917-A651-8C73AC01DF94}" dt="2023-06-14T13:44:58.519" v="6967" actId="403"/>
+          <ac:spMkLst>
+            <pc:docMk/>
+            <pc:sldMk cId="1444172677" sldId="306"/>
+            <ac:spMk id="3" creationId="{121196E6-3603-F66B-72E8-8E7E5F53AC6C}"/>
           </ac:spMkLst>
         </pc:spChg>
       </pc:sldChg>
@@ -4153,7 +4510,7 @@
           <a:p>
             <a:fld id="{AF869721-F543-4A6C-BF9D-65D7CC540427}" type="datetimeFigureOut">
               <a:rPr lang="en-US" smtClean="0"/>
-              <a:t>6/9/2023</a:t>
+              <a:t>6/14/2023</a:t>
             </a:fld>
             <a:endParaRPr lang="en-US" dirty="0"/>
           </a:p>
@@ -4330,7 +4687,7 @@
           <a:p>
             <a:fld id="{C732326A-4C88-4AFB-AA5B-5919D81DFF5B}" type="datetimeFigureOut">
               <a:rPr lang="en-US" smtClean="0"/>
-              <a:t>6/9/2023</a:t>
+              <a:t>6/14/2023</a:t>
             </a:fld>
             <a:endParaRPr lang="en-US" dirty="0"/>
           </a:p>
@@ -4746,7 +5103,7 @@
           <a:p>
             <a:fld id="{C6B3AB32-59DF-41F1-9618-EDFBF5049629}" type="slidenum">
               <a:rPr lang="en-US" smtClean="0"/>
-              <a:t>8</a:t>
+              <a:t>9</a:t>
             </a:fld>
             <a:endParaRPr lang="en-US" dirty="0"/>
           </a:p>
@@ -4830,7 +5187,7 @@
           <a:p>
             <a:fld id="{C6B3AB32-59DF-41F1-9618-EDFBF5049629}" type="slidenum">
               <a:rPr lang="en-US" smtClean="0"/>
-              <a:t>31</a:t>
+              <a:t>32</a:t>
             </a:fld>
             <a:endParaRPr lang="en-US" dirty="0"/>
           </a:p>
@@ -5095,7 +5452,7 @@
             <a:fld id="{B61BEF0D-F0BB-DE4B-95CE-6DB70DBA9567}" type="datetimeFigureOut">
               <a:rPr lang="en-US" smtClean="0"/>
               <a:pPr/>
-              <a:t>6/9/2023</a:t>
+              <a:t>6/14/2023</a:t>
             </a:fld>
             <a:endParaRPr lang="en-US" dirty="0"/>
           </a:p>
@@ -5359,7 +5716,7 @@
             <a:fld id="{B61BEF0D-F0BB-DE4B-95CE-6DB70DBA9567}" type="datetimeFigureOut">
               <a:rPr lang="en-US" smtClean="0"/>
               <a:pPr/>
-              <a:t>6/9/2023</a:t>
+              <a:t>6/14/2023</a:t>
             </a:fld>
             <a:endParaRPr lang="en-US" dirty="0"/>
           </a:p>
@@ -5596,7 +5953,7 @@
             <a:fld id="{B61BEF0D-F0BB-DE4B-95CE-6DB70DBA9567}" type="datetimeFigureOut">
               <a:rPr lang="en-US" smtClean="0"/>
               <a:pPr/>
-              <a:t>6/9/2023</a:t>
+              <a:t>6/14/2023</a:t>
             </a:fld>
             <a:endParaRPr lang="en-US" dirty="0"/>
           </a:p>
@@ -5838,7 +6195,7 @@
             <a:fld id="{B61BEF0D-F0BB-DE4B-95CE-6DB70DBA9567}" type="datetimeFigureOut">
               <a:rPr lang="en-US" smtClean="0"/>
               <a:pPr/>
-              <a:t>6/9/2023</a:t>
+              <a:t>6/14/2023</a:t>
             </a:fld>
             <a:endParaRPr lang="en-US" dirty="0"/>
           </a:p>
@@ -6147,7 +6504,7 @@
             <a:fld id="{B61BEF0D-F0BB-DE4B-95CE-6DB70DBA9567}" type="datetimeFigureOut">
               <a:rPr lang="en-US" smtClean="0"/>
               <a:pPr/>
-              <a:t>6/9/2023</a:t>
+              <a:t>6/14/2023</a:t>
             </a:fld>
             <a:endParaRPr lang="en-US" dirty="0"/>
           </a:p>
@@ -6451,7 +6808,7 @@
             <a:fld id="{B61BEF0D-F0BB-DE4B-95CE-6DB70DBA9567}" type="datetimeFigureOut">
               <a:rPr lang="en-US" smtClean="0"/>
               <a:pPr/>
-              <a:t>6/9/2023</a:t>
+              <a:t>6/14/2023</a:t>
             </a:fld>
             <a:endParaRPr lang="en-US" dirty="0"/>
           </a:p>
@@ -6875,7 +7232,7 @@
             <a:fld id="{B61BEF0D-F0BB-DE4B-95CE-6DB70DBA9567}" type="datetimeFigureOut">
               <a:rPr lang="en-US" smtClean="0"/>
               <a:pPr/>
-              <a:t>6/9/2023</a:t>
+              <a:t>6/14/2023</a:t>
             </a:fld>
             <a:endParaRPr lang="en-US" dirty="0"/>
           </a:p>
@@ -6972,7 +7329,7 @@
             <a:fld id="{B61BEF0D-F0BB-DE4B-95CE-6DB70DBA9567}" type="datetimeFigureOut">
               <a:rPr lang="en-US" smtClean="0"/>
               <a:pPr/>
-              <a:t>6/9/2023</a:t>
+              <a:t>6/14/2023</a:t>
             </a:fld>
             <a:endParaRPr lang="en-US" dirty="0"/>
           </a:p>
@@ -7136,7 +7493,7 @@
             <a:fld id="{B61BEF0D-F0BB-DE4B-95CE-6DB70DBA9567}" type="datetimeFigureOut">
               <a:rPr lang="en-US" smtClean="0"/>
               <a:pPr/>
-              <a:t>6/9/2023</a:t>
+              <a:t>6/14/2023</a:t>
             </a:fld>
             <a:endParaRPr lang="en-US" dirty="0"/>
           </a:p>
@@ -7516,7 +7873,7 @@
             <a:fld id="{B61BEF0D-F0BB-DE4B-95CE-6DB70DBA9567}" type="datetimeFigureOut">
               <a:rPr lang="en-US" smtClean="0"/>
               <a:pPr/>
-              <a:t>6/9/2023</a:t>
+              <a:t>6/14/2023</a:t>
             </a:fld>
             <a:endParaRPr lang="en-US" dirty="0"/>
           </a:p>
@@ -7807,7 +8164,7 @@
             <a:fld id="{B61BEF0D-F0BB-DE4B-95CE-6DB70DBA9567}" type="datetimeFigureOut">
               <a:rPr lang="en-US" smtClean="0"/>
               <a:pPr/>
-              <a:t>6/9/2023</a:t>
+              <a:t>6/14/2023</a:t>
             </a:fld>
             <a:endParaRPr lang="en-US" dirty="0"/>
           </a:p>
@@ -8020,7 +8377,7 @@
             <a:fld id="{B61BEF0D-F0BB-DE4B-95CE-6DB70DBA9567}" type="datetimeFigureOut">
               <a:rPr lang="en-US" smtClean="0"/>
               <a:pPr/>
-              <a:t>6/9/2023</a:t>
+              <a:t>6/14/2023</a:t>
             </a:fld>
             <a:endParaRPr lang="en-US" dirty="0"/>
           </a:p>
@@ -9082,6 +9439,182 @@
           <p:cNvPr id="2" name="Title 1">
             <a:extLst>
               <a:ext uri="{FF2B5EF4-FFF2-40B4-BE49-F238E27FC236}">
+                <a16:creationId xmlns:a16="http://schemas.microsoft.com/office/drawing/2014/main" id="{C7B88BF5-C73D-C2F9-DD20-DE6522FEBB0C}"/>
+              </a:ext>
+            </a:extLst>
+          </p:cNvPr>
+          <p:cNvSpPr>
+            <a:spLocks noGrp="1"/>
+          </p:cNvSpPr>
+          <p:nvPr>
+            <p:ph type="ctrTitle"/>
+          </p:nvPr>
+        </p:nvSpPr>
+        <p:spPr/>
+        <p:txBody>
+          <a:bodyPr/>
+          <a:lstStyle/>
+          <a:p>
+            <a:r>
+              <a:rPr lang="en-US" dirty="0"/>
+              <a:t>Comparison</a:t>
+            </a:r>
+            <a:endParaRPr lang="en-GB" dirty="0"/>
+          </a:p>
+        </p:txBody>
+      </p:sp>
+      <p:sp>
+        <p:nvSpPr>
+          <p:cNvPr id="3" name="Subtitle 2">
+            <a:extLst>
+              <a:ext uri="{FF2B5EF4-FFF2-40B4-BE49-F238E27FC236}">
+                <a16:creationId xmlns:a16="http://schemas.microsoft.com/office/drawing/2014/main" id="{7DC5E721-C1B6-45C1-7ACB-BA368382A9E9}"/>
+              </a:ext>
+            </a:extLst>
+          </p:cNvPr>
+          <p:cNvSpPr>
+            <a:spLocks noGrp="1"/>
+          </p:cNvSpPr>
+          <p:nvPr>
+            <p:ph type="subTitle" idx="1"/>
+          </p:nvPr>
+        </p:nvSpPr>
+        <p:spPr>
+          <a:xfrm>
+            <a:off x="581191" y="3275621"/>
+            <a:ext cx="10993546" cy="2873509"/>
+          </a:xfrm>
+        </p:spPr>
+        <p:txBody>
+          <a:bodyPr>
+            <a:normAutofit/>
+          </a:bodyPr>
+          <a:lstStyle/>
+          <a:p>
+            <a:r>
+              <a:rPr lang="en-US" dirty="0">
+                <a:solidFill>
+                  <a:schemeClr val="bg1"/>
+                </a:solidFill>
+              </a:rPr>
+              <a:t>Grade Changes</a:t>
+            </a:r>
+          </a:p>
+          <a:p>
+            <a:endParaRPr lang="en-US" dirty="0">
+              <a:solidFill>
+                <a:schemeClr val="bg1"/>
+              </a:solidFill>
+            </a:endParaRPr>
+          </a:p>
+          <a:p>
+            <a:r>
+              <a:rPr lang="en-US" dirty="0">
+                <a:solidFill>
+                  <a:schemeClr val="bg1"/>
+                </a:solidFill>
+              </a:rPr>
+              <a:t>Attendance</a:t>
+            </a:r>
+          </a:p>
+          <a:p>
+            <a:pPr marL="285750" indent="-285750">
+              <a:buFont typeface="Wingdings" panose="05000000000000000000" pitchFamily="2" charset="2"/>
+              <a:buChar char="§"/>
+            </a:pPr>
+            <a:r>
+              <a:rPr lang="en-US" dirty="0">
+                <a:solidFill>
+                  <a:schemeClr val="bg1"/>
+                </a:solidFill>
+              </a:rPr>
+              <a:t>Overall</a:t>
+            </a:r>
+          </a:p>
+          <a:p>
+            <a:pPr marL="285750" indent="-285750">
+              <a:buFont typeface="Wingdings" panose="05000000000000000000" pitchFamily="2" charset="2"/>
+              <a:buChar char="§"/>
+            </a:pPr>
+            <a:r>
+              <a:rPr lang="en-US" dirty="0">
+                <a:solidFill>
+                  <a:schemeClr val="bg1"/>
+                </a:solidFill>
+              </a:rPr>
+              <a:t>Expected</a:t>
+            </a:r>
+          </a:p>
+          <a:p>
+            <a:pPr marL="285750" indent="-285750">
+              <a:buFont typeface="Wingdings" panose="05000000000000000000" pitchFamily="2" charset="2"/>
+              <a:buChar char="§"/>
+            </a:pPr>
+            <a:r>
+              <a:rPr lang="en-US" dirty="0">
+                <a:solidFill>
+                  <a:schemeClr val="bg1"/>
+                </a:solidFill>
+              </a:rPr>
+              <a:t>Lecture</a:t>
+            </a:r>
+          </a:p>
+          <a:p>
+            <a:pPr marL="285750" indent="-285750">
+              <a:buFont typeface="Wingdings" panose="05000000000000000000" pitchFamily="2" charset="2"/>
+              <a:buChar char="§"/>
+            </a:pPr>
+            <a:r>
+              <a:rPr lang="en-US" dirty="0">
+                <a:solidFill>
+                  <a:schemeClr val="bg1"/>
+                </a:solidFill>
+              </a:rPr>
+              <a:t>practical	</a:t>
+            </a:r>
+            <a:endParaRPr lang="en-GB" dirty="0">
+              <a:solidFill>
+                <a:schemeClr val="bg1"/>
+              </a:solidFill>
+            </a:endParaRPr>
+          </a:p>
+        </p:txBody>
+      </p:sp>
+    </p:spTree>
+    <p:extLst>
+      <p:ext uri="{BB962C8B-B14F-4D97-AF65-F5344CB8AC3E}">
+        <p14:creationId xmlns:p14="http://schemas.microsoft.com/office/powerpoint/2010/main" val="3788761878"/>
+      </p:ext>
+    </p:extLst>
+  </p:cSld>
+  <p:clrMapOvr>
+    <a:masterClrMapping/>
+  </p:clrMapOvr>
+</p:sld>
+</file>
+
+<file path=ppt/slides/slide11.xml><?xml version="1.0" encoding="utf-8"?>
+<p:sld xmlns:a="http://schemas.openxmlformats.org/drawingml/2006/main" xmlns:r="http://schemas.openxmlformats.org/officeDocument/2006/relationships" xmlns:p="http://schemas.openxmlformats.org/presentationml/2006/main">
+  <p:cSld>
+    <p:spTree>
+      <p:nvGrpSpPr>
+        <p:cNvPr id="1" name=""/>
+        <p:cNvGrpSpPr/>
+        <p:nvPr/>
+      </p:nvGrpSpPr>
+      <p:grpSpPr>
+        <a:xfrm>
+          <a:off x="0" y="0"/>
+          <a:ext cx="0" cy="0"/>
+          <a:chOff x="0" y="0"/>
+          <a:chExt cx="0" cy="0"/>
+        </a:xfrm>
+      </p:grpSpPr>
+      <p:sp>
+        <p:nvSpPr>
+          <p:cNvPr id="2" name="Title 1">
+            <a:extLst>
+              <a:ext uri="{FF2B5EF4-FFF2-40B4-BE49-F238E27FC236}">
                 <a16:creationId xmlns:a16="http://schemas.microsoft.com/office/drawing/2014/main" id="{921633EB-7DCB-4DDC-80AF-C885A3EE1245}"/>
               </a:ext>
             </a:extLst>
@@ -9127,30 +9660,50 @@
           <a:lstStyle/>
           <a:p>
             <a:r>
-              <a:rPr lang="en-US" dirty="0"/>
+              <a:rPr lang="en-US" dirty="0">
+                <a:solidFill>
+                  <a:schemeClr val="tx1"/>
+                </a:solidFill>
+              </a:rPr>
               <a:t>Grade Distribution over the three years.</a:t>
             </a:r>
           </a:p>
           <a:p>
             <a:r>
-              <a:rPr lang="en-GB" dirty="0"/>
+              <a:rPr lang="en-GB" dirty="0">
+                <a:solidFill>
+                  <a:schemeClr val="tx1"/>
+                </a:solidFill>
+              </a:rPr>
               <a:t>Observations:</a:t>
             </a:r>
           </a:p>
           <a:p>
             <a:pPr lvl="1"/>
             <a:r>
-              <a:rPr lang="en-GB" dirty="0"/>
+              <a:rPr lang="en-GB" dirty="0">
+                <a:solidFill>
+                  <a:schemeClr val="tx1"/>
+                </a:solidFill>
+              </a:rPr>
               <a:t>2021-2022 year, no students recorded as MF or F, only a relatively small number of NS grades</a:t>
             </a:r>
           </a:p>
           <a:p>
             <a:pPr lvl="1"/>
             <a:r>
-              <a:rPr lang="en-GB" dirty="0"/>
+              <a:rPr lang="en-GB" dirty="0">
+                <a:solidFill>
+                  <a:schemeClr val="tx1"/>
+                </a:solidFill>
+              </a:rPr>
               <a:t>Median for 2020-2021 and 2022-2023 are the same, however general performance appears to have dropped.</a:t>
             </a:r>
-            <a:endParaRPr lang="en-US" dirty="0"/>
+            <a:endParaRPr lang="en-US" dirty="0">
+              <a:solidFill>
+                <a:schemeClr val="tx1"/>
+              </a:solidFill>
+            </a:endParaRPr>
           </a:p>
         </p:txBody>
       </p:sp>
@@ -9196,7 +9749,7 @@
 </p:sld>
 </file>
 
-<file path=ppt/slides/slide11.xml><?xml version="1.0" encoding="utf-8"?>
+<file path=ppt/slides/slide12.xml><?xml version="1.0" encoding="utf-8"?>
 <p:sld xmlns:a="http://schemas.openxmlformats.org/drawingml/2006/main" xmlns:r="http://schemas.openxmlformats.org/officeDocument/2006/relationships" xmlns:p="http://schemas.openxmlformats.org/presentationml/2006/main">
   <p:cSld>
     <p:spTree>
@@ -9342,7 +9895,7 @@
 </p:sld>
 </file>
 
-<file path=ppt/slides/slide12.xml><?xml version="1.0" encoding="utf-8"?>
+<file path=ppt/slides/slide13.xml><?xml version="1.0" encoding="utf-8"?>
 <p:sld xmlns:a="http://schemas.openxmlformats.org/drawingml/2006/main" xmlns:r="http://schemas.openxmlformats.org/officeDocument/2006/relationships" xmlns:p="http://schemas.openxmlformats.org/presentationml/2006/main">
   <p:cSld>
     <p:spTree>
@@ -9409,25 +9962,41 @@
           <a:lstStyle/>
           <a:p>
             <a:r>
-              <a:rPr lang="en-US" dirty="0"/>
+              <a:rPr lang="en-US" dirty="0">
+                <a:solidFill>
+                  <a:schemeClr val="tx1"/>
+                </a:solidFill>
+              </a:rPr>
               <a:t>Relatively even distribution of grades when compared with the other years.</a:t>
             </a:r>
           </a:p>
           <a:p>
             <a:r>
-              <a:rPr lang="en-US" dirty="0"/>
+              <a:rPr lang="en-US" dirty="0">
+                <a:solidFill>
+                  <a:schemeClr val="tx1"/>
+                </a:solidFill>
+              </a:rPr>
               <a:t>Mean: 		2.458</a:t>
             </a:r>
           </a:p>
           <a:p>
             <a:r>
-              <a:rPr lang="en-US" dirty="0"/>
+              <a:rPr lang="en-US" dirty="0">
+                <a:solidFill>
+                  <a:schemeClr val="tx1"/>
+                </a:solidFill>
+              </a:rPr>
               <a:t>Median: 	2.5</a:t>
             </a:r>
           </a:p>
           <a:p>
             <a:r>
-              <a:rPr lang="en-US" dirty="0"/>
+              <a:rPr lang="en-US" dirty="0">
+                <a:solidFill>
+                  <a:schemeClr val="tx1"/>
+                </a:solidFill>
+              </a:rPr>
               <a:t>Total students: 60</a:t>
             </a:r>
           </a:p>
@@ -9931,7 +10500,7 @@
 </p:sld>
 </file>
 
-<file path=ppt/slides/slide13.xml><?xml version="1.0" encoding="utf-8"?>
+<file path=ppt/slides/slide14.xml><?xml version="1.0" encoding="utf-8"?>
 <p:sld xmlns:a="http://schemas.openxmlformats.org/drawingml/2006/main" xmlns:r="http://schemas.openxmlformats.org/officeDocument/2006/relationships" xmlns:p="http://schemas.openxmlformats.org/presentationml/2006/main">
   <p:cSld>
     <p:spTree>
@@ -9998,31 +10567,51 @@
           <a:lstStyle/>
           <a:p>
             <a:r>
-              <a:rPr lang="en-US" dirty="0"/>
+              <a:rPr lang="en-US" dirty="0">
+                <a:solidFill>
+                  <a:schemeClr val="tx1"/>
+                </a:solidFill>
+              </a:rPr>
               <a:t>Heavy focus on upper grades. </a:t>
             </a:r>
           </a:p>
           <a:p>
             <a:r>
-              <a:rPr lang="en-US" dirty="0"/>
+              <a:rPr lang="en-US" dirty="0">
+                <a:solidFill>
+                  <a:schemeClr val="tx1"/>
+                </a:solidFill>
+              </a:rPr>
               <a:t>No Marginal Fail or Fail grades, only 4 NS submissions.</a:t>
             </a:r>
           </a:p>
           <a:p>
             <a:r>
-              <a:rPr lang="en-US" dirty="0"/>
+              <a:rPr lang="en-US" dirty="0">
+                <a:solidFill>
+                  <a:schemeClr val="tx1"/>
+                </a:solidFill>
+              </a:rPr>
               <a:t>Mean:		3.129</a:t>
             </a:r>
           </a:p>
           <a:p>
             <a:r>
-              <a:rPr lang="en-US" dirty="0"/>
+              <a:rPr lang="en-US" dirty="0">
+                <a:solidFill>
+                  <a:schemeClr val="tx1"/>
+                </a:solidFill>
+              </a:rPr>
               <a:t>Median: 	3.5</a:t>
             </a:r>
           </a:p>
           <a:p>
             <a:r>
-              <a:rPr lang="en-US" dirty="0"/>
+              <a:rPr lang="en-US" dirty="0">
+                <a:solidFill>
+                  <a:schemeClr val="tx1"/>
+                </a:solidFill>
+              </a:rPr>
               <a:t>Total students: 70</a:t>
             </a:r>
           </a:p>
@@ -10527,7 +11116,7 @@
 </p:sld>
 </file>
 
-<file path=ppt/slides/slide14.xml><?xml version="1.0" encoding="utf-8"?>
+<file path=ppt/slides/slide15.xml><?xml version="1.0" encoding="utf-8"?>
 <p:sld xmlns:a="http://schemas.openxmlformats.org/drawingml/2006/main" xmlns:r="http://schemas.openxmlformats.org/officeDocument/2006/relationships" xmlns:p="http://schemas.openxmlformats.org/presentationml/2006/main">
   <p:cSld>
     <p:spTree>
@@ -10594,39 +11183,63 @@
           <a:lstStyle/>
           <a:p>
             <a:r>
-              <a:rPr lang="en-US" dirty="0"/>
+              <a:rPr lang="en-US" dirty="0">
+                <a:solidFill>
+                  <a:schemeClr val="tx1"/>
+                </a:solidFill>
+              </a:rPr>
               <a:t>Larger number of students did not submit (both count and percentage of cohort size).</a:t>
             </a:r>
           </a:p>
           <a:p>
             <a:pPr lvl="1"/>
             <a:r>
-              <a:rPr lang="en-US" dirty="0"/>
+              <a:rPr lang="en-US" dirty="0">
+                <a:solidFill>
+                  <a:schemeClr val="tx1"/>
+                </a:solidFill>
+              </a:rPr>
               <a:t>Assignment and grading criteria are the same.</a:t>
             </a:r>
           </a:p>
           <a:p>
             <a:pPr lvl="1"/>
             <a:r>
-              <a:rPr lang="en-US" dirty="0"/>
+              <a:rPr lang="en-US" dirty="0">
+                <a:solidFill>
+                  <a:schemeClr val="tx1"/>
+                </a:solidFill>
+              </a:rPr>
               <a:t>Marking Team different. </a:t>
             </a:r>
           </a:p>
           <a:p>
             <a:r>
-              <a:rPr lang="en-US" dirty="0"/>
+              <a:rPr lang="en-US" dirty="0">
+                <a:solidFill>
+                  <a:schemeClr val="tx1"/>
+                </a:solidFill>
+              </a:rPr>
               <a:t>Mean: 		2.056</a:t>
             </a:r>
           </a:p>
           <a:p>
             <a:r>
-              <a:rPr lang="en-US" dirty="0"/>
+              <a:rPr lang="en-US" dirty="0">
+                <a:solidFill>
+                  <a:schemeClr val="tx1"/>
+                </a:solidFill>
+              </a:rPr>
               <a:t>Median:	2.5</a:t>
             </a:r>
           </a:p>
           <a:p>
             <a:r>
-              <a:rPr lang="en-US" dirty="0"/>
+              <a:rPr lang="en-US" dirty="0">
+                <a:solidFill>
+                  <a:schemeClr val="tx1"/>
+                </a:solidFill>
+              </a:rPr>
               <a:t>Total students: 63</a:t>
             </a:r>
           </a:p>
@@ -11131,7 +11744,7 @@
 </p:sld>
 </file>
 
-<file path=ppt/slides/slide15.xml><?xml version="1.0" encoding="utf-8"?>
+<file path=ppt/slides/slide16.xml><?xml version="1.0" encoding="utf-8"?>
 <p:sld xmlns:a="http://schemas.openxmlformats.org/drawingml/2006/main" xmlns:r="http://schemas.openxmlformats.org/officeDocument/2006/relationships" xmlns:p="http://schemas.openxmlformats.org/presentationml/2006/main">
   <p:cSld>
     <p:spTree>
@@ -11208,7 +11821,11 @@
               <a:lstStyle/>
               <a:p>
                 <a:r>
-                  <a:rPr lang="en-US" dirty="0"/>
+                  <a:rPr lang="en-US" dirty="0">
+                    <a:solidFill>
+                      <a:schemeClr val="tx1"/>
+                    </a:solidFill>
+                  </a:rPr>
                   <a:t>Attendance data is split into three categories:</a:t>
                 </a:r>
               </a:p>
@@ -11218,7 +11835,11 @@
                   <a:buAutoNum type="arabicPeriod"/>
                 </a:pPr>
                 <a:r>
-                  <a:rPr lang="en-US" dirty="0"/>
+                  <a:rPr lang="en-US" dirty="0">
+                    <a:solidFill>
+                      <a:schemeClr val="tx1"/>
+                    </a:solidFill>
+                  </a:rPr>
                   <a:t>Attendance Overall</a:t>
                 </a:r>
               </a:p>
@@ -11228,7 +11849,11 @@
                   <a:buAutoNum type="arabicPeriod"/>
                 </a:pPr>
                 <a:r>
-                  <a:rPr lang="en-US" dirty="0"/>
+                  <a:rPr lang="en-US" dirty="0">
+                    <a:solidFill>
+                      <a:schemeClr val="tx1"/>
+                    </a:solidFill>
+                  </a:rPr>
                   <a:t>Attendance Per Practical</a:t>
                 </a:r>
               </a:p>
@@ -11238,7 +11863,11 @@
                   <a:buAutoNum type="arabicPeriod"/>
                 </a:pPr>
                 <a:r>
-                  <a:rPr lang="en-US" dirty="0"/>
+                  <a:rPr lang="en-US" dirty="0">
+                    <a:solidFill>
+                      <a:schemeClr val="tx1"/>
+                    </a:solidFill>
+                  </a:rPr>
                   <a:t>Attendance Per Lecture</a:t>
                 </a:r>
               </a:p>
@@ -11247,11 +11876,19 @@
                   <a:buFont typeface="+mj-lt"/>
                   <a:buAutoNum type="arabicPeriod"/>
                 </a:pPr>
-                <a:endParaRPr lang="en-US" dirty="0"/>
+                <a:endParaRPr lang="en-US" dirty="0">
+                  <a:solidFill>
+                    <a:schemeClr val="tx1"/>
+                  </a:solidFill>
+                </a:endParaRPr>
               </a:p>
               <a:p>
                 <a:r>
-                  <a:rPr lang="en-US" dirty="0"/>
+                  <a:rPr lang="en-US" dirty="0">
+                    <a:solidFill>
+                      <a:schemeClr val="tx1"/>
+                    </a:solidFill>
+                  </a:rPr>
                   <a:t>Due to there being two practical sessions each year, students may attend both, especially if they are on the same day or after one another. </a:t>
                 </a:r>
               </a:p>
@@ -11260,7 +11897,11 @@
                   <a:buNone/>
                 </a:pPr>
                 <a:r>
-                  <a:rPr lang="en-US" dirty="0"/>
+                  <a:rPr lang="en-US" dirty="0">
+                    <a:solidFill>
+                      <a:schemeClr val="tx1"/>
+                    </a:solidFill>
+                  </a:rPr>
                   <a:t>Attendance Count:</a:t>
                 </a:r>
               </a:p>
@@ -11269,19 +11910,29 @@
                   <a:buNone/>
                 </a:pPr>
                 <a:r>
-                  <a:rPr lang="en-US" b="0" dirty="0"/>
+                  <a:rPr lang="en-US" b="0" dirty="0">
+                    <a:solidFill>
+                      <a:schemeClr val="tx1"/>
+                    </a:solidFill>
+                  </a:rPr>
                   <a:t>	</a:t>
                 </a:r>
                 <a14:m>
                   <m:oMath xmlns:m="http://schemas.openxmlformats.org/officeDocument/2006/math">
                     <m:r>
                       <a:rPr lang="en-US" b="0" i="1" smtClean="0">
+                        <a:solidFill>
+                          <a:schemeClr val="tx1"/>
+                        </a:solidFill>
                         <a:latin typeface="Cambria Math" panose="02040503050406030204" pitchFamily="18" charset="0"/>
                       </a:rPr>
                       <m:t>𝐶</m:t>
                     </m:r>
                     <m:r>
                       <a:rPr lang="en-US" b="0" i="1" smtClean="0">
+                        <a:solidFill>
+                          <a:schemeClr val="tx1"/>
+                        </a:solidFill>
                         <a:latin typeface="Cambria Math" panose="02040503050406030204" pitchFamily="18" charset="0"/>
                       </a:rPr>
                       <m:t>=</m:t>
@@ -11290,6 +11941,9 @@
                       <m:fPr>
                         <m:ctrlPr>
                           <a:rPr lang="en-US" b="0" i="1" smtClean="0">
+                            <a:solidFill>
+                              <a:schemeClr val="tx1"/>
+                            </a:solidFill>
                             <a:latin typeface="Cambria Math" panose="02040503050406030204" pitchFamily="18" charset="0"/>
                           </a:rPr>
                         </m:ctrlPr>
@@ -11297,18 +11951,27 @@
                       <m:num>
                         <m:r>
                           <a:rPr lang="en-US" b="0" i="1" smtClean="0">
+                            <a:solidFill>
+                              <a:schemeClr val="tx1"/>
+                            </a:solidFill>
                             <a:latin typeface="Cambria Math" panose="02040503050406030204" pitchFamily="18" charset="0"/>
                           </a:rPr>
                           <m:t>𝑆𝑡𝑢𝑑𝑒𝑛𝑡</m:t>
                         </m:r>
                         <m:r>
                           <a:rPr lang="en-US" i="1">
+                            <a:solidFill>
+                              <a:schemeClr val="tx1"/>
+                            </a:solidFill>
                             <a:latin typeface="Cambria Math" panose="02040503050406030204" pitchFamily="18" charset="0"/>
                           </a:rPr>
                           <m:t> </m:t>
                         </m:r>
                         <m:r>
                           <a:rPr lang="en-US" i="1">
+                            <a:solidFill>
+                              <a:schemeClr val="tx1"/>
+                            </a:solidFill>
                             <a:latin typeface="Cambria Math" panose="02040503050406030204" pitchFamily="18" charset="0"/>
                           </a:rPr>
                           <m:t>𝐶𝑜𝑢𝑛𝑡</m:t>
@@ -11317,90 +11980,135 @@
                       <m:den>
                         <m:r>
                           <a:rPr lang="en-US" i="1">
+                            <a:solidFill>
+                              <a:schemeClr val="tx1"/>
+                            </a:solidFill>
                             <a:latin typeface="Cambria Math" panose="02040503050406030204" pitchFamily="18" charset="0"/>
                           </a:rPr>
                           <m:t>𝑁𝑜</m:t>
                         </m:r>
                         <m:r>
                           <a:rPr lang="en-US" i="1">
+                            <a:solidFill>
+                              <a:schemeClr val="tx1"/>
+                            </a:solidFill>
                             <a:latin typeface="Cambria Math" panose="02040503050406030204" pitchFamily="18" charset="0"/>
                           </a:rPr>
                           <m:t>. </m:t>
                         </m:r>
                         <m:r>
                           <a:rPr lang="en-US" i="1">
+                            <a:solidFill>
+                              <a:schemeClr val="tx1"/>
+                            </a:solidFill>
                             <a:latin typeface="Cambria Math" panose="02040503050406030204" pitchFamily="18" charset="0"/>
                           </a:rPr>
                           <m:t>𝑃𝑟𝑎𝑐𝑡𝑖𝑐𝑎𝑙𝑠</m:t>
                         </m:r>
                         <m:r>
                           <a:rPr lang="en-US" i="1">
+                            <a:solidFill>
+                              <a:schemeClr val="tx1"/>
+                            </a:solidFill>
                             <a:latin typeface="Cambria Math" panose="02040503050406030204" pitchFamily="18" charset="0"/>
                           </a:rPr>
                           <m:t>.</m:t>
                         </m:r>
                         <m:r>
                           <a:rPr lang="en-US" i="1">
+                            <a:solidFill>
+                              <a:schemeClr val="tx1"/>
+                            </a:solidFill>
                             <a:latin typeface="Cambria Math" panose="02040503050406030204" pitchFamily="18" charset="0"/>
                           </a:rPr>
                           <m:t>𝐴</m:t>
                         </m:r>
                         <m:r>
                           <a:rPr lang="en-US" i="1">
+                            <a:solidFill>
+                              <a:schemeClr val="tx1"/>
+                            </a:solidFill>
                             <a:latin typeface="Cambria Math" panose="02040503050406030204" pitchFamily="18" charset="0"/>
                           </a:rPr>
                           <m:t>+</m:t>
                         </m:r>
                         <m:r>
                           <a:rPr lang="en-US" b="0" i="1" smtClean="0">
+                            <a:solidFill>
+                              <a:schemeClr val="tx1"/>
+                            </a:solidFill>
                             <a:latin typeface="Cambria Math" panose="02040503050406030204" pitchFamily="18" charset="0"/>
                           </a:rPr>
                           <m:t>𝑁𝑜</m:t>
                         </m:r>
                         <m:r>
                           <a:rPr lang="en-US" b="0" i="1" smtClean="0">
+                            <a:solidFill>
+                              <a:schemeClr val="tx1"/>
+                            </a:solidFill>
                             <a:latin typeface="Cambria Math" panose="02040503050406030204" pitchFamily="18" charset="0"/>
                           </a:rPr>
                           <m:t>.</m:t>
                         </m:r>
                         <m:r>
                           <a:rPr lang="en-US" b="0" i="1" smtClean="0">
+                            <a:solidFill>
+                              <a:schemeClr val="tx1"/>
+                            </a:solidFill>
                             <a:latin typeface="Cambria Math" panose="02040503050406030204" pitchFamily="18" charset="0"/>
                           </a:rPr>
                           <m:t>𝑃𝑟𝑎𝑐𝑡𝑖𝑐𝑎𝑙𝑠</m:t>
                         </m:r>
                         <m:r>
                           <a:rPr lang="en-US" b="0" i="1" smtClean="0">
+                            <a:solidFill>
+                              <a:schemeClr val="tx1"/>
+                            </a:solidFill>
                             <a:latin typeface="Cambria Math" panose="02040503050406030204" pitchFamily="18" charset="0"/>
                           </a:rPr>
                           <m:t>.</m:t>
                         </m:r>
                         <m:r>
                           <a:rPr lang="en-US" b="0" i="1" smtClean="0">
+                            <a:solidFill>
+                              <a:schemeClr val="tx1"/>
+                            </a:solidFill>
                             <a:latin typeface="Cambria Math" panose="02040503050406030204" pitchFamily="18" charset="0"/>
                           </a:rPr>
                           <m:t>𝐵</m:t>
                         </m:r>
                         <m:r>
                           <a:rPr lang="en-US" b="0" i="1" smtClean="0">
+                            <a:solidFill>
+                              <a:schemeClr val="tx1"/>
+                            </a:solidFill>
                             <a:latin typeface="Cambria Math" panose="02040503050406030204" pitchFamily="18" charset="0"/>
                           </a:rPr>
                           <m:t>+</m:t>
                         </m:r>
                         <m:r>
                           <a:rPr lang="en-US" i="1">
+                            <a:solidFill>
+                              <a:schemeClr val="tx1"/>
+                            </a:solidFill>
                             <a:latin typeface="Cambria Math" panose="02040503050406030204" pitchFamily="18" charset="0"/>
                           </a:rPr>
                           <m:t>𝑁𝑜</m:t>
                         </m:r>
                         <m:r>
                           <a:rPr lang="en-US" i="1">
+                            <a:solidFill>
+                              <a:schemeClr val="tx1"/>
+                            </a:solidFill>
                             <a:latin typeface="Cambria Math" panose="02040503050406030204" pitchFamily="18" charset="0"/>
                           </a:rPr>
                           <m:t>. </m:t>
                         </m:r>
                         <m:r>
                           <a:rPr lang="en-US" i="1">
+                            <a:solidFill>
+                              <a:schemeClr val="tx1"/>
+                            </a:solidFill>
                             <a:latin typeface="Cambria Math" panose="02040503050406030204" pitchFamily="18" charset="0"/>
                           </a:rPr>
                           <m:t>𝐿𝑒𝑐𝑡𝑢𝑟𝑒𝑠</m:t>
@@ -11409,6 +12117,9 @@
                     </m:f>
                     <m:r>
                       <a:rPr lang="en-US" b="0" i="1" smtClean="0">
+                        <a:solidFill>
+                          <a:schemeClr val="tx1"/>
+                        </a:solidFill>
                         <a:latin typeface="Cambria Math" panose="02040503050406030204" pitchFamily="18" charset="0"/>
                       </a:rPr>
                       <m:t> ∗100</m:t>
@@ -11416,19 +12127,29 @@
                   </m:oMath>
                 </a14:m>
                 <a:r>
-                  <a:rPr lang="en-US" dirty="0"/>
+                  <a:rPr lang="en-US" dirty="0">
+                    <a:solidFill>
+                      <a:schemeClr val="tx1"/>
+                    </a:solidFill>
+                  </a:rPr>
                   <a:t>			</a:t>
                 </a:r>
                 <a14:m>
                   <m:oMath xmlns:m="http://schemas.openxmlformats.org/officeDocument/2006/math">
                     <m:r>
                       <a:rPr lang="en-US" b="0" i="1" smtClean="0">
+                        <a:solidFill>
+                          <a:schemeClr val="tx1"/>
+                        </a:solidFill>
                         <a:latin typeface="Cambria Math" panose="02040503050406030204" pitchFamily="18" charset="0"/>
                       </a:rPr>
                       <m:t>𝐶</m:t>
                     </m:r>
                     <m:r>
                       <a:rPr lang="en-US" b="0" i="1" smtClean="0">
+                        <a:solidFill>
+                          <a:schemeClr val="tx1"/>
+                        </a:solidFill>
                         <a:latin typeface="Cambria Math" panose="02040503050406030204" pitchFamily="18" charset="0"/>
                       </a:rPr>
                       <m:t>=</m:t>
@@ -11437,6 +12158,9 @@
                       <m:fPr>
                         <m:ctrlPr>
                           <a:rPr lang="en-US" b="0" i="1" smtClean="0">
+                            <a:solidFill>
+                              <a:schemeClr val="tx1"/>
+                            </a:solidFill>
                             <a:latin typeface="Cambria Math" panose="02040503050406030204" pitchFamily="18" charset="0"/>
                           </a:rPr>
                         </m:ctrlPr>
@@ -11444,18 +12168,27 @@
                       <m:num>
                         <m:r>
                           <a:rPr lang="en-US" i="1">
+                            <a:solidFill>
+                              <a:schemeClr val="tx1"/>
+                            </a:solidFill>
                             <a:latin typeface="Cambria Math" panose="02040503050406030204" pitchFamily="18" charset="0"/>
                           </a:rPr>
                           <m:t>𝑆𝑡𝑢𝑑𝑒𝑛𝑡</m:t>
                         </m:r>
                         <m:r>
                           <a:rPr lang="en-US" b="0" i="1" smtClean="0">
+                            <a:solidFill>
+                              <a:schemeClr val="tx1"/>
+                            </a:solidFill>
                             <a:latin typeface="Cambria Math" panose="02040503050406030204" pitchFamily="18" charset="0"/>
                           </a:rPr>
                           <m:t> </m:t>
                         </m:r>
                         <m:r>
                           <a:rPr lang="en-US" b="0" i="1" smtClean="0">
+                            <a:solidFill>
+                              <a:schemeClr val="tx1"/>
+                            </a:solidFill>
                             <a:latin typeface="Cambria Math" panose="02040503050406030204" pitchFamily="18" charset="0"/>
                           </a:rPr>
                           <m:t>𝐶𝑜𝑢𝑛𝑡</m:t>
@@ -11464,54 +12197,81 @@
                       <m:den>
                         <m:r>
                           <a:rPr lang="en-US" b="0" i="1" smtClean="0">
+                            <a:solidFill>
+                              <a:schemeClr val="tx1"/>
+                            </a:solidFill>
                             <a:latin typeface="Cambria Math" panose="02040503050406030204" pitchFamily="18" charset="0"/>
                           </a:rPr>
                           <m:t>𝑁𝑜</m:t>
                         </m:r>
                         <m:r>
                           <a:rPr lang="en-US" b="0" i="1" smtClean="0">
+                            <a:solidFill>
+                              <a:schemeClr val="tx1"/>
+                            </a:solidFill>
                             <a:latin typeface="Cambria Math" panose="02040503050406030204" pitchFamily="18" charset="0"/>
                           </a:rPr>
                           <m:t>. </m:t>
                         </m:r>
                         <m:r>
                           <a:rPr lang="en-US" b="0" i="1" smtClean="0">
+                            <a:solidFill>
+                              <a:schemeClr val="tx1"/>
+                            </a:solidFill>
                             <a:latin typeface="Cambria Math" panose="02040503050406030204" pitchFamily="18" charset="0"/>
                           </a:rPr>
                           <m:t>𝑃𝑟𝑎𝑐𝑡𝑖𝑐𝑎𝑙𝑠</m:t>
                         </m:r>
                         <m:r>
                           <a:rPr lang="en-US" b="0" i="1" smtClean="0">
+                            <a:solidFill>
+                              <a:schemeClr val="tx1"/>
+                            </a:solidFill>
                             <a:latin typeface="Cambria Math" panose="02040503050406030204" pitchFamily="18" charset="0"/>
                           </a:rPr>
                           <m:t>.</m:t>
                         </m:r>
                         <m:r>
                           <a:rPr lang="en-US" b="0" i="1" smtClean="0">
+                            <a:solidFill>
+                              <a:schemeClr val="tx1"/>
+                            </a:solidFill>
                             <a:latin typeface="Cambria Math" panose="02040503050406030204" pitchFamily="18" charset="0"/>
                           </a:rPr>
                           <m:t>𝐴</m:t>
                         </m:r>
                         <m:r>
                           <a:rPr lang="en-US" b="0" i="1" smtClean="0">
+                            <a:solidFill>
+                              <a:schemeClr val="tx1"/>
+                            </a:solidFill>
                             <a:latin typeface="Cambria Math" panose="02040503050406030204" pitchFamily="18" charset="0"/>
                           </a:rPr>
                           <m:t>+</m:t>
                         </m:r>
                         <m:r>
                           <a:rPr lang="en-US" b="0" i="1" smtClean="0">
+                            <a:solidFill>
+                              <a:schemeClr val="tx1"/>
+                            </a:solidFill>
                             <a:latin typeface="Cambria Math" panose="02040503050406030204" pitchFamily="18" charset="0"/>
                           </a:rPr>
                           <m:t>𝑁𝑜</m:t>
                         </m:r>
                         <m:r>
                           <a:rPr lang="en-US" b="0" i="1" smtClean="0">
+                            <a:solidFill>
+                              <a:schemeClr val="tx1"/>
+                            </a:solidFill>
                             <a:latin typeface="Cambria Math" panose="02040503050406030204" pitchFamily="18" charset="0"/>
                           </a:rPr>
                           <m:t>. </m:t>
                         </m:r>
                         <m:r>
                           <a:rPr lang="en-US" b="0" i="1" smtClean="0">
+                            <a:solidFill>
+                              <a:schemeClr val="tx1"/>
+                            </a:solidFill>
                             <a:latin typeface="Cambria Math" panose="02040503050406030204" pitchFamily="18" charset="0"/>
                           </a:rPr>
                           <m:t>𝐿𝑒𝑐𝑡𝑢𝑟𝑒𝑠</m:t>
@@ -11520,30 +12280,49 @@
                     </m:f>
                     <m:r>
                       <a:rPr lang="en-US" b="0" i="1" smtClean="0">
+                        <a:solidFill>
+                          <a:schemeClr val="tx1"/>
+                        </a:solidFill>
                         <a:latin typeface="Cambria Math" panose="02040503050406030204" pitchFamily="18" charset="0"/>
                       </a:rPr>
                       <m:t> ∗100</m:t>
                     </m:r>
                   </m:oMath>
                 </a14:m>
-                <a:endParaRPr lang="en-US" dirty="0"/>
+                <a:endParaRPr lang="en-US" dirty="0">
+                  <a:solidFill>
+                    <a:schemeClr val="tx1"/>
+                  </a:solidFill>
+                </a:endParaRPr>
               </a:p>
               <a:p>
                 <a:pPr marL="0" indent="0">
                   <a:buNone/>
                 </a:pPr>
-                <a:endParaRPr lang="en-US" dirty="0"/>
+                <a:endParaRPr lang="en-US" dirty="0">
+                  <a:solidFill>
+                    <a:schemeClr val="tx1"/>
+                  </a:solidFill>
+                </a:endParaRPr>
               </a:p>
               <a:p>
                 <a:r>
-                  <a:rPr lang="en-US" dirty="0"/>
+                  <a:rPr lang="en-US" dirty="0">
+                    <a:solidFill>
+                      <a:schemeClr val="tx1"/>
+                    </a:solidFill>
+                  </a:rPr>
                   <a:t>Outliers:</a:t>
                 </a:r>
               </a:p>
               <a:p>
                 <a:pPr lvl="1"/>
                 <a:r>
-                  <a:rPr lang="en-US" dirty="0"/>
+                  <a:rPr lang="en-US" dirty="0">
+                    <a:solidFill>
+                      <a:schemeClr val="tx1"/>
+                    </a:solidFill>
+                  </a:rPr>
                   <a:t>One student has a practical attendance percentage of 108%, as they attended one more lecture than required. (2021-2022)</a:t>
                 </a:r>
               </a:p>
@@ -11607,7 +12386,7 @@
 </p:sld>
 </file>
 
-<file path=ppt/slides/slide16.xml><?xml version="1.0" encoding="utf-8"?>
+<file path=ppt/slides/slide17.xml><?xml version="1.0" encoding="utf-8"?>
 <p:sld xmlns:a="http://schemas.openxmlformats.org/drawingml/2006/main" xmlns:r="http://schemas.openxmlformats.org/officeDocument/2006/relationships" xmlns:p="http://schemas.openxmlformats.org/presentationml/2006/main">
   <p:cSld>
     <p:spTree>
@@ -11738,19 +12517,31 @@
           <a:lstStyle/>
           <a:p>
             <a:r>
-              <a:rPr lang="en-US" dirty="0"/>
+              <a:rPr lang="en-US" dirty="0">
+                <a:solidFill>
+                  <a:schemeClr val="tx1"/>
+                </a:solidFill>
+              </a:rPr>
               <a:t>Attendance Percentage for last two years.</a:t>
             </a:r>
           </a:p>
           <a:p>
             <a:r>
-              <a:rPr lang="en-US" dirty="0"/>
+              <a:rPr lang="en-US" dirty="0">
+                <a:solidFill>
+                  <a:schemeClr val="tx1"/>
+                </a:solidFill>
+              </a:rPr>
               <a:t>General attendance is similar, slightly lowered</a:t>
             </a:r>
           </a:p>
           <a:p>
             <a:r>
-              <a:rPr lang="en-US" dirty="0"/>
+              <a:rPr lang="en-US" dirty="0">
+                <a:solidFill>
+                  <a:schemeClr val="tx1"/>
+                </a:solidFill>
+              </a:rPr>
               <a:t>Decrease in size of interquartile range, lower median.</a:t>
             </a:r>
           </a:p>
@@ -11769,7 +12560,7 @@
 </p:sld>
 </file>
 
-<file path=ppt/slides/slide17.xml><?xml version="1.0" encoding="utf-8"?>
+<file path=ppt/slides/slide18.xml><?xml version="1.0" encoding="utf-8"?>
 <p:sld xmlns:a="http://schemas.openxmlformats.org/drawingml/2006/main" xmlns:r="http://schemas.openxmlformats.org/officeDocument/2006/relationships" xmlns:p="http://schemas.openxmlformats.org/presentationml/2006/main">
   <p:cSld>
     <p:spTree>
@@ -11900,19 +12691,31 @@
           <a:lstStyle/>
           <a:p>
             <a:r>
-              <a:rPr lang="en-US" dirty="0"/>
+              <a:rPr lang="en-US" dirty="0">
+                <a:solidFill>
+                  <a:schemeClr val="tx1"/>
+                </a:solidFill>
+              </a:rPr>
               <a:t>No student in 2022-2023 cohort managed to reach 100% attendance.</a:t>
             </a:r>
           </a:p>
           <a:p>
             <a:r>
-              <a:rPr lang="en-US" dirty="0"/>
+              <a:rPr lang="en-US" dirty="0">
+                <a:solidFill>
+                  <a:schemeClr val="tx1"/>
+                </a:solidFill>
+              </a:rPr>
               <a:t>Multiple instances in 2021-2022.</a:t>
             </a:r>
           </a:p>
           <a:p>
             <a:r>
-              <a:rPr lang="en-US" dirty="0"/>
+              <a:rPr lang="en-US" dirty="0">
+                <a:solidFill>
+                  <a:schemeClr val="tx1"/>
+                </a:solidFill>
+              </a:rPr>
               <a:t>Similar pattern to previous slide.</a:t>
             </a:r>
           </a:p>
@@ -11931,7 +12734,7 @@
 </p:sld>
 </file>
 
-<file path=ppt/slides/slide18.xml><?xml version="1.0" encoding="utf-8"?>
+<file path=ppt/slides/slide19.xml><?xml version="1.0" encoding="utf-8"?>
 <p:sld xmlns:a="http://schemas.openxmlformats.org/drawingml/2006/main" xmlns:r="http://schemas.openxmlformats.org/officeDocument/2006/relationships" xmlns:p="http://schemas.openxmlformats.org/presentationml/2006/main">
   <p:cSld>
     <p:spTree>
@@ -12062,13 +12865,21 @@
           <a:lstStyle/>
           <a:p>
             <a:r>
-              <a:rPr lang="en-US" dirty="0"/>
+              <a:rPr lang="en-US" dirty="0">
+                <a:solidFill>
+                  <a:schemeClr val="tx1"/>
+                </a:solidFill>
+              </a:rPr>
               <a:t>Lecture attendance has similar median, interquartile range reduced more significantly.</a:t>
             </a:r>
           </a:p>
           <a:p>
             <a:r>
-              <a:rPr lang="en-US" dirty="0"/>
+              <a:rPr lang="en-US" dirty="0">
+                <a:solidFill>
+                  <a:schemeClr val="tx1"/>
+                </a:solidFill>
+              </a:rPr>
               <a:t>Less students attending lectures than previous year</a:t>
             </a:r>
           </a:p>
@@ -12087,7 +12898,154 @@
 </p:sld>
 </file>
 
-<file path=ppt/slides/slide19.xml><?xml version="1.0" encoding="utf-8"?>
+<file path=ppt/slides/slide2.xml><?xml version="1.0" encoding="utf-8"?>
+<p:sld xmlns:a="http://schemas.openxmlformats.org/drawingml/2006/main" xmlns:r="http://schemas.openxmlformats.org/officeDocument/2006/relationships" xmlns:p="http://schemas.openxmlformats.org/presentationml/2006/main">
+  <p:cSld>
+    <p:spTree>
+      <p:nvGrpSpPr>
+        <p:cNvPr id="1" name=""/>
+        <p:cNvGrpSpPr/>
+        <p:nvPr/>
+      </p:nvGrpSpPr>
+      <p:grpSpPr>
+        <a:xfrm>
+          <a:off x="0" y="0"/>
+          <a:ext cx="0" cy="0"/>
+          <a:chOff x="0" y="0"/>
+          <a:chExt cx="0" cy="0"/>
+        </a:xfrm>
+      </p:grpSpPr>
+      <p:sp>
+        <p:nvSpPr>
+          <p:cNvPr id="2" name="Title 1">
+            <a:extLst>
+              <a:ext uri="{FF2B5EF4-FFF2-40B4-BE49-F238E27FC236}">
+                <a16:creationId xmlns:a16="http://schemas.microsoft.com/office/drawing/2014/main" id="{C7E0A70A-A506-742E-79FF-CCC404CE65C7}"/>
+              </a:ext>
+            </a:extLst>
+          </p:cNvPr>
+          <p:cNvSpPr>
+            <a:spLocks noGrp="1"/>
+          </p:cNvSpPr>
+          <p:nvPr>
+            <p:ph type="title"/>
+          </p:nvPr>
+        </p:nvSpPr>
+        <p:spPr/>
+        <p:txBody>
+          <a:bodyPr/>
+          <a:lstStyle/>
+          <a:p>
+            <a:r>
+              <a:rPr lang="en-US" dirty="0"/>
+              <a:t>STUDY AIM</a:t>
+            </a:r>
+            <a:endParaRPr lang="en-GB" dirty="0"/>
+          </a:p>
+        </p:txBody>
+      </p:sp>
+      <p:sp>
+        <p:nvSpPr>
+          <p:cNvPr id="3" name="Content Placeholder 2">
+            <a:extLst>
+              <a:ext uri="{FF2B5EF4-FFF2-40B4-BE49-F238E27FC236}">
+                <a16:creationId xmlns:a16="http://schemas.microsoft.com/office/drawing/2014/main" id="{DAE9E2D5-3E7C-12B5-F2B4-4D153305E279}"/>
+              </a:ext>
+            </a:extLst>
+          </p:cNvPr>
+          <p:cNvSpPr>
+            <a:spLocks noGrp="1"/>
+          </p:cNvSpPr>
+          <p:nvPr>
+            <p:ph idx="1"/>
+          </p:nvPr>
+        </p:nvSpPr>
+        <p:spPr/>
+        <p:txBody>
+          <a:bodyPr/>
+          <a:lstStyle/>
+          <a:p>
+            <a:r>
+              <a:rPr lang="en-US" dirty="0">
+                <a:solidFill>
+                  <a:schemeClr val="tx1"/>
+                </a:solidFill>
+              </a:rPr>
+              <a:t>Investigate if there is a relationship between student attendance to live lectures and their grade.</a:t>
+            </a:r>
+          </a:p>
+          <a:p>
+            <a:pPr lvl="1"/>
+            <a:r>
+              <a:rPr lang="en-US" dirty="0">
+                <a:solidFill>
+                  <a:schemeClr val="tx1"/>
+                </a:solidFill>
+              </a:rPr>
+              <a:t>This study is based on the basis that recorded versions of the lectures are available for students to view.</a:t>
+            </a:r>
+          </a:p>
+          <a:p>
+            <a:pPr lvl="1"/>
+            <a:r>
+              <a:rPr lang="en-US" dirty="0">
+                <a:solidFill>
+                  <a:schemeClr val="tx1"/>
+                </a:solidFill>
+              </a:rPr>
+              <a:t>Students can view the same material if they cannot or decide not to attend a lecture session.</a:t>
+            </a:r>
+          </a:p>
+          <a:p>
+            <a:pPr lvl="1"/>
+            <a:endParaRPr lang="en-US" dirty="0">
+              <a:solidFill>
+                <a:schemeClr val="tx1"/>
+              </a:solidFill>
+            </a:endParaRPr>
+          </a:p>
+          <a:p>
+            <a:r>
+              <a:rPr lang="en-US" dirty="0">
+                <a:solidFill>
+                  <a:schemeClr val="tx1"/>
+                </a:solidFill>
+              </a:rPr>
+              <a:t>Additional aim of the investigation is to determine if providing pre-recorded lectures is a suitable substitute to live lectures.</a:t>
+            </a:r>
+          </a:p>
+          <a:p>
+            <a:pPr lvl="1"/>
+            <a:r>
+              <a:rPr lang="en-US" dirty="0">
+                <a:solidFill>
+                  <a:schemeClr val="tx1"/>
+                </a:solidFill>
+              </a:rPr>
+              <a:t>This could mean teaching staff can focus on preparing the material ahead of term, freeing up their in-term teaching to respond to student queries, host more practical sessions, or live workshops for students.</a:t>
+            </a:r>
+            <a:endParaRPr lang="en-GB" dirty="0">
+              <a:solidFill>
+                <a:schemeClr val="tx1"/>
+              </a:solidFill>
+            </a:endParaRPr>
+          </a:p>
+        </p:txBody>
+      </p:sp>
+    </p:spTree>
+    <p:extLst>
+      <p:ext uri="{BB962C8B-B14F-4D97-AF65-F5344CB8AC3E}">
+        <p14:creationId xmlns:p14="http://schemas.microsoft.com/office/powerpoint/2010/main" val="3260005894"/>
+      </p:ext>
+    </p:extLst>
+  </p:cSld>
+  <p:clrMapOvr>
+    <a:masterClrMapping/>
+  </p:clrMapOvr>
+</p:sld>
+</file>
+
+<file path=ppt/slides/slide20.xml><?xml version="1.0" encoding="utf-8"?>
 <p:sld xmlns:a="http://schemas.openxmlformats.org/drawingml/2006/main" xmlns:r="http://schemas.openxmlformats.org/officeDocument/2006/relationships" xmlns:p="http://schemas.openxmlformats.org/presentationml/2006/main">
   <p:cSld>
     <p:spTree>
@@ -12218,19 +13176,31 @@
           <a:lstStyle/>
           <a:p>
             <a:r>
-              <a:rPr lang="en-US" dirty="0"/>
+              <a:rPr lang="en-US" dirty="0">
+                <a:solidFill>
+                  <a:schemeClr val="tx1"/>
+                </a:solidFill>
+              </a:rPr>
               <a:t>Clear reduction in attendance to practical sessions.</a:t>
             </a:r>
           </a:p>
           <a:p>
             <a:r>
-              <a:rPr lang="en-US" dirty="0"/>
+              <a:rPr lang="en-US" dirty="0">
+                <a:solidFill>
+                  <a:schemeClr val="tx1"/>
+                </a:solidFill>
+              </a:rPr>
               <a:t>Median reduced, range reduced.</a:t>
             </a:r>
           </a:p>
           <a:p>
             <a:r>
-              <a:rPr lang="en-US" dirty="0"/>
+              <a:rPr lang="en-US" dirty="0">
+                <a:solidFill>
+                  <a:schemeClr val="tx1"/>
+                </a:solidFill>
+              </a:rPr>
               <a:t>Skewed result as some students would have attended more practical session than required (one student with 108% attendance)</a:t>
             </a:r>
           </a:p>
@@ -12249,126 +13219,7 @@
 </p:sld>
 </file>
 
-<file path=ppt/slides/slide2.xml><?xml version="1.0" encoding="utf-8"?>
-<p:sld xmlns:a="http://schemas.openxmlformats.org/drawingml/2006/main" xmlns:r="http://schemas.openxmlformats.org/officeDocument/2006/relationships" xmlns:p="http://schemas.openxmlformats.org/presentationml/2006/main">
-  <p:cSld>
-    <p:spTree>
-      <p:nvGrpSpPr>
-        <p:cNvPr id="1" name=""/>
-        <p:cNvGrpSpPr/>
-        <p:nvPr/>
-      </p:nvGrpSpPr>
-      <p:grpSpPr>
-        <a:xfrm>
-          <a:off x="0" y="0"/>
-          <a:ext cx="0" cy="0"/>
-          <a:chOff x="0" y="0"/>
-          <a:chExt cx="0" cy="0"/>
-        </a:xfrm>
-      </p:grpSpPr>
-      <p:sp>
-        <p:nvSpPr>
-          <p:cNvPr id="2" name="Title 1">
-            <a:extLst>
-              <a:ext uri="{FF2B5EF4-FFF2-40B4-BE49-F238E27FC236}">
-                <a16:creationId xmlns:a16="http://schemas.microsoft.com/office/drawing/2014/main" id="{C7E0A70A-A506-742E-79FF-CCC404CE65C7}"/>
-              </a:ext>
-            </a:extLst>
-          </p:cNvPr>
-          <p:cNvSpPr>
-            <a:spLocks noGrp="1"/>
-          </p:cNvSpPr>
-          <p:nvPr>
-            <p:ph type="title"/>
-          </p:nvPr>
-        </p:nvSpPr>
-        <p:spPr/>
-        <p:txBody>
-          <a:bodyPr/>
-          <a:lstStyle/>
-          <a:p>
-            <a:r>
-              <a:rPr lang="en-US" dirty="0"/>
-              <a:t>STUDY AIM</a:t>
-            </a:r>
-            <a:endParaRPr lang="en-GB" dirty="0"/>
-          </a:p>
-        </p:txBody>
-      </p:sp>
-      <p:sp>
-        <p:nvSpPr>
-          <p:cNvPr id="3" name="Content Placeholder 2">
-            <a:extLst>
-              <a:ext uri="{FF2B5EF4-FFF2-40B4-BE49-F238E27FC236}">
-                <a16:creationId xmlns:a16="http://schemas.microsoft.com/office/drawing/2014/main" id="{DAE9E2D5-3E7C-12B5-F2B4-4D153305E279}"/>
-              </a:ext>
-            </a:extLst>
-          </p:cNvPr>
-          <p:cNvSpPr>
-            <a:spLocks noGrp="1"/>
-          </p:cNvSpPr>
-          <p:nvPr>
-            <p:ph idx="1"/>
-          </p:nvPr>
-        </p:nvSpPr>
-        <p:spPr/>
-        <p:txBody>
-          <a:bodyPr/>
-          <a:lstStyle/>
-          <a:p>
-            <a:r>
-              <a:rPr lang="en-US" dirty="0"/>
-              <a:t>Investigate if there is a relationship between student attendance to live lectures and their grade.</a:t>
-            </a:r>
-          </a:p>
-          <a:p>
-            <a:pPr lvl="1"/>
-            <a:r>
-              <a:rPr lang="en-US" dirty="0"/>
-              <a:t>This study is based on the basis that recorded versions of the lectures are available for students to view.</a:t>
-            </a:r>
-          </a:p>
-          <a:p>
-            <a:pPr lvl="1"/>
-            <a:r>
-              <a:rPr lang="en-US" dirty="0"/>
-              <a:t>Students can view the same material if they cannot or decide not to attend a lecture session.</a:t>
-            </a:r>
-          </a:p>
-          <a:p>
-            <a:pPr lvl="1"/>
-            <a:endParaRPr lang="en-US" dirty="0"/>
-          </a:p>
-          <a:p>
-            <a:r>
-              <a:rPr lang="en-US" dirty="0"/>
-              <a:t>Additional aim of the investigation is to determine if providing pre-recorded lectures is a suitable substitute to live lectures.</a:t>
-            </a:r>
-          </a:p>
-          <a:p>
-            <a:pPr lvl="1"/>
-            <a:r>
-              <a:rPr lang="en-US" dirty="0"/>
-              <a:t>This could mean teaching staff can focus on preparing the material ahead of term, freeing up their in-term teaching to respond to student queries, host more practical sessions, or live workshops for students.</a:t>
-            </a:r>
-            <a:endParaRPr lang="en-GB" dirty="0"/>
-          </a:p>
-        </p:txBody>
-      </p:sp>
-    </p:spTree>
-    <p:extLst>
-      <p:ext uri="{BB962C8B-B14F-4D97-AF65-F5344CB8AC3E}">
-        <p14:creationId xmlns:p14="http://schemas.microsoft.com/office/powerpoint/2010/main" val="3260005894"/>
-      </p:ext>
-    </p:extLst>
-  </p:cSld>
-  <p:clrMapOvr>
-    <a:masterClrMapping/>
-  </p:clrMapOvr>
-</p:sld>
-</file>
-
-<file path=ppt/slides/slide20.xml><?xml version="1.0" encoding="utf-8"?>
+<file path=ppt/slides/slide21.xml><?xml version="1.0" encoding="utf-8"?>
 <p:sld xmlns:a="http://schemas.openxmlformats.org/drawingml/2006/main" xmlns:r="http://schemas.openxmlformats.org/officeDocument/2006/relationships" xmlns:p="http://schemas.openxmlformats.org/presentationml/2006/main">
   <p:cSld>
     <p:spTree>
@@ -12440,19 +13291,31 @@
           <a:lstStyle/>
           <a:p>
             <a:r>
-              <a:rPr lang="en-US" dirty="0"/>
+              <a:rPr lang="en-US" dirty="0">
+                <a:solidFill>
+                  <a:schemeClr val="tx1"/>
+                </a:solidFill>
+              </a:rPr>
               <a:t>Grade average has reduced since last session.</a:t>
             </a:r>
           </a:p>
           <a:p>
             <a:r>
-              <a:rPr lang="en-US" dirty="0"/>
+              <a:rPr lang="en-US" dirty="0">
+                <a:solidFill>
+                  <a:schemeClr val="tx1"/>
+                </a:solidFill>
+              </a:rPr>
               <a:t>Compared to last year, attendance has also fallen. Average and median in all categories has gone down.</a:t>
             </a:r>
           </a:p>
           <a:p>
             <a:r>
-              <a:rPr lang="en-US" dirty="0"/>
+              <a:rPr lang="en-US" dirty="0">
+                <a:solidFill>
+                  <a:schemeClr val="tx1"/>
+                </a:solidFill>
+              </a:rPr>
               <a:t>Some relationship between the reduced attendance and the lowering of grade.</a:t>
             </a:r>
           </a:p>
@@ -12474,7 +13337,7 @@
             <p:ph sz="half" idx="2"/>
             <p:extLst>
               <p:ext uri="{D42A27DB-BD31-4B8C-83A1-F6EECF244321}">
-                <p14:modId xmlns:p14="http://schemas.microsoft.com/office/powerpoint/2010/main" val="798515959"/>
+                <p14:modId xmlns:p14="http://schemas.microsoft.com/office/powerpoint/2010/main" val="1275892140"/>
               </p:ext>
             </p:extLst>
           </p:nvPr>
@@ -12487,7 +13350,7 @@
           <a:graphicData uri="http://schemas.openxmlformats.org/drawingml/2006/table">
             <a:tbl>
               <a:tblPr firstRow="1" bandRow="1">
-                <a:tableStyleId>{5C22544A-7EE6-4342-B048-85BDC9FD1C3A}</a:tableStyleId>
+                <a:tableStyleId>{68D230F3-CF80-4859-8CE7-A43EE81993B5}</a:tableStyleId>
               </a:tblPr>
               <a:tblGrid>
                 <a:gridCol w="530881">
@@ -12575,10 +13438,10 @@
                     <a:lstStyle/>
                     <a:p>
                       <a:r>
-                        <a:rPr lang="en-US" sz="900" b="0" dirty="0"/>
+                        <a:rPr lang="en-US" sz="1000" b="0" dirty="0"/>
                         <a:t>Year</a:t>
                       </a:r>
-                      <a:endParaRPr lang="en-GB" sz="900" b="0" dirty="0"/>
+                      <a:endParaRPr lang="en-GB" sz="1000" b="0" dirty="0"/>
                     </a:p>
                   </a:txBody>
                   <a:tcPr/>
@@ -12589,10 +13452,10 @@
                     <a:lstStyle/>
                     <a:p>
                       <a:r>
-                        <a:rPr lang="en-US" sz="900" b="0" dirty="0"/>
+                        <a:rPr lang="en-US" sz="1000" b="0" dirty="0"/>
                         <a:t>Grade(M)</a:t>
                       </a:r>
-                      <a:endParaRPr lang="en-GB" sz="900" b="0" dirty="0"/>
+                      <a:endParaRPr lang="en-GB" sz="1000" b="0" dirty="0"/>
                     </a:p>
                   </a:txBody>
                   <a:tcPr vert="vert"/>
@@ -12603,97 +13466,8 @@
                     <a:lstStyle/>
                     <a:p>
                       <a:r>
-                        <a:rPr lang="en-US" sz="900" b="0" dirty="0"/>
+                        <a:rPr lang="en-US" sz="1000" b="0" dirty="0"/>
                         <a:t>Grade (</a:t>
-                      </a:r>
-                      <a:r>
-                        <a:rPr lang="en-US" sz="900" b="0" dirty="0" err="1"/>
-                        <a:t>Mdn</a:t>
-                      </a:r>
-                      <a:r>
-                        <a:rPr lang="en-US" sz="900" b="0" dirty="0"/>
-                        <a:t>)</a:t>
-                      </a:r>
-                      <a:endParaRPr lang="en-GB" sz="900" b="0" dirty="0"/>
-                    </a:p>
-                  </a:txBody>
-                  <a:tcPr vert="vert"/>
-                </a:tc>
-                <a:tc>
-                  <a:txBody>
-                    <a:bodyPr/>
-                    <a:lstStyle/>
-                    <a:p>
-                      <a:r>
-                        <a:rPr lang="en-US" sz="900" b="0" dirty="0"/>
-                        <a:t>Attendance (M)</a:t>
-                      </a:r>
-                      <a:endParaRPr lang="en-GB" sz="900" b="0" dirty="0"/>
-                    </a:p>
-                  </a:txBody>
-                  <a:tcPr vert="vert"/>
-                </a:tc>
-                <a:tc>
-                  <a:txBody>
-                    <a:bodyPr/>
-                    <a:lstStyle/>
-                    <a:p>
-                      <a:r>
-                        <a:rPr lang="en-US" sz="900" b="0" dirty="0"/>
-                        <a:t>Attendance (</a:t>
-                      </a:r>
-                      <a:r>
-                        <a:rPr lang="en-US" sz="900" b="0" dirty="0" err="1"/>
-                        <a:t>Mdn</a:t>
-                      </a:r>
-                      <a:r>
-                        <a:rPr lang="en-US" sz="900" b="0" dirty="0"/>
-                        <a:t>)</a:t>
-                      </a:r>
-                      <a:endParaRPr lang="en-GB" sz="900" b="0" dirty="0"/>
-                    </a:p>
-                  </a:txBody>
-                  <a:tcPr vert="vert"/>
-                </a:tc>
-                <a:tc>
-                  <a:txBody>
-                    <a:bodyPr/>
-                    <a:lstStyle/>
-                    <a:p>
-                      <a:r>
-                        <a:rPr lang="en-US" sz="900" b="0" dirty="0"/>
-                        <a:t>Attendance Expected (M)</a:t>
-                      </a:r>
-                      <a:endParaRPr lang="en-GB" sz="900" b="0" dirty="0"/>
-                    </a:p>
-                  </a:txBody>
-                  <a:tcPr vert="vert"/>
-                </a:tc>
-                <a:tc>
-                  <a:txBody>
-                    <a:bodyPr/>
-                    <a:lstStyle/>
-                    <a:p>
-                      <a:pPr marL="0" marR="0" lvl="0" indent="0" algn="l" defTabSz="457200" rtl="0" eaLnBrk="1" fontAlgn="auto" latinLnBrk="0" hangingPunct="1">
-                        <a:lnSpc>
-                          <a:spcPct val="100000"/>
-                        </a:lnSpc>
-                        <a:spcBef>
-                          <a:spcPts val="0"/>
-                        </a:spcBef>
-                        <a:spcAft>
-                          <a:spcPts val="0"/>
-                        </a:spcAft>
-                        <a:buClrTx/>
-                        <a:buSzTx/>
-                        <a:buFontTx/>
-                        <a:buNone/>
-                        <a:tabLst/>
-                        <a:defRPr/>
-                      </a:pPr>
-                      <a:r>
-                        <a:rPr lang="en-US" sz="1000" b="0" dirty="0"/>
-                        <a:t>Attendance Expected (</a:t>
                       </a:r>
                       <a:r>
                         <a:rPr lang="en-US" sz="1000" b="0" dirty="0" err="1"/>
@@ -12705,7 +13479,54 @@
                       </a:r>
                       <a:endParaRPr lang="en-GB" sz="1000" b="0" dirty="0"/>
                     </a:p>
+                  </a:txBody>
+                  <a:tcPr vert="vert"/>
+                </a:tc>
+                <a:tc>
+                  <a:txBody>
+                    <a:bodyPr/>
+                    <a:lstStyle/>
                     <a:p>
+                      <a:r>
+                        <a:rPr lang="en-US" sz="1000" b="0" dirty="0"/>
+                        <a:t>Attendance (M)</a:t>
+                      </a:r>
+                      <a:endParaRPr lang="en-GB" sz="1000" b="0" dirty="0"/>
+                    </a:p>
+                  </a:txBody>
+                  <a:tcPr vert="vert"/>
+                </a:tc>
+                <a:tc>
+                  <a:txBody>
+                    <a:bodyPr/>
+                    <a:lstStyle/>
+                    <a:p>
+                      <a:r>
+                        <a:rPr lang="en-US" sz="1000" b="0" dirty="0"/>
+                        <a:t>Attendance (</a:t>
+                      </a:r>
+                      <a:r>
+                        <a:rPr lang="en-US" sz="1000" b="0" dirty="0" err="1"/>
+                        <a:t>Mdn</a:t>
+                      </a:r>
+                      <a:r>
+                        <a:rPr lang="en-US" sz="1000" b="0" dirty="0"/>
+                        <a:t>)</a:t>
+                      </a:r>
+                      <a:endParaRPr lang="en-GB" sz="1000" b="0" dirty="0"/>
+                    </a:p>
+                  </a:txBody>
+                  <a:tcPr vert="vert"/>
+                </a:tc>
+                <a:tc>
+                  <a:txBody>
+                    <a:bodyPr/>
+                    <a:lstStyle/>
+                    <a:p>
+                      <a:r>
+                        <a:rPr lang="en-US" sz="1000" b="0" dirty="0"/>
+                        <a:t>Attendance Expected (M)</a:t>
+                      </a:r>
                       <a:endParaRPr lang="en-GB" sz="1000" b="0" dirty="0"/>
                     </a:p>
                   </a:txBody>
@@ -12734,13 +13555,21 @@
                         <a:defRPr/>
                       </a:pPr>
                       <a:r>
-                        <a:rPr lang="en-US" sz="1000" b="0" dirty="0"/>
-                        <a:t>Attendance Lecture (M)</a:t>
+                        <a:rPr lang="en-US" sz="1050" b="0" dirty="0"/>
+                        <a:t>Attendance Expected (</a:t>
                       </a:r>
-                      <a:endParaRPr lang="en-GB" sz="1000" b="0" dirty="0"/>
+                      <a:r>
+                        <a:rPr lang="en-US" sz="1050" b="0" dirty="0" err="1"/>
+                        <a:t>Mdn</a:t>
+                      </a:r>
+                      <a:r>
+                        <a:rPr lang="en-US" sz="1050" b="0" dirty="0"/>
+                        <a:t>)</a:t>
+                      </a:r>
+                      <a:endParaRPr lang="en-GB" sz="1050" b="0" dirty="0"/>
                     </a:p>
                     <a:p>
-                      <a:endParaRPr lang="en-GB" sz="1000" b="0" dirty="0"/>
+                      <a:endParaRPr lang="en-GB" sz="1050" b="0" dirty="0"/>
                     </a:p>
                   </a:txBody>
                   <a:tcPr vert="vert"/>
@@ -12768,24 +13597,13 @@
                         <a:defRPr/>
                       </a:pPr>
                       <a:r>
-                        <a:rPr lang="en-US" sz="1000" b="0" dirty="0"/>
-                        <a:t>Attendance Lecture (</a:t>
+                        <a:rPr lang="en-US" sz="1050" b="0" dirty="0"/>
+                        <a:t>Attendance Lecture (M)</a:t>
                       </a:r>
-                      <a:r>
-                        <a:rPr lang="en-US" sz="1000" b="0" dirty="0" err="1"/>
-                        <a:t>Mdn</a:t>
-                      </a:r>
-                      <a:r>
-                        <a:rPr lang="en-US" sz="1000" b="0" dirty="0"/>
-                        <a:t>)</a:t>
-                      </a:r>
-                      <a:endParaRPr lang="en-GB" sz="1000" b="0" dirty="0"/>
+                      <a:endParaRPr lang="en-GB" sz="1050" b="0" dirty="0"/>
                     </a:p>
                     <a:p>
-                      <a:endParaRPr lang="en-GB" sz="1000" b="0" dirty="0"/>
-                    </a:p>
-                    <a:p>
-                      <a:endParaRPr lang="en-GB" sz="1000" b="0" dirty="0"/>
+                      <a:endParaRPr lang="en-GB" sz="1050" b="0" dirty="0"/>
                     </a:p>
                   </a:txBody>
                   <a:tcPr vert="vert"/>
@@ -12813,16 +13631,24 @@
                         <a:defRPr/>
                       </a:pPr>
                       <a:r>
-                        <a:rPr lang="en-US" sz="1000" b="0" dirty="0"/>
-                        <a:t>Attendance Practical (M)</a:t>
+                        <a:rPr lang="en-US" sz="1050" b="0" dirty="0"/>
+                        <a:t>Attendance Lecture (</a:t>
                       </a:r>
-                      <a:endParaRPr lang="en-GB" sz="1000" b="0" dirty="0"/>
+                      <a:r>
+                        <a:rPr lang="en-US" sz="1050" b="0" dirty="0" err="1"/>
+                        <a:t>Mdn</a:t>
+                      </a:r>
+                      <a:r>
+                        <a:rPr lang="en-US" sz="1050" b="0" dirty="0"/>
+                        <a:t>)</a:t>
+                      </a:r>
+                      <a:endParaRPr lang="en-GB" sz="1050" b="0" dirty="0"/>
                     </a:p>
                     <a:p>
-                      <a:endParaRPr lang="en-GB" sz="1000" b="0" dirty="0"/>
+                      <a:endParaRPr lang="en-GB" sz="1050" b="0" dirty="0"/>
                     </a:p>
                     <a:p>
-                      <a:endParaRPr lang="en-GB" sz="1000" b="0" dirty="0"/>
+                      <a:endParaRPr lang="en-GB" sz="1050" b="0" dirty="0"/>
                     </a:p>
                   </a:txBody>
                   <a:tcPr vert="vert"/>
@@ -12850,24 +13676,61 @@
                         <a:defRPr/>
                       </a:pPr>
                       <a:r>
-                        <a:rPr lang="en-US" sz="1000" b="0" dirty="0"/>
+                        <a:rPr lang="en-US" sz="1050" b="0" dirty="0"/>
+                        <a:t>Attendance Practical (M)</a:t>
+                      </a:r>
+                      <a:endParaRPr lang="en-GB" sz="1050" b="0" dirty="0"/>
+                    </a:p>
+                    <a:p>
+                      <a:endParaRPr lang="en-GB" sz="1050" b="0" dirty="0"/>
+                    </a:p>
+                    <a:p>
+                      <a:endParaRPr lang="en-GB" sz="1050" b="0" dirty="0"/>
+                    </a:p>
+                  </a:txBody>
+                  <a:tcPr vert="vert"/>
+                </a:tc>
+                <a:tc>
+                  <a:txBody>
+                    <a:bodyPr/>
+                    <a:lstStyle/>
+                    <a:p>
+                      <a:pPr marL="0" marR="0" lvl="0" indent="0" algn="l" defTabSz="457200" rtl="0" eaLnBrk="1" fontAlgn="auto" latinLnBrk="0" hangingPunct="1">
+                        <a:lnSpc>
+                          <a:spcPct val="100000"/>
+                        </a:lnSpc>
+                        <a:spcBef>
+                          <a:spcPts val="0"/>
+                        </a:spcBef>
+                        <a:spcAft>
+                          <a:spcPts val="0"/>
+                        </a:spcAft>
+                        <a:buClrTx/>
+                        <a:buSzTx/>
+                        <a:buFontTx/>
+                        <a:buNone/>
+                        <a:tabLst/>
+                        <a:defRPr/>
+                      </a:pPr>
+                      <a:r>
+                        <a:rPr lang="en-US" sz="1050" b="0" dirty="0"/>
                         <a:t>Attendance Practical (</a:t>
                       </a:r>
                       <a:r>
-                        <a:rPr lang="en-US" sz="1000" b="0" dirty="0" err="1"/>
+                        <a:rPr lang="en-US" sz="1050" b="0" dirty="0" err="1"/>
                         <a:t>Mdn</a:t>
                       </a:r>
                       <a:r>
-                        <a:rPr lang="en-US" sz="1000" b="0" dirty="0"/>
+                        <a:rPr lang="en-US" sz="1050" b="0" dirty="0"/>
                         <a:t>)</a:t>
                       </a:r>
-                      <a:endParaRPr lang="en-GB" sz="1000" b="0" dirty="0"/>
+                      <a:endParaRPr lang="en-GB" sz="1050" b="0" dirty="0"/>
                     </a:p>
                     <a:p>
-                      <a:endParaRPr lang="en-GB" sz="1000" b="0" dirty="0"/>
+                      <a:endParaRPr lang="en-GB" sz="1050" b="0" dirty="0"/>
                     </a:p>
                     <a:p>
-                      <a:endParaRPr lang="en-GB" sz="1000" b="0" dirty="0"/>
+                      <a:endParaRPr lang="en-GB" sz="1050" b="0" dirty="0"/>
                     </a:p>
                   </a:txBody>
                   <a:tcPr vert="vert"/>
@@ -13411,7 +14274,7 @@
 </p:sld>
 </file>
 
-<file path=ppt/slides/slide21.xml><?xml version="1.0" encoding="utf-8"?>
+<file path=ppt/slides/slide22.xml><?xml version="1.0" encoding="utf-8"?>
 <p:sld xmlns:a="http://schemas.openxmlformats.org/drawingml/2006/main" xmlns:r="http://schemas.openxmlformats.org/officeDocument/2006/relationships" xmlns:p="http://schemas.openxmlformats.org/presentationml/2006/main">
   <p:cSld>
     <p:spTree>
@@ -13560,7 +14423,7 @@
 </p:sld>
 </file>
 
-<file path=ppt/slides/slide22.xml><?xml version="1.0" encoding="utf-8"?>
+<file path=ppt/slides/slide23.xml><?xml version="1.0" encoding="utf-8"?>
 <p:sld xmlns:a="http://schemas.openxmlformats.org/drawingml/2006/main" xmlns:r="http://schemas.openxmlformats.org/officeDocument/2006/relationships" xmlns:p="http://schemas.openxmlformats.org/presentationml/2006/main">
   <p:cSld>
     <p:spTree>
@@ -13632,44 +14495,72 @@
           <a:lstStyle/>
           <a:p>
             <a:r>
-              <a:rPr lang="en-US" dirty="0"/>
+              <a:rPr lang="en-US" dirty="0">
+                <a:solidFill>
+                  <a:schemeClr val="tx1"/>
+                </a:solidFill>
+              </a:rPr>
               <a:t>Use of Pearson’s correlation calculation</a:t>
             </a:r>
           </a:p>
           <a:p>
             <a:pPr lvl="1"/>
             <a:r>
-              <a:rPr lang="en-US" dirty="0"/>
+              <a:rPr lang="en-US" dirty="0">
+                <a:solidFill>
+                  <a:schemeClr val="tx1"/>
+                </a:solidFill>
+              </a:rPr>
               <a:t>Expected linear relationship</a:t>
             </a:r>
           </a:p>
           <a:p>
             <a:r>
-              <a:rPr lang="en-US" dirty="0"/>
+              <a:rPr lang="en-US" dirty="0">
+                <a:solidFill>
+                  <a:schemeClr val="tx1"/>
+                </a:solidFill>
+              </a:rPr>
               <a:t>2021-2022 shows a very low correlation between attendance and grade. </a:t>
             </a:r>
           </a:p>
           <a:p>
             <a:pPr lvl="1"/>
             <a:r>
-              <a:rPr lang="en-US" dirty="0"/>
+              <a:rPr lang="en-US" dirty="0">
+                <a:solidFill>
+                  <a:schemeClr val="tx1"/>
+                </a:solidFill>
+              </a:rPr>
               <a:t>Negative relationship is suggested</a:t>
             </a:r>
           </a:p>
           <a:p>
             <a:r>
-              <a:rPr lang="en-US" dirty="0"/>
+              <a:rPr lang="en-US" dirty="0">
+                <a:solidFill>
+                  <a:schemeClr val="tx1"/>
+                </a:solidFill>
+              </a:rPr>
               <a:t>2022-2023 shows a stronger positive relationship</a:t>
             </a:r>
           </a:p>
           <a:p>
             <a:r>
-              <a:rPr lang="en-US" dirty="0"/>
+              <a:rPr lang="en-US" dirty="0">
+                <a:solidFill>
+                  <a:schemeClr val="tx1"/>
+                </a:solidFill>
+              </a:rPr>
               <a:t>Stronger relationship between lecture attendance and grades than others.</a:t>
             </a:r>
           </a:p>
           <a:p>
-            <a:endParaRPr lang="en-US" dirty="0"/>
+            <a:endParaRPr lang="en-US" dirty="0">
+              <a:solidFill>
+                <a:schemeClr val="tx1"/>
+              </a:solidFill>
+            </a:endParaRPr>
           </a:p>
         </p:txBody>
       </p:sp>
@@ -14403,7 +15294,7 @@
 </p:sld>
 </file>
 
-<file path=ppt/slides/slide23.xml><?xml version="1.0" encoding="utf-8"?>
+<file path=ppt/slides/slide24.xml><?xml version="1.0" encoding="utf-8"?>
 <p:sld xmlns:a="http://schemas.openxmlformats.org/drawingml/2006/main" xmlns:r="http://schemas.openxmlformats.org/officeDocument/2006/relationships" xmlns:p="http://schemas.openxmlformats.org/presentationml/2006/main">
   <p:cSld>
     <p:spTree>
@@ -14477,31 +15368,51 @@
           <a:lstStyle/>
           <a:p>
             <a:r>
-              <a:rPr lang="en-US" dirty="0"/>
+              <a:rPr lang="en-US" dirty="0">
+                <a:solidFill>
+                  <a:schemeClr val="tx1"/>
+                </a:solidFill>
+              </a:rPr>
               <a:t>Use of Spearman’s Correlation</a:t>
             </a:r>
           </a:p>
           <a:p>
             <a:pPr lvl="1"/>
             <a:r>
-              <a:rPr lang="en-US" dirty="0"/>
+              <a:rPr lang="en-US" dirty="0">
+                <a:solidFill>
+                  <a:schemeClr val="tx1"/>
+                </a:solidFill>
+              </a:rPr>
               <a:t>Better for monotonic relationship identification</a:t>
             </a:r>
           </a:p>
           <a:p>
             <a:r>
-              <a:rPr lang="en-US" dirty="0"/>
+              <a:rPr lang="en-US" dirty="0">
+                <a:solidFill>
+                  <a:schemeClr val="tx1"/>
+                </a:solidFill>
+              </a:rPr>
               <a:t>Higher correlation value suggests relationship is more linear than monotonic (2022-2023), though difference is very small, especially for lecture attendance.</a:t>
             </a:r>
           </a:p>
           <a:p>
             <a:r>
-              <a:rPr lang="en-US" dirty="0"/>
+              <a:rPr lang="en-US" dirty="0">
+                <a:solidFill>
+                  <a:schemeClr val="tx1"/>
+                </a:solidFill>
+              </a:rPr>
               <a:t>2021-2022 data suggests otherwise, but difference is still very slight and correlation value is very close to zero in all four cases baring Practical attendance.</a:t>
             </a:r>
           </a:p>
           <a:p>
-            <a:endParaRPr lang="en-US" dirty="0"/>
+            <a:endParaRPr lang="en-US" dirty="0">
+              <a:solidFill>
+                <a:schemeClr val="tx1"/>
+              </a:solidFill>
+            </a:endParaRPr>
           </a:p>
         </p:txBody>
       </p:sp>
@@ -15235,7 +16146,158 @@
 </p:sld>
 </file>
 
-<file path=ppt/slides/slide24.xml><?xml version="1.0" encoding="utf-8"?>
+<file path=ppt/slides/slide25.xml><?xml version="1.0" encoding="utf-8"?>
+<p:sld xmlns:a="http://schemas.openxmlformats.org/drawingml/2006/main" xmlns:r="http://schemas.openxmlformats.org/officeDocument/2006/relationships" xmlns:p="http://schemas.openxmlformats.org/presentationml/2006/main">
+  <p:cSld>
+    <p:spTree>
+      <p:nvGrpSpPr>
+        <p:cNvPr id="1" name=""/>
+        <p:cNvGrpSpPr/>
+        <p:nvPr/>
+      </p:nvGrpSpPr>
+      <p:grpSpPr>
+        <a:xfrm>
+          <a:off x="0" y="0"/>
+          <a:ext cx="0" cy="0"/>
+          <a:chOff x="0" y="0"/>
+          <a:chExt cx="0" cy="0"/>
+        </a:xfrm>
+      </p:grpSpPr>
+      <p:sp>
+        <p:nvSpPr>
+          <p:cNvPr id="2" name="Title 1">
+            <a:extLst>
+              <a:ext uri="{FF2B5EF4-FFF2-40B4-BE49-F238E27FC236}">
+                <a16:creationId xmlns:a16="http://schemas.microsoft.com/office/drawing/2014/main" id="{BD4CA9CC-5ADC-001A-4D31-8EC14B8E37D4}"/>
+              </a:ext>
+            </a:extLst>
+          </p:cNvPr>
+          <p:cNvSpPr>
+            <a:spLocks noGrp="1"/>
+          </p:cNvSpPr>
+          <p:nvPr>
+            <p:ph type="title"/>
+          </p:nvPr>
+        </p:nvSpPr>
+        <p:spPr/>
+        <p:txBody>
+          <a:bodyPr/>
+          <a:lstStyle/>
+          <a:p>
+            <a:r>
+              <a:rPr lang="en-US" dirty="0"/>
+              <a:t>Regression Explanation</a:t>
+            </a:r>
+            <a:endParaRPr lang="en-GB" dirty="0"/>
+          </a:p>
+        </p:txBody>
+      </p:sp>
+      <p:sp>
+        <p:nvSpPr>
+          <p:cNvPr id="3" name="Content Placeholder 2">
+            <a:extLst>
+              <a:ext uri="{FF2B5EF4-FFF2-40B4-BE49-F238E27FC236}">
+                <a16:creationId xmlns:a16="http://schemas.microsoft.com/office/drawing/2014/main" id="{121196E6-3603-F66B-72E8-8E7E5F53AC6C}"/>
+              </a:ext>
+            </a:extLst>
+          </p:cNvPr>
+          <p:cNvSpPr>
+            <a:spLocks noGrp="1"/>
+          </p:cNvSpPr>
+          <p:nvPr>
+            <p:ph idx="1"/>
+          </p:nvPr>
+        </p:nvSpPr>
+        <p:spPr>
+          <a:xfrm>
+            <a:off x="581192" y="2180496"/>
+            <a:ext cx="11029615" cy="4455196"/>
+          </a:xfrm>
+        </p:spPr>
+        <p:txBody>
+          <a:bodyPr>
+            <a:normAutofit/>
+          </a:bodyPr>
+          <a:lstStyle/>
+          <a:p>
+            <a:r>
+              <a:rPr lang="en-US" dirty="0">
+                <a:solidFill>
+                  <a:schemeClr val="tx1"/>
+                </a:solidFill>
+              </a:rPr>
+              <a:t>All four metrics were run against the three following methods of regression:</a:t>
+            </a:r>
+          </a:p>
+          <a:p>
+            <a:pPr marL="666900" lvl="1" indent="-342900">
+              <a:buFont typeface="+mj-lt"/>
+              <a:buAutoNum type="arabicPeriod"/>
+            </a:pPr>
+            <a:r>
+              <a:rPr lang="en-US" sz="1800" dirty="0">
+                <a:solidFill>
+                  <a:schemeClr val="tx1"/>
+                </a:solidFill>
+              </a:rPr>
+              <a:t>Linear Regression</a:t>
+            </a:r>
+          </a:p>
+          <a:p>
+            <a:pPr marL="936900" lvl="2" indent="-342900"/>
+            <a:r>
+              <a:rPr lang="en-US" sz="1600" dirty="0">
+                <a:solidFill>
+                  <a:schemeClr val="tx1"/>
+                </a:solidFill>
+              </a:rPr>
+              <a:t>Straightforward method of determining a linear relationship between the two vectors of data.</a:t>
+            </a:r>
+          </a:p>
+          <a:p>
+            <a:pPr marL="666900" lvl="1" indent="-342900">
+              <a:buFont typeface="+mj-lt"/>
+              <a:buAutoNum type="arabicPeriod"/>
+            </a:pPr>
+            <a:r>
+              <a:rPr lang="en-US" dirty="0">
+                <a:solidFill>
+                  <a:schemeClr val="tx1"/>
+                </a:solidFill>
+              </a:rPr>
+              <a:t>Theil-Sen Regression</a:t>
+            </a:r>
+          </a:p>
+          <a:p>
+            <a:pPr marL="666900" lvl="1" indent="-342900">
+              <a:buFont typeface="+mj-lt"/>
+              <a:buAutoNum type="arabicPeriod"/>
+            </a:pPr>
+            <a:r>
+              <a:rPr lang="en-US" dirty="0">
+                <a:solidFill>
+                  <a:schemeClr val="tx1"/>
+                </a:solidFill>
+              </a:rPr>
+              <a:t>Quadradic Regression</a:t>
+            </a:r>
+          </a:p>
+        </p:txBody>
+      </p:sp>
+    </p:spTree>
+    <p:extLst>
+      <p:ext uri="{BB962C8B-B14F-4D97-AF65-F5344CB8AC3E}">
+        <p14:creationId xmlns:p14="http://schemas.microsoft.com/office/powerpoint/2010/main" val="1444172677"/>
+      </p:ext>
+    </p:extLst>
+  </p:cSld>
+  <p:clrMapOvr>
+    <a:masterClrMapping/>
+  </p:clrMapOvr>
+</p:sld>
+</file>
+
+<file path=ppt/slides/slide26.xml><?xml version="1.0" encoding="utf-8"?>
 <p:sld xmlns:a="http://schemas.openxmlformats.org/drawingml/2006/main" xmlns:r="http://schemas.openxmlformats.org/officeDocument/2006/relationships" xmlns:p="http://schemas.openxmlformats.org/presentationml/2006/main">
   <p:cSld>
     <p:spTree>
@@ -15366,20 +16428,42 @@
           <a:lstStyle/>
           <a:p>
             <a:r>
-              <a:rPr lang="en-US" dirty="0"/>
-              <a:t>Attendance Percentage for last two years.</a:t>
-            </a:r>
-          </a:p>
-          <a:p>
-            <a:r>
-              <a:rPr lang="en-US" dirty="0"/>
-              <a:t>General attendance is similar, slightly lowered</a:t>
-            </a:r>
-          </a:p>
-          <a:p>
-            <a:r>
-              <a:rPr lang="en-US" dirty="0"/>
-              <a:t>Decrease in size of interquartile range, lower median.</a:t>
+              <a:rPr lang="en-US" dirty="0">
+                <a:solidFill>
+                  <a:schemeClr val="tx1"/>
+                </a:solidFill>
+              </a:rPr>
+              <a:t>Much stronger correlation in most recent year than previous.</a:t>
+            </a:r>
+          </a:p>
+          <a:p>
+            <a:r>
+              <a:rPr lang="en-US" dirty="0">
+                <a:solidFill>
+                  <a:schemeClr val="tx1"/>
+                </a:solidFill>
+              </a:rPr>
+              <a:t>Reason for the difference is likely due to cohort difference, or due to method of delivery.</a:t>
+            </a:r>
+          </a:p>
+          <a:p>
+            <a:r>
+              <a:rPr lang="en-US" dirty="0">
+                <a:solidFill>
+                  <a:schemeClr val="tx1"/>
+                </a:solidFill>
+              </a:rPr>
+              <a:t>Content delivered is the same. </a:t>
+            </a:r>
+          </a:p>
+          <a:p>
+            <a:r>
+              <a:rPr lang="en-US" dirty="0">
+                <a:solidFill>
+                  <a:schemeClr val="tx1"/>
+                </a:solidFill>
+              </a:rPr>
+              <a:t>Grades from last session had no MF or F instances, results in lack of correlation.</a:t>
             </a:r>
           </a:p>
         </p:txBody>
@@ -15397,7 +16481,7 @@
 </p:sld>
 </file>
 
-<file path=ppt/slides/slide25.xml><?xml version="1.0" encoding="utf-8"?>
+<file path=ppt/slides/slide27.xml><?xml version="1.0" encoding="utf-8"?>
 <p:sld xmlns:a="http://schemas.openxmlformats.org/drawingml/2006/main" xmlns:r="http://schemas.openxmlformats.org/officeDocument/2006/relationships" xmlns:p="http://schemas.openxmlformats.org/presentationml/2006/main">
   <p:cSld>
     <p:spTree>
@@ -15528,20 +16612,12 @@
           <a:lstStyle/>
           <a:p>
             <a:r>
-              <a:rPr lang="en-US" dirty="0"/>
-              <a:t>Attendance Percentage for last two years.</a:t>
-            </a:r>
-          </a:p>
-          <a:p>
-            <a:r>
-              <a:rPr lang="en-US" dirty="0"/>
-              <a:t>General attendance is similar, slightly lowered</a:t>
-            </a:r>
-          </a:p>
-          <a:p>
-            <a:r>
-              <a:rPr lang="en-US" dirty="0"/>
-              <a:t>Decrease in size of interquartile range, lower median.</a:t>
+              <a:rPr lang="en-US" dirty="0">
+                <a:solidFill>
+                  <a:schemeClr val="tx1"/>
+                </a:solidFill>
+              </a:rPr>
+              <a:t>Similar to previous slides, stronger correlation noticed with current year.</a:t>
             </a:r>
           </a:p>
         </p:txBody>
@@ -15559,7 +16635,7 @@
 </p:sld>
 </file>
 
-<file path=ppt/slides/slide26.xml><?xml version="1.0" encoding="utf-8"?>
+<file path=ppt/slides/slide28.xml><?xml version="1.0" encoding="utf-8"?>
 <p:sld xmlns:a="http://schemas.openxmlformats.org/drawingml/2006/main" xmlns:r="http://schemas.openxmlformats.org/officeDocument/2006/relationships" xmlns:p="http://schemas.openxmlformats.org/presentationml/2006/main">
   <p:cSld>
     <p:spTree>
@@ -15690,20 +16766,22 @@
           <a:lstStyle/>
           <a:p>
             <a:r>
-              <a:rPr lang="en-US" dirty="0"/>
-              <a:t>Attendance Percentage for last two years.</a:t>
-            </a:r>
-          </a:p>
-          <a:p>
-            <a:r>
-              <a:rPr lang="en-US" dirty="0"/>
-              <a:t>General attendance is similar, slightly lowered</a:t>
-            </a:r>
-          </a:p>
-          <a:p>
-            <a:r>
-              <a:rPr lang="en-US" dirty="0"/>
-              <a:t>Decrease in size of interquartile range, lower median.</a:t>
+              <a:rPr lang="en-US" dirty="0">
+                <a:solidFill>
+                  <a:schemeClr val="tx1"/>
+                </a:solidFill>
+              </a:rPr>
+              <a:t>Slight positive correlation between lecture attendance and grade with 2021-2022 data.</a:t>
+            </a:r>
+          </a:p>
+          <a:p>
+            <a:r>
+              <a:rPr lang="en-US" dirty="0">
+                <a:solidFill>
+                  <a:schemeClr val="tx1"/>
+                </a:solidFill>
+              </a:rPr>
+              <a:t>Similar for lectures as with regular attendance 2022-2023.</a:t>
             </a:r>
           </a:p>
         </p:txBody>
@@ -15721,7 +16799,7 @@
 </p:sld>
 </file>
 
-<file path=ppt/slides/slide27.xml><?xml version="1.0" encoding="utf-8"?>
+<file path=ppt/slides/slide29.xml><?xml version="1.0" encoding="utf-8"?>
 <p:sld xmlns:a="http://schemas.openxmlformats.org/drawingml/2006/main" xmlns:r="http://schemas.openxmlformats.org/officeDocument/2006/relationships" xmlns:p="http://schemas.openxmlformats.org/presentationml/2006/main">
   <p:cSld>
     <p:spTree>
@@ -15852,21 +16930,30 @@
           <a:lstStyle/>
           <a:p>
             <a:r>
-              <a:rPr lang="en-US" dirty="0"/>
-              <a:t>Attendance Percentage for last two years.</a:t>
-            </a:r>
-          </a:p>
-          <a:p>
-            <a:r>
-              <a:rPr lang="en-US" dirty="0"/>
-              <a:t>General attendance is similar, slightly lowered</a:t>
-            </a:r>
-          </a:p>
-          <a:p>
-            <a:r>
-              <a:rPr lang="en-US" dirty="0"/>
-              <a:t>Decrease in size of interquartile range, lower median.</a:t>
-            </a:r>
+              <a:rPr lang="en-US" dirty="0">
+                <a:solidFill>
+                  <a:schemeClr val="tx1"/>
+                </a:solidFill>
+              </a:rPr>
+              <a:t>2021-2022 has strongest negative correlation score (still very low at -0.1318).</a:t>
+            </a:r>
+          </a:p>
+          <a:p>
+            <a:r>
+              <a:rPr lang="en-US" dirty="0">
+                <a:solidFill>
+                  <a:schemeClr val="tx1"/>
+                </a:solidFill>
+              </a:rPr>
+              <a:t>Weakest positive correlation for 2022-2023 data (0.4052)</a:t>
+            </a:r>
+          </a:p>
+          <a:p>
+            <a:endParaRPr lang="en-US" dirty="0">
+              <a:solidFill>
+                <a:schemeClr val="tx1"/>
+              </a:solidFill>
+            </a:endParaRPr>
           </a:p>
         </p:txBody>
       </p:sp>
@@ -15874,287 +16961,6 @@
     <p:extLst>
       <p:ext uri="{BB962C8B-B14F-4D97-AF65-F5344CB8AC3E}">
         <p14:creationId xmlns:p14="http://schemas.microsoft.com/office/powerpoint/2010/main" val="2913232876"/>
-      </p:ext>
-    </p:extLst>
-  </p:cSld>
-  <p:clrMapOvr>
-    <a:masterClrMapping/>
-  </p:clrMapOvr>
-</p:sld>
-</file>
-
-<file path=ppt/slides/slide28.xml><?xml version="1.0" encoding="utf-8"?>
-<p:sld xmlns:a="http://schemas.openxmlformats.org/drawingml/2006/main" xmlns:r="http://schemas.openxmlformats.org/officeDocument/2006/relationships" xmlns:p="http://schemas.openxmlformats.org/presentationml/2006/main">
-  <p:cSld>
-    <p:spTree>
-      <p:nvGrpSpPr>
-        <p:cNvPr id="1" name=""/>
-        <p:cNvGrpSpPr/>
-        <p:nvPr/>
-      </p:nvGrpSpPr>
-      <p:grpSpPr>
-        <a:xfrm>
-          <a:off x="0" y="0"/>
-          <a:ext cx="0" cy="0"/>
-          <a:chOff x="0" y="0"/>
-          <a:chExt cx="0" cy="0"/>
-        </a:xfrm>
-      </p:grpSpPr>
-      <p:sp>
-        <p:nvSpPr>
-          <p:cNvPr id="2" name="Title 1">
-            <a:extLst>
-              <a:ext uri="{FF2B5EF4-FFF2-40B4-BE49-F238E27FC236}">
-                <a16:creationId xmlns:a16="http://schemas.microsoft.com/office/drawing/2014/main" id="{C7B88BF5-C73D-C2F9-DD20-DE6522FEBB0C}"/>
-              </a:ext>
-            </a:extLst>
-          </p:cNvPr>
-          <p:cNvSpPr>
-            <a:spLocks noGrp="1"/>
-          </p:cNvSpPr>
-          <p:nvPr>
-            <p:ph type="ctrTitle"/>
-          </p:nvPr>
-        </p:nvSpPr>
-        <p:spPr/>
-        <p:txBody>
-          <a:bodyPr/>
-          <a:lstStyle/>
-          <a:p>
-            <a:r>
-              <a:rPr lang="en-US" dirty="0"/>
-              <a:t>PREDICTIONS</a:t>
-            </a:r>
-            <a:endParaRPr lang="en-GB" dirty="0"/>
-          </a:p>
-        </p:txBody>
-      </p:sp>
-      <p:sp>
-        <p:nvSpPr>
-          <p:cNvPr id="3" name="Subtitle 2">
-            <a:extLst>
-              <a:ext uri="{FF2B5EF4-FFF2-40B4-BE49-F238E27FC236}">
-                <a16:creationId xmlns:a16="http://schemas.microsoft.com/office/drawing/2014/main" id="{7DC5E721-C1B6-45C1-7ACB-BA368382A9E9}"/>
-              </a:ext>
-            </a:extLst>
-          </p:cNvPr>
-          <p:cNvSpPr>
-            <a:spLocks noGrp="1"/>
-          </p:cNvSpPr>
-          <p:nvPr>
-            <p:ph type="subTitle" idx="1"/>
-          </p:nvPr>
-        </p:nvSpPr>
-        <p:spPr>
-          <a:xfrm>
-            <a:off x="581191" y="3275621"/>
-            <a:ext cx="10993546" cy="2873509"/>
-          </a:xfrm>
-        </p:spPr>
-        <p:txBody>
-          <a:bodyPr>
-            <a:normAutofit/>
-          </a:bodyPr>
-          <a:lstStyle/>
-          <a:p>
-            <a:r>
-              <a:rPr lang="en-US" dirty="0">
-                <a:solidFill>
-                  <a:schemeClr val="bg1"/>
-                </a:solidFill>
-              </a:rPr>
-              <a:t>Grade ~ Attendance</a:t>
-            </a:r>
-          </a:p>
-          <a:p>
-            <a:endParaRPr lang="en-US" dirty="0">
-              <a:solidFill>
-                <a:schemeClr val="bg1"/>
-              </a:solidFill>
-            </a:endParaRPr>
-          </a:p>
-          <a:p>
-            <a:r>
-              <a:rPr lang="en-US" dirty="0">
-                <a:solidFill>
-                  <a:schemeClr val="bg1"/>
-                </a:solidFill>
-              </a:rPr>
-              <a:t>Grade ~ Expected Attendance</a:t>
-            </a:r>
-          </a:p>
-          <a:p>
-            <a:endParaRPr lang="en-US" dirty="0">
-              <a:solidFill>
-                <a:schemeClr val="bg1"/>
-              </a:solidFill>
-            </a:endParaRPr>
-          </a:p>
-          <a:p>
-            <a:r>
-              <a:rPr lang="en-US" dirty="0">
-                <a:solidFill>
-                  <a:schemeClr val="bg1"/>
-                </a:solidFill>
-              </a:rPr>
-              <a:t>Grade ~ Practical Attendance</a:t>
-            </a:r>
-          </a:p>
-          <a:p>
-            <a:endParaRPr lang="en-US" dirty="0">
-              <a:solidFill>
-                <a:schemeClr val="bg1"/>
-              </a:solidFill>
-            </a:endParaRPr>
-          </a:p>
-          <a:p>
-            <a:r>
-              <a:rPr lang="en-US" dirty="0">
-                <a:solidFill>
-                  <a:schemeClr val="bg1"/>
-                </a:solidFill>
-              </a:rPr>
-              <a:t>Grade ~ Lecture Attendance</a:t>
-            </a:r>
-          </a:p>
-        </p:txBody>
-      </p:sp>
-    </p:spTree>
-    <p:extLst>
-      <p:ext uri="{BB962C8B-B14F-4D97-AF65-F5344CB8AC3E}">
-        <p14:creationId xmlns:p14="http://schemas.microsoft.com/office/powerpoint/2010/main" val="1683191166"/>
-      </p:ext>
-    </p:extLst>
-  </p:cSld>
-  <p:clrMapOvr>
-    <a:masterClrMapping/>
-  </p:clrMapOvr>
-</p:sld>
-</file>
-
-<file path=ppt/slides/slide29.xml><?xml version="1.0" encoding="utf-8"?>
-<p:sld xmlns:a="http://schemas.openxmlformats.org/drawingml/2006/main" xmlns:r="http://schemas.openxmlformats.org/officeDocument/2006/relationships" xmlns:p="http://schemas.openxmlformats.org/presentationml/2006/main">
-  <p:cSld>
-    <p:spTree>
-      <p:nvGrpSpPr>
-        <p:cNvPr id="1" name=""/>
-        <p:cNvGrpSpPr/>
-        <p:nvPr/>
-      </p:nvGrpSpPr>
-      <p:grpSpPr>
-        <a:xfrm>
-          <a:off x="0" y="0"/>
-          <a:ext cx="0" cy="0"/>
-          <a:chOff x="0" y="0"/>
-          <a:chExt cx="0" cy="0"/>
-        </a:xfrm>
-      </p:grpSpPr>
-      <p:sp>
-        <p:nvSpPr>
-          <p:cNvPr id="2" name="Title 1">
-            <a:extLst>
-              <a:ext uri="{FF2B5EF4-FFF2-40B4-BE49-F238E27FC236}">
-                <a16:creationId xmlns:a16="http://schemas.microsoft.com/office/drawing/2014/main" id="{C7B88BF5-C73D-C2F9-DD20-DE6522FEBB0C}"/>
-              </a:ext>
-            </a:extLst>
-          </p:cNvPr>
-          <p:cNvSpPr>
-            <a:spLocks noGrp="1"/>
-          </p:cNvSpPr>
-          <p:nvPr>
-            <p:ph type="ctrTitle"/>
-          </p:nvPr>
-        </p:nvSpPr>
-        <p:spPr/>
-        <p:txBody>
-          <a:bodyPr/>
-          <a:lstStyle/>
-          <a:p>
-            <a:r>
-              <a:rPr lang="en-US" dirty="0"/>
-              <a:t>CONCLUSION</a:t>
-            </a:r>
-            <a:endParaRPr lang="en-GB" dirty="0"/>
-          </a:p>
-        </p:txBody>
-      </p:sp>
-      <p:sp>
-        <p:nvSpPr>
-          <p:cNvPr id="3" name="Subtitle 2">
-            <a:extLst>
-              <a:ext uri="{FF2B5EF4-FFF2-40B4-BE49-F238E27FC236}">
-                <a16:creationId xmlns:a16="http://schemas.microsoft.com/office/drawing/2014/main" id="{7DC5E721-C1B6-45C1-7ACB-BA368382A9E9}"/>
-              </a:ext>
-            </a:extLst>
-          </p:cNvPr>
-          <p:cNvSpPr>
-            <a:spLocks noGrp="1"/>
-          </p:cNvSpPr>
-          <p:nvPr>
-            <p:ph type="subTitle" idx="1"/>
-          </p:nvPr>
-        </p:nvSpPr>
-        <p:spPr>
-          <a:xfrm>
-            <a:off x="581191" y="3275621"/>
-            <a:ext cx="10993546" cy="2873509"/>
-          </a:xfrm>
-        </p:spPr>
-        <p:txBody>
-          <a:bodyPr>
-            <a:normAutofit/>
-          </a:bodyPr>
-          <a:lstStyle/>
-          <a:p>
-            <a:r>
-              <a:rPr lang="en-US" dirty="0">
-                <a:solidFill>
-                  <a:schemeClr val="bg1"/>
-                </a:solidFill>
-              </a:rPr>
-              <a:t>SUMMARY</a:t>
-            </a:r>
-          </a:p>
-          <a:p>
-            <a:endParaRPr lang="en-US" dirty="0">
-              <a:solidFill>
-                <a:schemeClr val="bg1"/>
-              </a:solidFill>
-            </a:endParaRPr>
-          </a:p>
-          <a:p>
-            <a:r>
-              <a:rPr lang="en-US" dirty="0">
-                <a:solidFill>
-                  <a:schemeClr val="bg1"/>
-                </a:solidFill>
-              </a:rPr>
-              <a:t>HYPOTHESIS ANSWER</a:t>
-            </a:r>
-          </a:p>
-          <a:p>
-            <a:endParaRPr lang="en-US" dirty="0">
-              <a:solidFill>
-                <a:schemeClr val="bg1"/>
-              </a:solidFill>
-            </a:endParaRPr>
-          </a:p>
-          <a:p>
-            <a:r>
-              <a:rPr lang="en-US" dirty="0">
-                <a:solidFill>
-                  <a:schemeClr val="bg1"/>
-                </a:solidFill>
-              </a:rPr>
-              <a:t>FURTHER DEVELOPMENT</a:t>
-            </a:r>
-          </a:p>
-        </p:txBody>
-      </p:sp>
-    </p:spTree>
-    <p:extLst>
-      <p:ext uri="{BB962C8B-B14F-4D97-AF65-F5344CB8AC3E}">
-        <p14:creationId xmlns:p14="http://schemas.microsoft.com/office/powerpoint/2010/main" val="1590490258"/>
       </p:ext>
     </p:extLst>
   </p:cSld>
@@ -16226,361 +17032,170 @@
             <p:ph idx="1"/>
           </p:nvPr>
         </p:nvSpPr>
-        <p:spPr/>
+        <p:spPr>
+          <a:xfrm>
+            <a:off x="581192" y="2180496"/>
+            <a:ext cx="11029615" cy="4144104"/>
+          </a:xfrm>
+        </p:spPr>
         <p:txBody>
           <a:bodyPr>
-            <a:normAutofit fontScale="62500" lnSpcReduction="20000"/>
+            <a:normAutofit/>
           </a:bodyPr>
           <a:lstStyle/>
-          <a:p>
-            <a:r>
-              <a:rPr lang="en-US" dirty="0"/>
-              <a:t>Attendance vs Grades</a:t>
-            </a:r>
-          </a:p>
           <a:p>
             <a:pPr marL="0" indent="0">
               <a:buNone/>
             </a:pPr>
-            <a:endParaRPr lang="en-US" dirty="0"/>
-          </a:p>
-          <a:p>
-            <a:pPr marL="0" indent="0">
-              <a:buNone/>
-            </a:pPr>
+            <a:r>
+              <a:rPr lang="en-US" dirty="0">
+                <a:solidFill>
+                  <a:schemeClr val="tx1"/>
+                </a:solidFill>
+              </a:rPr>
+              <a:t>There are numerous studies that explore the relationship between attendance and grades / academic achievement.</a:t>
+            </a:r>
+          </a:p>
+          <a:p>
             <a:r>
               <a:rPr lang="en-GB" dirty="0">
-                <a:hlinkClick r:id="rId2"/>
+                <a:solidFill>
+                  <a:schemeClr val="tx1"/>
+                </a:solidFill>
               </a:rPr>
-              <a:t>Class Attendance in College (sagepub.com)</a:t>
-            </a:r>
-            <a:r>
-              <a:rPr lang="en-GB" dirty="0"/>
-              <a:t> </a:t>
-            </a:r>
-          </a:p>
-          <a:p>
-            <a:pPr marL="0" indent="0">
-              <a:buNone/>
-            </a:pPr>
+              <a:t>A study exploring a large sample of students, found a strong correlation between attendance and performance, including a substantial correlation between peer attendance and their own.  (</a:t>
+            </a:r>
+            <a:r>
+              <a:rPr lang="en-GB" dirty="0" err="1">
+                <a:solidFill>
+                  <a:schemeClr val="tx1"/>
+                </a:solidFill>
+              </a:rPr>
+              <a:t>Kassarnig</a:t>
+            </a:r>
+            <a:r>
+              <a:rPr lang="en-GB" dirty="0">
+                <a:solidFill>
+                  <a:schemeClr val="tx1"/>
+                </a:solidFill>
+              </a:rPr>
+              <a:t>, et. al., 2017)</a:t>
+            </a:r>
+          </a:p>
+          <a:p>
+            <a:pPr lvl="1"/>
+            <a:r>
+              <a:rPr lang="en-GB" dirty="0">
+                <a:solidFill>
+                  <a:schemeClr val="tx1"/>
+                </a:solidFill>
+              </a:rPr>
+              <a:t>Study used Bluetooth and location data to determine the contacts a student had, as well as their location during class time to determine their attendance and their general social contacts within the class.</a:t>
+            </a:r>
+          </a:p>
+          <a:p>
+            <a:pPr lvl="1"/>
+            <a:r>
+              <a:rPr lang="en-GB" dirty="0">
+                <a:solidFill>
+                  <a:schemeClr val="tx1"/>
+                </a:solidFill>
+              </a:rPr>
+              <a:t>Use of Spearman’s correlation coefficient, and Theil-San Regression over linear regression.</a:t>
+            </a:r>
+            <a:endParaRPr lang="en-US" dirty="0">
+              <a:solidFill>
+                <a:schemeClr val="tx1"/>
+              </a:solidFill>
+            </a:endParaRPr>
+          </a:p>
+          <a:p>
+            <a:endParaRPr lang="en-US" dirty="0">
+              <a:solidFill>
+                <a:schemeClr val="tx1"/>
+              </a:solidFill>
+            </a:endParaRPr>
+          </a:p>
+          <a:p>
+            <a:r>
+              <a:rPr lang="en-US" dirty="0">
+                <a:solidFill>
+                  <a:schemeClr val="tx1"/>
+                </a:solidFill>
+              </a:rPr>
+              <a:t>Similarly, an analysis of class attendance and class grades in college classes showed a similar strong correlation between attendance and grade score (</a:t>
+            </a:r>
             <a:r>
               <a:rPr lang="en-GB" b="0" i="0" dirty="0" err="1">
                 <a:solidFill>
-                  <a:srgbClr val="222222"/>
+                  <a:schemeClr val="tx1"/>
                 </a:solidFill>
                 <a:effectLst/>
-                <a:latin typeface="Arial" panose="020B0604020202020204" pitchFamily="34" charset="0"/>
               </a:rPr>
               <a:t>Credé</a:t>
             </a:r>
             <a:r>
               <a:rPr lang="en-GB" b="0" i="0" dirty="0">
                 <a:solidFill>
-                  <a:srgbClr val="222222"/>
+                  <a:schemeClr val="tx1"/>
                 </a:solidFill>
                 <a:effectLst/>
-                <a:latin typeface="Arial" panose="020B0604020202020204" pitchFamily="34" charset="0"/>
               </a:rPr>
-              <a:t>, M., </a:t>
+              <a:t>, </a:t>
             </a:r>
             <a:r>
               <a:rPr lang="en-GB" b="0" i="0" dirty="0" err="1">
                 <a:solidFill>
-                  <a:srgbClr val="222222"/>
+                  <a:schemeClr val="tx1"/>
                 </a:solidFill>
                 <a:effectLst/>
-                <a:latin typeface="Arial" panose="020B0604020202020204" pitchFamily="34" charset="0"/>
               </a:rPr>
               <a:t>Roch</a:t>
             </a:r>
             <a:r>
-              <a:rPr lang="en-GB" b="0" i="0" dirty="0">
-                <a:solidFill>
-                  <a:srgbClr val="222222"/>
+              <a:rPr lang="en-GB" dirty="0">
+                <a:solidFill>
+                  <a:schemeClr val="tx1"/>
+                </a:solidFill>
+              </a:rPr>
+              <a:t>, </a:t>
+            </a:r>
+            <a:r>
+              <a:rPr lang="en-GB" b="0" i="0" dirty="0" err="1">
+                <a:solidFill>
+                  <a:schemeClr val="tx1"/>
                 </a:solidFill>
                 <a:effectLst/>
-                <a:latin typeface="Arial" panose="020B0604020202020204" pitchFamily="34" charset="0"/>
-              </a:rPr>
-              <a:t>, S.G. and </a:t>
-            </a:r>
-            <a:r>
-              <a:rPr lang="en-GB" b="0" i="0" dirty="0" err="1">
-                <a:solidFill>
-                  <a:srgbClr val="222222"/>
-                </a:solidFill>
-                <a:effectLst/>
-                <a:latin typeface="Arial" panose="020B0604020202020204" pitchFamily="34" charset="0"/>
               </a:rPr>
               <a:t>Kieszczynka</a:t>
             </a:r>
             <a:r>
               <a:rPr lang="en-GB" b="0" i="0" dirty="0">
                 <a:solidFill>
-                  <a:srgbClr val="222222"/>
+                  <a:schemeClr val="tx1"/>
                 </a:solidFill>
                 <a:effectLst/>
-                <a:latin typeface="Arial" panose="020B0604020202020204" pitchFamily="34" charset="0"/>
               </a:rPr>
-              <a:t>, U.M., 2010. Class attendance in college: A meta-analytic review of the relationship of class attendance with grades and student characteristics. </a:t>
-            </a:r>
-            <a:r>
-              <a:rPr lang="en-GB" b="0" i="1" dirty="0">
-                <a:solidFill>
-                  <a:srgbClr val="222222"/>
-                </a:solidFill>
-                <a:effectLst/>
-                <a:latin typeface="Arial" panose="020B0604020202020204" pitchFamily="34" charset="0"/>
+              <a:t>, 2010)</a:t>
+            </a:r>
+          </a:p>
+          <a:p>
+            <a:pPr lvl="1"/>
+            <a:r>
+              <a:rPr lang="en-GB" dirty="0">
+                <a:solidFill>
+                  <a:schemeClr val="tx1"/>
+                </a:solidFill>
               </a:rPr>
-              <a:t>Review of Educational Research</a:t>
-            </a:r>
-            <a:r>
-              <a:rPr lang="en-GB" b="0" i="0" dirty="0">
-                <a:solidFill>
-                  <a:srgbClr val="222222"/>
-                </a:solidFill>
-                <a:effectLst/>
-                <a:latin typeface="Arial" panose="020B0604020202020204" pitchFamily="34" charset="0"/>
-              </a:rPr>
-              <a:t>, </a:t>
-            </a:r>
-            <a:r>
-              <a:rPr lang="en-GB" b="0" i="1" dirty="0">
-                <a:solidFill>
-                  <a:srgbClr val="222222"/>
-                </a:solidFill>
-                <a:effectLst/>
-                <a:latin typeface="Arial" panose="020B0604020202020204" pitchFamily="34" charset="0"/>
-              </a:rPr>
-              <a:t>80</a:t>
-            </a:r>
-            <a:r>
-              <a:rPr lang="en-GB" b="0" i="0" dirty="0">
-                <a:solidFill>
-                  <a:srgbClr val="222222"/>
-                </a:solidFill>
-                <a:effectLst/>
-                <a:latin typeface="Arial" panose="020B0604020202020204" pitchFamily="34" charset="0"/>
-              </a:rPr>
-              <a:t>(2), pp.272-295.</a:t>
-            </a:r>
-          </a:p>
-          <a:p>
-            <a:pPr marL="0" indent="0">
-              <a:buNone/>
-            </a:pPr>
-            <a:endParaRPr lang="en-US" dirty="0"/>
-          </a:p>
-          <a:p>
-            <a:pPr marL="0" indent="0">
-              <a:buNone/>
-            </a:pPr>
-            <a:r>
-              <a:rPr lang="en-GB" dirty="0">
-                <a:hlinkClick r:id="rId3"/>
-              </a:rPr>
-              <a:t>A correlation between attendance and grades in a first-year psychology class. (apa.org)</a:t>
-            </a:r>
-            <a:endParaRPr lang="en-US" dirty="0"/>
-          </a:p>
-          <a:p>
-            <a:pPr marL="0" indent="0">
-              <a:buNone/>
-            </a:pPr>
-            <a:r>
-              <a:rPr lang="en-GB" b="0" i="0" dirty="0">
-                <a:solidFill>
-                  <a:srgbClr val="333333"/>
-                </a:solidFill>
-                <a:effectLst/>
-                <a:latin typeface="Arial" panose="020B0604020202020204" pitchFamily="34" charset="0"/>
-              </a:rPr>
-              <a:t>Gunn, K. P. (1993). A correlation between attendance and grades in a first-year psychology class. </a:t>
-            </a:r>
-            <a:r>
-              <a:rPr lang="en-GB" b="0" i="1" dirty="0">
-                <a:solidFill>
-                  <a:srgbClr val="333333"/>
-                </a:solidFill>
-                <a:effectLst/>
-                <a:latin typeface="Arial" panose="020B0604020202020204" pitchFamily="34" charset="0"/>
-              </a:rPr>
-              <a:t>Canadian Psychology / </a:t>
-            </a:r>
-            <a:r>
-              <a:rPr lang="en-GB" b="0" i="1" dirty="0" err="1">
-                <a:solidFill>
-                  <a:srgbClr val="333333"/>
-                </a:solidFill>
-                <a:effectLst/>
-                <a:latin typeface="Arial" panose="020B0604020202020204" pitchFamily="34" charset="0"/>
-              </a:rPr>
-              <a:t>Psychologie</a:t>
-            </a:r>
-            <a:r>
-              <a:rPr lang="en-GB" b="0" i="1" dirty="0">
-                <a:solidFill>
-                  <a:srgbClr val="333333"/>
-                </a:solidFill>
-                <a:effectLst/>
-                <a:latin typeface="Arial" panose="020B0604020202020204" pitchFamily="34" charset="0"/>
-              </a:rPr>
-              <a:t> </a:t>
-            </a:r>
-            <a:r>
-              <a:rPr lang="en-GB" b="0" i="1" dirty="0" err="1">
-                <a:solidFill>
-                  <a:srgbClr val="333333"/>
-                </a:solidFill>
-                <a:effectLst/>
-                <a:latin typeface="Arial" panose="020B0604020202020204" pitchFamily="34" charset="0"/>
-              </a:rPr>
-              <a:t>canadienne</a:t>
-            </a:r>
-            <a:r>
-              <a:rPr lang="en-GB" b="0" i="1" dirty="0">
-                <a:solidFill>
-                  <a:srgbClr val="333333"/>
-                </a:solidFill>
-                <a:effectLst/>
-                <a:latin typeface="Arial" panose="020B0604020202020204" pitchFamily="34" charset="0"/>
-              </a:rPr>
-              <a:t>, 34</a:t>
-            </a:r>
-            <a:r>
-              <a:rPr lang="en-GB" b="0" i="0" dirty="0">
-                <a:solidFill>
-                  <a:srgbClr val="333333"/>
-                </a:solidFill>
-                <a:effectLst/>
-                <a:latin typeface="Arial" panose="020B0604020202020204" pitchFamily="34" charset="0"/>
-              </a:rPr>
-              <a:t>(2), 201–202. </a:t>
-            </a:r>
-            <a:r>
-              <a:rPr lang="en-GB" b="0" i="0" u="none" strike="noStrike" dirty="0">
-                <a:solidFill>
-                  <a:srgbClr val="2C72B7"/>
-                </a:solidFill>
-                <a:effectLst/>
-                <a:latin typeface="Arial" panose="020B0604020202020204" pitchFamily="34" charset="0"/>
-                <a:hlinkClick r:id="rId4"/>
-              </a:rPr>
-              <a:t>https://doi.org/10.1037/h0078770</a:t>
-            </a:r>
-            <a:endParaRPr lang="en-GB" b="0" i="0" u="none" strike="noStrike" dirty="0">
-              <a:solidFill>
-                <a:srgbClr val="2C72B7"/>
-              </a:solidFill>
-              <a:effectLst/>
-              <a:latin typeface="Arial" panose="020B0604020202020204" pitchFamily="34" charset="0"/>
-            </a:endParaRPr>
-          </a:p>
-          <a:p>
-            <a:pPr marL="0" indent="0">
-              <a:buNone/>
-            </a:pPr>
-            <a:endParaRPr lang="en-US" dirty="0"/>
-          </a:p>
-          <a:p>
-            <a:pPr marL="0" indent="0">
-              <a:buNone/>
-            </a:pPr>
-            <a:r>
-              <a:rPr lang="en-GB" dirty="0">
-                <a:hlinkClick r:id="rId5"/>
-              </a:rPr>
-              <a:t>Attendance and performance – ProQuest</a:t>
-            </a:r>
-            <a:endParaRPr lang="en-GB" dirty="0"/>
-          </a:p>
-          <a:p>
-            <a:pPr marL="0" indent="0">
-              <a:buNone/>
-            </a:pPr>
-            <a:r>
-              <a:rPr lang="en-GB" b="0" i="0" dirty="0">
-                <a:solidFill>
-                  <a:srgbClr val="555555"/>
-                </a:solidFill>
-                <a:effectLst/>
-                <a:latin typeface="verdana" panose="020B0604030504040204" pitchFamily="34" charset="0"/>
-              </a:rPr>
-              <a:t>MOORE, R., 2003. Attendance and performance. </a:t>
-            </a:r>
-            <a:r>
-              <a:rPr lang="en-GB" b="0" i="1" dirty="0">
-                <a:solidFill>
-                  <a:srgbClr val="555555"/>
-                </a:solidFill>
-                <a:effectLst/>
-                <a:latin typeface="verdana" panose="020B0604030504040204" pitchFamily="34" charset="0"/>
-              </a:rPr>
-              <a:t>Journal of College Science Teaching, </a:t>
-            </a:r>
-            <a:r>
-              <a:rPr lang="en-GB" b="1" i="0" dirty="0">
-                <a:solidFill>
-                  <a:srgbClr val="555555"/>
-                </a:solidFill>
-                <a:effectLst/>
-                <a:latin typeface="verdana" panose="020B0604030504040204" pitchFamily="34" charset="0"/>
-              </a:rPr>
-              <a:t>32</a:t>
-            </a:r>
-            <a:r>
-              <a:rPr lang="en-GB" b="0" i="0" dirty="0">
-                <a:solidFill>
-                  <a:srgbClr val="555555"/>
-                </a:solidFill>
-                <a:effectLst/>
-                <a:latin typeface="verdana" panose="020B0604030504040204" pitchFamily="34" charset="0"/>
-              </a:rPr>
-              <a:t>(6), pp. </a:t>
-            </a:r>
-            <a:r>
-              <a:rPr lang="en-GB" b="0" i="0">
-                <a:solidFill>
-                  <a:srgbClr val="555555"/>
-                </a:solidFill>
-                <a:effectLst/>
-                <a:latin typeface="verdana" panose="020B0604030504040204" pitchFamily="34" charset="0"/>
-              </a:rPr>
-              <a:t>367-371.</a:t>
-            </a:r>
-            <a:endParaRPr lang="en-US" dirty="0"/>
-          </a:p>
-          <a:p>
-            <a:pPr marL="0" indent="0">
-              <a:buNone/>
-            </a:pPr>
-            <a:endParaRPr lang="en-US" dirty="0"/>
-          </a:p>
-          <a:p>
-            <a:r>
-              <a:rPr lang="en-US" dirty="0"/>
-              <a:t>Pedagogic positives of recording </a:t>
-            </a:r>
-            <a:r>
-              <a:rPr lang="en-US" dirty="0" err="1"/>
-              <a:t>matierall</a:t>
-            </a:r>
-            <a:endParaRPr lang="en-US" dirty="0"/>
-          </a:p>
-          <a:p>
-            <a:r>
-              <a:rPr lang="en-US" dirty="0"/>
-              <a:t>Multiple approaches available</a:t>
-            </a:r>
-          </a:p>
-          <a:p>
-            <a:endParaRPr lang="en-GB" dirty="0"/>
+              <a:t>Study mentions that a correlation coefficient above 0.50 indicates a large effect size (Cohen, 1988)</a:t>
+            </a:r>
           </a:p>
         </p:txBody>
       </p:sp>
     </p:spTree>
     <p:extLst>
       <p:ext uri="{BB962C8B-B14F-4D97-AF65-F5344CB8AC3E}">
-        <p14:creationId xmlns:p14="http://schemas.microsoft.com/office/powerpoint/2010/main" val="215993404"/>
+        <p14:creationId xmlns:p14="http://schemas.microsoft.com/office/powerpoint/2010/main" val="4061980238"/>
       </p:ext>
     </p:extLst>
   </p:cSld>
@@ -16612,7 +17227,7 @@
           <p:cNvPr id="2" name="Title 1">
             <a:extLst>
               <a:ext uri="{FF2B5EF4-FFF2-40B4-BE49-F238E27FC236}">
-                <a16:creationId xmlns:a16="http://schemas.microsoft.com/office/drawing/2014/main" id="{893057A3-A04F-232F-0FAC-02C377A544EC}"/>
+                <a16:creationId xmlns:a16="http://schemas.microsoft.com/office/drawing/2014/main" id="{C7B88BF5-C73D-C2F9-DD20-DE6522FEBB0C}"/>
               </a:ext>
             </a:extLst>
           </p:cNvPr>
@@ -16620,7 +17235,7 @@
             <a:spLocks noGrp="1"/>
           </p:cNvSpPr>
           <p:nvPr>
-            <p:ph type="title"/>
+            <p:ph type="ctrTitle"/>
           </p:nvPr>
         </p:nvSpPr>
         <p:spPr/>
@@ -16630,7 +17245,7 @@
           <a:p>
             <a:r>
               <a:rPr lang="en-US" dirty="0"/>
-              <a:t>References</a:t>
+              <a:t>PREDICTIONS</a:t>
             </a:r>
             <a:endParaRPr lang="en-GB" dirty="0"/>
           </a:p>
@@ -16638,10 +17253,10 @@
       </p:sp>
       <p:sp>
         <p:nvSpPr>
-          <p:cNvPr id="3" name="Content Placeholder 2">
+          <p:cNvPr id="3" name="Subtitle 2">
             <a:extLst>
               <a:ext uri="{FF2B5EF4-FFF2-40B4-BE49-F238E27FC236}">
-                <a16:creationId xmlns:a16="http://schemas.microsoft.com/office/drawing/2014/main" id="{A9C16DC8-2E95-9526-1657-6E95C5B8A701}"/>
+                <a16:creationId xmlns:a16="http://schemas.microsoft.com/office/drawing/2014/main" id="{7DC5E721-C1B6-45C1-7ACB-BA368382A9E9}"/>
               </a:ext>
             </a:extLst>
           </p:cNvPr>
@@ -16649,119 +17264,87 @@
             <a:spLocks noGrp="1"/>
           </p:cNvSpPr>
           <p:nvPr>
-            <p:ph idx="1"/>
+            <p:ph type="subTitle" idx="1"/>
           </p:nvPr>
         </p:nvSpPr>
-        <p:spPr/>
+        <p:spPr>
+          <a:xfrm>
+            <a:off x="581191" y="3275621"/>
+            <a:ext cx="10993546" cy="2873509"/>
+          </a:xfrm>
+        </p:spPr>
         <p:txBody>
-          <a:bodyPr/>
+          <a:bodyPr>
+            <a:normAutofit/>
+          </a:bodyPr>
           <a:lstStyle/>
           <a:p>
-            <a:pPr marL="0" indent="0">
-              <a:buNone/>
-            </a:pPr>
-            <a:r>
-              <a:rPr lang="en-GB" b="0" i="0" dirty="0" err="1">
-                <a:solidFill>
-                  <a:schemeClr val="tx1"/>
-                </a:solidFill>
-                <a:effectLst/>
-                <a:latin typeface="Circular"/>
+            <a:r>
+              <a:rPr lang="en-US" dirty="0">
+                <a:solidFill>
+                  <a:schemeClr val="bg1"/>
+                </a:solidFill>
               </a:rPr>
-              <a:t>Handschuh</a:t>
-            </a:r>
-            <a:r>
-              <a:rPr lang="en-GB" b="0" i="0" dirty="0">
-                <a:solidFill>
-                  <a:schemeClr val="tx1"/>
-                </a:solidFill>
-                <a:effectLst/>
-                <a:latin typeface="Circular"/>
-              </a:rPr>
-              <a:t>, H. (2005) ‘SHA Family (Secure Hash Algorithm)’, in van </a:t>
-            </a:r>
-            <a:r>
-              <a:rPr lang="en-GB" b="0" i="0" dirty="0" err="1">
-                <a:solidFill>
-                  <a:schemeClr val="tx1"/>
-                </a:solidFill>
-                <a:effectLst/>
-                <a:latin typeface="Circular"/>
-              </a:rPr>
-              <a:t>Tilborg</a:t>
-            </a:r>
-            <a:r>
-              <a:rPr lang="en-GB" b="0" i="0" dirty="0">
-                <a:solidFill>
-                  <a:schemeClr val="tx1"/>
-                </a:solidFill>
-                <a:effectLst/>
-                <a:latin typeface="Circular"/>
-              </a:rPr>
-              <a:t>, H. C. A. (ed.) </a:t>
-            </a:r>
-            <a:r>
-              <a:rPr lang="en-GB" b="0" i="1" dirty="0" err="1">
-                <a:solidFill>
-                  <a:schemeClr val="tx1"/>
-                </a:solidFill>
-                <a:effectLst/>
-                <a:latin typeface="Circular"/>
-              </a:rPr>
-              <a:t>Encyclopedia</a:t>
-            </a:r>
-            <a:r>
-              <a:rPr lang="en-GB" b="0" i="1" dirty="0">
-                <a:solidFill>
-                  <a:schemeClr val="tx1"/>
-                </a:solidFill>
-                <a:effectLst/>
-                <a:latin typeface="Circular"/>
-              </a:rPr>
-              <a:t> of Cryptography and Security</a:t>
-            </a:r>
-            <a:r>
-              <a:rPr lang="en-GB" b="0" i="0" dirty="0">
-                <a:solidFill>
-                  <a:schemeClr val="tx1"/>
-                </a:solidFill>
-                <a:effectLst/>
-                <a:latin typeface="Circular"/>
-              </a:rPr>
-              <a:t>. Boston, MA: Springer US, pp. 565–567. </a:t>
-            </a:r>
-            <a:r>
-              <a:rPr lang="en-GB" b="0" i="0" dirty="0" err="1">
-                <a:solidFill>
-                  <a:schemeClr val="tx1"/>
-                </a:solidFill>
-                <a:effectLst/>
-                <a:latin typeface="Circular"/>
-              </a:rPr>
-              <a:t>doi</a:t>
-            </a:r>
-            <a:r>
-              <a:rPr lang="en-GB" b="0" i="0" dirty="0">
-                <a:solidFill>
-                  <a:schemeClr val="tx1"/>
-                </a:solidFill>
-                <a:effectLst/>
-                <a:latin typeface="Circular"/>
-              </a:rPr>
-              <a:t>: 10.1007/0-387-23483-7_388.</a:t>
-            </a:r>
-            <a:endParaRPr lang="en-GB" dirty="0">
+              <a:t>Grade ~ Attendance</a:t>
+            </a:r>
+          </a:p>
+          <a:p>
+            <a:endParaRPr lang="en-US" dirty="0">
               <a:solidFill>
-                <a:schemeClr val="tx1"/>
+                <a:schemeClr val="bg1"/>
               </a:solidFill>
             </a:endParaRPr>
+          </a:p>
+          <a:p>
+            <a:r>
+              <a:rPr lang="en-US" dirty="0">
+                <a:solidFill>
+                  <a:schemeClr val="bg1"/>
+                </a:solidFill>
+              </a:rPr>
+              <a:t>Grade ~ Expected Attendance</a:t>
+            </a:r>
+          </a:p>
+          <a:p>
+            <a:endParaRPr lang="en-US" dirty="0">
+              <a:solidFill>
+                <a:schemeClr val="bg1"/>
+              </a:solidFill>
+            </a:endParaRPr>
+          </a:p>
+          <a:p>
+            <a:r>
+              <a:rPr lang="en-US" dirty="0">
+                <a:solidFill>
+                  <a:schemeClr val="bg1"/>
+                </a:solidFill>
+              </a:rPr>
+              <a:t>Grade ~ Practical Attendance</a:t>
+            </a:r>
+          </a:p>
+          <a:p>
+            <a:endParaRPr lang="en-US" dirty="0">
+              <a:solidFill>
+                <a:schemeClr val="bg1"/>
+              </a:solidFill>
+            </a:endParaRPr>
+          </a:p>
+          <a:p>
+            <a:r>
+              <a:rPr lang="en-US" dirty="0">
+                <a:solidFill>
+                  <a:schemeClr val="bg1"/>
+                </a:solidFill>
+              </a:rPr>
+              <a:t>Grade ~ Lecture Attendance</a:t>
+            </a:r>
           </a:p>
         </p:txBody>
       </p:sp>
     </p:spTree>
     <p:extLst>
       <p:ext uri="{BB962C8B-B14F-4D97-AF65-F5344CB8AC3E}">
-        <p14:creationId xmlns:p14="http://schemas.microsoft.com/office/powerpoint/2010/main" val="3695867236"/>
+        <p14:creationId xmlns:p14="http://schemas.microsoft.com/office/powerpoint/2010/main" val="1683191166"/>
       </p:ext>
     </p:extLst>
   </p:cSld>
@@ -16772,6 +17355,138 @@
 </file>
 
 <file path=ppt/slides/slide31.xml><?xml version="1.0" encoding="utf-8"?>
+<p:sld xmlns:a="http://schemas.openxmlformats.org/drawingml/2006/main" xmlns:r="http://schemas.openxmlformats.org/officeDocument/2006/relationships" xmlns:p="http://schemas.openxmlformats.org/presentationml/2006/main">
+  <p:cSld>
+    <p:spTree>
+      <p:nvGrpSpPr>
+        <p:cNvPr id="1" name=""/>
+        <p:cNvGrpSpPr/>
+        <p:nvPr/>
+      </p:nvGrpSpPr>
+      <p:grpSpPr>
+        <a:xfrm>
+          <a:off x="0" y="0"/>
+          <a:ext cx="0" cy="0"/>
+          <a:chOff x="0" y="0"/>
+          <a:chExt cx="0" cy="0"/>
+        </a:xfrm>
+      </p:grpSpPr>
+      <p:sp>
+        <p:nvSpPr>
+          <p:cNvPr id="2" name="Title 1">
+            <a:extLst>
+              <a:ext uri="{FF2B5EF4-FFF2-40B4-BE49-F238E27FC236}">
+                <a16:creationId xmlns:a16="http://schemas.microsoft.com/office/drawing/2014/main" id="{C7B88BF5-C73D-C2F9-DD20-DE6522FEBB0C}"/>
+              </a:ext>
+            </a:extLst>
+          </p:cNvPr>
+          <p:cNvSpPr>
+            <a:spLocks noGrp="1"/>
+          </p:cNvSpPr>
+          <p:nvPr>
+            <p:ph type="ctrTitle"/>
+          </p:nvPr>
+        </p:nvSpPr>
+        <p:spPr/>
+        <p:txBody>
+          <a:bodyPr/>
+          <a:lstStyle/>
+          <a:p>
+            <a:r>
+              <a:rPr lang="en-US" dirty="0"/>
+              <a:t>CONCLUSION</a:t>
+            </a:r>
+            <a:endParaRPr lang="en-GB" dirty="0"/>
+          </a:p>
+        </p:txBody>
+      </p:sp>
+      <p:sp>
+        <p:nvSpPr>
+          <p:cNvPr id="3" name="Subtitle 2">
+            <a:extLst>
+              <a:ext uri="{FF2B5EF4-FFF2-40B4-BE49-F238E27FC236}">
+                <a16:creationId xmlns:a16="http://schemas.microsoft.com/office/drawing/2014/main" id="{7DC5E721-C1B6-45C1-7ACB-BA368382A9E9}"/>
+              </a:ext>
+            </a:extLst>
+          </p:cNvPr>
+          <p:cNvSpPr>
+            <a:spLocks noGrp="1"/>
+          </p:cNvSpPr>
+          <p:nvPr>
+            <p:ph type="subTitle" idx="1"/>
+          </p:nvPr>
+        </p:nvSpPr>
+        <p:spPr>
+          <a:xfrm>
+            <a:off x="581191" y="3275621"/>
+            <a:ext cx="10993546" cy="2873509"/>
+          </a:xfrm>
+        </p:spPr>
+        <p:txBody>
+          <a:bodyPr>
+            <a:normAutofit/>
+          </a:bodyPr>
+          <a:lstStyle/>
+          <a:p>
+            <a:r>
+              <a:rPr lang="en-US" dirty="0">
+                <a:solidFill>
+                  <a:schemeClr val="bg1"/>
+                </a:solidFill>
+              </a:rPr>
+              <a:t>SUMMARY</a:t>
+            </a:r>
+          </a:p>
+          <a:p>
+            <a:endParaRPr lang="en-US" dirty="0">
+              <a:solidFill>
+                <a:schemeClr val="bg1"/>
+              </a:solidFill>
+            </a:endParaRPr>
+          </a:p>
+          <a:p>
+            <a:r>
+              <a:rPr lang="en-US" dirty="0">
+                <a:solidFill>
+                  <a:schemeClr val="bg1"/>
+                </a:solidFill>
+              </a:rPr>
+              <a:t>HYPOTHESIS ANSWER</a:t>
+            </a:r>
+          </a:p>
+          <a:p>
+            <a:endParaRPr lang="en-US" dirty="0">
+              <a:solidFill>
+                <a:schemeClr val="bg1"/>
+              </a:solidFill>
+            </a:endParaRPr>
+          </a:p>
+          <a:p>
+            <a:r>
+              <a:rPr lang="en-US" dirty="0">
+                <a:solidFill>
+                  <a:schemeClr val="bg1"/>
+                </a:solidFill>
+              </a:rPr>
+              <a:t>FURTHER DEVELOPMENT</a:t>
+            </a:r>
+          </a:p>
+        </p:txBody>
+      </p:sp>
+    </p:spTree>
+    <p:extLst>
+      <p:ext uri="{BB962C8B-B14F-4D97-AF65-F5344CB8AC3E}">
+        <p14:creationId xmlns:p14="http://schemas.microsoft.com/office/powerpoint/2010/main" val="1590490258"/>
+      </p:ext>
+    </p:extLst>
+  </p:cSld>
+  <p:clrMapOvr>
+    <a:masterClrMapping/>
+  </p:clrMapOvr>
+</p:sld>
+</file>
+
+<file path=ppt/slides/slide32.xml><?xml version="1.0" encoding="utf-8"?>
 <p:sld xmlns:a="http://schemas.openxmlformats.org/drawingml/2006/main" xmlns:r="http://schemas.openxmlformats.org/officeDocument/2006/relationships" xmlns:p="http://schemas.openxmlformats.org/presentationml/2006/main">
   <p:cSld>
     <p:bg>
@@ -17261,6 +17976,800 @@
 </p:sld>
 </file>
 
+<file path=ppt/slides/slide33.xml><?xml version="1.0" encoding="utf-8"?>
+<p:sld xmlns:a="http://schemas.openxmlformats.org/drawingml/2006/main" xmlns:r="http://schemas.openxmlformats.org/officeDocument/2006/relationships" xmlns:p="http://schemas.openxmlformats.org/presentationml/2006/main">
+  <p:cSld>
+    <p:spTree>
+      <p:nvGrpSpPr>
+        <p:cNvPr id="1" name=""/>
+        <p:cNvGrpSpPr/>
+        <p:nvPr/>
+      </p:nvGrpSpPr>
+      <p:grpSpPr>
+        <a:xfrm>
+          <a:off x="0" y="0"/>
+          <a:ext cx="0" cy="0"/>
+          <a:chOff x="0" y="0"/>
+          <a:chExt cx="0" cy="0"/>
+        </a:xfrm>
+      </p:grpSpPr>
+      <p:sp>
+        <p:nvSpPr>
+          <p:cNvPr id="2" name="Title 1">
+            <a:extLst>
+              <a:ext uri="{FF2B5EF4-FFF2-40B4-BE49-F238E27FC236}">
+                <a16:creationId xmlns:a16="http://schemas.microsoft.com/office/drawing/2014/main" id="{893057A3-A04F-232F-0FAC-02C377A544EC}"/>
+              </a:ext>
+            </a:extLst>
+          </p:cNvPr>
+          <p:cNvSpPr>
+            <a:spLocks noGrp="1"/>
+          </p:cNvSpPr>
+          <p:nvPr>
+            <p:ph type="title"/>
+          </p:nvPr>
+        </p:nvSpPr>
+        <p:spPr/>
+        <p:txBody>
+          <a:bodyPr/>
+          <a:lstStyle/>
+          <a:p>
+            <a:r>
+              <a:rPr lang="en-US" dirty="0"/>
+              <a:t>References</a:t>
+            </a:r>
+            <a:endParaRPr lang="en-GB" dirty="0"/>
+          </a:p>
+        </p:txBody>
+      </p:sp>
+      <p:sp>
+        <p:nvSpPr>
+          <p:cNvPr id="3" name="Content Placeholder 2">
+            <a:extLst>
+              <a:ext uri="{FF2B5EF4-FFF2-40B4-BE49-F238E27FC236}">
+                <a16:creationId xmlns:a16="http://schemas.microsoft.com/office/drawing/2014/main" id="{A9C16DC8-2E95-9526-1657-6E95C5B8A701}"/>
+              </a:ext>
+            </a:extLst>
+          </p:cNvPr>
+          <p:cNvSpPr>
+            <a:spLocks noGrp="1"/>
+          </p:cNvSpPr>
+          <p:nvPr>
+            <p:ph idx="1"/>
+          </p:nvPr>
+        </p:nvSpPr>
+        <p:spPr>
+          <a:xfrm>
+            <a:off x="581192" y="2180496"/>
+            <a:ext cx="11029615" cy="4360004"/>
+          </a:xfrm>
+        </p:spPr>
+        <p:txBody>
+          <a:bodyPr>
+            <a:normAutofit/>
+          </a:bodyPr>
+          <a:lstStyle/>
+          <a:p>
+            <a:pPr marL="0" indent="0">
+              <a:buNone/>
+            </a:pPr>
+            <a:r>
+              <a:rPr lang="en-GB" sz="1900" b="0" i="0" dirty="0" err="1">
+                <a:solidFill>
+                  <a:schemeClr val="tx1"/>
+                </a:solidFill>
+                <a:effectLst/>
+              </a:rPr>
+              <a:t>Bacro</a:t>
+            </a:r>
+            <a:r>
+              <a:rPr lang="en-GB" sz="1900" b="0" i="0" dirty="0">
+                <a:solidFill>
+                  <a:schemeClr val="tx1"/>
+                </a:solidFill>
+                <a:effectLst/>
+              </a:rPr>
+              <a:t>, T. R. H., </a:t>
+            </a:r>
+            <a:r>
+              <a:rPr lang="en-GB" sz="1900" b="0" i="0" dirty="0" err="1">
+                <a:solidFill>
+                  <a:schemeClr val="tx1"/>
+                </a:solidFill>
+                <a:effectLst/>
+              </a:rPr>
+              <a:t>Gebregziabher</a:t>
+            </a:r>
+            <a:r>
+              <a:rPr lang="en-GB" sz="1900" b="0" i="0" dirty="0">
+                <a:solidFill>
+                  <a:schemeClr val="tx1"/>
+                </a:solidFill>
+                <a:effectLst/>
+              </a:rPr>
+              <a:t>, M. and </a:t>
+            </a:r>
+            <a:r>
+              <a:rPr lang="en-GB" sz="1900" b="0" i="0" dirty="0" err="1">
+                <a:solidFill>
+                  <a:schemeClr val="tx1"/>
+                </a:solidFill>
+                <a:effectLst/>
+              </a:rPr>
+              <a:t>Fitzharris</a:t>
+            </a:r>
+            <a:r>
+              <a:rPr lang="en-GB" sz="1900" b="0" i="0" dirty="0">
+                <a:solidFill>
+                  <a:schemeClr val="tx1"/>
+                </a:solidFill>
+                <a:effectLst/>
+              </a:rPr>
+              <a:t>, T. P. (2010) ‘Evaluation of a lecture recording system in a medical curriculum’, </a:t>
+            </a:r>
+            <a:r>
+              <a:rPr lang="en-GB" sz="1900" b="0" i="1" dirty="0">
+                <a:solidFill>
+                  <a:schemeClr val="tx1"/>
+                </a:solidFill>
+                <a:effectLst/>
+              </a:rPr>
+              <a:t>Anatomical Sciences Education</a:t>
+            </a:r>
+            <a:r>
+              <a:rPr lang="en-GB" sz="1900" b="0" i="0" dirty="0">
+                <a:solidFill>
+                  <a:schemeClr val="tx1"/>
+                </a:solidFill>
+                <a:effectLst/>
+              </a:rPr>
+              <a:t>, 3(6), pp. 300–308. </a:t>
+            </a:r>
+            <a:r>
+              <a:rPr lang="en-GB" sz="1900" b="0" i="0" dirty="0" err="1">
+                <a:solidFill>
+                  <a:schemeClr val="tx1"/>
+                </a:solidFill>
+                <a:effectLst/>
+              </a:rPr>
+              <a:t>doi</a:t>
+            </a:r>
+            <a:r>
+              <a:rPr lang="en-GB" sz="1900" b="0" i="0" dirty="0">
+                <a:solidFill>
+                  <a:schemeClr val="tx1"/>
+                </a:solidFill>
+                <a:effectLst/>
+              </a:rPr>
+              <a:t>: 10.1002/ase.183.</a:t>
+            </a:r>
+          </a:p>
+          <a:p>
+            <a:pPr marL="0" indent="0">
+              <a:buNone/>
+            </a:pPr>
+            <a:r>
+              <a:rPr lang="en-GB" b="0" i="0" dirty="0">
+                <a:solidFill>
+                  <a:schemeClr val="tx1"/>
+                </a:solidFill>
+                <a:effectLst/>
+              </a:rPr>
+              <a:t>Carpenter, R., </a:t>
+            </a:r>
+            <a:r>
+              <a:rPr lang="en-GB" b="0" i="0" dirty="0" err="1">
+                <a:solidFill>
+                  <a:schemeClr val="tx1"/>
+                </a:solidFill>
+                <a:effectLst/>
+              </a:rPr>
+              <a:t>Theeke</a:t>
+            </a:r>
+            <a:r>
+              <a:rPr lang="en-GB" b="0" i="0" dirty="0">
+                <a:solidFill>
+                  <a:schemeClr val="tx1"/>
+                </a:solidFill>
+                <a:effectLst/>
+              </a:rPr>
+              <a:t>, L. and Smothers, A. (2013) ‘Enhancing Course Grades and Evaluations Using Distance Education Technologies’, </a:t>
+            </a:r>
+            <a:r>
+              <a:rPr lang="en-GB" b="0" i="1" dirty="0">
+                <a:solidFill>
+                  <a:schemeClr val="tx1"/>
+                </a:solidFill>
+                <a:effectLst/>
+              </a:rPr>
+              <a:t>Nurse Educator</a:t>
+            </a:r>
+            <a:r>
+              <a:rPr lang="en-GB" b="0" i="0" dirty="0">
+                <a:solidFill>
+                  <a:schemeClr val="tx1"/>
+                </a:solidFill>
+                <a:effectLst/>
+              </a:rPr>
+              <a:t>, 38(3). Available at: </a:t>
+            </a:r>
+            <a:r>
+              <a:rPr lang="en-GB" b="0" i="0" dirty="0">
+                <a:solidFill>
+                  <a:schemeClr val="tx1"/>
+                </a:solidFill>
+                <a:effectLst/>
+                <a:hlinkClick r:id="rId2">
+                  <a:extLst>
+                    <a:ext uri="{A12FA001-AC4F-418D-AE19-62706E023703}">
+                      <ahyp:hlinkClr xmlns:ahyp="http://schemas.microsoft.com/office/drawing/2018/hyperlinkcolor" val="tx"/>
+                    </a:ext>
+                  </a:extLst>
+                </a:hlinkClick>
+              </a:rPr>
+              <a:t>https://journals.lww.com/nurseeducatoronline/Fulltext/2013/05000/Enhancing_Course_Grades_and_Evaluations_Using.17.aspx</a:t>
+            </a:r>
+            <a:endParaRPr lang="en-GB" b="0" i="0" dirty="0">
+              <a:solidFill>
+                <a:schemeClr val="tx1"/>
+              </a:solidFill>
+              <a:effectLst/>
+            </a:endParaRPr>
+          </a:p>
+          <a:p>
+            <a:pPr marL="0" indent="0">
+              <a:buNone/>
+            </a:pPr>
+            <a:r>
+              <a:rPr lang="en-GB" b="0" i="0" dirty="0">
+                <a:solidFill>
+                  <a:schemeClr val="tx1"/>
+                </a:solidFill>
+                <a:effectLst/>
+              </a:rPr>
+              <a:t>Cohen, J. (1988). Statistical Power Analysis for the </a:t>
+            </a:r>
+            <a:r>
+              <a:rPr lang="en-GB" b="0" i="0" dirty="0" err="1">
+                <a:solidFill>
+                  <a:schemeClr val="tx1"/>
+                </a:solidFill>
+                <a:effectLst/>
+              </a:rPr>
+              <a:t>Behavioral</a:t>
+            </a:r>
+            <a:r>
+              <a:rPr lang="en-GB" b="0" i="0" dirty="0">
+                <a:solidFill>
+                  <a:schemeClr val="tx1"/>
+                </a:solidFill>
+                <a:effectLst/>
+              </a:rPr>
+              <a:t> Sciences (2nd ed.). Routledge. https://doi.org/10.4324/9780203771587</a:t>
+            </a:r>
+          </a:p>
+          <a:p>
+            <a:pPr marL="0" indent="0">
+              <a:buNone/>
+            </a:pPr>
+            <a:r>
+              <a:rPr lang="en-GB" b="0" i="0" dirty="0" err="1">
+                <a:solidFill>
+                  <a:schemeClr val="tx1"/>
+                </a:solidFill>
+                <a:effectLst/>
+              </a:rPr>
+              <a:t>Credé</a:t>
+            </a:r>
+            <a:r>
+              <a:rPr lang="en-GB" b="0" i="0" dirty="0">
+                <a:solidFill>
+                  <a:schemeClr val="tx1"/>
+                </a:solidFill>
+                <a:effectLst/>
+              </a:rPr>
+              <a:t>, M., </a:t>
+            </a:r>
+            <a:r>
+              <a:rPr lang="en-GB" b="0" i="0" dirty="0" err="1">
+                <a:solidFill>
+                  <a:schemeClr val="tx1"/>
+                </a:solidFill>
+                <a:effectLst/>
+              </a:rPr>
+              <a:t>Roch</a:t>
+            </a:r>
+            <a:r>
+              <a:rPr lang="en-GB" b="0" i="0" dirty="0">
+                <a:solidFill>
+                  <a:schemeClr val="tx1"/>
+                </a:solidFill>
+                <a:effectLst/>
+              </a:rPr>
+              <a:t>, S. G. and </a:t>
+            </a:r>
+            <a:r>
+              <a:rPr lang="en-GB" b="0" i="0" dirty="0" err="1">
+                <a:solidFill>
+                  <a:schemeClr val="tx1"/>
+                </a:solidFill>
+                <a:effectLst/>
+              </a:rPr>
+              <a:t>Kieszczynka</a:t>
+            </a:r>
+            <a:r>
+              <a:rPr lang="en-GB" b="0" i="0" dirty="0">
+                <a:solidFill>
+                  <a:schemeClr val="tx1"/>
+                </a:solidFill>
+                <a:effectLst/>
+              </a:rPr>
+              <a:t>, U. M. (2010) ‘Class Attendance in College: A Meta-Analytic Review of the Relationship of Class Attendance With Grades and Student Characteristics’, </a:t>
+            </a:r>
+            <a:r>
+              <a:rPr lang="en-GB" b="0" i="1" dirty="0">
+                <a:solidFill>
+                  <a:schemeClr val="tx1"/>
+                </a:solidFill>
+                <a:effectLst/>
+              </a:rPr>
+              <a:t>Review of Educational Research</a:t>
+            </a:r>
+            <a:r>
+              <a:rPr lang="en-GB" b="0" i="0" dirty="0">
+                <a:solidFill>
+                  <a:schemeClr val="tx1"/>
+                </a:solidFill>
+                <a:effectLst/>
+              </a:rPr>
+              <a:t>, 80(2), pp. 272–295. </a:t>
+            </a:r>
+            <a:r>
+              <a:rPr lang="en-GB" b="0" i="0" dirty="0" err="1">
+                <a:solidFill>
+                  <a:schemeClr val="tx1"/>
+                </a:solidFill>
+                <a:effectLst/>
+              </a:rPr>
+              <a:t>doi</a:t>
+            </a:r>
+            <a:r>
+              <a:rPr lang="en-GB" b="0" i="0" dirty="0">
+                <a:solidFill>
+                  <a:schemeClr val="tx1"/>
+                </a:solidFill>
+                <a:effectLst/>
+              </a:rPr>
+              <a:t>: 10.3102/0034654310362998.</a:t>
+            </a:r>
+          </a:p>
+          <a:p>
+            <a:pPr marL="0" indent="0">
+              <a:buNone/>
+            </a:pPr>
+            <a:r>
+              <a:rPr lang="en-GB" b="0" i="0" dirty="0">
+                <a:solidFill>
+                  <a:schemeClr val="tx1"/>
+                </a:solidFill>
+                <a:effectLst/>
+              </a:rPr>
+              <a:t>Gunn, K. P. (1993). A correlation between attendance and grades in a first-year psychology class. </a:t>
+            </a:r>
+            <a:r>
+              <a:rPr lang="en-GB" b="0" i="1" dirty="0">
+                <a:solidFill>
+                  <a:schemeClr val="tx1"/>
+                </a:solidFill>
+                <a:effectLst/>
+              </a:rPr>
+              <a:t>Canadian Psychology / </a:t>
+            </a:r>
+            <a:r>
+              <a:rPr lang="en-GB" b="0" i="1" dirty="0" err="1">
+                <a:solidFill>
+                  <a:schemeClr val="tx1"/>
+                </a:solidFill>
+                <a:effectLst/>
+              </a:rPr>
+              <a:t>Psychologie</a:t>
+            </a:r>
+            <a:r>
+              <a:rPr lang="en-GB" b="0" i="1" dirty="0">
+                <a:solidFill>
+                  <a:schemeClr val="tx1"/>
+                </a:solidFill>
+                <a:effectLst/>
+              </a:rPr>
+              <a:t> </a:t>
+            </a:r>
+            <a:r>
+              <a:rPr lang="en-GB" b="0" i="1" dirty="0" err="1">
+                <a:solidFill>
+                  <a:schemeClr val="tx1"/>
+                </a:solidFill>
+                <a:effectLst/>
+              </a:rPr>
+              <a:t>canadienne</a:t>
+            </a:r>
+            <a:r>
+              <a:rPr lang="en-GB" b="0" i="1" dirty="0">
+                <a:solidFill>
+                  <a:schemeClr val="tx1"/>
+                </a:solidFill>
+                <a:effectLst/>
+              </a:rPr>
+              <a:t>, 34</a:t>
+            </a:r>
+            <a:r>
+              <a:rPr lang="en-GB" b="0" i="0" dirty="0">
+                <a:solidFill>
+                  <a:schemeClr val="tx1"/>
+                </a:solidFill>
+                <a:effectLst/>
+              </a:rPr>
+              <a:t>(2), 201–202. </a:t>
+            </a:r>
+            <a:r>
+              <a:rPr lang="en-GB" b="0" i="0" u="none" strike="noStrike" dirty="0">
+                <a:solidFill>
+                  <a:schemeClr val="tx1"/>
+                </a:solidFill>
+                <a:effectLst/>
+                <a:hlinkClick r:id="rId3">
+                  <a:extLst>
+                    <a:ext uri="{A12FA001-AC4F-418D-AE19-62706E023703}">
+                      <ahyp:hlinkClr xmlns:ahyp="http://schemas.microsoft.com/office/drawing/2018/hyperlinkcolor" val="tx"/>
+                    </a:ext>
+                  </a:extLst>
+                </a:hlinkClick>
+              </a:rPr>
+              <a:t>https://doi.org/10.1037/h0078770</a:t>
+            </a:r>
+            <a:endParaRPr lang="en-GB" b="0" i="0" dirty="0">
+              <a:solidFill>
+                <a:schemeClr val="tx1"/>
+              </a:solidFill>
+              <a:effectLst/>
+            </a:endParaRPr>
+          </a:p>
+        </p:txBody>
+      </p:sp>
+    </p:spTree>
+    <p:extLst>
+      <p:ext uri="{BB962C8B-B14F-4D97-AF65-F5344CB8AC3E}">
+        <p14:creationId xmlns:p14="http://schemas.microsoft.com/office/powerpoint/2010/main" val="3695867236"/>
+      </p:ext>
+    </p:extLst>
+  </p:cSld>
+  <p:clrMapOvr>
+    <a:masterClrMapping/>
+  </p:clrMapOvr>
+</p:sld>
+</file>
+
+<file path=ppt/slides/slide34.xml><?xml version="1.0" encoding="utf-8"?>
+<p:sld xmlns:a="http://schemas.openxmlformats.org/drawingml/2006/main" xmlns:r="http://schemas.openxmlformats.org/officeDocument/2006/relationships" xmlns:p="http://schemas.openxmlformats.org/presentationml/2006/main">
+  <p:cSld>
+    <p:spTree>
+      <p:nvGrpSpPr>
+        <p:cNvPr id="1" name=""/>
+        <p:cNvGrpSpPr/>
+        <p:nvPr/>
+      </p:nvGrpSpPr>
+      <p:grpSpPr>
+        <a:xfrm>
+          <a:off x="0" y="0"/>
+          <a:ext cx="0" cy="0"/>
+          <a:chOff x="0" y="0"/>
+          <a:chExt cx="0" cy="0"/>
+        </a:xfrm>
+      </p:grpSpPr>
+      <p:sp>
+        <p:nvSpPr>
+          <p:cNvPr id="2" name="Title 1">
+            <a:extLst>
+              <a:ext uri="{FF2B5EF4-FFF2-40B4-BE49-F238E27FC236}">
+                <a16:creationId xmlns:a16="http://schemas.microsoft.com/office/drawing/2014/main" id="{893057A3-A04F-232F-0FAC-02C377A544EC}"/>
+              </a:ext>
+            </a:extLst>
+          </p:cNvPr>
+          <p:cNvSpPr>
+            <a:spLocks noGrp="1"/>
+          </p:cNvSpPr>
+          <p:nvPr>
+            <p:ph type="title"/>
+          </p:nvPr>
+        </p:nvSpPr>
+        <p:spPr/>
+        <p:txBody>
+          <a:bodyPr/>
+          <a:lstStyle/>
+          <a:p>
+            <a:r>
+              <a:rPr lang="en-US" dirty="0"/>
+              <a:t>References</a:t>
+            </a:r>
+            <a:endParaRPr lang="en-GB" dirty="0"/>
+          </a:p>
+        </p:txBody>
+      </p:sp>
+      <p:sp>
+        <p:nvSpPr>
+          <p:cNvPr id="3" name="Content Placeholder 2">
+            <a:extLst>
+              <a:ext uri="{FF2B5EF4-FFF2-40B4-BE49-F238E27FC236}">
+                <a16:creationId xmlns:a16="http://schemas.microsoft.com/office/drawing/2014/main" id="{A9C16DC8-2E95-9526-1657-6E95C5B8A701}"/>
+              </a:ext>
+            </a:extLst>
+          </p:cNvPr>
+          <p:cNvSpPr>
+            <a:spLocks noGrp="1"/>
+          </p:cNvSpPr>
+          <p:nvPr>
+            <p:ph idx="1"/>
+          </p:nvPr>
+        </p:nvSpPr>
+        <p:spPr>
+          <a:xfrm>
+            <a:off x="581192" y="2180496"/>
+            <a:ext cx="11029615" cy="4360004"/>
+          </a:xfrm>
+        </p:spPr>
+        <p:txBody>
+          <a:bodyPr>
+            <a:normAutofit/>
+          </a:bodyPr>
+          <a:lstStyle/>
+          <a:p>
+            <a:pPr marL="0" indent="0">
+              <a:buNone/>
+            </a:pPr>
+            <a:r>
+              <a:rPr lang="en-GB" b="0" i="0" dirty="0" err="1">
+                <a:solidFill>
+                  <a:schemeClr val="tx1"/>
+                </a:solidFill>
+                <a:effectLst/>
+              </a:rPr>
+              <a:t>Handschuh</a:t>
+            </a:r>
+            <a:r>
+              <a:rPr lang="en-GB" b="0" i="0" dirty="0">
+                <a:solidFill>
+                  <a:schemeClr val="tx1"/>
+                </a:solidFill>
+                <a:effectLst/>
+              </a:rPr>
+              <a:t>, H. (2005) ‘SHA Family (Secure Hash Algorithm)’, in van </a:t>
+            </a:r>
+            <a:r>
+              <a:rPr lang="en-GB" b="0" i="0" dirty="0" err="1">
+                <a:solidFill>
+                  <a:schemeClr val="tx1"/>
+                </a:solidFill>
+                <a:effectLst/>
+              </a:rPr>
+              <a:t>Tilborg</a:t>
+            </a:r>
+            <a:r>
+              <a:rPr lang="en-GB" b="0" i="0" dirty="0">
+                <a:solidFill>
+                  <a:schemeClr val="tx1"/>
+                </a:solidFill>
+                <a:effectLst/>
+              </a:rPr>
+              <a:t>, H. C. A. (ed.) </a:t>
+            </a:r>
+            <a:r>
+              <a:rPr lang="en-GB" b="0" i="1" dirty="0" err="1">
+                <a:solidFill>
+                  <a:schemeClr val="tx1"/>
+                </a:solidFill>
+                <a:effectLst/>
+              </a:rPr>
+              <a:t>Encyclopedia</a:t>
+            </a:r>
+            <a:r>
+              <a:rPr lang="en-GB" b="0" i="1" dirty="0">
+                <a:solidFill>
+                  <a:schemeClr val="tx1"/>
+                </a:solidFill>
+                <a:effectLst/>
+              </a:rPr>
+              <a:t> of Cryptography and Security</a:t>
+            </a:r>
+            <a:r>
+              <a:rPr lang="en-GB" b="0" i="0" dirty="0">
+                <a:solidFill>
+                  <a:schemeClr val="tx1"/>
+                </a:solidFill>
+                <a:effectLst/>
+              </a:rPr>
+              <a:t>. Boston, MA: Springer US, pp. 565–567. </a:t>
+            </a:r>
+            <a:r>
+              <a:rPr lang="en-GB" b="0" i="0" dirty="0" err="1">
+                <a:solidFill>
+                  <a:schemeClr val="tx1"/>
+                </a:solidFill>
+                <a:effectLst/>
+              </a:rPr>
+              <a:t>doi</a:t>
+            </a:r>
+            <a:r>
+              <a:rPr lang="en-GB" b="0" i="0" dirty="0">
+                <a:solidFill>
+                  <a:schemeClr val="tx1"/>
+                </a:solidFill>
+                <a:effectLst/>
+              </a:rPr>
+              <a:t>: 10.1007/0-387-23483-7_388.</a:t>
+            </a:r>
+            <a:endParaRPr lang="en-GB" i="0" dirty="0">
+              <a:solidFill>
+                <a:schemeClr val="tx1"/>
+              </a:solidFill>
+              <a:effectLst/>
+            </a:endParaRPr>
+          </a:p>
+          <a:p>
+            <a:pPr marL="0" indent="0">
+              <a:buNone/>
+            </a:pPr>
+            <a:r>
+              <a:rPr lang="en-GB" i="0" dirty="0" err="1">
+                <a:solidFill>
+                  <a:schemeClr val="tx1"/>
+                </a:solidFill>
+                <a:effectLst/>
+              </a:rPr>
+              <a:t>Kassarnig</a:t>
+            </a:r>
+            <a:r>
+              <a:rPr lang="en-GB" i="0" dirty="0">
+                <a:solidFill>
+                  <a:schemeClr val="tx1"/>
+                </a:solidFill>
+                <a:effectLst/>
+              </a:rPr>
+              <a:t>, V. </a:t>
+            </a:r>
+            <a:r>
+              <a:rPr lang="en-GB" i="1" dirty="0">
+                <a:solidFill>
+                  <a:schemeClr val="tx1"/>
+                </a:solidFill>
+                <a:effectLst/>
+              </a:rPr>
+              <a:t>et al.</a:t>
+            </a:r>
+            <a:r>
+              <a:rPr lang="en-GB" i="0" dirty="0">
+                <a:solidFill>
+                  <a:schemeClr val="tx1"/>
+                </a:solidFill>
+                <a:effectLst/>
+              </a:rPr>
+              <a:t> (2017) ‘Class attendance, peer similarity, and academic performance in a large field study’, </a:t>
+            </a:r>
+            <a:r>
+              <a:rPr lang="en-GB" i="1" dirty="0" err="1">
+                <a:solidFill>
+                  <a:schemeClr val="tx1"/>
+                </a:solidFill>
+                <a:effectLst/>
+              </a:rPr>
+              <a:t>PloS</a:t>
+            </a:r>
+            <a:r>
+              <a:rPr lang="en-GB" i="1" dirty="0">
+                <a:solidFill>
+                  <a:schemeClr val="tx1"/>
+                </a:solidFill>
+                <a:effectLst/>
+              </a:rPr>
+              <a:t> one</a:t>
+            </a:r>
+            <a:r>
+              <a:rPr lang="en-GB" i="0" dirty="0">
+                <a:solidFill>
+                  <a:schemeClr val="tx1"/>
+                </a:solidFill>
+                <a:effectLst/>
+              </a:rPr>
+              <a:t>. United States, 12(11), p. e0187078. </a:t>
+            </a:r>
+            <a:r>
+              <a:rPr lang="en-GB" i="0" dirty="0" err="1">
+                <a:solidFill>
+                  <a:schemeClr val="tx1"/>
+                </a:solidFill>
+                <a:effectLst/>
+              </a:rPr>
+              <a:t>doi</a:t>
+            </a:r>
+            <a:r>
+              <a:rPr lang="en-GB" i="0" dirty="0">
+                <a:solidFill>
+                  <a:schemeClr val="tx1"/>
+                </a:solidFill>
+                <a:effectLst/>
+              </a:rPr>
+              <a:t>: 10.1371/journal.pone.0187078.</a:t>
+            </a:r>
+          </a:p>
+          <a:p>
+            <a:pPr marL="0" indent="0">
+              <a:buNone/>
+            </a:pPr>
+            <a:r>
+              <a:rPr lang="en-GB" b="0" i="0" dirty="0">
+                <a:solidFill>
+                  <a:schemeClr val="tx1"/>
+                </a:solidFill>
+                <a:effectLst/>
+              </a:rPr>
+              <a:t>MOORE, R., 2003. Attendance and performance. </a:t>
+            </a:r>
+            <a:r>
+              <a:rPr lang="en-GB" b="0" i="1" dirty="0">
+                <a:solidFill>
+                  <a:schemeClr val="tx1"/>
+                </a:solidFill>
+                <a:effectLst/>
+              </a:rPr>
+              <a:t>Journal of College Science Teaching, </a:t>
+            </a:r>
+            <a:r>
+              <a:rPr lang="en-GB" b="1" i="0" dirty="0">
+                <a:solidFill>
+                  <a:schemeClr val="tx1"/>
+                </a:solidFill>
+                <a:effectLst/>
+              </a:rPr>
+              <a:t>32</a:t>
+            </a:r>
+            <a:r>
+              <a:rPr lang="en-GB" b="0" i="0" dirty="0">
+                <a:solidFill>
+                  <a:schemeClr val="tx1"/>
+                </a:solidFill>
+                <a:effectLst/>
+              </a:rPr>
+              <a:t>(6), pp. 367-371.</a:t>
+            </a:r>
+            <a:endParaRPr lang="en-GB" dirty="0">
+              <a:solidFill>
+                <a:schemeClr val="tx1"/>
+              </a:solidFill>
+            </a:endParaRPr>
+          </a:p>
+          <a:p>
+            <a:pPr marL="0" indent="0">
+              <a:buNone/>
+            </a:pPr>
+            <a:endParaRPr lang="en-GB" dirty="0">
+              <a:solidFill>
+                <a:schemeClr val="tx1"/>
+              </a:solidFill>
+            </a:endParaRPr>
+          </a:p>
+        </p:txBody>
+      </p:sp>
+    </p:spTree>
+    <p:extLst>
+      <p:ext uri="{BB962C8B-B14F-4D97-AF65-F5344CB8AC3E}">
+        <p14:creationId xmlns:p14="http://schemas.microsoft.com/office/powerpoint/2010/main" val="112615147"/>
+      </p:ext>
+    </p:extLst>
+  </p:cSld>
+  <p:clrMapOvr>
+    <a:masterClrMapping/>
+  </p:clrMapOvr>
+</p:sld>
+</file>
+
 <file path=ppt/slides/slide4.xml><?xml version="1.0" encoding="utf-8"?>
 <p:sld xmlns:a="http://schemas.openxmlformats.org/drawingml/2006/main" xmlns:r="http://schemas.openxmlformats.org/officeDocument/2006/relationships" xmlns:p="http://schemas.openxmlformats.org/presentationml/2006/main">
   <p:cSld>
@@ -17301,7 +18810,7 @@
           <a:p>
             <a:r>
               <a:rPr lang="en-US" dirty="0"/>
-              <a:t>Hypothesis</a:t>
+              <a:t>External Research</a:t>
             </a:r>
             <a:endParaRPr lang="en-GB" dirty="0"/>
           </a:p>
@@ -17326,45 +18835,180 @@
         <p:spPr>
           <a:xfrm>
             <a:off x="581192" y="2180496"/>
-            <a:ext cx="11029615" cy="4366078"/>
+            <a:ext cx="11029615" cy="4144104"/>
           </a:xfrm>
         </p:spPr>
         <p:txBody>
-          <a:bodyPr/>
+          <a:bodyPr>
+            <a:normAutofit/>
+          </a:bodyPr>
           <a:lstStyle/>
           <a:p>
             <a:r>
-              <a:rPr lang="en-US" dirty="0"/>
-              <a:t>Based on the existing research, it is expected there will be a close relationship between a student's attendance to class and their corresponding grade.</a:t>
-            </a:r>
-          </a:p>
-          <a:p>
-            <a:endParaRPr lang="en-US" dirty="0"/>
-          </a:p>
-          <a:p>
-            <a:r>
-              <a:rPr lang="en-US" dirty="0"/>
-              <a:t>Due to the adoption of Blended learning approaches and the necessity of Remote teaching during lockdown, it is expected that students who chose to use the recorded materials will perform the same as the students who attended live lectures.</a:t>
-            </a:r>
-          </a:p>
-          <a:p>
-            <a:endParaRPr lang="en-US" dirty="0"/>
-          </a:p>
-          <a:p>
-            <a:pPr marL="0" indent="0" algn="ctr">
+              <a:rPr lang="en-GB" dirty="0">
+                <a:solidFill>
+                  <a:schemeClr val="tx1"/>
+                </a:solidFill>
+              </a:rPr>
+              <a:t>This trend of attendance having a positive affect on performance is referenced in older journal articles, with similar positive correlations being identified twenty (Moore, 2003) and thirty years ago (Gunn, 1993).</a:t>
+            </a:r>
+          </a:p>
+          <a:p>
+            <a:endParaRPr lang="en-GB" dirty="0">
+              <a:solidFill>
+                <a:schemeClr val="tx1"/>
+              </a:solidFill>
+            </a:endParaRPr>
+          </a:p>
+          <a:p>
+            <a:pPr marL="0" indent="0">
               <a:buNone/>
             </a:pPr>
             <a:r>
-              <a:rPr lang="en-US" i="1" dirty="0"/>
-              <a:t>“Recorded Lectures provide a suitable alternative for learning should live lectures be unavailable.” </a:t>
-            </a:r>
+              <a:rPr lang="en-GB" dirty="0">
+                <a:solidFill>
+                  <a:schemeClr val="tx1"/>
+                </a:solidFill>
+              </a:rPr>
+              <a:t>In terms of including new blended learning technologies with traditional pedagogic practices, there are some sources that evaluate the introduction of these and recording technologies in teaching:</a:t>
+            </a:r>
+          </a:p>
+          <a:p>
+            <a:r>
+              <a:rPr lang="en-GB" dirty="0">
+                <a:solidFill>
+                  <a:schemeClr val="tx1"/>
+                </a:solidFill>
+              </a:rPr>
+              <a:t>A study in </a:t>
+            </a:r>
+            <a:r>
+              <a:rPr lang="en-GB" i="1" dirty="0">
+                <a:solidFill>
+                  <a:schemeClr val="tx1"/>
+                </a:solidFill>
+              </a:rPr>
+              <a:t>Nurse Educator</a:t>
+            </a:r>
+            <a:r>
+              <a:rPr lang="en-GB" dirty="0">
+                <a:solidFill>
+                  <a:schemeClr val="tx1"/>
+                </a:solidFill>
+              </a:rPr>
+              <a:t> explored the introduction distance learning technologies to their course and their effect on grades. The consensus was the mean final grade improved over the implementation period. (</a:t>
+            </a:r>
+            <a:r>
+              <a:rPr lang="en-GB" b="0" i="0" dirty="0">
+                <a:solidFill>
+                  <a:schemeClr val="tx1"/>
+                </a:solidFill>
+                <a:effectLst/>
+              </a:rPr>
+              <a:t>Carpenter, </a:t>
+            </a:r>
+            <a:r>
+              <a:rPr lang="en-GB" b="0" i="0" dirty="0" err="1">
+                <a:solidFill>
+                  <a:schemeClr val="tx1"/>
+                </a:solidFill>
+                <a:effectLst/>
+              </a:rPr>
+              <a:t>Theeke</a:t>
+            </a:r>
+            <a:r>
+              <a:rPr lang="en-GB" dirty="0">
+                <a:solidFill>
+                  <a:schemeClr val="tx1"/>
+                </a:solidFill>
+              </a:rPr>
+              <a:t>, </a:t>
+            </a:r>
+            <a:r>
+              <a:rPr lang="en-GB" b="0" i="0" dirty="0">
+                <a:solidFill>
+                  <a:schemeClr val="tx1"/>
+                </a:solidFill>
+                <a:effectLst/>
+              </a:rPr>
+              <a:t>Smothers, 2013)</a:t>
+            </a:r>
+          </a:p>
+          <a:p>
+            <a:r>
+              <a:rPr lang="en-GB" dirty="0">
+                <a:solidFill>
+                  <a:schemeClr val="tx1"/>
+                </a:solidFill>
+              </a:rPr>
+              <a:t>However, there are also suggestions that the use of recording systems and their availability, do not correlate with improved performance or grade. (</a:t>
+            </a:r>
+            <a:r>
+              <a:rPr lang="en-GB" sz="1800" b="0" i="0" dirty="0" err="1">
+                <a:solidFill>
+                  <a:schemeClr val="tx1"/>
+                </a:solidFill>
+                <a:effectLst/>
+              </a:rPr>
+              <a:t>Bacro</a:t>
+            </a:r>
+            <a:r>
+              <a:rPr lang="en-GB" sz="1800" b="0" i="0" dirty="0">
+                <a:solidFill>
+                  <a:schemeClr val="tx1"/>
+                </a:solidFill>
+                <a:effectLst/>
+              </a:rPr>
+              <a:t>, </a:t>
+            </a:r>
+            <a:r>
+              <a:rPr lang="en-GB" sz="1800" b="0" i="0" dirty="0" err="1">
+                <a:solidFill>
+                  <a:schemeClr val="tx1"/>
+                </a:solidFill>
+                <a:effectLst/>
+              </a:rPr>
+              <a:t>Gebregziabher</a:t>
+            </a:r>
+            <a:r>
+              <a:rPr lang="en-GB" dirty="0">
+                <a:solidFill>
+                  <a:schemeClr val="tx1"/>
+                </a:solidFill>
+              </a:rPr>
+              <a:t>, </a:t>
+            </a:r>
+            <a:r>
+              <a:rPr lang="en-GB" sz="1800" b="0" i="0" dirty="0" err="1">
+                <a:solidFill>
+                  <a:schemeClr val="tx1"/>
+                </a:solidFill>
+                <a:effectLst/>
+              </a:rPr>
+              <a:t>Fitzharris</a:t>
+            </a:r>
+            <a:r>
+              <a:rPr lang="en-GB" sz="1800" b="0" i="0" dirty="0">
+                <a:solidFill>
+                  <a:schemeClr val="tx1"/>
+                </a:solidFill>
+                <a:effectLst/>
+              </a:rPr>
+              <a:t>, 2010)</a:t>
+            </a:r>
+            <a:endParaRPr lang="en-GB" b="0" i="0" dirty="0">
+              <a:solidFill>
+                <a:schemeClr val="tx1"/>
+              </a:solidFill>
+              <a:effectLst/>
+            </a:endParaRPr>
           </a:p>
         </p:txBody>
       </p:sp>
     </p:spTree>
     <p:extLst>
       <p:ext uri="{BB962C8B-B14F-4D97-AF65-F5344CB8AC3E}">
-        <p14:creationId xmlns:p14="http://schemas.microsoft.com/office/powerpoint/2010/main" val="3815519111"/>
+        <p14:creationId xmlns:p14="http://schemas.microsoft.com/office/powerpoint/2010/main" val="3734950572"/>
       </p:ext>
     </p:extLst>
   </p:cSld>
@@ -17413,9 +19057,10 @@
           <a:lstStyle/>
           <a:p>
             <a:r>
-              <a:rPr lang="en-GB" dirty="0"/>
-              <a:t>Limitations</a:t>
-            </a:r>
+              <a:rPr lang="en-US" dirty="0"/>
+              <a:t>Hypothesis</a:t>
+            </a:r>
+            <a:endParaRPr lang="en-GB" dirty="0"/>
           </a:p>
         </p:txBody>
       </p:sp>
@@ -17437,44 +19082,58 @@
         </p:nvSpPr>
         <p:spPr>
           <a:xfrm>
-            <a:off x="581192" y="2180497"/>
-            <a:ext cx="11029615" cy="3975348"/>
+            <a:off x="581192" y="2180496"/>
+            <a:ext cx="11029615" cy="4366078"/>
           </a:xfrm>
         </p:spPr>
         <p:txBody>
-          <a:bodyPr>
-            <a:normAutofit/>
-          </a:bodyPr>
+          <a:bodyPr/>
           <a:lstStyle/>
           <a:p>
             <a:r>
-              <a:rPr lang="en-US" dirty="0"/>
-              <a:t>The study is only focusses on attendance and achievement of a single Module at Abertay University in Scotland. Methods of content delivery may not be suitable for other institutions due to technology differences, delivery method and class structure.</a:t>
-            </a:r>
-          </a:p>
-          <a:p>
-            <a:pPr lvl="1"/>
-            <a:r>
-              <a:rPr lang="en-US" dirty="0"/>
-              <a:t>Module was delivered with in three classes each week. An online one-hour live lecture, then a two-hour on-campus practical session (two practical sessions were run to accommodate cohort size). </a:t>
-            </a:r>
-          </a:p>
-          <a:p>
-            <a:endParaRPr lang="en-US" dirty="0"/>
-          </a:p>
-          <a:p>
-            <a:r>
-              <a:rPr lang="en-US" dirty="0"/>
-              <a:t>Module is focused on material that is entirely done on a computer. As such, remote teaching is potentially easier than other subjects which could limit the impact of the results.</a:t>
-            </a:r>
-          </a:p>
-          <a:p>
-            <a:endParaRPr lang="en-US" dirty="0"/>
-          </a:p>
-          <a:p>
-            <a:r>
-              <a:rPr lang="en-US" dirty="0"/>
-              <a:t> Study is limited to single year of attendance data.</a:t>
+              <a:rPr lang="en-US" dirty="0">
+                <a:solidFill>
+                  <a:schemeClr val="tx1"/>
+                </a:solidFill>
+              </a:rPr>
+              <a:t>Based on the existing research, it is expected there will be a close relationship between a student's attendance to class and their corresponding grade.</a:t>
+            </a:r>
+          </a:p>
+          <a:p>
+            <a:endParaRPr lang="en-US" dirty="0">
+              <a:solidFill>
+                <a:schemeClr val="tx1"/>
+              </a:solidFill>
+            </a:endParaRPr>
+          </a:p>
+          <a:p>
+            <a:r>
+              <a:rPr lang="en-US" dirty="0">
+                <a:solidFill>
+                  <a:schemeClr val="tx1"/>
+                </a:solidFill>
+              </a:rPr>
+              <a:t>Due to the adoption of Blended learning approaches and the necessity of Remote teaching during lockdown, it is expected that students who chose to use the recorded materials will perform the same as the students who attended live lectures.</a:t>
+            </a:r>
+          </a:p>
+          <a:p>
+            <a:endParaRPr lang="en-US" dirty="0">
+              <a:solidFill>
+                <a:schemeClr val="tx1"/>
+              </a:solidFill>
+            </a:endParaRPr>
+          </a:p>
+          <a:p>
+            <a:pPr marL="0" indent="0" algn="ctr">
+              <a:buNone/>
+            </a:pPr>
+            <a:r>
+              <a:rPr lang="en-US" i="1" dirty="0">
+                <a:solidFill>
+                  <a:schemeClr val="tx1"/>
+                </a:solidFill>
+              </a:rPr>
+              <a:t>“Recorded Lectures provide a suitable alternative for learning should students be unable to or chose not to attend live lectures.” </a:t>
             </a:r>
           </a:p>
         </p:txBody>
@@ -17482,7 +19141,7 @@
     </p:spTree>
     <p:extLst>
       <p:ext uri="{BB962C8B-B14F-4D97-AF65-F5344CB8AC3E}">
-        <p14:creationId xmlns:p14="http://schemas.microsoft.com/office/powerpoint/2010/main" val="3279179153"/>
+        <p14:creationId xmlns:p14="http://schemas.microsoft.com/office/powerpoint/2010/main" val="3815519111"/>
       </p:ext>
     </p:extLst>
   </p:cSld>
@@ -17514,7 +19173,7 @@
           <p:cNvPr id="2" name="Title 1">
             <a:extLst>
               <a:ext uri="{FF2B5EF4-FFF2-40B4-BE49-F238E27FC236}">
-                <a16:creationId xmlns:a16="http://schemas.microsoft.com/office/drawing/2014/main" id="{BD4CA9CC-5ADC-001A-4D31-8EC14B8E37D4}"/>
+                <a16:creationId xmlns:a16="http://schemas.microsoft.com/office/drawing/2014/main" id="{C7E0A70A-A506-742E-79FF-CCC404CE65C7}"/>
               </a:ext>
             </a:extLst>
           </p:cNvPr>
@@ -17531,10 +19190,9 @@
           <a:lstStyle/>
           <a:p>
             <a:r>
-              <a:rPr lang="en-US" dirty="0"/>
-              <a:t>Data Gathering methodology</a:t>
-            </a:r>
-            <a:endParaRPr lang="en-GB" dirty="0"/>
+              <a:rPr lang="en-GB" dirty="0"/>
+              <a:t>Limitations</a:t>
+            </a:r>
           </a:p>
         </p:txBody>
       </p:sp>
@@ -17543,7 +19201,7 @@
           <p:cNvPr id="3" name="Content Placeholder 2">
             <a:extLst>
               <a:ext uri="{FF2B5EF4-FFF2-40B4-BE49-F238E27FC236}">
-                <a16:creationId xmlns:a16="http://schemas.microsoft.com/office/drawing/2014/main" id="{121196E6-3603-F66B-72E8-8E7E5F53AC6C}"/>
+                <a16:creationId xmlns:a16="http://schemas.microsoft.com/office/drawing/2014/main" id="{DAE9E2D5-3E7C-12B5-F2B4-4D153305E279}"/>
               </a:ext>
             </a:extLst>
           </p:cNvPr>
@@ -17556,124 +19214,68 @@
         </p:nvSpPr>
         <p:spPr>
           <a:xfrm>
-            <a:off x="581192" y="2180496"/>
-            <a:ext cx="11029615" cy="4114287"/>
+            <a:off x="581192" y="2180497"/>
+            <a:ext cx="11029615" cy="3975348"/>
           </a:xfrm>
         </p:spPr>
         <p:txBody>
           <a:bodyPr>
-            <a:normAutofit fontScale="85000" lnSpcReduction="20000"/>
+            <a:normAutofit/>
           </a:bodyPr>
           <a:lstStyle/>
           <a:p>
             <a:r>
-              <a:rPr lang="en-US" dirty="0"/>
-              <a:t>The following data was gathered as stating in the Research Proposal:</a:t>
-            </a:r>
-          </a:p>
-          <a:p>
-            <a:pPr marL="666900" lvl="1" indent="-342900">
-              <a:buFont typeface="+mj-lt"/>
-              <a:buAutoNum type="arabicPeriod"/>
-            </a:pPr>
-            <a:r>
-              <a:rPr lang="en-US" dirty="0"/>
-              <a:t>Attendance of each class Recorded on Attendance Software (JISC)</a:t>
-            </a:r>
-          </a:p>
-          <a:p>
-            <a:pPr marL="666900" lvl="1" indent="-342900">
-              <a:buFont typeface="+mj-lt"/>
-              <a:buAutoNum type="arabicPeriod"/>
-            </a:pPr>
-            <a:r>
-              <a:rPr lang="en-US" dirty="0"/>
-              <a:t>Usage of class work and Assignments on MyLearningSpace (VLE)</a:t>
-            </a:r>
-          </a:p>
-          <a:p>
-            <a:pPr marL="666900" lvl="1" indent="-342900">
-              <a:buFont typeface="+mj-lt"/>
-              <a:buAutoNum type="arabicPeriod"/>
-            </a:pPr>
-            <a:r>
-              <a:rPr lang="en-US" dirty="0"/>
-              <a:t>Grades of Students for Marked Assignment</a:t>
-            </a:r>
-          </a:p>
-          <a:p>
-            <a:pPr marL="666900" lvl="1" indent="-342900">
-              <a:buFont typeface="+mj-lt"/>
-              <a:buAutoNum type="arabicPeriod"/>
-            </a:pPr>
-            <a:r>
-              <a:rPr lang="en-US" dirty="0"/>
-              <a:t>Views of Recorded Material</a:t>
-            </a:r>
-          </a:p>
-          <a:p>
-            <a:pPr marL="342900" indent="-342900">
-              <a:buFont typeface="+mj-lt"/>
-              <a:buAutoNum type="arabicPeriod"/>
-            </a:pPr>
-            <a:endParaRPr lang="en-US" dirty="0"/>
-          </a:p>
-          <a:p>
-            <a:r>
-              <a:rPr lang="en-US" dirty="0"/>
-              <a:t>Data was gathered for sessions 2020-2021, 2021-2022, and 2022-2023.</a:t>
+              <a:rPr lang="en-US" dirty="0">
+                <a:solidFill>
+                  <a:schemeClr val="tx1"/>
+                </a:solidFill>
+              </a:rPr>
+              <a:t>The study is only focusses on attendance and achievement of a single Module at Abertay University in Scotland. Methods of content delivery may not be suitable for other institutions due to technology differences, delivery method and class structure.</a:t>
             </a:r>
           </a:p>
           <a:p>
             <a:pPr lvl="1"/>
             <a:r>
-              <a:rPr lang="en-US" dirty="0"/>
-              <a:t>Data for 2020-2021 only contained five registers, including one for September 2021 (next academic year). As such this data was ignored.</a:t>
-            </a:r>
-          </a:p>
-          <a:p>
-            <a:pPr lvl="1"/>
-            <a:r>
-              <a:rPr lang="en-US" dirty="0"/>
-              <a:t>Data for 2021-2022 ran with lectures being recorded and sessions were discussions rather than delivery of content. </a:t>
-            </a:r>
-          </a:p>
-          <a:p>
-            <a:pPr lvl="1"/>
-            <a:endParaRPr lang="en-US" dirty="0"/>
-          </a:p>
-          <a:p>
-            <a:r>
-              <a:rPr lang="en-US" dirty="0"/>
-              <a:t>Ethics approval for this project was given based on the anonymizing of student identifications. To do this, the raw data gathered was collated into a single Spreadsheet for each year, and Student ID’s were hashed during a SHA256 Hashing algorithm (</a:t>
-            </a:r>
-            <a:r>
-              <a:rPr lang="en-GB" b="0" i="0" dirty="0" err="1">
+              <a:rPr lang="en-US" dirty="0">
                 <a:solidFill>
                   <a:schemeClr val="tx1"/>
                 </a:solidFill>
-                <a:effectLst/>
-                <a:latin typeface="Circular"/>
               </a:rPr>
-              <a:t>Handschuh</a:t>
-            </a:r>
-            <a:r>
-              <a:rPr lang="en-GB" b="0" i="0" dirty="0">
+              <a:t>Module was delivered with in three classes each week. An online one-hour live lecture, then a two-hour on-campus practical session (two practical sessions were run to accommodate cohort size). </a:t>
+            </a:r>
+          </a:p>
+          <a:p>
+            <a:endParaRPr lang="en-US" dirty="0">
+              <a:solidFill>
+                <a:schemeClr val="tx1"/>
+              </a:solidFill>
+            </a:endParaRPr>
+          </a:p>
+          <a:p>
+            <a:r>
+              <a:rPr lang="en-US" dirty="0">
                 <a:solidFill>
                   <a:schemeClr val="tx1"/>
                 </a:solidFill>
-                <a:effectLst/>
-                <a:latin typeface="Circular"/>
               </a:rPr>
-              <a:t>, 2005)</a:t>
-            </a:r>
-            <a:endParaRPr lang="en-US" dirty="0"/>
-          </a:p>
-          <a:p>
-            <a:pPr lvl="1"/>
-            <a:r>
-              <a:rPr lang="en-US" dirty="0"/>
-              <a:t>Converts student number into a 256-bit hexadecimal value. Hashing processes was chosen due to the high security of the process (cannot convert Hash back into original value) and very low chance of collisions.</a:t>
+              <a:t>Module is focused on material that is entirely done on a computer. As such, remote teaching is potentially easier than other subjects which could limit the impact of the results.</a:t>
+            </a:r>
+          </a:p>
+          <a:p>
+            <a:endParaRPr lang="en-US" dirty="0">
+              <a:solidFill>
+                <a:schemeClr val="tx1"/>
+              </a:solidFill>
+            </a:endParaRPr>
+          </a:p>
+          <a:p>
+            <a:r>
+              <a:rPr lang="en-US" dirty="0">
+                <a:solidFill>
+                  <a:schemeClr val="tx1"/>
+                </a:solidFill>
+              </a:rPr>
+              <a:t> Study is limited to two years of attendance data.</a:t>
             </a:r>
           </a:p>
         </p:txBody>
@@ -17681,7 +19283,7 @@
     </p:spTree>
     <p:extLst>
       <p:ext uri="{BB962C8B-B14F-4D97-AF65-F5344CB8AC3E}">
-        <p14:creationId xmlns:p14="http://schemas.microsoft.com/office/powerpoint/2010/main" val="1837165283"/>
+        <p14:creationId xmlns:p14="http://schemas.microsoft.com/office/powerpoint/2010/main" val="3279179153"/>
       </p:ext>
     </p:extLst>
   </p:cSld>
@@ -17753,6 +19355,257 @@
             <p:ph idx="1"/>
           </p:nvPr>
         </p:nvSpPr>
+        <p:spPr>
+          <a:xfrm>
+            <a:off x="581192" y="2180496"/>
+            <a:ext cx="11029615" cy="4114287"/>
+          </a:xfrm>
+        </p:spPr>
+        <p:txBody>
+          <a:bodyPr>
+            <a:normAutofit fontScale="85000" lnSpcReduction="20000"/>
+          </a:bodyPr>
+          <a:lstStyle/>
+          <a:p>
+            <a:r>
+              <a:rPr lang="en-US" dirty="0">
+                <a:solidFill>
+                  <a:schemeClr val="tx1"/>
+                </a:solidFill>
+              </a:rPr>
+              <a:t>The following data was gathered as stating in the Research Proposal:</a:t>
+            </a:r>
+          </a:p>
+          <a:p>
+            <a:pPr marL="666900" lvl="1" indent="-342900">
+              <a:buFont typeface="+mj-lt"/>
+              <a:buAutoNum type="arabicPeriod"/>
+            </a:pPr>
+            <a:r>
+              <a:rPr lang="en-US" dirty="0">
+                <a:solidFill>
+                  <a:schemeClr val="tx1"/>
+                </a:solidFill>
+              </a:rPr>
+              <a:t>Attendance of each class Recorded on Attendance Software (JISC)</a:t>
+            </a:r>
+          </a:p>
+          <a:p>
+            <a:pPr marL="666900" lvl="1" indent="-342900">
+              <a:buFont typeface="+mj-lt"/>
+              <a:buAutoNum type="arabicPeriod"/>
+            </a:pPr>
+            <a:r>
+              <a:rPr lang="en-US" dirty="0">
+                <a:solidFill>
+                  <a:schemeClr val="tx1"/>
+                </a:solidFill>
+              </a:rPr>
+              <a:t>Usage of class work and Assignments on MyLearningSpace (VLE)</a:t>
+            </a:r>
+          </a:p>
+          <a:p>
+            <a:pPr marL="666900" lvl="1" indent="-342900">
+              <a:buFont typeface="+mj-lt"/>
+              <a:buAutoNum type="arabicPeriod"/>
+            </a:pPr>
+            <a:r>
+              <a:rPr lang="en-US" dirty="0">
+                <a:solidFill>
+                  <a:schemeClr val="tx1"/>
+                </a:solidFill>
+              </a:rPr>
+              <a:t>Grades of Students for Marked Assignment</a:t>
+            </a:r>
+          </a:p>
+          <a:p>
+            <a:pPr marL="666900" lvl="1" indent="-342900">
+              <a:buFont typeface="+mj-lt"/>
+              <a:buAutoNum type="arabicPeriod"/>
+            </a:pPr>
+            <a:r>
+              <a:rPr lang="en-US" dirty="0">
+                <a:solidFill>
+                  <a:schemeClr val="tx1"/>
+                </a:solidFill>
+              </a:rPr>
+              <a:t>Views of Recorded Material</a:t>
+            </a:r>
+          </a:p>
+          <a:p>
+            <a:pPr marL="342900" indent="-342900">
+              <a:buFont typeface="+mj-lt"/>
+              <a:buAutoNum type="arabicPeriod"/>
+            </a:pPr>
+            <a:endParaRPr lang="en-US" dirty="0">
+              <a:solidFill>
+                <a:schemeClr val="tx1"/>
+              </a:solidFill>
+            </a:endParaRPr>
+          </a:p>
+          <a:p>
+            <a:r>
+              <a:rPr lang="en-US" dirty="0">
+                <a:solidFill>
+                  <a:schemeClr val="tx1"/>
+                </a:solidFill>
+              </a:rPr>
+              <a:t>Data was gathered for sessions 2020-2021, 2021-2022, and 2022-2023.</a:t>
+            </a:r>
+          </a:p>
+          <a:p>
+            <a:pPr lvl="1"/>
+            <a:r>
+              <a:rPr lang="en-US" dirty="0">
+                <a:solidFill>
+                  <a:schemeClr val="tx1"/>
+                </a:solidFill>
+              </a:rPr>
+              <a:t>Data for 2020-2021 only contained five registers, including one for September 2021 (next academic year). As such this data was ignored.</a:t>
+            </a:r>
+          </a:p>
+          <a:p>
+            <a:pPr lvl="1"/>
+            <a:r>
+              <a:rPr lang="en-US" dirty="0">
+                <a:solidFill>
+                  <a:schemeClr val="tx1"/>
+                </a:solidFill>
+              </a:rPr>
+              <a:t>Data for 2021-2022 ran with lectures being recorded and sessions were discussions rather than delivery of content. </a:t>
+            </a:r>
+          </a:p>
+          <a:p>
+            <a:pPr lvl="1"/>
+            <a:endParaRPr lang="en-US" dirty="0">
+              <a:solidFill>
+                <a:schemeClr val="tx1"/>
+              </a:solidFill>
+            </a:endParaRPr>
+          </a:p>
+          <a:p>
+            <a:r>
+              <a:rPr lang="en-US" dirty="0">
+                <a:solidFill>
+                  <a:schemeClr val="tx1"/>
+                </a:solidFill>
+              </a:rPr>
+              <a:t>Ethics approval for this project was given based on the anonymizing of student identifications. To do this, the raw data gathered was collated into a single Spreadsheet for each year, and Student ID’s were hashed during a SHA256 Hashing algorithm (</a:t>
+            </a:r>
+            <a:r>
+              <a:rPr lang="en-GB" b="0" i="0" dirty="0" err="1">
+                <a:solidFill>
+                  <a:schemeClr val="tx1"/>
+                </a:solidFill>
+                <a:effectLst/>
+                <a:latin typeface="Circular"/>
+              </a:rPr>
+              <a:t>Handschuh</a:t>
+            </a:r>
+            <a:r>
+              <a:rPr lang="en-GB" b="0" i="0" dirty="0">
+                <a:solidFill>
+                  <a:schemeClr val="tx1"/>
+                </a:solidFill>
+                <a:effectLst/>
+                <a:latin typeface="Circular"/>
+              </a:rPr>
+              <a:t>, 2005)</a:t>
+            </a:r>
+            <a:endParaRPr lang="en-US" dirty="0">
+              <a:solidFill>
+                <a:schemeClr val="tx1"/>
+              </a:solidFill>
+            </a:endParaRPr>
+          </a:p>
+          <a:p>
+            <a:pPr lvl="1"/>
+            <a:r>
+              <a:rPr lang="en-US" dirty="0">
+                <a:solidFill>
+                  <a:schemeClr val="tx1"/>
+                </a:solidFill>
+              </a:rPr>
+              <a:t>Converts student number into a 256-bit hexadecimal value. Hashing processes was chosen due to the high security of the process (cannot convert Hash back into original value) and very low chance of collisions.</a:t>
+            </a:r>
+          </a:p>
+        </p:txBody>
+      </p:sp>
+    </p:spTree>
+    <p:extLst>
+      <p:ext uri="{BB962C8B-B14F-4D97-AF65-F5344CB8AC3E}">
+        <p14:creationId xmlns:p14="http://schemas.microsoft.com/office/powerpoint/2010/main" val="1837165283"/>
+      </p:ext>
+    </p:extLst>
+  </p:cSld>
+  <p:clrMapOvr>
+    <a:masterClrMapping/>
+  </p:clrMapOvr>
+</p:sld>
+</file>
+
+<file path=ppt/slides/slide8.xml><?xml version="1.0" encoding="utf-8"?>
+<p:sld xmlns:a="http://schemas.openxmlformats.org/drawingml/2006/main" xmlns:r="http://schemas.openxmlformats.org/officeDocument/2006/relationships" xmlns:p="http://schemas.openxmlformats.org/presentationml/2006/main">
+  <p:cSld>
+    <p:spTree>
+      <p:nvGrpSpPr>
+        <p:cNvPr id="1" name=""/>
+        <p:cNvGrpSpPr/>
+        <p:nvPr/>
+      </p:nvGrpSpPr>
+      <p:grpSpPr>
+        <a:xfrm>
+          <a:off x="0" y="0"/>
+          <a:ext cx="0" cy="0"/>
+          <a:chOff x="0" y="0"/>
+          <a:chExt cx="0" cy="0"/>
+        </a:xfrm>
+      </p:grpSpPr>
+      <p:sp>
+        <p:nvSpPr>
+          <p:cNvPr id="2" name="Title 1">
+            <a:extLst>
+              <a:ext uri="{FF2B5EF4-FFF2-40B4-BE49-F238E27FC236}">
+                <a16:creationId xmlns:a16="http://schemas.microsoft.com/office/drawing/2014/main" id="{BD4CA9CC-5ADC-001A-4D31-8EC14B8E37D4}"/>
+              </a:ext>
+            </a:extLst>
+          </p:cNvPr>
+          <p:cNvSpPr>
+            <a:spLocks noGrp="1"/>
+          </p:cNvSpPr>
+          <p:nvPr>
+            <p:ph type="title"/>
+          </p:nvPr>
+        </p:nvSpPr>
+        <p:spPr/>
+        <p:txBody>
+          <a:bodyPr/>
+          <a:lstStyle/>
+          <a:p>
+            <a:r>
+              <a:rPr lang="en-US" dirty="0"/>
+              <a:t>Data Gathering methodology</a:t>
+            </a:r>
+            <a:endParaRPr lang="en-GB" dirty="0"/>
+          </a:p>
+        </p:txBody>
+      </p:sp>
+      <p:sp>
+        <p:nvSpPr>
+          <p:cNvPr id="3" name="Content Placeholder 2">
+            <a:extLst>
+              <a:ext uri="{FF2B5EF4-FFF2-40B4-BE49-F238E27FC236}">
+                <a16:creationId xmlns:a16="http://schemas.microsoft.com/office/drawing/2014/main" id="{121196E6-3603-F66B-72E8-8E7E5F53AC6C}"/>
+              </a:ext>
+            </a:extLst>
+          </p:cNvPr>
+          <p:cNvSpPr>
+            <a:spLocks noGrp="1"/>
+          </p:cNvSpPr>
+          <p:nvPr>
+            <p:ph idx="1"/>
+          </p:nvPr>
+        </p:nvSpPr>
         <p:spPr/>
         <p:txBody>
           <a:bodyPr>
@@ -17761,19 +19614,31 @@
           <a:lstStyle/>
           <a:p>
             <a:r>
-              <a:rPr lang="en-US" dirty="0"/>
+              <a:rPr lang="en-US" dirty="0">
+                <a:solidFill>
+                  <a:schemeClr val="tx1"/>
+                </a:solidFill>
+              </a:rPr>
               <a:t>Attendance is gathered for all students for all classes</a:t>
             </a:r>
           </a:p>
           <a:p>
             <a:r>
-              <a:rPr lang="en-US" dirty="0"/>
+              <a:rPr lang="en-US" dirty="0">
+                <a:solidFill>
+                  <a:schemeClr val="tx1"/>
+                </a:solidFill>
+              </a:rPr>
               <a:t>Students split into single lecture for all, then either group A or group B for practical</a:t>
             </a:r>
           </a:p>
           <a:p>
             <a:r>
-              <a:rPr lang="en-US" dirty="0"/>
+              <a:rPr lang="en-US" dirty="0">
+                <a:solidFill>
+                  <a:schemeClr val="tx1"/>
+                </a:solidFill>
+              </a:rPr>
               <a:t>Students assigned to class based on Timetable, not class list available through attendance system and MyLearningSpace</a:t>
             </a:r>
           </a:p>
@@ -17782,27 +19647,47 @@
               <a:buFont typeface="+mj-lt"/>
               <a:buAutoNum type="arabicPeriod"/>
             </a:pPr>
-            <a:endParaRPr lang="en-US" dirty="0"/>
-          </a:p>
-          <a:p>
-            <a:r>
-              <a:rPr lang="en-US" dirty="0"/>
+            <a:endParaRPr lang="en-US" dirty="0">
+              <a:solidFill>
+                <a:schemeClr val="tx1"/>
+              </a:solidFill>
+            </a:endParaRPr>
+          </a:p>
+          <a:p>
+            <a:r>
+              <a:rPr lang="en-US" dirty="0">
+                <a:solidFill>
+                  <a:schemeClr val="tx1"/>
+                </a:solidFill>
+              </a:rPr>
               <a:t>For the purposes of this study, only students who were noted as having attended were counted as attending. </a:t>
             </a:r>
           </a:p>
           <a:p>
             <a:pPr lvl="1"/>
             <a:r>
-              <a:rPr lang="en-US" dirty="0"/>
+              <a:rPr lang="en-US" dirty="0">
+                <a:solidFill>
+                  <a:schemeClr val="tx1"/>
+                </a:solidFill>
+              </a:rPr>
               <a:t>There is a possibility that some students would have attended class and not registered using the MyAbertay app, as well as students who had notified reasoning for not attending. There is also a possibility that students who had a notified reason for not attending still managed to attend. To prevent speculation, only students who are recorded as attending will be used in this study.</a:t>
             </a:r>
           </a:p>
           <a:p>
-            <a:endParaRPr lang="en-US" dirty="0"/>
-          </a:p>
-          <a:p>
-            <a:r>
-              <a:rPr lang="en-US" dirty="0"/>
+            <a:endParaRPr lang="en-US" dirty="0">
+              <a:solidFill>
+                <a:schemeClr val="tx1"/>
+              </a:solidFill>
+            </a:endParaRPr>
+          </a:p>
+          <a:p>
+            <a:r>
+              <a:rPr lang="en-US" dirty="0">
+                <a:solidFill>
+                  <a:schemeClr val="tx1"/>
+                </a:solidFill>
+              </a:rPr>
               <a:t>Attendance data in the following format was considered as not attending a class:</a:t>
             </a:r>
           </a:p>
@@ -17812,7 +19697,11 @@
               <a:buAutoNum type="arabicPeriod"/>
             </a:pPr>
             <a:r>
-              <a:rPr lang="en-US" dirty="0"/>
+              <a:rPr lang="en-US" dirty="0">
+                <a:solidFill>
+                  <a:schemeClr val="tx1"/>
+                </a:solidFill>
+              </a:rPr>
               <a:t>Not Attended</a:t>
             </a:r>
           </a:p>
@@ -17822,7 +19711,11 @@
               <a:buAutoNum type="arabicPeriod"/>
             </a:pPr>
             <a:r>
-              <a:rPr lang="en-US" dirty="0"/>
+              <a:rPr lang="en-US" dirty="0">
+                <a:solidFill>
+                  <a:schemeClr val="tx1"/>
+                </a:solidFill>
+              </a:rPr>
               <a:t>Notified Absence</a:t>
             </a:r>
           </a:p>
@@ -17832,7 +19725,11 @@
               <a:buAutoNum type="arabicPeriod"/>
             </a:pPr>
             <a:r>
-              <a:rPr lang="en-US" dirty="0"/>
+              <a:rPr lang="en-US" dirty="0">
+                <a:solidFill>
+                  <a:schemeClr val="tx1"/>
+                </a:solidFill>
+              </a:rPr>
               <a:t>Not Required</a:t>
             </a:r>
           </a:p>
@@ -17851,7 +19748,7 @@
 </p:sld>
 </file>
 
-<file path=ppt/slides/slide8.xml><?xml version="1.0" encoding="utf-8"?>
+<file path=ppt/slides/slide9.xml><?xml version="1.0" encoding="utf-8"?>
 <p:sld xmlns:a="http://schemas.openxmlformats.org/drawingml/2006/main" xmlns:r="http://schemas.openxmlformats.org/officeDocument/2006/relationships" xmlns:p="http://schemas.openxmlformats.org/presentationml/2006/main">
   <p:cSld>
     <p:spTree>
@@ -17974,182 +19871,6 @@
     <p:extLst>
       <p:ext uri="{BB962C8B-B14F-4D97-AF65-F5344CB8AC3E}">
         <p14:creationId xmlns:p14="http://schemas.microsoft.com/office/powerpoint/2010/main" val="1516953791"/>
-      </p:ext>
-    </p:extLst>
-  </p:cSld>
-  <p:clrMapOvr>
-    <a:masterClrMapping/>
-  </p:clrMapOvr>
-</p:sld>
-</file>
-
-<file path=ppt/slides/slide9.xml><?xml version="1.0" encoding="utf-8"?>
-<p:sld xmlns:a="http://schemas.openxmlformats.org/drawingml/2006/main" xmlns:r="http://schemas.openxmlformats.org/officeDocument/2006/relationships" xmlns:p="http://schemas.openxmlformats.org/presentationml/2006/main">
-  <p:cSld>
-    <p:spTree>
-      <p:nvGrpSpPr>
-        <p:cNvPr id="1" name=""/>
-        <p:cNvGrpSpPr/>
-        <p:nvPr/>
-      </p:nvGrpSpPr>
-      <p:grpSpPr>
-        <a:xfrm>
-          <a:off x="0" y="0"/>
-          <a:ext cx="0" cy="0"/>
-          <a:chOff x="0" y="0"/>
-          <a:chExt cx="0" cy="0"/>
-        </a:xfrm>
-      </p:grpSpPr>
-      <p:sp>
-        <p:nvSpPr>
-          <p:cNvPr id="2" name="Title 1">
-            <a:extLst>
-              <a:ext uri="{FF2B5EF4-FFF2-40B4-BE49-F238E27FC236}">
-                <a16:creationId xmlns:a16="http://schemas.microsoft.com/office/drawing/2014/main" id="{C7B88BF5-C73D-C2F9-DD20-DE6522FEBB0C}"/>
-              </a:ext>
-            </a:extLst>
-          </p:cNvPr>
-          <p:cNvSpPr>
-            <a:spLocks noGrp="1"/>
-          </p:cNvSpPr>
-          <p:nvPr>
-            <p:ph type="ctrTitle"/>
-          </p:nvPr>
-        </p:nvSpPr>
-        <p:spPr/>
-        <p:txBody>
-          <a:bodyPr/>
-          <a:lstStyle/>
-          <a:p>
-            <a:r>
-              <a:rPr lang="en-US" dirty="0"/>
-              <a:t>Comparison</a:t>
-            </a:r>
-            <a:endParaRPr lang="en-GB" dirty="0"/>
-          </a:p>
-        </p:txBody>
-      </p:sp>
-      <p:sp>
-        <p:nvSpPr>
-          <p:cNvPr id="3" name="Subtitle 2">
-            <a:extLst>
-              <a:ext uri="{FF2B5EF4-FFF2-40B4-BE49-F238E27FC236}">
-                <a16:creationId xmlns:a16="http://schemas.microsoft.com/office/drawing/2014/main" id="{7DC5E721-C1B6-45C1-7ACB-BA368382A9E9}"/>
-              </a:ext>
-            </a:extLst>
-          </p:cNvPr>
-          <p:cNvSpPr>
-            <a:spLocks noGrp="1"/>
-          </p:cNvSpPr>
-          <p:nvPr>
-            <p:ph type="subTitle" idx="1"/>
-          </p:nvPr>
-        </p:nvSpPr>
-        <p:spPr>
-          <a:xfrm>
-            <a:off x="581191" y="3275621"/>
-            <a:ext cx="10993546" cy="2873509"/>
-          </a:xfrm>
-        </p:spPr>
-        <p:txBody>
-          <a:bodyPr>
-            <a:normAutofit/>
-          </a:bodyPr>
-          <a:lstStyle/>
-          <a:p>
-            <a:r>
-              <a:rPr lang="en-US" dirty="0">
-                <a:solidFill>
-                  <a:schemeClr val="bg1"/>
-                </a:solidFill>
-              </a:rPr>
-              <a:t>Grade Changes</a:t>
-            </a:r>
-          </a:p>
-          <a:p>
-            <a:endParaRPr lang="en-US" dirty="0">
-              <a:solidFill>
-                <a:schemeClr val="bg1"/>
-              </a:solidFill>
-            </a:endParaRPr>
-          </a:p>
-          <a:p>
-            <a:r>
-              <a:rPr lang="en-US" dirty="0">
-                <a:solidFill>
-                  <a:schemeClr val="bg1"/>
-                </a:solidFill>
-              </a:rPr>
-              <a:t>Attendance</a:t>
-            </a:r>
-          </a:p>
-          <a:p>
-            <a:pPr marL="285750" indent="-285750">
-              <a:buFont typeface="Wingdings" panose="05000000000000000000" pitchFamily="2" charset="2"/>
-              <a:buChar char="§"/>
-            </a:pPr>
-            <a:r>
-              <a:rPr lang="en-US" dirty="0">
-                <a:solidFill>
-                  <a:schemeClr val="bg1"/>
-                </a:solidFill>
-              </a:rPr>
-              <a:t>Overall</a:t>
-            </a:r>
-          </a:p>
-          <a:p>
-            <a:pPr marL="285750" indent="-285750">
-              <a:buFont typeface="Wingdings" panose="05000000000000000000" pitchFamily="2" charset="2"/>
-              <a:buChar char="§"/>
-            </a:pPr>
-            <a:r>
-              <a:rPr lang="en-US" dirty="0">
-                <a:solidFill>
-                  <a:schemeClr val="bg1"/>
-                </a:solidFill>
-              </a:rPr>
-              <a:t>Expected</a:t>
-            </a:r>
-          </a:p>
-          <a:p>
-            <a:pPr marL="285750" indent="-285750">
-              <a:buFont typeface="Wingdings" panose="05000000000000000000" pitchFamily="2" charset="2"/>
-              <a:buChar char="§"/>
-            </a:pPr>
-            <a:r>
-              <a:rPr lang="en-US" dirty="0">
-                <a:solidFill>
-                  <a:schemeClr val="bg1"/>
-                </a:solidFill>
-              </a:rPr>
-              <a:t>Lecture</a:t>
-            </a:r>
-          </a:p>
-          <a:p>
-            <a:pPr marL="285750" indent="-285750">
-              <a:buFont typeface="Wingdings" panose="05000000000000000000" pitchFamily="2" charset="2"/>
-              <a:buChar char="§"/>
-            </a:pPr>
-            <a:r>
-              <a:rPr lang="en-US" dirty="0">
-                <a:solidFill>
-                  <a:schemeClr val="bg1"/>
-                </a:solidFill>
-              </a:rPr>
-              <a:t>practical	</a:t>
-            </a:r>
-            <a:endParaRPr lang="en-GB" dirty="0">
-              <a:solidFill>
-                <a:schemeClr val="bg1"/>
-              </a:solidFill>
-            </a:endParaRPr>
-          </a:p>
-        </p:txBody>
-      </p:sp>
-    </p:spTree>
-    <p:extLst>
-      <p:ext uri="{BB962C8B-B14F-4D97-AF65-F5344CB8AC3E}">
-        <p14:creationId xmlns:p14="http://schemas.microsoft.com/office/powerpoint/2010/main" val="3788761878"/>
       </p:ext>
     </p:extLst>
   </p:cSld>

--- a/scripts/CAP512.pptx
+++ b/scripts/CAP512.pptx
@@ -5,46 +5,56 @@
     <p:sldMasterId id="2147483672" r:id="rId1"/>
   </p:sldMasterIdLst>
   <p:notesMasterIdLst>
-    <p:notesMasterId r:id="rId36"/>
+    <p:notesMasterId r:id="rId46"/>
   </p:notesMasterIdLst>
   <p:handoutMasterIdLst>
-    <p:handoutMasterId r:id="rId37"/>
+    <p:handoutMasterId r:id="rId47"/>
   </p:handoutMasterIdLst>
   <p:sldIdLst>
     <p:sldId id="256" r:id="rId2"/>
     <p:sldId id="262" r:id="rId3"/>
     <p:sldId id="303" r:id="rId4"/>
-    <p:sldId id="304" r:id="rId5"/>
-    <p:sldId id="268" r:id="rId6"/>
-    <p:sldId id="267" r:id="rId7"/>
-    <p:sldId id="265" r:id="rId8"/>
-    <p:sldId id="266" r:id="rId9"/>
-    <p:sldId id="292" r:id="rId10"/>
-    <p:sldId id="287" r:id="rId11"/>
-    <p:sldId id="258" r:id="rId12"/>
-    <p:sldId id="271" r:id="rId13"/>
-    <p:sldId id="289" r:id="rId14"/>
-    <p:sldId id="272" r:id="rId15"/>
-    <p:sldId id="273" r:id="rId16"/>
-    <p:sldId id="285" r:id="rId17"/>
-    <p:sldId id="281" r:id="rId18"/>
-    <p:sldId id="286" r:id="rId19"/>
-    <p:sldId id="282" r:id="rId20"/>
-    <p:sldId id="283" r:id="rId21"/>
-    <p:sldId id="291" r:id="rId22"/>
-    <p:sldId id="293" r:id="rId23"/>
-    <p:sldId id="294" r:id="rId24"/>
-    <p:sldId id="295" r:id="rId25"/>
-    <p:sldId id="306" r:id="rId26"/>
-    <p:sldId id="297" r:id="rId27"/>
-    <p:sldId id="298" r:id="rId28"/>
-    <p:sldId id="299" r:id="rId29"/>
-    <p:sldId id="300" r:id="rId30"/>
-    <p:sldId id="301" r:id="rId31"/>
-    <p:sldId id="302" r:id="rId32"/>
-    <p:sldId id="260" r:id="rId33"/>
-    <p:sldId id="270" r:id="rId34"/>
-    <p:sldId id="305" r:id="rId35"/>
+    <p:sldId id="313" r:id="rId5"/>
+    <p:sldId id="304" r:id="rId6"/>
+    <p:sldId id="268" r:id="rId7"/>
+    <p:sldId id="315" r:id="rId8"/>
+    <p:sldId id="265" r:id="rId9"/>
+    <p:sldId id="266" r:id="rId10"/>
+    <p:sldId id="292" r:id="rId11"/>
+    <p:sldId id="287" r:id="rId12"/>
+    <p:sldId id="258" r:id="rId13"/>
+    <p:sldId id="271" r:id="rId14"/>
+    <p:sldId id="289" r:id="rId15"/>
+    <p:sldId id="272" r:id="rId16"/>
+    <p:sldId id="273" r:id="rId17"/>
+    <p:sldId id="285" r:id="rId18"/>
+    <p:sldId id="281" r:id="rId19"/>
+    <p:sldId id="286" r:id="rId20"/>
+    <p:sldId id="282" r:id="rId21"/>
+    <p:sldId id="283" r:id="rId22"/>
+    <p:sldId id="291" r:id="rId23"/>
+    <p:sldId id="293" r:id="rId24"/>
+    <p:sldId id="294" r:id="rId25"/>
+    <p:sldId id="295" r:id="rId26"/>
+    <p:sldId id="307" r:id="rId27"/>
+    <p:sldId id="311" r:id="rId28"/>
+    <p:sldId id="306" r:id="rId29"/>
+    <p:sldId id="308" r:id="rId30"/>
+    <p:sldId id="297" r:id="rId31"/>
+    <p:sldId id="298" r:id="rId32"/>
+    <p:sldId id="299" r:id="rId33"/>
+    <p:sldId id="300" r:id="rId34"/>
+    <p:sldId id="310" r:id="rId35"/>
+    <p:sldId id="309" r:id="rId36"/>
+    <p:sldId id="301" r:id="rId37"/>
+    <p:sldId id="302" r:id="rId38"/>
+    <p:sldId id="267" r:id="rId39"/>
+    <p:sldId id="316" r:id="rId40"/>
+    <p:sldId id="317" r:id="rId41"/>
+    <p:sldId id="260" r:id="rId42"/>
+    <p:sldId id="270" r:id="rId43"/>
+    <p:sldId id="305" r:id="rId44"/>
+    <p:sldId id="314" r:id="rId45"/>
   </p:sldIdLst>
   <p:sldSz cx="12192000" cy="6858000"/>
   <p:notesSz cx="6858000" cy="9144000"/>
@@ -4510,7 +4520,7 @@
           <a:p>
             <a:fld id="{AF869721-F543-4A6C-BF9D-65D7CC540427}" type="datetimeFigureOut">
               <a:rPr lang="en-US" smtClean="0"/>
-              <a:t>6/14/2023</a:t>
+              <a:t>6/15/2023</a:t>
             </a:fld>
             <a:endParaRPr lang="en-US" dirty="0"/>
           </a:p>
@@ -4687,7 +4697,7 @@
           <a:p>
             <a:fld id="{C732326A-4C88-4AFB-AA5B-5919D81DFF5B}" type="datetimeFigureOut">
               <a:rPr lang="en-US" smtClean="0"/>
-              <a:t>6/14/2023</a:t>
+              <a:t>6/15/2023</a:t>
             </a:fld>
             <a:endParaRPr lang="en-US" dirty="0"/>
           </a:p>
@@ -5103,7 +5113,7 @@
           <a:p>
             <a:fld id="{C6B3AB32-59DF-41F1-9618-EDFBF5049629}" type="slidenum">
               <a:rPr lang="en-US" smtClean="0"/>
-              <a:t>9</a:t>
+              <a:t>10</a:t>
             </a:fld>
             <a:endParaRPr lang="en-US" dirty="0"/>
           </a:p>
@@ -5187,7 +5197,7 @@
           <a:p>
             <a:fld id="{C6B3AB32-59DF-41F1-9618-EDFBF5049629}" type="slidenum">
               <a:rPr lang="en-US" smtClean="0"/>
-              <a:t>32</a:t>
+              <a:t>41</a:t>
             </a:fld>
             <a:endParaRPr lang="en-US" dirty="0"/>
           </a:p>
@@ -5452,7 +5462,7 @@
             <a:fld id="{B61BEF0D-F0BB-DE4B-95CE-6DB70DBA9567}" type="datetimeFigureOut">
               <a:rPr lang="en-US" smtClean="0"/>
               <a:pPr/>
-              <a:t>6/14/2023</a:t>
+              <a:t>6/15/2023</a:t>
             </a:fld>
             <a:endParaRPr lang="en-US" dirty="0"/>
           </a:p>
@@ -5716,7 +5726,7 @@
             <a:fld id="{B61BEF0D-F0BB-DE4B-95CE-6DB70DBA9567}" type="datetimeFigureOut">
               <a:rPr lang="en-US" smtClean="0"/>
               <a:pPr/>
-              <a:t>6/14/2023</a:t>
+              <a:t>6/15/2023</a:t>
             </a:fld>
             <a:endParaRPr lang="en-US" dirty="0"/>
           </a:p>
@@ -5953,7 +5963,7 @@
             <a:fld id="{B61BEF0D-F0BB-DE4B-95CE-6DB70DBA9567}" type="datetimeFigureOut">
               <a:rPr lang="en-US" smtClean="0"/>
               <a:pPr/>
-              <a:t>6/14/2023</a:t>
+              <a:t>6/15/2023</a:t>
             </a:fld>
             <a:endParaRPr lang="en-US" dirty="0"/>
           </a:p>
@@ -6195,7 +6205,7 @@
             <a:fld id="{B61BEF0D-F0BB-DE4B-95CE-6DB70DBA9567}" type="datetimeFigureOut">
               <a:rPr lang="en-US" smtClean="0"/>
               <a:pPr/>
-              <a:t>6/14/2023</a:t>
+              <a:t>6/15/2023</a:t>
             </a:fld>
             <a:endParaRPr lang="en-US" dirty="0"/>
           </a:p>
@@ -6504,7 +6514,7 @@
             <a:fld id="{B61BEF0D-F0BB-DE4B-95CE-6DB70DBA9567}" type="datetimeFigureOut">
               <a:rPr lang="en-US" smtClean="0"/>
               <a:pPr/>
-              <a:t>6/14/2023</a:t>
+              <a:t>6/15/2023</a:t>
             </a:fld>
             <a:endParaRPr lang="en-US" dirty="0"/>
           </a:p>
@@ -6808,7 +6818,7 @@
             <a:fld id="{B61BEF0D-F0BB-DE4B-95CE-6DB70DBA9567}" type="datetimeFigureOut">
               <a:rPr lang="en-US" smtClean="0"/>
               <a:pPr/>
-              <a:t>6/14/2023</a:t>
+              <a:t>6/15/2023</a:t>
             </a:fld>
             <a:endParaRPr lang="en-US" dirty="0"/>
           </a:p>
@@ -7232,7 +7242,7 @@
             <a:fld id="{B61BEF0D-F0BB-DE4B-95CE-6DB70DBA9567}" type="datetimeFigureOut">
               <a:rPr lang="en-US" smtClean="0"/>
               <a:pPr/>
-              <a:t>6/14/2023</a:t>
+              <a:t>6/15/2023</a:t>
             </a:fld>
             <a:endParaRPr lang="en-US" dirty="0"/>
           </a:p>
@@ -7329,7 +7339,7 @@
             <a:fld id="{B61BEF0D-F0BB-DE4B-95CE-6DB70DBA9567}" type="datetimeFigureOut">
               <a:rPr lang="en-US" smtClean="0"/>
               <a:pPr/>
-              <a:t>6/14/2023</a:t>
+              <a:t>6/15/2023</a:t>
             </a:fld>
             <a:endParaRPr lang="en-US" dirty="0"/>
           </a:p>
@@ -7493,7 +7503,7 @@
             <a:fld id="{B61BEF0D-F0BB-DE4B-95CE-6DB70DBA9567}" type="datetimeFigureOut">
               <a:rPr lang="en-US" smtClean="0"/>
               <a:pPr/>
-              <a:t>6/14/2023</a:t>
+              <a:t>6/15/2023</a:t>
             </a:fld>
             <a:endParaRPr lang="en-US" dirty="0"/>
           </a:p>
@@ -7873,7 +7883,7 @@
             <a:fld id="{B61BEF0D-F0BB-DE4B-95CE-6DB70DBA9567}" type="datetimeFigureOut">
               <a:rPr lang="en-US" smtClean="0"/>
               <a:pPr/>
-              <a:t>6/14/2023</a:t>
+              <a:t>6/15/2023</a:t>
             </a:fld>
             <a:endParaRPr lang="en-US" dirty="0"/>
           </a:p>
@@ -8164,7 +8174,7 @@
             <a:fld id="{B61BEF0D-F0BB-DE4B-95CE-6DB70DBA9567}" type="datetimeFigureOut">
               <a:rPr lang="en-US" smtClean="0"/>
               <a:pPr/>
-              <a:t>6/14/2023</a:t>
+              <a:t>6/15/2023</a:t>
             </a:fld>
             <a:endParaRPr lang="en-US" dirty="0"/>
           </a:p>
@@ -8377,7 +8387,7 @@
             <a:fld id="{B61BEF0D-F0BB-DE4B-95CE-6DB70DBA9567}" type="datetimeFigureOut">
               <a:rPr lang="en-US" smtClean="0"/>
               <a:pPr/>
-              <a:t>6/14/2023</a:t>
+              <a:t>6/15/2023</a:t>
             </a:fld>
             <a:endParaRPr lang="en-US" dirty="0"/>
           </a:p>
@@ -9434,6 +9444,138 @@
           <a:chExt cx="0" cy="0"/>
         </a:xfrm>
       </p:grpSpPr>
+      <p:pic>
+        <p:nvPicPr>
+          <p:cNvPr id="8" name="Content Placeholder 4" descr="Digital Numbers">
+            <a:extLst>
+              <a:ext uri="{FF2B5EF4-FFF2-40B4-BE49-F238E27FC236}">
+                <a16:creationId xmlns:a16="http://schemas.microsoft.com/office/drawing/2014/main" id="{EA70616B-E344-4856-8DF9-707C26236613}"/>
+              </a:ext>
+            </a:extLst>
+          </p:cNvPr>
+          <p:cNvPicPr>
+            <a:picLocks noChangeAspect="1"/>
+          </p:cNvPicPr>
+          <p:nvPr/>
+        </p:nvPicPr>
+        <p:blipFill rotWithShape="1">
+          <a:blip r:embed="rId3" cstate="screen">
+            <a:extLst>
+              <a:ext uri="{28A0092B-C50C-407E-A947-70E740481C1C}">
+                <a14:useLocalDpi xmlns:a14="http://schemas.microsoft.com/office/drawing/2010/main"/>
+              </a:ext>
+            </a:extLst>
+          </a:blip>
+          <a:srcRect t="10681" r="9091" b="12711"/>
+          <a:stretch/>
+        </p:blipFill>
+        <p:spPr>
+          <a:xfrm>
+            <a:off x="20" y="10"/>
+            <a:ext cx="12191980" cy="6857990"/>
+          </a:xfrm>
+          <a:prstGeom prst="rect">
+            <a:avLst/>
+          </a:prstGeom>
+        </p:spPr>
+      </p:pic>
+      <p:sp>
+        <p:nvSpPr>
+          <p:cNvPr id="2" name="Title 1">
+            <a:extLst>
+              <a:ext uri="{FF2B5EF4-FFF2-40B4-BE49-F238E27FC236}">
+                <a16:creationId xmlns:a16="http://schemas.microsoft.com/office/drawing/2014/main" id="{7F2616EE-270D-4F4C-BA1F-2708D387B800}"/>
+              </a:ext>
+            </a:extLst>
+          </p:cNvPr>
+          <p:cNvSpPr>
+            <a:spLocks noGrp="1"/>
+          </p:cNvSpPr>
+          <p:nvPr>
+            <p:ph type="title"/>
+          </p:nvPr>
+        </p:nvSpPr>
+        <p:spPr>
+          <a:xfrm>
+            <a:off x="584200" y="1006956"/>
+            <a:ext cx="7213600" cy="1121871"/>
+          </a:xfrm>
+        </p:spPr>
+        <p:txBody>
+          <a:bodyPr anchor="ctr">
+            <a:normAutofit/>
+          </a:bodyPr>
+          <a:lstStyle/>
+          <a:p>
+            <a:pPr algn="ctr"/>
+            <a:r>
+              <a:rPr lang="en-US" dirty="0"/>
+              <a:t>Analysis Methodology</a:t>
+            </a:r>
+          </a:p>
+        </p:txBody>
+      </p:sp>
+      <p:graphicFrame>
+        <p:nvGraphicFramePr>
+          <p:cNvPr id="6" name="Content Placeholder 5" descr="SmartArt">
+            <a:extLst>
+              <a:ext uri="{FF2B5EF4-FFF2-40B4-BE49-F238E27FC236}">
+                <a16:creationId xmlns:a16="http://schemas.microsoft.com/office/drawing/2014/main" id="{BF629521-FFD2-45DA-9D1D-A5F09BD5A2D9}"/>
+              </a:ext>
+            </a:extLst>
+          </p:cNvPr>
+          <p:cNvGraphicFramePr>
+            <a:graphicFrameLocks noGrp="1"/>
+          </p:cNvGraphicFramePr>
+          <p:nvPr>
+            <p:ph idx="1"/>
+            <p:extLst>
+              <p:ext uri="{D42A27DB-BD31-4B8C-83A1-F6EECF244321}">
+                <p14:modId xmlns:p14="http://schemas.microsoft.com/office/powerpoint/2010/main" val="3045117078"/>
+              </p:ext>
+            </p:extLst>
+          </p:nvPr>
+        </p:nvGraphicFramePr>
+        <p:xfrm>
+          <a:off x="719571" y="2198254"/>
+          <a:ext cx="6854248" cy="3563938"/>
+        </p:xfrm>
+        <a:graphic>
+          <a:graphicData uri="http://schemas.openxmlformats.org/drawingml/2006/diagram">
+            <dgm:relIds xmlns:dgm="http://schemas.openxmlformats.org/drawingml/2006/diagram" xmlns:r="http://schemas.openxmlformats.org/officeDocument/2006/relationships" r:dm="rId4" r:lo="rId5" r:qs="rId6" r:cs="rId7"/>
+          </a:graphicData>
+        </a:graphic>
+      </p:graphicFrame>
+    </p:spTree>
+    <p:extLst>
+      <p:ext uri="{BB962C8B-B14F-4D97-AF65-F5344CB8AC3E}">
+        <p14:creationId xmlns:p14="http://schemas.microsoft.com/office/powerpoint/2010/main" val="1516953791"/>
+      </p:ext>
+    </p:extLst>
+  </p:cSld>
+  <p:clrMapOvr>
+    <a:masterClrMapping/>
+  </p:clrMapOvr>
+</p:sld>
+</file>
+
+<file path=ppt/slides/slide11.xml><?xml version="1.0" encoding="utf-8"?>
+<p:sld xmlns:a="http://schemas.openxmlformats.org/drawingml/2006/main" xmlns:r="http://schemas.openxmlformats.org/officeDocument/2006/relationships" xmlns:p="http://schemas.openxmlformats.org/presentationml/2006/main">
+  <p:cSld>
+    <p:spTree>
+      <p:nvGrpSpPr>
+        <p:cNvPr id="1" name=""/>
+        <p:cNvGrpSpPr/>
+        <p:nvPr/>
+      </p:nvGrpSpPr>
+      <p:grpSpPr>
+        <a:xfrm>
+          <a:off x="0" y="0"/>
+          <a:ext cx="0" cy="0"/>
+          <a:chOff x="0" y="0"/>
+          <a:chExt cx="0" cy="0"/>
+        </a:xfrm>
+      </p:grpSpPr>
       <p:sp>
         <p:nvSpPr>
           <p:cNvPr id="2" name="Title 1">
@@ -9593,7 +9735,7 @@
 </p:sld>
 </file>
 
-<file path=ppt/slides/slide11.xml><?xml version="1.0" encoding="utf-8"?>
+<file path=ppt/slides/slide12.xml><?xml version="1.0" encoding="utf-8"?>
 <p:sld xmlns:a="http://schemas.openxmlformats.org/drawingml/2006/main" xmlns:r="http://schemas.openxmlformats.org/officeDocument/2006/relationships" xmlns:p="http://schemas.openxmlformats.org/presentationml/2006/main">
   <p:cSld>
     <p:spTree>
@@ -9749,7 +9891,7 @@
 </p:sld>
 </file>
 
-<file path=ppt/slides/slide12.xml><?xml version="1.0" encoding="utf-8"?>
+<file path=ppt/slides/slide13.xml><?xml version="1.0" encoding="utf-8"?>
 <p:sld xmlns:a="http://schemas.openxmlformats.org/drawingml/2006/main" xmlns:r="http://schemas.openxmlformats.org/officeDocument/2006/relationships" xmlns:p="http://schemas.openxmlformats.org/presentationml/2006/main">
   <p:cSld>
     <p:spTree>
@@ -9895,7 +10037,7 @@
 </p:sld>
 </file>
 
-<file path=ppt/slides/slide13.xml><?xml version="1.0" encoding="utf-8"?>
+<file path=ppt/slides/slide14.xml><?xml version="1.0" encoding="utf-8"?>
 <p:sld xmlns:a="http://schemas.openxmlformats.org/drawingml/2006/main" xmlns:r="http://schemas.openxmlformats.org/officeDocument/2006/relationships" xmlns:p="http://schemas.openxmlformats.org/presentationml/2006/main">
   <p:cSld>
     <p:spTree>
@@ -10500,7 +10642,7 @@
 </p:sld>
 </file>
 
-<file path=ppt/slides/slide14.xml><?xml version="1.0" encoding="utf-8"?>
+<file path=ppt/slides/slide15.xml><?xml version="1.0" encoding="utf-8"?>
 <p:sld xmlns:a="http://schemas.openxmlformats.org/drawingml/2006/main" xmlns:r="http://schemas.openxmlformats.org/officeDocument/2006/relationships" xmlns:p="http://schemas.openxmlformats.org/presentationml/2006/main">
   <p:cSld>
     <p:spTree>
@@ -11116,7 +11258,7 @@
 </p:sld>
 </file>
 
-<file path=ppt/slides/slide15.xml><?xml version="1.0" encoding="utf-8"?>
+<file path=ppt/slides/slide16.xml><?xml version="1.0" encoding="utf-8"?>
 <p:sld xmlns:a="http://schemas.openxmlformats.org/drawingml/2006/main" xmlns:r="http://schemas.openxmlformats.org/officeDocument/2006/relationships" xmlns:p="http://schemas.openxmlformats.org/presentationml/2006/main">
   <p:cSld>
     <p:spTree>
@@ -11744,7 +11886,7 @@
 </p:sld>
 </file>
 
-<file path=ppt/slides/slide16.xml><?xml version="1.0" encoding="utf-8"?>
+<file path=ppt/slides/slide17.xml><?xml version="1.0" encoding="utf-8"?>
 <p:sld xmlns:a="http://schemas.openxmlformats.org/drawingml/2006/main" xmlns:r="http://schemas.openxmlformats.org/officeDocument/2006/relationships" xmlns:p="http://schemas.openxmlformats.org/presentationml/2006/main">
   <p:cSld>
     <p:spTree>
@@ -12323,7 +12465,7 @@
                       <a:schemeClr val="tx1"/>
                     </a:solidFill>
                   </a:rPr>
-                  <a:t>One student has a practical attendance percentage of 108%, as they attended one more lecture than required. (2021-2022)</a:t>
+                  <a:t>One student has a practical attendance percentage of 108%, as they attended one more practical than required. (2021-2022)</a:t>
                 </a:r>
               </a:p>
             </p:txBody>
@@ -12386,7 +12528,7 @@
 </p:sld>
 </file>
 
-<file path=ppt/slides/slide17.xml><?xml version="1.0" encoding="utf-8"?>
+<file path=ppt/slides/slide18.xml><?xml version="1.0" encoding="utf-8"?>
 <p:sld xmlns:a="http://schemas.openxmlformats.org/drawingml/2006/main" xmlns:r="http://schemas.openxmlformats.org/officeDocument/2006/relationships" xmlns:p="http://schemas.openxmlformats.org/presentationml/2006/main">
   <p:cSld>
     <p:spTree>
@@ -12560,7 +12702,7 @@
 </p:sld>
 </file>
 
-<file path=ppt/slides/slide18.xml><?xml version="1.0" encoding="utf-8"?>
+<file path=ppt/slides/slide19.xml><?xml version="1.0" encoding="utf-8"?>
 <p:sld xmlns:a="http://schemas.openxmlformats.org/drawingml/2006/main" xmlns:r="http://schemas.openxmlformats.org/officeDocument/2006/relationships" xmlns:p="http://schemas.openxmlformats.org/presentationml/2006/main">
   <p:cSld>
     <p:spTree>
@@ -12734,7 +12876,154 @@
 </p:sld>
 </file>
 
-<file path=ppt/slides/slide19.xml><?xml version="1.0" encoding="utf-8"?>
+<file path=ppt/slides/slide2.xml><?xml version="1.0" encoding="utf-8"?>
+<p:sld xmlns:a="http://schemas.openxmlformats.org/drawingml/2006/main" xmlns:r="http://schemas.openxmlformats.org/officeDocument/2006/relationships" xmlns:p="http://schemas.openxmlformats.org/presentationml/2006/main">
+  <p:cSld>
+    <p:spTree>
+      <p:nvGrpSpPr>
+        <p:cNvPr id="1" name=""/>
+        <p:cNvGrpSpPr/>
+        <p:nvPr/>
+      </p:nvGrpSpPr>
+      <p:grpSpPr>
+        <a:xfrm>
+          <a:off x="0" y="0"/>
+          <a:ext cx="0" cy="0"/>
+          <a:chOff x="0" y="0"/>
+          <a:chExt cx="0" cy="0"/>
+        </a:xfrm>
+      </p:grpSpPr>
+      <p:sp>
+        <p:nvSpPr>
+          <p:cNvPr id="2" name="Title 1">
+            <a:extLst>
+              <a:ext uri="{FF2B5EF4-FFF2-40B4-BE49-F238E27FC236}">
+                <a16:creationId xmlns:a16="http://schemas.microsoft.com/office/drawing/2014/main" id="{C7E0A70A-A506-742E-79FF-CCC404CE65C7}"/>
+              </a:ext>
+            </a:extLst>
+          </p:cNvPr>
+          <p:cNvSpPr>
+            <a:spLocks noGrp="1"/>
+          </p:cNvSpPr>
+          <p:nvPr>
+            <p:ph type="title"/>
+          </p:nvPr>
+        </p:nvSpPr>
+        <p:spPr/>
+        <p:txBody>
+          <a:bodyPr/>
+          <a:lstStyle/>
+          <a:p>
+            <a:r>
+              <a:rPr lang="en-US" dirty="0"/>
+              <a:t>STUDY AIM</a:t>
+            </a:r>
+            <a:endParaRPr lang="en-GB" dirty="0"/>
+          </a:p>
+        </p:txBody>
+      </p:sp>
+      <p:sp>
+        <p:nvSpPr>
+          <p:cNvPr id="3" name="Content Placeholder 2">
+            <a:extLst>
+              <a:ext uri="{FF2B5EF4-FFF2-40B4-BE49-F238E27FC236}">
+                <a16:creationId xmlns:a16="http://schemas.microsoft.com/office/drawing/2014/main" id="{DAE9E2D5-3E7C-12B5-F2B4-4D153305E279}"/>
+              </a:ext>
+            </a:extLst>
+          </p:cNvPr>
+          <p:cNvSpPr>
+            <a:spLocks noGrp="1"/>
+          </p:cNvSpPr>
+          <p:nvPr>
+            <p:ph idx="1"/>
+          </p:nvPr>
+        </p:nvSpPr>
+        <p:spPr/>
+        <p:txBody>
+          <a:bodyPr/>
+          <a:lstStyle/>
+          <a:p>
+            <a:r>
+              <a:rPr lang="en-US" dirty="0">
+                <a:solidFill>
+                  <a:schemeClr val="tx1"/>
+                </a:solidFill>
+              </a:rPr>
+              <a:t>Investigate if there is a relationship between student attendance (with specific focus to live lectures) and their grade.</a:t>
+            </a:r>
+          </a:p>
+          <a:p>
+            <a:pPr lvl="1"/>
+            <a:r>
+              <a:rPr lang="en-US" dirty="0">
+                <a:solidFill>
+                  <a:schemeClr val="tx1"/>
+                </a:solidFill>
+              </a:rPr>
+              <a:t>This study is based on the basis that recorded versions of the lectures are available for students to view.</a:t>
+            </a:r>
+          </a:p>
+          <a:p>
+            <a:pPr lvl="1"/>
+            <a:r>
+              <a:rPr lang="en-US" dirty="0">
+                <a:solidFill>
+                  <a:schemeClr val="tx1"/>
+                </a:solidFill>
+              </a:rPr>
+              <a:t>Students can view the same material if they cannot or decide not to attend a lecture session.</a:t>
+            </a:r>
+          </a:p>
+          <a:p>
+            <a:pPr lvl="1"/>
+            <a:endParaRPr lang="en-US" dirty="0">
+              <a:solidFill>
+                <a:schemeClr val="tx1"/>
+              </a:solidFill>
+            </a:endParaRPr>
+          </a:p>
+          <a:p>
+            <a:r>
+              <a:rPr lang="en-US" dirty="0">
+                <a:solidFill>
+                  <a:schemeClr val="tx1"/>
+                </a:solidFill>
+              </a:rPr>
+              <a:t>Additional aim of the investigation is to determine if providing pre-recorded lectures is a suitable substitute to live lectures.</a:t>
+            </a:r>
+          </a:p>
+          <a:p>
+            <a:pPr lvl="1"/>
+            <a:r>
+              <a:rPr lang="en-US" dirty="0">
+                <a:solidFill>
+                  <a:schemeClr val="tx1"/>
+                </a:solidFill>
+              </a:rPr>
+              <a:t>This could mean teaching staff can focus on preparing the material ahead of term, freeing up their in-term teaching to respond to student queries, host more practical sessions, or live workshops for students.</a:t>
+            </a:r>
+            <a:endParaRPr lang="en-GB" dirty="0">
+              <a:solidFill>
+                <a:schemeClr val="tx1"/>
+              </a:solidFill>
+            </a:endParaRPr>
+          </a:p>
+        </p:txBody>
+      </p:sp>
+    </p:spTree>
+    <p:extLst>
+      <p:ext uri="{BB962C8B-B14F-4D97-AF65-F5344CB8AC3E}">
+        <p14:creationId xmlns:p14="http://schemas.microsoft.com/office/powerpoint/2010/main" val="3260005894"/>
+      </p:ext>
+    </p:extLst>
+  </p:cSld>
+  <p:clrMapOvr>
+    <a:masterClrMapping/>
+  </p:clrMapOvr>
+</p:sld>
+</file>
+
+<file path=ppt/slides/slide20.xml><?xml version="1.0" encoding="utf-8"?>
 <p:sld xmlns:a="http://schemas.openxmlformats.org/drawingml/2006/main" xmlns:r="http://schemas.openxmlformats.org/officeDocument/2006/relationships" xmlns:p="http://schemas.openxmlformats.org/presentationml/2006/main">
   <p:cSld>
     <p:spTree>
@@ -12883,6 +13172,16 @@
               <a:t>Less students attending lectures than previous year</a:t>
             </a:r>
           </a:p>
+          <a:p>
+            <a:r>
+              <a:rPr lang="en-US" dirty="0">
+                <a:solidFill>
+                  <a:schemeClr val="tx1"/>
+                </a:solidFill>
+              </a:rPr>
+              <a:t>Greater spread for 2021-2022</a:t>
+            </a:r>
+          </a:p>
         </p:txBody>
       </p:sp>
     </p:spTree>
@@ -12898,154 +13197,7 @@
 </p:sld>
 </file>
 
-<file path=ppt/slides/slide2.xml><?xml version="1.0" encoding="utf-8"?>
-<p:sld xmlns:a="http://schemas.openxmlformats.org/drawingml/2006/main" xmlns:r="http://schemas.openxmlformats.org/officeDocument/2006/relationships" xmlns:p="http://schemas.openxmlformats.org/presentationml/2006/main">
-  <p:cSld>
-    <p:spTree>
-      <p:nvGrpSpPr>
-        <p:cNvPr id="1" name=""/>
-        <p:cNvGrpSpPr/>
-        <p:nvPr/>
-      </p:nvGrpSpPr>
-      <p:grpSpPr>
-        <a:xfrm>
-          <a:off x="0" y="0"/>
-          <a:ext cx="0" cy="0"/>
-          <a:chOff x="0" y="0"/>
-          <a:chExt cx="0" cy="0"/>
-        </a:xfrm>
-      </p:grpSpPr>
-      <p:sp>
-        <p:nvSpPr>
-          <p:cNvPr id="2" name="Title 1">
-            <a:extLst>
-              <a:ext uri="{FF2B5EF4-FFF2-40B4-BE49-F238E27FC236}">
-                <a16:creationId xmlns:a16="http://schemas.microsoft.com/office/drawing/2014/main" id="{C7E0A70A-A506-742E-79FF-CCC404CE65C7}"/>
-              </a:ext>
-            </a:extLst>
-          </p:cNvPr>
-          <p:cNvSpPr>
-            <a:spLocks noGrp="1"/>
-          </p:cNvSpPr>
-          <p:nvPr>
-            <p:ph type="title"/>
-          </p:nvPr>
-        </p:nvSpPr>
-        <p:spPr/>
-        <p:txBody>
-          <a:bodyPr/>
-          <a:lstStyle/>
-          <a:p>
-            <a:r>
-              <a:rPr lang="en-US" dirty="0"/>
-              <a:t>STUDY AIM</a:t>
-            </a:r>
-            <a:endParaRPr lang="en-GB" dirty="0"/>
-          </a:p>
-        </p:txBody>
-      </p:sp>
-      <p:sp>
-        <p:nvSpPr>
-          <p:cNvPr id="3" name="Content Placeholder 2">
-            <a:extLst>
-              <a:ext uri="{FF2B5EF4-FFF2-40B4-BE49-F238E27FC236}">
-                <a16:creationId xmlns:a16="http://schemas.microsoft.com/office/drawing/2014/main" id="{DAE9E2D5-3E7C-12B5-F2B4-4D153305E279}"/>
-              </a:ext>
-            </a:extLst>
-          </p:cNvPr>
-          <p:cNvSpPr>
-            <a:spLocks noGrp="1"/>
-          </p:cNvSpPr>
-          <p:nvPr>
-            <p:ph idx="1"/>
-          </p:nvPr>
-        </p:nvSpPr>
-        <p:spPr/>
-        <p:txBody>
-          <a:bodyPr/>
-          <a:lstStyle/>
-          <a:p>
-            <a:r>
-              <a:rPr lang="en-US" dirty="0">
-                <a:solidFill>
-                  <a:schemeClr val="tx1"/>
-                </a:solidFill>
-              </a:rPr>
-              <a:t>Investigate if there is a relationship between student attendance to live lectures and their grade.</a:t>
-            </a:r>
-          </a:p>
-          <a:p>
-            <a:pPr lvl="1"/>
-            <a:r>
-              <a:rPr lang="en-US" dirty="0">
-                <a:solidFill>
-                  <a:schemeClr val="tx1"/>
-                </a:solidFill>
-              </a:rPr>
-              <a:t>This study is based on the basis that recorded versions of the lectures are available for students to view.</a:t>
-            </a:r>
-          </a:p>
-          <a:p>
-            <a:pPr lvl="1"/>
-            <a:r>
-              <a:rPr lang="en-US" dirty="0">
-                <a:solidFill>
-                  <a:schemeClr val="tx1"/>
-                </a:solidFill>
-              </a:rPr>
-              <a:t>Students can view the same material if they cannot or decide not to attend a lecture session.</a:t>
-            </a:r>
-          </a:p>
-          <a:p>
-            <a:pPr lvl="1"/>
-            <a:endParaRPr lang="en-US" dirty="0">
-              <a:solidFill>
-                <a:schemeClr val="tx1"/>
-              </a:solidFill>
-            </a:endParaRPr>
-          </a:p>
-          <a:p>
-            <a:r>
-              <a:rPr lang="en-US" dirty="0">
-                <a:solidFill>
-                  <a:schemeClr val="tx1"/>
-                </a:solidFill>
-              </a:rPr>
-              <a:t>Additional aim of the investigation is to determine if providing pre-recorded lectures is a suitable substitute to live lectures.</a:t>
-            </a:r>
-          </a:p>
-          <a:p>
-            <a:pPr lvl="1"/>
-            <a:r>
-              <a:rPr lang="en-US" dirty="0">
-                <a:solidFill>
-                  <a:schemeClr val="tx1"/>
-                </a:solidFill>
-              </a:rPr>
-              <a:t>This could mean teaching staff can focus on preparing the material ahead of term, freeing up their in-term teaching to respond to student queries, host more practical sessions, or live workshops for students.</a:t>
-            </a:r>
-            <a:endParaRPr lang="en-GB" dirty="0">
-              <a:solidFill>
-                <a:schemeClr val="tx1"/>
-              </a:solidFill>
-            </a:endParaRPr>
-          </a:p>
-        </p:txBody>
-      </p:sp>
-    </p:spTree>
-    <p:extLst>
-      <p:ext uri="{BB962C8B-B14F-4D97-AF65-F5344CB8AC3E}">
-        <p14:creationId xmlns:p14="http://schemas.microsoft.com/office/powerpoint/2010/main" val="3260005894"/>
-      </p:ext>
-    </p:extLst>
-  </p:cSld>
-  <p:clrMapOvr>
-    <a:masterClrMapping/>
-  </p:clrMapOvr>
-</p:sld>
-</file>
-
-<file path=ppt/slides/slide20.xml><?xml version="1.0" encoding="utf-8"?>
+<file path=ppt/slides/slide21.xml><?xml version="1.0" encoding="utf-8"?>
 <p:sld xmlns:a="http://schemas.openxmlformats.org/drawingml/2006/main" xmlns:r="http://schemas.openxmlformats.org/officeDocument/2006/relationships" xmlns:p="http://schemas.openxmlformats.org/presentationml/2006/main">
   <p:cSld>
     <p:spTree>
@@ -13219,7 +13371,7 @@
 </p:sld>
 </file>
 
-<file path=ppt/slides/slide21.xml><?xml version="1.0" encoding="utf-8"?>
+<file path=ppt/slides/slide22.xml><?xml version="1.0" encoding="utf-8"?>
 <p:sld xmlns:a="http://schemas.openxmlformats.org/drawingml/2006/main" xmlns:r="http://schemas.openxmlformats.org/officeDocument/2006/relationships" xmlns:p="http://schemas.openxmlformats.org/presentationml/2006/main">
   <p:cSld>
     <p:spTree>
@@ -13259,7 +13411,7 @@
           <a:p>
             <a:r>
               <a:rPr lang="en-US" dirty="0"/>
-              <a:t>Summary</a:t>
+              <a:t>Discussion</a:t>
             </a:r>
           </a:p>
         </p:txBody>
@@ -13296,7 +13448,7 @@
                   <a:schemeClr val="tx1"/>
                 </a:solidFill>
               </a:rPr>
-              <a:t>Grade average has reduced since last session.</a:t>
+              <a:t>Grade average has reduced since last session, with 2021-2022 having a much higher average.</a:t>
             </a:r>
           </a:p>
           <a:p>
@@ -13306,7 +13458,7 @@
                   <a:schemeClr val="tx1"/>
                 </a:solidFill>
               </a:rPr>
-              <a:t>Compared to last year, attendance has also fallen. Average and median in all categories has gone down.</a:t>
+              <a:t>Compared to last year, attendance seems to have fallen. Average and median in all categories has gone down.</a:t>
             </a:r>
           </a:p>
           <a:p>
@@ -13316,7 +13468,7 @@
                   <a:schemeClr val="tx1"/>
                 </a:solidFill>
               </a:rPr>
-              <a:t>Some relationship between the reduced attendance and the lowering of grade.</a:t>
+              <a:t>Attendance and grade decrease seems to point towards attendance to the live lectures was a good indicator of achievement for students. Similarly, practical attendance has </a:t>
             </a:r>
           </a:p>
         </p:txBody>
@@ -14274,7 +14426,7 @@
 </p:sld>
 </file>
 
-<file path=ppt/slides/slide22.xml><?xml version="1.0" encoding="utf-8"?>
+<file path=ppt/slides/slide23.xml><?xml version="1.0" encoding="utf-8"?>
 <p:sld xmlns:a="http://schemas.openxmlformats.org/drawingml/2006/main" xmlns:r="http://schemas.openxmlformats.org/officeDocument/2006/relationships" xmlns:p="http://schemas.openxmlformats.org/presentationml/2006/main">
   <p:cSld>
     <p:spTree>
@@ -14423,7 +14575,7 @@
 </p:sld>
 </file>
 
-<file path=ppt/slides/slide23.xml><?xml version="1.0" encoding="utf-8"?>
+<file path=ppt/slides/slide24.xml><?xml version="1.0" encoding="utf-8"?>
 <p:sld xmlns:a="http://schemas.openxmlformats.org/drawingml/2006/main" xmlns:r="http://schemas.openxmlformats.org/officeDocument/2006/relationships" xmlns:p="http://schemas.openxmlformats.org/presentationml/2006/main">
   <p:cSld>
     <p:spTree>
@@ -15294,7 +15446,7 @@
 </p:sld>
 </file>
 
-<file path=ppt/slides/slide24.xml><?xml version="1.0" encoding="utf-8"?>
+<file path=ppt/slides/slide25.xml><?xml version="1.0" encoding="utf-8"?>
 <p:sld xmlns:a="http://schemas.openxmlformats.org/drawingml/2006/main" xmlns:r="http://schemas.openxmlformats.org/officeDocument/2006/relationships" xmlns:p="http://schemas.openxmlformats.org/presentationml/2006/main">
   <p:cSld>
     <p:spTree>
@@ -15386,33 +15538,6 @@
               </a:rPr>
               <a:t>Better for monotonic relationship identification</a:t>
             </a:r>
-          </a:p>
-          <a:p>
-            <a:r>
-              <a:rPr lang="en-US" dirty="0">
-                <a:solidFill>
-                  <a:schemeClr val="tx1"/>
-                </a:solidFill>
-              </a:rPr>
-              <a:t>Higher correlation value suggests relationship is more linear than monotonic (2022-2023), though difference is very small, especially for lecture attendance.</a:t>
-            </a:r>
-          </a:p>
-          <a:p>
-            <a:r>
-              <a:rPr lang="en-US" dirty="0">
-                <a:solidFill>
-                  <a:schemeClr val="tx1"/>
-                </a:solidFill>
-              </a:rPr>
-              <a:t>2021-2022 data suggests otherwise, but difference is still very slight and correlation value is very close to zero in all four cases baring Practical attendance.</a:t>
-            </a:r>
-          </a:p>
-          <a:p>
-            <a:endParaRPr lang="en-US" dirty="0">
-              <a:solidFill>
-                <a:schemeClr val="tx1"/>
-              </a:solidFill>
-            </a:endParaRPr>
           </a:p>
         </p:txBody>
       </p:sp>
@@ -16146,157 +16271,6 @@
 </p:sld>
 </file>
 
-<file path=ppt/slides/slide25.xml><?xml version="1.0" encoding="utf-8"?>
-<p:sld xmlns:a="http://schemas.openxmlformats.org/drawingml/2006/main" xmlns:r="http://schemas.openxmlformats.org/officeDocument/2006/relationships" xmlns:p="http://schemas.openxmlformats.org/presentationml/2006/main">
-  <p:cSld>
-    <p:spTree>
-      <p:nvGrpSpPr>
-        <p:cNvPr id="1" name=""/>
-        <p:cNvGrpSpPr/>
-        <p:nvPr/>
-      </p:nvGrpSpPr>
-      <p:grpSpPr>
-        <a:xfrm>
-          <a:off x="0" y="0"/>
-          <a:ext cx="0" cy="0"/>
-          <a:chOff x="0" y="0"/>
-          <a:chExt cx="0" cy="0"/>
-        </a:xfrm>
-      </p:grpSpPr>
-      <p:sp>
-        <p:nvSpPr>
-          <p:cNvPr id="2" name="Title 1">
-            <a:extLst>
-              <a:ext uri="{FF2B5EF4-FFF2-40B4-BE49-F238E27FC236}">
-                <a16:creationId xmlns:a16="http://schemas.microsoft.com/office/drawing/2014/main" id="{BD4CA9CC-5ADC-001A-4D31-8EC14B8E37D4}"/>
-              </a:ext>
-            </a:extLst>
-          </p:cNvPr>
-          <p:cNvSpPr>
-            <a:spLocks noGrp="1"/>
-          </p:cNvSpPr>
-          <p:nvPr>
-            <p:ph type="title"/>
-          </p:nvPr>
-        </p:nvSpPr>
-        <p:spPr/>
-        <p:txBody>
-          <a:bodyPr/>
-          <a:lstStyle/>
-          <a:p>
-            <a:r>
-              <a:rPr lang="en-US" dirty="0"/>
-              <a:t>Regression Explanation</a:t>
-            </a:r>
-            <a:endParaRPr lang="en-GB" dirty="0"/>
-          </a:p>
-        </p:txBody>
-      </p:sp>
-      <p:sp>
-        <p:nvSpPr>
-          <p:cNvPr id="3" name="Content Placeholder 2">
-            <a:extLst>
-              <a:ext uri="{FF2B5EF4-FFF2-40B4-BE49-F238E27FC236}">
-                <a16:creationId xmlns:a16="http://schemas.microsoft.com/office/drawing/2014/main" id="{121196E6-3603-F66B-72E8-8E7E5F53AC6C}"/>
-              </a:ext>
-            </a:extLst>
-          </p:cNvPr>
-          <p:cNvSpPr>
-            <a:spLocks noGrp="1"/>
-          </p:cNvSpPr>
-          <p:nvPr>
-            <p:ph idx="1"/>
-          </p:nvPr>
-        </p:nvSpPr>
-        <p:spPr>
-          <a:xfrm>
-            <a:off x="581192" y="2180496"/>
-            <a:ext cx="11029615" cy="4455196"/>
-          </a:xfrm>
-        </p:spPr>
-        <p:txBody>
-          <a:bodyPr>
-            <a:normAutofit/>
-          </a:bodyPr>
-          <a:lstStyle/>
-          <a:p>
-            <a:r>
-              <a:rPr lang="en-US" dirty="0">
-                <a:solidFill>
-                  <a:schemeClr val="tx1"/>
-                </a:solidFill>
-              </a:rPr>
-              <a:t>All four metrics were run against the three following methods of regression:</a:t>
-            </a:r>
-          </a:p>
-          <a:p>
-            <a:pPr marL="666900" lvl="1" indent="-342900">
-              <a:buFont typeface="+mj-lt"/>
-              <a:buAutoNum type="arabicPeriod"/>
-            </a:pPr>
-            <a:r>
-              <a:rPr lang="en-US" sz="1800" dirty="0">
-                <a:solidFill>
-                  <a:schemeClr val="tx1"/>
-                </a:solidFill>
-              </a:rPr>
-              <a:t>Linear Regression</a:t>
-            </a:r>
-          </a:p>
-          <a:p>
-            <a:pPr marL="936900" lvl="2" indent="-342900"/>
-            <a:r>
-              <a:rPr lang="en-US" sz="1600" dirty="0">
-                <a:solidFill>
-                  <a:schemeClr val="tx1"/>
-                </a:solidFill>
-              </a:rPr>
-              <a:t>Straightforward method of determining a linear relationship between the two vectors of data.</a:t>
-            </a:r>
-          </a:p>
-          <a:p>
-            <a:pPr marL="666900" lvl="1" indent="-342900">
-              <a:buFont typeface="+mj-lt"/>
-              <a:buAutoNum type="arabicPeriod"/>
-            </a:pPr>
-            <a:r>
-              <a:rPr lang="en-US" dirty="0">
-                <a:solidFill>
-                  <a:schemeClr val="tx1"/>
-                </a:solidFill>
-              </a:rPr>
-              <a:t>Theil-Sen Regression</a:t>
-            </a:r>
-          </a:p>
-          <a:p>
-            <a:pPr marL="666900" lvl="1" indent="-342900">
-              <a:buFont typeface="+mj-lt"/>
-              <a:buAutoNum type="arabicPeriod"/>
-            </a:pPr>
-            <a:r>
-              <a:rPr lang="en-US" dirty="0">
-                <a:solidFill>
-                  <a:schemeClr val="tx1"/>
-                </a:solidFill>
-              </a:rPr>
-              <a:t>Quadradic Regression</a:t>
-            </a:r>
-          </a:p>
-        </p:txBody>
-      </p:sp>
-    </p:spTree>
-    <p:extLst>
-      <p:ext uri="{BB962C8B-B14F-4D97-AF65-F5344CB8AC3E}">
-        <p14:creationId xmlns:p14="http://schemas.microsoft.com/office/powerpoint/2010/main" val="1444172677"/>
-      </p:ext>
-    </p:extLst>
-  </p:cSld>
-  <p:clrMapOvr>
-    <a:masterClrMapping/>
-  </p:clrMapOvr>
-</p:sld>
-</file>
-
 <file path=ppt/slides/slide26.xml><?xml version="1.0" encoding="utf-8"?>
 <p:sld xmlns:a="http://schemas.openxmlformats.org/drawingml/2006/main" xmlns:r="http://schemas.openxmlformats.org/officeDocument/2006/relationships" xmlns:p="http://schemas.openxmlformats.org/presentationml/2006/main">
   <p:cSld>
@@ -16337,7 +16311,3180 @@
           <a:p>
             <a:r>
               <a:rPr lang="en-US" dirty="0"/>
-              <a:t>LINEAR REGRESSION MODEL - ATTENDANCE</a:t>
+              <a:t>Correlation &amp; Covariance TABLE</a:t>
+            </a:r>
+          </a:p>
+        </p:txBody>
+      </p:sp>
+      <p:sp>
+        <p:nvSpPr>
+          <p:cNvPr id="4" name="Content Placeholder 3">
+            <a:extLst>
+              <a:ext uri="{FF2B5EF4-FFF2-40B4-BE49-F238E27FC236}">
+                <a16:creationId xmlns:a16="http://schemas.microsoft.com/office/drawing/2014/main" id="{15465504-73D4-37DA-85FF-7C8DD5BC71AF}"/>
+              </a:ext>
+            </a:extLst>
+          </p:cNvPr>
+          <p:cNvSpPr>
+            <a:spLocks noGrp="1"/>
+          </p:cNvSpPr>
+          <p:nvPr>
+            <p:ph sz="half" idx="1"/>
+          </p:nvPr>
+        </p:nvSpPr>
+        <p:spPr>
+          <a:xfrm>
+            <a:off x="581193" y="2228003"/>
+            <a:ext cx="5089765" cy="4164408"/>
+          </a:xfrm>
+        </p:spPr>
+        <p:txBody>
+          <a:bodyPr>
+            <a:normAutofit/>
+          </a:bodyPr>
+          <a:lstStyle/>
+          <a:p>
+            <a:r>
+              <a:rPr lang="en-US" dirty="0">
+                <a:solidFill>
+                  <a:schemeClr val="tx1"/>
+                </a:solidFill>
+              </a:rPr>
+              <a:t>Use of Spearman’s Correlation</a:t>
+            </a:r>
+          </a:p>
+          <a:p>
+            <a:pPr lvl="1"/>
+            <a:r>
+              <a:rPr lang="en-US" dirty="0">
+                <a:solidFill>
+                  <a:schemeClr val="tx1"/>
+                </a:solidFill>
+              </a:rPr>
+              <a:t>Better for monotonic relationship identification</a:t>
+            </a:r>
+          </a:p>
+          <a:p>
+            <a:r>
+              <a:rPr lang="en-US" dirty="0">
+                <a:solidFill>
+                  <a:schemeClr val="tx1"/>
+                </a:solidFill>
+              </a:rPr>
+              <a:t>Lower correlation value suggests relationship is more linear than monotonic (2022-2023), though difference is very small, especially for lecture attendance.</a:t>
+            </a:r>
+          </a:p>
+          <a:p>
+            <a:r>
+              <a:rPr lang="en-US" dirty="0">
+                <a:solidFill>
+                  <a:schemeClr val="tx1"/>
+                </a:solidFill>
+              </a:rPr>
+              <a:t>2021-2022 data suggests otherwise, but difference is still very slight and correlation value is very close to zero in all four cases baring Practical attendance.</a:t>
+            </a:r>
+          </a:p>
+          <a:p>
+            <a:endParaRPr lang="en-US" dirty="0">
+              <a:solidFill>
+                <a:schemeClr val="tx1"/>
+              </a:solidFill>
+            </a:endParaRPr>
+          </a:p>
+        </p:txBody>
+      </p:sp>
+      <p:graphicFrame>
+        <p:nvGraphicFramePr>
+          <p:cNvPr id="6" name="Table 6">
+            <a:extLst>
+              <a:ext uri="{FF2B5EF4-FFF2-40B4-BE49-F238E27FC236}">
+                <a16:creationId xmlns:a16="http://schemas.microsoft.com/office/drawing/2014/main" id="{B8453F27-AEE6-A89E-BF2C-3CD4ADD328F2}"/>
+              </a:ext>
+            </a:extLst>
+          </p:cNvPr>
+          <p:cNvGraphicFramePr>
+            <a:graphicFrameLocks noGrp="1"/>
+          </p:cNvGraphicFramePr>
+          <p:nvPr>
+            <p:ph sz="half" idx="2"/>
+            <p:extLst>
+              <p:ext uri="{D42A27DB-BD31-4B8C-83A1-F6EECF244321}">
+                <p14:modId xmlns:p14="http://schemas.microsoft.com/office/powerpoint/2010/main" val="1722746934"/>
+              </p:ext>
+            </p:extLst>
+          </p:nvPr>
+        </p:nvGraphicFramePr>
+        <p:xfrm>
+          <a:off x="5771627" y="2432806"/>
+          <a:ext cx="5839182" cy="3772950"/>
+        </p:xfrm>
+        <a:graphic>
+          <a:graphicData uri="http://schemas.openxmlformats.org/drawingml/2006/table">
+            <a:tbl>
+              <a:tblPr firstRow="1" bandRow="1">
+                <a:tableStyleId>{5C22544A-7EE6-4342-B048-85BDC9FD1C3A}</a:tableStyleId>
+              </a:tblPr>
+              <a:tblGrid>
+                <a:gridCol w="648798">
+                  <a:extLst>
+                    <a:ext uri="{9D8B030D-6E8A-4147-A177-3AD203B41FA5}">
+                      <a16:colId xmlns:a16="http://schemas.microsoft.com/office/drawing/2014/main" val="3175777426"/>
+                    </a:ext>
+                  </a:extLst>
+                </a:gridCol>
+                <a:gridCol w="648798">
+                  <a:extLst>
+                    <a:ext uri="{9D8B030D-6E8A-4147-A177-3AD203B41FA5}">
+                      <a16:colId xmlns:a16="http://schemas.microsoft.com/office/drawing/2014/main" val="3063281743"/>
+                    </a:ext>
+                  </a:extLst>
+                </a:gridCol>
+                <a:gridCol w="648798">
+                  <a:extLst>
+                    <a:ext uri="{9D8B030D-6E8A-4147-A177-3AD203B41FA5}">
+                      <a16:colId xmlns:a16="http://schemas.microsoft.com/office/drawing/2014/main" val="1912613166"/>
+                    </a:ext>
+                  </a:extLst>
+                </a:gridCol>
+                <a:gridCol w="648798">
+                  <a:extLst>
+                    <a:ext uri="{9D8B030D-6E8A-4147-A177-3AD203B41FA5}">
+                      <a16:colId xmlns:a16="http://schemas.microsoft.com/office/drawing/2014/main" val="627985694"/>
+                    </a:ext>
+                  </a:extLst>
+                </a:gridCol>
+                <a:gridCol w="648798">
+                  <a:extLst>
+                    <a:ext uri="{9D8B030D-6E8A-4147-A177-3AD203B41FA5}">
+                      <a16:colId xmlns:a16="http://schemas.microsoft.com/office/drawing/2014/main" val="2633129296"/>
+                    </a:ext>
+                  </a:extLst>
+                </a:gridCol>
+                <a:gridCol w="648798">
+                  <a:extLst>
+                    <a:ext uri="{9D8B030D-6E8A-4147-A177-3AD203B41FA5}">
+                      <a16:colId xmlns:a16="http://schemas.microsoft.com/office/drawing/2014/main" val="3459378517"/>
+                    </a:ext>
+                  </a:extLst>
+                </a:gridCol>
+                <a:gridCol w="648798">
+                  <a:extLst>
+                    <a:ext uri="{9D8B030D-6E8A-4147-A177-3AD203B41FA5}">
+                      <a16:colId xmlns:a16="http://schemas.microsoft.com/office/drawing/2014/main" val="4245219144"/>
+                    </a:ext>
+                  </a:extLst>
+                </a:gridCol>
+                <a:gridCol w="648798">
+                  <a:extLst>
+                    <a:ext uri="{9D8B030D-6E8A-4147-A177-3AD203B41FA5}">
+                      <a16:colId xmlns:a16="http://schemas.microsoft.com/office/drawing/2014/main" val="1553150276"/>
+                    </a:ext>
+                  </a:extLst>
+                </a:gridCol>
+                <a:gridCol w="648798">
+                  <a:extLst>
+                    <a:ext uri="{9D8B030D-6E8A-4147-A177-3AD203B41FA5}">
+                      <a16:colId xmlns:a16="http://schemas.microsoft.com/office/drawing/2014/main" val="3076180246"/>
+                    </a:ext>
+                  </a:extLst>
+                </a:gridCol>
+              </a:tblGrid>
+              <a:tr h="1411450">
+                <a:tc>
+                  <a:txBody>
+                    <a:bodyPr/>
+                    <a:lstStyle/>
+                    <a:p>
+                      <a:r>
+                        <a:rPr lang="en-US" sz="900" b="0" dirty="0"/>
+                        <a:t>Year</a:t>
+                      </a:r>
+                      <a:endParaRPr lang="en-GB" sz="900" b="0" dirty="0"/>
+                    </a:p>
+                  </a:txBody>
+                  <a:tcPr/>
+                </a:tc>
+                <a:tc>
+                  <a:txBody>
+                    <a:bodyPr/>
+                    <a:lstStyle/>
+                    <a:p>
+                      <a:r>
+                        <a:rPr lang="en-US" sz="900" b="0" dirty="0"/>
+                        <a:t>Grade ~ Attendance</a:t>
+                      </a:r>
+                    </a:p>
+                    <a:p>
+                      <a:r>
+                        <a:rPr lang="en-US" sz="900" b="0" dirty="0"/>
+                        <a:t>Correlation</a:t>
+                      </a:r>
+                      <a:endParaRPr lang="en-GB" sz="900" b="0" dirty="0"/>
+                    </a:p>
+                  </a:txBody>
+                  <a:tcPr vert="vert"/>
+                </a:tc>
+                <a:tc>
+                  <a:txBody>
+                    <a:bodyPr/>
+                    <a:lstStyle/>
+                    <a:p>
+                      <a:r>
+                        <a:rPr lang="en-US" sz="900" b="0" dirty="0"/>
+                        <a:t>Grade ~ Attendance Covariance</a:t>
+                      </a:r>
+                      <a:endParaRPr lang="en-GB" sz="900" b="0" dirty="0"/>
+                    </a:p>
+                  </a:txBody>
+                  <a:tcPr vert="vert"/>
+                </a:tc>
+                <a:tc>
+                  <a:txBody>
+                    <a:bodyPr/>
+                    <a:lstStyle/>
+                    <a:p>
+                      <a:pPr marL="0" marR="0" lvl="0" indent="0" algn="l" defTabSz="457200" rtl="0" eaLnBrk="1" fontAlgn="auto" latinLnBrk="0" hangingPunct="1">
+                        <a:lnSpc>
+                          <a:spcPct val="100000"/>
+                        </a:lnSpc>
+                        <a:spcBef>
+                          <a:spcPts val="0"/>
+                        </a:spcBef>
+                        <a:spcAft>
+                          <a:spcPts val="0"/>
+                        </a:spcAft>
+                        <a:buClrTx/>
+                        <a:buSzTx/>
+                        <a:buFontTx/>
+                        <a:buNone/>
+                        <a:tabLst/>
+                        <a:defRPr/>
+                      </a:pPr>
+                      <a:r>
+                        <a:rPr lang="en-US" sz="900" b="0" dirty="0"/>
+                        <a:t>Grade ~ E. Attendance Correlation</a:t>
+                      </a:r>
+                      <a:endParaRPr lang="en-GB" sz="900" b="0" dirty="0"/>
+                    </a:p>
+                    <a:p>
+                      <a:endParaRPr lang="en-GB" sz="900" b="0" dirty="0"/>
+                    </a:p>
+                  </a:txBody>
+                  <a:tcPr vert="vert"/>
+                </a:tc>
+                <a:tc>
+                  <a:txBody>
+                    <a:bodyPr/>
+                    <a:lstStyle/>
+                    <a:p>
+                      <a:r>
+                        <a:rPr lang="en-US" sz="900" b="0" dirty="0"/>
+                        <a:t>Grade ~ E. Attendance Covariance</a:t>
+                      </a:r>
+                      <a:endParaRPr lang="en-GB" sz="900" b="0" dirty="0"/>
+                    </a:p>
+                  </a:txBody>
+                  <a:tcPr vert="vert"/>
+                </a:tc>
+                <a:tc>
+                  <a:txBody>
+                    <a:bodyPr/>
+                    <a:lstStyle/>
+                    <a:p>
+                      <a:pPr marL="0" marR="0" lvl="0" indent="0" algn="l" defTabSz="457200" rtl="0" eaLnBrk="1" fontAlgn="auto" latinLnBrk="0" hangingPunct="1">
+                        <a:lnSpc>
+                          <a:spcPct val="100000"/>
+                        </a:lnSpc>
+                        <a:spcBef>
+                          <a:spcPts val="0"/>
+                        </a:spcBef>
+                        <a:spcAft>
+                          <a:spcPts val="0"/>
+                        </a:spcAft>
+                        <a:buClrTx/>
+                        <a:buSzTx/>
+                        <a:buFontTx/>
+                        <a:buNone/>
+                        <a:tabLst/>
+                        <a:defRPr/>
+                      </a:pPr>
+                      <a:r>
+                        <a:rPr lang="en-US" sz="900" b="0" dirty="0"/>
+                        <a:t>Grade ~ Lecture Attendance Correlation</a:t>
+                      </a:r>
+                      <a:endParaRPr lang="en-GB" sz="900" b="0" dirty="0"/>
+                    </a:p>
+                  </a:txBody>
+                  <a:tcPr vert="vert"/>
+                </a:tc>
+                <a:tc>
+                  <a:txBody>
+                    <a:bodyPr/>
+                    <a:lstStyle/>
+                    <a:p>
+                      <a:r>
+                        <a:rPr lang="en-US" sz="1000" b="0" dirty="0"/>
+                        <a:t>Grade ~ Lecture Attendance Covariance</a:t>
+                      </a:r>
+                      <a:endParaRPr lang="en-GB" sz="1000" b="0" dirty="0"/>
+                    </a:p>
+                    <a:p>
+                      <a:endParaRPr lang="en-GB" sz="1000" b="0" dirty="0"/>
+                    </a:p>
+                  </a:txBody>
+                  <a:tcPr vert="vert"/>
+                </a:tc>
+                <a:tc>
+                  <a:txBody>
+                    <a:bodyPr/>
+                    <a:lstStyle/>
+                    <a:p>
+                      <a:pPr marL="0" marR="0" lvl="0" indent="0" algn="l" defTabSz="457200" rtl="0" eaLnBrk="1" fontAlgn="auto" latinLnBrk="0" hangingPunct="1">
+                        <a:lnSpc>
+                          <a:spcPct val="100000"/>
+                        </a:lnSpc>
+                        <a:spcBef>
+                          <a:spcPts val="0"/>
+                        </a:spcBef>
+                        <a:spcAft>
+                          <a:spcPts val="0"/>
+                        </a:spcAft>
+                        <a:buClrTx/>
+                        <a:buSzTx/>
+                        <a:buFontTx/>
+                        <a:buNone/>
+                        <a:tabLst/>
+                        <a:defRPr/>
+                      </a:pPr>
+                      <a:r>
+                        <a:rPr lang="en-US" sz="1000" b="0" dirty="0"/>
+                        <a:t>Grade ~ Practical Attendance Correlation</a:t>
+                      </a:r>
+                      <a:endParaRPr lang="en-GB" sz="1000" b="0" dirty="0"/>
+                    </a:p>
+                    <a:p>
+                      <a:endParaRPr lang="en-GB" sz="1000" b="0" dirty="0"/>
+                    </a:p>
+                  </a:txBody>
+                  <a:tcPr vert="vert"/>
+                </a:tc>
+                <a:tc>
+                  <a:txBody>
+                    <a:bodyPr/>
+                    <a:lstStyle/>
+                    <a:p>
+                      <a:r>
+                        <a:rPr lang="en-US" sz="1000" b="0" dirty="0"/>
+                        <a:t>Grade ~ Practical Attendance Covariance</a:t>
+                      </a:r>
+                      <a:endParaRPr lang="en-GB" sz="1000" b="0" dirty="0"/>
+                    </a:p>
+                    <a:p>
+                      <a:endParaRPr lang="en-GB" sz="1000" b="0" dirty="0"/>
+                    </a:p>
+                    <a:p>
+                      <a:endParaRPr lang="en-GB" sz="1000" b="0" dirty="0"/>
+                    </a:p>
+                  </a:txBody>
+                  <a:tcPr vert="vert"/>
+                </a:tc>
+                <a:extLst>
+                  <a:ext uri="{0D108BD9-81ED-4DB2-BD59-A6C34878D82A}">
+                    <a16:rowId xmlns:a16="http://schemas.microsoft.com/office/drawing/2014/main" val="1487557583"/>
+                  </a:ext>
+                </a:extLst>
+              </a:tr>
+              <a:tr h="635465">
+                <a:tc rowSpan="2">
+                  <a:txBody>
+                    <a:bodyPr/>
+                    <a:lstStyle/>
+                    <a:p>
+                      <a:pPr algn="ctr"/>
+                      <a:r>
+                        <a:rPr lang="en-US" sz="1200" b="0" dirty="0"/>
+                        <a:t>2021-2022</a:t>
+                      </a:r>
+                      <a:endParaRPr lang="en-GB" sz="1200" b="0" dirty="0"/>
+                    </a:p>
+                  </a:txBody>
+                  <a:tcPr/>
+                </a:tc>
+                <a:tc>
+                  <a:txBody>
+                    <a:bodyPr/>
+                    <a:lstStyle/>
+                    <a:p>
+                      <a:pPr algn="ctr"/>
+                      <a:r>
+                        <a:rPr lang="en-GB" sz="1200" b="0" i="0" kern="1200" dirty="0">
+                          <a:solidFill>
+                            <a:schemeClr val="dk1"/>
+                          </a:solidFill>
+                          <a:effectLst/>
+                          <a:latin typeface="+mn-lt"/>
+                          <a:ea typeface="+mn-ea"/>
+                          <a:cs typeface="+mn-cs"/>
+                        </a:rPr>
+                        <a:t>-0.057</a:t>
+                      </a:r>
+                      <a:endParaRPr lang="en-GB" sz="1200" b="0" dirty="0"/>
+                    </a:p>
+                  </a:txBody>
+                  <a:tcPr/>
+                </a:tc>
+                <a:tc>
+                  <a:txBody>
+                    <a:bodyPr/>
+                    <a:lstStyle/>
+                    <a:p>
+                      <a:pPr algn="ctr"/>
+                      <a:r>
+                        <a:rPr lang="en-GB" sz="1200" b="0" i="0" kern="1200" dirty="0">
+                          <a:solidFill>
+                            <a:schemeClr val="dk1"/>
+                          </a:solidFill>
+                          <a:effectLst/>
+                          <a:latin typeface="+mn-lt"/>
+                          <a:ea typeface="+mn-ea"/>
+                          <a:cs typeface="+mn-cs"/>
+                        </a:rPr>
+                        <a:t>-23.225</a:t>
+                      </a:r>
+                      <a:endParaRPr lang="en-GB" sz="1200" b="0" dirty="0"/>
+                    </a:p>
+                  </a:txBody>
+                  <a:tcPr>
+                    <a:solidFill>
+                      <a:schemeClr val="tx1">
+                        <a:lumMod val="95000"/>
+                        <a:lumOff val="5000"/>
+                      </a:schemeClr>
+                    </a:solidFill>
+                  </a:tcPr>
+                </a:tc>
+                <a:tc>
+                  <a:txBody>
+                    <a:bodyPr/>
+                    <a:lstStyle/>
+                    <a:p>
+                      <a:pPr algn="ctr"/>
+                      <a:r>
+                        <a:rPr lang="en-GB" sz="1200" b="0" i="0" kern="1200" dirty="0">
+                          <a:solidFill>
+                            <a:schemeClr val="dk1"/>
+                          </a:solidFill>
+                          <a:effectLst/>
+                          <a:latin typeface="+mn-lt"/>
+                          <a:ea typeface="+mn-ea"/>
+                          <a:cs typeface="+mn-cs"/>
+                        </a:rPr>
+                        <a:t>-0.057</a:t>
+                      </a:r>
+                      <a:endParaRPr lang="en-GB" sz="1200" b="0" dirty="0"/>
+                    </a:p>
+                  </a:txBody>
+                  <a:tcPr/>
+                </a:tc>
+                <a:tc>
+                  <a:txBody>
+                    <a:bodyPr/>
+                    <a:lstStyle/>
+                    <a:p>
+                      <a:pPr algn="ctr"/>
+                      <a:r>
+                        <a:rPr lang="en-GB" sz="1200" b="0" i="0" kern="1200" dirty="0">
+                          <a:solidFill>
+                            <a:schemeClr val="dk1"/>
+                          </a:solidFill>
+                          <a:effectLst/>
+                          <a:latin typeface="+mn-lt"/>
+                          <a:ea typeface="+mn-ea"/>
+                          <a:cs typeface="+mn-cs"/>
+                        </a:rPr>
+                        <a:t>-23.225</a:t>
+                      </a:r>
+                      <a:endParaRPr lang="en-GB" sz="1200" b="0" dirty="0"/>
+                    </a:p>
+                  </a:txBody>
+                  <a:tcPr>
+                    <a:solidFill>
+                      <a:schemeClr val="tx1">
+                        <a:lumMod val="95000"/>
+                        <a:lumOff val="5000"/>
+                      </a:schemeClr>
+                    </a:solidFill>
+                  </a:tcPr>
+                </a:tc>
+                <a:tc>
+                  <a:txBody>
+                    <a:bodyPr/>
+                    <a:lstStyle/>
+                    <a:p>
+                      <a:pPr algn="ctr"/>
+                      <a:r>
+                        <a:rPr lang="en-GB" sz="1200" b="0" i="0" kern="1200" dirty="0">
+                          <a:solidFill>
+                            <a:schemeClr val="dk1"/>
+                          </a:solidFill>
+                          <a:effectLst/>
+                          <a:latin typeface="+mn-lt"/>
+                          <a:ea typeface="+mn-ea"/>
+                          <a:cs typeface="+mn-cs"/>
+                        </a:rPr>
+                        <a:t>0.0844</a:t>
+                      </a:r>
+                      <a:endParaRPr lang="en-GB" sz="1200" b="0" dirty="0"/>
+                    </a:p>
+                  </a:txBody>
+                  <a:tcPr/>
+                </a:tc>
+                <a:tc>
+                  <a:txBody>
+                    <a:bodyPr/>
+                    <a:lstStyle/>
+                    <a:p>
+                      <a:pPr algn="ctr"/>
+                      <a:r>
+                        <a:rPr lang="en-GB" sz="1200" b="0" i="0" kern="1200" dirty="0">
+                          <a:solidFill>
+                            <a:schemeClr val="dk1"/>
+                          </a:solidFill>
+                          <a:effectLst/>
+                          <a:latin typeface="+mn-lt"/>
+                          <a:ea typeface="+mn-ea"/>
+                          <a:cs typeface="+mn-cs"/>
+                        </a:rPr>
+                        <a:t>34.047</a:t>
+                      </a:r>
+                      <a:endParaRPr lang="en-GB" sz="1200" b="0" dirty="0"/>
+                    </a:p>
+                  </a:txBody>
+                  <a:tcPr>
+                    <a:solidFill>
+                      <a:schemeClr val="tx1">
+                        <a:lumMod val="95000"/>
+                        <a:lumOff val="5000"/>
+                      </a:schemeClr>
+                    </a:solidFill>
+                  </a:tcPr>
+                </a:tc>
+                <a:tc>
+                  <a:txBody>
+                    <a:bodyPr/>
+                    <a:lstStyle/>
+                    <a:p>
+                      <a:pPr algn="ctr"/>
+                      <a:r>
+                        <a:rPr lang="en-GB" sz="1200" b="0" i="0" kern="1200" dirty="0">
+                          <a:solidFill>
+                            <a:schemeClr val="dk1"/>
+                          </a:solidFill>
+                          <a:effectLst/>
+                          <a:latin typeface="+mn-lt"/>
+                          <a:ea typeface="+mn-ea"/>
+                          <a:cs typeface="+mn-cs"/>
+                        </a:rPr>
+                        <a:t>-0.1798</a:t>
+                      </a:r>
+                      <a:endParaRPr lang="en-GB" sz="1200" b="0" dirty="0"/>
+                    </a:p>
+                  </a:txBody>
+                  <a:tcPr/>
+                </a:tc>
+                <a:tc>
+                  <a:txBody>
+                    <a:bodyPr/>
+                    <a:lstStyle/>
+                    <a:p>
+                      <a:pPr algn="ctr"/>
+                      <a:r>
+                        <a:rPr lang="en-GB" sz="1200" b="0" i="0" kern="1200" dirty="0">
+                          <a:solidFill>
+                            <a:schemeClr val="dk1"/>
+                          </a:solidFill>
+                          <a:effectLst/>
+                          <a:latin typeface="+mn-lt"/>
+                          <a:ea typeface="+mn-ea"/>
+                          <a:cs typeface="+mn-cs"/>
+                        </a:rPr>
+                        <a:t>-73.04</a:t>
+                      </a:r>
+                      <a:endParaRPr lang="en-GB" sz="1200" b="0" dirty="0"/>
+                    </a:p>
+                  </a:txBody>
+                  <a:tcPr>
+                    <a:solidFill>
+                      <a:schemeClr val="tx1">
+                        <a:lumMod val="95000"/>
+                        <a:lumOff val="5000"/>
+                      </a:schemeClr>
+                    </a:solidFill>
+                  </a:tcPr>
+                </a:tc>
+                <a:extLst>
+                  <a:ext uri="{0D108BD9-81ED-4DB2-BD59-A6C34878D82A}">
+                    <a16:rowId xmlns:a16="http://schemas.microsoft.com/office/drawing/2014/main" val="3228881547"/>
+                  </a:ext>
+                </a:extLst>
+              </a:tr>
+              <a:tr h="635465">
+                <a:tc vMerge="1">
+                  <a:txBody>
+                    <a:bodyPr/>
+                    <a:lstStyle/>
+                    <a:p>
+                      <a:pPr algn="ctr"/>
+                      <a:endParaRPr lang="en-GB" sz="1200" b="0" dirty="0"/>
+                    </a:p>
+                  </a:txBody>
+                  <a:tcPr/>
+                </a:tc>
+                <a:tc>
+                  <a:txBody>
+                    <a:bodyPr/>
+                    <a:lstStyle/>
+                    <a:p>
+                      <a:pPr algn="ctr"/>
+                      <a:r>
+                        <a:rPr lang="en-GB" sz="1200" b="0" i="0" kern="1200" dirty="0">
+                          <a:solidFill>
+                            <a:schemeClr val="dk1"/>
+                          </a:solidFill>
+                          <a:effectLst/>
+                          <a:latin typeface="+mn-lt"/>
+                          <a:ea typeface="+mn-ea"/>
+                          <a:cs typeface="+mn-cs"/>
+                        </a:rPr>
+                        <a:t>-0.0412</a:t>
+                      </a:r>
+                      <a:endParaRPr lang="en-GB" sz="700" b="0" dirty="0"/>
+                    </a:p>
+                  </a:txBody>
+                  <a:tcPr/>
+                </a:tc>
+                <a:tc>
+                  <a:txBody>
+                    <a:bodyPr/>
+                    <a:lstStyle/>
+                    <a:p>
+                      <a:pPr algn="ctr"/>
+                      <a:r>
+                        <a:rPr lang="en-GB" sz="1200" b="0" i="0" kern="1200" dirty="0">
+                          <a:solidFill>
+                            <a:schemeClr val="dk1"/>
+                          </a:solidFill>
+                          <a:effectLst/>
+                          <a:latin typeface="+mn-lt"/>
+                          <a:ea typeface="+mn-ea"/>
+                          <a:cs typeface="+mn-cs"/>
+                        </a:rPr>
+                        <a:t>-0.9010</a:t>
+                      </a:r>
+                      <a:endParaRPr lang="en-GB" sz="700" b="0" dirty="0"/>
+                    </a:p>
+                  </a:txBody>
+                  <a:tcPr>
+                    <a:solidFill>
+                      <a:schemeClr val="tx1">
+                        <a:lumMod val="95000"/>
+                        <a:lumOff val="5000"/>
+                      </a:schemeClr>
+                    </a:solidFill>
+                  </a:tcPr>
+                </a:tc>
+                <a:tc>
+                  <a:txBody>
+                    <a:bodyPr/>
+                    <a:lstStyle/>
+                    <a:p>
+                      <a:pPr algn="ctr"/>
+                      <a:r>
+                        <a:rPr lang="en-GB" sz="1200" b="0" i="0" kern="1200" dirty="0">
+                          <a:solidFill>
+                            <a:schemeClr val="dk1"/>
+                          </a:solidFill>
+                          <a:effectLst/>
+                          <a:latin typeface="+mn-lt"/>
+                          <a:ea typeface="+mn-ea"/>
+                          <a:cs typeface="+mn-cs"/>
+                        </a:rPr>
+                        <a:t>-0.038</a:t>
+                      </a:r>
+                      <a:endParaRPr lang="en-GB" sz="900" b="0" dirty="0"/>
+                    </a:p>
+                  </a:txBody>
+                  <a:tcPr/>
+                </a:tc>
+                <a:tc>
+                  <a:txBody>
+                    <a:bodyPr/>
+                    <a:lstStyle/>
+                    <a:p>
+                      <a:pPr algn="ctr"/>
+                      <a:r>
+                        <a:rPr lang="en-GB" sz="1200" b="0" i="0" kern="1200" dirty="0">
+                          <a:solidFill>
+                            <a:schemeClr val="dk1"/>
+                          </a:solidFill>
+                          <a:effectLst/>
+                          <a:latin typeface="+mn-lt"/>
+                          <a:ea typeface="+mn-ea"/>
+                          <a:cs typeface="+mn-cs"/>
+                        </a:rPr>
+                        <a:t>-1.2983</a:t>
+                      </a:r>
+                      <a:endParaRPr lang="en-GB" sz="900" b="0" dirty="0"/>
+                    </a:p>
+                  </a:txBody>
+                  <a:tcPr>
+                    <a:solidFill>
+                      <a:schemeClr val="tx1">
+                        <a:lumMod val="95000"/>
+                        <a:lumOff val="5000"/>
+                      </a:schemeClr>
+                    </a:solidFill>
+                  </a:tcPr>
+                </a:tc>
+                <a:tc>
+                  <a:txBody>
+                    <a:bodyPr/>
+                    <a:lstStyle/>
+                    <a:p>
+                      <a:pPr algn="ctr"/>
+                      <a:r>
+                        <a:rPr lang="en-GB" sz="1200" b="0" i="0" kern="1200" dirty="0">
+                          <a:solidFill>
+                            <a:schemeClr val="dk1"/>
+                          </a:solidFill>
+                          <a:effectLst/>
+                          <a:latin typeface="+mn-lt"/>
+                          <a:ea typeface="+mn-ea"/>
+                          <a:cs typeface="+mn-cs"/>
+                        </a:rPr>
+                        <a:t>0.0818</a:t>
+                      </a:r>
+                      <a:endParaRPr lang="en-GB" sz="900" b="0" dirty="0"/>
+                    </a:p>
+                  </a:txBody>
+                  <a:tcPr/>
+                </a:tc>
+                <a:tc>
+                  <a:txBody>
+                    <a:bodyPr/>
+                    <a:lstStyle/>
+                    <a:p>
+                      <a:pPr algn="ctr"/>
+                      <a:r>
+                        <a:rPr lang="en-GB" sz="1200" b="0" i="0" kern="1200" dirty="0">
+                          <a:solidFill>
+                            <a:schemeClr val="dk1"/>
+                          </a:solidFill>
+                          <a:effectLst/>
+                          <a:latin typeface="+mn-lt"/>
+                          <a:ea typeface="+mn-ea"/>
+                          <a:cs typeface="+mn-cs"/>
+                        </a:rPr>
+                        <a:t>3.4275</a:t>
+                      </a:r>
+                      <a:endParaRPr lang="en-GB" sz="900" b="0" dirty="0"/>
+                    </a:p>
+                  </a:txBody>
+                  <a:tcPr>
+                    <a:solidFill>
+                      <a:schemeClr val="tx1">
+                        <a:lumMod val="95000"/>
+                        <a:lumOff val="5000"/>
+                      </a:schemeClr>
+                    </a:solidFill>
+                  </a:tcPr>
+                </a:tc>
+                <a:tc>
+                  <a:txBody>
+                    <a:bodyPr/>
+                    <a:lstStyle/>
+                    <a:p>
+                      <a:pPr algn="ctr"/>
+                      <a:r>
+                        <a:rPr lang="en-GB" sz="1200" b="0" i="0" kern="1200" dirty="0">
+                          <a:solidFill>
+                            <a:schemeClr val="dk1"/>
+                          </a:solidFill>
+                          <a:effectLst/>
+                          <a:latin typeface="+mn-lt"/>
+                          <a:ea typeface="+mn-ea"/>
+                          <a:cs typeface="+mn-cs"/>
+                        </a:rPr>
+                        <a:t>-0.1318</a:t>
+                      </a:r>
+                      <a:endParaRPr lang="en-GB" sz="900" b="0" dirty="0"/>
+                    </a:p>
+                  </a:txBody>
+                  <a:tcPr/>
+                </a:tc>
+                <a:tc>
+                  <a:txBody>
+                    <a:bodyPr/>
+                    <a:lstStyle/>
+                    <a:p>
+                      <a:pPr algn="ctr"/>
+                      <a:r>
+                        <a:rPr lang="en-GB" sz="1200" b="0" i="0" kern="1200" dirty="0">
+                          <a:solidFill>
+                            <a:schemeClr val="dk1"/>
+                          </a:solidFill>
+                          <a:effectLst/>
+                          <a:latin typeface="+mn-lt"/>
+                          <a:ea typeface="+mn-ea"/>
+                          <a:cs typeface="+mn-cs"/>
+                        </a:rPr>
+                        <a:t>-4.8588</a:t>
+                      </a:r>
+                      <a:endParaRPr lang="en-GB" sz="900" b="0" dirty="0"/>
+                    </a:p>
+                  </a:txBody>
+                  <a:tcPr>
+                    <a:solidFill>
+                      <a:schemeClr val="tx1">
+                        <a:lumMod val="95000"/>
+                        <a:lumOff val="5000"/>
+                      </a:schemeClr>
+                    </a:solidFill>
+                  </a:tcPr>
+                </a:tc>
+                <a:extLst>
+                  <a:ext uri="{0D108BD9-81ED-4DB2-BD59-A6C34878D82A}">
+                    <a16:rowId xmlns:a16="http://schemas.microsoft.com/office/drawing/2014/main" val="1164812163"/>
+                  </a:ext>
+                </a:extLst>
+              </a:tr>
+              <a:tr h="545285">
+                <a:tc rowSpan="2">
+                  <a:txBody>
+                    <a:bodyPr/>
+                    <a:lstStyle/>
+                    <a:p>
+                      <a:pPr algn="ctr"/>
+                      <a:r>
+                        <a:rPr lang="en-US" sz="1200" b="0" dirty="0"/>
+                        <a:t>2022-2023</a:t>
+                      </a:r>
+                      <a:endParaRPr lang="en-GB" sz="1200" b="0" dirty="0"/>
+                    </a:p>
+                  </a:txBody>
+                  <a:tcPr/>
+                </a:tc>
+                <a:tc>
+                  <a:txBody>
+                    <a:bodyPr/>
+                    <a:lstStyle/>
+                    <a:p>
+                      <a:pPr algn="ctr"/>
+                      <a:r>
+                        <a:rPr lang="en-GB" sz="1200" b="0" i="0" kern="1200" dirty="0">
+                          <a:solidFill>
+                            <a:schemeClr val="dk1"/>
+                          </a:solidFill>
+                          <a:effectLst/>
+                          <a:latin typeface="+mn-lt"/>
+                          <a:ea typeface="+mn-ea"/>
+                          <a:cs typeface="+mn-cs"/>
+                        </a:rPr>
+                        <a:t>0.5108</a:t>
+                      </a:r>
+                      <a:endParaRPr lang="en-GB" sz="1200" b="0" dirty="0"/>
+                    </a:p>
+                  </a:txBody>
+                  <a:tcPr/>
+                </a:tc>
+                <a:tc>
+                  <a:txBody>
+                    <a:bodyPr/>
+                    <a:lstStyle/>
+                    <a:p>
+                      <a:pPr algn="ctr"/>
+                      <a:r>
+                        <a:rPr lang="en-GB" sz="1200" b="0" i="0" kern="1200" dirty="0">
+                          <a:solidFill>
+                            <a:schemeClr val="dk1"/>
+                          </a:solidFill>
+                          <a:effectLst/>
+                          <a:latin typeface="+mn-lt"/>
+                          <a:ea typeface="+mn-ea"/>
+                          <a:cs typeface="+mn-cs"/>
+                        </a:rPr>
+                        <a:t>169.5</a:t>
+                      </a:r>
+                      <a:endParaRPr lang="en-GB" sz="1200" b="0" dirty="0"/>
+                    </a:p>
+                  </a:txBody>
+                  <a:tcPr>
+                    <a:solidFill>
+                      <a:schemeClr val="tx1">
+                        <a:lumMod val="95000"/>
+                        <a:lumOff val="5000"/>
+                      </a:schemeClr>
+                    </a:solidFill>
+                  </a:tcPr>
+                </a:tc>
+                <a:tc>
+                  <a:txBody>
+                    <a:bodyPr/>
+                    <a:lstStyle/>
+                    <a:p>
+                      <a:pPr algn="ctr"/>
+                      <a:r>
+                        <a:rPr lang="en-GB" sz="1200" b="0" i="0" kern="1200" dirty="0">
+                          <a:solidFill>
+                            <a:schemeClr val="dk1"/>
+                          </a:solidFill>
+                          <a:effectLst/>
+                          <a:latin typeface="+mn-lt"/>
+                          <a:ea typeface="+mn-ea"/>
+                          <a:cs typeface="+mn-cs"/>
+                        </a:rPr>
+                        <a:t>0.5108</a:t>
+                      </a:r>
+                      <a:endParaRPr lang="en-GB" sz="1200" b="0" dirty="0"/>
+                    </a:p>
+                  </a:txBody>
+                  <a:tcPr/>
+                </a:tc>
+                <a:tc>
+                  <a:txBody>
+                    <a:bodyPr/>
+                    <a:lstStyle/>
+                    <a:p>
+                      <a:pPr algn="ctr"/>
+                      <a:r>
+                        <a:rPr lang="en-GB" sz="1200" b="0" i="0" kern="1200" dirty="0">
+                          <a:solidFill>
+                            <a:schemeClr val="dk1"/>
+                          </a:solidFill>
+                          <a:effectLst/>
+                          <a:latin typeface="+mn-lt"/>
+                          <a:ea typeface="+mn-ea"/>
+                          <a:cs typeface="+mn-cs"/>
+                        </a:rPr>
+                        <a:t>169.5</a:t>
+                      </a:r>
+                      <a:endParaRPr lang="en-GB" sz="1200" b="0" dirty="0"/>
+                    </a:p>
+                  </a:txBody>
+                  <a:tcPr>
+                    <a:solidFill>
+                      <a:schemeClr val="tx1">
+                        <a:lumMod val="95000"/>
+                        <a:lumOff val="5000"/>
+                      </a:schemeClr>
+                    </a:solidFill>
+                  </a:tcPr>
+                </a:tc>
+                <a:tc>
+                  <a:txBody>
+                    <a:bodyPr/>
+                    <a:lstStyle/>
+                    <a:p>
+                      <a:pPr algn="ctr"/>
+                      <a:r>
+                        <a:rPr lang="en-GB" sz="1200" b="0" i="0" kern="1200" dirty="0">
+                          <a:solidFill>
+                            <a:schemeClr val="dk1"/>
+                          </a:solidFill>
+                          <a:effectLst/>
+                          <a:latin typeface="+mn-lt"/>
+                          <a:ea typeface="+mn-ea"/>
+                          <a:cs typeface="+mn-cs"/>
+                        </a:rPr>
+                        <a:t>0.5021</a:t>
+                      </a:r>
+                      <a:endParaRPr lang="en-GB" sz="1200" b="0" dirty="0"/>
+                    </a:p>
+                  </a:txBody>
+                  <a:tcPr/>
+                </a:tc>
+                <a:tc>
+                  <a:txBody>
+                    <a:bodyPr/>
+                    <a:lstStyle/>
+                    <a:p>
+                      <a:pPr algn="ctr"/>
+                      <a:r>
+                        <a:rPr lang="en-GB" sz="1200" b="0" i="0" kern="1200" dirty="0">
+                          <a:solidFill>
+                            <a:schemeClr val="dk1"/>
+                          </a:solidFill>
+                          <a:effectLst/>
+                          <a:latin typeface="+mn-lt"/>
+                          <a:ea typeface="+mn-ea"/>
+                          <a:cs typeface="+mn-cs"/>
+                        </a:rPr>
+                        <a:t>166.06</a:t>
+                      </a:r>
+                      <a:endParaRPr lang="en-GB" sz="1200" b="0" dirty="0"/>
+                    </a:p>
+                  </a:txBody>
+                  <a:tcPr>
+                    <a:solidFill>
+                      <a:schemeClr val="tx1">
+                        <a:lumMod val="95000"/>
+                        <a:lumOff val="5000"/>
+                      </a:schemeClr>
+                    </a:solidFill>
+                  </a:tcPr>
+                </a:tc>
+                <a:tc>
+                  <a:txBody>
+                    <a:bodyPr/>
+                    <a:lstStyle/>
+                    <a:p>
+                      <a:pPr algn="ctr"/>
+                      <a:r>
+                        <a:rPr lang="en-GB" sz="1200" b="0" i="0" kern="1200" dirty="0">
+                          <a:solidFill>
+                            <a:schemeClr val="dk1"/>
+                          </a:solidFill>
+                          <a:effectLst/>
+                          <a:latin typeface="+mn-lt"/>
+                          <a:ea typeface="+mn-ea"/>
+                          <a:cs typeface="+mn-cs"/>
+                        </a:rPr>
+                        <a:t>0.3713</a:t>
+                      </a:r>
+                      <a:endParaRPr lang="en-GB" sz="1200" b="0" dirty="0"/>
+                    </a:p>
+                  </a:txBody>
+                  <a:tcPr/>
+                </a:tc>
+                <a:tc>
+                  <a:txBody>
+                    <a:bodyPr/>
+                    <a:lstStyle/>
+                    <a:p>
+                      <a:pPr algn="ctr"/>
+                      <a:r>
+                        <a:rPr lang="en-GB" sz="1200" b="0" i="0" kern="1200" dirty="0">
+                          <a:solidFill>
+                            <a:schemeClr val="dk1"/>
+                          </a:solidFill>
+                          <a:effectLst/>
+                          <a:latin typeface="+mn-lt"/>
+                          <a:ea typeface="+mn-ea"/>
+                          <a:cs typeface="+mn-cs"/>
+                        </a:rPr>
+                        <a:t>122.7</a:t>
+                      </a:r>
+                      <a:endParaRPr lang="en-GB" sz="1200" b="0" dirty="0"/>
+                    </a:p>
+                  </a:txBody>
+                  <a:tcPr>
+                    <a:solidFill>
+                      <a:schemeClr val="tx1">
+                        <a:lumMod val="95000"/>
+                        <a:lumOff val="5000"/>
+                      </a:schemeClr>
+                    </a:solidFill>
+                  </a:tcPr>
+                </a:tc>
+                <a:extLst>
+                  <a:ext uri="{0D108BD9-81ED-4DB2-BD59-A6C34878D82A}">
+                    <a16:rowId xmlns:a16="http://schemas.microsoft.com/office/drawing/2014/main" val="859004804"/>
+                  </a:ext>
+                </a:extLst>
+              </a:tr>
+              <a:tr h="545285">
+                <a:tc vMerge="1">
+                  <a:txBody>
+                    <a:bodyPr/>
+                    <a:lstStyle/>
+                    <a:p>
+                      <a:pPr algn="ctr"/>
+                      <a:endParaRPr lang="en-GB" sz="1200" b="0" dirty="0"/>
+                    </a:p>
+                  </a:txBody>
+                  <a:tcPr/>
+                </a:tc>
+                <a:tc>
+                  <a:txBody>
+                    <a:bodyPr/>
+                    <a:lstStyle/>
+                    <a:p>
+                      <a:pPr algn="ctr"/>
+                      <a:r>
+                        <a:rPr lang="en-GB" sz="1200" b="0" i="0" kern="1200" dirty="0">
+                          <a:solidFill>
+                            <a:schemeClr val="dk1"/>
+                          </a:solidFill>
+                          <a:effectLst/>
+                          <a:latin typeface="+mn-lt"/>
+                          <a:ea typeface="+mn-ea"/>
+                          <a:cs typeface="+mn-cs"/>
+                        </a:rPr>
+                        <a:t>0.5349</a:t>
+                      </a:r>
+                      <a:endParaRPr lang="en-GB" sz="700" b="0" dirty="0"/>
+                    </a:p>
+                  </a:txBody>
+                  <a:tcPr/>
+                </a:tc>
+                <a:tc>
+                  <a:txBody>
+                    <a:bodyPr/>
+                    <a:lstStyle/>
+                    <a:p>
+                      <a:pPr algn="ctr"/>
+                      <a:r>
+                        <a:rPr lang="en-GB" sz="1200" b="0" i="0" kern="1200" dirty="0">
+                          <a:solidFill>
+                            <a:schemeClr val="dk1"/>
+                          </a:solidFill>
+                          <a:effectLst/>
+                          <a:latin typeface="+mn-lt"/>
+                          <a:ea typeface="+mn-ea"/>
+                          <a:cs typeface="+mn-cs"/>
+                        </a:rPr>
+                        <a:t>12.703</a:t>
+                      </a:r>
+                      <a:endParaRPr lang="en-GB" sz="700" b="0" dirty="0"/>
+                    </a:p>
+                  </a:txBody>
+                  <a:tcPr>
+                    <a:solidFill>
+                      <a:schemeClr val="tx1">
+                        <a:lumMod val="95000"/>
+                        <a:lumOff val="5000"/>
+                      </a:schemeClr>
+                    </a:solidFill>
+                  </a:tcPr>
+                </a:tc>
+                <a:tc>
+                  <a:txBody>
+                    <a:bodyPr/>
+                    <a:lstStyle/>
+                    <a:p>
+                      <a:pPr algn="ctr"/>
+                      <a:r>
+                        <a:rPr lang="en-GB" sz="1200" b="0" i="0" kern="1200" dirty="0">
+                          <a:solidFill>
+                            <a:schemeClr val="dk1"/>
+                          </a:solidFill>
+                          <a:effectLst/>
+                          <a:latin typeface="+mn-lt"/>
+                          <a:ea typeface="+mn-ea"/>
+                          <a:cs typeface="+mn-cs"/>
+                        </a:rPr>
+                        <a:t>0.5356</a:t>
+                      </a:r>
+                      <a:endParaRPr lang="en-GB" sz="900" b="0" dirty="0"/>
+                    </a:p>
+                  </a:txBody>
+                  <a:tcPr/>
+                </a:tc>
+                <a:tc>
+                  <a:txBody>
+                    <a:bodyPr/>
+                    <a:lstStyle/>
+                    <a:p>
+                      <a:pPr algn="ctr"/>
+                      <a:r>
+                        <a:rPr lang="en-GB" sz="1200" b="0" i="0" kern="1200" dirty="0">
+                          <a:solidFill>
+                            <a:schemeClr val="dk1"/>
+                          </a:solidFill>
+                          <a:effectLst/>
+                          <a:latin typeface="+mn-lt"/>
+                          <a:ea typeface="+mn-ea"/>
+                          <a:cs typeface="+mn-cs"/>
+                        </a:rPr>
+                        <a:t>19.367</a:t>
+                      </a:r>
+                      <a:endParaRPr lang="en-GB" sz="900" b="0" dirty="0"/>
+                    </a:p>
+                  </a:txBody>
+                  <a:tcPr>
+                    <a:solidFill>
+                      <a:schemeClr val="tx1">
+                        <a:lumMod val="95000"/>
+                        <a:lumOff val="5000"/>
+                      </a:schemeClr>
+                    </a:solidFill>
+                  </a:tcPr>
+                </a:tc>
+                <a:tc>
+                  <a:txBody>
+                    <a:bodyPr/>
+                    <a:lstStyle/>
+                    <a:p>
+                      <a:pPr algn="ctr"/>
+                      <a:r>
+                        <a:rPr lang="en-GB" sz="1200" b="0" i="0" kern="1200" dirty="0">
+                          <a:solidFill>
+                            <a:schemeClr val="dk1"/>
+                          </a:solidFill>
+                          <a:effectLst/>
+                          <a:latin typeface="+mn-lt"/>
+                          <a:ea typeface="+mn-ea"/>
+                          <a:cs typeface="+mn-cs"/>
+                        </a:rPr>
+                        <a:t>0.5054</a:t>
+                      </a:r>
+                      <a:endParaRPr lang="en-GB" sz="900" b="0" dirty="0"/>
+                    </a:p>
+                  </a:txBody>
+                  <a:tcPr/>
+                </a:tc>
+                <a:tc>
+                  <a:txBody>
+                    <a:bodyPr/>
+                    <a:lstStyle/>
+                    <a:p>
+                      <a:pPr algn="ctr"/>
+                      <a:r>
+                        <a:rPr lang="en-GB" sz="1200" b="0" i="0" kern="1200" dirty="0">
+                          <a:solidFill>
+                            <a:schemeClr val="dk1"/>
+                          </a:solidFill>
+                          <a:effectLst/>
+                          <a:latin typeface="+mn-lt"/>
+                          <a:ea typeface="+mn-ea"/>
+                          <a:cs typeface="+mn-cs"/>
+                        </a:rPr>
+                        <a:t>22.384</a:t>
+                      </a:r>
+                      <a:endParaRPr lang="en-GB" sz="900" b="0" dirty="0"/>
+                    </a:p>
+                  </a:txBody>
+                  <a:tcPr>
+                    <a:solidFill>
+                      <a:schemeClr val="tx1">
+                        <a:lumMod val="95000"/>
+                        <a:lumOff val="5000"/>
+                      </a:schemeClr>
+                    </a:solidFill>
+                  </a:tcPr>
+                </a:tc>
+                <a:tc>
+                  <a:txBody>
+                    <a:bodyPr/>
+                    <a:lstStyle/>
+                    <a:p>
+                      <a:pPr algn="ctr"/>
+                      <a:r>
+                        <a:rPr lang="en-GB" sz="1200" b="0" i="0" kern="1200" dirty="0">
+                          <a:solidFill>
+                            <a:schemeClr val="dk1"/>
+                          </a:solidFill>
+                          <a:effectLst/>
+                          <a:latin typeface="+mn-lt"/>
+                          <a:ea typeface="+mn-ea"/>
+                          <a:cs typeface="+mn-cs"/>
+                        </a:rPr>
+                        <a:t>0.4052</a:t>
+                      </a:r>
+                      <a:endParaRPr lang="en-GB" sz="900" b="0" dirty="0"/>
+                    </a:p>
+                  </a:txBody>
+                  <a:tcPr/>
+                </a:tc>
+                <a:tc>
+                  <a:txBody>
+                    <a:bodyPr/>
+                    <a:lstStyle/>
+                    <a:p>
+                      <a:pPr algn="ctr"/>
+                      <a:r>
+                        <a:rPr lang="en-GB" sz="1200" b="0" i="0" kern="1200" dirty="0">
+                          <a:solidFill>
+                            <a:schemeClr val="dk1"/>
+                          </a:solidFill>
+                          <a:effectLst/>
+                          <a:latin typeface="+mn-lt"/>
+                          <a:ea typeface="+mn-ea"/>
+                          <a:cs typeface="+mn-cs"/>
+                        </a:rPr>
+                        <a:t>16.692</a:t>
+                      </a:r>
+                      <a:endParaRPr lang="en-GB" sz="900" b="0" dirty="0"/>
+                    </a:p>
+                  </a:txBody>
+                  <a:tcPr>
+                    <a:solidFill>
+                      <a:schemeClr val="tx1">
+                        <a:lumMod val="95000"/>
+                        <a:lumOff val="5000"/>
+                      </a:schemeClr>
+                    </a:solidFill>
+                  </a:tcPr>
+                </a:tc>
+                <a:extLst>
+                  <a:ext uri="{0D108BD9-81ED-4DB2-BD59-A6C34878D82A}">
+                    <a16:rowId xmlns:a16="http://schemas.microsoft.com/office/drawing/2014/main" val="4211019989"/>
+                  </a:ext>
+                </a:extLst>
+              </a:tr>
+            </a:tbl>
+          </a:graphicData>
+        </a:graphic>
+      </p:graphicFrame>
+    </p:spTree>
+    <p:extLst>
+      <p:ext uri="{BB962C8B-B14F-4D97-AF65-F5344CB8AC3E}">
+        <p14:creationId xmlns:p14="http://schemas.microsoft.com/office/powerpoint/2010/main" val="2771943899"/>
+      </p:ext>
+    </p:extLst>
+  </p:cSld>
+  <p:clrMapOvr>
+    <a:masterClrMapping/>
+  </p:clrMapOvr>
+</p:sld>
+</file>
+
+<file path=ppt/slides/slide27.xml><?xml version="1.0" encoding="utf-8"?>
+<p:sld xmlns:a="http://schemas.openxmlformats.org/drawingml/2006/main" xmlns:r="http://schemas.openxmlformats.org/officeDocument/2006/relationships" xmlns:p="http://schemas.openxmlformats.org/presentationml/2006/main">
+  <p:cSld>
+    <p:spTree>
+      <p:nvGrpSpPr>
+        <p:cNvPr id="1" name=""/>
+        <p:cNvGrpSpPr/>
+        <p:nvPr/>
+      </p:nvGrpSpPr>
+      <p:grpSpPr>
+        <a:xfrm>
+          <a:off x="0" y="0"/>
+          <a:ext cx="0" cy="0"/>
+          <a:chOff x="0" y="0"/>
+          <a:chExt cx="0" cy="0"/>
+        </a:xfrm>
+      </p:grpSpPr>
+      <p:sp>
+        <p:nvSpPr>
+          <p:cNvPr id="2" name="Title 1">
+            <a:extLst>
+              <a:ext uri="{FF2B5EF4-FFF2-40B4-BE49-F238E27FC236}">
+                <a16:creationId xmlns:a16="http://schemas.microsoft.com/office/drawing/2014/main" id="{921633EB-7DCB-4DDC-80AF-C885A3EE1245}"/>
+              </a:ext>
+            </a:extLst>
+          </p:cNvPr>
+          <p:cNvSpPr>
+            <a:spLocks noGrp="1"/>
+          </p:cNvSpPr>
+          <p:nvPr>
+            <p:ph type="title"/>
+          </p:nvPr>
+        </p:nvSpPr>
+        <p:spPr/>
+        <p:txBody>
+          <a:bodyPr/>
+          <a:lstStyle/>
+          <a:p>
+            <a:r>
+              <a:rPr lang="en-US" dirty="0"/>
+              <a:t>Correlation MATRIX – 2022-2023</a:t>
+            </a:r>
+          </a:p>
+        </p:txBody>
+      </p:sp>
+      <p:pic>
+        <p:nvPicPr>
+          <p:cNvPr id="14" name="Content Placeholder 13">
+            <a:extLst>
+              <a:ext uri="{FF2B5EF4-FFF2-40B4-BE49-F238E27FC236}">
+                <a16:creationId xmlns:a16="http://schemas.microsoft.com/office/drawing/2014/main" id="{086BFB0F-26AA-5F52-C6B0-14106828505F}"/>
+              </a:ext>
+            </a:extLst>
+          </p:cNvPr>
+          <p:cNvPicPr>
+            <a:picLocks noGrp="1" noChangeAspect="1"/>
+          </p:cNvPicPr>
+          <p:nvPr>
+            <p:ph sz="half" idx="1"/>
+          </p:nvPr>
+        </p:nvPicPr>
+        <p:blipFill>
+          <a:blip r:embed="rId2"/>
+          <a:srcRect/>
+          <a:stretch/>
+        </p:blipFill>
+        <p:spPr>
+          <a:xfrm>
+            <a:off x="1067755" y="2227263"/>
+            <a:ext cx="4528175" cy="4528175"/>
+          </a:xfrm>
+        </p:spPr>
+      </p:pic>
+      <p:pic>
+        <p:nvPicPr>
+          <p:cNvPr id="16" name="Content Placeholder 15">
+            <a:extLst>
+              <a:ext uri="{FF2B5EF4-FFF2-40B4-BE49-F238E27FC236}">
+                <a16:creationId xmlns:a16="http://schemas.microsoft.com/office/drawing/2014/main" id="{79B8A73E-0BDA-7816-DBC7-A3BEE4315745}"/>
+              </a:ext>
+            </a:extLst>
+          </p:cNvPr>
+          <p:cNvPicPr>
+            <a:picLocks noGrp="1" noChangeAspect="1"/>
+          </p:cNvPicPr>
+          <p:nvPr>
+            <p:ph sz="half" idx="2"/>
+          </p:nvPr>
+        </p:nvPicPr>
+        <p:blipFill>
+          <a:blip r:embed="rId3"/>
+          <a:srcRect/>
+          <a:stretch/>
+        </p:blipFill>
+        <p:spPr>
+          <a:xfrm>
+            <a:off x="6596072" y="2227262"/>
+            <a:ext cx="4528174" cy="4528174"/>
+          </a:xfrm>
+        </p:spPr>
+      </p:pic>
+    </p:spTree>
+    <p:extLst>
+      <p:ext uri="{BB962C8B-B14F-4D97-AF65-F5344CB8AC3E}">
+        <p14:creationId xmlns:p14="http://schemas.microsoft.com/office/powerpoint/2010/main" val="843200112"/>
+      </p:ext>
+    </p:extLst>
+  </p:cSld>
+  <p:clrMapOvr>
+    <a:masterClrMapping/>
+  </p:clrMapOvr>
+</p:sld>
+</file>
+
+<file path=ppt/slides/slide28.xml><?xml version="1.0" encoding="utf-8"?>
+<p:sld xmlns:a="http://schemas.openxmlformats.org/drawingml/2006/main" xmlns:r="http://schemas.openxmlformats.org/officeDocument/2006/relationships" xmlns:p="http://schemas.openxmlformats.org/presentationml/2006/main">
+  <p:cSld>
+    <p:spTree>
+      <p:nvGrpSpPr>
+        <p:cNvPr id="1" name=""/>
+        <p:cNvGrpSpPr/>
+        <p:nvPr/>
+      </p:nvGrpSpPr>
+      <p:grpSpPr>
+        <a:xfrm>
+          <a:off x="0" y="0"/>
+          <a:ext cx="0" cy="0"/>
+          <a:chOff x="0" y="0"/>
+          <a:chExt cx="0" cy="0"/>
+        </a:xfrm>
+      </p:grpSpPr>
+      <p:sp>
+        <p:nvSpPr>
+          <p:cNvPr id="2" name="Title 1">
+            <a:extLst>
+              <a:ext uri="{FF2B5EF4-FFF2-40B4-BE49-F238E27FC236}">
+                <a16:creationId xmlns:a16="http://schemas.microsoft.com/office/drawing/2014/main" id="{BD4CA9CC-5ADC-001A-4D31-8EC14B8E37D4}"/>
+              </a:ext>
+            </a:extLst>
+          </p:cNvPr>
+          <p:cNvSpPr>
+            <a:spLocks noGrp="1"/>
+          </p:cNvSpPr>
+          <p:nvPr>
+            <p:ph type="title"/>
+          </p:nvPr>
+        </p:nvSpPr>
+        <p:spPr/>
+        <p:txBody>
+          <a:bodyPr/>
+          <a:lstStyle/>
+          <a:p>
+            <a:r>
+              <a:rPr lang="en-US" dirty="0"/>
+              <a:t>Regression Explanation</a:t>
+            </a:r>
+            <a:endParaRPr lang="en-GB" dirty="0"/>
+          </a:p>
+        </p:txBody>
+      </p:sp>
+      <p:sp>
+        <p:nvSpPr>
+          <p:cNvPr id="3" name="Content Placeholder 2">
+            <a:extLst>
+              <a:ext uri="{FF2B5EF4-FFF2-40B4-BE49-F238E27FC236}">
+                <a16:creationId xmlns:a16="http://schemas.microsoft.com/office/drawing/2014/main" id="{121196E6-3603-F66B-72E8-8E7E5F53AC6C}"/>
+              </a:ext>
+            </a:extLst>
+          </p:cNvPr>
+          <p:cNvSpPr>
+            <a:spLocks noGrp="1"/>
+          </p:cNvSpPr>
+          <p:nvPr>
+            <p:ph idx="1"/>
+          </p:nvPr>
+        </p:nvSpPr>
+        <p:spPr>
+          <a:xfrm>
+            <a:off x="581192" y="2180497"/>
+            <a:ext cx="11029615" cy="3975348"/>
+          </a:xfrm>
+        </p:spPr>
+        <p:txBody>
+          <a:bodyPr>
+            <a:normAutofit/>
+          </a:bodyPr>
+          <a:lstStyle/>
+          <a:p>
+            <a:r>
+              <a:rPr lang="en-US" dirty="0">
+                <a:solidFill>
+                  <a:schemeClr val="tx1"/>
+                </a:solidFill>
+              </a:rPr>
+              <a:t>All four metrics were run against the three following methods of regression:</a:t>
+            </a:r>
+          </a:p>
+          <a:p>
+            <a:pPr marL="666900" lvl="1" indent="-342900">
+              <a:buFont typeface="+mj-lt"/>
+              <a:buAutoNum type="arabicPeriod"/>
+            </a:pPr>
+            <a:r>
+              <a:rPr lang="en-US" sz="1800" dirty="0">
+                <a:solidFill>
+                  <a:schemeClr val="tx1"/>
+                </a:solidFill>
+              </a:rPr>
+              <a:t>Linear Regression</a:t>
+            </a:r>
+          </a:p>
+          <a:p>
+            <a:pPr marL="936900" lvl="2" indent="-342900"/>
+            <a:r>
+              <a:rPr lang="en-US" sz="1600" dirty="0">
+                <a:solidFill>
+                  <a:schemeClr val="tx1"/>
+                </a:solidFill>
+              </a:rPr>
+              <a:t>Straightforward method of determining a linear relationship between the two vectors of data.</a:t>
+            </a:r>
+          </a:p>
+          <a:p>
+            <a:pPr marL="666900" lvl="1" indent="-342900">
+              <a:buFont typeface="+mj-lt"/>
+              <a:buAutoNum type="arabicPeriod"/>
+            </a:pPr>
+            <a:r>
+              <a:rPr lang="en-US" sz="1800" dirty="0">
+                <a:solidFill>
+                  <a:schemeClr val="tx1"/>
+                </a:solidFill>
+              </a:rPr>
+              <a:t>Theil-Sen Regression</a:t>
+            </a:r>
+          </a:p>
+          <a:p>
+            <a:pPr marL="936900" lvl="2" indent="-342900"/>
+            <a:r>
+              <a:rPr lang="en-US" sz="1600" dirty="0">
+                <a:solidFill>
+                  <a:schemeClr val="tx1"/>
+                </a:solidFill>
+              </a:rPr>
+              <a:t>Linear relationship regressor but less sensitive to outliers (</a:t>
+            </a:r>
+            <a:r>
+              <a:rPr lang="en-US" sz="1600" dirty="0">
+                <a:solidFill>
+                  <a:schemeClr val="tx1"/>
+                </a:solidFill>
+                <a:effectLst/>
+              </a:rPr>
+              <a:t>Wilcox, 2001)</a:t>
+            </a:r>
+            <a:endParaRPr lang="en-US" sz="1600" dirty="0">
+              <a:solidFill>
+                <a:schemeClr val="tx1"/>
+              </a:solidFill>
+            </a:endParaRPr>
+          </a:p>
+          <a:p>
+            <a:pPr marL="666900" lvl="1" indent="-342900">
+              <a:buFont typeface="+mj-lt"/>
+              <a:buAutoNum type="arabicPeriod"/>
+            </a:pPr>
+            <a:r>
+              <a:rPr lang="en-US" sz="1800" dirty="0">
+                <a:solidFill>
+                  <a:schemeClr val="tx1"/>
+                </a:solidFill>
+              </a:rPr>
+              <a:t>Quadradic Regression</a:t>
+            </a:r>
+          </a:p>
+          <a:p>
+            <a:pPr marL="936900" lvl="2" indent="-342900"/>
+            <a:r>
+              <a:rPr lang="en-US" sz="1600" dirty="0">
+                <a:solidFill>
+                  <a:schemeClr val="tx1"/>
+                </a:solidFill>
+              </a:rPr>
+              <a:t>Spearman correlation coefficient is similar in all cases to Pearson correlation coefficient. A quadratic regression is possible to have better accuracy.</a:t>
+            </a:r>
+          </a:p>
+        </p:txBody>
+      </p:sp>
+    </p:spTree>
+    <p:extLst>
+      <p:ext uri="{BB962C8B-B14F-4D97-AF65-F5344CB8AC3E}">
+        <p14:creationId xmlns:p14="http://schemas.microsoft.com/office/powerpoint/2010/main" val="1444172677"/>
+      </p:ext>
+    </p:extLst>
+  </p:cSld>
+  <p:clrMapOvr>
+    <a:masterClrMapping/>
+  </p:clrMapOvr>
+</p:sld>
+</file>
+
+<file path=ppt/slides/slide29.xml><?xml version="1.0" encoding="utf-8"?>
+<p:sld xmlns:a="http://schemas.openxmlformats.org/drawingml/2006/main" xmlns:r="http://schemas.openxmlformats.org/officeDocument/2006/relationships" xmlns:p="http://schemas.openxmlformats.org/presentationml/2006/main">
+  <p:cSld>
+    <p:spTree>
+      <p:nvGrpSpPr>
+        <p:cNvPr id="1" name=""/>
+        <p:cNvGrpSpPr/>
+        <p:nvPr/>
+      </p:nvGrpSpPr>
+      <p:grpSpPr>
+        <a:xfrm>
+          <a:off x="0" y="0"/>
+          <a:ext cx="0" cy="0"/>
+          <a:chOff x="0" y="0"/>
+          <a:chExt cx="0" cy="0"/>
+        </a:xfrm>
+      </p:grpSpPr>
+      <p:sp>
+        <p:nvSpPr>
+          <p:cNvPr id="2" name="Title 1">
+            <a:extLst>
+              <a:ext uri="{FF2B5EF4-FFF2-40B4-BE49-F238E27FC236}">
+                <a16:creationId xmlns:a16="http://schemas.microsoft.com/office/drawing/2014/main" id="{37AA8A02-43F5-FE37-4530-4F8E06C00B85}"/>
+              </a:ext>
+            </a:extLst>
+          </p:cNvPr>
+          <p:cNvSpPr>
+            <a:spLocks noGrp="1"/>
+          </p:cNvSpPr>
+          <p:nvPr>
+            <p:ph type="title"/>
+          </p:nvPr>
+        </p:nvSpPr>
+        <p:spPr/>
+        <p:txBody>
+          <a:bodyPr/>
+          <a:lstStyle/>
+          <a:p>
+            <a:r>
+              <a:rPr lang="en-US" dirty="0"/>
+              <a:t>P-Value for Attendance to Grade</a:t>
+            </a:r>
+            <a:endParaRPr lang="en-GB" dirty="0"/>
+          </a:p>
+        </p:txBody>
+      </p:sp>
+      <p:graphicFrame>
+        <p:nvGraphicFramePr>
+          <p:cNvPr id="4" name="Table 4">
+            <a:extLst>
+              <a:ext uri="{FF2B5EF4-FFF2-40B4-BE49-F238E27FC236}">
+                <a16:creationId xmlns:a16="http://schemas.microsoft.com/office/drawing/2014/main" id="{F9659DFA-0F87-6E64-4D43-BADDD3A36B15}"/>
+              </a:ext>
+            </a:extLst>
+          </p:cNvPr>
+          <p:cNvGraphicFramePr>
+            <a:graphicFrameLocks noGrp="1"/>
+          </p:cNvGraphicFramePr>
+          <p:nvPr>
+            <p:ph idx="1"/>
+            <p:extLst>
+              <p:ext uri="{D42A27DB-BD31-4B8C-83A1-F6EECF244321}">
+                <p14:modId xmlns:p14="http://schemas.microsoft.com/office/powerpoint/2010/main" val="2492169168"/>
+              </p:ext>
+            </p:extLst>
+          </p:nvPr>
+        </p:nvGraphicFramePr>
+        <p:xfrm>
+          <a:off x="580858" y="2164446"/>
+          <a:ext cx="11029950" cy="1706880"/>
+        </p:xfrm>
+        <a:graphic>
+          <a:graphicData uri="http://schemas.openxmlformats.org/drawingml/2006/table">
+            <a:tbl>
+              <a:tblPr firstRow="1" bandRow="1">
+                <a:tableStyleId>{5C22544A-7EE6-4342-B048-85BDC9FD1C3A}</a:tableStyleId>
+              </a:tblPr>
+              <a:tblGrid>
+                <a:gridCol w="1225550">
+                  <a:extLst>
+                    <a:ext uri="{9D8B030D-6E8A-4147-A177-3AD203B41FA5}">
+                      <a16:colId xmlns:a16="http://schemas.microsoft.com/office/drawing/2014/main" val="1680689584"/>
+                    </a:ext>
+                  </a:extLst>
+                </a:gridCol>
+                <a:gridCol w="1225550">
+                  <a:extLst>
+                    <a:ext uri="{9D8B030D-6E8A-4147-A177-3AD203B41FA5}">
+                      <a16:colId xmlns:a16="http://schemas.microsoft.com/office/drawing/2014/main" val="3268337935"/>
+                    </a:ext>
+                  </a:extLst>
+                </a:gridCol>
+                <a:gridCol w="1225550">
+                  <a:extLst>
+                    <a:ext uri="{9D8B030D-6E8A-4147-A177-3AD203B41FA5}">
+                      <a16:colId xmlns:a16="http://schemas.microsoft.com/office/drawing/2014/main" val="850592976"/>
+                    </a:ext>
+                  </a:extLst>
+                </a:gridCol>
+                <a:gridCol w="1225550">
+                  <a:extLst>
+                    <a:ext uri="{9D8B030D-6E8A-4147-A177-3AD203B41FA5}">
+                      <a16:colId xmlns:a16="http://schemas.microsoft.com/office/drawing/2014/main" val="3529354140"/>
+                    </a:ext>
+                  </a:extLst>
+                </a:gridCol>
+                <a:gridCol w="1225550">
+                  <a:extLst>
+                    <a:ext uri="{9D8B030D-6E8A-4147-A177-3AD203B41FA5}">
+                      <a16:colId xmlns:a16="http://schemas.microsoft.com/office/drawing/2014/main" val="2984154153"/>
+                    </a:ext>
+                  </a:extLst>
+                </a:gridCol>
+                <a:gridCol w="1225550">
+                  <a:extLst>
+                    <a:ext uri="{9D8B030D-6E8A-4147-A177-3AD203B41FA5}">
+                      <a16:colId xmlns:a16="http://schemas.microsoft.com/office/drawing/2014/main" val="3221296130"/>
+                    </a:ext>
+                  </a:extLst>
+                </a:gridCol>
+                <a:gridCol w="1225550">
+                  <a:extLst>
+                    <a:ext uri="{9D8B030D-6E8A-4147-A177-3AD203B41FA5}">
+                      <a16:colId xmlns:a16="http://schemas.microsoft.com/office/drawing/2014/main" val="3535012219"/>
+                    </a:ext>
+                  </a:extLst>
+                </a:gridCol>
+                <a:gridCol w="1225550">
+                  <a:extLst>
+                    <a:ext uri="{9D8B030D-6E8A-4147-A177-3AD203B41FA5}">
+                      <a16:colId xmlns:a16="http://schemas.microsoft.com/office/drawing/2014/main" val="723641896"/>
+                    </a:ext>
+                  </a:extLst>
+                </a:gridCol>
+                <a:gridCol w="1225550">
+                  <a:extLst>
+                    <a:ext uri="{9D8B030D-6E8A-4147-A177-3AD203B41FA5}">
+                      <a16:colId xmlns:a16="http://schemas.microsoft.com/office/drawing/2014/main" val="973492962"/>
+                    </a:ext>
+                  </a:extLst>
+                </a:gridCol>
+              </a:tblGrid>
+              <a:tr h="370840">
+                <a:tc>
+                  <a:txBody>
+                    <a:bodyPr/>
+                    <a:lstStyle/>
+                    <a:p>
+                      <a:endParaRPr lang="en-GB" dirty="0"/>
+                    </a:p>
+                  </a:txBody>
+                  <a:tcPr/>
+                </a:tc>
+                <a:tc>
+                  <a:txBody>
+                    <a:bodyPr/>
+                    <a:lstStyle/>
+                    <a:p>
+                      <a:r>
+                        <a:rPr lang="en-US" sz="1100" dirty="0"/>
+                        <a:t>2021-2022</a:t>
+                      </a:r>
+                    </a:p>
+                    <a:p>
+                      <a:r>
+                        <a:rPr lang="en-US" sz="1100" dirty="0"/>
+                        <a:t>Attendance (%)</a:t>
+                      </a:r>
+                      <a:endParaRPr lang="en-GB" sz="1100" dirty="0"/>
+                    </a:p>
+                  </a:txBody>
+                  <a:tcPr/>
+                </a:tc>
+                <a:tc>
+                  <a:txBody>
+                    <a:bodyPr/>
+                    <a:lstStyle/>
+                    <a:p>
+                      <a:r>
+                        <a:rPr lang="en-US" sz="1100" dirty="0"/>
+                        <a:t>2022-2023</a:t>
+                      </a:r>
+                    </a:p>
+                    <a:p>
+                      <a:r>
+                        <a:rPr lang="en-US" sz="1100" dirty="0"/>
+                        <a:t>Attendance (%)</a:t>
+                      </a:r>
+                      <a:endParaRPr lang="en-GB" sz="1100" dirty="0"/>
+                    </a:p>
+                  </a:txBody>
+                  <a:tcPr/>
+                </a:tc>
+                <a:tc>
+                  <a:txBody>
+                    <a:bodyPr/>
+                    <a:lstStyle/>
+                    <a:p>
+                      <a:r>
+                        <a:rPr lang="en-US" sz="1100" dirty="0"/>
+                        <a:t>2021-2022 E. Attendance (%)</a:t>
+                      </a:r>
+                      <a:endParaRPr lang="en-GB" sz="1100" dirty="0"/>
+                    </a:p>
+                    <a:p>
+                      <a:endParaRPr lang="en-GB" sz="1100" dirty="0"/>
+                    </a:p>
+                  </a:txBody>
+                  <a:tcPr/>
+                </a:tc>
+                <a:tc>
+                  <a:txBody>
+                    <a:bodyPr/>
+                    <a:lstStyle/>
+                    <a:p>
+                      <a:pPr marL="0" marR="0" lvl="0" indent="0" algn="l" defTabSz="457200" rtl="0" eaLnBrk="1" fontAlgn="auto" latinLnBrk="0" hangingPunct="1">
+                        <a:lnSpc>
+                          <a:spcPct val="100000"/>
+                        </a:lnSpc>
+                        <a:spcBef>
+                          <a:spcPts val="0"/>
+                        </a:spcBef>
+                        <a:spcAft>
+                          <a:spcPts val="0"/>
+                        </a:spcAft>
+                        <a:buClrTx/>
+                        <a:buSzTx/>
+                        <a:buFontTx/>
+                        <a:buNone/>
+                        <a:tabLst/>
+                        <a:defRPr/>
+                      </a:pPr>
+                      <a:r>
+                        <a:rPr lang="en-US" sz="1100" dirty="0"/>
+                        <a:t>2022-2023 E. Attendance (%)</a:t>
+                      </a:r>
+                      <a:endParaRPr lang="en-GB" sz="1100" dirty="0"/>
+                    </a:p>
+                    <a:p>
+                      <a:endParaRPr lang="en-GB" sz="1100" dirty="0"/>
+                    </a:p>
+                  </a:txBody>
+                  <a:tcPr/>
+                </a:tc>
+                <a:tc>
+                  <a:txBody>
+                    <a:bodyPr/>
+                    <a:lstStyle/>
+                    <a:p>
+                      <a:pPr marL="0" marR="0" lvl="0" indent="0" algn="l" defTabSz="457200" rtl="0" eaLnBrk="1" fontAlgn="auto" latinLnBrk="0" hangingPunct="1">
+                        <a:lnSpc>
+                          <a:spcPct val="100000"/>
+                        </a:lnSpc>
+                        <a:spcBef>
+                          <a:spcPts val="0"/>
+                        </a:spcBef>
+                        <a:spcAft>
+                          <a:spcPts val="0"/>
+                        </a:spcAft>
+                        <a:buClrTx/>
+                        <a:buSzTx/>
+                        <a:buFontTx/>
+                        <a:buNone/>
+                        <a:tabLst/>
+                        <a:defRPr/>
+                      </a:pPr>
+                      <a:r>
+                        <a:rPr lang="en-US" sz="1100" dirty="0"/>
+                        <a:t>2021-2022 L. Attendance (%)</a:t>
+                      </a:r>
+                      <a:endParaRPr lang="en-GB" sz="1100" dirty="0"/>
+                    </a:p>
+                    <a:p>
+                      <a:endParaRPr lang="en-GB" sz="1100" dirty="0"/>
+                    </a:p>
+                  </a:txBody>
+                  <a:tcPr/>
+                </a:tc>
+                <a:tc>
+                  <a:txBody>
+                    <a:bodyPr/>
+                    <a:lstStyle/>
+                    <a:p>
+                      <a:pPr marL="0" marR="0" lvl="0" indent="0" algn="l" defTabSz="457200" rtl="0" eaLnBrk="1" fontAlgn="auto" latinLnBrk="0" hangingPunct="1">
+                        <a:lnSpc>
+                          <a:spcPct val="100000"/>
+                        </a:lnSpc>
+                        <a:spcBef>
+                          <a:spcPts val="0"/>
+                        </a:spcBef>
+                        <a:spcAft>
+                          <a:spcPts val="0"/>
+                        </a:spcAft>
+                        <a:buClrTx/>
+                        <a:buSzTx/>
+                        <a:buFontTx/>
+                        <a:buNone/>
+                        <a:tabLst/>
+                        <a:defRPr/>
+                      </a:pPr>
+                      <a:r>
+                        <a:rPr lang="en-US" sz="1100" dirty="0"/>
+                        <a:t>2022-2023 L. Attendance (%)</a:t>
+                      </a:r>
+                      <a:endParaRPr lang="en-GB" sz="1100" dirty="0"/>
+                    </a:p>
+                    <a:p>
+                      <a:endParaRPr lang="en-GB" sz="1100" dirty="0"/>
+                    </a:p>
+                  </a:txBody>
+                  <a:tcPr/>
+                </a:tc>
+                <a:tc>
+                  <a:txBody>
+                    <a:bodyPr/>
+                    <a:lstStyle/>
+                    <a:p>
+                      <a:pPr marL="0" marR="0" lvl="0" indent="0" algn="l" defTabSz="457200" rtl="0" eaLnBrk="1" fontAlgn="auto" latinLnBrk="0" hangingPunct="1">
+                        <a:lnSpc>
+                          <a:spcPct val="100000"/>
+                        </a:lnSpc>
+                        <a:spcBef>
+                          <a:spcPts val="0"/>
+                        </a:spcBef>
+                        <a:spcAft>
+                          <a:spcPts val="0"/>
+                        </a:spcAft>
+                        <a:buClrTx/>
+                        <a:buSzTx/>
+                        <a:buFontTx/>
+                        <a:buNone/>
+                        <a:tabLst/>
+                        <a:defRPr/>
+                      </a:pPr>
+                      <a:r>
+                        <a:rPr lang="en-US" sz="1100" dirty="0"/>
+                        <a:t>2021-2022 P. Attendance (%)</a:t>
+                      </a:r>
+                      <a:endParaRPr lang="en-GB" sz="1100" dirty="0"/>
+                    </a:p>
+                    <a:p>
+                      <a:endParaRPr lang="en-GB" sz="1100" dirty="0"/>
+                    </a:p>
+                  </a:txBody>
+                  <a:tcPr/>
+                </a:tc>
+                <a:tc>
+                  <a:txBody>
+                    <a:bodyPr/>
+                    <a:lstStyle/>
+                    <a:p>
+                      <a:pPr marL="0" marR="0" lvl="0" indent="0" algn="l" defTabSz="457200" rtl="0" eaLnBrk="1" fontAlgn="auto" latinLnBrk="0" hangingPunct="1">
+                        <a:lnSpc>
+                          <a:spcPct val="100000"/>
+                        </a:lnSpc>
+                        <a:spcBef>
+                          <a:spcPts val="0"/>
+                        </a:spcBef>
+                        <a:spcAft>
+                          <a:spcPts val="0"/>
+                        </a:spcAft>
+                        <a:buClrTx/>
+                        <a:buSzTx/>
+                        <a:buFontTx/>
+                        <a:buNone/>
+                        <a:tabLst/>
+                        <a:defRPr/>
+                      </a:pPr>
+                      <a:r>
+                        <a:rPr lang="en-US" sz="1100" dirty="0"/>
+                        <a:t>2022-2023 P. Attendance (%)</a:t>
+                      </a:r>
+                      <a:endParaRPr lang="en-GB" sz="1100" dirty="0"/>
+                    </a:p>
+                    <a:p>
+                      <a:endParaRPr lang="en-GB" sz="1100" dirty="0"/>
+                    </a:p>
+                  </a:txBody>
+                  <a:tcPr/>
+                </a:tc>
+                <a:extLst>
+                  <a:ext uri="{0D108BD9-81ED-4DB2-BD59-A6C34878D82A}">
+                    <a16:rowId xmlns:a16="http://schemas.microsoft.com/office/drawing/2014/main" val="833014517"/>
+                  </a:ext>
+                </a:extLst>
+              </a:tr>
+              <a:tr h="370840">
+                <a:tc>
+                  <a:txBody>
+                    <a:bodyPr/>
+                    <a:lstStyle/>
+                    <a:p>
+                      <a:r>
+                        <a:rPr lang="en-US" dirty="0"/>
+                        <a:t>Linear</a:t>
+                      </a:r>
+                      <a:endParaRPr lang="en-GB" dirty="0"/>
+                    </a:p>
+                  </a:txBody>
+                  <a:tcPr/>
+                </a:tc>
+                <a:tc>
+                  <a:txBody>
+                    <a:bodyPr/>
+                    <a:lstStyle/>
+                    <a:p>
+                      <a:r>
+                        <a:rPr lang="en-GB" sz="1400" b="0" i="0" kern="1200" dirty="0">
+                          <a:solidFill>
+                            <a:schemeClr val="dk1"/>
+                          </a:solidFill>
+                          <a:effectLst/>
+                          <a:latin typeface="+mn-lt"/>
+                          <a:ea typeface="+mn-ea"/>
+                          <a:cs typeface="+mn-cs"/>
+                        </a:rPr>
+                        <a:t>0.7351</a:t>
+                      </a:r>
+                      <a:endParaRPr lang="en-GB" sz="1400" dirty="0"/>
+                    </a:p>
+                  </a:txBody>
+                  <a:tcPr/>
+                </a:tc>
+                <a:tc>
+                  <a:txBody>
+                    <a:bodyPr/>
+                    <a:lstStyle/>
+                    <a:p>
+                      <a:r>
+                        <a:rPr lang="en-GB" sz="1400" b="0" i="0" kern="1200" dirty="0">
+                          <a:solidFill>
+                            <a:schemeClr val="dk1"/>
+                          </a:solidFill>
+                          <a:effectLst/>
+                          <a:latin typeface="+mn-lt"/>
+                          <a:ea typeface="+mn-ea"/>
+                          <a:cs typeface="+mn-cs"/>
+                        </a:rPr>
+                        <a:t>0.000006301</a:t>
+                      </a:r>
+                      <a:endParaRPr lang="en-GB" sz="1400" dirty="0"/>
+                    </a:p>
+                  </a:txBody>
+                  <a:tcPr/>
+                </a:tc>
+                <a:tc>
+                  <a:txBody>
+                    <a:bodyPr/>
+                    <a:lstStyle/>
+                    <a:p>
+                      <a:r>
+                        <a:rPr lang="en-GB" sz="1400" b="0" i="0" kern="1200" dirty="0">
+                          <a:solidFill>
+                            <a:schemeClr val="dk1"/>
+                          </a:solidFill>
+                          <a:effectLst/>
+                          <a:latin typeface="+mn-lt"/>
+                          <a:ea typeface="+mn-ea"/>
+                          <a:cs typeface="+mn-cs"/>
+                        </a:rPr>
+                        <a:t>0.755</a:t>
+                      </a:r>
+                      <a:endParaRPr lang="en-GB" sz="1400" dirty="0"/>
+                    </a:p>
+                  </a:txBody>
+                  <a:tcPr/>
+                </a:tc>
+                <a:tc>
+                  <a:txBody>
+                    <a:bodyPr/>
+                    <a:lstStyle/>
+                    <a:p>
+                      <a:r>
+                        <a:rPr lang="en-GB" sz="1400" b="0" i="0" kern="1200" dirty="0">
+                          <a:solidFill>
+                            <a:schemeClr val="dk1"/>
+                          </a:solidFill>
+                          <a:effectLst/>
+                          <a:latin typeface="+mn-lt"/>
+                          <a:ea typeface="+mn-ea"/>
+                          <a:cs typeface="+mn-cs"/>
+                        </a:rPr>
+                        <a:t>0.000006097</a:t>
+                      </a:r>
+                      <a:endParaRPr lang="en-GB" sz="1400" dirty="0"/>
+                    </a:p>
+                  </a:txBody>
+                  <a:tcPr/>
+                </a:tc>
+                <a:tc>
+                  <a:txBody>
+                    <a:bodyPr/>
+                    <a:lstStyle/>
+                    <a:p>
+                      <a:r>
+                        <a:rPr lang="en-GB" sz="1400" b="0" i="0" kern="1200" dirty="0">
+                          <a:solidFill>
+                            <a:schemeClr val="dk1"/>
+                          </a:solidFill>
+                          <a:effectLst/>
+                          <a:latin typeface="+mn-lt"/>
+                          <a:ea typeface="+mn-ea"/>
+                          <a:cs typeface="+mn-cs"/>
+                        </a:rPr>
+                        <a:t>0.5008</a:t>
+                      </a:r>
+                      <a:endParaRPr lang="en-GB" sz="1400" dirty="0"/>
+                    </a:p>
+                  </a:txBody>
+                  <a:tcPr/>
+                </a:tc>
+                <a:tc>
+                  <a:txBody>
+                    <a:bodyPr/>
+                    <a:lstStyle/>
+                    <a:p>
+                      <a:r>
+                        <a:rPr lang="en-GB" sz="1400" b="0" i="0" kern="1200" dirty="0">
+                          <a:solidFill>
+                            <a:schemeClr val="dk1"/>
+                          </a:solidFill>
+                          <a:effectLst/>
+                          <a:latin typeface="+mn-lt"/>
+                          <a:ea typeface="+mn-ea"/>
+                          <a:cs typeface="+mn-cs"/>
+                        </a:rPr>
+                        <a:t>0.00002392</a:t>
+                      </a:r>
+                      <a:endParaRPr lang="en-GB" sz="1400" dirty="0"/>
+                    </a:p>
+                  </a:txBody>
+                  <a:tcPr/>
+                </a:tc>
+                <a:tc>
+                  <a:txBody>
+                    <a:bodyPr/>
+                    <a:lstStyle/>
+                    <a:p>
+                      <a:r>
+                        <a:rPr lang="en-GB" sz="1400" b="0" i="0" kern="1200" dirty="0">
+                          <a:solidFill>
+                            <a:schemeClr val="dk1"/>
+                          </a:solidFill>
+                          <a:effectLst/>
+                          <a:latin typeface="+mn-lt"/>
+                          <a:ea typeface="+mn-ea"/>
+                          <a:cs typeface="+mn-cs"/>
+                        </a:rPr>
+                        <a:t>0.2767</a:t>
+                      </a:r>
+                      <a:endParaRPr lang="en-GB" sz="1400" dirty="0"/>
+                    </a:p>
+                  </a:txBody>
+                  <a:tcPr/>
+                </a:tc>
+                <a:tc>
+                  <a:txBody>
+                    <a:bodyPr/>
+                    <a:lstStyle/>
+                    <a:p>
+                      <a:r>
+                        <a:rPr lang="en-GB" sz="1400" b="0" i="0" kern="1200" dirty="0">
+                          <a:solidFill>
+                            <a:schemeClr val="dk1"/>
+                          </a:solidFill>
+                          <a:effectLst/>
+                          <a:latin typeface="+mn-lt"/>
+                          <a:ea typeface="+mn-ea"/>
+                          <a:cs typeface="+mn-cs"/>
+                        </a:rPr>
+                        <a:t>0.0009853</a:t>
+                      </a:r>
+                      <a:endParaRPr lang="en-GB" sz="1400" dirty="0"/>
+                    </a:p>
+                  </a:txBody>
+                  <a:tcPr/>
+                </a:tc>
+                <a:extLst>
+                  <a:ext uri="{0D108BD9-81ED-4DB2-BD59-A6C34878D82A}">
+                    <a16:rowId xmlns:a16="http://schemas.microsoft.com/office/drawing/2014/main" val="683778598"/>
+                  </a:ext>
+                </a:extLst>
+              </a:tr>
+              <a:tr h="370840">
+                <a:tc>
+                  <a:txBody>
+                    <a:bodyPr/>
+                    <a:lstStyle/>
+                    <a:p>
+                      <a:r>
+                        <a:rPr lang="en-US" dirty="0"/>
+                        <a:t>Theil-Sen</a:t>
+                      </a:r>
+                      <a:endParaRPr lang="en-GB" dirty="0"/>
+                    </a:p>
+                  </a:txBody>
+                  <a:tcPr/>
+                </a:tc>
+                <a:tc>
+                  <a:txBody>
+                    <a:bodyPr/>
+                    <a:lstStyle/>
+                    <a:p>
+                      <a:r>
+                        <a:rPr lang="en-GB" sz="1400" b="0" i="0" kern="1200" dirty="0">
+                          <a:solidFill>
+                            <a:schemeClr val="dk1"/>
+                          </a:solidFill>
+                          <a:effectLst/>
+                          <a:latin typeface="+mn-lt"/>
+                          <a:ea typeface="+mn-ea"/>
+                          <a:cs typeface="+mn-cs"/>
+                        </a:rPr>
+                        <a:t>1</a:t>
+                      </a:r>
+                      <a:endParaRPr lang="en-GB" sz="1400" dirty="0"/>
+                    </a:p>
+                  </a:txBody>
+                  <a:tcPr/>
+                </a:tc>
+                <a:tc>
+                  <a:txBody>
+                    <a:bodyPr/>
+                    <a:lstStyle/>
+                    <a:p>
+                      <a:r>
+                        <a:rPr lang="en-GB" sz="1400" b="0" i="0" kern="1200" dirty="0">
+                          <a:solidFill>
+                            <a:schemeClr val="dk1"/>
+                          </a:solidFill>
+                          <a:effectLst/>
+                          <a:latin typeface="+mn-lt"/>
+                          <a:ea typeface="+mn-ea"/>
+                          <a:cs typeface="+mn-cs"/>
+                        </a:rPr>
+                        <a:t>0.000003074</a:t>
+                      </a:r>
+                      <a:endParaRPr lang="en-GB" sz="1400" dirty="0"/>
+                    </a:p>
+                  </a:txBody>
+                  <a:tcPr/>
+                </a:tc>
+                <a:tc>
+                  <a:txBody>
+                    <a:bodyPr/>
+                    <a:lstStyle/>
+                    <a:p>
+                      <a:r>
+                        <a:rPr lang="en-GB" sz="1400" b="0" i="0" kern="1200" dirty="0">
+                          <a:solidFill>
+                            <a:schemeClr val="dk1"/>
+                          </a:solidFill>
+                          <a:effectLst/>
+                          <a:latin typeface="+mn-lt"/>
+                          <a:ea typeface="+mn-ea"/>
+                          <a:cs typeface="+mn-cs"/>
+                        </a:rPr>
+                        <a:t>1</a:t>
+                      </a:r>
+                      <a:endParaRPr lang="en-GB" sz="1400" dirty="0"/>
+                    </a:p>
+                  </a:txBody>
+                  <a:tcPr/>
+                </a:tc>
+                <a:tc>
+                  <a:txBody>
+                    <a:bodyPr/>
+                    <a:lstStyle/>
+                    <a:p>
+                      <a:r>
+                        <a:rPr lang="en-GB" sz="1400" b="0" i="0" kern="1200" dirty="0">
+                          <a:solidFill>
+                            <a:schemeClr val="dk1"/>
+                          </a:solidFill>
+                          <a:effectLst/>
+                          <a:latin typeface="+mn-lt"/>
+                          <a:ea typeface="+mn-ea"/>
+                          <a:cs typeface="+mn-cs"/>
+                        </a:rPr>
+                        <a:t>0.000002851</a:t>
+                      </a:r>
+                      <a:endParaRPr lang="en-GB" sz="1400" dirty="0"/>
+                    </a:p>
+                  </a:txBody>
+                  <a:tcPr/>
+                </a:tc>
+                <a:tc>
+                  <a:txBody>
+                    <a:bodyPr/>
+                    <a:lstStyle/>
+                    <a:p>
+                      <a:r>
+                        <a:rPr lang="en-US" sz="1400" dirty="0"/>
+                        <a:t>1</a:t>
+                      </a:r>
+                      <a:endParaRPr lang="en-GB" sz="1400" dirty="0"/>
+                    </a:p>
+                  </a:txBody>
+                  <a:tcPr/>
+                </a:tc>
+                <a:tc>
+                  <a:txBody>
+                    <a:bodyPr/>
+                    <a:lstStyle/>
+                    <a:p>
+                      <a:r>
+                        <a:rPr lang="en-GB" sz="1400" b="0" i="0" kern="1200" dirty="0">
+                          <a:solidFill>
+                            <a:schemeClr val="dk1"/>
+                          </a:solidFill>
+                          <a:effectLst/>
+                          <a:latin typeface="+mn-lt"/>
+                          <a:ea typeface="+mn-ea"/>
+                          <a:cs typeface="+mn-cs"/>
+                        </a:rPr>
+                        <a:t>0.00000774</a:t>
+                      </a:r>
+                      <a:endParaRPr lang="en-GB" sz="1400" dirty="0"/>
+                    </a:p>
+                  </a:txBody>
+                  <a:tcPr/>
+                </a:tc>
+                <a:tc>
+                  <a:txBody>
+                    <a:bodyPr/>
+                    <a:lstStyle/>
+                    <a:p>
+                      <a:r>
+                        <a:rPr lang="en-GB" sz="1400" b="0" i="0" kern="1200" dirty="0">
+                          <a:solidFill>
+                            <a:schemeClr val="dk1"/>
+                          </a:solidFill>
+                          <a:effectLst/>
+                          <a:latin typeface="+mn-lt"/>
+                          <a:ea typeface="+mn-ea"/>
+                          <a:cs typeface="+mn-cs"/>
+                        </a:rPr>
+                        <a:t>0.05156</a:t>
+                      </a:r>
+                      <a:endParaRPr lang="en-GB" sz="1400" dirty="0"/>
+                    </a:p>
+                  </a:txBody>
+                  <a:tcPr/>
+                </a:tc>
+                <a:tc>
+                  <a:txBody>
+                    <a:bodyPr/>
+                    <a:lstStyle/>
+                    <a:p>
+                      <a:r>
+                        <a:rPr lang="en-GB" sz="1400" b="0" i="0" kern="1200" dirty="0">
+                          <a:solidFill>
+                            <a:schemeClr val="dk1"/>
+                          </a:solidFill>
+                          <a:effectLst/>
+                          <a:latin typeface="+mn-lt"/>
+                          <a:ea typeface="+mn-ea"/>
+                          <a:cs typeface="+mn-cs"/>
+                        </a:rPr>
+                        <a:t>0.0007993</a:t>
+                      </a:r>
+                      <a:endParaRPr lang="en-GB" sz="1400" dirty="0"/>
+                    </a:p>
+                  </a:txBody>
+                  <a:tcPr/>
+                </a:tc>
+                <a:extLst>
+                  <a:ext uri="{0D108BD9-81ED-4DB2-BD59-A6C34878D82A}">
+                    <a16:rowId xmlns:a16="http://schemas.microsoft.com/office/drawing/2014/main" val="2019266990"/>
+                  </a:ext>
+                </a:extLst>
+              </a:tr>
+              <a:tr h="370840">
+                <a:tc>
+                  <a:txBody>
+                    <a:bodyPr/>
+                    <a:lstStyle/>
+                    <a:p>
+                      <a:r>
+                        <a:rPr lang="en-US" dirty="0"/>
+                        <a:t>Quadratic</a:t>
+                      </a:r>
+                      <a:endParaRPr lang="en-GB" dirty="0"/>
+                    </a:p>
+                  </a:txBody>
+                  <a:tcPr/>
+                </a:tc>
+                <a:tc>
+                  <a:txBody>
+                    <a:bodyPr/>
+                    <a:lstStyle/>
+                    <a:p>
+                      <a:r>
+                        <a:rPr lang="en-GB" sz="1400" b="0" i="0" kern="1200" dirty="0">
+                          <a:solidFill>
+                            <a:schemeClr val="dk1"/>
+                          </a:solidFill>
+                          <a:effectLst/>
+                          <a:latin typeface="+mn-lt"/>
+                          <a:ea typeface="+mn-ea"/>
+                          <a:cs typeface="+mn-cs"/>
+                        </a:rPr>
+                        <a:t>0.6707</a:t>
+                      </a:r>
+                      <a:endParaRPr lang="en-GB" sz="1400" dirty="0"/>
+                    </a:p>
+                  </a:txBody>
+                  <a:tcPr/>
+                </a:tc>
+                <a:tc>
+                  <a:txBody>
+                    <a:bodyPr/>
+                    <a:lstStyle/>
+                    <a:p>
+                      <a:r>
+                        <a:rPr lang="en-GB" sz="1400" b="0" i="0" kern="1200" dirty="0">
+                          <a:solidFill>
+                            <a:schemeClr val="dk1"/>
+                          </a:solidFill>
+                          <a:effectLst/>
+                          <a:latin typeface="+mn-lt"/>
+                          <a:ea typeface="+mn-ea"/>
+                          <a:cs typeface="+mn-cs"/>
+                        </a:rPr>
+                        <a:t>0.00003332</a:t>
+                      </a:r>
+                      <a:endParaRPr lang="en-GB" sz="1400" dirty="0"/>
+                    </a:p>
+                  </a:txBody>
+                  <a:tcPr/>
+                </a:tc>
+                <a:tc>
+                  <a:txBody>
+                    <a:bodyPr/>
+                    <a:lstStyle/>
+                    <a:p>
+                      <a:r>
+                        <a:rPr lang="en-GB" sz="1400" b="0" i="0" kern="1200" dirty="0">
+                          <a:solidFill>
+                            <a:schemeClr val="dk1"/>
+                          </a:solidFill>
+                          <a:effectLst/>
+                          <a:latin typeface="+mn-lt"/>
+                          <a:ea typeface="+mn-ea"/>
+                          <a:cs typeface="+mn-cs"/>
+                        </a:rPr>
+                        <a:t>0.6768</a:t>
+                      </a:r>
+                      <a:endParaRPr lang="en-GB" sz="1400" dirty="0"/>
+                    </a:p>
+                  </a:txBody>
+                  <a:tcPr/>
+                </a:tc>
+                <a:tc>
+                  <a:txBody>
+                    <a:bodyPr/>
+                    <a:lstStyle/>
+                    <a:p>
+                      <a:r>
+                        <a:rPr lang="en-GB" sz="1400" b="0" i="0" kern="1200" dirty="0">
+                          <a:solidFill>
+                            <a:schemeClr val="dk1"/>
+                          </a:solidFill>
+                          <a:effectLst/>
+                          <a:latin typeface="+mn-lt"/>
+                          <a:ea typeface="+mn-ea"/>
+                          <a:cs typeface="+mn-cs"/>
+                        </a:rPr>
+                        <a:t>0.00003207</a:t>
+                      </a:r>
+                      <a:endParaRPr lang="en-GB" sz="1400" dirty="0"/>
+                    </a:p>
+                  </a:txBody>
+                  <a:tcPr/>
+                </a:tc>
+                <a:tc>
+                  <a:txBody>
+                    <a:bodyPr/>
+                    <a:lstStyle/>
+                    <a:p>
+                      <a:r>
+                        <a:rPr lang="en-GB" sz="1400" b="0" i="0" kern="1200" dirty="0">
+                          <a:solidFill>
+                            <a:schemeClr val="dk1"/>
+                          </a:solidFill>
+                          <a:effectLst/>
+                          <a:latin typeface="+mn-lt"/>
+                          <a:ea typeface="+mn-ea"/>
+                          <a:cs typeface="+mn-cs"/>
+                        </a:rPr>
+                        <a:t>0.7849</a:t>
+                      </a:r>
+                      <a:endParaRPr lang="en-GB" sz="1400" dirty="0"/>
+                    </a:p>
+                  </a:txBody>
+                  <a:tcPr/>
+                </a:tc>
+                <a:tc>
+                  <a:txBody>
+                    <a:bodyPr/>
+                    <a:lstStyle/>
+                    <a:p>
+                      <a:r>
+                        <a:rPr lang="en-GB" sz="1400" b="0" i="0" kern="1200" dirty="0">
+                          <a:solidFill>
+                            <a:schemeClr val="dk1"/>
+                          </a:solidFill>
+                          <a:effectLst/>
+                          <a:latin typeface="+mn-lt"/>
+                          <a:ea typeface="+mn-ea"/>
+                          <a:cs typeface="+mn-cs"/>
+                        </a:rPr>
+                        <a:t>0.0001263</a:t>
+                      </a:r>
+                      <a:endParaRPr lang="en-GB" sz="1400" dirty="0"/>
+                    </a:p>
+                  </a:txBody>
+                  <a:tcPr/>
+                </a:tc>
+                <a:tc>
+                  <a:txBody>
+                    <a:bodyPr/>
+                    <a:lstStyle/>
+                    <a:p>
+                      <a:r>
+                        <a:rPr lang="en-GB" sz="1400" b="0" i="0" kern="1200" dirty="0">
+                          <a:solidFill>
+                            <a:schemeClr val="dk1"/>
+                          </a:solidFill>
+                          <a:effectLst/>
+                          <a:latin typeface="+mn-lt"/>
+                          <a:ea typeface="+mn-ea"/>
+                          <a:cs typeface="+mn-cs"/>
+                        </a:rPr>
+                        <a:t>0.2763</a:t>
+                      </a:r>
+                      <a:endParaRPr lang="en-GB" sz="1400" dirty="0"/>
+                    </a:p>
+                  </a:txBody>
+                  <a:tcPr/>
+                </a:tc>
+                <a:tc>
+                  <a:txBody>
+                    <a:bodyPr/>
+                    <a:lstStyle/>
+                    <a:p>
+                      <a:r>
+                        <a:rPr lang="en-GB" sz="1400" b="0" i="0" kern="1200" dirty="0">
+                          <a:solidFill>
+                            <a:schemeClr val="dk1"/>
+                          </a:solidFill>
+                          <a:effectLst/>
+                          <a:latin typeface="+mn-lt"/>
+                          <a:ea typeface="+mn-ea"/>
+                          <a:cs typeface="+mn-cs"/>
+                        </a:rPr>
+                        <a:t>0.001507</a:t>
+                      </a:r>
+                      <a:endParaRPr lang="en-GB" sz="1400" dirty="0"/>
+                    </a:p>
+                  </a:txBody>
+                  <a:tcPr/>
+                </a:tc>
+                <a:extLst>
+                  <a:ext uri="{0D108BD9-81ED-4DB2-BD59-A6C34878D82A}">
+                    <a16:rowId xmlns:a16="http://schemas.microsoft.com/office/drawing/2014/main" val="1869977968"/>
+                  </a:ext>
+                </a:extLst>
+              </a:tr>
+            </a:tbl>
+          </a:graphicData>
+        </a:graphic>
+      </p:graphicFrame>
+      <p:sp>
+        <p:nvSpPr>
+          <p:cNvPr id="7" name="Content Placeholder 3">
+            <a:extLst>
+              <a:ext uri="{FF2B5EF4-FFF2-40B4-BE49-F238E27FC236}">
+                <a16:creationId xmlns:a16="http://schemas.microsoft.com/office/drawing/2014/main" id="{9ADD2381-D51D-22F3-DA50-DC212E4CF515}"/>
+              </a:ext>
+            </a:extLst>
+          </p:cNvPr>
+          <p:cNvSpPr txBox="1">
+            <a:spLocks/>
+          </p:cNvSpPr>
+          <p:nvPr/>
+        </p:nvSpPr>
+        <p:spPr>
+          <a:xfrm>
+            <a:off x="580858" y="4023248"/>
+            <a:ext cx="11029950" cy="2132596"/>
+          </a:xfrm>
+          <a:prstGeom prst="rect">
+            <a:avLst/>
+          </a:prstGeom>
+        </p:spPr>
+        <p:txBody>
+          <a:bodyPr vert="horz" lIns="91440" tIns="45720" rIns="91440" bIns="45720" rtlCol="0" anchor="ctr">
+            <a:normAutofit/>
+          </a:bodyPr>
+          <a:lstStyle>
+            <a:lvl1pPr marL="306000" indent="-306000" algn="l" defTabSz="457200" rtl="0" eaLnBrk="1" latinLnBrk="0" hangingPunct="1">
+              <a:spcBef>
+                <a:spcPct val="20000"/>
+              </a:spcBef>
+              <a:spcAft>
+                <a:spcPts val="600"/>
+              </a:spcAft>
+              <a:buClr>
+                <a:schemeClr val="accent2"/>
+              </a:buClr>
+              <a:buSzPct val="92000"/>
+              <a:buFont typeface="Wingdings 2" panose="05020102010507070707" pitchFamily="18" charset="2"/>
+              <a:buChar char=""/>
+              <a:defRPr sz="1800" kern="1200">
+                <a:solidFill>
+                  <a:schemeClr val="tx2"/>
+                </a:solidFill>
+                <a:latin typeface="+mn-lt"/>
+                <a:ea typeface="+mn-ea"/>
+                <a:cs typeface="+mn-cs"/>
+              </a:defRPr>
+            </a:lvl1pPr>
+            <a:lvl2pPr marL="630000" indent="-306000" algn="l" defTabSz="457200" rtl="0" eaLnBrk="1" latinLnBrk="0" hangingPunct="1">
+              <a:spcBef>
+                <a:spcPct val="20000"/>
+              </a:spcBef>
+              <a:spcAft>
+                <a:spcPts val="600"/>
+              </a:spcAft>
+              <a:buClr>
+                <a:schemeClr val="accent2"/>
+              </a:buClr>
+              <a:buSzPct val="92000"/>
+              <a:buFont typeface="Wingdings 2" panose="05020102010507070707" pitchFamily="18" charset="2"/>
+              <a:buChar char=""/>
+              <a:defRPr sz="1600" kern="1200">
+                <a:solidFill>
+                  <a:schemeClr val="tx2"/>
+                </a:solidFill>
+                <a:latin typeface="+mn-lt"/>
+                <a:ea typeface="+mn-ea"/>
+                <a:cs typeface="+mn-cs"/>
+              </a:defRPr>
+            </a:lvl2pPr>
+            <a:lvl3pPr marL="900000" indent="-270000" algn="l" defTabSz="457200" rtl="0" eaLnBrk="1" latinLnBrk="0" hangingPunct="1">
+              <a:spcBef>
+                <a:spcPct val="20000"/>
+              </a:spcBef>
+              <a:spcAft>
+                <a:spcPts val="600"/>
+              </a:spcAft>
+              <a:buClr>
+                <a:schemeClr val="accent2"/>
+              </a:buClr>
+              <a:buSzPct val="92000"/>
+              <a:buFont typeface="Wingdings 2" panose="05020102010507070707" pitchFamily="18" charset="2"/>
+              <a:buChar char=""/>
+              <a:defRPr sz="1400" kern="1200">
+                <a:solidFill>
+                  <a:schemeClr val="tx2"/>
+                </a:solidFill>
+                <a:latin typeface="+mn-lt"/>
+                <a:ea typeface="+mn-ea"/>
+                <a:cs typeface="+mn-cs"/>
+              </a:defRPr>
+            </a:lvl3pPr>
+            <a:lvl4pPr marL="1242000" indent="-234000" algn="l" defTabSz="457200" rtl="0" eaLnBrk="1" latinLnBrk="0" hangingPunct="1">
+              <a:spcBef>
+                <a:spcPct val="20000"/>
+              </a:spcBef>
+              <a:spcAft>
+                <a:spcPts val="600"/>
+              </a:spcAft>
+              <a:buClr>
+                <a:schemeClr val="accent2"/>
+              </a:buClr>
+              <a:buSzPct val="92000"/>
+              <a:buFont typeface="Wingdings 2" panose="05020102010507070707" pitchFamily="18" charset="2"/>
+              <a:buChar char=""/>
+              <a:defRPr sz="1200" kern="1200">
+                <a:solidFill>
+                  <a:schemeClr val="tx2"/>
+                </a:solidFill>
+                <a:latin typeface="+mn-lt"/>
+                <a:ea typeface="+mn-ea"/>
+                <a:cs typeface="+mn-cs"/>
+              </a:defRPr>
+            </a:lvl4pPr>
+            <a:lvl5pPr marL="1602000" indent="-234000" algn="l" defTabSz="457200" rtl="0" eaLnBrk="1" latinLnBrk="0" hangingPunct="1">
+              <a:spcBef>
+                <a:spcPct val="20000"/>
+              </a:spcBef>
+              <a:spcAft>
+                <a:spcPts val="600"/>
+              </a:spcAft>
+              <a:buClr>
+                <a:schemeClr val="accent2"/>
+              </a:buClr>
+              <a:buSzPct val="92000"/>
+              <a:buFont typeface="Wingdings 2" panose="05020102010507070707" pitchFamily="18" charset="2"/>
+              <a:buChar char=""/>
+              <a:defRPr sz="1200" kern="1200">
+                <a:solidFill>
+                  <a:schemeClr val="tx2"/>
+                </a:solidFill>
+                <a:latin typeface="+mn-lt"/>
+                <a:ea typeface="+mn-ea"/>
+                <a:cs typeface="+mn-cs"/>
+              </a:defRPr>
+            </a:lvl5pPr>
+            <a:lvl6pPr marL="1900000" indent="-228600" algn="l" defTabSz="457200" rtl="0" eaLnBrk="1" latinLnBrk="0" hangingPunct="1">
+              <a:spcBef>
+                <a:spcPct val="20000"/>
+              </a:spcBef>
+              <a:spcAft>
+                <a:spcPts val="600"/>
+              </a:spcAft>
+              <a:buClr>
+                <a:schemeClr val="accent2"/>
+              </a:buClr>
+              <a:buSzPct val="92000"/>
+              <a:buFont typeface="Wingdings 2" panose="05020102010507070707" pitchFamily="18" charset="2"/>
+              <a:buChar char=""/>
+              <a:defRPr sz="1200" kern="1200">
+                <a:solidFill>
+                  <a:schemeClr val="tx2"/>
+                </a:solidFill>
+                <a:latin typeface="+mn-lt"/>
+                <a:ea typeface="+mn-ea"/>
+                <a:cs typeface="+mn-cs"/>
+              </a:defRPr>
+            </a:lvl6pPr>
+            <a:lvl7pPr marL="2200000" indent="-228600" algn="l" defTabSz="457200" rtl="0" eaLnBrk="1" latinLnBrk="0" hangingPunct="1">
+              <a:spcBef>
+                <a:spcPct val="20000"/>
+              </a:spcBef>
+              <a:spcAft>
+                <a:spcPts val="600"/>
+              </a:spcAft>
+              <a:buClr>
+                <a:schemeClr val="accent2"/>
+              </a:buClr>
+              <a:buSzPct val="92000"/>
+              <a:buFont typeface="Wingdings 2" panose="05020102010507070707" pitchFamily="18" charset="2"/>
+              <a:buChar char=""/>
+              <a:defRPr sz="1200" kern="1200">
+                <a:solidFill>
+                  <a:schemeClr val="tx2"/>
+                </a:solidFill>
+                <a:latin typeface="+mn-lt"/>
+                <a:ea typeface="+mn-ea"/>
+                <a:cs typeface="+mn-cs"/>
+              </a:defRPr>
+            </a:lvl7pPr>
+            <a:lvl8pPr marL="2500000" indent="-228600" algn="l" defTabSz="457200" rtl="0" eaLnBrk="1" latinLnBrk="0" hangingPunct="1">
+              <a:spcBef>
+                <a:spcPct val="20000"/>
+              </a:spcBef>
+              <a:spcAft>
+                <a:spcPts val="600"/>
+              </a:spcAft>
+              <a:buClr>
+                <a:schemeClr val="accent2"/>
+              </a:buClr>
+              <a:buSzPct val="92000"/>
+              <a:buFont typeface="Wingdings 2" panose="05020102010507070707" pitchFamily="18" charset="2"/>
+              <a:buChar char=""/>
+              <a:defRPr sz="1200" kern="1200">
+                <a:solidFill>
+                  <a:schemeClr val="tx2"/>
+                </a:solidFill>
+                <a:latin typeface="+mn-lt"/>
+                <a:ea typeface="+mn-ea"/>
+                <a:cs typeface="+mn-cs"/>
+              </a:defRPr>
+            </a:lvl8pPr>
+            <a:lvl9pPr marL="2800000" indent="-228600" algn="l" defTabSz="457200" rtl="0" eaLnBrk="1" latinLnBrk="0" hangingPunct="1">
+              <a:spcBef>
+                <a:spcPct val="20000"/>
+              </a:spcBef>
+              <a:spcAft>
+                <a:spcPts val="600"/>
+              </a:spcAft>
+              <a:buClr>
+                <a:schemeClr val="accent2"/>
+              </a:buClr>
+              <a:buSzPct val="92000"/>
+              <a:buFont typeface="Wingdings 2" panose="05020102010507070707" pitchFamily="18" charset="2"/>
+              <a:buChar char=""/>
+              <a:defRPr sz="1200" kern="1200">
+                <a:solidFill>
+                  <a:schemeClr val="tx2"/>
+                </a:solidFill>
+                <a:latin typeface="+mn-lt"/>
+                <a:ea typeface="+mn-ea"/>
+                <a:cs typeface="+mn-cs"/>
+              </a:defRPr>
+            </a:lvl9pPr>
+          </a:lstStyle>
+          <a:p>
+            <a:r>
+              <a:rPr lang="en-US" dirty="0">
+                <a:solidFill>
+                  <a:schemeClr val="tx1"/>
+                </a:solidFill>
+              </a:rPr>
+              <a:t>P-Value helps identify if an independent variable (Attendance) is statistically significant to the dependent variable (Grade). </a:t>
+            </a:r>
+          </a:p>
+          <a:p>
+            <a:r>
+              <a:rPr lang="en-US" dirty="0">
+                <a:solidFill>
+                  <a:schemeClr val="tx1"/>
+                </a:solidFill>
+              </a:rPr>
+              <a:t>Significance level of 0.05 (appears to be the most common significance threshold). (</a:t>
+            </a:r>
+            <a:r>
+              <a:rPr lang="en-US" b="0" i="0" dirty="0" err="1">
+                <a:solidFill>
+                  <a:schemeClr val="tx1"/>
+                </a:solidFill>
+                <a:effectLst/>
+              </a:rPr>
+              <a:t>Kyriacou</a:t>
+            </a:r>
+            <a:r>
+              <a:rPr lang="en-US" b="0" i="0" dirty="0">
+                <a:solidFill>
+                  <a:schemeClr val="tx1"/>
+                </a:solidFill>
+                <a:effectLst/>
+              </a:rPr>
+              <a:t>,  2016)</a:t>
+            </a:r>
+            <a:endParaRPr lang="en-US" dirty="0">
+              <a:solidFill>
+                <a:schemeClr val="tx1"/>
+              </a:solidFill>
+            </a:endParaRPr>
+          </a:p>
+          <a:p>
+            <a:pPr lvl="1"/>
+            <a:r>
+              <a:rPr lang="en-US" dirty="0">
+                <a:solidFill>
+                  <a:schemeClr val="tx1"/>
+                </a:solidFill>
+              </a:rPr>
+              <a:t>Values under threshold represent a strong probability that there is a relationship between the variables.</a:t>
+            </a:r>
+          </a:p>
+        </p:txBody>
+      </p:sp>
+    </p:spTree>
+    <p:extLst>
+      <p:ext uri="{BB962C8B-B14F-4D97-AF65-F5344CB8AC3E}">
+        <p14:creationId xmlns:p14="http://schemas.microsoft.com/office/powerpoint/2010/main" val="2620287785"/>
+      </p:ext>
+    </p:extLst>
+  </p:cSld>
+  <p:clrMapOvr>
+    <a:masterClrMapping/>
+  </p:clrMapOvr>
+</p:sld>
+</file>
+
+<file path=ppt/slides/slide3.xml><?xml version="1.0" encoding="utf-8"?>
+<p:sld xmlns:a="http://schemas.openxmlformats.org/drawingml/2006/main" xmlns:r="http://schemas.openxmlformats.org/officeDocument/2006/relationships" xmlns:p="http://schemas.openxmlformats.org/presentationml/2006/main">
+  <p:cSld>
+    <p:spTree>
+      <p:nvGrpSpPr>
+        <p:cNvPr id="1" name=""/>
+        <p:cNvGrpSpPr/>
+        <p:nvPr/>
+      </p:nvGrpSpPr>
+      <p:grpSpPr>
+        <a:xfrm>
+          <a:off x="0" y="0"/>
+          <a:ext cx="0" cy="0"/>
+          <a:chOff x="0" y="0"/>
+          <a:chExt cx="0" cy="0"/>
+        </a:xfrm>
+      </p:grpSpPr>
+      <p:sp>
+        <p:nvSpPr>
+          <p:cNvPr id="2" name="Title 1">
+            <a:extLst>
+              <a:ext uri="{FF2B5EF4-FFF2-40B4-BE49-F238E27FC236}">
+                <a16:creationId xmlns:a16="http://schemas.microsoft.com/office/drawing/2014/main" id="{C7E0A70A-A506-742E-79FF-CCC404CE65C7}"/>
+              </a:ext>
+            </a:extLst>
+          </p:cNvPr>
+          <p:cNvSpPr>
+            <a:spLocks noGrp="1"/>
+          </p:cNvSpPr>
+          <p:nvPr>
+            <p:ph type="title"/>
+          </p:nvPr>
+        </p:nvSpPr>
+        <p:spPr/>
+        <p:txBody>
+          <a:bodyPr/>
+          <a:lstStyle/>
+          <a:p>
+            <a:r>
+              <a:rPr lang="en-US" dirty="0"/>
+              <a:t>External Research</a:t>
+            </a:r>
+            <a:endParaRPr lang="en-GB" dirty="0"/>
+          </a:p>
+        </p:txBody>
+      </p:sp>
+      <p:sp>
+        <p:nvSpPr>
+          <p:cNvPr id="3" name="Content Placeholder 2">
+            <a:extLst>
+              <a:ext uri="{FF2B5EF4-FFF2-40B4-BE49-F238E27FC236}">
+                <a16:creationId xmlns:a16="http://schemas.microsoft.com/office/drawing/2014/main" id="{DAE9E2D5-3E7C-12B5-F2B4-4D153305E279}"/>
+              </a:ext>
+            </a:extLst>
+          </p:cNvPr>
+          <p:cNvSpPr>
+            <a:spLocks noGrp="1"/>
+          </p:cNvSpPr>
+          <p:nvPr>
+            <p:ph idx="1"/>
+          </p:nvPr>
+        </p:nvSpPr>
+        <p:spPr>
+          <a:xfrm>
+            <a:off x="581192" y="2180496"/>
+            <a:ext cx="11029615" cy="4144104"/>
+          </a:xfrm>
+        </p:spPr>
+        <p:txBody>
+          <a:bodyPr>
+            <a:normAutofit/>
+          </a:bodyPr>
+          <a:lstStyle/>
+          <a:p>
+            <a:pPr marL="0" indent="0">
+              <a:buNone/>
+            </a:pPr>
+            <a:r>
+              <a:rPr lang="en-US" dirty="0">
+                <a:solidFill>
+                  <a:schemeClr val="tx1"/>
+                </a:solidFill>
+              </a:rPr>
+              <a:t>There are numerous studies that explore the relationship between attendance and grades / academic achievement.</a:t>
+            </a:r>
+          </a:p>
+          <a:p>
+            <a:r>
+              <a:rPr lang="en-GB" dirty="0">
+                <a:solidFill>
+                  <a:schemeClr val="tx1"/>
+                </a:solidFill>
+              </a:rPr>
+              <a:t>A study exploring a large sample of students, found a strong correlation between attendance and performance, including a substantial correlation between peer attendance and their own.  (</a:t>
+            </a:r>
+            <a:r>
+              <a:rPr lang="en-GB" dirty="0" err="1">
+                <a:solidFill>
+                  <a:schemeClr val="tx1"/>
+                </a:solidFill>
+              </a:rPr>
+              <a:t>Kassarnig</a:t>
+            </a:r>
+            <a:r>
+              <a:rPr lang="en-GB" dirty="0">
+                <a:solidFill>
+                  <a:schemeClr val="tx1"/>
+                </a:solidFill>
+              </a:rPr>
+              <a:t>, et. al., 2017)</a:t>
+            </a:r>
+          </a:p>
+          <a:p>
+            <a:pPr lvl="1"/>
+            <a:r>
+              <a:rPr lang="en-GB" dirty="0">
+                <a:solidFill>
+                  <a:schemeClr val="tx1"/>
+                </a:solidFill>
+              </a:rPr>
+              <a:t>Study used Bluetooth and location data to determine the contacts a student had, as well as their location during class time to determine their attendance and their general social contacts within the class.</a:t>
+            </a:r>
+          </a:p>
+          <a:p>
+            <a:pPr lvl="1"/>
+            <a:r>
+              <a:rPr lang="en-GB" dirty="0">
+                <a:solidFill>
+                  <a:schemeClr val="tx1"/>
+                </a:solidFill>
+              </a:rPr>
+              <a:t>Use of Spearman’s correlation coefficient, and Theil-San Regression over linear regression.</a:t>
+            </a:r>
+            <a:endParaRPr lang="en-US" dirty="0">
+              <a:solidFill>
+                <a:schemeClr val="tx1"/>
+              </a:solidFill>
+            </a:endParaRPr>
+          </a:p>
+          <a:p>
+            <a:endParaRPr lang="en-US" dirty="0">
+              <a:solidFill>
+                <a:schemeClr val="tx1"/>
+              </a:solidFill>
+            </a:endParaRPr>
+          </a:p>
+          <a:p>
+            <a:r>
+              <a:rPr lang="en-US" dirty="0">
+                <a:solidFill>
+                  <a:schemeClr val="tx1"/>
+                </a:solidFill>
+              </a:rPr>
+              <a:t>Similarly, an analysis of class attendance and class grades in college classes showed a similar strong correlation between attendance and grade score (</a:t>
+            </a:r>
+            <a:r>
+              <a:rPr lang="en-GB" b="0" i="0" dirty="0" err="1">
+                <a:solidFill>
+                  <a:schemeClr val="tx1"/>
+                </a:solidFill>
+                <a:effectLst/>
+              </a:rPr>
+              <a:t>Credé</a:t>
+            </a:r>
+            <a:r>
+              <a:rPr lang="en-GB" b="0" i="0" dirty="0">
+                <a:solidFill>
+                  <a:schemeClr val="tx1"/>
+                </a:solidFill>
+                <a:effectLst/>
+              </a:rPr>
+              <a:t>, </a:t>
+            </a:r>
+            <a:r>
+              <a:rPr lang="en-GB" b="0" i="0" dirty="0" err="1">
+                <a:solidFill>
+                  <a:schemeClr val="tx1"/>
+                </a:solidFill>
+                <a:effectLst/>
+              </a:rPr>
+              <a:t>Roch</a:t>
+            </a:r>
+            <a:r>
+              <a:rPr lang="en-GB" dirty="0">
+                <a:solidFill>
+                  <a:schemeClr val="tx1"/>
+                </a:solidFill>
+              </a:rPr>
+              <a:t>, </a:t>
+            </a:r>
+            <a:r>
+              <a:rPr lang="en-GB" b="0" i="0" dirty="0" err="1">
+                <a:solidFill>
+                  <a:schemeClr val="tx1"/>
+                </a:solidFill>
+                <a:effectLst/>
+              </a:rPr>
+              <a:t>Kieszczynka</a:t>
+            </a:r>
+            <a:r>
+              <a:rPr lang="en-GB" b="0" i="0" dirty="0">
+                <a:solidFill>
+                  <a:schemeClr val="tx1"/>
+                </a:solidFill>
+                <a:effectLst/>
+              </a:rPr>
+              <a:t>, 2010)</a:t>
+            </a:r>
+          </a:p>
+          <a:p>
+            <a:pPr lvl="1"/>
+            <a:r>
+              <a:rPr lang="en-GB" dirty="0">
+                <a:solidFill>
+                  <a:schemeClr val="tx1"/>
+                </a:solidFill>
+              </a:rPr>
+              <a:t>Study mentions that a correlation coefficient above 0.50 indicates a large effect size (Cohen, 1988)</a:t>
+            </a:r>
+          </a:p>
+        </p:txBody>
+      </p:sp>
+    </p:spTree>
+    <p:extLst>
+      <p:ext uri="{BB962C8B-B14F-4D97-AF65-F5344CB8AC3E}">
+        <p14:creationId xmlns:p14="http://schemas.microsoft.com/office/powerpoint/2010/main" val="4061980238"/>
+      </p:ext>
+    </p:extLst>
+  </p:cSld>
+  <p:clrMapOvr>
+    <a:masterClrMapping/>
+  </p:clrMapOvr>
+</p:sld>
+</file>
+
+<file path=ppt/slides/slide30.xml><?xml version="1.0" encoding="utf-8"?>
+<p:sld xmlns:a="http://schemas.openxmlformats.org/drawingml/2006/main" xmlns:r="http://schemas.openxmlformats.org/officeDocument/2006/relationships" xmlns:p="http://schemas.openxmlformats.org/presentationml/2006/main">
+  <p:cSld>
+    <p:spTree>
+      <p:nvGrpSpPr>
+        <p:cNvPr id="1" name=""/>
+        <p:cNvGrpSpPr/>
+        <p:nvPr/>
+      </p:nvGrpSpPr>
+      <p:grpSpPr>
+        <a:xfrm>
+          <a:off x="0" y="0"/>
+          <a:ext cx="0" cy="0"/>
+          <a:chOff x="0" y="0"/>
+          <a:chExt cx="0" cy="0"/>
+        </a:xfrm>
+      </p:grpSpPr>
+      <p:sp>
+        <p:nvSpPr>
+          <p:cNvPr id="2" name="Title 1">
+            <a:extLst>
+              <a:ext uri="{FF2B5EF4-FFF2-40B4-BE49-F238E27FC236}">
+                <a16:creationId xmlns:a16="http://schemas.microsoft.com/office/drawing/2014/main" id="{921633EB-7DCB-4DDC-80AF-C885A3EE1245}"/>
+              </a:ext>
+            </a:extLst>
+          </p:cNvPr>
+          <p:cNvSpPr>
+            <a:spLocks noGrp="1"/>
+          </p:cNvSpPr>
+          <p:nvPr>
+            <p:ph type="title"/>
+          </p:nvPr>
+        </p:nvSpPr>
+        <p:spPr/>
+        <p:txBody>
+          <a:bodyPr/>
+          <a:lstStyle/>
+          <a:p>
+            <a:r>
+              <a:rPr lang="en-US" dirty="0"/>
+              <a:t>REGRESSION MODEL - ATTENDANCE</a:t>
             </a:r>
           </a:p>
         </p:txBody>
@@ -16481,7 +19628,7 @@
 </p:sld>
 </file>
 
-<file path=ppt/slides/slide27.xml><?xml version="1.0" encoding="utf-8"?>
+<file path=ppt/slides/slide31.xml><?xml version="1.0" encoding="utf-8"?>
 <p:sld xmlns:a="http://schemas.openxmlformats.org/drawingml/2006/main" xmlns:r="http://schemas.openxmlformats.org/officeDocument/2006/relationships" xmlns:p="http://schemas.openxmlformats.org/presentationml/2006/main">
   <p:cSld>
     <p:spTree>
@@ -16521,7 +19668,7 @@
           <a:p>
             <a:r>
               <a:rPr lang="en-US" dirty="0"/>
-              <a:t>LINEAR REGRESSION MODEL – Expected ATTENDANCE</a:t>
+              <a:t>REGRESSION MODEL – Expected ATTENDANCE</a:t>
             </a:r>
           </a:p>
         </p:txBody>
@@ -16635,7 +19782,7 @@
 </p:sld>
 </file>
 
-<file path=ppt/slides/slide28.xml><?xml version="1.0" encoding="utf-8"?>
+<file path=ppt/slides/slide32.xml><?xml version="1.0" encoding="utf-8"?>
 <p:sld xmlns:a="http://schemas.openxmlformats.org/drawingml/2006/main" xmlns:r="http://schemas.openxmlformats.org/officeDocument/2006/relationships" xmlns:p="http://schemas.openxmlformats.org/presentationml/2006/main">
   <p:cSld>
     <p:spTree>
@@ -16675,7 +19822,7 @@
           <a:p>
             <a:r>
               <a:rPr lang="en-US" dirty="0"/>
-              <a:t>LINEAR REGRESSION MODEL – LECTURE ATTENDANCE</a:t>
+              <a:t>REGRESSION MODEL – LECTURE ATTENDANCE</a:t>
             </a:r>
           </a:p>
         </p:txBody>
@@ -16799,7 +19946,7 @@
 </p:sld>
 </file>
 
-<file path=ppt/slides/slide29.xml><?xml version="1.0" encoding="utf-8"?>
+<file path=ppt/slides/slide33.xml><?xml version="1.0" encoding="utf-8"?>
 <p:sld xmlns:a="http://schemas.openxmlformats.org/drawingml/2006/main" xmlns:r="http://schemas.openxmlformats.org/officeDocument/2006/relationships" xmlns:p="http://schemas.openxmlformats.org/presentationml/2006/main">
   <p:cSld>
     <p:spTree>
@@ -16839,7 +19986,7 @@
           <a:p>
             <a:r>
               <a:rPr lang="en-US" dirty="0"/>
-              <a:t>LINEAR REGRESSION MODEL – PRACTICAL ATTENDANCE</a:t>
+              <a:t>REGRESSION MODEL – PRACTICAL ATTENDANCE</a:t>
             </a:r>
           </a:p>
         </p:txBody>
@@ -16970,7 +20117,562 @@
 </p:sld>
 </file>
 
-<file path=ppt/slides/slide3.xml><?xml version="1.0" encoding="utf-8"?>
+<file path=ppt/slides/slide34.xml><?xml version="1.0" encoding="utf-8"?>
+<p:sld xmlns:a="http://schemas.openxmlformats.org/drawingml/2006/main" xmlns:r="http://schemas.openxmlformats.org/officeDocument/2006/relationships" xmlns:p="http://schemas.openxmlformats.org/presentationml/2006/main">
+  <p:cSld>
+    <p:spTree>
+      <p:nvGrpSpPr>
+        <p:cNvPr id="1" name=""/>
+        <p:cNvGrpSpPr/>
+        <p:nvPr/>
+      </p:nvGrpSpPr>
+      <p:grpSpPr>
+        <a:xfrm>
+          <a:off x="0" y="0"/>
+          <a:ext cx="0" cy="0"/>
+          <a:chOff x="0" y="0"/>
+          <a:chExt cx="0" cy="0"/>
+        </a:xfrm>
+      </p:grpSpPr>
+      <p:sp>
+        <p:nvSpPr>
+          <p:cNvPr id="2" name="Title 1">
+            <a:extLst>
+              <a:ext uri="{FF2B5EF4-FFF2-40B4-BE49-F238E27FC236}">
+                <a16:creationId xmlns:a16="http://schemas.microsoft.com/office/drawing/2014/main" id="{921633EB-7DCB-4DDC-80AF-C885A3EE1245}"/>
+              </a:ext>
+            </a:extLst>
+          </p:cNvPr>
+          <p:cNvSpPr>
+            <a:spLocks noGrp="1"/>
+          </p:cNvSpPr>
+          <p:nvPr>
+            <p:ph type="title"/>
+          </p:nvPr>
+        </p:nvSpPr>
+        <p:spPr/>
+        <p:txBody>
+          <a:bodyPr/>
+          <a:lstStyle/>
+          <a:p>
+            <a:r>
+              <a:rPr lang="en-US" dirty="0"/>
+              <a:t>REGRESSION MODEL – Lecture &amp; Practical - LINEAR</a:t>
+            </a:r>
+          </a:p>
+        </p:txBody>
+      </p:sp>
+      <p:sp>
+        <p:nvSpPr>
+          <p:cNvPr id="4" name="Content Placeholder 3">
+            <a:extLst>
+              <a:ext uri="{FF2B5EF4-FFF2-40B4-BE49-F238E27FC236}">
+                <a16:creationId xmlns:a16="http://schemas.microsoft.com/office/drawing/2014/main" id="{89066F11-6868-47D7-FDD2-F251B0B320C8}"/>
+              </a:ext>
+            </a:extLst>
+          </p:cNvPr>
+          <p:cNvSpPr>
+            <a:spLocks noGrp="1"/>
+          </p:cNvSpPr>
+          <p:nvPr>
+            <p:ph sz="half" idx="1"/>
+          </p:nvPr>
+        </p:nvSpPr>
+        <p:spPr>
+          <a:xfrm>
+            <a:off x="581194" y="2228003"/>
+            <a:ext cx="5193230" cy="3633047"/>
+          </a:xfrm>
+        </p:spPr>
+        <p:txBody>
+          <a:bodyPr>
+            <a:normAutofit/>
+          </a:bodyPr>
+          <a:lstStyle/>
+          <a:p>
+            <a:r>
+              <a:rPr lang="en-US" dirty="0">
+                <a:solidFill>
+                  <a:schemeClr val="tx1"/>
+                </a:solidFill>
+              </a:rPr>
+              <a:t>Demonstrates Lecture and Practical Attendance appear to have an influence on final grade.</a:t>
+            </a:r>
+          </a:p>
+          <a:p>
+            <a:pPr lvl="1"/>
+            <a:r>
+              <a:rPr lang="en-US" dirty="0">
+                <a:solidFill>
+                  <a:schemeClr val="tx1"/>
+                </a:solidFill>
+              </a:rPr>
+              <a:t>2022-2023</a:t>
+            </a:r>
+          </a:p>
+          <a:p>
+            <a:endParaRPr lang="en-US" dirty="0">
+              <a:solidFill>
+                <a:schemeClr val="tx1"/>
+              </a:solidFill>
+            </a:endParaRPr>
+          </a:p>
+        </p:txBody>
+      </p:sp>
+      <p:pic>
+        <p:nvPicPr>
+          <p:cNvPr id="7" name="Content Placeholder 6">
+            <a:extLst>
+              <a:ext uri="{FF2B5EF4-FFF2-40B4-BE49-F238E27FC236}">
+                <a16:creationId xmlns:a16="http://schemas.microsoft.com/office/drawing/2014/main" id="{F007334D-F54C-AF3B-73D8-BC3AAEC2C303}"/>
+              </a:ext>
+            </a:extLst>
+          </p:cNvPr>
+          <p:cNvPicPr>
+            <a:picLocks noGrp="1" noChangeAspect="1"/>
+          </p:cNvPicPr>
+          <p:nvPr>
+            <p:ph sz="half" idx="2"/>
+          </p:nvPr>
+        </p:nvPicPr>
+        <p:blipFill>
+          <a:blip r:embed="rId2"/>
+          <a:stretch>
+            <a:fillRect/>
+          </a:stretch>
+        </p:blipFill>
+        <p:spPr>
+          <a:xfrm>
+            <a:off x="6417578" y="2228003"/>
+            <a:ext cx="4416286" cy="4416286"/>
+          </a:xfrm>
+        </p:spPr>
+      </p:pic>
+    </p:spTree>
+    <p:extLst>
+      <p:ext uri="{BB962C8B-B14F-4D97-AF65-F5344CB8AC3E}">
+        <p14:creationId xmlns:p14="http://schemas.microsoft.com/office/powerpoint/2010/main" val="2013116734"/>
+      </p:ext>
+    </p:extLst>
+  </p:cSld>
+  <p:clrMapOvr>
+    <a:masterClrMapping/>
+  </p:clrMapOvr>
+</p:sld>
+</file>
+
+<file path=ppt/slides/slide35.xml><?xml version="1.0" encoding="utf-8"?>
+<p:sld xmlns:a="http://schemas.openxmlformats.org/drawingml/2006/main" xmlns:r="http://schemas.openxmlformats.org/officeDocument/2006/relationships" xmlns:p="http://schemas.openxmlformats.org/presentationml/2006/main">
+  <p:cSld>
+    <p:spTree>
+      <p:nvGrpSpPr>
+        <p:cNvPr id="1" name=""/>
+        <p:cNvGrpSpPr/>
+        <p:nvPr/>
+      </p:nvGrpSpPr>
+      <p:grpSpPr>
+        <a:xfrm>
+          <a:off x="0" y="0"/>
+          <a:ext cx="0" cy="0"/>
+          <a:chOff x="0" y="0"/>
+          <a:chExt cx="0" cy="0"/>
+        </a:xfrm>
+      </p:grpSpPr>
+      <p:sp>
+        <p:nvSpPr>
+          <p:cNvPr id="2" name="Title 1">
+            <a:extLst>
+              <a:ext uri="{FF2B5EF4-FFF2-40B4-BE49-F238E27FC236}">
+                <a16:creationId xmlns:a16="http://schemas.microsoft.com/office/drawing/2014/main" id="{BD4CA9CC-5ADC-001A-4D31-8EC14B8E37D4}"/>
+              </a:ext>
+            </a:extLst>
+          </p:cNvPr>
+          <p:cNvSpPr>
+            <a:spLocks noGrp="1"/>
+          </p:cNvSpPr>
+          <p:nvPr>
+            <p:ph type="title"/>
+          </p:nvPr>
+        </p:nvSpPr>
+        <p:spPr/>
+        <p:txBody>
+          <a:bodyPr/>
+          <a:lstStyle/>
+          <a:p>
+            <a:r>
+              <a:rPr lang="en-US" dirty="0"/>
+              <a:t>Discussion </a:t>
+            </a:r>
+            <a:endParaRPr lang="en-GB" dirty="0"/>
+          </a:p>
+        </p:txBody>
+      </p:sp>
+      <p:sp>
+        <p:nvSpPr>
+          <p:cNvPr id="3" name="Content Placeholder 2">
+            <a:extLst>
+              <a:ext uri="{FF2B5EF4-FFF2-40B4-BE49-F238E27FC236}">
+                <a16:creationId xmlns:a16="http://schemas.microsoft.com/office/drawing/2014/main" id="{121196E6-3603-F66B-72E8-8E7E5F53AC6C}"/>
+              </a:ext>
+            </a:extLst>
+          </p:cNvPr>
+          <p:cNvSpPr>
+            <a:spLocks noGrp="1"/>
+          </p:cNvSpPr>
+          <p:nvPr>
+            <p:ph idx="1"/>
+          </p:nvPr>
+        </p:nvSpPr>
+        <p:spPr>
+          <a:xfrm>
+            <a:off x="581192" y="2180496"/>
+            <a:ext cx="11029615" cy="3975348"/>
+          </a:xfrm>
+        </p:spPr>
+        <p:txBody>
+          <a:bodyPr>
+            <a:normAutofit/>
+          </a:bodyPr>
+          <a:lstStyle/>
+          <a:p>
+            <a:r>
+              <a:rPr lang="en-US" dirty="0">
+                <a:solidFill>
+                  <a:schemeClr val="tx1"/>
+                </a:solidFill>
+              </a:rPr>
+              <a:t>Strongest correlation suggests that attendance to lecture classes has a high impact on achieved grade. This challenges the hypothesis, as it was expected that grade levels would remain consistent as recorded versions of them were available.</a:t>
+            </a:r>
+          </a:p>
+          <a:p>
+            <a:r>
+              <a:rPr lang="en-US" dirty="0">
+                <a:solidFill>
+                  <a:schemeClr val="tx1"/>
+                </a:solidFill>
+              </a:rPr>
+              <a:t>Attendance is the previous session (2021-2022) gives evidence that the method of content delivery for this year was a more suitable approach.</a:t>
+            </a:r>
+          </a:p>
+          <a:p>
+            <a:pPr lvl="1"/>
+            <a:r>
+              <a:rPr lang="en-US" dirty="0">
+                <a:solidFill>
+                  <a:schemeClr val="tx1"/>
+                </a:solidFill>
+              </a:rPr>
+              <a:t>2021-2022: Dedicated time for watching the recorded material, time for discussion afterwards.</a:t>
+            </a:r>
+          </a:p>
+          <a:p>
+            <a:pPr lvl="1"/>
+            <a:r>
+              <a:rPr lang="en-US" dirty="0">
+                <a:solidFill>
+                  <a:schemeClr val="tx1"/>
+                </a:solidFill>
+              </a:rPr>
+              <a:t>2022-2023: Live lecture followed by Q&amp;A</a:t>
+            </a:r>
+          </a:p>
+        </p:txBody>
+      </p:sp>
+    </p:spTree>
+    <p:extLst>
+      <p:ext uri="{BB962C8B-B14F-4D97-AF65-F5344CB8AC3E}">
+        <p14:creationId xmlns:p14="http://schemas.microsoft.com/office/powerpoint/2010/main" val="2248027745"/>
+      </p:ext>
+    </p:extLst>
+  </p:cSld>
+  <p:clrMapOvr>
+    <a:masterClrMapping/>
+  </p:clrMapOvr>
+</p:sld>
+</file>
+
+<file path=ppt/slides/slide36.xml><?xml version="1.0" encoding="utf-8"?>
+<p:sld xmlns:a="http://schemas.openxmlformats.org/drawingml/2006/main" xmlns:r="http://schemas.openxmlformats.org/officeDocument/2006/relationships" xmlns:p="http://schemas.openxmlformats.org/presentationml/2006/main">
+  <p:cSld>
+    <p:spTree>
+      <p:nvGrpSpPr>
+        <p:cNvPr id="1" name=""/>
+        <p:cNvGrpSpPr/>
+        <p:nvPr/>
+      </p:nvGrpSpPr>
+      <p:grpSpPr>
+        <a:xfrm>
+          <a:off x="0" y="0"/>
+          <a:ext cx="0" cy="0"/>
+          <a:chOff x="0" y="0"/>
+          <a:chExt cx="0" cy="0"/>
+        </a:xfrm>
+      </p:grpSpPr>
+      <p:sp>
+        <p:nvSpPr>
+          <p:cNvPr id="2" name="Title 1">
+            <a:extLst>
+              <a:ext uri="{FF2B5EF4-FFF2-40B4-BE49-F238E27FC236}">
+                <a16:creationId xmlns:a16="http://schemas.microsoft.com/office/drawing/2014/main" id="{C7B88BF5-C73D-C2F9-DD20-DE6522FEBB0C}"/>
+              </a:ext>
+            </a:extLst>
+          </p:cNvPr>
+          <p:cNvSpPr>
+            <a:spLocks noGrp="1"/>
+          </p:cNvSpPr>
+          <p:nvPr>
+            <p:ph type="ctrTitle"/>
+          </p:nvPr>
+        </p:nvSpPr>
+        <p:spPr/>
+        <p:txBody>
+          <a:bodyPr/>
+          <a:lstStyle/>
+          <a:p>
+            <a:r>
+              <a:rPr lang="en-US" dirty="0"/>
+              <a:t>PREDICTIONS</a:t>
+            </a:r>
+            <a:endParaRPr lang="en-GB" dirty="0"/>
+          </a:p>
+        </p:txBody>
+      </p:sp>
+      <p:sp>
+        <p:nvSpPr>
+          <p:cNvPr id="3" name="Subtitle 2">
+            <a:extLst>
+              <a:ext uri="{FF2B5EF4-FFF2-40B4-BE49-F238E27FC236}">
+                <a16:creationId xmlns:a16="http://schemas.microsoft.com/office/drawing/2014/main" id="{7DC5E721-C1B6-45C1-7ACB-BA368382A9E9}"/>
+              </a:ext>
+            </a:extLst>
+          </p:cNvPr>
+          <p:cNvSpPr>
+            <a:spLocks noGrp="1"/>
+          </p:cNvSpPr>
+          <p:nvPr>
+            <p:ph type="subTitle" idx="1"/>
+          </p:nvPr>
+        </p:nvSpPr>
+        <p:spPr>
+          <a:xfrm>
+            <a:off x="581191" y="3275621"/>
+            <a:ext cx="10993546" cy="2873509"/>
+          </a:xfrm>
+        </p:spPr>
+        <p:txBody>
+          <a:bodyPr>
+            <a:normAutofit/>
+          </a:bodyPr>
+          <a:lstStyle/>
+          <a:p>
+            <a:r>
+              <a:rPr lang="en-US" dirty="0">
+                <a:solidFill>
+                  <a:schemeClr val="bg1"/>
+                </a:solidFill>
+              </a:rPr>
+              <a:t>Grade ~ Attendance</a:t>
+            </a:r>
+          </a:p>
+          <a:p>
+            <a:endParaRPr lang="en-US" dirty="0">
+              <a:solidFill>
+                <a:schemeClr val="bg1"/>
+              </a:solidFill>
+            </a:endParaRPr>
+          </a:p>
+          <a:p>
+            <a:r>
+              <a:rPr lang="en-US" dirty="0">
+                <a:solidFill>
+                  <a:schemeClr val="bg1"/>
+                </a:solidFill>
+              </a:rPr>
+              <a:t>Grade ~ Expected Attendance</a:t>
+            </a:r>
+          </a:p>
+          <a:p>
+            <a:endParaRPr lang="en-US" dirty="0">
+              <a:solidFill>
+                <a:schemeClr val="bg1"/>
+              </a:solidFill>
+            </a:endParaRPr>
+          </a:p>
+          <a:p>
+            <a:r>
+              <a:rPr lang="en-US" dirty="0">
+                <a:solidFill>
+                  <a:schemeClr val="bg1"/>
+                </a:solidFill>
+              </a:rPr>
+              <a:t>Grade ~ Practical Attendance</a:t>
+            </a:r>
+          </a:p>
+          <a:p>
+            <a:endParaRPr lang="en-US" dirty="0">
+              <a:solidFill>
+                <a:schemeClr val="bg1"/>
+              </a:solidFill>
+            </a:endParaRPr>
+          </a:p>
+          <a:p>
+            <a:r>
+              <a:rPr lang="en-US" dirty="0">
+                <a:solidFill>
+                  <a:schemeClr val="bg1"/>
+                </a:solidFill>
+              </a:rPr>
+              <a:t>Grade ~ Lecture Attendance</a:t>
+            </a:r>
+          </a:p>
+        </p:txBody>
+      </p:sp>
+    </p:spTree>
+    <p:extLst>
+      <p:ext uri="{BB962C8B-B14F-4D97-AF65-F5344CB8AC3E}">
+        <p14:creationId xmlns:p14="http://schemas.microsoft.com/office/powerpoint/2010/main" val="1683191166"/>
+      </p:ext>
+    </p:extLst>
+  </p:cSld>
+  <p:clrMapOvr>
+    <a:masterClrMapping/>
+  </p:clrMapOvr>
+</p:sld>
+</file>
+
+<file path=ppt/slides/slide37.xml><?xml version="1.0" encoding="utf-8"?>
+<p:sld xmlns:a="http://schemas.openxmlformats.org/drawingml/2006/main" xmlns:r="http://schemas.openxmlformats.org/officeDocument/2006/relationships" xmlns:p="http://schemas.openxmlformats.org/presentationml/2006/main">
+  <p:cSld>
+    <p:spTree>
+      <p:nvGrpSpPr>
+        <p:cNvPr id="1" name=""/>
+        <p:cNvGrpSpPr/>
+        <p:nvPr/>
+      </p:nvGrpSpPr>
+      <p:grpSpPr>
+        <a:xfrm>
+          <a:off x="0" y="0"/>
+          <a:ext cx="0" cy="0"/>
+          <a:chOff x="0" y="0"/>
+          <a:chExt cx="0" cy="0"/>
+        </a:xfrm>
+      </p:grpSpPr>
+      <p:sp>
+        <p:nvSpPr>
+          <p:cNvPr id="2" name="Title 1">
+            <a:extLst>
+              <a:ext uri="{FF2B5EF4-FFF2-40B4-BE49-F238E27FC236}">
+                <a16:creationId xmlns:a16="http://schemas.microsoft.com/office/drawing/2014/main" id="{C7B88BF5-C73D-C2F9-DD20-DE6522FEBB0C}"/>
+              </a:ext>
+            </a:extLst>
+          </p:cNvPr>
+          <p:cNvSpPr>
+            <a:spLocks noGrp="1"/>
+          </p:cNvSpPr>
+          <p:nvPr>
+            <p:ph type="ctrTitle"/>
+          </p:nvPr>
+        </p:nvSpPr>
+        <p:spPr/>
+        <p:txBody>
+          <a:bodyPr/>
+          <a:lstStyle/>
+          <a:p>
+            <a:r>
+              <a:rPr lang="en-US" dirty="0"/>
+              <a:t>CONCLUSION</a:t>
+            </a:r>
+            <a:endParaRPr lang="en-GB" dirty="0"/>
+          </a:p>
+        </p:txBody>
+      </p:sp>
+      <p:sp>
+        <p:nvSpPr>
+          <p:cNvPr id="3" name="Subtitle 2">
+            <a:extLst>
+              <a:ext uri="{FF2B5EF4-FFF2-40B4-BE49-F238E27FC236}">
+                <a16:creationId xmlns:a16="http://schemas.microsoft.com/office/drawing/2014/main" id="{7DC5E721-C1B6-45C1-7ACB-BA368382A9E9}"/>
+              </a:ext>
+            </a:extLst>
+          </p:cNvPr>
+          <p:cNvSpPr>
+            <a:spLocks noGrp="1"/>
+          </p:cNvSpPr>
+          <p:nvPr>
+            <p:ph type="subTitle" idx="1"/>
+          </p:nvPr>
+        </p:nvSpPr>
+        <p:spPr>
+          <a:xfrm>
+            <a:off x="581191" y="3275621"/>
+            <a:ext cx="10993546" cy="2873509"/>
+          </a:xfrm>
+        </p:spPr>
+        <p:txBody>
+          <a:bodyPr>
+            <a:normAutofit/>
+          </a:bodyPr>
+          <a:lstStyle/>
+          <a:p>
+            <a:r>
+              <a:rPr lang="en-US" dirty="0">
+                <a:solidFill>
+                  <a:schemeClr val="bg1"/>
+                </a:solidFill>
+              </a:rPr>
+              <a:t>Limitations</a:t>
+            </a:r>
+          </a:p>
+          <a:p>
+            <a:endParaRPr lang="en-US" dirty="0">
+              <a:solidFill>
+                <a:schemeClr val="bg1"/>
+              </a:solidFill>
+            </a:endParaRPr>
+          </a:p>
+          <a:p>
+            <a:r>
+              <a:rPr lang="en-US" dirty="0">
+                <a:solidFill>
+                  <a:schemeClr val="bg1"/>
+                </a:solidFill>
+              </a:rPr>
+              <a:t>HYPOTHESIS ANSWER</a:t>
+            </a:r>
+          </a:p>
+          <a:p>
+            <a:endParaRPr lang="en-US" dirty="0">
+              <a:solidFill>
+                <a:schemeClr val="bg1"/>
+              </a:solidFill>
+            </a:endParaRPr>
+          </a:p>
+          <a:p>
+            <a:r>
+              <a:rPr lang="en-US" dirty="0">
+                <a:solidFill>
+                  <a:schemeClr val="bg1"/>
+                </a:solidFill>
+              </a:rPr>
+              <a:t>FURTHER DEVELOPMENT</a:t>
+            </a:r>
+          </a:p>
+        </p:txBody>
+      </p:sp>
+    </p:spTree>
+    <p:extLst>
+      <p:ext uri="{BB962C8B-B14F-4D97-AF65-F5344CB8AC3E}">
+        <p14:creationId xmlns:p14="http://schemas.microsoft.com/office/powerpoint/2010/main" val="1590490258"/>
+      </p:ext>
+    </p:extLst>
+  </p:cSld>
+  <p:clrMapOvr>
+    <a:masterClrMapping/>
+  </p:clrMapOvr>
+</p:sld>
+</file>
+
+<file path=ppt/slides/slide38.xml><?xml version="1.0" encoding="utf-8"?>
 <p:sld xmlns:a="http://schemas.openxmlformats.org/drawingml/2006/main" xmlns:r="http://schemas.openxmlformats.org/officeDocument/2006/relationships" xmlns:p="http://schemas.openxmlformats.org/presentationml/2006/main">
   <p:cSld>
     <p:spTree>
@@ -17009,6 +20711,290 @@
           <a:lstStyle/>
           <a:p>
             <a:r>
+              <a:rPr lang="en-GB" dirty="0"/>
+              <a:t>Limitations</a:t>
+            </a:r>
+          </a:p>
+        </p:txBody>
+      </p:sp>
+      <p:sp>
+        <p:nvSpPr>
+          <p:cNvPr id="3" name="Content Placeholder 2">
+            <a:extLst>
+              <a:ext uri="{FF2B5EF4-FFF2-40B4-BE49-F238E27FC236}">
+                <a16:creationId xmlns:a16="http://schemas.microsoft.com/office/drawing/2014/main" id="{DAE9E2D5-3E7C-12B5-F2B4-4D153305E279}"/>
+              </a:ext>
+            </a:extLst>
+          </p:cNvPr>
+          <p:cNvSpPr>
+            <a:spLocks noGrp="1"/>
+          </p:cNvSpPr>
+          <p:nvPr>
+            <p:ph idx="1"/>
+          </p:nvPr>
+        </p:nvSpPr>
+        <p:spPr>
+          <a:xfrm>
+            <a:off x="581192" y="2180497"/>
+            <a:ext cx="11029615" cy="3975348"/>
+          </a:xfrm>
+        </p:spPr>
+        <p:txBody>
+          <a:bodyPr>
+            <a:normAutofit/>
+          </a:bodyPr>
+          <a:lstStyle/>
+          <a:p>
+            <a:r>
+              <a:rPr lang="en-US" dirty="0">
+                <a:solidFill>
+                  <a:schemeClr val="tx1"/>
+                </a:solidFill>
+              </a:rPr>
+              <a:t>The study is only focusses on attendance and achievement of a single Module at Abertay University in Scotland. Methods of content delivery may not be suitable for other institutions due to technology differences, delivery method and class structure.</a:t>
+            </a:r>
+          </a:p>
+          <a:p>
+            <a:pPr lvl="1"/>
+            <a:r>
+              <a:rPr lang="en-US" dirty="0">
+                <a:solidFill>
+                  <a:schemeClr val="tx1"/>
+                </a:solidFill>
+              </a:rPr>
+              <a:t>Module was delivered with in three classes each week. An online one-hour live lecture, then a two-hour on-campus practical session (two practical sessions were run to accommodate cohort size). </a:t>
+            </a:r>
+          </a:p>
+          <a:p>
+            <a:endParaRPr lang="en-US" dirty="0">
+              <a:solidFill>
+                <a:schemeClr val="tx1"/>
+              </a:solidFill>
+            </a:endParaRPr>
+          </a:p>
+          <a:p>
+            <a:r>
+              <a:rPr lang="en-US" dirty="0">
+                <a:solidFill>
+                  <a:schemeClr val="tx1"/>
+                </a:solidFill>
+              </a:rPr>
+              <a:t>Module is focused on material that is entirely done on a computer. As such, remote teaching is potentially easier than other subjects which could limit the impact of the results.</a:t>
+            </a:r>
+          </a:p>
+          <a:p>
+            <a:endParaRPr lang="en-US" dirty="0">
+              <a:solidFill>
+                <a:schemeClr val="tx1"/>
+              </a:solidFill>
+            </a:endParaRPr>
+          </a:p>
+          <a:p>
+            <a:r>
+              <a:rPr lang="en-US" dirty="0">
+                <a:solidFill>
+                  <a:schemeClr val="tx1"/>
+                </a:solidFill>
+              </a:rPr>
+              <a:t> Study is limited to two years of attendance data.</a:t>
+            </a:r>
+          </a:p>
+        </p:txBody>
+      </p:sp>
+    </p:spTree>
+    <p:extLst>
+      <p:ext uri="{BB962C8B-B14F-4D97-AF65-F5344CB8AC3E}">
+        <p14:creationId xmlns:p14="http://schemas.microsoft.com/office/powerpoint/2010/main" val="4183516663"/>
+      </p:ext>
+    </p:extLst>
+  </p:cSld>
+  <p:clrMapOvr>
+    <a:masterClrMapping/>
+  </p:clrMapOvr>
+</p:sld>
+</file>
+
+<file path=ppt/slides/slide39.xml><?xml version="1.0" encoding="utf-8"?>
+<p:sld xmlns:a="http://schemas.openxmlformats.org/drawingml/2006/main" xmlns:r="http://schemas.openxmlformats.org/officeDocument/2006/relationships" xmlns:p="http://schemas.openxmlformats.org/presentationml/2006/main">
+  <p:cSld>
+    <p:spTree>
+      <p:nvGrpSpPr>
+        <p:cNvPr id="1" name=""/>
+        <p:cNvGrpSpPr/>
+        <p:nvPr/>
+      </p:nvGrpSpPr>
+      <p:grpSpPr>
+        <a:xfrm>
+          <a:off x="0" y="0"/>
+          <a:ext cx="0" cy="0"/>
+          <a:chOff x="0" y="0"/>
+          <a:chExt cx="0" cy="0"/>
+        </a:xfrm>
+      </p:grpSpPr>
+      <p:sp>
+        <p:nvSpPr>
+          <p:cNvPr id="2" name="Title 1">
+            <a:extLst>
+              <a:ext uri="{FF2B5EF4-FFF2-40B4-BE49-F238E27FC236}">
+                <a16:creationId xmlns:a16="http://schemas.microsoft.com/office/drawing/2014/main" id="{C7E0A70A-A506-742E-79FF-CCC404CE65C7}"/>
+              </a:ext>
+            </a:extLst>
+          </p:cNvPr>
+          <p:cNvSpPr>
+            <a:spLocks noGrp="1"/>
+          </p:cNvSpPr>
+          <p:nvPr>
+            <p:ph type="title"/>
+          </p:nvPr>
+        </p:nvSpPr>
+        <p:spPr/>
+        <p:txBody>
+          <a:bodyPr/>
+          <a:lstStyle/>
+          <a:p>
+            <a:r>
+              <a:rPr lang="en-GB" dirty="0"/>
+              <a:t>HYPOTHESIS ANSWER</a:t>
+            </a:r>
+          </a:p>
+        </p:txBody>
+      </p:sp>
+      <p:sp>
+        <p:nvSpPr>
+          <p:cNvPr id="3" name="Content Placeholder 2">
+            <a:extLst>
+              <a:ext uri="{FF2B5EF4-FFF2-40B4-BE49-F238E27FC236}">
+                <a16:creationId xmlns:a16="http://schemas.microsoft.com/office/drawing/2014/main" id="{DAE9E2D5-3E7C-12B5-F2B4-4D153305E279}"/>
+              </a:ext>
+            </a:extLst>
+          </p:cNvPr>
+          <p:cNvSpPr>
+            <a:spLocks noGrp="1"/>
+          </p:cNvSpPr>
+          <p:nvPr>
+            <p:ph idx="1"/>
+          </p:nvPr>
+        </p:nvSpPr>
+        <p:spPr>
+          <a:xfrm>
+            <a:off x="581192" y="2180497"/>
+            <a:ext cx="11029615" cy="3975348"/>
+          </a:xfrm>
+        </p:spPr>
+        <p:txBody>
+          <a:bodyPr>
+            <a:normAutofit/>
+          </a:bodyPr>
+          <a:lstStyle/>
+          <a:p>
+            <a:r>
+              <a:rPr lang="en-US" dirty="0">
+                <a:solidFill>
+                  <a:schemeClr val="tx1"/>
+                </a:solidFill>
+              </a:rPr>
+              <a:t>The study is only focusses on attendance and achievement of a single Module at Abertay University in Scotland. Methods of content delivery may not be suitable for other institutions due to technology differences, delivery method and class structure.</a:t>
+            </a:r>
+          </a:p>
+          <a:p>
+            <a:pPr lvl="1"/>
+            <a:r>
+              <a:rPr lang="en-US" dirty="0">
+                <a:solidFill>
+                  <a:schemeClr val="tx1"/>
+                </a:solidFill>
+              </a:rPr>
+              <a:t>Module was delivered with in three classes each week. An online one-hour live lecture, then a two-hour on-campus practical session (two practical sessions were run to accommodate cohort size). </a:t>
+            </a:r>
+          </a:p>
+          <a:p>
+            <a:endParaRPr lang="en-US" dirty="0">
+              <a:solidFill>
+                <a:schemeClr val="tx1"/>
+              </a:solidFill>
+            </a:endParaRPr>
+          </a:p>
+          <a:p>
+            <a:r>
+              <a:rPr lang="en-US" dirty="0">
+                <a:solidFill>
+                  <a:schemeClr val="tx1"/>
+                </a:solidFill>
+              </a:rPr>
+              <a:t>Module is focused on material that is entirely done on a computer. As such, remote teaching is potentially easier than other subjects which could limit the impact of the results.</a:t>
+            </a:r>
+          </a:p>
+          <a:p>
+            <a:endParaRPr lang="en-US" dirty="0">
+              <a:solidFill>
+                <a:schemeClr val="tx1"/>
+              </a:solidFill>
+            </a:endParaRPr>
+          </a:p>
+          <a:p>
+            <a:r>
+              <a:rPr lang="en-US" dirty="0">
+                <a:solidFill>
+                  <a:schemeClr val="tx1"/>
+                </a:solidFill>
+              </a:rPr>
+              <a:t> Study is limited to two years of attendance data.</a:t>
+            </a:r>
+          </a:p>
+        </p:txBody>
+      </p:sp>
+    </p:spTree>
+    <p:extLst>
+      <p:ext uri="{BB962C8B-B14F-4D97-AF65-F5344CB8AC3E}">
+        <p14:creationId xmlns:p14="http://schemas.microsoft.com/office/powerpoint/2010/main" val="1359845387"/>
+      </p:ext>
+    </p:extLst>
+  </p:cSld>
+  <p:clrMapOvr>
+    <a:masterClrMapping/>
+  </p:clrMapOvr>
+</p:sld>
+</file>
+
+<file path=ppt/slides/slide4.xml><?xml version="1.0" encoding="utf-8"?>
+<p:sld xmlns:a="http://schemas.openxmlformats.org/drawingml/2006/main" xmlns:r="http://schemas.openxmlformats.org/officeDocument/2006/relationships" xmlns:p="http://schemas.openxmlformats.org/presentationml/2006/main">
+  <p:cSld>
+    <p:spTree>
+      <p:nvGrpSpPr>
+        <p:cNvPr id="1" name=""/>
+        <p:cNvGrpSpPr/>
+        <p:nvPr/>
+      </p:nvGrpSpPr>
+      <p:grpSpPr>
+        <a:xfrm>
+          <a:off x="0" y="0"/>
+          <a:ext cx="0" cy="0"/>
+          <a:chOff x="0" y="0"/>
+          <a:chExt cx="0" cy="0"/>
+        </a:xfrm>
+      </p:grpSpPr>
+      <p:sp>
+        <p:nvSpPr>
+          <p:cNvPr id="2" name="Title 1">
+            <a:extLst>
+              <a:ext uri="{FF2B5EF4-FFF2-40B4-BE49-F238E27FC236}">
+                <a16:creationId xmlns:a16="http://schemas.microsoft.com/office/drawing/2014/main" id="{C7E0A70A-A506-742E-79FF-CCC404CE65C7}"/>
+              </a:ext>
+            </a:extLst>
+          </p:cNvPr>
+          <p:cNvSpPr>
+            <a:spLocks noGrp="1"/>
+          </p:cNvSpPr>
+          <p:nvPr>
+            <p:ph type="title"/>
+          </p:nvPr>
+        </p:nvSpPr>
+        <p:spPr/>
+        <p:txBody>
+          <a:bodyPr/>
+          <a:lstStyle/>
+          <a:p>
+            <a:r>
               <a:rPr lang="en-US" dirty="0"/>
               <a:t>External Research</a:t>
             </a:r>
@@ -17040,68 +21026,17 @@
         </p:spPr>
         <p:txBody>
           <a:bodyPr>
-            <a:normAutofit/>
+            <a:normAutofit lnSpcReduction="10000"/>
           </a:bodyPr>
           <a:lstStyle/>
           <a:p>
-            <a:pPr marL="0" indent="0">
-              <a:buNone/>
-            </a:pPr>
-            <a:r>
-              <a:rPr lang="en-US" dirty="0">
-                <a:solidFill>
-                  <a:schemeClr val="tx1"/>
-                </a:solidFill>
-              </a:rPr>
-              <a:t>There are numerous studies that explore the relationship between attendance and grades / academic achievement.</a:t>
-            </a:r>
-          </a:p>
-          <a:p>
             <a:r>
               <a:rPr lang="en-GB" dirty="0">
                 <a:solidFill>
                   <a:schemeClr val="tx1"/>
                 </a:solidFill>
               </a:rPr>
-              <a:t>A study exploring a large sample of students, found a strong correlation between attendance and performance, including a substantial correlation between peer attendance and their own.  (</a:t>
-            </a:r>
-            <a:r>
-              <a:rPr lang="en-GB" dirty="0" err="1">
-                <a:solidFill>
-                  <a:schemeClr val="tx1"/>
-                </a:solidFill>
-              </a:rPr>
-              <a:t>Kassarnig</a:t>
-            </a:r>
-            <a:r>
-              <a:rPr lang="en-GB" dirty="0">
-                <a:solidFill>
-                  <a:schemeClr val="tx1"/>
-                </a:solidFill>
-              </a:rPr>
-              <a:t>, et. al., 2017)</a:t>
-            </a:r>
-          </a:p>
-          <a:p>
-            <a:pPr lvl="1"/>
-            <a:r>
-              <a:rPr lang="en-GB" dirty="0">
-                <a:solidFill>
-                  <a:schemeClr val="tx1"/>
-                </a:solidFill>
-              </a:rPr>
-              <a:t>Study used Bluetooth and location data to determine the contacts a student had, as well as their location during class time to determine their attendance and their general social contacts within the class.</a:t>
-            </a:r>
-          </a:p>
-          <a:p>
-            <a:pPr lvl="1"/>
-            <a:r>
-              <a:rPr lang="en-GB" dirty="0">
-                <a:solidFill>
-                  <a:schemeClr val="tx1"/>
-                </a:solidFill>
-              </a:rPr>
-              <a:t>Use of Spearman’s correlation coefficient, and Theil-San Regression over linear regression.</a:t>
+              <a:t>This trend of attendance having a positive affect on performance is referenced in older journal articles, with similar positive correlations being identified twenty (Moore, 2003) and thirty years ago (Gunn, 1993).</a:t>
             </a:r>
             <a:endParaRPr lang="en-US" dirty="0">
               <a:solidFill>
@@ -17110,6 +21045,174 @@
             </a:endParaRPr>
           </a:p>
           <a:p>
+            <a:r>
+              <a:rPr lang="en-US" dirty="0">
+                <a:solidFill>
+                  <a:schemeClr val="tx1"/>
+                </a:solidFill>
+              </a:rPr>
+              <a:t>Karen L. St. Clair does not advise mandatory attendance in Higher Education in their article (St. Clair, 1999), referencing many articles that show a correlation between attendance and grade, but there are other factors that can influence a students grade. Included in this is:</a:t>
+            </a:r>
+          </a:p>
+          <a:p>
+            <a:pPr lvl="1"/>
+            <a:r>
+              <a:rPr lang="en-US" dirty="0">
+                <a:solidFill>
+                  <a:schemeClr val="tx1"/>
+                </a:solidFill>
+              </a:rPr>
+              <a:t>Motivation (</a:t>
+            </a:r>
+            <a:r>
+              <a:rPr lang="en-GB" dirty="0">
+                <a:solidFill>
+                  <a:schemeClr val="tx1"/>
+                </a:solidFill>
+              </a:rPr>
+              <a:t>Van </a:t>
+            </a:r>
+            <a:r>
+              <a:rPr lang="en-GB" dirty="0" err="1">
+                <a:solidFill>
+                  <a:schemeClr val="tx1"/>
+                </a:solidFill>
+              </a:rPr>
+              <a:t>Blerkom</a:t>
+            </a:r>
+            <a:r>
+              <a:rPr lang="en-GB" dirty="0">
+                <a:solidFill>
+                  <a:schemeClr val="tx1"/>
+                </a:solidFill>
+              </a:rPr>
+              <a:t>, 1996)</a:t>
+            </a:r>
+          </a:p>
+          <a:p>
+            <a:pPr lvl="1"/>
+            <a:r>
+              <a:rPr lang="en-GB" dirty="0">
+                <a:solidFill>
+                  <a:schemeClr val="tx1"/>
+                </a:solidFill>
+              </a:rPr>
+              <a:t>Intelligence, </a:t>
+            </a:r>
+            <a:r>
+              <a:rPr lang="en-GB" dirty="0" err="1">
+                <a:solidFill>
+                  <a:schemeClr val="tx1"/>
+                </a:solidFill>
+              </a:rPr>
+              <a:t>Persistance</a:t>
+            </a:r>
+            <a:r>
+              <a:rPr lang="en-GB" dirty="0">
+                <a:solidFill>
+                  <a:schemeClr val="tx1"/>
+                </a:solidFill>
+              </a:rPr>
+              <a:t> &amp; Personal Circumstances (</a:t>
+            </a:r>
+            <a:r>
+              <a:rPr lang="en-GB" dirty="0" err="1">
+                <a:solidFill>
+                  <a:schemeClr val="tx1"/>
+                </a:solidFill>
+              </a:rPr>
+              <a:t>Slem</a:t>
+            </a:r>
+            <a:r>
+              <a:rPr lang="en-GB" dirty="0">
+                <a:solidFill>
+                  <a:schemeClr val="tx1"/>
+                </a:solidFill>
+              </a:rPr>
+              <a:t>, 1993)</a:t>
+            </a:r>
+          </a:p>
+          <a:p>
+            <a:pPr lvl="1"/>
+            <a:r>
+              <a:rPr lang="en-GB" dirty="0">
+                <a:solidFill>
+                  <a:schemeClr val="tx1"/>
+                </a:solidFill>
+              </a:rPr>
+              <a:t>Ability at independent learning (</a:t>
+            </a:r>
+            <a:r>
+              <a:rPr lang="en-US" b="0" i="0" dirty="0">
+                <a:solidFill>
+                  <a:schemeClr val="tx1"/>
+                </a:solidFill>
+                <a:effectLst/>
+              </a:rPr>
+              <a:t>Hyde, Flournoy, 1986)</a:t>
+            </a:r>
+            <a:endParaRPr lang="en-GB" b="0" i="0" dirty="0">
+              <a:solidFill>
+                <a:schemeClr val="tx1"/>
+              </a:solidFill>
+              <a:effectLst/>
+            </a:endParaRPr>
+          </a:p>
+          <a:p>
+            <a:pPr marL="0" indent="0">
+              <a:buNone/>
+            </a:pPr>
+            <a:endParaRPr lang="en-GB" dirty="0">
+              <a:solidFill>
+                <a:schemeClr val="tx1"/>
+              </a:solidFill>
+            </a:endParaRPr>
+          </a:p>
+          <a:p>
+            <a:r>
+              <a:rPr lang="en-GB" b="0" i="0" dirty="0">
+                <a:solidFill>
+                  <a:schemeClr val="tx1"/>
+                </a:solidFill>
+                <a:effectLst/>
+              </a:rPr>
+              <a:t>A st</a:t>
+            </a:r>
+            <a:r>
+              <a:rPr lang="en-GB" dirty="0">
+                <a:solidFill>
+                  <a:schemeClr val="tx1"/>
+                </a:solidFill>
+              </a:rPr>
+              <a:t>udy focusing on student attendance and grade during the COVID-19 pandemic has also found moderate/strong correlation between attendance/online activity and grades (</a:t>
+            </a:r>
+            <a:r>
+              <a:rPr lang="en-US" b="0" i="0" dirty="0">
+                <a:solidFill>
+                  <a:schemeClr val="tx1"/>
+                </a:solidFill>
+                <a:effectLst/>
+              </a:rPr>
+              <a:t>Finlay, Simpson, </a:t>
+            </a:r>
+            <a:r>
+              <a:rPr lang="en-US" b="0" i="0" dirty="0" err="1">
+                <a:solidFill>
+                  <a:schemeClr val="tx1"/>
+                </a:solidFill>
+                <a:effectLst/>
+              </a:rPr>
+              <a:t>Tinnion</a:t>
+            </a:r>
+            <a:r>
+              <a:rPr lang="en-US" b="0" i="0" dirty="0">
+                <a:solidFill>
+                  <a:schemeClr val="tx1"/>
+                </a:solidFill>
+                <a:effectLst/>
+              </a:rPr>
+              <a:t>, 2022)</a:t>
+            </a:r>
             <a:endParaRPr lang="en-US" dirty="0">
               <a:solidFill>
                 <a:schemeClr val="tx1"/>
@@ -17117,77 +21220,14 @@
             </a:endParaRPr>
           </a:p>
           <a:p>
-            <a:r>
-              <a:rPr lang="en-US" dirty="0">
-                <a:solidFill>
-                  <a:schemeClr val="tx1"/>
-                </a:solidFill>
-              </a:rPr>
-              <a:t>Similarly, an analysis of class attendance and class grades in college classes showed a similar strong correlation between attendance and grade score (</a:t>
-            </a:r>
-            <a:r>
-              <a:rPr lang="en-GB" b="0" i="0" dirty="0" err="1">
-                <a:solidFill>
-                  <a:schemeClr val="tx1"/>
-                </a:solidFill>
-                <a:effectLst/>
-              </a:rPr>
-              <a:t>Credé</a:t>
-            </a:r>
-            <a:r>
-              <a:rPr lang="en-GB" b="0" i="0" dirty="0">
-                <a:solidFill>
-                  <a:schemeClr val="tx1"/>
-                </a:solidFill>
-                <a:effectLst/>
-              </a:rPr>
-              <a:t>, </a:t>
-            </a:r>
-            <a:r>
-              <a:rPr lang="en-GB" b="0" i="0" dirty="0" err="1">
-                <a:solidFill>
-                  <a:schemeClr val="tx1"/>
-                </a:solidFill>
-                <a:effectLst/>
-              </a:rPr>
-              <a:t>Roch</a:t>
-            </a:r>
+            <a:pPr lvl="1"/>
             <a:r>
               <a:rPr lang="en-GB" dirty="0">
                 <a:solidFill>
                   <a:schemeClr val="tx1"/>
                 </a:solidFill>
               </a:rPr>
-              <a:t>, </a:t>
-            </a:r>
-            <a:r>
-              <a:rPr lang="en-GB" b="0" i="0" dirty="0" err="1">
-                <a:solidFill>
-                  <a:schemeClr val="tx1"/>
-                </a:solidFill>
-                <a:effectLst/>
-              </a:rPr>
-              <a:t>Kieszczynka</a:t>
-            </a:r>
-            <a:r>
-              <a:rPr lang="en-GB" b="0" i="0" dirty="0">
-                <a:solidFill>
-                  <a:schemeClr val="tx1"/>
-                </a:solidFill>
-                <a:effectLst/>
-              </a:rPr>
-              <a:t>, 2010)</a:t>
-            </a:r>
-          </a:p>
-          <a:p>
-            <a:pPr lvl="1"/>
-            <a:r>
-              <a:rPr lang="en-GB" dirty="0">
-                <a:solidFill>
-                  <a:schemeClr val="tx1"/>
-                </a:solidFill>
-              </a:rPr>
-              <a:t>Study mentions that a correlation coefficient above 0.50 indicates a large effect size (Cohen, 1988)</a:t>
+              <a:t>Similar use of Spearman correlation was utilised.</a:t>
             </a:r>
           </a:p>
         </p:txBody>
@@ -17195,7 +21235,7 @@
     </p:spTree>
     <p:extLst>
       <p:ext uri="{BB962C8B-B14F-4D97-AF65-F5344CB8AC3E}">
-        <p14:creationId xmlns:p14="http://schemas.microsoft.com/office/powerpoint/2010/main" val="4061980238"/>
+        <p14:creationId xmlns:p14="http://schemas.microsoft.com/office/powerpoint/2010/main" val="2532501681"/>
       </p:ext>
     </p:extLst>
   </p:cSld>
@@ -17205,7 +21245,7 @@
 </p:sld>
 </file>
 
-<file path=ppt/slides/slide30.xml><?xml version="1.0" encoding="utf-8"?>
+<file path=ppt/slides/slide40.xml><?xml version="1.0" encoding="utf-8"?>
 <p:sld xmlns:a="http://schemas.openxmlformats.org/drawingml/2006/main" xmlns:r="http://schemas.openxmlformats.org/officeDocument/2006/relationships" xmlns:p="http://schemas.openxmlformats.org/presentationml/2006/main">
   <p:cSld>
     <p:spTree>
@@ -17227,7 +21267,7 @@
           <p:cNvPr id="2" name="Title 1">
             <a:extLst>
               <a:ext uri="{FF2B5EF4-FFF2-40B4-BE49-F238E27FC236}">
-                <a16:creationId xmlns:a16="http://schemas.microsoft.com/office/drawing/2014/main" id="{C7B88BF5-C73D-C2F9-DD20-DE6522FEBB0C}"/>
+                <a16:creationId xmlns:a16="http://schemas.microsoft.com/office/drawing/2014/main" id="{C7E0A70A-A506-742E-79FF-CCC404CE65C7}"/>
               </a:ext>
             </a:extLst>
           </p:cNvPr>
@@ -17235,7 +21275,7 @@
             <a:spLocks noGrp="1"/>
           </p:cNvSpPr>
           <p:nvPr>
-            <p:ph type="ctrTitle"/>
+            <p:ph type="title"/>
           </p:nvPr>
         </p:nvSpPr>
         <p:spPr/>
@@ -17244,19 +21284,18 @@
           <a:lstStyle/>
           <a:p>
             <a:r>
-              <a:rPr lang="en-US" dirty="0"/>
-              <a:t>PREDICTIONS</a:t>
-            </a:r>
-            <a:endParaRPr lang="en-GB" dirty="0"/>
+              <a:rPr lang="en-GB" dirty="0"/>
+              <a:t>FURTHER DEVELOPMENT</a:t>
+            </a:r>
           </a:p>
         </p:txBody>
       </p:sp>
       <p:sp>
         <p:nvSpPr>
-          <p:cNvPr id="3" name="Subtitle 2">
+          <p:cNvPr id="3" name="Content Placeholder 2">
             <a:extLst>
               <a:ext uri="{FF2B5EF4-FFF2-40B4-BE49-F238E27FC236}">
-                <a16:creationId xmlns:a16="http://schemas.microsoft.com/office/drawing/2014/main" id="{7DC5E721-C1B6-45C1-7ACB-BA368382A9E9}"/>
+                <a16:creationId xmlns:a16="http://schemas.microsoft.com/office/drawing/2014/main" id="{DAE9E2D5-3E7C-12B5-F2B4-4D153305E279}"/>
               </a:ext>
             </a:extLst>
           </p:cNvPr>
@@ -17264,13 +21303,13 @@
             <a:spLocks noGrp="1"/>
           </p:cNvSpPr>
           <p:nvPr>
-            <p:ph type="subTitle" idx="1"/>
+            <p:ph idx="1"/>
           </p:nvPr>
         </p:nvSpPr>
         <p:spPr>
           <a:xfrm>
-            <a:off x="581191" y="3275621"/>
-            <a:ext cx="10993546" cy="2873509"/>
+            <a:off x="581192" y="2180497"/>
+            <a:ext cx="11029615" cy="3975348"/>
           </a:xfrm>
         </p:spPr>
         <p:txBody>
@@ -17282,16 +21321,27 @@
             <a:r>
               <a:rPr lang="en-US" dirty="0">
                 <a:solidFill>
-                  <a:schemeClr val="bg1"/>
-                </a:solidFill>
-              </a:rPr>
-              <a:t>Grade ~ Attendance</a:t>
+                  <a:schemeClr val="tx1"/>
+                </a:solidFill>
+              </a:rPr>
+              <a:t>The study is only focusses on attendance and achievement of a single Module at Abertay University in Scotland. Methods of content delivery may not be suitable for other institutions due to technology differences, delivery method and class structure.</a:t>
+            </a:r>
+          </a:p>
+          <a:p>
+            <a:pPr lvl="1"/>
+            <a:r>
+              <a:rPr lang="en-US" dirty="0">
+                <a:solidFill>
+                  <a:schemeClr val="tx1"/>
+                </a:solidFill>
+              </a:rPr>
+              <a:t>Module was delivered with in three classes each week. An online one-hour live lecture, then a two-hour on-campus practical session (two practical sessions were run to accommodate cohort size). </a:t>
             </a:r>
           </a:p>
           <a:p>
             <a:endParaRPr lang="en-US" dirty="0">
               <a:solidFill>
-                <a:schemeClr val="bg1"/>
+                <a:schemeClr val="tx1"/>
               </a:solidFill>
             </a:endParaRPr>
           </a:p>
@@ -17299,16 +21349,16 @@
             <a:r>
               <a:rPr lang="en-US" dirty="0">
                 <a:solidFill>
-                  <a:schemeClr val="bg1"/>
-                </a:solidFill>
-              </a:rPr>
-              <a:t>Grade ~ Expected Attendance</a:t>
+                  <a:schemeClr val="tx1"/>
+                </a:solidFill>
+              </a:rPr>
+              <a:t>Module is focused on material that is entirely done on a computer. As such, remote teaching is potentially easier than other subjects which could limit the impact of the results.</a:t>
             </a:r>
           </a:p>
           <a:p>
             <a:endParaRPr lang="en-US" dirty="0">
               <a:solidFill>
-                <a:schemeClr val="bg1"/>
+                <a:schemeClr val="tx1"/>
               </a:solidFill>
             </a:endParaRPr>
           </a:p>
@@ -17316,27 +21366,10 @@
             <a:r>
               <a:rPr lang="en-US" dirty="0">
                 <a:solidFill>
-                  <a:schemeClr val="bg1"/>
-                </a:solidFill>
-              </a:rPr>
-              <a:t>Grade ~ Practical Attendance</a:t>
-            </a:r>
-          </a:p>
-          <a:p>
-            <a:endParaRPr lang="en-US" dirty="0">
-              <a:solidFill>
-                <a:schemeClr val="bg1"/>
-              </a:solidFill>
-            </a:endParaRPr>
-          </a:p>
-          <a:p>
-            <a:r>
-              <a:rPr lang="en-US" dirty="0">
-                <a:solidFill>
-                  <a:schemeClr val="bg1"/>
-                </a:solidFill>
-              </a:rPr>
-              <a:t>Grade ~ Lecture Attendance</a:t>
+                  <a:schemeClr val="tx1"/>
+                </a:solidFill>
+              </a:rPr>
+              <a:t> Study is limited to two years of attendance data.</a:t>
             </a:r>
           </a:p>
         </p:txBody>
@@ -17344,7 +21377,7 @@
     </p:spTree>
     <p:extLst>
       <p:ext uri="{BB962C8B-B14F-4D97-AF65-F5344CB8AC3E}">
-        <p14:creationId xmlns:p14="http://schemas.microsoft.com/office/powerpoint/2010/main" val="1683191166"/>
+        <p14:creationId xmlns:p14="http://schemas.microsoft.com/office/powerpoint/2010/main" val="1445128535"/>
       </p:ext>
     </p:extLst>
   </p:cSld>
@@ -17354,139 +21387,7 @@
 </p:sld>
 </file>
 
-<file path=ppt/slides/slide31.xml><?xml version="1.0" encoding="utf-8"?>
-<p:sld xmlns:a="http://schemas.openxmlformats.org/drawingml/2006/main" xmlns:r="http://schemas.openxmlformats.org/officeDocument/2006/relationships" xmlns:p="http://schemas.openxmlformats.org/presentationml/2006/main">
-  <p:cSld>
-    <p:spTree>
-      <p:nvGrpSpPr>
-        <p:cNvPr id="1" name=""/>
-        <p:cNvGrpSpPr/>
-        <p:nvPr/>
-      </p:nvGrpSpPr>
-      <p:grpSpPr>
-        <a:xfrm>
-          <a:off x="0" y="0"/>
-          <a:ext cx="0" cy="0"/>
-          <a:chOff x="0" y="0"/>
-          <a:chExt cx="0" cy="0"/>
-        </a:xfrm>
-      </p:grpSpPr>
-      <p:sp>
-        <p:nvSpPr>
-          <p:cNvPr id="2" name="Title 1">
-            <a:extLst>
-              <a:ext uri="{FF2B5EF4-FFF2-40B4-BE49-F238E27FC236}">
-                <a16:creationId xmlns:a16="http://schemas.microsoft.com/office/drawing/2014/main" id="{C7B88BF5-C73D-C2F9-DD20-DE6522FEBB0C}"/>
-              </a:ext>
-            </a:extLst>
-          </p:cNvPr>
-          <p:cNvSpPr>
-            <a:spLocks noGrp="1"/>
-          </p:cNvSpPr>
-          <p:nvPr>
-            <p:ph type="ctrTitle"/>
-          </p:nvPr>
-        </p:nvSpPr>
-        <p:spPr/>
-        <p:txBody>
-          <a:bodyPr/>
-          <a:lstStyle/>
-          <a:p>
-            <a:r>
-              <a:rPr lang="en-US" dirty="0"/>
-              <a:t>CONCLUSION</a:t>
-            </a:r>
-            <a:endParaRPr lang="en-GB" dirty="0"/>
-          </a:p>
-        </p:txBody>
-      </p:sp>
-      <p:sp>
-        <p:nvSpPr>
-          <p:cNvPr id="3" name="Subtitle 2">
-            <a:extLst>
-              <a:ext uri="{FF2B5EF4-FFF2-40B4-BE49-F238E27FC236}">
-                <a16:creationId xmlns:a16="http://schemas.microsoft.com/office/drawing/2014/main" id="{7DC5E721-C1B6-45C1-7ACB-BA368382A9E9}"/>
-              </a:ext>
-            </a:extLst>
-          </p:cNvPr>
-          <p:cNvSpPr>
-            <a:spLocks noGrp="1"/>
-          </p:cNvSpPr>
-          <p:nvPr>
-            <p:ph type="subTitle" idx="1"/>
-          </p:nvPr>
-        </p:nvSpPr>
-        <p:spPr>
-          <a:xfrm>
-            <a:off x="581191" y="3275621"/>
-            <a:ext cx="10993546" cy="2873509"/>
-          </a:xfrm>
-        </p:spPr>
-        <p:txBody>
-          <a:bodyPr>
-            <a:normAutofit/>
-          </a:bodyPr>
-          <a:lstStyle/>
-          <a:p>
-            <a:r>
-              <a:rPr lang="en-US" dirty="0">
-                <a:solidFill>
-                  <a:schemeClr val="bg1"/>
-                </a:solidFill>
-              </a:rPr>
-              <a:t>SUMMARY</a:t>
-            </a:r>
-          </a:p>
-          <a:p>
-            <a:endParaRPr lang="en-US" dirty="0">
-              <a:solidFill>
-                <a:schemeClr val="bg1"/>
-              </a:solidFill>
-            </a:endParaRPr>
-          </a:p>
-          <a:p>
-            <a:r>
-              <a:rPr lang="en-US" dirty="0">
-                <a:solidFill>
-                  <a:schemeClr val="bg1"/>
-                </a:solidFill>
-              </a:rPr>
-              <a:t>HYPOTHESIS ANSWER</a:t>
-            </a:r>
-          </a:p>
-          <a:p>
-            <a:endParaRPr lang="en-US" dirty="0">
-              <a:solidFill>
-                <a:schemeClr val="bg1"/>
-              </a:solidFill>
-            </a:endParaRPr>
-          </a:p>
-          <a:p>
-            <a:r>
-              <a:rPr lang="en-US" dirty="0">
-                <a:solidFill>
-                  <a:schemeClr val="bg1"/>
-                </a:solidFill>
-              </a:rPr>
-              <a:t>FURTHER DEVELOPMENT</a:t>
-            </a:r>
-          </a:p>
-        </p:txBody>
-      </p:sp>
-    </p:spTree>
-    <p:extLst>
-      <p:ext uri="{BB962C8B-B14F-4D97-AF65-F5344CB8AC3E}">
-        <p14:creationId xmlns:p14="http://schemas.microsoft.com/office/powerpoint/2010/main" val="1590490258"/>
-      </p:ext>
-    </p:extLst>
-  </p:cSld>
-  <p:clrMapOvr>
-    <a:masterClrMapping/>
-  </p:clrMapOvr>
-</p:sld>
-</file>
-
-<file path=ppt/slides/slide32.xml><?xml version="1.0" encoding="utf-8"?>
+<file path=ppt/slides/slide41.xml><?xml version="1.0" encoding="utf-8"?>
 <p:sld xmlns:a="http://schemas.openxmlformats.org/drawingml/2006/main" xmlns:r="http://schemas.openxmlformats.org/officeDocument/2006/relationships" xmlns:p="http://schemas.openxmlformats.org/presentationml/2006/main">
   <p:cSld>
     <p:bg>
@@ -17976,7 +21877,7 @@
 </p:sld>
 </file>
 
-<file path=ppt/slides/slide33.xml><?xml version="1.0" encoding="utf-8"?>
+<file path=ppt/slides/slide42.xml><?xml version="1.0" encoding="utf-8"?>
 <p:sld xmlns:a="http://schemas.openxmlformats.org/drawingml/2006/main" xmlns:r="http://schemas.openxmlformats.org/officeDocument/2006/relationships" xmlns:p="http://schemas.openxmlformats.org/presentationml/2006/main">
   <p:cSld>
     <p:spTree>
@@ -18046,7 +21947,7 @@
         </p:spPr>
         <p:txBody>
           <a:bodyPr>
-            <a:normAutofit/>
+            <a:normAutofit lnSpcReduction="10000"/>
           </a:bodyPr>
           <a:lstStyle/>
           <a:p>
@@ -18348,83 +22249,49 @@
               <a:buNone/>
             </a:pPr>
             <a:r>
-              <a:rPr lang="en-GB" b="0" i="0" dirty="0">
+              <a:rPr lang="en-US" b="0" i="0" dirty="0">
                 <a:solidFill>
                   <a:schemeClr val="tx1"/>
                 </a:solidFill>
                 <a:effectLst/>
               </a:rPr>
-              <a:t>Gunn, K. P. (1993). A correlation between attendance and grades in a first-year psychology class. </a:t>
-            </a:r>
-            <a:r>
-              <a:rPr lang="en-GB" b="0" i="1" dirty="0">
+              <a:t>Finlay, M. J., Simpson, T. and </a:t>
+            </a:r>
+            <a:r>
+              <a:rPr lang="en-US" b="0" i="0" dirty="0" err="1">
                 <a:solidFill>
                   <a:schemeClr val="tx1"/>
                 </a:solidFill>
                 <a:effectLst/>
               </a:rPr>
-              <a:t>Canadian Psychology / </a:t>
-            </a:r>
-            <a:r>
-              <a:rPr lang="en-GB" b="0" i="1" dirty="0" err="1">
+              <a:t>Tinnion</a:t>
+            </a:r>
+            <a:r>
+              <a:rPr lang="en-US" b="0" i="0" dirty="0">
                 <a:solidFill>
                   <a:schemeClr val="tx1"/>
                 </a:solidFill>
                 <a:effectLst/>
               </a:rPr>
-              <a:t>Psychologie</a:t>
-            </a:r>
-            <a:r>
-              <a:rPr lang="en-GB" b="0" i="1" dirty="0">
+              <a:t>, D. J. (2022) ‘Association between attendance, online course activity time, and grades: Analysis of undergraduate sport science cohorts during the COVID-19 pandemic’, </a:t>
+            </a:r>
+            <a:r>
+              <a:rPr lang="en-US" b="0" i="1" dirty="0">
                 <a:solidFill>
                   <a:schemeClr val="tx1"/>
                 </a:solidFill>
                 <a:effectLst/>
               </a:rPr>
-              <a:t> </a:t>
-            </a:r>
-            <a:r>
-              <a:rPr lang="en-GB" b="0" i="1" dirty="0" err="1">
+              <a:t>The journal of hospitality, leisure, sport &amp; tourism education</a:t>
+            </a:r>
+            <a:r>
+              <a:rPr lang="en-US" b="0" i="0" dirty="0">
                 <a:solidFill>
                   <a:schemeClr val="tx1"/>
                 </a:solidFill>
                 <a:effectLst/>
               </a:rPr>
-              <a:t>canadienne</a:t>
-            </a:r>
-            <a:r>
-              <a:rPr lang="en-GB" b="0" i="1" dirty="0">
-                <a:solidFill>
-                  <a:schemeClr val="tx1"/>
-                </a:solidFill>
-                <a:effectLst/>
-              </a:rPr>
-              <a:t>, 34</a:t>
-            </a:r>
-            <a:r>
-              <a:rPr lang="en-GB" b="0" i="0" dirty="0">
-                <a:solidFill>
-                  <a:schemeClr val="tx1"/>
-                </a:solidFill>
-                <a:effectLst/>
-              </a:rPr>
-              <a:t>(2), 201–202. </a:t>
-            </a:r>
-            <a:r>
-              <a:rPr lang="en-GB" b="0" i="0" u="none" strike="noStrike" dirty="0">
-                <a:solidFill>
-                  <a:schemeClr val="tx1"/>
-                </a:solidFill>
-                <a:effectLst/>
-                <a:hlinkClick r:id="rId3">
-                  <a:extLst>
-                    <a:ext uri="{A12FA001-AC4F-418D-AE19-62706E023703}">
-                      <ahyp:hlinkClr xmlns:ahyp="http://schemas.microsoft.com/office/drawing/2018/hyperlinkcolor" val="tx"/>
-                    </a:ext>
-                  </a:extLst>
-                </a:hlinkClick>
-              </a:rPr>
-              <a:t>https://doi.org/10.1037/h0078770</a:t>
+              <a:t>, 31, p. 100397.</a:t>
             </a:r>
             <a:endParaRPr lang="en-GB" b="0" i="0" dirty="0">
               <a:solidFill>
@@ -18448,7 +22315,7 @@
 </p:sld>
 </file>
 
-<file path=ppt/slides/slide34.xml><?xml version="1.0" encoding="utf-8"?>
+<file path=ppt/slides/slide43.xml><?xml version="1.0" encoding="utf-8"?>
 <p:sld xmlns:a="http://schemas.openxmlformats.org/drawingml/2006/main" xmlns:r="http://schemas.openxmlformats.org/officeDocument/2006/relationships" xmlns:p="http://schemas.openxmlformats.org/presentationml/2006/main">
   <p:cSld>
     <p:spTree>
@@ -18518,7 +22385,7 @@
         </p:spPr>
         <p:txBody>
           <a:bodyPr>
-            <a:normAutofit/>
+            <a:noAutofit/>
           </a:bodyPr>
           <a:lstStyle/>
           <a:p>
@@ -18526,6 +22393,96 @@
               <a:buNone/>
             </a:pPr>
             <a:r>
+              <a:rPr lang="en-GB" b="0" i="0" dirty="0">
+                <a:solidFill>
+                  <a:schemeClr val="tx1"/>
+                </a:solidFill>
+                <a:effectLst/>
+              </a:rPr>
+              <a:t>Gunn, K. P. (1993). A correlation between attendance and grades in a first-year psychology class. </a:t>
+            </a:r>
+            <a:r>
+              <a:rPr lang="en-GB" b="0" i="1" dirty="0">
+                <a:solidFill>
+                  <a:schemeClr val="tx1"/>
+                </a:solidFill>
+                <a:effectLst/>
+              </a:rPr>
+              <a:t>Canadian Psychology / </a:t>
+            </a:r>
+            <a:r>
+              <a:rPr lang="en-GB" b="0" i="1" dirty="0" err="1">
+                <a:solidFill>
+                  <a:schemeClr val="tx1"/>
+                </a:solidFill>
+                <a:effectLst/>
+              </a:rPr>
+              <a:t>Psychologie</a:t>
+            </a:r>
+            <a:r>
+              <a:rPr lang="en-GB" b="0" i="1" dirty="0">
+                <a:solidFill>
+                  <a:schemeClr val="tx1"/>
+                </a:solidFill>
+                <a:effectLst/>
+              </a:rPr>
+              <a:t> </a:t>
+            </a:r>
+            <a:r>
+              <a:rPr lang="en-GB" b="0" i="1" dirty="0" err="1">
+                <a:solidFill>
+                  <a:schemeClr val="tx1"/>
+                </a:solidFill>
+                <a:effectLst/>
+              </a:rPr>
+              <a:t>canadienne</a:t>
+            </a:r>
+            <a:r>
+              <a:rPr lang="en-GB" b="0" i="1" dirty="0">
+                <a:solidFill>
+                  <a:schemeClr val="tx1"/>
+                </a:solidFill>
+                <a:effectLst/>
+              </a:rPr>
+              <a:t>, 34</a:t>
+            </a:r>
+            <a:r>
+              <a:rPr lang="en-GB" b="0" i="0" dirty="0">
+                <a:solidFill>
+                  <a:schemeClr val="tx1"/>
+                </a:solidFill>
+                <a:effectLst/>
+              </a:rPr>
+              <a:t>(2), 201–202. </a:t>
+            </a:r>
+            <a:r>
+              <a:rPr lang="en-GB" b="0" i="0" u="none" strike="noStrike" dirty="0">
+                <a:solidFill>
+                  <a:schemeClr val="tx1"/>
+                </a:solidFill>
+                <a:effectLst/>
+                <a:hlinkClick r:id="rId2">
+                  <a:extLst>
+                    <a:ext uri="{A12FA001-AC4F-418D-AE19-62706E023703}">
+                      <ahyp:hlinkClr xmlns:ahyp="http://schemas.microsoft.com/office/drawing/2018/hyperlinkcolor" val="tx"/>
+                    </a:ext>
+                  </a:extLst>
+                </a:hlinkClick>
+              </a:rPr>
+              <a:t>https://doi.org/10.1037/h0078770</a:t>
+            </a:r>
+            <a:endParaRPr lang="en-GB" b="0" i="0" dirty="0">
+              <a:solidFill>
+                <a:schemeClr val="tx1"/>
+              </a:solidFill>
+              <a:effectLst/>
+            </a:endParaRPr>
+          </a:p>
+          <a:p>
+            <a:pPr marL="0" indent="0">
+              <a:buNone/>
+            </a:pPr>
+            <a:r>
               <a:rPr lang="en-GB" b="0" i="0" dirty="0" err="1">
                 <a:solidFill>
                   <a:schemeClr val="tx1"/>
@@ -18605,6 +22562,38 @@
                 <a:effectLst/>
               </a:rPr>
               <a:t>: 10.1007/0-387-23483-7_388.</a:t>
+            </a:r>
+          </a:p>
+          <a:p>
+            <a:pPr marL="0" indent="0">
+              <a:buNone/>
+            </a:pPr>
+            <a:r>
+              <a:rPr lang="en-US" b="0" i="0" dirty="0">
+                <a:solidFill>
+                  <a:schemeClr val="tx1"/>
+                </a:solidFill>
+                <a:effectLst/>
+              </a:rPr>
+              <a:t>Hyde, R. M., &amp; Flournoy, D. J. (1986). A case against mandatory lecture attendance. </a:t>
+            </a:r>
+            <a:r>
+              <a:rPr lang="en-US" b="0" i="1" dirty="0">
+                <a:solidFill>
+                  <a:schemeClr val="tx1"/>
+                </a:solidFill>
+                <a:effectLst/>
+              </a:rPr>
+              <a:t>Journal of Medical Education, 61</a:t>
+            </a:r>
+            <a:r>
+              <a:rPr lang="en-US" b="0" i="0" dirty="0">
+                <a:solidFill>
+                  <a:schemeClr val="tx1"/>
+                </a:solidFill>
+                <a:effectLst/>
+              </a:rPr>
+              <a:t>(3), 175–176.</a:t>
             </a:r>
             <a:endParaRPr lang="en-GB" i="0" dirty="0">
               <a:solidFill>
@@ -18704,56 +22693,118 @@
               <a:buNone/>
             </a:pPr>
             <a:r>
-              <a:rPr lang="en-GB" b="0" i="0" dirty="0">
+              <a:rPr lang="en-US" b="0" i="0" dirty="0" err="1">
                 <a:solidFill>
                   <a:schemeClr val="tx1"/>
                 </a:solidFill>
                 <a:effectLst/>
               </a:rPr>
-              <a:t>MOORE, R., 2003. Attendance and performance. </a:t>
-            </a:r>
-            <a:r>
-              <a:rPr lang="en-GB" b="0" i="1" dirty="0">
+              <a:t>Kyriacou</a:t>
+            </a:r>
+            <a:r>
+              <a:rPr lang="en-US" b="0" i="0" dirty="0">
                 <a:solidFill>
                   <a:schemeClr val="tx1"/>
                 </a:solidFill>
                 <a:effectLst/>
               </a:rPr>
-              <a:t>Journal of College Science Teaching, </a:t>
-            </a:r>
-            <a:r>
-              <a:rPr lang="en-GB" b="1" i="0" dirty="0">
+              <a:t>, D. N. (2016) ‘The Enduring Evolution of the P Value’, </a:t>
+            </a:r>
+            <a:r>
+              <a:rPr lang="en-US" b="0" i="1" dirty="0">
                 <a:solidFill>
                   <a:schemeClr val="tx1"/>
                 </a:solidFill>
                 <a:effectLst/>
               </a:rPr>
-              <a:t>32</a:t>
-            </a:r>
-            <a:r>
-              <a:rPr lang="en-GB" b="0" i="0" dirty="0">
+              <a:t>JAMA</a:t>
+            </a:r>
+            <a:r>
+              <a:rPr lang="en-US" b="0" i="0" dirty="0">
                 <a:solidFill>
                   <a:schemeClr val="tx1"/>
                 </a:solidFill>
                 <a:effectLst/>
               </a:rPr>
-              <a:t>(6), pp. 367-371.</a:t>
-            </a:r>
-            <a:endParaRPr lang="en-GB" dirty="0">
-              <a:solidFill>
-                <a:schemeClr val="tx1"/>
-              </a:solidFill>
-            </a:endParaRPr>
+              <a:t>, 315(11), pp. 1113–1115. </a:t>
+            </a:r>
+            <a:r>
+              <a:rPr lang="en-US" b="0" i="0" dirty="0" err="1">
+                <a:solidFill>
+                  <a:schemeClr val="tx1"/>
+                </a:solidFill>
+                <a:effectLst/>
+              </a:rPr>
+              <a:t>doi</a:t>
+            </a:r>
+            <a:r>
+              <a:rPr lang="en-US" b="0" i="0" dirty="0">
+                <a:solidFill>
+                  <a:schemeClr val="tx1"/>
+                </a:solidFill>
+                <a:effectLst/>
+              </a:rPr>
+              <a:t>: 10.1001/jama.2016.2152.</a:t>
+            </a:r>
           </a:p>
           <a:p>
             <a:pPr marL="0" indent="0">
               <a:buNone/>
             </a:pPr>
-            <a:endParaRPr lang="en-GB" dirty="0">
-              <a:solidFill>
-                <a:schemeClr val="tx1"/>
-              </a:solidFill>
-            </a:endParaRPr>
+            <a:r>
+              <a:rPr lang="en-US" b="0" i="0" dirty="0" err="1">
+                <a:solidFill>
+                  <a:schemeClr val="tx1"/>
+                </a:solidFill>
+                <a:effectLst/>
+              </a:rPr>
+              <a:t>Slem</a:t>
+            </a:r>
+            <a:r>
+              <a:rPr lang="en-US" b="0" i="0" dirty="0">
+                <a:solidFill>
+                  <a:schemeClr val="tx1"/>
+                </a:solidFill>
+                <a:effectLst/>
+              </a:rPr>
+              <a:t>, C. M. (1983, April). </a:t>
+            </a:r>
+            <a:r>
+              <a:rPr lang="en-US" b="0" i="1" dirty="0">
+                <a:solidFill>
+                  <a:schemeClr val="tx1"/>
+                </a:solidFill>
+                <a:effectLst/>
+              </a:rPr>
+              <a:t>Relationship between classroom absenteeism and stress risk/buffer factors, </a:t>
+            </a:r>
+            <a:r>
+              <a:rPr lang="en-US" b="0" i="1" dirty="0" err="1">
+                <a:solidFill>
+                  <a:schemeClr val="tx1"/>
+                </a:solidFill>
+                <a:effectLst/>
+              </a:rPr>
+              <a:t>depressogenic</a:t>
+            </a:r>
+            <a:r>
+              <a:rPr lang="en-US" b="0" i="1" dirty="0">
+                <a:solidFill>
+                  <a:schemeClr val="tx1"/>
+                </a:solidFill>
+                <a:effectLst/>
+              </a:rPr>
+              <a:t> attributional style, depression and classroom academic performance</a:t>
+            </a:r>
+            <a:r>
+              <a:rPr lang="en-US" b="0" i="0" dirty="0">
+                <a:solidFill>
+                  <a:schemeClr val="tx1"/>
+                </a:solidFill>
+                <a:effectLst/>
+              </a:rPr>
+              <a:t>. Paper presented at the annual meeting of the Western Psychological Association, San Francisco, CA.</a:t>
+            </a:r>
           </a:p>
         </p:txBody>
       </p:sp>
@@ -18770,7 +22821,7 @@
 </p:sld>
 </file>
 
-<file path=ppt/slides/slide4.xml><?xml version="1.0" encoding="utf-8"?>
+<file path=ppt/slides/slide44.xml><?xml version="1.0" encoding="utf-8"?>
 <p:sld xmlns:a="http://schemas.openxmlformats.org/drawingml/2006/main" xmlns:r="http://schemas.openxmlformats.org/officeDocument/2006/relationships" xmlns:p="http://schemas.openxmlformats.org/presentationml/2006/main">
   <p:cSld>
     <p:spTree>
@@ -18792,7 +22843,7 @@
           <p:cNvPr id="2" name="Title 1">
             <a:extLst>
               <a:ext uri="{FF2B5EF4-FFF2-40B4-BE49-F238E27FC236}">
-                <a16:creationId xmlns:a16="http://schemas.microsoft.com/office/drawing/2014/main" id="{C7E0A70A-A506-742E-79FF-CCC404CE65C7}"/>
+                <a16:creationId xmlns:a16="http://schemas.microsoft.com/office/drawing/2014/main" id="{893057A3-A04F-232F-0FAC-02C377A544EC}"/>
               </a:ext>
             </a:extLst>
           </p:cNvPr>
@@ -18810,7 +22861,7 @@
           <a:p>
             <a:r>
               <a:rPr lang="en-US" dirty="0"/>
-              <a:t>External Research</a:t>
+              <a:t>References</a:t>
             </a:r>
             <a:endParaRPr lang="en-GB" dirty="0"/>
           </a:p>
@@ -18821,7 +22872,7 @@
           <p:cNvPr id="3" name="Content Placeholder 2">
             <a:extLst>
               <a:ext uri="{FF2B5EF4-FFF2-40B4-BE49-F238E27FC236}">
-                <a16:creationId xmlns:a16="http://schemas.microsoft.com/office/drawing/2014/main" id="{DAE9E2D5-3E7C-12B5-F2B4-4D153305E279}"/>
+                <a16:creationId xmlns:a16="http://schemas.microsoft.com/office/drawing/2014/main" id="{A9C16DC8-2E95-9526-1657-6E95C5B8A701}"/>
               </a:ext>
             </a:extLst>
           </p:cNvPr>
@@ -18835,7 +22886,7 @@
         <p:spPr>
           <a:xfrm>
             <a:off x="581192" y="2180496"/>
-            <a:ext cx="11029615" cy="4144104"/>
+            <a:ext cx="11029615" cy="4360004"/>
           </a:xfrm>
         </p:spPr>
         <p:txBody>
@@ -18844,20 +22895,50 @@
           </a:bodyPr>
           <a:lstStyle/>
           <a:p>
-            <a:r>
-              <a:rPr lang="en-GB" dirty="0">
-                <a:solidFill>
-                  <a:schemeClr val="tx1"/>
-                </a:solidFill>
-              </a:rPr>
-              <a:t>This trend of attendance having a positive affect on performance is referenced in older journal articles, with similar positive correlations being identified twenty (Moore, 2003) and thirty years ago (Gunn, 1993).</a:t>
-            </a:r>
-          </a:p>
-          <a:p>
-            <a:endParaRPr lang="en-GB" dirty="0">
+            <a:pPr marL="0" indent="0">
+              <a:buNone/>
+            </a:pPr>
+            <a:r>
+              <a:rPr lang="en-GB" b="0" i="0" dirty="0">
+                <a:solidFill>
+                  <a:schemeClr val="tx1"/>
+                </a:solidFill>
+                <a:effectLst/>
+              </a:rPr>
+              <a:t>MOORE, R., 2003. Attendance and performance. </a:t>
+            </a:r>
+            <a:r>
+              <a:rPr lang="en-GB" b="0" i="1" dirty="0">
+                <a:solidFill>
+                  <a:schemeClr val="tx1"/>
+                </a:solidFill>
+                <a:effectLst/>
+              </a:rPr>
+              <a:t>Journal of College Science Teaching, </a:t>
+            </a:r>
+            <a:r>
+              <a:rPr lang="en-GB" b="1" i="0" dirty="0">
+                <a:solidFill>
+                  <a:schemeClr val="tx1"/>
+                </a:solidFill>
+                <a:effectLst/>
+              </a:rPr>
+              <a:t>32</a:t>
+            </a:r>
+            <a:r>
+              <a:rPr lang="en-GB" b="0" i="0" dirty="0">
+                <a:solidFill>
+                  <a:schemeClr val="tx1"/>
+                </a:solidFill>
+                <a:effectLst/>
+              </a:rPr>
+              <a:t>(6), pp. 367-371.</a:t>
+            </a:r>
+            <a:endParaRPr lang="en-US" b="0" i="0" dirty="0">
               <a:solidFill>
                 <a:schemeClr val="tx1"/>
               </a:solidFill>
+              <a:effectLst/>
             </a:endParaRPr>
           </a:p>
           <a:p>
@@ -18865,136 +22946,49 @@
               <a:buNone/>
             </a:pPr>
             <a:r>
-              <a:rPr lang="en-GB" dirty="0">
-                <a:solidFill>
-                  <a:schemeClr val="tx1"/>
-                </a:solidFill>
-              </a:rPr>
-              <a:t>In terms of including new blended learning technologies with traditional pedagogic practices, there are some sources that evaluate the introduction of these and recording technologies in teaching:</a:t>
-            </a:r>
-          </a:p>
-          <a:p>
-            <a:r>
-              <a:rPr lang="en-GB" dirty="0">
-                <a:solidFill>
-                  <a:schemeClr val="tx1"/>
-                </a:solidFill>
-              </a:rPr>
-              <a:t>A study in </a:t>
-            </a:r>
-            <a:r>
-              <a:rPr lang="en-GB" i="1" dirty="0">
-                <a:solidFill>
-                  <a:schemeClr val="tx1"/>
-                </a:solidFill>
-              </a:rPr>
-              <a:t>Nurse Educator</a:t>
-            </a:r>
-            <a:r>
-              <a:rPr lang="en-GB" dirty="0">
-                <a:solidFill>
-                  <a:schemeClr val="tx1"/>
-                </a:solidFill>
-              </a:rPr>
-              <a:t> explored the introduction distance learning technologies to their course and their effect on grades. The consensus was the mean final grade improved over the implementation period. (</a:t>
-            </a:r>
-            <a:r>
-              <a:rPr lang="en-GB" b="0" i="0" dirty="0">
+              <a:rPr lang="en-US" b="0" i="0" dirty="0">
                 <a:solidFill>
                   <a:schemeClr val="tx1"/>
                 </a:solidFill>
                 <a:effectLst/>
               </a:rPr>
-              <a:t>Carpenter, </a:t>
-            </a:r>
-            <a:r>
-              <a:rPr lang="en-GB" b="0" i="0" dirty="0" err="1">
+              <a:t>St. Clair, K. L. (1999) ‘A Case Against Compulsory Class Attendance Policies in Higher Education’, </a:t>
+            </a:r>
+            <a:r>
+              <a:rPr lang="en-US" b="0" i="1" dirty="0">
                 <a:solidFill>
                   <a:schemeClr val="tx1"/>
                 </a:solidFill>
                 <a:effectLst/>
               </a:rPr>
-              <a:t>Theeke</a:t>
-            </a:r>
-            <a:r>
-              <a:rPr lang="en-GB" dirty="0">
-                <a:solidFill>
-                  <a:schemeClr val="tx1"/>
-                </a:solidFill>
-              </a:rPr>
-              <a:t>, </a:t>
-            </a:r>
-            <a:r>
-              <a:rPr lang="en-GB" b="0" i="0" dirty="0">
+              <a:t>Innovative Higher Education</a:t>
+            </a:r>
+            <a:r>
+              <a:rPr lang="en-US" b="0" i="0" dirty="0">
                 <a:solidFill>
                   <a:schemeClr val="tx1"/>
                 </a:solidFill>
                 <a:effectLst/>
               </a:rPr>
-              <a:t>Smothers, 2013)</a:t>
-            </a:r>
-          </a:p>
-          <a:p>
-            <a:r>
-              <a:rPr lang="en-GB" dirty="0">
-                <a:solidFill>
-                  <a:schemeClr val="tx1"/>
-                </a:solidFill>
-              </a:rPr>
-              <a:t>However, there are also suggestions that the use of recording systems and their availability, do not correlate with improved performance or grade. (</a:t>
-            </a:r>
-            <a:r>
-              <a:rPr lang="en-GB" sz="1800" b="0" i="0" dirty="0" err="1">
+              <a:t>, 23(3), pp. 171–180. </a:t>
+            </a:r>
+            <a:r>
+              <a:rPr lang="en-US" b="0" i="0" dirty="0" err="1">
                 <a:solidFill>
                   <a:schemeClr val="tx1"/>
                 </a:solidFill>
                 <a:effectLst/>
               </a:rPr>
-              <a:t>Bacro</a:t>
-            </a:r>
-            <a:r>
-              <a:rPr lang="en-GB" sz="1800" b="0" i="0" dirty="0">
+              <a:t>doi</a:t>
+            </a:r>
+            <a:r>
+              <a:rPr lang="en-US" b="0" i="0" dirty="0">
                 <a:solidFill>
                   <a:schemeClr val="tx1"/>
                 </a:solidFill>
                 <a:effectLst/>
               </a:rPr>
-              <a:t>, </a:t>
-            </a:r>
-            <a:r>
-              <a:rPr lang="en-GB" sz="1800" b="0" i="0" dirty="0" err="1">
-                <a:solidFill>
-                  <a:schemeClr val="tx1"/>
-                </a:solidFill>
-                <a:effectLst/>
-              </a:rPr>
-              <a:t>Gebregziabher</a:t>
-            </a:r>
-            <a:r>
-              <a:rPr lang="en-GB" dirty="0">
-                <a:solidFill>
-                  <a:schemeClr val="tx1"/>
-                </a:solidFill>
-              </a:rPr>
-              <a:t>, </a:t>
-            </a:r>
-            <a:r>
-              <a:rPr lang="en-GB" sz="1800" b="0" i="0" dirty="0" err="1">
-                <a:solidFill>
-                  <a:schemeClr val="tx1"/>
-                </a:solidFill>
-                <a:effectLst/>
-              </a:rPr>
-              <a:t>Fitzharris</a:t>
-            </a:r>
-            <a:r>
-              <a:rPr lang="en-GB" sz="1800" b="0" i="0" dirty="0">
-                <a:solidFill>
-                  <a:schemeClr val="tx1"/>
-                </a:solidFill>
-                <a:effectLst/>
-              </a:rPr>
-              <a:t>, 2010)</a:t>
+              <a:t>: 10.1023/A:1022942400812.</a:t>
             </a:r>
             <a:endParaRPr lang="en-GB" b="0" i="0" dirty="0">
               <a:solidFill>
@@ -19003,12 +22997,99 @@
               <a:effectLst/>
             </a:endParaRPr>
           </a:p>
+          <a:p>
+            <a:pPr marL="0" indent="0">
+              <a:buNone/>
+            </a:pPr>
+            <a:r>
+              <a:rPr lang="en-US" dirty="0">
+                <a:solidFill>
+                  <a:schemeClr val="tx1"/>
+                </a:solidFill>
+                <a:effectLst/>
+              </a:rPr>
+              <a:t>Wilcox, R. R. (2001) </a:t>
+            </a:r>
+            <a:r>
+              <a:rPr lang="en-US" i="1" dirty="0">
+                <a:solidFill>
+                  <a:schemeClr val="tx1"/>
+                </a:solidFill>
+                <a:effectLst/>
+              </a:rPr>
+              <a:t>Fundamentals of Modern Statistical Methods: Substantially Improving Power and Accuracy</a:t>
+            </a:r>
+            <a:r>
+              <a:rPr lang="en-US" dirty="0">
+                <a:solidFill>
+                  <a:schemeClr val="tx1"/>
+                </a:solidFill>
+                <a:effectLst/>
+              </a:rPr>
+              <a:t>. Springer (Springer Nature Book Archives Millennium). Available at: https://books.google.co.uk/books?id=YSFb4QX2UIoC.</a:t>
+            </a:r>
+            <a:endParaRPr lang="en-US" dirty="0">
+              <a:solidFill>
+                <a:schemeClr val="tx1"/>
+              </a:solidFill>
+            </a:endParaRPr>
+          </a:p>
+          <a:p>
+            <a:pPr marL="0" indent="0">
+              <a:buNone/>
+            </a:pPr>
+            <a:r>
+              <a:rPr lang="en-US" b="0" i="0" dirty="0">
+                <a:solidFill>
+                  <a:schemeClr val="tx1"/>
+                </a:solidFill>
+                <a:effectLst/>
+              </a:rPr>
+              <a:t>Van </a:t>
+            </a:r>
+            <a:r>
+              <a:rPr lang="en-US" b="0" i="0" dirty="0" err="1">
+                <a:solidFill>
+                  <a:schemeClr val="tx1"/>
+                </a:solidFill>
+                <a:effectLst/>
+              </a:rPr>
+              <a:t>Blerkom</a:t>
+            </a:r>
+            <a:r>
+              <a:rPr lang="en-US" b="0" i="0" dirty="0">
+                <a:solidFill>
+                  <a:schemeClr val="tx1"/>
+                </a:solidFill>
+                <a:effectLst/>
+              </a:rPr>
+              <a:t>, M. L. (1996, August). </a:t>
+            </a:r>
+            <a:r>
+              <a:rPr lang="en-US" b="0" i="1" dirty="0">
+                <a:solidFill>
+                  <a:schemeClr val="tx1"/>
+                </a:solidFill>
+                <a:effectLst/>
+              </a:rPr>
+              <a:t>Academic perseverance, class attendance, and performance in the college classroom</a:t>
+            </a:r>
+            <a:r>
+              <a:rPr lang="en-US" b="0" i="0" dirty="0">
+                <a:solidFill>
+                  <a:schemeClr val="tx1"/>
+                </a:solidFill>
+                <a:effectLst/>
+              </a:rPr>
+              <a:t>. Paper presented at the meeting of the American Psychological Association, Toronto, Ontario, Canada.</a:t>
+            </a:r>
+          </a:p>
         </p:txBody>
       </p:sp>
     </p:spTree>
     <p:extLst>
       <p:ext uri="{BB962C8B-B14F-4D97-AF65-F5344CB8AC3E}">
-        <p14:creationId xmlns:p14="http://schemas.microsoft.com/office/powerpoint/2010/main" val="3734950572"/>
+        <p14:creationId xmlns:p14="http://schemas.microsoft.com/office/powerpoint/2010/main" val="2795216766"/>
       </p:ext>
     </p:extLst>
   </p:cSld>
@@ -19058,7 +23139,7 @@
           <a:p>
             <a:r>
               <a:rPr lang="en-US" dirty="0"/>
-              <a:t>Hypothesis</a:t>
+              <a:t>External Research</a:t>
             </a:r>
             <a:endParaRPr lang="en-GB" dirty="0"/>
           </a:p>
@@ -19083,65 +23164,163 @@
         <p:spPr>
           <a:xfrm>
             <a:off x="581192" y="2180496"/>
-            <a:ext cx="11029615" cy="4366078"/>
+            <a:ext cx="11029615" cy="4144104"/>
           </a:xfrm>
         </p:spPr>
         <p:txBody>
-          <a:bodyPr/>
+          <a:bodyPr>
+            <a:normAutofit/>
+          </a:bodyPr>
           <a:lstStyle/>
           <a:p>
-            <a:r>
-              <a:rPr lang="en-US" dirty="0">
-                <a:solidFill>
-                  <a:schemeClr val="tx1"/>
-                </a:solidFill>
-              </a:rPr>
-              <a:t>Based on the existing research, it is expected there will be a close relationship between a student's attendance to class and their corresponding grade.</a:t>
-            </a:r>
-          </a:p>
-          <a:p>
-            <a:endParaRPr lang="en-US" dirty="0">
+            <a:pPr marL="0" indent="0">
+              <a:buNone/>
+            </a:pPr>
+            <a:r>
+              <a:rPr lang="en-GB" dirty="0">
+                <a:solidFill>
+                  <a:schemeClr val="tx1"/>
+                </a:solidFill>
+              </a:rPr>
+              <a:t>In terms of including new blended learning technologies with traditional pedagogic practices, there are some sources that evaluate the introduction of these and recording technologies in teaching:</a:t>
+            </a:r>
+          </a:p>
+          <a:p>
+            <a:r>
+              <a:rPr lang="en-GB" dirty="0">
+                <a:solidFill>
+                  <a:schemeClr val="tx1"/>
+                </a:solidFill>
+              </a:rPr>
+              <a:t>A study in </a:t>
+            </a:r>
+            <a:r>
+              <a:rPr lang="en-GB" i="1" dirty="0">
+                <a:solidFill>
+                  <a:schemeClr val="tx1"/>
+                </a:solidFill>
+              </a:rPr>
+              <a:t>Nurse Educator</a:t>
+            </a:r>
+            <a:r>
+              <a:rPr lang="en-GB" dirty="0">
+                <a:solidFill>
+                  <a:schemeClr val="tx1"/>
+                </a:solidFill>
+              </a:rPr>
+              <a:t> explored the introduction distance learning technologies to their course and their effect on grades. The consensus was the mean final grade improved over the implementation period. (</a:t>
+            </a:r>
+            <a:r>
+              <a:rPr lang="en-GB" b="0" i="0" dirty="0">
+                <a:solidFill>
+                  <a:schemeClr val="tx1"/>
+                </a:solidFill>
+                <a:effectLst/>
+              </a:rPr>
+              <a:t>Carpenter, </a:t>
+            </a:r>
+            <a:r>
+              <a:rPr lang="en-GB" b="0" i="0" dirty="0" err="1">
+                <a:solidFill>
+                  <a:schemeClr val="tx1"/>
+                </a:solidFill>
+                <a:effectLst/>
+              </a:rPr>
+              <a:t>Theeke</a:t>
+            </a:r>
+            <a:r>
+              <a:rPr lang="en-GB" dirty="0">
+                <a:solidFill>
+                  <a:schemeClr val="tx1"/>
+                </a:solidFill>
+              </a:rPr>
+              <a:t>, </a:t>
+            </a:r>
+            <a:r>
+              <a:rPr lang="en-GB" b="0" i="0" dirty="0">
+                <a:solidFill>
+                  <a:schemeClr val="tx1"/>
+                </a:solidFill>
+                <a:effectLst/>
+              </a:rPr>
+              <a:t>Smothers, 2013)</a:t>
+            </a:r>
+          </a:p>
+          <a:p>
+            <a:r>
+              <a:rPr lang="en-GB" dirty="0">
+                <a:solidFill>
+                  <a:schemeClr val="tx1"/>
+                </a:solidFill>
+              </a:rPr>
+              <a:t>However, there are also suggestions that the use of recording systems and their availability, do not correlate with improved performance or grade. (</a:t>
+            </a:r>
+            <a:r>
+              <a:rPr lang="en-GB" sz="1800" b="0" i="0" dirty="0" err="1">
+                <a:solidFill>
+                  <a:schemeClr val="tx1"/>
+                </a:solidFill>
+                <a:effectLst/>
+              </a:rPr>
+              <a:t>Bacro</a:t>
+            </a:r>
+            <a:r>
+              <a:rPr lang="en-GB" sz="1800" b="0" i="0" dirty="0">
+                <a:solidFill>
+                  <a:schemeClr val="tx1"/>
+                </a:solidFill>
+                <a:effectLst/>
+              </a:rPr>
+              <a:t>, </a:t>
+            </a:r>
+            <a:r>
+              <a:rPr lang="en-GB" sz="1800" b="0" i="0" dirty="0" err="1">
+                <a:solidFill>
+                  <a:schemeClr val="tx1"/>
+                </a:solidFill>
+                <a:effectLst/>
+              </a:rPr>
+              <a:t>Gebregziabher</a:t>
+            </a:r>
+            <a:r>
+              <a:rPr lang="en-GB" dirty="0">
+                <a:solidFill>
+                  <a:schemeClr val="tx1"/>
+                </a:solidFill>
+              </a:rPr>
+              <a:t>, </a:t>
+            </a:r>
+            <a:r>
+              <a:rPr lang="en-GB" sz="1800" b="0" i="0" dirty="0" err="1">
+                <a:solidFill>
+                  <a:schemeClr val="tx1"/>
+                </a:solidFill>
+                <a:effectLst/>
+              </a:rPr>
+              <a:t>Fitzharris</a:t>
+            </a:r>
+            <a:r>
+              <a:rPr lang="en-GB" sz="1800" b="0" i="0" dirty="0">
+                <a:solidFill>
+                  <a:schemeClr val="tx1"/>
+                </a:solidFill>
+                <a:effectLst/>
+              </a:rPr>
+              <a:t>, 2010)</a:t>
+            </a:r>
+            <a:endParaRPr lang="en-GB" b="0" i="0" dirty="0">
               <a:solidFill>
                 <a:schemeClr val="tx1"/>
               </a:solidFill>
+              <a:effectLst/>
             </a:endParaRPr>
-          </a:p>
-          <a:p>
-            <a:r>
-              <a:rPr lang="en-US" dirty="0">
-                <a:solidFill>
-                  <a:schemeClr val="tx1"/>
-                </a:solidFill>
-              </a:rPr>
-              <a:t>Due to the adoption of Blended learning approaches and the necessity of Remote teaching during lockdown, it is expected that students who chose to use the recorded materials will perform the same as the students who attended live lectures.</a:t>
-            </a:r>
-          </a:p>
-          <a:p>
-            <a:endParaRPr lang="en-US" dirty="0">
-              <a:solidFill>
-                <a:schemeClr val="tx1"/>
-              </a:solidFill>
-            </a:endParaRPr>
-          </a:p>
-          <a:p>
-            <a:pPr marL="0" indent="0" algn="ctr">
-              <a:buNone/>
-            </a:pPr>
-            <a:r>
-              <a:rPr lang="en-US" i="1" dirty="0">
-                <a:solidFill>
-                  <a:schemeClr val="tx1"/>
-                </a:solidFill>
-              </a:rPr>
-              <a:t>“Recorded Lectures provide a suitable alternative for learning should students be unable to or chose not to attend live lectures.” </a:t>
-            </a:r>
           </a:p>
         </p:txBody>
       </p:sp>
     </p:spTree>
     <p:extLst>
       <p:ext uri="{BB962C8B-B14F-4D97-AF65-F5344CB8AC3E}">
-        <p14:creationId xmlns:p14="http://schemas.microsoft.com/office/powerpoint/2010/main" val="3815519111"/>
+        <p14:creationId xmlns:p14="http://schemas.microsoft.com/office/powerpoint/2010/main" val="3734950572"/>
       </p:ext>
     </p:extLst>
   </p:cSld>
@@ -19190,9 +23369,10 @@
           <a:lstStyle/>
           <a:p>
             <a:r>
-              <a:rPr lang="en-GB" dirty="0"/>
-              <a:t>Limitations</a:t>
-            </a:r>
+              <a:rPr lang="en-US" dirty="0"/>
+              <a:t>Hypothesis</a:t>
+            </a:r>
+            <a:endParaRPr lang="en-GB" dirty="0"/>
           </a:p>
         </p:txBody>
       </p:sp>
@@ -19214,14 +23394,12 @@
         </p:nvSpPr>
         <p:spPr>
           <a:xfrm>
-            <a:off x="581192" y="2180497"/>
-            <a:ext cx="11029615" cy="3975348"/>
+            <a:off x="581192" y="2180496"/>
+            <a:ext cx="11029615" cy="4366078"/>
           </a:xfrm>
         </p:spPr>
         <p:txBody>
-          <a:bodyPr>
-            <a:normAutofit/>
-          </a:bodyPr>
+          <a:bodyPr/>
           <a:lstStyle/>
           <a:p>
             <a:r>
@@ -19230,18 +23408,7 @@
                   <a:schemeClr val="tx1"/>
                 </a:solidFill>
               </a:rPr>
-              <a:t>The study is only focusses on attendance and achievement of a single Module at Abertay University in Scotland. Methods of content delivery may not be suitable for other institutions due to technology differences, delivery method and class structure.</a:t>
-            </a:r>
-          </a:p>
-          <a:p>
-            <a:pPr lvl="1"/>
-            <a:r>
-              <a:rPr lang="en-US" dirty="0">
-                <a:solidFill>
-                  <a:schemeClr val="tx1"/>
-                </a:solidFill>
-              </a:rPr>
-              <a:t>Module was delivered with in three classes each week. An online one-hour live lecture, then a two-hour on-campus practical session (two practical sessions were run to accommodate cohort size). </a:t>
+              <a:t>Based on the existing research, it is expected there will be a close relationship between a student's attendance to class and their corresponding grade. </a:t>
             </a:r>
           </a:p>
           <a:p>
@@ -19258,7 +23425,7 @@
                   <a:schemeClr val="tx1"/>
                 </a:solidFill>
               </a:rPr>
-              <a:t>Module is focused on material that is entirely done on a computer. As such, remote teaching is potentially easier than other subjects which could limit the impact of the results.</a:t>
+              <a:t>Due to the adoption of Blended learning approaches and the necessity of Remote teaching during lockdown, it is expected that students who are unable to or chose not to attend the live lectures will still perform well in comparison to those that do.</a:t>
             </a:r>
           </a:p>
           <a:p>
@@ -19269,13 +23436,16 @@
             </a:endParaRPr>
           </a:p>
           <a:p>
-            <a:r>
-              <a:rPr lang="en-US" dirty="0">
-                <a:solidFill>
-                  <a:schemeClr val="tx1"/>
-                </a:solidFill>
-              </a:rPr>
-              <a:t> Study is limited to two years of attendance data.</a:t>
+            <a:pPr marL="0" indent="0" algn="ctr">
+              <a:buNone/>
+            </a:pPr>
+            <a:r>
+              <a:rPr lang="en-US" i="1" dirty="0">
+                <a:solidFill>
+                  <a:schemeClr val="tx1"/>
+                </a:solidFill>
+              </a:rPr>
+              <a:t>“Recorded Lectures provide a suitable alternative for learning should students be unable to or chose not to attend live lectures.” </a:t>
             </a:r>
           </a:p>
         </p:txBody>
@@ -19283,7 +23453,7 @@
     </p:spTree>
     <p:extLst>
       <p:ext uri="{BB962C8B-B14F-4D97-AF65-F5344CB8AC3E}">
-        <p14:creationId xmlns:p14="http://schemas.microsoft.com/office/powerpoint/2010/main" val="3279179153"/>
+        <p14:creationId xmlns:p14="http://schemas.microsoft.com/office/powerpoint/2010/main" val="3815519111"/>
       </p:ext>
     </p:extLst>
   </p:cSld>
@@ -19315,7 +23485,7 @@
           <p:cNvPr id="2" name="Title 1">
             <a:extLst>
               <a:ext uri="{FF2B5EF4-FFF2-40B4-BE49-F238E27FC236}">
-                <a16:creationId xmlns:a16="http://schemas.microsoft.com/office/drawing/2014/main" id="{BD4CA9CC-5ADC-001A-4D31-8EC14B8E37D4}"/>
+                <a16:creationId xmlns:a16="http://schemas.microsoft.com/office/drawing/2014/main" id="{5E032CA5-BAFB-C295-A1E2-96AE8BE27F63}"/>
               </a:ext>
             </a:extLst>
           </p:cNvPr>
@@ -19333,7 +23503,7 @@
           <a:p>
             <a:r>
               <a:rPr lang="en-US" dirty="0"/>
-              <a:t>Data Gathering methodology</a:t>
+              <a:t>Ethics Consideration</a:t>
             </a:r>
             <a:endParaRPr lang="en-GB" dirty="0"/>
           </a:p>
@@ -19344,7 +23514,7 @@
           <p:cNvPr id="3" name="Content Placeholder 2">
             <a:extLst>
               <a:ext uri="{FF2B5EF4-FFF2-40B4-BE49-F238E27FC236}">
-                <a16:creationId xmlns:a16="http://schemas.microsoft.com/office/drawing/2014/main" id="{121196E6-3603-F66B-72E8-8E7E5F53AC6C}"/>
+                <a16:creationId xmlns:a16="http://schemas.microsoft.com/office/drawing/2014/main" id="{F33B01F8-2ADA-19C7-2515-BAA354DEDA40}"/>
               </a:ext>
             </a:extLst>
           </p:cNvPr>
@@ -19352,18 +23522,13 @@
             <a:spLocks noGrp="1"/>
           </p:cNvSpPr>
           <p:nvPr>
-            <p:ph idx="1"/>
+            <p:ph sz="half" idx="1"/>
           </p:nvPr>
         </p:nvSpPr>
-        <p:spPr>
-          <a:xfrm>
-            <a:off x="581192" y="2180496"/>
-            <a:ext cx="11029615" cy="4114287"/>
-          </a:xfrm>
-        </p:spPr>
+        <p:spPr/>
         <p:txBody>
           <a:bodyPr>
-            <a:normAutofit fontScale="85000" lnSpcReduction="20000"/>
+            <a:normAutofit/>
           </a:bodyPr>
           <a:lstStyle/>
           <a:p>
@@ -19373,70 +23538,42 @@
                   <a:schemeClr val="tx1"/>
                 </a:solidFill>
               </a:rPr>
-              <a:t>The following data was gathered as stating in the Research Proposal:</a:t>
-            </a:r>
-          </a:p>
-          <a:p>
-            <a:pPr marL="666900" lvl="1" indent="-342900">
-              <a:buFont typeface="+mj-lt"/>
-              <a:buAutoNum type="arabicPeriod"/>
-            </a:pPr>
+              <a:t>Ethics approval for this project was given based on the </a:t>
+            </a:r>
+            <a:r>
+              <a:rPr lang="en-US" dirty="0" err="1">
+                <a:solidFill>
+                  <a:schemeClr val="tx1"/>
+                </a:solidFill>
+              </a:rPr>
+              <a:t>anonymising</a:t>
+            </a:r>
             <a:r>
               <a:rPr lang="en-US" dirty="0">
                 <a:solidFill>
                   <a:schemeClr val="tx1"/>
                 </a:solidFill>
               </a:rPr>
-              <a:t>Attendance of each class Recorded on Attendance Software (JISC)</a:t>
-            </a:r>
-          </a:p>
-          <a:p>
-            <a:pPr marL="666900" lvl="1" indent="-342900">
-              <a:buFont typeface="+mj-lt"/>
-              <a:buAutoNum type="arabicPeriod"/>
-            </a:pPr>
-            <a:r>
-              <a:rPr lang="en-US" dirty="0">
-                <a:solidFill>
-                  <a:schemeClr val="tx1"/>
-                </a:solidFill>
-              </a:rPr>
-              <a:t>Usage of class work and Assignments on MyLearningSpace (VLE)</a:t>
-            </a:r>
-          </a:p>
-          <a:p>
-            <a:pPr marL="666900" lvl="1" indent="-342900">
-              <a:buFont typeface="+mj-lt"/>
-              <a:buAutoNum type="arabicPeriod"/>
-            </a:pPr>
-            <a:r>
-              <a:rPr lang="en-US" dirty="0">
-                <a:solidFill>
-                  <a:schemeClr val="tx1"/>
-                </a:solidFill>
-              </a:rPr>
-              <a:t>Grades of Students for Marked Assignment</a:t>
-            </a:r>
-          </a:p>
-          <a:p>
-            <a:pPr marL="666900" lvl="1" indent="-342900">
-              <a:buFont typeface="+mj-lt"/>
-              <a:buAutoNum type="arabicPeriod"/>
-            </a:pPr>
-            <a:r>
-              <a:rPr lang="en-US" dirty="0">
-                <a:solidFill>
-                  <a:schemeClr val="tx1"/>
-                </a:solidFill>
-              </a:rPr>
-              <a:t>Views of Recorded Material</a:t>
-            </a:r>
-          </a:p>
-          <a:p>
-            <a:pPr marL="342900" indent="-342900">
-              <a:buFont typeface="+mj-lt"/>
-              <a:buAutoNum type="arabicPeriod"/>
-            </a:pPr>
+              <a:t> of student identifications. To do this, the raw data gathered was collated into a single Spreadsheet for each year, order was randomized and Student ID’s were hashed during a SHA256 Hashing algorithm (</a:t>
+            </a:r>
+            <a:r>
+              <a:rPr lang="en-GB" b="0" i="0" dirty="0" err="1">
+                <a:solidFill>
+                  <a:schemeClr val="tx1"/>
+                </a:solidFill>
+                <a:effectLst/>
+              </a:rPr>
+              <a:t>Handschuh</a:t>
+            </a:r>
+            <a:r>
+              <a:rPr lang="en-GB" b="0" i="0" dirty="0">
+                <a:solidFill>
+                  <a:schemeClr val="tx1"/>
+                </a:solidFill>
+                <a:effectLst/>
+              </a:rPr>
+              <a:t>, 2005)</a:t>
+            </a:r>
             <a:endParaRPr lang="en-US" dirty="0">
               <a:solidFill>
                 <a:schemeClr val="tx1"/>
@@ -19444,89 +23581,58 @@
             </a:endParaRPr>
           </a:p>
           <a:p>
+            <a:pPr lvl="1"/>
             <a:r>
               <a:rPr lang="en-US" dirty="0">
                 <a:solidFill>
                   <a:schemeClr val="tx1"/>
                 </a:solidFill>
               </a:rPr>
-              <a:t>Data was gathered for sessions 2020-2021, 2021-2022, and 2022-2023.</a:t>
-            </a:r>
-          </a:p>
-          <a:p>
-            <a:pPr lvl="1"/>
-            <a:r>
-              <a:rPr lang="en-US" dirty="0">
-                <a:solidFill>
-                  <a:schemeClr val="tx1"/>
-                </a:solidFill>
-              </a:rPr>
-              <a:t>Data for 2020-2021 only contained five registers, including one for September 2021 (next academic year). As such this data was ignored.</a:t>
-            </a:r>
-          </a:p>
-          <a:p>
-            <a:pPr lvl="1"/>
-            <a:r>
-              <a:rPr lang="en-US" dirty="0">
-                <a:solidFill>
-                  <a:schemeClr val="tx1"/>
-                </a:solidFill>
-              </a:rPr>
-              <a:t>Data for 2021-2022 ran with lectures being recorded and sessions were discussions rather than delivery of content. </a:t>
-            </a:r>
-          </a:p>
-          <a:p>
-            <a:pPr lvl="1"/>
-            <a:endParaRPr lang="en-US" dirty="0">
-              <a:solidFill>
-                <a:schemeClr val="tx1"/>
-              </a:solidFill>
-            </a:endParaRPr>
-          </a:p>
-          <a:p>
-            <a:r>
-              <a:rPr lang="en-US" dirty="0">
-                <a:solidFill>
-                  <a:schemeClr val="tx1"/>
-                </a:solidFill>
-              </a:rPr>
-              <a:t>Ethics approval for this project was given based on the anonymizing of student identifications. To do this, the raw data gathered was collated into a single Spreadsheet for each year, and Student ID’s were hashed during a SHA256 Hashing algorithm (</a:t>
-            </a:r>
-            <a:r>
-              <a:rPr lang="en-GB" b="0" i="0" dirty="0" err="1">
-                <a:solidFill>
-                  <a:schemeClr val="tx1"/>
-                </a:solidFill>
-                <a:effectLst/>
-                <a:latin typeface="Circular"/>
-              </a:rPr>
-              <a:t>Handschuh</a:t>
-            </a:r>
-            <a:r>
-              <a:rPr lang="en-GB" b="0" i="0" dirty="0">
-                <a:solidFill>
-                  <a:schemeClr val="tx1"/>
-                </a:solidFill>
-                <a:effectLst/>
-                <a:latin typeface="Circular"/>
-              </a:rPr>
-              <a:t>, 2005)</a:t>
-            </a:r>
-            <a:endParaRPr lang="en-US" dirty="0">
-              <a:solidFill>
-                <a:schemeClr val="tx1"/>
-              </a:solidFill>
-            </a:endParaRPr>
-          </a:p>
-          <a:p>
-            <a:pPr lvl="1"/>
-            <a:r>
-              <a:rPr lang="en-US" dirty="0">
-                <a:solidFill>
-                  <a:schemeClr val="tx1"/>
-                </a:solidFill>
-              </a:rPr>
               <a:t>Converts student number into a 256-bit hexadecimal value. Hashing processes was chosen due to the high security of the process (cannot convert Hash back into original value) and very low chance of collisions.</a:t>
+            </a:r>
+          </a:p>
+          <a:p>
+            <a:endParaRPr lang="en-GB" dirty="0"/>
+          </a:p>
+        </p:txBody>
+      </p:sp>
+      <p:sp>
+        <p:nvSpPr>
+          <p:cNvPr id="4" name="Content Placeholder 3">
+            <a:extLst>
+              <a:ext uri="{FF2B5EF4-FFF2-40B4-BE49-F238E27FC236}">
+                <a16:creationId xmlns:a16="http://schemas.microsoft.com/office/drawing/2014/main" id="{FAAD841C-A77E-A088-4CC5-CC2A7913B54B}"/>
+              </a:ext>
+            </a:extLst>
+          </p:cNvPr>
+          <p:cNvSpPr>
+            <a:spLocks noGrp="1"/>
+          </p:cNvSpPr>
+          <p:nvPr>
+            <p:ph sz="half" idx="2"/>
+          </p:nvPr>
+        </p:nvSpPr>
+        <p:spPr/>
+        <p:txBody>
+          <a:bodyPr>
+            <a:normAutofit/>
+          </a:bodyPr>
+          <a:lstStyle/>
+          <a:p>
+            <a:pPr marL="0" indent="0">
+              <a:buNone/>
+            </a:pPr>
+            <a:r>
+              <a:rPr lang="en-US" sz="1600" i="1" dirty="0"/>
+              <a:t>“The data to be evaluated contains student attendance data, student grades and their progress through the module &lt;…&gt;. This data needs to be </a:t>
+            </a:r>
+            <a:r>
+              <a:rPr lang="en-US" sz="1600" i="1" dirty="0" err="1"/>
+              <a:t>anonymised</a:t>
+            </a:r>
+            <a:r>
+              <a:rPr lang="en-US" sz="1600" i="1" dirty="0"/>
+              <a:t> and stored to prevent a GDPR breach. To accommodate this, each students identifying data (name, student number, etc.) that is included in the dataset will be removed and each student will be given an unrelated ID number. The data will be stored on a secure Abertay Research Drive and can only be accessed through the Abertay Network. See attached Data Management Plan.”</a:t>
             </a:r>
           </a:p>
         </p:txBody>
@@ -19534,7 +23640,7 @@
     </p:spTree>
     <p:extLst>
       <p:ext uri="{BB962C8B-B14F-4D97-AF65-F5344CB8AC3E}">
-        <p14:creationId xmlns:p14="http://schemas.microsoft.com/office/powerpoint/2010/main" val="1837165283"/>
+        <p14:creationId xmlns:p14="http://schemas.microsoft.com/office/powerpoint/2010/main" val="1227790287"/>
       </p:ext>
     </p:extLst>
   </p:cSld>
@@ -19606,10 +23712,15 @@
             <p:ph idx="1"/>
           </p:nvPr>
         </p:nvSpPr>
-        <p:spPr/>
+        <p:spPr>
+          <a:xfrm>
+            <a:off x="581192" y="2180496"/>
+            <a:ext cx="11029615" cy="4114287"/>
+          </a:xfrm>
+        </p:spPr>
         <p:txBody>
           <a:bodyPr>
-            <a:normAutofit fontScale="85000" lnSpcReduction="20000"/>
+            <a:normAutofit/>
           </a:bodyPr>
           <a:lstStyle/>
           <a:p>
@@ -19619,27 +23730,63 @@
                   <a:schemeClr val="tx1"/>
                 </a:solidFill>
               </a:rPr>
-              <a:t>Attendance is gathered for all students for all classes</a:t>
-            </a:r>
-          </a:p>
-          <a:p>
+              <a:t>The following data was gathered as stating in the Research Proposal:</a:t>
+            </a:r>
+          </a:p>
+          <a:p>
+            <a:pPr marL="666900" lvl="1" indent="-342900">
+              <a:buFont typeface="+mj-lt"/>
+              <a:buAutoNum type="arabicPeriod"/>
+            </a:pPr>
             <a:r>
               <a:rPr lang="en-US" dirty="0">
                 <a:solidFill>
                   <a:schemeClr val="tx1"/>
                 </a:solidFill>
               </a:rPr>
-              <a:t>Students split into single lecture for all, then either group A or group B for practical</a:t>
-            </a:r>
-          </a:p>
-          <a:p>
+              <a:t>Attendance of each class Recorded on Attendance Software (JISC)</a:t>
+            </a:r>
+          </a:p>
+          <a:p>
+            <a:pPr marL="666900" lvl="1" indent="-342900">
+              <a:buFont typeface="+mj-lt"/>
+              <a:buAutoNum type="arabicPeriod"/>
+            </a:pPr>
             <a:r>
               <a:rPr lang="en-US" dirty="0">
                 <a:solidFill>
                   <a:schemeClr val="tx1"/>
                 </a:solidFill>
               </a:rPr>
-              <a:t>Students assigned to class based on Timetable, not class list available through attendance system and MyLearningSpace</a:t>
+              <a:t>Overall use of MyLearningSpace per student (VLE)</a:t>
+            </a:r>
+          </a:p>
+          <a:p>
+            <a:pPr marL="666900" lvl="1" indent="-342900">
+              <a:buFont typeface="+mj-lt"/>
+              <a:buAutoNum type="arabicPeriod"/>
+            </a:pPr>
+            <a:r>
+              <a:rPr lang="en-US" dirty="0">
+                <a:solidFill>
+                  <a:schemeClr val="tx1"/>
+                </a:solidFill>
+              </a:rPr>
+              <a:t>Grades of Students for Marked Assignment</a:t>
+            </a:r>
+          </a:p>
+          <a:p>
+            <a:pPr marL="666900" lvl="1" indent="-342900">
+              <a:buFont typeface="+mj-lt"/>
+              <a:buAutoNum type="arabicPeriod"/>
+            </a:pPr>
+            <a:r>
+              <a:rPr lang="en-US" dirty="0">
+                <a:solidFill>
+                  <a:schemeClr val="tx1"/>
+                </a:solidFill>
+              </a:rPr>
+              <a:t>Views of Recorded Material – Unable to determine specific user (general view metric)</a:t>
             </a:r>
           </a:p>
           <a:p>
@@ -19660,7 +23807,7 @@
                   <a:schemeClr val="tx1"/>
                 </a:solidFill>
               </a:rPr>
-              <a:t>For the purposes of this study, only students who were noted as having attended were counted as attending. </a:t>
+              <a:t>Data was gathered for sessions 2020-2021, 2021-2022, and 2022-2023.</a:t>
             </a:r>
           </a:p>
           <a:p>
@@ -19671,66 +23818,18 @@
                   <a:schemeClr val="tx1"/>
                 </a:solidFill>
               </a:rPr>
-              <a:t>There is a possibility that some students would have attended class and not registered using the MyAbertay app, as well as students who had notified reasoning for not attending. There is also a possibility that students who had a notified reason for not attending still managed to attend. To prevent speculation, only students who are recorded as attending will be used in this study.</a:t>
-            </a:r>
-          </a:p>
-          <a:p>
-            <a:endParaRPr lang="en-US" dirty="0">
-              <a:solidFill>
-                <a:schemeClr val="tx1"/>
-              </a:solidFill>
-            </a:endParaRPr>
-          </a:p>
-          <a:p>
+              <a:t>Data for 2020-2021 only contained five registers, including one for September 2021 (next academic year). As such the attendance was ignored.</a:t>
+            </a:r>
+          </a:p>
+          <a:p>
+            <a:pPr lvl="1"/>
             <a:r>
               <a:rPr lang="en-US" dirty="0">
                 <a:solidFill>
                   <a:schemeClr val="tx1"/>
                 </a:solidFill>
               </a:rPr>
-              <a:t>Attendance data in the following format was considered as not attending a class:</a:t>
-            </a:r>
-          </a:p>
-          <a:p>
-            <a:pPr marL="666900" lvl="1" indent="-342900">
-              <a:buFont typeface="+mj-lt"/>
-              <a:buAutoNum type="arabicPeriod"/>
-            </a:pPr>
-            <a:r>
-              <a:rPr lang="en-US" dirty="0">
-                <a:solidFill>
-                  <a:schemeClr val="tx1"/>
-                </a:solidFill>
-              </a:rPr>
-              <a:t>Not Attended</a:t>
-            </a:r>
-          </a:p>
-          <a:p>
-            <a:pPr marL="666900" lvl="1" indent="-342900">
-              <a:buFont typeface="+mj-lt"/>
-              <a:buAutoNum type="arabicPeriod"/>
-            </a:pPr>
-            <a:r>
-              <a:rPr lang="en-US" dirty="0">
-                <a:solidFill>
-                  <a:schemeClr val="tx1"/>
-                </a:solidFill>
-              </a:rPr>
-              <a:t>Notified Absence</a:t>
-            </a:r>
-          </a:p>
-          <a:p>
-            <a:pPr marL="666900" lvl="1" indent="-342900">
-              <a:buFont typeface="+mj-lt"/>
-              <a:buAutoNum type="arabicPeriod"/>
-            </a:pPr>
-            <a:r>
-              <a:rPr lang="en-US" dirty="0">
-                <a:solidFill>
-                  <a:schemeClr val="tx1"/>
-                </a:solidFill>
-              </a:rPr>
-              <a:t>Not Required</a:t>
+              <a:t>Data for 2021-2022 ran without live lectures. Lectures were an hour for watching recorded material and another for discussion.</a:t>
             </a:r>
           </a:p>
         </p:txBody>
@@ -19738,7 +23837,7 @@
     </p:spTree>
     <p:extLst>
       <p:ext uri="{BB962C8B-B14F-4D97-AF65-F5344CB8AC3E}">
-        <p14:creationId xmlns:p14="http://schemas.microsoft.com/office/powerpoint/2010/main" val="757512740"/>
+        <p14:creationId xmlns:p14="http://schemas.microsoft.com/office/powerpoint/2010/main" val="1837165283"/>
       </p:ext>
     </p:extLst>
   </p:cSld>
@@ -19765,47 +23864,12 @@
           <a:chExt cx="0" cy="0"/>
         </a:xfrm>
       </p:grpSpPr>
-      <p:pic>
-        <p:nvPicPr>
-          <p:cNvPr id="8" name="Content Placeholder 4" descr="Digital Numbers">
-            <a:extLst>
-              <a:ext uri="{FF2B5EF4-FFF2-40B4-BE49-F238E27FC236}">
-                <a16:creationId xmlns:a16="http://schemas.microsoft.com/office/drawing/2014/main" id="{EA70616B-E344-4856-8DF9-707C26236613}"/>
-              </a:ext>
-            </a:extLst>
-          </p:cNvPr>
-          <p:cNvPicPr>
-            <a:picLocks noChangeAspect="1"/>
-          </p:cNvPicPr>
-          <p:nvPr/>
-        </p:nvPicPr>
-        <p:blipFill rotWithShape="1">
-          <a:blip r:embed="rId3" cstate="screen">
-            <a:extLst>
-              <a:ext uri="{28A0092B-C50C-407E-A947-70E740481C1C}">
-                <a14:useLocalDpi xmlns:a14="http://schemas.microsoft.com/office/drawing/2010/main"/>
-              </a:ext>
-            </a:extLst>
-          </a:blip>
-          <a:srcRect t="10681" r="9091" b="12711"/>
-          <a:stretch/>
-        </p:blipFill>
-        <p:spPr>
-          <a:xfrm>
-            <a:off x="20" y="10"/>
-            <a:ext cx="12191980" cy="6857990"/>
-          </a:xfrm>
-          <a:prstGeom prst="rect">
-            <a:avLst/>
-          </a:prstGeom>
-        </p:spPr>
-      </p:pic>
       <p:sp>
         <p:nvSpPr>
           <p:cNvPr id="2" name="Title 1">
             <a:extLst>
               <a:ext uri="{FF2B5EF4-FFF2-40B4-BE49-F238E27FC236}">
-                <a16:creationId xmlns:a16="http://schemas.microsoft.com/office/drawing/2014/main" id="{7F2616EE-270D-4F4C-BA1F-2708D387B800}"/>
+                <a16:creationId xmlns:a16="http://schemas.microsoft.com/office/drawing/2014/main" id="{BD4CA9CC-5ADC-001A-4D31-8EC14B8E37D4}"/>
               </a:ext>
             </a:extLst>
           </p:cNvPr>
@@ -19816,61 +23880,173 @@
             <p:ph type="title"/>
           </p:nvPr>
         </p:nvSpPr>
+        <p:spPr/>
+        <p:txBody>
+          <a:bodyPr/>
+          <a:lstStyle/>
+          <a:p>
+            <a:r>
+              <a:rPr lang="en-US" dirty="0"/>
+              <a:t>Data Gathering methodology</a:t>
+            </a:r>
+            <a:endParaRPr lang="en-GB" dirty="0"/>
+          </a:p>
+        </p:txBody>
+      </p:sp>
+      <p:sp>
+        <p:nvSpPr>
+          <p:cNvPr id="3" name="Content Placeholder 2">
+            <a:extLst>
+              <a:ext uri="{FF2B5EF4-FFF2-40B4-BE49-F238E27FC236}">
+                <a16:creationId xmlns:a16="http://schemas.microsoft.com/office/drawing/2014/main" id="{121196E6-3603-F66B-72E8-8E7E5F53AC6C}"/>
+              </a:ext>
+            </a:extLst>
+          </p:cNvPr>
+          <p:cNvSpPr>
+            <a:spLocks noGrp="1"/>
+          </p:cNvSpPr>
+          <p:nvPr>
+            <p:ph idx="1"/>
+          </p:nvPr>
+        </p:nvSpPr>
         <p:spPr>
           <a:xfrm>
-            <a:off x="584200" y="1006956"/>
-            <a:ext cx="7213600" cy="1121871"/>
+            <a:off x="581192" y="2180496"/>
+            <a:ext cx="11029615" cy="4530697"/>
           </a:xfrm>
         </p:spPr>
         <p:txBody>
-          <a:bodyPr anchor="ctr">
-            <a:normAutofit/>
+          <a:bodyPr>
+            <a:normAutofit fontScale="92500" lnSpcReduction="10000"/>
           </a:bodyPr>
           <a:lstStyle/>
           <a:p>
-            <a:pPr algn="ctr"/>
-            <a:r>
-              <a:rPr lang="en-US" dirty="0"/>
-              <a:t>Analysis Methodology</a:t>
+            <a:r>
+              <a:rPr lang="en-US" dirty="0">
+                <a:solidFill>
+                  <a:schemeClr val="tx1"/>
+                </a:solidFill>
+              </a:rPr>
+              <a:t>Attendance is gathered for all students for all classes</a:t>
+            </a:r>
+          </a:p>
+          <a:p>
+            <a:r>
+              <a:rPr lang="en-US" dirty="0">
+                <a:solidFill>
+                  <a:schemeClr val="tx1"/>
+                </a:solidFill>
+              </a:rPr>
+              <a:t>Students split into single lecture for all, then either group A or group B for practical</a:t>
+            </a:r>
+          </a:p>
+          <a:p>
+            <a:r>
+              <a:rPr lang="en-US" dirty="0">
+                <a:solidFill>
+                  <a:schemeClr val="tx1"/>
+                </a:solidFill>
+              </a:rPr>
+              <a:t>Students assigned to class based on Timetable, not class list available through attendance system and MyLearningSpace</a:t>
+            </a:r>
+          </a:p>
+          <a:p>
+            <a:pPr marL="342900" indent="-342900">
+              <a:buFont typeface="+mj-lt"/>
+              <a:buAutoNum type="arabicPeriod"/>
+            </a:pPr>
+            <a:endParaRPr lang="en-US" dirty="0">
+              <a:solidFill>
+                <a:schemeClr val="tx1"/>
+              </a:solidFill>
+            </a:endParaRPr>
+          </a:p>
+          <a:p>
+            <a:r>
+              <a:rPr lang="en-US" dirty="0">
+                <a:solidFill>
+                  <a:schemeClr val="tx1"/>
+                </a:solidFill>
+              </a:rPr>
+              <a:t>For the purposes of this study, only students who were noted as having attended were counted as attending. </a:t>
+            </a:r>
+          </a:p>
+          <a:p>
+            <a:pPr lvl="1"/>
+            <a:r>
+              <a:rPr lang="en-US" dirty="0">
+                <a:solidFill>
+                  <a:schemeClr val="tx1"/>
+                </a:solidFill>
+              </a:rPr>
+              <a:t>There is a possibility that some students would have attended class and not registered using the MyAbertay app, as well as students who had notified reasoning for not attending. There is also a possibility that students who had a notified reason for not attending still managed to attend. To prevent speculation, only students who are recorded as attending will be considered to have attended.</a:t>
+            </a:r>
+          </a:p>
+          <a:p>
+            <a:endParaRPr lang="en-US" dirty="0">
+              <a:solidFill>
+                <a:schemeClr val="tx1"/>
+              </a:solidFill>
+            </a:endParaRPr>
+          </a:p>
+          <a:p>
+            <a:r>
+              <a:rPr lang="en-US" dirty="0">
+                <a:solidFill>
+                  <a:schemeClr val="tx1"/>
+                </a:solidFill>
+              </a:rPr>
+              <a:t>Attendance data in the following format was considered as not attending a class:</a:t>
+            </a:r>
+          </a:p>
+          <a:p>
+            <a:pPr marL="666900" lvl="1" indent="-342900">
+              <a:buFont typeface="+mj-lt"/>
+              <a:buAutoNum type="arabicPeriod"/>
+            </a:pPr>
+            <a:r>
+              <a:rPr lang="en-US" dirty="0">
+                <a:solidFill>
+                  <a:schemeClr val="tx1"/>
+                </a:solidFill>
+              </a:rPr>
+              <a:t>Not Attended</a:t>
+            </a:r>
+          </a:p>
+          <a:p>
+            <a:pPr marL="666900" lvl="1" indent="-342900">
+              <a:buFont typeface="+mj-lt"/>
+              <a:buAutoNum type="arabicPeriod"/>
+            </a:pPr>
+            <a:r>
+              <a:rPr lang="en-US" dirty="0">
+                <a:solidFill>
+                  <a:schemeClr val="tx1"/>
+                </a:solidFill>
+              </a:rPr>
+              <a:t>Notified Absence</a:t>
+            </a:r>
+          </a:p>
+          <a:p>
+            <a:pPr marL="666900" lvl="1" indent="-342900">
+              <a:buFont typeface="+mj-lt"/>
+              <a:buAutoNum type="arabicPeriod"/>
+            </a:pPr>
+            <a:r>
+              <a:rPr lang="en-US" dirty="0">
+                <a:solidFill>
+                  <a:schemeClr val="tx1"/>
+                </a:solidFill>
+              </a:rPr>
+              <a:t>Not Required</a:t>
             </a:r>
           </a:p>
         </p:txBody>
       </p:sp>
-      <p:graphicFrame>
-        <p:nvGraphicFramePr>
-          <p:cNvPr id="6" name="Content Placeholder 5" descr="SmartArt">
-            <a:extLst>
-              <a:ext uri="{FF2B5EF4-FFF2-40B4-BE49-F238E27FC236}">
-                <a16:creationId xmlns:a16="http://schemas.microsoft.com/office/drawing/2014/main" id="{BF629521-FFD2-45DA-9D1D-A5F09BD5A2D9}"/>
-              </a:ext>
-            </a:extLst>
-          </p:cNvPr>
-          <p:cNvGraphicFramePr>
-            <a:graphicFrameLocks noGrp="1"/>
-          </p:cNvGraphicFramePr>
-          <p:nvPr>
-            <p:ph idx="1"/>
-            <p:extLst>
-              <p:ext uri="{D42A27DB-BD31-4B8C-83A1-F6EECF244321}">
-                <p14:modId xmlns:p14="http://schemas.microsoft.com/office/powerpoint/2010/main" val="3045117078"/>
-              </p:ext>
-            </p:extLst>
-          </p:nvPr>
-        </p:nvGraphicFramePr>
-        <p:xfrm>
-          <a:off x="719571" y="2198254"/>
-          <a:ext cx="6854248" cy="3563938"/>
-        </p:xfrm>
-        <a:graphic>
-          <a:graphicData uri="http://schemas.openxmlformats.org/drawingml/2006/diagram">
-            <dgm:relIds xmlns:dgm="http://schemas.openxmlformats.org/drawingml/2006/diagram" xmlns:r="http://schemas.openxmlformats.org/officeDocument/2006/relationships" r:dm="rId4" r:lo="rId5" r:qs="rId6" r:cs="rId7"/>
-          </a:graphicData>
-        </a:graphic>
-      </p:graphicFrame>
     </p:spTree>
     <p:extLst>
       <p:ext uri="{BB962C8B-B14F-4D97-AF65-F5344CB8AC3E}">
-        <p14:creationId xmlns:p14="http://schemas.microsoft.com/office/powerpoint/2010/main" val="1516953791"/>
+        <p14:creationId xmlns:p14="http://schemas.microsoft.com/office/powerpoint/2010/main" val="757512740"/>
       </p:ext>
     </p:extLst>
   </p:cSld>

--- a/scripts/CAP512.pptx
+++ b/scripts/CAP512.pptx
@@ -5,10 +5,10 @@
     <p:sldMasterId id="2147483672" r:id="rId1"/>
   </p:sldMasterIdLst>
   <p:notesMasterIdLst>
-    <p:notesMasterId r:id="rId46"/>
+    <p:notesMasterId r:id="rId50"/>
   </p:notesMasterIdLst>
   <p:handoutMasterIdLst>
-    <p:handoutMasterId r:id="rId47"/>
+    <p:handoutMasterId r:id="rId51"/>
   </p:handoutMasterIdLst>
   <p:sldIdLst>
     <p:sldId id="256" r:id="rId2"/>
@@ -32,29 +32,33 @@
     <p:sldId id="286" r:id="rId20"/>
     <p:sldId id="282" r:id="rId21"/>
     <p:sldId id="283" r:id="rId22"/>
-    <p:sldId id="291" r:id="rId23"/>
-    <p:sldId id="293" r:id="rId24"/>
-    <p:sldId id="294" r:id="rId25"/>
-    <p:sldId id="295" r:id="rId26"/>
-    <p:sldId id="307" r:id="rId27"/>
-    <p:sldId id="311" r:id="rId28"/>
+    <p:sldId id="318" r:id="rId23"/>
+    <p:sldId id="291" r:id="rId24"/>
+    <p:sldId id="293" r:id="rId25"/>
+    <p:sldId id="311" r:id="rId26"/>
+    <p:sldId id="320" r:id="rId27"/>
+    <p:sldId id="319" r:id="rId28"/>
     <p:sldId id="306" r:id="rId29"/>
     <p:sldId id="308" r:id="rId30"/>
     <p:sldId id="297" r:id="rId31"/>
     <p:sldId id="298" r:id="rId32"/>
     <p:sldId id="299" r:id="rId33"/>
     <p:sldId id="300" r:id="rId34"/>
-    <p:sldId id="310" r:id="rId35"/>
-    <p:sldId id="309" r:id="rId36"/>
-    <p:sldId id="301" r:id="rId37"/>
-    <p:sldId id="302" r:id="rId38"/>
-    <p:sldId id="267" r:id="rId39"/>
-    <p:sldId id="316" r:id="rId40"/>
-    <p:sldId id="317" r:id="rId41"/>
-    <p:sldId id="260" r:id="rId42"/>
-    <p:sldId id="270" r:id="rId43"/>
-    <p:sldId id="305" r:id="rId44"/>
-    <p:sldId id="314" r:id="rId45"/>
+    <p:sldId id="321" r:id="rId35"/>
+    <p:sldId id="322" r:id="rId36"/>
+    <p:sldId id="310" r:id="rId37"/>
+    <p:sldId id="324" r:id="rId38"/>
+    <p:sldId id="325" r:id="rId39"/>
+    <p:sldId id="309" r:id="rId40"/>
+    <p:sldId id="301" r:id="rId41"/>
+    <p:sldId id="302" r:id="rId42"/>
+    <p:sldId id="267" r:id="rId43"/>
+    <p:sldId id="316" r:id="rId44"/>
+    <p:sldId id="317" r:id="rId45"/>
+    <p:sldId id="260" r:id="rId46"/>
+    <p:sldId id="270" r:id="rId47"/>
+    <p:sldId id="305" r:id="rId48"/>
+    <p:sldId id="314" r:id="rId49"/>
   </p:sldIdLst>
   <p:sldSz cx="12192000" cy="6858000"/>
   <p:notesSz cx="6858000" cy="9144000"/>
@@ -4520,7 +4524,7 @@
           <a:p>
             <a:fld id="{AF869721-F543-4A6C-BF9D-65D7CC540427}" type="datetimeFigureOut">
               <a:rPr lang="en-US" smtClean="0"/>
-              <a:t>6/15/2023</a:t>
+              <a:t>6/16/2023</a:t>
             </a:fld>
             <a:endParaRPr lang="en-US" dirty="0"/>
           </a:p>
@@ -4697,7 +4701,7 @@
           <a:p>
             <a:fld id="{C732326A-4C88-4AFB-AA5B-5919D81DFF5B}" type="datetimeFigureOut">
               <a:rPr lang="en-US" smtClean="0"/>
-              <a:t>6/15/2023</a:t>
+              <a:t>6/16/2023</a:t>
             </a:fld>
             <a:endParaRPr lang="en-US" dirty="0"/>
           </a:p>
@@ -5197,7 +5201,7 @@
           <a:p>
             <a:fld id="{C6B3AB32-59DF-41F1-9618-EDFBF5049629}" type="slidenum">
               <a:rPr lang="en-US" smtClean="0"/>
-              <a:t>41</a:t>
+              <a:t>45</a:t>
             </a:fld>
             <a:endParaRPr lang="en-US" dirty="0"/>
           </a:p>
@@ -5462,7 +5466,7 @@
             <a:fld id="{B61BEF0D-F0BB-DE4B-95CE-6DB70DBA9567}" type="datetimeFigureOut">
               <a:rPr lang="en-US" smtClean="0"/>
               <a:pPr/>
-              <a:t>6/15/2023</a:t>
+              <a:t>6/16/2023</a:t>
             </a:fld>
             <a:endParaRPr lang="en-US" dirty="0"/>
           </a:p>
@@ -5726,7 +5730,7 @@
             <a:fld id="{B61BEF0D-F0BB-DE4B-95CE-6DB70DBA9567}" type="datetimeFigureOut">
               <a:rPr lang="en-US" smtClean="0"/>
               <a:pPr/>
-              <a:t>6/15/2023</a:t>
+              <a:t>6/16/2023</a:t>
             </a:fld>
             <a:endParaRPr lang="en-US" dirty="0"/>
           </a:p>
@@ -5963,7 +5967,7 @@
             <a:fld id="{B61BEF0D-F0BB-DE4B-95CE-6DB70DBA9567}" type="datetimeFigureOut">
               <a:rPr lang="en-US" smtClean="0"/>
               <a:pPr/>
-              <a:t>6/15/2023</a:t>
+              <a:t>6/16/2023</a:t>
             </a:fld>
             <a:endParaRPr lang="en-US" dirty="0"/>
           </a:p>
@@ -6205,7 +6209,7 @@
             <a:fld id="{B61BEF0D-F0BB-DE4B-95CE-6DB70DBA9567}" type="datetimeFigureOut">
               <a:rPr lang="en-US" smtClean="0"/>
               <a:pPr/>
-              <a:t>6/15/2023</a:t>
+              <a:t>6/16/2023</a:t>
             </a:fld>
             <a:endParaRPr lang="en-US" dirty="0"/>
           </a:p>
@@ -6514,7 +6518,7 @@
             <a:fld id="{B61BEF0D-F0BB-DE4B-95CE-6DB70DBA9567}" type="datetimeFigureOut">
               <a:rPr lang="en-US" smtClean="0"/>
               <a:pPr/>
-              <a:t>6/15/2023</a:t>
+              <a:t>6/16/2023</a:t>
             </a:fld>
             <a:endParaRPr lang="en-US" dirty="0"/>
           </a:p>
@@ -6818,7 +6822,7 @@
             <a:fld id="{B61BEF0D-F0BB-DE4B-95CE-6DB70DBA9567}" type="datetimeFigureOut">
               <a:rPr lang="en-US" smtClean="0"/>
               <a:pPr/>
-              <a:t>6/15/2023</a:t>
+              <a:t>6/16/2023</a:t>
             </a:fld>
             <a:endParaRPr lang="en-US" dirty="0"/>
           </a:p>
@@ -7242,7 +7246,7 @@
             <a:fld id="{B61BEF0D-F0BB-DE4B-95CE-6DB70DBA9567}" type="datetimeFigureOut">
               <a:rPr lang="en-US" smtClean="0"/>
               <a:pPr/>
-              <a:t>6/15/2023</a:t>
+              <a:t>6/16/2023</a:t>
             </a:fld>
             <a:endParaRPr lang="en-US" dirty="0"/>
           </a:p>
@@ -7339,7 +7343,7 @@
             <a:fld id="{B61BEF0D-F0BB-DE4B-95CE-6DB70DBA9567}" type="datetimeFigureOut">
               <a:rPr lang="en-US" smtClean="0"/>
               <a:pPr/>
-              <a:t>6/15/2023</a:t>
+              <a:t>6/16/2023</a:t>
             </a:fld>
             <a:endParaRPr lang="en-US" dirty="0"/>
           </a:p>
@@ -7503,7 +7507,7 @@
             <a:fld id="{B61BEF0D-F0BB-DE4B-95CE-6DB70DBA9567}" type="datetimeFigureOut">
               <a:rPr lang="en-US" smtClean="0"/>
               <a:pPr/>
-              <a:t>6/15/2023</a:t>
+              <a:t>6/16/2023</a:t>
             </a:fld>
             <a:endParaRPr lang="en-US" dirty="0"/>
           </a:p>
@@ -7883,7 +7887,7 @@
             <a:fld id="{B61BEF0D-F0BB-DE4B-95CE-6DB70DBA9567}" type="datetimeFigureOut">
               <a:rPr lang="en-US" smtClean="0"/>
               <a:pPr/>
-              <a:t>6/15/2023</a:t>
+              <a:t>6/16/2023</a:t>
             </a:fld>
             <a:endParaRPr lang="en-US" dirty="0"/>
           </a:p>
@@ -8174,7 +8178,7 @@
             <a:fld id="{B61BEF0D-F0BB-DE4B-95CE-6DB70DBA9567}" type="datetimeFigureOut">
               <a:rPr lang="en-US" smtClean="0"/>
               <a:pPr/>
-              <a:t>6/15/2023</a:t>
+              <a:t>6/16/2023</a:t>
             </a:fld>
             <a:endParaRPr lang="en-US" dirty="0"/>
           </a:p>
@@ -8387,7 +8391,7 @@
             <a:fld id="{B61BEF0D-F0BB-DE4B-95CE-6DB70DBA9567}" type="datetimeFigureOut">
               <a:rPr lang="en-US" smtClean="0"/>
               <a:pPr/>
-              <a:t>6/15/2023</a:t>
+              <a:t>6/16/2023</a:t>
             </a:fld>
             <a:endParaRPr lang="en-US" dirty="0"/>
           </a:p>
@@ -9629,7 +9633,7 @@
         </p:spPr>
         <p:txBody>
           <a:bodyPr>
-            <a:normAutofit/>
+            <a:normAutofit fontScale="92500" lnSpcReduction="20000"/>
           </a:bodyPr>
           <a:lstStyle/>
           <a:p>
@@ -9713,6 +9717,31 @@
                 </a:solidFill>
               </a:rPr>
               <a:t>practical	</a:t>
+            </a:r>
+          </a:p>
+          <a:p>
+            <a:pPr marL="285750" indent="-285750">
+              <a:buFont typeface="Wingdings" panose="05000000000000000000" pitchFamily="2" charset="2"/>
+              <a:buChar char="§"/>
+            </a:pPr>
+            <a:endParaRPr lang="en-US" dirty="0">
+              <a:solidFill>
+                <a:schemeClr val="bg1"/>
+              </a:solidFill>
+            </a:endParaRPr>
+          </a:p>
+          <a:p>
+            <a:pPr marL="285750" indent="-285750">
+              <a:buFont typeface="Wingdings" panose="05000000000000000000" pitchFamily="2" charset="2"/>
+              <a:buChar char="§"/>
+            </a:pPr>
+            <a:r>
+              <a:rPr lang="en-US" dirty="0">
+                <a:solidFill>
+                  <a:schemeClr val="bg1"/>
+                </a:solidFill>
+              </a:rPr>
+              <a:t>VLE Use</a:t>
             </a:r>
             <a:endParaRPr lang="en-GB" dirty="0">
               <a:solidFill>
@@ -9851,7 +9880,7 @@
       </p:sp>
       <p:pic>
         <p:nvPicPr>
-          <p:cNvPr id="8" name="Content Placeholder 7" descr="A picture containing text, diagram, screenshot, rectangle&#10;&#10;Description automatically generated">
+          <p:cNvPr id="8" name="Content Placeholder 7">
             <a:extLst>
               <a:ext uri="{FF2B5EF4-FFF2-40B4-BE49-F238E27FC236}">
                 <a16:creationId xmlns:a16="http://schemas.microsoft.com/office/drawing/2014/main" id="{42651790-8BAE-6A96-CED7-AB08B5AEAF8A}"/>
@@ -9867,9 +9896,8 @@
         </p:nvPicPr>
         <p:blipFill>
           <a:blip r:embed="rId2"/>
-          <a:stretch>
-            <a:fillRect/>
-          </a:stretch>
+          <a:srcRect/>
+          <a:stretch/>
         </p:blipFill>
         <p:spPr>
           <a:xfrm>
@@ -10119,7 +10147,7 @@
                   <a:schemeClr val="tx1"/>
                 </a:solidFill>
               </a:rPr>
-              <a:t>Mean: 		2.458</a:t>
+              <a:t>Mean: 		2.425</a:t>
             </a:r>
           </a:p>
           <a:p>
@@ -10187,7 +10215,7 @@
           <p:nvPr>
             <p:extLst>
               <p:ext uri="{D42A27DB-BD31-4B8C-83A1-F6EECF244321}">
-                <p14:modId xmlns:p14="http://schemas.microsoft.com/office/powerpoint/2010/main" val="1379543246"/>
+                <p14:modId xmlns:p14="http://schemas.microsoft.com/office/powerpoint/2010/main" val="2830175828"/>
               </p:ext>
             </p:extLst>
           </p:nvPr>
@@ -10522,7 +10550,7 @@
                       <a:pPr algn="ctr"/>
                       <a:r>
                         <a:rPr lang="en-US" sz="900" dirty="0"/>
-                        <a:t>9</a:t>
+                        <a:t>8</a:t>
                       </a:r>
                       <a:endParaRPr lang="en-GB" sz="900" dirty="0"/>
                     </a:p>
@@ -10582,7 +10610,7 @@
                       <a:pPr algn="ctr"/>
                       <a:r>
                         <a:rPr lang="en-US" sz="900" dirty="0"/>
-                        <a:t>1</a:t>
+                        <a:t>2</a:t>
                       </a:r>
                       <a:endParaRPr lang="en-GB" sz="900" dirty="0"/>
                     </a:p>
@@ -10734,7 +10762,7 @@
                   <a:schemeClr val="tx1"/>
                 </a:solidFill>
               </a:rPr>
-              <a:t>Mean:		3.129</a:t>
+              <a:t>Mean:		3.085</a:t>
             </a:r>
           </a:p>
           <a:p>
@@ -10754,14 +10782,14 @@
                   <a:schemeClr val="tx1"/>
                 </a:solidFill>
               </a:rPr>
-              <a:t>Total students: 70</a:t>
+              <a:t>Total students: 71</a:t>
             </a:r>
           </a:p>
         </p:txBody>
       </p:sp>
       <p:pic>
         <p:nvPicPr>
-          <p:cNvPr id="12" name="Content Placeholder 11" descr="A picture containing text, diagram, screenshot, line&#10;&#10;Description automatically generated">
+          <p:cNvPr id="12" name="Content Placeholder 11">
             <a:extLst>
               <a:ext uri="{FF2B5EF4-FFF2-40B4-BE49-F238E27FC236}">
                 <a16:creationId xmlns:a16="http://schemas.microsoft.com/office/drawing/2014/main" id="{3E395732-DD74-A97D-BC22-2AF6224408DF}"/>
@@ -10777,9 +10805,8 @@
         </p:nvPicPr>
         <p:blipFill>
           <a:blip r:embed="rId2"/>
-          <a:stretch>
-            <a:fillRect/>
-          </a:stretch>
+          <a:srcRect/>
+          <a:stretch/>
         </p:blipFill>
         <p:spPr>
           <a:xfrm>
@@ -10803,7 +10830,7 @@
           <p:nvPr>
             <p:extLst>
               <p:ext uri="{D42A27DB-BD31-4B8C-83A1-F6EECF244321}">
-                <p14:modId xmlns:p14="http://schemas.microsoft.com/office/powerpoint/2010/main" val="3401523753"/>
+                <p14:modId xmlns:p14="http://schemas.microsoft.com/office/powerpoint/2010/main" val="164477705"/>
               </p:ext>
             </p:extLst>
           </p:nvPr>
@@ -11228,7 +11255,7 @@
                       <a:pPr algn="ctr"/>
                       <a:r>
                         <a:rPr lang="en-US" sz="900" dirty="0"/>
-                        <a:t>4</a:t>
+                        <a:t>5</a:t>
                       </a:r>
                       <a:endParaRPr lang="en-GB" sz="900" dirty="0"/>
                     </a:p>
@@ -11846,7 +11873,7 @@
       </p:graphicFrame>
       <p:pic>
         <p:nvPicPr>
-          <p:cNvPr id="7" name="Content Placeholder 6" descr="A picture containing text, diagram, screenshot, font&#10;&#10;Description automatically generated">
+          <p:cNvPr id="7" name="Content Placeholder 6">
             <a:extLst>
               <a:ext uri="{FF2B5EF4-FFF2-40B4-BE49-F238E27FC236}">
                 <a16:creationId xmlns:a16="http://schemas.microsoft.com/office/drawing/2014/main" id="{8CB82672-6C0C-2DD9-0134-D81AB5BC54B2}"/>
@@ -11862,9 +11889,8 @@
         </p:nvPicPr>
         <p:blipFill>
           <a:blip r:embed="rId2"/>
-          <a:stretch>
-            <a:fillRect/>
-          </a:stretch>
+          <a:srcRect/>
+          <a:stretch/>
         </p:blipFill>
         <p:spPr>
           <a:xfrm>
@@ -11932,8 +11958,8 @@
           </a:p>
         </p:txBody>
       </p:sp>
-      <mc:AlternateContent xmlns:mc="http://schemas.openxmlformats.org/markup-compatibility/2006">
-        <mc:Choice xmlns:a14="http://schemas.microsoft.com/office/drawing/2010/main" Requires="a14">
+      <mc:AlternateContent xmlns:mc="http://schemas.openxmlformats.org/markup-compatibility/2006" xmlns:a14="http://schemas.microsoft.com/office/drawing/2010/main">
+        <mc:Choice Requires="a14">
           <p:sp>
             <p:nvSpPr>
               <p:cNvPr id="3" name="Content Placeholder 2">
@@ -11958,7 +11984,7 @@
             </p:spPr>
             <p:txBody>
               <a:bodyPr>
-                <a:normAutofit fontScale="92500" lnSpcReduction="10000"/>
+                <a:normAutofit/>
               </a:bodyPr>
               <a:lstStyle/>
               <a:p>
@@ -11982,7 +12008,7 @@
                       <a:schemeClr val="tx1"/>
                     </a:solidFill>
                   </a:rPr>
-                  <a:t>Attendance Overall</a:t>
+                  <a:t>Attendance Overall (Full &amp; Expected)</a:t>
                 </a:r>
               </a:p>
               <a:p>
@@ -12437,41 +12463,10 @@
                   </a:solidFill>
                 </a:endParaRPr>
               </a:p>
-              <a:p>
-                <a:pPr marL="0" indent="0">
-                  <a:buNone/>
-                </a:pPr>
-                <a:endParaRPr lang="en-US" dirty="0">
-                  <a:solidFill>
-                    <a:schemeClr val="tx1"/>
-                  </a:solidFill>
-                </a:endParaRPr>
-              </a:p>
-              <a:p>
-                <a:r>
-                  <a:rPr lang="en-US" dirty="0">
-                    <a:solidFill>
-                      <a:schemeClr val="tx1"/>
-                    </a:solidFill>
-                  </a:rPr>
-                  <a:t>Outliers:</a:t>
-                </a:r>
-              </a:p>
-              <a:p>
-                <a:pPr lvl="1"/>
-                <a:r>
-                  <a:rPr lang="en-US" dirty="0">
-                    <a:solidFill>
-                      <a:schemeClr val="tx1"/>
-                    </a:solidFill>
-                  </a:rPr>
-                  <a:t>One student has a practical attendance percentage of 108%, as they attended one more practical than required. (2021-2022)</a:t>
-                </a:r>
-              </a:p>
             </p:txBody>
           </p:sp>
         </mc:Choice>
-        <mc:Fallback>
+        <mc:Fallback xmlns="">
           <p:sp>
             <p:nvSpPr>
               <p:cNvPr id="3" name="Content Placeholder 2">
@@ -12496,7 +12491,7 @@
               <a:blipFill>
                 <a:blip r:embed="rId2"/>
                 <a:stretch>
-                  <a:fillRect l="-331"/>
+                  <a:fillRect l="-442"/>
                 </a:stretch>
               </a:blipFill>
             </p:spPr>
@@ -13159,17 +13154,7 @@
                   <a:schemeClr val="tx1"/>
                 </a:solidFill>
               </a:rPr>
-              <a:t>Lecture attendance has similar median, interquartile range reduced more significantly.</a:t>
-            </a:r>
-          </a:p>
-          <a:p>
-            <a:r>
-              <a:rPr lang="en-US" dirty="0">
-                <a:solidFill>
-                  <a:schemeClr val="tx1"/>
-                </a:solidFill>
-              </a:rPr>
-              <a:t>Less students attending lectures than previous year</a:t>
+              <a:t>Lecture attendance has similar median.</a:t>
             </a:r>
           </a:p>
           <a:p>
@@ -13333,7 +13318,7 @@
                   <a:schemeClr val="tx1"/>
                 </a:solidFill>
               </a:rPr>
-              <a:t>Clear reduction in attendance to practical sessions.</a:t>
+              <a:t>Clearer reduction in attendance to practical sessions.</a:t>
             </a:r>
           </a:p>
           <a:p>
@@ -13411,6 +13396,180 @@
           <a:p>
             <a:r>
               <a:rPr lang="en-US" dirty="0"/>
+              <a:t>VLE Usage</a:t>
+            </a:r>
+          </a:p>
+        </p:txBody>
+      </p:sp>
+      <p:pic>
+        <p:nvPicPr>
+          <p:cNvPr id="20" name="Content Placeholder 19">
+            <a:extLst>
+              <a:ext uri="{FF2B5EF4-FFF2-40B4-BE49-F238E27FC236}">
+                <a16:creationId xmlns:a16="http://schemas.microsoft.com/office/drawing/2014/main" id="{996B68EB-BA2A-A868-4AE5-26A32E6156DF}"/>
+              </a:ext>
+            </a:extLst>
+          </p:cNvPr>
+          <p:cNvPicPr>
+            <a:picLocks noGrp="1" noChangeAspect="1"/>
+          </p:cNvPicPr>
+          <p:nvPr>
+            <p:ph sz="half" idx="2"/>
+          </p:nvPr>
+        </p:nvPicPr>
+        <p:blipFill>
+          <a:blip r:embed="rId2"/>
+          <a:srcRect/>
+          <a:stretch/>
+        </p:blipFill>
+        <p:spPr>
+          <a:xfrm>
+            <a:off x="4279106" y="2227262"/>
+            <a:ext cx="3633787" cy="3633787"/>
+          </a:xfrm>
+        </p:spPr>
+      </p:pic>
+      <p:pic>
+        <p:nvPicPr>
+          <p:cNvPr id="22" name="Picture 21">
+            <a:extLst>
+              <a:ext uri="{FF2B5EF4-FFF2-40B4-BE49-F238E27FC236}">
+                <a16:creationId xmlns:a16="http://schemas.microsoft.com/office/drawing/2014/main" id="{A2645ED6-F5DD-B44C-6AF8-A1ECB0E6B71D}"/>
+              </a:ext>
+            </a:extLst>
+          </p:cNvPr>
+          <p:cNvPicPr>
+            <a:picLocks noChangeAspect="1"/>
+          </p:cNvPicPr>
+          <p:nvPr/>
+        </p:nvPicPr>
+        <p:blipFill>
+          <a:blip r:embed="rId3"/>
+          <a:srcRect/>
+          <a:stretch/>
+        </p:blipFill>
+        <p:spPr>
+          <a:xfrm>
+            <a:off x="7977020" y="2227261"/>
+            <a:ext cx="3633787" cy="3633787"/>
+          </a:xfrm>
+          <a:prstGeom prst="rect">
+            <a:avLst/>
+          </a:prstGeom>
+        </p:spPr>
+      </p:pic>
+      <p:sp>
+        <p:nvSpPr>
+          <p:cNvPr id="4" name="Content Placeholder 3">
+            <a:extLst>
+              <a:ext uri="{FF2B5EF4-FFF2-40B4-BE49-F238E27FC236}">
+                <a16:creationId xmlns:a16="http://schemas.microsoft.com/office/drawing/2014/main" id="{89066F11-6868-47D7-FDD2-F251B0B320C8}"/>
+              </a:ext>
+            </a:extLst>
+          </p:cNvPr>
+          <p:cNvSpPr>
+            <a:spLocks noGrp="1"/>
+          </p:cNvSpPr>
+          <p:nvPr>
+            <p:ph sz="half" idx="1"/>
+          </p:nvPr>
+        </p:nvSpPr>
+        <p:spPr>
+          <a:xfrm>
+            <a:off x="581193" y="2228003"/>
+            <a:ext cx="3633787" cy="3633047"/>
+          </a:xfrm>
+        </p:spPr>
+        <p:txBody>
+          <a:bodyPr>
+            <a:normAutofit/>
+          </a:bodyPr>
+          <a:lstStyle/>
+          <a:p>
+            <a:r>
+              <a:rPr lang="en-US" dirty="0">
+                <a:solidFill>
+                  <a:schemeClr val="tx1"/>
+                </a:solidFill>
+              </a:rPr>
+              <a:t>MLS Count is reduced heavily from previous year.</a:t>
+            </a:r>
+          </a:p>
+          <a:p>
+            <a:r>
+              <a:rPr lang="en-US" dirty="0">
+                <a:solidFill>
+                  <a:schemeClr val="tx1"/>
+                </a:solidFill>
+              </a:rPr>
+              <a:t>Whilst it could be due to less student engagement, practical attendance remains similar.</a:t>
+            </a:r>
+          </a:p>
+          <a:p>
+            <a:r>
+              <a:rPr lang="en-US" dirty="0">
+                <a:solidFill>
+                  <a:schemeClr val="tx1"/>
+                </a:solidFill>
+              </a:rPr>
+              <a:t>Cleanup of links/topics on MLS or different style of video embedding.</a:t>
+            </a:r>
+          </a:p>
+        </p:txBody>
+      </p:sp>
+    </p:spTree>
+    <p:extLst>
+      <p:ext uri="{BB962C8B-B14F-4D97-AF65-F5344CB8AC3E}">
+        <p14:creationId xmlns:p14="http://schemas.microsoft.com/office/powerpoint/2010/main" val="902844796"/>
+      </p:ext>
+    </p:extLst>
+  </p:cSld>
+  <p:clrMapOvr>
+    <a:masterClrMapping/>
+  </p:clrMapOvr>
+</p:sld>
+</file>
+
+<file path=ppt/slides/slide23.xml><?xml version="1.0" encoding="utf-8"?>
+<p:sld xmlns:a="http://schemas.openxmlformats.org/drawingml/2006/main" xmlns:r="http://schemas.openxmlformats.org/officeDocument/2006/relationships" xmlns:p="http://schemas.openxmlformats.org/presentationml/2006/main">
+  <p:cSld>
+    <p:spTree>
+      <p:nvGrpSpPr>
+        <p:cNvPr id="1" name=""/>
+        <p:cNvGrpSpPr/>
+        <p:nvPr/>
+      </p:nvGrpSpPr>
+      <p:grpSpPr>
+        <a:xfrm>
+          <a:off x="0" y="0"/>
+          <a:ext cx="0" cy="0"/>
+          <a:chOff x="0" y="0"/>
+          <a:chExt cx="0" cy="0"/>
+        </a:xfrm>
+      </p:grpSpPr>
+      <p:sp>
+        <p:nvSpPr>
+          <p:cNvPr id="2" name="Title 1">
+            <a:extLst>
+              <a:ext uri="{FF2B5EF4-FFF2-40B4-BE49-F238E27FC236}">
+                <a16:creationId xmlns:a16="http://schemas.microsoft.com/office/drawing/2014/main" id="{921633EB-7DCB-4DDC-80AF-C885A3EE1245}"/>
+              </a:ext>
+            </a:extLst>
+          </p:cNvPr>
+          <p:cNvSpPr>
+            <a:spLocks noGrp="1"/>
+          </p:cNvSpPr>
+          <p:nvPr>
+            <p:ph type="title"/>
+          </p:nvPr>
+        </p:nvSpPr>
+        <p:spPr/>
+        <p:txBody>
+          <a:bodyPr/>
+          <a:lstStyle/>
+          <a:p>
+            <a:r>
+              <a:rPr lang="en-US" dirty="0"/>
               <a:t>Discussion</a:t>
             </a:r>
           </a:p>
@@ -13434,8 +13593,8 @@
         </p:nvSpPr>
         <p:spPr>
           <a:xfrm>
-            <a:off x="581193" y="2228003"/>
-            <a:ext cx="5089765" cy="3633047"/>
+            <a:off x="581194" y="2228003"/>
+            <a:ext cx="4267644" cy="4164408"/>
           </a:xfrm>
         </p:spPr>
         <p:txBody>
@@ -13468,7 +13627,17 @@
                   <a:schemeClr val="tx1"/>
                 </a:solidFill>
               </a:rPr>
-              <a:t>Attendance and grade decrease seems to point towards attendance to the live lectures was a good indicator of achievement for students. Similarly, practical attendance has </a:t>
+              <a:t>VLE usage has dropped dramatically in comparison to class attendance. </a:t>
+            </a:r>
+          </a:p>
+          <a:p>
+            <a:r>
+              <a:rPr lang="en-US" dirty="0">
+                <a:solidFill>
+                  <a:schemeClr val="tx1"/>
+                </a:solidFill>
+              </a:rPr>
+              <a:t>Could be seen that the lowering of attendance and VLE use is related to lowered grade.</a:t>
             </a:r>
           </a:p>
         </p:txBody>
@@ -13489,14 +13658,14 @@
             <p:ph sz="half" idx="2"/>
             <p:extLst>
               <p:ext uri="{D42A27DB-BD31-4B8C-83A1-F6EECF244321}">
-                <p14:modId xmlns:p14="http://schemas.microsoft.com/office/powerpoint/2010/main" val="1275892140"/>
+                <p14:modId xmlns:p14="http://schemas.microsoft.com/office/powerpoint/2010/main" val="1677910143"/>
               </p:ext>
             </p:extLst>
           </p:nvPr>
         </p:nvGraphicFramePr>
         <p:xfrm>
-          <a:off x="5771627" y="2432807"/>
-          <a:ext cx="5839691" cy="3428244"/>
+          <a:off x="4915949" y="2432807"/>
+          <a:ext cx="6695377" cy="3428244"/>
         </p:xfrm>
         <a:graphic>
           <a:graphicData uri="http://schemas.openxmlformats.org/drawingml/2006/table">
@@ -13505,80 +13674,94 @@
                 <a:tableStyleId>{68D230F3-CF80-4859-8CE7-A43EE81993B5}</a:tableStyleId>
               </a:tblPr>
               <a:tblGrid>
-                <a:gridCol w="530881">
+                <a:gridCol w="515029">
                   <a:extLst>
                     <a:ext uri="{9D8B030D-6E8A-4147-A177-3AD203B41FA5}">
                       <a16:colId xmlns:a16="http://schemas.microsoft.com/office/drawing/2014/main" val="3175777426"/>
                     </a:ext>
                   </a:extLst>
                 </a:gridCol>
-                <a:gridCol w="530881">
+                <a:gridCol w="515029">
                   <a:extLst>
                     <a:ext uri="{9D8B030D-6E8A-4147-A177-3AD203B41FA5}">
                       <a16:colId xmlns:a16="http://schemas.microsoft.com/office/drawing/2014/main" val="3063281743"/>
                     </a:ext>
                   </a:extLst>
                 </a:gridCol>
-                <a:gridCol w="530881">
+                <a:gridCol w="515029">
                   <a:extLst>
                     <a:ext uri="{9D8B030D-6E8A-4147-A177-3AD203B41FA5}">
                       <a16:colId xmlns:a16="http://schemas.microsoft.com/office/drawing/2014/main" val="1912613166"/>
                     </a:ext>
                   </a:extLst>
                 </a:gridCol>
-                <a:gridCol w="530881">
+                <a:gridCol w="515029">
                   <a:extLst>
                     <a:ext uri="{9D8B030D-6E8A-4147-A177-3AD203B41FA5}">
                       <a16:colId xmlns:a16="http://schemas.microsoft.com/office/drawing/2014/main" val="627985694"/>
                     </a:ext>
                   </a:extLst>
                 </a:gridCol>
-                <a:gridCol w="530881">
+                <a:gridCol w="515029">
                   <a:extLst>
                     <a:ext uri="{9D8B030D-6E8A-4147-A177-3AD203B41FA5}">
                       <a16:colId xmlns:a16="http://schemas.microsoft.com/office/drawing/2014/main" val="2633129296"/>
                     </a:ext>
                   </a:extLst>
                 </a:gridCol>
-                <a:gridCol w="530881">
+                <a:gridCol w="515029">
                   <a:extLst>
                     <a:ext uri="{9D8B030D-6E8A-4147-A177-3AD203B41FA5}">
                       <a16:colId xmlns:a16="http://schemas.microsoft.com/office/drawing/2014/main" val="3459378517"/>
                     </a:ext>
                   </a:extLst>
                 </a:gridCol>
-                <a:gridCol w="530881">
+                <a:gridCol w="515029">
                   <a:extLst>
                     <a:ext uri="{9D8B030D-6E8A-4147-A177-3AD203B41FA5}">
                       <a16:colId xmlns:a16="http://schemas.microsoft.com/office/drawing/2014/main" val="4245219144"/>
                     </a:ext>
                   </a:extLst>
                 </a:gridCol>
-                <a:gridCol w="530881">
+                <a:gridCol w="515029">
                   <a:extLst>
                     <a:ext uri="{9D8B030D-6E8A-4147-A177-3AD203B41FA5}">
                       <a16:colId xmlns:a16="http://schemas.microsoft.com/office/drawing/2014/main" val="1553150276"/>
                     </a:ext>
                   </a:extLst>
                 </a:gridCol>
-                <a:gridCol w="530881">
+                <a:gridCol w="515029">
                   <a:extLst>
                     <a:ext uri="{9D8B030D-6E8A-4147-A177-3AD203B41FA5}">
                       <a16:colId xmlns:a16="http://schemas.microsoft.com/office/drawing/2014/main" val="3076180246"/>
                     </a:ext>
                   </a:extLst>
                 </a:gridCol>
-                <a:gridCol w="530881">
+                <a:gridCol w="515029">
                   <a:extLst>
                     <a:ext uri="{9D8B030D-6E8A-4147-A177-3AD203B41FA5}">
                       <a16:colId xmlns:a16="http://schemas.microsoft.com/office/drawing/2014/main" val="1812741376"/>
                     </a:ext>
                   </a:extLst>
                 </a:gridCol>
-                <a:gridCol w="530881">
+                <a:gridCol w="515029">
                   <a:extLst>
                     <a:ext uri="{9D8B030D-6E8A-4147-A177-3AD203B41FA5}">
                       <a16:colId xmlns:a16="http://schemas.microsoft.com/office/drawing/2014/main" val="1526394259"/>
+                    </a:ext>
+                  </a:extLst>
+                </a:gridCol>
+                <a:gridCol w="515029">
+                  <a:extLst>
+                    <a:ext uri="{9D8B030D-6E8A-4147-A177-3AD203B41FA5}">
+                      <a16:colId xmlns:a16="http://schemas.microsoft.com/office/drawing/2014/main" val="1609081307"/>
+                    </a:ext>
+                  </a:extLst>
+                </a:gridCol>
+                <a:gridCol w="515029">
+                  <a:extLst>
+                    <a:ext uri="{9D8B030D-6E8A-4147-A177-3AD203B41FA5}">
+                      <a16:colId xmlns:a16="http://schemas.microsoft.com/office/drawing/2014/main" val="4241483224"/>
                     </a:ext>
                   </a:extLst>
                 </a:gridCol>
@@ -13887,6 +14070,62 @@
                   </a:txBody>
                   <a:tcPr vert="vert"/>
                 </a:tc>
+                <a:tc>
+                  <a:txBody>
+                    <a:bodyPr/>
+                    <a:lstStyle/>
+                    <a:p>
+                      <a:r>
+                        <a:rPr lang="en-US" sz="1050" b="0" dirty="0"/>
+                        <a:t>VLE Usage Count (M)</a:t>
+                      </a:r>
+                      <a:endParaRPr lang="en-GB" sz="1050" b="0" dirty="0"/>
+                    </a:p>
+                  </a:txBody>
+                  <a:tcPr vert="vert"/>
+                </a:tc>
+                <a:tc>
+                  <a:txBody>
+                    <a:bodyPr/>
+                    <a:lstStyle/>
+                    <a:p>
+                      <a:pPr marL="0" marR="0" lvl="0" indent="0" algn="l" defTabSz="457200" rtl="0" eaLnBrk="1" fontAlgn="auto" latinLnBrk="0" hangingPunct="1">
+                        <a:lnSpc>
+                          <a:spcPct val="100000"/>
+                        </a:lnSpc>
+                        <a:spcBef>
+                          <a:spcPts val="0"/>
+                        </a:spcBef>
+                        <a:spcAft>
+                          <a:spcPts val="0"/>
+                        </a:spcAft>
+                        <a:buClrTx/>
+                        <a:buSzTx/>
+                        <a:buFontTx/>
+                        <a:buNone/>
+                        <a:tabLst/>
+                        <a:defRPr/>
+                      </a:pPr>
+                      <a:r>
+                        <a:rPr lang="en-US" sz="1050" b="0" dirty="0"/>
+                        <a:t>VLE Usage Count (</a:t>
+                      </a:r>
+                      <a:r>
+                        <a:rPr lang="en-US" sz="1050" b="0" dirty="0" err="1"/>
+                        <a:t>Mdn</a:t>
+                      </a:r>
+                      <a:r>
+                        <a:rPr lang="en-US" sz="1050" b="0" dirty="0"/>
+                        <a:t>)</a:t>
+                      </a:r>
+                      <a:endParaRPr lang="en-GB" sz="1050" b="0" dirty="0"/>
+                    </a:p>
+                    <a:p>
+                      <a:endParaRPr lang="en-GB" sz="1050" b="0" dirty="0"/>
+                    </a:p>
+                  </a:txBody>
+                  <a:tcPr vert="vert"/>
+                </a:tc>
                 <a:extLst>
                   <a:ext uri="{0D108BD9-81ED-4DB2-BD59-A6C34878D82A}">
                     <a16:rowId xmlns:a16="http://schemas.microsoft.com/office/drawing/2014/main" val="1487557583"/>
@@ -13917,7 +14156,7 @@
                       <a:pPr algn="ctr"/>
                       <a:r>
                         <a:rPr lang="en-US" sz="1100" b="0" dirty="0"/>
-                        <a:t>2.458</a:t>
+                        <a:t>2.425</a:t>
                       </a:r>
                       <a:endParaRPr lang="en-GB" sz="1100" b="0" dirty="0"/>
                     </a:p>
@@ -14059,6 +14298,36 @@
                   </a:txBody>
                   <a:tcPr/>
                 </a:tc>
+                <a:tc>
+                  <a:txBody>
+                    <a:bodyPr/>
+                    <a:lstStyle/>
+                    <a:p>
+                      <a:pPr algn="ctr"/>
+                      <a:r>
+                        <a:rPr lang="en-US" sz="1100" b="0" dirty="0"/>
+                        <a:t>NA</a:t>
+                      </a:r>
+                      <a:endParaRPr lang="en-GB" sz="1100" b="0" dirty="0"/>
+                    </a:p>
+                  </a:txBody>
+                  <a:tcPr/>
+                </a:tc>
+                <a:tc>
+                  <a:txBody>
+                    <a:bodyPr/>
+                    <a:lstStyle/>
+                    <a:p>
+                      <a:pPr algn="ctr"/>
+                      <a:r>
+                        <a:rPr lang="en-US" sz="1100" b="0" dirty="0"/>
+                        <a:t>NA</a:t>
+                      </a:r>
+                      <a:endParaRPr lang="en-GB" sz="1100" b="0" dirty="0"/>
+                    </a:p>
+                  </a:txBody>
+                  <a:tcPr/>
+                </a:tc>
                 <a:extLst>
                   <a:ext uri="{0D108BD9-81ED-4DB2-BD59-A6C34878D82A}">
                     <a16:rowId xmlns:a16="http://schemas.microsoft.com/office/drawing/2014/main" val="1418388030"/>
@@ -14089,7 +14358,7 @@
                       <a:pPr algn="ctr"/>
                       <a:r>
                         <a:rPr lang="en-US" sz="1100" b="0" dirty="0"/>
-                        <a:t>3.129</a:t>
+                        <a:t>3.085</a:t>
                       </a:r>
                       <a:endParaRPr lang="en-GB" sz="1100" b="0" dirty="0"/>
                     </a:p>
@@ -14119,7 +14388,7 @@
                       <a:pPr algn="ctr"/>
                       <a:r>
                         <a:rPr lang="en-US" sz="1100" b="0" dirty="0"/>
-                        <a:t>29.69</a:t>
+                        <a:t>29.27</a:t>
                       </a:r>
                       <a:endParaRPr lang="en-GB" sz="1100" b="0" dirty="0"/>
                     </a:p>
@@ -14149,7 +14418,7 @@
                       <a:pPr algn="ctr"/>
                       <a:r>
                         <a:rPr lang="en-US" sz="1100" b="0" dirty="0"/>
-                        <a:t>46.84</a:t>
+                        <a:t>46.18</a:t>
                       </a:r>
                       <a:endParaRPr lang="en-GB" sz="1100" b="0" dirty="0"/>
                     </a:p>
@@ -14179,7 +14448,7 @@
                       <a:pPr algn="ctr"/>
                       <a:r>
                         <a:rPr lang="en-US" sz="1100" b="0" dirty="0"/>
-                        <a:t>46.5</a:t>
+                        <a:t>45.85</a:t>
                       </a:r>
                       <a:endParaRPr lang="en-GB" sz="1100" b="0" dirty="0"/>
                     </a:p>
@@ -14209,7 +14478,37 @@
                       <a:pPr algn="ctr"/>
                       <a:r>
                         <a:rPr lang="en-US" sz="1100" b="0" dirty="0"/>
-                        <a:t>47.03</a:t>
+                        <a:t>46.37</a:t>
+                      </a:r>
+                      <a:endParaRPr lang="en-GB" sz="1100" b="0" dirty="0"/>
+                    </a:p>
+                  </a:txBody>
+                  <a:tcPr/>
+                </a:tc>
+                <a:tc>
+                  <a:txBody>
+                    <a:bodyPr/>
+                    <a:lstStyle/>
+                    <a:p>
+                      <a:pPr algn="ctr"/>
+                      <a:r>
+                        <a:rPr lang="en-US" sz="1100" b="0" dirty="0"/>
+                        <a:t>42</a:t>
+                      </a:r>
+                      <a:endParaRPr lang="en-GB" sz="1100" b="0" dirty="0"/>
+                    </a:p>
+                  </a:txBody>
+                  <a:tcPr/>
+                </a:tc>
+                <a:tc>
+                  <a:txBody>
+                    <a:bodyPr/>
+                    <a:lstStyle/>
+                    <a:p>
+                      <a:pPr algn="ctr"/>
+                      <a:r>
+                        <a:rPr lang="en-US" sz="1100" b="0" dirty="0"/>
+                        <a:t>44.29</a:t>
                       </a:r>
                       <a:endParaRPr lang="en-GB" sz="1100" b="0" dirty="0"/>
                     </a:p>
@@ -14291,7 +14590,7 @@
                       <a:pPr algn="ctr"/>
                       <a:r>
                         <a:rPr lang="en-US" sz="1100" b="0" dirty="0"/>
-                        <a:t>26.7</a:t>
+                        <a:t>26.63</a:t>
                       </a:r>
                       <a:endParaRPr lang="en-GB" sz="1100" b="0" dirty="0"/>
                     </a:p>
@@ -14403,6 +14702,36 @@
                   </a:txBody>
                   <a:tcPr/>
                 </a:tc>
+                <a:tc>
+                  <a:txBody>
+                    <a:bodyPr/>
+                    <a:lstStyle/>
+                    <a:p>
+                      <a:pPr algn="ctr"/>
+                      <a:r>
+                        <a:rPr lang="en-US" sz="1100" b="0" dirty="0"/>
+                        <a:t>17.11</a:t>
+                      </a:r>
+                      <a:endParaRPr lang="en-GB" sz="1100" b="0" dirty="0"/>
+                    </a:p>
+                  </a:txBody>
+                  <a:tcPr/>
+                </a:tc>
+                <a:tc>
+                  <a:txBody>
+                    <a:bodyPr/>
+                    <a:lstStyle/>
+                    <a:p>
+                      <a:pPr algn="ctr"/>
+                      <a:r>
+                        <a:rPr lang="en-US" sz="1100" b="0" dirty="0"/>
+                        <a:t>15</a:t>
+                      </a:r>
+                      <a:endParaRPr lang="en-GB" sz="1100" b="0" dirty="0"/>
+                    </a:p>
+                  </a:txBody>
+                  <a:tcPr/>
+                </a:tc>
                 <a:extLst>
                   <a:ext uri="{0D108BD9-81ED-4DB2-BD59-A6C34878D82A}">
                     <a16:rowId xmlns:a16="http://schemas.microsoft.com/office/drawing/2014/main" val="859004804"/>
@@ -14426,7 +14755,7 @@
 </p:sld>
 </file>
 
-<file path=ppt/slides/slide23.xml><?xml version="1.0" encoding="utf-8"?>
+<file path=ppt/slides/slide24.xml><?xml version="1.0" encoding="utf-8"?>
 <p:sld xmlns:a="http://schemas.openxmlformats.org/drawingml/2006/main" xmlns:r="http://schemas.openxmlformats.org/officeDocument/2006/relationships" xmlns:p="http://schemas.openxmlformats.org/presentationml/2006/main">
   <p:cSld>
     <p:spTree>
@@ -14496,7 +14825,7 @@
         </p:spPr>
         <p:txBody>
           <a:bodyPr>
-            <a:normAutofit/>
+            <a:normAutofit fontScale="92500" lnSpcReduction="20000"/>
           </a:bodyPr>
           <a:lstStyle/>
           <a:p>
@@ -14558,6 +14887,23 @@
                 </a:solidFill>
               </a:rPr>
               <a:t>Grade ~ Lecture Attendance</a:t>
+            </a:r>
+          </a:p>
+          <a:p>
+            <a:endParaRPr lang="en-US" dirty="0">
+              <a:solidFill>
+                <a:schemeClr val="bg1"/>
+              </a:solidFill>
+            </a:endParaRPr>
+          </a:p>
+          <a:p>
+            <a:r>
+              <a:rPr lang="en-US" dirty="0">
+                <a:solidFill>
+                  <a:schemeClr val="bg1"/>
+                </a:solidFill>
+              </a:rPr>
+              <a:t>GRADE ~ VLE Use</a:t>
             </a:r>
           </a:p>
         </p:txBody>
@@ -14566,877 +14912,6 @@
     <p:extLst>
       <p:ext uri="{BB962C8B-B14F-4D97-AF65-F5344CB8AC3E}">
         <p14:creationId xmlns:p14="http://schemas.microsoft.com/office/powerpoint/2010/main" val="301691330"/>
-      </p:ext>
-    </p:extLst>
-  </p:cSld>
-  <p:clrMapOvr>
-    <a:masterClrMapping/>
-  </p:clrMapOvr>
-</p:sld>
-</file>
-
-<file path=ppt/slides/slide24.xml><?xml version="1.0" encoding="utf-8"?>
-<p:sld xmlns:a="http://schemas.openxmlformats.org/drawingml/2006/main" xmlns:r="http://schemas.openxmlformats.org/officeDocument/2006/relationships" xmlns:p="http://schemas.openxmlformats.org/presentationml/2006/main">
-  <p:cSld>
-    <p:spTree>
-      <p:nvGrpSpPr>
-        <p:cNvPr id="1" name=""/>
-        <p:cNvGrpSpPr/>
-        <p:nvPr/>
-      </p:nvGrpSpPr>
-      <p:grpSpPr>
-        <a:xfrm>
-          <a:off x="0" y="0"/>
-          <a:ext cx="0" cy="0"/>
-          <a:chOff x="0" y="0"/>
-          <a:chExt cx="0" cy="0"/>
-        </a:xfrm>
-      </p:grpSpPr>
-      <p:sp>
-        <p:nvSpPr>
-          <p:cNvPr id="2" name="Title 1">
-            <a:extLst>
-              <a:ext uri="{FF2B5EF4-FFF2-40B4-BE49-F238E27FC236}">
-                <a16:creationId xmlns:a16="http://schemas.microsoft.com/office/drawing/2014/main" id="{921633EB-7DCB-4DDC-80AF-C885A3EE1245}"/>
-              </a:ext>
-            </a:extLst>
-          </p:cNvPr>
-          <p:cNvSpPr>
-            <a:spLocks noGrp="1"/>
-          </p:cNvSpPr>
-          <p:nvPr>
-            <p:ph type="title"/>
-          </p:nvPr>
-        </p:nvSpPr>
-        <p:spPr/>
-        <p:txBody>
-          <a:bodyPr/>
-          <a:lstStyle/>
-          <a:p>
-            <a:r>
-              <a:rPr lang="en-US" dirty="0"/>
-              <a:t>Correlation &amp; Covariance TABLE</a:t>
-            </a:r>
-          </a:p>
-        </p:txBody>
-      </p:sp>
-      <p:sp>
-        <p:nvSpPr>
-          <p:cNvPr id="4" name="Content Placeholder 3">
-            <a:extLst>
-              <a:ext uri="{FF2B5EF4-FFF2-40B4-BE49-F238E27FC236}">
-                <a16:creationId xmlns:a16="http://schemas.microsoft.com/office/drawing/2014/main" id="{15465504-73D4-37DA-85FF-7C8DD5BC71AF}"/>
-              </a:ext>
-            </a:extLst>
-          </p:cNvPr>
-          <p:cNvSpPr>
-            <a:spLocks noGrp="1"/>
-          </p:cNvSpPr>
-          <p:nvPr>
-            <p:ph sz="half" idx="1"/>
-          </p:nvPr>
-        </p:nvSpPr>
-        <p:spPr>
-          <a:xfrm>
-            <a:off x="581193" y="2228003"/>
-            <a:ext cx="5089765" cy="3633047"/>
-          </a:xfrm>
-        </p:spPr>
-        <p:txBody>
-          <a:bodyPr/>
-          <a:lstStyle/>
-          <a:p>
-            <a:r>
-              <a:rPr lang="en-US" dirty="0">
-                <a:solidFill>
-                  <a:schemeClr val="tx1"/>
-                </a:solidFill>
-              </a:rPr>
-              <a:t>Use of Pearson’s correlation calculation</a:t>
-            </a:r>
-          </a:p>
-          <a:p>
-            <a:pPr lvl="1"/>
-            <a:r>
-              <a:rPr lang="en-US" dirty="0">
-                <a:solidFill>
-                  <a:schemeClr val="tx1"/>
-                </a:solidFill>
-              </a:rPr>
-              <a:t>Expected linear relationship</a:t>
-            </a:r>
-          </a:p>
-          <a:p>
-            <a:r>
-              <a:rPr lang="en-US" dirty="0">
-                <a:solidFill>
-                  <a:schemeClr val="tx1"/>
-                </a:solidFill>
-              </a:rPr>
-              <a:t>2021-2022 shows a very low correlation between attendance and grade. </a:t>
-            </a:r>
-          </a:p>
-          <a:p>
-            <a:pPr lvl="1"/>
-            <a:r>
-              <a:rPr lang="en-US" dirty="0">
-                <a:solidFill>
-                  <a:schemeClr val="tx1"/>
-                </a:solidFill>
-              </a:rPr>
-              <a:t>Negative relationship is suggested</a:t>
-            </a:r>
-          </a:p>
-          <a:p>
-            <a:r>
-              <a:rPr lang="en-US" dirty="0">
-                <a:solidFill>
-                  <a:schemeClr val="tx1"/>
-                </a:solidFill>
-              </a:rPr>
-              <a:t>2022-2023 shows a stronger positive relationship</a:t>
-            </a:r>
-          </a:p>
-          <a:p>
-            <a:r>
-              <a:rPr lang="en-US" dirty="0">
-                <a:solidFill>
-                  <a:schemeClr val="tx1"/>
-                </a:solidFill>
-              </a:rPr>
-              <a:t>Stronger relationship between lecture attendance and grades than others.</a:t>
-            </a:r>
-          </a:p>
-          <a:p>
-            <a:endParaRPr lang="en-US" dirty="0">
-              <a:solidFill>
-                <a:schemeClr val="tx1"/>
-              </a:solidFill>
-            </a:endParaRPr>
-          </a:p>
-        </p:txBody>
-      </p:sp>
-      <p:graphicFrame>
-        <p:nvGraphicFramePr>
-          <p:cNvPr id="6" name="Table 6">
-            <a:extLst>
-              <a:ext uri="{FF2B5EF4-FFF2-40B4-BE49-F238E27FC236}">
-                <a16:creationId xmlns:a16="http://schemas.microsoft.com/office/drawing/2014/main" id="{B8453F27-AEE6-A89E-BF2C-3CD4ADD328F2}"/>
-              </a:ext>
-            </a:extLst>
-          </p:cNvPr>
-          <p:cNvGraphicFramePr>
-            <a:graphicFrameLocks noGrp="1"/>
-          </p:cNvGraphicFramePr>
-          <p:nvPr>
-            <p:ph sz="half" idx="2"/>
-            <p:extLst>
-              <p:ext uri="{D42A27DB-BD31-4B8C-83A1-F6EECF244321}">
-                <p14:modId xmlns:p14="http://schemas.microsoft.com/office/powerpoint/2010/main" val="788959195"/>
-              </p:ext>
-            </p:extLst>
-          </p:nvPr>
-        </p:nvGraphicFramePr>
-        <p:xfrm>
-          <a:off x="5771627" y="2432806"/>
-          <a:ext cx="5839182" cy="2592200"/>
-        </p:xfrm>
-        <a:graphic>
-          <a:graphicData uri="http://schemas.openxmlformats.org/drawingml/2006/table">
-            <a:tbl>
-              <a:tblPr firstRow="1" bandRow="1">
-                <a:tableStyleId>{5C22544A-7EE6-4342-B048-85BDC9FD1C3A}</a:tableStyleId>
-              </a:tblPr>
-              <a:tblGrid>
-                <a:gridCol w="648798">
-                  <a:extLst>
-                    <a:ext uri="{9D8B030D-6E8A-4147-A177-3AD203B41FA5}">
-                      <a16:colId xmlns:a16="http://schemas.microsoft.com/office/drawing/2014/main" val="3175777426"/>
-                    </a:ext>
-                  </a:extLst>
-                </a:gridCol>
-                <a:gridCol w="648798">
-                  <a:extLst>
-                    <a:ext uri="{9D8B030D-6E8A-4147-A177-3AD203B41FA5}">
-                      <a16:colId xmlns:a16="http://schemas.microsoft.com/office/drawing/2014/main" val="3063281743"/>
-                    </a:ext>
-                  </a:extLst>
-                </a:gridCol>
-                <a:gridCol w="648798">
-                  <a:extLst>
-                    <a:ext uri="{9D8B030D-6E8A-4147-A177-3AD203B41FA5}">
-                      <a16:colId xmlns:a16="http://schemas.microsoft.com/office/drawing/2014/main" val="1912613166"/>
-                    </a:ext>
-                  </a:extLst>
-                </a:gridCol>
-                <a:gridCol w="648798">
-                  <a:extLst>
-                    <a:ext uri="{9D8B030D-6E8A-4147-A177-3AD203B41FA5}">
-                      <a16:colId xmlns:a16="http://schemas.microsoft.com/office/drawing/2014/main" val="627985694"/>
-                    </a:ext>
-                  </a:extLst>
-                </a:gridCol>
-                <a:gridCol w="648798">
-                  <a:extLst>
-                    <a:ext uri="{9D8B030D-6E8A-4147-A177-3AD203B41FA5}">
-                      <a16:colId xmlns:a16="http://schemas.microsoft.com/office/drawing/2014/main" val="2633129296"/>
-                    </a:ext>
-                  </a:extLst>
-                </a:gridCol>
-                <a:gridCol w="648798">
-                  <a:extLst>
-                    <a:ext uri="{9D8B030D-6E8A-4147-A177-3AD203B41FA5}">
-                      <a16:colId xmlns:a16="http://schemas.microsoft.com/office/drawing/2014/main" val="3459378517"/>
-                    </a:ext>
-                  </a:extLst>
-                </a:gridCol>
-                <a:gridCol w="648798">
-                  <a:extLst>
-                    <a:ext uri="{9D8B030D-6E8A-4147-A177-3AD203B41FA5}">
-                      <a16:colId xmlns:a16="http://schemas.microsoft.com/office/drawing/2014/main" val="4245219144"/>
-                    </a:ext>
-                  </a:extLst>
-                </a:gridCol>
-                <a:gridCol w="648798">
-                  <a:extLst>
-                    <a:ext uri="{9D8B030D-6E8A-4147-A177-3AD203B41FA5}">
-                      <a16:colId xmlns:a16="http://schemas.microsoft.com/office/drawing/2014/main" val="1553150276"/>
-                    </a:ext>
-                  </a:extLst>
-                </a:gridCol>
-                <a:gridCol w="648798">
-                  <a:extLst>
-                    <a:ext uri="{9D8B030D-6E8A-4147-A177-3AD203B41FA5}">
-                      <a16:colId xmlns:a16="http://schemas.microsoft.com/office/drawing/2014/main" val="3076180246"/>
-                    </a:ext>
-                  </a:extLst>
-                </a:gridCol>
-              </a:tblGrid>
-              <a:tr h="1411450">
-                <a:tc>
-                  <a:txBody>
-                    <a:bodyPr/>
-                    <a:lstStyle/>
-                    <a:p>
-                      <a:r>
-                        <a:rPr lang="en-US" sz="900" b="0" dirty="0"/>
-                        <a:t>Year</a:t>
-                      </a:r>
-                      <a:endParaRPr lang="en-GB" sz="900" b="0" dirty="0"/>
-                    </a:p>
-                  </a:txBody>
-                  <a:tcPr/>
-                </a:tc>
-                <a:tc>
-                  <a:txBody>
-                    <a:bodyPr/>
-                    <a:lstStyle/>
-                    <a:p>
-                      <a:r>
-                        <a:rPr lang="en-US" sz="900" b="0" dirty="0"/>
-                        <a:t>Grade ~ Attendance</a:t>
-                      </a:r>
-                    </a:p>
-                    <a:p>
-                      <a:r>
-                        <a:rPr lang="en-US" sz="900" b="0" dirty="0"/>
-                        <a:t>Correlation</a:t>
-                      </a:r>
-                      <a:endParaRPr lang="en-GB" sz="900" b="0" dirty="0"/>
-                    </a:p>
-                  </a:txBody>
-                  <a:tcPr vert="vert"/>
-                </a:tc>
-                <a:tc>
-                  <a:txBody>
-                    <a:bodyPr/>
-                    <a:lstStyle/>
-                    <a:p>
-                      <a:r>
-                        <a:rPr lang="en-US" sz="900" b="0" dirty="0"/>
-                        <a:t>Grade ~ Attendance Covariance</a:t>
-                      </a:r>
-                      <a:endParaRPr lang="en-GB" sz="900" b="0" dirty="0"/>
-                    </a:p>
-                  </a:txBody>
-                  <a:tcPr vert="vert"/>
-                </a:tc>
-                <a:tc>
-                  <a:txBody>
-                    <a:bodyPr/>
-                    <a:lstStyle/>
-                    <a:p>
-                      <a:pPr marL="0" marR="0" lvl="0" indent="0" algn="l" defTabSz="457200" rtl="0" eaLnBrk="1" fontAlgn="auto" latinLnBrk="0" hangingPunct="1">
-                        <a:lnSpc>
-                          <a:spcPct val="100000"/>
-                        </a:lnSpc>
-                        <a:spcBef>
-                          <a:spcPts val="0"/>
-                        </a:spcBef>
-                        <a:spcAft>
-                          <a:spcPts val="0"/>
-                        </a:spcAft>
-                        <a:buClrTx/>
-                        <a:buSzTx/>
-                        <a:buFontTx/>
-                        <a:buNone/>
-                        <a:tabLst/>
-                        <a:defRPr/>
-                      </a:pPr>
-                      <a:r>
-                        <a:rPr lang="en-US" sz="900" b="0" dirty="0"/>
-                        <a:t>Grade ~ E. Attendance Correlation</a:t>
-                      </a:r>
-                      <a:endParaRPr lang="en-GB" sz="900" b="0" dirty="0"/>
-                    </a:p>
-                    <a:p>
-                      <a:endParaRPr lang="en-GB" sz="900" b="0" dirty="0"/>
-                    </a:p>
-                  </a:txBody>
-                  <a:tcPr vert="vert"/>
-                </a:tc>
-                <a:tc>
-                  <a:txBody>
-                    <a:bodyPr/>
-                    <a:lstStyle/>
-                    <a:p>
-                      <a:r>
-                        <a:rPr lang="en-US" sz="900" b="0" dirty="0"/>
-                        <a:t>Grade ~ E. Attendance Covariance</a:t>
-                      </a:r>
-                      <a:endParaRPr lang="en-GB" sz="900" b="0" dirty="0"/>
-                    </a:p>
-                  </a:txBody>
-                  <a:tcPr vert="vert"/>
-                </a:tc>
-                <a:tc>
-                  <a:txBody>
-                    <a:bodyPr/>
-                    <a:lstStyle/>
-                    <a:p>
-                      <a:pPr marL="0" marR="0" lvl="0" indent="0" algn="l" defTabSz="457200" rtl="0" eaLnBrk="1" fontAlgn="auto" latinLnBrk="0" hangingPunct="1">
-                        <a:lnSpc>
-                          <a:spcPct val="100000"/>
-                        </a:lnSpc>
-                        <a:spcBef>
-                          <a:spcPts val="0"/>
-                        </a:spcBef>
-                        <a:spcAft>
-                          <a:spcPts val="0"/>
-                        </a:spcAft>
-                        <a:buClrTx/>
-                        <a:buSzTx/>
-                        <a:buFontTx/>
-                        <a:buNone/>
-                        <a:tabLst/>
-                        <a:defRPr/>
-                      </a:pPr>
-                      <a:r>
-                        <a:rPr lang="en-US" sz="900" b="0" dirty="0"/>
-                        <a:t>Grade ~ Lecture Attendance Correlation</a:t>
-                      </a:r>
-                      <a:endParaRPr lang="en-GB" sz="900" b="0" dirty="0"/>
-                    </a:p>
-                  </a:txBody>
-                  <a:tcPr vert="vert"/>
-                </a:tc>
-                <a:tc>
-                  <a:txBody>
-                    <a:bodyPr/>
-                    <a:lstStyle/>
-                    <a:p>
-                      <a:r>
-                        <a:rPr lang="en-US" sz="1000" b="0" dirty="0"/>
-                        <a:t>Grade ~ Lecture Attendance Covariance</a:t>
-                      </a:r>
-                      <a:endParaRPr lang="en-GB" sz="1000" b="0" dirty="0"/>
-                    </a:p>
-                    <a:p>
-                      <a:endParaRPr lang="en-GB" sz="1000" b="0" dirty="0"/>
-                    </a:p>
-                  </a:txBody>
-                  <a:tcPr vert="vert"/>
-                </a:tc>
-                <a:tc>
-                  <a:txBody>
-                    <a:bodyPr/>
-                    <a:lstStyle/>
-                    <a:p>
-                      <a:pPr marL="0" marR="0" lvl="0" indent="0" algn="l" defTabSz="457200" rtl="0" eaLnBrk="1" fontAlgn="auto" latinLnBrk="0" hangingPunct="1">
-                        <a:lnSpc>
-                          <a:spcPct val="100000"/>
-                        </a:lnSpc>
-                        <a:spcBef>
-                          <a:spcPts val="0"/>
-                        </a:spcBef>
-                        <a:spcAft>
-                          <a:spcPts val="0"/>
-                        </a:spcAft>
-                        <a:buClrTx/>
-                        <a:buSzTx/>
-                        <a:buFontTx/>
-                        <a:buNone/>
-                        <a:tabLst/>
-                        <a:defRPr/>
-                      </a:pPr>
-                      <a:r>
-                        <a:rPr lang="en-US" sz="1000" b="0" dirty="0"/>
-                        <a:t>Grade ~ Practical Attendance Correlation</a:t>
-                      </a:r>
-                      <a:endParaRPr lang="en-GB" sz="1000" b="0" dirty="0"/>
-                    </a:p>
-                    <a:p>
-                      <a:endParaRPr lang="en-GB" sz="1000" b="0" dirty="0"/>
-                    </a:p>
-                  </a:txBody>
-                  <a:tcPr vert="vert"/>
-                </a:tc>
-                <a:tc>
-                  <a:txBody>
-                    <a:bodyPr/>
-                    <a:lstStyle/>
-                    <a:p>
-                      <a:r>
-                        <a:rPr lang="en-US" sz="1000" b="0" dirty="0"/>
-                        <a:t>Grade ~ Practical Attendance Covariance</a:t>
-                      </a:r>
-                      <a:endParaRPr lang="en-GB" sz="1000" b="0" dirty="0"/>
-                    </a:p>
-                    <a:p>
-                      <a:endParaRPr lang="en-GB" sz="1000" b="0" dirty="0"/>
-                    </a:p>
-                    <a:p>
-                      <a:endParaRPr lang="en-GB" sz="1000" b="0" dirty="0"/>
-                    </a:p>
-                  </a:txBody>
-                  <a:tcPr vert="vert"/>
-                </a:tc>
-                <a:extLst>
-                  <a:ext uri="{0D108BD9-81ED-4DB2-BD59-A6C34878D82A}">
-                    <a16:rowId xmlns:a16="http://schemas.microsoft.com/office/drawing/2014/main" val="1487557583"/>
-                  </a:ext>
-                </a:extLst>
-              </a:tr>
-              <a:tr h="635465">
-                <a:tc>
-                  <a:txBody>
-                    <a:bodyPr/>
-                    <a:lstStyle/>
-                    <a:p>
-                      <a:pPr algn="ctr"/>
-                      <a:r>
-                        <a:rPr lang="en-US" sz="1200" b="0" dirty="0"/>
-                        <a:t>2021-2022</a:t>
-                      </a:r>
-                      <a:endParaRPr lang="en-GB" sz="1200" b="0" dirty="0"/>
-                    </a:p>
-                  </a:txBody>
-                  <a:tcPr/>
-                </a:tc>
-                <a:tc>
-                  <a:txBody>
-                    <a:bodyPr/>
-                    <a:lstStyle/>
-                    <a:p>
-                      <a:pPr algn="ctr"/>
-                      <a:r>
-                        <a:rPr lang="en-GB" sz="1200" b="0" i="0" kern="1200" dirty="0">
-                          <a:solidFill>
-                            <a:schemeClr val="dk1"/>
-                          </a:solidFill>
-                          <a:effectLst/>
-                          <a:latin typeface="+mn-lt"/>
-                          <a:ea typeface="+mn-ea"/>
-                          <a:cs typeface="+mn-cs"/>
-                        </a:rPr>
-                        <a:t>-0.0412</a:t>
-                      </a:r>
-                      <a:endParaRPr lang="en-GB" sz="700" b="0" dirty="0"/>
-                    </a:p>
-                  </a:txBody>
-                  <a:tcPr/>
-                </a:tc>
-                <a:tc>
-                  <a:txBody>
-                    <a:bodyPr/>
-                    <a:lstStyle/>
-                    <a:p>
-                      <a:pPr algn="ctr"/>
-                      <a:r>
-                        <a:rPr lang="en-GB" sz="1200" b="0" i="0" kern="1200" dirty="0">
-                          <a:solidFill>
-                            <a:schemeClr val="dk1"/>
-                          </a:solidFill>
-                          <a:effectLst/>
-                          <a:latin typeface="+mn-lt"/>
-                          <a:ea typeface="+mn-ea"/>
-                          <a:cs typeface="+mn-cs"/>
-                        </a:rPr>
-                        <a:t>-0.9010</a:t>
-                      </a:r>
-                      <a:endParaRPr lang="en-GB" sz="700" b="0" dirty="0"/>
-                    </a:p>
-                  </a:txBody>
-                  <a:tcPr/>
-                </a:tc>
-                <a:tc>
-                  <a:txBody>
-                    <a:bodyPr/>
-                    <a:lstStyle/>
-                    <a:p>
-                      <a:pPr algn="ctr"/>
-                      <a:r>
-                        <a:rPr lang="en-GB" sz="1200" b="0" i="0" kern="1200" dirty="0">
-                          <a:solidFill>
-                            <a:schemeClr val="dk1"/>
-                          </a:solidFill>
-                          <a:effectLst/>
-                          <a:latin typeface="+mn-lt"/>
-                          <a:ea typeface="+mn-ea"/>
-                          <a:cs typeface="+mn-cs"/>
-                        </a:rPr>
-                        <a:t>-0.038</a:t>
-                      </a:r>
-                      <a:endParaRPr lang="en-GB" sz="900" b="0" dirty="0"/>
-                    </a:p>
-                  </a:txBody>
-                  <a:tcPr/>
-                </a:tc>
-                <a:tc>
-                  <a:txBody>
-                    <a:bodyPr/>
-                    <a:lstStyle/>
-                    <a:p>
-                      <a:pPr algn="ctr"/>
-                      <a:r>
-                        <a:rPr lang="en-GB" sz="1200" b="0" i="0" kern="1200" dirty="0">
-                          <a:solidFill>
-                            <a:schemeClr val="dk1"/>
-                          </a:solidFill>
-                          <a:effectLst/>
-                          <a:latin typeface="+mn-lt"/>
-                          <a:ea typeface="+mn-ea"/>
-                          <a:cs typeface="+mn-cs"/>
-                        </a:rPr>
-                        <a:t>-1.2983</a:t>
-                      </a:r>
-                      <a:endParaRPr lang="en-GB" sz="900" b="0" dirty="0"/>
-                    </a:p>
-                  </a:txBody>
-                  <a:tcPr/>
-                </a:tc>
-                <a:tc>
-                  <a:txBody>
-                    <a:bodyPr/>
-                    <a:lstStyle/>
-                    <a:p>
-                      <a:pPr algn="ctr"/>
-                      <a:r>
-                        <a:rPr lang="en-GB" sz="1200" b="0" i="0" kern="1200" dirty="0">
-                          <a:solidFill>
-                            <a:schemeClr val="dk1"/>
-                          </a:solidFill>
-                          <a:effectLst/>
-                          <a:latin typeface="+mn-lt"/>
-                          <a:ea typeface="+mn-ea"/>
-                          <a:cs typeface="+mn-cs"/>
-                        </a:rPr>
-                        <a:t>0.0818</a:t>
-                      </a:r>
-                      <a:endParaRPr lang="en-GB" sz="900" b="0" dirty="0"/>
-                    </a:p>
-                  </a:txBody>
-                  <a:tcPr/>
-                </a:tc>
-                <a:tc>
-                  <a:txBody>
-                    <a:bodyPr/>
-                    <a:lstStyle/>
-                    <a:p>
-                      <a:pPr algn="ctr"/>
-                      <a:r>
-                        <a:rPr lang="en-GB" sz="1200" b="0" i="0" kern="1200" dirty="0">
-                          <a:solidFill>
-                            <a:schemeClr val="dk1"/>
-                          </a:solidFill>
-                          <a:effectLst/>
-                          <a:latin typeface="+mn-lt"/>
-                          <a:ea typeface="+mn-ea"/>
-                          <a:cs typeface="+mn-cs"/>
-                        </a:rPr>
-                        <a:t>3.4275</a:t>
-                      </a:r>
-                      <a:endParaRPr lang="en-GB" sz="900" b="0" dirty="0"/>
-                    </a:p>
-                  </a:txBody>
-                  <a:tcPr/>
-                </a:tc>
-                <a:tc>
-                  <a:txBody>
-                    <a:bodyPr/>
-                    <a:lstStyle/>
-                    <a:p>
-                      <a:pPr algn="ctr"/>
-                      <a:r>
-                        <a:rPr lang="en-GB" sz="1200" b="0" i="0" kern="1200" dirty="0">
-                          <a:solidFill>
-                            <a:schemeClr val="dk1"/>
-                          </a:solidFill>
-                          <a:effectLst/>
-                          <a:latin typeface="+mn-lt"/>
-                          <a:ea typeface="+mn-ea"/>
-                          <a:cs typeface="+mn-cs"/>
-                        </a:rPr>
-                        <a:t>-0.1318</a:t>
-                      </a:r>
-                      <a:endParaRPr lang="en-GB" sz="900" b="0" dirty="0"/>
-                    </a:p>
-                  </a:txBody>
-                  <a:tcPr/>
-                </a:tc>
-                <a:tc>
-                  <a:txBody>
-                    <a:bodyPr/>
-                    <a:lstStyle/>
-                    <a:p>
-                      <a:pPr algn="ctr"/>
-                      <a:r>
-                        <a:rPr lang="en-GB" sz="1200" b="0" i="0" kern="1200" dirty="0">
-                          <a:solidFill>
-                            <a:schemeClr val="dk1"/>
-                          </a:solidFill>
-                          <a:effectLst/>
-                          <a:latin typeface="+mn-lt"/>
-                          <a:ea typeface="+mn-ea"/>
-                          <a:cs typeface="+mn-cs"/>
-                        </a:rPr>
-                        <a:t>-4.8588</a:t>
-                      </a:r>
-                      <a:endParaRPr lang="en-GB" sz="900" b="0" dirty="0"/>
-                    </a:p>
-                  </a:txBody>
-                  <a:tcPr/>
-                </a:tc>
-                <a:extLst>
-                  <a:ext uri="{0D108BD9-81ED-4DB2-BD59-A6C34878D82A}">
-                    <a16:rowId xmlns:a16="http://schemas.microsoft.com/office/drawing/2014/main" val="3228881547"/>
-                  </a:ext>
-                </a:extLst>
-              </a:tr>
-              <a:tr h="545285">
-                <a:tc>
-                  <a:txBody>
-                    <a:bodyPr/>
-                    <a:lstStyle/>
-                    <a:p>
-                      <a:pPr algn="ctr"/>
-                      <a:r>
-                        <a:rPr lang="en-US" sz="1200" b="0" dirty="0"/>
-                        <a:t>2022-2023</a:t>
-                      </a:r>
-                      <a:endParaRPr lang="en-GB" sz="1200" b="0" dirty="0"/>
-                    </a:p>
-                  </a:txBody>
-                  <a:tcPr/>
-                </a:tc>
-                <a:tc>
-                  <a:txBody>
-                    <a:bodyPr/>
-                    <a:lstStyle/>
-                    <a:p>
-                      <a:pPr algn="ctr"/>
-                      <a:r>
-                        <a:rPr lang="en-GB" sz="1200" b="0" i="0" kern="1200" dirty="0">
-                          <a:solidFill>
-                            <a:schemeClr val="dk1"/>
-                          </a:solidFill>
-                          <a:effectLst/>
-                          <a:latin typeface="+mn-lt"/>
-                          <a:ea typeface="+mn-ea"/>
-                          <a:cs typeface="+mn-cs"/>
-                        </a:rPr>
-                        <a:t>0.5349</a:t>
-                      </a:r>
-                      <a:endParaRPr lang="en-GB" sz="700" b="0" dirty="0"/>
-                    </a:p>
-                  </a:txBody>
-                  <a:tcPr/>
-                </a:tc>
-                <a:tc>
-                  <a:txBody>
-                    <a:bodyPr/>
-                    <a:lstStyle/>
-                    <a:p>
-                      <a:pPr algn="ctr"/>
-                      <a:r>
-                        <a:rPr lang="en-GB" sz="1200" b="0" i="0" kern="1200" dirty="0">
-                          <a:solidFill>
-                            <a:schemeClr val="dk1"/>
-                          </a:solidFill>
-                          <a:effectLst/>
-                          <a:latin typeface="+mn-lt"/>
-                          <a:ea typeface="+mn-ea"/>
-                          <a:cs typeface="+mn-cs"/>
-                        </a:rPr>
-                        <a:t>12.703</a:t>
-                      </a:r>
-                      <a:endParaRPr lang="en-GB" sz="700" b="0" dirty="0"/>
-                    </a:p>
-                  </a:txBody>
-                  <a:tcPr/>
-                </a:tc>
-                <a:tc>
-                  <a:txBody>
-                    <a:bodyPr/>
-                    <a:lstStyle/>
-                    <a:p>
-                      <a:pPr algn="ctr"/>
-                      <a:r>
-                        <a:rPr lang="en-GB" sz="1200" b="0" i="0" kern="1200" dirty="0">
-                          <a:solidFill>
-                            <a:schemeClr val="dk1"/>
-                          </a:solidFill>
-                          <a:effectLst/>
-                          <a:latin typeface="+mn-lt"/>
-                          <a:ea typeface="+mn-ea"/>
-                          <a:cs typeface="+mn-cs"/>
-                        </a:rPr>
-                        <a:t>0.5356</a:t>
-                      </a:r>
-                      <a:endParaRPr lang="en-GB" sz="900" b="0" dirty="0"/>
-                    </a:p>
-                  </a:txBody>
-                  <a:tcPr/>
-                </a:tc>
-                <a:tc>
-                  <a:txBody>
-                    <a:bodyPr/>
-                    <a:lstStyle/>
-                    <a:p>
-                      <a:pPr algn="ctr"/>
-                      <a:r>
-                        <a:rPr lang="en-GB" sz="1200" b="0" i="0" kern="1200" dirty="0">
-                          <a:solidFill>
-                            <a:schemeClr val="dk1"/>
-                          </a:solidFill>
-                          <a:effectLst/>
-                          <a:latin typeface="+mn-lt"/>
-                          <a:ea typeface="+mn-ea"/>
-                          <a:cs typeface="+mn-cs"/>
-                        </a:rPr>
-                        <a:t>19.367</a:t>
-                      </a:r>
-                      <a:endParaRPr lang="en-GB" sz="900" b="0" dirty="0"/>
-                    </a:p>
-                  </a:txBody>
-                  <a:tcPr/>
-                </a:tc>
-                <a:tc>
-                  <a:txBody>
-                    <a:bodyPr/>
-                    <a:lstStyle/>
-                    <a:p>
-                      <a:pPr algn="ctr"/>
-                      <a:r>
-                        <a:rPr lang="en-GB" sz="1200" b="0" i="0" kern="1200" dirty="0">
-                          <a:solidFill>
-                            <a:schemeClr val="dk1"/>
-                          </a:solidFill>
-                          <a:effectLst/>
-                          <a:latin typeface="+mn-lt"/>
-                          <a:ea typeface="+mn-ea"/>
-                          <a:cs typeface="+mn-cs"/>
-                        </a:rPr>
-                        <a:t>0.5054</a:t>
-                      </a:r>
-                      <a:endParaRPr lang="en-GB" sz="900" b="0" dirty="0"/>
-                    </a:p>
-                  </a:txBody>
-                  <a:tcPr/>
-                </a:tc>
-                <a:tc>
-                  <a:txBody>
-                    <a:bodyPr/>
-                    <a:lstStyle/>
-                    <a:p>
-                      <a:pPr algn="ctr"/>
-                      <a:r>
-                        <a:rPr lang="en-GB" sz="1200" b="0" i="0" kern="1200" dirty="0">
-                          <a:solidFill>
-                            <a:schemeClr val="dk1"/>
-                          </a:solidFill>
-                          <a:effectLst/>
-                          <a:latin typeface="+mn-lt"/>
-                          <a:ea typeface="+mn-ea"/>
-                          <a:cs typeface="+mn-cs"/>
-                        </a:rPr>
-                        <a:t>22.384</a:t>
-                      </a:r>
-                      <a:endParaRPr lang="en-GB" sz="900" b="0" dirty="0"/>
-                    </a:p>
-                  </a:txBody>
-                  <a:tcPr/>
-                </a:tc>
-                <a:tc>
-                  <a:txBody>
-                    <a:bodyPr/>
-                    <a:lstStyle/>
-                    <a:p>
-                      <a:pPr algn="ctr"/>
-                      <a:r>
-                        <a:rPr lang="en-GB" sz="1200" b="0" i="0" kern="1200" dirty="0">
-                          <a:solidFill>
-                            <a:schemeClr val="dk1"/>
-                          </a:solidFill>
-                          <a:effectLst/>
-                          <a:latin typeface="+mn-lt"/>
-                          <a:ea typeface="+mn-ea"/>
-                          <a:cs typeface="+mn-cs"/>
-                        </a:rPr>
-                        <a:t>0.4052</a:t>
-                      </a:r>
-                      <a:endParaRPr lang="en-GB" sz="900" b="0" dirty="0"/>
-                    </a:p>
-                  </a:txBody>
-                  <a:tcPr/>
-                </a:tc>
-                <a:tc>
-                  <a:txBody>
-                    <a:bodyPr/>
-                    <a:lstStyle/>
-                    <a:p>
-                      <a:pPr algn="ctr"/>
-                      <a:r>
-                        <a:rPr lang="en-GB" sz="1200" b="0" i="0" kern="1200" dirty="0">
-                          <a:solidFill>
-                            <a:schemeClr val="dk1"/>
-                          </a:solidFill>
-                          <a:effectLst/>
-                          <a:latin typeface="+mn-lt"/>
-                          <a:ea typeface="+mn-ea"/>
-                          <a:cs typeface="+mn-cs"/>
-                        </a:rPr>
-                        <a:t>16.692</a:t>
-                      </a:r>
-                      <a:endParaRPr lang="en-GB" sz="900" b="0" dirty="0"/>
-                    </a:p>
-                  </a:txBody>
-                  <a:tcPr/>
-                </a:tc>
-                <a:extLst>
-                  <a:ext uri="{0D108BD9-81ED-4DB2-BD59-A6C34878D82A}">
-                    <a16:rowId xmlns:a16="http://schemas.microsoft.com/office/drawing/2014/main" val="859004804"/>
-                  </a:ext>
-                </a:extLst>
-              </a:tr>
-            </a:tbl>
-          </a:graphicData>
-        </a:graphic>
-      </p:graphicFrame>
-    </p:spTree>
-    <p:extLst>
-      <p:ext uri="{BB962C8B-B14F-4D97-AF65-F5344CB8AC3E}">
-        <p14:creationId xmlns:p14="http://schemas.microsoft.com/office/powerpoint/2010/main" val="4022326446"/>
       </p:ext>
     </p:extLst>
   </p:cSld>
@@ -15486,2200 +14961,7 @@
           <a:p>
             <a:r>
               <a:rPr lang="en-US" dirty="0"/>
-              <a:t>Correlation &amp; Covariance TABLE</a:t>
-            </a:r>
-          </a:p>
-        </p:txBody>
-      </p:sp>
-      <p:sp>
-        <p:nvSpPr>
-          <p:cNvPr id="4" name="Content Placeholder 3">
-            <a:extLst>
-              <a:ext uri="{FF2B5EF4-FFF2-40B4-BE49-F238E27FC236}">
-                <a16:creationId xmlns:a16="http://schemas.microsoft.com/office/drawing/2014/main" id="{15465504-73D4-37DA-85FF-7C8DD5BC71AF}"/>
-              </a:ext>
-            </a:extLst>
-          </p:cNvPr>
-          <p:cNvSpPr>
-            <a:spLocks noGrp="1"/>
-          </p:cNvSpPr>
-          <p:nvPr>
-            <p:ph sz="half" idx="1"/>
-          </p:nvPr>
-        </p:nvSpPr>
-        <p:spPr>
-          <a:xfrm>
-            <a:off x="581193" y="2228003"/>
-            <a:ext cx="5089765" cy="4164408"/>
-          </a:xfrm>
-        </p:spPr>
-        <p:txBody>
-          <a:bodyPr>
-            <a:normAutofit/>
-          </a:bodyPr>
-          <a:lstStyle/>
-          <a:p>
-            <a:r>
-              <a:rPr lang="en-US" dirty="0">
-                <a:solidFill>
-                  <a:schemeClr val="tx1"/>
-                </a:solidFill>
-              </a:rPr>
-              <a:t>Use of Spearman’s Correlation</a:t>
-            </a:r>
-          </a:p>
-          <a:p>
-            <a:pPr lvl="1"/>
-            <a:r>
-              <a:rPr lang="en-US" dirty="0">
-                <a:solidFill>
-                  <a:schemeClr val="tx1"/>
-                </a:solidFill>
-              </a:rPr>
-              <a:t>Better for monotonic relationship identification</a:t>
-            </a:r>
-          </a:p>
-        </p:txBody>
-      </p:sp>
-      <p:graphicFrame>
-        <p:nvGraphicFramePr>
-          <p:cNvPr id="6" name="Table 6">
-            <a:extLst>
-              <a:ext uri="{FF2B5EF4-FFF2-40B4-BE49-F238E27FC236}">
-                <a16:creationId xmlns:a16="http://schemas.microsoft.com/office/drawing/2014/main" id="{B8453F27-AEE6-A89E-BF2C-3CD4ADD328F2}"/>
-              </a:ext>
-            </a:extLst>
-          </p:cNvPr>
-          <p:cNvGraphicFramePr>
-            <a:graphicFrameLocks noGrp="1"/>
-          </p:cNvGraphicFramePr>
-          <p:nvPr>
-            <p:ph sz="half" idx="2"/>
-            <p:extLst>
-              <p:ext uri="{D42A27DB-BD31-4B8C-83A1-F6EECF244321}">
-                <p14:modId xmlns:p14="http://schemas.microsoft.com/office/powerpoint/2010/main" val="803107712"/>
-              </p:ext>
-            </p:extLst>
-          </p:nvPr>
-        </p:nvGraphicFramePr>
-        <p:xfrm>
-          <a:off x="5771627" y="2432806"/>
-          <a:ext cx="5839182" cy="2592200"/>
-        </p:xfrm>
-        <a:graphic>
-          <a:graphicData uri="http://schemas.openxmlformats.org/drawingml/2006/table">
-            <a:tbl>
-              <a:tblPr firstRow="1" bandRow="1">
-                <a:tableStyleId>{5C22544A-7EE6-4342-B048-85BDC9FD1C3A}</a:tableStyleId>
-              </a:tblPr>
-              <a:tblGrid>
-                <a:gridCol w="648798">
-                  <a:extLst>
-                    <a:ext uri="{9D8B030D-6E8A-4147-A177-3AD203B41FA5}">
-                      <a16:colId xmlns:a16="http://schemas.microsoft.com/office/drawing/2014/main" val="3175777426"/>
-                    </a:ext>
-                  </a:extLst>
-                </a:gridCol>
-                <a:gridCol w="648798">
-                  <a:extLst>
-                    <a:ext uri="{9D8B030D-6E8A-4147-A177-3AD203B41FA5}">
-                      <a16:colId xmlns:a16="http://schemas.microsoft.com/office/drawing/2014/main" val="3063281743"/>
-                    </a:ext>
-                  </a:extLst>
-                </a:gridCol>
-                <a:gridCol w="648798">
-                  <a:extLst>
-                    <a:ext uri="{9D8B030D-6E8A-4147-A177-3AD203B41FA5}">
-                      <a16:colId xmlns:a16="http://schemas.microsoft.com/office/drawing/2014/main" val="1912613166"/>
-                    </a:ext>
-                  </a:extLst>
-                </a:gridCol>
-                <a:gridCol w="648798">
-                  <a:extLst>
-                    <a:ext uri="{9D8B030D-6E8A-4147-A177-3AD203B41FA5}">
-                      <a16:colId xmlns:a16="http://schemas.microsoft.com/office/drawing/2014/main" val="627985694"/>
-                    </a:ext>
-                  </a:extLst>
-                </a:gridCol>
-                <a:gridCol w="648798">
-                  <a:extLst>
-                    <a:ext uri="{9D8B030D-6E8A-4147-A177-3AD203B41FA5}">
-                      <a16:colId xmlns:a16="http://schemas.microsoft.com/office/drawing/2014/main" val="2633129296"/>
-                    </a:ext>
-                  </a:extLst>
-                </a:gridCol>
-                <a:gridCol w="648798">
-                  <a:extLst>
-                    <a:ext uri="{9D8B030D-6E8A-4147-A177-3AD203B41FA5}">
-                      <a16:colId xmlns:a16="http://schemas.microsoft.com/office/drawing/2014/main" val="3459378517"/>
-                    </a:ext>
-                  </a:extLst>
-                </a:gridCol>
-                <a:gridCol w="648798">
-                  <a:extLst>
-                    <a:ext uri="{9D8B030D-6E8A-4147-A177-3AD203B41FA5}">
-                      <a16:colId xmlns:a16="http://schemas.microsoft.com/office/drawing/2014/main" val="4245219144"/>
-                    </a:ext>
-                  </a:extLst>
-                </a:gridCol>
-                <a:gridCol w="648798">
-                  <a:extLst>
-                    <a:ext uri="{9D8B030D-6E8A-4147-A177-3AD203B41FA5}">
-                      <a16:colId xmlns:a16="http://schemas.microsoft.com/office/drawing/2014/main" val="1553150276"/>
-                    </a:ext>
-                  </a:extLst>
-                </a:gridCol>
-                <a:gridCol w="648798">
-                  <a:extLst>
-                    <a:ext uri="{9D8B030D-6E8A-4147-A177-3AD203B41FA5}">
-                      <a16:colId xmlns:a16="http://schemas.microsoft.com/office/drawing/2014/main" val="3076180246"/>
-                    </a:ext>
-                  </a:extLst>
-                </a:gridCol>
-              </a:tblGrid>
-              <a:tr h="1411450">
-                <a:tc>
-                  <a:txBody>
-                    <a:bodyPr/>
-                    <a:lstStyle/>
-                    <a:p>
-                      <a:r>
-                        <a:rPr lang="en-US" sz="900" b="0" dirty="0"/>
-                        <a:t>Year</a:t>
-                      </a:r>
-                      <a:endParaRPr lang="en-GB" sz="900" b="0" dirty="0"/>
-                    </a:p>
-                  </a:txBody>
-                  <a:tcPr/>
-                </a:tc>
-                <a:tc>
-                  <a:txBody>
-                    <a:bodyPr/>
-                    <a:lstStyle/>
-                    <a:p>
-                      <a:r>
-                        <a:rPr lang="en-US" sz="900" b="0" dirty="0"/>
-                        <a:t>Grade ~ Attendance</a:t>
-                      </a:r>
-                    </a:p>
-                    <a:p>
-                      <a:r>
-                        <a:rPr lang="en-US" sz="900" b="0" dirty="0"/>
-                        <a:t>Correlation</a:t>
-                      </a:r>
-                      <a:endParaRPr lang="en-GB" sz="900" b="0" dirty="0"/>
-                    </a:p>
-                  </a:txBody>
-                  <a:tcPr vert="vert"/>
-                </a:tc>
-                <a:tc>
-                  <a:txBody>
-                    <a:bodyPr/>
-                    <a:lstStyle/>
-                    <a:p>
-                      <a:r>
-                        <a:rPr lang="en-US" sz="900" b="0" dirty="0"/>
-                        <a:t>Grade ~ Attendance Covariance</a:t>
-                      </a:r>
-                      <a:endParaRPr lang="en-GB" sz="900" b="0" dirty="0"/>
-                    </a:p>
-                  </a:txBody>
-                  <a:tcPr vert="vert"/>
-                </a:tc>
-                <a:tc>
-                  <a:txBody>
-                    <a:bodyPr/>
-                    <a:lstStyle/>
-                    <a:p>
-                      <a:pPr marL="0" marR="0" lvl="0" indent="0" algn="l" defTabSz="457200" rtl="0" eaLnBrk="1" fontAlgn="auto" latinLnBrk="0" hangingPunct="1">
-                        <a:lnSpc>
-                          <a:spcPct val="100000"/>
-                        </a:lnSpc>
-                        <a:spcBef>
-                          <a:spcPts val="0"/>
-                        </a:spcBef>
-                        <a:spcAft>
-                          <a:spcPts val="0"/>
-                        </a:spcAft>
-                        <a:buClrTx/>
-                        <a:buSzTx/>
-                        <a:buFontTx/>
-                        <a:buNone/>
-                        <a:tabLst/>
-                        <a:defRPr/>
-                      </a:pPr>
-                      <a:r>
-                        <a:rPr lang="en-US" sz="900" b="0" dirty="0"/>
-                        <a:t>Grade ~ E. Attendance Correlation</a:t>
-                      </a:r>
-                      <a:endParaRPr lang="en-GB" sz="900" b="0" dirty="0"/>
-                    </a:p>
-                    <a:p>
-                      <a:endParaRPr lang="en-GB" sz="900" b="0" dirty="0"/>
-                    </a:p>
-                  </a:txBody>
-                  <a:tcPr vert="vert"/>
-                </a:tc>
-                <a:tc>
-                  <a:txBody>
-                    <a:bodyPr/>
-                    <a:lstStyle/>
-                    <a:p>
-                      <a:r>
-                        <a:rPr lang="en-US" sz="900" b="0" dirty="0"/>
-                        <a:t>Grade ~ E. Attendance Covariance</a:t>
-                      </a:r>
-                      <a:endParaRPr lang="en-GB" sz="900" b="0" dirty="0"/>
-                    </a:p>
-                  </a:txBody>
-                  <a:tcPr vert="vert"/>
-                </a:tc>
-                <a:tc>
-                  <a:txBody>
-                    <a:bodyPr/>
-                    <a:lstStyle/>
-                    <a:p>
-                      <a:pPr marL="0" marR="0" lvl="0" indent="0" algn="l" defTabSz="457200" rtl="0" eaLnBrk="1" fontAlgn="auto" latinLnBrk="0" hangingPunct="1">
-                        <a:lnSpc>
-                          <a:spcPct val="100000"/>
-                        </a:lnSpc>
-                        <a:spcBef>
-                          <a:spcPts val="0"/>
-                        </a:spcBef>
-                        <a:spcAft>
-                          <a:spcPts val="0"/>
-                        </a:spcAft>
-                        <a:buClrTx/>
-                        <a:buSzTx/>
-                        <a:buFontTx/>
-                        <a:buNone/>
-                        <a:tabLst/>
-                        <a:defRPr/>
-                      </a:pPr>
-                      <a:r>
-                        <a:rPr lang="en-US" sz="900" b="0" dirty="0"/>
-                        <a:t>Grade ~ Lecture Attendance Correlation</a:t>
-                      </a:r>
-                      <a:endParaRPr lang="en-GB" sz="900" b="0" dirty="0"/>
-                    </a:p>
-                  </a:txBody>
-                  <a:tcPr vert="vert"/>
-                </a:tc>
-                <a:tc>
-                  <a:txBody>
-                    <a:bodyPr/>
-                    <a:lstStyle/>
-                    <a:p>
-                      <a:r>
-                        <a:rPr lang="en-US" sz="1000" b="0" dirty="0"/>
-                        <a:t>Grade ~ Lecture Attendance Covariance</a:t>
-                      </a:r>
-                      <a:endParaRPr lang="en-GB" sz="1000" b="0" dirty="0"/>
-                    </a:p>
-                    <a:p>
-                      <a:endParaRPr lang="en-GB" sz="1000" b="0" dirty="0"/>
-                    </a:p>
-                  </a:txBody>
-                  <a:tcPr vert="vert"/>
-                </a:tc>
-                <a:tc>
-                  <a:txBody>
-                    <a:bodyPr/>
-                    <a:lstStyle/>
-                    <a:p>
-                      <a:pPr marL="0" marR="0" lvl="0" indent="0" algn="l" defTabSz="457200" rtl="0" eaLnBrk="1" fontAlgn="auto" latinLnBrk="0" hangingPunct="1">
-                        <a:lnSpc>
-                          <a:spcPct val="100000"/>
-                        </a:lnSpc>
-                        <a:spcBef>
-                          <a:spcPts val="0"/>
-                        </a:spcBef>
-                        <a:spcAft>
-                          <a:spcPts val="0"/>
-                        </a:spcAft>
-                        <a:buClrTx/>
-                        <a:buSzTx/>
-                        <a:buFontTx/>
-                        <a:buNone/>
-                        <a:tabLst/>
-                        <a:defRPr/>
-                      </a:pPr>
-                      <a:r>
-                        <a:rPr lang="en-US" sz="1000" b="0" dirty="0"/>
-                        <a:t>Grade ~ Practical Attendance Correlation</a:t>
-                      </a:r>
-                      <a:endParaRPr lang="en-GB" sz="1000" b="0" dirty="0"/>
-                    </a:p>
-                    <a:p>
-                      <a:endParaRPr lang="en-GB" sz="1000" b="0" dirty="0"/>
-                    </a:p>
-                  </a:txBody>
-                  <a:tcPr vert="vert"/>
-                </a:tc>
-                <a:tc>
-                  <a:txBody>
-                    <a:bodyPr/>
-                    <a:lstStyle/>
-                    <a:p>
-                      <a:r>
-                        <a:rPr lang="en-US" sz="1000" b="0" dirty="0"/>
-                        <a:t>Grade ~ Practical Attendance Covariance</a:t>
-                      </a:r>
-                      <a:endParaRPr lang="en-GB" sz="1000" b="0" dirty="0"/>
-                    </a:p>
-                    <a:p>
-                      <a:endParaRPr lang="en-GB" sz="1000" b="0" dirty="0"/>
-                    </a:p>
-                    <a:p>
-                      <a:endParaRPr lang="en-GB" sz="1000" b="0" dirty="0"/>
-                    </a:p>
-                  </a:txBody>
-                  <a:tcPr vert="vert"/>
-                </a:tc>
-                <a:extLst>
-                  <a:ext uri="{0D108BD9-81ED-4DB2-BD59-A6C34878D82A}">
-                    <a16:rowId xmlns:a16="http://schemas.microsoft.com/office/drawing/2014/main" val="1487557583"/>
-                  </a:ext>
-                </a:extLst>
-              </a:tr>
-              <a:tr h="635465">
-                <a:tc>
-                  <a:txBody>
-                    <a:bodyPr/>
-                    <a:lstStyle/>
-                    <a:p>
-                      <a:pPr algn="ctr"/>
-                      <a:r>
-                        <a:rPr lang="en-US" sz="1200" b="0" dirty="0"/>
-                        <a:t>2021-2022</a:t>
-                      </a:r>
-                      <a:endParaRPr lang="en-GB" sz="1200" b="0" dirty="0"/>
-                    </a:p>
-                  </a:txBody>
-                  <a:tcPr/>
-                </a:tc>
-                <a:tc>
-                  <a:txBody>
-                    <a:bodyPr/>
-                    <a:lstStyle/>
-                    <a:p>
-                      <a:pPr algn="ctr"/>
-                      <a:r>
-                        <a:rPr lang="en-GB" sz="1200" b="0" i="0" kern="1200" dirty="0">
-                          <a:solidFill>
-                            <a:schemeClr val="dk1"/>
-                          </a:solidFill>
-                          <a:effectLst/>
-                          <a:latin typeface="+mn-lt"/>
-                          <a:ea typeface="+mn-ea"/>
-                          <a:cs typeface="+mn-cs"/>
-                        </a:rPr>
-                        <a:t>-0.057</a:t>
-                      </a:r>
-                      <a:endParaRPr lang="en-GB" sz="1200" b="0" dirty="0"/>
-                    </a:p>
-                  </a:txBody>
-                  <a:tcPr/>
-                </a:tc>
-                <a:tc>
-                  <a:txBody>
-                    <a:bodyPr/>
-                    <a:lstStyle/>
-                    <a:p>
-                      <a:pPr algn="ctr"/>
-                      <a:r>
-                        <a:rPr lang="en-GB" sz="1200" b="0" i="0" kern="1200" dirty="0">
-                          <a:solidFill>
-                            <a:schemeClr val="dk1"/>
-                          </a:solidFill>
-                          <a:effectLst/>
-                          <a:latin typeface="+mn-lt"/>
-                          <a:ea typeface="+mn-ea"/>
-                          <a:cs typeface="+mn-cs"/>
-                        </a:rPr>
-                        <a:t>-23.225</a:t>
-                      </a:r>
-                      <a:endParaRPr lang="en-GB" sz="1200" b="0" dirty="0"/>
-                    </a:p>
-                  </a:txBody>
-                  <a:tcPr/>
-                </a:tc>
-                <a:tc>
-                  <a:txBody>
-                    <a:bodyPr/>
-                    <a:lstStyle/>
-                    <a:p>
-                      <a:pPr algn="ctr"/>
-                      <a:r>
-                        <a:rPr lang="en-GB" sz="1200" b="0" i="0" kern="1200" dirty="0">
-                          <a:solidFill>
-                            <a:schemeClr val="dk1"/>
-                          </a:solidFill>
-                          <a:effectLst/>
-                          <a:latin typeface="+mn-lt"/>
-                          <a:ea typeface="+mn-ea"/>
-                          <a:cs typeface="+mn-cs"/>
-                        </a:rPr>
-                        <a:t>-0.057</a:t>
-                      </a:r>
-                      <a:endParaRPr lang="en-GB" sz="1200" b="0" dirty="0"/>
-                    </a:p>
-                  </a:txBody>
-                  <a:tcPr/>
-                </a:tc>
-                <a:tc>
-                  <a:txBody>
-                    <a:bodyPr/>
-                    <a:lstStyle/>
-                    <a:p>
-                      <a:pPr algn="ctr"/>
-                      <a:r>
-                        <a:rPr lang="en-GB" sz="1200" b="0" i="0" kern="1200" dirty="0">
-                          <a:solidFill>
-                            <a:schemeClr val="dk1"/>
-                          </a:solidFill>
-                          <a:effectLst/>
-                          <a:latin typeface="+mn-lt"/>
-                          <a:ea typeface="+mn-ea"/>
-                          <a:cs typeface="+mn-cs"/>
-                        </a:rPr>
-                        <a:t>-23.225</a:t>
-                      </a:r>
-                      <a:endParaRPr lang="en-GB" sz="1200" b="0" dirty="0"/>
-                    </a:p>
-                  </a:txBody>
-                  <a:tcPr/>
-                </a:tc>
-                <a:tc>
-                  <a:txBody>
-                    <a:bodyPr/>
-                    <a:lstStyle/>
-                    <a:p>
-                      <a:pPr algn="ctr"/>
-                      <a:r>
-                        <a:rPr lang="en-GB" sz="1200" b="0" i="0" kern="1200" dirty="0">
-                          <a:solidFill>
-                            <a:schemeClr val="dk1"/>
-                          </a:solidFill>
-                          <a:effectLst/>
-                          <a:latin typeface="+mn-lt"/>
-                          <a:ea typeface="+mn-ea"/>
-                          <a:cs typeface="+mn-cs"/>
-                        </a:rPr>
-                        <a:t>0.0844</a:t>
-                      </a:r>
-                      <a:endParaRPr lang="en-GB" sz="1200" b="0" dirty="0"/>
-                    </a:p>
-                  </a:txBody>
-                  <a:tcPr/>
-                </a:tc>
-                <a:tc>
-                  <a:txBody>
-                    <a:bodyPr/>
-                    <a:lstStyle/>
-                    <a:p>
-                      <a:pPr algn="ctr"/>
-                      <a:r>
-                        <a:rPr lang="en-GB" sz="1200" b="0" i="0" kern="1200" dirty="0">
-                          <a:solidFill>
-                            <a:schemeClr val="dk1"/>
-                          </a:solidFill>
-                          <a:effectLst/>
-                          <a:latin typeface="+mn-lt"/>
-                          <a:ea typeface="+mn-ea"/>
-                          <a:cs typeface="+mn-cs"/>
-                        </a:rPr>
-                        <a:t>34.047</a:t>
-                      </a:r>
-                      <a:endParaRPr lang="en-GB" sz="1200" b="0" dirty="0"/>
-                    </a:p>
-                  </a:txBody>
-                  <a:tcPr/>
-                </a:tc>
-                <a:tc>
-                  <a:txBody>
-                    <a:bodyPr/>
-                    <a:lstStyle/>
-                    <a:p>
-                      <a:pPr algn="ctr"/>
-                      <a:r>
-                        <a:rPr lang="en-GB" sz="1200" b="0" i="0" kern="1200" dirty="0">
-                          <a:solidFill>
-                            <a:schemeClr val="dk1"/>
-                          </a:solidFill>
-                          <a:effectLst/>
-                          <a:latin typeface="+mn-lt"/>
-                          <a:ea typeface="+mn-ea"/>
-                          <a:cs typeface="+mn-cs"/>
-                        </a:rPr>
-                        <a:t>-0.1798</a:t>
-                      </a:r>
-                      <a:endParaRPr lang="en-GB" sz="1200" b="0" dirty="0"/>
-                    </a:p>
-                  </a:txBody>
-                  <a:tcPr/>
-                </a:tc>
-                <a:tc>
-                  <a:txBody>
-                    <a:bodyPr/>
-                    <a:lstStyle/>
-                    <a:p>
-                      <a:pPr algn="ctr"/>
-                      <a:r>
-                        <a:rPr lang="en-GB" sz="1200" b="0" i="0" kern="1200" dirty="0">
-                          <a:solidFill>
-                            <a:schemeClr val="dk1"/>
-                          </a:solidFill>
-                          <a:effectLst/>
-                          <a:latin typeface="+mn-lt"/>
-                          <a:ea typeface="+mn-ea"/>
-                          <a:cs typeface="+mn-cs"/>
-                        </a:rPr>
-                        <a:t>-73.04</a:t>
-                      </a:r>
-                      <a:endParaRPr lang="en-GB" sz="1200" b="0" dirty="0"/>
-                    </a:p>
-                  </a:txBody>
-                  <a:tcPr/>
-                </a:tc>
-                <a:extLst>
-                  <a:ext uri="{0D108BD9-81ED-4DB2-BD59-A6C34878D82A}">
-                    <a16:rowId xmlns:a16="http://schemas.microsoft.com/office/drawing/2014/main" val="3228881547"/>
-                  </a:ext>
-                </a:extLst>
-              </a:tr>
-              <a:tr h="545285">
-                <a:tc>
-                  <a:txBody>
-                    <a:bodyPr/>
-                    <a:lstStyle/>
-                    <a:p>
-                      <a:pPr algn="ctr"/>
-                      <a:r>
-                        <a:rPr lang="en-US" sz="1200" b="0" dirty="0"/>
-                        <a:t>2022-2023</a:t>
-                      </a:r>
-                      <a:endParaRPr lang="en-GB" sz="1200" b="0" dirty="0"/>
-                    </a:p>
-                  </a:txBody>
-                  <a:tcPr/>
-                </a:tc>
-                <a:tc>
-                  <a:txBody>
-                    <a:bodyPr/>
-                    <a:lstStyle/>
-                    <a:p>
-                      <a:pPr algn="ctr"/>
-                      <a:r>
-                        <a:rPr lang="en-GB" sz="1200" b="0" i="0" kern="1200" dirty="0">
-                          <a:solidFill>
-                            <a:schemeClr val="dk1"/>
-                          </a:solidFill>
-                          <a:effectLst/>
-                          <a:latin typeface="+mn-lt"/>
-                          <a:ea typeface="+mn-ea"/>
-                          <a:cs typeface="+mn-cs"/>
-                        </a:rPr>
-                        <a:t>0.5108</a:t>
-                      </a:r>
-                      <a:endParaRPr lang="en-GB" sz="1200" b="0" dirty="0"/>
-                    </a:p>
-                  </a:txBody>
-                  <a:tcPr/>
-                </a:tc>
-                <a:tc>
-                  <a:txBody>
-                    <a:bodyPr/>
-                    <a:lstStyle/>
-                    <a:p>
-                      <a:pPr algn="ctr"/>
-                      <a:r>
-                        <a:rPr lang="en-GB" sz="1200" b="0" i="0" kern="1200" dirty="0">
-                          <a:solidFill>
-                            <a:schemeClr val="dk1"/>
-                          </a:solidFill>
-                          <a:effectLst/>
-                          <a:latin typeface="+mn-lt"/>
-                          <a:ea typeface="+mn-ea"/>
-                          <a:cs typeface="+mn-cs"/>
-                        </a:rPr>
-                        <a:t>169.5</a:t>
-                      </a:r>
-                      <a:endParaRPr lang="en-GB" sz="1200" b="0" dirty="0"/>
-                    </a:p>
-                  </a:txBody>
-                  <a:tcPr/>
-                </a:tc>
-                <a:tc>
-                  <a:txBody>
-                    <a:bodyPr/>
-                    <a:lstStyle/>
-                    <a:p>
-                      <a:pPr algn="ctr"/>
-                      <a:r>
-                        <a:rPr lang="en-GB" sz="1200" b="0" i="0" kern="1200" dirty="0">
-                          <a:solidFill>
-                            <a:schemeClr val="dk1"/>
-                          </a:solidFill>
-                          <a:effectLst/>
-                          <a:latin typeface="+mn-lt"/>
-                          <a:ea typeface="+mn-ea"/>
-                          <a:cs typeface="+mn-cs"/>
-                        </a:rPr>
-                        <a:t>0.5108</a:t>
-                      </a:r>
-                      <a:endParaRPr lang="en-GB" sz="1200" b="0" dirty="0"/>
-                    </a:p>
-                  </a:txBody>
-                  <a:tcPr/>
-                </a:tc>
-                <a:tc>
-                  <a:txBody>
-                    <a:bodyPr/>
-                    <a:lstStyle/>
-                    <a:p>
-                      <a:pPr algn="ctr"/>
-                      <a:r>
-                        <a:rPr lang="en-GB" sz="1200" b="0" i="0" kern="1200" dirty="0">
-                          <a:solidFill>
-                            <a:schemeClr val="dk1"/>
-                          </a:solidFill>
-                          <a:effectLst/>
-                          <a:latin typeface="+mn-lt"/>
-                          <a:ea typeface="+mn-ea"/>
-                          <a:cs typeface="+mn-cs"/>
-                        </a:rPr>
-                        <a:t>169.5</a:t>
-                      </a:r>
-                      <a:endParaRPr lang="en-GB" sz="1200" b="0" dirty="0"/>
-                    </a:p>
-                  </a:txBody>
-                  <a:tcPr/>
-                </a:tc>
-                <a:tc>
-                  <a:txBody>
-                    <a:bodyPr/>
-                    <a:lstStyle/>
-                    <a:p>
-                      <a:pPr algn="ctr"/>
-                      <a:r>
-                        <a:rPr lang="en-GB" sz="1200" b="0" i="0" kern="1200" dirty="0">
-                          <a:solidFill>
-                            <a:schemeClr val="dk1"/>
-                          </a:solidFill>
-                          <a:effectLst/>
-                          <a:latin typeface="+mn-lt"/>
-                          <a:ea typeface="+mn-ea"/>
-                          <a:cs typeface="+mn-cs"/>
-                        </a:rPr>
-                        <a:t>0.5021</a:t>
-                      </a:r>
-                      <a:endParaRPr lang="en-GB" sz="1200" b="0" dirty="0"/>
-                    </a:p>
-                  </a:txBody>
-                  <a:tcPr/>
-                </a:tc>
-                <a:tc>
-                  <a:txBody>
-                    <a:bodyPr/>
-                    <a:lstStyle/>
-                    <a:p>
-                      <a:pPr algn="ctr"/>
-                      <a:r>
-                        <a:rPr lang="en-GB" sz="1200" b="0" i="0" kern="1200" dirty="0">
-                          <a:solidFill>
-                            <a:schemeClr val="dk1"/>
-                          </a:solidFill>
-                          <a:effectLst/>
-                          <a:latin typeface="+mn-lt"/>
-                          <a:ea typeface="+mn-ea"/>
-                          <a:cs typeface="+mn-cs"/>
-                        </a:rPr>
-                        <a:t>166.06</a:t>
-                      </a:r>
-                      <a:endParaRPr lang="en-GB" sz="1200" b="0" dirty="0"/>
-                    </a:p>
-                  </a:txBody>
-                  <a:tcPr/>
-                </a:tc>
-                <a:tc>
-                  <a:txBody>
-                    <a:bodyPr/>
-                    <a:lstStyle/>
-                    <a:p>
-                      <a:pPr algn="ctr"/>
-                      <a:r>
-                        <a:rPr lang="en-GB" sz="1200" b="0" i="0" kern="1200" dirty="0">
-                          <a:solidFill>
-                            <a:schemeClr val="dk1"/>
-                          </a:solidFill>
-                          <a:effectLst/>
-                          <a:latin typeface="+mn-lt"/>
-                          <a:ea typeface="+mn-ea"/>
-                          <a:cs typeface="+mn-cs"/>
-                        </a:rPr>
-                        <a:t>0.3713</a:t>
-                      </a:r>
-                      <a:endParaRPr lang="en-GB" sz="1200" b="0" dirty="0"/>
-                    </a:p>
-                  </a:txBody>
-                  <a:tcPr/>
-                </a:tc>
-                <a:tc>
-                  <a:txBody>
-                    <a:bodyPr/>
-                    <a:lstStyle/>
-                    <a:p>
-                      <a:pPr algn="ctr"/>
-                      <a:r>
-                        <a:rPr lang="en-GB" sz="1200" b="0" i="0" kern="1200" dirty="0">
-                          <a:solidFill>
-                            <a:schemeClr val="dk1"/>
-                          </a:solidFill>
-                          <a:effectLst/>
-                          <a:latin typeface="+mn-lt"/>
-                          <a:ea typeface="+mn-ea"/>
-                          <a:cs typeface="+mn-cs"/>
-                        </a:rPr>
-                        <a:t>122.7</a:t>
-                      </a:r>
-                      <a:endParaRPr lang="en-GB" sz="1200" b="0" dirty="0"/>
-                    </a:p>
-                  </a:txBody>
-                  <a:tcPr/>
-                </a:tc>
-                <a:extLst>
-                  <a:ext uri="{0D108BD9-81ED-4DB2-BD59-A6C34878D82A}">
-                    <a16:rowId xmlns:a16="http://schemas.microsoft.com/office/drawing/2014/main" val="859004804"/>
-                  </a:ext>
-                </a:extLst>
-              </a:tr>
-            </a:tbl>
-          </a:graphicData>
-        </a:graphic>
-      </p:graphicFrame>
-    </p:spTree>
-    <p:extLst>
-      <p:ext uri="{BB962C8B-B14F-4D97-AF65-F5344CB8AC3E}">
-        <p14:creationId xmlns:p14="http://schemas.microsoft.com/office/powerpoint/2010/main" val="1130694288"/>
-      </p:ext>
-    </p:extLst>
-  </p:cSld>
-  <p:clrMapOvr>
-    <a:masterClrMapping/>
-  </p:clrMapOvr>
-</p:sld>
-</file>
-
-<file path=ppt/slides/slide26.xml><?xml version="1.0" encoding="utf-8"?>
-<p:sld xmlns:a="http://schemas.openxmlformats.org/drawingml/2006/main" xmlns:r="http://schemas.openxmlformats.org/officeDocument/2006/relationships" xmlns:p="http://schemas.openxmlformats.org/presentationml/2006/main">
-  <p:cSld>
-    <p:spTree>
-      <p:nvGrpSpPr>
-        <p:cNvPr id="1" name=""/>
-        <p:cNvGrpSpPr/>
-        <p:nvPr/>
-      </p:nvGrpSpPr>
-      <p:grpSpPr>
-        <a:xfrm>
-          <a:off x="0" y="0"/>
-          <a:ext cx="0" cy="0"/>
-          <a:chOff x="0" y="0"/>
-          <a:chExt cx="0" cy="0"/>
-        </a:xfrm>
-      </p:grpSpPr>
-      <p:sp>
-        <p:nvSpPr>
-          <p:cNvPr id="2" name="Title 1">
-            <a:extLst>
-              <a:ext uri="{FF2B5EF4-FFF2-40B4-BE49-F238E27FC236}">
-                <a16:creationId xmlns:a16="http://schemas.microsoft.com/office/drawing/2014/main" id="{921633EB-7DCB-4DDC-80AF-C885A3EE1245}"/>
-              </a:ext>
-            </a:extLst>
-          </p:cNvPr>
-          <p:cNvSpPr>
-            <a:spLocks noGrp="1"/>
-          </p:cNvSpPr>
-          <p:nvPr>
-            <p:ph type="title"/>
-          </p:nvPr>
-        </p:nvSpPr>
-        <p:spPr/>
-        <p:txBody>
-          <a:bodyPr/>
-          <a:lstStyle/>
-          <a:p>
-            <a:r>
-              <a:rPr lang="en-US" dirty="0"/>
-              <a:t>Correlation &amp; Covariance TABLE</a:t>
-            </a:r>
-          </a:p>
-        </p:txBody>
-      </p:sp>
-      <p:sp>
-        <p:nvSpPr>
-          <p:cNvPr id="4" name="Content Placeholder 3">
-            <a:extLst>
-              <a:ext uri="{FF2B5EF4-FFF2-40B4-BE49-F238E27FC236}">
-                <a16:creationId xmlns:a16="http://schemas.microsoft.com/office/drawing/2014/main" id="{15465504-73D4-37DA-85FF-7C8DD5BC71AF}"/>
-              </a:ext>
-            </a:extLst>
-          </p:cNvPr>
-          <p:cNvSpPr>
-            <a:spLocks noGrp="1"/>
-          </p:cNvSpPr>
-          <p:nvPr>
-            <p:ph sz="half" idx="1"/>
-          </p:nvPr>
-        </p:nvSpPr>
-        <p:spPr>
-          <a:xfrm>
-            <a:off x="581193" y="2228003"/>
-            <a:ext cx="5089765" cy="4164408"/>
-          </a:xfrm>
-        </p:spPr>
-        <p:txBody>
-          <a:bodyPr>
-            <a:normAutofit/>
-          </a:bodyPr>
-          <a:lstStyle/>
-          <a:p>
-            <a:r>
-              <a:rPr lang="en-US" dirty="0">
-                <a:solidFill>
-                  <a:schemeClr val="tx1"/>
-                </a:solidFill>
-              </a:rPr>
-              <a:t>Use of Spearman’s Correlation</a:t>
-            </a:r>
-          </a:p>
-          <a:p>
-            <a:pPr lvl="1"/>
-            <a:r>
-              <a:rPr lang="en-US" dirty="0">
-                <a:solidFill>
-                  <a:schemeClr val="tx1"/>
-                </a:solidFill>
-              </a:rPr>
-              <a:t>Better for monotonic relationship identification</a:t>
-            </a:r>
-          </a:p>
-          <a:p>
-            <a:r>
-              <a:rPr lang="en-US" dirty="0">
-                <a:solidFill>
-                  <a:schemeClr val="tx1"/>
-                </a:solidFill>
-              </a:rPr>
-              <a:t>Lower correlation value suggests relationship is more linear than monotonic (2022-2023), though difference is very small, especially for lecture attendance.</a:t>
-            </a:r>
-          </a:p>
-          <a:p>
-            <a:r>
-              <a:rPr lang="en-US" dirty="0">
-                <a:solidFill>
-                  <a:schemeClr val="tx1"/>
-                </a:solidFill>
-              </a:rPr>
-              <a:t>2021-2022 data suggests otherwise, but difference is still very slight and correlation value is very close to zero in all four cases baring Practical attendance.</a:t>
-            </a:r>
-          </a:p>
-          <a:p>
-            <a:endParaRPr lang="en-US" dirty="0">
-              <a:solidFill>
-                <a:schemeClr val="tx1"/>
-              </a:solidFill>
-            </a:endParaRPr>
-          </a:p>
-        </p:txBody>
-      </p:sp>
-      <p:graphicFrame>
-        <p:nvGraphicFramePr>
-          <p:cNvPr id="6" name="Table 6">
-            <a:extLst>
-              <a:ext uri="{FF2B5EF4-FFF2-40B4-BE49-F238E27FC236}">
-                <a16:creationId xmlns:a16="http://schemas.microsoft.com/office/drawing/2014/main" id="{B8453F27-AEE6-A89E-BF2C-3CD4ADD328F2}"/>
-              </a:ext>
-            </a:extLst>
-          </p:cNvPr>
-          <p:cNvGraphicFramePr>
-            <a:graphicFrameLocks noGrp="1"/>
-          </p:cNvGraphicFramePr>
-          <p:nvPr>
-            <p:ph sz="half" idx="2"/>
-            <p:extLst>
-              <p:ext uri="{D42A27DB-BD31-4B8C-83A1-F6EECF244321}">
-                <p14:modId xmlns:p14="http://schemas.microsoft.com/office/powerpoint/2010/main" val="1722746934"/>
-              </p:ext>
-            </p:extLst>
-          </p:nvPr>
-        </p:nvGraphicFramePr>
-        <p:xfrm>
-          <a:off x="5771627" y="2432806"/>
-          <a:ext cx="5839182" cy="3772950"/>
-        </p:xfrm>
-        <a:graphic>
-          <a:graphicData uri="http://schemas.openxmlformats.org/drawingml/2006/table">
-            <a:tbl>
-              <a:tblPr firstRow="1" bandRow="1">
-                <a:tableStyleId>{5C22544A-7EE6-4342-B048-85BDC9FD1C3A}</a:tableStyleId>
-              </a:tblPr>
-              <a:tblGrid>
-                <a:gridCol w="648798">
-                  <a:extLst>
-                    <a:ext uri="{9D8B030D-6E8A-4147-A177-3AD203B41FA5}">
-                      <a16:colId xmlns:a16="http://schemas.microsoft.com/office/drawing/2014/main" val="3175777426"/>
-                    </a:ext>
-                  </a:extLst>
-                </a:gridCol>
-                <a:gridCol w="648798">
-                  <a:extLst>
-                    <a:ext uri="{9D8B030D-6E8A-4147-A177-3AD203B41FA5}">
-                      <a16:colId xmlns:a16="http://schemas.microsoft.com/office/drawing/2014/main" val="3063281743"/>
-                    </a:ext>
-                  </a:extLst>
-                </a:gridCol>
-                <a:gridCol w="648798">
-                  <a:extLst>
-                    <a:ext uri="{9D8B030D-6E8A-4147-A177-3AD203B41FA5}">
-                      <a16:colId xmlns:a16="http://schemas.microsoft.com/office/drawing/2014/main" val="1912613166"/>
-                    </a:ext>
-                  </a:extLst>
-                </a:gridCol>
-                <a:gridCol w="648798">
-                  <a:extLst>
-                    <a:ext uri="{9D8B030D-6E8A-4147-A177-3AD203B41FA5}">
-                      <a16:colId xmlns:a16="http://schemas.microsoft.com/office/drawing/2014/main" val="627985694"/>
-                    </a:ext>
-                  </a:extLst>
-                </a:gridCol>
-                <a:gridCol w="648798">
-                  <a:extLst>
-                    <a:ext uri="{9D8B030D-6E8A-4147-A177-3AD203B41FA5}">
-                      <a16:colId xmlns:a16="http://schemas.microsoft.com/office/drawing/2014/main" val="2633129296"/>
-                    </a:ext>
-                  </a:extLst>
-                </a:gridCol>
-                <a:gridCol w="648798">
-                  <a:extLst>
-                    <a:ext uri="{9D8B030D-6E8A-4147-A177-3AD203B41FA5}">
-                      <a16:colId xmlns:a16="http://schemas.microsoft.com/office/drawing/2014/main" val="3459378517"/>
-                    </a:ext>
-                  </a:extLst>
-                </a:gridCol>
-                <a:gridCol w="648798">
-                  <a:extLst>
-                    <a:ext uri="{9D8B030D-6E8A-4147-A177-3AD203B41FA5}">
-                      <a16:colId xmlns:a16="http://schemas.microsoft.com/office/drawing/2014/main" val="4245219144"/>
-                    </a:ext>
-                  </a:extLst>
-                </a:gridCol>
-                <a:gridCol w="648798">
-                  <a:extLst>
-                    <a:ext uri="{9D8B030D-6E8A-4147-A177-3AD203B41FA5}">
-                      <a16:colId xmlns:a16="http://schemas.microsoft.com/office/drawing/2014/main" val="1553150276"/>
-                    </a:ext>
-                  </a:extLst>
-                </a:gridCol>
-                <a:gridCol w="648798">
-                  <a:extLst>
-                    <a:ext uri="{9D8B030D-6E8A-4147-A177-3AD203B41FA5}">
-                      <a16:colId xmlns:a16="http://schemas.microsoft.com/office/drawing/2014/main" val="3076180246"/>
-                    </a:ext>
-                  </a:extLst>
-                </a:gridCol>
-              </a:tblGrid>
-              <a:tr h="1411450">
-                <a:tc>
-                  <a:txBody>
-                    <a:bodyPr/>
-                    <a:lstStyle/>
-                    <a:p>
-                      <a:r>
-                        <a:rPr lang="en-US" sz="900" b="0" dirty="0"/>
-                        <a:t>Year</a:t>
-                      </a:r>
-                      <a:endParaRPr lang="en-GB" sz="900" b="0" dirty="0"/>
-                    </a:p>
-                  </a:txBody>
-                  <a:tcPr/>
-                </a:tc>
-                <a:tc>
-                  <a:txBody>
-                    <a:bodyPr/>
-                    <a:lstStyle/>
-                    <a:p>
-                      <a:r>
-                        <a:rPr lang="en-US" sz="900" b="0" dirty="0"/>
-                        <a:t>Grade ~ Attendance</a:t>
-                      </a:r>
-                    </a:p>
-                    <a:p>
-                      <a:r>
-                        <a:rPr lang="en-US" sz="900" b="0" dirty="0"/>
-                        <a:t>Correlation</a:t>
-                      </a:r>
-                      <a:endParaRPr lang="en-GB" sz="900" b="0" dirty="0"/>
-                    </a:p>
-                  </a:txBody>
-                  <a:tcPr vert="vert"/>
-                </a:tc>
-                <a:tc>
-                  <a:txBody>
-                    <a:bodyPr/>
-                    <a:lstStyle/>
-                    <a:p>
-                      <a:r>
-                        <a:rPr lang="en-US" sz="900" b="0" dirty="0"/>
-                        <a:t>Grade ~ Attendance Covariance</a:t>
-                      </a:r>
-                      <a:endParaRPr lang="en-GB" sz="900" b="0" dirty="0"/>
-                    </a:p>
-                  </a:txBody>
-                  <a:tcPr vert="vert"/>
-                </a:tc>
-                <a:tc>
-                  <a:txBody>
-                    <a:bodyPr/>
-                    <a:lstStyle/>
-                    <a:p>
-                      <a:pPr marL="0" marR="0" lvl="0" indent="0" algn="l" defTabSz="457200" rtl="0" eaLnBrk="1" fontAlgn="auto" latinLnBrk="0" hangingPunct="1">
-                        <a:lnSpc>
-                          <a:spcPct val="100000"/>
-                        </a:lnSpc>
-                        <a:spcBef>
-                          <a:spcPts val="0"/>
-                        </a:spcBef>
-                        <a:spcAft>
-                          <a:spcPts val="0"/>
-                        </a:spcAft>
-                        <a:buClrTx/>
-                        <a:buSzTx/>
-                        <a:buFontTx/>
-                        <a:buNone/>
-                        <a:tabLst/>
-                        <a:defRPr/>
-                      </a:pPr>
-                      <a:r>
-                        <a:rPr lang="en-US" sz="900" b="0" dirty="0"/>
-                        <a:t>Grade ~ E. Attendance Correlation</a:t>
-                      </a:r>
-                      <a:endParaRPr lang="en-GB" sz="900" b="0" dirty="0"/>
-                    </a:p>
-                    <a:p>
-                      <a:endParaRPr lang="en-GB" sz="900" b="0" dirty="0"/>
-                    </a:p>
-                  </a:txBody>
-                  <a:tcPr vert="vert"/>
-                </a:tc>
-                <a:tc>
-                  <a:txBody>
-                    <a:bodyPr/>
-                    <a:lstStyle/>
-                    <a:p>
-                      <a:r>
-                        <a:rPr lang="en-US" sz="900" b="0" dirty="0"/>
-                        <a:t>Grade ~ E. Attendance Covariance</a:t>
-                      </a:r>
-                      <a:endParaRPr lang="en-GB" sz="900" b="0" dirty="0"/>
-                    </a:p>
-                  </a:txBody>
-                  <a:tcPr vert="vert"/>
-                </a:tc>
-                <a:tc>
-                  <a:txBody>
-                    <a:bodyPr/>
-                    <a:lstStyle/>
-                    <a:p>
-                      <a:pPr marL="0" marR="0" lvl="0" indent="0" algn="l" defTabSz="457200" rtl="0" eaLnBrk="1" fontAlgn="auto" latinLnBrk="0" hangingPunct="1">
-                        <a:lnSpc>
-                          <a:spcPct val="100000"/>
-                        </a:lnSpc>
-                        <a:spcBef>
-                          <a:spcPts val="0"/>
-                        </a:spcBef>
-                        <a:spcAft>
-                          <a:spcPts val="0"/>
-                        </a:spcAft>
-                        <a:buClrTx/>
-                        <a:buSzTx/>
-                        <a:buFontTx/>
-                        <a:buNone/>
-                        <a:tabLst/>
-                        <a:defRPr/>
-                      </a:pPr>
-                      <a:r>
-                        <a:rPr lang="en-US" sz="900" b="0" dirty="0"/>
-                        <a:t>Grade ~ Lecture Attendance Correlation</a:t>
-                      </a:r>
-                      <a:endParaRPr lang="en-GB" sz="900" b="0" dirty="0"/>
-                    </a:p>
-                  </a:txBody>
-                  <a:tcPr vert="vert"/>
-                </a:tc>
-                <a:tc>
-                  <a:txBody>
-                    <a:bodyPr/>
-                    <a:lstStyle/>
-                    <a:p>
-                      <a:r>
-                        <a:rPr lang="en-US" sz="1000" b="0" dirty="0"/>
-                        <a:t>Grade ~ Lecture Attendance Covariance</a:t>
-                      </a:r>
-                      <a:endParaRPr lang="en-GB" sz="1000" b="0" dirty="0"/>
-                    </a:p>
-                    <a:p>
-                      <a:endParaRPr lang="en-GB" sz="1000" b="0" dirty="0"/>
-                    </a:p>
-                  </a:txBody>
-                  <a:tcPr vert="vert"/>
-                </a:tc>
-                <a:tc>
-                  <a:txBody>
-                    <a:bodyPr/>
-                    <a:lstStyle/>
-                    <a:p>
-                      <a:pPr marL="0" marR="0" lvl="0" indent="0" algn="l" defTabSz="457200" rtl="0" eaLnBrk="1" fontAlgn="auto" latinLnBrk="0" hangingPunct="1">
-                        <a:lnSpc>
-                          <a:spcPct val="100000"/>
-                        </a:lnSpc>
-                        <a:spcBef>
-                          <a:spcPts val="0"/>
-                        </a:spcBef>
-                        <a:spcAft>
-                          <a:spcPts val="0"/>
-                        </a:spcAft>
-                        <a:buClrTx/>
-                        <a:buSzTx/>
-                        <a:buFontTx/>
-                        <a:buNone/>
-                        <a:tabLst/>
-                        <a:defRPr/>
-                      </a:pPr>
-                      <a:r>
-                        <a:rPr lang="en-US" sz="1000" b="0" dirty="0"/>
-                        <a:t>Grade ~ Practical Attendance Correlation</a:t>
-                      </a:r>
-                      <a:endParaRPr lang="en-GB" sz="1000" b="0" dirty="0"/>
-                    </a:p>
-                    <a:p>
-                      <a:endParaRPr lang="en-GB" sz="1000" b="0" dirty="0"/>
-                    </a:p>
-                  </a:txBody>
-                  <a:tcPr vert="vert"/>
-                </a:tc>
-                <a:tc>
-                  <a:txBody>
-                    <a:bodyPr/>
-                    <a:lstStyle/>
-                    <a:p>
-                      <a:r>
-                        <a:rPr lang="en-US" sz="1000" b="0" dirty="0"/>
-                        <a:t>Grade ~ Practical Attendance Covariance</a:t>
-                      </a:r>
-                      <a:endParaRPr lang="en-GB" sz="1000" b="0" dirty="0"/>
-                    </a:p>
-                    <a:p>
-                      <a:endParaRPr lang="en-GB" sz="1000" b="0" dirty="0"/>
-                    </a:p>
-                    <a:p>
-                      <a:endParaRPr lang="en-GB" sz="1000" b="0" dirty="0"/>
-                    </a:p>
-                  </a:txBody>
-                  <a:tcPr vert="vert"/>
-                </a:tc>
-                <a:extLst>
-                  <a:ext uri="{0D108BD9-81ED-4DB2-BD59-A6C34878D82A}">
-                    <a16:rowId xmlns:a16="http://schemas.microsoft.com/office/drawing/2014/main" val="1487557583"/>
-                  </a:ext>
-                </a:extLst>
-              </a:tr>
-              <a:tr h="635465">
-                <a:tc rowSpan="2">
-                  <a:txBody>
-                    <a:bodyPr/>
-                    <a:lstStyle/>
-                    <a:p>
-                      <a:pPr algn="ctr"/>
-                      <a:r>
-                        <a:rPr lang="en-US" sz="1200" b="0" dirty="0"/>
-                        <a:t>2021-2022</a:t>
-                      </a:r>
-                      <a:endParaRPr lang="en-GB" sz="1200" b="0" dirty="0"/>
-                    </a:p>
-                  </a:txBody>
-                  <a:tcPr/>
-                </a:tc>
-                <a:tc>
-                  <a:txBody>
-                    <a:bodyPr/>
-                    <a:lstStyle/>
-                    <a:p>
-                      <a:pPr algn="ctr"/>
-                      <a:r>
-                        <a:rPr lang="en-GB" sz="1200" b="0" i="0" kern="1200" dirty="0">
-                          <a:solidFill>
-                            <a:schemeClr val="dk1"/>
-                          </a:solidFill>
-                          <a:effectLst/>
-                          <a:latin typeface="+mn-lt"/>
-                          <a:ea typeface="+mn-ea"/>
-                          <a:cs typeface="+mn-cs"/>
-                        </a:rPr>
-                        <a:t>-0.057</a:t>
-                      </a:r>
-                      <a:endParaRPr lang="en-GB" sz="1200" b="0" dirty="0"/>
-                    </a:p>
-                  </a:txBody>
-                  <a:tcPr/>
-                </a:tc>
-                <a:tc>
-                  <a:txBody>
-                    <a:bodyPr/>
-                    <a:lstStyle/>
-                    <a:p>
-                      <a:pPr algn="ctr"/>
-                      <a:r>
-                        <a:rPr lang="en-GB" sz="1200" b="0" i="0" kern="1200" dirty="0">
-                          <a:solidFill>
-                            <a:schemeClr val="dk1"/>
-                          </a:solidFill>
-                          <a:effectLst/>
-                          <a:latin typeface="+mn-lt"/>
-                          <a:ea typeface="+mn-ea"/>
-                          <a:cs typeface="+mn-cs"/>
-                        </a:rPr>
-                        <a:t>-23.225</a:t>
-                      </a:r>
-                      <a:endParaRPr lang="en-GB" sz="1200" b="0" dirty="0"/>
-                    </a:p>
-                  </a:txBody>
-                  <a:tcPr>
-                    <a:solidFill>
-                      <a:schemeClr val="tx1">
-                        <a:lumMod val="95000"/>
-                        <a:lumOff val="5000"/>
-                      </a:schemeClr>
-                    </a:solidFill>
-                  </a:tcPr>
-                </a:tc>
-                <a:tc>
-                  <a:txBody>
-                    <a:bodyPr/>
-                    <a:lstStyle/>
-                    <a:p>
-                      <a:pPr algn="ctr"/>
-                      <a:r>
-                        <a:rPr lang="en-GB" sz="1200" b="0" i="0" kern="1200" dirty="0">
-                          <a:solidFill>
-                            <a:schemeClr val="dk1"/>
-                          </a:solidFill>
-                          <a:effectLst/>
-                          <a:latin typeface="+mn-lt"/>
-                          <a:ea typeface="+mn-ea"/>
-                          <a:cs typeface="+mn-cs"/>
-                        </a:rPr>
-                        <a:t>-0.057</a:t>
-                      </a:r>
-                      <a:endParaRPr lang="en-GB" sz="1200" b="0" dirty="0"/>
-                    </a:p>
-                  </a:txBody>
-                  <a:tcPr/>
-                </a:tc>
-                <a:tc>
-                  <a:txBody>
-                    <a:bodyPr/>
-                    <a:lstStyle/>
-                    <a:p>
-                      <a:pPr algn="ctr"/>
-                      <a:r>
-                        <a:rPr lang="en-GB" sz="1200" b="0" i="0" kern="1200" dirty="0">
-                          <a:solidFill>
-                            <a:schemeClr val="dk1"/>
-                          </a:solidFill>
-                          <a:effectLst/>
-                          <a:latin typeface="+mn-lt"/>
-                          <a:ea typeface="+mn-ea"/>
-                          <a:cs typeface="+mn-cs"/>
-                        </a:rPr>
-                        <a:t>-23.225</a:t>
-                      </a:r>
-                      <a:endParaRPr lang="en-GB" sz="1200" b="0" dirty="0"/>
-                    </a:p>
-                  </a:txBody>
-                  <a:tcPr>
-                    <a:solidFill>
-                      <a:schemeClr val="tx1">
-                        <a:lumMod val="95000"/>
-                        <a:lumOff val="5000"/>
-                      </a:schemeClr>
-                    </a:solidFill>
-                  </a:tcPr>
-                </a:tc>
-                <a:tc>
-                  <a:txBody>
-                    <a:bodyPr/>
-                    <a:lstStyle/>
-                    <a:p>
-                      <a:pPr algn="ctr"/>
-                      <a:r>
-                        <a:rPr lang="en-GB" sz="1200" b="0" i="0" kern="1200" dirty="0">
-                          <a:solidFill>
-                            <a:schemeClr val="dk1"/>
-                          </a:solidFill>
-                          <a:effectLst/>
-                          <a:latin typeface="+mn-lt"/>
-                          <a:ea typeface="+mn-ea"/>
-                          <a:cs typeface="+mn-cs"/>
-                        </a:rPr>
-                        <a:t>0.0844</a:t>
-                      </a:r>
-                      <a:endParaRPr lang="en-GB" sz="1200" b="0" dirty="0"/>
-                    </a:p>
-                  </a:txBody>
-                  <a:tcPr/>
-                </a:tc>
-                <a:tc>
-                  <a:txBody>
-                    <a:bodyPr/>
-                    <a:lstStyle/>
-                    <a:p>
-                      <a:pPr algn="ctr"/>
-                      <a:r>
-                        <a:rPr lang="en-GB" sz="1200" b="0" i="0" kern="1200" dirty="0">
-                          <a:solidFill>
-                            <a:schemeClr val="dk1"/>
-                          </a:solidFill>
-                          <a:effectLst/>
-                          <a:latin typeface="+mn-lt"/>
-                          <a:ea typeface="+mn-ea"/>
-                          <a:cs typeface="+mn-cs"/>
-                        </a:rPr>
-                        <a:t>34.047</a:t>
-                      </a:r>
-                      <a:endParaRPr lang="en-GB" sz="1200" b="0" dirty="0"/>
-                    </a:p>
-                  </a:txBody>
-                  <a:tcPr>
-                    <a:solidFill>
-                      <a:schemeClr val="tx1">
-                        <a:lumMod val="95000"/>
-                        <a:lumOff val="5000"/>
-                      </a:schemeClr>
-                    </a:solidFill>
-                  </a:tcPr>
-                </a:tc>
-                <a:tc>
-                  <a:txBody>
-                    <a:bodyPr/>
-                    <a:lstStyle/>
-                    <a:p>
-                      <a:pPr algn="ctr"/>
-                      <a:r>
-                        <a:rPr lang="en-GB" sz="1200" b="0" i="0" kern="1200" dirty="0">
-                          <a:solidFill>
-                            <a:schemeClr val="dk1"/>
-                          </a:solidFill>
-                          <a:effectLst/>
-                          <a:latin typeface="+mn-lt"/>
-                          <a:ea typeface="+mn-ea"/>
-                          <a:cs typeface="+mn-cs"/>
-                        </a:rPr>
-                        <a:t>-0.1798</a:t>
-                      </a:r>
-                      <a:endParaRPr lang="en-GB" sz="1200" b="0" dirty="0"/>
-                    </a:p>
-                  </a:txBody>
-                  <a:tcPr/>
-                </a:tc>
-                <a:tc>
-                  <a:txBody>
-                    <a:bodyPr/>
-                    <a:lstStyle/>
-                    <a:p>
-                      <a:pPr algn="ctr"/>
-                      <a:r>
-                        <a:rPr lang="en-GB" sz="1200" b="0" i="0" kern="1200" dirty="0">
-                          <a:solidFill>
-                            <a:schemeClr val="dk1"/>
-                          </a:solidFill>
-                          <a:effectLst/>
-                          <a:latin typeface="+mn-lt"/>
-                          <a:ea typeface="+mn-ea"/>
-                          <a:cs typeface="+mn-cs"/>
-                        </a:rPr>
-                        <a:t>-73.04</a:t>
-                      </a:r>
-                      <a:endParaRPr lang="en-GB" sz="1200" b="0" dirty="0"/>
-                    </a:p>
-                  </a:txBody>
-                  <a:tcPr>
-                    <a:solidFill>
-                      <a:schemeClr val="tx1">
-                        <a:lumMod val="95000"/>
-                        <a:lumOff val="5000"/>
-                      </a:schemeClr>
-                    </a:solidFill>
-                  </a:tcPr>
-                </a:tc>
-                <a:extLst>
-                  <a:ext uri="{0D108BD9-81ED-4DB2-BD59-A6C34878D82A}">
-                    <a16:rowId xmlns:a16="http://schemas.microsoft.com/office/drawing/2014/main" val="3228881547"/>
-                  </a:ext>
-                </a:extLst>
-              </a:tr>
-              <a:tr h="635465">
-                <a:tc vMerge="1">
-                  <a:txBody>
-                    <a:bodyPr/>
-                    <a:lstStyle/>
-                    <a:p>
-                      <a:pPr algn="ctr"/>
-                      <a:endParaRPr lang="en-GB" sz="1200" b="0" dirty="0"/>
-                    </a:p>
-                  </a:txBody>
-                  <a:tcPr/>
-                </a:tc>
-                <a:tc>
-                  <a:txBody>
-                    <a:bodyPr/>
-                    <a:lstStyle/>
-                    <a:p>
-                      <a:pPr algn="ctr"/>
-                      <a:r>
-                        <a:rPr lang="en-GB" sz="1200" b="0" i="0" kern="1200" dirty="0">
-                          <a:solidFill>
-                            <a:schemeClr val="dk1"/>
-                          </a:solidFill>
-                          <a:effectLst/>
-                          <a:latin typeface="+mn-lt"/>
-                          <a:ea typeface="+mn-ea"/>
-                          <a:cs typeface="+mn-cs"/>
-                        </a:rPr>
-                        <a:t>-0.0412</a:t>
-                      </a:r>
-                      <a:endParaRPr lang="en-GB" sz="700" b="0" dirty="0"/>
-                    </a:p>
-                  </a:txBody>
-                  <a:tcPr/>
-                </a:tc>
-                <a:tc>
-                  <a:txBody>
-                    <a:bodyPr/>
-                    <a:lstStyle/>
-                    <a:p>
-                      <a:pPr algn="ctr"/>
-                      <a:r>
-                        <a:rPr lang="en-GB" sz="1200" b="0" i="0" kern="1200" dirty="0">
-                          <a:solidFill>
-                            <a:schemeClr val="dk1"/>
-                          </a:solidFill>
-                          <a:effectLst/>
-                          <a:latin typeface="+mn-lt"/>
-                          <a:ea typeface="+mn-ea"/>
-                          <a:cs typeface="+mn-cs"/>
-                        </a:rPr>
-                        <a:t>-0.9010</a:t>
-                      </a:r>
-                      <a:endParaRPr lang="en-GB" sz="700" b="0" dirty="0"/>
-                    </a:p>
-                  </a:txBody>
-                  <a:tcPr>
-                    <a:solidFill>
-                      <a:schemeClr val="tx1">
-                        <a:lumMod val="95000"/>
-                        <a:lumOff val="5000"/>
-                      </a:schemeClr>
-                    </a:solidFill>
-                  </a:tcPr>
-                </a:tc>
-                <a:tc>
-                  <a:txBody>
-                    <a:bodyPr/>
-                    <a:lstStyle/>
-                    <a:p>
-                      <a:pPr algn="ctr"/>
-                      <a:r>
-                        <a:rPr lang="en-GB" sz="1200" b="0" i="0" kern="1200" dirty="0">
-                          <a:solidFill>
-                            <a:schemeClr val="dk1"/>
-                          </a:solidFill>
-                          <a:effectLst/>
-                          <a:latin typeface="+mn-lt"/>
-                          <a:ea typeface="+mn-ea"/>
-                          <a:cs typeface="+mn-cs"/>
-                        </a:rPr>
-                        <a:t>-0.038</a:t>
-                      </a:r>
-                      <a:endParaRPr lang="en-GB" sz="900" b="0" dirty="0"/>
-                    </a:p>
-                  </a:txBody>
-                  <a:tcPr/>
-                </a:tc>
-                <a:tc>
-                  <a:txBody>
-                    <a:bodyPr/>
-                    <a:lstStyle/>
-                    <a:p>
-                      <a:pPr algn="ctr"/>
-                      <a:r>
-                        <a:rPr lang="en-GB" sz="1200" b="0" i="0" kern="1200" dirty="0">
-                          <a:solidFill>
-                            <a:schemeClr val="dk1"/>
-                          </a:solidFill>
-                          <a:effectLst/>
-                          <a:latin typeface="+mn-lt"/>
-                          <a:ea typeface="+mn-ea"/>
-                          <a:cs typeface="+mn-cs"/>
-                        </a:rPr>
-                        <a:t>-1.2983</a:t>
-                      </a:r>
-                      <a:endParaRPr lang="en-GB" sz="900" b="0" dirty="0"/>
-                    </a:p>
-                  </a:txBody>
-                  <a:tcPr>
-                    <a:solidFill>
-                      <a:schemeClr val="tx1">
-                        <a:lumMod val="95000"/>
-                        <a:lumOff val="5000"/>
-                      </a:schemeClr>
-                    </a:solidFill>
-                  </a:tcPr>
-                </a:tc>
-                <a:tc>
-                  <a:txBody>
-                    <a:bodyPr/>
-                    <a:lstStyle/>
-                    <a:p>
-                      <a:pPr algn="ctr"/>
-                      <a:r>
-                        <a:rPr lang="en-GB" sz="1200" b="0" i="0" kern="1200" dirty="0">
-                          <a:solidFill>
-                            <a:schemeClr val="dk1"/>
-                          </a:solidFill>
-                          <a:effectLst/>
-                          <a:latin typeface="+mn-lt"/>
-                          <a:ea typeface="+mn-ea"/>
-                          <a:cs typeface="+mn-cs"/>
-                        </a:rPr>
-                        <a:t>0.0818</a:t>
-                      </a:r>
-                      <a:endParaRPr lang="en-GB" sz="900" b="0" dirty="0"/>
-                    </a:p>
-                  </a:txBody>
-                  <a:tcPr/>
-                </a:tc>
-                <a:tc>
-                  <a:txBody>
-                    <a:bodyPr/>
-                    <a:lstStyle/>
-                    <a:p>
-                      <a:pPr algn="ctr"/>
-                      <a:r>
-                        <a:rPr lang="en-GB" sz="1200" b="0" i="0" kern="1200" dirty="0">
-                          <a:solidFill>
-                            <a:schemeClr val="dk1"/>
-                          </a:solidFill>
-                          <a:effectLst/>
-                          <a:latin typeface="+mn-lt"/>
-                          <a:ea typeface="+mn-ea"/>
-                          <a:cs typeface="+mn-cs"/>
-                        </a:rPr>
-                        <a:t>3.4275</a:t>
-                      </a:r>
-                      <a:endParaRPr lang="en-GB" sz="900" b="0" dirty="0"/>
-                    </a:p>
-                  </a:txBody>
-                  <a:tcPr>
-                    <a:solidFill>
-                      <a:schemeClr val="tx1">
-                        <a:lumMod val="95000"/>
-                        <a:lumOff val="5000"/>
-                      </a:schemeClr>
-                    </a:solidFill>
-                  </a:tcPr>
-                </a:tc>
-                <a:tc>
-                  <a:txBody>
-                    <a:bodyPr/>
-                    <a:lstStyle/>
-                    <a:p>
-                      <a:pPr algn="ctr"/>
-                      <a:r>
-                        <a:rPr lang="en-GB" sz="1200" b="0" i="0" kern="1200" dirty="0">
-                          <a:solidFill>
-                            <a:schemeClr val="dk1"/>
-                          </a:solidFill>
-                          <a:effectLst/>
-                          <a:latin typeface="+mn-lt"/>
-                          <a:ea typeface="+mn-ea"/>
-                          <a:cs typeface="+mn-cs"/>
-                        </a:rPr>
-                        <a:t>-0.1318</a:t>
-                      </a:r>
-                      <a:endParaRPr lang="en-GB" sz="900" b="0" dirty="0"/>
-                    </a:p>
-                  </a:txBody>
-                  <a:tcPr/>
-                </a:tc>
-                <a:tc>
-                  <a:txBody>
-                    <a:bodyPr/>
-                    <a:lstStyle/>
-                    <a:p>
-                      <a:pPr algn="ctr"/>
-                      <a:r>
-                        <a:rPr lang="en-GB" sz="1200" b="0" i="0" kern="1200" dirty="0">
-                          <a:solidFill>
-                            <a:schemeClr val="dk1"/>
-                          </a:solidFill>
-                          <a:effectLst/>
-                          <a:latin typeface="+mn-lt"/>
-                          <a:ea typeface="+mn-ea"/>
-                          <a:cs typeface="+mn-cs"/>
-                        </a:rPr>
-                        <a:t>-4.8588</a:t>
-                      </a:r>
-                      <a:endParaRPr lang="en-GB" sz="900" b="0" dirty="0"/>
-                    </a:p>
-                  </a:txBody>
-                  <a:tcPr>
-                    <a:solidFill>
-                      <a:schemeClr val="tx1">
-                        <a:lumMod val="95000"/>
-                        <a:lumOff val="5000"/>
-                      </a:schemeClr>
-                    </a:solidFill>
-                  </a:tcPr>
-                </a:tc>
-                <a:extLst>
-                  <a:ext uri="{0D108BD9-81ED-4DB2-BD59-A6C34878D82A}">
-                    <a16:rowId xmlns:a16="http://schemas.microsoft.com/office/drawing/2014/main" val="1164812163"/>
-                  </a:ext>
-                </a:extLst>
-              </a:tr>
-              <a:tr h="545285">
-                <a:tc rowSpan="2">
-                  <a:txBody>
-                    <a:bodyPr/>
-                    <a:lstStyle/>
-                    <a:p>
-                      <a:pPr algn="ctr"/>
-                      <a:r>
-                        <a:rPr lang="en-US" sz="1200" b="0" dirty="0"/>
-                        <a:t>2022-2023</a:t>
-                      </a:r>
-                      <a:endParaRPr lang="en-GB" sz="1200" b="0" dirty="0"/>
-                    </a:p>
-                  </a:txBody>
-                  <a:tcPr/>
-                </a:tc>
-                <a:tc>
-                  <a:txBody>
-                    <a:bodyPr/>
-                    <a:lstStyle/>
-                    <a:p>
-                      <a:pPr algn="ctr"/>
-                      <a:r>
-                        <a:rPr lang="en-GB" sz="1200" b="0" i="0" kern="1200" dirty="0">
-                          <a:solidFill>
-                            <a:schemeClr val="dk1"/>
-                          </a:solidFill>
-                          <a:effectLst/>
-                          <a:latin typeface="+mn-lt"/>
-                          <a:ea typeface="+mn-ea"/>
-                          <a:cs typeface="+mn-cs"/>
-                        </a:rPr>
-                        <a:t>0.5108</a:t>
-                      </a:r>
-                      <a:endParaRPr lang="en-GB" sz="1200" b="0" dirty="0"/>
-                    </a:p>
-                  </a:txBody>
-                  <a:tcPr/>
-                </a:tc>
-                <a:tc>
-                  <a:txBody>
-                    <a:bodyPr/>
-                    <a:lstStyle/>
-                    <a:p>
-                      <a:pPr algn="ctr"/>
-                      <a:r>
-                        <a:rPr lang="en-GB" sz="1200" b="0" i="0" kern="1200" dirty="0">
-                          <a:solidFill>
-                            <a:schemeClr val="dk1"/>
-                          </a:solidFill>
-                          <a:effectLst/>
-                          <a:latin typeface="+mn-lt"/>
-                          <a:ea typeface="+mn-ea"/>
-                          <a:cs typeface="+mn-cs"/>
-                        </a:rPr>
-                        <a:t>169.5</a:t>
-                      </a:r>
-                      <a:endParaRPr lang="en-GB" sz="1200" b="0" dirty="0"/>
-                    </a:p>
-                  </a:txBody>
-                  <a:tcPr>
-                    <a:solidFill>
-                      <a:schemeClr val="tx1">
-                        <a:lumMod val="95000"/>
-                        <a:lumOff val="5000"/>
-                      </a:schemeClr>
-                    </a:solidFill>
-                  </a:tcPr>
-                </a:tc>
-                <a:tc>
-                  <a:txBody>
-                    <a:bodyPr/>
-                    <a:lstStyle/>
-                    <a:p>
-                      <a:pPr algn="ctr"/>
-                      <a:r>
-                        <a:rPr lang="en-GB" sz="1200" b="0" i="0" kern="1200" dirty="0">
-                          <a:solidFill>
-                            <a:schemeClr val="dk1"/>
-                          </a:solidFill>
-                          <a:effectLst/>
-                          <a:latin typeface="+mn-lt"/>
-                          <a:ea typeface="+mn-ea"/>
-                          <a:cs typeface="+mn-cs"/>
-                        </a:rPr>
-                        <a:t>0.5108</a:t>
-                      </a:r>
-                      <a:endParaRPr lang="en-GB" sz="1200" b="0" dirty="0"/>
-                    </a:p>
-                  </a:txBody>
-                  <a:tcPr/>
-                </a:tc>
-                <a:tc>
-                  <a:txBody>
-                    <a:bodyPr/>
-                    <a:lstStyle/>
-                    <a:p>
-                      <a:pPr algn="ctr"/>
-                      <a:r>
-                        <a:rPr lang="en-GB" sz="1200" b="0" i="0" kern="1200" dirty="0">
-                          <a:solidFill>
-                            <a:schemeClr val="dk1"/>
-                          </a:solidFill>
-                          <a:effectLst/>
-                          <a:latin typeface="+mn-lt"/>
-                          <a:ea typeface="+mn-ea"/>
-                          <a:cs typeface="+mn-cs"/>
-                        </a:rPr>
-                        <a:t>169.5</a:t>
-                      </a:r>
-                      <a:endParaRPr lang="en-GB" sz="1200" b="0" dirty="0"/>
-                    </a:p>
-                  </a:txBody>
-                  <a:tcPr>
-                    <a:solidFill>
-                      <a:schemeClr val="tx1">
-                        <a:lumMod val="95000"/>
-                        <a:lumOff val="5000"/>
-                      </a:schemeClr>
-                    </a:solidFill>
-                  </a:tcPr>
-                </a:tc>
-                <a:tc>
-                  <a:txBody>
-                    <a:bodyPr/>
-                    <a:lstStyle/>
-                    <a:p>
-                      <a:pPr algn="ctr"/>
-                      <a:r>
-                        <a:rPr lang="en-GB" sz="1200" b="0" i="0" kern="1200" dirty="0">
-                          <a:solidFill>
-                            <a:schemeClr val="dk1"/>
-                          </a:solidFill>
-                          <a:effectLst/>
-                          <a:latin typeface="+mn-lt"/>
-                          <a:ea typeface="+mn-ea"/>
-                          <a:cs typeface="+mn-cs"/>
-                        </a:rPr>
-                        <a:t>0.5021</a:t>
-                      </a:r>
-                      <a:endParaRPr lang="en-GB" sz="1200" b="0" dirty="0"/>
-                    </a:p>
-                  </a:txBody>
-                  <a:tcPr/>
-                </a:tc>
-                <a:tc>
-                  <a:txBody>
-                    <a:bodyPr/>
-                    <a:lstStyle/>
-                    <a:p>
-                      <a:pPr algn="ctr"/>
-                      <a:r>
-                        <a:rPr lang="en-GB" sz="1200" b="0" i="0" kern="1200" dirty="0">
-                          <a:solidFill>
-                            <a:schemeClr val="dk1"/>
-                          </a:solidFill>
-                          <a:effectLst/>
-                          <a:latin typeface="+mn-lt"/>
-                          <a:ea typeface="+mn-ea"/>
-                          <a:cs typeface="+mn-cs"/>
-                        </a:rPr>
-                        <a:t>166.06</a:t>
-                      </a:r>
-                      <a:endParaRPr lang="en-GB" sz="1200" b="0" dirty="0"/>
-                    </a:p>
-                  </a:txBody>
-                  <a:tcPr>
-                    <a:solidFill>
-                      <a:schemeClr val="tx1">
-                        <a:lumMod val="95000"/>
-                        <a:lumOff val="5000"/>
-                      </a:schemeClr>
-                    </a:solidFill>
-                  </a:tcPr>
-                </a:tc>
-                <a:tc>
-                  <a:txBody>
-                    <a:bodyPr/>
-                    <a:lstStyle/>
-                    <a:p>
-                      <a:pPr algn="ctr"/>
-                      <a:r>
-                        <a:rPr lang="en-GB" sz="1200" b="0" i="0" kern="1200" dirty="0">
-                          <a:solidFill>
-                            <a:schemeClr val="dk1"/>
-                          </a:solidFill>
-                          <a:effectLst/>
-                          <a:latin typeface="+mn-lt"/>
-                          <a:ea typeface="+mn-ea"/>
-                          <a:cs typeface="+mn-cs"/>
-                        </a:rPr>
-                        <a:t>0.3713</a:t>
-                      </a:r>
-                      <a:endParaRPr lang="en-GB" sz="1200" b="0" dirty="0"/>
-                    </a:p>
-                  </a:txBody>
-                  <a:tcPr/>
-                </a:tc>
-                <a:tc>
-                  <a:txBody>
-                    <a:bodyPr/>
-                    <a:lstStyle/>
-                    <a:p>
-                      <a:pPr algn="ctr"/>
-                      <a:r>
-                        <a:rPr lang="en-GB" sz="1200" b="0" i="0" kern="1200" dirty="0">
-                          <a:solidFill>
-                            <a:schemeClr val="dk1"/>
-                          </a:solidFill>
-                          <a:effectLst/>
-                          <a:latin typeface="+mn-lt"/>
-                          <a:ea typeface="+mn-ea"/>
-                          <a:cs typeface="+mn-cs"/>
-                        </a:rPr>
-                        <a:t>122.7</a:t>
-                      </a:r>
-                      <a:endParaRPr lang="en-GB" sz="1200" b="0" dirty="0"/>
-                    </a:p>
-                  </a:txBody>
-                  <a:tcPr>
-                    <a:solidFill>
-                      <a:schemeClr val="tx1">
-                        <a:lumMod val="95000"/>
-                        <a:lumOff val="5000"/>
-                      </a:schemeClr>
-                    </a:solidFill>
-                  </a:tcPr>
-                </a:tc>
-                <a:extLst>
-                  <a:ext uri="{0D108BD9-81ED-4DB2-BD59-A6C34878D82A}">
-                    <a16:rowId xmlns:a16="http://schemas.microsoft.com/office/drawing/2014/main" val="859004804"/>
-                  </a:ext>
-                </a:extLst>
-              </a:tr>
-              <a:tr h="545285">
-                <a:tc vMerge="1">
-                  <a:txBody>
-                    <a:bodyPr/>
-                    <a:lstStyle/>
-                    <a:p>
-                      <a:pPr algn="ctr"/>
-                      <a:endParaRPr lang="en-GB" sz="1200" b="0" dirty="0"/>
-                    </a:p>
-                  </a:txBody>
-                  <a:tcPr/>
-                </a:tc>
-                <a:tc>
-                  <a:txBody>
-                    <a:bodyPr/>
-                    <a:lstStyle/>
-                    <a:p>
-                      <a:pPr algn="ctr"/>
-                      <a:r>
-                        <a:rPr lang="en-GB" sz="1200" b="0" i="0" kern="1200" dirty="0">
-                          <a:solidFill>
-                            <a:schemeClr val="dk1"/>
-                          </a:solidFill>
-                          <a:effectLst/>
-                          <a:latin typeface="+mn-lt"/>
-                          <a:ea typeface="+mn-ea"/>
-                          <a:cs typeface="+mn-cs"/>
-                        </a:rPr>
-                        <a:t>0.5349</a:t>
-                      </a:r>
-                      <a:endParaRPr lang="en-GB" sz="700" b="0" dirty="0"/>
-                    </a:p>
-                  </a:txBody>
-                  <a:tcPr/>
-                </a:tc>
-                <a:tc>
-                  <a:txBody>
-                    <a:bodyPr/>
-                    <a:lstStyle/>
-                    <a:p>
-                      <a:pPr algn="ctr"/>
-                      <a:r>
-                        <a:rPr lang="en-GB" sz="1200" b="0" i="0" kern="1200" dirty="0">
-                          <a:solidFill>
-                            <a:schemeClr val="dk1"/>
-                          </a:solidFill>
-                          <a:effectLst/>
-                          <a:latin typeface="+mn-lt"/>
-                          <a:ea typeface="+mn-ea"/>
-                          <a:cs typeface="+mn-cs"/>
-                        </a:rPr>
-                        <a:t>12.703</a:t>
-                      </a:r>
-                      <a:endParaRPr lang="en-GB" sz="700" b="0" dirty="0"/>
-                    </a:p>
-                  </a:txBody>
-                  <a:tcPr>
-                    <a:solidFill>
-                      <a:schemeClr val="tx1">
-                        <a:lumMod val="95000"/>
-                        <a:lumOff val="5000"/>
-                      </a:schemeClr>
-                    </a:solidFill>
-                  </a:tcPr>
-                </a:tc>
-                <a:tc>
-                  <a:txBody>
-                    <a:bodyPr/>
-                    <a:lstStyle/>
-                    <a:p>
-                      <a:pPr algn="ctr"/>
-                      <a:r>
-                        <a:rPr lang="en-GB" sz="1200" b="0" i="0" kern="1200" dirty="0">
-                          <a:solidFill>
-                            <a:schemeClr val="dk1"/>
-                          </a:solidFill>
-                          <a:effectLst/>
-                          <a:latin typeface="+mn-lt"/>
-                          <a:ea typeface="+mn-ea"/>
-                          <a:cs typeface="+mn-cs"/>
-                        </a:rPr>
-                        <a:t>0.5356</a:t>
-                      </a:r>
-                      <a:endParaRPr lang="en-GB" sz="900" b="0" dirty="0"/>
-                    </a:p>
-                  </a:txBody>
-                  <a:tcPr/>
-                </a:tc>
-                <a:tc>
-                  <a:txBody>
-                    <a:bodyPr/>
-                    <a:lstStyle/>
-                    <a:p>
-                      <a:pPr algn="ctr"/>
-                      <a:r>
-                        <a:rPr lang="en-GB" sz="1200" b="0" i="0" kern="1200" dirty="0">
-                          <a:solidFill>
-                            <a:schemeClr val="dk1"/>
-                          </a:solidFill>
-                          <a:effectLst/>
-                          <a:latin typeface="+mn-lt"/>
-                          <a:ea typeface="+mn-ea"/>
-                          <a:cs typeface="+mn-cs"/>
-                        </a:rPr>
-                        <a:t>19.367</a:t>
-                      </a:r>
-                      <a:endParaRPr lang="en-GB" sz="900" b="0" dirty="0"/>
-                    </a:p>
-                  </a:txBody>
-                  <a:tcPr>
-                    <a:solidFill>
-                      <a:schemeClr val="tx1">
-                        <a:lumMod val="95000"/>
-                        <a:lumOff val="5000"/>
-                      </a:schemeClr>
-                    </a:solidFill>
-                  </a:tcPr>
-                </a:tc>
-                <a:tc>
-                  <a:txBody>
-                    <a:bodyPr/>
-                    <a:lstStyle/>
-                    <a:p>
-                      <a:pPr algn="ctr"/>
-                      <a:r>
-                        <a:rPr lang="en-GB" sz="1200" b="0" i="0" kern="1200" dirty="0">
-                          <a:solidFill>
-                            <a:schemeClr val="dk1"/>
-                          </a:solidFill>
-                          <a:effectLst/>
-                          <a:latin typeface="+mn-lt"/>
-                          <a:ea typeface="+mn-ea"/>
-                          <a:cs typeface="+mn-cs"/>
-                        </a:rPr>
-                        <a:t>0.5054</a:t>
-                      </a:r>
-                      <a:endParaRPr lang="en-GB" sz="900" b="0" dirty="0"/>
-                    </a:p>
-                  </a:txBody>
-                  <a:tcPr/>
-                </a:tc>
-                <a:tc>
-                  <a:txBody>
-                    <a:bodyPr/>
-                    <a:lstStyle/>
-                    <a:p>
-                      <a:pPr algn="ctr"/>
-                      <a:r>
-                        <a:rPr lang="en-GB" sz="1200" b="0" i="0" kern="1200" dirty="0">
-                          <a:solidFill>
-                            <a:schemeClr val="dk1"/>
-                          </a:solidFill>
-                          <a:effectLst/>
-                          <a:latin typeface="+mn-lt"/>
-                          <a:ea typeface="+mn-ea"/>
-                          <a:cs typeface="+mn-cs"/>
-                        </a:rPr>
-                        <a:t>22.384</a:t>
-                      </a:r>
-                      <a:endParaRPr lang="en-GB" sz="900" b="0" dirty="0"/>
-                    </a:p>
-                  </a:txBody>
-                  <a:tcPr>
-                    <a:solidFill>
-                      <a:schemeClr val="tx1">
-                        <a:lumMod val="95000"/>
-                        <a:lumOff val="5000"/>
-                      </a:schemeClr>
-                    </a:solidFill>
-                  </a:tcPr>
-                </a:tc>
-                <a:tc>
-                  <a:txBody>
-                    <a:bodyPr/>
-                    <a:lstStyle/>
-                    <a:p>
-                      <a:pPr algn="ctr"/>
-                      <a:r>
-                        <a:rPr lang="en-GB" sz="1200" b="0" i="0" kern="1200" dirty="0">
-                          <a:solidFill>
-                            <a:schemeClr val="dk1"/>
-                          </a:solidFill>
-                          <a:effectLst/>
-                          <a:latin typeface="+mn-lt"/>
-                          <a:ea typeface="+mn-ea"/>
-                          <a:cs typeface="+mn-cs"/>
-                        </a:rPr>
-                        <a:t>0.4052</a:t>
-                      </a:r>
-                      <a:endParaRPr lang="en-GB" sz="900" b="0" dirty="0"/>
-                    </a:p>
-                  </a:txBody>
-                  <a:tcPr/>
-                </a:tc>
-                <a:tc>
-                  <a:txBody>
-                    <a:bodyPr/>
-                    <a:lstStyle/>
-                    <a:p>
-                      <a:pPr algn="ctr"/>
-                      <a:r>
-                        <a:rPr lang="en-GB" sz="1200" b="0" i="0" kern="1200" dirty="0">
-                          <a:solidFill>
-                            <a:schemeClr val="dk1"/>
-                          </a:solidFill>
-                          <a:effectLst/>
-                          <a:latin typeface="+mn-lt"/>
-                          <a:ea typeface="+mn-ea"/>
-                          <a:cs typeface="+mn-cs"/>
-                        </a:rPr>
-                        <a:t>16.692</a:t>
-                      </a:r>
-                      <a:endParaRPr lang="en-GB" sz="900" b="0" dirty="0"/>
-                    </a:p>
-                  </a:txBody>
-                  <a:tcPr>
-                    <a:solidFill>
-                      <a:schemeClr val="tx1">
-                        <a:lumMod val="95000"/>
-                        <a:lumOff val="5000"/>
-                      </a:schemeClr>
-                    </a:solidFill>
-                  </a:tcPr>
-                </a:tc>
-                <a:extLst>
-                  <a:ext uri="{0D108BD9-81ED-4DB2-BD59-A6C34878D82A}">
-                    <a16:rowId xmlns:a16="http://schemas.microsoft.com/office/drawing/2014/main" val="4211019989"/>
-                  </a:ext>
-                </a:extLst>
-              </a:tr>
-            </a:tbl>
-          </a:graphicData>
-        </a:graphic>
-      </p:graphicFrame>
-    </p:spTree>
-    <p:extLst>
-      <p:ext uri="{BB962C8B-B14F-4D97-AF65-F5344CB8AC3E}">
-        <p14:creationId xmlns:p14="http://schemas.microsoft.com/office/powerpoint/2010/main" val="2771943899"/>
-      </p:ext>
-    </p:extLst>
-  </p:cSld>
-  <p:clrMapOvr>
-    <a:masterClrMapping/>
-  </p:clrMapOvr>
-</p:sld>
-</file>
-
-<file path=ppt/slides/slide27.xml><?xml version="1.0" encoding="utf-8"?>
-<p:sld xmlns:a="http://schemas.openxmlformats.org/drawingml/2006/main" xmlns:r="http://schemas.openxmlformats.org/officeDocument/2006/relationships" xmlns:p="http://schemas.openxmlformats.org/presentationml/2006/main">
-  <p:cSld>
-    <p:spTree>
-      <p:nvGrpSpPr>
-        <p:cNvPr id="1" name=""/>
-        <p:cNvGrpSpPr/>
-        <p:nvPr/>
-      </p:nvGrpSpPr>
-      <p:grpSpPr>
-        <a:xfrm>
-          <a:off x="0" y="0"/>
-          <a:ext cx="0" cy="0"/>
-          <a:chOff x="0" y="0"/>
-          <a:chExt cx="0" cy="0"/>
-        </a:xfrm>
-      </p:grpSpPr>
-      <p:sp>
-        <p:nvSpPr>
-          <p:cNvPr id="2" name="Title 1">
-            <a:extLst>
-              <a:ext uri="{FF2B5EF4-FFF2-40B4-BE49-F238E27FC236}">
-                <a16:creationId xmlns:a16="http://schemas.microsoft.com/office/drawing/2014/main" id="{921633EB-7DCB-4DDC-80AF-C885A3EE1245}"/>
-              </a:ext>
-            </a:extLst>
-          </p:cNvPr>
-          <p:cNvSpPr>
-            <a:spLocks noGrp="1"/>
-          </p:cNvSpPr>
-          <p:nvPr>
-            <p:ph type="title"/>
-          </p:nvPr>
-        </p:nvSpPr>
-        <p:spPr/>
-        <p:txBody>
-          <a:bodyPr/>
-          <a:lstStyle/>
-          <a:p>
-            <a:r>
-              <a:rPr lang="en-US" dirty="0"/>
-              <a:t>Correlation MATRIX – 2022-2023</a:t>
+              <a:t>Correlation MATRIX – 2021-2022</a:t>
             </a:r>
           </a:p>
         </p:txBody>
@@ -17753,6 +15035,309 @@
 </p:sld>
 </file>
 
+<file path=ppt/slides/slide26.xml><?xml version="1.0" encoding="utf-8"?>
+<p:sld xmlns:a="http://schemas.openxmlformats.org/drawingml/2006/main" xmlns:r="http://schemas.openxmlformats.org/officeDocument/2006/relationships" xmlns:p="http://schemas.openxmlformats.org/presentationml/2006/main">
+  <p:cSld>
+    <p:spTree>
+      <p:nvGrpSpPr>
+        <p:cNvPr id="1" name=""/>
+        <p:cNvGrpSpPr/>
+        <p:nvPr/>
+      </p:nvGrpSpPr>
+      <p:grpSpPr>
+        <a:xfrm>
+          <a:off x="0" y="0"/>
+          <a:ext cx="0" cy="0"/>
+          <a:chOff x="0" y="0"/>
+          <a:chExt cx="0" cy="0"/>
+        </a:xfrm>
+      </p:grpSpPr>
+      <p:sp>
+        <p:nvSpPr>
+          <p:cNvPr id="2" name="Title 1">
+            <a:extLst>
+              <a:ext uri="{FF2B5EF4-FFF2-40B4-BE49-F238E27FC236}">
+                <a16:creationId xmlns:a16="http://schemas.microsoft.com/office/drawing/2014/main" id="{921633EB-7DCB-4DDC-80AF-C885A3EE1245}"/>
+              </a:ext>
+            </a:extLst>
+          </p:cNvPr>
+          <p:cNvSpPr>
+            <a:spLocks noGrp="1"/>
+          </p:cNvSpPr>
+          <p:nvPr>
+            <p:ph type="title"/>
+          </p:nvPr>
+        </p:nvSpPr>
+        <p:spPr/>
+        <p:txBody>
+          <a:bodyPr/>
+          <a:lstStyle/>
+          <a:p>
+            <a:r>
+              <a:rPr lang="en-US" dirty="0"/>
+              <a:t>Correlation MATRIX – 2022-2023</a:t>
+            </a:r>
+          </a:p>
+        </p:txBody>
+      </p:sp>
+      <p:pic>
+        <p:nvPicPr>
+          <p:cNvPr id="14" name="Content Placeholder 13">
+            <a:extLst>
+              <a:ext uri="{FF2B5EF4-FFF2-40B4-BE49-F238E27FC236}">
+                <a16:creationId xmlns:a16="http://schemas.microsoft.com/office/drawing/2014/main" id="{086BFB0F-26AA-5F52-C6B0-14106828505F}"/>
+              </a:ext>
+            </a:extLst>
+          </p:cNvPr>
+          <p:cNvPicPr>
+            <a:picLocks noGrp="1" noChangeAspect="1"/>
+          </p:cNvPicPr>
+          <p:nvPr>
+            <p:ph sz="half" idx="1"/>
+          </p:nvPr>
+        </p:nvPicPr>
+        <p:blipFill>
+          <a:blip r:embed="rId2"/>
+          <a:srcRect/>
+          <a:stretch/>
+        </p:blipFill>
+        <p:spPr>
+          <a:xfrm>
+            <a:off x="1067755" y="2227263"/>
+            <a:ext cx="4528175" cy="4528175"/>
+          </a:xfrm>
+        </p:spPr>
+      </p:pic>
+      <p:pic>
+        <p:nvPicPr>
+          <p:cNvPr id="16" name="Content Placeholder 15">
+            <a:extLst>
+              <a:ext uri="{FF2B5EF4-FFF2-40B4-BE49-F238E27FC236}">
+                <a16:creationId xmlns:a16="http://schemas.microsoft.com/office/drawing/2014/main" id="{79B8A73E-0BDA-7816-DBC7-A3BEE4315745}"/>
+              </a:ext>
+            </a:extLst>
+          </p:cNvPr>
+          <p:cNvPicPr>
+            <a:picLocks noGrp="1" noChangeAspect="1"/>
+          </p:cNvPicPr>
+          <p:nvPr>
+            <p:ph sz="half" idx="2"/>
+          </p:nvPr>
+        </p:nvPicPr>
+        <p:blipFill>
+          <a:blip r:embed="rId3"/>
+          <a:srcRect/>
+          <a:stretch/>
+        </p:blipFill>
+        <p:spPr>
+          <a:xfrm>
+            <a:off x="6596072" y="2227262"/>
+            <a:ext cx="4528174" cy="4528174"/>
+          </a:xfrm>
+        </p:spPr>
+      </p:pic>
+    </p:spTree>
+    <p:extLst>
+      <p:ext uri="{BB962C8B-B14F-4D97-AF65-F5344CB8AC3E}">
+        <p14:creationId xmlns:p14="http://schemas.microsoft.com/office/powerpoint/2010/main" val="3264151478"/>
+      </p:ext>
+    </p:extLst>
+  </p:cSld>
+  <p:clrMapOvr>
+    <a:masterClrMapping/>
+  </p:clrMapOvr>
+</p:sld>
+</file>
+
+<file path=ppt/slides/slide27.xml><?xml version="1.0" encoding="utf-8"?>
+<p:sld xmlns:a="http://schemas.openxmlformats.org/drawingml/2006/main" xmlns:r="http://schemas.openxmlformats.org/officeDocument/2006/relationships" xmlns:p="http://schemas.openxmlformats.org/presentationml/2006/main">
+  <p:cSld>
+    <p:spTree>
+      <p:nvGrpSpPr>
+        <p:cNvPr id="1" name=""/>
+        <p:cNvGrpSpPr/>
+        <p:nvPr/>
+      </p:nvGrpSpPr>
+      <p:grpSpPr>
+        <a:xfrm>
+          <a:off x="0" y="0"/>
+          <a:ext cx="0" cy="0"/>
+          <a:chOff x="0" y="0"/>
+          <a:chExt cx="0" cy="0"/>
+        </a:xfrm>
+      </p:grpSpPr>
+      <p:sp>
+        <p:nvSpPr>
+          <p:cNvPr id="2" name="Title 1">
+            <a:extLst>
+              <a:ext uri="{FF2B5EF4-FFF2-40B4-BE49-F238E27FC236}">
+                <a16:creationId xmlns:a16="http://schemas.microsoft.com/office/drawing/2014/main" id="{921633EB-7DCB-4DDC-80AF-C885A3EE1245}"/>
+              </a:ext>
+            </a:extLst>
+          </p:cNvPr>
+          <p:cNvSpPr>
+            <a:spLocks noGrp="1"/>
+          </p:cNvSpPr>
+          <p:nvPr>
+            <p:ph type="title"/>
+          </p:nvPr>
+        </p:nvSpPr>
+        <p:spPr/>
+        <p:txBody>
+          <a:bodyPr/>
+          <a:lstStyle/>
+          <a:p>
+            <a:r>
+              <a:rPr lang="en-US" dirty="0"/>
+              <a:t>Correlation MATRIX – 2022-2023</a:t>
+            </a:r>
+          </a:p>
+        </p:txBody>
+      </p:sp>
+      <p:sp>
+        <p:nvSpPr>
+          <p:cNvPr id="4" name="Content Placeholder 3">
+            <a:extLst>
+              <a:ext uri="{FF2B5EF4-FFF2-40B4-BE49-F238E27FC236}">
+                <a16:creationId xmlns:a16="http://schemas.microsoft.com/office/drawing/2014/main" id="{6829E2DB-FA91-B6F6-608F-A9C4E91671DC}"/>
+              </a:ext>
+            </a:extLst>
+          </p:cNvPr>
+          <p:cNvSpPr>
+            <a:spLocks noGrp="1"/>
+          </p:cNvSpPr>
+          <p:nvPr>
+            <p:ph sz="half" idx="1"/>
+          </p:nvPr>
+        </p:nvSpPr>
+        <p:spPr>
+          <a:xfrm>
+            <a:off x="581192" y="2228003"/>
+            <a:ext cx="11029615" cy="4348966"/>
+          </a:xfrm>
+        </p:spPr>
+        <p:txBody>
+          <a:bodyPr/>
+          <a:lstStyle/>
+          <a:p>
+            <a:r>
+              <a:rPr lang="en-US" dirty="0">
+                <a:solidFill>
+                  <a:schemeClr val="tx1"/>
+                </a:solidFill>
+              </a:rPr>
+              <a:t>Use of Pearson’s correlation calculation</a:t>
+            </a:r>
+          </a:p>
+          <a:p>
+            <a:pPr lvl="1"/>
+            <a:r>
+              <a:rPr lang="en-US" dirty="0">
+                <a:solidFill>
+                  <a:schemeClr val="tx1"/>
+                </a:solidFill>
+              </a:rPr>
+              <a:t>Expected linear relationship</a:t>
+            </a:r>
+          </a:p>
+          <a:p>
+            <a:r>
+              <a:rPr lang="en-US" dirty="0">
+                <a:solidFill>
+                  <a:schemeClr val="tx1"/>
+                </a:solidFill>
+              </a:rPr>
+              <a:t>Use of Spearman’s Correlation</a:t>
+            </a:r>
+          </a:p>
+          <a:p>
+            <a:pPr lvl="1"/>
+            <a:r>
+              <a:rPr lang="en-US" dirty="0">
+                <a:solidFill>
+                  <a:schemeClr val="tx1"/>
+                </a:solidFill>
+              </a:rPr>
+              <a:t>Better for monotonic relationship identification</a:t>
+            </a:r>
+          </a:p>
+          <a:p>
+            <a:pPr lvl="1"/>
+            <a:endParaRPr lang="en-US" dirty="0">
+              <a:solidFill>
+                <a:schemeClr val="tx1"/>
+              </a:solidFill>
+            </a:endParaRPr>
+          </a:p>
+          <a:p>
+            <a:r>
+              <a:rPr lang="en-US" dirty="0">
+                <a:solidFill>
+                  <a:schemeClr val="tx1"/>
+                </a:solidFill>
+              </a:rPr>
+              <a:t>2021-2022 shows a very low correlation between attendance and grade. </a:t>
+            </a:r>
+          </a:p>
+          <a:p>
+            <a:pPr lvl="1"/>
+            <a:r>
+              <a:rPr lang="en-US" dirty="0">
+                <a:solidFill>
+                  <a:schemeClr val="tx1"/>
+                </a:solidFill>
+              </a:rPr>
+              <a:t>Negative relationship is suggested</a:t>
+            </a:r>
+          </a:p>
+          <a:p>
+            <a:r>
+              <a:rPr lang="en-US" dirty="0">
+                <a:solidFill>
+                  <a:schemeClr val="tx1"/>
+                </a:solidFill>
+              </a:rPr>
+              <a:t>2022-2023 shows a stronger positive relationship</a:t>
+            </a:r>
+          </a:p>
+          <a:p>
+            <a:r>
+              <a:rPr lang="en-US" dirty="0">
+                <a:solidFill>
+                  <a:schemeClr val="tx1"/>
+                </a:solidFill>
+              </a:rPr>
+              <a:t>Stronger relationship between lecture attendance and grades than other attendance metrics.</a:t>
+            </a:r>
+          </a:p>
+          <a:p>
+            <a:r>
+              <a:rPr lang="en-US" dirty="0">
+                <a:solidFill>
+                  <a:schemeClr val="tx1"/>
+                </a:solidFill>
+              </a:rPr>
+              <a:t>Strongest overall is VLE usage</a:t>
+            </a:r>
+          </a:p>
+          <a:p>
+            <a:endParaRPr lang="en-GB" dirty="0"/>
+          </a:p>
+        </p:txBody>
+      </p:sp>
+    </p:spTree>
+    <p:extLst>
+      <p:ext uri="{BB962C8B-B14F-4D97-AF65-F5344CB8AC3E}">
+        <p14:creationId xmlns:p14="http://schemas.microsoft.com/office/powerpoint/2010/main" val="2119743658"/>
+      </p:ext>
+    </p:extLst>
+  </p:cSld>
+  <p:clrMapOvr>
+    <a:masterClrMapping/>
+  </p:clrMapOvr>
+</p:sld>
+</file>
+
 <file path=ppt/slides/slide28.xml><?xml version="1.0" encoding="utf-8"?>
 <p:sld xmlns:a="http://schemas.openxmlformats.org/drawingml/2006/main" xmlns:r="http://schemas.openxmlformats.org/officeDocument/2006/relationships" xmlns:p="http://schemas.openxmlformats.org/presentationml/2006/main">
   <p:cSld>
@@ -17833,7 +15418,7 @@
                   <a:schemeClr val="tx1"/>
                 </a:solidFill>
               </a:rPr>
-              <a:t>All four metrics were run against the three following methods of regression:</a:t>
+              <a:t>All five metrics were run against the three following methods of regression:</a:t>
             </a:r>
           </a:p>
           <a:p>
@@ -17847,7 +15432,15 @@
                   <a:schemeClr val="tx1"/>
                 </a:solidFill>
               </a:rPr>
-              <a:t>Linear Regression</a:t>
+              <a:t>Linear Regression </a:t>
+            </a:r>
+            <a:r>
+              <a:rPr lang="en-US" sz="1800" dirty="0">
+                <a:solidFill>
+                  <a:srgbClr val="FF0000"/>
+                </a:solidFill>
+              </a:rPr>
+              <a:t>(RED)</a:t>
             </a:r>
           </a:p>
           <a:p>
@@ -17872,7 +15465,15 @@
                   <a:schemeClr val="tx1"/>
                 </a:solidFill>
               </a:rPr>
-              <a:t>Theil-Sen Regression</a:t>
+              <a:t>Theil-Sen Regression </a:t>
+            </a:r>
+            <a:r>
+              <a:rPr lang="en-US" sz="1800" dirty="0">
+                <a:solidFill>
+                  <a:srgbClr val="0070C0"/>
+                </a:solidFill>
+              </a:rPr>
+              <a:t>(BLUE)</a:t>
             </a:r>
           </a:p>
           <a:p>
@@ -17911,7 +15512,15 @@
                   <a:schemeClr val="tx1"/>
                 </a:solidFill>
               </a:rPr>
-              <a:t>Quadradic Regression</a:t>
+              <a:t>Quadradic Regression </a:t>
+            </a:r>
+            <a:r>
+              <a:rPr lang="en-US" sz="1800" dirty="0">
+                <a:solidFill>
+                  <a:schemeClr val="accent5"/>
+                </a:solidFill>
+              </a:rPr>
+              <a:t>(GREEN)</a:t>
             </a:r>
           </a:p>
           <a:p>
@@ -20139,6 +17748,653 @@
           <p:cNvPr id="2" name="Title 1">
             <a:extLst>
               <a:ext uri="{FF2B5EF4-FFF2-40B4-BE49-F238E27FC236}">
+                <a16:creationId xmlns:a16="http://schemas.microsoft.com/office/drawing/2014/main" id="{37AA8A02-43F5-FE37-4530-4F8E06C00B85}"/>
+              </a:ext>
+            </a:extLst>
+          </p:cNvPr>
+          <p:cNvSpPr>
+            <a:spLocks noGrp="1"/>
+          </p:cNvSpPr>
+          <p:nvPr>
+            <p:ph type="title"/>
+          </p:nvPr>
+        </p:nvSpPr>
+        <p:spPr/>
+        <p:txBody>
+          <a:bodyPr/>
+          <a:lstStyle/>
+          <a:p>
+            <a:r>
+              <a:rPr lang="en-US" dirty="0"/>
+              <a:t>VLE Usage to Grade</a:t>
+            </a:r>
+            <a:endParaRPr lang="en-GB" dirty="0"/>
+          </a:p>
+        </p:txBody>
+      </p:sp>
+      <p:graphicFrame>
+        <p:nvGraphicFramePr>
+          <p:cNvPr id="4" name="Table 4">
+            <a:extLst>
+              <a:ext uri="{FF2B5EF4-FFF2-40B4-BE49-F238E27FC236}">
+                <a16:creationId xmlns:a16="http://schemas.microsoft.com/office/drawing/2014/main" id="{F9659DFA-0F87-6E64-4D43-BADDD3A36B15}"/>
+              </a:ext>
+            </a:extLst>
+          </p:cNvPr>
+          <p:cNvGraphicFramePr>
+            <a:graphicFrameLocks noGrp="1"/>
+          </p:cNvGraphicFramePr>
+          <p:nvPr>
+            <p:ph idx="1"/>
+            <p:extLst>
+              <p:ext uri="{D42A27DB-BD31-4B8C-83A1-F6EECF244321}">
+                <p14:modId xmlns:p14="http://schemas.microsoft.com/office/powerpoint/2010/main" val="3987605785"/>
+              </p:ext>
+            </p:extLst>
+          </p:nvPr>
+        </p:nvGraphicFramePr>
+        <p:xfrm>
+          <a:off x="580858" y="2164446"/>
+          <a:ext cx="3676650" cy="1539240"/>
+        </p:xfrm>
+        <a:graphic>
+          <a:graphicData uri="http://schemas.openxmlformats.org/drawingml/2006/table">
+            <a:tbl>
+              <a:tblPr firstRow="1" bandRow="1">
+                <a:tableStyleId>{5C22544A-7EE6-4342-B048-85BDC9FD1C3A}</a:tableStyleId>
+              </a:tblPr>
+              <a:tblGrid>
+                <a:gridCol w="1225550">
+                  <a:extLst>
+                    <a:ext uri="{9D8B030D-6E8A-4147-A177-3AD203B41FA5}">
+                      <a16:colId xmlns:a16="http://schemas.microsoft.com/office/drawing/2014/main" val="1680689584"/>
+                    </a:ext>
+                  </a:extLst>
+                </a:gridCol>
+                <a:gridCol w="1225550">
+                  <a:extLst>
+                    <a:ext uri="{9D8B030D-6E8A-4147-A177-3AD203B41FA5}">
+                      <a16:colId xmlns:a16="http://schemas.microsoft.com/office/drawing/2014/main" val="3268337935"/>
+                    </a:ext>
+                  </a:extLst>
+                </a:gridCol>
+                <a:gridCol w="1225550">
+                  <a:extLst>
+                    <a:ext uri="{9D8B030D-6E8A-4147-A177-3AD203B41FA5}">
+                      <a16:colId xmlns:a16="http://schemas.microsoft.com/office/drawing/2014/main" val="850592976"/>
+                    </a:ext>
+                  </a:extLst>
+                </a:gridCol>
+              </a:tblGrid>
+              <a:tr h="370840">
+                <a:tc>
+                  <a:txBody>
+                    <a:bodyPr/>
+                    <a:lstStyle/>
+                    <a:p>
+                      <a:endParaRPr lang="en-GB" dirty="0"/>
+                    </a:p>
+                  </a:txBody>
+                  <a:tcPr/>
+                </a:tc>
+                <a:tc>
+                  <a:txBody>
+                    <a:bodyPr/>
+                    <a:lstStyle/>
+                    <a:p>
+                      <a:r>
+                        <a:rPr lang="en-US" sz="1100" dirty="0"/>
+                        <a:t>2021-2022</a:t>
+                      </a:r>
+                    </a:p>
+                    <a:p>
+                      <a:r>
+                        <a:rPr lang="en-US" sz="1100" dirty="0"/>
+                        <a:t>VLE Usage</a:t>
+                      </a:r>
+                      <a:endParaRPr lang="en-GB" sz="1100" dirty="0"/>
+                    </a:p>
+                  </a:txBody>
+                  <a:tcPr/>
+                </a:tc>
+                <a:tc>
+                  <a:txBody>
+                    <a:bodyPr/>
+                    <a:lstStyle/>
+                    <a:p>
+                      <a:r>
+                        <a:rPr lang="en-US" sz="1100" dirty="0"/>
+                        <a:t>2022-2023</a:t>
+                      </a:r>
+                    </a:p>
+                    <a:p>
+                      <a:r>
+                        <a:rPr lang="en-US" sz="1100" dirty="0"/>
+                        <a:t>VLE Usage</a:t>
+                      </a:r>
+                      <a:endParaRPr lang="en-GB" sz="1100" dirty="0"/>
+                    </a:p>
+                  </a:txBody>
+                  <a:tcPr/>
+                </a:tc>
+                <a:extLst>
+                  <a:ext uri="{0D108BD9-81ED-4DB2-BD59-A6C34878D82A}">
+                    <a16:rowId xmlns:a16="http://schemas.microsoft.com/office/drawing/2014/main" val="833014517"/>
+                  </a:ext>
+                </a:extLst>
+              </a:tr>
+              <a:tr h="370840">
+                <a:tc>
+                  <a:txBody>
+                    <a:bodyPr/>
+                    <a:lstStyle/>
+                    <a:p>
+                      <a:r>
+                        <a:rPr lang="en-US" dirty="0"/>
+                        <a:t>Linear</a:t>
+                      </a:r>
+                      <a:endParaRPr lang="en-GB" dirty="0"/>
+                    </a:p>
+                  </a:txBody>
+                  <a:tcPr/>
+                </a:tc>
+                <a:tc>
+                  <a:txBody>
+                    <a:bodyPr/>
+                    <a:lstStyle/>
+                    <a:p>
+                      <a:r>
+                        <a:rPr lang="en-GB" sz="1400" b="0" i="0" kern="1200" dirty="0">
+                          <a:solidFill>
+                            <a:schemeClr val="dk1"/>
+                          </a:solidFill>
+                          <a:effectLst/>
+                          <a:latin typeface="+mn-lt"/>
+                          <a:ea typeface="+mn-ea"/>
+                          <a:cs typeface="+mn-cs"/>
+                        </a:rPr>
+                        <a:t>0.2864</a:t>
+                      </a:r>
+                      <a:endParaRPr lang="en-GB" sz="1100" dirty="0"/>
+                    </a:p>
+                  </a:txBody>
+                  <a:tcPr/>
+                </a:tc>
+                <a:tc>
+                  <a:txBody>
+                    <a:bodyPr/>
+                    <a:lstStyle/>
+                    <a:p>
+                      <a:r>
+                        <a:rPr lang="en-GB" sz="1200" b="0" i="0" kern="1200" dirty="0">
+                          <a:solidFill>
+                            <a:schemeClr val="dk1"/>
+                          </a:solidFill>
+                          <a:effectLst/>
+                          <a:latin typeface="+mn-lt"/>
+                          <a:ea typeface="+mn-ea"/>
+                          <a:cs typeface="+mn-cs"/>
+                        </a:rPr>
+                        <a:t>0.000000004025</a:t>
+                      </a:r>
+                      <a:endParaRPr lang="en-GB" sz="1050" dirty="0"/>
+                    </a:p>
+                  </a:txBody>
+                  <a:tcPr/>
+                </a:tc>
+                <a:extLst>
+                  <a:ext uri="{0D108BD9-81ED-4DB2-BD59-A6C34878D82A}">
+                    <a16:rowId xmlns:a16="http://schemas.microsoft.com/office/drawing/2014/main" val="683778598"/>
+                  </a:ext>
+                </a:extLst>
+              </a:tr>
+              <a:tr h="370840">
+                <a:tc>
+                  <a:txBody>
+                    <a:bodyPr/>
+                    <a:lstStyle/>
+                    <a:p>
+                      <a:r>
+                        <a:rPr lang="en-US" dirty="0"/>
+                        <a:t>Theil-Sen</a:t>
+                      </a:r>
+                      <a:endParaRPr lang="en-GB" dirty="0"/>
+                    </a:p>
+                  </a:txBody>
+                  <a:tcPr/>
+                </a:tc>
+                <a:tc>
+                  <a:txBody>
+                    <a:bodyPr/>
+                    <a:lstStyle/>
+                    <a:p>
+                      <a:r>
+                        <a:rPr lang="en-GB" sz="1400" b="0" i="0" kern="1200" dirty="0">
+                          <a:solidFill>
+                            <a:schemeClr val="dk1"/>
+                          </a:solidFill>
+                          <a:effectLst/>
+                          <a:latin typeface="+mn-lt"/>
+                          <a:ea typeface="+mn-ea"/>
+                          <a:cs typeface="+mn-cs"/>
+                        </a:rPr>
+                        <a:t>1</a:t>
+                      </a:r>
+                      <a:endParaRPr lang="en-GB" sz="1400" dirty="0"/>
+                    </a:p>
+                  </a:txBody>
+                  <a:tcPr/>
+                </a:tc>
+                <a:tc>
+                  <a:txBody>
+                    <a:bodyPr/>
+                    <a:lstStyle/>
+                    <a:p>
+                      <a:r>
+                        <a:rPr lang="en-GB" sz="1200" b="0" i="0" kern="1200" dirty="0">
+                          <a:solidFill>
+                            <a:schemeClr val="dk1"/>
+                          </a:solidFill>
+                          <a:effectLst/>
+                          <a:latin typeface="+mn-lt"/>
+                          <a:ea typeface="+mn-ea"/>
+                          <a:cs typeface="+mn-cs"/>
+                        </a:rPr>
+                        <a:t>0.0000001841</a:t>
+                      </a:r>
+                      <a:endParaRPr lang="en-GB" sz="1050" dirty="0"/>
+                    </a:p>
+                  </a:txBody>
+                  <a:tcPr/>
+                </a:tc>
+                <a:extLst>
+                  <a:ext uri="{0D108BD9-81ED-4DB2-BD59-A6C34878D82A}">
+                    <a16:rowId xmlns:a16="http://schemas.microsoft.com/office/drawing/2014/main" val="2019266990"/>
+                  </a:ext>
+                </a:extLst>
+              </a:tr>
+              <a:tr h="370840">
+                <a:tc>
+                  <a:txBody>
+                    <a:bodyPr/>
+                    <a:lstStyle/>
+                    <a:p>
+                      <a:r>
+                        <a:rPr lang="en-US" dirty="0"/>
+                        <a:t>Quadratic</a:t>
+                      </a:r>
+                      <a:endParaRPr lang="en-GB" dirty="0"/>
+                    </a:p>
+                  </a:txBody>
+                  <a:tcPr/>
+                </a:tc>
+                <a:tc>
+                  <a:txBody>
+                    <a:bodyPr/>
+                    <a:lstStyle/>
+                    <a:p>
+                      <a:r>
+                        <a:rPr lang="en-GB" sz="1400" b="0" i="0" kern="1200" dirty="0">
+                          <a:solidFill>
+                            <a:schemeClr val="dk1"/>
+                          </a:solidFill>
+                          <a:effectLst/>
+                          <a:latin typeface="+mn-lt"/>
+                          <a:ea typeface="+mn-ea"/>
+                          <a:cs typeface="+mn-cs"/>
+                        </a:rPr>
+                        <a:t>0.2949</a:t>
+                      </a:r>
+                      <a:endParaRPr lang="en-GB" sz="1100" dirty="0"/>
+                    </a:p>
+                  </a:txBody>
+                  <a:tcPr/>
+                </a:tc>
+                <a:tc>
+                  <a:txBody>
+                    <a:bodyPr/>
+                    <a:lstStyle/>
+                    <a:p>
+                      <a:r>
+                        <a:rPr lang="en-GB" sz="1200" b="0" i="0" kern="1200" dirty="0">
+                          <a:solidFill>
+                            <a:schemeClr val="dk1"/>
+                          </a:solidFill>
+                          <a:effectLst/>
+                          <a:latin typeface="+mn-lt"/>
+                          <a:ea typeface="+mn-ea"/>
+                          <a:cs typeface="+mn-cs"/>
+                        </a:rPr>
+                        <a:t>0.00000001816</a:t>
+                      </a:r>
+                      <a:endParaRPr lang="en-GB" sz="1050" dirty="0"/>
+                    </a:p>
+                  </a:txBody>
+                  <a:tcPr/>
+                </a:tc>
+                <a:extLst>
+                  <a:ext uri="{0D108BD9-81ED-4DB2-BD59-A6C34878D82A}">
+                    <a16:rowId xmlns:a16="http://schemas.microsoft.com/office/drawing/2014/main" val="1869977968"/>
+                  </a:ext>
+                </a:extLst>
+              </a:tr>
+            </a:tbl>
+          </a:graphicData>
+        </a:graphic>
+      </p:graphicFrame>
+      <p:sp>
+        <p:nvSpPr>
+          <p:cNvPr id="7" name="Content Placeholder 3">
+            <a:extLst>
+              <a:ext uri="{FF2B5EF4-FFF2-40B4-BE49-F238E27FC236}">
+                <a16:creationId xmlns:a16="http://schemas.microsoft.com/office/drawing/2014/main" id="{9ADD2381-D51D-22F3-DA50-DC212E4CF515}"/>
+              </a:ext>
+            </a:extLst>
+          </p:cNvPr>
+          <p:cNvSpPr txBox="1">
+            <a:spLocks/>
+          </p:cNvSpPr>
+          <p:nvPr/>
+        </p:nvSpPr>
+        <p:spPr>
+          <a:xfrm>
+            <a:off x="580858" y="4023248"/>
+            <a:ext cx="5626995" cy="2132596"/>
+          </a:xfrm>
+          <a:prstGeom prst="rect">
+            <a:avLst/>
+          </a:prstGeom>
+        </p:spPr>
+        <p:txBody>
+          <a:bodyPr vert="horz" lIns="91440" tIns="45720" rIns="91440" bIns="45720" rtlCol="0" anchor="ctr">
+            <a:normAutofit/>
+          </a:bodyPr>
+          <a:lstStyle>
+            <a:lvl1pPr marL="306000" indent="-306000" algn="l" defTabSz="457200" rtl="0" eaLnBrk="1" latinLnBrk="0" hangingPunct="1">
+              <a:spcBef>
+                <a:spcPct val="20000"/>
+              </a:spcBef>
+              <a:spcAft>
+                <a:spcPts val="600"/>
+              </a:spcAft>
+              <a:buClr>
+                <a:schemeClr val="accent2"/>
+              </a:buClr>
+              <a:buSzPct val="92000"/>
+              <a:buFont typeface="Wingdings 2" panose="05020102010507070707" pitchFamily="18" charset="2"/>
+              <a:buChar char=""/>
+              <a:defRPr sz="1800" kern="1200">
+                <a:solidFill>
+                  <a:schemeClr val="tx2"/>
+                </a:solidFill>
+                <a:latin typeface="+mn-lt"/>
+                <a:ea typeface="+mn-ea"/>
+                <a:cs typeface="+mn-cs"/>
+              </a:defRPr>
+            </a:lvl1pPr>
+            <a:lvl2pPr marL="630000" indent="-306000" algn="l" defTabSz="457200" rtl="0" eaLnBrk="1" latinLnBrk="0" hangingPunct="1">
+              <a:spcBef>
+                <a:spcPct val="20000"/>
+              </a:spcBef>
+              <a:spcAft>
+                <a:spcPts val="600"/>
+              </a:spcAft>
+              <a:buClr>
+                <a:schemeClr val="accent2"/>
+              </a:buClr>
+              <a:buSzPct val="92000"/>
+              <a:buFont typeface="Wingdings 2" panose="05020102010507070707" pitchFamily="18" charset="2"/>
+              <a:buChar char=""/>
+              <a:defRPr sz="1600" kern="1200">
+                <a:solidFill>
+                  <a:schemeClr val="tx2"/>
+                </a:solidFill>
+                <a:latin typeface="+mn-lt"/>
+                <a:ea typeface="+mn-ea"/>
+                <a:cs typeface="+mn-cs"/>
+              </a:defRPr>
+            </a:lvl2pPr>
+            <a:lvl3pPr marL="900000" indent="-270000" algn="l" defTabSz="457200" rtl="0" eaLnBrk="1" latinLnBrk="0" hangingPunct="1">
+              <a:spcBef>
+                <a:spcPct val="20000"/>
+              </a:spcBef>
+              <a:spcAft>
+                <a:spcPts val="600"/>
+              </a:spcAft>
+              <a:buClr>
+                <a:schemeClr val="accent2"/>
+              </a:buClr>
+              <a:buSzPct val="92000"/>
+              <a:buFont typeface="Wingdings 2" panose="05020102010507070707" pitchFamily="18" charset="2"/>
+              <a:buChar char=""/>
+              <a:defRPr sz="1400" kern="1200">
+                <a:solidFill>
+                  <a:schemeClr val="tx2"/>
+                </a:solidFill>
+                <a:latin typeface="+mn-lt"/>
+                <a:ea typeface="+mn-ea"/>
+                <a:cs typeface="+mn-cs"/>
+              </a:defRPr>
+            </a:lvl3pPr>
+            <a:lvl4pPr marL="1242000" indent="-234000" algn="l" defTabSz="457200" rtl="0" eaLnBrk="1" latinLnBrk="0" hangingPunct="1">
+              <a:spcBef>
+                <a:spcPct val="20000"/>
+              </a:spcBef>
+              <a:spcAft>
+                <a:spcPts val="600"/>
+              </a:spcAft>
+              <a:buClr>
+                <a:schemeClr val="accent2"/>
+              </a:buClr>
+              <a:buSzPct val="92000"/>
+              <a:buFont typeface="Wingdings 2" panose="05020102010507070707" pitchFamily="18" charset="2"/>
+              <a:buChar char=""/>
+              <a:defRPr sz="1200" kern="1200">
+                <a:solidFill>
+                  <a:schemeClr val="tx2"/>
+                </a:solidFill>
+                <a:latin typeface="+mn-lt"/>
+                <a:ea typeface="+mn-ea"/>
+                <a:cs typeface="+mn-cs"/>
+              </a:defRPr>
+            </a:lvl4pPr>
+            <a:lvl5pPr marL="1602000" indent="-234000" algn="l" defTabSz="457200" rtl="0" eaLnBrk="1" latinLnBrk="0" hangingPunct="1">
+              <a:spcBef>
+                <a:spcPct val="20000"/>
+              </a:spcBef>
+              <a:spcAft>
+                <a:spcPts val="600"/>
+              </a:spcAft>
+              <a:buClr>
+                <a:schemeClr val="accent2"/>
+              </a:buClr>
+              <a:buSzPct val="92000"/>
+              <a:buFont typeface="Wingdings 2" panose="05020102010507070707" pitchFamily="18" charset="2"/>
+              <a:buChar char=""/>
+              <a:defRPr sz="1200" kern="1200">
+                <a:solidFill>
+                  <a:schemeClr val="tx2"/>
+                </a:solidFill>
+                <a:latin typeface="+mn-lt"/>
+                <a:ea typeface="+mn-ea"/>
+                <a:cs typeface="+mn-cs"/>
+              </a:defRPr>
+            </a:lvl5pPr>
+            <a:lvl6pPr marL="1900000" indent="-228600" algn="l" defTabSz="457200" rtl="0" eaLnBrk="1" latinLnBrk="0" hangingPunct="1">
+              <a:spcBef>
+                <a:spcPct val="20000"/>
+              </a:spcBef>
+              <a:spcAft>
+                <a:spcPts val="600"/>
+              </a:spcAft>
+              <a:buClr>
+                <a:schemeClr val="accent2"/>
+              </a:buClr>
+              <a:buSzPct val="92000"/>
+              <a:buFont typeface="Wingdings 2" panose="05020102010507070707" pitchFamily="18" charset="2"/>
+              <a:buChar char=""/>
+              <a:defRPr sz="1200" kern="1200">
+                <a:solidFill>
+                  <a:schemeClr val="tx2"/>
+                </a:solidFill>
+                <a:latin typeface="+mn-lt"/>
+                <a:ea typeface="+mn-ea"/>
+                <a:cs typeface="+mn-cs"/>
+              </a:defRPr>
+            </a:lvl6pPr>
+            <a:lvl7pPr marL="2200000" indent="-228600" algn="l" defTabSz="457200" rtl="0" eaLnBrk="1" latinLnBrk="0" hangingPunct="1">
+              <a:spcBef>
+                <a:spcPct val="20000"/>
+              </a:spcBef>
+              <a:spcAft>
+                <a:spcPts val="600"/>
+              </a:spcAft>
+              <a:buClr>
+                <a:schemeClr val="accent2"/>
+              </a:buClr>
+              <a:buSzPct val="92000"/>
+              <a:buFont typeface="Wingdings 2" panose="05020102010507070707" pitchFamily="18" charset="2"/>
+              <a:buChar char=""/>
+              <a:defRPr sz="1200" kern="1200">
+                <a:solidFill>
+                  <a:schemeClr val="tx2"/>
+                </a:solidFill>
+                <a:latin typeface="+mn-lt"/>
+                <a:ea typeface="+mn-ea"/>
+                <a:cs typeface="+mn-cs"/>
+              </a:defRPr>
+            </a:lvl7pPr>
+            <a:lvl8pPr marL="2500000" indent="-228600" algn="l" defTabSz="457200" rtl="0" eaLnBrk="1" latinLnBrk="0" hangingPunct="1">
+              <a:spcBef>
+                <a:spcPct val="20000"/>
+              </a:spcBef>
+              <a:spcAft>
+                <a:spcPts val="600"/>
+              </a:spcAft>
+              <a:buClr>
+                <a:schemeClr val="accent2"/>
+              </a:buClr>
+              <a:buSzPct val="92000"/>
+              <a:buFont typeface="Wingdings 2" panose="05020102010507070707" pitchFamily="18" charset="2"/>
+              <a:buChar char=""/>
+              <a:defRPr sz="1200" kern="1200">
+                <a:solidFill>
+                  <a:schemeClr val="tx2"/>
+                </a:solidFill>
+                <a:latin typeface="+mn-lt"/>
+                <a:ea typeface="+mn-ea"/>
+                <a:cs typeface="+mn-cs"/>
+              </a:defRPr>
+            </a:lvl8pPr>
+            <a:lvl9pPr marL="2800000" indent="-228600" algn="l" defTabSz="457200" rtl="0" eaLnBrk="1" latinLnBrk="0" hangingPunct="1">
+              <a:spcBef>
+                <a:spcPct val="20000"/>
+              </a:spcBef>
+              <a:spcAft>
+                <a:spcPts val="600"/>
+              </a:spcAft>
+              <a:buClr>
+                <a:schemeClr val="accent2"/>
+              </a:buClr>
+              <a:buSzPct val="92000"/>
+              <a:buFont typeface="Wingdings 2" panose="05020102010507070707" pitchFamily="18" charset="2"/>
+              <a:buChar char=""/>
+              <a:defRPr sz="1200" kern="1200">
+                <a:solidFill>
+                  <a:schemeClr val="tx2"/>
+                </a:solidFill>
+                <a:latin typeface="+mn-lt"/>
+                <a:ea typeface="+mn-ea"/>
+                <a:cs typeface="+mn-cs"/>
+              </a:defRPr>
+            </a:lvl9pPr>
+          </a:lstStyle>
+          <a:p>
+            <a:r>
+              <a:rPr lang="en-US" dirty="0">
+                <a:solidFill>
+                  <a:schemeClr val="tx1"/>
+                </a:solidFill>
+              </a:rPr>
+              <a:t>Lowest P-Value out of any of the metrics and best correlation score.</a:t>
+            </a:r>
+          </a:p>
+          <a:p>
+            <a:r>
+              <a:rPr lang="en-US" dirty="0">
+                <a:solidFill>
+                  <a:schemeClr val="tx1"/>
+                </a:solidFill>
+              </a:rPr>
+              <a:t>Interaction with VLE content appears to be more important than attendance to lectures.</a:t>
+            </a:r>
+          </a:p>
+        </p:txBody>
+      </p:sp>
+      <p:pic>
+        <p:nvPicPr>
+          <p:cNvPr id="3" name="Content Placeholder 19">
+            <a:extLst>
+              <a:ext uri="{FF2B5EF4-FFF2-40B4-BE49-F238E27FC236}">
+                <a16:creationId xmlns:a16="http://schemas.microsoft.com/office/drawing/2014/main" id="{3EBBB998-EBC3-4929-AC6D-1406999BFB45}"/>
+              </a:ext>
+            </a:extLst>
+          </p:cNvPr>
+          <p:cNvPicPr>
+            <a:picLocks noChangeAspect="1"/>
+          </p:cNvPicPr>
+          <p:nvPr/>
+        </p:nvPicPr>
+        <p:blipFill>
+          <a:blip r:embed="rId2"/>
+          <a:srcRect/>
+          <a:stretch/>
+        </p:blipFill>
+        <p:spPr>
+          <a:xfrm>
+            <a:off x="6745469" y="2164446"/>
+            <a:ext cx="3633787" cy="3633787"/>
+          </a:xfrm>
+          <a:prstGeom prst="rect">
+            <a:avLst/>
+          </a:prstGeom>
+        </p:spPr>
+      </p:pic>
+    </p:spTree>
+    <p:extLst>
+      <p:ext uri="{BB962C8B-B14F-4D97-AF65-F5344CB8AC3E}">
+        <p14:creationId xmlns:p14="http://schemas.microsoft.com/office/powerpoint/2010/main" val="1137967676"/>
+      </p:ext>
+    </p:extLst>
+  </p:cSld>
+  <p:clrMapOvr>
+    <a:masterClrMapping/>
+  </p:clrMapOvr>
+</p:sld>
+</file>
+
+<file path=ppt/slides/slide35.xml><?xml version="1.0" encoding="utf-8"?>
+<p:sld xmlns:a="http://schemas.openxmlformats.org/drawingml/2006/main" xmlns:r="http://schemas.openxmlformats.org/officeDocument/2006/relationships" xmlns:p="http://schemas.openxmlformats.org/presentationml/2006/main">
+  <p:cSld>
+    <p:spTree>
+      <p:nvGrpSpPr>
+        <p:cNvPr id="1" name=""/>
+        <p:cNvGrpSpPr/>
+        <p:nvPr/>
+      </p:nvGrpSpPr>
+      <p:grpSpPr>
+        <a:xfrm>
+          <a:off x="0" y="0"/>
+          <a:ext cx="0" cy="0"/>
+          <a:chOff x="0" y="0"/>
+          <a:chExt cx="0" cy="0"/>
+        </a:xfrm>
+      </p:grpSpPr>
+      <p:sp>
+        <p:nvSpPr>
+          <p:cNvPr id="2" name="Title 1">
+            <a:extLst>
+              <a:ext uri="{FF2B5EF4-FFF2-40B4-BE49-F238E27FC236}">
                 <a16:creationId xmlns:a16="http://schemas.microsoft.com/office/drawing/2014/main" id="{921633EB-7DCB-4DDC-80AF-C885A3EE1245}"/>
               </a:ext>
             </a:extLst>
@@ -20196,7 +18452,7 @@
                   <a:schemeClr val="tx1"/>
                 </a:solidFill>
               </a:rPr>
-              <a:t>Demonstrates Lecture and Practical Attendance appear to have an influence on final grade.</a:t>
+              <a:t>Further demonstrates Lecture and Practical Attendance appear to have an influence on final grade.</a:t>
             </a:r>
           </a:p>
           <a:p>
@@ -20251,6 +18507,138 @@
     </p:spTree>
     <p:extLst>
       <p:ext uri="{BB962C8B-B14F-4D97-AF65-F5344CB8AC3E}">
+        <p14:creationId xmlns:p14="http://schemas.microsoft.com/office/powerpoint/2010/main" val="3122897837"/>
+      </p:ext>
+    </p:extLst>
+  </p:cSld>
+  <p:clrMapOvr>
+    <a:masterClrMapping/>
+  </p:clrMapOvr>
+</p:sld>
+</file>
+
+<file path=ppt/slides/slide36.xml><?xml version="1.0" encoding="utf-8"?>
+<p:sld xmlns:a="http://schemas.openxmlformats.org/drawingml/2006/main" xmlns:r="http://schemas.openxmlformats.org/officeDocument/2006/relationships" xmlns:p="http://schemas.openxmlformats.org/presentationml/2006/main">
+  <p:cSld>
+    <p:spTree>
+      <p:nvGrpSpPr>
+        <p:cNvPr id="1" name=""/>
+        <p:cNvGrpSpPr/>
+        <p:nvPr/>
+      </p:nvGrpSpPr>
+      <p:grpSpPr>
+        <a:xfrm>
+          <a:off x="0" y="0"/>
+          <a:ext cx="0" cy="0"/>
+          <a:chOff x="0" y="0"/>
+          <a:chExt cx="0" cy="0"/>
+        </a:xfrm>
+      </p:grpSpPr>
+      <p:sp>
+        <p:nvSpPr>
+          <p:cNvPr id="2" name="Title 1">
+            <a:extLst>
+              <a:ext uri="{FF2B5EF4-FFF2-40B4-BE49-F238E27FC236}">
+                <a16:creationId xmlns:a16="http://schemas.microsoft.com/office/drawing/2014/main" id="{921633EB-7DCB-4DDC-80AF-C885A3EE1245}"/>
+              </a:ext>
+            </a:extLst>
+          </p:cNvPr>
+          <p:cNvSpPr>
+            <a:spLocks noGrp="1"/>
+          </p:cNvSpPr>
+          <p:nvPr>
+            <p:ph type="title"/>
+          </p:nvPr>
+        </p:nvSpPr>
+        <p:spPr/>
+        <p:txBody>
+          <a:bodyPr/>
+          <a:lstStyle/>
+          <a:p>
+            <a:r>
+              <a:rPr lang="en-US" dirty="0"/>
+              <a:t>REGRESSION MODEL – Lecture &amp; VLE Use - LINEAR</a:t>
+            </a:r>
+          </a:p>
+        </p:txBody>
+      </p:sp>
+      <p:sp>
+        <p:nvSpPr>
+          <p:cNvPr id="4" name="Content Placeholder 3">
+            <a:extLst>
+              <a:ext uri="{FF2B5EF4-FFF2-40B4-BE49-F238E27FC236}">
+                <a16:creationId xmlns:a16="http://schemas.microsoft.com/office/drawing/2014/main" id="{89066F11-6868-47D7-FDD2-F251B0B320C8}"/>
+              </a:ext>
+            </a:extLst>
+          </p:cNvPr>
+          <p:cNvSpPr>
+            <a:spLocks noGrp="1"/>
+          </p:cNvSpPr>
+          <p:nvPr>
+            <p:ph sz="half" idx="1"/>
+          </p:nvPr>
+        </p:nvSpPr>
+        <p:spPr>
+          <a:xfrm>
+            <a:off x="581194" y="2228003"/>
+            <a:ext cx="5193230" cy="3633047"/>
+          </a:xfrm>
+        </p:spPr>
+        <p:txBody>
+          <a:bodyPr>
+            <a:normAutofit/>
+          </a:bodyPr>
+          <a:lstStyle/>
+          <a:p>
+            <a:r>
+              <a:rPr lang="en-US" dirty="0">
+                <a:solidFill>
+                  <a:schemeClr val="tx1"/>
+                </a:solidFill>
+              </a:rPr>
+              <a:t>Much steeper linear plane showing a considerable influence in VLE usage in grade achievement.</a:t>
+            </a:r>
+          </a:p>
+          <a:p>
+            <a:endParaRPr lang="en-US" dirty="0">
+              <a:solidFill>
+                <a:schemeClr val="tx1"/>
+              </a:solidFill>
+            </a:endParaRPr>
+          </a:p>
+        </p:txBody>
+      </p:sp>
+      <p:pic>
+        <p:nvPicPr>
+          <p:cNvPr id="7" name="Content Placeholder 6">
+            <a:extLst>
+              <a:ext uri="{FF2B5EF4-FFF2-40B4-BE49-F238E27FC236}">
+                <a16:creationId xmlns:a16="http://schemas.microsoft.com/office/drawing/2014/main" id="{F007334D-F54C-AF3B-73D8-BC3AAEC2C303}"/>
+              </a:ext>
+            </a:extLst>
+          </p:cNvPr>
+          <p:cNvPicPr>
+            <a:picLocks noGrp="1" noChangeAspect="1"/>
+          </p:cNvPicPr>
+          <p:nvPr>
+            <p:ph sz="half" idx="2"/>
+          </p:nvPr>
+        </p:nvPicPr>
+        <p:blipFill>
+          <a:blip r:embed="rId2"/>
+          <a:srcRect/>
+          <a:stretch/>
+        </p:blipFill>
+        <p:spPr>
+          <a:xfrm>
+            <a:off x="6417578" y="2228003"/>
+            <a:ext cx="4416286" cy="4416286"/>
+          </a:xfrm>
+        </p:spPr>
+      </p:pic>
+    </p:spTree>
+    <p:extLst>
+      <p:ext uri="{BB962C8B-B14F-4D97-AF65-F5344CB8AC3E}">
         <p14:creationId xmlns:p14="http://schemas.microsoft.com/office/powerpoint/2010/main" val="2013116734"/>
       </p:ext>
     </p:extLst>
@@ -20261,7 +18649,310 @@
 </p:sld>
 </file>
 
-<file path=ppt/slides/slide35.xml><?xml version="1.0" encoding="utf-8"?>
+<file path=ppt/slides/slide37.xml><?xml version="1.0" encoding="utf-8"?>
+<p:sld xmlns:a="http://schemas.openxmlformats.org/drawingml/2006/main" xmlns:r="http://schemas.openxmlformats.org/officeDocument/2006/relationships" xmlns:p="http://schemas.openxmlformats.org/presentationml/2006/main">
+  <p:cSld>
+    <p:spTree>
+      <p:nvGrpSpPr>
+        <p:cNvPr id="1" name=""/>
+        <p:cNvGrpSpPr/>
+        <p:nvPr/>
+      </p:nvGrpSpPr>
+      <p:grpSpPr>
+        <a:xfrm>
+          <a:off x="0" y="0"/>
+          <a:ext cx="0" cy="0"/>
+          <a:chOff x="0" y="0"/>
+          <a:chExt cx="0" cy="0"/>
+        </a:xfrm>
+      </p:grpSpPr>
+      <p:sp>
+        <p:nvSpPr>
+          <p:cNvPr id="2" name="Title 1">
+            <a:extLst>
+              <a:ext uri="{FF2B5EF4-FFF2-40B4-BE49-F238E27FC236}">
+                <a16:creationId xmlns:a16="http://schemas.microsoft.com/office/drawing/2014/main" id="{921633EB-7DCB-4DDC-80AF-C885A3EE1245}"/>
+              </a:ext>
+            </a:extLst>
+          </p:cNvPr>
+          <p:cNvSpPr>
+            <a:spLocks noGrp="1"/>
+          </p:cNvSpPr>
+          <p:nvPr>
+            <p:ph type="title"/>
+          </p:nvPr>
+        </p:nvSpPr>
+        <p:spPr/>
+        <p:txBody>
+          <a:bodyPr/>
+          <a:lstStyle/>
+          <a:p>
+            <a:r>
+              <a:rPr lang="en-US" dirty="0"/>
+              <a:t>REGRESSION MODEL – Practical &amp; VLE Use - LINEAR</a:t>
+            </a:r>
+          </a:p>
+        </p:txBody>
+      </p:sp>
+      <p:pic>
+        <p:nvPicPr>
+          <p:cNvPr id="8" name="Content Placeholder 7" descr="A picture containing text, screenshot, diagram, line&#10;&#10;Description automatically generated">
+            <a:extLst>
+              <a:ext uri="{FF2B5EF4-FFF2-40B4-BE49-F238E27FC236}">
+                <a16:creationId xmlns:a16="http://schemas.microsoft.com/office/drawing/2014/main" id="{6FA62788-EFA2-6216-627E-2E0164A8FE7E}"/>
+              </a:ext>
+            </a:extLst>
+          </p:cNvPr>
+          <p:cNvPicPr>
+            <a:picLocks noGrp="1" noChangeAspect="1"/>
+          </p:cNvPicPr>
+          <p:nvPr>
+            <p:ph sz="half" idx="1"/>
+          </p:nvPr>
+        </p:nvPicPr>
+        <p:blipFill>
+          <a:blip r:embed="rId2"/>
+          <a:stretch>
+            <a:fillRect/>
+          </a:stretch>
+        </p:blipFill>
+        <p:spPr>
+          <a:xfrm>
+            <a:off x="1360488" y="2227263"/>
+            <a:ext cx="3633787" cy="3633787"/>
+          </a:xfrm>
+        </p:spPr>
+      </p:pic>
+      <p:sp>
+        <p:nvSpPr>
+          <p:cNvPr id="5" name="Content Placeholder 4">
+            <a:extLst>
+              <a:ext uri="{FF2B5EF4-FFF2-40B4-BE49-F238E27FC236}">
+                <a16:creationId xmlns:a16="http://schemas.microsoft.com/office/drawing/2014/main" id="{A0A2C1BD-5DBC-63B9-9929-1D0E400D7D28}"/>
+              </a:ext>
+            </a:extLst>
+          </p:cNvPr>
+          <p:cNvSpPr>
+            <a:spLocks noGrp="1"/>
+          </p:cNvSpPr>
+          <p:nvPr>
+            <p:ph sz="half" idx="2"/>
+          </p:nvPr>
+        </p:nvSpPr>
+        <p:spPr/>
+        <p:txBody>
+          <a:bodyPr/>
+          <a:lstStyle/>
+          <a:p>
+            <a:r>
+              <a:rPr lang="en-US" dirty="0"/>
+              <a:t>Practical and VLE use share a closer correlation as students are far more likely to access VLE content during practical sessions.</a:t>
+            </a:r>
+          </a:p>
+          <a:p>
+            <a:r>
+              <a:rPr lang="en-US" dirty="0"/>
+              <a:t>Expected high correlation co-efficient.</a:t>
+            </a:r>
+          </a:p>
+          <a:p>
+            <a:endParaRPr lang="en-US" dirty="0"/>
+          </a:p>
+          <a:p>
+            <a:pPr marL="0" indent="0">
+              <a:buNone/>
+            </a:pPr>
+            <a:r>
+              <a:rPr lang="en-US" dirty="0"/>
+              <a:t>Pearson Coefficient: 	0.703</a:t>
+            </a:r>
+          </a:p>
+          <a:p>
+            <a:pPr marL="0" indent="0">
+              <a:buNone/>
+            </a:pPr>
+            <a:r>
+              <a:rPr lang="en-US" dirty="0"/>
+              <a:t>Spearman Coefficient: 	0.6377</a:t>
+            </a:r>
+          </a:p>
+          <a:p>
+            <a:pPr marL="0" indent="0">
+              <a:buNone/>
+            </a:pPr>
+            <a:r>
+              <a:rPr lang="en-US" dirty="0"/>
+              <a:t>p-value Linear: 	0.0000000001328</a:t>
+            </a:r>
+          </a:p>
+          <a:p>
+            <a:pPr marL="0" indent="0">
+              <a:buNone/>
+            </a:pPr>
+            <a:r>
+              <a:rPr lang="en-US" dirty="0"/>
+              <a:t>p-value Theil-Sen: 	0.000000009517</a:t>
+            </a:r>
+            <a:endParaRPr lang="en-GB" dirty="0"/>
+          </a:p>
+        </p:txBody>
+      </p:sp>
+    </p:spTree>
+    <p:extLst>
+      <p:ext uri="{BB962C8B-B14F-4D97-AF65-F5344CB8AC3E}">
+        <p14:creationId xmlns:p14="http://schemas.microsoft.com/office/powerpoint/2010/main" val="2416201131"/>
+      </p:ext>
+    </p:extLst>
+  </p:cSld>
+  <p:clrMapOvr>
+    <a:masterClrMapping/>
+  </p:clrMapOvr>
+</p:sld>
+</file>
+
+<file path=ppt/slides/slide38.xml><?xml version="1.0" encoding="utf-8"?>
+<p:sld xmlns:a="http://schemas.openxmlformats.org/drawingml/2006/main" xmlns:r="http://schemas.openxmlformats.org/officeDocument/2006/relationships" xmlns:p="http://schemas.openxmlformats.org/presentationml/2006/main">
+  <p:cSld>
+    <p:spTree>
+      <p:nvGrpSpPr>
+        <p:cNvPr id="1" name=""/>
+        <p:cNvGrpSpPr/>
+        <p:nvPr/>
+      </p:nvGrpSpPr>
+      <p:grpSpPr>
+        <a:xfrm>
+          <a:off x="0" y="0"/>
+          <a:ext cx="0" cy="0"/>
+          <a:chOff x="0" y="0"/>
+          <a:chExt cx="0" cy="0"/>
+        </a:xfrm>
+      </p:grpSpPr>
+      <p:sp>
+        <p:nvSpPr>
+          <p:cNvPr id="2" name="Title 1">
+            <a:extLst>
+              <a:ext uri="{FF2B5EF4-FFF2-40B4-BE49-F238E27FC236}">
+                <a16:creationId xmlns:a16="http://schemas.microsoft.com/office/drawing/2014/main" id="{921633EB-7DCB-4DDC-80AF-C885A3EE1245}"/>
+              </a:ext>
+            </a:extLst>
+          </p:cNvPr>
+          <p:cNvSpPr>
+            <a:spLocks noGrp="1"/>
+          </p:cNvSpPr>
+          <p:nvPr>
+            <p:ph type="title"/>
+          </p:nvPr>
+        </p:nvSpPr>
+        <p:spPr/>
+        <p:txBody>
+          <a:bodyPr/>
+          <a:lstStyle/>
+          <a:p>
+            <a:r>
+              <a:rPr lang="en-US" dirty="0"/>
+              <a:t>REGRESSION MODEL – Lecture &amp; VLE Use - LINEAR</a:t>
+            </a:r>
+          </a:p>
+        </p:txBody>
+      </p:sp>
+      <p:sp>
+        <p:nvSpPr>
+          <p:cNvPr id="4" name="Content Placeholder 3">
+            <a:extLst>
+              <a:ext uri="{FF2B5EF4-FFF2-40B4-BE49-F238E27FC236}">
+                <a16:creationId xmlns:a16="http://schemas.microsoft.com/office/drawing/2014/main" id="{89066F11-6868-47D7-FDD2-F251B0B320C8}"/>
+              </a:ext>
+            </a:extLst>
+          </p:cNvPr>
+          <p:cNvSpPr>
+            <a:spLocks noGrp="1"/>
+          </p:cNvSpPr>
+          <p:nvPr>
+            <p:ph sz="half" idx="1"/>
+          </p:nvPr>
+        </p:nvSpPr>
+        <p:spPr>
+          <a:xfrm>
+            <a:off x="581194" y="2228003"/>
+            <a:ext cx="5193230" cy="3633047"/>
+          </a:xfrm>
+        </p:spPr>
+        <p:txBody>
+          <a:bodyPr>
+            <a:normAutofit/>
+          </a:bodyPr>
+          <a:lstStyle/>
+          <a:p>
+            <a:r>
+              <a:rPr lang="en-US" dirty="0">
+                <a:solidFill>
+                  <a:schemeClr val="tx1"/>
+                </a:solidFill>
+              </a:rPr>
+              <a:t>Much steeper linear plane showing a considerable influence in VLE usage in grade achievement.</a:t>
+            </a:r>
+          </a:p>
+          <a:p>
+            <a:r>
+              <a:rPr lang="en-US" dirty="0">
+                <a:solidFill>
+                  <a:schemeClr val="tx1"/>
+                </a:solidFill>
+              </a:rPr>
+              <a:t>Note of some cases of higher practical attendance but very low VLE usage.</a:t>
+            </a:r>
+          </a:p>
+          <a:p>
+            <a:endParaRPr lang="en-US" dirty="0">
+              <a:solidFill>
+                <a:schemeClr val="tx1"/>
+              </a:solidFill>
+            </a:endParaRPr>
+          </a:p>
+        </p:txBody>
+      </p:sp>
+      <p:pic>
+        <p:nvPicPr>
+          <p:cNvPr id="7" name="Content Placeholder 6">
+            <a:extLst>
+              <a:ext uri="{FF2B5EF4-FFF2-40B4-BE49-F238E27FC236}">
+                <a16:creationId xmlns:a16="http://schemas.microsoft.com/office/drawing/2014/main" id="{F007334D-F54C-AF3B-73D8-BC3AAEC2C303}"/>
+              </a:ext>
+            </a:extLst>
+          </p:cNvPr>
+          <p:cNvPicPr>
+            <a:picLocks noGrp="1" noChangeAspect="1"/>
+          </p:cNvPicPr>
+          <p:nvPr>
+            <p:ph sz="half" idx="2"/>
+          </p:nvPr>
+        </p:nvPicPr>
+        <p:blipFill>
+          <a:blip r:embed="rId2"/>
+          <a:srcRect/>
+          <a:stretch/>
+        </p:blipFill>
+        <p:spPr>
+          <a:xfrm>
+            <a:off x="6417578" y="2228003"/>
+            <a:ext cx="4416286" cy="4416286"/>
+          </a:xfrm>
+        </p:spPr>
+      </p:pic>
+    </p:spTree>
+    <p:extLst>
+      <p:ext uri="{BB962C8B-B14F-4D97-AF65-F5344CB8AC3E}">
+        <p14:creationId xmlns:p14="http://schemas.microsoft.com/office/powerpoint/2010/main" val="3612730849"/>
+      </p:ext>
+    </p:extLst>
+  </p:cSld>
+  <p:clrMapOvr>
+    <a:masterClrMapping/>
+  </p:clrMapOvr>
+</p:sld>
+</file>
+
+<file path=ppt/slides/slide39.xml><?xml version="1.0" encoding="utf-8"?>
 <p:sld xmlns:a="http://schemas.openxmlformats.org/drawingml/2006/main" xmlns:r="http://schemas.openxmlformats.org/officeDocument/2006/relationships" xmlns:p="http://schemas.openxmlformats.org/presentationml/2006/main">
   <p:cSld>
     <p:spTree>
@@ -20331,7 +19022,7 @@
         </p:spPr>
         <p:txBody>
           <a:bodyPr>
-            <a:normAutofit/>
+            <a:normAutofit lnSpcReduction="10000"/>
           </a:bodyPr>
           <a:lstStyle/>
           <a:p>
@@ -20341,7 +19032,7 @@
                   <a:schemeClr val="tx1"/>
                 </a:solidFill>
               </a:rPr>
-              <a:t>Strongest correlation suggests that attendance to lecture classes has a high impact on achieved grade. This challenges the hypothesis, as it was expected that grade levels would remain consistent as recorded versions of them were available.</a:t>
+              <a:t>Strong correlation suggests that attendance to lecture classes has a high impact on achieved grade. This challenges the hypothesis, as it was expected that grade levels would remain consistent as recorded versions of them were available.</a:t>
             </a:r>
           </a:p>
           <a:p>
@@ -20374,6 +19065,38 @@
                 </a:solidFill>
               </a:rPr>
               <a:t>2022-2023: Live lecture followed by Q&amp;A</a:t>
+            </a:r>
+          </a:p>
+          <a:p>
+            <a:r>
+              <a:rPr lang="en-US" dirty="0">
+                <a:solidFill>
+                  <a:schemeClr val="tx1"/>
+                </a:solidFill>
+              </a:rPr>
+              <a:t>Strongest correlation remains with VLE usage, with higher interaction with the VLE environment indicates student will achieve a higher grade.</a:t>
+            </a:r>
+          </a:p>
+          <a:p>
+            <a:pPr lvl="1"/>
+            <a:r>
+              <a:rPr lang="en-US" dirty="0">
+                <a:solidFill>
+                  <a:schemeClr val="tx1"/>
+                </a:solidFill>
+              </a:rPr>
+              <a:t>Method of embedding videos into the VLE environment may be a contributing factors, as the VLE may not could the interaction with these elements in its statistics.</a:t>
+            </a:r>
+          </a:p>
+          <a:p>
+            <a:pPr lvl="1"/>
+            <a:r>
+              <a:rPr lang="en-US" dirty="0">
+                <a:solidFill>
+                  <a:schemeClr val="tx1"/>
+                </a:solidFill>
+              </a:rPr>
+              <a:t>Similarly, links to external sites are not counted by VLE analytics. </a:t>
             </a:r>
           </a:p>
         </p:txBody>
@@ -20382,571 +19105,6 @@
     <p:extLst>
       <p:ext uri="{BB962C8B-B14F-4D97-AF65-F5344CB8AC3E}">
         <p14:creationId xmlns:p14="http://schemas.microsoft.com/office/powerpoint/2010/main" val="2248027745"/>
-      </p:ext>
-    </p:extLst>
-  </p:cSld>
-  <p:clrMapOvr>
-    <a:masterClrMapping/>
-  </p:clrMapOvr>
-</p:sld>
-</file>
-
-<file path=ppt/slides/slide36.xml><?xml version="1.0" encoding="utf-8"?>
-<p:sld xmlns:a="http://schemas.openxmlformats.org/drawingml/2006/main" xmlns:r="http://schemas.openxmlformats.org/officeDocument/2006/relationships" xmlns:p="http://schemas.openxmlformats.org/presentationml/2006/main">
-  <p:cSld>
-    <p:spTree>
-      <p:nvGrpSpPr>
-        <p:cNvPr id="1" name=""/>
-        <p:cNvGrpSpPr/>
-        <p:nvPr/>
-      </p:nvGrpSpPr>
-      <p:grpSpPr>
-        <a:xfrm>
-          <a:off x="0" y="0"/>
-          <a:ext cx="0" cy="0"/>
-          <a:chOff x="0" y="0"/>
-          <a:chExt cx="0" cy="0"/>
-        </a:xfrm>
-      </p:grpSpPr>
-      <p:sp>
-        <p:nvSpPr>
-          <p:cNvPr id="2" name="Title 1">
-            <a:extLst>
-              <a:ext uri="{FF2B5EF4-FFF2-40B4-BE49-F238E27FC236}">
-                <a16:creationId xmlns:a16="http://schemas.microsoft.com/office/drawing/2014/main" id="{C7B88BF5-C73D-C2F9-DD20-DE6522FEBB0C}"/>
-              </a:ext>
-            </a:extLst>
-          </p:cNvPr>
-          <p:cNvSpPr>
-            <a:spLocks noGrp="1"/>
-          </p:cNvSpPr>
-          <p:nvPr>
-            <p:ph type="ctrTitle"/>
-          </p:nvPr>
-        </p:nvSpPr>
-        <p:spPr/>
-        <p:txBody>
-          <a:bodyPr/>
-          <a:lstStyle/>
-          <a:p>
-            <a:r>
-              <a:rPr lang="en-US" dirty="0"/>
-              <a:t>PREDICTIONS</a:t>
-            </a:r>
-            <a:endParaRPr lang="en-GB" dirty="0"/>
-          </a:p>
-        </p:txBody>
-      </p:sp>
-      <p:sp>
-        <p:nvSpPr>
-          <p:cNvPr id="3" name="Subtitle 2">
-            <a:extLst>
-              <a:ext uri="{FF2B5EF4-FFF2-40B4-BE49-F238E27FC236}">
-                <a16:creationId xmlns:a16="http://schemas.microsoft.com/office/drawing/2014/main" id="{7DC5E721-C1B6-45C1-7ACB-BA368382A9E9}"/>
-              </a:ext>
-            </a:extLst>
-          </p:cNvPr>
-          <p:cNvSpPr>
-            <a:spLocks noGrp="1"/>
-          </p:cNvSpPr>
-          <p:nvPr>
-            <p:ph type="subTitle" idx="1"/>
-          </p:nvPr>
-        </p:nvSpPr>
-        <p:spPr>
-          <a:xfrm>
-            <a:off x="581191" y="3275621"/>
-            <a:ext cx="10993546" cy="2873509"/>
-          </a:xfrm>
-        </p:spPr>
-        <p:txBody>
-          <a:bodyPr>
-            <a:normAutofit/>
-          </a:bodyPr>
-          <a:lstStyle/>
-          <a:p>
-            <a:r>
-              <a:rPr lang="en-US" dirty="0">
-                <a:solidFill>
-                  <a:schemeClr val="bg1"/>
-                </a:solidFill>
-              </a:rPr>
-              <a:t>Grade ~ Attendance</a:t>
-            </a:r>
-          </a:p>
-          <a:p>
-            <a:endParaRPr lang="en-US" dirty="0">
-              <a:solidFill>
-                <a:schemeClr val="bg1"/>
-              </a:solidFill>
-            </a:endParaRPr>
-          </a:p>
-          <a:p>
-            <a:r>
-              <a:rPr lang="en-US" dirty="0">
-                <a:solidFill>
-                  <a:schemeClr val="bg1"/>
-                </a:solidFill>
-              </a:rPr>
-              <a:t>Grade ~ Expected Attendance</a:t>
-            </a:r>
-          </a:p>
-          <a:p>
-            <a:endParaRPr lang="en-US" dirty="0">
-              <a:solidFill>
-                <a:schemeClr val="bg1"/>
-              </a:solidFill>
-            </a:endParaRPr>
-          </a:p>
-          <a:p>
-            <a:r>
-              <a:rPr lang="en-US" dirty="0">
-                <a:solidFill>
-                  <a:schemeClr val="bg1"/>
-                </a:solidFill>
-              </a:rPr>
-              <a:t>Grade ~ Practical Attendance</a:t>
-            </a:r>
-          </a:p>
-          <a:p>
-            <a:endParaRPr lang="en-US" dirty="0">
-              <a:solidFill>
-                <a:schemeClr val="bg1"/>
-              </a:solidFill>
-            </a:endParaRPr>
-          </a:p>
-          <a:p>
-            <a:r>
-              <a:rPr lang="en-US" dirty="0">
-                <a:solidFill>
-                  <a:schemeClr val="bg1"/>
-                </a:solidFill>
-              </a:rPr>
-              <a:t>Grade ~ Lecture Attendance</a:t>
-            </a:r>
-          </a:p>
-        </p:txBody>
-      </p:sp>
-    </p:spTree>
-    <p:extLst>
-      <p:ext uri="{BB962C8B-B14F-4D97-AF65-F5344CB8AC3E}">
-        <p14:creationId xmlns:p14="http://schemas.microsoft.com/office/powerpoint/2010/main" val="1683191166"/>
-      </p:ext>
-    </p:extLst>
-  </p:cSld>
-  <p:clrMapOvr>
-    <a:masterClrMapping/>
-  </p:clrMapOvr>
-</p:sld>
-</file>
-
-<file path=ppt/slides/slide37.xml><?xml version="1.0" encoding="utf-8"?>
-<p:sld xmlns:a="http://schemas.openxmlformats.org/drawingml/2006/main" xmlns:r="http://schemas.openxmlformats.org/officeDocument/2006/relationships" xmlns:p="http://schemas.openxmlformats.org/presentationml/2006/main">
-  <p:cSld>
-    <p:spTree>
-      <p:nvGrpSpPr>
-        <p:cNvPr id="1" name=""/>
-        <p:cNvGrpSpPr/>
-        <p:nvPr/>
-      </p:nvGrpSpPr>
-      <p:grpSpPr>
-        <a:xfrm>
-          <a:off x="0" y="0"/>
-          <a:ext cx="0" cy="0"/>
-          <a:chOff x="0" y="0"/>
-          <a:chExt cx="0" cy="0"/>
-        </a:xfrm>
-      </p:grpSpPr>
-      <p:sp>
-        <p:nvSpPr>
-          <p:cNvPr id="2" name="Title 1">
-            <a:extLst>
-              <a:ext uri="{FF2B5EF4-FFF2-40B4-BE49-F238E27FC236}">
-                <a16:creationId xmlns:a16="http://schemas.microsoft.com/office/drawing/2014/main" id="{C7B88BF5-C73D-C2F9-DD20-DE6522FEBB0C}"/>
-              </a:ext>
-            </a:extLst>
-          </p:cNvPr>
-          <p:cNvSpPr>
-            <a:spLocks noGrp="1"/>
-          </p:cNvSpPr>
-          <p:nvPr>
-            <p:ph type="ctrTitle"/>
-          </p:nvPr>
-        </p:nvSpPr>
-        <p:spPr/>
-        <p:txBody>
-          <a:bodyPr/>
-          <a:lstStyle/>
-          <a:p>
-            <a:r>
-              <a:rPr lang="en-US" dirty="0"/>
-              <a:t>CONCLUSION</a:t>
-            </a:r>
-            <a:endParaRPr lang="en-GB" dirty="0"/>
-          </a:p>
-        </p:txBody>
-      </p:sp>
-      <p:sp>
-        <p:nvSpPr>
-          <p:cNvPr id="3" name="Subtitle 2">
-            <a:extLst>
-              <a:ext uri="{FF2B5EF4-FFF2-40B4-BE49-F238E27FC236}">
-                <a16:creationId xmlns:a16="http://schemas.microsoft.com/office/drawing/2014/main" id="{7DC5E721-C1B6-45C1-7ACB-BA368382A9E9}"/>
-              </a:ext>
-            </a:extLst>
-          </p:cNvPr>
-          <p:cNvSpPr>
-            <a:spLocks noGrp="1"/>
-          </p:cNvSpPr>
-          <p:nvPr>
-            <p:ph type="subTitle" idx="1"/>
-          </p:nvPr>
-        </p:nvSpPr>
-        <p:spPr>
-          <a:xfrm>
-            <a:off x="581191" y="3275621"/>
-            <a:ext cx="10993546" cy="2873509"/>
-          </a:xfrm>
-        </p:spPr>
-        <p:txBody>
-          <a:bodyPr>
-            <a:normAutofit/>
-          </a:bodyPr>
-          <a:lstStyle/>
-          <a:p>
-            <a:r>
-              <a:rPr lang="en-US" dirty="0">
-                <a:solidFill>
-                  <a:schemeClr val="bg1"/>
-                </a:solidFill>
-              </a:rPr>
-              <a:t>Limitations</a:t>
-            </a:r>
-          </a:p>
-          <a:p>
-            <a:endParaRPr lang="en-US" dirty="0">
-              <a:solidFill>
-                <a:schemeClr val="bg1"/>
-              </a:solidFill>
-            </a:endParaRPr>
-          </a:p>
-          <a:p>
-            <a:r>
-              <a:rPr lang="en-US" dirty="0">
-                <a:solidFill>
-                  <a:schemeClr val="bg1"/>
-                </a:solidFill>
-              </a:rPr>
-              <a:t>HYPOTHESIS ANSWER</a:t>
-            </a:r>
-          </a:p>
-          <a:p>
-            <a:endParaRPr lang="en-US" dirty="0">
-              <a:solidFill>
-                <a:schemeClr val="bg1"/>
-              </a:solidFill>
-            </a:endParaRPr>
-          </a:p>
-          <a:p>
-            <a:r>
-              <a:rPr lang="en-US" dirty="0">
-                <a:solidFill>
-                  <a:schemeClr val="bg1"/>
-                </a:solidFill>
-              </a:rPr>
-              <a:t>FURTHER DEVELOPMENT</a:t>
-            </a:r>
-          </a:p>
-        </p:txBody>
-      </p:sp>
-    </p:spTree>
-    <p:extLst>
-      <p:ext uri="{BB962C8B-B14F-4D97-AF65-F5344CB8AC3E}">
-        <p14:creationId xmlns:p14="http://schemas.microsoft.com/office/powerpoint/2010/main" val="1590490258"/>
-      </p:ext>
-    </p:extLst>
-  </p:cSld>
-  <p:clrMapOvr>
-    <a:masterClrMapping/>
-  </p:clrMapOvr>
-</p:sld>
-</file>
-
-<file path=ppt/slides/slide38.xml><?xml version="1.0" encoding="utf-8"?>
-<p:sld xmlns:a="http://schemas.openxmlformats.org/drawingml/2006/main" xmlns:r="http://schemas.openxmlformats.org/officeDocument/2006/relationships" xmlns:p="http://schemas.openxmlformats.org/presentationml/2006/main">
-  <p:cSld>
-    <p:spTree>
-      <p:nvGrpSpPr>
-        <p:cNvPr id="1" name=""/>
-        <p:cNvGrpSpPr/>
-        <p:nvPr/>
-      </p:nvGrpSpPr>
-      <p:grpSpPr>
-        <a:xfrm>
-          <a:off x="0" y="0"/>
-          <a:ext cx="0" cy="0"/>
-          <a:chOff x="0" y="0"/>
-          <a:chExt cx="0" cy="0"/>
-        </a:xfrm>
-      </p:grpSpPr>
-      <p:sp>
-        <p:nvSpPr>
-          <p:cNvPr id="2" name="Title 1">
-            <a:extLst>
-              <a:ext uri="{FF2B5EF4-FFF2-40B4-BE49-F238E27FC236}">
-                <a16:creationId xmlns:a16="http://schemas.microsoft.com/office/drawing/2014/main" id="{C7E0A70A-A506-742E-79FF-CCC404CE65C7}"/>
-              </a:ext>
-            </a:extLst>
-          </p:cNvPr>
-          <p:cNvSpPr>
-            <a:spLocks noGrp="1"/>
-          </p:cNvSpPr>
-          <p:nvPr>
-            <p:ph type="title"/>
-          </p:nvPr>
-        </p:nvSpPr>
-        <p:spPr/>
-        <p:txBody>
-          <a:bodyPr/>
-          <a:lstStyle/>
-          <a:p>
-            <a:r>
-              <a:rPr lang="en-GB" dirty="0"/>
-              <a:t>Limitations</a:t>
-            </a:r>
-          </a:p>
-        </p:txBody>
-      </p:sp>
-      <p:sp>
-        <p:nvSpPr>
-          <p:cNvPr id="3" name="Content Placeholder 2">
-            <a:extLst>
-              <a:ext uri="{FF2B5EF4-FFF2-40B4-BE49-F238E27FC236}">
-                <a16:creationId xmlns:a16="http://schemas.microsoft.com/office/drawing/2014/main" id="{DAE9E2D5-3E7C-12B5-F2B4-4D153305E279}"/>
-              </a:ext>
-            </a:extLst>
-          </p:cNvPr>
-          <p:cNvSpPr>
-            <a:spLocks noGrp="1"/>
-          </p:cNvSpPr>
-          <p:nvPr>
-            <p:ph idx="1"/>
-          </p:nvPr>
-        </p:nvSpPr>
-        <p:spPr>
-          <a:xfrm>
-            <a:off x="581192" y="2180497"/>
-            <a:ext cx="11029615" cy="3975348"/>
-          </a:xfrm>
-        </p:spPr>
-        <p:txBody>
-          <a:bodyPr>
-            <a:normAutofit/>
-          </a:bodyPr>
-          <a:lstStyle/>
-          <a:p>
-            <a:r>
-              <a:rPr lang="en-US" dirty="0">
-                <a:solidFill>
-                  <a:schemeClr val="tx1"/>
-                </a:solidFill>
-              </a:rPr>
-              <a:t>The study is only focusses on attendance and achievement of a single Module at Abertay University in Scotland. Methods of content delivery may not be suitable for other institutions due to technology differences, delivery method and class structure.</a:t>
-            </a:r>
-          </a:p>
-          <a:p>
-            <a:pPr lvl="1"/>
-            <a:r>
-              <a:rPr lang="en-US" dirty="0">
-                <a:solidFill>
-                  <a:schemeClr val="tx1"/>
-                </a:solidFill>
-              </a:rPr>
-              <a:t>Module was delivered with in three classes each week. An online one-hour live lecture, then a two-hour on-campus practical session (two practical sessions were run to accommodate cohort size). </a:t>
-            </a:r>
-          </a:p>
-          <a:p>
-            <a:endParaRPr lang="en-US" dirty="0">
-              <a:solidFill>
-                <a:schemeClr val="tx1"/>
-              </a:solidFill>
-            </a:endParaRPr>
-          </a:p>
-          <a:p>
-            <a:r>
-              <a:rPr lang="en-US" dirty="0">
-                <a:solidFill>
-                  <a:schemeClr val="tx1"/>
-                </a:solidFill>
-              </a:rPr>
-              <a:t>Module is focused on material that is entirely done on a computer. As such, remote teaching is potentially easier than other subjects which could limit the impact of the results.</a:t>
-            </a:r>
-          </a:p>
-          <a:p>
-            <a:endParaRPr lang="en-US" dirty="0">
-              <a:solidFill>
-                <a:schemeClr val="tx1"/>
-              </a:solidFill>
-            </a:endParaRPr>
-          </a:p>
-          <a:p>
-            <a:r>
-              <a:rPr lang="en-US" dirty="0">
-                <a:solidFill>
-                  <a:schemeClr val="tx1"/>
-                </a:solidFill>
-              </a:rPr>
-              <a:t> Study is limited to two years of attendance data.</a:t>
-            </a:r>
-          </a:p>
-        </p:txBody>
-      </p:sp>
-    </p:spTree>
-    <p:extLst>
-      <p:ext uri="{BB962C8B-B14F-4D97-AF65-F5344CB8AC3E}">
-        <p14:creationId xmlns:p14="http://schemas.microsoft.com/office/powerpoint/2010/main" val="4183516663"/>
-      </p:ext>
-    </p:extLst>
-  </p:cSld>
-  <p:clrMapOvr>
-    <a:masterClrMapping/>
-  </p:clrMapOvr>
-</p:sld>
-</file>
-
-<file path=ppt/slides/slide39.xml><?xml version="1.0" encoding="utf-8"?>
-<p:sld xmlns:a="http://schemas.openxmlformats.org/drawingml/2006/main" xmlns:r="http://schemas.openxmlformats.org/officeDocument/2006/relationships" xmlns:p="http://schemas.openxmlformats.org/presentationml/2006/main">
-  <p:cSld>
-    <p:spTree>
-      <p:nvGrpSpPr>
-        <p:cNvPr id="1" name=""/>
-        <p:cNvGrpSpPr/>
-        <p:nvPr/>
-      </p:nvGrpSpPr>
-      <p:grpSpPr>
-        <a:xfrm>
-          <a:off x="0" y="0"/>
-          <a:ext cx="0" cy="0"/>
-          <a:chOff x="0" y="0"/>
-          <a:chExt cx="0" cy="0"/>
-        </a:xfrm>
-      </p:grpSpPr>
-      <p:sp>
-        <p:nvSpPr>
-          <p:cNvPr id="2" name="Title 1">
-            <a:extLst>
-              <a:ext uri="{FF2B5EF4-FFF2-40B4-BE49-F238E27FC236}">
-                <a16:creationId xmlns:a16="http://schemas.microsoft.com/office/drawing/2014/main" id="{C7E0A70A-A506-742E-79FF-CCC404CE65C7}"/>
-              </a:ext>
-            </a:extLst>
-          </p:cNvPr>
-          <p:cNvSpPr>
-            <a:spLocks noGrp="1"/>
-          </p:cNvSpPr>
-          <p:nvPr>
-            <p:ph type="title"/>
-          </p:nvPr>
-        </p:nvSpPr>
-        <p:spPr/>
-        <p:txBody>
-          <a:bodyPr/>
-          <a:lstStyle/>
-          <a:p>
-            <a:r>
-              <a:rPr lang="en-GB" dirty="0"/>
-              <a:t>HYPOTHESIS ANSWER</a:t>
-            </a:r>
-          </a:p>
-        </p:txBody>
-      </p:sp>
-      <p:sp>
-        <p:nvSpPr>
-          <p:cNvPr id="3" name="Content Placeholder 2">
-            <a:extLst>
-              <a:ext uri="{FF2B5EF4-FFF2-40B4-BE49-F238E27FC236}">
-                <a16:creationId xmlns:a16="http://schemas.microsoft.com/office/drawing/2014/main" id="{DAE9E2D5-3E7C-12B5-F2B4-4D153305E279}"/>
-              </a:ext>
-            </a:extLst>
-          </p:cNvPr>
-          <p:cNvSpPr>
-            <a:spLocks noGrp="1"/>
-          </p:cNvSpPr>
-          <p:nvPr>
-            <p:ph idx="1"/>
-          </p:nvPr>
-        </p:nvSpPr>
-        <p:spPr>
-          <a:xfrm>
-            <a:off x="581192" y="2180497"/>
-            <a:ext cx="11029615" cy="3975348"/>
-          </a:xfrm>
-        </p:spPr>
-        <p:txBody>
-          <a:bodyPr>
-            <a:normAutofit/>
-          </a:bodyPr>
-          <a:lstStyle/>
-          <a:p>
-            <a:r>
-              <a:rPr lang="en-US" dirty="0">
-                <a:solidFill>
-                  <a:schemeClr val="tx1"/>
-                </a:solidFill>
-              </a:rPr>
-              <a:t>The study is only focusses on attendance and achievement of a single Module at Abertay University in Scotland. Methods of content delivery may not be suitable for other institutions due to technology differences, delivery method and class structure.</a:t>
-            </a:r>
-          </a:p>
-          <a:p>
-            <a:pPr lvl="1"/>
-            <a:r>
-              <a:rPr lang="en-US" dirty="0">
-                <a:solidFill>
-                  <a:schemeClr val="tx1"/>
-                </a:solidFill>
-              </a:rPr>
-              <a:t>Module was delivered with in three classes each week. An online one-hour live lecture, then a two-hour on-campus practical session (two practical sessions were run to accommodate cohort size). </a:t>
-            </a:r>
-          </a:p>
-          <a:p>
-            <a:endParaRPr lang="en-US" dirty="0">
-              <a:solidFill>
-                <a:schemeClr val="tx1"/>
-              </a:solidFill>
-            </a:endParaRPr>
-          </a:p>
-          <a:p>
-            <a:r>
-              <a:rPr lang="en-US" dirty="0">
-                <a:solidFill>
-                  <a:schemeClr val="tx1"/>
-                </a:solidFill>
-              </a:rPr>
-              <a:t>Module is focused on material that is entirely done on a computer. As such, remote teaching is potentially easier than other subjects which could limit the impact of the results.</a:t>
-            </a:r>
-          </a:p>
-          <a:p>
-            <a:endParaRPr lang="en-US" dirty="0">
-              <a:solidFill>
-                <a:schemeClr val="tx1"/>
-              </a:solidFill>
-            </a:endParaRPr>
-          </a:p>
-          <a:p>
-            <a:r>
-              <a:rPr lang="en-US" dirty="0">
-                <a:solidFill>
-                  <a:schemeClr val="tx1"/>
-                </a:solidFill>
-              </a:rPr>
-              <a:t> Study is limited to two years of attendance data.</a:t>
-            </a:r>
-          </a:p>
-        </p:txBody>
-      </p:sp>
-    </p:spTree>
-    <p:extLst>
-      <p:ext uri="{BB962C8B-B14F-4D97-AF65-F5344CB8AC3E}">
-        <p14:creationId xmlns:p14="http://schemas.microsoft.com/office/powerpoint/2010/main" val="1359845387"/>
       </p:ext>
     </p:extLst>
   </p:cSld>
@@ -21267,6 +19425,287 @@
           <p:cNvPr id="2" name="Title 1">
             <a:extLst>
               <a:ext uri="{FF2B5EF4-FFF2-40B4-BE49-F238E27FC236}">
+                <a16:creationId xmlns:a16="http://schemas.microsoft.com/office/drawing/2014/main" id="{C7B88BF5-C73D-C2F9-DD20-DE6522FEBB0C}"/>
+              </a:ext>
+            </a:extLst>
+          </p:cNvPr>
+          <p:cNvSpPr>
+            <a:spLocks noGrp="1"/>
+          </p:cNvSpPr>
+          <p:nvPr>
+            <p:ph type="ctrTitle"/>
+          </p:nvPr>
+        </p:nvSpPr>
+        <p:spPr/>
+        <p:txBody>
+          <a:bodyPr/>
+          <a:lstStyle/>
+          <a:p>
+            <a:r>
+              <a:rPr lang="en-US" dirty="0"/>
+              <a:t>PREDICTIONS</a:t>
+            </a:r>
+            <a:endParaRPr lang="en-GB" dirty="0"/>
+          </a:p>
+        </p:txBody>
+      </p:sp>
+      <p:sp>
+        <p:nvSpPr>
+          <p:cNvPr id="3" name="Subtitle 2">
+            <a:extLst>
+              <a:ext uri="{FF2B5EF4-FFF2-40B4-BE49-F238E27FC236}">
+                <a16:creationId xmlns:a16="http://schemas.microsoft.com/office/drawing/2014/main" id="{7DC5E721-C1B6-45C1-7ACB-BA368382A9E9}"/>
+              </a:ext>
+            </a:extLst>
+          </p:cNvPr>
+          <p:cNvSpPr>
+            <a:spLocks noGrp="1"/>
+          </p:cNvSpPr>
+          <p:nvPr>
+            <p:ph type="subTitle" idx="1"/>
+          </p:nvPr>
+        </p:nvSpPr>
+        <p:spPr>
+          <a:xfrm>
+            <a:off x="581191" y="3275621"/>
+            <a:ext cx="10993546" cy="2873509"/>
+          </a:xfrm>
+        </p:spPr>
+        <p:txBody>
+          <a:bodyPr>
+            <a:normAutofit/>
+          </a:bodyPr>
+          <a:lstStyle/>
+          <a:p>
+            <a:r>
+              <a:rPr lang="en-US" dirty="0">
+                <a:solidFill>
+                  <a:schemeClr val="bg1"/>
+                </a:solidFill>
+              </a:rPr>
+              <a:t>Grade ~ Attendance</a:t>
+            </a:r>
+          </a:p>
+          <a:p>
+            <a:endParaRPr lang="en-US" dirty="0">
+              <a:solidFill>
+                <a:schemeClr val="bg1"/>
+              </a:solidFill>
+            </a:endParaRPr>
+          </a:p>
+          <a:p>
+            <a:r>
+              <a:rPr lang="en-US" dirty="0">
+                <a:solidFill>
+                  <a:schemeClr val="bg1"/>
+                </a:solidFill>
+              </a:rPr>
+              <a:t>Grade ~ Expected Attendance</a:t>
+            </a:r>
+          </a:p>
+          <a:p>
+            <a:endParaRPr lang="en-US" dirty="0">
+              <a:solidFill>
+                <a:schemeClr val="bg1"/>
+              </a:solidFill>
+            </a:endParaRPr>
+          </a:p>
+          <a:p>
+            <a:r>
+              <a:rPr lang="en-US" dirty="0">
+                <a:solidFill>
+                  <a:schemeClr val="bg1"/>
+                </a:solidFill>
+              </a:rPr>
+              <a:t>Grade ~ Practical Attendance</a:t>
+            </a:r>
+          </a:p>
+          <a:p>
+            <a:endParaRPr lang="en-US" dirty="0">
+              <a:solidFill>
+                <a:schemeClr val="bg1"/>
+              </a:solidFill>
+            </a:endParaRPr>
+          </a:p>
+          <a:p>
+            <a:r>
+              <a:rPr lang="en-US" dirty="0">
+                <a:solidFill>
+                  <a:schemeClr val="bg1"/>
+                </a:solidFill>
+              </a:rPr>
+              <a:t>Grade ~ Lecture Attendance</a:t>
+            </a:r>
+          </a:p>
+        </p:txBody>
+      </p:sp>
+    </p:spTree>
+    <p:extLst>
+      <p:ext uri="{BB962C8B-B14F-4D97-AF65-F5344CB8AC3E}">
+        <p14:creationId xmlns:p14="http://schemas.microsoft.com/office/powerpoint/2010/main" val="1683191166"/>
+      </p:ext>
+    </p:extLst>
+  </p:cSld>
+  <p:clrMapOvr>
+    <a:masterClrMapping/>
+  </p:clrMapOvr>
+</p:sld>
+</file>
+
+<file path=ppt/slides/slide41.xml><?xml version="1.0" encoding="utf-8"?>
+<p:sld xmlns:a="http://schemas.openxmlformats.org/drawingml/2006/main" xmlns:r="http://schemas.openxmlformats.org/officeDocument/2006/relationships" xmlns:p="http://schemas.openxmlformats.org/presentationml/2006/main">
+  <p:cSld>
+    <p:spTree>
+      <p:nvGrpSpPr>
+        <p:cNvPr id="1" name=""/>
+        <p:cNvGrpSpPr/>
+        <p:nvPr/>
+      </p:nvGrpSpPr>
+      <p:grpSpPr>
+        <a:xfrm>
+          <a:off x="0" y="0"/>
+          <a:ext cx="0" cy="0"/>
+          <a:chOff x="0" y="0"/>
+          <a:chExt cx="0" cy="0"/>
+        </a:xfrm>
+      </p:grpSpPr>
+      <p:sp>
+        <p:nvSpPr>
+          <p:cNvPr id="2" name="Title 1">
+            <a:extLst>
+              <a:ext uri="{FF2B5EF4-FFF2-40B4-BE49-F238E27FC236}">
+                <a16:creationId xmlns:a16="http://schemas.microsoft.com/office/drawing/2014/main" id="{C7B88BF5-C73D-C2F9-DD20-DE6522FEBB0C}"/>
+              </a:ext>
+            </a:extLst>
+          </p:cNvPr>
+          <p:cNvSpPr>
+            <a:spLocks noGrp="1"/>
+          </p:cNvSpPr>
+          <p:nvPr>
+            <p:ph type="ctrTitle"/>
+          </p:nvPr>
+        </p:nvSpPr>
+        <p:spPr/>
+        <p:txBody>
+          <a:bodyPr/>
+          <a:lstStyle/>
+          <a:p>
+            <a:r>
+              <a:rPr lang="en-US" dirty="0"/>
+              <a:t>CONCLUSION</a:t>
+            </a:r>
+            <a:endParaRPr lang="en-GB" dirty="0"/>
+          </a:p>
+        </p:txBody>
+      </p:sp>
+      <p:sp>
+        <p:nvSpPr>
+          <p:cNvPr id="3" name="Subtitle 2">
+            <a:extLst>
+              <a:ext uri="{FF2B5EF4-FFF2-40B4-BE49-F238E27FC236}">
+                <a16:creationId xmlns:a16="http://schemas.microsoft.com/office/drawing/2014/main" id="{7DC5E721-C1B6-45C1-7ACB-BA368382A9E9}"/>
+              </a:ext>
+            </a:extLst>
+          </p:cNvPr>
+          <p:cNvSpPr>
+            <a:spLocks noGrp="1"/>
+          </p:cNvSpPr>
+          <p:nvPr>
+            <p:ph type="subTitle" idx="1"/>
+          </p:nvPr>
+        </p:nvSpPr>
+        <p:spPr>
+          <a:xfrm>
+            <a:off x="581191" y="3275621"/>
+            <a:ext cx="10993546" cy="2873509"/>
+          </a:xfrm>
+        </p:spPr>
+        <p:txBody>
+          <a:bodyPr>
+            <a:normAutofit/>
+          </a:bodyPr>
+          <a:lstStyle/>
+          <a:p>
+            <a:r>
+              <a:rPr lang="en-US" dirty="0">
+                <a:solidFill>
+                  <a:schemeClr val="bg1"/>
+                </a:solidFill>
+              </a:rPr>
+              <a:t>Limitations</a:t>
+            </a:r>
+          </a:p>
+          <a:p>
+            <a:endParaRPr lang="en-US" dirty="0">
+              <a:solidFill>
+                <a:schemeClr val="bg1"/>
+              </a:solidFill>
+            </a:endParaRPr>
+          </a:p>
+          <a:p>
+            <a:r>
+              <a:rPr lang="en-US" dirty="0">
+                <a:solidFill>
+                  <a:schemeClr val="bg1"/>
+                </a:solidFill>
+              </a:rPr>
+              <a:t>HYPOTHESIS ANSWER</a:t>
+            </a:r>
+          </a:p>
+          <a:p>
+            <a:endParaRPr lang="en-US" dirty="0">
+              <a:solidFill>
+                <a:schemeClr val="bg1"/>
+              </a:solidFill>
+            </a:endParaRPr>
+          </a:p>
+          <a:p>
+            <a:r>
+              <a:rPr lang="en-US" dirty="0">
+                <a:solidFill>
+                  <a:schemeClr val="bg1"/>
+                </a:solidFill>
+              </a:rPr>
+              <a:t>FURTHER DEVELOPMENT</a:t>
+            </a:r>
+          </a:p>
+        </p:txBody>
+      </p:sp>
+    </p:spTree>
+    <p:extLst>
+      <p:ext uri="{BB962C8B-B14F-4D97-AF65-F5344CB8AC3E}">
+        <p14:creationId xmlns:p14="http://schemas.microsoft.com/office/powerpoint/2010/main" val="1590490258"/>
+      </p:ext>
+    </p:extLst>
+  </p:cSld>
+  <p:clrMapOvr>
+    <a:masterClrMapping/>
+  </p:clrMapOvr>
+</p:sld>
+</file>
+
+<file path=ppt/slides/slide42.xml><?xml version="1.0" encoding="utf-8"?>
+<p:sld xmlns:a="http://schemas.openxmlformats.org/drawingml/2006/main" xmlns:r="http://schemas.openxmlformats.org/officeDocument/2006/relationships" xmlns:p="http://schemas.openxmlformats.org/presentationml/2006/main">
+  <p:cSld>
+    <p:spTree>
+      <p:nvGrpSpPr>
+        <p:cNvPr id="1" name=""/>
+        <p:cNvGrpSpPr/>
+        <p:nvPr/>
+      </p:nvGrpSpPr>
+      <p:grpSpPr>
+        <a:xfrm>
+          <a:off x="0" y="0"/>
+          <a:ext cx="0" cy="0"/>
+          <a:chOff x="0" y="0"/>
+          <a:chExt cx="0" cy="0"/>
+        </a:xfrm>
+      </p:grpSpPr>
+      <p:sp>
+        <p:nvSpPr>
+          <p:cNvPr id="2" name="Title 1">
+            <a:extLst>
+              <a:ext uri="{FF2B5EF4-FFF2-40B4-BE49-F238E27FC236}">
                 <a16:creationId xmlns:a16="http://schemas.microsoft.com/office/drawing/2014/main" id="{C7E0A70A-A506-742E-79FF-CCC404CE65C7}"/>
               </a:ext>
             </a:extLst>
@@ -21285,7 +19724,7 @@
           <a:p>
             <a:r>
               <a:rPr lang="en-GB" dirty="0"/>
-              <a:t>FURTHER DEVELOPMENT</a:t>
+              <a:t>Limitations</a:t>
             </a:r>
           </a:p>
         </p:txBody>
@@ -21377,6 +19816,245 @@
     </p:spTree>
     <p:extLst>
       <p:ext uri="{BB962C8B-B14F-4D97-AF65-F5344CB8AC3E}">
+        <p14:creationId xmlns:p14="http://schemas.microsoft.com/office/powerpoint/2010/main" val="4183516663"/>
+      </p:ext>
+    </p:extLst>
+  </p:cSld>
+  <p:clrMapOvr>
+    <a:masterClrMapping/>
+  </p:clrMapOvr>
+</p:sld>
+</file>
+
+<file path=ppt/slides/slide43.xml><?xml version="1.0" encoding="utf-8"?>
+<p:sld xmlns:a="http://schemas.openxmlformats.org/drawingml/2006/main" xmlns:r="http://schemas.openxmlformats.org/officeDocument/2006/relationships" xmlns:p="http://schemas.openxmlformats.org/presentationml/2006/main">
+  <p:cSld>
+    <p:spTree>
+      <p:nvGrpSpPr>
+        <p:cNvPr id="1" name=""/>
+        <p:cNvGrpSpPr/>
+        <p:nvPr/>
+      </p:nvGrpSpPr>
+      <p:grpSpPr>
+        <a:xfrm>
+          <a:off x="0" y="0"/>
+          <a:ext cx="0" cy="0"/>
+          <a:chOff x="0" y="0"/>
+          <a:chExt cx="0" cy="0"/>
+        </a:xfrm>
+      </p:grpSpPr>
+      <p:sp>
+        <p:nvSpPr>
+          <p:cNvPr id="2" name="Title 1">
+            <a:extLst>
+              <a:ext uri="{FF2B5EF4-FFF2-40B4-BE49-F238E27FC236}">
+                <a16:creationId xmlns:a16="http://schemas.microsoft.com/office/drawing/2014/main" id="{C7E0A70A-A506-742E-79FF-CCC404CE65C7}"/>
+              </a:ext>
+            </a:extLst>
+          </p:cNvPr>
+          <p:cNvSpPr>
+            <a:spLocks noGrp="1"/>
+          </p:cNvSpPr>
+          <p:nvPr>
+            <p:ph type="title"/>
+          </p:nvPr>
+        </p:nvSpPr>
+        <p:spPr/>
+        <p:txBody>
+          <a:bodyPr/>
+          <a:lstStyle/>
+          <a:p>
+            <a:r>
+              <a:rPr lang="en-GB" dirty="0"/>
+              <a:t>HYPOTHESIS ANSWER</a:t>
+            </a:r>
+          </a:p>
+        </p:txBody>
+      </p:sp>
+      <p:sp>
+        <p:nvSpPr>
+          <p:cNvPr id="3" name="Content Placeholder 2">
+            <a:extLst>
+              <a:ext uri="{FF2B5EF4-FFF2-40B4-BE49-F238E27FC236}">
+                <a16:creationId xmlns:a16="http://schemas.microsoft.com/office/drawing/2014/main" id="{DAE9E2D5-3E7C-12B5-F2B4-4D153305E279}"/>
+              </a:ext>
+            </a:extLst>
+          </p:cNvPr>
+          <p:cNvSpPr>
+            <a:spLocks noGrp="1"/>
+          </p:cNvSpPr>
+          <p:nvPr>
+            <p:ph idx="1"/>
+          </p:nvPr>
+        </p:nvSpPr>
+        <p:spPr>
+          <a:xfrm>
+            <a:off x="581192" y="2180497"/>
+            <a:ext cx="11029615" cy="3975348"/>
+          </a:xfrm>
+        </p:spPr>
+        <p:txBody>
+          <a:bodyPr>
+            <a:normAutofit/>
+          </a:bodyPr>
+          <a:lstStyle/>
+          <a:p>
+            <a:r>
+              <a:rPr lang="en-US" dirty="0">
+                <a:solidFill>
+                  <a:schemeClr val="tx1"/>
+                </a:solidFill>
+              </a:rPr>
+              <a:t>The study is only focusses on attendance and achievement of a single Module at Abertay University in Scotland. Methods of content delivery may not be suitable for other institutions due to technology differences, delivery method and class structure.</a:t>
+            </a:r>
+          </a:p>
+          <a:p>
+            <a:pPr lvl="1"/>
+            <a:r>
+              <a:rPr lang="en-US" dirty="0">
+                <a:solidFill>
+                  <a:schemeClr val="tx1"/>
+                </a:solidFill>
+              </a:rPr>
+              <a:t>Module was delivered with in three classes each week. An online one-hour live lecture, then a two-hour on-campus practical session (two practical sessions were run to accommodate cohort size). </a:t>
+            </a:r>
+          </a:p>
+          <a:p>
+            <a:endParaRPr lang="en-US" dirty="0">
+              <a:solidFill>
+                <a:schemeClr val="tx1"/>
+              </a:solidFill>
+            </a:endParaRPr>
+          </a:p>
+          <a:p>
+            <a:r>
+              <a:rPr lang="en-US" dirty="0">
+                <a:solidFill>
+                  <a:schemeClr val="tx1"/>
+                </a:solidFill>
+              </a:rPr>
+              <a:t>Module is focused on material that is entirely done on a computer. As such, remote teaching is potentially easier than other subjects which could limit the impact of the results.</a:t>
+            </a:r>
+          </a:p>
+          <a:p>
+            <a:endParaRPr lang="en-US" dirty="0">
+              <a:solidFill>
+                <a:schemeClr val="tx1"/>
+              </a:solidFill>
+            </a:endParaRPr>
+          </a:p>
+          <a:p>
+            <a:r>
+              <a:rPr lang="en-US" dirty="0">
+                <a:solidFill>
+                  <a:schemeClr val="tx1"/>
+                </a:solidFill>
+              </a:rPr>
+              <a:t> Study is limited to two years of attendance data.</a:t>
+            </a:r>
+          </a:p>
+        </p:txBody>
+      </p:sp>
+    </p:spTree>
+    <p:extLst>
+      <p:ext uri="{BB962C8B-B14F-4D97-AF65-F5344CB8AC3E}">
+        <p14:creationId xmlns:p14="http://schemas.microsoft.com/office/powerpoint/2010/main" val="1359845387"/>
+      </p:ext>
+    </p:extLst>
+  </p:cSld>
+  <p:clrMapOvr>
+    <a:masterClrMapping/>
+  </p:clrMapOvr>
+</p:sld>
+</file>
+
+<file path=ppt/slides/slide44.xml><?xml version="1.0" encoding="utf-8"?>
+<p:sld xmlns:a="http://schemas.openxmlformats.org/drawingml/2006/main" xmlns:r="http://schemas.openxmlformats.org/officeDocument/2006/relationships" xmlns:p="http://schemas.openxmlformats.org/presentationml/2006/main">
+  <p:cSld>
+    <p:spTree>
+      <p:nvGrpSpPr>
+        <p:cNvPr id="1" name=""/>
+        <p:cNvGrpSpPr/>
+        <p:nvPr/>
+      </p:nvGrpSpPr>
+      <p:grpSpPr>
+        <a:xfrm>
+          <a:off x="0" y="0"/>
+          <a:ext cx="0" cy="0"/>
+          <a:chOff x="0" y="0"/>
+          <a:chExt cx="0" cy="0"/>
+        </a:xfrm>
+      </p:grpSpPr>
+      <p:sp>
+        <p:nvSpPr>
+          <p:cNvPr id="2" name="Title 1">
+            <a:extLst>
+              <a:ext uri="{FF2B5EF4-FFF2-40B4-BE49-F238E27FC236}">
+                <a16:creationId xmlns:a16="http://schemas.microsoft.com/office/drawing/2014/main" id="{C7E0A70A-A506-742E-79FF-CCC404CE65C7}"/>
+              </a:ext>
+            </a:extLst>
+          </p:cNvPr>
+          <p:cNvSpPr>
+            <a:spLocks noGrp="1"/>
+          </p:cNvSpPr>
+          <p:nvPr>
+            <p:ph type="title"/>
+          </p:nvPr>
+        </p:nvSpPr>
+        <p:spPr/>
+        <p:txBody>
+          <a:bodyPr/>
+          <a:lstStyle/>
+          <a:p>
+            <a:r>
+              <a:rPr lang="en-GB" dirty="0"/>
+              <a:t>FURTHER DEVELOPMENT</a:t>
+            </a:r>
+          </a:p>
+        </p:txBody>
+      </p:sp>
+      <p:sp>
+        <p:nvSpPr>
+          <p:cNvPr id="3" name="Content Placeholder 2">
+            <a:extLst>
+              <a:ext uri="{FF2B5EF4-FFF2-40B4-BE49-F238E27FC236}">
+                <a16:creationId xmlns:a16="http://schemas.microsoft.com/office/drawing/2014/main" id="{DAE9E2D5-3E7C-12B5-F2B4-4D153305E279}"/>
+              </a:ext>
+            </a:extLst>
+          </p:cNvPr>
+          <p:cNvSpPr>
+            <a:spLocks noGrp="1"/>
+          </p:cNvSpPr>
+          <p:nvPr>
+            <p:ph idx="1"/>
+          </p:nvPr>
+        </p:nvSpPr>
+        <p:spPr>
+          <a:xfrm>
+            <a:off x="581192" y="2180497"/>
+            <a:ext cx="11029615" cy="3975348"/>
+          </a:xfrm>
+        </p:spPr>
+        <p:txBody>
+          <a:bodyPr>
+            <a:normAutofit/>
+          </a:bodyPr>
+          <a:lstStyle/>
+          <a:p>
+            <a:r>
+              <a:rPr lang="en-US" dirty="0">
+                <a:solidFill>
+                  <a:schemeClr val="tx1"/>
+                </a:solidFill>
+              </a:rPr>
+              <a:t>Metrics for students engagement with the recorded material would help solidify the connection between VLE usage and the grade.</a:t>
+            </a:r>
+          </a:p>
+        </p:txBody>
+      </p:sp>
+    </p:spTree>
+    <p:extLst>
+      <p:ext uri="{BB962C8B-B14F-4D97-AF65-F5344CB8AC3E}">
         <p14:creationId xmlns:p14="http://schemas.microsoft.com/office/powerpoint/2010/main" val="1445128535"/>
       </p:ext>
     </p:extLst>
@@ -21387,7 +20065,7 @@
 </p:sld>
 </file>
 
-<file path=ppt/slides/slide41.xml><?xml version="1.0" encoding="utf-8"?>
+<file path=ppt/slides/slide45.xml><?xml version="1.0" encoding="utf-8"?>
 <p:sld xmlns:a="http://schemas.openxmlformats.org/drawingml/2006/main" xmlns:r="http://schemas.openxmlformats.org/officeDocument/2006/relationships" xmlns:p="http://schemas.openxmlformats.org/presentationml/2006/main">
   <p:cSld>
     <p:bg>
@@ -21877,7 +20555,7 @@
 </p:sld>
 </file>
 
-<file path=ppt/slides/slide42.xml><?xml version="1.0" encoding="utf-8"?>
+<file path=ppt/slides/slide46.xml><?xml version="1.0" encoding="utf-8"?>
 <p:sld xmlns:a="http://schemas.openxmlformats.org/drawingml/2006/main" xmlns:r="http://schemas.openxmlformats.org/officeDocument/2006/relationships" xmlns:p="http://schemas.openxmlformats.org/presentationml/2006/main">
   <p:cSld>
     <p:spTree>
@@ -22315,7 +20993,7 @@
 </p:sld>
 </file>
 
-<file path=ppt/slides/slide43.xml><?xml version="1.0" encoding="utf-8"?>
+<file path=ppt/slides/slide47.xml><?xml version="1.0" encoding="utf-8"?>
 <p:sld xmlns:a="http://schemas.openxmlformats.org/drawingml/2006/main" xmlns:r="http://schemas.openxmlformats.org/officeDocument/2006/relationships" xmlns:p="http://schemas.openxmlformats.org/presentationml/2006/main">
   <p:cSld>
     <p:spTree>
@@ -22821,7 +21499,7 @@
 </p:sld>
 </file>
 
-<file path=ppt/slides/slide44.xml><?xml version="1.0" encoding="utf-8"?>
+<file path=ppt/slides/slide48.xml><?xml version="1.0" encoding="utf-8"?>
 <p:sld xmlns:a="http://schemas.openxmlformats.org/drawingml/2006/main" xmlns:r="http://schemas.openxmlformats.org/officeDocument/2006/relationships" xmlns:p="http://schemas.openxmlformats.org/presentationml/2006/main">
   <p:cSld>
     <p:spTree>
@@ -23720,7 +22398,7 @@
         </p:spPr>
         <p:txBody>
           <a:bodyPr>
-            <a:normAutofit/>
+            <a:normAutofit lnSpcReduction="10000"/>
           </a:bodyPr>
           <a:lstStyle/>
           <a:p>
@@ -23819,6 +22497,17 @@
                 </a:solidFill>
               </a:rPr>
               <a:t>Data for 2020-2021 only contained five registers, including one for September 2021 (next academic year). As such the attendance was ignored.</a:t>
+            </a:r>
+          </a:p>
+          <a:p>
+            <a:pPr lvl="1"/>
+            <a:r>
+              <a:rPr lang="en-US" dirty="0">
+                <a:solidFill>
+                  <a:schemeClr val="tx1"/>
+                </a:solidFill>
+              </a:rPr>
+              <a:t>VLE use for 2020-2021 also reached thousands for individual users, far outpacing the use in later years.</a:t>
             </a:r>
           </a:p>
           <a:p>

--- a/scripts/CAP512.pptx
+++ b/scripts/CAP512.pptx
@@ -5,10 +5,10 @@
     <p:sldMasterId id="2147483672" r:id="rId1"/>
   </p:sldMasterIdLst>
   <p:notesMasterIdLst>
-    <p:notesMasterId r:id="rId50"/>
+    <p:notesMasterId r:id="rId57"/>
   </p:notesMasterIdLst>
   <p:handoutMasterIdLst>
-    <p:handoutMasterId r:id="rId51"/>
+    <p:handoutMasterId r:id="rId58"/>
   </p:handoutMasterIdLst>
   <p:sldIdLst>
     <p:sldId id="256" r:id="rId2"/>
@@ -33,32 +33,39 @@
     <p:sldId id="282" r:id="rId21"/>
     <p:sldId id="283" r:id="rId22"/>
     <p:sldId id="318" r:id="rId23"/>
-    <p:sldId id="291" r:id="rId24"/>
-    <p:sldId id="293" r:id="rId25"/>
-    <p:sldId id="311" r:id="rId26"/>
-    <p:sldId id="320" r:id="rId27"/>
-    <p:sldId id="319" r:id="rId28"/>
-    <p:sldId id="306" r:id="rId29"/>
-    <p:sldId id="308" r:id="rId30"/>
-    <p:sldId id="297" r:id="rId31"/>
-    <p:sldId id="298" r:id="rId32"/>
-    <p:sldId id="299" r:id="rId33"/>
-    <p:sldId id="300" r:id="rId34"/>
-    <p:sldId id="321" r:id="rId35"/>
-    <p:sldId id="322" r:id="rId36"/>
-    <p:sldId id="310" r:id="rId37"/>
-    <p:sldId id="324" r:id="rId38"/>
-    <p:sldId id="325" r:id="rId39"/>
-    <p:sldId id="309" r:id="rId40"/>
-    <p:sldId id="301" r:id="rId41"/>
-    <p:sldId id="302" r:id="rId42"/>
-    <p:sldId id="267" r:id="rId43"/>
-    <p:sldId id="316" r:id="rId44"/>
-    <p:sldId id="317" r:id="rId45"/>
-    <p:sldId id="260" r:id="rId46"/>
-    <p:sldId id="270" r:id="rId47"/>
-    <p:sldId id="305" r:id="rId48"/>
-    <p:sldId id="314" r:id="rId49"/>
+    <p:sldId id="327" r:id="rId24"/>
+    <p:sldId id="291" r:id="rId25"/>
+    <p:sldId id="293" r:id="rId26"/>
+    <p:sldId id="311" r:id="rId27"/>
+    <p:sldId id="320" r:id="rId28"/>
+    <p:sldId id="319" r:id="rId29"/>
+    <p:sldId id="306" r:id="rId30"/>
+    <p:sldId id="308" r:id="rId31"/>
+    <p:sldId id="297" r:id="rId32"/>
+    <p:sldId id="298" r:id="rId33"/>
+    <p:sldId id="299" r:id="rId34"/>
+    <p:sldId id="300" r:id="rId35"/>
+    <p:sldId id="328" r:id="rId36"/>
+    <p:sldId id="321" r:id="rId37"/>
+    <p:sldId id="333" r:id="rId38"/>
+    <p:sldId id="322" r:id="rId39"/>
+    <p:sldId id="324" r:id="rId40"/>
+    <p:sldId id="310" r:id="rId41"/>
+    <p:sldId id="325" r:id="rId42"/>
+    <p:sldId id="309" r:id="rId43"/>
+    <p:sldId id="302" r:id="rId44"/>
+    <p:sldId id="326" r:id="rId45"/>
+    <p:sldId id="330" r:id="rId46"/>
+    <p:sldId id="316" r:id="rId47"/>
+    <p:sldId id="267" r:id="rId48"/>
+    <p:sldId id="317" r:id="rId49"/>
+    <p:sldId id="329" r:id="rId50"/>
+    <p:sldId id="331" r:id="rId51"/>
+    <p:sldId id="332" r:id="rId52"/>
+    <p:sldId id="260" r:id="rId53"/>
+    <p:sldId id="270" r:id="rId54"/>
+    <p:sldId id="305" r:id="rId55"/>
+    <p:sldId id="314" r:id="rId56"/>
   </p:sldIdLst>
   <p:sldSz cx="12192000" cy="6858000"/>
   <p:notesSz cx="6858000" cy="9144000"/>
@@ -1458,7 +1465,7 @@
           </a:pPr>
           <a:r>
             <a:rPr lang="en-US" dirty="0"/>
-            <a:t>Correlation &amp; Covariance</a:t>
+            <a:t>Correlation Statistics</a:t>
           </a:r>
         </a:p>
       </dgm:t>
@@ -1499,7 +1506,7 @@
           </a:pPr>
           <a:r>
             <a:rPr lang="en-US" dirty="0"/>
-            <a:t>Network Predictions</a:t>
+            <a:t>Discussion</a:t>
           </a:r>
         </a:p>
       </dgm:t>
@@ -1919,7 +1926,7 @@
           </a:pPr>
           <a:r>
             <a:rPr lang="en-US" sz="3500" kern="1200" dirty="0"/>
-            <a:t>Correlation &amp; Covariance</a:t>
+            <a:t>Correlation Statistics</a:t>
           </a:r>
         </a:p>
       </dsp:txBody>
@@ -2058,7 +2065,7 @@
           </a:pPr>
           <a:r>
             <a:rPr lang="en-US" sz="3500" kern="1200" dirty="0"/>
-            <a:t>Network Predictions</a:t>
+            <a:t>Discussion</a:t>
           </a:r>
         </a:p>
       </dsp:txBody>
@@ -4524,7 +4531,7 @@
           <a:p>
             <a:fld id="{AF869721-F543-4A6C-BF9D-65D7CC540427}" type="datetimeFigureOut">
               <a:rPr lang="en-US" smtClean="0"/>
-              <a:t>6/16/2023</a:t>
+              <a:t>6/19/2023</a:t>
             </a:fld>
             <a:endParaRPr lang="en-US" dirty="0"/>
           </a:p>
@@ -4701,7 +4708,7 @@
           <a:p>
             <a:fld id="{C732326A-4C88-4AFB-AA5B-5919D81DFF5B}" type="datetimeFigureOut">
               <a:rPr lang="en-US" smtClean="0"/>
-              <a:t>6/16/2023</a:t>
+              <a:t>6/19/2023</a:t>
             </a:fld>
             <a:endParaRPr lang="en-US" dirty="0"/>
           </a:p>
@@ -5201,7 +5208,7 @@
           <a:p>
             <a:fld id="{C6B3AB32-59DF-41F1-9618-EDFBF5049629}" type="slidenum">
               <a:rPr lang="en-US" smtClean="0"/>
-              <a:t>45</a:t>
+              <a:t>52</a:t>
             </a:fld>
             <a:endParaRPr lang="en-US" dirty="0"/>
           </a:p>
@@ -5466,7 +5473,7 @@
             <a:fld id="{B61BEF0D-F0BB-DE4B-95CE-6DB70DBA9567}" type="datetimeFigureOut">
               <a:rPr lang="en-US" smtClean="0"/>
               <a:pPr/>
-              <a:t>6/16/2023</a:t>
+              <a:t>6/19/2023</a:t>
             </a:fld>
             <a:endParaRPr lang="en-US" dirty="0"/>
           </a:p>
@@ -5730,7 +5737,7 @@
             <a:fld id="{B61BEF0D-F0BB-DE4B-95CE-6DB70DBA9567}" type="datetimeFigureOut">
               <a:rPr lang="en-US" smtClean="0"/>
               <a:pPr/>
-              <a:t>6/16/2023</a:t>
+              <a:t>6/19/2023</a:t>
             </a:fld>
             <a:endParaRPr lang="en-US" dirty="0"/>
           </a:p>
@@ -5967,7 +5974,7 @@
             <a:fld id="{B61BEF0D-F0BB-DE4B-95CE-6DB70DBA9567}" type="datetimeFigureOut">
               <a:rPr lang="en-US" smtClean="0"/>
               <a:pPr/>
-              <a:t>6/16/2023</a:t>
+              <a:t>6/19/2023</a:t>
             </a:fld>
             <a:endParaRPr lang="en-US" dirty="0"/>
           </a:p>
@@ -6209,7 +6216,7 @@
             <a:fld id="{B61BEF0D-F0BB-DE4B-95CE-6DB70DBA9567}" type="datetimeFigureOut">
               <a:rPr lang="en-US" smtClean="0"/>
               <a:pPr/>
-              <a:t>6/16/2023</a:t>
+              <a:t>6/19/2023</a:t>
             </a:fld>
             <a:endParaRPr lang="en-US" dirty="0"/>
           </a:p>
@@ -6518,7 +6525,7 @@
             <a:fld id="{B61BEF0D-F0BB-DE4B-95CE-6DB70DBA9567}" type="datetimeFigureOut">
               <a:rPr lang="en-US" smtClean="0"/>
               <a:pPr/>
-              <a:t>6/16/2023</a:t>
+              <a:t>6/19/2023</a:t>
             </a:fld>
             <a:endParaRPr lang="en-US" dirty="0"/>
           </a:p>
@@ -6822,7 +6829,7 @@
             <a:fld id="{B61BEF0D-F0BB-DE4B-95CE-6DB70DBA9567}" type="datetimeFigureOut">
               <a:rPr lang="en-US" smtClean="0"/>
               <a:pPr/>
-              <a:t>6/16/2023</a:t>
+              <a:t>6/19/2023</a:t>
             </a:fld>
             <a:endParaRPr lang="en-US" dirty="0"/>
           </a:p>
@@ -7246,7 +7253,7 @@
             <a:fld id="{B61BEF0D-F0BB-DE4B-95CE-6DB70DBA9567}" type="datetimeFigureOut">
               <a:rPr lang="en-US" smtClean="0"/>
               <a:pPr/>
-              <a:t>6/16/2023</a:t>
+              <a:t>6/19/2023</a:t>
             </a:fld>
             <a:endParaRPr lang="en-US" dirty="0"/>
           </a:p>
@@ -7343,7 +7350,7 @@
             <a:fld id="{B61BEF0D-F0BB-DE4B-95CE-6DB70DBA9567}" type="datetimeFigureOut">
               <a:rPr lang="en-US" smtClean="0"/>
               <a:pPr/>
-              <a:t>6/16/2023</a:t>
+              <a:t>6/19/2023</a:t>
             </a:fld>
             <a:endParaRPr lang="en-US" dirty="0"/>
           </a:p>
@@ -7507,7 +7514,7 @@
             <a:fld id="{B61BEF0D-F0BB-DE4B-95CE-6DB70DBA9567}" type="datetimeFigureOut">
               <a:rPr lang="en-US" smtClean="0"/>
               <a:pPr/>
-              <a:t>6/16/2023</a:t>
+              <a:t>6/19/2023</a:t>
             </a:fld>
             <a:endParaRPr lang="en-US" dirty="0"/>
           </a:p>
@@ -7887,7 +7894,7 @@
             <a:fld id="{B61BEF0D-F0BB-DE4B-95CE-6DB70DBA9567}" type="datetimeFigureOut">
               <a:rPr lang="en-US" smtClean="0"/>
               <a:pPr/>
-              <a:t>6/16/2023</a:t>
+              <a:t>6/19/2023</a:t>
             </a:fld>
             <a:endParaRPr lang="en-US" dirty="0"/>
           </a:p>
@@ -8178,7 +8185,7 @@
             <a:fld id="{B61BEF0D-F0BB-DE4B-95CE-6DB70DBA9567}" type="datetimeFigureOut">
               <a:rPr lang="en-US" smtClean="0"/>
               <a:pPr/>
-              <a:t>6/16/2023</a:t>
+              <a:t>6/19/2023</a:t>
             </a:fld>
             <a:endParaRPr lang="en-US" dirty="0"/>
           </a:p>
@@ -8391,7 +8398,7 @@
             <a:fld id="{B61BEF0D-F0BB-DE4B-95CE-6DB70DBA9567}" type="datetimeFigureOut">
               <a:rPr lang="en-US" smtClean="0"/>
               <a:pPr/>
-              <a:t>6/16/2023</a:t>
+              <a:t>6/19/2023</a:t>
             </a:fld>
             <a:endParaRPr lang="en-US" dirty="0"/>
           </a:p>
@@ -9535,7 +9542,7 @@
             <p:ph idx="1"/>
             <p:extLst>
               <p:ext uri="{D42A27DB-BD31-4B8C-83A1-F6EECF244321}">
-                <p14:modId xmlns:p14="http://schemas.microsoft.com/office/powerpoint/2010/main" val="3045117078"/>
+                <p14:modId xmlns:p14="http://schemas.microsoft.com/office/powerpoint/2010/main" val="3640511923"/>
               </p:ext>
             </p:extLst>
           </p:nvPr>
@@ -9633,7 +9640,7 @@
         </p:spPr>
         <p:txBody>
           <a:bodyPr>
-            <a:normAutofit fontScale="92500" lnSpcReduction="20000"/>
+            <a:normAutofit fontScale="85000" lnSpcReduction="20000"/>
           </a:bodyPr>
           <a:lstStyle/>
           <a:p>
@@ -9743,11 +9750,20 @@
               </a:rPr>
               <a:t>VLE Use</a:t>
             </a:r>
-            <a:endParaRPr lang="en-GB" dirty="0">
-              <a:solidFill>
-                <a:schemeClr val="bg1"/>
-              </a:solidFill>
-            </a:endParaRPr>
+          </a:p>
+          <a:p>
+            <a:pPr marL="285750" indent="-285750">
+              <a:buFont typeface="Wingdings" panose="05000000000000000000" pitchFamily="2" charset="2"/>
+              <a:buChar char="§"/>
+            </a:pPr>
+            <a:r>
+              <a:rPr lang="en-US" dirty="0">
+                <a:solidFill>
+                  <a:schemeClr val="bg1"/>
+                </a:solidFill>
+              </a:rPr>
+              <a:t>Stream Views</a:t>
+            </a:r>
           </a:p>
         </p:txBody>
       </p:sp>
@@ -12669,7 +12685,7 @@
                   <a:schemeClr val="tx1"/>
                 </a:solidFill>
               </a:rPr>
-              <a:t>General attendance is similar, slightly lowered</a:t>
+              <a:t>General attendance is similar</a:t>
             </a:r>
           </a:p>
           <a:p>
@@ -12684,6 +12700,262 @@
           </a:p>
         </p:txBody>
       </p:sp>
+      <p:grpSp>
+        <p:nvGrpSpPr>
+          <p:cNvPr id="9" name="Group 8">
+            <a:extLst>
+              <a:ext uri="{FF2B5EF4-FFF2-40B4-BE49-F238E27FC236}">
+                <a16:creationId xmlns:a16="http://schemas.microsoft.com/office/drawing/2014/main" id="{182B1894-3BD7-E68D-C17F-DFD371637B5C}"/>
+              </a:ext>
+            </a:extLst>
+          </p:cNvPr>
+          <p:cNvGrpSpPr/>
+          <p:nvPr/>
+        </p:nvGrpSpPr>
+        <p:grpSpPr>
+          <a:xfrm>
+            <a:off x="6191075" y="5972961"/>
+            <a:ext cx="2004969" cy="1063730"/>
+            <a:chOff x="6191075" y="5972961"/>
+            <a:chExt cx="2004969" cy="1063730"/>
+          </a:xfrm>
+        </p:grpSpPr>
+        <p:sp>
+          <p:nvSpPr>
+            <p:cNvPr id="6" name="TextBox 5">
+              <a:extLst>
+                <a:ext uri="{FF2B5EF4-FFF2-40B4-BE49-F238E27FC236}">
+                  <a16:creationId xmlns:a16="http://schemas.microsoft.com/office/drawing/2014/main" id="{B6D81423-E0A7-A386-C8E4-4806D34C3898}"/>
+                </a:ext>
+              </a:extLst>
+            </p:cNvPr>
+            <p:cNvSpPr txBox="1"/>
+            <p:nvPr/>
+          </p:nvSpPr>
+          <p:spPr>
+            <a:xfrm>
+              <a:off x="6862194" y="6021028"/>
+              <a:ext cx="1333850" cy="1015663"/>
+            </a:xfrm>
+            <a:prstGeom prst="rect">
+              <a:avLst/>
+            </a:prstGeom>
+            <a:noFill/>
+          </p:spPr>
+          <p:txBody>
+            <a:bodyPr wrap="square" rtlCol="0">
+              <a:spAutoFit/>
+            </a:bodyPr>
+            <a:lstStyle/>
+            <a:p>
+              <a:pPr>
+                <a:lnSpc>
+                  <a:spcPct val="150000"/>
+                </a:lnSpc>
+              </a:pPr>
+              <a:r>
+                <a:rPr lang="en-US" sz="1400" dirty="0"/>
+                <a:t>2021-2022</a:t>
+              </a:r>
+            </a:p>
+            <a:p>
+              <a:pPr>
+                <a:lnSpc>
+                  <a:spcPct val="150000"/>
+                </a:lnSpc>
+              </a:pPr>
+              <a:r>
+                <a:rPr lang="en-US" sz="1400" dirty="0"/>
+                <a:t>2022-2023</a:t>
+              </a:r>
+            </a:p>
+            <a:p>
+              <a:endParaRPr lang="en-GB" dirty="0"/>
+            </a:p>
+          </p:txBody>
+        </p:sp>
+        <p:grpSp>
+          <p:nvGrpSpPr>
+            <p:cNvPr id="8" name="Group 7">
+              <a:extLst>
+                <a:ext uri="{FF2B5EF4-FFF2-40B4-BE49-F238E27FC236}">
+                  <a16:creationId xmlns:a16="http://schemas.microsoft.com/office/drawing/2014/main" id="{C168AF37-3A09-DF24-709E-3F1C43052129}"/>
+                </a:ext>
+              </a:extLst>
+            </p:cNvPr>
+            <p:cNvGrpSpPr/>
+            <p:nvPr/>
+          </p:nvGrpSpPr>
+          <p:grpSpPr>
+            <a:xfrm>
+              <a:off x="6191075" y="5972961"/>
+              <a:ext cx="1904301" cy="805344"/>
+              <a:chOff x="6191075" y="5972961"/>
+              <a:chExt cx="1904301" cy="805344"/>
+            </a:xfrm>
+          </p:grpSpPr>
+          <p:sp>
+            <p:nvSpPr>
+              <p:cNvPr id="3" name="Rectangle 2">
+                <a:extLst>
+                  <a:ext uri="{FF2B5EF4-FFF2-40B4-BE49-F238E27FC236}">
+                    <a16:creationId xmlns:a16="http://schemas.microsoft.com/office/drawing/2014/main" id="{15F1B27C-5C00-6019-F244-EFE283DD05E4}"/>
+                  </a:ext>
+                </a:extLst>
+              </p:cNvPr>
+              <p:cNvSpPr/>
+              <p:nvPr/>
+            </p:nvSpPr>
+            <p:spPr>
+              <a:xfrm>
+                <a:off x="6455328" y="6451793"/>
+                <a:ext cx="310393" cy="162468"/>
+              </a:xfrm>
+              <a:prstGeom prst="rect">
+                <a:avLst/>
+              </a:prstGeom>
+              <a:solidFill>
+                <a:srgbClr val="0000FF">
+                  <a:alpha val="25098"/>
+                </a:srgbClr>
+              </a:solidFill>
+              <a:ln>
+                <a:noFill/>
+              </a:ln>
+            </p:spPr>
+            <p:style>
+              <a:lnRef idx="2">
+                <a:schemeClr val="accent1">
+                  <a:shade val="50000"/>
+                </a:schemeClr>
+              </a:lnRef>
+              <a:fillRef idx="1">
+                <a:schemeClr val="accent1"/>
+              </a:fillRef>
+              <a:effectRef idx="0">
+                <a:schemeClr val="accent1"/>
+              </a:effectRef>
+              <a:fontRef idx="minor">
+                <a:schemeClr val="lt1"/>
+              </a:fontRef>
+            </p:style>
+            <p:txBody>
+              <a:bodyPr rtlCol="0" anchor="ctr"/>
+              <a:lstStyle/>
+              <a:p>
+                <a:pPr algn="ctr"/>
+                <a:endParaRPr lang="en-GB"/>
+              </a:p>
+            </p:txBody>
+          </p:sp>
+          <p:sp>
+            <p:nvSpPr>
+              <p:cNvPr id="5" name="Rectangle 4">
+                <a:extLst>
+                  <a:ext uri="{FF2B5EF4-FFF2-40B4-BE49-F238E27FC236}">
+                    <a16:creationId xmlns:a16="http://schemas.microsoft.com/office/drawing/2014/main" id="{86E054DF-8ACF-81A0-2636-7C0277066A1A}"/>
+                  </a:ext>
+                </a:extLst>
+              </p:cNvPr>
+              <p:cNvSpPr/>
+              <p:nvPr/>
+            </p:nvSpPr>
+            <p:spPr>
+              <a:xfrm>
+                <a:off x="6455328" y="6182686"/>
+                <a:ext cx="310393" cy="162468"/>
+              </a:xfrm>
+              <a:prstGeom prst="rect">
+                <a:avLst/>
+              </a:prstGeom>
+              <a:solidFill>
+                <a:srgbClr val="00FF00">
+                  <a:alpha val="24706"/>
+                </a:srgbClr>
+              </a:solidFill>
+              <a:ln>
+                <a:noFill/>
+              </a:ln>
+            </p:spPr>
+            <p:style>
+              <a:lnRef idx="2">
+                <a:schemeClr val="accent1">
+                  <a:shade val="50000"/>
+                </a:schemeClr>
+              </a:lnRef>
+              <a:fillRef idx="1">
+                <a:schemeClr val="accent1"/>
+              </a:fillRef>
+              <a:effectRef idx="0">
+                <a:schemeClr val="accent1"/>
+              </a:effectRef>
+              <a:fontRef idx="minor">
+                <a:schemeClr val="lt1"/>
+              </a:fontRef>
+            </p:style>
+            <p:txBody>
+              <a:bodyPr rtlCol="0" anchor="ctr"/>
+              <a:lstStyle/>
+              <a:p>
+                <a:pPr algn="ctr"/>
+                <a:endParaRPr lang="en-GB"/>
+              </a:p>
+            </p:txBody>
+          </p:sp>
+          <p:sp>
+            <p:nvSpPr>
+              <p:cNvPr id="7" name="Rectangle 6">
+                <a:extLst>
+                  <a:ext uri="{FF2B5EF4-FFF2-40B4-BE49-F238E27FC236}">
+                    <a16:creationId xmlns:a16="http://schemas.microsoft.com/office/drawing/2014/main" id="{395AD92E-3A7F-7A9F-6C90-699CE4867B27}"/>
+                  </a:ext>
+                </a:extLst>
+              </p:cNvPr>
+              <p:cNvSpPr/>
+              <p:nvPr/>
+            </p:nvSpPr>
+            <p:spPr>
+              <a:xfrm>
+                <a:off x="6191075" y="5972961"/>
+                <a:ext cx="1904301" cy="805344"/>
+              </a:xfrm>
+              <a:prstGeom prst="rect">
+                <a:avLst/>
+              </a:prstGeom>
+              <a:noFill/>
+              <a:ln>
+                <a:solidFill>
+                  <a:schemeClr val="tx1"/>
+                </a:solidFill>
+              </a:ln>
+            </p:spPr>
+            <p:style>
+              <a:lnRef idx="2">
+                <a:schemeClr val="accent1">
+                  <a:shade val="50000"/>
+                </a:schemeClr>
+              </a:lnRef>
+              <a:fillRef idx="1">
+                <a:schemeClr val="accent1"/>
+              </a:fillRef>
+              <a:effectRef idx="0">
+                <a:schemeClr val="accent1"/>
+              </a:effectRef>
+              <a:fontRef idx="minor">
+                <a:schemeClr val="lt1"/>
+              </a:fontRef>
+            </p:style>
+            <p:txBody>
+              <a:bodyPr rtlCol="0" anchor="ctr"/>
+              <a:lstStyle/>
+              <a:p>
+                <a:pPr algn="ctr"/>
+                <a:endParaRPr lang="en-GB"/>
+              </a:p>
+            </p:txBody>
+          </p:sp>
+        </p:grpSp>
+      </p:grpSp>
     </p:spTree>
     <p:extLst>
       <p:ext uri="{BB962C8B-B14F-4D97-AF65-F5344CB8AC3E}">
@@ -12858,6 +13130,262 @@
           </a:p>
         </p:txBody>
       </p:sp>
+      <p:grpSp>
+        <p:nvGrpSpPr>
+          <p:cNvPr id="8" name="Group 7">
+            <a:extLst>
+              <a:ext uri="{FF2B5EF4-FFF2-40B4-BE49-F238E27FC236}">
+                <a16:creationId xmlns:a16="http://schemas.microsoft.com/office/drawing/2014/main" id="{E44AF238-F6FD-2B04-F5E6-6C1CCB15A6D6}"/>
+              </a:ext>
+            </a:extLst>
+          </p:cNvPr>
+          <p:cNvGrpSpPr/>
+          <p:nvPr/>
+        </p:nvGrpSpPr>
+        <p:grpSpPr>
+          <a:xfrm>
+            <a:off x="6191075" y="5972961"/>
+            <a:ext cx="2004969" cy="1063730"/>
+            <a:chOff x="6191075" y="5972961"/>
+            <a:chExt cx="2004969" cy="1063730"/>
+          </a:xfrm>
+        </p:grpSpPr>
+        <p:sp>
+          <p:nvSpPr>
+            <p:cNvPr id="9" name="TextBox 8">
+              <a:extLst>
+                <a:ext uri="{FF2B5EF4-FFF2-40B4-BE49-F238E27FC236}">
+                  <a16:creationId xmlns:a16="http://schemas.microsoft.com/office/drawing/2014/main" id="{961263AC-0ACE-A45E-7E07-C16A1892988E}"/>
+                </a:ext>
+              </a:extLst>
+            </p:cNvPr>
+            <p:cNvSpPr txBox="1"/>
+            <p:nvPr/>
+          </p:nvSpPr>
+          <p:spPr>
+            <a:xfrm>
+              <a:off x="6862194" y="6021028"/>
+              <a:ext cx="1333850" cy="1015663"/>
+            </a:xfrm>
+            <a:prstGeom prst="rect">
+              <a:avLst/>
+            </a:prstGeom>
+            <a:noFill/>
+          </p:spPr>
+          <p:txBody>
+            <a:bodyPr wrap="square" rtlCol="0">
+              <a:spAutoFit/>
+            </a:bodyPr>
+            <a:lstStyle/>
+            <a:p>
+              <a:pPr>
+                <a:lnSpc>
+                  <a:spcPct val="150000"/>
+                </a:lnSpc>
+              </a:pPr>
+              <a:r>
+                <a:rPr lang="en-US" sz="1400" dirty="0"/>
+                <a:t>2021-2022</a:t>
+              </a:r>
+            </a:p>
+            <a:p>
+              <a:pPr>
+                <a:lnSpc>
+                  <a:spcPct val="150000"/>
+                </a:lnSpc>
+              </a:pPr>
+              <a:r>
+                <a:rPr lang="en-US" sz="1400" dirty="0"/>
+                <a:t>2022-2023</a:t>
+              </a:r>
+            </a:p>
+            <a:p>
+              <a:endParaRPr lang="en-GB" dirty="0"/>
+            </a:p>
+          </p:txBody>
+        </p:sp>
+        <p:grpSp>
+          <p:nvGrpSpPr>
+            <p:cNvPr id="10" name="Group 9">
+              <a:extLst>
+                <a:ext uri="{FF2B5EF4-FFF2-40B4-BE49-F238E27FC236}">
+                  <a16:creationId xmlns:a16="http://schemas.microsoft.com/office/drawing/2014/main" id="{26D8379A-B348-0B1A-0B09-EFAD2942C7E2}"/>
+                </a:ext>
+              </a:extLst>
+            </p:cNvPr>
+            <p:cNvGrpSpPr/>
+            <p:nvPr/>
+          </p:nvGrpSpPr>
+          <p:grpSpPr>
+            <a:xfrm>
+              <a:off x="6191075" y="5972961"/>
+              <a:ext cx="1904301" cy="805344"/>
+              <a:chOff x="6191075" y="5972961"/>
+              <a:chExt cx="1904301" cy="805344"/>
+            </a:xfrm>
+          </p:grpSpPr>
+          <p:sp>
+            <p:nvSpPr>
+              <p:cNvPr id="11" name="Rectangle 10">
+                <a:extLst>
+                  <a:ext uri="{FF2B5EF4-FFF2-40B4-BE49-F238E27FC236}">
+                    <a16:creationId xmlns:a16="http://schemas.microsoft.com/office/drawing/2014/main" id="{FBED75C7-49FB-E374-20B5-0057C40BBE6A}"/>
+                  </a:ext>
+                </a:extLst>
+              </p:cNvPr>
+              <p:cNvSpPr/>
+              <p:nvPr/>
+            </p:nvSpPr>
+            <p:spPr>
+              <a:xfrm>
+                <a:off x="6455328" y="6451793"/>
+                <a:ext cx="310393" cy="162468"/>
+              </a:xfrm>
+              <a:prstGeom prst="rect">
+                <a:avLst/>
+              </a:prstGeom>
+              <a:solidFill>
+                <a:srgbClr val="0000FF">
+                  <a:alpha val="25098"/>
+                </a:srgbClr>
+              </a:solidFill>
+              <a:ln>
+                <a:noFill/>
+              </a:ln>
+            </p:spPr>
+            <p:style>
+              <a:lnRef idx="2">
+                <a:schemeClr val="accent1">
+                  <a:shade val="50000"/>
+                </a:schemeClr>
+              </a:lnRef>
+              <a:fillRef idx="1">
+                <a:schemeClr val="accent1"/>
+              </a:fillRef>
+              <a:effectRef idx="0">
+                <a:schemeClr val="accent1"/>
+              </a:effectRef>
+              <a:fontRef idx="minor">
+                <a:schemeClr val="lt1"/>
+              </a:fontRef>
+            </p:style>
+            <p:txBody>
+              <a:bodyPr rtlCol="0" anchor="ctr"/>
+              <a:lstStyle/>
+              <a:p>
+                <a:pPr algn="ctr"/>
+                <a:endParaRPr lang="en-GB"/>
+              </a:p>
+            </p:txBody>
+          </p:sp>
+          <p:sp>
+            <p:nvSpPr>
+              <p:cNvPr id="12" name="Rectangle 11">
+                <a:extLst>
+                  <a:ext uri="{FF2B5EF4-FFF2-40B4-BE49-F238E27FC236}">
+                    <a16:creationId xmlns:a16="http://schemas.microsoft.com/office/drawing/2014/main" id="{6CD981F5-20B5-8275-EB3B-6F283B46D00D}"/>
+                  </a:ext>
+                </a:extLst>
+              </p:cNvPr>
+              <p:cNvSpPr/>
+              <p:nvPr/>
+            </p:nvSpPr>
+            <p:spPr>
+              <a:xfrm>
+                <a:off x="6455328" y="6182686"/>
+                <a:ext cx="310393" cy="162468"/>
+              </a:xfrm>
+              <a:prstGeom prst="rect">
+                <a:avLst/>
+              </a:prstGeom>
+              <a:solidFill>
+                <a:srgbClr val="00FF00">
+                  <a:alpha val="24706"/>
+                </a:srgbClr>
+              </a:solidFill>
+              <a:ln>
+                <a:noFill/>
+              </a:ln>
+            </p:spPr>
+            <p:style>
+              <a:lnRef idx="2">
+                <a:schemeClr val="accent1">
+                  <a:shade val="50000"/>
+                </a:schemeClr>
+              </a:lnRef>
+              <a:fillRef idx="1">
+                <a:schemeClr val="accent1"/>
+              </a:fillRef>
+              <a:effectRef idx="0">
+                <a:schemeClr val="accent1"/>
+              </a:effectRef>
+              <a:fontRef idx="minor">
+                <a:schemeClr val="lt1"/>
+              </a:fontRef>
+            </p:style>
+            <p:txBody>
+              <a:bodyPr rtlCol="0" anchor="ctr"/>
+              <a:lstStyle/>
+              <a:p>
+                <a:pPr algn="ctr"/>
+                <a:endParaRPr lang="en-GB"/>
+              </a:p>
+            </p:txBody>
+          </p:sp>
+          <p:sp>
+            <p:nvSpPr>
+              <p:cNvPr id="13" name="Rectangle 12">
+                <a:extLst>
+                  <a:ext uri="{FF2B5EF4-FFF2-40B4-BE49-F238E27FC236}">
+                    <a16:creationId xmlns:a16="http://schemas.microsoft.com/office/drawing/2014/main" id="{CC67AD5B-4F0D-0770-98C5-788C9B0B2A1C}"/>
+                  </a:ext>
+                </a:extLst>
+              </p:cNvPr>
+              <p:cNvSpPr/>
+              <p:nvPr/>
+            </p:nvSpPr>
+            <p:spPr>
+              <a:xfrm>
+                <a:off x="6191075" y="5972961"/>
+                <a:ext cx="1904301" cy="805344"/>
+              </a:xfrm>
+              <a:prstGeom prst="rect">
+                <a:avLst/>
+              </a:prstGeom>
+              <a:noFill/>
+              <a:ln>
+                <a:solidFill>
+                  <a:schemeClr val="tx1"/>
+                </a:solidFill>
+              </a:ln>
+            </p:spPr>
+            <p:style>
+              <a:lnRef idx="2">
+                <a:schemeClr val="accent1">
+                  <a:shade val="50000"/>
+                </a:schemeClr>
+              </a:lnRef>
+              <a:fillRef idx="1">
+                <a:schemeClr val="accent1"/>
+              </a:fillRef>
+              <a:effectRef idx="0">
+                <a:schemeClr val="accent1"/>
+              </a:effectRef>
+              <a:fontRef idx="minor">
+                <a:schemeClr val="lt1"/>
+              </a:fontRef>
+            </p:style>
+            <p:txBody>
+              <a:bodyPr rtlCol="0" anchor="ctr"/>
+              <a:lstStyle/>
+              <a:p>
+                <a:pPr algn="ctr"/>
+                <a:endParaRPr lang="en-GB"/>
+              </a:p>
+            </p:txBody>
+          </p:sp>
+        </p:grpSp>
+      </p:grpSp>
     </p:spTree>
     <p:extLst>
       <p:ext uri="{BB962C8B-B14F-4D97-AF65-F5344CB8AC3E}">
@@ -13169,6 +13697,262 @@
           </a:p>
         </p:txBody>
       </p:sp>
+      <p:grpSp>
+        <p:nvGrpSpPr>
+          <p:cNvPr id="3" name="Group 2">
+            <a:extLst>
+              <a:ext uri="{FF2B5EF4-FFF2-40B4-BE49-F238E27FC236}">
+                <a16:creationId xmlns:a16="http://schemas.microsoft.com/office/drawing/2014/main" id="{33051BA1-7D45-75C8-8609-FF887F691244}"/>
+              </a:ext>
+            </a:extLst>
+          </p:cNvPr>
+          <p:cNvGrpSpPr/>
+          <p:nvPr/>
+        </p:nvGrpSpPr>
+        <p:grpSpPr>
+          <a:xfrm>
+            <a:off x="6191075" y="5972961"/>
+            <a:ext cx="2004969" cy="1063730"/>
+            <a:chOff x="6191075" y="5972961"/>
+            <a:chExt cx="2004969" cy="1063730"/>
+          </a:xfrm>
+        </p:grpSpPr>
+        <p:sp>
+          <p:nvSpPr>
+            <p:cNvPr id="5" name="TextBox 4">
+              <a:extLst>
+                <a:ext uri="{FF2B5EF4-FFF2-40B4-BE49-F238E27FC236}">
+                  <a16:creationId xmlns:a16="http://schemas.microsoft.com/office/drawing/2014/main" id="{F988DFE5-6B79-10AC-AC0C-7D67ABCF2425}"/>
+                </a:ext>
+              </a:extLst>
+            </p:cNvPr>
+            <p:cNvSpPr txBox="1"/>
+            <p:nvPr/>
+          </p:nvSpPr>
+          <p:spPr>
+            <a:xfrm>
+              <a:off x="6862194" y="6021028"/>
+              <a:ext cx="1333850" cy="1015663"/>
+            </a:xfrm>
+            <a:prstGeom prst="rect">
+              <a:avLst/>
+            </a:prstGeom>
+            <a:noFill/>
+          </p:spPr>
+          <p:txBody>
+            <a:bodyPr wrap="square" rtlCol="0">
+              <a:spAutoFit/>
+            </a:bodyPr>
+            <a:lstStyle/>
+            <a:p>
+              <a:pPr>
+                <a:lnSpc>
+                  <a:spcPct val="150000"/>
+                </a:lnSpc>
+              </a:pPr>
+              <a:r>
+                <a:rPr lang="en-US" sz="1400" dirty="0"/>
+                <a:t>2021-2022</a:t>
+              </a:r>
+            </a:p>
+            <a:p>
+              <a:pPr>
+                <a:lnSpc>
+                  <a:spcPct val="150000"/>
+                </a:lnSpc>
+              </a:pPr>
+              <a:r>
+                <a:rPr lang="en-US" sz="1400" dirty="0"/>
+                <a:t>2022-2023</a:t>
+              </a:r>
+            </a:p>
+            <a:p>
+              <a:endParaRPr lang="en-GB" dirty="0"/>
+            </a:p>
+          </p:txBody>
+        </p:sp>
+        <p:grpSp>
+          <p:nvGrpSpPr>
+            <p:cNvPr id="6" name="Group 5">
+              <a:extLst>
+                <a:ext uri="{FF2B5EF4-FFF2-40B4-BE49-F238E27FC236}">
+                  <a16:creationId xmlns:a16="http://schemas.microsoft.com/office/drawing/2014/main" id="{6D90AAD3-7717-AD11-B3CF-00D7F7698B2C}"/>
+                </a:ext>
+              </a:extLst>
+            </p:cNvPr>
+            <p:cNvGrpSpPr/>
+            <p:nvPr/>
+          </p:nvGrpSpPr>
+          <p:grpSpPr>
+            <a:xfrm>
+              <a:off x="6191075" y="5972961"/>
+              <a:ext cx="1904301" cy="805344"/>
+              <a:chOff x="6191075" y="5972961"/>
+              <a:chExt cx="1904301" cy="805344"/>
+            </a:xfrm>
+          </p:grpSpPr>
+          <p:sp>
+            <p:nvSpPr>
+              <p:cNvPr id="7" name="Rectangle 6">
+                <a:extLst>
+                  <a:ext uri="{FF2B5EF4-FFF2-40B4-BE49-F238E27FC236}">
+                    <a16:creationId xmlns:a16="http://schemas.microsoft.com/office/drawing/2014/main" id="{A3C87FBC-0BC8-E4DD-EB02-6EA09CFEA1B5}"/>
+                  </a:ext>
+                </a:extLst>
+              </p:cNvPr>
+              <p:cNvSpPr/>
+              <p:nvPr/>
+            </p:nvSpPr>
+            <p:spPr>
+              <a:xfrm>
+                <a:off x="6455328" y="6451793"/>
+                <a:ext cx="310393" cy="162468"/>
+              </a:xfrm>
+              <a:prstGeom prst="rect">
+                <a:avLst/>
+              </a:prstGeom>
+              <a:solidFill>
+                <a:srgbClr val="0000FF">
+                  <a:alpha val="25098"/>
+                </a:srgbClr>
+              </a:solidFill>
+              <a:ln>
+                <a:noFill/>
+              </a:ln>
+            </p:spPr>
+            <p:style>
+              <a:lnRef idx="2">
+                <a:schemeClr val="accent1">
+                  <a:shade val="50000"/>
+                </a:schemeClr>
+              </a:lnRef>
+              <a:fillRef idx="1">
+                <a:schemeClr val="accent1"/>
+              </a:fillRef>
+              <a:effectRef idx="0">
+                <a:schemeClr val="accent1"/>
+              </a:effectRef>
+              <a:fontRef idx="minor">
+                <a:schemeClr val="lt1"/>
+              </a:fontRef>
+            </p:style>
+            <p:txBody>
+              <a:bodyPr rtlCol="0" anchor="ctr"/>
+              <a:lstStyle/>
+              <a:p>
+                <a:pPr algn="ctr"/>
+                <a:endParaRPr lang="en-GB"/>
+              </a:p>
+            </p:txBody>
+          </p:sp>
+          <p:sp>
+            <p:nvSpPr>
+              <p:cNvPr id="8" name="Rectangle 7">
+                <a:extLst>
+                  <a:ext uri="{FF2B5EF4-FFF2-40B4-BE49-F238E27FC236}">
+                    <a16:creationId xmlns:a16="http://schemas.microsoft.com/office/drawing/2014/main" id="{1CA67DE3-B564-B151-B576-0CE86C89D06A}"/>
+                  </a:ext>
+                </a:extLst>
+              </p:cNvPr>
+              <p:cNvSpPr/>
+              <p:nvPr/>
+            </p:nvSpPr>
+            <p:spPr>
+              <a:xfrm>
+                <a:off x="6455328" y="6182686"/>
+                <a:ext cx="310393" cy="162468"/>
+              </a:xfrm>
+              <a:prstGeom prst="rect">
+                <a:avLst/>
+              </a:prstGeom>
+              <a:solidFill>
+                <a:srgbClr val="00FF00">
+                  <a:alpha val="24706"/>
+                </a:srgbClr>
+              </a:solidFill>
+              <a:ln>
+                <a:noFill/>
+              </a:ln>
+            </p:spPr>
+            <p:style>
+              <a:lnRef idx="2">
+                <a:schemeClr val="accent1">
+                  <a:shade val="50000"/>
+                </a:schemeClr>
+              </a:lnRef>
+              <a:fillRef idx="1">
+                <a:schemeClr val="accent1"/>
+              </a:fillRef>
+              <a:effectRef idx="0">
+                <a:schemeClr val="accent1"/>
+              </a:effectRef>
+              <a:fontRef idx="minor">
+                <a:schemeClr val="lt1"/>
+              </a:fontRef>
+            </p:style>
+            <p:txBody>
+              <a:bodyPr rtlCol="0" anchor="ctr"/>
+              <a:lstStyle/>
+              <a:p>
+                <a:pPr algn="ctr"/>
+                <a:endParaRPr lang="en-GB"/>
+              </a:p>
+            </p:txBody>
+          </p:sp>
+          <p:sp>
+            <p:nvSpPr>
+              <p:cNvPr id="9" name="Rectangle 8">
+                <a:extLst>
+                  <a:ext uri="{FF2B5EF4-FFF2-40B4-BE49-F238E27FC236}">
+                    <a16:creationId xmlns:a16="http://schemas.microsoft.com/office/drawing/2014/main" id="{E90DC23D-F137-6E44-2CC1-AC0D6D936550}"/>
+                  </a:ext>
+                </a:extLst>
+              </p:cNvPr>
+              <p:cNvSpPr/>
+              <p:nvPr/>
+            </p:nvSpPr>
+            <p:spPr>
+              <a:xfrm>
+                <a:off x="6191075" y="5972961"/>
+                <a:ext cx="1904301" cy="805344"/>
+              </a:xfrm>
+              <a:prstGeom prst="rect">
+                <a:avLst/>
+              </a:prstGeom>
+              <a:noFill/>
+              <a:ln>
+                <a:solidFill>
+                  <a:schemeClr val="tx1"/>
+                </a:solidFill>
+              </a:ln>
+            </p:spPr>
+            <p:style>
+              <a:lnRef idx="2">
+                <a:schemeClr val="accent1">
+                  <a:shade val="50000"/>
+                </a:schemeClr>
+              </a:lnRef>
+              <a:fillRef idx="1">
+                <a:schemeClr val="accent1"/>
+              </a:fillRef>
+              <a:effectRef idx="0">
+                <a:schemeClr val="accent1"/>
+              </a:effectRef>
+              <a:fontRef idx="minor">
+                <a:schemeClr val="lt1"/>
+              </a:fontRef>
+            </p:style>
+            <p:txBody>
+              <a:bodyPr rtlCol="0" anchor="ctr"/>
+              <a:lstStyle/>
+              <a:p>
+                <a:pPr algn="ctr"/>
+                <a:endParaRPr lang="en-GB"/>
+              </a:p>
+            </p:txBody>
+          </p:sp>
+        </p:grpSp>
+      </p:grpSp>
     </p:spTree>
     <p:extLst>
       <p:ext uri="{BB962C8B-B14F-4D97-AF65-F5344CB8AC3E}">
@@ -13343,6 +14127,262 @@
           </a:p>
         </p:txBody>
       </p:sp>
+      <p:grpSp>
+        <p:nvGrpSpPr>
+          <p:cNvPr id="3" name="Group 2">
+            <a:extLst>
+              <a:ext uri="{FF2B5EF4-FFF2-40B4-BE49-F238E27FC236}">
+                <a16:creationId xmlns:a16="http://schemas.microsoft.com/office/drawing/2014/main" id="{9339ED87-CF04-476C-04BA-A3886F475DA2}"/>
+              </a:ext>
+            </a:extLst>
+          </p:cNvPr>
+          <p:cNvGrpSpPr/>
+          <p:nvPr/>
+        </p:nvGrpSpPr>
+        <p:grpSpPr>
+          <a:xfrm>
+            <a:off x="6191075" y="5972961"/>
+            <a:ext cx="2004969" cy="1063730"/>
+            <a:chOff x="6191075" y="5972961"/>
+            <a:chExt cx="2004969" cy="1063730"/>
+          </a:xfrm>
+        </p:grpSpPr>
+        <p:sp>
+          <p:nvSpPr>
+            <p:cNvPr id="5" name="TextBox 4">
+              <a:extLst>
+                <a:ext uri="{FF2B5EF4-FFF2-40B4-BE49-F238E27FC236}">
+                  <a16:creationId xmlns:a16="http://schemas.microsoft.com/office/drawing/2014/main" id="{3D1AF00F-C7D7-6146-7ADE-99A0C0B16781}"/>
+                </a:ext>
+              </a:extLst>
+            </p:cNvPr>
+            <p:cNvSpPr txBox="1"/>
+            <p:nvPr/>
+          </p:nvSpPr>
+          <p:spPr>
+            <a:xfrm>
+              <a:off x="6862194" y="6021028"/>
+              <a:ext cx="1333850" cy="1015663"/>
+            </a:xfrm>
+            <a:prstGeom prst="rect">
+              <a:avLst/>
+            </a:prstGeom>
+            <a:noFill/>
+          </p:spPr>
+          <p:txBody>
+            <a:bodyPr wrap="square" rtlCol="0">
+              <a:spAutoFit/>
+            </a:bodyPr>
+            <a:lstStyle/>
+            <a:p>
+              <a:pPr>
+                <a:lnSpc>
+                  <a:spcPct val="150000"/>
+                </a:lnSpc>
+              </a:pPr>
+              <a:r>
+                <a:rPr lang="en-US" sz="1400" dirty="0"/>
+                <a:t>2021-2022</a:t>
+              </a:r>
+            </a:p>
+            <a:p>
+              <a:pPr>
+                <a:lnSpc>
+                  <a:spcPct val="150000"/>
+                </a:lnSpc>
+              </a:pPr>
+              <a:r>
+                <a:rPr lang="en-US" sz="1400" dirty="0"/>
+                <a:t>2022-2023</a:t>
+              </a:r>
+            </a:p>
+            <a:p>
+              <a:endParaRPr lang="en-GB" dirty="0"/>
+            </a:p>
+          </p:txBody>
+        </p:sp>
+        <p:grpSp>
+          <p:nvGrpSpPr>
+            <p:cNvPr id="6" name="Group 5">
+              <a:extLst>
+                <a:ext uri="{FF2B5EF4-FFF2-40B4-BE49-F238E27FC236}">
+                  <a16:creationId xmlns:a16="http://schemas.microsoft.com/office/drawing/2014/main" id="{ABF2DEFF-2F0D-FD62-CC91-211DAE2F5BE1}"/>
+                </a:ext>
+              </a:extLst>
+            </p:cNvPr>
+            <p:cNvGrpSpPr/>
+            <p:nvPr/>
+          </p:nvGrpSpPr>
+          <p:grpSpPr>
+            <a:xfrm>
+              <a:off x="6191075" y="5972961"/>
+              <a:ext cx="1904301" cy="805344"/>
+              <a:chOff x="6191075" y="5972961"/>
+              <a:chExt cx="1904301" cy="805344"/>
+            </a:xfrm>
+          </p:grpSpPr>
+          <p:sp>
+            <p:nvSpPr>
+              <p:cNvPr id="7" name="Rectangle 6">
+                <a:extLst>
+                  <a:ext uri="{FF2B5EF4-FFF2-40B4-BE49-F238E27FC236}">
+                    <a16:creationId xmlns:a16="http://schemas.microsoft.com/office/drawing/2014/main" id="{58B15C1C-BB96-B8CE-D16D-F80114EAB2C7}"/>
+                  </a:ext>
+                </a:extLst>
+              </p:cNvPr>
+              <p:cNvSpPr/>
+              <p:nvPr/>
+            </p:nvSpPr>
+            <p:spPr>
+              <a:xfrm>
+                <a:off x="6455328" y="6451793"/>
+                <a:ext cx="310393" cy="162468"/>
+              </a:xfrm>
+              <a:prstGeom prst="rect">
+                <a:avLst/>
+              </a:prstGeom>
+              <a:solidFill>
+                <a:srgbClr val="0000FF">
+                  <a:alpha val="25098"/>
+                </a:srgbClr>
+              </a:solidFill>
+              <a:ln>
+                <a:noFill/>
+              </a:ln>
+            </p:spPr>
+            <p:style>
+              <a:lnRef idx="2">
+                <a:schemeClr val="accent1">
+                  <a:shade val="50000"/>
+                </a:schemeClr>
+              </a:lnRef>
+              <a:fillRef idx="1">
+                <a:schemeClr val="accent1"/>
+              </a:fillRef>
+              <a:effectRef idx="0">
+                <a:schemeClr val="accent1"/>
+              </a:effectRef>
+              <a:fontRef idx="minor">
+                <a:schemeClr val="lt1"/>
+              </a:fontRef>
+            </p:style>
+            <p:txBody>
+              <a:bodyPr rtlCol="0" anchor="ctr"/>
+              <a:lstStyle/>
+              <a:p>
+                <a:pPr algn="ctr"/>
+                <a:endParaRPr lang="en-GB"/>
+              </a:p>
+            </p:txBody>
+          </p:sp>
+          <p:sp>
+            <p:nvSpPr>
+              <p:cNvPr id="8" name="Rectangle 7">
+                <a:extLst>
+                  <a:ext uri="{FF2B5EF4-FFF2-40B4-BE49-F238E27FC236}">
+                    <a16:creationId xmlns:a16="http://schemas.microsoft.com/office/drawing/2014/main" id="{724F6BE4-D9CB-42C6-956E-FF542388D7B8}"/>
+                  </a:ext>
+                </a:extLst>
+              </p:cNvPr>
+              <p:cNvSpPr/>
+              <p:nvPr/>
+            </p:nvSpPr>
+            <p:spPr>
+              <a:xfrm>
+                <a:off x="6455328" y="6182686"/>
+                <a:ext cx="310393" cy="162468"/>
+              </a:xfrm>
+              <a:prstGeom prst="rect">
+                <a:avLst/>
+              </a:prstGeom>
+              <a:solidFill>
+                <a:srgbClr val="00FF00">
+                  <a:alpha val="24706"/>
+                </a:srgbClr>
+              </a:solidFill>
+              <a:ln>
+                <a:noFill/>
+              </a:ln>
+            </p:spPr>
+            <p:style>
+              <a:lnRef idx="2">
+                <a:schemeClr val="accent1">
+                  <a:shade val="50000"/>
+                </a:schemeClr>
+              </a:lnRef>
+              <a:fillRef idx="1">
+                <a:schemeClr val="accent1"/>
+              </a:fillRef>
+              <a:effectRef idx="0">
+                <a:schemeClr val="accent1"/>
+              </a:effectRef>
+              <a:fontRef idx="minor">
+                <a:schemeClr val="lt1"/>
+              </a:fontRef>
+            </p:style>
+            <p:txBody>
+              <a:bodyPr rtlCol="0" anchor="ctr"/>
+              <a:lstStyle/>
+              <a:p>
+                <a:pPr algn="ctr"/>
+                <a:endParaRPr lang="en-GB"/>
+              </a:p>
+            </p:txBody>
+          </p:sp>
+          <p:sp>
+            <p:nvSpPr>
+              <p:cNvPr id="9" name="Rectangle 8">
+                <a:extLst>
+                  <a:ext uri="{FF2B5EF4-FFF2-40B4-BE49-F238E27FC236}">
+                    <a16:creationId xmlns:a16="http://schemas.microsoft.com/office/drawing/2014/main" id="{DBA1F659-BC28-C118-BE09-25753E487D66}"/>
+                  </a:ext>
+                </a:extLst>
+              </p:cNvPr>
+              <p:cNvSpPr/>
+              <p:nvPr/>
+            </p:nvSpPr>
+            <p:spPr>
+              <a:xfrm>
+                <a:off x="6191075" y="5972961"/>
+                <a:ext cx="1904301" cy="805344"/>
+              </a:xfrm>
+              <a:prstGeom prst="rect">
+                <a:avLst/>
+              </a:prstGeom>
+              <a:noFill/>
+              <a:ln>
+                <a:solidFill>
+                  <a:schemeClr val="tx1"/>
+                </a:solidFill>
+              </a:ln>
+            </p:spPr>
+            <p:style>
+              <a:lnRef idx="2">
+                <a:schemeClr val="accent1">
+                  <a:shade val="50000"/>
+                </a:schemeClr>
+              </a:lnRef>
+              <a:fillRef idx="1">
+                <a:schemeClr val="accent1"/>
+              </a:fillRef>
+              <a:effectRef idx="0">
+                <a:schemeClr val="accent1"/>
+              </a:effectRef>
+              <a:fontRef idx="minor">
+                <a:schemeClr val="lt1"/>
+              </a:fontRef>
+            </p:style>
+            <p:txBody>
+              <a:bodyPr rtlCol="0" anchor="ctr"/>
+              <a:lstStyle/>
+              <a:p>
+                <a:pPr algn="ctr"/>
+                <a:endParaRPr lang="en-GB"/>
+              </a:p>
+            </p:txBody>
+          </p:sp>
+        </p:grpSp>
+      </p:grpSp>
     </p:spTree>
     <p:extLst>
       <p:ext uri="{BB962C8B-B14F-4D97-AF65-F5344CB8AC3E}">
@@ -13477,7 +14517,7 @@
         <p:spPr>
           <a:xfrm>
             <a:off x="581193" y="2228003"/>
-            <a:ext cx="3633787" cy="3633047"/>
+            <a:ext cx="3633787" cy="3954683"/>
           </a:xfrm>
         </p:spPr>
         <p:txBody>
@@ -13515,8 +14555,274 @@
               <a:t>Cleanup of links/topics on MLS or different style of video embedding.</a:t>
             </a:r>
           </a:p>
+          <a:p>
+            <a:r>
+              <a:rPr lang="en-US" dirty="0">
+                <a:solidFill>
+                  <a:schemeClr val="tx1"/>
+                </a:solidFill>
+              </a:rPr>
+              <a:t>Increase for 2021-2022 could also be due to students revisiting the content in later years.</a:t>
+            </a:r>
+          </a:p>
         </p:txBody>
       </p:sp>
+      <p:grpSp>
+        <p:nvGrpSpPr>
+          <p:cNvPr id="3" name="Group 2">
+            <a:extLst>
+              <a:ext uri="{FF2B5EF4-FFF2-40B4-BE49-F238E27FC236}">
+                <a16:creationId xmlns:a16="http://schemas.microsoft.com/office/drawing/2014/main" id="{D601377A-18EF-69A1-E8D1-7BF0CB1C0E2B}"/>
+              </a:ext>
+            </a:extLst>
+          </p:cNvPr>
+          <p:cNvGrpSpPr/>
+          <p:nvPr/>
+        </p:nvGrpSpPr>
+        <p:grpSpPr>
+          <a:xfrm>
+            <a:off x="6191075" y="5972961"/>
+            <a:ext cx="2004969" cy="1063730"/>
+            <a:chOff x="6191075" y="5972961"/>
+            <a:chExt cx="2004969" cy="1063730"/>
+          </a:xfrm>
+        </p:grpSpPr>
+        <p:sp>
+          <p:nvSpPr>
+            <p:cNvPr id="5" name="TextBox 4">
+              <a:extLst>
+                <a:ext uri="{FF2B5EF4-FFF2-40B4-BE49-F238E27FC236}">
+                  <a16:creationId xmlns:a16="http://schemas.microsoft.com/office/drawing/2014/main" id="{22ABA4B4-AD8F-EB5D-E1DE-35C5A54AD35C}"/>
+                </a:ext>
+              </a:extLst>
+            </p:cNvPr>
+            <p:cNvSpPr txBox="1"/>
+            <p:nvPr/>
+          </p:nvSpPr>
+          <p:spPr>
+            <a:xfrm>
+              <a:off x="6862194" y="6021028"/>
+              <a:ext cx="1333850" cy="1015663"/>
+            </a:xfrm>
+            <a:prstGeom prst="rect">
+              <a:avLst/>
+            </a:prstGeom>
+            <a:noFill/>
+          </p:spPr>
+          <p:txBody>
+            <a:bodyPr wrap="square" rtlCol="0">
+              <a:spAutoFit/>
+            </a:bodyPr>
+            <a:lstStyle/>
+            <a:p>
+              <a:pPr>
+                <a:lnSpc>
+                  <a:spcPct val="150000"/>
+                </a:lnSpc>
+              </a:pPr>
+              <a:r>
+                <a:rPr lang="en-US" sz="1400" dirty="0"/>
+                <a:t>2021-2022</a:t>
+              </a:r>
+            </a:p>
+            <a:p>
+              <a:pPr>
+                <a:lnSpc>
+                  <a:spcPct val="150000"/>
+                </a:lnSpc>
+              </a:pPr>
+              <a:r>
+                <a:rPr lang="en-US" sz="1400" dirty="0"/>
+                <a:t>2022-2023</a:t>
+              </a:r>
+            </a:p>
+            <a:p>
+              <a:endParaRPr lang="en-GB" dirty="0"/>
+            </a:p>
+          </p:txBody>
+        </p:sp>
+        <p:grpSp>
+          <p:nvGrpSpPr>
+            <p:cNvPr id="6" name="Group 5">
+              <a:extLst>
+                <a:ext uri="{FF2B5EF4-FFF2-40B4-BE49-F238E27FC236}">
+                  <a16:creationId xmlns:a16="http://schemas.microsoft.com/office/drawing/2014/main" id="{D021C283-1F77-A846-625B-250AA4CAA3BC}"/>
+                </a:ext>
+              </a:extLst>
+            </p:cNvPr>
+            <p:cNvGrpSpPr/>
+            <p:nvPr/>
+          </p:nvGrpSpPr>
+          <p:grpSpPr>
+            <a:xfrm>
+              <a:off x="6191075" y="5972961"/>
+              <a:ext cx="1904301" cy="805344"/>
+              <a:chOff x="6191075" y="5972961"/>
+              <a:chExt cx="1904301" cy="805344"/>
+            </a:xfrm>
+          </p:grpSpPr>
+          <p:sp>
+            <p:nvSpPr>
+              <p:cNvPr id="7" name="Rectangle 6">
+                <a:extLst>
+                  <a:ext uri="{FF2B5EF4-FFF2-40B4-BE49-F238E27FC236}">
+                    <a16:creationId xmlns:a16="http://schemas.microsoft.com/office/drawing/2014/main" id="{24DC828C-B606-7B4A-E43C-1C11DD6973B0}"/>
+                  </a:ext>
+                </a:extLst>
+              </p:cNvPr>
+              <p:cNvSpPr/>
+              <p:nvPr/>
+            </p:nvSpPr>
+            <p:spPr>
+              <a:xfrm>
+                <a:off x="6455328" y="6451793"/>
+                <a:ext cx="310393" cy="162468"/>
+              </a:xfrm>
+              <a:prstGeom prst="rect">
+                <a:avLst/>
+              </a:prstGeom>
+              <a:solidFill>
+                <a:srgbClr val="0000FF">
+                  <a:alpha val="25098"/>
+                </a:srgbClr>
+              </a:solidFill>
+              <a:ln>
+                <a:noFill/>
+              </a:ln>
+            </p:spPr>
+            <p:style>
+              <a:lnRef idx="2">
+                <a:schemeClr val="accent1">
+                  <a:shade val="50000"/>
+                </a:schemeClr>
+              </a:lnRef>
+              <a:fillRef idx="1">
+                <a:schemeClr val="accent1"/>
+              </a:fillRef>
+              <a:effectRef idx="0">
+                <a:schemeClr val="accent1"/>
+              </a:effectRef>
+              <a:fontRef idx="minor">
+                <a:schemeClr val="lt1"/>
+              </a:fontRef>
+            </p:style>
+            <p:txBody>
+              <a:bodyPr rtlCol="0" anchor="ctr"/>
+              <a:lstStyle/>
+              <a:p>
+                <a:pPr algn="ctr"/>
+                <a:endParaRPr lang="en-GB"/>
+              </a:p>
+            </p:txBody>
+          </p:sp>
+          <p:sp>
+            <p:nvSpPr>
+              <p:cNvPr id="8" name="Rectangle 7">
+                <a:extLst>
+                  <a:ext uri="{FF2B5EF4-FFF2-40B4-BE49-F238E27FC236}">
+                    <a16:creationId xmlns:a16="http://schemas.microsoft.com/office/drawing/2014/main" id="{57CA8A87-0570-4C00-30D7-243457CB3B6A}"/>
+                  </a:ext>
+                </a:extLst>
+              </p:cNvPr>
+              <p:cNvSpPr/>
+              <p:nvPr/>
+            </p:nvSpPr>
+            <p:spPr>
+              <a:xfrm>
+                <a:off x="6455328" y="6182686"/>
+                <a:ext cx="310393" cy="162468"/>
+              </a:xfrm>
+              <a:prstGeom prst="rect">
+                <a:avLst/>
+              </a:prstGeom>
+              <a:solidFill>
+                <a:srgbClr val="00FF00">
+                  <a:alpha val="24706"/>
+                </a:srgbClr>
+              </a:solidFill>
+              <a:ln>
+                <a:noFill/>
+              </a:ln>
+            </p:spPr>
+            <p:style>
+              <a:lnRef idx="2">
+                <a:schemeClr val="accent1">
+                  <a:shade val="50000"/>
+                </a:schemeClr>
+              </a:lnRef>
+              <a:fillRef idx="1">
+                <a:schemeClr val="accent1"/>
+              </a:fillRef>
+              <a:effectRef idx="0">
+                <a:schemeClr val="accent1"/>
+              </a:effectRef>
+              <a:fontRef idx="minor">
+                <a:schemeClr val="lt1"/>
+              </a:fontRef>
+            </p:style>
+            <p:txBody>
+              <a:bodyPr rtlCol="0" anchor="ctr"/>
+              <a:lstStyle/>
+              <a:p>
+                <a:pPr algn="ctr"/>
+                <a:endParaRPr lang="en-GB"/>
+              </a:p>
+            </p:txBody>
+          </p:sp>
+          <p:sp>
+            <p:nvSpPr>
+              <p:cNvPr id="9" name="Rectangle 8">
+                <a:extLst>
+                  <a:ext uri="{FF2B5EF4-FFF2-40B4-BE49-F238E27FC236}">
+                    <a16:creationId xmlns:a16="http://schemas.microsoft.com/office/drawing/2014/main" id="{9BE0FC74-658F-0CF2-3514-C37025C5AACD}"/>
+                  </a:ext>
+                </a:extLst>
+              </p:cNvPr>
+              <p:cNvSpPr/>
+              <p:nvPr/>
+            </p:nvSpPr>
+            <p:spPr>
+              <a:xfrm>
+                <a:off x="6191075" y="5972961"/>
+                <a:ext cx="1904301" cy="805344"/>
+              </a:xfrm>
+              <a:prstGeom prst="rect">
+                <a:avLst/>
+              </a:prstGeom>
+              <a:noFill/>
+              <a:ln>
+                <a:solidFill>
+                  <a:schemeClr val="tx1"/>
+                </a:solidFill>
+              </a:ln>
+            </p:spPr>
+            <p:style>
+              <a:lnRef idx="2">
+                <a:schemeClr val="accent1">
+                  <a:shade val="50000"/>
+                </a:schemeClr>
+              </a:lnRef>
+              <a:fillRef idx="1">
+                <a:schemeClr val="accent1"/>
+              </a:fillRef>
+              <a:effectRef idx="0">
+                <a:schemeClr val="accent1"/>
+              </a:effectRef>
+              <a:fontRef idx="minor">
+                <a:schemeClr val="lt1"/>
+              </a:fontRef>
+            </p:style>
+            <p:txBody>
+              <a:bodyPr rtlCol="0" anchor="ctr"/>
+              <a:lstStyle/>
+              <a:p>
+                <a:pPr algn="ctr"/>
+                <a:endParaRPr lang="en-GB"/>
+              </a:p>
+            </p:txBody>
+          </p:sp>
+        </p:grpSp>
+      </p:grpSp>
     </p:spTree>
     <p:extLst>
       <p:ext uri="{BB962C8B-B14F-4D97-AF65-F5344CB8AC3E}">
@@ -13531,6 +14837,1114 @@
 </file>
 
 <file path=ppt/slides/slide23.xml><?xml version="1.0" encoding="utf-8"?>
+<p:sld xmlns:a="http://schemas.openxmlformats.org/drawingml/2006/main" xmlns:r="http://schemas.openxmlformats.org/officeDocument/2006/relationships" xmlns:p="http://schemas.openxmlformats.org/presentationml/2006/main">
+  <p:cSld>
+    <p:spTree>
+      <p:nvGrpSpPr>
+        <p:cNvPr id="1" name=""/>
+        <p:cNvGrpSpPr/>
+        <p:nvPr/>
+      </p:nvGrpSpPr>
+      <p:grpSpPr>
+        <a:xfrm>
+          <a:off x="0" y="0"/>
+          <a:ext cx="0" cy="0"/>
+          <a:chOff x="0" y="0"/>
+          <a:chExt cx="0" cy="0"/>
+        </a:xfrm>
+      </p:grpSpPr>
+      <p:sp>
+        <p:nvSpPr>
+          <p:cNvPr id="2" name="Title 1">
+            <a:extLst>
+              <a:ext uri="{FF2B5EF4-FFF2-40B4-BE49-F238E27FC236}">
+                <a16:creationId xmlns:a16="http://schemas.microsoft.com/office/drawing/2014/main" id="{921633EB-7DCB-4DDC-80AF-C885A3EE1245}"/>
+              </a:ext>
+            </a:extLst>
+          </p:cNvPr>
+          <p:cNvSpPr>
+            <a:spLocks noGrp="1"/>
+          </p:cNvSpPr>
+          <p:nvPr>
+            <p:ph type="title"/>
+          </p:nvPr>
+        </p:nvSpPr>
+        <p:spPr/>
+        <p:txBody>
+          <a:bodyPr/>
+          <a:lstStyle/>
+          <a:p>
+            <a:r>
+              <a:rPr lang="en-US" dirty="0"/>
+              <a:t>Recording Views</a:t>
+            </a:r>
+          </a:p>
+        </p:txBody>
+      </p:sp>
+      <p:pic>
+        <p:nvPicPr>
+          <p:cNvPr id="22" name="Picture 21">
+            <a:extLst>
+              <a:ext uri="{FF2B5EF4-FFF2-40B4-BE49-F238E27FC236}">
+                <a16:creationId xmlns:a16="http://schemas.microsoft.com/office/drawing/2014/main" id="{A2645ED6-F5DD-B44C-6AF8-A1ECB0E6B71D}"/>
+              </a:ext>
+            </a:extLst>
+          </p:cNvPr>
+          <p:cNvPicPr>
+            <a:picLocks noChangeAspect="1"/>
+          </p:cNvPicPr>
+          <p:nvPr/>
+        </p:nvPicPr>
+        <p:blipFill>
+          <a:blip r:embed="rId2"/>
+          <a:srcRect/>
+          <a:stretch/>
+        </p:blipFill>
+        <p:spPr>
+          <a:xfrm>
+            <a:off x="7977020" y="2227261"/>
+            <a:ext cx="3633787" cy="3633787"/>
+          </a:xfrm>
+          <a:prstGeom prst="rect">
+            <a:avLst/>
+          </a:prstGeom>
+        </p:spPr>
+      </p:pic>
+      <p:sp>
+        <p:nvSpPr>
+          <p:cNvPr id="4" name="Content Placeholder 3">
+            <a:extLst>
+              <a:ext uri="{FF2B5EF4-FFF2-40B4-BE49-F238E27FC236}">
+                <a16:creationId xmlns:a16="http://schemas.microsoft.com/office/drawing/2014/main" id="{89066F11-6868-47D7-FDD2-F251B0B320C8}"/>
+              </a:ext>
+            </a:extLst>
+          </p:cNvPr>
+          <p:cNvSpPr>
+            <a:spLocks noGrp="1"/>
+          </p:cNvSpPr>
+          <p:nvPr>
+            <p:ph sz="half" idx="1"/>
+          </p:nvPr>
+        </p:nvSpPr>
+        <p:spPr>
+          <a:xfrm>
+            <a:off x="581193" y="2228003"/>
+            <a:ext cx="3633787" cy="3633047"/>
+          </a:xfrm>
+        </p:spPr>
+        <p:txBody>
+          <a:bodyPr>
+            <a:normAutofit/>
+          </a:bodyPr>
+          <a:lstStyle/>
+          <a:p>
+            <a:r>
+              <a:rPr lang="en-US" dirty="0">
+                <a:solidFill>
+                  <a:schemeClr val="tx1"/>
+                </a:solidFill>
+              </a:rPr>
+              <a:t>Recording viewings tend to decline over time.</a:t>
+            </a:r>
+          </a:p>
+          <a:p>
+            <a:r>
+              <a:rPr lang="en-US" dirty="0">
+                <a:solidFill>
+                  <a:schemeClr val="tx1"/>
+                </a:solidFill>
+              </a:rPr>
+              <a:t>Viewing metrics are difficult to source and how the views are counted are not known.</a:t>
+            </a:r>
+          </a:p>
+          <a:p>
+            <a:r>
+              <a:rPr lang="en-US" dirty="0">
+                <a:solidFill>
+                  <a:schemeClr val="tx1"/>
+                </a:solidFill>
+              </a:rPr>
+              <a:t>Videos are embedded within the VLE pages, direct links are also provided.</a:t>
+            </a:r>
+          </a:p>
+          <a:p>
+            <a:r>
+              <a:rPr lang="en-US" dirty="0">
+                <a:solidFill>
+                  <a:schemeClr val="tx1"/>
+                </a:solidFill>
+              </a:rPr>
+              <a:t>Views are not known to be individual users, or just each viewing.</a:t>
+            </a:r>
+          </a:p>
+        </p:txBody>
+      </p:sp>
+      <p:graphicFrame>
+        <p:nvGraphicFramePr>
+          <p:cNvPr id="6" name="Table 6">
+            <a:extLst>
+              <a:ext uri="{FF2B5EF4-FFF2-40B4-BE49-F238E27FC236}">
+                <a16:creationId xmlns:a16="http://schemas.microsoft.com/office/drawing/2014/main" id="{91CC1A48-9B51-6666-9F73-41B0B461B57B}"/>
+              </a:ext>
+            </a:extLst>
+          </p:cNvPr>
+          <p:cNvGraphicFramePr>
+            <a:graphicFrameLocks noGrp="1"/>
+          </p:cNvGraphicFramePr>
+          <p:nvPr>
+            <p:ph sz="half" idx="2"/>
+            <p:extLst>
+              <p:ext uri="{D42A27DB-BD31-4B8C-83A1-F6EECF244321}">
+                <p14:modId xmlns:p14="http://schemas.microsoft.com/office/powerpoint/2010/main" val="1054561981"/>
+              </p:ext>
+            </p:extLst>
+          </p:nvPr>
+        </p:nvGraphicFramePr>
+        <p:xfrm>
+          <a:off x="4525319" y="2239828"/>
+          <a:ext cx="3141362" cy="4052337"/>
+        </p:xfrm>
+        <a:graphic>
+          <a:graphicData uri="http://schemas.openxmlformats.org/drawingml/2006/table">
+            <a:tbl>
+              <a:tblPr firstRow="1" bandRow="1">
+                <a:tableStyleId>{5C22544A-7EE6-4342-B048-85BDC9FD1C3A}</a:tableStyleId>
+              </a:tblPr>
+              <a:tblGrid>
+                <a:gridCol w="382241">
+                  <a:extLst>
+                    <a:ext uri="{9D8B030D-6E8A-4147-A177-3AD203B41FA5}">
+                      <a16:colId xmlns:a16="http://schemas.microsoft.com/office/drawing/2014/main" val="3015252284"/>
+                    </a:ext>
+                  </a:extLst>
+                </a:gridCol>
+                <a:gridCol w="2147621">
+                  <a:extLst>
+                    <a:ext uri="{9D8B030D-6E8A-4147-A177-3AD203B41FA5}">
+                      <a16:colId xmlns:a16="http://schemas.microsoft.com/office/drawing/2014/main" val="2522716418"/>
+                    </a:ext>
+                  </a:extLst>
+                </a:gridCol>
+                <a:gridCol w="611500">
+                  <a:extLst>
+                    <a:ext uri="{9D8B030D-6E8A-4147-A177-3AD203B41FA5}">
+                      <a16:colId xmlns:a16="http://schemas.microsoft.com/office/drawing/2014/main" val="2548685041"/>
+                    </a:ext>
+                  </a:extLst>
+                </a:gridCol>
+              </a:tblGrid>
+              <a:tr h="259503">
+                <a:tc>
+                  <a:txBody>
+                    <a:bodyPr/>
+                    <a:lstStyle/>
+                    <a:p>
+                      <a:r>
+                        <a:rPr lang="en-US" sz="1100" dirty="0"/>
+                        <a:t>No.</a:t>
+                      </a:r>
+                      <a:endParaRPr lang="en-GB" sz="1100" dirty="0"/>
+                    </a:p>
+                  </a:txBody>
+                  <a:tcPr marL="63987" marR="63987" marT="31994" marB="31994"/>
+                </a:tc>
+                <a:tc>
+                  <a:txBody>
+                    <a:bodyPr/>
+                    <a:lstStyle/>
+                    <a:p>
+                      <a:r>
+                        <a:rPr lang="en-US" sz="1100" dirty="0"/>
+                        <a:t>Video Name</a:t>
+                      </a:r>
+                      <a:endParaRPr lang="en-GB" sz="1100" dirty="0"/>
+                    </a:p>
+                  </a:txBody>
+                  <a:tcPr marL="63987" marR="63987" marT="31994" marB="31994"/>
+                </a:tc>
+                <a:tc>
+                  <a:txBody>
+                    <a:bodyPr/>
+                    <a:lstStyle/>
+                    <a:p>
+                      <a:r>
+                        <a:rPr lang="en-US" sz="1100" dirty="0"/>
+                        <a:t>Views</a:t>
+                      </a:r>
+                      <a:endParaRPr lang="en-GB" sz="1100" dirty="0"/>
+                    </a:p>
+                  </a:txBody>
+                  <a:tcPr marL="63987" marR="63987" marT="31994" marB="31994"/>
+                </a:tc>
+                <a:extLst>
+                  <a:ext uri="{0D108BD9-81ED-4DB2-BD59-A6C34878D82A}">
+                    <a16:rowId xmlns:a16="http://schemas.microsoft.com/office/drawing/2014/main" val="1155511519"/>
+                  </a:ext>
+                </a:extLst>
+              </a:tr>
+              <a:tr h="259503">
+                <a:tc>
+                  <a:txBody>
+                    <a:bodyPr/>
+                    <a:lstStyle/>
+                    <a:p>
+                      <a:r>
+                        <a:rPr lang="en-US" sz="1100" dirty="0"/>
+                        <a:t>1</a:t>
+                      </a:r>
+                      <a:endParaRPr lang="en-GB" sz="1100" dirty="0"/>
+                    </a:p>
+                  </a:txBody>
+                  <a:tcPr marL="63987" marR="63987" marT="31994" marB="31994"/>
+                </a:tc>
+                <a:tc>
+                  <a:txBody>
+                    <a:bodyPr/>
+                    <a:lstStyle/>
+                    <a:p>
+                      <a:r>
+                        <a:rPr lang="en-GB" sz="1100" b="0" i="0" kern="1200" dirty="0">
+                          <a:solidFill>
+                            <a:schemeClr val="dk1"/>
+                          </a:solidFill>
+                          <a:effectLst/>
+                          <a:latin typeface="+mn-lt"/>
+                          <a:ea typeface="+mn-ea"/>
+                          <a:cs typeface="+mn-cs"/>
+                        </a:rPr>
+                        <a:t>CMP203 Introduction</a:t>
+                      </a:r>
+                      <a:endParaRPr lang="en-GB" sz="1100" dirty="0"/>
+                    </a:p>
+                  </a:txBody>
+                  <a:tcPr marL="63987" marR="63987" marT="31994" marB="31994"/>
+                </a:tc>
+                <a:tc>
+                  <a:txBody>
+                    <a:bodyPr/>
+                    <a:lstStyle/>
+                    <a:p>
+                      <a:r>
+                        <a:rPr lang="en-GB" sz="1100" b="0" i="0" kern="1200" dirty="0">
+                          <a:solidFill>
+                            <a:schemeClr val="dk1"/>
+                          </a:solidFill>
+                          <a:effectLst/>
+                          <a:latin typeface="+mn-lt"/>
+                          <a:ea typeface="+mn-ea"/>
+                          <a:cs typeface="+mn-cs"/>
+                        </a:rPr>
+                        <a:t>64</a:t>
+                      </a:r>
+                      <a:endParaRPr lang="en-GB" sz="1100" dirty="0"/>
+                    </a:p>
+                  </a:txBody>
+                  <a:tcPr marL="63987" marR="63987" marT="31994" marB="31994"/>
+                </a:tc>
+                <a:extLst>
+                  <a:ext uri="{0D108BD9-81ED-4DB2-BD59-A6C34878D82A}">
+                    <a16:rowId xmlns:a16="http://schemas.microsoft.com/office/drawing/2014/main" val="2227560597"/>
+                  </a:ext>
+                </a:extLst>
+              </a:tr>
+              <a:tr h="259503">
+                <a:tc>
+                  <a:txBody>
+                    <a:bodyPr/>
+                    <a:lstStyle/>
+                    <a:p>
+                      <a:r>
+                        <a:rPr lang="en-US" sz="1100" dirty="0"/>
+                        <a:t>2</a:t>
+                      </a:r>
+                      <a:endParaRPr lang="en-GB" sz="1100" dirty="0"/>
+                    </a:p>
+                  </a:txBody>
+                  <a:tcPr marL="63987" marR="63987" marT="31994" marB="31994"/>
+                </a:tc>
+                <a:tc>
+                  <a:txBody>
+                    <a:bodyPr/>
+                    <a:lstStyle/>
+                    <a:p>
+                      <a:r>
+                        <a:rPr lang="en-US" sz="1100" b="0" i="0" kern="1200" dirty="0">
+                          <a:solidFill>
+                            <a:schemeClr val="dk1"/>
+                          </a:solidFill>
+                          <a:effectLst/>
+                          <a:latin typeface="+mn-lt"/>
+                          <a:ea typeface="+mn-ea"/>
+                          <a:cs typeface="+mn-cs"/>
+                        </a:rPr>
+                        <a:t>Lecture CMP203 - Introduction to 3D</a:t>
+                      </a:r>
+                      <a:endParaRPr lang="en-GB" sz="1100" dirty="0"/>
+                    </a:p>
+                  </a:txBody>
+                  <a:tcPr marL="63987" marR="63987" marT="31994" marB="31994"/>
+                </a:tc>
+                <a:tc>
+                  <a:txBody>
+                    <a:bodyPr/>
+                    <a:lstStyle/>
+                    <a:p>
+                      <a:r>
+                        <a:rPr lang="en-GB" sz="1100" b="0" i="0" kern="1200" dirty="0">
+                          <a:solidFill>
+                            <a:schemeClr val="dk1"/>
+                          </a:solidFill>
+                          <a:effectLst/>
+                          <a:latin typeface="+mn-lt"/>
+                          <a:ea typeface="+mn-ea"/>
+                          <a:cs typeface="+mn-cs"/>
+                        </a:rPr>
+                        <a:t>205</a:t>
+                      </a:r>
+                      <a:endParaRPr lang="en-GB" sz="1100" dirty="0"/>
+                    </a:p>
+                  </a:txBody>
+                  <a:tcPr marL="63987" marR="63987" marT="31994" marB="31994"/>
+                </a:tc>
+                <a:extLst>
+                  <a:ext uri="{0D108BD9-81ED-4DB2-BD59-A6C34878D82A}">
+                    <a16:rowId xmlns:a16="http://schemas.microsoft.com/office/drawing/2014/main" val="3427890704"/>
+                  </a:ext>
+                </a:extLst>
+              </a:tr>
+              <a:tr h="259503">
+                <a:tc>
+                  <a:txBody>
+                    <a:bodyPr/>
+                    <a:lstStyle/>
+                    <a:p>
+                      <a:r>
+                        <a:rPr lang="en-US" sz="1100" dirty="0"/>
+                        <a:t>3</a:t>
+                      </a:r>
+                      <a:endParaRPr lang="en-GB" sz="1100" dirty="0"/>
+                    </a:p>
+                  </a:txBody>
+                  <a:tcPr marL="63987" marR="63987" marT="31994" marB="31994"/>
+                </a:tc>
+                <a:tc>
+                  <a:txBody>
+                    <a:bodyPr/>
+                    <a:lstStyle/>
+                    <a:p>
+                      <a:r>
+                        <a:rPr lang="en-US" sz="1100" b="0" i="0" kern="1200" dirty="0">
+                          <a:solidFill>
+                            <a:schemeClr val="dk1"/>
+                          </a:solidFill>
+                          <a:effectLst/>
+                          <a:latin typeface="+mn-lt"/>
+                          <a:ea typeface="+mn-ea"/>
+                          <a:cs typeface="+mn-cs"/>
+                        </a:rPr>
+                        <a:t>Lecture 2 CMP203 - Transforms and Hierarchical Modelling</a:t>
+                      </a:r>
+                      <a:endParaRPr lang="en-GB" sz="1100" dirty="0"/>
+                    </a:p>
+                  </a:txBody>
+                  <a:tcPr marL="63987" marR="63987" marT="31994" marB="31994"/>
+                </a:tc>
+                <a:tc>
+                  <a:txBody>
+                    <a:bodyPr/>
+                    <a:lstStyle/>
+                    <a:p>
+                      <a:r>
+                        <a:rPr lang="en-GB" sz="1100" b="0" i="0" kern="1200" dirty="0">
+                          <a:solidFill>
+                            <a:schemeClr val="dk1"/>
+                          </a:solidFill>
+                          <a:effectLst/>
+                          <a:latin typeface="+mn-lt"/>
+                          <a:ea typeface="+mn-ea"/>
+                          <a:cs typeface="+mn-cs"/>
+                        </a:rPr>
+                        <a:t>237</a:t>
+                      </a:r>
+                      <a:endParaRPr lang="en-GB" sz="1100" dirty="0"/>
+                    </a:p>
+                  </a:txBody>
+                  <a:tcPr marL="63987" marR="63987" marT="31994" marB="31994"/>
+                </a:tc>
+                <a:extLst>
+                  <a:ext uri="{0D108BD9-81ED-4DB2-BD59-A6C34878D82A}">
+                    <a16:rowId xmlns:a16="http://schemas.microsoft.com/office/drawing/2014/main" val="2110254230"/>
+                  </a:ext>
+                </a:extLst>
+              </a:tr>
+              <a:tr h="259503">
+                <a:tc>
+                  <a:txBody>
+                    <a:bodyPr/>
+                    <a:lstStyle/>
+                    <a:p>
+                      <a:r>
+                        <a:rPr lang="en-US" sz="1100" dirty="0"/>
+                        <a:t>4</a:t>
+                      </a:r>
+                      <a:endParaRPr lang="en-GB" sz="1100" dirty="0"/>
+                    </a:p>
+                  </a:txBody>
+                  <a:tcPr marL="63987" marR="63987" marT="31994" marB="31994"/>
+                </a:tc>
+                <a:tc>
+                  <a:txBody>
+                    <a:bodyPr/>
+                    <a:lstStyle/>
+                    <a:p>
+                      <a:r>
+                        <a:rPr lang="en-US" sz="1100" b="0" i="0" kern="1200" dirty="0">
+                          <a:solidFill>
+                            <a:schemeClr val="dk1"/>
+                          </a:solidFill>
+                          <a:effectLst/>
+                          <a:latin typeface="+mn-lt"/>
+                          <a:ea typeface="+mn-ea"/>
+                          <a:cs typeface="+mn-cs"/>
+                        </a:rPr>
+                        <a:t>Lecture 3 CMP203: Lighting Part 1</a:t>
+                      </a:r>
+                      <a:endParaRPr lang="en-GB" sz="1100" dirty="0"/>
+                    </a:p>
+                  </a:txBody>
+                  <a:tcPr marL="63987" marR="63987" marT="31994" marB="31994"/>
+                </a:tc>
+                <a:tc>
+                  <a:txBody>
+                    <a:bodyPr/>
+                    <a:lstStyle/>
+                    <a:p>
+                      <a:r>
+                        <a:rPr lang="en-GB" sz="1100" b="0" i="0" kern="1200" dirty="0">
+                          <a:solidFill>
+                            <a:schemeClr val="dk1"/>
+                          </a:solidFill>
+                          <a:effectLst/>
+                          <a:latin typeface="+mn-lt"/>
+                          <a:ea typeface="+mn-ea"/>
+                          <a:cs typeface="+mn-cs"/>
+                        </a:rPr>
+                        <a:t>186</a:t>
+                      </a:r>
+                      <a:endParaRPr lang="en-GB" sz="1100" dirty="0"/>
+                    </a:p>
+                  </a:txBody>
+                  <a:tcPr marL="63987" marR="63987" marT="31994" marB="31994"/>
+                </a:tc>
+                <a:extLst>
+                  <a:ext uri="{0D108BD9-81ED-4DB2-BD59-A6C34878D82A}">
+                    <a16:rowId xmlns:a16="http://schemas.microsoft.com/office/drawing/2014/main" val="690937821"/>
+                  </a:ext>
+                </a:extLst>
+              </a:tr>
+              <a:tr h="259503">
+                <a:tc>
+                  <a:txBody>
+                    <a:bodyPr/>
+                    <a:lstStyle/>
+                    <a:p>
+                      <a:r>
+                        <a:rPr lang="en-US" sz="1100" dirty="0"/>
+                        <a:t>5</a:t>
+                      </a:r>
+                      <a:endParaRPr lang="en-GB" sz="1100" dirty="0"/>
+                    </a:p>
+                  </a:txBody>
+                  <a:tcPr marL="63987" marR="63987" marT="31994" marB="31994"/>
+                </a:tc>
+                <a:tc>
+                  <a:txBody>
+                    <a:bodyPr/>
+                    <a:lstStyle/>
+                    <a:p>
+                      <a:r>
+                        <a:rPr lang="en-US" sz="1100" b="0" i="0" kern="1200" dirty="0">
+                          <a:solidFill>
+                            <a:schemeClr val="dk1"/>
+                          </a:solidFill>
+                          <a:effectLst/>
+                          <a:latin typeface="+mn-lt"/>
+                          <a:ea typeface="+mn-ea"/>
+                          <a:cs typeface="+mn-cs"/>
+                        </a:rPr>
+                        <a:t>Lecture 4 CMP203 Lighting Part 2</a:t>
+                      </a:r>
+                      <a:endParaRPr lang="en-GB" sz="1100" dirty="0"/>
+                    </a:p>
+                  </a:txBody>
+                  <a:tcPr marL="63987" marR="63987" marT="31994" marB="31994"/>
+                </a:tc>
+                <a:tc>
+                  <a:txBody>
+                    <a:bodyPr/>
+                    <a:lstStyle/>
+                    <a:p>
+                      <a:r>
+                        <a:rPr lang="en-GB" sz="1100" b="0" i="0" kern="1200" dirty="0">
+                          <a:solidFill>
+                            <a:schemeClr val="dk1"/>
+                          </a:solidFill>
+                          <a:effectLst/>
+                          <a:latin typeface="+mn-lt"/>
+                          <a:ea typeface="+mn-ea"/>
+                          <a:cs typeface="+mn-cs"/>
+                        </a:rPr>
+                        <a:t>162</a:t>
+                      </a:r>
+                      <a:endParaRPr lang="en-GB" sz="1100" dirty="0"/>
+                    </a:p>
+                  </a:txBody>
+                  <a:tcPr marL="63987" marR="63987" marT="31994" marB="31994"/>
+                </a:tc>
+                <a:extLst>
+                  <a:ext uri="{0D108BD9-81ED-4DB2-BD59-A6C34878D82A}">
+                    <a16:rowId xmlns:a16="http://schemas.microsoft.com/office/drawing/2014/main" val="1362312852"/>
+                  </a:ext>
+                </a:extLst>
+              </a:tr>
+              <a:tr h="259503">
+                <a:tc>
+                  <a:txBody>
+                    <a:bodyPr/>
+                    <a:lstStyle/>
+                    <a:p>
+                      <a:r>
+                        <a:rPr lang="en-US" sz="1100" dirty="0"/>
+                        <a:t>6</a:t>
+                      </a:r>
+                      <a:endParaRPr lang="en-GB" sz="1100" dirty="0"/>
+                    </a:p>
+                  </a:txBody>
+                  <a:tcPr marL="63987" marR="63987" marT="31994" marB="31994"/>
+                </a:tc>
+                <a:tc>
+                  <a:txBody>
+                    <a:bodyPr/>
+                    <a:lstStyle/>
+                    <a:p>
+                      <a:r>
+                        <a:rPr lang="en-GB" sz="1100" b="0" i="0" kern="1200" dirty="0">
+                          <a:solidFill>
+                            <a:schemeClr val="dk1"/>
+                          </a:solidFill>
+                          <a:effectLst/>
+                          <a:latin typeface="+mn-lt"/>
+                          <a:ea typeface="+mn-ea"/>
+                          <a:cs typeface="+mn-cs"/>
+                        </a:rPr>
+                        <a:t>CMP203 #05: Texturing</a:t>
+                      </a:r>
+                      <a:endParaRPr lang="en-GB" sz="1100" dirty="0"/>
+                    </a:p>
+                  </a:txBody>
+                  <a:tcPr marL="63987" marR="63987" marT="31994" marB="31994"/>
+                </a:tc>
+                <a:tc>
+                  <a:txBody>
+                    <a:bodyPr/>
+                    <a:lstStyle/>
+                    <a:p>
+                      <a:r>
+                        <a:rPr lang="en-GB" sz="1100" b="0" i="0" kern="1200" dirty="0">
+                          <a:solidFill>
+                            <a:schemeClr val="dk1"/>
+                          </a:solidFill>
+                          <a:effectLst/>
+                          <a:latin typeface="+mn-lt"/>
+                          <a:ea typeface="+mn-ea"/>
+                          <a:cs typeface="+mn-cs"/>
+                        </a:rPr>
+                        <a:t>179</a:t>
+                      </a:r>
+                      <a:endParaRPr lang="en-GB" sz="1100" dirty="0"/>
+                    </a:p>
+                  </a:txBody>
+                  <a:tcPr marL="63987" marR="63987" marT="31994" marB="31994"/>
+                </a:tc>
+                <a:extLst>
+                  <a:ext uri="{0D108BD9-81ED-4DB2-BD59-A6C34878D82A}">
+                    <a16:rowId xmlns:a16="http://schemas.microsoft.com/office/drawing/2014/main" val="2413428143"/>
+                  </a:ext>
+                </a:extLst>
+              </a:tr>
+              <a:tr h="259503">
+                <a:tc>
+                  <a:txBody>
+                    <a:bodyPr/>
+                    <a:lstStyle/>
+                    <a:p>
+                      <a:r>
+                        <a:rPr lang="en-US" sz="1100" dirty="0"/>
+                        <a:t>7</a:t>
+                      </a:r>
+                      <a:endParaRPr lang="en-GB" sz="1100" dirty="0"/>
+                    </a:p>
+                  </a:txBody>
+                  <a:tcPr marL="63987" marR="63987" marT="31994" marB="31994"/>
+                </a:tc>
+                <a:tc>
+                  <a:txBody>
+                    <a:bodyPr/>
+                    <a:lstStyle/>
+                    <a:p>
+                      <a:r>
+                        <a:rPr lang="en-GB" sz="1100" b="0" i="0" kern="1200" dirty="0">
+                          <a:solidFill>
+                            <a:schemeClr val="dk1"/>
+                          </a:solidFill>
+                          <a:effectLst/>
+                          <a:latin typeface="+mn-lt"/>
+                          <a:ea typeface="+mn-ea"/>
+                          <a:cs typeface="+mn-cs"/>
+                        </a:rPr>
+                        <a:t>CMP203 Lecture - Camera</a:t>
+                      </a:r>
+                      <a:endParaRPr lang="en-GB" sz="1100" dirty="0"/>
+                    </a:p>
+                  </a:txBody>
+                  <a:tcPr marL="63987" marR="63987" marT="31994" marB="31994"/>
+                </a:tc>
+                <a:tc>
+                  <a:txBody>
+                    <a:bodyPr/>
+                    <a:lstStyle/>
+                    <a:p>
+                      <a:r>
+                        <a:rPr lang="en-GB" sz="1100" b="0" i="0" kern="1200" dirty="0">
+                          <a:solidFill>
+                            <a:schemeClr val="dk1"/>
+                          </a:solidFill>
+                          <a:effectLst/>
+                          <a:latin typeface="+mn-lt"/>
+                          <a:ea typeface="+mn-ea"/>
+                          <a:cs typeface="+mn-cs"/>
+                        </a:rPr>
+                        <a:t>193</a:t>
+                      </a:r>
+                      <a:endParaRPr lang="en-GB" sz="1100" dirty="0"/>
+                    </a:p>
+                  </a:txBody>
+                  <a:tcPr marL="63987" marR="63987" marT="31994" marB="31994"/>
+                </a:tc>
+                <a:extLst>
+                  <a:ext uri="{0D108BD9-81ED-4DB2-BD59-A6C34878D82A}">
+                    <a16:rowId xmlns:a16="http://schemas.microsoft.com/office/drawing/2014/main" val="1919282730"/>
+                  </a:ext>
+                </a:extLst>
+              </a:tr>
+              <a:tr h="259503">
+                <a:tc>
+                  <a:txBody>
+                    <a:bodyPr/>
+                    <a:lstStyle/>
+                    <a:p>
+                      <a:r>
+                        <a:rPr lang="en-US" sz="1100" dirty="0"/>
+                        <a:t>8</a:t>
+                      </a:r>
+                      <a:endParaRPr lang="en-GB" sz="1100" dirty="0"/>
+                    </a:p>
+                  </a:txBody>
+                  <a:tcPr marL="63987" marR="63987" marT="31994" marB="31994"/>
+                </a:tc>
+                <a:tc>
+                  <a:txBody>
+                    <a:bodyPr/>
+                    <a:lstStyle/>
+                    <a:p>
+                      <a:r>
+                        <a:rPr lang="en-US" sz="1100" b="0" i="0" kern="1200" dirty="0">
+                          <a:solidFill>
+                            <a:schemeClr val="dk1"/>
+                          </a:solidFill>
+                          <a:effectLst/>
+                          <a:latin typeface="+mn-lt"/>
+                          <a:ea typeface="+mn-ea"/>
+                          <a:cs typeface="+mn-cs"/>
+                        </a:rPr>
+                        <a:t>CMP203 #07: The Depth Buffer</a:t>
+                      </a:r>
+                      <a:endParaRPr lang="en-GB" sz="1100" dirty="0"/>
+                    </a:p>
+                  </a:txBody>
+                  <a:tcPr marL="63987" marR="63987" marT="31994" marB="31994"/>
+                </a:tc>
+                <a:tc>
+                  <a:txBody>
+                    <a:bodyPr/>
+                    <a:lstStyle/>
+                    <a:p>
+                      <a:r>
+                        <a:rPr lang="en-GB" sz="1100" b="0" i="0" kern="1200" dirty="0">
+                          <a:solidFill>
+                            <a:schemeClr val="dk1"/>
+                          </a:solidFill>
+                          <a:effectLst/>
+                          <a:latin typeface="+mn-lt"/>
+                          <a:ea typeface="+mn-ea"/>
+                          <a:cs typeface="+mn-cs"/>
+                        </a:rPr>
+                        <a:t>135</a:t>
+                      </a:r>
+                      <a:endParaRPr lang="en-GB" sz="1100" dirty="0"/>
+                    </a:p>
+                  </a:txBody>
+                  <a:tcPr marL="63987" marR="63987" marT="31994" marB="31994"/>
+                </a:tc>
+                <a:extLst>
+                  <a:ext uri="{0D108BD9-81ED-4DB2-BD59-A6C34878D82A}">
+                    <a16:rowId xmlns:a16="http://schemas.microsoft.com/office/drawing/2014/main" val="2667864625"/>
+                  </a:ext>
+                </a:extLst>
+              </a:tr>
+              <a:tr h="259503">
+                <a:tc>
+                  <a:txBody>
+                    <a:bodyPr/>
+                    <a:lstStyle/>
+                    <a:p>
+                      <a:r>
+                        <a:rPr lang="en-US" sz="1100" dirty="0"/>
+                        <a:t>9</a:t>
+                      </a:r>
+                      <a:endParaRPr lang="en-GB" sz="1100" dirty="0"/>
+                    </a:p>
+                  </a:txBody>
+                  <a:tcPr marL="63987" marR="63987" marT="31994" marB="31994"/>
+                </a:tc>
+                <a:tc>
+                  <a:txBody>
+                    <a:bodyPr/>
+                    <a:lstStyle/>
+                    <a:p>
+                      <a:r>
+                        <a:rPr lang="en-GB" sz="1100" b="0" i="0" kern="1200" dirty="0">
+                          <a:solidFill>
+                            <a:schemeClr val="dk1"/>
+                          </a:solidFill>
+                          <a:effectLst/>
+                          <a:latin typeface="+mn-lt"/>
+                          <a:ea typeface="+mn-ea"/>
+                          <a:cs typeface="+mn-cs"/>
+                        </a:rPr>
+                        <a:t>CMP203 Lecture - Vertex Arrays</a:t>
+                      </a:r>
+                      <a:endParaRPr lang="en-GB" sz="1100" dirty="0"/>
+                    </a:p>
+                  </a:txBody>
+                  <a:tcPr marL="63987" marR="63987" marT="31994" marB="31994"/>
+                </a:tc>
+                <a:tc>
+                  <a:txBody>
+                    <a:bodyPr/>
+                    <a:lstStyle/>
+                    <a:p>
+                      <a:r>
+                        <a:rPr lang="en-GB" sz="1100" b="0" i="0" kern="1200" dirty="0">
+                          <a:solidFill>
+                            <a:schemeClr val="dk1"/>
+                          </a:solidFill>
+                          <a:effectLst/>
+                          <a:latin typeface="+mn-lt"/>
+                          <a:ea typeface="+mn-ea"/>
+                          <a:cs typeface="+mn-cs"/>
+                        </a:rPr>
+                        <a:t>195</a:t>
+                      </a:r>
+                      <a:endParaRPr lang="en-GB" sz="1100" dirty="0"/>
+                    </a:p>
+                  </a:txBody>
+                  <a:tcPr marL="63987" marR="63987" marT="31994" marB="31994"/>
+                </a:tc>
+                <a:extLst>
+                  <a:ext uri="{0D108BD9-81ED-4DB2-BD59-A6C34878D82A}">
+                    <a16:rowId xmlns:a16="http://schemas.microsoft.com/office/drawing/2014/main" val="1431532141"/>
+                  </a:ext>
+                </a:extLst>
+              </a:tr>
+              <a:tr h="259503">
+                <a:tc>
+                  <a:txBody>
+                    <a:bodyPr/>
+                    <a:lstStyle/>
+                    <a:p>
+                      <a:r>
+                        <a:rPr lang="en-US" sz="1100" dirty="0"/>
+                        <a:t>10</a:t>
+                      </a:r>
+                      <a:endParaRPr lang="en-GB" sz="1100" dirty="0"/>
+                    </a:p>
+                  </a:txBody>
+                  <a:tcPr marL="63987" marR="63987" marT="31994" marB="31994"/>
+                </a:tc>
+                <a:tc>
+                  <a:txBody>
+                    <a:bodyPr/>
+                    <a:lstStyle/>
+                    <a:p>
+                      <a:r>
+                        <a:rPr lang="en-GB" sz="1100" b="0" i="0" kern="1200" dirty="0">
+                          <a:solidFill>
+                            <a:schemeClr val="dk1"/>
+                          </a:solidFill>
+                          <a:effectLst/>
+                          <a:latin typeface="+mn-lt"/>
+                          <a:ea typeface="+mn-ea"/>
+                          <a:cs typeface="+mn-cs"/>
+                        </a:rPr>
+                        <a:t>CMP203 #09: Model Loading </a:t>
+                      </a:r>
+                      <a:endParaRPr lang="en-GB" sz="1100" dirty="0"/>
+                    </a:p>
+                  </a:txBody>
+                  <a:tcPr marL="63987" marR="63987" marT="31994" marB="31994"/>
+                </a:tc>
+                <a:tc>
+                  <a:txBody>
+                    <a:bodyPr/>
+                    <a:lstStyle/>
+                    <a:p>
+                      <a:r>
+                        <a:rPr lang="en-GB" sz="1100" b="0" i="0" kern="1200" dirty="0">
+                          <a:solidFill>
+                            <a:schemeClr val="dk1"/>
+                          </a:solidFill>
+                          <a:effectLst/>
+                          <a:latin typeface="+mn-lt"/>
+                          <a:ea typeface="+mn-ea"/>
+                          <a:cs typeface="+mn-cs"/>
+                        </a:rPr>
+                        <a:t>125</a:t>
+                      </a:r>
+                      <a:endParaRPr lang="en-GB" sz="1100" dirty="0"/>
+                    </a:p>
+                  </a:txBody>
+                  <a:tcPr marL="63987" marR="63987" marT="31994" marB="31994"/>
+                </a:tc>
+                <a:extLst>
+                  <a:ext uri="{0D108BD9-81ED-4DB2-BD59-A6C34878D82A}">
+                    <a16:rowId xmlns:a16="http://schemas.microsoft.com/office/drawing/2014/main" val="755811959"/>
+                  </a:ext>
+                </a:extLst>
+              </a:tr>
+              <a:tr h="259503">
+                <a:tc>
+                  <a:txBody>
+                    <a:bodyPr/>
+                    <a:lstStyle/>
+                    <a:p>
+                      <a:r>
+                        <a:rPr lang="en-US" sz="1100" dirty="0"/>
+                        <a:t>11</a:t>
+                      </a:r>
+                      <a:endParaRPr lang="en-GB" sz="1100" dirty="0"/>
+                    </a:p>
+                  </a:txBody>
+                  <a:tcPr marL="63987" marR="63987" marT="31994" marB="31994"/>
+                </a:tc>
+                <a:tc>
+                  <a:txBody>
+                    <a:bodyPr/>
+                    <a:lstStyle/>
+                    <a:p>
+                      <a:r>
+                        <a:rPr lang="en-GB" sz="1100" b="0" i="0" kern="1200" dirty="0">
+                          <a:solidFill>
+                            <a:schemeClr val="dk1"/>
+                          </a:solidFill>
+                          <a:effectLst/>
+                          <a:latin typeface="+mn-lt"/>
+                          <a:ea typeface="+mn-ea"/>
+                          <a:cs typeface="+mn-cs"/>
+                        </a:rPr>
+                        <a:t>CMP203 Lecture - Stencil Buffer</a:t>
+                      </a:r>
+                      <a:endParaRPr lang="en-GB" sz="1100" dirty="0"/>
+                    </a:p>
+                  </a:txBody>
+                  <a:tcPr marL="63987" marR="63987" marT="31994" marB="31994"/>
+                </a:tc>
+                <a:tc>
+                  <a:txBody>
+                    <a:bodyPr/>
+                    <a:lstStyle/>
+                    <a:p>
+                      <a:r>
+                        <a:rPr lang="en-GB" sz="1100" b="0" i="0" kern="1200" dirty="0">
+                          <a:solidFill>
+                            <a:schemeClr val="dk1"/>
+                          </a:solidFill>
+                          <a:effectLst/>
+                          <a:latin typeface="+mn-lt"/>
+                          <a:ea typeface="+mn-ea"/>
+                          <a:cs typeface="+mn-cs"/>
+                        </a:rPr>
+                        <a:t>124</a:t>
+                      </a:r>
+                      <a:endParaRPr lang="en-GB" sz="1100" dirty="0"/>
+                    </a:p>
+                  </a:txBody>
+                  <a:tcPr marL="63987" marR="63987" marT="31994" marB="31994"/>
+                </a:tc>
+                <a:extLst>
+                  <a:ext uri="{0D108BD9-81ED-4DB2-BD59-A6C34878D82A}">
+                    <a16:rowId xmlns:a16="http://schemas.microsoft.com/office/drawing/2014/main" val="1465447021"/>
+                  </a:ext>
+                </a:extLst>
+              </a:tr>
+              <a:tr h="259503">
+                <a:tc>
+                  <a:txBody>
+                    <a:bodyPr/>
+                    <a:lstStyle/>
+                    <a:p>
+                      <a:r>
+                        <a:rPr lang="en-US" sz="1100" dirty="0"/>
+                        <a:t>12</a:t>
+                      </a:r>
+                      <a:endParaRPr lang="en-GB" sz="1100" dirty="0"/>
+                    </a:p>
+                  </a:txBody>
+                  <a:tcPr marL="63987" marR="63987" marT="31994" marB="31994"/>
+                </a:tc>
+                <a:tc>
+                  <a:txBody>
+                    <a:bodyPr/>
+                    <a:lstStyle/>
+                    <a:p>
+                      <a:r>
+                        <a:rPr lang="en-GB" sz="1100" b="0" i="0" kern="1200" dirty="0">
+                          <a:solidFill>
+                            <a:schemeClr val="dk1"/>
+                          </a:solidFill>
+                          <a:effectLst/>
+                          <a:latin typeface="+mn-lt"/>
+                          <a:ea typeface="+mn-ea"/>
+                          <a:cs typeface="+mn-cs"/>
+                        </a:rPr>
+                        <a:t>CMP203 #11: Shadows</a:t>
+                      </a:r>
+                      <a:endParaRPr lang="en-GB" sz="1100" dirty="0"/>
+                    </a:p>
+                  </a:txBody>
+                  <a:tcPr marL="63987" marR="63987" marT="31994" marB="31994"/>
+                </a:tc>
+                <a:tc>
+                  <a:txBody>
+                    <a:bodyPr/>
+                    <a:lstStyle/>
+                    <a:p>
+                      <a:r>
+                        <a:rPr lang="en-GB" sz="1100" b="0" i="0" kern="1200" dirty="0">
+                          <a:solidFill>
+                            <a:schemeClr val="dk1"/>
+                          </a:solidFill>
+                          <a:effectLst/>
+                          <a:latin typeface="+mn-lt"/>
+                          <a:ea typeface="+mn-ea"/>
+                          <a:cs typeface="+mn-cs"/>
+                        </a:rPr>
+                        <a:t>105</a:t>
+                      </a:r>
+                      <a:endParaRPr lang="en-GB" sz="1100" dirty="0"/>
+                    </a:p>
+                  </a:txBody>
+                  <a:tcPr marL="63987" marR="63987" marT="31994" marB="31994"/>
+                </a:tc>
+                <a:extLst>
+                  <a:ext uri="{0D108BD9-81ED-4DB2-BD59-A6C34878D82A}">
+                    <a16:rowId xmlns:a16="http://schemas.microsoft.com/office/drawing/2014/main" val="1144835547"/>
+                  </a:ext>
+                </a:extLst>
+              </a:tr>
+              <a:tr h="259503">
+                <a:tc>
+                  <a:txBody>
+                    <a:bodyPr/>
+                    <a:lstStyle/>
+                    <a:p>
+                      <a:r>
+                        <a:rPr lang="en-US" sz="1100" dirty="0"/>
+                        <a:t>13</a:t>
+                      </a:r>
+                      <a:endParaRPr lang="en-GB" sz="1100" dirty="0"/>
+                    </a:p>
+                  </a:txBody>
+                  <a:tcPr marL="63987" marR="63987" marT="31994" marB="31994"/>
+                </a:tc>
+                <a:tc>
+                  <a:txBody>
+                    <a:bodyPr/>
+                    <a:lstStyle/>
+                    <a:p>
+                      <a:r>
+                        <a:rPr lang="en-GB" sz="1100" b="0" i="0" kern="1200" dirty="0">
+                          <a:solidFill>
+                            <a:schemeClr val="dk1"/>
+                          </a:solidFill>
+                          <a:effectLst/>
+                          <a:latin typeface="+mn-lt"/>
+                          <a:ea typeface="+mn-ea"/>
+                          <a:cs typeface="+mn-cs"/>
+                        </a:rPr>
+                        <a:t>CMP203 - Revision and Billboarding</a:t>
+                      </a:r>
+                      <a:endParaRPr lang="en-GB" sz="1100" dirty="0"/>
+                    </a:p>
+                  </a:txBody>
+                  <a:tcPr marL="63987" marR="63987" marT="31994" marB="31994"/>
+                </a:tc>
+                <a:tc>
+                  <a:txBody>
+                    <a:bodyPr/>
+                    <a:lstStyle/>
+                    <a:p>
+                      <a:r>
+                        <a:rPr lang="en-GB" sz="1100" b="0" i="0" kern="1200" dirty="0">
+                          <a:solidFill>
+                            <a:schemeClr val="dk1"/>
+                          </a:solidFill>
+                          <a:effectLst/>
+                          <a:latin typeface="+mn-lt"/>
+                          <a:ea typeface="+mn-ea"/>
+                          <a:cs typeface="+mn-cs"/>
+                        </a:rPr>
+                        <a:t>63</a:t>
+                      </a:r>
+                      <a:endParaRPr lang="en-GB" sz="1100" dirty="0"/>
+                    </a:p>
+                  </a:txBody>
+                  <a:tcPr marL="63987" marR="63987" marT="31994" marB="31994"/>
+                </a:tc>
+                <a:extLst>
+                  <a:ext uri="{0D108BD9-81ED-4DB2-BD59-A6C34878D82A}">
+                    <a16:rowId xmlns:a16="http://schemas.microsoft.com/office/drawing/2014/main" val="4262354243"/>
+                  </a:ext>
+                </a:extLst>
+              </a:tr>
+            </a:tbl>
+          </a:graphicData>
+        </a:graphic>
+      </p:graphicFrame>
+    </p:spTree>
+    <p:extLst>
+      <p:ext uri="{BB962C8B-B14F-4D97-AF65-F5344CB8AC3E}">
+        <p14:creationId xmlns:p14="http://schemas.microsoft.com/office/powerpoint/2010/main" val="4050118398"/>
+      </p:ext>
+    </p:extLst>
+  </p:cSld>
+  <p:clrMapOvr>
+    <a:masterClrMapping/>
+  </p:clrMapOvr>
+</p:sld>
+</file>
+
+<file path=ppt/slides/slide24.xml><?xml version="1.0" encoding="utf-8"?>
 <p:sld xmlns:a="http://schemas.openxmlformats.org/drawingml/2006/main" xmlns:r="http://schemas.openxmlformats.org/officeDocument/2006/relationships" xmlns:p="http://schemas.openxmlformats.org/presentationml/2006/main">
   <p:cSld>
     <p:spTree>
@@ -14755,7 +17169,7 @@
 </p:sld>
 </file>
 
-<file path=ppt/slides/slide24.xml><?xml version="1.0" encoding="utf-8"?>
+<file path=ppt/slides/slide25.xml><?xml version="1.0" encoding="utf-8"?>
 <p:sld xmlns:a="http://schemas.openxmlformats.org/drawingml/2006/main" xmlns:r="http://schemas.openxmlformats.org/officeDocument/2006/relationships" xmlns:p="http://schemas.openxmlformats.org/presentationml/2006/main">
   <p:cSld>
     <p:spTree>
@@ -14795,7 +17209,7 @@
           <a:p>
             <a:r>
               <a:rPr lang="en-US" dirty="0"/>
-              <a:t>Correlation &amp; Covariance</a:t>
+              <a:t>Correlation – Pearson &amp; Spearman</a:t>
             </a:r>
             <a:endParaRPr lang="en-GB" dirty="0"/>
           </a:p>
@@ -14921,7 +17335,7 @@
 </p:sld>
 </file>
 
-<file path=ppt/slides/slide25.xml><?xml version="1.0" encoding="utf-8"?>
+<file path=ppt/slides/slide26.xml><?xml version="1.0" encoding="utf-8"?>
 <p:sld xmlns:a="http://schemas.openxmlformats.org/drawingml/2006/main" xmlns:r="http://schemas.openxmlformats.org/officeDocument/2006/relationships" xmlns:p="http://schemas.openxmlformats.org/presentationml/2006/main">
   <p:cSld>
     <p:spTree>
@@ -15035,7 +17449,7 @@
 </p:sld>
 </file>
 
-<file path=ppt/slides/slide26.xml><?xml version="1.0" encoding="utf-8"?>
+<file path=ppt/slides/slide27.xml><?xml version="1.0" encoding="utf-8"?>
 <p:sld xmlns:a="http://schemas.openxmlformats.org/drawingml/2006/main" xmlns:r="http://schemas.openxmlformats.org/officeDocument/2006/relationships" xmlns:p="http://schemas.openxmlformats.org/presentationml/2006/main">
   <p:cSld>
     <p:spTree>
@@ -15149,7 +17563,7 @@
 </p:sld>
 </file>
 
-<file path=ppt/slides/slide27.xml><?xml version="1.0" encoding="utf-8"?>
+<file path=ppt/slides/slide28.xml><?xml version="1.0" encoding="utf-8"?>
 <p:sld xmlns:a="http://schemas.openxmlformats.org/drawingml/2006/main" xmlns:r="http://schemas.openxmlformats.org/officeDocument/2006/relationships" xmlns:p="http://schemas.openxmlformats.org/presentationml/2006/main">
   <p:cSld>
     <p:spTree>
@@ -15287,7 +17701,7 @@
                   <a:schemeClr val="tx1"/>
                 </a:solidFill>
               </a:rPr>
-              <a:t>Negative relationship is suggested</a:t>
+              <a:t>Negative relationship is suggested in several cases</a:t>
             </a:r>
           </a:p>
           <a:p>
@@ -15338,7 +17752,7 @@
 </p:sld>
 </file>
 
-<file path=ppt/slides/slide28.xml><?xml version="1.0" encoding="utf-8"?>
+<file path=ppt/slides/slide29.xml><?xml version="1.0" encoding="utf-8"?>
 <p:sld xmlns:a="http://schemas.openxmlformats.org/drawingml/2006/main" xmlns:r="http://schemas.openxmlformats.org/officeDocument/2006/relationships" xmlns:p="http://schemas.openxmlformats.org/presentationml/2006/main">
   <p:cSld>
     <p:spTree>
@@ -15451,7 +17865,7 @@
                   <a:schemeClr val="tx1"/>
                 </a:solidFill>
               </a:rPr>
-              <a:t>Straightforward method of determining a linear relationship between the two vectors of data.</a:t>
+              <a:t>Method of determining a linear relationship between the two vectors of data.</a:t>
             </a:r>
           </a:p>
           <a:p>
@@ -15549,7 +17963,242 @@
 </p:sld>
 </file>
 
-<file path=ppt/slides/slide29.xml><?xml version="1.0" encoding="utf-8"?>
+<file path=ppt/slides/slide3.xml><?xml version="1.0" encoding="utf-8"?>
+<p:sld xmlns:a="http://schemas.openxmlformats.org/drawingml/2006/main" xmlns:r="http://schemas.openxmlformats.org/officeDocument/2006/relationships" xmlns:p="http://schemas.openxmlformats.org/presentationml/2006/main">
+  <p:cSld>
+    <p:spTree>
+      <p:nvGrpSpPr>
+        <p:cNvPr id="1" name=""/>
+        <p:cNvGrpSpPr/>
+        <p:nvPr/>
+      </p:nvGrpSpPr>
+      <p:grpSpPr>
+        <a:xfrm>
+          <a:off x="0" y="0"/>
+          <a:ext cx="0" cy="0"/>
+          <a:chOff x="0" y="0"/>
+          <a:chExt cx="0" cy="0"/>
+        </a:xfrm>
+      </p:grpSpPr>
+      <p:sp>
+        <p:nvSpPr>
+          <p:cNvPr id="2" name="Title 1">
+            <a:extLst>
+              <a:ext uri="{FF2B5EF4-FFF2-40B4-BE49-F238E27FC236}">
+                <a16:creationId xmlns:a16="http://schemas.microsoft.com/office/drawing/2014/main" id="{C7E0A70A-A506-742E-79FF-CCC404CE65C7}"/>
+              </a:ext>
+            </a:extLst>
+          </p:cNvPr>
+          <p:cNvSpPr>
+            <a:spLocks noGrp="1"/>
+          </p:cNvSpPr>
+          <p:nvPr>
+            <p:ph type="title"/>
+          </p:nvPr>
+        </p:nvSpPr>
+        <p:spPr/>
+        <p:txBody>
+          <a:bodyPr/>
+          <a:lstStyle/>
+          <a:p>
+            <a:r>
+              <a:rPr lang="en-US" dirty="0"/>
+              <a:t>External Research</a:t>
+            </a:r>
+            <a:endParaRPr lang="en-GB" dirty="0"/>
+          </a:p>
+        </p:txBody>
+      </p:sp>
+      <p:sp>
+        <p:nvSpPr>
+          <p:cNvPr id="3" name="Content Placeholder 2">
+            <a:extLst>
+              <a:ext uri="{FF2B5EF4-FFF2-40B4-BE49-F238E27FC236}">
+                <a16:creationId xmlns:a16="http://schemas.microsoft.com/office/drawing/2014/main" id="{DAE9E2D5-3E7C-12B5-F2B4-4D153305E279}"/>
+              </a:ext>
+            </a:extLst>
+          </p:cNvPr>
+          <p:cNvSpPr>
+            <a:spLocks noGrp="1"/>
+          </p:cNvSpPr>
+          <p:nvPr>
+            <p:ph idx="1"/>
+          </p:nvPr>
+        </p:nvSpPr>
+        <p:spPr>
+          <a:xfrm>
+            <a:off x="581192" y="2180496"/>
+            <a:ext cx="11029615" cy="4144104"/>
+          </a:xfrm>
+        </p:spPr>
+        <p:txBody>
+          <a:bodyPr>
+            <a:normAutofit/>
+          </a:bodyPr>
+          <a:lstStyle/>
+          <a:p>
+            <a:pPr marL="0" indent="0">
+              <a:buNone/>
+            </a:pPr>
+            <a:r>
+              <a:rPr lang="en-US" dirty="0">
+                <a:solidFill>
+                  <a:schemeClr val="tx1"/>
+                </a:solidFill>
+              </a:rPr>
+              <a:t>There are numerous studies that explore the relationship between attendance and grades / academic achievement.</a:t>
+            </a:r>
+          </a:p>
+          <a:p>
+            <a:r>
+              <a:rPr lang="en-GB" dirty="0">
+                <a:solidFill>
+                  <a:schemeClr val="tx1"/>
+                </a:solidFill>
+              </a:rPr>
+              <a:t>A study exploring a large sample of students, found a strong correlation between attendance and performance, including a substantial correlation between peer attendance and their own.  (</a:t>
+            </a:r>
+            <a:r>
+              <a:rPr lang="en-GB" dirty="0" err="1">
+                <a:solidFill>
+                  <a:schemeClr val="tx1"/>
+                </a:solidFill>
+              </a:rPr>
+              <a:t>Kassarnig</a:t>
+            </a:r>
+            <a:r>
+              <a:rPr lang="en-GB" dirty="0">
+                <a:solidFill>
+                  <a:schemeClr val="tx1"/>
+                </a:solidFill>
+              </a:rPr>
+              <a:t>, et. al., 2017)</a:t>
+            </a:r>
+          </a:p>
+          <a:p>
+            <a:pPr lvl="1"/>
+            <a:r>
+              <a:rPr lang="en-GB" dirty="0">
+                <a:solidFill>
+                  <a:schemeClr val="tx1"/>
+                </a:solidFill>
+              </a:rPr>
+              <a:t>Study used Bluetooth and location data to determine the contacts a student had, as well as their location during class time to determine their attendance and their general social contacts within the class.</a:t>
+            </a:r>
+          </a:p>
+          <a:p>
+            <a:pPr lvl="1"/>
+            <a:r>
+              <a:rPr lang="en-GB" dirty="0">
+                <a:solidFill>
+                  <a:schemeClr val="tx1"/>
+                </a:solidFill>
+              </a:rPr>
+              <a:t>Use of Spearman’s correlation coefficient, and Theil-San Regression over linear regression.</a:t>
+            </a:r>
+            <a:endParaRPr lang="en-US" dirty="0">
+              <a:solidFill>
+                <a:schemeClr val="tx1"/>
+              </a:solidFill>
+            </a:endParaRPr>
+          </a:p>
+          <a:p>
+            <a:endParaRPr lang="en-US" dirty="0">
+              <a:solidFill>
+                <a:schemeClr val="tx1"/>
+              </a:solidFill>
+            </a:endParaRPr>
+          </a:p>
+          <a:p>
+            <a:r>
+              <a:rPr lang="en-US" dirty="0">
+                <a:solidFill>
+                  <a:schemeClr val="tx1"/>
+                </a:solidFill>
+              </a:rPr>
+              <a:t>Similarly, an analysis of class attendance and class grades in college classes showed a similar strong correlation between attendance and grade score (</a:t>
+            </a:r>
+            <a:r>
+              <a:rPr lang="en-GB" b="0" i="0" dirty="0" err="1">
+                <a:solidFill>
+                  <a:schemeClr val="tx1"/>
+                </a:solidFill>
+                <a:effectLst/>
+              </a:rPr>
+              <a:t>Credé</a:t>
+            </a:r>
+            <a:r>
+              <a:rPr lang="en-GB" b="0" i="0" dirty="0">
+                <a:solidFill>
+                  <a:schemeClr val="tx1"/>
+                </a:solidFill>
+                <a:effectLst/>
+              </a:rPr>
+              <a:t>, </a:t>
+            </a:r>
+            <a:r>
+              <a:rPr lang="en-GB" b="0" i="0" dirty="0" err="1">
+                <a:solidFill>
+                  <a:schemeClr val="tx1"/>
+                </a:solidFill>
+                <a:effectLst/>
+              </a:rPr>
+              <a:t>Roch</a:t>
+            </a:r>
+            <a:r>
+              <a:rPr lang="en-GB" dirty="0">
+                <a:solidFill>
+                  <a:schemeClr val="tx1"/>
+                </a:solidFill>
+              </a:rPr>
+              <a:t>, </a:t>
+            </a:r>
+            <a:r>
+              <a:rPr lang="en-GB" b="0" i="0" dirty="0" err="1">
+                <a:solidFill>
+                  <a:schemeClr val="tx1"/>
+                </a:solidFill>
+                <a:effectLst/>
+              </a:rPr>
+              <a:t>Kieszczynka</a:t>
+            </a:r>
+            <a:r>
+              <a:rPr lang="en-GB" b="0" i="0" dirty="0">
+                <a:solidFill>
+                  <a:schemeClr val="tx1"/>
+                </a:solidFill>
+                <a:effectLst/>
+              </a:rPr>
+              <a:t>, 2010)</a:t>
+            </a:r>
+          </a:p>
+          <a:p>
+            <a:pPr lvl="1"/>
+            <a:r>
+              <a:rPr lang="en-GB" dirty="0">
+                <a:solidFill>
+                  <a:schemeClr val="tx1"/>
+                </a:solidFill>
+              </a:rPr>
+              <a:t>Study mentions that a correlation coefficient above 0.50 indicates a large effect size (Cohen, 1988)</a:t>
+            </a:r>
+          </a:p>
+        </p:txBody>
+      </p:sp>
+    </p:spTree>
+    <p:extLst>
+      <p:ext uri="{BB962C8B-B14F-4D97-AF65-F5344CB8AC3E}">
+        <p14:creationId xmlns:p14="http://schemas.microsoft.com/office/powerpoint/2010/main" val="4061980238"/>
+      </p:ext>
+    </p:extLst>
+  </p:cSld>
+  <p:clrMapOvr>
+    <a:masterClrMapping/>
+  </p:clrMapOvr>
+</p:sld>
+</file>
+
+<file path=ppt/slides/slide30.xml><?xml version="1.0" encoding="utf-8"?>
 <p:sld xmlns:a="http://schemas.openxmlformats.org/drawingml/2006/main" xmlns:r="http://schemas.openxmlformats.org/officeDocument/2006/relationships" xmlns:p="http://schemas.openxmlformats.org/presentationml/2006/main">
   <p:cSld>
     <p:spTree>
@@ -16756,7 +19405,7 @@
                   <a:schemeClr val="tx1"/>
                 </a:solidFill>
               </a:rPr>
-              <a:t>P-Value helps identify if an independent variable (Attendance) is statistically significant to the dependent variable (Grade). </a:t>
+              <a:t>P-Value helps identify if an independent variable (Attendance) is statistically significant to the dependent variable (Grade). (P-Value represents a calculated probability that the null hypothesis is true)</a:t>
             </a:r>
           </a:p>
           <a:p>
@@ -16818,242 +19467,7 @@
 </p:sld>
 </file>
 
-<file path=ppt/slides/slide3.xml><?xml version="1.0" encoding="utf-8"?>
-<p:sld xmlns:a="http://schemas.openxmlformats.org/drawingml/2006/main" xmlns:r="http://schemas.openxmlformats.org/officeDocument/2006/relationships" xmlns:p="http://schemas.openxmlformats.org/presentationml/2006/main">
-  <p:cSld>
-    <p:spTree>
-      <p:nvGrpSpPr>
-        <p:cNvPr id="1" name=""/>
-        <p:cNvGrpSpPr/>
-        <p:nvPr/>
-      </p:nvGrpSpPr>
-      <p:grpSpPr>
-        <a:xfrm>
-          <a:off x="0" y="0"/>
-          <a:ext cx="0" cy="0"/>
-          <a:chOff x="0" y="0"/>
-          <a:chExt cx="0" cy="0"/>
-        </a:xfrm>
-      </p:grpSpPr>
-      <p:sp>
-        <p:nvSpPr>
-          <p:cNvPr id="2" name="Title 1">
-            <a:extLst>
-              <a:ext uri="{FF2B5EF4-FFF2-40B4-BE49-F238E27FC236}">
-                <a16:creationId xmlns:a16="http://schemas.microsoft.com/office/drawing/2014/main" id="{C7E0A70A-A506-742E-79FF-CCC404CE65C7}"/>
-              </a:ext>
-            </a:extLst>
-          </p:cNvPr>
-          <p:cNvSpPr>
-            <a:spLocks noGrp="1"/>
-          </p:cNvSpPr>
-          <p:nvPr>
-            <p:ph type="title"/>
-          </p:nvPr>
-        </p:nvSpPr>
-        <p:spPr/>
-        <p:txBody>
-          <a:bodyPr/>
-          <a:lstStyle/>
-          <a:p>
-            <a:r>
-              <a:rPr lang="en-US" dirty="0"/>
-              <a:t>External Research</a:t>
-            </a:r>
-            <a:endParaRPr lang="en-GB" dirty="0"/>
-          </a:p>
-        </p:txBody>
-      </p:sp>
-      <p:sp>
-        <p:nvSpPr>
-          <p:cNvPr id="3" name="Content Placeholder 2">
-            <a:extLst>
-              <a:ext uri="{FF2B5EF4-FFF2-40B4-BE49-F238E27FC236}">
-                <a16:creationId xmlns:a16="http://schemas.microsoft.com/office/drawing/2014/main" id="{DAE9E2D5-3E7C-12B5-F2B4-4D153305E279}"/>
-              </a:ext>
-            </a:extLst>
-          </p:cNvPr>
-          <p:cNvSpPr>
-            <a:spLocks noGrp="1"/>
-          </p:cNvSpPr>
-          <p:nvPr>
-            <p:ph idx="1"/>
-          </p:nvPr>
-        </p:nvSpPr>
-        <p:spPr>
-          <a:xfrm>
-            <a:off x="581192" y="2180496"/>
-            <a:ext cx="11029615" cy="4144104"/>
-          </a:xfrm>
-        </p:spPr>
-        <p:txBody>
-          <a:bodyPr>
-            <a:normAutofit/>
-          </a:bodyPr>
-          <a:lstStyle/>
-          <a:p>
-            <a:pPr marL="0" indent="0">
-              <a:buNone/>
-            </a:pPr>
-            <a:r>
-              <a:rPr lang="en-US" dirty="0">
-                <a:solidFill>
-                  <a:schemeClr val="tx1"/>
-                </a:solidFill>
-              </a:rPr>
-              <a:t>There are numerous studies that explore the relationship between attendance and grades / academic achievement.</a:t>
-            </a:r>
-          </a:p>
-          <a:p>
-            <a:r>
-              <a:rPr lang="en-GB" dirty="0">
-                <a:solidFill>
-                  <a:schemeClr val="tx1"/>
-                </a:solidFill>
-              </a:rPr>
-              <a:t>A study exploring a large sample of students, found a strong correlation between attendance and performance, including a substantial correlation between peer attendance and their own.  (</a:t>
-            </a:r>
-            <a:r>
-              <a:rPr lang="en-GB" dirty="0" err="1">
-                <a:solidFill>
-                  <a:schemeClr val="tx1"/>
-                </a:solidFill>
-              </a:rPr>
-              <a:t>Kassarnig</a:t>
-            </a:r>
-            <a:r>
-              <a:rPr lang="en-GB" dirty="0">
-                <a:solidFill>
-                  <a:schemeClr val="tx1"/>
-                </a:solidFill>
-              </a:rPr>
-              <a:t>, et. al., 2017)</a:t>
-            </a:r>
-          </a:p>
-          <a:p>
-            <a:pPr lvl="1"/>
-            <a:r>
-              <a:rPr lang="en-GB" dirty="0">
-                <a:solidFill>
-                  <a:schemeClr val="tx1"/>
-                </a:solidFill>
-              </a:rPr>
-              <a:t>Study used Bluetooth and location data to determine the contacts a student had, as well as their location during class time to determine their attendance and their general social contacts within the class.</a:t>
-            </a:r>
-          </a:p>
-          <a:p>
-            <a:pPr lvl="1"/>
-            <a:r>
-              <a:rPr lang="en-GB" dirty="0">
-                <a:solidFill>
-                  <a:schemeClr val="tx1"/>
-                </a:solidFill>
-              </a:rPr>
-              <a:t>Use of Spearman’s correlation coefficient, and Theil-San Regression over linear regression.</a:t>
-            </a:r>
-            <a:endParaRPr lang="en-US" dirty="0">
-              <a:solidFill>
-                <a:schemeClr val="tx1"/>
-              </a:solidFill>
-            </a:endParaRPr>
-          </a:p>
-          <a:p>
-            <a:endParaRPr lang="en-US" dirty="0">
-              <a:solidFill>
-                <a:schemeClr val="tx1"/>
-              </a:solidFill>
-            </a:endParaRPr>
-          </a:p>
-          <a:p>
-            <a:r>
-              <a:rPr lang="en-US" dirty="0">
-                <a:solidFill>
-                  <a:schemeClr val="tx1"/>
-                </a:solidFill>
-              </a:rPr>
-              <a:t>Similarly, an analysis of class attendance and class grades in college classes showed a similar strong correlation between attendance and grade score (</a:t>
-            </a:r>
-            <a:r>
-              <a:rPr lang="en-GB" b="0" i="0" dirty="0" err="1">
-                <a:solidFill>
-                  <a:schemeClr val="tx1"/>
-                </a:solidFill>
-                <a:effectLst/>
-              </a:rPr>
-              <a:t>Credé</a:t>
-            </a:r>
-            <a:r>
-              <a:rPr lang="en-GB" b="0" i="0" dirty="0">
-                <a:solidFill>
-                  <a:schemeClr val="tx1"/>
-                </a:solidFill>
-                <a:effectLst/>
-              </a:rPr>
-              <a:t>, </a:t>
-            </a:r>
-            <a:r>
-              <a:rPr lang="en-GB" b="0" i="0" dirty="0" err="1">
-                <a:solidFill>
-                  <a:schemeClr val="tx1"/>
-                </a:solidFill>
-                <a:effectLst/>
-              </a:rPr>
-              <a:t>Roch</a:t>
-            </a:r>
-            <a:r>
-              <a:rPr lang="en-GB" dirty="0">
-                <a:solidFill>
-                  <a:schemeClr val="tx1"/>
-                </a:solidFill>
-              </a:rPr>
-              <a:t>, </a:t>
-            </a:r>
-            <a:r>
-              <a:rPr lang="en-GB" b="0" i="0" dirty="0" err="1">
-                <a:solidFill>
-                  <a:schemeClr val="tx1"/>
-                </a:solidFill>
-                <a:effectLst/>
-              </a:rPr>
-              <a:t>Kieszczynka</a:t>
-            </a:r>
-            <a:r>
-              <a:rPr lang="en-GB" b="0" i="0" dirty="0">
-                <a:solidFill>
-                  <a:schemeClr val="tx1"/>
-                </a:solidFill>
-                <a:effectLst/>
-              </a:rPr>
-              <a:t>, 2010)</a:t>
-            </a:r>
-          </a:p>
-          <a:p>
-            <a:pPr lvl="1"/>
-            <a:r>
-              <a:rPr lang="en-GB" dirty="0">
-                <a:solidFill>
-                  <a:schemeClr val="tx1"/>
-                </a:solidFill>
-              </a:rPr>
-              <a:t>Study mentions that a correlation coefficient above 0.50 indicates a large effect size (Cohen, 1988)</a:t>
-            </a:r>
-          </a:p>
-        </p:txBody>
-      </p:sp>
-    </p:spTree>
-    <p:extLst>
-      <p:ext uri="{BB962C8B-B14F-4D97-AF65-F5344CB8AC3E}">
-        <p14:creationId xmlns:p14="http://schemas.microsoft.com/office/powerpoint/2010/main" val="4061980238"/>
-      </p:ext>
-    </p:extLst>
-  </p:cSld>
-  <p:clrMapOvr>
-    <a:masterClrMapping/>
-  </p:clrMapOvr>
-</p:sld>
-</file>
-
-<file path=ppt/slides/slide30.xml><?xml version="1.0" encoding="utf-8"?>
+<file path=ppt/slides/slide31.xml><?xml version="1.0" encoding="utf-8"?>
 <p:sld xmlns:a="http://schemas.openxmlformats.org/drawingml/2006/main" xmlns:r="http://schemas.openxmlformats.org/officeDocument/2006/relationships" xmlns:p="http://schemas.openxmlformats.org/presentationml/2006/main">
   <p:cSld>
     <p:spTree>
@@ -17237,7 +19651,7 @@
 </p:sld>
 </file>
 
-<file path=ppt/slides/slide31.xml><?xml version="1.0" encoding="utf-8"?>
+<file path=ppt/slides/slide32.xml><?xml version="1.0" encoding="utf-8"?>
 <p:sld xmlns:a="http://schemas.openxmlformats.org/drawingml/2006/main" xmlns:r="http://schemas.openxmlformats.org/officeDocument/2006/relationships" xmlns:p="http://schemas.openxmlformats.org/presentationml/2006/main">
   <p:cSld>
     <p:spTree>
@@ -17391,7 +19805,7 @@
 </p:sld>
 </file>
 
-<file path=ppt/slides/slide32.xml><?xml version="1.0" encoding="utf-8"?>
+<file path=ppt/slides/slide33.xml><?xml version="1.0" encoding="utf-8"?>
 <p:sld xmlns:a="http://schemas.openxmlformats.org/drawingml/2006/main" xmlns:r="http://schemas.openxmlformats.org/officeDocument/2006/relationships" xmlns:p="http://schemas.openxmlformats.org/presentationml/2006/main">
   <p:cSld>
     <p:spTree>
@@ -17555,7 +19969,7 @@
 </p:sld>
 </file>
 
-<file path=ppt/slides/slide33.xml><?xml version="1.0" encoding="utf-8"?>
+<file path=ppt/slides/slide34.xml><?xml version="1.0" encoding="utf-8"?>
 <p:sld xmlns:a="http://schemas.openxmlformats.org/drawingml/2006/main" xmlns:r="http://schemas.openxmlformats.org/officeDocument/2006/relationships" xmlns:p="http://schemas.openxmlformats.org/presentationml/2006/main">
   <p:cSld>
     <p:spTree>
@@ -17726,7 +20140,191 @@
 </p:sld>
 </file>
 
-<file path=ppt/slides/slide34.xml><?xml version="1.0" encoding="utf-8"?>
+<file path=ppt/slides/slide35.xml><?xml version="1.0" encoding="utf-8"?>
+<p:sld xmlns:a="http://schemas.openxmlformats.org/drawingml/2006/main" xmlns:r="http://schemas.openxmlformats.org/officeDocument/2006/relationships" xmlns:p="http://schemas.openxmlformats.org/presentationml/2006/main">
+  <p:cSld>
+    <p:spTree>
+      <p:nvGrpSpPr>
+        <p:cNvPr id="1" name=""/>
+        <p:cNvGrpSpPr/>
+        <p:nvPr/>
+      </p:nvGrpSpPr>
+      <p:grpSpPr>
+        <a:xfrm>
+          <a:off x="0" y="0"/>
+          <a:ext cx="0" cy="0"/>
+          <a:chOff x="0" y="0"/>
+          <a:chExt cx="0" cy="0"/>
+        </a:xfrm>
+      </p:grpSpPr>
+      <p:sp>
+        <p:nvSpPr>
+          <p:cNvPr id="2" name="Title 1">
+            <a:extLst>
+              <a:ext uri="{FF2B5EF4-FFF2-40B4-BE49-F238E27FC236}">
+                <a16:creationId xmlns:a16="http://schemas.microsoft.com/office/drawing/2014/main" id="{921633EB-7DCB-4DDC-80AF-C885A3EE1245}"/>
+              </a:ext>
+            </a:extLst>
+          </p:cNvPr>
+          <p:cNvSpPr>
+            <a:spLocks noGrp="1"/>
+          </p:cNvSpPr>
+          <p:nvPr>
+            <p:ph type="title"/>
+          </p:nvPr>
+        </p:nvSpPr>
+        <p:spPr/>
+        <p:txBody>
+          <a:bodyPr/>
+          <a:lstStyle/>
+          <a:p>
+            <a:r>
+              <a:rPr lang="en-US" dirty="0"/>
+              <a:t>REGRESSION MODEL – PRACTICAL v. Lecture</a:t>
+            </a:r>
+          </a:p>
+        </p:txBody>
+      </p:sp>
+      <p:pic>
+        <p:nvPicPr>
+          <p:cNvPr id="20" name="Content Placeholder 19">
+            <a:extLst>
+              <a:ext uri="{FF2B5EF4-FFF2-40B4-BE49-F238E27FC236}">
+                <a16:creationId xmlns:a16="http://schemas.microsoft.com/office/drawing/2014/main" id="{996B68EB-BA2A-A868-4AE5-26A32E6156DF}"/>
+              </a:ext>
+            </a:extLst>
+          </p:cNvPr>
+          <p:cNvPicPr>
+            <a:picLocks noGrp="1" noChangeAspect="1"/>
+          </p:cNvPicPr>
+          <p:nvPr>
+            <p:ph sz="half" idx="2"/>
+          </p:nvPr>
+        </p:nvPicPr>
+        <p:blipFill>
+          <a:blip r:embed="rId2"/>
+          <a:srcRect/>
+          <a:stretch/>
+        </p:blipFill>
+        <p:spPr>
+          <a:xfrm>
+            <a:off x="4279106" y="2227262"/>
+            <a:ext cx="3633787" cy="3633787"/>
+          </a:xfrm>
+        </p:spPr>
+      </p:pic>
+      <p:pic>
+        <p:nvPicPr>
+          <p:cNvPr id="22" name="Picture 21">
+            <a:extLst>
+              <a:ext uri="{FF2B5EF4-FFF2-40B4-BE49-F238E27FC236}">
+                <a16:creationId xmlns:a16="http://schemas.microsoft.com/office/drawing/2014/main" id="{A2645ED6-F5DD-B44C-6AF8-A1ECB0E6B71D}"/>
+              </a:ext>
+            </a:extLst>
+          </p:cNvPr>
+          <p:cNvPicPr>
+            <a:picLocks noChangeAspect="1"/>
+          </p:cNvPicPr>
+          <p:nvPr/>
+        </p:nvPicPr>
+        <p:blipFill>
+          <a:blip r:embed="rId3"/>
+          <a:srcRect/>
+          <a:stretch/>
+        </p:blipFill>
+        <p:spPr>
+          <a:xfrm>
+            <a:off x="7977020" y="2227261"/>
+            <a:ext cx="3633787" cy="3633787"/>
+          </a:xfrm>
+          <a:prstGeom prst="rect">
+            <a:avLst/>
+          </a:prstGeom>
+        </p:spPr>
+      </p:pic>
+      <p:sp>
+        <p:nvSpPr>
+          <p:cNvPr id="4" name="Content Placeholder 3">
+            <a:extLst>
+              <a:ext uri="{FF2B5EF4-FFF2-40B4-BE49-F238E27FC236}">
+                <a16:creationId xmlns:a16="http://schemas.microsoft.com/office/drawing/2014/main" id="{89066F11-6868-47D7-FDD2-F251B0B320C8}"/>
+              </a:ext>
+            </a:extLst>
+          </p:cNvPr>
+          <p:cNvSpPr>
+            <a:spLocks noGrp="1"/>
+          </p:cNvSpPr>
+          <p:nvPr>
+            <p:ph sz="half" idx="1"/>
+          </p:nvPr>
+        </p:nvSpPr>
+        <p:spPr>
+          <a:xfrm>
+            <a:off x="581193" y="2228003"/>
+            <a:ext cx="3633787" cy="3633047"/>
+          </a:xfrm>
+        </p:spPr>
+        <p:txBody>
+          <a:bodyPr>
+            <a:normAutofit lnSpcReduction="10000"/>
+          </a:bodyPr>
+          <a:lstStyle/>
+          <a:p>
+            <a:r>
+              <a:rPr lang="en-US" dirty="0">
+                <a:solidFill>
+                  <a:schemeClr val="tx1"/>
+                </a:solidFill>
+              </a:rPr>
+              <a:t>There is a reasonable relationship between students attendance to lecture sessions and their attendance to practical sessions.</a:t>
+            </a:r>
+          </a:p>
+          <a:p>
+            <a:r>
+              <a:rPr lang="en-US" dirty="0">
+                <a:solidFill>
+                  <a:schemeClr val="tx1"/>
+                </a:solidFill>
+              </a:rPr>
+              <a:t>Students who have a tendency to not attend lectures have a similar tendency to their attendance to practical sessions.</a:t>
+            </a:r>
+          </a:p>
+          <a:p>
+            <a:r>
+              <a:rPr lang="en-US" dirty="0">
+                <a:solidFill>
+                  <a:schemeClr val="tx1"/>
+                </a:solidFill>
+              </a:rPr>
+              <a:t>0.85 – 0.87 correlation score for both years (V. Strong)</a:t>
+            </a:r>
+          </a:p>
+          <a:p>
+            <a:r>
+              <a:rPr lang="en-US" dirty="0">
+                <a:solidFill>
+                  <a:schemeClr val="tx1"/>
+                </a:solidFill>
+              </a:rPr>
+              <a:t>However, very wide spread of data.</a:t>
+            </a:r>
+          </a:p>
+        </p:txBody>
+      </p:sp>
+    </p:spTree>
+    <p:extLst>
+      <p:ext uri="{BB962C8B-B14F-4D97-AF65-F5344CB8AC3E}">
+        <p14:creationId xmlns:p14="http://schemas.microsoft.com/office/powerpoint/2010/main" val="2969550638"/>
+      </p:ext>
+    </p:extLst>
+  </p:cSld>
+  <p:clrMapOvr>
+    <a:masterClrMapping/>
+  </p:clrMapOvr>
+</p:sld>
+</file>
+
+<file path=ppt/slides/slide36.xml><?xml version="1.0" encoding="utf-8"?>
 <p:sld xmlns:a="http://schemas.openxmlformats.org/drawingml/2006/main" xmlns:r="http://schemas.openxmlformats.org/officeDocument/2006/relationships" xmlns:p="http://schemas.openxmlformats.org/presentationml/2006/main">
   <p:cSld>
     <p:spTree>
@@ -18373,7 +20971,671 @@
 </p:sld>
 </file>
 
-<file path=ppt/slides/slide35.xml><?xml version="1.0" encoding="utf-8"?>
+<file path=ppt/slides/slide37.xml><?xml version="1.0" encoding="utf-8"?>
+<p:sld xmlns:a="http://schemas.openxmlformats.org/drawingml/2006/main" xmlns:r="http://schemas.openxmlformats.org/officeDocument/2006/relationships" xmlns:p="http://schemas.openxmlformats.org/presentationml/2006/main">
+  <p:cSld>
+    <p:spTree>
+      <p:nvGrpSpPr>
+        <p:cNvPr id="1" name=""/>
+        <p:cNvGrpSpPr/>
+        <p:nvPr/>
+      </p:nvGrpSpPr>
+      <p:grpSpPr>
+        <a:xfrm>
+          <a:off x="0" y="0"/>
+          <a:ext cx="0" cy="0"/>
+          <a:chOff x="0" y="0"/>
+          <a:chExt cx="0" cy="0"/>
+        </a:xfrm>
+      </p:grpSpPr>
+      <p:sp>
+        <p:nvSpPr>
+          <p:cNvPr id="2" name="Title 1">
+            <a:extLst>
+              <a:ext uri="{FF2B5EF4-FFF2-40B4-BE49-F238E27FC236}">
+                <a16:creationId xmlns:a16="http://schemas.microsoft.com/office/drawing/2014/main" id="{37AA8A02-43F5-FE37-4530-4F8E06C00B85}"/>
+              </a:ext>
+            </a:extLst>
+          </p:cNvPr>
+          <p:cNvSpPr>
+            <a:spLocks noGrp="1"/>
+          </p:cNvSpPr>
+          <p:nvPr>
+            <p:ph type="title"/>
+          </p:nvPr>
+        </p:nvSpPr>
+        <p:spPr/>
+        <p:txBody>
+          <a:bodyPr/>
+          <a:lstStyle/>
+          <a:p>
+            <a:r>
+              <a:rPr lang="en-US" dirty="0"/>
+              <a:t>VLE Usage to Grade</a:t>
+            </a:r>
+            <a:endParaRPr lang="en-GB" dirty="0"/>
+          </a:p>
+        </p:txBody>
+      </p:sp>
+      <p:graphicFrame>
+        <p:nvGraphicFramePr>
+          <p:cNvPr id="4" name="Table 4">
+            <a:extLst>
+              <a:ext uri="{FF2B5EF4-FFF2-40B4-BE49-F238E27FC236}">
+                <a16:creationId xmlns:a16="http://schemas.microsoft.com/office/drawing/2014/main" id="{F9659DFA-0F87-6E64-4D43-BADDD3A36B15}"/>
+              </a:ext>
+            </a:extLst>
+          </p:cNvPr>
+          <p:cNvGraphicFramePr>
+            <a:graphicFrameLocks noGrp="1"/>
+          </p:cNvGraphicFramePr>
+          <p:nvPr>
+            <p:ph idx="1"/>
+          </p:nvPr>
+        </p:nvGraphicFramePr>
+        <p:xfrm>
+          <a:off x="580858" y="2164446"/>
+          <a:ext cx="3676650" cy="1539240"/>
+        </p:xfrm>
+        <a:graphic>
+          <a:graphicData uri="http://schemas.openxmlformats.org/drawingml/2006/table">
+            <a:tbl>
+              <a:tblPr firstRow="1" bandRow="1">
+                <a:tableStyleId>{5C22544A-7EE6-4342-B048-85BDC9FD1C3A}</a:tableStyleId>
+              </a:tblPr>
+              <a:tblGrid>
+                <a:gridCol w="1225550">
+                  <a:extLst>
+                    <a:ext uri="{9D8B030D-6E8A-4147-A177-3AD203B41FA5}">
+                      <a16:colId xmlns:a16="http://schemas.microsoft.com/office/drawing/2014/main" val="1680689584"/>
+                    </a:ext>
+                  </a:extLst>
+                </a:gridCol>
+                <a:gridCol w="1225550">
+                  <a:extLst>
+                    <a:ext uri="{9D8B030D-6E8A-4147-A177-3AD203B41FA5}">
+                      <a16:colId xmlns:a16="http://schemas.microsoft.com/office/drawing/2014/main" val="3268337935"/>
+                    </a:ext>
+                  </a:extLst>
+                </a:gridCol>
+                <a:gridCol w="1225550">
+                  <a:extLst>
+                    <a:ext uri="{9D8B030D-6E8A-4147-A177-3AD203B41FA5}">
+                      <a16:colId xmlns:a16="http://schemas.microsoft.com/office/drawing/2014/main" val="850592976"/>
+                    </a:ext>
+                  </a:extLst>
+                </a:gridCol>
+              </a:tblGrid>
+              <a:tr h="370840">
+                <a:tc>
+                  <a:txBody>
+                    <a:bodyPr/>
+                    <a:lstStyle/>
+                    <a:p>
+                      <a:endParaRPr lang="en-GB" dirty="0"/>
+                    </a:p>
+                  </a:txBody>
+                  <a:tcPr/>
+                </a:tc>
+                <a:tc>
+                  <a:txBody>
+                    <a:bodyPr/>
+                    <a:lstStyle/>
+                    <a:p>
+                      <a:r>
+                        <a:rPr lang="en-US" sz="1100" dirty="0"/>
+                        <a:t>2021-2022</a:t>
+                      </a:r>
+                    </a:p>
+                    <a:p>
+                      <a:r>
+                        <a:rPr lang="en-US" sz="1100" dirty="0"/>
+                        <a:t>VLE Usage</a:t>
+                      </a:r>
+                      <a:endParaRPr lang="en-GB" sz="1100" dirty="0"/>
+                    </a:p>
+                  </a:txBody>
+                  <a:tcPr/>
+                </a:tc>
+                <a:tc>
+                  <a:txBody>
+                    <a:bodyPr/>
+                    <a:lstStyle/>
+                    <a:p>
+                      <a:r>
+                        <a:rPr lang="en-US" sz="1100" dirty="0"/>
+                        <a:t>2022-2023</a:t>
+                      </a:r>
+                    </a:p>
+                    <a:p>
+                      <a:r>
+                        <a:rPr lang="en-US" sz="1100" dirty="0"/>
+                        <a:t>VLE Usage</a:t>
+                      </a:r>
+                      <a:endParaRPr lang="en-GB" sz="1100" dirty="0"/>
+                    </a:p>
+                  </a:txBody>
+                  <a:tcPr/>
+                </a:tc>
+                <a:extLst>
+                  <a:ext uri="{0D108BD9-81ED-4DB2-BD59-A6C34878D82A}">
+                    <a16:rowId xmlns:a16="http://schemas.microsoft.com/office/drawing/2014/main" val="833014517"/>
+                  </a:ext>
+                </a:extLst>
+              </a:tr>
+              <a:tr h="370840">
+                <a:tc>
+                  <a:txBody>
+                    <a:bodyPr/>
+                    <a:lstStyle/>
+                    <a:p>
+                      <a:r>
+                        <a:rPr lang="en-US" dirty="0"/>
+                        <a:t>Linear</a:t>
+                      </a:r>
+                      <a:endParaRPr lang="en-GB" dirty="0"/>
+                    </a:p>
+                  </a:txBody>
+                  <a:tcPr/>
+                </a:tc>
+                <a:tc>
+                  <a:txBody>
+                    <a:bodyPr/>
+                    <a:lstStyle/>
+                    <a:p>
+                      <a:r>
+                        <a:rPr lang="en-GB" sz="1400" b="0" i="0" kern="1200" dirty="0">
+                          <a:solidFill>
+                            <a:schemeClr val="dk1"/>
+                          </a:solidFill>
+                          <a:effectLst/>
+                          <a:latin typeface="+mn-lt"/>
+                          <a:ea typeface="+mn-ea"/>
+                          <a:cs typeface="+mn-cs"/>
+                        </a:rPr>
+                        <a:t>0.2864</a:t>
+                      </a:r>
+                      <a:endParaRPr lang="en-GB" sz="1100" dirty="0"/>
+                    </a:p>
+                  </a:txBody>
+                  <a:tcPr/>
+                </a:tc>
+                <a:tc>
+                  <a:txBody>
+                    <a:bodyPr/>
+                    <a:lstStyle/>
+                    <a:p>
+                      <a:r>
+                        <a:rPr lang="en-GB" sz="1200" b="0" i="0" kern="1200" dirty="0">
+                          <a:solidFill>
+                            <a:schemeClr val="dk1"/>
+                          </a:solidFill>
+                          <a:effectLst/>
+                          <a:latin typeface="+mn-lt"/>
+                          <a:ea typeface="+mn-ea"/>
+                          <a:cs typeface="+mn-cs"/>
+                        </a:rPr>
+                        <a:t>0.000000004025</a:t>
+                      </a:r>
+                      <a:endParaRPr lang="en-GB" sz="1050" dirty="0"/>
+                    </a:p>
+                  </a:txBody>
+                  <a:tcPr/>
+                </a:tc>
+                <a:extLst>
+                  <a:ext uri="{0D108BD9-81ED-4DB2-BD59-A6C34878D82A}">
+                    <a16:rowId xmlns:a16="http://schemas.microsoft.com/office/drawing/2014/main" val="683778598"/>
+                  </a:ext>
+                </a:extLst>
+              </a:tr>
+              <a:tr h="370840">
+                <a:tc>
+                  <a:txBody>
+                    <a:bodyPr/>
+                    <a:lstStyle/>
+                    <a:p>
+                      <a:r>
+                        <a:rPr lang="en-US" dirty="0"/>
+                        <a:t>Theil-Sen</a:t>
+                      </a:r>
+                      <a:endParaRPr lang="en-GB" dirty="0"/>
+                    </a:p>
+                  </a:txBody>
+                  <a:tcPr/>
+                </a:tc>
+                <a:tc>
+                  <a:txBody>
+                    <a:bodyPr/>
+                    <a:lstStyle/>
+                    <a:p>
+                      <a:r>
+                        <a:rPr lang="en-GB" sz="1400" b="0" i="0" kern="1200" dirty="0">
+                          <a:solidFill>
+                            <a:schemeClr val="dk1"/>
+                          </a:solidFill>
+                          <a:effectLst/>
+                          <a:latin typeface="+mn-lt"/>
+                          <a:ea typeface="+mn-ea"/>
+                          <a:cs typeface="+mn-cs"/>
+                        </a:rPr>
+                        <a:t>1</a:t>
+                      </a:r>
+                      <a:endParaRPr lang="en-GB" sz="1400" dirty="0"/>
+                    </a:p>
+                  </a:txBody>
+                  <a:tcPr/>
+                </a:tc>
+                <a:tc>
+                  <a:txBody>
+                    <a:bodyPr/>
+                    <a:lstStyle/>
+                    <a:p>
+                      <a:r>
+                        <a:rPr lang="en-GB" sz="1200" b="0" i="0" kern="1200" dirty="0">
+                          <a:solidFill>
+                            <a:schemeClr val="dk1"/>
+                          </a:solidFill>
+                          <a:effectLst/>
+                          <a:latin typeface="+mn-lt"/>
+                          <a:ea typeface="+mn-ea"/>
+                          <a:cs typeface="+mn-cs"/>
+                        </a:rPr>
+                        <a:t>0.0000001841</a:t>
+                      </a:r>
+                      <a:endParaRPr lang="en-GB" sz="1050" dirty="0"/>
+                    </a:p>
+                  </a:txBody>
+                  <a:tcPr/>
+                </a:tc>
+                <a:extLst>
+                  <a:ext uri="{0D108BD9-81ED-4DB2-BD59-A6C34878D82A}">
+                    <a16:rowId xmlns:a16="http://schemas.microsoft.com/office/drawing/2014/main" val="2019266990"/>
+                  </a:ext>
+                </a:extLst>
+              </a:tr>
+              <a:tr h="370840">
+                <a:tc>
+                  <a:txBody>
+                    <a:bodyPr/>
+                    <a:lstStyle/>
+                    <a:p>
+                      <a:r>
+                        <a:rPr lang="en-US" dirty="0"/>
+                        <a:t>Quadratic</a:t>
+                      </a:r>
+                      <a:endParaRPr lang="en-GB" dirty="0"/>
+                    </a:p>
+                  </a:txBody>
+                  <a:tcPr/>
+                </a:tc>
+                <a:tc>
+                  <a:txBody>
+                    <a:bodyPr/>
+                    <a:lstStyle/>
+                    <a:p>
+                      <a:r>
+                        <a:rPr lang="en-GB" sz="1400" b="0" i="0" kern="1200" dirty="0">
+                          <a:solidFill>
+                            <a:schemeClr val="dk1"/>
+                          </a:solidFill>
+                          <a:effectLst/>
+                          <a:latin typeface="+mn-lt"/>
+                          <a:ea typeface="+mn-ea"/>
+                          <a:cs typeface="+mn-cs"/>
+                        </a:rPr>
+                        <a:t>0.2949</a:t>
+                      </a:r>
+                      <a:endParaRPr lang="en-GB" sz="1100" dirty="0"/>
+                    </a:p>
+                  </a:txBody>
+                  <a:tcPr/>
+                </a:tc>
+                <a:tc>
+                  <a:txBody>
+                    <a:bodyPr/>
+                    <a:lstStyle/>
+                    <a:p>
+                      <a:r>
+                        <a:rPr lang="en-GB" sz="1200" b="0" i="0" kern="1200" dirty="0">
+                          <a:solidFill>
+                            <a:schemeClr val="dk1"/>
+                          </a:solidFill>
+                          <a:effectLst/>
+                          <a:latin typeface="+mn-lt"/>
+                          <a:ea typeface="+mn-ea"/>
+                          <a:cs typeface="+mn-cs"/>
+                        </a:rPr>
+                        <a:t>0.00000001816</a:t>
+                      </a:r>
+                      <a:endParaRPr lang="en-GB" sz="1050" dirty="0"/>
+                    </a:p>
+                  </a:txBody>
+                  <a:tcPr/>
+                </a:tc>
+                <a:extLst>
+                  <a:ext uri="{0D108BD9-81ED-4DB2-BD59-A6C34878D82A}">
+                    <a16:rowId xmlns:a16="http://schemas.microsoft.com/office/drawing/2014/main" val="1869977968"/>
+                  </a:ext>
+                </a:extLst>
+              </a:tr>
+            </a:tbl>
+          </a:graphicData>
+        </a:graphic>
+      </p:graphicFrame>
+      <p:sp>
+        <p:nvSpPr>
+          <p:cNvPr id="7" name="Content Placeholder 3">
+            <a:extLst>
+              <a:ext uri="{FF2B5EF4-FFF2-40B4-BE49-F238E27FC236}">
+                <a16:creationId xmlns:a16="http://schemas.microsoft.com/office/drawing/2014/main" id="{9ADD2381-D51D-22F3-DA50-DC212E4CF515}"/>
+              </a:ext>
+            </a:extLst>
+          </p:cNvPr>
+          <p:cNvSpPr txBox="1">
+            <a:spLocks/>
+          </p:cNvSpPr>
+          <p:nvPr/>
+        </p:nvSpPr>
+        <p:spPr>
+          <a:xfrm>
+            <a:off x="580858" y="4023248"/>
+            <a:ext cx="5626995" cy="2132596"/>
+          </a:xfrm>
+          <a:prstGeom prst="rect">
+            <a:avLst/>
+          </a:prstGeom>
+        </p:spPr>
+        <p:txBody>
+          <a:bodyPr vert="horz" lIns="91440" tIns="45720" rIns="91440" bIns="45720" rtlCol="0" anchor="ctr">
+            <a:normAutofit/>
+          </a:bodyPr>
+          <a:lstStyle>
+            <a:lvl1pPr marL="306000" indent="-306000" algn="l" defTabSz="457200" rtl="0" eaLnBrk="1" latinLnBrk="0" hangingPunct="1">
+              <a:spcBef>
+                <a:spcPct val="20000"/>
+              </a:spcBef>
+              <a:spcAft>
+                <a:spcPts val="600"/>
+              </a:spcAft>
+              <a:buClr>
+                <a:schemeClr val="accent2"/>
+              </a:buClr>
+              <a:buSzPct val="92000"/>
+              <a:buFont typeface="Wingdings 2" panose="05020102010507070707" pitchFamily="18" charset="2"/>
+              <a:buChar char=""/>
+              <a:defRPr sz="1800" kern="1200">
+                <a:solidFill>
+                  <a:schemeClr val="tx2"/>
+                </a:solidFill>
+                <a:latin typeface="+mn-lt"/>
+                <a:ea typeface="+mn-ea"/>
+                <a:cs typeface="+mn-cs"/>
+              </a:defRPr>
+            </a:lvl1pPr>
+            <a:lvl2pPr marL="630000" indent="-306000" algn="l" defTabSz="457200" rtl="0" eaLnBrk="1" latinLnBrk="0" hangingPunct="1">
+              <a:spcBef>
+                <a:spcPct val="20000"/>
+              </a:spcBef>
+              <a:spcAft>
+                <a:spcPts val="600"/>
+              </a:spcAft>
+              <a:buClr>
+                <a:schemeClr val="accent2"/>
+              </a:buClr>
+              <a:buSzPct val="92000"/>
+              <a:buFont typeface="Wingdings 2" panose="05020102010507070707" pitchFamily="18" charset="2"/>
+              <a:buChar char=""/>
+              <a:defRPr sz="1600" kern="1200">
+                <a:solidFill>
+                  <a:schemeClr val="tx2"/>
+                </a:solidFill>
+                <a:latin typeface="+mn-lt"/>
+                <a:ea typeface="+mn-ea"/>
+                <a:cs typeface="+mn-cs"/>
+              </a:defRPr>
+            </a:lvl2pPr>
+            <a:lvl3pPr marL="900000" indent="-270000" algn="l" defTabSz="457200" rtl="0" eaLnBrk="1" latinLnBrk="0" hangingPunct="1">
+              <a:spcBef>
+                <a:spcPct val="20000"/>
+              </a:spcBef>
+              <a:spcAft>
+                <a:spcPts val="600"/>
+              </a:spcAft>
+              <a:buClr>
+                <a:schemeClr val="accent2"/>
+              </a:buClr>
+              <a:buSzPct val="92000"/>
+              <a:buFont typeface="Wingdings 2" panose="05020102010507070707" pitchFamily="18" charset="2"/>
+              <a:buChar char=""/>
+              <a:defRPr sz="1400" kern="1200">
+                <a:solidFill>
+                  <a:schemeClr val="tx2"/>
+                </a:solidFill>
+                <a:latin typeface="+mn-lt"/>
+                <a:ea typeface="+mn-ea"/>
+                <a:cs typeface="+mn-cs"/>
+              </a:defRPr>
+            </a:lvl3pPr>
+            <a:lvl4pPr marL="1242000" indent="-234000" algn="l" defTabSz="457200" rtl="0" eaLnBrk="1" latinLnBrk="0" hangingPunct="1">
+              <a:spcBef>
+                <a:spcPct val="20000"/>
+              </a:spcBef>
+              <a:spcAft>
+                <a:spcPts val="600"/>
+              </a:spcAft>
+              <a:buClr>
+                <a:schemeClr val="accent2"/>
+              </a:buClr>
+              <a:buSzPct val="92000"/>
+              <a:buFont typeface="Wingdings 2" panose="05020102010507070707" pitchFamily="18" charset="2"/>
+              <a:buChar char=""/>
+              <a:defRPr sz="1200" kern="1200">
+                <a:solidFill>
+                  <a:schemeClr val="tx2"/>
+                </a:solidFill>
+                <a:latin typeface="+mn-lt"/>
+                <a:ea typeface="+mn-ea"/>
+                <a:cs typeface="+mn-cs"/>
+              </a:defRPr>
+            </a:lvl4pPr>
+            <a:lvl5pPr marL="1602000" indent="-234000" algn="l" defTabSz="457200" rtl="0" eaLnBrk="1" latinLnBrk="0" hangingPunct="1">
+              <a:spcBef>
+                <a:spcPct val="20000"/>
+              </a:spcBef>
+              <a:spcAft>
+                <a:spcPts val="600"/>
+              </a:spcAft>
+              <a:buClr>
+                <a:schemeClr val="accent2"/>
+              </a:buClr>
+              <a:buSzPct val="92000"/>
+              <a:buFont typeface="Wingdings 2" panose="05020102010507070707" pitchFamily="18" charset="2"/>
+              <a:buChar char=""/>
+              <a:defRPr sz="1200" kern="1200">
+                <a:solidFill>
+                  <a:schemeClr val="tx2"/>
+                </a:solidFill>
+                <a:latin typeface="+mn-lt"/>
+                <a:ea typeface="+mn-ea"/>
+                <a:cs typeface="+mn-cs"/>
+              </a:defRPr>
+            </a:lvl5pPr>
+            <a:lvl6pPr marL="1900000" indent="-228600" algn="l" defTabSz="457200" rtl="0" eaLnBrk="1" latinLnBrk="0" hangingPunct="1">
+              <a:spcBef>
+                <a:spcPct val="20000"/>
+              </a:spcBef>
+              <a:spcAft>
+                <a:spcPts val="600"/>
+              </a:spcAft>
+              <a:buClr>
+                <a:schemeClr val="accent2"/>
+              </a:buClr>
+              <a:buSzPct val="92000"/>
+              <a:buFont typeface="Wingdings 2" panose="05020102010507070707" pitchFamily="18" charset="2"/>
+              <a:buChar char=""/>
+              <a:defRPr sz="1200" kern="1200">
+                <a:solidFill>
+                  <a:schemeClr val="tx2"/>
+                </a:solidFill>
+                <a:latin typeface="+mn-lt"/>
+                <a:ea typeface="+mn-ea"/>
+                <a:cs typeface="+mn-cs"/>
+              </a:defRPr>
+            </a:lvl6pPr>
+            <a:lvl7pPr marL="2200000" indent="-228600" algn="l" defTabSz="457200" rtl="0" eaLnBrk="1" latinLnBrk="0" hangingPunct="1">
+              <a:spcBef>
+                <a:spcPct val="20000"/>
+              </a:spcBef>
+              <a:spcAft>
+                <a:spcPts val="600"/>
+              </a:spcAft>
+              <a:buClr>
+                <a:schemeClr val="accent2"/>
+              </a:buClr>
+              <a:buSzPct val="92000"/>
+              <a:buFont typeface="Wingdings 2" panose="05020102010507070707" pitchFamily="18" charset="2"/>
+              <a:buChar char=""/>
+              <a:defRPr sz="1200" kern="1200">
+                <a:solidFill>
+                  <a:schemeClr val="tx2"/>
+                </a:solidFill>
+                <a:latin typeface="+mn-lt"/>
+                <a:ea typeface="+mn-ea"/>
+                <a:cs typeface="+mn-cs"/>
+              </a:defRPr>
+            </a:lvl7pPr>
+            <a:lvl8pPr marL="2500000" indent="-228600" algn="l" defTabSz="457200" rtl="0" eaLnBrk="1" latinLnBrk="0" hangingPunct="1">
+              <a:spcBef>
+                <a:spcPct val="20000"/>
+              </a:spcBef>
+              <a:spcAft>
+                <a:spcPts val="600"/>
+              </a:spcAft>
+              <a:buClr>
+                <a:schemeClr val="accent2"/>
+              </a:buClr>
+              <a:buSzPct val="92000"/>
+              <a:buFont typeface="Wingdings 2" panose="05020102010507070707" pitchFamily="18" charset="2"/>
+              <a:buChar char=""/>
+              <a:defRPr sz="1200" kern="1200">
+                <a:solidFill>
+                  <a:schemeClr val="tx2"/>
+                </a:solidFill>
+                <a:latin typeface="+mn-lt"/>
+                <a:ea typeface="+mn-ea"/>
+                <a:cs typeface="+mn-cs"/>
+              </a:defRPr>
+            </a:lvl8pPr>
+            <a:lvl9pPr marL="2800000" indent="-228600" algn="l" defTabSz="457200" rtl="0" eaLnBrk="1" latinLnBrk="0" hangingPunct="1">
+              <a:spcBef>
+                <a:spcPct val="20000"/>
+              </a:spcBef>
+              <a:spcAft>
+                <a:spcPts val="600"/>
+              </a:spcAft>
+              <a:buClr>
+                <a:schemeClr val="accent2"/>
+              </a:buClr>
+              <a:buSzPct val="92000"/>
+              <a:buFont typeface="Wingdings 2" panose="05020102010507070707" pitchFamily="18" charset="2"/>
+              <a:buChar char=""/>
+              <a:defRPr sz="1200" kern="1200">
+                <a:solidFill>
+                  <a:schemeClr val="tx2"/>
+                </a:solidFill>
+                <a:latin typeface="+mn-lt"/>
+                <a:ea typeface="+mn-ea"/>
+                <a:cs typeface="+mn-cs"/>
+              </a:defRPr>
+            </a:lvl9pPr>
+          </a:lstStyle>
+          <a:p>
+            <a:r>
+              <a:rPr lang="en-US" dirty="0">
+                <a:solidFill>
+                  <a:schemeClr val="tx1"/>
+                </a:solidFill>
+              </a:rPr>
+              <a:t>As mentioned before, students may revisit to access material.</a:t>
+            </a:r>
+          </a:p>
+          <a:p>
+            <a:r>
+              <a:rPr lang="en-US" dirty="0">
+                <a:solidFill>
+                  <a:schemeClr val="tx1"/>
+                </a:solidFill>
+              </a:rPr>
+              <a:t>Correlation calculations:</a:t>
+            </a:r>
+          </a:p>
+          <a:p>
+            <a:pPr lvl="1"/>
+            <a:r>
+              <a:rPr lang="en-US" dirty="0">
+                <a:solidFill>
+                  <a:schemeClr val="tx1"/>
+                </a:solidFill>
+              </a:rPr>
+              <a:t>Pearson:		-0.13</a:t>
+            </a:r>
+          </a:p>
+          <a:p>
+            <a:pPr lvl="1"/>
+            <a:r>
+              <a:rPr lang="en-US" dirty="0">
+                <a:solidFill>
+                  <a:schemeClr val="tx1"/>
+                </a:solidFill>
+              </a:rPr>
+              <a:t>Spearman:	-0.03</a:t>
+            </a:r>
+          </a:p>
+        </p:txBody>
+      </p:sp>
+      <p:pic>
+        <p:nvPicPr>
+          <p:cNvPr id="3" name="Content Placeholder 19">
+            <a:extLst>
+              <a:ext uri="{FF2B5EF4-FFF2-40B4-BE49-F238E27FC236}">
+                <a16:creationId xmlns:a16="http://schemas.microsoft.com/office/drawing/2014/main" id="{3EBBB998-EBC3-4929-AC6D-1406999BFB45}"/>
+              </a:ext>
+            </a:extLst>
+          </p:cNvPr>
+          <p:cNvPicPr>
+            <a:picLocks noChangeAspect="1"/>
+          </p:cNvPicPr>
+          <p:nvPr/>
+        </p:nvPicPr>
+        <p:blipFill>
+          <a:blip r:embed="rId2"/>
+          <a:srcRect/>
+          <a:stretch/>
+        </p:blipFill>
+        <p:spPr>
+          <a:xfrm>
+            <a:off x="6745469" y="2164446"/>
+            <a:ext cx="3633787" cy="3633787"/>
+          </a:xfrm>
+          <a:prstGeom prst="rect">
+            <a:avLst/>
+          </a:prstGeom>
+        </p:spPr>
+      </p:pic>
+    </p:spTree>
+    <p:extLst>
+      <p:ext uri="{BB962C8B-B14F-4D97-AF65-F5344CB8AC3E}">
+        <p14:creationId xmlns:p14="http://schemas.microsoft.com/office/powerpoint/2010/main" val="1004448187"/>
+      </p:ext>
+    </p:extLst>
+  </p:cSld>
+  <p:clrMapOvr>
+    <a:masterClrMapping/>
+  </p:clrMapOvr>
+</p:sld>
+</file>
+
+<file path=ppt/slides/slide38.xml><?xml version="1.0" encoding="utf-8"?>
 <p:sld xmlns:a="http://schemas.openxmlformats.org/drawingml/2006/main" xmlns:r="http://schemas.openxmlformats.org/officeDocument/2006/relationships" xmlns:p="http://schemas.openxmlformats.org/presentationml/2006/main">
   <p:cSld>
     <p:spTree>
@@ -18467,136 +21729,35 @@
             </a:r>
           </a:p>
           <a:p>
-            <a:endParaRPr lang="en-US" dirty="0">
-              <a:solidFill>
-                <a:schemeClr val="tx1"/>
-              </a:solidFill>
-            </a:endParaRPr>
-          </a:p>
-        </p:txBody>
-      </p:sp>
-      <p:pic>
-        <p:nvPicPr>
-          <p:cNvPr id="7" name="Content Placeholder 6">
-            <a:extLst>
-              <a:ext uri="{FF2B5EF4-FFF2-40B4-BE49-F238E27FC236}">
-                <a16:creationId xmlns:a16="http://schemas.microsoft.com/office/drawing/2014/main" id="{F007334D-F54C-AF3B-73D8-BC3AAEC2C303}"/>
-              </a:ext>
-            </a:extLst>
-          </p:cNvPr>
-          <p:cNvPicPr>
-            <a:picLocks noGrp="1" noChangeAspect="1"/>
-          </p:cNvPicPr>
-          <p:nvPr>
-            <p:ph sz="half" idx="2"/>
-          </p:nvPr>
-        </p:nvPicPr>
-        <p:blipFill>
-          <a:blip r:embed="rId2"/>
-          <a:stretch>
-            <a:fillRect/>
-          </a:stretch>
-        </p:blipFill>
-        <p:spPr>
-          <a:xfrm>
-            <a:off x="6417578" y="2228003"/>
-            <a:ext cx="4416286" cy="4416286"/>
-          </a:xfrm>
-        </p:spPr>
-      </p:pic>
-    </p:spTree>
-    <p:extLst>
-      <p:ext uri="{BB962C8B-B14F-4D97-AF65-F5344CB8AC3E}">
-        <p14:creationId xmlns:p14="http://schemas.microsoft.com/office/powerpoint/2010/main" val="3122897837"/>
-      </p:ext>
-    </p:extLst>
-  </p:cSld>
-  <p:clrMapOvr>
-    <a:masterClrMapping/>
-  </p:clrMapOvr>
-</p:sld>
-</file>
-
-<file path=ppt/slides/slide36.xml><?xml version="1.0" encoding="utf-8"?>
-<p:sld xmlns:a="http://schemas.openxmlformats.org/drawingml/2006/main" xmlns:r="http://schemas.openxmlformats.org/officeDocument/2006/relationships" xmlns:p="http://schemas.openxmlformats.org/presentationml/2006/main">
-  <p:cSld>
-    <p:spTree>
-      <p:nvGrpSpPr>
-        <p:cNvPr id="1" name=""/>
-        <p:cNvGrpSpPr/>
-        <p:nvPr/>
-      </p:nvGrpSpPr>
-      <p:grpSpPr>
-        <a:xfrm>
-          <a:off x="0" y="0"/>
-          <a:ext cx="0" cy="0"/>
-          <a:chOff x="0" y="0"/>
-          <a:chExt cx="0" cy="0"/>
-        </a:xfrm>
-      </p:grpSpPr>
-      <p:sp>
-        <p:nvSpPr>
-          <p:cNvPr id="2" name="Title 1">
-            <a:extLst>
-              <a:ext uri="{FF2B5EF4-FFF2-40B4-BE49-F238E27FC236}">
-                <a16:creationId xmlns:a16="http://schemas.microsoft.com/office/drawing/2014/main" id="{921633EB-7DCB-4DDC-80AF-C885A3EE1245}"/>
-              </a:ext>
-            </a:extLst>
-          </p:cNvPr>
-          <p:cNvSpPr>
-            <a:spLocks noGrp="1"/>
-          </p:cNvSpPr>
-          <p:nvPr>
-            <p:ph type="title"/>
-          </p:nvPr>
-        </p:nvSpPr>
-        <p:spPr/>
-        <p:txBody>
-          <a:bodyPr/>
-          <a:lstStyle/>
-          <a:p>
-            <a:r>
-              <a:rPr lang="en-US" dirty="0"/>
-              <a:t>REGRESSION MODEL – Lecture &amp; VLE Use - LINEAR</a:t>
-            </a:r>
-          </a:p>
-        </p:txBody>
-      </p:sp>
-      <p:sp>
-        <p:nvSpPr>
-          <p:cNvPr id="4" name="Content Placeholder 3">
-            <a:extLst>
-              <a:ext uri="{FF2B5EF4-FFF2-40B4-BE49-F238E27FC236}">
-                <a16:creationId xmlns:a16="http://schemas.microsoft.com/office/drawing/2014/main" id="{89066F11-6868-47D7-FDD2-F251B0B320C8}"/>
-              </a:ext>
-            </a:extLst>
-          </p:cNvPr>
-          <p:cNvSpPr>
-            <a:spLocks noGrp="1"/>
-          </p:cNvSpPr>
-          <p:nvPr>
-            <p:ph sz="half" idx="1"/>
-          </p:nvPr>
-        </p:nvSpPr>
-        <p:spPr>
-          <a:xfrm>
-            <a:off x="581194" y="2228003"/>
-            <a:ext cx="5193230" cy="3633047"/>
-          </a:xfrm>
-        </p:spPr>
-        <p:txBody>
-          <a:bodyPr>
-            <a:normAutofit/>
-          </a:bodyPr>
-          <a:lstStyle/>
-          <a:p>
             <a:r>
               <a:rPr lang="en-US" dirty="0">
                 <a:solidFill>
                   <a:schemeClr val="tx1"/>
                 </a:solidFill>
               </a:rPr>
-              <a:t>Much steeper linear plane showing a considerable influence in VLE usage in grade achievement.</a:t>
+              <a:t>Introduced concept that lecture attendance and practical attendance have a relationship.</a:t>
+            </a:r>
+          </a:p>
+          <a:p>
+            <a:pPr lvl="1"/>
+            <a:r>
+              <a:rPr lang="en-US" dirty="0">
+                <a:solidFill>
+                  <a:schemeClr val="tx1"/>
+                </a:solidFill>
+              </a:rPr>
+              <a:t>Students who attend lectures are more likely to attend practical sessions.</a:t>
+            </a:r>
+          </a:p>
+          <a:p>
+            <a:pPr lvl="1"/>
+            <a:r>
+              <a:rPr lang="en-US" dirty="0">
+                <a:solidFill>
+                  <a:schemeClr val="tx1"/>
+                </a:solidFill>
+              </a:rPr>
+              <a:t>Or vice versa.</a:t>
             </a:r>
           </a:p>
           <a:p>
@@ -18639,7 +21800,7 @@
     </p:spTree>
     <p:extLst>
       <p:ext uri="{BB962C8B-B14F-4D97-AF65-F5344CB8AC3E}">
-        <p14:creationId xmlns:p14="http://schemas.microsoft.com/office/powerpoint/2010/main" val="2013116734"/>
+        <p14:creationId xmlns:p14="http://schemas.microsoft.com/office/powerpoint/2010/main" val="3122897837"/>
       </p:ext>
     </p:extLst>
   </p:cSld>
@@ -18649,7 +21810,7 @@
 </p:sld>
 </file>
 
-<file path=ppt/slides/slide37.xml><?xml version="1.0" encoding="utf-8"?>
+<file path=ppt/slides/slide39.xml><?xml version="1.0" encoding="utf-8"?>
 <p:sld xmlns:a="http://schemas.openxmlformats.org/drawingml/2006/main" xmlns:r="http://schemas.openxmlformats.org/officeDocument/2006/relationships" xmlns:p="http://schemas.openxmlformats.org/presentationml/2006/main">
   <p:cSld>
     <p:spTree>
@@ -18810,7 +21971,296 @@
 </p:sld>
 </file>
 
-<file path=ppt/slides/slide38.xml><?xml version="1.0" encoding="utf-8"?>
+<file path=ppt/slides/slide4.xml><?xml version="1.0" encoding="utf-8"?>
+<p:sld xmlns:a="http://schemas.openxmlformats.org/drawingml/2006/main" xmlns:r="http://schemas.openxmlformats.org/officeDocument/2006/relationships" xmlns:p="http://schemas.openxmlformats.org/presentationml/2006/main">
+  <p:cSld>
+    <p:spTree>
+      <p:nvGrpSpPr>
+        <p:cNvPr id="1" name=""/>
+        <p:cNvGrpSpPr/>
+        <p:nvPr/>
+      </p:nvGrpSpPr>
+      <p:grpSpPr>
+        <a:xfrm>
+          <a:off x="0" y="0"/>
+          <a:ext cx="0" cy="0"/>
+          <a:chOff x="0" y="0"/>
+          <a:chExt cx="0" cy="0"/>
+        </a:xfrm>
+      </p:grpSpPr>
+      <p:sp>
+        <p:nvSpPr>
+          <p:cNvPr id="2" name="Title 1">
+            <a:extLst>
+              <a:ext uri="{FF2B5EF4-FFF2-40B4-BE49-F238E27FC236}">
+                <a16:creationId xmlns:a16="http://schemas.microsoft.com/office/drawing/2014/main" id="{C7E0A70A-A506-742E-79FF-CCC404CE65C7}"/>
+              </a:ext>
+            </a:extLst>
+          </p:cNvPr>
+          <p:cNvSpPr>
+            <a:spLocks noGrp="1"/>
+          </p:cNvSpPr>
+          <p:nvPr>
+            <p:ph type="title"/>
+          </p:nvPr>
+        </p:nvSpPr>
+        <p:spPr/>
+        <p:txBody>
+          <a:bodyPr/>
+          <a:lstStyle/>
+          <a:p>
+            <a:r>
+              <a:rPr lang="en-US" dirty="0"/>
+              <a:t>External Research</a:t>
+            </a:r>
+            <a:endParaRPr lang="en-GB" dirty="0"/>
+          </a:p>
+        </p:txBody>
+      </p:sp>
+      <p:sp>
+        <p:nvSpPr>
+          <p:cNvPr id="3" name="Content Placeholder 2">
+            <a:extLst>
+              <a:ext uri="{FF2B5EF4-FFF2-40B4-BE49-F238E27FC236}">
+                <a16:creationId xmlns:a16="http://schemas.microsoft.com/office/drawing/2014/main" id="{DAE9E2D5-3E7C-12B5-F2B4-4D153305E279}"/>
+              </a:ext>
+            </a:extLst>
+          </p:cNvPr>
+          <p:cNvSpPr>
+            <a:spLocks noGrp="1"/>
+          </p:cNvSpPr>
+          <p:nvPr>
+            <p:ph idx="1"/>
+          </p:nvPr>
+        </p:nvSpPr>
+        <p:spPr>
+          <a:xfrm>
+            <a:off x="581192" y="2180496"/>
+            <a:ext cx="11029615" cy="4144104"/>
+          </a:xfrm>
+        </p:spPr>
+        <p:txBody>
+          <a:bodyPr>
+            <a:normAutofit lnSpcReduction="10000"/>
+          </a:bodyPr>
+          <a:lstStyle/>
+          <a:p>
+            <a:r>
+              <a:rPr lang="en-GB" dirty="0">
+                <a:solidFill>
+                  <a:schemeClr val="tx1"/>
+                </a:solidFill>
+              </a:rPr>
+              <a:t>This trend of attendance having a positive affect on performance is referenced in older journal articles, with similar positive correlations being identified twenty (Moore, 2003) and thirty years ago (Gunn, 1993).</a:t>
+            </a:r>
+            <a:endParaRPr lang="en-US" dirty="0">
+              <a:solidFill>
+                <a:schemeClr val="tx1"/>
+              </a:solidFill>
+            </a:endParaRPr>
+          </a:p>
+          <a:p>
+            <a:r>
+              <a:rPr lang="en-US" dirty="0">
+                <a:solidFill>
+                  <a:schemeClr val="tx1"/>
+                </a:solidFill>
+              </a:rPr>
+              <a:t>Karen L. St. Clair does not advise mandatory attendance in Higher Education in their article (St. Clair, 1999), referencing many articles that show a correlation between attendance and grade, but there are other factors that can influence a students grade. Included in this is:</a:t>
+            </a:r>
+          </a:p>
+          <a:p>
+            <a:pPr lvl="1"/>
+            <a:r>
+              <a:rPr lang="en-US" dirty="0">
+                <a:solidFill>
+                  <a:schemeClr val="tx1"/>
+                </a:solidFill>
+              </a:rPr>
+              <a:t>Motivation (</a:t>
+            </a:r>
+            <a:r>
+              <a:rPr lang="en-GB" dirty="0">
+                <a:solidFill>
+                  <a:schemeClr val="tx1"/>
+                </a:solidFill>
+              </a:rPr>
+              <a:t>Van </a:t>
+            </a:r>
+            <a:r>
+              <a:rPr lang="en-GB" dirty="0" err="1">
+                <a:solidFill>
+                  <a:schemeClr val="tx1"/>
+                </a:solidFill>
+              </a:rPr>
+              <a:t>Blerkom</a:t>
+            </a:r>
+            <a:r>
+              <a:rPr lang="en-GB" dirty="0">
+                <a:solidFill>
+                  <a:schemeClr val="tx1"/>
+                </a:solidFill>
+              </a:rPr>
+              <a:t>, 1996)</a:t>
+            </a:r>
+          </a:p>
+          <a:p>
+            <a:pPr lvl="1"/>
+            <a:r>
+              <a:rPr lang="en-GB" dirty="0">
+                <a:solidFill>
+                  <a:schemeClr val="tx1"/>
+                </a:solidFill>
+              </a:rPr>
+              <a:t>Intelligence, </a:t>
+            </a:r>
+            <a:r>
+              <a:rPr lang="en-GB" dirty="0" err="1">
+                <a:solidFill>
+                  <a:schemeClr val="tx1"/>
+                </a:solidFill>
+              </a:rPr>
+              <a:t>Persistance</a:t>
+            </a:r>
+            <a:r>
+              <a:rPr lang="en-GB" dirty="0">
+                <a:solidFill>
+                  <a:schemeClr val="tx1"/>
+                </a:solidFill>
+              </a:rPr>
+              <a:t> &amp; Personal Circumstances (</a:t>
+            </a:r>
+            <a:r>
+              <a:rPr lang="en-GB" dirty="0" err="1">
+                <a:solidFill>
+                  <a:schemeClr val="tx1"/>
+                </a:solidFill>
+              </a:rPr>
+              <a:t>Slem</a:t>
+            </a:r>
+            <a:r>
+              <a:rPr lang="en-GB" dirty="0">
+                <a:solidFill>
+                  <a:schemeClr val="tx1"/>
+                </a:solidFill>
+              </a:rPr>
+              <a:t>, 1993)</a:t>
+            </a:r>
+          </a:p>
+          <a:p>
+            <a:pPr lvl="1"/>
+            <a:r>
+              <a:rPr lang="en-GB" dirty="0">
+                <a:solidFill>
+                  <a:schemeClr val="tx1"/>
+                </a:solidFill>
+              </a:rPr>
+              <a:t>Ability at independent learning (</a:t>
+            </a:r>
+            <a:r>
+              <a:rPr lang="en-US" b="0" i="0" dirty="0">
+                <a:solidFill>
+                  <a:schemeClr val="tx1"/>
+                </a:solidFill>
+                <a:effectLst/>
+              </a:rPr>
+              <a:t>Hyde, Flournoy, 1986)</a:t>
+            </a:r>
+            <a:endParaRPr lang="en-GB" b="0" i="0" dirty="0">
+              <a:solidFill>
+                <a:schemeClr val="tx1"/>
+              </a:solidFill>
+              <a:effectLst/>
+            </a:endParaRPr>
+          </a:p>
+          <a:p>
+            <a:pPr marL="0" indent="0">
+              <a:buNone/>
+            </a:pPr>
+            <a:endParaRPr lang="en-GB" dirty="0">
+              <a:solidFill>
+                <a:schemeClr val="tx1"/>
+              </a:solidFill>
+            </a:endParaRPr>
+          </a:p>
+          <a:p>
+            <a:r>
+              <a:rPr lang="en-GB" b="0" i="0" dirty="0">
+                <a:solidFill>
+                  <a:schemeClr val="tx1"/>
+                </a:solidFill>
+                <a:effectLst/>
+              </a:rPr>
+              <a:t>A st</a:t>
+            </a:r>
+            <a:r>
+              <a:rPr lang="en-GB" dirty="0">
+                <a:solidFill>
+                  <a:schemeClr val="tx1"/>
+                </a:solidFill>
+              </a:rPr>
+              <a:t>udy focusing on student attendance and grade during the COVID-19 pandemic has also found moderate/strong correlation between attendance/online activity and grades (</a:t>
+            </a:r>
+            <a:r>
+              <a:rPr lang="en-US" b="0" i="0" dirty="0">
+                <a:solidFill>
+                  <a:schemeClr val="tx1"/>
+                </a:solidFill>
+                <a:effectLst/>
+              </a:rPr>
+              <a:t>Finlay, Simpson, </a:t>
+            </a:r>
+            <a:r>
+              <a:rPr lang="en-US" b="0" i="0" dirty="0" err="1">
+                <a:solidFill>
+                  <a:schemeClr val="tx1"/>
+                </a:solidFill>
+                <a:effectLst/>
+              </a:rPr>
+              <a:t>Tinnion</a:t>
+            </a:r>
+            <a:r>
+              <a:rPr lang="en-US" b="0" i="0" dirty="0">
+                <a:solidFill>
+                  <a:schemeClr val="tx1"/>
+                </a:solidFill>
+                <a:effectLst/>
+              </a:rPr>
+              <a:t>, 2022)</a:t>
+            </a:r>
+            <a:endParaRPr lang="en-US" dirty="0">
+              <a:solidFill>
+                <a:schemeClr val="tx1"/>
+              </a:solidFill>
+            </a:endParaRPr>
+          </a:p>
+          <a:p>
+            <a:pPr lvl="1"/>
+            <a:r>
+              <a:rPr lang="en-GB" dirty="0">
+                <a:solidFill>
+                  <a:schemeClr val="tx1"/>
+                </a:solidFill>
+              </a:rPr>
+              <a:t>Similar use of Spearman correlation was utilised.</a:t>
+            </a:r>
+          </a:p>
+        </p:txBody>
+      </p:sp>
+    </p:spTree>
+    <p:extLst>
+      <p:ext uri="{BB962C8B-B14F-4D97-AF65-F5344CB8AC3E}">
+        <p14:creationId xmlns:p14="http://schemas.microsoft.com/office/powerpoint/2010/main" val="2532501681"/>
+      </p:ext>
+    </p:extLst>
+  </p:cSld>
+  <p:clrMapOvr>
+    <a:masterClrMapping/>
+  </p:clrMapOvr>
+</p:sld>
+</file>
+
+<file path=ppt/slides/slide40.xml><?xml version="1.0" encoding="utf-8"?>
 <p:sld xmlns:a="http://schemas.openxmlformats.org/drawingml/2006/main" xmlns:r="http://schemas.openxmlformats.org/officeDocument/2006/relationships" xmlns:p="http://schemas.openxmlformats.org/presentationml/2006/main">
   <p:cSld>
     <p:spTree>
@@ -18851,6 +22301,138 @@
             <a:r>
               <a:rPr lang="en-US" dirty="0"/>
               <a:t>REGRESSION MODEL – Lecture &amp; VLE Use - LINEAR</a:t>
+            </a:r>
+          </a:p>
+        </p:txBody>
+      </p:sp>
+      <p:sp>
+        <p:nvSpPr>
+          <p:cNvPr id="4" name="Content Placeholder 3">
+            <a:extLst>
+              <a:ext uri="{FF2B5EF4-FFF2-40B4-BE49-F238E27FC236}">
+                <a16:creationId xmlns:a16="http://schemas.microsoft.com/office/drawing/2014/main" id="{89066F11-6868-47D7-FDD2-F251B0B320C8}"/>
+              </a:ext>
+            </a:extLst>
+          </p:cNvPr>
+          <p:cNvSpPr>
+            <a:spLocks noGrp="1"/>
+          </p:cNvSpPr>
+          <p:nvPr>
+            <p:ph sz="half" idx="1"/>
+          </p:nvPr>
+        </p:nvSpPr>
+        <p:spPr>
+          <a:xfrm>
+            <a:off x="581194" y="2228003"/>
+            <a:ext cx="5193230" cy="3633047"/>
+          </a:xfrm>
+        </p:spPr>
+        <p:txBody>
+          <a:bodyPr>
+            <a:normAutofit/>
+          </a:bodyPr>
+          <a:lstStyle/>
+          <a:p>
+            <a:r>
+              <a:rPr lang="en-US" dirty="0">
+                <a:solidFill>
+                  <a:schemeClr val="tx1"/>
+                </a:solidFill>
+              </a:rPr>
+              <a:t>Much steeper linear plane showing a considerable influence in VLE usage in grade achievement.</a:t>
+            </a:r>
+          </a:p>
+          <a:p>
+            <a:endParaRPr lang="en-US" dirty="0">
+              <a:solidFill>
+                <a:schemeClr val="tx1"/>
+              </a:solidFill>
+            </a:endParaRPr>
+          </a:p>
+        </p:txBody>
+      </p:sp>
+      <p:pic>
+        <p:nvPicPr>
+          <p:cNvPr id="7" name="Content Placeholder 6">
+            <a:extLst>
+              <a:ext uri="{FF2B5EF4-FFF2-40B4-BE49-F238E27FC236}">
+                <a16:creationId xmlns:a16="http://schemas.microsoft.com/office/drawing/2014/main" id="{F007334D-F54C-AF3B-73D8-BC3AAEC2C303}"/>
+              </a:ext>
+            </a:extLst>
+          </p:cNvPr>
+          <p:cNvPicPr>
+            <a:picLocks noGrp="1" noChangeAspect="1"/>
+          </p:cNvPicPr>
+          <p:nvPr>
+            <p:ph sz="half" idx="2"/>
+          </p:nvPr>
+        </p:nvPicPr>
+        <p:blipFill>
+          <a:blip r:embed="rId2"/>
+          <a:srcRect/>
+          <a:stretch/>
+        </p:blipFill>
+        <p:spPr>
+          <a:xfrm>
+            <a:off x="6417578" y="2228003"/>
+            <a:ext cx="4416286" cy="4416286"/>
+          </a:xfrm>
+        </p:spPr>
+      </p:pic>
+    </p:spTree>
+    <p:extLst>
+      <p:ext uri="{BB962C8B-B14F-4D97-AF65-F5344CB8AC3E}">
+        <p14:creationId xmlns:p14="http://schemas.microsoft.com/office/powerpoint/2010/main" val="2013116734"/>
+      </p:ext>
+    </p:extLst>
+  </p:cSld>
+  <p:clrMapOvr>
+    <a:masterClrMapping/>
+  </p:clrMapOvr>
+</p:sld>
+</file>
+
+<file path=ppt/slides/slide41.xml><?xml version="1.0" encoding="utf-8"?>
+<p:sld xmlns:a="http://schemas.openxmlformats.org/drawingml/2006/main" xmlns:r="http://schemas.openxmlformats.org/officeDocument/2006/relationships" xmlns:p="http://schemas.openxmlformats.org/presentationml/2006/main">
+  <p:cSld>
+    <p:spTree>
+      <p:nvGrpSpPr>
+        <p:cNvPr id="1" name=""/>
+        <p:cNvGrpSpPr/>
+        <p:nvPr/>
+      </p:nvGrpSpPr>
+      <p:grpSpPr>
+        <a:xfrm>
+          <a:off x="0" y="0"/>
+          <a:ext cx="0" cy="0"/>
+          <a:chOff x="0" y="0"/>
+          <a:chExt cx="0" cy="0"/>
+        </a:xfrm>
+      </p:grpSpPr>
+      <p:sp>
+        <p:nvSpPr>
+          <p:cNvPr id="2" name="Title 1">
+            <a:extLst>
+              <a:ext uri="{FF2B5EF4-FFF2-40B4-BE49-F238E27FC236}">
+                <a16:creationId xmlns:a16="http://schemas.microsoft.com/office/drawing/2014/main" id="{921633EB-7DCB-4DDC-80AF-C885A3EE1245}"/>
+              </a:ext>
+            </a:extLst>
+          </p:cNvPr>
+          <p:cNvSpPr>
+            <a:spLocks noGrp="1"/>
+          </p:cNvSpPr>
+          <p:nvPr>
+            <p:ph type="title"/>
+          </p:nvPr>
+        </p:nvSpPr>
+        <p:spPr/>
+        <p:txBody>
+          <a:bodyPr/>
+          <a:lstStyle/>
+          <a:p>
+            <a:r>
+              <a:rPr lang="en-US" dirty="0"/>
+              <a:t>REGRESSION MODEL – Practical &amp; VLE Use - LINEAR</a:t>
             </a:r>
           </a:p>
         </p:txBody>
@@ -18952,7 +22534,7 @@
 </p:sld>
 </file>
 
-<file path=ppt/slides/slide39.xml><?xml version="1.0" encoding="utf-8"?>
+<file path=ppt/slides/slide42.xml><?xml version="1.0" encoding="utf-8"?>
 <p:sld xmlns:a="http://schemas.openxmlformats.org/drawingml/2006/main" xmlns:r="http://schemas.openxmlformats.org/officeDocument/2006/relationships" xmlns:p="http://schemas.openxmlformats.org/presentationml/2006/main">
   <p:cSld>
     <p:spTree>
@@ -18992,7 +22574,7 @@
           <a:p>
             <a:r>
               <a:rPr lang="en-US" dirty="0"/>
-              <a:t>Discussion </a:t>
+              <a:t>Summary </a:t>
             </a:r>
             <a:endParaRPr lang="en-GB" dirty="0"/>
           </a:p>
@@ -19032,7 +22614,7 @@
                   <a:schemeClr val="tx1"/>
                 </a:solidFill>
               </a:rPr>
-              <a:t>Strong correlation suggests that attendance to lecture classes has a high impact on achieved grade. This challenges the hypothesis, as it was expected that grade levels would remain consistent as recorded versions of them were available.</a:t>
+              <a:t>Strong correlation suggests that attendance to lecture classes has a considerable impact on achieved grade. This challenges the hypothesis, as it was expected that grade levels would remain consistent as recorded versions of them were available.</a:t>
             </a:r>
           </a:p>
           <a:p>
@@ -19085,7 +22667,7 @@
                   <a:schemeClr val="tx1"/>
                 </a:solidFill>
               </a:rPr>
-              <a:t>Method of embedding videos into the VLE environment may be a contributing factors, as the VLE may not could the interaction with these elements in its statistics.</a:t>
+              <a:t>Method of embedding videos into the VLE environment may be a contributing factors, as the VLE may not count the interaction with these elements in its statistics.</a:t>
             </a:r>
           </a:p>
           <a:p>
@@ -19096,7 +22678,7 @@
                   <a:schemeClr val="tx1"/>
                 </a:solidFill>
               </a:rPr>
-              <a:t>Similarly, links to external sites are not counted by VLE analytics. </a:t>
+              <a:t>Similarly, links to external sites are not always counted by VLE analytics. </a:t>
             </a:r>
           </a:p>
         </p:txBody>
@@ -19114,296 +22696,7 @@
 </p:sld>
 </file>
 
-<file path=ppt/slides/slide4.xml><?xml version="1.0" encoding="utf-8"?>
-<p:sld xmlns:a="http://schemas.openxmlformats.org/drawingml/2006/main" xmlns:r="http://schemas.openxmlformats.org/officeDocument/2006/relationships" xmlns:p="http://schemas.openxmlformats.org/presentationml/2006/main">
-  <p:cSld>
-    <p:spTree>
-      <p:nvGrpSpPr>
-        <p:cNvPr id="1" name=""/>
-        <p:cNvGrpSpPr/>
-        <p:nvPr/>
-      </p:nvGrpSpPr>
-      <p:grpSpPr>
-        <a:xfrm>
-          <a:off x="0" y="0"/>
-          <a:ext cx="0" cy="0"/>
-          <a:chOff x="0" y="0"/>
-          <a:chExt cx="0" cy="0"/>
-        </a:xfrm>
-      </p:grpSpPr>
-      <p:sp>
-        <p:nvSpPr>
-          <p:cNvPr id="2" name="Title 1">
-            <a:extLst>
-              <a:ext uri="{FF2B5EF4-FFF2-40B4-BE49-F238E27FC236}">
-                <a16:creationId xmlns:a16="http://schemas.microsoft.com/office/drawing/2014/main" id="{C7E0A70A-A506-742E-79FF-CCC404CE65C7}"/>
-              </a:ext>
-            </a:extLst>
-          </p:cNvPr>
-          <p:cNvSpPr>
-            <a:spLocks noGrp="1"/>
-          </p:cNvSpPr>
-          <p:nvPr>
-            <p:ph type="title"/>
-          </p:nvPr>
-        </p:nvSpPr>
-        <p:spPr/>
-        <p:txBody>
-          <a:bodyPr/>
-          <a:lstStyle/>
-          <a:p>
-            <a:r>
-              <a:rPr lang="en-US" dirty="0"/>
-              <a:t>External Research</a:t>
-            </a:r>
-            <a:endParaRPr lang="en-GB" dirty="0"/>
-          </a:p>
-        </p:txBody>
-      </p:sp>
-      <p:sp>
-        <p:nvSpPr>
-          <p:cNvPr id="3" name="Content Placeholder 2">
-            <a:extLst>
-              <a:ext uri="{FF2B5EF4-FFF2-40B4-BE49-F238E27FC236}">
-                <a16:creationId xmlns:a16="http://schemas.microsoft.com/office/drawing/2014/main" id="{DAE9E2D5-3E7C-12B5-F2B4-4D153305E279}"/>
-              </a:ext>
-            </a:extLst>
-          </p:cNvPr>
-          <p:cNvSpPr>
-            <a:spLocks noGrp="1"/>
-          </p:cNvSpPr>
-          <p:nvPr>
-            <p:ph idx="1"/>
-          </p:nvPr>
-        </p:nvSpPr>
-        <p:spPr>
-          <a:xfrm>
-            <a:off x="581192" y="2180496"/>
-            <a:ext cx="11029615" cy="4144104"/>
-          </a:xfrm>
-        </p:spPr>
-        <p:txBody>
-          <a:bodyPr>
-            <a:normAutofit lnSpcReduction="10000"/>
-          </a:bodyPr>
-          <a:lstStyle/>
-          <a:p>
-            <a:r>
-              <a:rPr lang="en-GB" dirty="0">
-                <a:solidFill>
-                  <a:schemeClr val="tx1"/>
-                </a:solidFill>
-              </a:rPr>
-              <a:t>This trend of attendance having a positive affect on performance is referenced in older journal articles, with similar positive correlations being identified twenty (Moore, 2003) and thirty years ago (Gunn, 1993).</a:t>
-            </a:r>
-            <a:endParaRPr lang="en-US" dirty="0">
-              <a:solidFill>
-                <a:schemeClr val="tx1"/>
-              </a:solidFill>
-            </a:endParaRPr>
-          </a:p>
-          <a:p>
-            <a:r>
-              <a:rPr lang="en-US" dirty="0">
-                <a:solidFill>
-                  <a:schemeClr val="tx1"/>
-                </a:solidFill>
-              </a:rPr>
-              <a:t>Karen L. St. Clair does not advise mandatory attendance in Higher Education in their article (St. Clair, 1999), referencing many articles that show a correlation between attendance and grade, but there are other factors that can influence a students grade. Included in this is:</a:t>
-            </a:r>
-          </a:p>
-          <a:p>
-            <a:pPr lvl="1"/>
-            <a:r>
-              <a:rPr lang="en-US" dirty="0">
-                <a:solidFill>
-                  <a:schemeClr val="tx1"/>
-                </a:solidFill>
-              </a:rPr>
-              <a:t>Motivation (</a:t>
-            </a:r>
-            <a:r>
-              <a:rPr lang="en-GB" dirty="0">
-                <a:solidFill>
-                  <a:schemeClr val="tx1"/>
-                </a:solidFill>
-              </a:rPr>
-              <a:t>Van </a:t>
-            </a:r>
-            <a:r>
-              <a:rPr lang="en-GB" dirty="0" err="1">
-                <a:solidFill>
-                  <a:schemeClr val="tx1"/>
-                </a:solidFill>
-              </a:rPr>
-              <a:t>Blerkom</a:t>
-            </a:r>
-            <a:r>
-              <a:rPr lang="en-GB" dirty="0">
-                <a:solidFill>
-                  <a:schemeClr val="tx1"/>
-                </a:solidFill>
-              </a:rPr>
-              <a:t>, 1996)</a:t>
-            </a:r>
-          </a:p>
-          <a:p>
-            <a:pPr lvl="1"/>
-            <a:r>
-              <a:rPr lang="en-GB" dirty="0">
-                <a:solidFill>
-                  <a:schemeClr val="tx1"/>
-                </a:solidFill>
-              </a:rPr>
-              <a:t>Intelligence, </a:t>
-            </a:r>
-            <a:r>
-              <a:rPr lang="en-GB" dirty="0" err="1">
-                <a:solidFill>
-                  <a:schemeClr val="tx1"/>
-                </a:solidFill>
-              </a:rPr>
-              <a:t>Persistance</a:t>
-            </a:r>
-            <a:r>
-              <a:rPr lang="en-GB" dirty="0">
-                <a:solidFill>
-                  <a:schemeClr val="tx1"/>
-                </a:solidFill>
-              </a:rPr>
-              <a:t> &amp; Personal Circumstances (</a:t>
-            </a:r>
-            <a:r>
-              <a:rPr lang="en-GB" dirty="0" err="1">
-                <a:solidFill>
-                  <a:schemeClr val="tx1"/>
-                </a:solidFill>
-              </a:rPr>
-              <a:t>Slem</a:t>
-            </a:r>
-            <a:r>
-              <a:rPr lang="en-GB" dirty="0">
-                <a:solidFill>
-                  <a:schemeClr val="tx1"/>
-                </a:solidFill>
-              </a:rPr>
-              <a:t>, 1993)</a:t>
-            </a:r>
-          </a:p>
-          <a:p>
-            <a:pPr lvl="1"/>
-            <a:r>
-              <a:rPr lang="en-GB" dirty="0">
-                <a:solidFill>
-                  <a:schemeClr val="tx1"/>
-                </a:solidFill>
-              </a:rPr>
-              <a:t>Ability at independent learning (</a:t>
-            </a:r>
-            <a:r>
-              <a:rPr lang="en-US" b="0" i="0" dirty="0">
-                <a:solidFill>
-                  <a:schemeClr val="tx1"/>
-                </a:solidFill>
-                <a:effectLst/>
-              </a:rPr>
-              <a:t>Hyde, Flournoy, 1986)</a:t>
-            </a:r>
-            <a:endParaRPr lang="en-GB" b="0" i="0" dirty="0">
-              <a:solidFill>
-                <a:schemeClr val="tx1"/>
-              </a:solidFill>
-              <a:effectLst/>
-            </a:endParaRPr>
-          </a:p>
-          <a:p>
-            <a:pPr marL="0" indent="0">
-              <a:buNone/>
-            </a:pPr>
-            <a:endParaRPr lang="en-GB" dirty="0">
-              <a:solidFill>
-                <a:schemeClr val="tx1"/>
-              </a:solidFill>
-            </a:endParaRPr>
-          </a:p>
-          <a:p>
-            <a:r>
-              <a:rPr lang="en-GB" b="0" i="0" dirty="0">
-                <a:solidFill>
-                  <a:schemeClr val="tx1"/>
-                </a:solidFill>
-                <a:effectLst/>
-              </a:rPr>
-              <a:t>A st</a:t>
-            </a:r>
-            <a:r>
-              <a:rPr lang="en-GB" dirty="0">
-                <a:solidFill>
-                  <a:schemeClr val="tx1"/>
-                </a:solidFill>
-              </a:rPr>
-              <a:t>udy focusing on student attendance and grade during the COVID-19 pandemic has also found moderate/strong correlation between attendance/online activity and grades (</a:t>
-            </a:r>
-            <a:r>
-              <a:rPr lang="en-US" b="0" i="0" dirty="0">
-                <a:solidFill>
-                  <a:schemeClr val="tx1"/>
-                </a:solidFill>
-                <a:effectLst/>
-              </a:rPr>
-              <a:t>Finlay, Simpson, </a:t>
-            </a:r>
-            <a:r>
-              <a:rPr lang="en-US" b="0" i="0" dirty="0" err="1">
-                <a:solidFill>
-                  <a:schemeClr val="tx1"/>
-                </a:solidFill>
-                <a:effectLst/>
-              </a:rPr>
-              <a:t>Tinnion</a:t>
-            </a:r>
-            <a:r>
-              <a:rPr lang="en-US" b="0" i="0" dirty="0">
-                <a:solidFill>
-                  <a:schemeClr val="tx1"/>
-                </a:solidFill>
-                <a:effectLst/>
-              </a:rPr>
-              <a:t>, 2022)</a:t>
-            </a:r>
-            <a:endParaRPr lang="en-US" dirty="0">
-              <a:solidFill>
-                <a:schemeClr val="tx1"/>
-              </a:solidFill>
-            </a:endParaRPr>
-          </a:p>
-          <a:p>
-            <a:pPr lvl="1"/>
-            <a:r>
-              <a:rPr lang="en-GB" dirty="0">
-                <a:solidFill>
-                  <a:schemeClr val="tx1"/>
-                </a:solidFill>
-              </a:rPr>
-              <a:t>Similar use of Spearman correlation was utilised.</a:t>
-            </a:r>
-          </a:p>
-        </p:txBody>
-      </p:sp>
-    </p:spTree>
-    <p:extLst>
-      <p:ext uri="{BB962C8B-B14F-4D97-AF65-F5344CB8AC3E}">
-        <p14:creationId xmlns:p14="http://schemas.microsoft.com/office/powerpoint/2010/main" val="2532501681"/>
-      </p:ext>
-    </p:extLst>
-  </p:cSld>
-  <p:clrMapOvr>
-    <a:masterClrMapping/>
-  </p:clrMapOvr>
-</p:sld>
-</file>
-
-<file path=ppt/slides/slide40.xml><?xml version="1.0" encoding="utf-8"?>
+<file path=ppt/slides/slide43.xml><?xml version="1.0" encoding="utf-8"?>
 <p:sld xmlns:a="http://schemas.openxmlformats.org/drawingml/2006/main" xmlns:r="http://schemas.openxmlformats.org/officeDocument/2006/relationships" xmlns:p="http://schemas.openxmlformats.org/presentationml/2006/main">
   <p:cSld>
     <p:spTree>
@@ -19443,7 +22736,7 @@
           <a:p>
             <a:r>
               <a:rPr lang="en-US" dirty="0"/>
-              <a:t>PREDICTIONS</a:t>
+              <a:t>CONCLUSION</a:t>
             </a:r>
             <a:endParaRPr lang="en-GB" dirty="0"/>
           </a:p>
@@ -19473,7 +22766,7 @@
         </p:spPr>
         <p:txBody>
           <a:bodyPr>
-            <a:normAutofit/>
+            <a:normAutofit fontScale="92500" lnSpcReduction="20000"/>
           </a:bodyPr>
           <a:lstStyle/>
           <a:p>
@@ -19483,7 +22776,7 @@
                   <a:schemeClr val="bg1"/>
                 </a:solidFill>
               </a:rPr>
-              <a:t>Grade ~ Attendance</a:t>
+              <a:t>Discussion</a:t>
             </a:r>
           </a:p>
           <a:p>
@@ -19500,7 +22793,7 @@
                   <a:schemeClr val="bg1"/>
                 </a:solidFill>
               </a:rPr>
-              <a:t>Grade ~ Expected Attendance</a:t>
+              <a:t>HYPOTHESIS ANSWER</a:t>
             </a:r>
           </a:p>
           <a:p>
@@ -19517,7 +22810,7 @@
                   <a:schemeClr val="bg1"/>
                 </a:solidFill>
               </a:rPr>
-              <a:t>Grade ~ Practical Attendance</a:t>
+              <a:t>Limitations</a:t>
             </a:r>
           </a:p>
           <a:p>
@@ -19534,105 +22827,7 @@
                   <a:schemeClr val="bg1"/>
                 </a:solidFill>
               </a:rPr>
-              <a:t>Grade ~ Lecture Attendance</a:t>
-            </a:r>
-          </a:p>
-        </p:txBody>
-      </p:sp>
-    </p:spTree>
-    <p:extLst>
-      <p:ext uri="{BB962C8B-B14F-4D97-AF65-F5344CB8AC3E}">
-        <p14:creationId xmlns:p14="http://schemas.microsoft.com/office/powerpoint/2010/main" val="1683191166"/>
-      </p:ext>
-    </p:extLst>
-  </p:cSld>
-  <p:clrMapOvr>
-    <a:masterClrMapping/>
-  </p:clrMapOvr>
-</p:sld>
-</file>
-
-<file path=ppt/slides/slide41.xml><?xml version="1.0" encoding="utf-8"?>
-<p:sld xmlns:a="http://schemas.openxmlformats.org/drawingml/2006/main" xmlns:r="http://schemas.openxmlformats.org/officeDocument/2006/relationships" xmlns:p="http://schemas.openxmlformats.org/presentationml/2006/main">
-  <p:cSld>
-    <p:spTree>
-      <p:nvGrpSpPr>
-        <p:cNvPr id="1" name=""/>
-        <p:cNvGrpSpPr/>
-        <p:nvPr/>
-      </p:nvGrpSpPr>
-      <p:grpSpPr>
-        <a:xfrm>
-          <a:off x="0" y="0"/>
-          <a:ext cx="0" cy="0"/>
-          <a:chOff x="0" y="0"/>
-          <a:chExt cx="0" cy="0"/>
-        </a:xfrm>
-      </p:grpSpPr>
-      <p:sp>
-        <p:nvSpPr>
-          <p:cNvPr id="2" name="Title 1">
-            <a:extLst>
-              <a:ext uri="{FF2B5EF4-FFF2-40B4-BE49-F238E27FC236}">
-                <a16:creationId xmlns:a16="http://schemas.microsoft.com/office/drawing/2014/main" id="{C7B88BF5-C73D-C2F9-DD20-DE6522FEBB0C}"/>
-              </a:ext>
-            </a:extLst>
-          </p:cNvPr>
-          <p:cNvSpPr>
-            <a:spLocks noGrp="1"/>
-          </p:cNvSpPr>
-          <p:nvPr>
-            <p:ph type="ctrTitle"/>
-          </p:nvPr>
-        </p:nvSpPr>
-        <p:spPr/>
-        <p:txBody>
-          <a:bodyPr/>
-          <a:lstStyle/>
-          <a:p>
-            <a:r>
-              <a:rPr lang="en-US" dirty="0"/>
-              <a:t>CONCLUSION</a:t>
-            </a:r>
-            <a:endParaRPr lang="en-GB" dirty="0"/>
-          </a:p>
-        </p:txBody>
-      </p:sp>
-      <p:sp>
-        <p:nvSpPr>
-          <p:cNvPr id="3" name="Subtitle 2">
-            <a:extLst>
-              <a:ext uri="{FF2B5EF4-FFF2-40B4-BE49-F238E27FC236}">
-                <a16:creationId xmlns:a16="http://schemas.microsoft.com/office/drawing/2014/main" id="{7DC5E721-C1B6-45C1-7ACB-BA368382A9E9}"/>
-              </a:ext>
-            </a:extLst>
-          </p:cNvPr>
-          <p:cNvSpPr>
-            <a:spLocks noGrp="1"/>
-          </p:cNvSpPr>
-          <p:nvPr>
-            <p:ph type="subTitle" idx="1"/>
-          </p:nvPr>
-        </p:nvSpPr>
-        <p:spPr>
-          <a:xfrm>
-            <a:off x="581191" y="3275621"/>
-            <a:ext cx="10993546" cy="2873509"/>
-          </a:xfrm>
-        </p:spPr>
-        <p:txBody>
-          <a:bodyPr>
-            <a:normAutofit/>
-          </a:bodyPr>
-          <a:lstStyle/>
-          <a:p>
-            <a:r>
-              <a:rPr lang="en-US" dirty="0">
-                <a:solidFill>
-                  <a:schemeClr val="bg1"/>
-                </a:solidFill>
-              </a:rPr>
-              <a:t>Limitations</a:t>
+              <a:t>FURTHER DEVELOPMENT</a:t>
             </a:r>
           </a:p>
           <a:p>
@@ -19649,7 +22844,7 @@
                   <a:schemeClr val="bg1"/>
                 </a:solidFill>
               </a:rPr>
-              <a:t>HYPOTHESIS ANSWER</a:t>
+              <a:t>Impact on Teaching</a:t>
             </a:r>
           </a:p>
           <a:p>
@@ -19660,14 +22855,11 @@
             </a:endParaRPr>
           </a:p>
           <a:p>
-            <a:r>
-              <a:rPr lang="en-US" dirty="0">
-                <a:solidFill>
-                  <a:schemeClr val="bg1"/>
-                </a:solidFill>
-              </a:rPr>
-              <a:t>FURTHER DEVELOPMENT</a:t>
-            </a:r>
+            <a:endParaRPr lang="en-US" dirty="0">
+              <a:solidFill>
+                <a:schemeClr val="bg1"/>
+              </a:solidFill>
+            </a:endParaRPr>
           </a:p>
         </p:txBody>
       </p:sp>
@@ -19675,290 +22867,6 @@
     <p:extLst>
       <p:ext uri="{BB962C8B-B14F-4D97-AF65-F5344CB8AC3E}">
         <p14:creationId xmlns:p14="http://schemas.microsoft.com/office/powerpoint/2010/main" val="1590490258"/>
-      </p:ext>
-    </p:extLst>
-  </p:cSld>
-  <p:clrMapOvr>
-    <a:masterClrMapping/>
-  </p:clrMapOvr>
-</p:sld>
-</file>
-
-<file path=ppt/slides/slide42.xml><?xml version="1.0" encoding="utf-8"?>
-<p:sld xmlns:a="http://schemas.openxmlformats.org/drawingml/2006/main" xmlns:r="http://schemas.openxmlformats.org/officeDocument/2006/relationships" xmlns:p="http://schemas.openxmlformats.org/presentationml/2006/main">
-  <p:cSld>
-    <p:spTree>
-      <p:nvGrpSpPr>
-        <p:cNvPr id="1" name=""/>
-        <p:cNvGrpSpPr/>
-        <p:nvPr/>
-      </p:nvGrpSpPr>
-      <p:grpSpPr>
-        <a:xfrm>
-          <a:off x="0" y="0"/>
-          <a:ext cx="0" cy="0"/>
-          <a:chOff x="0" y="0"/>
-          <a:chExt cx="0" cy="0"/>
-        </a:xfrm>
-      </p:grpSpPr>
-      <p:sp>
-        <p:nvSpPr>
-          <p:cNvPr id="2" name="Title 1">
-            <a:extLst>
-              <a:ext uri="{FF2B5EF4-FFF2-40B4-BE49-F238E27FC236}">
-                <a16:creationId xmlns:a16="http://schemas.microsoft.com/office/drawing/2014/main" id="{C7E0A70A-A506-742E-79FF-CCC404CE65C7}"/>
-              </a:ext>
-            </a:extLst>
-          </p:cNvPr>
-          <p:cNvSpPr>
-            <a:spLocks noGrp="1"/>
-          </p:cNvSpPr>
-          <p:nvPr>
-            <p:ph type="title"/>
-          </p:nvPr>
-        </p:nvSpPr>
-        <p:spPr/>
-        <p:txBody>
-          <a:bodyPr/>
-          <a:lstStyle/>
-          <a:p>
-            <a:r>
-              <a:rPr lang="en-GB" dirty="0"/>
-              <a:t>Limitations</a:t>
-            </a:r>
-          </a:p>
-        </p:txBody>
-      </p:sp>
-      <p:sp>
-        <p:nvSpPr>
-          <p:cNvPr id="3" name="Content Placeholder 2">
-            <a:extLst>
-              <a:ext uri="{FF2B5EF4-FFF2-40B4-BE49-F238E27FC236}">
-                <a16:creationId xmlns:a16="http://schemas.microsoft.com/office/drawing/2014/main" id="{DAE9E2D5-3E7C-12B5-F2B4-4D153305E279}"/>
-              </a:ext>
-            </a:extLst>
-          </p:cNvPr>
-          <p:cNvSpPr>
-            <a:spLocks noGrp="1"/>
-          </p:cNvSpPr>
-          <p:nvPr>
-            <p:ph idx="1"/>
-          </p:nvPr>
-        </p:nvSpPr>
-        <p:spPr>
-          <a:xfrm>
-            <a:off x="581192" y="2180497"/>
-            <a:ext cx="11029615" cy="3975348"/>
-          </a:xfrm>
-        </p:spPr>
-        <p:txBody>
-          <a:bodyPr>
-            <a:normAutofit/>
-          </a:bodyPr>
-          <a:lstStyle/>
-          <a:p>
-            <a:r>
-              <a:rPr lang="en-US" dirty="0">
-                <a:solidFill>
-                  <a:schemeClr val="tx1"/>
-                </a:solidFill>
-              </a:rPr>
-              <a:t>The study is only focusses on attendance and achievement of a single Module at Abertay University in Scotland. Methods of content delivery may not be suitable for other institutions due to technology differences, delivery method and class structure.</a:t>
-            </a:r>
-          </a:p>
-          <a:p>
-            <a:pPr lvl="1"/>
-            <a:r>
-              <a:rPr lang="en-US" dirty="0">
-                <a:solidFill>
-                  <a:schemeClr val="tx1"/>
-                </a:solidFill>
-              </a:rPr>
-              <a:t>Module was delivered with in three classes each week. An online one-hour live lecture, then a two-hour on-campus practical session (two practical sessions were run to accommodate cohort size). </a:t>
-            </a:r>
-          </a:p>
-          <a:p>
-            <a:endParaRPr lang="en-US" dirty="0">
-              <a:solidFill>
-                <a:schemeClr val="tx1"/>
-              </a:solidFill>
-            </a:endParaRPr>
-          </a:p>
-          <a:p>
-            <a:r>
-              <a:rPr lang="en-US" dirty="0">
-                <a:solidFill>
-                  <a:schemeClr val="tx1"/>
-                </a:solidFill>
-              </a:rPr>
-              <a:t>Module is focused on material that is entirely done on a computer. As such, remote teaching is potentially easier than other subjects which could limit the impact of the results.</a:t>
-            </a:r>
-          </a:p>
-          <a:p>
-            <a:endParaRPr lang="en-US" dirty="0">
-              <a:solidFill>
-                <a:schemeClr val="tx1"/>
-              </a:solidFill>
-            </a:endParaRPr>
-          </a:p>
-          <a:p>
-            <a:r>
-              <a:rPr lang="en-US" dirty="0">
-                <a:solidFill>
-                  <a:schemeClr val="tx1"/>
-                </a:solidFill>
-              </a:rPr>
-              <a:t> Study is limited to two years of attendance data.</a:t>
-            </a:r>
-          </a:p>
-        </p:txBody>
-      </p:sp>
-    </p:spTree>
-    <p:extLst>
-      <p:ext uri="{BB962C8B-B14F-4D97-AF65-F5344CB8AC3E}">
-        <p14:creationId xmlns:p14="http://schemas.microsoft.com/office/powerpoint/2010/main" val="4183516663"/>
-      </p:ext>
-    </p:extLst>
-  </p:cSld>
-  <p:clrMapOvr>
-    <a:masterClrMapping/>
-  </p:clrMapOvr>
-</p:sld>
-</file>
-
-<file path=ppt/slides/slide43.xml><?xml version="1.0" encoding="utf-8"?>
-<p:sld xmlns:a="http://schemas.openxmlformats.org/drawingml/2006/main" xmlns:r="http://schemas.openxmlformats.org/officeDocument/2006/relationships" xmlns:p="http://schemas.openxmlformats.org/presentationml/2006/main">
-  <p:cSld>
-    <p:spTree>
-      <p:nvGrpSpPr>
-        <p:cNvPr id="1" name=""/>
-        <p:cNvGrpSpPr/>
-        <p:nvPr/>
-      </p:nvGrpSpPr>
-      <p:grpSpPr>
-        <a:xfrm>
-          <a:off x="0" y="0"/>
-          <a:ext cx="0" cy="0"/>
-          <a:chOff x="0" y="0"/>
-          <a:chExt cx="0" cy="0"/>
-        </a:xfrm>
-      </p:grpSpPr>
-      <p:sp>
-        <p:nvSpPr>
-          <p:cNvPr id="2" name="Title 1">
-            <a:extLst>
-              <a:ext uri="{FF2B5EF4-FFF2-40B4-BE49-F238E27FC236}">
-                <a16:creationId xmlns:a16="http://schemas.microsoft.com/office/drawing/2014/main" id="{C7E0A70A-A506-742E-79FF-CCC404CE65C7}"/>
-              </a:ext>
-            </a:extLst>
-          </p:cNvPr>
-          <p:cNvSpPr>
-            <a:spLocks noGrp="1"/>
-          </p:cNvSpPr>
-          <p:nvPr>
-            <p:ph type="title"/>
-          </p:nvPr>
-        </p:nvSpPr>
-        <p:spPr/>
-        <p:txBody>
-          <a:bodyPr/>
-          <a:lstStyle/>
-          <a:p>
-            <a:r>
-              <a:rPr lang="en-GB" dirty="0"/>
-              <a:t>HYPOTHESIS ANSWER</a:t>
-            </a:r>
-          </a:p>
-        </p:txBody>
-      </p:sp>
-      <p:sp>
-        <p:nvSpPr>
-          <p:cNvPr id="3" name="Content Placeholder 2">
-            <a:extLst>
-              <a:ext uri="{FF2B5EF4-FFF2-40B4-BE49-F238E27FC236}">
-                <a16:creationId xmlns:a16="http://schemas.microsoft.com/office/drawing/2014/main" id="{DAE9E2D5-3E7C-12B5-F2B4-4D153305E279}"/>
-              </a:ext>
-            </a:extLst>
-          </p:cNvPr>
-          <p:cNvSpPr>
-            <a:spLocks noGrp="1"/>
-          </p:cNvSpPr>
-          <p:nvPr>
-            <p:ph idx="1"/>
-          </p:nvPr>
-        </p:nvSpPr>
-        <p:spPr>
-          <a:xfrm>
-            <a:off x="581192" y="2180497"/>
-            <a:ext cx="11029615" cy="3975348"/>
-          </a:xfrm>
-        </p:spPr>
-        <p:txBody>
-          <a:bodyPr>
-            <a:normAutofit/>
-          </a:bodyPr>
-          <a:lstStyle/>
-          <a:p>
-            <a:r>
-              <a:rPr lang="en-US" dirty="0">
-                <a:solidFill>
-                  <a:schemeClr val="tx1"/>
-                </a:solidFill>
-              </a:rPr>
-              <a:t>The study is only focusses on attendance and achievement of a single Module at Abertay University in Scotland. Methods of content delivery may not be suitable for other institutions due to technology differences, delivery method and class structure.</a:t>
-            </a:r>
-          </a:p>
-          <a:p>
-            <a:pPr lvl="1"/>
-            <a:r>
-              <a:rPr lang="en-US" dirty="0">
-                <a:solidFill>
-                  <a:schemeClr val="tx1"/>
-                </a:solidFill>
-              </a:rPr>
-              <a:t>Module was delivered with in three classes each week. An online one-hour live lecture, then a two-hour on-campus practical session (two practical sessions were run to accommodate cohort size). </a:t>
-            </a:r>
-          </a:p>
-          <a:p>
-            <a:endParaRPr lang="en-US" dirty="0">
-              <a:solidFill>
-                <a:schemeClr val="tx1"/>
-              </a:solidFill>
-            </a:endParaRPr>
-          </a:p>
-          <a:p>
-            <a:r>
-              <a:rPr lang="en-US" dirty="0">
-                <a:solidFill>
-                  <a:schemeClr val="tx1"/>
-                </a:solidFill>
-              </a:rPr>
-              <a:t>Module is focused on material that is entirely done on a computer. As such, remote teaching is potentially easier than other subjects which could limit the impact of the results.</a:t>
-            </a:r>
-          </a:p>
-          <a:p>
-            <a:endParaRPr lang="en-US" dirty="0">
-              <a:solidFill>
-                <a:schemeClr val="tx1"/>
-              </a:solidFill>
-            </a:endParaRPr>
-          </a:p>
-          <a:p>
-            <a:r>
-              <a:rPr lang="en-US" dirty="0">
-                <a:solidFill>
-                  <a:schemeClr val="tx1"/>
-                </a:solidFill>
-              </a:rPr>
-              <a:t> Study is limited to two years of attendance data.</a:t>
-            </a:r>
-          </a:p>
-        </p:txBody>
-      </p:sp>
-    </p:spTree>
-    <p:extLst>
-      <p:ext uri="{BB962C8B-B14F-4D97-AF65-F5344CB8AC3E}">
-        <p14:creationId xmlns:p14="http://schemas.microsoft.com/office/powerpoint/2010/main" val="1359845387"/>
       </p:ext>
     </p:extLst>
   </p:cSld>
@@ -20008,7 +22916,7 @@
           <a:p>
             <a:r>
               <a:rPr lang="en-GB" dirty="0"/>
-              <a:t>FURTHER DEVELOPMENT</a:t>
+              <a:t>Discussion</a:t>
             </a:r>
           </a:p>
         </p:txBody>
@@ -20047,7 +22955,675 @@
                   <a:schemeClr val="tx1"/>
                 </a:solidFill>
               </a:rPr>
+              <a:t>The best metric in the 2022-2023 cohort for grade prediction appears to be VLE use.</a:t>
+            </a:r>
+          </a:p>
+          <a:p>
+            <a:pPr lvl="1"/>
+            <a:r>
+              <a:rPr lang="en-US" dirty="0">
+                <a:solidFill>
+                  <a:schemeClr val="tx1"/>
+                </a:solidFill>
+              </a:rPr>
+              <a:t>This seems reasonable as engagement with the content (material on VLE platform) is how students get their assignments each practical session as well as access to the lecture recordings.</a:t>
+            </a:r>
+          </a:p>
+          <a:p>
+            <a:r>
+              <a:rPr lang="en-US" dirty="0">
+                <a:solidFill>
+                  <a:schemeClr val="tx1"/>
+                </a:solidFill>
+              </a:rPr>
+              <a:t>For the 2022-2023 session there is a relationship between lecture attendance and achieved grade and practical attendance and achieved grade.</a:t>
+            </a:r>
+          </a:p>
+          <a:p>
+            <a:pPr lvl="1"/>
+            <a:r>
+              <a:rPr lang="en-US" dirty="0">
+                <a:solidFill>
+                  <a:schemeClr val="tx1"/>
+                </a:solidFill>
+              </a:rPr>
+              <a:t>Whilst the spread of data is quite large, there is a calculated trend with students to have similar attendance to both classes (low attendance to one signals they will generally have low attendance for others).</a:t>
+            </a:r>
+          </a:p>
+          <a:p>
+            <a:r>
+              <a:rPr lang="en-US" dirty="0">
+                <a:solidFill>
+                  <a:schemeClr val="tx1"/>
+                </a:solidFill>
+              </a:rPr>
+              <a:t>In 2021-2022 session, lecture and practical attendance has almost no correlation with their achieved grade.</a:t>
+            </a:r>
+          </a:p>
+          <a:p>
+            <a:r>
+              <a:rPr lang="en-US" dirty="0">
+                <a:solidFill>
+                  <a:schemeClr val="tx1"/>
+                </a:solidFill>
+              </a:rPr>
+              <a:t>This suggests that the method of delivery in the most recent session not as effective as the previous session.</a:t>
+            </a:r>
+          </a:p>
+          <a:p>
+            <a:endParaRPr lang="en-US" dirty="0">
+              <a:solidFill>
+                <a:schemeClr val="tx1"/>
+              </a:solidFill>
+            </a:endParaRPr>
+          </a:p>
+        </p:txBody>
+      </p:sp>
+    </p:spTree>
+    <p:extLst>
+      <p:ext uri="{BB962C8B-B14F-4D97-AF65-F5344CB8AC3E}">
+        <p14:creationId xmlns:p14="http://schemas.microsoft.com/office/powerpoint/2010/main" val="381790023"/>
+      </p:ext>
+    </p:extLst>
+  </p:cSld>
+  <p:clrMapOvr>
+    <a:masterClrMapping/>
+  </p:clrMapOvr>
+</p:sld>
+</file>
+
+<file path=ppt/slides/slide45.xml><?xml version="1.0" encoding="utf-8"?>
+<p:sld xmlns:a="http://schemas.openxmlformats.org/drawingml/2006/main" xmlns:r="http://schemas.openxmlformats.org/officeDocument/2006/relationships" xmlns:p="http://schemas.openxmlformats.org/presentationml/2006/main">
+  <p:cSld>
+    <p:spTree>
+      <p:nvGrpSpPr>
+        <p:cNvPr id="1" name=""/>
+        <p:cNvGrpSpPr/>
+        <p:nvPr/>
+      </p:nvGrpSpPr>
+      <p:grpSpPr>
+        <a:xfrm>
+          <a:off x="0" y="0"/>
+          <a:ext cx="0" cy="0"/>
+          <a:chOff x="0" y="0"/>
+          <a:chExt cx="0" cy="0"/>
+        </a:xfrm>
+      </p:grpSpPr>
+      <p:sp>
+        <p:nvSpPr>
+          <p:cNvPr id="2" name="Title 1">
+            <a:extLst>
+              <a:ext uri="{FF2B5EF4-FFF2-40B4-BE49-F238E27FC236}">
+                <a16:creationId xmlns:a16="http://schemas.microsoft.com/office/drawing/2014/main" id="{C7E0A70A-A506-742E-79FF-CCC404CE65C7}"/>
+              </a:ext>
+            </a:extLst>
+          </p:cNvPr>
+          <p:cNvSpPr>
+            <a:spLocks noGrp="1"/>
+          </p:cNvSpPr>
+          <p:nvPr>
+            <p:ph type="title"/>
+          </p:nvPr>
+        </p:nvSpPr>
+        <p:spPr/>
+        <p:txBody>
+          <a:bodyPr/>
+          <a:lstStyle/>
+          <a:p>
+            <a:r>
+              <a:rPr lang="en-GB" dirty="0"/>
+              <a:t>Discussion</a:t>
+            </a:r>
+          </a:p>
+        </p:txBody>
+      </p:sp>
+      <p:sp>
+        <p:nvSpPr>
+          <p:cNvPr id="3" name="Content Placeholder 2">
+            <a:extLst>
+              <a:ext uri="{FF2B5EF4-FFF2-40B4-BE49-F238E27FC236}">
+                <a16:creationId xmlns:a16="http://schemas.microsoft.com/office/drawing/2014/main" id="{DAE9E2D5-3E7C-12B5-F2B4-4D153305E279}"/>
+              </a:ext>
+            </a:extLst>
+          </p:cNvPr>
+          <p:cNvSpPr>
+            <a:spLocks noGrp="1"/>
+          </p:cNvSpPr>
+          <p:nvPr>
+            <p:ph idx="1"/>
+          </p:nvPr>
+        </p:nvSpPr>
+        <p:spPr>
+          <a:xfrm>
+            <a:off x="581192" y="2180497"/>
+            <a:ext cx="11029615" cy="3975348"/>
+          </a:xfrm>
+        </p:spPr>
+        <p:txBody>
+          <a:bodyPr>
+            <a:normAutofit/>
+          </a:bodyPr>
+          <a:lstStyle/>
+          <a:p>
+            <a:r>
+              <a:rPr lang="en-US" dirty="0">
+                <a:solidFill>
+                  <a:schemeClr val="tx1"/>
+                </a:solidFill>
+              </a:rPr>
+              <a:t>There is also a considerable increase in the number of non-submissions, as well as submissions that are either fails, or marginal fails since the last session.</a:t>
+            </a:r>
+          </a:p>
+          <a:p>
+            <a:pPr lvl="1"/>
+            <a:r>
+              <a:rPr lang="en-US" dirty="0">
+                <a:solidFill>
+                  <a:schemeClr val="tx1"/>
+                </a:solidFill>
+              </a:rPr>
+              <a:t>Same method of grading was used. </a:t>
+            </a:r>
+          </a:p>
+          <a:p>
+            <a:pPr lvl="1"/>
+            <a:r>
+              <a:rPr lang="en-US" dirty="0">
+                <a:solidFill>
+                  <a:schemeClr val="tx1"/>
+                </a:solidFill>
+              </a:rPr>
+              <a:t>Not within the boundaries of this study, consideration of grades for this cohort should be explored. </a:t>
+            </a:r>
+          </a:p>
+          <a:p>
+            <a:r>
+              <a:rPr lang="en-US" dirty="0">
+                <a:solidFill>
+                  <a:schemeClr val="tx1"/>
+                </a:solidFill>
+              </a:rPr>
+              <a:t>General trends indicate that attendance levels overall have decreased, and grade achievement overall, has decreased as well. </a:t>
+            </a:r>
+          </a:p>
+          <a:p>
+            <a:pPr lvl="1"/>
+            <a:r>
+              <a:rPr lang="en-US" dirty="0">
+                <a:solidFill>
+                  <a:schemeClr val="tx1"/>
+                </a:solidFill>
+              </a:rPr>
+              <a:t>Method of content delivery is more in line with approach before COVID pandemic.</a:t>
+            </a:r>
+          </a:p>
+        </p:txBody>
+      </p:sp>
+    </p:spTree>
+    <p:extLst>
+      <p:ext uri="{BB962C8B-B14F-4D97-AF65-F5344CB8AC3E}">
+        <p14:creationId xmlns:p14="http://schemas.microsoft.com/office/powerpoint/2010/main" val="448162170"/>
+      </p:ext>
+    </p:extLst>
+  </p:cSld>
+  <p:clrMapOvr>
+    <a:masterClrMapping/>
+  </p:clrMapOvr>
+</p:sld>
+</file>
+
+<file path=ppt/slides/slide46.xml><?xml version="1.0" encoding="utf-8"?>
+<p:sld xmlns:a="http://schemas.openxmlformats.org/drawingml/2006/main" xmlns:r="http://schemas.openxmlformats.org/officeDocument/2006/relationships" xmlns:p="http://schemas.openxmlformats.org/presentationml/2006/main">
+  <p:cSld>
+    <p:spTree>
+      <p:nvGrpSpPr>
+        <p:cNvPr id="1" name=""/>
+        <p:cNvGrpSpPr/>
+        <p:nvPr/>
+      </p:nvGrpSpPr>
+      <p:grpSpPr>
+        <a:xfrm>
+          <a:off x="0" y="0"/>
+          <a:ext cx="0" cy="0"/>
+          <a:chOff x="0" y="0"/>
+          <a:chExt cx="0" cy="0"/>
+        </a:xfrm>
+      </p:grpSpPr>
+      <p:sp>
+        <p:nvSpPr>
+          <p:cNvPr id="2" name="Title 1">
+            <a:extLst>
+              <a:ext uri="{FF2B5EF4-FFF2-40B4-BE49-F238E27FC236}">
+                <a16:creationId xmlns:a16="http://schemas.microsoft.com/office/drawing/2014/main" id="{C7E0A70A-A506-742E-79FF-CCC404CE65C7}"/>
+              </a:ext>
+            </a:extLst>
+          </p:cNvPr>
+          <p:cNvSpPr>
+            <a:spLocks noGrp="1"/>
+          </p:cNvSpPr>
+          <p:nvPr>
+            <p:ph type="title"/>
+          </p:nvPr>
+        </p:nvSpPr>
+        <p:spPr/>
+        <p:txBody>
+          <a:bodyPr/>
+          <a:lstStyle/>
+          <a:p>
+            <a:r>
+              <a:rPr lang="en-GB" dirty="0"/>
+              <a:t>HYPOTHESIS ANSWER</a:t>
+            </a:r>
+          </a:p>
+        </p:txBody>
+      </p:sp>
+      <p:sp>
+        <p:nvSpPr>
+          <p:cNvPr id="3" name="Content Placeholder 2">
+            <a:extLst>
+              <a:ext uri="{FF2B5EF4-FFF2-40B4-BE49-F238E27FC236}">
+                <a16:creationId xmlns:a16="http://schemas.microsoft.com/office/drawing/2014/main" id="{DAE9E2D5-3E7C-12B5-F2B4-4D153305E279}"/>
+              </a:ext>
+            </a:extLst>
+          </p:cNvPr>
+          <p:cNvSpPr>
+            <a:spLocks noGrp="1"/>
+          </p:cNvSpPr>
+          <p:nvPr>
+            <p:ph idx="1"/>
+          </p:nvPr>
+        </p:nvSpPr>
+        <p:spPr>
+          <a:xfrm>
+            <a:off x="581192" y="2180497"/>
+            <a:ext cx="11029615" cy="3975348"/>
+          </a:xfrm>
+        </p:spPr>
+        <p:txBody>
+          <a:bodyPr>
+            <a:normAutofit/>
+          </a:bodyPr>
+          <a:lstStyle/>
+          <a:p>
+            <a:r>
+              <a:rPr lang="en-US" dirty="0">
+                <a:solidFill>
+                  <a:schemeClr val="tx1"/>
+                </a:solidFill>
+              </a:rPr>
+              <a:t>The hypothesis expected that the having recorded lectures available would mean students who did not attend the live lectures could catch up on any missed material.</a:t>
+            </a:r>
+          </a:p>
+          <a:p>
+            <a:pPr lvl="1"/>
+            <a:r>
+              <a:rPr lang="en-US" dirty="0">
+                <a:solidFill>
+                  <a:schemeClr val="tx1"/>
+                </a:solidFill>
+              </a:rPr>
+              <a:t>As such, it was expected that attendance to lecture classes would have no relationship with achieved grades.</a:t>
+            </a:r>
+          </a:p>
+          <a:p>
+            <a:pPr lvl="1"/>
+            <a:endParaRPr lang="en-US" dirty="0">
+              <a:solidFill>
+                <a:schemeClr val="tx1"/>
+              </a:solidFill>
+            </a:endParaRPr>
+          </a:p>
+          <a:p>
+            <a:r>
+              <a:rPr lang="en-US" dirty="0">
+                <a:solidFill>
+                  <a:schemeClr val="tx1"/>
+                </a:solidFill>
+              </a:rPr>
+              <a:t>Explored data, on slides X and X specifically, show that student attendance (2022-2023) to lectures and practical's are linked, as well as showing each has a moderate correlation with their achieved grade.</a:t>
+            </a:r>
+          </a:p>
+          <a:p>
+            <a:endParaRPr lang="en-US" dirty="0">
+              <a:solidFill>
+                <a:schemeClr val="tx1"/>
+              </a:solidFill>
+            </a:endParaRPr>
+          </a:p>
+          <a:p>
+            <a:r>
+              <a:rPr lang="en-US" dirty="0">
+                <a:solidFill>
+                  <a:schemeClr val="tx1"/>
+                </a:solidFill>
+              </a:rPr>
+              <a:t>This relationship is not present in the previous year (2021-2022) which suggests that recording lectures is useful, but not when presented as an alternative to live lecture material. </a:t>
+            </a:r>
+          </a:p>
+          <a:p>
+            <a:endParaRPr lang="en-US" dirty="0">
+              <a:solidFill>
+                <a:schemeClr val="tx1"/>
+              </a:solidFill>
+            </a:endParaRPr>
+          </a:p>
+          <a:p>
+            <a:r>
+              <a:rPr lang="en-US" dirty="0">
+                <a:solidFill>
+                  <a:schemeClr val="tx1"/>
+                </a:solidFill>
+              </a:rPr>
+              <a:t>In conclusion, the hypothesis presented in this presentation is not supported by the evidence explored.</a:t>
+            </a:r>
+          </a:p>
+        </p:txBody>
+      </p:sp>
+    </p:spTree>
+    <p:extLst>
+      <p:ext uri="{BB962C8B-B14F-4D97-AF65-F5344CB8AC3E}">
+        <p14:creationId xmlns:p14="http://schemas.microsoft.com/office/powerpoint/2010/main" val="1359845387"/>
+      </p:ext>
+    </p:extLst>
+  </p:cSld>
+  <p:clrMapOvr>
+    <a:masterClrMapping/>
+  </p:clrMapOvr>
+</p:sld>
+</file>
+
+<file path=ppt/slides/slide47.xml><?xml version="1.0" encoding="utf-8"?>
+<p:sld xmlns:a="http://schemas.openxmlformats.org/drawingml/2006/main" xmlns:r="http://schemas.openxmlformats.org/officeDocument/2006/relationships" xmlns:p="http://schemas.openxmlformats.org/presentationml/2006/main">
+  <p:cSld>
+    <p:spTree>
+      <p:nvGrpSpPr>
+        <p:cNvPr id="1" name=""/>
+        <p:cNvGrpSpPr/>
+        <p:nvPr/>
+      </p:nvGrpSpPr>
+      <p:grpSpPr>
+        <a:xfrm>
+          <a:off x="0" y="0"/>
+          <a:ext cx="0" cy="0"/>
+          <a:chOff x="0" y="0"/>
+          <a:chExt cx="0" cy="0"/>
+        </a:xfrm>
+      </p:grpSpPr>
+      <p:sp>
+        <p:nvSpPr>
+          <p:cNvPr id="2" name="Title 1">
+            <a:extLst>
+              <a:ext uri="{FF2B5EF4-FFF2-40B4-BE49-F238E27FC236}">
+                <a16:creationId xmlns:a16="http://schemas.microsoft.com/office/drawing/2014/main" id="{C7E0A70A-A506-742E-79FF-CCC404CE65C7}"/>
+              </a:ext>
+            </a:extLst>
+          </p:cNvPr>
+          <p:cNvSpPr>
+            <a:spLocks noGrp="1"/>
+          </p:cNvSpPr>
+          <p:nvPr>
+            <p:ph type="title"/>
+          </p:nvPr>
+        </p:nvSpPr>
+        <p:spPr/>
+        <p:txBody>
+          <a:bodyPr/>
+          <a:lstStyle/>
+          <a:p>
+            <a:r>
+              <a:rPr lang="en-GB" dirty="0"/>
+              <a:t>Limitations</a:t>
+            </a:r>
+          </a:p>
+        </p:txBody>
+      </p:sp>
+      <p:sp>
+        <p:nvSpPr>
+          <p:cNvPr id="3" name="Content Placeholder 2">
+            <a:extLst>
+              <a:ext uri="{FF2B5EF4-FFF2-40B4-BE49-F238E27FC236}">
+                <a16:creationId xmlns:a16="http://schemas.microsoft.com/office/drawing/2014/main" id="{DAE9E2D5-3E7C-12B5-F2B4-4D153305E279}"/>
+              </a:ext>
+            </a:extLst>
+          </p:cNvPr>
+          <p:cNvSpPr>
+            <a:spLocks noGrp="1"/>
+          </p:cNvSpPr>
+          <p:nvPr>
+            <p:ph idx="1"/>
+          </p:nvPr>
+        </p:nvSpPr>
+        <p:spPr>
+          <a:xfrm>
+            <a:off x="581192" y="2180497"/>
+            <a:ext cx="11029615" cy="4513918"/>
+          </a:xfrm>
+        </p:spPr>
+        <p:txBody>
+          <a:bodyPr>
+            <a:normAutofit/>
+          </a:bodyPr>
+          <a:lstStyle/>
+          <a:p>
+            <a:r>
+              <a:rPr lang="en-US" dirty="0">
+                <a:solidFill>
+                  <a:schemeClr val="tx1"/>
+                </a:solidFill>
+              </a:rPr>
+              <a:t>The study is only focusses on attendance and achievement of a single Module at Abertay University in Scotland. Methods of content delivery may not be suitable for other institutions due to technology differences, delivery method and class structure.</a:t>
+            </a:r>
+          </a:p>
+          <a:p>
+            <a:pPr lvl="1"/>
+            <a:r>
+              <a:rPr lang="en-US" dirty="0">
+                <a:solidFill>
+                  <a:schemeClr val="tx1"/>
+                </a:solidFill>
+              </a:rPr>
+              <a:t>Module was delivered with in three classes each week. An online one-hour live lecture, then a two-hour on-campus practical session (two practical sessions were run to accommodate cohort size). </a:t>
+            </a:r>
+          </a:p>
+          <a:p>
+            <a:endParaRPr lang="en-US" dirty="0">
+              <a:solidFill>
+                <a:schemeClr val="tx1"/>
+              </a:solidFill>
+            </a:endParaRPr>
+          </a:p>
+          <a:p>
+            <a:r>
+              <a:rPr lang="en-US" dirty="0">
+                <a:solidFill>
+                  <a:schemeClr val="tx1"/>
+                </a:solidFill>
+              </a:rPr>
+              <a:t>Module is focused on material that is entirely done on a computer. As such, remote teaching is potentially easier than other subjects which could limit the impact of the results.</a:t>
+            </a:r>
+          </a:p>
+          <a:p>
+            <a:endParaRPr lang="en-US" dirty="0">
+              <a:solidFill>
+                <a:schemeClr val="tx1"/>
+              </a:solidFill>
+            </a:endParaRPr>
+          </a:p>
+          <a:p>
+            <a:r>
+              <a:rPr lang="en-US" dirty="0">
+                <a:solidFill>
+                  <a:schemeClr val="tx1"/>
+                </a:solidFill>
+              </a:rPr>
+              <a:t> Study is limited to two years of attendance data.</a:t>
+            </a:r>
+          </a:p>
+          <a:p>
+            <a:endParaRPr lang="en-US" dirty="0">
+              <a:solidFill>
+                <a:schemeClr val="tx1"/>
+              </a:solidFill>
+            </a:endParaRPr>
+          </a:p>
+          <a:p>
+            <a:r>
+              <a:rPr lang="en-US" dirty="0">
+                <a:solidFill>
+                  <a:schemeClr val="tx1"/>
+                </a:solidFill>
+              </a:rPr>
+              <a:t>More in-depth viewing metrics of the recordings is needed to determine if students who did not attend lectures made use of the recordings.</a:t>
+            </a:r>
+          </a:p>
+        </p:txBody>
+      </p:sp>
+    </p:spTree>
+    <p:extLst>
+      <p:ext uri="{BB962C8B-B14F-4D97-AF65-F5344CB8AC3E}">
+        <p14:creationId xmlns:p14="http://schemas.microsoft.com/office/powerpoint/2010/main" val="4183516663"/>
+      </p:ext>
+    </p:extLst>
+  </p:cSld>
+  <p:clrMapOvr>
+    <a:masterClrMapping/>
+  </p:clrMapOvr>
+</p:sld>
+</file>
+
+<file path=ppt/slides/slide48.xml><?xml version="1.0" encoding="utf-8"?>
+<p:sld xmlns:a="http://schemas.openxmlformats.org/drawingml/2006/main" xmlns:r="http://schemas.openxmlformats.org/officeDocument/2006/relationships" xmlns:p="http://schemas.openxmlformats.org/presentationml/2006/main">
+  <p:cSld>
+    <p:spTree>
+      <p:nvGrpSpPr>
+        <p:cNvPr id="1" name=""/>
+        <p:cNvGrpSpPr/>
+        <p:nvPr/>
+      </p:nvGrpSpPr>
+      <p:grpSpPr>
+        <a:xfrm>
+          <a:off x="0" y="0"/>
+          <a:ext cx="0" cy="0"/>
+          <a:chOff x="0" y="0"/>
+          <a:chExt cx="0" cy="0"/>
+        </a:xfrm>
+      </p:grpSpPr>
+      <p:sp>
+        <p:nvSpPr>
+          <p:cNvPr id="2" name="Title 1">
+            <a:extLst>
+              <a:ext uri="{FF2B5EF4-FFF2-40B4-BE49-F238E27FC236}">
+                <a16:creationId xmlns:a16="http://schemas.microsoft.com/office/drawing/2014/main" id="{C7E0A70A-A506-742E-79FF-CCC404CE65C7}"/>
+              </a:ext>
+            </a:extLst>
+          </p:cNvPr>
+          <p:cNvSpPr>
+            <a:spLocks noGrp="1"/>
+          </p:cNvSpPr>
+          <p:nvPr>
+            <p:ph type="title"/>
+          </p:nvPr>
+        </p:nvSpPr>
+        <p:spPr/>
+        <p:txBody>
+          <a:bodyPr/>
+          <a:lstStyle/>
+          <a:p>
+            <a:r>
+              <a:rPr lang="en-GB" dirty="0"/>
+              <a:t>FURTHER DEVELOPMENT</a:t>
+            </a:r>
+          </a:p>
+        </p:txBody>
+      </p:sp>
+      <p:sp>
+        <p:nvSpPr>
+          <p:cNvPr id="3" name="Content Placeholder 2">
+            <a:extLst>
+              <a:ext uri="{FF2B5EF4-FFF2-40B4-BE49-F238E27FC236}">
+                <a16:creationId xmlns:a16="http://schemas.microsoft.com/office/drawing/2014/main" id="{DAE9E2D5-3E7C-12B5-F2B4-4D153305E279}"/>
+              </a:ext>
+            </a:extLst>
+          </p:cNvPr>
+          <p:cNvSpPr>
+            <a:spLocks noGrp="1"/>
+          </p:cNvSpPr>
+          <p:nvPr>
+            <p:ph idx="1"/>
+          </p:nvPr>
+        </p:nvSpPr>
+        <p:spPr>
+          <a:xfrm>
+            <a:off x="581192" y="2180497"/>
+            <a:ext cx="11029615" cy="3975348"/>
+          </a:xfrm>
+        </p:spPr>
+        <p:txBody>
+          <a:bodyPr>
+            <a:normAutofit/>
+          </a:bodyPr>
+          <a:lstStyle/>
+          <a:p>
+            <a:r>
+              <a:rPr lang="en-US" dirty="0">
+                <a:solidFill>
+                  <a:schemeClr val="tx1"/>
+                </a:solidFill>
+              </a:rPr>
               <a:t>Metrics for students engagement with the recorded material would help solidify the connection between VLE usage and the grade.</a:t>
+            </a:r>
+          </a:p>
+          <a:p>
+            <a:pPr lvl="1"/>
+            <a:r>
+              <a:rPr lang="en-US" dirty="0">
+                <a:solidFill>
+                  <a:schemeClr val="tx1"/>
+                </a:solidFill>
+              </a:rPr>
+              <a:t>Implementation was links and embedded videos on VLE. Unsure how these metrics are tracked.</a:t>
+            </a:r>
+          </a:p>
+          <a:p>
+            <a:r>
+              <a:rPr lang="en-US" dirty="0">
+                <a:solidFill>
+                  <a:schemeClr val="tx1"/>
+                </a:solidFill>
+              </a:rPr>
+              <a:t>A wider range of years and a wider sample of classes for each year.</a:t>
+            </a:r>
+          </a:p>
+          <a:p>
+            <a:pPr lvl="1"/>
+            <a:r>
+              <a:rPr lang="en-US" dirty="0">
+                <a:solidFill>
+                  <a:schemeClr val="tx1"/>
+                </a:solidFill>
+              </a:rPr>
+              <a:t>Comparing grade scores for classes across more than a single class and exploring similarly structured classes lecture and practical attendance could help solidify or challenge the trends found in this research.</a:t>
+            </a:r>
+          </a:p>
+          <a:p>
+            <a:r>
+              <a:rPr lang="en-US" dirty="0">
+                <a:solidFill>
+                  <a:schemeClr val="tx1"/>
+                </a:solidFill>
+              </a:rPr>
+              <a:t>Research methods for encouraging student engagement and attendance.</a:t>
+            </a:r>
+          </a:p>
+          <a:p>
+            <a:pPr lvl="1"/>
+            <a:r>
+              <a:rPr lang="en-US" dirty="0">
+                <a:solidFill>
+                  <a:schemeClr val="tx1"/>
+                </a:solidFill>
+              </a:rPr>
+              <a:t>Compare these attendance results with grade achievement.</a:t>
             </a:r>
           </a:p>
         </p:txBody>
@@ -20065,7 +23641,681 @@
 </p:sld>
 </file>
 
-<file path=ppt/slides/slide45.xml><?xml version="1.0" encoding="utf-8"?>
+<file path=ppt/slides/slide49.xml><?xml version="1.0" encoding="utf-8"?>
+<p:sld xmlns:a="http://schemas.openxmlformats.org/drawingml/2006/main" xmlns:r="http://schemas.openxmlformats.org/officeDocument/2006/relationships" xmlns:p="http://schemas.openxmlformats.org/presentationml/2006/main">
+  <p:cSld>
+    <p:spTree>
+      <p:nvGrpSpPr>
+        <p:cNvPr id="1" name=""/>
+        <p:cNvGrpSpPr/>
+        <p:nvPr/>
+      </p:nvGrpSpPr>
+      <p:grpSpPr>
+        <a:xfrm>
+          <a:off x="0" y="0"/>
+          <a:ext cx="0" cy="0"/>
+          <a:chOff x="0" y="0"/>
+          <a:chExt cx="0" cy="0"/>
+        </a:xfrm>
+      </p:grpSpPr>
+      <p:sp>
+        <p:nvSpPr>
+          <p:cNvPr id="2" name="Title 1">
+            <a:extLst>
+              <a:ext uri="{FF2B5EF4-FFF2-40B4-BE49-F238E27FC236}">
+                <a16:creationId xmlns:a16="http://schemas.microsoft.com/office/drawing/2014/main" id="{C7E0A70A-A506-742E-79FF-CCC404CE65C7}"/>
+              </a:ext>
+            </a:extLst>
+          </p:cNvPr>
+          <p:cNvSpPr>
+            <a:spLocks noGrp="1"/>
+          </p:cNvSpPr>
+          <p:nvPr>
+            <p:ph type="title"/>
+          </p:nvPr>
+        </p:nvSpPr>
+        <p:spPr/>
+        <p:txBody>
+          <a:bodyPr/>
+          <a:lstStyle/>
+          <a:p>
+            <a:r>
+              <a:rPr lang="en-GB" dirty="0"/>
+              <a:t>IMPACT on Teaching</a:t>
+            </a:r>
+          </a:p>
+        </p:txBody>
+      </p:sp>
+      <p:sp>
+        <p:nvSpPr>
+          <p:cNvPr id="3" name="Content Placeholder 2">
+            <a:extLst>
+              <a:ext uri="{FF2B5EF4-FFF2-40B4-BE49-F238E27FC236}">
+                <a16:creationId xmlns:a16="http://schemas.microsoft.com/office/drawing/2014/main" id="{DAE9E2D5-3E7C-12B5-F2B4-4D153305E279}"/>
+              </a:ext>
+            </a:extLst>
+          </p:cNvPr>
+          <p:cNvSpPr>
+            <a:spLocks noGrp="1"/>
+          </p:cNvSpPr>
+          <p:nvPr>
+            <p:ph idx="1"/>
+          </p:nvPr>
+        </p:nvSpPr>
+        <p:spPr>
+          <a:xfrm>
+            <a:off x="581192" y="2180497"/>
+            <a:ext cx="11029615" cy="3975348"/>
+          </a:xfrm>
+        </p:spPr>
+        <p:txBody>
+          <a:bodyPr>
+            <a:normAutofit/>
+          </a:bodyPr>
+          <a:lstStyle/>
+          <a:p>
+            <a:r>
+              <a:rPr lang="en-US" dirty="0">
+                <a:solidFill>
+                  <a:schemeClr val="tx1"/>
+                </a:solidFill>
+              </a:rPr>
+              <a:t>Use of recorded material for two years has shown widely different results depending on how they are used.</a:t>
+            </a:r>
+          </a:p>
+          <a:p>
+            <a:r>
+              <a:rPr lang="en-US" dirty="0">
+                <a:solidFill>
+                  <a:schemeClr val="tx1"/>
+                </a:solidFill>
+              </a:rPr>
+              <a:t>Recordings being available grant students a safety net and help facilitate student learning if done correctly. (</a:t>
+            </a:r>
+            <a:r>
+              <a:rPr lang="en-US" b="0" i="0" dirty="0">
+                <a:solidFill>
+                  <a:schemeClr val="tx1"/>
+                </a:solidFill>
+                <a:effectLst/>
+              </a:rPr>
+              <a:t>MacKay, 2019)</a:t>
+            </a:r>
+            <a:endParaRPr lang="en-US" dirty="0">
+              <a:solidFill>
+                <a:schemeClr val="tx1"/>
+              </a:solidFill>
+            </a:endParaRPr>
+          </a:p>
+          <a:p>
+            <a:r>
+              <a:rPr lang="en-US" dirty="0">
+                <a:solidFill>
+                  <a:schemeClr val="tx1"/>
+                </a:solidFill>
+              </a:rPr>
+              <a:t>Even with recordings being available, there was a moderate correlation in the 2022-2023 session of attendance to lectures to achieved grade.</a:t>
+            </a:r>
+          </a:p>
+          <a:p>
+            <a:pPr lvl="1"/>
+            <a:r>
+              <a:rPr lang="en-US" dirty="0">
+                <a:solidFill>
+                  <a:schemeClr val="tx1"/>
+                </a:solidFill>
+              </a:rPr>
+              <a:t>This is not present in the previous session (2021-2022)</a:t>
+            </a:r>
+          </a:p>
+          <a:p>
+            <a:pPr lvl="1"/>
+            <a:r>
+              <a:rPr lang="en-US" dirty="0">
+                <a:solidFill>
+                  <a:schemeClr val="tx1"/>
+                </a:solidFill>
+              </a:rPr>
+              <a:t>If recordings are to be a main feature in class teaching, then following the practice in the 2021-2022 session. </a:t>
+            </a:r>
+          </a:p>
+          <a:p>
+            <a:r>
+              <a:rPr lang="en-US" dirty="0">
+                <a:solidFill>
+                  <a:schemeClr val="tx1"/>
+                </a:solidFill>
+              </a:rPr>
+              <a:t>Just having the recordings available is not enough.  Perhaps manually check with students if they cannot make it to class. </a:t>
+            </a:r>
+          </a:p>
+          <a:p>
+            <a:pPr lvl="1"/>
+            <a:r>
+              <a:rPr lang="en-US" dirty="0">
+                <a:solidFill>
+                  <a:schemeClr val="tx1"/>
+                </a:solidFill>
+              </a:rPr>
+              <a:t>More proactive in student engagement.</a:t>
+            </a:r>
+          </a:p>
+        </p:txBody>
+      </p:sp>
+    </p:spTree>
+    <p:extLst>
+      <p:ext uri="{BB962C8B-B14F-4D97-AF65-F5344CB8AC3E}">
+        <p14:creationId xmlns:p14="http://schemas.microsoft.com/office/powerpoint/2010/main" val="3336609562"/>
+      </p:ext>
+    </p:extLst>
+  </p:cSld>
+  <p:clrMapOvr>
+    <a:masterClrMapping/>
+  </p:clrMapOvr>
+</p:sld>
+</file>
+
+<file path=ppt/slides/slide5.xml><?xml version="1.0" encoding="utf-8"?>
+<p:sld xmlns:a="http://schemas.openxmlformats.org/drawingml/2006/main" xmlns:r="http://schemas.openxmlformats.org/officeDocument/2006/relationships" xmlns:p="http://schemas.openxmlformats.org/presentationml/2006/main">
+  <p:cSld>
+    <p:spTree>
+      <p:nvGrpSpPr>
+        <p:cNvPr id="1" name=""/>
+        <p:cNvGrpSpPr/>
+        <p:nvPr/>
+      </p:nvGrpSpPr>
+      <p:grpSpPr>
+        <a:xfrm>
+          <a:off x="0" y="0"/>
+          <a:ext cx="0" cy="0"/>
+          <a:chOff x="0" y="0"/>
+          <a:chExt cx="0" cy="0"/>
+        </a:xfrm>
+      </p:grpSpPr>
+      <p:sp>
+        <p:nvSpPr>
+          <p:cNvPr id="2" name="Title 1">
+            <a:extLst>
+              <a:ext uri="{FF2B5EF4-FFF2-40B4-BE49-F238E27FC236}">
+                <a16:creationId xmlns:a16="http://schemas.microsoft.com/office/drawing/2014/main" id="{C7E0A70A-A506-742E-79FF-CCC404CE65C7}"/>
+              </a:ext>
+            </a:extLst>
+          </p:cNvPr>
+          <p:cNvSpPr>
+            <a:spLocks noGrp="1"/>
+          </p:cNvSpPr>
+          <p:nvPr>
+            <p:ph type="title"/>
+          </p:nvPr>
+        </p:nvSpPr>
+        <p:spPr/>
+        <p:txBody>
+          <a:bodyPr/>
+          <a:lstStyle/>
+          <a:p>
+            <a:r>
+              <a:rPr lang="en-US" dirty="0"/>
+              <a:t>External Research</a:t>
+            </a:r>
+            <a:endParaRPr lang="en-GB" dirty="0"/>
+          </a:p>
+        </p:txBody>
+      </p:sp>
+      <p:sp>
+        <p:nvSpPr>
+          <p:cNvPr id="3" name="Content Placeholder 2">
+            <a:extLst>
+              <a:ext uri="{FF2B5EF4-FFF2-40B4-BE49-F238E27FC236}">
+                <a16:creationId xmlns:a16="http://schemas.microsoft.com/office/drawing/2014/main" id="{DAE9E2D5-3E7C-12B5-F2B4-4D153305E279}"/>
+              </a:ext>
+            </a:extLst>
+          </p:cNvPr>
+          <p:cNvSpPr>
+            <a:spLocks noGrp="1"/>
+          </p:cNvSpPr>
+          <p:nvPr>
+            <p:ph idx="1"/>
+          </p:nvPr>
+        </p:nvSpPr>
+        <p:spPr>
+          <a:xfrm>
+            <a:off x="581192" y="2180496"/>
+            <a:ext cx="11029615" cy="4144104"/>
+          </a:xfrm>
+        </p:spPr>
+        <p:txBody>
+          <a:bodyPr>
+            <a:normAutofit/>
+          </a:bodyPr>
+          <a:lstStyle/>
+          <a:p>
+            <a:pPr marL="0" indent="0">
+              <a:buNone/>
+            </a:pPr>
+            <a:r>
+              <a:rPr lang="en-GB" dirty="0">
+                <a:solidFill>
+                  <a:schemeClr val="tx1"/>
+                </a:solidFill>
+              </a:rPr>
+              <a:t>In terms of including new blended learning technologies with traditional pedagogic practices, there are some sources that evaluate the introduction of these and recording technologies in teaching:</a:t>
+            </a:r>
+          </a:p>
+          <a:p>
+            <a:r>
+              <a:rPr lang="en-GB" dirty="0">
+                <a:solidFill>
+                  <a:schemeClr val="tx1"/>
+                </a:solidFill>
+              </a:rPr>
+              <a:t>A study in </a:t>
+            </a:r>
+            <a:r>
+              <a:rPr lang="en-GB" i="1" dirty="0">
+                <a:solidFill>
+                  <a:schemeClr val="tx1"/>
+                </a:solidFill>
+              </a:rPr>
+              <a:t>Nurse Educator</a:t>
+            </a:r>
+            <a:r>
+              <a:rPr lang="en-GB" dirty="0">
+                <a:solidFill>
+                  <a:schemeClr val="tx1"/>
+                </a:solidFill>
+              </a:rPr>
+              <a:t> explored the introduction distance learning technologies to their course and their effect on grades. The consensus was the mean final grade improved over the implementation period. (</a:t>
+            </a:r>
+            <a:r>
+              <a:rPr lang="en-GB" b="0" i="0" dirty="0">
+                <a:solidFill>
+                  <a:schemeClr val="tx1"/>
+                </a:solidFill>
+                <a:effectLst/>
+              </a:rPr>
+              <a:t>Carpenter, </a:t>
+            </a:r>
+            <a:r>
+              <a:rPr lang="en-GB" b="0" i="0" dirty="0" err="1">
+                <a:solidFill>
+                  <a:schemeClr val="tx1"/>
+                </a:solidFill>
+                <a:effectLst/>
+              </a:rPr>
+              <a:t>Theeke</a:t>
+            </a:r>
+            <a:r>
+              <a:rPr lang="en-GB" dirty="0">
+                <a:solidFill>
+                  <a:schemeClr val="tx1"/>
+                </a:solidFill>
+              </a:rPr>
+              <a:t>, </a:t>
+            </a:r>
+            <a:r>
+              <a:rPr lang="en-GB" b="0" i="0" dirty="0">
+                <a:solidFill>
+                  <a:schemeClr val="tx1"/>
+                </a:solidFill>
+                <a:effectLst/>
+              </a:rPr>
+              <a:t>Smothers, 2013)</a:t>
+            </a:r>
+          </a:p>
+          <a:p>
+            <a:r>
+              <a:rPr lang="en-GB" dirty="0">
+                <a:solidFill>
+                  <a:schemeClr val="tx1"/>
+                </a:solidFill>
+              </a:rPr>
+              <a:t>However, there are also suggestions that the use of recording systems and their availability, do not correlate with improved performance or grade. (</a:t>
+            </a:r>
+            <a:r>
+              <a:rPr lang="en-GB" sz="1800" b="0" i="0" dirty="0" err="1">
+                <a:solidFill>
+                  <a:schemeClr val="tx1"/>
+                </a:solidFill>
+                <a:effectLst/>
+              </a:rPr>
+              <a:t>Bacro</a:t>
+            </a:r>
+            <a:r>
+              <a:rPr lang="en-GB" sz="1800" b="0" i="0" dirty="0">
+                <a:solidFill>
+                  <a:schemeClr val="tx1"/>
+                </a:solidFill>
+                <a:effectLst/>
+              </a:rPr>
+              <a:t>, </a:t>
+            </a:r>
+            <a:r>
+              <a:rPr lang="en-GB" sz="1800" b="0" i="0" dirty="0" err="1">
+                <a:solidFill>
+                  <a:schemeClr val="tx1"/>
+                </a:solidFill>
+                <a:effectLst/>
+              </a:rPr>
+              <a:t>Gebregziabher</a:t>
+            </a:r>
+            <a:r>
+              <a:rPr lang="en-GB" dirty="0">
+                <a:solidFill>
+                  <a:schemeClr val="tx1"/>
+                </a:solidFill>
+              </a:rPr>
+              <a:t>, </a:t>
+            </a:r>
+            <a:r>
+              <a:rPr lang="en-GB" sz="1800" b="0" i="0" dirty="0" err="1">
+                <a:solidFill>
+                  <a:schemeClr val="tx1"/>
+                </a:solidFill>
+                <a:effectLst/>
+              </a:rPr>
+              <a:t>Fitzharris</a:t>
+            </a:r>
+            <a:r>
+              <a:rPr lang="en-GB" sz="1800" b="0" i="0" dirty="0">
+                <a:solidFill>
+                  <a:schemeClr val="tx1"/>
+                </a:solidFill>
+                <a:effectLst/>
+              </a:rPr>
+              <a:t>, 2010)</a:t>
+            </a:r>
+            <a:endParaRPr lang="en-GB" b="0" i="0" dirty="0">
+              <a:solidFill>
+                <a:schemeClr val="tx1"/>
+              </a:solidFill>
+              <a:effectLst/>
+            </a:endParaRPr>
+          </a:p>
+        </p:txBody>
+      </p:sp>
+    </p:spTree>
+    <p:extLst>
+      <p:ext uri="{BB962C8B-B14F-4D97-AF65-F5344CB8AC3E}">
+        <p14:creationId xmlns:p14="http://schemas.microsoft.com/office/powerpoint/2010/main" val="3734950572"/>
+      </p:ext>
+    </p:extLst>
+  </p:cSld>
+  <p:clrMapOvr>
+    <a:masterClrMapping/>
+  </p:clrMapOvr>
+</p:sld>
+</file>
+
+<file path=ppt/slides/slide50.xml><?xml version="1.0" encoding="utf-8"?>
+<p:sld xmlns:a="http://schemas.openxmlformats.org/drawingml/2006/main" xmlns:r="http://schemas.openxmlformats.org/officeDocument/2006/relationships" xmlns:p="http://schemas.openxmlformats.org/presentationml/2006/main">
+  <p:cSld>
+    <p:spTree>
+      <p:nvGrpSpPr>
+        <p:cNvPr id="1" name=""/>
+        <p:cNvGrpSpPr/>
+        <p:nvPr/>
+      </p:nvGrpSpPr>
+      <p:grpSpPr>
+        <a:xfrm>
+          <a:off x="0" y="0"/>
+          <a:ext cx="0" cy="0"/>
+          <a:chOff x="0" y="0"/>
+          <a:chExt cx="0" cy="0"/>
+        </a:xfrm>
+      </p:grpSpPr>
+      <p:sp>
+        <p:nvSpPr>
+          <p:cNvPr id="2" name="Title 1">
+            <a:extLst>
+              <a:ext uri="{FF2B5EF4-FFF2-40B4-BE49-F238E27FC236}">
+                <a16:creationId xmlns:a16="http://schemas.microsoft.com/office/drawing/2014/main" id="{C7E0A70A-A506-742E-79FF-CCC404CE65C7}"/>
+              </a:ext>
+            </a:extLst>
+          </p:cNvPr>
+          <p:cNvSpPr>
+            <a:spLocks noGrp="1"/>
+          </p:cNvSpPr>
+          <p:nvPr>
+            <p:ph type="title"/>
+          </p:nvPr>
+        </p:nvSpPr>
+        <p:spPr/>
+        <p:txBody>
+          <a:bodyPr/>
+          <a:lstStyle/>
+          <a:p>
+            <a:r>
+              <a:rPr lang="en-GB" dirty="0"/>
+              <a:t>IMPACT on Teaching</a:t>
+            </a:r>
+          </a:p>
+        </p:txBody>
+      </p:sp>
+      <p:sp>
+        <p:nvSpPr>
+          <p:cNvPr id="3" name="Content Placeholder 2">
+            <a:extLst>
+              <a:ext uri="{FF2B5EF4-FFF2-40B4-BE49-F238E27FC236}">
+                <a16:creationId xmlns:a16="http://schemas.microsoft.com/office/drawing/2014/main" id="{DAE9E2D5-3E7C-12B5-F2B4-4D153305E279}"/>
+              </a:ext>
+            </a:extLst>
+          </p:cNvPr>
+          <p:cNvSpPr>
+            <a:spLocks noGrp="1"/>
+          </p:cNvSpPr>
+          <p:nvPr>
+            <p:ph idx="1"/>
+          </p:nvPr>
+        </p:nvSpPr>
+        <p:spPr>
+          <a:xfrm>
+            <a:off x="581192" y="2180497"/>
+            <a:ext cx="11029615" cy="3975348"/>
+          </a:xfrm>
+        </p:spPr>
+        <p:txBody>
+          <a:bodyPr>
+            <a:normAutofit/>
+          </a:bodyPr>
+          <a:lstStyle/>
+          <a:p>
+            <a:r>
+              <a:rPr lang="en-US" dirty="0">
+                <a:solidFill>
+                  <a:schemeClr val="tx1"/>
+                </a:solidFill>
+              </a:rPr>
+              <a:t>Currently, simply relying on students to engage with material they have missed appears to be an impractical approach.</a:t>
+            </a:r>
+          </a:p>
+          <a:p>
+            <a:pPr lvl="1"/>
+            <a:r>
+              <a:rPr lang="en-US" dirty="0">
+                <a:solidFill>
+                  <a:schemeClr val="tx1"/>
+                </a:solidFill>
+              </a:rPr>
+              <a:t>Recordings give students the chance to watch lecture material, their engagement is another issue.</a:t>
+            </a:r>
+          </a:p>
+          <a:p>
+            <a:r>
+              <a:rPr lang="en-US" dirty="0">
+                <a:solidFill>
+                  <a:schemeClr val="tx1"/>
+                </a:solidFill>
+              </a:rPr>
+              <a:t>This topic in relation to games courses requires further investigation.</a:t>
+            </a:r>
+          </a:p>
+          <a:p>
+            <a:pPr lvl="1"/>
+            <a:r>
+              <a:rPr lang="en-US" dirty="0">
+                <a:solidFill>
+                  <a:schemeClr val="tx1"/>
+                </a:solidFill>
+              </a:rPr>
+              <a:t>Student lecture attendance vs their specific recording viewing habits. </a:t>
+            </a:r>
+          </a:p>
+          <a:p>
+            <a:pPr lvl="1"/>
+            <a:r>
+              <a:rPr lang="en-US" dirty="0">
+                <a:solidFill>
+                  <a:schemeClr val="tx1"/>
+                </a:solidFill>
+              </a:rPr>
+              <a:t>Do students who miss lectures try to catch up?</a:t>
+            </a:r>
+          </a:p>
+          <a:p>
+            <a:r>
+              <a:rPr lang="en-US" dirty="0">
+                <a:solidFill>
+                  <a:schemeClr val="tx1"/>
+                </a:solidFill>
+              </a:rPr>
+              <a:t>Presently, advise teachers to record their material to enable ease of access, but suggest that there should be a system to identify students who do not attend (unless prior reason is given) and ensure they are aware of and try and encourage engagement with the recorded material.</a:t>
+            </a:r>
+          </a:p>
+        </p:txBody>
+      </p:sp>
+    </p:spTree>
+    <p:extLst>
+      <p:ext uri="{BB962C8B-B14F-4D97-AF65-F5344CB8AC3E}">
+        <p14:creationId xmlns:p14="http://schemas.microsoft.com/office/powerpoint/2010/main" val="3334004898"/>
+      </p:ext>
+    </p:extLst>
+  </p:cSld>
+  <p:clrMapOvr>
+    <a:masterClrMapping/>
+  </p:clrMapOvr>
+</p:sld>
+</file>
+
+<file path=ppt/slides/slide51.xml><?xml version="1.0" encoding="utf-8"?>
+<p:sld xmlns:a="http://schemas.openxmlformats.org/drawingml/2006/main" xmlns:r="http://schemas.openxmlformats.org/officeDocument/2006/relationships" xmlns:p="http://schemas.openxmlformats.org/presentationml/2006/main">
+  <p:cSld>
+    <p:spTree>
+      <p:nvGrpSpPr>
+        <p:cNvPr id="1" name=""/>
+        <p:cNvGrpSpPr/>
+        <p:nvPr/>
+      </p:nvGrpSpPr>
+      <p:grpSpPr>
+        <a:xfrm>
+          <a:off x="0" y="0"/>
+          <a:ext cx="0" cy="0"/>
+          <a:chOff x="0" y="0"/>
+          <a:chExt cx="0" cy="0"/>
+        </a:xfrm>
+      </p:grpSpPr>
+      <p:sp>
+        <p:nvSpPr>
+          <p:cNvPr id="2" name="Title 1">
+            <a:extLst>
+              <a:ext uri="{FF2B5EF4-FFF2-40B4-BE49-F238E27FC236}">
+                <a16:creationId xmlns:a16="http://schemas.microsoft.com/office/drawing/2014/main" id="{C7E0A70A-A506-742E-79FF-CCC404CE65C7}"/>
+              </a:ext>
+            </a:extLst>
+          </p:cNvPr>
+          <p:cNvSpPr>
+            <a:spLocks noGrp="1"/>
+          </p:cNvSpPr>
+          <p:nvPr>
+            <p:ph type="title"/>
+          </p:nvPr>
+        </p:nvSpPr>
+        <p:spPr/>
+        <p:txBody>
+          <a:bodyPr/>
+          <a:lstStyle/>
+          <a:p>
+            <a:r>
+              <a:rPr lang="en-GB" dirty="0"/>
+              <a:t>IMPACT on Teaching</a:t>
+            </a:r>
+          </a:p>
+        </p:txBody>
+      </p:sp>
+      <p:sp>
+        <p:nvSpPr>
+          <p:cNvPr id="3" name="Content Placeholder 2">
+            <a:extLst>
+              <a:ext uri="{FF2B5EF4-FFF2-40B4-BE49-F238E27FC236}">
+                <a16:creationId xmlns:a16="http://schemas.microsoft.com/office/drawing/2014/main" id="{DAE9E2D5-3E7C-12B5-F2B4-4D153305E279}"/>
+              </a:ext>
+            </a:extLst>
+          </p:cNvPr>
+          <p:cNvSpPr>
+            <a:spLocks noGrp="1"/>
+          </p:cNvSpPr>
+          <p:nvPr>
+            <p:ph idx="1"/>
+          </p:nvPr>
+        </p:nvSpPr>
+        <p:spPr>
+          <a:xfrm>
+            <a:off x="581192" y="2180497"/>
+            <a:ext cx="11029615" cy="3975348"/>
+          </a:xfrm>
+        </p:spPr>
+        <p:txBody>
+          <a:bodyPr>
+            <a:normAutofit/>
+          </a:bodyPr>
+          <a:lstStyle/>
+          <a:p>
+            <a:r>
+              <a:rPr lang="en-US" dirty="0">
+                <a:solidFill>
+                  <a:schemeClr val="tx1"/>
+                </a:solidFill>
+              </a:rPr>
+              <a:t>Availability of recordings may have an impact on student attendance. The expectation of material being available online results in students not attending their classes.</a:t>
+            </a:r>
+          </a:p>
+          <a:p>
+            <a:pPr lvl="1"/>
+            <a:r>
+              <a:rPr lang="en-US" dirty="0">
+                <a:solidFill>
+                  <a:schemeClr val="tx1"/>
+                </a:solidFill>
+              </a:rPr>
+              <a:t>Whilst achievement of students did not fall, there was a small decrease in class attendance for classes where recorded material was available. (Leadbeater, et. al., 2013)</a:t>
+            </a:r>
+          </a:p>
+          <a:p>
+            <a:pPr lvl="1"/>
+            <a:r>
+              <a:rPr lang="en-US" dirty="0">
+                <a:solidFill>
+                  <a:schemeClr val="tx1"/>
+                </a:solidFill>
+              </a:rPr>
+              <a:t>This study is far before the COVID pandemic. Change of expectations since the event.</a:t>
+            </a:r>
+          </a:p>
+        </p:txBody>
+      </p:sp>
+    </p:spTree>
+    <p:extLst>
+      <p:ext uri="{BB962C8B-B14F-4D97-AF65-F5344CB8AC3E}">
+        <p14:creationId xmlns:p14="http://schemas.microsoft.com/office/powerpoint/2010/main" val="578120084"/>
+      </p:ext>
+    </p:extLst>
+  </p:cSld>
+  <p:clrMapOvr>
+    <a:masterClrMapping/>
+  </p:clrMapOvr>
+</p:sld>
+</file>
+
+<file path=ppt/slides/slide52.xml><?xml version="1.0" encoding="utf-8"?>
 <p:sld xmlns:a="http://schemas.openxmlformats.org/drawingml/2006/main" xmlns:r="http://schemas.openxmlformats.org/officeDocument/2006/relationships" xmlns:p="http://schemas.openxmlformats.org/presentationml/2006/main">
   <p:cSld>
     <p:bg>
@@ -20555,7 +24805,7 @@
 </p:sld>
 </file>
 
-<file path=ppt/slides/slide46.xml><?xml version="1.0" encoding="utf-8"?>
+<file path=ppt/slides/slide53.xml><?xml version="1.0" encoding="utf-8"?>
 <p:sld xmlns:a="http://schemas.openxmlformats.org/drawingml/2006/main" xmlns:r="http://schemas.openxmlformats.org/officeDocument/2006/relationships" xmlns:p="http://schemas.openxmlformats.org/presentationml/2006/main">
   <p:cSld>
     <p:spTree>
@@ -20993,7 +25243,7 @@
 </p:sld>
 </file>
 
-<file path=ppt/slides/slide47.xml><?xml version="1.0" encoding="utf-8"?>
+<file path=ppt/slides/slide54.xml><?xml version="1.0" encoding="utf-8"?>
 <p:sld xmlns:a="http://schemas.openxmlformats.org/drawingml/2006/main" xmlns:r="http://schemas.openxmlformats.org/officeDocument/2006/relationships" xmlns:p="http://schemas.openxmlformats.org/presentationml/2006/main">
   <p:cSld>
     <p:spTree>
@@ -21430,13 +25680,58 @@
               <a:buNone/>
             </a:pPr>
             <a:r>
+              <a:rPr lang="en-US" b="0" i="0" dirty="0">
+                <a:solidFill>
+                  <a:schemeClr val="tx1"/>
+                </a:solidFill>
+                <a:effectLst/>
+              </a:rPr>
+              <a:t>Leadbeater, W. </a:t>
+            </a:r>
+            <a:r>
+              <a:rPr lang="en-US" b="0" i="1" dirty="0">
+                <a:solidFill>
+                  <a:schemeClr val="tx1"/>
+                </a:solidFill>
+                <a:effectLst/>
+              </a:rPr>
+              <a:t>et al.</a:t>
+            </a:r>
+            <a:r>
+              <a:rPr lang="en-US" b="0" i="0" dirty="0">
+                <a:solidFill>
+                  <a:schemeClr val="tx1"/>
+                </a:solidFill>
+                <a:effectLst/>
+              </a:rPr>
+              <a:t> (2013) ‘Evaluating the use and impact of lecture recording in undergraduates: Evidence for distinct approaches by different groups of students’, </a:t>
+            </a:r>
+            <a:r>
+              <a:rPr lang="en-US" b="0" i="1" dirty="0">
+                <a:solidFill>
+                  <a:schemeClr val="tx1"/>
+                </a:solidFill>
+                <a:effectLst/>
+              </a:rPr>
+              <a:t>Computers &amp; Education</a:t>
+            </a:r>
+            <a:r>
+              <a:rPr lang="en-US" b="0" i="0" dirty="0">
+                <a:solidFill>
+                  <a:schemeClr val="tx1"/>
+                </a:solidFill>
+                <a:effectLst/>
+              </a:rPr>
+              <a:t>, 61, pp. 185–192. </a:t>
+            </a:r>
+            <a:r>
               <a:rPr lang="en-US" b="0" i="0" dirty="0" err="1">
                 <a:solidFill>
                   <a:schemeClr val="tx1"/>
                 </a:solidFill>
                 <a:effectLst/>
               </a:rPr>
-              <a:t>Slem</a:t>
+              <a:t>doi</a:t>
             </a:r>
             <a:r>
               <a:rPr lang="en-US" b="0" i="0" dirty="0">
@@ -21445,43 +25740,7 @@
                 </a:solidFill>
                 <a:effectLst/>
               </a:rPr>
-              <a:t>, C. M. (1983, April). </a:t>
-            </a:r>
-            <a:r>
-              <a:rPr lang="en-US" b="0" i="1" dirty="0">
-                <a:solidFill>
-                  <a:schemeClr val="tx1"/>
-                </a:solidFill>
-                <a:effectLst/>
-              </a:rPr>
-              <a:t>Relationship between classroom absenteeism and stress risk/buffer factors, </a:t>
-            </a:r>
-            <a:r>
-              <a:rPr lang="en-US" b="0" i="1" dirty="0" err="1">
-                <a:solidFill>
-                  <a:schemeClr val="tx1"/>
-                </a:solidFill>
-                <a:effectLst/>
-              </a:rPr>
-              <a:t>depressogenic</a:t>
-            </a:r>
-            <a:r>
-              <a:rPr lang="en-US" b="0" i="1" dirty="0">
-                <a:solidFill>
-                  <a:schemeClr val="tx1"/>
-                </a:solidFill>
-                <a:effectLst/>
-              </a:rPr>
-              <a:t> attributional style, depression and classroom academic performance</a:t>
-            </a:r>
-            <a:r>
-              <a:rPr lang="en-US" b="0" i="0" dirty="0">
-                <a:solidFill>
-                  <a:schemeClr val="tx1"/>
-                </a:solidFill>
-                <a:effectLst/>
-              </a:rPr>
-              <a:t>. Paper presented at the annual meeting of the Western Psychological Association, San Francisco, CA.</a:t>
+              <a:t>: 10.1016/j.compedu.2012.09.011.</a:t>
             </a:r>
           </a:p>
         </p:txBody>
@@ -21499,7 +25758,7 @@
 </p:sld>
 </file>
 
-<file path=ppt/slides/slide48.xml><?xml version="1.0" encoding="utf-8"?>
+<file path=ppt/slides/slide55.xml><?xml version="1.0" encoding="utf-8"?>
 <p:sld xmlns:a="http://schemas.openxmlformats.org/drawingml/2006/main" xmlns:r="http://schemas.openxmlformats.org/officeDocument/2006/relationships" xmlns:p="http://schemas.openxmlformats.org/presentationml/2006/main">
   <p:cSld>
     <p:spTree>
@@ -21577,6 +25836,121 @@
               <a:buNone/>
             </a:pPr>
             <a:r>
+              <a:rPr lang="en-US" b="0" i="0" dirty="0" err="1">
+                <a:solidFill>
+                  <a:schemeClr val="tx1"/>
+                </a:solidFill>
+                <a:effectLst/>
+              </a:rPr>
+              <a:t>Slem</a:t>
+            </a:r>
+            <a:r>
+              <a:rPr lang="en-US" b="0" i="0" dirty="0">
+                <a:solidFill>
+                  <a:schemeClr val="tx1"/>
+                </a:solidFill>
+                <a:effectLst/>
+              </a:rPr>
+              <a:t>, C. M. (1983, April). </a:t>
+            </a:r>
+            <a:r>
+              <a:rPr lang="en-US" b="0" i="1" dirty="0">
+                <a:solidFill>
+                  <a:schemeClr val="tx1"/>
+                </a:solidFill>
+                <a:effectLst/>
+              </a:rPr>
+              <a:t>Relationship between classroom absenteeism and stress risk/buffer factors, </a:t>
+            </a:r>
+            <a:r>
+              <a:rPr lang="en-US" b="0" i="1" dirty="0" err="1">
+                <a:solidFill>
+                  <a:schemeClr val="tx1"/>
+                </a:solidFill>
+                <a:effectLst/>
+              </a:rPr>
+              <a:t>depressogenic</a:t>
+            </a:r>
+            <a:r>
+              <a:rPr lang="en-US" b="0" i="1" dirty="0">
+                <a:solidFill>
+                  <a:schemeClr val="tx1"/>
+                </a:solidFill>
+                <a:effectLst/>
+              </a:rPr>
+              <a:t> attributional style, depression and classroom academic performance</a:t>
+            </a:r>
+            <a:r>
+              <a:rPr lang="en-US" b="0" i="0" dirty="0">
+                <a:solidFill>
+                  <a:schemeClr val="tx1"/>
+                </a:solidFill>
+                <a:effectLst/>
+              </a:rPr>
+              <a:t>. Paper presented at the annual meeting of the Western Psychological Association, San Francisco, CA.</a:t>
+            </a:r>
+          </a:p>
+          <a:p>
+            <a:pPr marL="0" indent="0">
+              <a:buNone/>
+            </a:pPr>
+            <a:r>
+              <a:rPr lang="en-US" b="0" i="0" dirty="0">
+                <a:solidFill>
+                  <a:schemeClr val="tx1"/>
+                </a:solidFill>
+                <a:effectLst/>
+              </a:rPr>
+              <a:t>MacKay, J. R. D. (2019) ‘Show and “tool”: How lecture recording transforms staff and student perspectives on lectures in higher education’, </a:t>
+            </a:r>
+            <a:r>
+              <a:rPr lang="en-US" b="0" i="1" dirty="0">
+                <a:solidFill>
+                  <a:schemeClr val="tx1"/>
+                </a:solidFill>
+                <a:effectLst/>
+              </a:rPr>
+              <a:t>Computers &amp; Education</a:t>
+            </a:r>
+            <a:r>
+              <a:rPr lang="en-US" b="0" i="0" dirty="0">
+                <a:solidFill>
+                  <a:schemeClr val="tx1"/>
+                </a:solidFill>
+                <a:effectLst/>
+              </a:rPr>
+              <a:t>, 140, p. 103593. </a:t>
+            </a:r>
+            <a:r>
+              <a:rPr lang="en-US" b="0" i="0" dirty="0" err="1">
+                <a:solidFill>
+                  <a:schemeClr val="tx1"/>
+                </a:solidFill>
+                <a:effectLst/>
+              </a:rPr>
+              <a:t>doi</a:t>
+            </a:r>
+            <a:r>
+              <a:rPr lang="en-US" b="0" i="0" dirty="0">
+                <a:solidFill>
+                  <a:schemeClr val="tx1"/>
+                </a:solidFill>
+                <a:effectLst/>
+              </a:rPr>
+              <a:t>: 10.1016/j.compedu.2019.05.019.</a:t>
+            </a:r>
+            <a:endParaRPr lang="en-GB" b="0" i="0" dirty="0">
+              <a:solidFill>
+                <a:schemeClr val="tx1"/>
+              </a:solidFill>
+              <a:effectLst/>
+            </a:endParaRPr>
+          </a:p>
+          <a:p>
+            <a:pPr marL="0" indent="0">
+              <a:buNone/>
+            </a:pPr>
+            <a:r>
               <a:rPr lang="en-GB" b="0" i="0" dirty="0">
                 <a:solidFill>
                   <a:schemeClr val="tx1"/>
@@ -21768,237 +26142,6 @@
     <p:extLst>
       <p:ext uri="{BB962C8B-B14F-4D97-AF65-F5344CB8AC3E}">
         <p14:creationId xmlns:p14="http://schemas.microsoft.com/office/powerpoint/2010/main" val="2795216766"/>
-      </p:ext>
-    </p:extLst>
-  </p:cSld>
-  <p:clrMapOvr>
-    <a:masterClrMapping/>
-  </p:clrMapOvr>
-</p:sld>
-</file>
-
-<file path=ppt/slides/slide5.xml><?xml version="1.0" encoding="utf-8"?>
-<p:sld xmlns:a="http://schemas.openxmlformats.org/drawingml/2006/main" xmlns:r="http://schemas.openxmlformats.org/officeDocument/2006/relationships" xmlns:p="http://schemas.openxmlformats.org/presentationml/2006/main">
-  <p:cSld>
-    <p:spTree>
-      <p:nvGrpSpPr>
-        <p:cNvPr id="1" name=""/>
-        <p:cNvGrpSpPr/>
-        <p:nvPr/>
-      </p:nvGrpSpPr>
-      <p:grpSpPr>
-        <a:xfrm>
-          <a:off x="0" y="0"/>
-          <a:ext cx="0" cy="0"/>
-          <a:chOff x="0" y="0"/>
-          <a:chExt cx="0" cy="0"/>
-        </a:xfrm>
-      </p:grpSpPr>
-      <p:sp>
-        <p:nvSpPr>
-          <p:cNvPr id="2" name="Title 1">
-            <a:extLst>
-              <a:ext uri="{FF2B5EF4-FFF2-40B4-BE49-F238E27FC236}">
-                <a16:creationId xmlns:a16="http://schemas.microsoft.com/office/drawing/2014/main" id="{C7E0A70A-A506-742E-79FF-CCC404CE65C7}"/>
-              </a:ext>
-            </a:extLst>
-          </p:cNvPr>
-          <p:cNvSpPr>
-            <a:spLocks noGrp="1"/>
-          </p:cNvSpPr>
-          <p:nvPr>
-            <p:ph type="title"/>
-          </p:nvPr>
-        </p:nvSpPr>
-        <p:spPr/>
-        <p:txBody>
-          <a:bodyPr/>
-          <a:lstStyle/>
-          <a:p>
-            <a:r>
-              <a:rPr lang="en-US" dirty="0"/>
-              <a:t>External Research</a:t>
-            </a:r>
-            <a:endParaRPr lang="en-GB" dirty="0"/>
-          </a:p>
-        </p:txBody>
-      </p:sp>
-      <p:sp>
-        <p:nvSpPr>
-          <p:cNvPr id="3" name="Content Placeholder 2">
-            <a:extLst>
-              <a:ext uri="{FF2B5EF4-FFF2-40B4-BE49-F238E27FC236}">
-                <a16:creationId xmlns:a16="http://schemas.microsoft.com/office/drawing/2014/main" id="{DAE9E2D5-3E7C-12B5-F2B4-4D153305E279}"/>
-              </a:ext>
-            </a:extLst>
-          </p:cNvPr>
-          <p:cNvSpPr>
-            <a:spLocks noGrp="1"/>
-          </p:cNvSpPr>
-          <p:nvPr>
-            <p:ph idx="1"/>
-          </p:nvPr>
-        </p:nvSpPr>
-        <p:spPr>
-          <a:xfrm>
-            <a:off x="581192" y="2180496"/>
-            <a:ext cx="11029615" cy="4144104"/>
-          </a:xfrm>
-        </p:spPr>
-        <p:txBody>
-          <a:bodyPr>
-            <a:normAutofit/>
-          </a:bodyPr>
-          <a:lstStyle/>
-          <a:p>
-            <a:pPr marL="0" indent="0">
-              <a:buNone/>
-            </a:pPr>
-            <a:r>
-              <a:rPr lang="en-GB" dirty="0">
-                <a:solidFill>
-                  <a:schemeClr val="tx1"/>
-                </a:solidFill>
-              </a:rPr>
-              <a:t>In terms of including new blended learning technologies with traditional pedagogic practices, there are some sources that evaluate the introduction of these and recording technologies in teaching:</a:t>
-            </a:r>
-          </a:p>
-          <a:p>
-            <a:r>
-              <a:rPr lang="en-GB" dirty="0">
-                <a:solidFill>
-                  <a:schemeClr val="tx1"/>
-                </a:solidFill>
-              </a:rPr>
-              <a:t>A study in </a:t>
-            </a:r>
-            <a:r>
-              <a:rPr lang="en-GB" i="1" dirty="0">
-                <a:solidFill>
-                  <a:schemeClr val="tx1"/>
-                </a:solidFill>
-              </a:rPr>
-              <a:t>Nurse Educator</a:t>
-            </a:r>
-            <a:r>
-              <a:rPr lang="en-GB" dirty="0">
-                <a:solidFill>
-                  <a:schemeClr val="tx1"/>
-                </a:solidFill>
-              </a:rPr>
-              <a:t> explored the introduction distance learning technologies to their course and their effect on grades. The consensus was the mean final grade improved over the implementation period. (</a:t>
-            </a:r>
-            <a:r>
-              <a:rPr lang="en-GB" b="0" i="0" dirty="0">
-                <a:solidFill>
-                  <a:schemeClr val="tx1"/>
-                </a:solidFill>
-                <a:effectLst/>
-              </a:rPr>
-              <a:t>Carpenter, </a:t>
-            </a:r>
-            <a:r>
-              <a:rPr lang="en-GB" b="0" i="0" dirty="0" err="1">
-                <a:solidFill>
-                  <a:schemeClr val="tx1"/>
-                </a:solidFill>
-                <a:effectLst/>
-              </a:rPr>
-              <a:t>Theeke</a:t>
-            </a:r>
-            <a:r>
-              <a:rPr lang="en-GB" dirty="0">
-                <a:solidFill>
-                  <a:schemeClr val="tx1"/>
-                </a:solidFill>
-              </a:rPr>
-              <a:t>, </a:t>
-            </a:r>
-            <a:r>
-              <a:rPr lang="en-GB" b="0" i="0" dirty="0">
-                <a:solidFill>
-                  <a:schemeClr val="tx1"/>
-                </a:solidFill>
-                <a:effectLst/>
-              </a:rPr>
-              <a:t>Smothers, 2013)</a:t>
-            </a:r>
-          </a:p>
-          <a:p>
-            <a:r>
-              <a:rPr lang="en-GB" dirty="0">
-                <a:solidFill>
-                  <a:schemeClr val="tx1"/>
-                </a:solidFill>
-              </a:rPr>
-              <a:t>However, there are also suggestions that the use of recording systems and their availability, do not correlate with improved performance or grade. (</a:t>
-            </a:r>
-            <a:r>
-              <a:rPr lang="en-GB" sz="1800" b="0" i="0" dirty="0" err="1">
-                <a:solidFill>
-                  <a:schemeClr val="tx1"/>
-                </a:solidFill>
-                <a:effectLst/>
-              </a:rPr>
-              <a:t>Bacro</a:t>
-            </a:r>
-            <a:r>
-              <a:rPr lang="en-GB" sz="1800" b="0" i="0" dirty="0">
-                <a:solidFill>
-                  <a:schemeClr val="tx1"/>
-                </a:solidFill>
-                <a:effectLst/>
-              </a:rPr>
-              <a:t>, </a:t>
-            </a:r>
-            <a:r>
-              <a:rPr lang="en-GB" sz="1800" b="0" i="0" dirty="0" err="1">
-                <a:solidFill>
-                  <a:schemeClr val="tx1"/>
-                </a:solidFill>
-                <a:effectLst/>
-              </a:rPr>
-              <a:t>Gebregziabher</a:t>
-            </a:r>
-            <a:r>
-              <a:rPr lang="en-GB" dirty="0">
-                <a:solidFill>
-                  <a:schemeClr val="tx1"/>
-                </a:solidFill>
-              </a:rPr>
-              <a:t>, </a:t>
-            </a:r>
-            <a:r>
-              <a:rPr lang="en-GB" sz="1800" b="0" i="0" dirty="0" err="1">
-                <a:solidFill>
-                  <a:schemeClr val="tx1"/>
-                </a:solidFill>
-                <a:effectLst/>
-              </a:rPr>
-              <a:t>Fitzharris</a:t>
-            </a:r>
-            <a:r>
-              <a:rPr lang="en-GB" sz="1800" b="0" i="0" dirty="0">
-                <a:solidFill>
-                  <a:schemeClr val="tx1"/>
-                </a:solidFill>
-                <a:effectLst/>
-              </a:rPr>
-              <a:t>, 2010)</a:t>
-            </a:r>
-            <a:endParaRPr lang="en-GB" b="0" i="0" dirty="0">
-              <a:solidFill>
-                <a:schemeClr val="tx1"/>
-              </a:solidFill>
-              <a:effectLst/>
-            </a:endParaRPr>
-          </a:p>
-        </p:txBody>
-      </p:sp>
-    </p:spTree>
-    <p:extLst>
-      <p:ext uri="{BB962C8B-B14F-4D97-AF65-F5344CB8AC3E}">
-        <p14:creationId xmlns:p14="http://schemas.microsoft.com/office/powerpoint/2010/main" val="3734950572"/>
       </p:ext>
     </p:extLst>
   </p:cSld>
@@ -22086,7 +26229,7 @@
                   <a:schemeClr val="tx1"/>
                 </a:solidFill>
               </a:rPr>
-              <a:t>Based on the existing research, it is expected there will be a close relationship between a student's attendance to class and their corresponding grade. </a:t>
+              <a:t>Based on the existing research, it is expected there might be a close relationship between a student's attendance to class and their corresponding grade. </a:t>
             </a:r>
           </a:p>
           <a:p>
@@ -22123,7 +26266,7 @@
                   <a:schemeClr val="tx1"/>
                 </a:solidFill>
               </a:rPr>
-              <a:t>“Recorded Lectures provide a suitable alternative for learning should students be unable to or chose not to attend live lectures.” </a:t>
+              <a:t>“Recorded Lectures provide a suitable alternative of learning to students who do not/ can not attend live lectures.”</a:t>
             </a:r>
           </a:p>
         </p:txBody>
